--- a/help/data-sheets/assets/BusinessSupportDatasheet.pptx
+++ b/help/data-sheets/assets/BusinessSupportDatasheet.pptx
@@ -368,7 +368,7 @@
           <a:p>
             <a:fld id="{FB81873C-0B24-F04A-98A1-90E0A78F7E8A}" type="datetimeFigureOut">
               <a:rPr lang="en-US" smtClean="0"/>
-              <a:t>9/22/2021</a:t>
+              <a:t>10/1/2021</a:t>
             </a:fld>
             <a:endParaRPr lang="en-US"/>
           </a:p>
@@ -991,7 +991,7 @@
           <a:p>
             <a:fld id="{1D8BD707-D9CF-40AE-B4C6-C98DA3205C09}" type="datetimeFigureOut">
               <a:rPr lang="en-US"/>
-              <a:t>9/22/2021</a:t>
+              <a:t>10/1/2021</a:t>
             </a:fld>
             <a:endParaRPr lang="en-US"/>
           </a:p>
@@ -1183,7 +1183,7 @@
           <a:p>
             <a:fld id="{1D8BD707-D9CF-40AE-B4C6-C98DA3205C09}" type="datetimeFigureOut">
               <a:rPr lang="en-US"/>
-              <a:t>9/22/2021</a:t>
+              <a:t>10/1/2021</a:t>
             </a:fld>
             <a:endParaRPr lang="en-US"/>
           </a:p>
@@ -1501,7 +1501,7 @@
           <a:p>
             <a:fld id="{1D8BD707-D9CF-40AE-B4C6-C98DA3205C09}" type="datetimeFigureOut">
               <a:rPr lang="en-US"/>
-              <a:t>9/22/2021</a:t>
+              <a:t>10/1/2021</a:t>
             </a:fld>
             <a:endParaRPr lang="en-US"/>
           </a:p>
@@ -1755,8 +1755,8 @@
         </p:nvSpPr>
         <p:spPr>
           <a:xfrm>
-            <a:off x="168565" y="7162363"/>
-            <a:ext cx="2800350" cy="238760"/>
+            <a:off x="168564" y="7162363"/>
+            <a:ext cx="3882735" cy="227626"/>
           </a:xfrm>
           <a:prstGeom prst="rect">
             <a:avLst/>
@@ -1777,7 +1777,7 @@
               </a:spcBef>
             </a:pPr>
             <a:r>
-              <a:rPr sz="1400" b="1" u="heavy" spc="10">
+              <a:rPr lang="fr-FR" sz="1400" b="1" u="heavy" dirty="0">
                 <a:solidFill>
                   <a:srgbClr val="020302"/>
                 </a:solidFill>
@@ -1789,87 +1789,8 @@
                 <a:latin typeface="Adobe Clean"/>
                 <a:cs typeface="Adobe Clean"/>
               </a:rPr>
-              <a:t>Service </a:t>
+              <a:t>Cibles du niveau de service : Réponse initiale</a:t>
             </a:r>
-            <a:r>
-              <a:rPr sz="1400" b="1" u="heavy" spc="-10">
-                <a:solidFill>
-                  <a:srgbClr val="020302"/>
-                </a:solidFill>
-                <a:uFill>
-                  <a:solidFill>
-                    <a:srgbClr val="020302"/>
-                  </a:solidFill>
-                </a:uFill>
-                <a:latin typeface="Adobe Clean"/>
-                <a:cs typeface="Adobe Clean"/>
-              </a:rPr>
-              <a:t>Level </a:t>
-            </a:r>
-            <a:r>
-              <a:rPr sz="1400" b="1" u="heavy" spc="-45">
-                <a:solidFill>
-                  <a:srgbClr val="020302"/>
-                </a:solidFill>
-                <a:uFill>
-                  <a:solidFill>
-                    <a:srgbClr val="020302"/>
-                  </a:solidFill>
-                </a:uFill>
-                <a:latin typeface="Adobe Clean"/>
-                <a:cs typeface="Adobe Clean"/>
-              </a:rPr>
-              <a:t>Targets: </a:t>
-            </a:r>
-            <a:r>
-              <a:rPr sz="1400" b="1" u="heavy" spc="-10">
-                <a:solidFill>
-                  <a:srgbClr val="020302"/>
-                </a:solidFill>
-                <a:uFill>
-                  <a:solidFill>
-                    <a:srgbClr val="020302"/>
-                  </a:solidFill>
-                </a:uFill>
-                <a:latin typeface="Adobe Clean"/>
-                <a:cs typeface="Adobe Clean"/>
-              </a:rPr>
-              <a:t>Initial</a:t>
-            </a:r>
-            <a:r>
-              <a:rPr sz="1400" b="1" u="heavy" spc="-140">
-                <a:solidFill>
-                  <a:srgbClr val="020302"/>
-                </a:solidFill>
-                <a:uFill>
-                  <a:solidFill>
-                    <a:srgbClr val="020302"/>
-                  </a:solidFill>
-                </a:uFill>
-                <a:latin typeface="Adobe Clean"/>
-                <a:cs typeface="Adobe Clean"/>
-              </a:rPr>
-              <a:t> </a:t>
-            </a:r>
-            <a:r>
-              <a:rPr sz="1400" b="1" u="heavy" spc="-15">
-                <a:solidFill>
-                  <a:srgbClr val="020302"/>
-                </a:solidFill>
-                <a:uFill>
-                  <a:solidFill>
-                    <a:srgbClr val="020302"/>
-                  </a:solidFill>
-                </a:uFill>
-                <a:latin typeface="Adobe Clean"/>
-                <a:cs typeface="Adobe Clean"/>
-              </a:rPr>
-              <a:t>Response</a:t>
-            </a:r>
-            <a:endParaRPr sz="1400">
-              <a:latin typeface="Adobe Clean"/>
-              <a:cs typeface="Adobe Clean"/>
-            </a:endParaRPr>
           </a:p>
         </p:txBody>
       </p:sp>
@@ -1882,7 +1803,7 @@
         <p:spPr>
           <a:xfrm>
             <a:off x="-8467" y="23397"/>
-            <a:ext cx="7772399" cy="2006345"/>
+            <a:ext cx="7772399" cy="2036902"/>
           </a:xfrm>
           <a:prstGeom prst="rect">
             <a:avLst/>
@@ -1936,20 +1857,11 @@
               </a:spcBef>
             </a:pPr>
             <a:r>
-              <a:rPr sz="2300">
+              <a:rPr lang="fr-FR" sz="2300">
                 <a:latin typeface="Adobe Clean" panose="020B0503020404020204" pitchFamily="34" charset="0"/>
               </a:rPr>
-              <a:t>ADOBE </a:t>
+              <a:t>OFFRES D’ASSISTANCE ADOBE</a:t>
             </a:r>
-            <a:r>
-              <a:rPr lang="en-US" sz="2300">
-                <a:latin typeface="Adobe Clean" panose="020B0503020404020204" pitchFamily="34" charset="0"/>
-              </a:rPr>
-              <a:t>SUPPORT OFFERINGS</a:t>
-            </a:r>
-            <a:endParaRPr sz="2300">
-              <a:latin typeface="Adobe Clean" panose="020B0503020404020204" pitchFamily="34" charset="0"/>
-            </a:endParaRPr>
           </a:p>
         </p:txBody>
       </p:sp>
@@ -1961,8 +1873,8 @@
         </p:nvSpPr>
         <p:spPr>
           <a:xfrm>
-            <a:off x="121147" y="635935"/>
-            <a:ext cx="5865216" cy="1269065"/>
+            <a:off x="121147" y="604185"/>
+            <a:ext cx="6055816" cy="1424364"/>
           </a:xfrm>
           <a:prstGeom prst="rect">
             <a:avLst/>
@@ -1983,31 +1895,31 @@
               </a:spcBef>
             </a:pPr>
             <a:r>
-              <a:rPr lang="en-US" sz="900">
+              <a:rPr lang="fr-FR" sz="900" spc="-30" dirty="0">
                 <a:solidFill>
                   <a:schemeClr val="bg1"/>
                 </a:solidFill>
                 <a:latin typeface="Adobe Clean Light" panose="020B0303020404020204" pitchFamily="34" charset="0"/>
               </a:rPr>
-              <a:t>Online | </a:t>
+              <a:t>En ligne | </a:t>
             </a:r>
             <a:r>
-              <a:rPr lang="en-US" sz="900" b="1">
+              <a:rPr lang="fr-FR" sz="900" b="1" spc="-30" dirty="0">
                 <a:solidFill>
                   <a:schemeClr val="bg1"/>
                 </a:solidFill>
                 <a:latin typeface="Adobe Clean" panose="020B0503020404020204" pitchFamily="34" charset="0"/>
               </a:rPr>
-              <a:t>Business</a:t>
+              <a:t>Commerciale</a:t>
             </a:r>
             <a:r>
-              <a:rPr lang="en-US" sz="900">
+              <a:rPr lang="fr-FR" sz="900" spc="-30" dirty="0">
                 <a:solidFill>
                   <a:schemeClr val="bg1"/>
                 </a:solidFill>
                 <a:latin typeface="Adobe Clean Light" panose="020B0303020404020204" pitchFamily="34" charset="0"/>
               </a:rPr>
-              <a:t> | Enterprise | Elite</a:t>
+              <a:t> | Entreprise | Elite</a:t>
             </a:r>
           </a:p>
           <a:p>
@@ -2020,21 +1932,50 @@
               </a:spcBef>
             </a:pPr>
             <a:r>
-              <a:rPr lang="en-US" sz="900">
+              <a:rPr lang="fr-FR" sz="900" spc="-30" dirty="0">
                 <a:solidFill>
                   <a:schemeClr val="bg1"/>
                 </a:solidFill>
                 <a:latin typeface="Adobe Clean SemiLight" panose="020B0403020404020204" pitchFamily="34" charset="0"/>
               </a:rPr>
-              <a:t>Adobe provides a comprehensive range of technical resources to help support your business, included as part of your Experience Cloud license subscription and enhanced in the BUSINESS support package. BUSINESS support includes access to personalized learning paths and monitored community forums via the Adobe Experience League. You can also take advantage of our detailed and in-depth technical product documentation and current release notes. BUSINESS customers also benefit from access to our technical support teams for any product query via either the telephone or the support web portal, to help protect your business at the most critical times. BUSINESS customers will receive regular communications and updates from their Account Support Lead in addition to support case escalation management for your most critical of support requests. </a:t>
+              <a:t>Adobe offre une gamme complète de ressources techniques afin d’appuyer votre entreprise. Elles sont comprises dans votre abonnement à la licence </a:t>
             </a:r>
-            <a:endParaRPr lang="en-US" sz="900">
-              <a:solidFill>
-                <a:schemeClr val="bg1"/>
-              </a:solidFill>
-              <a:latin typeface="Adobe Clean Light" panose="020B0303020404020204" pitchFamily="34" charset="0"/>
-              <a:cs typeface="AdobeClean-Light"/>
-            </a:endParaRPr>
+            <a:r>
+              <a:rPr lang="fr-FR" sz="900" spc="-30" dirty="0" err="1">
+                <a:solidFill>
+                  <a:schemeClr val="bg1"/>
+                </a:solidFill>
+                <a:latin typeface="Adobe Clean SemiLight" panose="020B0403020404020204" pitchFamily="34" charset="0"/>
+              </a:rPr>
+              <a:t>Experience</a:t>
+            </a:r>
+            <a:r>
+              <a:rPr lang="fr-FR" sz="900" spc="-30" dirty="0">
+                <a:solidFill>
+                  <a:schemeClr val="bg1"/>
+                </a:solidFill>
+                <a:latin typeface="Adobe Clean SemiLight" panose="020B0403020404020204" pitchFamily="34" charset="0"/>
+              </a:rPr>
+              <a:t> Cloud et sont améliorées dans le pack d’assistance COMMERCIALE. L’assistance COMMERCIALE comprend un accès à des parcours de formation personnalisés et à des forums communautaires surveillés au travers d’</a:t>
+            </a:r>
+            <a:r>
+              <a:rPr lang="fr-FR" sz="900" spc="-30" dirty="0" err="1">
+                <a:solidFill>
+                  <a:schemeClr val="bg1"/>
+                </a:solidFill>
+                <a:latin typeface="Adobe Clean SemiLight" panose="020B0403020404020204" pitchFamily="34" charset="0"/>
+              </a:rPr>
+              <a:t>Experience</a:t>
+            </a:r>
+            <a:r>
+              <a:rPr lang="fr-FR" sz="900" spc="-30" dirty="0">
+                <a:solidFill>
+                  <a:schemeClr val="bg1"/>
+                </a:solidFill>
+                <a:latin typeface="Adobe Clean SemiLight" panose="020B0403020404020204" pitchFamily="34" charset="0"/>
+              </a:rPr>
+              <a:t> League d’Adobe. Vous pouvez également tirer profit de notre documentation technique détaillée et approfondie sur les produits, ainsi que de nos notes de mise à jour actuelles. Les clients de COMMERCIALE bénéficient également d’un accès à nos équipes d’assistance technique pour toute requête concernant un produit. Cette requête peut être effectuée par téléphone ou via le portail web de l’assistance et permet de protéger votre entreprise aux moments les plus critiques. Les clients de COMMERCIALE recevront régulièrement des informations et des mises à jour de la part de leur assistance principale du compte en plus d’une aide de gestion des remontées de cas en ce qui concerne les requêtes d’assistance les plus critiques. </a:t>
+            </a:r>
           </a:p>
         </p:txBody>
       </p:sp>
@@ -2079,8 +2020,8 @@
         </p:nvSpPr>
         <p:spPr>
           <a:xfrm>
-            <a:off x="5307201" y="9862966"/>
-            <a:ext cx="2465198" cy="132729"/>
+            <a:off x="4895850" y="9862966"/>
+            <a:ext cx="2876549" cy="132729"/>
           </a:xfrm>
           <a:prstGeom prst="rect">
             <a:avLst/>
@@ -2101,24 +2042,24 @@
               </a:spcBef>
             </a:pPr>
             <a:r>
-              <a:rPr spc="-5"/>
-              <a:t>©202</a:t>
+              <a:rPr lang="fr-FR" dirty="0"/>
+              <a:t>©2021 Adobe. All </a:t>
             </a:r>
             <a:r>
-              <a:rPr lang="en-US" spc="-5"/>
-              <a:t>1</a:t>
+              <a:rPr lang="fr-FR" dirty="0" err="1"/>
+              <a:t>Rights</a:t>
             </a:r>
             <a:r>
-              <a:rPr spc="-5"/>
-              <a:t> Adobe. All Rights Reserved. Adobe</a:t>
-            </a:r>
-            <a:r>
-              <a:rPr spc="60"/>
+              <a:rPr lang="fr-FR" dirty="0"/>
               <a:t> </a:t>
             </a:r>
             <a:r>
-              <a:rPr spc="-5"/>
-              <a:t>Confidential.</a:t>
+              <a:rPr lang="fr-FR" dirty="0" err="1"/>
+              <a:t>Reserved</a:t>
+            </a:r>
+            <a:r>
+              <a:rPr lang="fr-FR" dirty="0"/>
+              <a:t>. Données confidentielles Adobe</a:t>
             </a:r>
           </a:p>
         </p:txBody>
@@ -2132,7 +2073,7 @@
           <p:nvPr>
             <p:extLst>
               <p:ext uri="{D42A27DB-BD31-4B8C-83A1-F6EECF244321}">
-                <p14:modId xmlns:p14="http://schemas.microsoft.com/office/powerpoint/2010/main" val="2501956132"/>
+                <p14:modId xmlns:p14="http://schemas.microsoft.com/office/powerpoint/2010/main" val="3587222514"/>
               </p:ext>
             </p:extLst>
           </p:nvPr>
@@ -2185,19 +2126,15 @@
                         </a:spcBef>
                       </a:pPr>
                       <a:r>
-                        <a:rPr sz="900" spc="0">
+                        <a:rPr lang="fr-FR" sz="900">
                           <a:solidFill>
                             <a:srgbClr val="020302"/>
                           </a:solidFill>
                           <a:latin typeface="Adobe Clean"/>
                           <a:cs typeface="Adobe Clean"/>
                         </a:rPr>
-                        <a:t>Priority</a:t>
+                        <a:t>Priorité</a:t>
                       </a:r>
-                      <a:endParaRPr sz="900" spc="0">
-                        <a:latin typeface="Adobe Clean"/>
-                        <a:cs typeface="Adobe Clean"/>
-                      </a:endParaRPr>
                     </a:p>
                   </a:txBody>
                   <a:tcPr marL="0" marR="0" marT="7620" marB="0" anchor="ctr">
@@ -2244,19 +2181,15 @@
                         </a:spcBef>
                       </a:pPr>
                       <a:r>
-                        <a:rPr sz="900" spc="0">
+                        <a:rPr lang="fr-FR" sz="900">
                           <a:solidFill>
                             <a:srgbClr val="020302"/>
                           </a:solidFill>
                           <a:latin typeface="Adobe Clean"/>
                           <a:cs typeface="Adobe Clean"/>
                         </a:rPr>
-                        <a:t>Online Support</a:t>
+                        <a:t>Assistance en ligne</a:t>
                       </a:r>
-                      <a:endParaRPr sz="900" spc="0">
-                        <a:latin typeface="Adobe Clean"/>
-                        <a:cs typeface="Adobe Clean"/>
-                      </a:endParaRPr>
                     </a:p>
                   </a:txBody>
                   <a:tcPr anchor="ctr">
@@ -2303,39 +2236,15 @@
                         </a:spcBef>
                       </a:pPr>
                       <a:r>
-                        <a:rPr sz="900" spc="0">
+                        <a:rPr lang="fr-FR" sz="900">
                           <a:solidFill>
                             <a:srgbClr val="FFFFFF"/>
                           </a:solidFill>
                           <a:latin typeface="Adobe Clean"/>
                           <a:cs typeface="Adobe Clean"/>
                         </a:rPr>
-                        <a:t>Business</a:t>
+                        <a:t>Assistance commerciale</a:t>
                       </a:r>
-                      <a:r>
-                        <a:rPr lang="en-US" sz="900" spc="0">
-                          <a:solidFill>
-                            <a:srgbClr val="FFFFFF"/>
-                          </a:solidFill>
-                          <a:latin typeface="Adobe Clean"/>
-                          <a:cs typeface="Adobe Clean"/>
-                        </a:rPr>
-                        <a:t> </a:t>
-                      </a:r>
-                      <a:r>
-                        <a:rPr sz="900" spc="0">
-                          <a:solidFill>
-                            <a:srgbClr val="FFFFFF"/>
-                          </a:solidFill>
-                          <a:latin typeface="Adobe Clean"/>
-                          <a:cs typeface="Adobe Clean"/>
-                        </a:rPr>
-                        <a:t>Support</a:t>
-                      </a:r>
-                      <a:endParaRPr sz="900" spc="0">
-                        <a:latin typeface="Adobe Clean"/>
-                        <a:cs typeface="Adobe Clean"/>
-                      </a:endParaRPr>
                     </a:p>
                   </a:txBody>
                   <a:tcPr anchor="ctr">
@@ -2374,7 +2283,7 @@
                   </a:ext>
                 </a:extLst>
               </a:tr>
-              <a:tr h="484755">
+              <a:tr h="530982">
                 <a:tc>
                   <a:txBody>
                     <a:bodyPr/>
@@ -2389,19 +2298,15 @@
                         </a:spcBef>
                       </a:pPr>
                       <a:r>
-                        <a:rPr sz="900" b="1" spc="0">
+                        <a:rPr lang="fr-FR" sz="900" b="1" dirty="0">
                           <a:solidFill>
                             <a:srgbClr val="020302"/>
                           </a:solidFill>
                           <a:latin typeface="Adobe Clean"/>
                           <a:cs typeface="Adobe Clean"/>
                         </a:rPr>
-                        <a:t>PRIORITY 1</a:t>
+                        <a:t>PRIORITÉ 1</a:t>
                       </a:r>
-                      <a:endParaRPr sz="900" spc="0">
-                        <a:latin typeface="Adobe Clean"/>
-                        <a:cs typeface="Adobe Clean"/>
-                      </a:endParaRPr>
                     </a:p>
                     <a:p>
                       <a:pPr marL="50800" marR="387985" lvl="0" indent="0" algn="l" defTabSz="914400" rtl="0" eaLnBrk="1" fontAlgn="auto" latinLnBrk="0" hangingPunct="1">
@@ -2422,19 +2327,48 @@
                         <a:defRPr/>
                       </a:pPr>
                       <a:r>
-                        <a:rPr lang="en-US" sz="900" b="0" i="0" spc="0">
+                        <a:rPr lang="fr-FR" sz="900" b="0" i="0" dirty="0">
                           <a:solidFill>
                             <a:srgbClr val="000000"/>
                           </a:solidFill>
-                          <a:effectLst/>
                           <a:latin typeface="Adobe Clean Light" panose="020B0303020404020204" pitchFamily="34" charset="0"/>
                         </a:rPr>
-                        <a:t>Customer's production business functions are down or have significant data loss or service degradation and immediate attention is required to restore functionality and usability</a:t>
+                        <a:t>Les fonctions commerciales de production du client sont en panne ou présentent une perte </a:t>
                       </a:r>
-                      <a:endParaRPr lang="en-US" sz="900" b="0" i="0" spc="0">
-                        <a:latin typeface="Adobe Clean Light" panose="020B0303020404020204" pitchFamily="34" charset="0"/>
-                        <a:cs typeface="AdobeClean-Light"/>
-                      </a:endParaRPr>
+                      <a:br>
+                        <a:rPr lang="sk-SK" sz="900" b="0" i="0" dirty="0">
+                          <a:solidFill>
+                            <a:srgbClr val="000000"/>
+                          </a:solidFill>
+                          <a:latin typeface="Adobe Clean Light" panose="020B0303020404020204" pitchFamily="34" charset="0"/>
+                        </a:rPr>
+                      </a:br>
+                      <a:r>
+                        <a:rPr lang="fr-FR" sz="900" b="0" i="0" dirty="0">
+                          <a:solidFill>
+                            <a:srgbClr val="000000"/>
+                          </a:solidFill>
+                          <a:latin typeface="Adobe Clean Light" panose="020B0303020404020204" pitchFamily="34" charset="0"/>
+                        </a:rPr>
+                        <a:t>de données ou une dégradation importante du service. Une attention immédiate est requise </a:t>
+                      </a:r>
+                      <a:br>
+                        <a:rPr lang="sk-SK" sz="900" b="0" i="0" dirty="0">
+                          <a:solidFill>
+                            <a:srgbClr val="000000"/>
+                          </a:solidFill>
+                          <a:latin typeface="Adobe Clean Light" panose="020B0303020404020204" pitchFamily="34" charset="0"/>
+                        </a:rPr>
+                      </a:br>
+                      <a:r>
+                        <a:rPr lang="fr-FR" sz="900" b="0" i="0" dirty="0">
+                          <a:solidFill>
+                            <a:srgbClr val="000000"/>
+                          </a:solidFill>
+                          <a:latin typeface="Adobe Clean Light" panose="020B0303020404020204" pitchFamily="34" charset="0"/>
+                        </a:rPr>
+                        <a:t>afin de restaurer les fonctionnalités et l’accessibilité</a:t>
+                      </a:r>
                     </a:p>
                   </a:txBody>
                   <a:tcPr marL="0" marR="0" marT="3810" marB="0">
@@ -2478,59 +2412,15 @@
                         </a:spcBef>
                       </a:pPr>
                       <a:r>
-                        <a:rPr sz="900" spc="0">
+                        <a:rPr lang="fr-FR" sz="900">
                           <a:solidFill>
                             <a:srgbClr val="020302"/>
                           </a:solidFill>
                           <a:latin typeface="AdobeClean-Light"/>
                           <a:cs typeface="AdobeClean-Light"/>
                         </a:rPr>
-                        <a:t>24x7</a:t>
+                        <a:t>24x7 /           1 heure</a:t>
                       </a:r>
-                      <a:r>
-                        <a:rPr lang="en-US" sz="900" spc="0">
-                          <a:solidFill>
-                            <a:srgbClr val="020302"/>
-                          </a:solidFill>
-                          <a:latin typeface="AdobeClean-Light"/>
-                          <a:cs typeface="AdobeClean-Light"/>
-                        </a:rPr>
-                        <a:t> </a:t>
-                      </a:r>
-                      <a:r>
-                        <a:rPr sz="900" spc="0">
-                          <a:solidFill>
-                            <a:srgbClr val="020302"/>
-                          </a:solidFill>
-                          <a:latin typeface="AdobeClean-Light"/>
-                          <a:cs typeface="AdobeClean-Light"/>
-                        </a:rPr>
-                        <a:t>/  </a:t>
-                      </a:r>
-                      <a:r>
-                        <a:rPr lang="en-US" sz="900" spc="0">
-                          <a:solidFill>
-                            <a:srgbClr val="020302"/>
-                          </a:solidFill>
-                          <a:latin typeface="AdobeClean-Light"/>
-                          <a:cs typeface="AdobeClean-Light"/>
-                        </a:rPr>
-                        <a:t>         </a:t>
-                      </a:r>
-                      <a:r>
-                        <a:rPr sz="900" spc="0">
-                          <a:solidFill>
-                            <a:srgbClr val="020302"/>
-                          </a:solidFill>
-                          <a:latin typeface="AdobeClean-Light"/>
-                          <a:cs typeface="AdobeClean-Light"/>
-                        </a:rPr>
-                        <a:t>1 hour</a:t>
-                      </a:r>
-                      <a:endParaRPr sz="900" spc="0">
-                        <a:latin typeface="AdobeClean-Light"/>
-                        <a:cs typeface="AdobeClean-Light"/>
-                      </a:endParaRPr>
                     </a:p>
                   </a:txBody>
                   <a:tcPr anchor="ctr">
@@ -2574,59 +2464,15 @@
                         </a:spcBef>
                       </a:pPr>
                       <a:r>
-                        <a:rPr sz="900" spc="0">
+                        <a:rPr lang="fr-FR" sz="900">
                           <a:solidFill>
                             <a:srgbClr val="020302"/>
                           </a:solidFill>
                           <a:latin typeface="AdobeClean-Light"/>
                           <a:cs typeface="AdobeClean-Light"/>
                         </a:rPr>
-                        <a:t>24x7</a:t>
+                        <a:t>24x7 /          1 heure</a:t>
                       </a:r>
-                      <a:r>
-                        <a:rPr lang="en-US" sz="900" spc="0">
-                          <a:solidFill>
-                            <a:srgbClr val="020302"/>
-                          </a:solidFill>
-                          <a:latin typeface="AdobeClean-Light"/>
-                          <a:cs typeface="AdobeClean-Light"/>
-                        </a:rPr>
-                        <a:t> </a:t>
-                      </a:r>
-                      <a:r>
-                        <a:rPr sz="900" spc="0">
-                          <a:solidFill>
-                            <a:srgbClr val="020302"/>
-                          </a:solidFill>
-                          <a:latin typeface="AdobeClean-Light"/>
-                          <a:cs typeface="AdobeClean-Light"/>
-                        </a:rPr>
-                        <a:t>/ </a:t>
-                      </a:r>
-                      <a:r>
-                        <a:rPr lang="en-US" sz="900" spc="0">
-                          <a:solidFill>
-                            <a:srgbClr val="020302"/>
-                          </a:solidFill>
-                          <a:latin typeface="AdobeClean-Light"/>
-                          <a:cs typeface="AdobeClean-Light"/>
-                        </a:rPr>
-                        <a:t>        </a:t>
-                      </a:r>
-                      <a:r>
-                        <a:rPr sz="900" spc="0">
-                          <a:solidFill>
-                            <a:srgbClr val="020302"/>
-                          </a:solidFill>
-                          <a:latin typeface="AdobeClean-Light"/>
-                          <a:cs typeface="AdobeClean-Light"/>
-                        </a:rPr>
-                        <a:t> 1 hour</a:t>
-                      </a:r>
-                      <a:endParaRPr sz="900" spc="0">
-                        <a:latin typeface="AdobeClean-Light"/>
-                        <a:cs typeface="AdobeClean-Light"/>
-                      </a:endParaRPr>
                     </a:p>
                   </a:txBody>
                   <a:tcPr anchor="ctr">
@@ -2682,19 +2528,15 @@
                         </a:spcBef>
                       </a:pPr>
                       <a:r>
-                        <a:rPr sz="900" b="1" spc="0">
+                        <a:rPr lang="fr-FR" sz="900" b="1" dirty="0">
                           <a:solidFill>
                             <a:srgbClr val="020302"/>
                           </a:solidFill>
                           <a:latin typeface="Adobe Clean"/>
                           <a:cs typeface="Adobe Clean"/>
                         </a:rPr>
-                        <a:t>PRIORITY 2</a:t>
+                        <a:t>PRIORITÉ 2</a:t>
                       </a:r>
-                      <a:endParaRPr sz="900" spc="0">
-                        <a:latin typeface="Adobe Clean"/>
-                        <a:cs typeface="Adobe Clean"/>
-                      </a:endParaRPr>
                     </a:p>
                     <a:p>
                       <a:pPr marL="50165" marR="203200">
@@ -2706,19 +2548,14 @@
                         </a:spcBef>
                       </a:pPr>
                       <a:r>
-                        <a:rPr lang="en-US" sz="900" b="0" i="0" spc="0">
+                        <a:rPr lang="fr-FR" sz="900" b="0" i="0" dirty="0">
                           <a:solidFill>
                             <a:srgbClr val="000000"/>
                           </a:solidFill>
-                          <a:effectLst/>
                           <a:latin typeface="Adobe Clean Light" panose="020B0303020404020204" pitchFamily="34" charset="0"/>
                         </a:rPr>
-                        <a:t>Customer's business functions have major service degradation or potential data loss, or a major feature is impacted </a:t>
+                        <a:t>Les fonctions commerciales du client présentent une dégradation importante du service ou une perte potentielle de données. Il est également possible qu’une fonctionnalité majeure soit affectée </a:t>
                       </a:r>
-                      <a:endParaRPr lang="en-US" sz="900" b="0" i="0" spc="0">
-                        <a:latin typeface="Adobe Clean Light" panose="020B0303020404020204" pitchFamily="34" charset="0"/>
-                        <a:cs typeface="AdobeClean-Light"/>
-                      </a:endParaRPr>
                     </a:p>
                   </a:txBody>
                   <a:tcPr marL="0" marR="0" marT="3810" marB="0">
@@ -2762,79 +2599,15 @@
                         </a:spcBef>
                       </a:pPr>
                       <a:r>
-                        <a:rPr sz="900" spc="0">
+                        <a:rPr lang="fr-FR" sz="900">
                           <a:solidFill>
                             <a:srgbClr val="020302"/>
                           </a:solidFill>
                           <a:latin typeface="AdobeClean-Light"/>
                           <a:cs typeface="AdobeClean-Light"/>
                         </a:rPr>
-                        <a:t>Business</a:t>
+                        <a:t>Heures d’ouverture /     4 heures</a:t>
                       </a:r>
-                      <a:r>
-                        <a:rPr lang="en-US" sz="900" spc="0">
-                          <a:solidFill>
-                            <a:srgbClr val="020302"/>
-                          </a:solidFill>
-                          <a:latin typeface="AdobeClean-Light"/>
-                          <a:cs typeface="AdobeClean-Light"/>
-                        </a:rPr>
-                        <a:t> </a:t>
-                      </a:r>
-                      <a:r>
-                        <a:rPr sz="900" spc="0">
-                          <a:solidFill>
-                            <a:srgbClr val="020302"/>
-                          </a:solidFill>
-                          <a:latin typeface="AdobeClean-Light"/>
-                          <a:cs typeface="AdobeClean-Light"/>
-                        </a:rPr>
-                        <a:t>hours</a:t>
-                      </a:r>
-                      <a:r>
-                        <a:rPr lang="en-US" sz="900" spc="0">
-                          <a:solidFill>
-                            <a:srgbClr val="020302"/>
-                          </a:solidFill>
-                          <a:latin typeface="AdobeClean-Light"/>
-                          <a:cs typeface="AdobeClean-Light"/>
-                        </a:rPr>
-                        <a:t> </a:t>
-                      </a:r>
-                      <a:r>
-                        <a:rPr sz="900" spc="0">
-                          <a:solidFill>
-                            <a:srgbClr val="020302"/>
-                          </a:solidFill>
-                          <a:latin typeface="AdobeClean-Light"/>
-                          <a:cs typeface="AdobeClean-Light"/>
-                        </a:rPr>
-                        <a:t>/  </a:t>
-                      </a:r>
-                      <a:r>
-                        <a:rPr lang="en-US" sz="900" spc="0">
-                          <a:solidFill>
-                            <a:srgbClr val="020302"/>
-                          </a:solidFill>
-                          <a:latin typeface="AdobeClean-Light"/>
-                          <a:cs typeface="AdobeClean-Light"/>
-                        </a:rPr>
-                        <a:t>   </a:t>
-                      </a:r>
-                      <a:r>
-                        <a:rPr sz="900" spc="0">
-                          <a:solidFill>
-                            <a:srgbClr val="020302"/>
-                          </a:solidFill>
-                          <a:latin typeface="AdobeClean-Light"/>
-                          <a:cs typeface="AdobeClean-Light"/>
-                        </a:rPr>
-                        <a:t>4 hours</a:t>
-                      </a:r>
-                      <a:endParaRPr sz="900" spc="0">
-                        <a:latin typeface="AdobeClean-Light"/>
-                        <a:cs typeface="AdobeClean-Light"/>
-                      </a:endParaRPr>
                     </a:p>
                   </a:txBody>
                   <a:tcPr anchor="ctr">
@@ -2878,79 +2651,15 @@
                         </a:spcBef>
                       </a:pPr>
                       <a:r>
-                        <a:rPr sz="900" spc="0">
+                        <a:rPr lang="fr-FR" sz="900">
                           <a:solidFill>
                             <a:srgbClr val="020302"/>
                           </a:solidFill>
                           <a:latin typeface="AdobeClean-Light"/>
                           <a:cs typeface="AdobeClean-Light"/>
                         </a:rPr>
-                        <a:t>Business</a:t>
+                        <a:t>Heures d’ouverture /      2 heures</a:t>
                       </a:r>
-                      <a:r>
-                        <a:rPr lang="en-US" sz="900" spc="0">
-                          <a:solidFill>
-                            <a:srgbClr val="020302"/>
-                          </a:solidFill>
-                          <a:latin typeface="AdobeClean-Light"/>
-                          <a:cs typeface="AdobeClean-Light"/>
-                        </a:rPr>
-                        <a:t> </a:t>
-                      </a:r>
-                      <a:r>
-                        <a:rPr sz="900" spc="0">
-                          <a:solidFill>
-                            <a:srgbClr val="020302"/>
-                          </a:solidFill>
-                          <a:latin typeface="AdobeClean-Light"/>
-                          <a:cs typeface="AdobeClean-Light"/>
-                        </a:rPr>
-                        <a:t>hours</a:t>
-                      </a:r>
-                      <a:r>
-                        <a:rPr lang="en-US" sz="900" spc="0">
-                          <a:solidFill>
-                            <a:srgbClr val="020302"/>
-                          </a:solidFill>
-                          <a:latin typeface="AdobeClean-Light"/>
-                          <a:cs typeface="AdobeClean-Light"/>
-                        </a:rPr>
-                        <a:t> </a:t>
-                      </a:r>
-                      <a:r>
-                        <a:rPr sz="900" spc="0">
-                          <a:solidFill>
-                            <a:srgbClr val="020302"/>
-                          </a:solidFill>
-                          <a:latin typeface="AdobeClean-Light"/>
-                          <a:cs typeface="AdobeClean-Light"/>
-                        </a:rPr>
-                        <a:t>/  </a:t>
-                      </a:r>
-                      <a:r>
-                        <a:rPr lang="en-US" sz="900" spc="0">
-                          <a:solidFill>
-                            <a:srgbClr val="020302"/>
-                          </a:solidFill>
-                          <a:latin typeface="AdobeClean-Light"/>
-                          <a:cs typeface="AdobeClean-Light"/>
-                        </a:rPr>
-                        <a:t>    </a:t>
-                      </a:r>
-                      <a:r>
-                        <a:rPr sz="900" spc="0">
-                          <a:solidFill>
-                            <a:srgbClr val="020302"/>
-                          </a:solidFill>
-                          <a:latin typeface="AdobeClean-Light"/>
-                          <a:cs typeface="AdobeClean-Light"/>
-                        </a:rPr>
-                        <a:t>2 hours</a:t>
-                      </a:r>
-                      <a:endParaRPr sz="900" spc="0">
-                        <a:latin typeface="AdobeClean-Light"/>
-                        <a:cs typeface="AdobeClean-Light"/>
-                      </a:endParaRPr>
                     </a:p>
                   </a:txBody>
                   <a:tcPr anchor="ctr">
@@ -3006,19 +2715,15 @@
                         </a:spcBef>
                       </a:pPr>
                       <a:r>
-                        <a:rPr sz="900" b="1" spc="0">
+                        <a:rPr lang="fr-FR" sz="900" b="1">
                           <a:solidFill>
                             <a:srgbClr val="020302"/>
                           </a:solidFill>
                           <a:latin typeface="Adobe Clean"/>
                           <a:cs typeface="Adobe Clean"/>
                         </a:rPr>
-                        <a:t>PRIORITY 3</a:t>
+                        <a:t>PRIORITÉ 3</a:t>
                       </a:r>
-                      <a:endParaRPr sz="900" spc="0">
-                        <a:latin typeface="Adobe Clean"/>
-                        <a:cs typeface="Adobe Clean"/>
-                      </a:endParaRPr>
                     </a:p>
                     <a:p>
                       <a:pPr marL="49530" marR="212090" indent="-2540">
@@ -3030,26 +2735,21 @@
                         </a:spcBef>
                       </a:pPr>
                       <a:r>
-                        <a:rPr kumimoji="0" lang="en-US" sz="900" b="0" i="0" u="none" strike="noStrike" kern="1200" cap="none" spc="0" normalizeH="0" baseline="0" noProof="0">
+                        <a:rPr kumimoji="0" lang="fr-FR" sz="900" b="0" i="0" u="none" strike="noStrike" cap="none" normalizeH="0" baseline="0" noProof="0">
                           <a:ln>
                             <a:noFill/>
                           </a:ln>
                           <a:solidFill>
                             <a:srgbClr val="000000"/>
                           </a:solidFill>
-                          <a:effectLst/>
                           <a:uLnTx/>
                           <a:uFillTx/>
                           <a:latin typeface="Adobe Clean Light" panose="020B0303020404020204" pitchFamily="34" charset="0"/>
                           <a:ea typeface="+mn-ea"/>
                           <a:cs typeface="+mn-cs"/>
                         </a:rPr>
-                        <a:t>Customer's business functions have minor service degradation but there exists a solution/workaround allowing business functions to continue </a:t>
+                        <a:t>Les fonctions commerciales du client présentent une dégradation mineure du service, mais il existe une solution/un moyen permettant aux fonctions commerciales de continuer de fonctionner </a:t>
                       </a:r>
-                      <a:endParaRPr lang="en-US" sz="900" b="0" i="0" spc="0">
-                        <a:latin typeface="Adobe Clean Light" panose="020B0303020404020204" pitchFamily="34" charset="0"/>
-                        <a:cs typeface="AdobeClean-Light"/>
-                      </a:endParaRPr>
                     </a:p>
                   </a:txBody>
                   <a:tcPr marL="0" marR="0" marT="3810" marB="0">
@@ -3093,99 +2793,15 @@
                         </a:spcBef>
                       </a:pPr>
                       <a:r>
-                        <a:rPr sz="900" spc="0">
+                        <a:rPr lang="fr-FR" sz="900">
                           <a:solidFill>
                             <a:srgbClr val="020302"/>
                           </a:solidFill>
                           <a:latin typeface="AdobeClean-Light"/>
                           <a:cs typeface="AdobeClean-Light"/>
                         </a:rPr>
-                        <a:t>Business</a:t>
+                        <a:t>Heures d’ouverture /     6 heures</a:t>
                       </a:r>
-                      <a:r>
-                        <a:rPr lang="en-US" sz="900" spc="0">
-                          <a:solidFill>
-                            <a:srgbClr val="020302"/>
-                          </a:solidFill>
-                          <a:latin typeface="AdobeClean-Light"/>
-                          <a:cs typeface="AdobeClean-Light"/>
-                        </a:rPr>
-                        <a:t> </a:t>
-                      </a:r>
-                      <a:r>
-                        <a:rPr sz="900" spc="0">
-                          <a:solidFill>
-                            <a:srgbClr val="020302"/>
-                          </a:solidFill>
-                          <a:latin typeface="AdobeClean-Light"/>
-                          <a:cs typeface="AdobeClean-Light"/>
-                        </a:rPr>
-                        <a:t>hours</a:t>
-                      </a:r>
-                      <a:r>
-                        <a:rPr lang="en-US" sz="900" spc="0">
-                          <a:solidFill>
-                            <a:srgbClr val="020302"/>
-                          </a:solidFill>
-                          <a:latin typeface="AdobeClean-Light"/>
-                          <a:cs typeface="AdobeClean-Light"/>
-                        </a:rPr>
-                        <a:t> </a:t>
-                      </a:r>
-                      <a:r>
-                        <a:rPr sz="900" spc="0">
-                          <a:solidFill>
-                            <a:srgbClr val="020302"/>
-                          </a:solidFill>
-                          <a:latin typeface="AdobeClean-Light"/>
-                          <a:cs typeface="AdobeClean-Light"/>
-                        </a:rPr>
-                        <a:t>/  </a:t>
-                      </a:r>
-                      <a:r>
-                        <a:rPr lang="en-US" sz="900" spc="0">
-                          <a:solidFill>
-                            <a:srgbClr val="020302"/>
-                          </a:solidFill>
-                          <a:latin typeface="AdobeClean-Light"/>
-                          <a:cs typeface="AdobeClean-Light"/>
-                        </a:rPr>
-                        <a:t>   </a:t>
-                      </a:r>
-                      <a:r>
-                        <a:rPr sz="900" spc="0">
-                          <a:solidFill>
-                            <a:srgbClr val="020302"/>
-                          </a:solidFill>
-                          <a:latin typeface="AdobeClean-Light"/>
-                          <a:cs typeface="AdobeClean-Light"/>
-                        </a:rPr>
-                        <a:t>6</a:t>
-                      </a:r>
-                      <a:r>
-                        <a:rPr lang="en-US" sz="900" spc="0">
-                          <a:solidFill>
-                            <a:srgbClr val="020302"/>
-                          </a:solidFill>
-                          <a:latin typeface="AdobeClean-Light"/>
-                          <a:cs typeface="AdobeClean-Light"/>
-                        </a:rPr>
-                        <a:t> </a:t>
-                      </a:r>
-                      <a:r>
-                        <a:rPr sz="900" spc="0">
-                          <a:solidFill>
-                            <a:srgbClr val="020302"/>
-                          </a:solidFill>
-                          <a:latin typeface="AdobeClean-Light"/>
-                          <a:cs typeface="AdobeClean-Light"/>
-                        </a:rPr>
-                        <a:t>hours</a:t>
-                      </a:r>
-                      <a:endParaRPr sz="900" spc="0">
-                        <a:latin typeface="AdobeClean-Light"/>
-                        <a:cs typeface="AdobeClean-Light"/>
-                      </a:endParaRPr>
                     </a:p>
                   </a:txBody>
                   <a:tcPr anchor="ctr">
@@ -3229,99 +2845,15 @@
                         </a:spcBef>
                       </a:pPr>
                       <a:r>
-                        <a:rPr sz="900" spc="0">
+                        <a:rPr lang="fr-FR" sz="900">
                           <a:solidFill>
                             <a:srgbClr val="020302"/>
                           </a:solidFill>
                           <a:latin typeface="AdobeClean-Light"/>
                           <a:cs typeface="AdobeClean-Light"/>
                         </a:rPr>
-                        <a:t>Business</a:t>
+                        <a:t>Heures d’ouverture /     4 heures</a:t>
                       </a:r>
-                      <a:r>
-                        <a:rPr lang="en-US" sz="900" spc="0">
-                          <a:solidFill>
-                            <a:srgbClr val="020302"/>
-                          </a:solidFill>
-                          <a:latin typeface="AdobeClean-Light"/>
-                          <a:cs typeface="AdobeClean-Light"/>
-                        </a:rPr>
-                        <a:t> </a:t>
-                      </a:r>
-                      <a:r>
-                        <a:rPr sz="900" spc="0">
-                          <a:solidFill>
-                            <a:srgbClr val="020302"/>
-                          </a:solidFill>
-                          <a:latin typeface="AdobeClean-Light"/>
-                          <a:cs typeface="AdobeClean-Light"/>
-                        </a:rPr>
-                        <a:t>hours</a:t>
-                      </a:r>
-                      <a:r>
-                        <a:rPr lang="en-US" sz="900" spc="0">
-                          <a:solidFill>
-                            <a:srgbClr val="020302"/>
-                          </a:solidFill>
-                          <a:latin typeface="AdobeClean-Light"/>
-                          <a:cs typeface="AdobeClean-Light"/>
-                        </a:rPr>
-                        <a:t> </a:t>
-                      </a:r>
-                      <a:r>
-                        <a:rPr sz="900" spc="0">
-                          <a:solidFill>
-                            <a:srgbClr val="020302"/>
-                          </a:solidFill>
-                          <a:latin typeface="AdobeClean-Light"/>
-                          <a:cs typeface="AdobeClean-Light"/>
-                        </a:rPr>
-                        <a:t>/  </a:t>
-                      </a:r>
-                      <a:r>
-                        <a:rPr lang="en-US" sz="900" spc="0">
-                          <a:solidFill>
-                            <a:srgbClr val="020302"/>
-                          </a:solidFill>
-                          <a:latin typeface="AdobeClean-Light"/>
-                          <a:cs typeface="AdobeClean-Light"/>
-                        </a:rPr>
-                        <a:t>   </a:t>
-                      </a:r>
-                      <a:r>
-                        <a:rPr sz="900" spc="0">
-                          <a:solidFill>
-                            <a:srgbClr val="020302"/>
-                          </a:solidFill>
-                          <a:latin typeface="AdobeClean-Light"/>
-                          <a:cs typeface="AdobeClean-Light"/>
-                        </a:rPr>
-                        <a:t>4</a:t>
-                      </a:r>
-                      <a:r>
-                        <a:rPr lang="en-US" sz="900" spc="0">
-                          <a:solidFill>
-                            <a:srgbClr val="020302"/>
-                          </a:solidFill>
-                          <a:latin typeface="AdobeClean-Light"/>
-                          <a:cs typeface="AdobeClean-Light"/>
-                        </a:rPr>
-                        <a:t> </a:t>
-                      </a:r>
-                      <a:r>
-                        <a:rPr sz="900" spc="0">
-                          <a:solidFill>
-                            <a:srgbClr val="020302"/>
-                          </a:solidFill>
-                          <a:latin typeface="AdobeClean-Light"/>
-                          <a:cs typeface="AdobeClean-Light"/>
-                        </a:rPr>
-                        <a:t>hours</a:t>
-                      </a:r>
-                      <a:endParaRPr sz="900" spc="0">
-                        <a:latin typeface="AdobeClean-Light"/>
-                        <a:cs typeface="AdobeClean-Light"/>
-                      </a:endParaRPr>
                     </a:p>
                   </a:txBody>
                   <a:tcPr anchor="ctr">
@@ -3377,19 +2909,15 @@
                         </a:spcBef>
                       </a:pPr>
                       <a:r>
-                        <a:rPr sz="900" b="1" spc="0">
+                        <a:rPr lang="fr-FR" sz="900" b="1">
                           <a:solidFill>
                             <a:srgbClr val="020302"/>
                           </a:solidFill>
                           <a:latin typeface="Adobe Clean"/>
                           <a:cs typeface="Adobe Clean"/>
                         </a:rPr>
-                        <a:t>PRIORITY 4</a:t>
+                        <a:t>PRIORITÉ 4</a:t>
                       </a:r>
-                      <a:endParaRPr sz="900" spc="0">
-                        <a:latin typeface="Adobe Clean"/>
-                        <a:cs typeface="Adobe Clean"/>
-                      </a:endParaRPr>
                     </a:p>
                     <a:p>
                       <a:pPr marL="48895" marR="0" lvl="0" indent="0" defTabSz="914400" eaLnBrk="1" fontAlgn="auto" latinLnBrk="0" hangingPunct="1">
@@ -3410,19 +2938,14 @@
                         <a:defRPr/>
                       </a:pPr>
                       <a:r>
-                        <a:rPr lang="en-US" sz="900" b="0" i="0" spc="0">
+                        <a:rPr lang="fr-FR" sz="900" b="0" i="0">
                           <a:solidFill>
                             <a:srgbClr val="000000"/>
                           </a:solidFill>
-                          <a:effectLst/>
                           <a:latin typeface="Adobe Clean Light" panose="020B0303020404020204" pitchFamily="34" charset="0"/>
                         </a:rPr>
-                        <a:t>General question regarding current product functionality or an enhancement request</a:t>
+                        <a:t>Question générale concernant les fonctionnalités actuelles du produit ou une demande d’amélioration</a:t>
                       </a:r>
-                      <a:endParaRPr lang="en-US" sz="900" b="0" i="0" spc="0">
-                        <a:latin typeface="Adobe Clean Light" panose="020B0303020404020204" pitchFamily="34" charset="0"/>
-                        <a:cs typeface="AdobeClean-Light"/>
-                      </a:endParaRPr>
                     </a:p>
                   </a:txBody>
                   <a:tcPr marL="0" marR="0" marT="1905" marB="0">
@@ -3466,79 +2989,15 @@
                         </a:spcBef>
                       </a:pPr>
                       <a:r>
-                        <a:rPr sz="900" spc="0">
+                        <a:rPr lang="fr-FR" sz="900">
                           <a:solidFill>
                             <a:srgbClr val="020302"/>
                           </a:solidFill>
                           <a:latin typeface="AdobeClean-Light"/>
                           <a:cs typeface="AdobeClean-Light"/>
                         </a:rPr>
-                        <a:t>Business</a:t>
+                        <a:t>Jours ouvrables /      3 jours</a:t>
                       </a:r>
-                      <a:r>
-                        <a:rPr lang="en-US" sz="900" spc="0">
-                          <a:solidFill>
-                            <a:srgbClr val="020302"/>
-                          </a:solidFill>
-                          <a:latin typeface="AdobeClean-Light"/>
-                          <a:cs typeface="AdobeClean-Light"/>
-                        </a:rPr>
-                        <a:t> </a:t>
-                      </a:r>
-                      <a:r>
-                        <a:rPr sz="900" spc="0">
-                          <a:solidFill>
-                            <a:srgbClr val="020302"/>
-                          </a:solidFill>
-                          <a:latin typeface="AdobeClean-Light"/>
-                          <a:cs typeface="AdobeClean-Light"/>
-                        </a:rPr>
-                        <a:t>days</a:t>
-                      </a:r>
-                      <a:r>
-                        <a:rPr lang="en-US" sz="900" spc="0">
-                          <a:solidFill>
-                            <a:srgbClr val="020302"/>
-                          </a:solidFill>
-                          <a:latin typeface="AdobeClean-Light"/>
-                          <a:cs typeface="AdobeClean-Light"/>
-                        </a:rPr>
-                        <a:t> </a:t>
-                      </a:r>
-                      <a:r>
-                        <a:rPr sz="900" spc="0">
-                          <a:solidFill>
-                            <a:srgbClr val="020302"/>
-                          </a:solidFill>
-                          <a:latin typeface="AdobeClean-Light"/>
-                          <a:cs typeface="AdobeClean-Light"/>
-                        </a:rPr>
-                        <a:t>/  </a:t>
-                      </a:r>
-                      <a:r>
-                        <a:rPr lang="en-US" sz="900" spc="0">
-                          <a:solidFill>
-                            <a:srgbClr val="020302"/>
-                          </a:solidFill>
-                          <a:latin typeface="AdobeClean-Light"/>
-                          <a:cs typeface="AdobeClean-Light"/>
-                        </a:rPr>
-                        <a:t>    </a:t>
-                      </a:r>
-                      <a:r>
-                        <a:rPr sz="900" spc="0">
-                          <a:solidFill>
-                            <a:srgbClr val="020302"/>
-                          </a:solidFill>
-                          <a:latin typeface="AdobeClean-Light"/>
-                          <a:cs typeface="AdobeClean-Light"/>
-                        </a:rPr>
-                        <a:t>3 days</a:t>
-                      </a:r>
-                      <a:endParaRPr sz="900" spc="0">
-                        <a:latin typeface="AdobeClean-Light"/>
-                        <a:cs typeface="AdobeClean-Light"/>
-                      </a:endParaRPr>
                     </a:p>
                   </a:txBody>
                   <a:tcPr anchor="ctr">
@@ -3582,62 +3041,15 @@
                         </a:spcBef>
                       </a:pPr>
                       <a:r>
-                        <a:rPr sz="900" spc="0">
+                        <a:rPr lang="fr-FR" sz="900" dirty="0">
                           <a:solidFill>
                             <a:srgbClr val="020302"/>
                           </a:solidFill>
                           <a:latin typeface="AdobeClean-Light"/>
                           <a:cs typeface="AdobeClean-Light"/>
                         </a:rPr>
-                        <a:t>Business</a:t>
+                        <a:t>Jours ouvrables / </a:t>
                       </a:r>
-                      <a:r>
-                        <a:rPr lang="en-US" sz="900" spc="0">
-                          <a:solidFill>
-                            <a:srgbClr val="020302"/>
-                          </a:solidFill>
-                          <a:latin typeface="AdobeClean-Light"/>
-                          <a:cs typeface="AdobeClean-Light"/>
-                        </a:rPr>
-                        <a:t> </a:t>
-                      </a:r>
-                      <a:r>
-                        <a:rPr sz="900" spc="0">
-                          <a:solidFill>
-                            <a:srgbClr val="020302"/>
-                          </a:solidFill>
-                          <a:latin typeface="AdobeClean-Light"/>
-                          <a:cs typeface="AdobeClean-Light"/>
-                        </a:rPr>
-                        <a:t>day</a:t>
-                      </a:r>
-                      <a:r>
-                        <a:rPr lang="en-US" sz="900" spc="0">
-                          <a:solidFill>
-                            <a:srgbClr val="020302"/>
-                          </a:solidFill>
-                          <a:latin typeface="AdobeClean-Light"/>
-                          <a:cs typeface="AdobeClean-Light"/>
-                        </a:rPr>
-                        <a:t>s </a:t>
-                      </a:r>
-                      <a:r>
-                        <a:rPr sz="900" spc="0">
-                          <a:solidFill>
-                            <a:srgbClr val="020302"/>
-                          </a:solidFill>
-                          <a:latin typeface="AdobeClean-Light"/>
-                          <a:cs typeface="AdobeClean-Light"/>
-                        </a:rPr>
-                        <a:t>/ </a:t>
-                      </a:r>
-                      <a:endParaRPr lang="en-US" sz="900" spc="0">
-                        <a:solidFill>
-                          <a:srgbClr val="020302"/>
-                        </a:solidFill>
-                        <a:latin typeface="AdobeClean-Light"/>
-                        <a:cs typeface="AdobeClean-Light"/>
-                      </a:endParaRPr>
                     </a:p>
                     <a:p>
                       <a:pPr marL="370840" marR="223520" indent="-202565" algn="ctr">
@@ -3649,39 +3061,15 @@
                         </a:spcBef>
                       </a:pPr>
                       <a:r>
-                        <a:rPr sz="900" spc="0">
+                        <a:rPr lang="fr-FR" sz="900" dirty="0">
                           <a:solidFill>
                             <a:srgbClr val="020302"/>
                           </a:solidFill>
                           <a:latin typeface="AdobeClean-Light"/>
                           <a:cs typeface="AdobeClean-Light"/>
                         </a:rPr>
-                        <a:t> </a:t>
+                        <a:t>  1 jour</a:t>
                       </a:r>
-                      <a:r>
-                        <a:rPr lang="en-US" sz="900" spc="0">
-                          <a:solidFill>
-                            <a:srgbClr val="020302"/>
-                          </a:solidFill>
-                          <a:latin typeface="AdobeClean-Light"/>
-                          <a:cs typeface="AdobeClean-Light"/>
-                        </a:rPr>
-                        <a:t> </a:t>
-                      </a:r>
-                      <a:r>
-                        <a:rPr sz="900" spc="0">
-                          <a:solidFill>
-                            <a:srgbClr val="020302"/>
-                          </a:solidFill>
-                          <a:latin typeface="AdobeClean-Light"/>
-                          <a:cs typeface="AdobeClean-Light"/>
-                        </a:rPr>
-                        <a:t>1 day</a:t>
-                      </a:r>
-                      <a:endParaRPr sz="900" spc="0">
-                        <a:latin typeface="AdobeClean-Light"/>
-                        <a:cs typeface="AdobeClean-Light"/>
-                      </a:endParaRPr>
                     </a:p>
                   </a:txBody>
                   <a:tcPr anchor="ctr">
@@ -3741,14 +3129,14 @@
           <p:nvPr>
             <p:extLst>
               <p:ext uri="{D42A27DB-BD31-4B8C-83A1-F6EECF244321}">
-                <p14:modId xmlns:p14="http://schemas.microsoft.com/office/powerpoint/2010/main" val="116851390"/>
+                <p14:modId xmlns:p14="http://schemas.microsoft.com/office/powerpoint/2010/main" val="4099234316"/>
               </p:ext>
             </p:extLst>
           </p:nvPr>
         </p:nvGraphicFramePr>
         <p:xfrm>
           <a:off x="121147" y="2120949"/>
-          <a:ext cx="7498851" cy="4714546"/>
+          <a:ext cx="7498851" cy="4815558"/>
         </p:xfrm>
         <a:graphic>
           <a:graphicData uri="http://schemas.openxmlformats.org/drawingml/2006/table">
@@ -3792,7 +3180,7 @@
                     <a:bodyPr/>
                     <a:lstStyle/>
                     <a:p>
-                      <a:endParaRPr lang="en-US"/>
+                      <a:endParaRPr lang="en-US" dirty="0"/>
                     </a:p>
                   </a:txBody>
                   <a:tcPr/>
@@ -3830,39 +3218,15 @@
                         <a:defRPr/>
                       </a:pPr>
                       <a:r>
-                        <a:rPr lang="en-US" sz="900" spc="-20">
+                        <a:rPr lang="fr-FR" sz="900">
                           <a:solidFill>
                             <a:srgbClr val="404040"/>
                           </a:solidFill>
                           <a:latin typeface="Adobe Clean"/>
                           <a:cs typeface="Adobe Clean"/>
                         </a:rPr>
-                        <a:t>Online </a:t>
+                        <a:t>Assistance en ligne</a:t>
                       </a:r>
-                      <a:r>
-                        <a:rPr lang="en-US" sz="900" spc="-135">
-                          <a:solidFill>
-                            <a:srgbClr val="404040"/>
-                          </a:solidFill>
-                          <a:latin typeface="Adobe Clean"/>
-                          <a:cs typeface="Adobe Clean"/>
-                        </a:rPr>
-                        <a:t> </a:t>
-                      </a:r>
-                      <a:r>
-                        <a:rPr lang="en-US" sz="900" spc="-20">
-                          <a:solidFill>
-                            <a:srgbClr val="404040"/>
-                          </a:solidFill>
-                          <a:latin typeface="Adobe Clean"/>
-                          <a:cs typeface="Adobe Clean"/>
-                        </a:rPr>
-                        <a:t>Support</a:t>
-                      </a:r>
-                      <a:endParaRPr lang="en-US" sz="900">
-                        <a:latin typeface="Adobe Clean"/>
-                        <a:cs typeface="Adobe Clean"/>
-                      </a:endParaRPr>
                     </a:p>
                   </a:txBody>
                   <a:tcPr marL="0" marR="0" marT="7620" marB="0" anchor="ctr">
@@ -3903,39 +3267,15 @@
                         </a:spcBef>
                       </a:pPr>
                       <a:r>
-                        <a:rPr sz="900" spc="-20">
+                        <a:rPr lang="fr-FR" sz="900">
                           <a:solidFill>
                             <a:srgbClr val="FFFFFF"/>
                           </a:solidFill>
                           <a:latin typeface="Adobe Clean"/>
                           <a:cs typeface="Adobe Clean"/>
                         </a:rPr>
-                        <a:t>Business</a:t>
+                        <a:t>Assistance commerciale</a:t>
                       </a:r>
-                      <a:r>
-                        <a:rPr lang="en-US" sz="900" spc="-20">
-                          <a:solidFill>
-                            <a:srgbClr val="FFFFFF"/>
-                          </a:solidFill>
-                          <a:latin typeface="Adobe Clean"/>
-                          <a:cs typeface="Adobe Clean"/>
-                        </a:rPr>
-                        <a:t> </a:t>
-                      </a:r>
-                      <a:r>
-                        <a:rPr sz="900" spc="-20">
-                          <a:solidFill>
-                            <a:srgbClr val="FFFFFF"/>
-                          </a:solidFill>
-                          <a:latin typeface="Adobe Clean"/>
-                          <a:cs typeface="Adobe Clean"/>
-                        </a:rPr>
-                        <a:t>Support</a:t>
-                      </a:r>
-                      <a:endParaRPr sz="900">
-                        <a:latin typeface="Adobe Clean"/>
-                        <a:cs typeface="Adobe Clean"/>
-                      </a:endParaRPr>
                     </a:p>
                   </a:txBody>
                   <a:tcPr marL="0" marR="0" marT="7620" marB="0" anchor="ctr">
@@ -3980,7 +3320,7 @@
                     <a:bodyPr/>
                     <a:lstStyle/>
                     <a:p>
-                      <a:endParaRPr lang="en-US"/>
+                      <a:endParaRPr lang="en-US" dirty="0"/>
                     </a:p>
                   </a:txBody>
                   <a:tcPr/>
@@ -4000,7 +3340,7 @@
                     <a:bodyPr/>
                     <a:lstStyle/>
                     <a:p>
-                      <a:pPr marL="0" marR="0" lvl="0" indent="0" algn="ctr" defTabSz="914400" eaLnBrk="1" fontAlgn="auto" latinLnBrk="0" hangingPunct="1">
+                      <a:pPr marL="0" marR="0" lvl="0" indent="0" algn="l" defTabSz="914400" rtl="0" eaLnBrk="1" fontAlgn="auto" latinLnBrk="0" hangingPunct="1">
                         <a:lnSpc>
                           <a:spcPct val="100000"/>
                         </a:lnSpc>
@@ -4081,13 +3421,13 @@
                         <a:defRPr/>
                       </a:pPr>
                       <a:r>
-                        <a:rPr lang="en-US" sz="800" i="1">
+                        <a:rPr lang="fr-FR" sz="800" i="1">
                           <a:solidFill>
                             <a:schemeClr val="bg1"/>
                           </a:solidFill>
                           <a:latin typeface="Adobe Clean Light" panose="020B0303020404020204" pitchFamily="34" charset="0"/>
                         </a:rPr>
-                        <a:t>Paid Support ($)</a:t>
+                        <a:t>Assistance payante ($)</a:t>
                       </a:r>
                     </a:p>
                   </a:txBody>
@@ -4151,22 +3491,15 @@
                         </a:spcBef>
                       </a:pPr>
                       <a:r>
-                        <a:rPr lang="en-US" sz="1000" b="1" i="0" spc="0">
+                        <a:rPr lang="fr-FR" sz="1000" b="1" i="0">
                           <a:solidFill>
                             <a:schemeClr val="bg1"/>
                           </a:solidFill>
                           <a:latin typeface="Adobe Clean" panose="020B0503020404020204" pitchFamily="34" charset="0"/>
                           <a:cs typeface="AdobeClean-Light"/>
                         </a:rPr>
-                        <a:t>Assigned Experts</a:t>
+                        <a:t>Experts assignés</a:t>
                       </a:r>
-                      <a:endParaRPr sz="1000" b="1" i="0" spc="0">
-                        <a:solidFill>
-                          <a:schemeClr val="bg1"/>
-                        </a:solidFill>
-                        <a:latin typeface="Adobe Clean" panose="020B0503020404020204" pitchFamily="34" charset="0"/>
-                        <a:cs typeface="AdobeClean-Light"/>
-                      </a:endParaRPr>
                     </a:p>
                   </a:txBody>
                   <a:tcPr marL="0" marR="0" marT="58419" marB="0" anchor="ctr">
@@ -4213,19 +3546,15 @@
                         </a:spcBef>
                       </a:pPr>
                       <a:r>
-                        <a:rPr sz="900" spc="0">
+                        <a:rPr lang="fr-FR" sz="900">
                           <a:solidFill>
                             <a:srgbClr val="020302"/>
                           </a:solidFill>
                           <a:latin typeface="AdobeClean-Light"/>
                           <a:cs typeface="AdobeClean-Light"/>
                         </a:rPr>
-                        <a:t>Account Support Lead</a:t>
+                        <a:t>Assistance principale du compte</a:t>
                       </a:r>
-                      <a:endParaRPr sz="900" spc="0">
-                        <a:latin typeface="AdobeClean-Light"/>
-                        <a:cs typeface="AdobeClean-Light"/>
-                      </a:endParaRPr>
                     </a:p>
                   </a:txBody>
                   <a:tcPr marL="0" marR="0" marT="58419" marB="0">
@@ -4260,7 +3589,7 @@
                     <a:bodyPr/>
                     <a:lstStyle/>
                     <a:p>
-                      <a:pPr algn="ctr">
+                      <a:pPr algn="l" rtl="0">
                         <a:lnSpc>
                           <a:spcPct val="100000"/>
                         </a:lnSpc>
@@ -4310,7 +3639,7 @@
                         </a:spcBef>
                       </a:pPr>
                       <a:r>
-                        <a:rPr sz="900">
+                        <a:rPr lang="fr-FR" sz="900">
                           <a:solidFill>
                             <a:srgbClr val="020302"/>
                           </a:solidFill>
@@ -4319,10 +3648,6 @@
                         </a:rPr>
                         <a:t></a:t>
                       </a:r>
-                      <a:endParaRPr sz="900">
-                        <a:latin typeface="Wingdings"/>
-                        <a:cs typeface="Wingdings"/>
-                      </a:endParaRPr>
                     </a:p>
                   </a:txBody>
                   <a:tcPr marL="0" marR="0" marT="59690" marB="0" anchor="ctr">
@@ -4354,7 +3679,7 @@
                     <a:bodyPr/>
                     <a:lstStyle/>
                     <a:p>
-                      <a:pPr marL="50800">
+                      <a:pPr marL="50800" algn="l" rtl="0">
                         <a:lnSpc>
                           <a:spcPct val="100000"/>
                         </a:lnSpc>
@@ -4400,19 +3725,15 @@
                         </a:spcBef>
                       </a:pPr>
                       <a:r>
-                        <a:rPr sz="900" spc="0">
+                        <a:rPr lang="fr-FR" sz="900">
                           <a:solidFill>
                             <a:srgbClr val="020302"/>
                           </a:solidFill>
                           <a:latin typeface="AdobeClean-Light"/>
                           <a:cs typeface="AdobeClean-Light"/>
                         </a:rPr>
-                        <a:t>Named Support Engineer</a:t>
+                        <a:t>Ingénieur d’assistance nommé</a:t>
                       </a:r>
-                      <a:endParaRPr sz="900" spc="0">
-                        <a:latin typeface="AdobeClean-Light"/>
-                        <a:cs typeface="AdobeClean-Light"/>
-                      </a:endParaRPr>
                     </a:p>
                   </a:txBody>
                   <a:tcPr marL="0" marR="0" marT="58419" marB="0">
@@ -4435,7 +3756,7 @@
                     <a:bodyPr/>
                     <a:lstStyle/>
                     <a:p>
-                      <a:pPr algn="ctr">
+                      <a:pPr algn="l" rtl="0">
                         <a:lnSpc>
                           <a:spcPct val="100000"/>
                         </a:lnSpc>
@@ -4464,7 +3785,7 @@
                     <a:bodyPr/>
                     <a:lstStyle/>
                     <a:p>
-                      <a:pPr algn="ctr">
+                      <a:pPr algn="l" rtl="0">
                         <a:lnSpc>
                           <a:spcPct val="100000"/>
                         </a:lnSpc>
@@ -4495,7 +3816,7 @@
                     <a:bodyPr/>
                     <a:lstStyle/>
                     <a:p>
-                      <a:pPr marL="50800">
+                      <a:pPr marL="50800" algn="l" rtl="0">
                         <a:lnSpc>
                           <a:spcPct val="100000"/>
                         </a:lnSpc>
@@ -4553,19 +3874,15 @@
                         </a:spcBef>
                       </a:pPr>
                       <a:r>
-                        <a:rPr sz="900" spc="0">
+                        <a:rPr lang="fr-FR" sz="900">
                           <a:solidFill>
                             <a:srgbClr val="020302"/>
                           </a:solidFill>
                           <a:latin typeface="AdobeClean-Light"/>
                           <a:cs typeface="AdobeClean-Light"/>
                         </a:rPr>
-                        <a:t>Technical Account Manager</a:t>
+                        <a:t>Gestionnaire de compte technique</a:t>
                       </a:r>
-                      <a:endParaRPr sz="900" spc="0">
-                        <a:latin typeface="AdobeClean-Light"/>
-                        <a:cs typeface="AdobeClean-Light"/>
-                      </a:endParaRPr>
                     </a:p>
                   </a:txBody>
                   <a:tcPr marL="0" marR="0" marT="63500" marB="0">
@@ -4594,7 +3911,7 @@
                     <a:bodyPr/>
                     <a:lstStyle/>
                     <a:p>
-                      <a:pPr algn="ctr">
+                      <a:pPr algn="l" rtl="0">
                         <a:lnSpc>
                           <a:spcPct val="100000"/>
                         </a:lnSpc>
@@ -4632,7 +3949,7 @@
                     <a:bodyPr/>
                     <a:lstStyle/>
                     <a:p>
-                      <a:pPr algn="ctr">
+                      <a:pPr algn="l" rtl="0">
                         <a:lnSpc>
                           <a:spcPct val="100000"/>
                         </a:lnSpc>
@@ -4681,22 +3998,15 @@
                         </a:spcBef>
                       </a:pPr>
                       <a:r>
-                        <a:rPr lang="en-US" sz="1000" b="1" i="0" spc="0">
+                        <a:rPr lang="fr-FR" sz="1000" b="1" i="0">
                           <a:solidFill>
                             <a:schemeClr val="bg1"/>
                           </a:solidFill>
                           <a:latin typeface="Adobe Clean" panose="020B0503020404020204" pitchFamily="34" charset="0"/>
                           <a:cs typeface="AdobeClean-Light"/>
                         </a:rPr>
-                        <a:t>Support Services</a:t>
+                        <a:t>Services d’assistance</a:t>
                       </a:r>
-                      <a:endParaRPr sz="1000" b="1" i="0" spc="0">
-                        <a:solidFill>
-                          <a:schemeClr val="bg1"/>
-                        </a:solidFill>
-                        <a:latin typeface="Adobe Clean" panose="020B0503020404020204" pitchFamily="34" charset="0"/>
-                        <a:cs typeface="AdobeClean-Light"/>
-                      </a:endParaRPr>
                     </a:p>
                   </a:txBody>
                   <a:tcPr marL="0" marR="0" marT="57150" marB="0" anchor="ctr">
@@ -4752,29 +4062,15 @@
                         </a:spcBef>
                       </a:pPr>
                       <a:r>
-                        <a:rPr lang="en-US" sz="900" spc="0">
+                        <a:rPr lang="fr-FR" sz="900">
                           <a:solidFill>
                             <a:srgbClr val="020302"/>
                           </a:solidFill>
                           <a:latin typeface="AdobeClean-Light"/>
                           <a:cs typeface="AdobeClean-Light"/>
                         </a:rPr>
-                        <a:t>Online</a:t>
+                        <a:t>Assistance en ligne</a:t>
                       </a:r>
-                      <a:r>
-                        <a:rPr sz="900" spc="0">
-                          <a:solidFill>
-                            <a:srgbClr val="020302"/>
-                          </a:solidFill>
-                          <a:latin typeface="AdobeClean-Light"/>
-                          <a:cs typeface="AdobeClean-Light"/>
-                        </a:rPr>
-                        <a:t> Support</a:t>
-                      </a:r>
-                      <a:endParaRPr sz="900" spc="0">
-                        <a:latin typeface="AdobeClean-Light"/>
-                        <a:cs typeface="AdobeClean-Light"/>
-                      </a:endParaRPr>
                     </a:p>
                   </a:txBody>
                   <a:tcPr marL="0" marR="0" marT="57150" marB="0">
@@ -4812,39 +4108,15 @@
                         </a:spcBef>
                       </a:pPr>
                       <a:r>
-                        <a:rPr sz="900" spc="-25">
+                        <a:rPr lang="fr-FR" sz="900">
                           <a:solidFill>
                             <a:srgbClr val="020302"/>
                           </a:solidFill>
                           <a:latin typeface="AdobeClean-Light"/>
                           <a:cs typeface="AdobeClean-Light"/>
                         </a:rPr>
-                        <a:t>Business</a:t>
+                        <a:t>Heures d’ouverture</a:t>
                       </a:r>
-                      <a:r>
-                        <a:rPr sz="900" spc="-15">
-                          <a:solidFill>
-                            <a:srgbClr val="020302"/>
-                          </a:solidFill>
-                          <a:latin typeface="AdobeClean-Light"/>
-                          <a:cs typeface="AdobeClean-Light"/>
-                        </a:rPr>
-                        <a:t> </a:t>
-                      </a:r>
-                      <a:r>
-                        <a:rPr sz="900" spc="-30">
-                          <a:solidFill>
-                            <a:srgbClr val="020302"/>
-                          </a:solidFill>
-                          <a:latin typeface="AdobeClean-Light"/>
-                          <a:cs typeface="AdobeClean-Light"/>
-                        </a:rPr>
-                        <a:t>hours</a:t>
-                      </a:r>
-                      <a:endParaRPr sz="900">
-                        <a:latin typeface="AdobeClean-Light"/>
-                        <a:cs typeface="AdobeClean-Light"/>
-                      </a:endParaRPr>
                     </a:p>
                   </a:txBody>
                   <a:tcPr marL="0" marR="0" marT="67945" marB="0">
@@ -4883,39 +4155,15 @@
                         </a:spcBef>
                       </a:pPr>
                       <a:r>
-                        <a:rPr sz="900" spc="-25">
+                        <a:rPr lang="fr-FR" sz="900">
                           <a:solidFill>
                             <a:srgbClr val="020302"/>
                           </a:solidFill>
                           <a:latin typeface="AdobeClean-Light"/>
                           <a:cs typeface="AdobeClean-Light"/>
                         </a:rPr>
-                        <a:t>Business</a:t>
+                        <a:t>Heures d’ouverture</a:t>
                       </a:r>
-                      <a:r>
-                        <a:rPr sz="900" spc="-15">
-                          <a:solidFill>
-                            <a:srgbClr val="020302"/>
-                          </a:solidFill>
-                          <a:latin typeface="AdobeClean-Light"/>
-                          <a:cs typeface="AdobeClean-Light"/>
-                        </a:rPr>
-                        <a:t> </a:t>
-                      </a:r>
-                      <a:r>
-                        <a:rPr sz="900" spc="-30">
-                          <a:solidFill>
-                            <a:srgbClr val="020302"/>
-                          </a:solidFill>
-                          <a:latin typeface="AdobeClean-Light"/>
-                          <a:cs typeface="AdobeClean-Light"/>
-                        </a:rPr>
-                        <a:t>hours</a:t>
-                      </a:r>
-                      <a:endParaRPr sz="900">
-                        <a:latin typeface="AdobeClean-Light"/>
-                        <a:cs typeface="AdobeClean-Light"/>
-                      </a:endParaRPr>
                     </a:p>
                   </a:txBody>
                   <a:tcPr marL="0" marR="0" marT="67945" marB="0">
@@ -4947,7 +4195,7 @@
                     <a:bodyPr/>
                     <a:lstStyle/>
                     <a:p>
-                      <a:pPr marL="50800">
+                      <a:pPr marL="50800" algn="l" rtl="0">
                         <a:lnSpc>
                           <a:spcPct val="100000"/>
                         </a:lnSpc>
@@ -4996,39 +4244,15 @@
                         </a:spcBef>
                       </a:pPr>
                       <a:r>
-                        <a:rPr sz="900" spc="0">
+                        <a:rPr lang="fr-FR" sz="900">
                           <a:solidFill>
                             <a:srgbClr val="020302"/>
                           </a:solidFill>
                           <a:latin typeface="AdobeClean-Light"/>
                           <a:cs typeface="AdobeClean-Light"/>
                         </a:rPr>
-                        <a:t>24x7</a:t>
+                        <a:t>Assistance en cas de problèmes P1 24x7x365</a:t>
                       </a:r>
-                      <a:r>
-                        <a:rPr lang="en-US" sz="900" spc="0">
-                          <a:solidFill>
-                            <a:srgbClr val="020302"/>
-                          </a:solidFill>
-                          <a:latin typeface="AdobeClean-Light"/>
-                          <a:cs typeface="AdobeClean-Light"/>
-                        </a:rPr>
-                        <a:t>x365</a:t>
-                      </a:r>
-                      <a:r>
-                        <a:rPr sz="900" spc="0">
-                          <a:solidFill>
-                            <a:srgbClr val="020302"/>
-                          </a:solidFill>
-                          <a:latin typeface="AdobeClean-Light"/>
-                          <a:cs typeface="AdobeClean-Light"/>
-                        </a:rPr>
-                        <a:t> P1 Issue Support</a:t>
-                      </a:r>
-                      <a:endParaRPr sz="900" spc="0">
-                        <a:latin typeface="AdobeClean-Light"/>
-                        <a:cs typeface="AdobeClean-Light"/>
-                      </a:endParaRPr>
                     </a:p>
                   </a:txBody>
                   <a:tcPr marL="0" marR="0" marT="57785" marB="0">
@@ -5060,7 +4284,7 @@
                         </a:spcBef>
                       </a:pPr>
                       <a:r>
-                        <a:rPr sz="900">
+                        <a:rPr lang="fr-FR" sz="900">
                           <a:solidFill>
                             <a:srgbClr val="020302"/>
                           </a:solidFill>
@@ -5069,10 +4293,6 @@
                         </a:rPr>
                         <a:t></a:t>
                       </a:r>
-                      <a:endParaRPr sz="900">
-                        <a:latin typeface="Wingdings"/>
-                        <a:cs typeface="Wingdings"/>
-                      </a:endParaRPr>
                     </a:p>
                   </a:txBody>
                   <a:tcPr marL="0" marR="0" marT="58419" marB="0">
@@ -5102,7 +4322,7 @@
                         </a:spcBef>
                       </a:pPr>
                       <a:r>
-                        <a:rPr sz="900">
+                        <a:rPr lang="fr-FR" sz="900">
                           <a:solidFill>
                             <a:srgbClr val="020302"/>
                           </a:solidFill>
@@ -5111,10 +4331,6 @@
                         </a:rPr>
                         <a:t></a:t>
                       </a:r>
-                      <a:endParaRPr sz="900">
-                        <a:latin typeface="Wingdings"/>
-                        <a:cs typeface="Wingdings"/>
-                      </a:endParaRPr>
                     </a:p>
                   </a:txBody>
                   <a:tcPr marL="0" marR="0" marT="58419" marB="0">
@@ -5137,7 +4353,7 @@
                     <a:bodyPr/>
                     <a:lstStyle/>
                     <a:p>
-                      <a:pPr marL="50800">
+                      <a:pPr marL="50800" algn="l" rtl="0">
                         <a:lnSpc>
                           <a:spcPct val="100000"/>
                         </a:lnSpc>
@@ -5195,19 +4411,15 @@
                         </a:spcBef>
                       </a:pPr>
                       <a:r>
-                        <a:rPr lang="en-US" sz="900" spc="0">
+                        <a:rPr lang="fr-FR" sz="900">
                           <a:solidFill>
                             <a:srgbClr val="020302"/>
                           </a:solidFill>
                           <a:latin typeface="AdobeClean-Light"/>
                           <a:cs typeface="AdobeClean-Light"/>
                         </a:rPr>
-                        <a:t>Named Support Contacts (per product)</a:t>
+                        <a:t>Contacts d’assistance nommés (par produit)</a:t>
                       </a:r>
-                      <a:endParaRPr sz="900" spc="0">
-                        <a:latin typeface="AdobeClean-Light"/>
-                        <a:cs typeface="AdobeClean-Light"/>
-                      </a:endParaRPr>
                     </a:p>
                   </a:txBody>
                   <a:tcPr marL="0" marR="0" marT="57785" marB="0">
@@ -5245,7 +4457,7 @@
                         </a:spcBef>
                       </a:pPr>
                       <a:r>
-                        <a:rPr sz="900">
+                        <a:rPr lang="fr-FR" sz="900">
                           <a:solidFill>
                             <a:srgbClr val="020302"/>
                           </a:solidFill>
@@ -5254,10 +4466,6 @@
                         </a:rPr>
                         <a:t>4</a:t>
                       </a:r>
-                      <a:endParaRPr sz="900">
-                        <a:latin typeface="AdobeClean-Light"/>
-                        <a:cs typeface="AdobeClean-Light"/>
-                      </a:endParaRPr>
                     </a:p>
                   </a:txBody>
                   <a:tcPr marL="0" marR="0" marT="57785" marB="0">
@@ -5287,7 +4495,7 @@
                         </a:spcBef>
                       </a:pPr>
                       <a:r>
-                        <a:rPr sz="900">
+                        <a:rPr lang="fr-FR" sz="900">
                           <a:solidFill>
                             <a:srgbClr val="020302"/>
                           </a:solidFill>
@@ -5296,10 +4504,6 @@
                         </a:rPr>
                         <a:t>6</a:t>
                       </a:r>
-                      <a:endParaRPr sz="900">
-                        <a:latin typeface="AdobeClean-Light"/>
-                        <a:cs typeface="AdobeClean-Light"/>
-                      </a:endParaRPr>
                     </a:p>
                   </a:txBody>
                   <a:tcPr marL="0" marR="0" marT="57785" marB="0">
@@ -5322,7 +4526,7 @@
                     <a:bodyPr/>
                     <a:lstStyle/>
                     <a:p>
-                      <a:pPr marL="50800">
+                      <a:pPr marL="50800" algn="l" rtl="0">
                         <a:lnSpc>
                           <a:spcPct val="100000"/>
                         </a:lnSpc>
@@ -5371,19 +4575,15 @@
                         </a:spcBef>
                       </a:pPr>
                       <a:r>
-                        <a:rPr lang="en-US" sz="900" spc="0">
+                        <a:rPr lang="fr-FR" sz="900">
                           <a:solidFill>
                             <a:srgbClr val="020302"/>
                           </a:solidFill>
                           <a:latin typeface="AdobeClean-Light"/>
                           <a:cs typeface="AdobeClean-Light"/>
                         </a:rPr>
-                        <a:t>Live Telephone Support</a:t>
+                        <a:t>Assistance téléphonique en direct</a:t>
                       </a:r>
-                      <a:endParaRPr sz="900" spc="0">
-                        <a:latin typeface="AdobeClean-Light"/>
-                        <a:cs typeface="AdobeClean-Light"/>
-                      </a:endParaRPr>
                     </a:p>
                   </a:txBody>
                   <a:tcPr marL="0" marR="0" marT="57785" marB="0">
@@ -5406,7 +4606,7 @@
                     <a:bodyPr/>
                     <a:lstStyle/>
                     <a:p>
-                      <a:pPr algn="ctr">
+                      <a:pPr algn="l" rtl="0">
                         <a:lnSpc>
                           <a:spcPct val="100000"/>
                         </a:lnSpc>
@@ -5447,7 +4647,7 @@
                         </a:spcBef>
                       </a:pPr>
                       <a:r>
-                        <a:rPr sz="900">
+                        <a:rPr lang="fr-FR" sz="900">
                           <a:solidFill>
                             <a:srgbClr val="020302"/>
                           </a:solidFill>
@@ -5456,10 +4656,6 @@
                         </a:rPr>
                         <a:t></a:t>
                       </a:r>
-                      <a:endParaRPr sz="900">
-                        <a:latin typeface="Wingdings"/>
-                        <a:cs typeface="Wingdings"/>
-                      </a:endParaRPr>
                     </a:p>
                   </a:txBody>
                   <a:tcPr marL="0" marR="0" marT="59054" marB="0">
@@ -5482,7 +4678,7 @@
                     <a:bodyPr/>
                     <a:lstStyle/>
                     <a:p>
-                      <a:pPr marL="50800">
+                      <a:pPr marL="50800" algn="l" rtl="0">
                         <a:lnSpc>
                           <a:spcPct val="100000"/>
                         </a:lnSpc>
@@ -5531,19 +4727,15 @@
                         </a:spcBef>
                       </a:pPr>
                       <a:r>
-                        <a:rPr sz="900" spc="0">
+                        <a:rPr lang="fr-FR" sz="900">
                           <a:solidFill>
                             <a:srgbClr val="020302"/>
                           </a:solidFill>
                           <a:latin typeface="AdobeClean-Light"/>
                           <a:cs typeface="AdobeClean-Light"/>
                         </a:rPr>
-                        <a:t>Escalation Management</a:t>
+                        <a:t>Gestion des remontées d’informations</a:t>
                       </a:r>
-                      <a:endParaRPr sz="900" spc="0">
-                        <a:latin typeface="AdobeClean-Light"/>
-                        <a:cs typeface="AdobeClean-Light"/>
-                      </a:endParaRPr>
                     </a:p>
                   </a:txBody>
                   <a:tcPr marL="0" marR="0" marT="58419" marB="0">
@@ -5566,7 +4758,7 @@
                     <a:bodyPr/>
                     <a:lstStyle/>
                     <a:p>
-                      <a:pPr algn="ctr">
+                      <a:pPr algn="l" rtl="0">
                         <a:lnSpc>
                           <a:spcPct val="100000"/>
                         </a:lnSpc>
@@ -5607,7 +4799,7 @@
                         </a:spcBef>
                       </a:pPr>
                       <a:r>
-                        <a:rPr sz="900">
+                        <a:rPr lang="fr-FR" sz="900">
                           <a:solidFill>
                             <a:srgbClr val="020302"/>
                           </a:solidFill>
@@ -5616,10 +4808,6 @@
                         </a:rPr>
                         <a:t></a:t>
                       </a:r>
-                      <a:endParaRPr sz="900">
-                        <a:latin typeface="Wingdings"/>
-                        <a:cs typeface="Wingdings"/>
-                      </a:endParaRPr>
                     </a:p>
                   </a:txBody>
                   <a:tcPr marL="0" marR="0" marT="59690" marB="0">
@@ -5642,7 +4830,7 @@
                     <a:bodyPr/>
                     <a:lstStyle/>
                     <a:p>
-                      <a:pPr marL="50800">
+                      <a:pPr marL="50800" algn="l" rtl="0">
                         <a:lnSpc>
                           <a:spcPct val="100000"/>
                         </a:lnSpc>
@@ -5691,29 +4879,15 @@
                         </a:spcBef>
                       </a:pPr>
                       <a:r>
-                        <a:rPr sz="900" spc="0">
+                        <a:rPr lang="fr-FR" sz="900">
                           <a:solidFill>
                             <a:srgbClr val="020302"/>
                           </a:solidFill>
                           <a:latin typeface="AdobeClean-Light"/>
                           <a:cs typeface="AdobeClean-Light"/>
                         </a:rPr>
-                        <a:t>Service Reviews </a:t>
+                        <a:t>Examens de service par an</a:t>
                       </a:r>
-                      <a:r>
-                        <a:rPr lang="en-US" sz="900" spc="0">
-                          <a:solidFill>
-                            <a:srgbClr val="020302"/>
-                          </a:solidFill>
-                          <a:latin typeface="AdobeClean-Light"/>
-                          <a:cs typeface="AdobeClean-Light"/>
-                        </a:rPr>
-                        <a:t>per Year</a:t>
-                      </a:r>
-                      <a:endParaRPr sz="900" spc="0">
-                        <a:latin typeface="AdobeClean-Light"/>
-                        <a:cs typeface="AdobeClean-Light"/>
-                      </a:endParaRPr>
                     </a:p>
                   </a:txBody>
                   <a:tcPr marL="0" marR="0" marT="57150" marB="0">
@@ -5736,7 +4910,7 @@
                     <a:bodyPr/>
                     <a:lstStyle/>
                     <a:p>
-                      <a:pPr>
+                      <a:pPr algn="l" rtl="0">
                         <a:lnSpc>
                           <a:spcPct val="100000"/>
                         </a:lnSpc>
@@ -5765,7 +4939,7 @@
                     <a:bodyPr/>
                     <a:lstStyle/>
                     <a:p>
-                      <a:pPr>
+                      <a:pPr algn="l" rtl="0">
                         <a:lnSpc>
                           <a:spcPct val="100000"/>
                         </a:lnSpc>
@@ -5815,16 +4989,12 @@
                         </a:spcBef>
                       </a:pPr>
                       <a:r>
-                        <a:rPr lang="en-US" sz="900" spc="0">
+                        <a:rPr lang="fr-FR" sz="900">
                           <a:latin typeface="AdobeClean-Light"/>
                           <a:cs typeface="AdobeClean-Light"/>
                         </a:rPr>
-                        <a:t>Expert Sessions per Year</a:t>
+                        <a:t>Sessions d’experts par an</a:t>
                       </a:r>
-                      <a:endParaRPr sz="900" spc="0">
-                        <a:latin typeface="AdobeClean-Light"/>
-                        <a:cs typeface="AdobeClean-Light"/>
-                      </a:endParaRPr>
                     </a:p>
                   </a:txBody>
                   <a:tcPr marL="0" marR="0" marT="57150" marB="0">
@@ -5853,7 +5023,7 @@
                     <a:bodyPr/>
                     <a:lstStyle/>
                     <a:p>
-                      <a:pPr>
+                      <a:pPr algn="l" rtl="0">
                         <a:lnSpc>
                           <a:spcPct val="100000"/>
                         </a:lnSpc>
@@ -5882,7 +5052,7 @@
                     <a:bodyPr/>
                     <a:lstStyle/>
                     <a:p>
-                      <a:pPr>
+                      <a:pPr algn="l" rtl="0">
                         <a:lnSpc>
                           <a:spcPct val="100000"/>
                         </a:lnSpc>
@@ -5932,16 +5102,12 @@
                         </a:spcBef>
                       </a:pPr>
                       <a:r>
-                        <a:rPr lang="en-US" sz="900" spc="0">
+                        <a:rPr lang="fr-FR" sz="900">
                           <a:latin typeface="AdobeClean-Light"/>
                           <a:cs typeface="AdobeClean-Light"/>
                         </a:rPr>
-                        <a:t>Case Reviews</a:t>
+                        <a:t>Examens de cas</a:t>
                       </a:r>
-                      <a:endParaRPr sz="900" spc="0">
-                        <a:latin typeface="AdobeClean-Light"/>
-                        <a:cs typeface="AdobeClean-Light"/>
-                      </a:endParaRPr>
                     </a:p>
                   </a:txBody>
                   <a:tcPr marL="0" marR="0" marT="57150" marB="0">
@@ -5970,7 +5136,7 @@
                     <a:bodyPr/>
                     <a:lstStyle/>
                     <a:p>
-                      <a:pPr>
+                      <a:pPr algn="l" rtl="0">
                         <a:lnSpc>
                           <a:spcPct val="100000"/>
                         </a:lnSpc>
@@ -5999,7 +5165,7 @@
                     <a:bodyPr/>
                     <a:lstStyle/>
                     <a:p>
-                      <a:pPr>
+                      <a:pPr algn="l" rtl="0">
                         <a:lnSpc>
                           <a:spcPct val="100000"/>
                         </a:lnSpc>
@@ -6030,7 +5196,7 @@
                     <a:bodyPr/>
                     <a:lstStyle/>
                     <a:p>
-                      <a:pPr marL="48895">
+                      <a:pPr marL="48895" algn="l" rtl="0">
                         <a:lnSpc>
                           <a:spcPct val="100000"/>
                         </a:lnSpc>
@@ -6088,29 +5254,15 @@
                         </a:spcBef>
                       </a:pPr>
                       <a:r>
-                        <a:rPr sz="900" spc="0">
+                        <a:rPr lang="fr-FR" sz="900">
                           <a:solidFill>
                             <a:srgbClr val="020302"/>
                           </a:solidFill>
                           <a:latin typeface="AdobeClean-Light"/>
                           <a:cs typeface="AdobeClean-Light"/>
                         </a:rPr>
-                        <a:t>Event </a:t>
+                        <a:t>Gestion des événements</a:t>
                       </a:r>
-                      <a:r>
-                        <a:rPr lang="en-US" sz="900" spc="0">
-                          <a:solidFill>
-                            <a:srgbClr val="020302"/>
-                          </a:solidFill>
-                          <a:latin typeface="AdobeClean-Light"/>
-                          <a:cs typeface="AdobeClean-Light"/>
-                        </a:rPr>
-                        <a:t>Management</a:t>
-                      </a:r>
-                      <a:endParaRPr sz="900" spc="0">
-                        <a:latin typeface="AdobeClean-Light"/>
-                        <a:cs typeface="AdobeClean-Light"/>
-                      </a:endParaRPr>
                     </a:p>
                   </a:txBody>
                   <a:tcPr marL="0" marR="0" marT="58419" marB="0">
@@ -6139,7 +5291,7 @@
                     <a:bodyPr/>
                     <a:lstStyle/>
                     <a:p>
-                      <a:pPr>
+                      <a:pPr algn="l" rtl="0">
                         <a:lnSpc>
                           <a:spcPct val="100000"/>
                         </a:lnSpc>
@@ -6168,7 +5320,7 @@
                     <a:bodyPr/>
                     <a:lstStyle/>
                     <a:p>
-                      <a:pPr>
+                      <a:pPr algn="l" rtl="0">
                         <a:lnSpc>
                           <a:spcPct val="100000"/>
                         </a:lnSpc>
@@ -6199,7 +5351,7 @@
                     <a:bodyPr/>
                     <a:lstStyle/>
                     <a:p>
-                      <a:pPr marL="48895">
+                      <a:pPr marL="48895" algn="l" rtl="0">
                         <a:lnSpc>
                           <a:spcPct val="100000"/>
                         </a:lnSpc>
@@ -6248,39 +5400,15 @@
                         </a:spcBef>
                       </a:pPr>
                       <a:r>
-                        <a:rPr sz="900" spc="0">
+                        <a:rPr lang="fr-FR" sz="900">
                           <a:solidFill>
                             <a:srgbClr val="020302"/>
                           </a:solidFill>
                           <a:latin typeface="AdobeClean-Light"/>
                           <a:cs typeface="AdobeClean-Light"/>
                         </a:rPr>
-                        <a:t>Environment</a:t>
+                        <a:t>Examen, maintenance et surveillance de l’environnement</a:t>
                       </a:r>
-                      <a:r>
-                        <a:rPr lang="en-US" sz="900" spc="0">
-                          <a:solidFill>
-                            <a:srgbClr val="020302"/>
-                          </a:solidFill>
-                          <a:latin typeface="AdobeClean-Light"/>
-                          <a:cs typeface="AdobeClean-Light"/>
-                        </a:rPr>
-                        <a:t> </a:t>
-                      </a:r>
-                      <a:r>
-                        <a:rPr sz="900" spc="0">
-                          <a:solidFill>
-                            <a:srgbClr val="020302"/>
-                          </a:solidFill>
-                          <a:latin typeface="AdobeClean-Light"/>
-                          <a:cs typeface="AdobeClean-Light"/>
-                        </a:rPr>
-                        <a:t>Review, Maintenance &amp; Monitoring</a:t>
-                      </a:r>
-                      <a:endParaRPr sz="900" spc="0">
-                        <a:latin typeface="AdobeClean-Light"/>
-                        <a:cs typeface="AdobeClean-Light"/>
-                      </a:endParaRPr>
                     </a:p>
                   </a:txBody>
                   <a:tcPr marL="0" marR="0" marT="59055" marB="0">
@@ -6303,7 +5431,7 @@
                     <a:bodyPr/>
                     <a:lstStyle/>
                     <a:p>
-                      <a:pPr>
+                      <a:pPr algn="l" rtl="0">
                         <a:lnSpc>
                           <a:spcPct val="100000"/>
                         </a:lnSpc>
@@ -6332,7 +5460,7 @@
                     <a:bodyPr/>
                     <a:lstStyle/>
                     <a:p>
-                      <a:pPr>
+                      <a:pPr algn="l" rtl="0">
                         <a:lnSpc>
                           <a:spcPct val="100000"/>
                         </a:lnSpc>
@@ -6363,7 +5491,7 @@
                     <a:bodyPr/>
                     <a:lstStyle/>
                     <a:p>
-                      <a:pPr marL="49530">
+                      <a:pPr marL="49530" algn="l" rtl="0">
                         <a:lnSpc>
                           <a:spcPct val="100000"/>
                         </a:lnSpc>
@@ -6412,19 +5540,34 @@
                         </a:spcBef>
                       </a:pPr>
                       <a:r>
-                        <a:rPr sz="900" spc="0">
+                        <a:rPr lang="fr-FR" sz="900" dirty="0">
                           <a:solidFill>
                             <a:srgbClr val="020302"/>
                           </a:solidFill>
                           <a:latin typeface="AdobeClean-Light"/>
                           <a:cs typeface="AdobeClean-Light"/>
                         </a:rPr>
-                        <a:t>Release, Migration, Upgrade &amp; Product Roadmap Review</a:t>
+                        <a:t>Version, migration, mise à niveau et examen de la feuille </a:t>
                       </a:r>
-                      <a:endParaRPr sz="900" spc="0">
-                        <a:latin typeface="AdobeClean-Light"/>
-                        <a:cs typeface="AdobeClean-Light"/>
-                      </a:endParaRPr>
+                      <a:br>
+                        <a:rPr lang="sk-SK" sz="900" dirty="0">
+                          <a:solidFill>
+                            <a:srgbClr val="020302"/>
+                          </a:solidFill>
+                          <a:latin typeface="AdobeClean-Light"/>
+                          <a:cs typeface="AdobeClean-Light"/>
+                        </a:rPr>
+                      </a:br>
+                      <a:r>
+                        <a:rPr lang="fr-FR" sz="900" dirty="0">
+                          <a:solidFill>
+                            <a:srgbClr val="020302"/>
+                          </a:solidFill>
+                          <a:latin typeface="AdobeClean-Light"/>
+                          <a:cs typeface="AdobeClean-Light"/>
+                        </a:rPr>
+                        <a:t>de route du produit</a:t>
+                      </a:r>
                     </a:p>
                   </a:txBody>
                   <a:tcPr marL="0" marR="0" marT="63500" marB="0">
@@ -6447,7 +5590,7 @@
                     <a:bodyPr/>
                     <a:lstStyle/>
                     <a:p>
-                      <a:pPr>
+                      <a:pPr algn="l" rtl="0">
                         <a:lnSpc>
                           <a:spcPct val="100000"/>
                         </a:lnSpc>
@@ -6476,7 +5619,7 @@
                     <a:bodyPr/>
                     <a:lstStyle/>
                     <a:p>
-                      <a:pPr>
+                      <a:pPr algn="l" rtl="0">
                         <a:lnSpc>
                           <a:spcPct val="100000"/>
                         </a:lnSpc>
@@ -6507,7 +5650,7 @@
                     <a:bodyPr/>
                     <a:lstStyle/>
                     <a:p>
-                      <a:pPr marL="49530">
+                      <a:pPr marL="49530" algn="l" rtl="0">
                         <a:lnSpc>
                           <a:spcPct val="100000"/>
                         </a:lnSpc>
@@ -6565,11 +5708,11 @@
                         </a:spcBef>
                       </a:pPr>
                       <a:r>
-                        <a:rPr sz="900" spc="0">
+                        <a:rPr lang="fr-FR" sz="900">
                           <a:latin typeface="AdobeClean-Light"/>
                           <a:cs typeface="AdobeClean-Light"/>
                         </a:rPr>
-                        <a:t>Cloud Support Activities – Experience Manager as Cloud</a:t>
+                        <a:t>Activités d’assistance dans le Cloud - Experience Manager as Cloud</a:t>
                       </a:r>
                     </a:p>
                   </a:txBody>
@@ -6599,7 +5742,7 @@
                     <a:bodyPr/>
                     <a:lstStyle/>
                     <a:p>
-                      <a:pPr>
+                      <a:pPr algn="l" rtl="0">
                         <a:lnSpc>
                           <a:spcPct val="100000"/>
                         </a:lnSpc>
@@ -6637,7 +5780,7 @@
                     <a:bodyPr/>
                     <a:lstStyle/>
                     <a:p>
-                      <a:pPr>
+                      <a:pPr algn="l" rtl="0">
                         <a:lnSpc>
                           <a:spcPct val="100000"/>
                         </a:lnSpc>
@@ -6686,22 +5829,15 @@
                         </a:spcBef>
                       </a:pPr>
                       <a:r>
-                        <a:rPr lang="en-US" sz="1000" b="1" i="0" spc="0">
+                        <a:rPr lang="fr-FR" sz="1000" b="1" i="0">
                           <a:solidFill>
                             <a:schemeClr val="bg1"/>
                           </a:solidFill>
                           <a:latin typeface="Adobe Clean" panose="020B0503020404020204" pitchFamily="34" charset="0"/>
                           <a:cs typeface="AdobeClean-Light"/>
                         </a:rPr>
-                        <a:t>Field Services</a:t>
+                        <a:t>Services de terrain</a:t>
                       </a:r>
-                      <a:endParaRPr sz="1000" b="1" i="0" spc="0">
-                        <a:solidFill>
-                          <a:schemeClr val="bg1"/>
-                        </a:solidFill>
-                        <a:latin typeface="Adobe Clean" panose="020B0503020404020204" pitchFamily="34" charset="0"/>
-                        <a:cs typeface="AdobeClean-Light"/>
-                      </a:endParaRPr>
                     </a:p>
                   </a:txBody>
                   <a:tcPr marL="0" marR="0" marT="48260" marB="0" anchor="ctr">
@@ -6754,19 +5890,15 @@
                         </a:spcBef>
                       </a:pPr>
                       <a:r>
-                        <a:rPr sz="900" spc="0">
+                        <a:rPr lang="fr-FR" sz="900">
                           <a:solidFill>
                             <a:srgbClr val="020302"/>
                           </a:solidFill>
                           <a:latin typeface="AdobeClean-Light"/>
                           <a:cs typeface="AdobeClean-Light"/>
                         </a:rPr>
-                        <a:t>Launch Advisory Services – First Year of new solution</a:t>
+                        <a:t>Services Launch Advisory - Première année de la nouvelle solution</a:t>
                       </a:r>
-                      <a:endParaRPr sz="900" spc="0">
-                        <a:latin typeface="AdobeClean-Light"/>
-                        <a:cs typeface="AdobeClean-Light"/>
-                      </a:endParaRPr>
                     </a:p>
                     <a:p>
                       <a:pPr marL="48260" hangingPunct="0">
@@ -6778,11 +5910,11 @@
                         </a:spcBef>
                       </a:pPr>
                       <a:r>
-                        <a:rPr sz="900" spc="0">
+                        <a:rPr lang="fr-FR" sz="900">
                           <a:latin typeface="AdobeClean-Light"/>
                           <a:cs typeface="AdobeClean-Light"/>
                         </a:rPr>
-                        <a:t>Field Service Activities </a:t>
+                        <a:t>Activités du service de terrain </a:t>
                       </a:r>
                     </a:p>
                   </a:txBody>
@@ -6818,7 +5950,7 @@
                     <a:bodyPr/>
                     <a:lstStyle/>
                     <a:p>
-                      <a:pPr>
+                      <a:pPr algn="l" rtl="0">
                         <a:lnSpc>
                           <a:spcPct val="100000"/>
                         </a:lnSpc>
@@ -6856,7 +5988,7 @@
                     <a:bodyPr/>
                     <a:lstStyle/>
                     <a:p>
-                      <a:pPr>
+                      <a:pPr algn="l" rtl="0">
                         <a:lnSpc>
                           <a:spcPct val="100000"/>
                         </a:lnSpc>
@@ -6941,7 +6073,7 @@
                     <a:bodyPr/>
                     <a:lstStyle/>
                     <a:p>
-                      <a:pPr>
+                      <a:pPr algn="l" rtl="0">
                         <a:lnSpc>
                           <a:spcPct val="100000"/>
                         </a:lnSpc>
@@ -6967,12 +6099,12 @@
                     <a:bodyPr/>
                     <a:lstStyle/>
                     <a:p>
-                      <a:pPr>
+                      <a:pPr algn="l" rtl="0">
                         <a:lnSpc>
                           <a:spcPct val="100000"/>
                         </a:lnSpc>
                       </a:pPr>
-                      <a:endParaRPr sz="900">
+                      <a:endParaRPr sz="900" dirty="0">
                         <a:latin typeface="Times New Roman"/>
                         <a:cs typeface="Times New Roman"/>
                       </a:endParaRPr>
@@ -7031,7 +6163,7 @@
           <a:lstStyle/>
           <a:p>
             <a:r>
-              <a:rPr lang="en-US" sz="700" i="1">
+              <a:rPr lang="fr-FR" sz="700" i="1">
                 <a:solidFill>
                   <a:schemeClr val="bg1"/>
                 </a:solidFill>
@@ -7213,7 +6345,7 @@
         <p:spPr>
           <a:xfrm>
             <a:off x="370040" y="1409311"/>
-            <a:ext cx="2286000" cy="1289969"/>
+            <a:ext cx="2286000" cy="1817998"/>
           </a:xfrm>
           <a:prstGeom prst="rect">
             <a:avLst/>
@@ -7234,18 +6366,48 @@
               </a:spcBef>
             </a:pPr>
             <a:r>
-              <a:rPr lang="en-US" sz="1000">
+              <a:rPr lang="fr-FR" sz="1000" dirty="0">
                 <a:solidFill>
                   <a:srgbClr val="000000"/>
                 </a:solidFill>
                 <a:latin typeface="Adobe Clean Light" panose="020B0303020404020204" pitchFamily="34" charset="0"/>
               </a:rPr>
-              <a:t>A designated Account Support Lead to proactively monitor cases, drive cross-team collaboration, deliver onboarding webinars, run service reports, provide non-technical support assistance, and function as your escalation point and internal advocate within Adobe Support.</a:t>
+              <a:t>Il s’agit d’une assistance principale de compte désignée permettant de surveiller de manière proactive les cas, de favoriser la collaboration entre les équipes, de diffuser des webinaires d’intégration, de conduire des rapports </a:t>
             </a:r>
-            <a:endParaRPr lang="en-US" sz="1000">
-              <a:latin typeface="Adobe Clean Light" panose="020B0303020404020204" pitchFamily="34" charset="0"/>
-              <a:cs typeface="AdobeClean-Light"/>
-            </a:endParaRPr>
+            <a:br>
+              <a:rPr lang="sk-SK" sz="1000" dirty="0">
+                <a:solidFill>
+                  <a:srgbClr val="000000"/>
+                </a:solidFill>
+                <a:latin typeface="Adobe Clean Light" panose="020B0303020404020204" pitchFamily="34" charset="0"/>
+              </a:rPr>
+            </a:br>
+            <a:r>
+              <a:rPr lang="fr-FR" sz="1000" dirty="0">
+                <a:solidFill>
+                  <a:srgbClr val="000000"/>
+                </a:solidFill>
+                <a:latin typeface="Adobe Clean Light" panose="020B0303020404020204" pitchFamily="34" charset="0"/>
+              </a:rPr>
+              <a:t>de service, de fournir une assistance non technique et d’agir comme porte-parole </a:t>
+            </a:r>
+            <a:br>
+              <a:rPr lang="sk-SK" sz="1000" dirty="0">
+                <a:solidFill>
+                  <a:srgbClr val="000000"/>
+                </a:solidFill>
+                <a:latin typeface="Adobe Clean Light" panose="020B0303020404020204" pitchFamily="34" charset="0"/>
+              </a:rPr>
+            </a:br>
+            <a:r>
+              <a:rPr lang="fr-FR" sz="1000" dirty="0">
+                <a:solidFill>
+                  <a:srgbClr val="000000"/>
+                </a:solidFill>
+                <a:latin typeface="Adobe Clean Light" panose="020B0303020404020204" pitchFamily="34" charset="0"/>
+              </a:rPr>
+              <a:t>de remontée des informations et comme ambassadeur interne au sein du service d’assistance d’Adobe.</a:t>
+            </a:r>
           </a:p>
         </p:txBody>
       </p:sp>
@@ -7282,42 +6444,15 @@
               </a:tabLst>
             </a:pPr>
             <a:r>
-              <a:rPr sz="1000">
+              <a:rPr lang="fr-FR" sz="1000" dirty="0">
                 <a:solidFill>
                   <a:srgbClr val="020302"/>
                 </a:solidFill>
                 <a:latin typeface="AdobeClean-Light"/>
                 <a:cs typeface="AdobeClean-Light"/>
               </a:rPr>
-              <a:t>Start a chat session to get answers</a:t>
+              <a:t>Commencez une session de conversation pour obtenir des réponses et de l’aide lors de l’envoi du cas</a:t>
             </a:r>
-            <a:r>
-              <a:rPr lang="en-US" sz="1000">
-                <a:solidFill>
-                  <a:srgbClr val="020302"/>
-                </a:solidFill>
-                <a:latin typeface="AdobeClean-Light"/>
-                <a:cs typeface="AdobeClean-Light"/>
-              </a:rPr>
-              <a:t> &amp; </a:t>
-            </a:r>
-            <a:r>
-              <a:rPr sz="1000">
-                <a:solidFill>
-                  <a:srgbClr val="020302"/>
-                </a:solidFill>
-                <a:latin typeface="AdobeClean-Light"/>
-                <a:cs typeface="AdobeClean-Light"/>
-              </a:rPr>
-              <a:t>help with case submission</a:t>
-            </a:r>
-            <a:endParaRPr lang="en-US" sz="1000">
-              <a:solidFill>
-                <a:srgbClr val="020302"/>
-              </a:solidFill>
-              <a:latin typeface="AdobeClean-Light"/>
-              <a:cs typeface="AdobeClean-Light"/>
-            </a:endParaRPr>
           </a:p>
           <a:p>
             <a:pPr marL="33020" marR="159385">
@@ -7332,17 +6467,17 @@
               </a:tabLst>
             </a:pPr>
             <a:r>
-              <a:rPr sz="1000" i="1">
+              <a:rPr lang="fr-FR" sz="1000" i="1" dirty="0">
                 <a:solidFill>
                   <a:srgbClr val="7A7A7A"/>
                 </a:solidFill>
                 <a:latin typeface="AdobeClean-LightIt"/>
                 <a:cs typeface="AdobeClean-LightIt"/>
               </a:rPr>
-              <a:t>*Not all products have live chat support</a:t>
+              <a:t>*Tous les produits ne bénéficient pas de l’assistance de messagerie instantanée</a:t>
             </a:r>
             <a:r>
-              <a:rPr sz="900" i="1">
+              <a:rPr lang="fr-FR" sz="900" i="1" dirty="0">
                 <a:solidFill>
                   <a:srgbClr val="7A7A7A"/>
                 </a:solidFill>
@@ -7351,10 +6486,6 @@
               </a:rPr>
               <a:t>.  </a:t>
             </a:r>
-            <a:endParaRPr sz="900">
-              <a:latin typeface="AdobeClean-Light"/>
-              <a:cs typeface="AdobeClean-Light"/>
-            </a:endParaRPr>
           </a:p>
         </p:txBody>
       </p:sp>
@@ -7404,7 +6535,7 @@
         <p:spPr>
           <a:xfrm>
             <a:off x="838200" y="6046398"/>
-            <a:ext cx="1568246" cy="184666"/>
+            <a:ext cx="1817840" cy="184666"/>
           </a:xfrm>
           <a:prstGeom prst="rect">
             <a:avLst/>
@@ -7430,12 +6561,12 @@
               <a:defRPr/>
             </a:pPr>
             <a:r>
-              <a:rPr lang="en-US" sz="1200">
+              <a:rPr lang="fr-FR" sz="1200" dirty="0">
                 <a:solidFill>
                   <a:srgbClr val="000000"/>
                 </a:solidFill>
               </a:rPr>
-              <a:t>Community Forums</a:t>
+              <a:t>Forums de la communauté</a:t>
             </a:r>
           </a:p>
         </p:txBody>
@@ -7457,7 +6588,7 @@
         <p:spPr>
           <a:xfrm>
             <a:off x="838200" y="6277305"/>
-            <a:ext cx="959314" cy="184666"/>
+            <a:ext cx="1376994" cy="184666"/>
           </a:xfrm>
           <a:prstGeom prst="rect">
             <a:avLst/>
@@ -7478,12 +6609,12 @@
               </a:spcAft>
             </a:pPr>
             <a:r>
-              <a:rPr lang="en-US" sz="1200" b="1">
+              <a:rPr lang="fr-FR" sz="1200" b="1" dirty="0">
                 <a:latin typeface="+mj-lt"/>
                 <a:ea typeface="Open Sans" pitchFamily="34" charset="0"/>
                 <a:cs typeface="Open Sans" pitchFamily="34" charset="0"/>
               </a:rPr>
-              <a:t>Online Forums</a:t>
+              <a:t>Forums en ligne</a:t>
             </a:r>
           </a:p>
         </p:txBody>
@@ -7503,7 +6634,7 @@
         <p:spPr>
           <a:xfrm>
             <a:off x="370040" y="6529249"/>
-            <a:ext cx="2286000" cy="805349"/>
+            <a:ext cx="2286000" cy="1113125"/>
           </a:xfrm>
           <a:prstGeom prst="rect">
             <a:avLst/>
@@ -7516,13 +6647,64 @@
           <a:lstStyle/>
           <a:p>
             <a:r>
-              <a:rPr lang="en-US" sz="1000">
+              <a:rPr lang="fr-FR" sz="1000" dirty="0">
                 <a:solidFill>
                   <a:srgbClr val="000000"/>
                 </a:solidFill>
                 <a:latin typeface="Adobe Clean Light" panose="020B0303020404020204" pitchFamily="34" charset="0"/>
               </a:rPr>
-              <a:t>Continuous online access to a growing database of technical solutions, product documentation, FAQs and more. Thousands of customers can connect to share best practices and lessons learned.</a:t>
+              <a:t>Accès en ligne permanent à une base </a:t>
+            </a:r>
+            <a:br>
+              <a:rPr lang="sk-SK" sz="1000" dirty="0">
+                <a:solidFill>
+                  <a:srgbClr val="000000"/>
+                </a:solidFill>
+                <a:latin typeface="Adobe Clean Light" panose="020B0303020404020204" pitchFamily="34" charset="0"/>
+              </a:rPr>
+            </a:br>
+            <a:r>
+              <a:rPr lang="fr-FR" sz="1000" dirty="0">
+                <a:solidFill>
+                  <a:srgbClr val="000000"/>
+                </a:solidFill>
+                <a:latin typeface="Adobe Clean Light" panose="020B0303020404020204" pitchFamily="34" charset="0"/>
+              </a:rPr>
+              <a:t>de données croissante de solutions techniques, de documentation sur les produits, de questions fréquentes, etc. </a:t>
+            </a:r>
+            <a:br>
+              <a:rPr lang="sk-SK" sz="1000" dirty="0">
+                <a:solidFill>
+                  <a:srgbClr val="000000"/>
+                </a:solidFill>
+                <a:latin typeface="Adobe Clean Light" panose="020B0303020404020204" pitchFamily="34" charset="0"/>
+              </a:rPr>
+            </a:br>
+            <a:r>
+              <a:rPr lang="fr-FR" sz="1000" dirty="0">
+                <a:solidFill>
+                  <a:srgbClr val="000000"/>
+                </a:solidFill>
+                <a:latin typeface="Adobe Clean Light" panose="020B0303020404020204" pitchFamily="34" charset="0"/>
+              </a:rPr>
+              <a:t>Des milliers de clients peuvent entrer en contact pour partager les bonnes pratiques </a:t>
+            </a:r>
+            <a:br>
+              <a:rPr lang="sk-SK" sz="1000" dirty="0">
+                <a:solidFill>
+                  <a:srgbClr val="000000"/>
+                </a:solidFill>
+                <a:latin typeface="Adobe Clean Light" panose="020B0303020404020204" pitchFamily="34" charset="0"/>
+              </a:rPr>
+            </a:br>
+            <a:r>
+              <a:rPr lang="fr-FR" sz="1000" dirty="0">
+                <a:solidFill>
+                  <a:srgbClr val="000000"/>
+                </a:solidFill>
+                <a:latin typeface="Adobe Clean Light" panose="020B0303020404020204" pitchFamily="34" charset="0"/>
+              </a:rPr>
+              <a:t>et les leçons apprises.</a:t>
             </a:r>
           </a:p>
         </p:txBody>
@@ -7565,12 +6747,12 @@
               </a:spcAft>
             </a:pPr>
             <a:r>
-              <a:rPr lang="en-US" sz="1200" b="1">
+              <a:rPr lang="fr-FR" sz="1200" b="1">
                 <a:latin typeface="+mj-lt"/>
                 <a:ea typeface="Open Sans" pitchFamily="34" charset="0"/>
                 <a:cs typeface="Open Sans" pitchFamily="34" charset="0"/>
               </a:rPr>
-              <a:t>Self-guided Journeys</a:t>
+              <a:t>Parcours auto-guidés</a:t>
             </a:r>
           </a:p>
         </p:txBody>
@@ -7590,7 +6772,7 @@
         <p:spPr>
           <a:xfrm>
             <a:off x="5376301" y="6529249"/>
-            <a:ext cx="2286000" cy="959237"/>
+            <a:ext cx="2381010" cy="1113125"/>
           </a:xfrm>
           <a:prstGeom prst="rect">
             <a:avLst/>
@@ -7603,13 +6785,67 @@
           <a:lstStyle/>
           <a:p>
             <a:r>
-              <a:rPr lang="en-US" sz="1000">
+              <a:rPr lang="fr-FR" sz="1000" dirty="0">
                 <a:solidFill>
                   <a:srgbClr val="000000"/>
                 </a:solidFill>
                 <a:latin typeface="Adobe Clean Light" panose="020B0303020404020204" pitchFamily="34" charset="0"/>
               </a:rPr>
-              <a:t>Experience Makers are made with Experience League. Customers can kickstart their Customer Experience Management abilities with personalized learning to develop skills, engage with a global community of peers, and earn career advancing recognition.</a:t>
+              <a:t>Les </a:t>
+            </a:r>
+            <a:r>
+              <a:rPr lang="fr-FR" sz="1000" dirty="0" err="1">
+                <a:solidFill>
+                  <a:srgbClr val="000000"/>
+                </a:solidFill>
+                <a:latin typeface="Adobe Clean Light" panose="020B0303020404020204" pitchFamily="34" charset="0"/>
+              </a:rPr>
+              <a:t>Experience</a:t>
+            </a:r>
+            <a:r>
+              <a:rPr lang="fr-FR" sz="1000" dirty="0">
+                <a:solidFill>
+                  <a:srgbClr val="000000"/>
+                </a:solidFill>
+                <a:latin typeface="Adobe Clean Light" panose="020B0303020404020204" pitchFamily="34" charset="0"/>
+              </a:rPr>
+              <a:t> </a:t>
+            </a:r>
+            <a:r>
+              <a:rPr lang="fr-FR" sz="1000" dirty="0" err="1">
+                <a:solidFill>
+                  <a:srgbClr val="000000"/>
+                </a:solidFill>
+                <a:latin typeface="Adobe Clean Light" panose="020B0303020404020204" pitchFamily="34" charset="0"/>
+              </a:rPr>
+              <a:t>Makers</a:t>
+            </a:r>
+            <a:r>
+              <a:rPr lang="fr-FR" sz="1000" dirty="0">
+                <a:solidFill>
+                  <a:srgbClr val="000000"/>
+                </a:solidFill>
+                <a:latin typeface="Adobe Clean Light" panose="020B0303020404020204" pitchFamily="34" charset="0"/>
+              </a:rPr>
+              <a:t> sont créées à l’aide d’</a:t>
+            </a:r>
+            <a:r>
+              <a:rPr lang="fr-FR" sz="1000" dirty="0" err="1">
+                <a:solidFill>
+                  <a:srgbClr val="000000"/>
+                </a:solidFill>
+                <a:latin typeface="Adobe Clean Light" panose="020B0303020404020204" pitchFamily="34" charset="0"/>
+              </a:rPr>
+              <a:t>Experience</a:t>
+            </a:r>
+            <a:r>
+              <a:rPr lang="fr-FR" sz="1000" dirty="0">
+                <a:solidFill>
+                  <a:srgbClr val="000000"/>
+                </a:solidFill>
+                <a:latin typeface="Adobe Clean Light" panose="020B0303020404020204" pitchFamily="34" charset="0"/>
+              </a:rPr>
+              <a:t> League. Les clients peuvent lancer leurs capacités de gestion de l’expérience client grâce à un apprentissage personnalisé permettant de développer leurs compétences, collaborer avec une communauté mondiale de pairs et gagner une reconnaissance de carrière.</a:t>
             </a:r>
           </a:p>
         </p:txBody>
@@ -7630,8 +6866,8 @@
         </p:nvSpPr>
         <p:spPr>
           <a:xfrm>
-            <a:off x="3215895" y="8150141"/>
-            <a:ext cx="2520000" cy="184666"/>
+            <a:off x="3215895" y="8054891"/>
+            <a:ext cx="2520000" cy="369332"/>
           </a:xfrm>
           <a:prstGeom prst="rect">
             <a:avLst/>
@@ -7657,12 +6893,27 @@
               <a:defRPr/>
             </a:pPr>
             <a:r>
-              <a:rPr lang="en-US" sz="1200">
+              <a:rPr lang="fr-FR" sz="1200" dirty="0">
                 <a:solidFill>
                   <a:srgbClr val="000000"/>
                 </a:solidFill>
               </a:rPr>
-              <a:t>Live Chat  Support*</a:t>
+              <a:t>Assistance de messagerie </a:t>
+            </a:r>
+            <a:br>
+              <a:rPr lang="sk-SK" sz="1200" dirty="0">
+                <a:solidFill>
+                  <a:srgbClr val="000000"/>
+                </a:solidFill>
+              </a:rPr>
+            </a:br>
+            <a:r>
+              <a:rPr lang="fr-FR" sz="1200" dirty="0">
+                <a:solidFill>
+                  <a:srgbClr val="000000"/>
+                </a:solidFill>
+              </a:rPr>
+              <a:t>instantanée*</a:t>
             </a:r>
           </a:p>
         </p:txBody>
@@ -7683,7 +6934,7 @@
         </p:nvSpPr>
         <p:spPr>
           <a:xfrm>
-            <a:off x="3198434" y="8373543"/>
+            <a:off x="3198434" y="8424343"/>
             <a:ext cx="840166" cy="184666"/>
           </a:xfrm>
           <a:prstGeom prst="rect">
@@ -7705,12 +6956,12 @@
               </a:spcAft>
             </a:pPr>
             <a:r>
-              <a:rPr lang="en-US" sz="1200" b="1">
+              <a:rPr lang="fr-FR" sz="1200" b="1">
                 <a:latin typeface="+mj-lt"/>
                 <a:ea typeface="Open Sans" pitchFamily="34" charset="0"/>
                 <a:cs typeface="Open Sans" pitchFamily="34" charset="0"/>
               </a:rPr>
-              <a:t>Chat Support</a:t>
+              <a:t>Assistance de conversation</a:t>
             </a:r>
           </a:p>
         </p:txBody>
@@ -7758,12 +7009,12 @@
               <a:defRPr/>
             </a:pPr>
             <a:r>
-              <a:rPr lang="en-US" sz="1200">
+              <a:rPr lang="fr-FR" sz="1200">
                 <a:solidFill>
                   <a:srgbClr val="000000"/>
                 </a:solidFill>
               </a:rPr>
-              <a:t>24X7 P1 </a:t>
+              <a:t>P1 24X7 </a:t>
             </a:r>
           </a:p>
         </p:txBody>
@@ -7806,12 +7057,12 @@
               </a:spcAft>
             </a:pPr>
             <a:r>
-              <a:rPr lang="en-US" sz="1200" b="1">
+              <a:rPr lang="fr-FR" sz="1200" b="1">
                 <a:latin typeface="+mj-lt"/>
                 <a:ea typeface="Open Sans" pitchFamily="34" charset="0"/>
                 <a:cs typeface="Open Sans" pitchFamily="34" charset="0"/>
               </a:rPr>
-              <a:t>Phone Support</a:t>
+              <a:t>Assistance téléphonique</a:t>
             </a:r>
           </a:p>
         </p:txBody>
@@ -7831,7 +7082,7 @@
         <p:spPr>
           <a:xfrm>
             <a:off x="2836967" y="6529249"/>
-            <a:ext cx="2286000" cy="805349"/>
+            <a:ext cx="2286000" cy="1113125"/>
           </a:xfrm>
           <a:prstGeom prst="rect">
             <a:avLst/>
@@ -7844,26 +7095,53 @@
           <a:lstStyle/>
           <a:p>
             <a:r>
-              <a:rPr lang="en-US" sz="1000">
+              <a:rPr lang="fr-FR" sz="1000" dirty="0">
                 <a:solidFill>
                   <a:srgbClr val="020302"/>
                 </a:solidFill>
                 <a:latin typeface="AdobeClean-Light"/>
               </a:rPr>
-              <a:t>Authorized users or Named Support Contacts </a:t>
+              <a:t>Les utilisateurs autorisés ou les contacts d’assistance nommés </a:t>
             </a:r>
             <a:r>
-              <a:rPr lang="en-US" sz="1000">
+              <a:rPr lang="fr-FR" sz="1000" dirty="0">
                 <a:latin typeface="Adobe Clean Light" panose="020B0303020404020204" pitchFamily="34" charset="0"/>
               </a:rPr>
-              <a:t>can submit issues through all available  channels (including phone for P1) and interact with our technical support team on behalf of your company. </a:t>
+              <a:t>peuvent communiquer des problèmes par l’intermédiaire de tous </a:t>
             </a:r>
-            <a:endParaRPr lang="en-US" sz="1000">
-              <a:solidFill>
-                <a:srgbClr val="000000"/>
-              </a:solidFill>
-              <a:latin typeface="Adobe Clean Light" panose="020B0303020404020204" pitchFamily="34" charset="0"/>
-            </a:endParaRPr>
+            <a:br>
+              <a:rPr lang="sk-SK" sz="1000" dirty="0">
+                <a:latin typeface="Adobe Clean Light" panose="020B0303020404020204" pitchFamily="34" charset="0"/>
+              </a:rPr>
+            </a:br>
+            <a:r>
+              <a:rPr lang="fr-FR" sz="1000" dirty="0">
+                <a:latin typeface="Adobe Clean Light" panose="020B0303020404020204" pitchFamily="34" charset="0"/>
+              </a:rPr>
+              <a:t>les canaux disponibles (y compris </a:t>
+            </a:r>
+            <a:br>
+              <a:rPr lang="sk-SK" sz="1000" dirty="0">
+                <a:latin typeface="Adobe Clean Light" panose="020B0303020404020204" pitchFamily="34" charset="0"/>
+              </a:rPr>
+            </a:br>
+            <a:r>
+              <a:rPr lang="fr-FR" sz="1000" dirty="0">
+                <a:latin typeface="Adobe Clean Light" panose="020B0303020404020204" pitchFamily="34" charset="0"/>
+              </a:rPr>
+              <a:t>le téléphone pour P1) et interagir avec notre équipe d’assistance technique au nom </a:t>
+            </a:r>
+            <a:br>
+              <a:rPr lang="sk-SK" sz="1000" dirty="0">
+                <a:latin typeface="Adobe Clean Light" panose="020B0303020404020204" pitchFamily="34" charset="0"/>
+              </a:rPr>
+            </a:br>
+            <a:r>
+              <a:rPr lang="fr-FR" sz="1000" dirty="0">
+                <a:latin typeface="Adobe Clean Light" panose="020B0303020404020204" pitchFamily="34" charset="0"/>
+              </a:rPr>
+              <a:t>de votre entreprise. </a:t>
+            </a:r>
           </a:p>
         </p:txBody>
       </p:sp>
@@ -7885,8 +7163,8 @@
         </p:nvSpPr>
         <p:spPr>
           <a:xfrm>
-            <a:off x="5253416" y="9862966"/>
-            <a:ext cx="2270125" cy="132729"/>
+            <a:off x="4806950" y="9862967"/>
+            <a:ext cx="2716591" cy="132308"/>
           </a:xfrm>
           <a:prstGeom prst="rect">
             <a:avLst/>
@@ -7907,24 +7185,8 @@
               </a:spcBef>
             </a:pPr>
             <a:r>
-              <a:rPr spc="-5"/>
-              <a:t>©202</a:t>
-            </a:r>
-            <a:r>
-              <a:rPr lang="en-US" spc="-5"/>
-              <a:t>1</a:t>
-            </a:r>
-            <a:r>
-              <a:rPr spc="-5"/>
-              <a:t> Adobe. All Rights Reserved. Adobe</a:t>
-            </a:r>
-            <a:r>
-              <a:rPr spc="60"/>
-              <a:t> </a:t>
-            </a:r>
-            <a:r>
-              <a:rPr spc="-5"/>
-              <a:t>Confidential.</a:t>
+              <a:rPr lang="fr-FR"/>
+              <a:t>©2021 Adobe. All Rights Reserved. Données confidentielles Adobe</a:t>
             </a:r>
           </a:p>
         </p:txBody>
@@ -7946,7 +7208,7 @@
         <p:spPr>
           <a:xfrm>
             <a:off x="821898" y="1099315"/>
-            <a:ext cx="1726164" cy="184666"/>
+            <a:ext cx="1726164" cy="369332"/>
           </a:xfrm>
           <a:prstGeom prst="rect">
             <a:avLst/>
@@ -7967,13 +7229,30 @@
               </a:spcAft>
             </a:pPr>
             <a:r>
-              <a:rPr lang="en-US" sz="1200" b="1" spc="-10">
+              <a:rPr lang="fr-FR" sz="1200" b="1" dirty="0">
                 <a:solidFill>
                   <a:srgbClr val="020302"/>
                 </a:solidFill>
                 <a:latin typeface="+mj-lt"/>
               </a:rPr>
-              <a:t>Account Support Lead</a:t>
+              <a:t>Assistance principale </a:t>
+            </a:r>
+            <a:br>
+              <a:rPr lang="sk-SK" sz="1200" b="1" dirty="0">
+                <a:solidFill>
+                  <a:srgbClr val="020302"/>
+                </a:solidFill>
+                <a:latin typeface="+mj-lt"/>
+              </a:rPr>
+            </a:br>
+            <a:r>
+              <a:rPr lang="fr-FR" sz="1200" b="1" dirty="0">
+                <a:solidFill>
+                  <a:srgbClr val="020302"/>
+                </a:solidFill>
+                <a:latin typeface="+mj-lt"/>
+              </a:rPr>
+              <a:t>du compte</a:t>
             </a:r>
           </a:p>
         </p:txBody>
@@ -7993,7 +7272,7 @@
         <p:spPr>
           <a:xfrm>
             <a:off x="401995" y="5785009"/>
-            <a:ext cx="1848207" cy="45719"/>
+            <a:ext cx="2956205" cy="45719"/>
           </a:xfrm>
           <a:custGeom>
             <a:avLst/>
@@ -8062,19 +7341,15 @@
               </a:spcBef>
             </a:pPr>
             <a:r>
-              <a:rPr lang="en-US" sz="1400" b="1" spc="-10">
+              <a:rPr lang="fr-FR" sz="1400" b="1">
                 <a:solidFill>
                   <a:srgbClr val="020302"/>
                 </a:solidFill>
                 <a:latin typeface="Adobe Clean"/>
                 <a:cs typeface="Adobe Clean"/>
               </a:rPr>
-              <a:t>Online Support Features</a:t>
+              <a:t>Fonctionnalités de l’assistance en ligne</a:t>
             </a:r>
-            <a:endParaRPr lang="en-US" sz="1400">
-              <a:latin typeface="Adobe Clean"/>
-              <a:cs typeface="Adobe Clean"/>
-            </a:endParaRPr>
           </a:p>
         </p:txBody>
       </p:sp>
@@ -8092,8 +7367,8 @@
         </p:nvSpPr>
         <p:spPr>
           <a:xfrm>
-            <a:off x="384421" y="774495"/>
-            <a:ext cx="2011680" cy="0"/>
+            <a:off x="384420" y="774494"/>
+            <a:ext cx="3069979" cy="45719"/>
           </a:xfrm>
           <a:custGeom>
             <a:avLst/>
@@ -8162,19 +7437,15 @@
               </a:spcBef>
             </a:pPr>
             <a:r>
-              <a:rPr lang="en-US" sz="1400" b="1" spc="-10">
+              <a:rPr lang="fr-FR" sz="1400" b="1">
                 <a:solidFill>
                   <a:srgbClr val="020302"/>
                 </a:solidFill>
                 <a:latin typeface="Adobe Clean"/>
                 <a:cs typeface="Adobe Clean"/>
               </a:rPr>
-              <a:t>Business  Support Features</a:t>
+              <a:t>Fonctionnalités d’assistance commerciale</a:t>
             </a:r>
-            <a:endParaRPr lang="en-US" sz="1400">
-              <a:latin typeface="Adobe Clean"/>
-              <a:cs typeface="Adobe Clean"/>
-            </a:endParaRPr>
           </a:p>
         </p:txBody>
       </p:sp>
@@ -8214,15 +7485,11 @@
               </a:spcBef>
             </a:pPr>
             <a:r>
-              <a:rPr lang="en-US" sz="1000">
+              <a:rPr lang="fr-FR" sz="1000" dirty="0">
                 <a:latin typeface="Adobe Clean Light" panose="020B0303020404020204" pitchFamily="34" charset="0"/>
               </a:rPr>
-              <a:t>Customers can submit support cases via Phone for all P2, P3, P4 issues during regional support hours. There are no upper limits on the number of times you can call into support. Customers can also request a call back from support or request a meeting to demonstrate or work through an issue using a shared remote desktop session.</a:t>
+              <a:t>Les clients peuvent envoyer des cas d’assistance par téléphone pour tous les problèmes P2, P3 et P4 pendant les heures d’assistance régionales. Vous pouvez appeler l’assistance autant de fois que cela est nécessaire. Les clients peuvent également demander à l’assistance de les rappeler ou demander une réunion pour démontrer ou résoudre un problème au cours d’une session de bureau distant partagée.</a:t>
             </a:r>
-            <a:endParaRPr lang="en-US" sz="1000">
-              <a:latin typeface="Adobe Clean Light" panose="020B0303020404020204" pitchFamily="34" charset="0"/>
-              <a:cs typeface="AdobeClean-Light"/>
-            </a:endParaRPr>
           </a:p>
         </p:txBody>
       </p:sp>
@@ -8243,7 +7510,7 @@
         <p:spPr>
           <a:xfrm>
             <a:off x="3257682" y="1083435"/>
-            <a:ext cx="1976242" cy="184666"/>
+            <a:ext cx="1976242" cy="369332"/>
           </a:xfrm>
           <a:prstGeom prst="rect">
             <a:avLst/>
@@ -8264,13 +7531,30 @@
               </a:spcAft>
             </a:pPr>
             <a:r>
-              <a:rPr lang="en-US" sz="1200" b="1" spc="-10">
+              <a:rPr lang="fr-FR" sz="1200" b="1" dirty="0">
                 <a:solidFill>
                   <a:srgbClr val="020302"/>
                 </a:solidFill>
                 <a:latin typeface="+mj-lt"/>
               </a:rPr>
-              <a:t>Live Telephone Support</a:t>
+              <a:t>Assistance téléphonique </a:t>
+            </a:r>
+            <a:br>
+              <a:rPr lang="sk-SK" sz="1200" b="1" dirty="0">
+                <a:solidFill>
+                  <a:srgbClr val="020302"/>
+                </a:solidFill>
+                <a:latin typeface="+mj-lt"/>
+              </a:rPr>
+            </a:br>
+            <a:r>
+              <a:rPr lang="fr-FR" sz="1200" b="1" dirty="0">
+                <a:solidFill>
+                  <a:srgbClr val="020302"/>
+                </a:solidFill>
+                <a:latin typeface="+mj-lt"/>
+              </a:rPr>
+              <a:t>en direct</a:t>
             </a:r>
           </a:p>
         </p:txBody>
@@ -8290,7 +7574,7 @@
         <p:spPr>
           <a:xfrm>
             <a:off x="5376301" y="1398482"/>
-            <a:ext cx="2286000" cy="805349"/>
+            <a:ext cx="2286000" cy="959237"/>
           </a:xfrm>
           <a:prstGeom prst="rect">
             <a:avLst/>
@@ -8311,18 +7595,65 @@
               </a:spcBef>
             </a:pPr>
             <a:r>
-              <a:rPr lang="en-US" sz="1000">
+              <a:rPr lang="fr-FR" sz="1000" dirty="0">
                 <a:solidFill>
                   <a:srgbClr val="4B4B4B"/>
                 </a:solidFill>
                 <a:latin typeface="Adobe Clean Light" panose="020B0303020404020204" pitchFamily="34" charset="0"/>
               </a:rPr>
-              <a:t>A designated point of contact within Adobe who can provide escalation assistance, regular updates and ensure priority is given to your most critical open support requests.</a:t>
+              <a:t>Il s’agit d’un point de contact désigné au sein d’Adobe pouvant fournir une assistance </a:t>
             </a:r>
-            <a:endParaRPr lang="en-US" sz="1000">
-              <a:latin typeface="Adobe Clean Light" panose="020B0303020404020204" pitchFamily="34" charset="0"/>
-              <a:cs typeface="AdobeClean-Light"/>
-            </a:endParaRPr>
+            <a:br>
+              <a:rPr lang="sk-SK" sz="1000" dirty="0">
+                <a:solidFill>
+                  <a:srgbClr val="4B4B4B"/>
+                </a:solidFill>
+                <a:latin typeface="Adobe Clean Light" panose="020B0303020404020204" pitchFamily="34" charset="0"/>
+              </a:rPr>
+            </a:br>
+            <a:r>
+              <a:rPr lang="fr-FR" sz="1000" dirty="0">
+                <a:solidFill>
+                  <a:srgbClr val="4B4B4B"/>
+                </a:solidFill>
+                <a:latin typeface="Adobe Clean Light" panose="020B0303020404020204" pitchFamily="34" charset="0"/>
+              </a:rPr>
+              <a:t>en matière de remontées d’informations, </a:t>
+            </a:r>
+            <a:br>
+              <a:rPr lang="sk-SK" sz="1000" dirty="0">
+                <a:solidFill>
+                  <a:srgbClr val="4B4B4B"/>
+                </a:solidFill>
+                <a:latin typeface="Adobe Clean Light" panose="020B0303020404020204" pitchFamily="34" charset="0"/>
+              </a:rPr>
+            </a:br>
+            <a:r>
+              <a:rPr lang="fr-FR" sz="1000" dirty="0">
+                <a:solidFill>
+                  <a:srgbClr val="4B4B4B"/>
+                </a:solidFill>
+                <a:latin typeface="Adobe Clean Light" panose="020B0303020404020204" pitchFamily="34" charset="0"/>
+              </a:rPr>
+              <a:t>des mises à jour régulières et s’assurant que </a:t>
+            </a:r>
+            <a:br>
+              <a:rPr lang="sk-SK" sz="1000" dirty="0">
+                <a:solidFill>
+                  <a:srgbClr val="4B4B4B"/>
+                </a:solidFill>
+                <a:latin typeface="Adobe Clean Light" panose="020B0303020404020204" pitchFamily="34" charset="0"/>
+              </a:rPr>
+            </a:br>
+            <a:r>
+              <a:rPr lang="fr-FR" sz="1000" dirty="0">
+                <a:solidFill>
+                  <a:srgbClr val="4B4B4B"/>
+                </a:solidFill>
+                <a:latin typeface="Adobe Clean Light" panose="020B0303020404020204" pitchFamily="34" charset="0"/>
+              </a:rPr>
+              <a:t>la priorité est mise sur vos demandes d’assistance ouvertes les plus importantes.</a:t>
+            </a:r>
           </a:p>
         </p:txBody>
       </p:sp>
@@ -8364,13 +7695,13 @@
               </a:spcAft>
             </a:pPr>
             <a:r>
-              <a:rPr lang="en-US" sz="1200" b="1" spc="-10">
+              <a:rPr lang="fr-FR" sz="1200" b="1">
                 <a:solidFill>
                   <a:srgbClr val="020302"/>
                 </a:solidFill>
                 <a:latin typeface="+mj-lt"/>
               </a:rPr>
-              <a:t>Escalation Management</a:t>
+              <a:t>Gestion des remontées d’informations</a:t>
             </a:r>
           </a:p>
         </p:txBody>
@@ -8418,7 +7749,7 @@
               <a:defRPr/>
             </a:pPr>
             <a:r>
-              <a:rPr lang="en-US" sz="1200">
+              <a:rPr lang="fr-FR" sz="1200">
                 <a:solidFill>
                   <a:srgbClr val="000000"/>
                 </a:solidFill>
@@ -8466,12 +7797,12 @@
               </a:spcAft>
             </a:pPr>
             <a:r>
-              <a:rPr lang="en-US" sz="1200" b="1">
+              <a:rPr lang="fr-FR" sz="1200" b="1">
                 <a:latin typeface="+mj-lt"/>
                 <a:ea typeface="Open Sans" pitchFamily="34" charset="0"/>
                 <a:cs typeface="Open Sans" pitchFamily="34" charset="0"/>
               </a:rPr>
-              <a:t>Webinars</a:t>
+              <a:t>Webinaires</a:t>
             </a:r>
           </a:p>
         </p:txBody>
@@ -8504,13 +7835,134 @@
           <a:lstStyle/>
           <a:p>
             <a:r>
-              <a:rPr lang="en-US" sz="1000">
+              <a:rPr lang="fr-FR" sz="1000" dirty="0">
                 <a:solidFill>
                   <a:srgbClr val="000000"/>
                 </a:solidFill>
                 <a:latin typeface="Adobe Clean Light" panose="020B0303020404020204" pitchFamily="34" charset="0"/>
               </a:rPr>
-              <a:t>Office Hours is an initiative led by the Adobe Customer Support team. These sessions are designed to inform as well as help participants troubleshoot problems and provide tips and tricks to be successful with Adobe Experience Cloud.</a:t>
+              <a:t>« Office </a:t>
+            </a:r>
+            <a:r>
+              <a:rPr lang="fr-FR" sz="1000" dirty="0" err="1">
+                <a:solidFill>
+                  <a:srgbClr val="000000"/>
+                </a:solidFill>
+                <a:latin typeface="Adobe Clean Light" panose="020B0303020404020204" pitchFamily="34" charset="0"/>
+              </a:rPr>
+              <a:t>Hours</a:t>
+            </a:r>
+            <a:r>
+              <a:rPr lang="fr-FR" sz="1000" dirty="0">
+                <a:solidFill>
+                  <a:srgbClr val="000000"/>
+                </a:solidFill>
+                <a:latin typeface="Adobe Clean Light" panose="020B0303020404020204" pitchFamily="34" charset="0"/>
+              </a:rPr>
+              <a:t> » est une initiative menée </a:t>
+            </a:r>
+            <a:br>
+              <a:rPr lang="sk-SK" sz="1000" dirty="0">
+                <a:solidFill>
+                  <a:srgbClr val="000000"/>
+                </a:solidFill>
+                <a:latin typeface="Adobe Clean Light" panose="020B0303020404020204" pitchFamily="34" charset="0"/>
+              </a:rPr>
+            </a:br>
+            <a:r>
+              <a:rPr lang="fr-FR" sz="1000" dirty="0">
+                <a:solidFill>
+                  <a:srgbClr val="000000"/>
+                </a:solidFill>
+                <a:latin typeface="Adobe Clean Light" panose="020B0303020404020204" pitchFamily="34" charset="0"/>
+              </a:rPr>
+              <a:t>par l’équipe du service clientèle d’Adobe. </a:t>
+            </a:r>
+            <a:br>
+              <a:rPr lang="sk-SK" sz="1000" dirty="0">
+                <a:solidFill>
+                  <a:srgbClr val="000000"/>
+                </a:solidFill>
+                <a:latin typeface="Adobe Clean Light" panose="020B0303020404020204" pitchFamily="34" charset="0"/>
+              </a:rPr>
+            </a:br>
+            <a:r>
+              <a:rPr lang="fr-FR" sz="1000" dirty="0">
+                <a:solidFill>
+                  <a:srgbClr val="000000"/>
+                </a:solidFill>
+                <a:latin typeface="Adobe Clean Light" panose="020B0303020404020204" pitchFamily="34" charset="0"/>
+              </a:rPr>
+              <a:t>Ces sessions sont conçues pour informer </a:t>
+            </a:r>
+            <a:br>
+              <a:rPr lang="sk-SK" sz="1000" dirty="0">
+                <a:solidFill>
+                  <a:srgbClr val="000000"/>
+                </a:solidFill>
+                <a:latin typeface="Adobe Clean Light" panose="020B0303020404020204" pitchFamily="34" charset="0"/>
+              </a:rPr>
+            </a:br>
+            <a:r>
+              <a:rPr lang="fr-FR" sz="1000" dirty="0">
+                <a:solidFill>
+                  <a:srgbClr val="000000"/>
+                </a:solidFill>
+                <a:latin typeface="Adobe Clean Light" panose="020B0303020404020204" pitchFamily="34" charset="0"/>
+              </a:rPr>
+              <a:t>les participants des problèmes et les aider </a:t>
+            </a:r>
+            <a:br>
+              <a:rPr lang="sk-SK" sz="1000" dirty="0">
+                <a:solidFill>
+                  <a:srgbClr val="000000"/>
+                </a:solidFill>
+                <a:latin typeface="Adobe Clean Light" panose="020B0303020404020204" pitchFamily="34" charset="0"/>
+              </a:rPr>
+            </a:br>
+            <a:r>
+              <a:rPr lang="fr-FR" sz="1000" dirty="0">
+                <a:solidFill>
+                  <a:srgbClr val="000000"/>
+                </a:solidFill>
+                <a:latin typeface="Adobe Clean Light" panose="020B0303020404020204" pitchFamily="34" charset="0"/>
+              </a:rPr>
+              <a:t>à les résoudre. Elles fournissent des conseils </a:t>
+            </a:r>
+            <a:br>
+              <a:rPr lang="sk-SK" sz="1000" dirty="0">
+                <a:solidFill>
+                  <a:srgbClr val="000000"/>
+                </a:solidFill>
+                <a:latin typeface="Adobe Clean Light" panose="020B0303020404020204" pitchFamily="34" charset="0"/>
+              </a:rPr>
+            </a:br>
+            <a:r>
+              <a:rPr lang="fr-FR" sz="1000" dirty="0">
+                <a:solidFill>
+                  <a:srgbClr val="000000"/>
+                </a:solidFill>
+                <a:latin typeface="Adobe Clean Light" panose="020B0303020404020204" pitchFamily="34" charset="0"/>
+              </a:rPr>
+              <a:t>et des astuces pour bien utiliser Adobe </a:t>
+            </a:r>
+            <a:r>
+              <a:rPr lang="fr-FR" sz="1000" dirty="0" err="1">
+                <a:solidFill>
+                  <a:srgbClr val="000000"/>
+                </a:solidFill>
+                <a:latin typeface="Adobe Clean Light" panose="020B0303020404020204" pitchFamily="34" charset="0"/>
+              </a:rPr>
+              <a:t>Experience</a:t>
+            </a:r>
+            <a:r>
+              <a:rPr lang="fr-FR" sz="1000" dirty="0">
+                <a:solidFill>
+                  <a:srgbClr val="000000"/>
+                </a:solidFill>
+                <a:latin typeface="Adobe Clean Light" panose="020B0303020404020204" pitchFamily="34" charset="0"/>
+              </a:rPr>
+              <a:t> Cloud.</a:t>
             </a:r>
           </a:p>
         </p:txBody>
@@ -8553,12 +8005,12 @@
               </a:spcAft>
             </a:pPr>
             <a:r>
-              <a:rPr lang="en-US" sz="1200" b="1">
+              <a:rPr lang="fr-FR" sz="1200" b="1">
                 <a:latin typeface="+mj-lt"/>
                 <a:ea typeface="Open Sans" pitchFamily="34" charset="0"/>
                 <a:cs typeface="Open Sans" pitchFamily="34" charset="0"/>
               </a:rPr>
-              <a:t>24/7 Support Portal</a:t>
+              <a:t>Portail d’assistance 24/7</a:t>
             </a:r>
           </a:p>
         </p:txBody>
@@ -8578,7 +8030,7 @@
         <p:spPr>
           <a:xfrm>
             <a:off x="5376301" y="8618616"/>
-            <a:ext cx="2286000" cy="805349"/>
+            <a:ext cx="2286000" cy="1113125"/>
           </a:xfrm>
           <a:prstGeom prst="rect">
             <a:avLst/>
@@ -8591,16 +8043,16 @@
           <a:lstStyle/>
           <a:p>
             <a:r>
-              <a:rPr lang="en-US" sz="1000">
+              <a:rPr lang="fr-FR" sz="1000" dirty="0">
                 <a:solidFill>
                   <a:srgbClr val="000000"/>
                 </a:solidFill>
                 <a:latin typeface="Adobe Clean Light" panose="020B0303020404020204" pitchFamily="34" charset="0"/>
               </a:rPr>
-              <a:t>On-demand access to the online </a:t>
+              <a:t>Accès à la demande au portail </a:t>
             </a:r>
             <a:br>
-              <a:rPr lang="en-US" sz="1000">
+              <a:rPr lang="fr-FR" sz="1000" dirty="0">
                 <a:solidFill>
                   <a:srgbClr val="000000"/>
                 </a:solidFill>
@@ -8608,13 +8060,81 @@
               </a:rPr>
             </a:br>
             <a:r>
-              <a:rPr lang="en-US" sz="1000">
+              <a:rPr lang="fr-FR" sz="1000" dirty="0">
                 <a:solidFill>
                   <a:srgbClr val="000000"/>
                 </a:solidFill>
                 <a:latin typeface="Adobe Clean Light" panose="020B0303020404020204" pitchFamily="34" charset="0"/>
               </a:rPr>
-              <a:t>Self-help Support Portal to submit support requests, review case status, and browse other resources, like our knowledgebase, news and alerts, featured tips, and more.</a:t>
+              <a:t>d’assistance d’aide automatique en ligne </a:t>
+            </a:r>
+            <a:br>
+              <a:rPr lang="sk-SK" sz="1000" dirty="0">
+                <a:solidFill>
+                  <a:srgbClr val="000000"/>
+                </a:solidFill>
+                <a:latin typeface="Adobe Clean Light" panose="020B0303020404020204" pitchFamily="34" charset="0"/>
+              </a:rPr>
+            </a:br>
+            <a:r>
+              <a:rPr lang="fr-FR" sz="1000" dirty="0">
+                <a:solidFill>
+                  <a:srgbClr val="000000"/>
+                </a:solidFill>
+                <a:latin typeface="Adobe Clean Light" panose="020B0303020404020204" pitchFamily="34" charset="0"/>
+              </a:rPr>
+              <a:t>pour envoyer des demandes d’assistance, </a:t>
+            </a:r>
+            <a:br>
+              <a:rPr lang="sk-SK" sz="1000" dirty="0">
+                <a:solidFill>
+                  <a:srgbClr val="000000"/>
+                </a:solidFill>
+                <a:latin typeface="Adobe Clean Light" panose="020B0303020404020204" pitchFamily="34" charset="0"/>
+              </a:rPr>
+            </a:br>
+            <a:r>
+              <a:rPr lang="fr-FR" sz="1000" dirty="0">
+                <a:solidFill>
+                  <a:srgbClr val="000000"/>
+                </a:solidFill>
+                <a:latin typeface="Adobe Clean Light" panose="020B0303020404020204" pitchFamily="34" charset="0"/>
+              </a:rPr>
+              <a:t>examiner le statut des cas et parcourir</a:t>
+            </a:r>
+            <a:br>
+              <a:rPr lang="sk-SK" sz="1000" dirty="0">
+                <a:solidFill>
+                  <a:srgbClr val="000000"/>
+                </a:solidFill>
+                <a:latin typeface="Adobe Clean Light" panose="020B0303020404020204" pitchFamily="34" charset="0"/>
+              </a:rPr>
+            </a:br>
+            <a:r>
+              <a:rPr lang="fr-FR" sz="1000" dirty="0">
+                <a:solidFill>
+                  <a:srgbClr val="000000"/>
+                </a:solidFill>
+                <a:latin typeface="Adobe Clean Light" panose="020B0303020404020204" pitchFamily="34" charset="0"/>
+              </a:rPr>
+              <a:t>d’autres ressources, telles que notre base </a:t>
+            </a:r>
+            <a:br>
+              <a:rPr lang="sk-SK" sz="1000" dirty="0">
+                <a:solidFill>
+                  <a:srgbClr val="000000"/>
+                </a:solidFill>
+                <a:latin typeface="Adobe Clean Light" panose="020B0303020404020204" pitchFamily="34" charset="0"/>
+              </a:rPr>
+            </a:br>
+            <a:r>
+              <a:rPr lang="fr-FR" sz="1000" dirty="0">
+                <a:solidFill>
+                  <a:srgbClr val="000000"/>
+                </a:solidFill>
+                <a:latin typeface="Adobe Clean Light" panose="020B0303020404020204" pitchFamily="34" charset="0"/>
+              </a:rPr>
+              <a:t>de connaissances, les actualités et les alertes, les conseils présentés, etc.</a:t>
             </a:r>
           </a:p>
         </p:txBody>
@@ -8726,10 +8246,10 @@
           <a:lstStyle/>
           <a:p>
             <a:r>
-              <a:rPr lang="en-US" sz="1200" b="1">
+              <a:rPr lang="fr-FR" sz="1200" b="1">
                 <a:latin typeface="+mj-lt"/>
               </a:rPr>
-              <a:t>Business Services</a:t>
+              <a:t>Services commerciaux</a:t>
             </a:r>
           </a:p>
         </p:txBody>
@@ -8749,7 +8269,7 @@
         <p:spPr>
           <a:xfrm>
             <a:off x="370041" y="3875832"/>
-            <a:ext cx="2286000" cy="558999"/>
+            <a:ext cx="2286000" cy="740780"/>
           </a:xfrm>
           <a:prstGeom prst="rect">
             <a:avLst/>
@@ -8770,15 +8290,22 @@
               </a:spcBef>
             </a:pPr>
             <a:r>
-              <a:rPr lang="en-US" sz="1000">
+              <a:rPr lang="fr-FR" sz="1000" dirty="0">
                 <a:latin typeface="Adobe Clean Light" panose="020B0303020404020204" pitchFamily="34" charset="0"/>
               </a:rPr>
-              <a:t>An Account Support Lead will host webinars covering an overview of business support services.  </a:t>
+              <a:t>Une assistance de compte principale hébergera des webinaires présentant </a:t>
             </a:r>
-            <a:endParaRPr lang="en-US" sz="1000">
-              <a:latin typeface="Adobe Clean Light" panose="020B0303020404020204" pitchFamily="34" charset="0"/>
-              <a:cs typeface="AdobeClean-Light"/>
-            </a:endParaRPr>
+            <a:br>
+              <a:rPr lang="sk-SK" sz="1000" dirty="0">
+                <a:latin typeface="Adobe Clean Light" panose="020B0303020404020204" pitchFamily="34" charset="0"/>
+              </a:rPr>
+            </a:br>
+            <a:r>
+              <a:rPr lang="fr-FR" sz="1000" dirty="0">
+                <a:latin typeface="Adobe Clean Light" panose="020B0303020404020204" pitchFamily="34" charset="0"/>
+              </a:rPr>
+              <a:t>un aperçu des services d’assistance commerciale.  </a:t>
+            </a:r>
           </a:p>
         </p:txBody>
       </p:sp>
@@ -8796,7 +8323,7 @@
         </p:nvSpPr>
         <p:spPr>
           <a:xfrm rot="5400000" flipH="1">
-            <a:off x="3863341" y="302967"/>
+            <a:off x="3863341" y="506167"/>
             <a:ext cx="45719" cy="5577840"/>
           </a:xfrm>
           <a:custGeom>
@@ -9247,12 +8774,12 @@
               <a:defRPr/>
             </a:pPr>
             <a:r>
-              <a:rPr lang="en-US" sz="1200">
+              <a:rPr lang="fr-FR" sz="1200">
                 <a:solidFill>
                   <a:srgbClr val="000000"/>
                 </a:solidFill>
               </a:rPr>
-              <a:t>Self– Help Portal</a:t>
+              <a:t>Portail d’aide automatique</a:t>
             </a:r>
           </a:p>
         </p:txBody>
@@ -9300,7 +8827,7 @@
               <a:defRPr/>
             </a:pPr>
             <a:r>
-              <a:rPr lang="en-US" sz="1200">
+              <a:rPr lang="fr-FR" sz="1200">
                 <a:solidFill>
                   <a:srgbClr val="000000"/>
                 </a:solidFill>
@@ -9362,49 +8889,15 @@
               </a:lnSpc>
             </a:pPr>
             <a:r>
-              <a:rPr sz="500" spc="-5">
+              <a:rPr lang="fr-FR" sz="500">
                 <a:solidFill>
                   <a:srgbClr val="6C6C6C"/>
                 </a:solidFill>
                 <a:latin typeface="Adobe Clean"/>
                 <a:cs typeface="Adobe Clean"/>
               </a:rPr>
-              <a:t>©2020 Adobe. All Rights Reserved. </a:t>
+              <a:t>©2020 Adobe. All Rights Reserved. Données confidentielles Adobe</a:t>
             </a:r>
-            <a:r>
-              <a:rPr sz="500">
-                <a:solidFill>
-                  <a:srgbClr val="6C6C6C"/>
-                </a:solidFill>
-                <a:latin typeface="Adobe Clean"/>
-                <a:cs typeface="Adobe Clean"/>
-              </a:rPr>
-              <a:t>Adobe</a:t>
-            </a:r>
-            <a:r>
-              <a:rPr sz="500" spc="5">
-                <a:solidFill>
-                  <a:srgbClr val="6C6C6C"/>
-                </a:solidFill>
-                <a:latin typeface="Adobe Clean"/>
-                <a:cs typeface="Adobe Clean"/>
-              </a:rPr>
-              <a:t> </a:t>
-            </a:r>
-            <a:r>
-              <a:rPr sz="500" spc="-5">
-                <a:solidFill>
-                  <a:srgbClr val="6C6C6C"/>
-                </a:solidFill>
-                <a:latin typeface="Adobe Clean"/>
-                <a:cs typeface="Adobe Clean"/>
-              </a:rPr>
-              <a:t>Confidential.</a:t>
-            </a:r>
-            <a:endParaRPr sz="500">
-              <a:latin typeface="Adobe Clean"/>
-              <a:cs typeface="Adobe Clean"/>
-            </a:endParaRPr>
           </a:p>
           <a:p>
             <a:pPr>
@@ -9430,39 +8923,15 @@
               </a:spcBef>
             </a:pPr>
             <a:r>
-              <a:rPr sz="800" spc="-5">
+              <a:rPr lang="fr-FR" sz="800">
                 <a:solidFill>
                   <a:srgbClr val="6D6D6D"/>
                 </a:solidFill>
                 <a:latin typeface="Adobe Clean"/>
                 <a:cs typeface="Adobe Clean"/>
               </a:rPr>
-              <a:t>©2020 Adobe. All Rights Reserved. Adobe</a:t>
+              <a:t>©2020 Adobe. All Rights Reserved. Données confidentielles Adobe</a:t>
             </a:r>
-            <a:r>
-              <a:rPr sz="800" spc="75">
-                <a:solidFill>
-                  <a:srgbClr val="6D6D6D"/>
-                </a:solidFill>
-                <a:latin typeface="Adobe Clean"/>
-                <a:cs typeface="Adobe Clean"/>
-              </a:rPr>
-              <a:t> </a:t>
-            </a:r>
-            <a:r>
-              <a:rPr sz="800" spc="-5">
-                <a:solidFill>
-                  <a:srgbClr val="6D6D6D"/>
-                </a:solidFill>
-                <a:latin typeface="Adobe Clean"/>
-                <a:cs typeface="Adobe Clean"/>
-              </a:rPr>
-              <a:t>Confidential.</a:t>
-            </a:r>
-            <a:endParaRPr sz="800">
-              <a:latin typeface="Adobe Clean"/>
-              <a:cs typeface="Adobe Clean"/>
-            </a:endParaRPr>
           </a:p>
         </p:txBody>
       </p:sp>
@@ -9546,19 +9015,15 @@
               </a:spcBef>
             </a:pPr>
             <a:r>
-              <a:rPr lang="en-US" sz="1400" b="1" spc="-15">
+              <a:rPr lang="fr-FR" sz="1400" b="1">
                 <a:solidFill>
                   <a:srgbClr val="020302"/>
                 </a:solidFill>
                 <a:latin typeface="Adobe Clean"/>
                 <a:cs typeface="Adobe Clean"/>
               </a:rPr>
-              <a:t>Resources</a:t>
+              <a:t>Ressources</a:t>
             </a:r>
-            <a:endParaRPr sz="1400">
-              <a:latin typeface="Adobe Clean"/>
-              <a:cs typeface="Adobe Clean"/>
-            </a:endParaRPr>
           </a:p>
         </p:txBody>
       </p:sp>
@@ -9592,7 +9057,7 @@
               </a:spcBef>
             </a:pPr>
             <a:r>
-              <a:rPr sz="800" spc="-15">
+              <a:rPr lang="fr-FR" sz="800">
                 <a:solidFill>
                   <a:srgbClr val="777879"/>
                 </a:solidFill>
@@ -9601,10 +9066,6 @@
               </a:rPr>
               <a:t>Adobe</a:t>
             </a:r>
-            <a:endParaRPr sz="800">
-              <a:latin typeface="Adobe Clean"/>
-              <a:cs typeface="Adobe Clean"/>
-            </a:endParaRPr>
           </a:p>
           <a:p>
             <a:pPr marL="12700">
@@ -9613,39 +9074,15 @@
               </a:lnSpc>
             </a:pPr>
             <a:r>
-              <a:rPr sz="800" spc="-15">
+              <a:rPr lang="fr-FR" sz="800">
                 <a:solidFill>
                   <a:srgbClr val="777879"/>
                 </a:solidFill>
                 <a:latin typeface="Adobe Clean"/>
                 <a:cs typeface="Adobe Clean"/>
               </a:rPr>
-              <a:t>345 Park</a:t>
+              <a:t>345 Park Avenue</a:t>
             </a:r>
-            <a:r>
-              <a:rPr sz="800" spc="-100">
-                <a:solidFill>
-                  <a:srgbClr val="777879"/>
-                </a:solidFill>
-                <a:latin typeface="Adobe Clean"/>
-                <a:cs typeface="Adobe Clean"/>
-              </a:rPr>
-              <a:t> </a:t>
-            </a:r>
-            <a:r>
-              <a:rPr sz="800" spc="-15">
-                <a:solidFill>
-                  <a:srgbClr val="777879"/>
-                </a:solidFill>
-                <a:latin typeface="Adobe Clean"/>
-                <a:cs typeface="Adobe Clean"/>
-              </a:rPr>
-              <a:t>Avenue</a:t>
-            </a:r>
-            <a:endParaRPr sz="800">
-              <a:latin typeface="Adobe Clean"/>
-              <a:cs typeface="Adobe Clean"/>
-            </a:endParaRPr>
           </a:p>
           <a:p>
             <a:pPr marL="12700">
@@ -9654,49 +9091,15 @@
               </a:lnSpc>
             </a:pPr>
             <a:r>
-              <a:rPr sz="800" spc="-10">
+              <a:rPr lang="fr-FR" sz="800">
                 <a:solidFill>
                   <a:srgbClr val="777879"/>
                 </a:solidFill>
                 <a:latin typeface="Adobe Clean"/>
                 <a:cs typeface="Adobe Clean"/>
               </a:rPr>
-              <a:t>San </a:t>
+              <a:t>San Jose, CA95110-2704</a:t>
             </a:r>
-            <a:r>
-              <a:rPr sz="800" spc="-15">
-                <a:solidFill>
-                  <a:srgbClr val="777879"/>
-                </a:solidFill>
-                <a:latin typeface="Adobe Clean"/>
-                <a:cs typeface="Adobe Clean"/>
-              </a:rPr>
-              <a:t>Jose,</a:t>
-            </a:r>
-            <a:r>
-              <a:rPr sz="800" spc="-140">
-                <a:solidFill>
-                  <a:srgbClr val="777879"/>
-                </a:solidFill>
-                <a:latin typeface="Adobe Clean"/>
-                <a:cs typeface="Adobe Clean"/>
-              </a:rPr>
-              <a:t> </a:t>
-            </a:r>
-            <a:r>
-              <a:rPr sz="800" spc="-20">
-                <a:solidFill>
-                  <a:srgbClr val="777879"/>
-                </a:solidFill>
-                <a:latin typeface="Adobe Clean"/>
-                <a:cs typeface="Adobe Clean"/>
-              </a:rPr>
-              <a:t>CA95110-2704</a:t>
-            </a:r>
-            <a:endParaRPr sz="800">
-              <a:latin typeface="Adobe Clean"/>
-              <a:cs typeface="Adobe Clean"/>
-            </a:endParaRPr>
           </a:p>
           <a:p>
             <a:pPr marL="12700">
@@ -9708,19 +9111,15 @@
               </a:spcBef>
             </a:pPr>
             <a:r>
-              <a:rPr sz="800" spc="-10">
+              <a:rPr lang="fr-FR" sz="800">
                 <a:solidFill>
                   <a:srgbClr val="777879"/>
                 </a:solidFill>
                 <a:latin typeface="Adobe Clean"/>
                 <a:cs typeface="Adobe Clean"/>
               </a:rPr>
-              <a:t>USA</a:t>
+              <a:t>États-Unis</a:t>
             </a:r>
-            <a:endParaRPr sz="800">
-              <a:latin typeface="Adobe Clean"/>
-              <a:cs typeface="Adobe Clean"/>
-            </a:endParaRPr>
           </a:p>
           <a:p>
             <a:pPr marL="12700">
@@ -9732,7 +9131,7 @@
               </a:spcBef>
             </a:pPr>
             <a:r>
-              <a:rPr sz="800" u="sng" spc="-25">
+              <a:rPr lang="fr-FR" sz="800" u="sng">
                 <a:solidFill>
                   <a:srgbClr val="5F5F5F"/>
                 </a:solidFill>
@@ -9745,12 +9144,8 @@
                 <a:cs typeface="Adobe Clean"/>
                 <a:hlinkClick r:id="rId3"/>
               </a:rPr>
-              <a:t>www.adobe.com</a:t>
+              <a:t>www.adobe.com/fr/</a:t>
             </a:r>
-            <a:endParaRPr sz="800">
-              <a:latin typeface="Adobe Clean"/>
-              <a:cs typeface="Adobe Clean"/>
-            </a:endParaRPr>
           </a:p>
         </p:txBody>
       </p:sp>
@@ -9925,409 +9320,15 @@
               </a:spcBef>
             </a:pPr>
             <a:r>
-              <a:rPr sz="1100" i="1" spc="-10">
+              <a:rPr lang="fr-FR" sz="1100" i="1" dirty="0">
                 <a:solidFill>
                   <a:srgbClr val="777879"/>
                 </a:solidFill>
                 <a:latin typeface="AdobeClean-LightIt"/>
                 <a:cs typeface="AdobeClean-LightIt"/>
               </a:rPr>
-              <a:t>To</a:t>
+              <a:t>Pour en apprendre plus sur les offres de l’assistance Adobe et sur le niveau qui vous convient, contactez votre gestionnaire de compte nommé (NAM) ou votre gestionnaire de réussite client (CSM)</a:t>
             </a:r>
-            <a:r>
-              <a:rPr sz="1100" i="1" spc="-50">
-                <a:solidFill>
-                  <a:srgbClr val="777879"/>
-                </a:solidFill>
-                <a:latin typeface="AdobeClean-LightIt"/>
-                <a:cs typeface="AdobeClean-LightIt"/>
-              </a:rPr>
-              <a:t> </a:t>
-            </a:r>
-            <a:r>
-              <a:rPr sz="1100" i="1" spc="-15">
-                <a:solidFill>
-                  <a:srgbClr val="777879"/>
-                </a:solidFill>
-                <a:latin typeface="AdobeClean-LightIt"/>
-                <a:cs typeface="AdobeClean-LightIt"/>
-              </a:rPr>
-              <a:t>learn</a:t>
-            </a:r>
-            <a:r>
-              <a:rPr sz="1100" i="1" spc="-40">
-                <a:solidFill>
-                  <a:srgbClr val="777879"/>
-                </a:solidFill>
-                <a:latin typeface="AdobeClean-LightIt"/>
-                <a:cs typeface="AdobeClean-LightIt"/>
-              </a:rPr>
-              <a:t> </a:t>
-            </a:r>
-            <a:r>
-              <a:rPr sz="1100" i="1" spc="-15">
-                <a:solidFill>
-                  <a:srgbClr val="777879"/>
-                </a:solidFill>
-                <a:latin typeface="AdobeClean-LightIt"/>
-                <a:cs typeface="AdobeClean-LightIt"/>
-              </a:rPr>
-              <a:t>more</a:t>
-            </a:r>
-            <a:r>
-              <a:rPr sz="1100" i="1" spc="-45">
-                <a:solidFill>
-                  <a:srgbClr val="777879"/>
-                </a:solidFill>
-                <a:latin typeface="AdobeClean-LightIt"/>
-                <a:cs typeface="AdobeClean-LightIt"/>
-              </a:rPr>
-              <a:t> </a:t>
-            </a:r>
-            <a:r>
-              <a:rPr sz="1100" i="1" spc="-15">
-                <a:solidFill>
-                  <a:srgbClr val="777879"/>
-                </a:solidFill>
-                <a:latin typeface="AdobeClean-LightIt"/>
-                <a:cs typeface="AdobeClean-LightIt"/>
-              </a:rPr>
-              <a:t>about</a:t>
-            </a:r>
-            <a:r>
-              <a:rPr sz="1100" i="1" spc="-45">
-                <a:solidFill>
-                  <a:srgbClr val="777879"/>
-                </a:solidFill>
-                <a:latin typeface="AdobeClean-LightIt"/>
-                <a:cs typeface="AdobeClean-LightIt"/>
-              </a:rPr>
-              <a:t> </a:t>
-            </a:r>
-            <a:r>
-              <a:rPr sz="1100" i="1" spc="-15">
-                <a:solidFill>
-                  <a:srgbClr val="777879"/>
-                </a:solidFill>
-                <a:latin typeface="AdobeClean-LightIt"/>
-                <a:cs typeface="AdobeClean-LightIt"/>
-              </a:rPr>
-              <a:t>Adobe</a:t>
-            </a:r>
-            <a:r>
-              <a:rPr sz="1100" i="1" spc="-50">
-                <a:solidFill>
-                  <a:srgbClr val="777879"/>
-                </a:solidFill>
-                <a:latin typeface="AdobeClean-LightIt"/>
-                <a:cs typeface="AdobeClean-LightIt"/>
-              </a:rPr>
-              <a:t> </a:t>
-            </a:r>
-            <a:r>
-              <a:rPr sz="1100" i="1" spc="-15">
-                <a:solidFill>
-                  <a:srgbClr val="777879"/>
-                </a:solidFill>
-                <a:latin typeface="AdobeClean-LightIt"/>
-                <a:cs typeface="AdobeClean-LightIt"/>
-              </a:rPr>
-              <a:t>Support</a:t>
-            </a:r>
-            <a:r>
-              <a:rPr lang="en-US" sz="1100" i="1" spc="-15">
-                <a:solidFill>
-                  <a:srgbClr val="777879"/>
-                </a:solidFill>
-                <a:latin typeface="AdobeClean-LightIt"/>
-                <a:cs typeface="AdobeClean-LightIt"/>
-              </a:rPr>
-              <a:t> Offerings</a:t>
-            </a:r>
-            <a:r>
-              <a:rPr sz="1100" i="1" spc="-75">
-                <a:solidFill>
-                  <a:srgbClr val="777879"/>
-                </a:solidFill>
-                <a:latin typeface="AdobeClean-LightIt"/>
-                <a:cs typeface="AdobeClean-LightIt"/>
-              </a:rPr>
-              <a:t> </a:t>
-            </a:r>
-            <a:r>
-              <a:rPr sz="1100" i="1" spc="-15">
-                <a:solidFill>
-                  <a:srgbClr val="777879"/>
-                </a:solidFill>
-                <a:latin typeface="AdobeClean-LightIt"/>
-                <a:cs typeface="AdobeClean-LightIt"/>
-              </a:rPr>
-              <a:t>and</a:t>
-            </a:r>
-            <a:r>
-              <a:rPr sz="1100" i="1" spc="-50">
-                <a:solidFill>
-                  <a:srgbClr val="777879"/>
-                </a:solidFill>
-                <a:latin typeface="AdobeClean-LightIt"/>
-                <a:cs typeface="AdobeClean-LightIt"/>
-              </a:rPr>
-              <a:t> </a:t>
-            </a:r>
-            <a:r>
-              <a:rPr sz="1100" i="1" spc="-15">
-                <a:solidFill>
-                  <a:srgbClr val="777879"/>
-                </a:solidFill>
-                <a:latin typeface="AdobeClean-LightIt"/>
-                <a:cs typeface="AdobeClean-LightIt"/>
-              </a:rPr>
-              <a:t>the</a:t>
-            </a:r>
-            <a:r>
-              <a:rPr sz="1100" i="1" spc="-55">
-                <a:solidFill>
-                  <a:srgbClr val="777879"/>
-                </a:solidFill>
-                <a:latin typeface="AdobeClean-LightIt"/>
-                <a:cs typeface="AdobeClean-LightIt"/>
-              </a:rPr>
-              <a:t> </a:t>
-            </a:r>
-            <a:r>
-              <a:rPr sz="1100" i="1" spc="-15">
-                <a:solidFill>
-                  <a:srgbClr val="777879"/>
-                </a:solidFill>
-                <a:latin typeface="AdobeClean-LightIt"/>
-                <a:cs typeface="AdobeClean-LightIt"/>
-              </a:rPr>
-              <a:t>right</a:t>
-            </a:r>
-            <a:r>
-              <a:rPr sz="1100" i="1" spc="-95">
-                <a:solidFill>
-                  <a:srgbClr val="777879"/>
-                </a:solidFill>
-                <a:latin typeface="AdobeClean-LightIt"/>
-                <a:cs typeface="AdobeClean-LightIt"/>
-              </a:rPr>
-              <a:t> </a:t>
-            </a:r>
-            <a:r>
-              <a:rPr sz="1100" i="1" spc="-15">
-                <a:solidFill>
-                  <a:srgbClr val="777879"/>
-                </a:solidFill>
-                <a:latin typeface="AdobeClean-LightIt"/>
-                <a:cs typeface="AdobeClean-LightIt"/>
-              </a:rPr>
-              <a:t>level</a:t>
-            </a:r>
-            <a:r>
-              <a:rPr sz="1100" i="1" spc="-55">
-                <a:solidFill>
-                  <a:srgbClr val="777879"/>
-                </a:solidFill>
-                <a:latin typeface="AdobeClean-LightIt"/>
-                <a:cs typeface="AdobeClean-LightIt"/>
-              </a:rPr>
-              <a:t> </a:t>
-            </a:r>
-            <a:r>
-              <a:rPr sz="1100" i="1" spc="-15">
-                <a:solidFill>
-                  <a:srgbClr val="777879"/>
-                </a:solidFill>
-                <a:latin typeface="AdobeClean-LightIt"/>
-                <a:cs typeface="AdobeClean-LightIt"/>
-              </a:rPr>
-              <a:t>for</a:t>
-            </a:r>
-            <a:r>
-              <a:rPr sz="1100" i="1" spc="-85">
-                <a:solidFill>
-                  <a:srgbClr val="777879"/>
-                </a:solidFill>
-                <a:latin typeface="AdobeClean-LightIt"/>
-                <a:cs typeface="AdobeClean-LightIt"/>
-              </a:rPr>
-              <a:t> </a:t>
-            </a:r>
-            <a:r>
-              <a:rPr sz="1100" i="1" spc="-15">
-                <a:solidFill>
-                  <a:srgbClr val="777879"/>
-                </a:solidFill>
-                <a:latin typeface="AdobeClean-LightIt"/>
-                <a:cs typeface="AdobeClean-LightIt"/>
-              </a:rPr>
-              <a:t>you,</a:t>
-            </a:r>
-            <a:r>
-              <a:rPr sz="1100" i="1" spc="-65">
-                <a:solidFill>
-                  <a:srgbClr val="777879"/>
-                </a:solidFill>
-                <a:latin typeface="AdobeClean-LightIt"/>
-                <a:cs typeface="AdobeClean-LightIt"/>
-              </a:rPr>
-              <a:t> </a:t>
-            </a:r>
-            <a:r>
-              <a:rPr sz="1100" i="1" spc="-15">
-                <a:solidFill>
-                  <a:srgbClr val="777879"/>
-                </a:solidFill>
-                <a:latin typeface="AdobeClean-LightIt"/>
-                <a:cs typeface="AdobeClean-LightIt"/>
-              </a:rPr>
-              <a:t>contact</a:t>
-            </a:r>
-            <a:r>
-              <a:rPr sz="1100" i="1" spc="-85">
-                <a:solidFill>
-                  <a:srgbClr val="777879"/>
-                </a:solidFill>
-                <a:latin typeface="AdobeClean-LightIt"/>
-                <a:cs typeface="AdobeClean-LightIt"/>
-              </a:rPr>
-              <a:t> </a:t>
-            </a:r>
-            <a:r>
-              <a:rPr sz="1100" i="1" spc="-15">
-                <a:solidFill>
-                  <a:srgbClr val="777879"/>
-                </a:solidFill>
-                <a:latin typeface="AdobeClean-LightIt"/>
-                <a:cs typeface="AdobeClean-LightIt"/>
-              </a:rPr>
-              <a:t>your</a:t>
-            </a:r>
-            <a:r>
-              <a:rPr sz="1100" i="1" spc="-70">
-                <a:solidFill>
-                  <a:srgbClr val="777879"/>
-                </a:solidFill>
-                <a:latin typeface="AdobeClean-LightIt"/>
-                <a:cs typeface="AdobeClean-LightIt"/>
-              </a:rPr>
-              <a:t> </a:t>
-            </a:r>
-            <a:r>
-              <a:rPr sz="1100" i="1" spc="-15">
-                <a:solidFill>
-                  <a:srgbClr val="777879"/>
-                </a:solidFill>
-                <a:latin typeface="AdobeClean-LightIt"/>
-                <a:cs typeface="AdobeClean-LightIt"/>
-              </a:rPr>
-              <a:t>Named</a:t>
-            </a:r>
-            <a:r>
-              <a:rPr sz="1100" i="1" spc="-55">
-                <a:solidFill>
-                  <a:srgbClr val="777879"/>
-                </a:solidFill>
-                <a:latin typeface="AdobeClean-LightIt"/>
-                <a:cs typeface="AdobeClean-LightIt"/>
-              </a:rPr>
-              <a:t> </a:t>
-            </a:r>
-            <a:r>
-              <a:rPr sz="1100" i="1" spc="-25">
-                <a:solidFill>
-                  <a:srgbClr val="777879"/>
-                </a:solidFill>
-                <a:latin typeface="AdobeClean-LightIt"/>
-                <a:cs typeface="AdobeClean-LightIt"/>
-              </a:rPr>
-              <a:t>Account</a:t>
-            </a:r>
-            <a:r>
-              <a:rPr sz="1100" i="1" spc="-120">
-                <a:solidFill>
-                  <a:srgbClr val="777879"/>
-                </a:solidFill>
-                <a:latin typeface="AdobeClean-LightIt"/>
-                <a:cs typeface="AdobeClean-LightIt"/>
-              </a:rPr>
-              <a:t> </a:t>
-            </a:r>
-            <a:r>
-              <a:rPr sz="1100" i="1" spc="-20">
-                <a:solidFill>
-                  <a:srgbClr val="777879"/>
-                </a:solidFill>
-                <a:latin typeface="AdobeClean-LightIt"/>
-                <a:cs typeface="AdobeClean-LightIt"/>
-              </a:rPr>
-              <a:t>Manager  </a:t>
-            </a:r>
-            <a:r>
-              <a:rPr sz="1100" i="1" spc="-15">
-                <a:solidFill>
-                  <a:srgbClr val="777879"/>
-                </a:solidFill>
-                <a:latin typeface="AdobeClean-LightIt"/>
-                <a:cs typeface="AdobeClean-LightIt"/>
-              </a:rPr>
-              <a:t>(NAM) </a:t>
-            </a:r>
-            <a:r>
-              <a:rPr sz="1100" i="1" spc="-10">
-                <a:solidFill>
-                  <a:srgbClr val="777879"/>
-                </a:solidFill>
-                <a:latin typeface="AdobeClean-LightIt"/>
-                <a:cs typeface="AdobeClean-LightIt"/>
-              </a:rPr>
-              <a:t>or </a:t>
-            </a:r>
-            <a:r>
-              <a:rPr sz="1100" i="1" spc="-15">
-                <a:solidFill>
-                  <a:srgbClr val="777879"/>
-                </a:solidFill>
-                <a:latin typeface="AdobeClean-LightIt"/>
-                <a:cs typeface="AdobeClean-LightIt"/>
-              </a:rPr>
-              <a:t>Customer </a:t>
-            </a:r>
-            <a:r>
-              <a:rPr sz="1100" i="1" spc="-20">
-                <a:solidFill>
-                  <a:srgbClr val="777879"/>
-                </a:solidFill>
-                <a:latin typeface="AdobeClean-LightIt"/>
-                <a:cs typeface="AdobeClean-LightIt"/>
-              </a:rPr>
-              <a:t>Success</a:t>
-            </a:r>
-            <a:r>
-              <a:rPr sz="1100" i="1" spc="-180">
-                <a:solidFill>
-                  <a:srgbClr val="777879"/>
-                </a:solidFill>
-                <a:latin typeface="AdobeClean-LightIt"/>
-                <a:cs typeface="AdobeClean-LightIt"/>
-              </a:rPr>
-              <a:t> </a:t>
-            </a:r>
-            <a:r>
-              <a:rPr sz="1100" i="1" spc="-15">
-                <a:solidFill>
-                  <a:srgbClr val="777879"/>
-                </a:solidFill>
-                <a:latin typeface="AdobeClean-LightIt"/>
-                <a:cs typeface="AdobeClean-LightIt"/>
-              </a:rPr>
-              <a:t>Manager(CSM)</a:t>
-            </a:r>
-            <a:endParaRPr sz="1100">
-              <a:latin typeface="AdobeClean-LightIt"/>
-              <a:cs typeface="AdobeClean-LightIt"/>
-            </a:endParaRPr>
           </a:p>
           <a:p>
             <a:pPr marL="34290">
@@ -10339,37 +9340,27 @@
               </a:spcBef>
             </a:pPr>
             <a:r>
-              <a:rPr sz="800" spc="-5">
+              <a:rPr lang="fr-FR" sz="800" dirty="0">
                 <a:solidFill>
                   <a:srgbClr val="6D6D6D"/>
                 </a:solidFill>
                 <a:latin typeface="Adobe Clean"/>
                 <a:cs typeface="Adobe Clean"/>
               </a:rPr>
-              <a:t>©202</a:t>
+              <a:t>©2021 Adobe. All </a:t>
             </a:r>
             <a:r>
-              <a:rPr lang="en-US" sz="800" spc="-5">
+              <a:rPr lang="fr-FR" sz="800" dirty="0" err="1">
                 <a:solidFill>
                   <a:srgbClr val="6D6D6D"/>
                 </a:solidFill>
                 <a:latin typeface="Adobe Clean"/>
                 <a:cs typeface="Adobe Clean"/>
               </a:rPr>
-              <a:t>1</a:t>
+              <a:t>Rights</a:t>
             </a:r>
             <a:r>
-              <a:rPr sz="800" spc="-5">
-                <a:solidFill>
-                  <a:srgbClr val="6D6D6D"/>
-                </a:solidFill>
-                <a:latin typeface="Adobe Clean"/>
-                <a:cs typeface="Adobe Clean"/>
-              </a:rPr>
-              <a:t> Adobe. All Rights Reserved. Adobe</a:t>
-            </a:r>
-            <a:r>
-              <a:rPr sz="800" spc="75">
+              <a:rPr lang="fr-FR" sz="800" dirty="0">
                 <a:solidFill>
                   <a:srgbClr val="6D6D6D"/>
                 </a:solidFill>
@@ -10379,19 +9370,25 @@
               <a:t> </a:t>
             </a:r>
             <a:r>
-              <a:rPr sz="800" spc="-5">
+              <a:rPr lang="fr-FR" sz="800" dirty="0" err="1">
                 <a:solidFill>
                   <a:srgbClr val="6D6D6D"/>
                 </a:solidFill>
                 <a:latin typeface="Adobe Clean"/>
                 <a:cs typeface="Adobe Clean"/>
               </a:rPr>
-              <a:t>Confidential.</a:t>
+              <a:t>Reserved</a:t>
             </a:r>
-            <a:endParaRPr sz="800">
-              <a:latin typeface="Adobe Clean"/>
-              <a:cs typeface="Adobe Clean"/>
-            </a:endParaRPr>
+            <a:r>
+              <a:rPr lang="fr-FR" sz="800" dirty="0">
+                <a:solidFill>
+                  <a:srgbClr val="6D6D6D"/>
+                </a:solidFill>
+                <a:latin typeface="Adobe Clean"/>
+                <a:cs typeface="Adobe Clean"/>
+              </a:rPr>
+              <a:t>. Données confidentielles Adobe</a:t>
+            </a:r>
           </a:p>
         </p:txBody>
       </p:sp>
@@ -10409,8 +9406,8 @@
         </p:nvSpPr>
         <p:spPr>
           <a:xfrm>
-            <a:off x="197233" y="5031270"/>
-            <a:ext cx="6476646" cy="755976"/>
+            <a:off x="197232" y="5063020"/>
+            <a:ext cx="7029067" cy="755976"/>
           </a:xfrm>
           <a:prstGeom prst="rect">
             <a:avLst/>
@@ -10428,19 +9425,15 @@
               </a:spcBef>
             </a:pPr>
             <a:r>
-              <a:rPr lang="en-US" sz="1400" b="1" spc="-15">
+              <a:rPr lang="fr-FR" sz="1400" b="1" dirty="0">
                 <a:solidFill>
                   <a:srgbClr val="020302"/>
                 </a:solidFill>
                 <a:latin typeface="Adobe Clean"/>
                 <a:cs typeface="Adobe Clean"/>
               </a:rPr>
-              <a:t>Regional scope of Adobe Support, Local Hours Of Operation And Language Support</a:t>
+              <a:t>Portée régionale de l’assistance Adobe, heures ouvrables locales et assistance linguistique</a:t>
             </a:r>
-            <a:endParaRPr lang="en-US" sz="1400" spc="-15">
-              <a:ea typeface="+mn-lt"/>
-              <a:cs typeface="+mn-lt"/>
-            </a:endParaRPr>
           </a:p>
           <a:p>
             <a:pPr>
@@ -10449,15 +9442,14 @@
               </a:spcBef>
             </a:pPr>
             <a:r>
-              <a:rPr lang="en-US" sz="1000" spc="-15">
+              <a:rPr lang="fr-FR" sz="1000" dirty="0">
                 <a:solidFill>
                   <a:srgbClr val="1F1F1F"/>
                 </a:solidFill>
                 <a:latin typeface="AdobeClean-Light"/>
               </a:rPr>
-              <a:t>The Regional scope of Adobe Support is established by aligning the customer's billing address (via the Sales Order or other Adobe Support purchasing document) to one of the following regions:</a:t>
+              <a:t>La portée régionale de l’assistance Adobe est définie par l’alignement de l’adresse de facturation du client (se trouvant sur le bon de commande ou tout autre document d’achat de l’assistance Adobe) avec l’une des régions suivantes :</a:t>
             </a:r>
-            <a:endParaRPr lang="en-US"/>
           </a:p>
         </p:txBody>
       </p:sp>
@@ -10529,13 +9521,13 @@
                     <a:p>
                       <a:pPr algn="ctr"/>
                       <a:r>
-                        <a:rPr lang="en-US" sz="1100" dirty="0">
+                        <a:rPr lang="fr-FR" sz="1100">
                           <a:solidFill>
                             <a:schemeClr val="tx1"/>
                           </a:solidFill>
                           <a:latin typeface="Adobe Clean"/>
                         </a:rPr>
-                        <a:t>Americas</a:t>
+                        <a:t>Amériques</a:t>
                       </a:r>
                     </a:p>
                   </a:txBody>
@@ -10594,13 +9586,13 @@
                     <a:p>
                       <a:pPr algn="ctr"/>
                       <a:r>
-                        <a:rPr lang="en-US" sz="1100" dirty="0">
+                        <a:rPr lang="fr-FR" sz="1100">
                           <a:solidFill>
                             <a:schemeClr val="tx1"/>
                           </a:solidFill>
                           <a:latin typeface="Adobe Clean"/>
                         </a:rPr>
-                        <a:t>Europe, Middle East &amp; Africa</a:t>
+                        <a:t>Europe, Moyen-Orient et Afrique</a:t>
                       </a:r>
                     </a:p>
                   </a:txBody>
@@ -10659,13 +9651,13 @@
                     <a:p>
                       <a:pPr algn="ctr"/>
                       <a:r>
-                        <a:rPr lang="en-US" sz="1100" dirty="0">
+                        <a:rPr lang="fr-FR" sz="1100">
                           <a:solidFill>
                             <a:schemeClr val="tx1"/>
                           </a:solidFill>
                           <a:latin typeface="Adobe Clean"/>
                         </a:rPr>
-                        <a:t>Asia Pacific</a:t>
+                        <a:t>Asie-Pacifique</a:t>
                       </a:r>
                     </a:p>
                   </a:txBody>
@@ -10724,16 +9716,16 @@
                     <a:p>
                       <a:pPr algn="ctr"/>
                       <a:r>
-                        <a:rPr lang="en-US" sz="1100" dirty="0">
+                        <a:rPr lang="fr-FR" sz="1100">
                           <a:solidFill>
                             <a:schemeClr val="tx1"/>
                           </a:solidFill>
                           <a:latin typeface="Adobe Clean"/>
                         </a:rPr>
-                        <a:t>Japan </a:t>
+                        <a:t>Japon </a:t>
                       </a:r>
                       <a:r>
-                        <a:rPr lang="en-US" sz="1100" baseline="30000" dirty="0">
+                        <a:rPr lang="fr-FR" sz="1100" baseline="30000">
                           <a:solidFill>
                             <a:schemeClr val="tx1"/>
                           </a:solidFill>
@@ -10741,12 +9733,6 @@
                         </a:rPr>
                         <a:t>1 </a:t>
                       </a:r>
-                      <a:endParaRPr lang="en-US" sz="1100">
-                        <a:solidFill>
-                          <a:schemeClr val="tx1"/>
-                        </a:solidFill>
-                        <a:latin typeface="Adobe Clean" panose="020B0503020404020204" pitchFamily="34" charset="0"/>
-                      </a:endParaRPr>
                     </a:p>
                   </a:txBody>
                   <a:tcPr anchor="ctr">
@@ -10811,13 +9797,13 @@
                     <a:p>
                       <a:pPr algn="ctr"/>
                       <a:r>
-                        <a:rPr lang="en-US" sz="1100" dirty="0">
+                        <a:rPr lang="fr-FR" sz="1100">
                           <a:solidFill>
                             <a:schemeClr val="tx1"/>
                           </a:solidFill>
                           <a:latin typeface="Adobe Clean"/>
                         </a:rPr>
-                        <a:t>6 am – 5:30 pm</a:t>
+                        <a:t>6 h 00 à 17 h 30</a:t>
                       </a:r>
                     </a:p>
                   </a:txBody>
@@ -10876,13 +9862,13 @@
                     <a:p>
                       <a:pPr algn="ctr"/>
                       <a:r>
-                        <a:rPr lang="en-US" sz="1100" dirty="0">
+                        <a:rPr lang="fr-FR" sz="1100">
                           <a:solidFill>
                             <a:schemeClr val="tx1"/>
                           </a:solidFill>
                           <a:latin typeface="Adobe Clean"/>
                         </a:rPr>
-                        <a:t>9 am – 5 pm</a:t>
+                        <a:t>9 h 00 à 17 h 00</a:t>
                       </a:r>
                     </a:p>
                   </a:txBody>
@@ -10941,13 +9927,13 @@
                     <a:p>
                       <a:pPr algn="ctr"/>
                       <a:r>
-                        <a:rPr lang="en-US" sz="1100" dirty="0">
+                        <a:rPr lang="fr-FR" sz="1100">
                           <a:solidFill>
                             <a:schemeClr val="tx1"/>
                           </a:solidFill>
                           <a:latin typeface="Adobe Clean"/>
                         </a:rPr>
-                        <a:t>9 am – 5 pm</a:t>
+                        <a:t>9 h 00 à 17 h 00</a:t>
                       </a:r>
                     </a:p>
                   </a:txBody>
@@ -11006,13 +9992,13 @@
                     <a:p>
                       <a:pPr algn="ctr"/>
                       <a:r>
-                        <a:rPr lang="en-US" sz="1100" dirty="0">
+                        <a:rPr lang="fr-FR" sz="1100">
                           <a:solidFill>
                             <a:schemeClr val="tx1"/>
                           </a:solidFill>
                           <a:latin typeface="Adobe Clean"/>
                         </a:rPr>
-                        <a:t>9 am – 5:30 pm</a:t>
+                        <a:t>9 h 00 à 17 h 30</a:t>
                       </a:r>
                     </a:p>
                   </a:txBody>
@@ -11092,11 +10078,10 @@
                         <a:buNone/>
                       </a:pPr>
                       <a:r>
-                        <a:rPr lang="en-US" sz="1100" b="1" i="0" u="none" strike="noStrike" kern="0" cap="none" spc="0" normalizeH="0" baseline="30000" noProof="0" dirty="0">
+                        <a:rPr lang="fr-FR" sz="1100" b="1" i="0" u="none" strike="noStrike" cap="none" normalizeH="0" baseline="30000" noProof="0">
                           <a:ln>
                             <a:noFill/>
                           </a:ln>
-                          <a:effectLst/>
                           <a:uLnTx/>
                           <a:uFillTx/>
                           <a:latin typeface="Adobe Clean"/>
@@ -11106,17 +10091,16 @@
                         <a:t> </a:t>
                       </a:r>
                       <a:r>
-                        <a:rPr lang="en-US" sz="1100" dirty="0">
+                        <a:rPr lang="fr-FR" sz="1100">
                           <a:solidFill>
                             <a:schemeClr val="tx1"/>
                           </a:solidFill>
                           <a:latin typeface="Adobe Clean"/>
+                          <a:ea typeface="+mn-ea"/>
+                          <a:cs typeface="+mn-cs"/>
                         </a:rPr>
-                        <a:t>Language support is only available in English and Japanese.</a:t>
+                        <a:t>L’assistance linguistique est uniquement disponible en anglais et en japonais.</a:t>
                       </a:r>
-                      <a:endParaRPr lang="en-US" dirty="0">
-                        <a:latin typeface="Adobe Clean"/>
-                      </a:endParaRPr>
                     </a:p>
                     <a:p>
                       <a:pPr marL="0" marR="0" lvl="0" indent="0" algn="ctr">
@@ -11135,17 +10119,17 @@
                         <a:buNone/>
                       </a:pPr>
                       <a:r>
-                        <a:rPr lang="en-US" sz="1100" i="1" dirty="0">
+                        <a:rPr lang="fr-FR" sz="1100" i="1">
                           <a:solidFill>
                             <a:schemeClr val="tx1"/>
                           </a:solidFill>
                           <a:latin typeface="Adobe Clean"/>
                         </a:rPr>
-                        <a:t>*Adobe Commerce excludes Japanese languages support.</a:t>
+                        <a:t>*Adobe Commerce exclut l’assistance linguistique japonaise.</a:t>
                       </a:r>
                     </a:p>
                     <a:p>
-                      <a:pPr algn="ctr"/>
+                      <a:pPr algn="l" rtl="0"/>
                       <a:endParaRPr kumimoji="0" lang="en-US" sz="1100" b="1" i="0" u="none" strike="noStrike" kern="0" cap="none" spc="0" normalizeH="0" baseline="30000" noProof="0">
                         <a:ln>
                           <a:noFill/>
@@ -11164,7 +10148,7 @@
                     <a:p>
                       <a:pPr algn="ctr"/>
                       <a:r>
-                        <a:rPr lang="en-US" sz="1100" i="0" dirty="0">
+                        <a:rPr lang="fr-FR" sz="1100" i="0">
                           <a:solidFill>
                             <a:schemeClr val="tx1"/>
                           </a:solidFill>
@@ -11173,7 +10157,7 @@
                         <a:t> </a:t>
                       </a:r>
                       <a:r>
-                        <a:rPr lang="en-US" sz="1100" i="0" baseline="30000" dirty="0">
+                        <a:rPr lang="fr-FR" sz="1100" i="0" baseline="30000">
                           <a:solidFill>
                             <a:schemeClr val="tx1"/>
                           </a:solidFill>
@@ -11182,20 +10166,14 @@
                         <a:t>1 </a:t>
                       </a:r>
                       <a:r>
-                        <a:rPr lang="en-US" sz="1100" i="0" dirty="0">
+                        <a:rPr lang="fr-FR" sz="1100" i="0">
                           <a:solidFill>
                             <a:schemeClr val="tx1"/>
                           </a:solidFill>
                           <a:latin typeface="Adobe Clean"/>
                         </a:rPr>
-                        <a:t>P2, P3, P4 cases are limited to business hours only in Japan.</a:t>
+                        <a:t>Les cas P2, P3 et P4 sont limités aux heures ouvrables uniquement au Japon.</a:t>
                       </a:r>
-                      <a:endParaRPr lang="en-US" sz="1100" b="1" i="0">
-                        <a:solidFill>
-                          <a:schemeClr val="tx1"/>
-                        </a:solidFill>
-                        <a:latin typeface="Adobe Clean"/>
-                      </a:endParaRPr>
                     </a:p>
                   </a:txBody>
                   <a:tcPr anchor="ctr">
@@ -11537,8 +10515,8 @@
         </p:nvSpPr>
         <p:spPr>
           <a:xfrm>
-            <a:off x="2840871" y="8528519"/>
-            <a:ext cx="810895" cy="385445"/>
+            <a:off x="2726571" y="8528519"/>
+            <a:ext cx="1045329" cy="385445"/>
           </a:xfrm>
           <a:prstGeom prst="rect">
             <a:avLst/>
@@ -11550,7 +10528,7 @@
           </a:bodyPr>
           <a:lstStyle/>
           <a:p>
-            <a:pPr marL="139065" marR="5080" indent="-139065">
+            <a:pPr marR="5080" algn="ctr">
               <a:lnSpc>
                 <a:spcPts val="1390"/>
               </a:lnSpc>
@@ -11559,129 +10537,15 @@
               </a:spcBef>
             </a:pPr>
             <a:r>
-              <a:rPr sz="1200" b="1" spc="-15">
+              <a:rPr lang="fr-FR" sz="1200" b="1" dirty="0">
                 <a:solidFill>
                   <a:srgbClr val="FFFFFF"/>
                 </a:solidFill>
                 <a:latin typeface="Adobe Clean"/>
                 <a:cs typeface="Adobe Clean"/>
               </a:rPr>
-              <a:t>U</a:t>
+              <a:t>Expertise incomparable</a:t>
             </a:r>
-            <a:r>
-              <a:rPr sz="1200" b="1" spc="-20">
-                <a:solidFill>
-                  <a:srgbClr val="FFFFFF"/>
-                </a:solidFill>
-                <a:latin typeface="Adobe Clean"/>
-                <a:cs typeface="Adobe Clean"/>
-              </a:rPr>
-              <a:t>n</a:t>
-            </a:r>
-            <a:r>
-              <a:rPr sz="1200" b="1" spc="-25">
-                <a:solidFill>
-                  <a:srgbClr val="FFFFFF"/>
-                </a:solidFill>
-                <a:latin typeface="Adobe Clean"/>
-                <a:cs typeface="Adobe Clean"/>
-              </a:rPr>
-              <a:t>p</a:t>
-            </a:r>
-            <a:r>
-              <a:rPr sz="1200" b="1" spc="-15">
-                <a:solidFill>
-                  <a:srgbClr val="FFFFFF"/>
-                </a:solidFill>
-                <a:latin typeface="Adobe Clean"/>
-                <a:cs typeface="Adobe Clean"/>
-              </a:rPr>
-              <a:t>a</a:t>
-            </a:r>
-            <a:r>
-              <a:rPr sz="1200" b="1" spc="-25">
-                <a:solidFill>
-                  <a:srgbClr val="FFFFFF"/>
-                </a:solidFill>
-                <a:latin typeface="Adobe Clean"/>
-                <a:cs typeface="Adobe Clean"/>
-              </a:rPr>
-              <a:t>r</a:t>
-            </a:r>
-            <a:r>
-              <a:rPr sz="1200" b="1" spc="-15">
-                <a:solidFill>
-                  <a:srgbClr val="FFFFFF"/>
-                </a:solidFill>
-                <a:latin typeface="Adobe Clean"/>
-                <a:cs typeface="Adobe Clean"/>
-              </a:rPr>
-              <a:t>a</a:t>
-            </a:r>
-            <a:r>
-              <a:rPr sz="1200" b="1" spc="-30">
-                <a:solidFill>
-                  <a:srgbClr val="FFFFFF"/>
-                </a:solidFill>
-                <a:latin typeface="Adobe Clean"/>
-                <a:cs typeface="Adobe Clean"/>
-              </a:rPr>
-              <a:t>ll</a:t>
-            </a:r>
-            <a:r>
-              <a:rPr sz="1200" b="1" spc="-25">
-                <a:solidFill>
-                  <a:srgbClr val="FFFFFF"/>
-                </a:solidFill>
-                <a:latin typeface="Adobe Clean"/>
-                <a:cs typeface="Adobe Clean"/>
-              </a:rPr>
-              <a:t>e</a:t>
-            </a:r>
-            <a:r>
-              <a:rPr sz="1200" b="1" spc="-30">
-                <a:solidFill>
-                  <a:srgbClr val="FFFFFF"/>
-                </a:solidFill>
-                <a:latin typeface="Adobe Clean"/>
-                <a:cs typeface="Adobe Clean"/>
-              </a:rPr>
-              <a:t>l</a:t>
-            </a:r>
-            <a:r>
-              <a:rPr sz="1200" b="1" spc="-25">
-                <a:solidFill>
-                  <a:srgbClr val="FFFFFF"/>
-                </a:solidFill>
-                <a:latin typeface="Adobe Clean"/>
-                <a:cs typeface="Adobe Clean"/>
-              </a:rPr>
-              <a:t>e</a:t>
-            </a:r>
-            <a:r>
-              <a:rPr sz="1200" b="1">
-                <a:solidFill>
-                  <a:srgbClr val="FFFFFF"/>
-                </a:solidFill>
-                <a:latin typeface="Adobe Clean"/>
-                <a:cs typeface="Adobe Clean"/>
-              </a:rPr>
-              <a:t>d  </a:t>
-            </a:r>
-            <a:r>
-              <a:rPr sz="1200" b="1" spc="-25">
-                <a:solidFill>
-                  <a:srgbClr val="FFFFFF"/>
-                </a:solidFill>
-                <a:latin typeface="Adobe Clean"/>
-                <a:cs typeface="Adobe Clean"/>
-              </a:rPr>
-              <a:t>Expertise</a:t>
-            </a:r>
-            <a:endParaRPr sz="1200">
-              <a:latin typeface="Adobe Clean"/>
-              <a:cs typeface="Adobe Clean"/>
-            </a:endParaRPr>
           </a:p>
         </p:txBody>
       </p:sp>
@@ -11699,7 +10563,7 @@
         </p:nvSpPr>
         <p:spPr>
           <a:xfrm>
-            <a:off x="4732495" y="8541244"/>
+            <a:off x="4668995" y="8541244"/>
             <a:ext cx="810895" cy="382797"/>
           </a:xfrm>
           <a:prstGeom prst="rect">
@@ -11712,7 +10576,7 @@
           </a:bodyPr>
           <a:lstStyle/>
           <a:p>
-            <a:pPr marL="139065" marR="5080" indent="-139065">
+            <a:pPr marR="5080" algn="ctr">
               <a:lnSpc>
                 <a:spcPts val="1390"/>
               </a:lnSpc>
@@ -11721,19 +10585,15 @@
               </a:spcBef>
             </a:pPr>
             <a:r>
-              <a:rPr lang="en-US" sz="1200" b="1" spc="-15">
+              <a:rPr lang="fr-FR" sz="1200" b="1" dirty="0">
                 <a:solidFill>
                   <a:srgbClr val="FFFFFF"/>
                 </a:solidFill>
                 <a:latin typeface="Adobe Clean"/>
                 <a:cs typeface="Adobe Clean"/>
               </a:rPr>
-              <a:t>Accelerated Support</a:t>
+              <a:t>Assistance accélérée</a:t>
             </a:r>
-            <a:endParaRPr sz="1200">
-              <a:latin typeface="Adobe Clean"/>
-              <a:cs typeface="Adobe Clean"/>
-            </a:endParaRPr>
           </a:p>
         </p:txBody>
       </p:sp>
@@ -11751,8 +10611,8 @@
         </p:nvSpPr>
         <p:spPr>
           <a:xfrm>
-            <a:off x="6624119" y="8543943"/>
-            <a:ext cx="510540" cy="385445"/>
+            <a:off x="6497118" y="8543943"/>
+            <a:ext cx="760931" cy="382797"/>
           </a:xfrm>
           <a:prstGeom prst="rect">
             <a:avLst/>
@@ -11764,7 +10624,7 @@
           </a:bodyPr>
           <a:lstStyle/>
           <a:p>
-            <a:pPr marL="50800" marR="5080" indent="-51435">
+            <a:pPr marR="5080" algn="ctr">
               <a:lnSpc>
                 <a:spcPts val="1390"/>
               </a:lnSpc>
@@ -11773,109 +10633,15 @@
               </a:spcBef>
             </a:pPr>
             <a:r>
-              <a:rPr sz="1200" b="1" spc="-50">
+              <a:rPr lang="fr-FR" sz="1200" b="1" dirty="0">
                 <a:solidFill>
                   <a:srgbClr val="FFFFFF"/>
                 </a:solidFill>
                 <a:latin typeface="Adobe Clean"/>
                 <a:cs typeface="Adobe Clean"/>
               </a:rPr>
-              <a:t>S</a:t>
+              <a:t>Conseil stratégique</a:t>
             </a:r>
-            <a:r>
-              <a:rPr sz="1200" b="1" spc="-20">
-                <a:solidFill>
-                  <a:srgbClr val="FFFFFF"/>
-                </a:solidFill>
-                <a:latin typeface="Adobe Clean"/>
-                <a:cs typeface="Adobe Clean"/>
-              </a:rPr>
-              <a:t>t</a:t>
-            </a:r>
-            <a:r>
-              <a:rPr sz="1200" b="1" spc="-75">
-                <a:solidFill>
-                  <a:srgbClr val="FFFFFF"/>
-                </a:solidFill>
-                <a:latin typeface="Adobe Clean"/>
-                <a:cs typeface="Adobe Clean"/>
-              </a:rPr>
-              <a:t>r</a:t>
-            </a:r>
-            <a:r>
-              <a:rPr sz="1200" b="1" spc="-90">
-                <a:solidFill>
-                  <a:srgbClr val="FFFFFF"/>
-                </a:solidFill>
-                <a:latin typeface="Adobe Clean"/>
-                <a:cs typeface="Adobe Clean"/>
-              </a:rPr>
-              <a:t>a</a:t>
-            </a:r>
-            <a:r>
-              <a:rPr sz="1200" b="1" spc="-55">
-                <a:solidFill>
-                  <a:srgbClr val="FFFFFF"/>
-                </a:solidFill>
-                <a:latin typeface="Adobe Clean"/>
-                <a:cs typeface="Adobe Clean"/>
-              </a:rPr>
-              <a:t>t</a:t>
-            </a:r>
-            <a:r>
-              <a:rPr sz="1200" b="1" spc="-100">
-                <a:solidFill>
-                  <a:srgbClr val="FFFFFF"/>
-                </a:solidFill>
-                <a:latin typeface="Adobe Clean"/>
-                <a:cs typeface="Adobe Clean"/>
-              </a:rPr>
-              <a:t>e</a:t>
-            </a:r>
-            <a:r>
-              <a:rPr sz="1200" b="1" spc="-80">
-                <a:solidFill>
-                  <a:srgbClr val="FFFFFF"/>
-                </a:solidFill>
-                <a:latin typeface="Adobe Clean"/>
-                <a:cs typeface="Adobe Clean"/>
-              </a:rPr>
-              <a:t>g</a:t>
-            </a:r>
-            <a:r>
-              <a:rPr sz="1200" b="1" spc="-35">
-                <a:solidFill>
-                  <a:srgbClr val="FFFFFF"/>
-                </a:solidFill>
-                <a:latin typeface="Adobe Clean"/>
-                <a:cs typeface="Adobe Clean"/>
-              </a:rPr>
-              <a:t>i</a:t>
-            </a:r>
-            <a:r>
-              <a:rPr sz="1200" b="1">
-                <a:solidFill>
-                  <a:srgbClr val="FFFFFF"/>
-                </a:solidFill>
-                <a:latin typeface="Adobe Clean"/>
-                <a:cs typeface="Adobe Clean"/>
-              </a:rPr>
-              <a:t>c  </a:t>
-            </a:r>
-            <a:r>
-              <a:rPr sz="1200" b="1" spc="-45">
-                <a:solidFill>
-                  <a:srgbClr val="FFFFFF"/>
-                </a:solidFill>
-                <a:latin typeface="Adobe Clean"/>
-                <a:cs typeface="Adobe Clean"/>
-              </a:rPr>
-              <a:t>Advice</a:t>
-            </a:r>
-            <a:endParaRPr sz="1200">
-              <a:latin typeface="Adobe Clean"/>
-              <a:cs typeface="Adobe Clean"/>
-            </a:endParaRPr>
           </a:p>
         </p:txBody>
       </p:sp>
@@ -11891,11 +10657,17 @@
           <p:cNvGraphicFramePr>
             <a:graphicFrameLocks noGrp="1"/>
           </p:cNvGraphicFramePr>
-          <p:nvPr/>
+          <p:nvPr>
+            <p:extLst>
+              <p:ext uri="{D42A27DB-BD31-4B8C-83A1-F6EECF244321}">
+                <p14:modId xmlns:p14="http://schemas.microsoft.com/office/powerpoint/2010/main" val="3940831295"/>
+              </p:ext>
+            </p:extLst>
+          </p:nvPr>
         </p:nvGraphicFramePr>
         <p:xfrm>
           <a:off x="194236" y="1059345"/>
-          <a:ext cx="7368291" cy="3606800"/>
+          <a:ext cx="7368291" cy="4089400"/>
         </p:xfrm>
         <a:graphic>
           <a:graphicData uri="http://schemas.openxmlformats.org/drawingml/2006/table">
@@ -11926,7 +10698,7 @@
                     <a:lstStyle/>
                     <a:p>
                       <a:r>
-                        <a:rPr lang="en-US" sz="1100" b="0">
+                        <a:rPr lang="fr-FR" sz="1100" b="0">
                           <a:solidFill>
                             <a:schemeClr val="tx1"/>
                           </a:solidFill>
@@ -11937,14 +10709,6 @@
                         </a:rPr>
                         <a:t>Experience League</a:t>
                       </a:r>
-                      <a:endParaRPr lang="en-US" sz="1100" b="0">
-                        <a:solidFill>
-                          <a:schemeClr val="tx1"/>
-                        </a:solidFill>
-                        <a:latin typeface="Adobe Clean" panose="020B0503020404020204" pitchFamily="34" charset="0"/>
-                        <a:ea typeface="+mn-ea"/>
-                        <a:cs typeface="+mn-cs"/>
-                      </a:endParaRPr>
                     </a:p>
                   </a:txBody>
                   <a:tcPr marL="47625" marR="47625" marT="0" marB="0" anchor="ctr">
@@ -12018,7 +10782,7 @@
                         <a:defRPr/>
                       </a:pPr>
                       <a:r>
-                        <a:rPr lang="en-US" sz="1000" b="0" kern="1200">
+                        <a:rPr lang="fr-FR" sz="1000" b="0" spc="-20" baseline="0" dirty="0" err="1">
                           <a:solidFill>
                             <a:srgbClr val="000000"/>
                           </a:solidFill>
@@ -12026,7 +10790,102 @@
                           <a:ea typeface="+mn-ea"/>
                           <a:cs typeface="+mn-cs"/>
                         </a:rPr>
-                        <a:t>Experience League is how Adobe helps businesses achieve the value they expect from their Adobe investment. It’s the unified place where customers can learn, connect, and grow along a personalized path to success that includes self-help tutorials, product documentation, instructor-led training, community and technical support. </a:t>
+                        <a:t>Experience</a:t>
+                      </a:r>
+                      <a:r>
+                        <a:rPr lang="fr-FR" sz="1000" b="0" spc="-20" baseline="0" dirty="0">
+                          <a:solidFill>
+                            <a:srgbClr val="000000"/>
+                          </a:solidFill>
+                          <a:latin typeface="Adobe Clean Light" panose="020B0303020404020204" pitchFamily="34" charset="0"/>
+                          <a:ea typeface="+mn-ea"/>
+                          <a:cs typeface="+mn-cs"/>
+                        </a:rPr>
+                        <a:t> League est la manière dont Adobe aide les entreprises </a:t>
+                      </a:r>
+                      <a:br>
+                        <a:rPr lang="sk-SK" sz="1000" b="0" spc="-20" baseline="0" dirty="0">
+                          <a:solidFill>
+                            <a:srgbClr val="000000"/>
+                          </a:solidFill>
+                          <a:latin typeface="Adobe Clean Light" panose="020B0303020404020204" pitchFamily="34" charset="0"/>
+                          <a:ea typeface="+mn-ea"/>
+                          <a:cs typeface="+mn-cs"/>
+                        </a:rPr>
+                      </a:br>
+                      <a:r>
+                        <a:rPr lang="fr-FR" sz="1000" b="0" spc="-20" baseline="0" dirty="0">
+                          <a:solidFill>
+                            <a:srgbClr val="000000"/>
+                          </a:solidFill>
+                          <a:latin typeface="Adobe Clean Light" panose="020B0303020404020204" pitchFamily="34" charset="0"/>
+                          <a:ea typeface="+mn-ea"/>
+                          <a:cs typeface="+mn-cs"/>
+                        </a:rPr>
+                        <a:t>à atteindre la valeur qu’elles attendent de leur investissement dans Adobe. </a:t>
+                      </a:r>
+                      <a:br>
+                        <a:rPr lang="sk-SK" sz="1000" b="0" spc="-20" baseline="0" dirty="0">
+                          <a:solidFill>
+                            <a:srgbClr val="000000"/>
+                          </a:solidFill>
+                          <a:latin typeface="Adobe Clean Light" panose="020B0303020404020204" pitchFamily="34" charset="0"/>
+                          <a:ea typeface="+mn-ea"/>
+                          <a:cs typeface="+mn-cs"/>
+                        </a:rPr>
+                      </a:br>
+                      <a:r>
+                        <a:rPr lang="fr-FR" sz="1000" b="0" spc="-20" baseline="0" dirty="0">
+                          <a:solidFill>
+                            <a:srgbClr val="000000"/>
+                          </a:solidFill>
+                          <a:latin typeface="Adobe Clean Light" panose="020B0303020404020204" pitchFamily="34" charset="0"/>
+                          <a:ea typeface="+mn-ea"/>
+                          <a:cs typeface="+mn-cs"/>
+                        </a:rPr>
+                        <a:t>Il s’agit de l’endroit commun où les clients peuvent apprendre, se mettre en relation les uns avec les autres et grandir le long d’un chemin personnalisé vers le succès. Il comprend des tutoriels automatiques, </a:t>
+                      </a:r>
+                      <a:br>
+                        <a:rPr lang="sk-SK" sz="1000" b="0" spc="-20" baseline="0" dirty="0">
+                          <a:solidFill>
+                            <a:srgbClr val="000000"/>
+                          </a:solidFill>
+                          <a:latin typeface="Adobe Clean Light" panose="020B0303020404020204" pitchFamily="34" charset="0"/>
+                          <a:ea typeface="+mn-ea"/>
+                          <a:cs typeface="+mn-cs"/>
+                        </a:rPr>
+                      </a:br>
+                      <a:r>
+                        <a:rPr lang="fr-FR" sz="1000" b="0" spc="-20" baseline="0" dirty="0">
+                          <a:solidFill>
+                            <a:srgbClr val="000000"/>
+                          </a:solidFill>
+                          <a:latin typeface="Adobe Clean Light" panose="020B0303020404020204" pitchFamily="34" charset="0"/>
+                          <a:ea typeface="+mn-ea"/>
+                          <a:cs typeface="+mn-cs"/>
+                        </a:rPr>
+                        <a:t>de la documentation sur les produits, une formation dispensée par </a:t>
+                      </a:r>
+                      <a:br>
+                        <a:rPr lang="sk-SK" sz="1000" b="0" spc="-20" baseline="0" dirty="0">
+                          <a:solidFill>
+                            <a:srgbClr val="000000"/>
+                          </a:solidFill>
+                          <a:latin typeface="Adobe Clean Light" panose="020B0303020404020204" pitchFamily="34" charset="0"/>
+                          <a:ea typeface="+mn-ea"/>
+                          <a:cs typeface="+mn-cs"/>
+                        </a:rPr>
+                      </a:br>
+                      <a:r>
+                        <a:rPr lang="fr-FR" sz="1000" b="0" spc="-20" baseline="0" dirty="0">
+                          <a:solidFill>
+                            <a:srgbClr val="000000"/>
+                          </a:solidFill>
+                          <a:latin typeface="Adobe Clean Light" panose="020B0303020404020204" pitchFamily="34" charset="0"/>
+                          <a:ea typeface="+mn-ea"/>
+                          <a:cs typeface="+mn-cs"/>
+                        </a:rPr>
+                        <a:t>un instructeur, une communauté et une assistance technique. </a:t>
                       </a:r>
                     </a:p>
                   </a:txBody>
@@ -12108,39 +10967,28 @@
                         <a:defRPr/>
                       </a:pPr>
                       <a:r>
-                        <a:rPr lang="en-US" sz="1100">
+                        <a:rPr lang="fr-FR" sz="1100">
                           <a:solidFill>
                             <a:schemeClr val="dk1"/>
                           </a:solidFill>
-                          <a:effectLst/>
                           <a:latin typeface="Adobe Clean" panose="020B0503020404020204" pitchFamily="34" charset="0"/>
                           <a:ea typeface="+mn-ea"/>
                           <a:cs typeface="+mn-cs"/>
                           <a:hlinkClick r:id="rId8"/>
                         </a:rPr>
-                        <a:t>Training</a:t>
+                        <a:t>Formation</a:t>
                       </a:r>
                       <a:r>
-                        <a:rPr lang="en-US" sz="1100">
+                        <a:rPr lang="fr-FR" sz="1100">
                           <a:solidFill>
                             <a:schemeClr val="dk1"/>
                           </a:solidFill>
-                          <a:effectLst/>
                           <a:latin typeface="Adobe Clean" panose="020B0503020404020204" pitchFamily="34" charset="0"/>
                           <a:ea typeface="+mn-ea"/>
                           <a:cs typeface="+mn-cs"/>
                         </a:rPr>
                         <a:t> </a:t>
                       </a:r>
-                      <a:endParaRPr lang="en-US" sz="1100">
-                        <a:solidFill>
-                          <a:schemeClr val="tx1"/>
-                        </a:solidFill>
-                        <a:effectLst/>
-                        <a:latin typeface="Adobe Clean" panose="020B0503020404020204" pitchFamily="34" charset="0"/>
-                        <a:ea typeface="+mn-ea"/>
-                        <a:cs typeface="+mn-cs"/>
-                      </a:endParaRPr>
                     </a:p>
                   </a:txBody>
                   <a:tcPr anchor="ctr">
@@ -12214,7 +11062,7 @@
                         <a:defRPr/>
                       </a:pPr>
                       <a:r>
-                        <a:rPr lang="en-US" sz="1000" kern="1200">
+                        <a:rPr lang="fr-FR" sz="1000" dirty="0">
                           <a:solidFill>
                             <a:srgbClr val="000000"/>
                           </a:solidFill>
@@ -12222,7 +11070,71 @@
                           <a:ea typeface="+mn-ea"/>
                           <a:cs typeface="+mn-cs"/>
                         </a:rPr>
-                        <a:t>Adobe Digital Learning Services courses are accessible from Experience League. Learning courses integrate both on-demand and instructor-led lessons.  Here you can accrue skills that have recognized market value and position them to drive success in your organizations.</a:t>
+                        <a:t>Les cours sur les services de formation numérique d’Adobe sont accessibles depuis </a:t>
+                      </a:r>
+                      <a:r>
+                        <a:rPr lang="fr-FR" sz="1000" dirty="0" err="1">
+                          <a:solidFill>
+                            <a:srgbClr val="000000"/>
+                          </a:solidFill>
+                          <a:latin typeface="Adobe Clean Light" panose="020B0303020404020204" pitchFamily="34" charset="0"/>
+                          <a:ea typeface="+mn-ea"/>
+                          <a:cs typeface="+mn-cs"/>
+                        </a:rPr>
+                        <a:t>Experience</a:t>
+                      </a:r>
+                      <a:r>
+                        <a:rPr lang="fr-FR" sz="1000" dirty="0">
+                          <a:solidFill>
+                            <a:srgbClr val="000000"/>
+                          </a:solidFill>
+                          <a:latin typeface="Adobe Clean Light" panose="020B0303020404020204" pitchFamily="34" charset="0"/>
+                          <a:ea typeface="+mn-ea"/>
+                          <a:cs typeface="+mn-cs"/>
+                        </a:rPr>
+                        <a:t> League. Les cours de formation regroupent des cours à la demande et des cours dispensés par </a:t>
+                      </a:r>
+                      <a:br>
+                        <a:rPr lang="sk-SK" sz="1000" dirty="0">
+                          <a:solidFill>
+                            <a:srgbClr val="000000"/>
+                          </a:solidFill>
+                          <a:latin typeface="Adobe Clean Light" panose="020B0303020404020204" pitchFamily="34" charset="0"/>
+                          <a:ea typeface="+mn-ea"/>
+                          <a:cs typeface="+mn-cs"/>
+                        </a:rPr>
+                      </a:br>
+                      <a:r>
+                        <a:rPr lang="fr-FR" sz="1000" dirty="0">
+                          <a:solidFill>
+                            <a:srgbClr val="000000"/>
+                          </a:solidFill>
+                          <a:latin typeface="Adobe Clean Light" panose="020B0303020404020204" pitchFamily="34" charset="0"/>
+                          <a:ea typeface="+mn-ea"/>
+                          <a:cs typeface="+mn-cs"/>
+                        </a:rPr>
+                        <a:t>un instructeur.  Grâce à ces cours, vous pouvez acquérir des compétences qui présentent une valeur marchande reconnue </a:t>
+                      </a:r>
+                      <a:br>
+                        <a:rPr lang="sk-SK" sz="1000" dirty="0">
+                          <a:solidFill>
+                            <a:srgbClr val="000000"/>
+                          </a:solidFill>
+                          <a:latin typeface="Adobe Clean Light" panose="020B0303020404020204" pitchFamily="34" charset="0"/>
+                          <a:ea typeface="+mn-ea"/>
+                          <a:cs typeface="+mn-cs"/>
+                        </a:rPr>
+                      </a:br>
+                      <a:r>
+                        <a:rPr lang="fr-FR" sz="1000" dirty="0">
+                          <a:solidFill>
+                            <a:srgbClr val="000000"/>
+                          </a:solidFill>
+                          <a:latin typeface="Adobe Clean Light" panose="020B0303020404020204" pitchFamily="34" charset="0"/>
+                          <a:ea typeface="+mn-ea"/>
+                          <a:cs typeface="+mn-cs"/>
+                        </a:rPr>
+                        <a:t>et les disposer de manière à stimuler le succès de vos entreprises.</a:t>
                       </a:r>
                     </a:p>
                   </a:txBody>
@@ -12304,27 +11216,17 @@
                         <a:defRPr/>
                       </a:pPr>
                       <a:r>
-                        <a:rPr lang="en-US" sz="1100">
+                        <a:rPr lang="fr-FR" sz="1100">
                           <a:solidFill>
                             <a:schemeClr val="tx1"/>
                           </a:solidFill>
-                          <a:effectLst/>
                           <a:latin typeface="Adobe Clean" panose="020B0503020404020204" pitchFamily="34" charset="0"/>
                           <a:ea typeface="+mn-ea"/>
                           <a:cs typeface="+mn-cs"/>
                           <a:hlinkClick r:id="rId9"/>
                         </a:rPr>
-                        <a:t>Production Issues &amp; System Outages</a:t>
+                        <a:t>Problèmes de production et panne du système</a:t>
                       </a:r>
-                      <a:endParaRPr lang="en-US" sz="1100">
-                        <a:solidFill>
-                          <a:schemeClr val="tx1"/>
-                        </a:solidFill>
-                        <a:effectLst/>
-                        <a:latin typeface="Adobe Clean" panose="020B0503020404020204" pitchFamily="34" charset="0"/>
-                        <a:ea typeface="+mn-ea"/>
-                        <a:cs typeface="+mn-cs"/>
-                      </a:endParaRPr>
                     </a:p>
                   </a:txBody>
                   <a:tcPr anchor="ctr">
@@ -12398,7 +11300,7 @@
                         <a:defRPr/>
                       </a:pPr>
                       <a:r>
-                        <a:rPr lang="en-US" sz="1000" kern="1200">
+                        <a:rPr lang="fr-FR" sz="1000" dirty="0">
                           <a:solidFill>
                             <a:srgbClr val="000000"/>
                           </a:solidFill>
@@ -12406,7 +11308,49 @@
                           <a:ea typeface="+mn-ea"/>
                           <a:cs typeface="+mn-cs"/>
                         </a:rPr>
-                        <a:t>Status.adobe.com conveys the health information of all Adobe products and services that are deployed in multi-tenant environments. Customers can choose their subscription preferences to get email notifications whenever Adobe creates, updates or resolves a product event. This can include scheduled maintenance or service issues of varying levels of severity. </a:t>
+                        <a:t>Status.adobe.com transmet les informations d’intégrité de tous les produits et services d’Adobe déployés dans des environnements multi-entité. Les clients peuvent choisir leurs préférences d’abonnement afin de recevoir des notifications par e-mail chaque fois qu’Adobe crée, </a:t>
+                      </a:r>
+                      <a:br>
+                        <a:rPr lang="sk-SK" sz="1000" dirty="0">
+                          <a:solidFill>
+                            <a:srgbClr val="000000"/>
+                          </a:solidFill>
+                          <a:latin typeface="Adobe Clean Light" panose="020B0303020404020204" pitchFamily="34" charset="0"/>
+                          <a:ea typeface="+mn-ea"/>
+                          <a:cs typeface="+mn-cs"/>
+                        </a:rPr>
+                      </a:br>
+                      <a:r>
+                        <a:rPr lang="fr-FR" sz="1000" dirty="0">
+                          <a:solidFill>
+                            <a:srgbClr val="000000"/>
+                          </a:solidFill>
+                          <a:latin typeface="Adobe Clean Light" panose="020B0303020404020204" pitchFamily="34" charset="0"/>
+                          <a:ea typeface="+mn-ea"/>
+                          <a:cs typeface="+mn-cs"/>
+                        </a:rPr>
+                        <a:t>met à jour ou résout un événement de produit. Cet événement </a:t>
+                      </a:r>
+                      <a:br>
+                        <a:rPr lang="sk-SK" sz="1000" dirty="0">
+                          <a:solidFill>
+                            <a:srgbClr val="000000"/>
+                          </a:solidFill>
+                          <a:latin typeface="Adobe Clean Light" panose="020B0303020404020204" pitchFamily="34" charset="0"/>
+                          <a:ea typeface="+mn-ea"/>
+                          <a:cs typeface="+mn-cs"/>
+                        </a:rPr>
+                      </a:br>
+                      <a:r>
+                        <a:rPr lang="fr-FR" sz="1000" dirty="0">
+                          <a:solidFill>
+                            <a:srgbClr val="000000"/>
+                          </a:solidFill>
+                          <a:latin typeface="Adobe Clean Light" panose="020B0303020404020204" pitchFamily="34" charset="0"/>
+                          <a:ea typeface="+mn-ea"/>
+                          <a:cs typeface="+mn-cs"/>
+                        </a:rPr>
+                        <a:t>peut inclure des problèmes de maintenance planifiée ou de service présentant différents niveaux de gravité. </a:t>
                       </a:r>
                     </a:p>
                   </a:txBody>
@@ -12488,27 +11432,17 @@
                         <a:defRPr/>
                       </a:pPr>
                       <a:r>
-                        <a:rPr lang="en-US" sz="1100" b="0" i="0">
+                        <a:rPr lang="fr-FR" sz="1100" b="0" i="0">
                           <a:solidFill>
                             <a:schemeClr val="dk1"/>
                           </a:solidFill>
-                          <a:effectLst/>
                           <a:latin typeface="Adobe Clean" panose="020B0503020404020204" pitchFamily="34" charset="0"/>
                           <a:ea typeface="+mn-ea"/>
                           <a:cs typeface="+mn-cs"/>
-                          <a:hlinkClick r:id="rId10" tooltip="https://helpx.adobe.com/support/programs/enterprise-support-programs/premier-support-business.html"/>
+                          <a:hlinkClick r:id="rId10" tooltip="https://helpx.adobe.com/fr/support/programs/enterprise-support-programs/premier-support-business.html"/>
                         </a:rPr>
-                        <a:t>Business Support Website</a:t>
+                        <a:t>Site Web de l’assistance commerciale</a:t>
                       </a:r>
-                      <a:endParaRPr lang="en-US" sz="1100" b="0" i="0">
-                        <a:solidFill>
-                          <a:schemeClr val="dk1"/>
-                        </a:solidFill>
-                        <a:effectLst/>
-                        <a:latin typeface="Adobe Clean" panose="020B0503020404020204" pitchFamily="34" charset="0"/>
-                        <a:ea typeface="+mn-ea"/>
-                        <a:cs typeface="+mn-cs"/>
-                      </a:endParaRPr>
                     </a:p>
                   </a:txBody>
                   <a:tcPr anchor="ctr">
@@ -12565,7 +11499,7 @@
                     <a:lstStyle/>
                     <a:p>
                       <a:r>
-                        <a:rPr lang="en-US" sz="1000" kern="1200">
+                        <a:rPr lang="fr-FR" sz="1000">
                           <a:solidFill>
                             <a:srgbClr val="000000"/>
                           </a:solidFill>
@@ -12573,7 +11507,7 @@
                           <a:ea typeface="+mn-ea"/>
                           <a:cs typeface="+mn-cs"/>
                         </a:rPr>
-                        <a:t>Adobe Business Support website</a:t>
+                        <a:t>Site Web d’assistance commerciale d’Adobe</a:t>
                       </a:r>
                     </a:p>
                   </a:txBody>
@@ -12655,27 +11589,17 @@
                         <a:defRPr/>
                       </a:pPr>
                       <a:r>
-                        <a:rPr lang="en-US" sz="1100">
+                        <a:rPr lang="fr-FR" sz="1100">
                           <a:solidFill>
                             <a:schemeClr val="tx1"/>
                           </a:solidFill>
-                          <a:effectLst/>
                           <a:latin typeface="Adobe Clean" panose="020B0503020404020204" pitchFamily="34" charset="0"/>
                           <a:ea typeface="+mn-ea"/>
                           <a:cs typeface="+mn-cs"/>
                           <a:hlinkClick r:id="rId11"/>
                         </a:rPr>
-                        <a:t>Terms and Conditions</a:t>
+                        <a:t>Termes et conditions</a:t>
                       </a:r>
-                      <a:endParaRPr lang="en-US" sz="1100">
-                        <a:solidFill>
-                          <a:schemeClr val="tx1"/>
-                        </a:solidFill>
-                        <a:effectLst/>
-                        <a:latin typeface="Adobe Clean" panose="020B0503020404020204" pitchFamily="34" charset="0"/>
-                        <a:ea typeface="+mn-ea"/>
-                        <a:cs typeface="+mn-cs"/>
-                      </a:endParaRPr>
                     </a:p>
                   </a:txBody>
                   <a:tcPr anchor="ctr">
@@ -12732,7 +11656,7 @@
                     <a:lstStyle/>
                     <a:p>
                       <a:r>
-                        <a:rPr lang="en-US" sz="1000" kern="1200">
+                        <a:rPr lang="fr-FR" sz="1000" dirty="0">
                           <a:solidFill>
                             <a:srgbClr val="000000"/>
                           </a:solidFill>
@@ -12740,7 +11664,28 @@
                           <a:ea typeface="+mn-ea"/>
                           <a:cs typeface="+mn-cs"/>
                         </a:rPr>
-                        <a:t>Terms and conditions detailing Support Services offerings</a:t>
+                        <a:t>Il s’agit des termes et conditions détaillant</a:t>
+                      </a:r>
+                      <a:br>
+                        <a:rPr lang="sk-SK" sz="1000" dirty="0">
+                          <a:solidFill>
+                            <a:srgbClr val="000000"/>
+                          </a:solidFill>
+                          <a:latin typeface="Adobe Clean Light" panose="020B0303020404020204" pitchFamily="34" charset="0"/>
+                          <a:ea typeface="+mn-ea"/>
+                          <a:cs typeface="+mn-cs"/>
+                        </a:rPr>
+                      </a:br>
+                      <a:r>
+                        <a:rPr lang="fr-FR" sz="1000" dirty="0">
+                          <a:solidFill>
+                            <a:srgbClr val="000000"/>
+                          </a:solidFill>
+                          <a:latin typeface="Adobe Clean Light" panose="020B0303020404020204" pitchFamily="34" charset="0"/>
+                          <a:ea typeface="+mn-ea"/>
+                          <a:cs typeface="+mn-cs"/>
+                        </a:rPr>
+                        <a:t>les offres des services d’assistance</a:t>
                       </a:r>
                     </a:p>
                   </a:txBody>
@@ -13511,6 +12456,21 @@
 </file>
 
 <file path=customXml/item1.xml><?xml version="1.0" encoding="utf-8"?>
+<?mso-contentType ?>
+<FormTemplates xmlns="http://schemas.microsoft.com/sharepoint/v3/contenttype/forms">
+  <Display>DocumentLibraryForm</Display>
+  <Edit>DocumentLibraryForm</Edit>
+  <New>DocumentLibraryForm</New>
+</FormTemplates>
+</file>
+
+<file path=customXml/item2.xml><?xml version="1.0" encoding="utf-8"?>
+<p:properties xmlns:p="http://schemas.microsoft.com/office/2006/metadata/properties" xmlns:xsi="http://www.w3.org/2001/XMLSchema-instance" xmlns:pc="http://schemas.microsoft.com/office/infopath/2007/PartnerControls">
+  <documentManagement/>
+</p:properties>
+</file>
+
+<file path=customXml/item3.xml><?xml version="1.0" encoding="utf-8"?>
 <ct:contentTypeSchema xmlns:ct="http://schemas.microsoft.com/office/2006/metadata/contentType" xmlns:ma="http://schemas.microsoft.com/office/2006/metadata/properties/metaAttributes" ct:_="" ma:_="" ma:contentTypeName="Document" ma:contentTypeID="0x010100E783BF6876BCC646A459363AF21A7736" ma:contentTypeVersion="10" ma:contentTypeDescription="Create a new document." ma:contentTypeScope="" ma:versionID="c4ffda7f4f415767600769e454c2ea87">
   <xsd:schema xmlns:xsd="http://www.w3.org/2001/XMLSchema" xmlns:xs="http://www.w3.org/2001/XMLSchema" xmlns:p="http://schemas.microsoft.com/office/2006/metadata/properties" xmlns:ns2="8a053bff-88be-49e4-9a87-e748e18b8b62" xmlns:ns3="6c8368ec-3776-49b5-a5bb-90648cf9530f" targetNamespace="http://schemas.microsoft.com/office/2006/metadata/properties" ma:root="true" ma:fieldsID="df3ec33bccc23e23bce7bc897fad43d1" ns2:_="" ns3:_="">
     <xsd:import namespace="8a053bff-88be-49e4-9a87-e748e18b8b62"/>
@@ -13715,22 +12675,24 @@
 </ct:contentTypeSchema>
 </file>
 
-<file path=customXml/item2.xml><?xml version="1.0" encoding="utf-8"?>
-<p:properties xmlns:p="http://schemas.microsoft.com/office/2006/metadata/properties" xmlns:xsi="http://www.w3.org/2001/XMLSchema-instance" xmlns:pc="http://schemas.microsoft.com/office/infopath/2007/PartnerControls">
-  <documentManagement/>
-</p:properties>
+<file path=customXml/itemProps1.xml><?xml version="1.0" encoding="utf-8"?>
+<ds:datastoreItem xmlns:ds="http://schemas.openxmlformats.org/officeDocument/2006/customXml" ds:itemID="{95AE3B0B-E909-400C-B0B3-909FB50E07DE}">
+  <ds:schemaRefs>
+    <ds:schemaRef ds:uri="http://schemas.microsoft.com/sharepoint/v3/contenttype/forms"/>
+  </ds:schemaRefs>
+</ds:datastoreItem>
 </file>
 
-<file path=customXml/item3.xml><?xml version="1.0" encoding="utf-8"?>
-<?mso-contentType ?>
-<FormTemplates xmlns="http://schemas.microsoft.com/sharepoint/v3/contenttype/forms">
-  <Display>DocumentLibraryForm</Display>
-  <Edit>DocumentLibraryForm</Edit>
-  <New>DocumentLibraryForm</New>
-</FormTemplates>
+<file path=customXml/itemProps2.xml><?xml version="1.0" encoding="utf-8"?>
+<ds:datastoreItem xmlns:ds="http://schemas.openxmlformats.org/officeDocument/2006/customXml" ds:itemID="{10FC3CAF-E6F1-40E3-87D4-6B781C97D6B4}">
+  <ds:schemaRefs>
+    <ds:schemaRef ds:uri="http://schemas.microsoft.com/office/2006/metadata/properties"/>
+    <ds:schemaRef ds:uri="http://schemas.microsoft.com/office/infopath/2007/PartnerControls"/>
+  </ds:schemaRefs>
+</ds:datastoreItem>
 </file>
 
-<file path=customXml/itemProps1.xml><?xml version="1.0" encoding="utf-8"?>
+<file path=customXml/itemProps3.xml><?xml version="1.0" encoding="utf-8"?>
 <ds:datastoreItem xmlns:ds="http://schemas.openxmlformats.org/officeDocument/2006/customXml" ds:itemID="{E0DB8BDF-6DA8-4ABC-A3CA-043AFD674CFC}">
   <ds:schemaRefs>
     <ds:schemaRef ds:uri="6c8368ec-3776-49b5-a5bb-90648cf9530f"/>
@@ -13747,21 +12709,4 @@
     <ds:schemaRef ds:uri="http://www.w3.org/2001/XMLSchema"/>
   </ds:schemaRefs>
 </ds:datastoreItem>
-</file>
-
-<file path=customXml/itemProps2.xml><?xml version="1.0" encoding="utf-8"?>
-<ds:datastoreItem xmlns:ds="http://schemas.openxmlformats.org/officeDocument/2006/customXml" ds:itemID="{10FC3CAF-E6F1-40E3-87D4-6B781C97D6B4}">
-  <ds:schemaRefs>
-    <ds:schemaRef ds:uri="http://schemas.microsoft.com/office/2006/metadata/properties"/>
-    <ds:schemaRef ds:uri="http://schemas.microsoft.com/office/infopath/2007/PartnerControls"/>
-  </ds:schemaRefs>
-</ds:datastoreItem>
-</file>
-
-<file path=customXml/itemProps3.xml><?xml version="1.0" encoding="utf-8"?>
-<ds:datastoreItem xmlns:ds="http://schemas.openxmlformats.org/officeDocument/2006/customXml" ds:itemID="{95AE3B0B-E909-400C-B0B3-909FB50E07DE}">
-  <ds:schemaRefs>
-    <ds:schemaRef ds:uri="http://schemas.microsoft.com/sharepoint/v3/contenttype/forms"/>
-  </ds:schemaRefs>
-</ds:datastoreItem>
 </file>
--- a/help/data-sheets/assets/BusinessSupportDatasheet.pptx
+++ b/help/data-sheets/assets/BusinessSupportDatasheet.pptx
@@ -143,12 +143,8 @@
 <file path=ppt/revisionInfo.xml><?xml version="1.0" encoding="utf-8"?>
 <p1510:revInfo xmlns:a="http://schemas.openxmlformats.org/drawingml/2006/main" xmlns:r="http://schemas.openxmlformats.org/officeDocument/2006/relationships" xmlns:p1510="http://schemas.microsoft.com/office/powerpoint/2015/10/main">
   <p1510:revLst>
-    <p1510:client id="{06B13378-B080-7F0F-51A5-F9203CEE57ED}" v="370" dt="2021-08-25T22:26:24.850"/>
-    <p1510:client id="{4D8E0410-E0CE-85E2-0F84-C1BF4F647622}" v="27" dt="2021-09-22T22:57:14.395"/>
-    <p1510:client id="{71D6CFBF-0EA2-99B0-93F4-22F19EF0AE4E}" v="2" dt="2021-09-22T19:06:58.732"/>
-    <p1510:client id="{9E385600-BF81-FC49-9ED0-E33BC37F7908}" v="55" dt="2021-08-04T08:16:13.478"/>
-    <p1510:client id="{AFB92C2B-405E-C597-0988-18F97C53104C}" v="37" dt="2021-09-22T18:53:28.028"/>
-    <p1510:client id="{CA5D33DF-AE75-BCA1-B9BC-A7CD44D2F3C7}" v="2" dt="2021-08-25T22:38:18.624"/>
+    <p1510:client id="{61630BD6-9AE9-064C-B39F-AFA945B82B3E}" v="202" dt="2021-10-13T19:21:08.267"/>
+    <p1510:client id="{AC30C20D-1316-8ECC-DADD-39CCEC6A7FCF}" v="9" dt="2021-10-13T19:03:35.035"/>
   </p1510:revLst>
 </p1510:revInfo>
 </file>
@@ -170,6 +166,77 @@
         </pc:sldMkLst>
         <pc:graphicFrameChg chg="mod modGraphic">
           <ac:chgData name="Akilah Johnson" userId="S::akjohnso@adobe.com::2fa3aa60-0c9c-4d06-bae2-795983241227" providerId="AD" clId="Web-{4D8E0410-E0CE-85E2-0F84-C1BF4F647622}" dt="2021-09-22T22:57:04.802" v="5"/>
+          <ac:graphicFrameMkLst>
+            <pc:docMk/>
+            <pc:sldMk cId="1050037809" sldId="261"/>
+            <ac:graphicFrameMk id="25" creationId="{3A91F5B0-3974-A14D-A146-FB590F2AAD18}"/>
+          </ac:graphicFrameMkLst>
+        </pc:graphicFrameChg>
+      </pc:sldChg>
+    </pc:docChg>
+  </pc:docChgLst>
+  <pc:docChgLst>
+    <pc:chgData name="Akilah Johnson" userId="S::akjohnso@adobe.com::2fa3aa60-0c9c-4d06-bae2-795983241227" providerId="AD" clId="Web-{019F6A09-DCDA-BB53-9E3C-5BA3B13E26BB}"/>
+    <pc:docChg chg="modSld">
+      <pc:chgData name="Akilah Johnson" userId="S::akjohnso@adobe.com::2fa3aa60-0c9c-4d06-bae2-795983241227" providerId="AD" clId="Web-{019F6A09-DCDA-BB53-9E3C-5BA3B13E26BB}" dt="2021-10-12T17:10:36.752" v="17" actId="20577"/>
+      <pc:docMkLst>
+        <pc:docMk/>
+      </pc:docMkLst>
+      <pc:sldChg chg="modSp">
+        <pc:chgData name="Akilah Johnson" userId="S::akjohnso@adobe.com::2fa3aa60-0c9c-4d06-bae2-795983241227" providerId="AD" clId="Web-{019F6A09-DCDA-BB53-9E3C-5BA3B13E26BB}" dt="2021-10-12T17:09:32.112" v="2" actId="20577"/>
+        <pc:sldMkLst>
+          <pc:docMk/>
+          <pc:sldMk cId="0" sldId="257"/>
+        </pc:sldMkLst>
+        <pc:spChg chg="mod">
+          <ac:chgData name="Akilah Johnson" userId="S::akjohnso@adobe.com::2fa3aa60-0c9c-4d06-bae2-795983241227" providerId="AD" clId="Web-{019F6A09-DCDA-BB53-9E3C-5BA3B13E26BB}" dt="2021-10-12T17:09:32.112" v="2" actId="20577"/>
+          <ac:spMkLst>
+            <pc:docMk/>
+            <pc:sldMk cId="0" sldId="257"/>
+            <ac:spMk id="46" creationId="{00000000-0000-0000-0000-000000000000}"/>
+          </ac:spMkLst>
+        </pc:spChg>
+      </pc:sldChg>
+      <pc:sldChg chg="modSp">
+        <pc:chgData name="Akilah Johnson" userId="S::akjohnso@adobe.com::2fa3aa60-0c9c-4d06-bae2-795983241227" providerId="AD" clId="Web-{019F6A09-DCDA-BB53-9E3C-5BA3B13E26BB}" dt="2021-10-12T17:10:36.752" v="17" actId="20577"/>
+        <pc:sldMkLst>
+          <pc:docMk/>
+          <pc:sldMk cId="1050037809" sldId="261"/>
+        </pc:sldMkLst>
+        <pc:spChg chg="mod">
+          <ac:chgData name="Akilah Johnson" userId="S::akjohnso@adobe.com::2fa3aa60-0c9c-4d06-bae2-795983241227" providerId="AD" clId="Web-{019F6A09-DCDA-BB53-9E3C-5BA3B13E26BB}" dt="2021-10-12T17:10:36.752" v="17" actId="20577"/>
+          <ac:spMkLst>
+            <pc:docMk/>
+            <pc:sldMk cId="1050037809" sldId="261"/>
+            <ac:spMk id="56" creationId="{00000000-0000-0000-0000-000000000000}"/>
+          </ac:spMkLst>
+        </pc:spChg>
+        <pc:graphicFrameChg chg="mod modGraphic">
+          <ac:chgData name="Akilah Johnson" userId="S::akjohnso@adobe.com::2fa3aa60-0c9c-4d06-bae2-795983241227" providerId="AD" clId="Web-{019F6A09-DCDA-BB53-9E3C-5BA3B13E26BB}" dt="2021-10-12T17:09:41.471" v="6"/>
+          <ac:graphicFrameMkLst>
+            <pc:docMk/>
+            <pc:sldMk cId="1050037809" sldId="261"/>
+            <ac:graphicFrameMk id="111" creationId="{D8653CEC-4213-DE40-9BAF-D1E3318FF89C}"/>
+          </ac:graphicFrameMkLst>
+        </pc:graphicFrameChg>
+      </pc:sldChg>
+    </pc:docChg>
+  </pc:docChgLst>
+  <pc:docChgLst>
+    <pc:chgData name="Andy Witt" userId="S::awitt@adobe.com::e9157bdf-53b2-40e4-9459-936793d75696" providerId="AD" clId="Web-{06B13378-B080-7F0F-51A5-F9203CEE57ED}"/>
+    <pc:docChg chg="modSld">
+      <pc:chgData name="Andy Witt" userId="S::awitt@adobe.com::e9157bdf-53b2-40e4-9459-936793d75696" providerId="AD" clId="Web-{06B13378-B080-7F0F-51A5-F9203CEE57ED}" dt="2021-08-25T22:25:13.647" v="363"/>
+      <pc:docMkLst>
+        <pc:docMk/>
+      </pc:docMkLst>
+      <pc:sldChg chg="modSp">
+        <pc:chgData name="Andy Witt" userId="S::awitt@adobe.com::e9157bdf-53b2-40e4-9459-936793d75696" providerId="AD" clId="Web-{06B13378-B080-7F0F-51A5-F9203CEE57ED}" dt="2021-08-25T22:25:13.647" v="363"/>
+        <pc:sldMkLst>
+          <pc:docMk/>
+          <pc:sldMk cId="1050037809" sldId="261"/>
+        </pc:sldMkLst>
+        <pc:graphicFrameChg chg="mod modGraphic">
+          <ac:chgData name="Andy Witt" userId="S::awitt@adobe.com::e9157bdf-53b2-40e4-9459-936793d75696" providerId="AD" clId="Web-{06B13378-B080-7F0F-51A5-F9203CEE57ED}" dt="2021-08-25T22:25:13.647" v="363"/>
           <ac:graphicFrameMkLst>
             <pc:docMk/>
             <pc:sldMk cId="1050037809" sldId="261"/>
@@ -204,26 +271,58 @@
     </pc:docChg>
   </pc:docChgLst>
   <pc:docChgLst>
-    <pc:chgData name="Andy Witt" userId="S::awitt@adobe.com::e9157bdf-53b2-40e4-9459-936793d75696" providerId="AD" clId="Web-{06B13378-B080-7F0F-51A5-F9203CEE57ED}"/>
+    <pc:chgData name="Akilah Johnson" userId="S::akjohnso@adobe.com::2fa3aa60-0c9c-4d06-bae2-795983241227" providerId="AD" clId="Web-{D428A0AE-54E2-30D2-C574-7A0742876CCF}"/>
     <pc:docChg chg="modSld">
-      <pc:chgData name="Andy Witt" userId="S::awitt@adobe.com::e9157bdf-53b2-40e4-9459-936793d75696" providerId="AD" clId="Web-{06B13378-B080-7F0F-51A5-F9203CEE57ED}" dt="2021-08-25T22:25:13.647" v="363"/>
+      <pc:chgData name="Akilah Johnson" userId="S::akjohnso@adobe.com::2fa3aa60-0c9c-4d06-bae2-795983241227" providerId="AD" clId="Web-{D428A0AE-54E2-30D2-C574-7A0742876CCF}" dt="2021-10-12T19:11:25.330" v="0" actId="20577"/>
       <pc:docMkLst>
         <pc:docMk/>
       </pc:docMkLst>
       <pc:sldChg chg="modSp">
-        <pc:chgData name="Andy Witt" userId="S::awitt@adobe.com::e9157bdf-53b2-40e4-9459-936793d75696" providerId="AD" clId="Web-{06B13378-B080-7F0F-51A5-F9203CEE57ED}" dt="2021-08-25T22:25:13.647" v="363"/>
+        <pc:chgData name="Akilah Johnson" userId="S::akjohnso@adobe.com::2fa3aa60-0c9c-4d06-bae2-795983241227" providerId="AD" clId="Web-{D428A0AE-54E2-30D2-C574-7A0742876CCF}" dt="2021-10-12T19:11:25.330" v="0" actId="20577"/>
         <pc:sldMkLst>
           <pc:docMk/>
-          <pc:sldMk cId="1050037809" sldId="261"/>
+          <pc:sldMk cId="0" sldId="256"/>
         </pc:sldMkLst>
-        <pc:graphicFrameChg chg="mod modGraphic">
-          <ac:chgData name="Andy Witt" userId="S::awitt@adobe.com::e9157bdf-53b2-40e4-9459-936793d75696" providerId="AD" clId="Web-{06B13378-B080-7F0F-51A5-F9203CEE57ED}" dt="2021-08-25T22:25:13.647" v="363"/>
-          <ac:graphicFrameMkLst>
+        <pc:spChg chg="mod">
+          <ac:chgData name="Akilah Johnson" userId="S::akjohnso@adobe.com::2fa3aa60-0c9c-4d06-bae2-795983241227" providerId="AD" clId="Web-{D428A0AE-54E2-30D2-C574-7A0742876CCF}" dt="2021-10-12T19:11:25.330" v="0" actId="20577"/>
+          <ac:spMkLst>
             <pc:docMk/>
-            <pc:sldMk cId="1050037809" sldId="261"/>
-            <ac:graphicFrameMk id="25" creationId="{3A91F5B0-3974-A14D-A146-FB590F2AAD18}"/>
-          </ac:graphicFrameMkLst>
-        </pc:graphicFrameChg>
+            <pc:sldMk cId="0" sldId="256"/>
+            <ac:spMk id="4" creationId="{00000000-0000-0000-0000-000000000000}"/>
+          </ac:spMkLst>
+        </pc:spChg>
+      </pc:sldChg>
+    </pc:docChg>
+  </pc:docChgLst>
+  <pc:docChgLst>
+    <pc:chgData name="Lauren Schutte" userId="S::schutte@adobe.com::6e08b2d3-447a-4d66-86be-444d50df187f" providerId="AD" clId="Web-{AC30C20D-1316-8ECC-DADD-39CCEC6A7FCF}"/>
+    <pc:docChg chg="modSld">
+      <pc:chgData name="Lauren Schutte" userId="S::schutte@adobe.com::6e08b2d3-447a-4d66-86be-444d50df187f" providerId="AD" clId="Web-{AC30C20D-1316-8ECC-DADD-39CCEC6A7FCF}" dt="2021-10-13T19:03:35.035" v="8" actId="1076"/>
+      <pc:docMkLst>
+        <pc:docMk/>
+      </pc:docMkLst>
+      <pc:sldChg chg="modSp">
+        <pc:chgData name="Lauren Schutte" userId="S::schutte@adobe.com::6e08b2d3-447a-4d66-86be-444d50df187f" providerId="AD" clId="Web-{AC30C20D-1316-8ECC-DADD-39CCEC6A7FCF}" dt="2021-10-13T19:03:35.035" v="8" actId="1076"/>
+        <pc:sldMkLst>
+          <pc:docMk/>
+          <pc:sldMk cId="0" sldId="256"/>
+        </pc:sldMkLst>
+        <pc:spChg chg="mod">
+          <ac:chgData name="Lauren Schutte" userId="S::schutte@adobe.com::6e08b2d3-447a-4d66-86be-444d50df187f" providerId="AD" clId="Web-{AC30C20D-1316-8ECC-DADD-39CCEC6A7FCF}" dt="2021-10-13T19:03:27.878" v="7" actId="14100"/>
+          <ac:spMkLst>
+            <pc:docMk/>
+            <pc:sldMk cId="0" sldId="256"/>
+            <ac:spMk id="3" creationId="{00000000-0000-0000-0000-000000000000}"/>
+          </ac:spMkLst>
+        </pc:spChg>
+        <pc:spChg chg="mod">
+          <ac:chgData name="Lauren Schutte" userId="S::schutte@adobe.com::6e08b2d3-447a-4d66-86be-444d50df187f" providerId="AD" clId="Web-{AC30C20D-1316-8ECC-DADD-39CCEC6A7FCF}" dt="2021-10-13T19:03:35.035" v="8" actId="1076"/>
+          <ac:spMkLst>
+            <pc:docMk/>
+            <pc:sldMk cId="0" sldId="256"/>
+            <ac:spMk id="5" creationId="{00000000-0000-0000-0000-000000000000}"/>
+          </ac:spMkLst>
+        </pc:spChg>
       </pc:sldChg>
     </pc:docChg>
   </pc:docChgLst>
@@ -254,6 +353,38 @@
             <pc:docMk/>
             <pc:sldMk cId="1050037809" sldId="261"/>
             <ac:graphicFrameMk id="25" creationId="{3A91F5B0-3974-A14D-A146-FB590F2AAD18}"/>
+          </ac:graphicFrameMkLst>
+        </pc:graphicFrameChg>
+      </pc:sldChg>
+    </pc:docChg>
+  </pc:docChgLst>
+  <pc:docChgLst>
+    <pc:chgData name="Lauren Schutte" userId="6e08b2d3-447a-4d66-86be-444d50df187f" providerId="ADAL" clId="{61630BD6-9AE9-064C-B39F-AFA945B82B3E}"/>
+    <pc:docChg chg="undo custSel modSld">
+      <pc:chgData name="Lauren Schutte" userId="6e08b2d3-447a-4d66-86be-444d50df187f" providerId="ADAL" clId="{61630BD6-9AE9-064C-B39F-AFA945B82B3E}" dt="2021-10-13T19:21:08.267" v="201" actId="20577"/>
+      <pc:docMkLst>
+        <pc:docMk/>
+      </pc:docMkLst>
+      <pc:sldChg chg="modSp mod">
+        <pc:chgData name="Lauren Schutte" userId="6e08b2d3-447a-4d66-86be-444d50df187f" providerId="ADAL" clId="{61630BD6-9AE9-064C-B39F-AFA945B82B3E}" dt="2021-10-13T19:21:08.267" v="201" actId="20577"/>
+        <pc:sldMkLst>
+          <pc:docMk/>
+          <pc:sldMk cId="0" sldId="256"/>
+        </pc:sldMkLst>
+        <pc:spChg chg="mod">
+          <ac:chgData name="Lauren Schutte" userId="6e08b2d3-447a-4d66-86be-444d50df187f" providerId="ADAL" clId="{61630BD6-9AE9-064C-B39F-AFA945B82B3E}" dt="2021-10-13T19:03:44.344" v="3" actId="1076"/>
+          <ac:spMkLst>
+            <pc:docMk/>
+            <pc:sldMk cId="0" sldId="256"/>
+            <ac:spMk id="3" creationId="{00000000-0000-0000-0000-000000000000}"/>
+          </ac:spMkLst>
+        </pc:spChg>
+        <pc:graphicFrameChg chg="mod modGraphic">
+          <ac:chgData name="Lauren Schutte" userId="6e08b2d3-447a-4d66-86be-444d50df187f" providerId="ADAL" clId="{61630BD6-9AE9-064C-B39F-AFA945B82B3E}" dt="2021-10-13T19:21:08.267" v="201" actId="20577"/>
+          <ac:graphicFrameMkLst>
+            <pc:docMk/>
+            <pc:sldMk cId="0" sldId="256"/>
+            <ac:graphicFrameMk id="9" creationId="{00000000-0000-0000-0000-000000000000}"/>
           </ac:graphicFrameMkLst>
         </pc:graphicFrameChg>
       </pc:sldChg>
@@ -368,7 +499,7 @@
           <a:p>
             <a:fld id="{FB81873C-0B24-F04A-98A1-90E0A78F7E8A}" type="datetimeFigureOut">
               <a:rPr lang="en-US" smtClean="0"/>
-              <a:t>10/1/2021</a:t>
+              <a:t>10/13/2021</a:t>
             </a:fld>
             <a:endParaRPr lang="en-US"/>
           </a:p>
@@ -991,7 +1122,7 @@
           <a:p>
             <a:fld id="{1D8BD707-D9CF-40AE-B4C6-C98DA3205C09}" type="datetimeFigureOut">
               <a:rPr lang="en-US"/>
-              <a:t>10/1/2021</a:t>
+              <a:t>10/13/2021</a:t>
             </a:fld>
             <a:endParaRPr lang="en-US"/>
           </a:p>
@@ -1183,7 +1314,7 @@
           <a:p>
             <a:fld id="{1D8BD707-D9CF-40AE-B4C6-C98DA3205C09}" type="datetimeFigureOut">
               <a:rPr lang="en-US"/>
-              <a:t>10/1/2021</a:t>
+              <a:t>10/13/2021</a:t>
             </a:fld>
             <a:endParaRPr lang="en-US"/>
           </a:p>
@@ -1501,7 +1632,7 @@
           <a:p>
             <a:fld id="{1D8BD707-D9CF-40AE-B4C6-C98DA3205C09}" type="datetimeFigureOut">
               <a:rPr lang="en-US"/>
-              <a:t>10/1/2021</a:t>
+              <a:t>10/13/2021</a:t>
             </a:fld>
             <a:endParaRPr lang="en-US"/>
           </a:p>
@@ -1755,8 +1886,8 @@
         </p:nvSpPr>
         <p:spPr>
           <a:xfrm>
-            <a:off x="168564" y="7162363"/>
-            <a:ext cx="3882735" cy="227626"/>
+            <a:off x="168565" y="7162363"/>
+            <a:ext cx="2800350" cy="238760"/>
           </a:xfrm>
           <a:prstGeom prst="rect">
             <a:avLst/>
@@ -1777,7 +1908,7 @@
               </a:spcBef>
             </a:pPr>
             <a:r>
-              <a:rPr lang="fr-FR" sz="1400" b="1" u="heavy" dirty="0">
+              <a:rPr sz="1400" b="1" u="heavy" spc="10">
                 <a:solidFill>
                   <a:srgbClr val="020302"/>
                 </a:solidFill>
@@ -1789,8 +1920,87 @@
                 <a:latin typeface="Adobe Clean"/>
                 <a:cs typeface="Adobe Clean"/>
               </a:rPr>
-              <a:t>Cibles du niveau de service : Réponse initiale</a:t>
-            </a:r>
+              <a:t>Service </a:t>
+            </a:r>
+            <a:r>
+              <a:rPr sz="1400" b="1" u="heavy" spc="-10">
+                <a:solidFill>
+                  <a:srgbClr val="020302"/>
+                </a:solidFill>
+                <a:uFill>
+                  <a:solidFill>
+                    <a:srgbClr val="020302"/>
+                  </a:solidFill>
+                </a:uFill>
+                <a:latin typeface="Adobe Clean"/>
+                <a:cs typeface="Adobe Clean"/>
+              </a:rPr>
+              <a:t>Level </a:t>
+            </a:r>
+            <a:r>
+              <a:rPr sz="1400" b="1" u="heavy" spc="-45">
+                <a:solidFill>
+                  <a:srgbClr val="020302"/>
+                </a:solidFill>
+                <a:uFill>
+                  <a:solidFill>
+                    <a:srgbClr val="020302"/>
+                  </a:solidFill>
+                </a:uFill>
+                <a:latin typeface="Adobe Clean"/>
+                <a:cs typeface="Adobe Clean"/>
+              </a:rPr>
+              <a:t>Targets: </a:t>
+            </a:r>
+            <a:r>
+              <a:rPr sz="1400" b="1" u="heavy" spc="-10">
+                <a:solidFill>
+                  <a:srgbClr val="020302"/>
+                </a:solidFill>
+                <a:uFill>
+                  <a:solidFill>
+                    <a:srgbClr val="020302"/>
+                  </a:solidFill>
+                </a:uFill>
+                <a:latin typeface="Adobe Clean"/>
+                <a:cs typeface="Adobe Clean"/>
+              </a:rPr>
+              <a:t>Initial</a:t>
+            </a:r>
+            <a:r>
+              <a:rPr sz="1400" b="1" u="heavy" spc="-140">
+                <a:solidFill>
+                  <a:srgbClr val="020302"/>
+                </a:solidFill>
+                <a:uFill>
+                  <a:solidFill>
+                    <a:srgbClr val="020302"/>
+                  </a:solidFill>
+                </a:uFill>
+                <a:latin typeface="Adobe Clean"/>
+                <a:cs typeface="Adobe Clean"/>
+              </a:rPr>
+              <a:t> </a:t>
+            </a:r>
+            <a:r>
+              <a:rPr sz="1400" b="1" u="heavy" spc="-15">
+                <a:solidFill>
+                  <a:srgbClr val="020302"/>
+                </a:solidFill>
+                <a:uFill>
+                  <a:solidFill>
+                    <a:srgbClr val="020302"/>
+                  </a:solidFill>
+                </a:uFill>
+                <a:latin typeface="Adobe Clean"/>
+                <a:cs typeface="Adobe Clean"/>
+              </a:rPr>
+              <a:t>Response</a:t>
+            </a:r>
+            <a:endParaRPr sz="1400">
+              <a:latin typeface="Adobe Clean"/>
+              <a:cs typeface="Adobe Clean"/>
+            </a:endParaRPr>
           </a:p>
         </p:txBody>
       </p:sp>
@@ -1803,7 +2013,7 @@
         <p:spPr>
           <a:xfrm>
             <a:off x="-8467" y="23397"/>
-            <a:ext cx="7772399" cy="2036902"/>
+            <a:ext cx="7772399" cy="2006345"/>
           </a:xfrm>
           <a:prstGeom prst="rect">
             <a:avLst/>
@@ -1843,7 +2053,7 @@
           </a:prstGeom>
         </p:spPr>
         <p:txBody>
-          <a:bodyPr vert="horz" wrap="square" lIns="0" tIns="12700" rIns="0" bIns="0" rtlCol="0">
+          <a:bodyPr vert="horz" wrap="square" lIns="0" tIns="12700" rIns="0" bIns="0" rtlCol="0" anchor="t">
             <a:spAutoFit/>
           </a:bodyPr>
           <a:lstStyle/>
@@ -1857,11 +2067,20 @@
               </a:spcBef>
             </a:pPr>
             <a:r>
-              <a:rPr lang="fr-FR" sz="2300">
-                <a:latin typeface="Adobe Clean" panose="020B0503020404020204" pitchFamily="34" charset="0"/>
-              </a:rPr>
-              <a:t>OFFRES D’ASSISTANCE ADOBE</a:t>
-            </a:r>
+              <a:rPr sz="2300">
+                <a:latin typeface="Adobe Clean"/>
+              </a:rPr>
+              <a:t>ADOBE </a:t>
+            </a:r>
+            <a:r>
+              <a:rPr lang="en-US" sz="2300">
+                <a:latin typeface="Adobe Clean"/>
+              </a:rPr>
+              <a:t>SUPPORT PLANS</a:t>
+            </a:r>
+            <a:endParaRPr sz="2300">
+              <a:latin typeface="Adobe Clean" panose="020B0503020404020204" pitchFamily="34" charset="0"/>
+            </a:endParaRPr>
           </a:p>
         </p:txBody>
       </p:sp>
@@ -1873,8 +2092,8 @@
         </p:nvSpPr>
         <p:spPr>
           <a:xfrm>
-            <a:off x="121147" y="604185"/>
-            <a:ext cx="6055816" cy="1424364"/>
+            <a:off x="121147" y="531160"/>
+            <a:ext cx="5865216" cy="1269065"/>
           </a:xfrm>
           <a:prstGeom prst="rect">
             <a:avLst/>
@@ -1895,31 +2114,31 @@
               </a:spcBef>
             </a:pPr>
             <a:r>
-              <a:rPr lang="fr-FR" sz="900" spc="-30" dirty="0">
+              <a:rPr lang="en-US" sz="900">
                 <a:solidFill>
                   <a:schemeClr val="bg1"/>
                 </a:solidFill>
                 <a:latin typeface="Adobe Clean Light" panose="020B0303020404020204" pitchFamily="34" charset="0"/>
               </a:rPr>
-              <a:t>En ligne | </a:t>
-            </a:r>
-            <a:r>
-              <a:rPr lang="fr-FR" sz="900" b="1" spc="-30" dirty="0">
+              <a:t>Online | </a:t>
+            </a:r>
+            <a:r>
+              <a:rPr lang="en-US" sz="900" b="1">
                 <a:solidFill>
                   <a:schemeClr val="bg1"/>
                 </a:solidFill>
                 <a:latin typeface="Adobe Clean" panose="020B0503020404020204" pitchFamily="34" charset="0"/>
               </a:rPr>
-              <a:t>Commerciale</a:t>
-            </a:r>
-            <a:r>
-              <a:rPr lang="fr-FR" sz="900" spc="-30" dirty="0">
+              <a:t>Business</a:t>
+            </a:r>
+            <a:r>
+              <a:rPr lang="en-US" sz="900">
                 <a:solidFill>
                   <a:schemeClr val="bg1"/>
                 </a:solidFill>
                 <a:latin typeface="Adobe Clean Light" panose="020B0303020404020204" pitchFamily="34" charset="0"/>
               </a:rPr>
-              <a:t> | Entreprise | Elite</a:t>
+              <a:t> | Enterprise | Elite</a:t>
             </a:r>
           </a:p>
           <a:p>
@@ -1932,50 +2151,21 @@
               </a:spcBef>
             </a:pPr>
             <a:r>
-              <a:rPr lang="fr-FR" sz="900" spc="-30" dirty="0">
+              <a:rPr lang="en-US" sz="900">
                 <a:solidFill>
                   <a:schemeClr val="bg1"/>
                 </a:solidFill>
                 <a:latin typeface="Adobe Clean SemiLight" panose="020B0403020404020204" pitchFamily="34" charset="0"/>
               </a:rPr>
-              <a:t>Adobe offre une gamme complète de ressources techniques afin d’appuyer votre entreprise. Elles sont comprises dans votre abonnement à la licence </a:t>
-            </a:r>
-            <a:r>
-              <a:rPr lang="fr-FR" sz="900" spc="-30" dirty="0" err="1">
-                <a:solidFill>
-                  <a:schemeClr val="bg1"/>
-                </a:solidFill>
-                <a:latin typeface="Adobe Clean SemiLight" panose="020B0403020404020204" pitchFamily="34" charset="0"/>
-              </a:rPr>
-              <a:t>Experience</a:t>
-            </a:r>
-            <a:r>
-              <a:rPr lang="fr-FR" sz="900" spc="-30" dirty="0">
-                <a:solidFill>
-                  <a:schemeClr val="bg1"/>
-                </a:solidFill>
-                <a:latin typeface="Adobe Clean SemiLight" panose="020B0403020404020204" pitchFamily="34" charset="0"/>
-              </a:rPr>
-              <a:t> Cloud et sont améliorées dans le pack d’assistance COMMERCIALE. L’assistance COMMERCIALE comprend un accès à des parcours de formation personnalisés et à des forums communautaires surveillés au travers d’</a:t>
-            </a:r>
-            <a:r>
-              <a:rPr lang="fr-FR" sz="900" spc="-30" dirty="0" err="1">
-                <a:solidFill>
-                  <a:schemeClr val="bg1"/>
-                </a:solidFill>
-                <a:latin typeface="Adobe Clean SemiLight" panose="020B0403020404020204" pitchFamily="34" charset="0"/>
-              </a:rPr>
-              <a:t>Experience</a:t>
-            </a:r>
-            <a:r>
-              <a:rPr lang="fr-FR" sz="900" spc="-30" dirty="0">
-                <a:solidFill>
-                  <a:schemeClr val="bg1"/>
-                </a:solidFill>
-                <a:latin typeface="Adobe Clean SemiLight" panose="020B0403020404020204" pitchFamily="34" charset="0"/>
-              </a:rPr>
-              <a:t> League d’Adobe. Vous pouvez également tirer profit de notre documentation technique détaillée et approfondie sur les produits, ainsi que de nos notes de mise à jour actuelles. Les clients de COMMERCIALE bénéficient également d’un accès à nos équipes d’assistance technique pour toute requête concernant un produit. Cette requête peut être effectuée par téléphone ou via le portail web de l’assistance et permet de protéger votre entreprise aux moments les plus critiques. Les clients de COMMERCIALE recevront régulièrement des informations et des mises à jour de la part de leur assistance principale du compte en plus d’une aide de gestion des remontées de cas en ce qui concerne les requêtes d’assistance les plus critiques. </a:t>
-            </a:r>
+              <a:t>Adobe provides a comprehensive range of technical resources to help support your business, included as part of your Experience Cloud license subscription and enhanced in the BUSINESS support package. BUSINESS support includes access to personalized learning paths and monitored community forums via the Adobe Experience League. You can also take advantage of our detailed and in-depth technical product documentation and current release notes. BUSINESS customers also benefit from access to our technical support teams for any product query via either the telephone or the support web portal, to help protect your business at the most critical times. BUSINESS customers will receive regular communications and updates from their Account Support Lead in addition to support case escalation management for your most critical of support requests. </a:t>
+            </a:r>
+            <a:endParaRPr lang="en-US" sz="900">
+              <a:solidFill>
+                <a:schemeClr val="bg1"/>
+              </a:solidFill>
+              <a:latin typeface="Adobe Clean Light" panose="020B0303020404020204" pitchFamily="34" charset="0"/>
+              <a:cs typeface="AdobeClean-Light"/>
+            </a:endParaRPr>
           </a:p>
         </p:txBody>
       </p:sp>
@@ -2020,8 +2210,8 @@
         </p:nvSpPr>
         <p:spPr>
           <a:xfrm>
-            <a:off x="4895850" y="9862966"/>
-            <a:ext cx="2876549" cy="132729"/>
+            <a:off x="5307201" y="9862966"/>
+            <a:ext cx="2465198" cy="132729"/>
           </a:xfrm>
           <a:prstGeom prst="rect">
             <a:avLst/>
@@ -2042,24 +2232,24 @@
               </a:spcBef>
             </a:pPr>
             <a:r>
-              <a:rPr lang="fr-FR" dirty="0"/>
-              <a:t>©2021 Adobe. All </a:t>
-            </a:r>
-            <a:r>
-              <a:rPr lang="fr-FR" dirty="0" err="1"/>
-              <a:t>Rights</a:t>
-            </a:r>
-            <a:r>
-              <a:rPr lang="fr-FR" dirty="0"/>
+              <a:rPr spc="-5"/>
+              <a:t>©202</a:t>
+            </a:r>
+            <a:r>
+              <a:rPr lang="en-US" spc="-5"/>
+              <a:t>1</a:t>
+            </a:r>
+            <a:r>
+              <a:rPr spc="-5"/>
+              <a:t> Adobe. All Rights Reserved. Adobe</a:t>
+            </a:r>
+            <a:r>
+              <a:rPr spc="60"/>
               <a:t> </a:t>
             </a:r>
             <a:r>
-              <a:rPr lang="fr-FR" dirty="0" err="1"/>
-              <a:t>Reserved</a:t>
-            </a:r>
-            <a:r>
-              <a:rPr lang="fr-FR" dirty="0"/>
-              <a:t>. Données confidentielles Adobe</a:t>
+              <a:rPr spc="-5"/>
+              <a:t>Confidential.</a:t>
             </a:r>
           </a:p>
         </p:txBody>
@@ -2073,14 +2263,14 @@
           <p:nvPr>
             <p:extLst>
               <p:ext uri="{D42A27DB-BD31-4B8C-83A1-F6EECF244321}">
-                <p14:modId xmlns:p14="http://schemas.microsoft.com/office/powerpoint/2010/main" val="3587222514"/>
+                <p14:modId xmlns:p14="http://schemas.microsoft.com/office/powerpoint/2010/main" val="852543156"/>
               </p:ext>
             </p:extLst>
           </p:nvPr>
         </p:nvGraphicFramePr>
         <p:xfrm>
-          <a:off x="121146" y="7475985"/>
-          <a:ext cx="7498852" cy="2207759"/>
+          <a:off x="118872" y="7475985"/>
+          <a:ext cx="7498851" cy="2223598"/>
         </p:xfrm>
         <a:graphic>
           <a:graphicData uri="http://schemas.openxmlformats.org/drawingml/2006/table">
@@ -2089,7 +2279,7 @@
                 <a:tableStyleId>{2D5ABB26-0587-4C30-8999-92F81FD0307C}</a:tableStyleId>
               </a:tblPr>
               <a:tblGrid>
-                <a:gridCol w="4698745">
+                <a:gridCol w="4698744">
                   <a:extLst>
                     <a:ext uri="{9D8B030D-6E8A-4147-A177-3AD203B41FA5}">
                       <a16:colId xmlns:a16="http://schemas.microsoft.com/office/drawing/2014/main" val="20000"/>
@@ -2111,7 +2301,7 @@
                   </a:extLst>
                 </a:gridCol>
               </a:tblGrid>
-              <a:tr h="274318">
+              <a:tr h="291248">
                 <a:tc>
                   <a:txBody>
                     <a:bodyPr/>
@@ -2126,18 +2316,22 @@
                         </a:spcBef>
                       </a:pPr>
                       <a:r>
-                        <a:rPr lang="fr-FR" sz="900">
+                        <a:rPr sz="900" spc="0">
                           <a:solidFill>
                             <a:srgbClr val="020302"/>
                           </a:solidFill>
                           <a:latin typeface="Adobe Clean"/>
                           <a:cs typeface="Adobe Clean"/>
                         </a:rPr>
-                        <a:t>Priorité</a:t>
+                        <a:t>Priority</a:t>
                       </a:r>
+                      <a:endParaRPr sz="900" spc="0">
+                        <a:latin typeface="Adobe Clean"/>
+                        <a:cs typeface="Adobe Clean"/>
+                      </a:endParaRPr>
                     </a:p>
                   </a:txBody>
-                  <a:tcPr marL="0" marR="0" marT="7620" marB="0" anchor="ctr">
+                  <a:tcPr marL="0" marR="0" marT="7620" marB="0">
                     <a:lnL w="3175">
                       <a:solidFill>
                         <a:srgbClr val="B7B8B8"/>
@@ -2181,18 +2375,22 @@
                         </a:spcBef>
                       </a:pPr>
                       <a:r>
-                        <a:rPr lang="fr-FR" sz="900">
+                        <a:rPr sz="900" spc="0">
                           <a:solidFill>
                             <a:srgbClr val="020302"/>
                           </a:solidFill>
                           <a:latin typeface="Adobe Clean"/>
                           <a:cs typeface="Adobe Clean"/>
                         </a:rPr>
-                        <a:t>Assistance en ligne</a:t>
+                        <a:t>Online Support</a:t>
                       </a:r>
+                      <a:endParaRPr sz="900" spc="0">
+                        <a:latin typeface="Adobe Clean"/>
+                        <a:cs typeface="Adobe Clean"/>
+                      </a:endParaRPr>
                     </a:p>
                   </a:txBody>
-                  <a:tcPr anchor="ctr">
+                  <a:tcPr marL="182880" marT="91440" anchor="ctr">
                     <a:lnL w="3175">
                       <a:solidFill>
                         <a:srgbClr val="B7B8B8"/>
@@ -2236,18 +2434,42 @@
                         </a:spcBef>
                       </a:pPr>
                       <a:r>
-                        <a:rPr lang="fr-FR" sz="900">
+                        <a:rPr sz="900" spc="0">
                           <a:solidFill>
                             <a:srgbClr val="FFFFFF"/>
                           </a:solidFill>
                           <a:latin typeface="Adobe Clean"/>
                           <a:cs typeface="Adobe Clean"/>
                         </a:rPr>
-                        <a:t>Assistance commerciale</a:t>
+                        <a:t>Business</a:t>
                       </a:r>
+                      <a:r>
+                        <a:rPr lang="en-US" sz="900" spc="0">
+                          <a:solidFill>
+                            <a:srgbClr val="FFFFFF"/>
+                          </a:solidFill>
+                          <a:latin typeface="Adobe Clean"/>
+                          <a:cs typeface="Adobe Clean"/>
+                        </a:rPr>
+                        <a:t> </a:t>
+                      </a:r>
+                      <a:r>
+                        <a:rPr sz="900" spc="0">
+                          <a:solidFill>
+                            <a:srgbClr val="FFFFFF"/>
+                          </a:solidFill>
+                          <a:latin typeface="Adobe Clean"/>
+                          <a:cs typeface="Adobe Clean"/>
+                        </a:rPr>
+                        <a:t>Support</a:t>
+                      </a:r>
+                      <a:endParaRPr sz="900" spc="0">
+                        <a:latin typeface="Adobe Clean"/>
+                        <a:cs typeface="Adobe Clean"/>
+                      </a:endParaRPr>
                     </a:p>
                   </a:txBody>
-                  <a:tcPr anchor="ctr">
+                  <a:tcPr marL="182880" marT="91440" anchor="ctr">
                     <a:lnL w="3175">
                       <a:solidFill>
                         <a:srgbClr val="B7B8B8"/>
@@ -2283,7 +2505,7 @@
                   </a:ext>
                 </a:extLst>
               </a:tr>
-              <a:tr h="530982">
+              <a:tr h="514672">
                 <a:tc>
                   <a:txBody>
                     <a:bodyPr/>
@@ -2298,15 +2520,19 @@
                         </a:spcBef>
                       </a:pPr>
                       <a:r>
-                        <a:rPr lang="fr-FR" sz="900" b="1" dirty="0">
+                        <a:rPr sz="900" b="1" spc="0">
                           <a:solidFill>
                             <a:srgbClr val="020302"/>
                           </a:solidFill>
                           <a:latin typeface="Adobe Clean"/>
                           <a:cs typeface="Adobe Clean"/>
                         </a:rPr>
-                        <a:t>PRIORITÉ 1</a:t>
+                        <a:t>PRIORITY 1</a:t>
                       </a:r>
+                      <a:endParaRPr sz="900" spc="0">
+                        <a:latin typeface="Adobe Clean"/>
+                        <a:cs typeface="Adobe Clean"/>
+                      </a:endParaRPr>
                     </a:p>
                     <a:p>
                       <a:pPr marL="50800" marR="387985" lvl="0" indent="0" algn="l" defTabSz="914400" rtl="0" eaLnBrk="1" fontAlgn="auto" latinLnBrk="0" hangingPunct="1">
@@ -2327,48 +2553,19 @@
                         <a:defRPr/>
                       </a:pPr>
                       <a:r>
-                        <a:rPr lang="fr-FR" sz="900" b="0" i="0" dirty="0">
+                        <a:rPr lang="en-US" sz="900" b="0" i="0" spc="0">
                           <a:solidFill>
                             <a:srgbClr val="000000"/>
                           </a:solidFill>
+                          <a:effectLst/>
                           <a:latin typeface="Adobe Clean Light" panose="020B0303020404020204" pitchFamily="34" charset="0"/>
                         </a:rPr>
-                        <a:t>Les fonctions commerciales de production du client sont en panne ou présentent une perte </a:t>
+                        <a:t>Customer's production business functions are down or have significant data loss or service degradation and immediate attention is required to restore functionality and usability</a:t>
                       </a:r>
-                      <a:br>
-                        <a:rPr lang="sk-SK" sz="900" b="0" i="0" dirty="0">
-                          <a:solidFill>
-                            <a:srgbClr val="000000"/>
-                          </a:solidFill>
-                          <a:latin typeface="Adobe Clean Light" panose="020B0303020404020204" pitchFamily="34" charset="0"/>
-                        </a:rPr>
-                      </a:br>
-                      <a:r>
-                        <a:rPr lang="fr-FR" sz="900" b="0" i="0" dirty="0">
-                          <a:solidFill>
-                            <a:srgbClr val="000000"/>
-                          </a:solidFill>
-                          <a:latin typeface="Adobe Clean Light" panose="020B0303020404020204" pitchFamily="34" charset="0"/>
-                        </a:rPr>
-                        <a:t>de données ou une dégradation importante du service. Une attention immédiate est requise </a:t>
-                      </a:r>
-                      <a:br>
-                        <a:rPr lang="sk-SK" sz="900" b="0" i="0" dirty="0">
-                          <a:solidFill>
-                            <a:srgbClr val="000000"/>
-                          </a:solidFill>
-                          <a:latin typeface="Adobe Clean Light" panose="020B0303020404020204" pitchFamily="34" charset="0"/>
-                        </a:rPr>
-                      </a:br>
-                      <a:r>
-                        <a:rPr lang="fr-FR" sz="900" b="0" i="0" dirty="0">
-                          <a:solidFill>
-                            <a:srgbClr val="000000"/>
-                          </a:solidFill>
-                          <a:latin typeface="Adobe Clean Light" panose="020B0303020404020204" pitchFamily="34" charset="0"/>
-                        </a:rPr>
-                        <a:t>afin de restaurer les fonctionnalités et l’accessibilité</a:t>
-                      </a:r>
+                      <a:endParaRPr lang="en-US" sz="900" b="0" i="0" spc="0">
+                        <a:latin typeface="Adobe Clean Light" panose="020B0303020404020204" pitchFamily="34" charset="0"/>
+                        <a:cs typeface="AdobeClean-Light"/>
+                      </a:endParaRPr>
                     </a:p>
                   </a:txBody>
                   <a:tcPr marL="0" marR="0" marT="3810" marB="0">
@@ -2412,18 +2609,62 @@
                         </a:spcBef>
                       </a:pPr>
                       <a:r>
-                        <a:rPr lang="fr-FR" sz="900">
+                        <a:rPr sz="900" spc="0">
                           <a:solidFill>
                             <a:srgbClr val="020302"/>
                           </a:solidFill>
                           <a:latin typeface="AdobeClean-Light"/>
                           <a:cs typeface="AdobeClean-Light"/>
                         </a:rPr>
-                        <a:t>24x7 /           1 heure</a:t>
+                        <a:t>24x7</a:t>
                       </a:r>
+                      <a:r>
+                        <a:rPr lang="en-US" sz="900" spc="0">
+                          <a:solidFill>
+                            <a:srgbClr val="020302"/>
+                          </a:solidFill>
+                          <a:latin typeface="AdobeClean-Light"/>
+                          <a:cs typeface="AdobeClean-Light"/>
+                        </a:rPr>
+                        <a:t> </a:t>
+                      </a:r>
+                      <a:r>
+                        <a:rPr sz="900" spc="0">
+                          <a:solidFill>
+                            <a:srgbClr val="020302"/>
+                          </a:solidFill>
+                          <a:latin typeface="AdobeClean-Light"/>
+                          <a:cs typeface="AdobeClean-Light"/>
+                        </a:rPr>
+                        <a:t>/</a:t>
+                      </a:r>
+                      <a:r>
+                        <a:rPr lang="en-US" sz="900" spc="0">
+                          <a:solidFill>
+                            <a:srgbClr val="020302"/>
+                          </a:solidFill>
+                          <a:latin typeface="AdobeClean-Light"/>
+                          <a:cs typeface="AdobeClean-Light"/>
+                        </a:rPr>
+                        <a:t> </a:t>
+                      </a:r>
+                      <a:r>
+                        <a:rPr sz="900" spc="0">
+                          <a:solidFill>
+                            <a:srgbClr val="020302"/>
+                          </a:solidFill>
+                          <a:latin typeface="AdobeClean-Light"/>
+                          <a:cs typeface="AdobeClean-Light"/>
+                        </a:rPr>
+                        <a:t>1 hour</a:t>
+                      </a:r>
+                      <a:endParaRPr sz="900" spc="0">
+                        <a:latin typeface="AdobeClean-Light"/>
+                        <a:cs typeface="AdobeClean-Light"/>
+                      </a:endParaRPr>
                     </a:p>
                   </a:txBody>
-                  <a:tcPr anchor="ctr">
+                  <a:tcPr marL="0" marR="0" marT="91440" marB="91440" anchor="ctr" anchorCtr="1">
                     <a:lnL w="3175">
                       <a:solidFill>
                         <a:srgbClr val="B7B8B8"/>
@@ -2464,18 +2705,62 @@
                         </a:spcBef>
                       </a:pPr>
                       <a:r>
-                        <a:rPr lang="fr-FR" sz="900">
+                        <a:rPr sz="900" spc="0">
                           <a:solidFill>
                             <a:srgbClr val="020302"/>
                           </a:solidFill>
                           <a:latin typeface="AdobeClean-Light"/>
                           <a:cs typeface="AdobeClean-Light"/>
                         </a:rPr>
-                        <a:t>24x7 /          1 heure</a:t>
+                        <a:t>24x7</a:t>
                       </a:r>
+                      <a:r>
+                        <a:rPr lang="en-US" sz="900" spc="0">
+                          <a:solidFill>
+                            <a:srgbClr val="020302"/>
+                          </a:solidFill>
+                          <a:latin typeface="AdobeClean-Light"/>
+                          <a:cs typeface="AdobeClean-Light"/>
+                        </a:rPr>
+                        <a:t> </a:t>
+                      </a:r>
+                      <a:r>
+                        <a:rPr sz="900" spc="0">
+                          <a:solidFill>
+                            <a:srgbClr val="020302"/>
+                          </a:solidFill>
+                          <a:latin typeface="AdobeClean-Light"/>
+                          <a:cs typeface="AdobeClean-Light"/>
+                        </a:rPr>
+                        <a:t>/</a:t>
+                      </a:r>
+                      <a:r>
+                        <a:rPr lang="en-US" sz="900" spc="0">
+                          <a:solidFill>
+                            <a:srgbClr val="020302"/>
+                          </a:solidFill>
+                          <a:latin typeface="AdobeClean-Light"/>
+                          <a:cs typeface="AdobeClean-Light"/>
+                        </a:rPr>
+                        <a:t> </a:t>
+                      </a:r>
+                      <a:r>
+                        <a:rPr sz="900" spc="0">
+                          <a:solidFill>
+                            <a:srgbClr val="020302"/>
+                          </a:solidFill>
+                          <a:latin typeface="AdobeClean-Light"/>
+                          <a:cs typeface="AdobeClean-Light"/>
+                        </a:rPr>
+                        <a:t>1 hour</a:t>
+                      </a:r>
+                      <a:endParaRPr sz="900" spc="0">
+                        <a:latin typeface="AdobeClean-Light"/>
+                        <a:cs typeface="AdobeClean-Light"/>
+                      </a:endParaRPr>
                     </a:p>
                   </a:txBody>
-                  <a:tcPr anchor="ctr">
+                  <a:tcPr marL="0" marR="0" marT="91440" marB="91440" anchor="ctr" anchorCtr="1">
                     <a:lnL w="3175">
                       <a:solidFill>
                         <a:srgbClr val="B7B8B8"/>
@@ -2513,7 +2798,7 @@
                   </a:ext>
                 </a:extLst>
               </a:tr>
-              <a:tr h="484755">
+              <a:tr h="514672">
                 <a:tc>
                   <a:txBody>
                     <a:bodyPr/>
@@ -2528,15 +2813,19 @@
                         </a:spcBef>
                       </a:pPr>
                       <a:r>
-                        <a:rPr lang="fr-FR" sz="900" b="1" dirty="0">
+                        <a:rPr sz="900" b="1" spc="0">
                           <a:solidFill>
                             <a:srgbClr val="020302"/>
                           </a:solidFill>
                           <a:latin typeface="Adobe Clean"/>
                           <a:cs typeface="Adobe Clean"/>
                         </a:rPr>
-                        <a:t>PRIORITÉ 2</a:t>
+                        <a:t>PRIORITY 2</a:t>
                       </a:r>
+                      <a:endParaRPr sz="900" spc="0">
+                        <a:latin typeface="Adobe Clean"/>
+                        <a:cs typeface="Adobe Clean"/>
+                      </a:endParaRPr>
                     </a:p>
                     <a:p>
                       <a:pPr marL="50165" marR="203200">
@@ -2548,14 +2837,19 @@
                         </a:spcBef>
                       </a:pPr>
                       <a:r>
-                        <a:rPr lang="fr-FR" sz="900" b="0" i="0" dirty="0">
+                        <a:rPr lang="en-US" sz="900" b="0" i="0" spc="0">
                           <a:solidFill>
                             <a:srgbClr val="000000"/>
                           </a:solidFill>
+                          <a:effectLst/>
                           <a:latin typeface="Adobe Clean Light" panose="020B0303020404020204" pitchFamily="34" charset="0"/>
                         </a:rPr>
-                        <a:t>Les fonctions commerciales du client présentent une dégradation importante du service ou une perte potentielle de données. Il est également possible qu’une fonctionnalité majeure soit affectée </a:t>
+                        <a:t>Customer's business functions have major service degradation or potential data loss, or a major feature is impacted </a:t>
                       </a:r>
+                      <a:endParaRPr lang="en-US" sz="900" b="0" i="0" spc="0">
+                        <a:latin typeface="Adobe Clean Light" panose="020B0303020404020204" pitchFamily="34" charset="0"/>
+                        <a:cs typeface="AdobeClean-Light"/>
+                      </a:endParaRPr>
                     </a:p>
                   </a:txBody>
                   <a:tcPr marL="0" marR="0" marT="3810" marB="0">
@@ -2599,18 +2893,82 @@
                         </a:spcBef>
                       </a:pPr>
                       <a:r>
-                        <a:rPr lang="fr-FR" sz="900">
+                        <a:rPr sz="900" spc="0">
                           <a:solidFill>
                             <a:srgbClr val="020302"/>
                           </a:solidFill>
                           <a:latin typeface="AdobeClean-Light"/>
                           <a:cs typeface="AdobeClean-Light"/>
                         </a:rPr>
-                        <a:t>Heures d’ouverture /     4 heures</a:t>
+                        <a:t>Business</a:t>
                       </a:r>
+                      <a:r>
+                        <a:rPr lang="en-US" sz="900" spc="0">
+                          <a:solidFill>
+                            <a:srgbClr val="020302"/>
+                          </a:solidFill>
+                          <a:latin typeface="AdobeClean-Light"/>
+                          <a:cs typeface="AdobeClean-Light"/>
+                        </a:rPr>
+                        <a:t> </a:t>
+                      </a:r>
+                      <a:r>
+                        <a:rPr sz="900" spc="0">
+                          <a:solidFill>
+                            <a:srgbClr val="020302"/>
+                          </a:solidFill>
+                          <a:latin typeface="AdobeClean-Light"/>
+                          <a:cs typeface="AdobeClean-Light"/>
+                        </a:rPr>
+                        <a:t>hours</a:t>
+                      </a:r>
+                      <a:r>
+                        <a:rPr lang="en-US" sz="900" spc="0">
+                          <a:solidFill>
+                            <a:srgbClr val="020302"/>
+                          </a:solidFill>
+                          <a:latin typeface="AdobeClean-Light"/>
+                          <a:cs typeface="AdobeClean-Light"/>
+                        </a:rPr>
+                        <a:t> </a:t>
+                      </a:r>
+                      <a:r>
+                        <a:rPr sz="900" spc="0">
+                          <a:solidFill>
+                            <a:srgbClr val="020302"/>
+                          </a:solidFill>
+                          <a:latin typeface="AdobeClean-Light"/>
+                          <a:cs typeface="AdobeClean-Light"/>
+                        </a:rPr>
+                        <a:t>/</a:t>
+                      </a:r>
+                      <a:r>
+                        <a:rPr lang="en-US" sz="900" spc="0">
+                          <a:solidFill>
+                            <a:srgbClr val="020302"/>
+                          </a:solidFill>
+                          <a:latin typeface="AdobeClean-Light"/>
+                          <a:cs typeface="AdobeClean-Light"/>
+                        </a:rPr>
+                        <a:t> </a:t>
+                      </a:r>
+                      <a:r>
+                        <a:rPr sz="900" spc="0">
+                          <a:solidFill>
+                            <a:srgbClr val="020302"/>
+                          </a:solidFill>
+                          <a:latin typeface="AdobeClean-Light"/>
+                          <a:cs typeface="AdobeClean-Light"/>
+                        </a:rPr>
+                        <a:t>4 hours</a:t>
+                      </a:r>
+                      <a:endParaRPr sz="900" spc="0">
+                        <a:latin typeface="AdobeClean-Light"/>
+                        <a:cs typeface="AdobeClean-Light"/>
+                      </a:endParaRPr>
                     </a:p>
                   </a:txBody>
-                  <a:tcPr anchor="ctr">
+                  <a:tcPr marL="0" marR="0" marT="91440" marB="91440" anchor="ctr" anchorCtr="1">
                     <a:lnL w="3175">
                       <a:solidFill>
                         <a:srgbClr val="B7B8B8"/>
@@ -2651,18 +3009,92 @@
                         </a:spcBef>
                       </a:pPr>
                       <a:r>
-                        <a:rPr lang="fr-FR" sz="900">
+                        <a:rPr lang="en-US" sz="900" spc="0">
                           <a:solidFill>
                             <a:srgbClr val="020302"/>
                           </a:solidFill>
                           <a:latin typeface="AdobeClean-Light"/>
                           <a:cs typeface="AdobeClean-Light"/>
                         </a:rPr>
-                        <a:t>Heures d’ouverture /      2 heures</a:t>
+                        <a:t>    </a:t>
                       </a:r>
+                      <a:r>
+                        <a:rPr sz="900" spc="0">
+                          <a:solidFill>
+                            <a:srgbClr val="020302"/>
+                          </a:solidFill>
+                          <a:latin typeface="AdobeClean-Light"/>
+                          <a:cs typeface="AdobeClean-Light"/>
+                        </a:rPr>
+                        <a:t>Business</a:t>
+                      </a:r>
+                      <a:r>
+                        <a:rPr lang="en-US" sz="900" spc="0">
+                          <a:solidFill>
+                            <a:srgbClr val="020302"/>
+                          </a:solidFill>
+                          <a:latin typeface="AdobeClean-Light"/>
+                          <a:cs typeface="AdobeClean-Light"/>
+                        </a:rPr>
+                        <a:t> </a:t>
+                      </a:r>
+                      <a:r>
+                        <a:rPr sz="900" spc="0">
+                          <a:solidFill>
+                            <a:srgbClr val="020302"/>
+                          </a:solidFill>
+                          <a:latin typeface="AdobeClean-Light"/>
+                          <a:cs typeface="AdobeClean-Light"/>
+                        </a:rPr>
+                        <a:t>hours</a:t>
+                      </a:r>
+                      <a:r>
+                        <a:rPr lang="en-US" sz="900" spc="0">
+                          <a:solidFill>
+                            <a:srgbClr val="020302"/>
+                          </a:solidFill>
+                          <a:latin typeface="AdobeClean-Light"/>
+                          <a:cs typeface="AdobeClean-Light"/>
+                        </a:rPr>
+                        <a:t> / </a:t>
+                      </a:r>
+                      <a:r>
+                        <a:rPr sz="900" spc="0">
+                          <a:solidFill>
+                            <a:srgbClr val="020302"/>
+                          </a:solidFill>
+                          <a:latin typeface="AdobeClean-Light"/>
+                          <a:cs typeface="AdobeClean-Light"/>
+                        </a:rPr>
+                        <a:t>2</a:t>
+                      </a:r>
+                      <a:r>
+                        <a:rPr lang="en-US" sz="900" spc="0">
+                          <a:solidFill>
+                            <a:srgbClr val="020302"/>
+                          </a:solidFill>
+                          <a:latin typeface="AdobeClean-Light"/>
+                          <a:cs typeface="AdobeClean-Light"/>
+                        </a:rPr>
+                        <a:t> </a:t>
+                      </a:r>
+                      <a:r>
+                        <a:rPr sz="900" spc="0">
+                          <a:solidFill>
+                            <a:srgbClr val="020302"/>
+                          </a:solidFill>
+                          <a:latin typeface="AdobeClean-Light"/>
+                          <a:cs typeface="AdobeClean-Light"/>
+                        </a:rPr>
+                        <a:t>hours</a:t>
+                      </a:r>
+                      <a:endParaRPr sz="900" spc="0">
+                        <a:latin typeface="AdobeClean-Light"/>
+                        <a:cs typeface="AdobeClean-Light"/>
+                      </a:endParaRPr>
                     </a:p>
                   </a:txBody>
-                  <a:tcPr anchor="ctr">
+                  <a:tcPr marL="0" marR="0" marT="91440" marB="91440" anchor="ctr" anchorCtr="1">
                     <a:lnL w="3175">
                       <a:solidFill>
                         <a:srgbClr val="B7B8B8"/>
@@ -2700,7 +3132,7 @@
                   </a:ext>
                 </a:extLst>
               </a:tr>
-              <a:tr h="484756">
+              <a:tr h="514673">
                 <a:tc>
                   <a:txBody>
                     <a:bodyPr/>
@@ -2715,15 +3147,19 @@
                         </a:spcBef>
                       </a:pPr>
                       <a:r>
-                        <a:rPr lang="fr-FR" sz="900" b="1">
+                        <a:rPr sz="900" b="1" spc="0">
                           <a:solidFill>
                             <a:srgbClr val="020302"/>
                           </a:solidFill>
                           <a:latin typeface="Adobe Clean"/>
                           <a:cs typeface="Adobe Clean"/>
                         </a:rPr>
-                        <a:t>PRIORITÉ 3</a:t>
+                        <a:t>PRIORITY 3</a:t>
                       </a:r>
+                      <a:endParaRPr sz="900" spc="0">
+                        <a:latin typeface="Adobe Clean"/>
+                        <a:cs typeface="Adobe Clean"/>
+                      </a:endParaRPr>
                     </a:p>
                     <a:p>
                       <a:pPr marL="49530" marR="212090" indent="-2540">
@@ -2735,21 +3171,26 @@
                         </a:spcBef>
                       </a:pPr>
                       <a:r>
-                        <a:rPr kumimoji="0" lang="fr-FR" sz="900" b="0" i="0" u="none" strike="noStrike" cap="none" normalizeH="0" baseline="0" noProof="0">
+                        <a:rPr kumimoji="0" lang="en-US" sz="900" b="0" i="0" u="none" strike="noStrike" kern="1200" cap="none" spc="0" normalizeH="0" baseline="0" noProof="0">
                           <a:ln>
                             <a:noFill/>
                           </a:ln>
                           <a:solidFill>
                             <a:srgbClr val="000000"/>
                           </a:solidFill>
+                          <a:effectLst/>
                           <a:uLnTx/>
                           <a:uFillTx/>
                           <a:latin typeface="Adobe Clean Light" panose="020B0303020404020204" pitchFamily="34" charset="0"/>
                           <a:ea typeface="+mn-ea"/>
                           <a:cs typeface="+mn-cs"/>
                         </a:rPr>
-                        <a:t>Les fonctions commerciales du client présentent une dégradation mineure du service, mais il existe une solution/un moyen permettant aux fonctions commerciales de continuer de fonctionner </a:t>
+                        <a:t>Customer's business functions have minor service degradation but there exists a solution/workaround allowing business functions to continue </a:t>
                       </a:r>
+                      <a:endParaRPr lang="en-US" sz="900" b="0" i="0" spc="0">
+                        <a:latin typeface="Adobe Clean Light" panose="020B0303020404020204" pitchFamily="34" charset="0"/>
+                        <a:cs typeface="AdobeClean-Light"/>
+                      </a:endParaRPr>
                     </a:p>
                   </a:txBody>
                   <a:tcPr marL="0" marR="0" marT="3810" marB="0">
@@ -2793,18 +3234,92 @@
                         </a:spcBef>
                       </a:pPr>
                       <a:r>
-                        <a:rPr lang="fr-FR" sz="900">
+                        <a:rPr lang="en-US" sz="900" spc="0">
                           <a:solidFill>
                             <a:srgbClr val="020302"/>
                           </a:solidFill>
                           <a:latin typeface="AdobeClean-Light"/>
                           <a:cs typeface="AdobeClean-Light"/>
                         </a:rPr>
-                        <a:t>Heures d’ouverture /     6 heures</a:t>
+                        <a:t>   </a:t>
                       </a:r>
+                      <a:r>
+                        <a:rPr sz="900" spc="0">
+                          <a:solidFill>
+                            <a:srgbClr val="020302"/>
+                          </a:solidFill>
+                          <a:latin typeface="AdobeClean-Light"/>
+                          <a:cs typeface="AdobeClean-Light"/>
+                        </a:rPr>
+                        <a:t>Business</a:t>
+                      </a:r>
+                      <a:r>
+                        <a:rPr lang="en-US" sz="900" spc="0">
+                          <a:solidFill>
+                            <a:srgbClr val="020302"/>
+                          </a:solidFill>
+                          <a:latin typeface="AdobeClean-Light"/>
+                          <a:cs typeface="AdobeClean-Light"/>
+                        </a:rPr>
+                        <a:t> </a:t>
+                      </a:r>
+                      <a:r>
+                        <a:rPr sz="900" spc="0">
+                          <a:solidFill>
+                            <a:srgbClr val="020302"/>
+                          </a:solidFill>
+                          <a:latin typeface="AdobeClean-Light"/>
+                          <a:cs typeface="AdobeClean-Light"/>
+                        </a:rPr>
+                        <a:t>hours</a:t>
+                      </a:r>
+                      <a:r>
+                        <a:rPr lang="en-US" sz="900" spc="0">
+                          <a:solidFill>
+                            <a:srgbClr val="020302"/>
+                          </a:solidFill>
+                          <a:latin typeface="AdobeClean-Light"/>
+                          <a:cs typeface="AdobeClean-Light"/>
+                        </a:rPr>
+                        <a:t> / </a:t>
+                      </a:r>
+                      <a:r>
+                        <a:rPr sz="900" spc="0">
+                          <a:solidFill>
+                            <a:srgbClr val="020302"/>
+                          </a:solidFill>
+                          <a:latin typeface="AdobeClean-Light"/>
+                          <a:cs typeface="AdobeClean-Light"/>
+                        </a:rPr>
+                        <a:t>6</a:t>
+                      </a:r>
+                      <a:r>
+                        <a:rPr lang="en-US" sz="900" spc="0">
+                          <a:solidFill>
+                            <a:srgbClr val="020302"/>
+                          </a:solidFill>
+                          <a:latin typeface="AdobeClean-Light"/>
+                          <a:cs typeface="AdobeClean-Light"/>
+                        </a:rPr>
+                        <a:t> </a:t>
+                      </a:r>
+                      <a:r>
+                        <a:rPr sz="900" spc="0">
+                          <a:solidFill>
+                            <a:srgbClr val="020302"/>
+                          </a:solidFill>
+                          <a:latin typeface="AdobeClean-Light"/>
+                          <a:cs typeface="AdobeClean-Light"/>
+                        </a:rPr>
+                        <a:t>hours</a:t>
+                      </a:r>
+                      <a:endParaRPr sz="900" spc="0">
+                        <a:latin typeface="AdobeClean-Light"/>
+                        <a:cs typeface="AdobeClean-Light"/>
+                      </a:endParaRPr>
                     </a:p>
                   </a:txBody>
-                  <a:tcPr anchor="ctr">
+                  <a:tcPr marL="0" marR="0" marT="91440" marB="91440" anchor="ctr" anchorCtr="1">
                     <a:lnL w="3175">
                       <a:solidFill>
                         <a:srgbClr val="B7B8B8"/>
@@ -2845,18 +3360,82 @@
                         </a:spcBef>
                       </a:pPr>
                       <a:r>
-                        <a:rPr lang="fr-FR" sz="900">
+                        <a:rPr sz="900" spc="0">
                           <a:solidFill>
                             <a:srgbClr val="020302"/>
                           </a:solidFill>
                           <a:latin typeface="AdobeClean-Light"/>
                           <a:cs typeface="AdobeClean-Light"/>
                         </a:rPr>
-                        <a:t>Heures d’ouverture /     4 heures</a:t>
+                        <a:t>Business</a:t>
                       </a:r>
+                      <a:r>
+                        <a:rPr lang="en-US" sz="900" spc="0">
+                          <a:solidFill>
+                            <a:srgbClr val="020302"/>
+                          </a:solidFill>
+                          <a:latin typeface="AdobeClean-Light"/>
+                          <a:cs typeface="AdobeClean-Light"/>
+                        </a:rPr>
+                        <a:t> </a:t>
+                      </a:r>
+                      <a:r>
+                        <a:rPr sz="900" spc="0">
+                          <a:solidFill>
+                            <a:srgbClr val="020302"/>
+                          </a:solidFill>
+                          <a:latin typeface="AdobeClean-Light"/>
+                          <a:cs typeface="AdobeClean-Light"/>
+                        </a:rPr>
+                        <a:t>hours</a:t>
+                      </a:r>
+                      <a:r>
+                        <a:rPr lang="en-US" sz="900" spc="0">
+                          <a:solidFill>
+                            <a:srgbClr val="020302"/>
+                          </a:solidFill>
+                          <a:latin typeface="AdobeClean-Light"/>
+                          <a:cs typeface="AdobeClean-Light"/>
+                        </a:rPr>
+                        <a:t> </a:t>
+                      </a:r>
+                      <a:r>
+                        <a:rPr sz="900" spc="0">
+                          <a:solidFill>
+                            <a:srgbClr val="020302"/>
+                          </a:solidFill>
+                          <a:latin typeface="AdobeClean-Light"/>
+                          <a:cs typeface="AdobeClean-Light"/>
+                        </a:rPr>
+                        <a:t>/ 4</a:t>
+                      </a:r>
+                      <a:r>
+                        <a:rPr lang="en-US" sz="900" spc="0">
+                          <a:solidFill>
+                            <a:srgbClr val="020302"/>
+                          </a:solidFill>
+                          <a:latin typeface="AdobeClean-Light"/>
+                          <a:cs typeface="AdobeClean-Light"/>
+                        </a:rPr>
+                        <a:t> </a:t>
+                      </a:r>
+                      <a:r>
+                        <a:rPr sz="900" spc="0">
+                          <a:solidFill>
+                            <a:srgbClr val="020302"/>
+                          </a:solidFill>
+                          <a:latin typeface="AdobeClean-Light"/>
+                          <a:cs typeface="AdobeClean-Light"/>
+                        </a:rPr>
+                        <a:t>hours</a:t>
+                      </a:r>
+                      <a:endParaRPr sz="900" spc="0">
+                        <a:latin typeface="AdobeClean-Light"/>
+                        <a:cs typeface="AdobeClean-Light"/>
+                      </a:endParaRPr>
                     </a:p>
                   </a:txBody>
-                  <a:tcPr anchor="ctr">
+                  <a:tcPr marL="0" marR="0" marT="91440" marB="91440" anchor="ctr" anchorCtr="1">
                     <a:lnL w="3175">
                       <a:solidFill>
                         <a:srgbClr val="B7B8B8"/>
@@ -2894,7 +3473,7 @@
                   </a:ext>
                 </a:extLst>
               </a:tr>
-              <a:tr h="359998">
+              <a:tr h="388333">
                 <a:tc>
                   <a:txBody>
                     <a:bodyPr/>
@@ -2909,15 +3488,19 @@
                         </a:spcBef>
                       </a:pPr>
                       <a:r>
-                        <a:rPr lang="fr-FR" sz="900" b="1">
+                        <a:rPr sz="900" b="1" spc="0">
                           <a:solidFill>
                             <a:srgbClr val="020302"/>
                           </a:solidFill>
                           <a:latin typeface="Adobe Clean"/>
                           <a:cs typeface="Adobe Clean"/>
                         </a:rPr>
-                        <a:t>PRIORITÉ 4</a:t>
+                        <a:t>PRIORITY 4</a:t>
                       </a:r>
+                      <a:endParaRPr sz="900" spc="0">
+                        <a:latin typeface="Adobe Clean"/>
+                        <a:cs typeface="Adobe Clean"/>
+                      </a:endParaRPr>
                     </a:p>
                     <a:p>
                       <a:pPr marL="48895" marR="0" lvl="0" indent="0" defTabSz="914400" eaLnBrk="1" fontAlgn="auto" latinLnBrk="0" hangingPunct="1">
@@ -2938,14 +3521,19 @@
                         <a:defRPr/>
                       </a:pPr>
                       <a:r>
-                        <a:rPr lang="fr-FR" sz="900" b="0" i="0">
+                        <a:rPr lang="en-US" sz="900" b="0" i="0" spc="0">
                           <a:solidFill>
                             <a:srgbClr val="000000"/>
                           </a:solidFill>
+                          <a:effectLst/>
                           <a:latin typeface="Adobe Clean Light" panose="020B0303020404020204" pitchFamily="34" charset="0"/>
                         </a:rPr>
-                        <a:t>Question générale concernant les fonctionnalités actuelles du produit ou une demande d’amélioration</a:t>
+                        <a:t>General question regarding current product functionality or an enhancement request</a:t>
                       </a:r>
+                      <a:endParaRPr lang="en-US" sz="900" b="0" i="0" spc="0">
+                        <a:latin typeface="Adobe Clean Light" panose="020B0303020404020204" pitchFamily="34" charset="0"/>
+                        <a:cs typeface="AdobeClean-Light"/>
+                      </a:endParaRPr>
                     </a:p>
                   </a:txBody>
                   <a:tcPr marL="0" marR="0" marT="1905" marB="0">
@@ -2989,18 +3577,72 @@
                         </a:spcBef>
                       </a:pPr>
                       <a:r>
-                        <a:rPr lang="fr-FR" sz="900">
+                        <a:rPr lang="en-US" sz="900" spc="0">
                           <a:solidFill>
                             <a:srgbClr val="020302"/>
                           </a:solidFill>
                           <a:latin typeface="AdobeClean-Light"/>
                           <a:cs typeface="AdobeClean-Light"/>
                         </a:rPr>
-                        <a:t>Jours ouvrables /      3 jours</a:t>
+                        <a:t>  </a:t>
                       </a:r>
+                      <a:r>
+                        <a:rPr sz="900" spc="0">
+                          <a:solidFill>
+                            <a:srgbClr val="020302"/>
+                          </a:solidFill>
+                          <a:latin typeface="AdobeClean-Light"/>
+                          <a:cs typeface="AdobeClean-Light"/>
+                        </a:rPr>
+                        <a:t>Business</a:t>
+                      </a:r>
+                      <a:r>
+                        <a:rPr lang="en-US" sz="900" spc="0">
+                          <a:solidFill>
+                            <a:srgbClr val="020302"/>
+                          </a:solidFill>
+                          <a:latin typeface="AdobeClean-Light"/>
+                          <a:cs typeface="AdobeClean-Light"/>
+                        </a:rPr>
+                        <a:t> </a:t>
+                      </a:r>
+                      <a:r>
+                        <a:rPr sz="900" spc="0">
+                          <a:solidFill>
+                            <a:srgbClr val="020302"/>
+                          </a:solidFill>
+                          <a:latin typeface="AdobeClean-Light"/>
+                          <a:cs typeface="AdobeClean-Light"/>
+                        </a:rPr>
+                        <a:t>days</a:t>
+                      </a:r>
+                      <a:r>
+                        <a:rPr lang="en-US" sz="900" spc="0">
+                          <a:solidFill>
+                            <a:srgbClr val="020302"/>
+                          </a:solidFill>
+                          <a:latin typeface="AdobeClean-Light"/>
+                          <a:cs typeface="AdobeClean-Light"/>
+                        </a:rPr>
+                        <a:t> / </a:t>
+                      </a:r>
+                      <a:r>
+                        <a:rPr sz="900" spc="0">
+                          <a:solidFill>
+                            <a:srgbClr val="020302"/>
+                          </a:solidFill>
+                          <a:latin typeface="AdobeClean-Light"/>
+                          <a:cs typeface="AdobeClean-Light"/>
+                        </a:rPr>
+                        <a:t>3 days</a:t>
+                      </a:r>
+                      <a:endParaRPr sz="900" spc="0">
+                        <a:latin typeface="AdobeClean-Light"/>
+                        <a:cs typeface="AdobeClean-Light"/>
+                      </a:endParaRPr>
                     </a:p>
                   </a:txBody>
-                  <a:tcPr anchor="ctr">
+                  <a:tcPr marL="0" marR="0" marT="91440" marB="91440" anchor="ctr" anchorCtr="1">
                     <a:lnL w="3175">
                       <a:solidFill>
                         <a:srgbClr val="B7B8B8"/>
@@ -3041,38 +3683,82 @@
                         </a:spcBef>
                       </a:pPr>
                       <a:r>
-                        <a:rPr lang="fr-FR" sz="900" dirty="0">
+                        <a:rPr sz="900" spc="0">
                           <a:solidFill>
                             <a:srgbClr val="020302"/>
                           </a:solidFill>
                           <a:latin typeface="AdobeClean-Light"/>
                           <a:cs typeface="AdobeClean-Light"/>
                         </a:rPr>
-                        <a:t>Jours ouvrables / </a:t>
+                        <a:t>Business</a:t>
                       </a:r>
-                    </a:p>
-                    <a:p>
-                      <a:pPr marL="370840" marR="223520" indent="-202565" algn="ctr">
-                        <a:lnSpc>
-                          <a:spcPct val="100000"/>
-                        </a:lnSpc>
-                        <a:spcBef>
-                          <a:spcPts val="155"/>
-                        </a:spcBef>
-                      </a:pPr>
                       <a:r>
-                        <a:rPr lang="fr-FR" sz="900" dirty="0">
+                        <a:rPr lang="en-US" sz="900" spc="0">
                           <a:solidFill>
                             <a:srgbClr val="020302"/>
                           </a:solidFill>
                           <a:latin typeface="AdobeClean-Light"/>
                           <a:cs typeface="AdobeClean-Light"/>
                         </a:rPr>
-                        <a:t>  1 jour</a:t>
+                        <a:t> </a:t>
                       </a:r>
+                      <a:r>
+                        <a:rPr sz="900" spc="0">
+                          <a:solidFill>
+                            <a:srgbClr val="020302"/>
+                          </a:solidFill>
+                          <a:latin typeface="AdobeClean-Light"/>
+                          <a:cs typeface="AdobeClean-Light"/>
+                        </a:rPr>
+                        <a:t>day</a:t>
+                      </a:r>
+                      <a:r>
+                        <a:rPr lang="en-US" sz="900" spc="0">
+                          <a:solidFill>
+                            <a:srgbClr val="020302"/>
+                          </a:solidFill>
+                          <a:latin typeface="AdobeClean-Light"/>
+                          <a:cs typeface="AdobeClean-Light"/>
+                        </a:rPr>
+                        <a:t>s </a:t>
+                      </a:r>
+                      <a:r>
+                        <a:rPr sz="900" spc="0">
+                          <a:solidFill>
+                            <a:srgbClr val="020302"/>
+                          </a:solidFill>
+                          <a:latin typeface="AdobeClean-Light"/>
+                          <a:cs typeface="AdobeClean-Light"/>
+                        </a:rPr>
+                        <a:t>/</a:t>
+                      </a:r>
+                      <a:r>
+                        <a:rPr lang="en-US" sz="900" spc="0">
+                          <a:solidFill>
+                            <a:srgbClr val="020302"/>
+                          </a:solidFill>
+                          <a:latin typeface="AdobeClean-Light"/>
+                          <a:cs typeface="AdobeClean-Light"/>
+                        </a:rPr>
+                        <a:t> </a:t>
+                      </a:r>
+                      <a:r>
+                        <a:rPr sz="900" spc="0">
+                          <a:solidFill>
+                            <a:srgbClr val="020302"/>
+                          </a:solidFill>
+                          <a:latin typeface="AdobeClean-Light"/>
+                          <a:cs typeface="AdobeClean-Light"/>
+                        </a:rPr>
+                        <a:t>1 day</a:t>
+                      </a:r>
+                      <a:endParaRPr sz="900" spc="0">
+                        <a:latin typeface="AdobeClean-Light"/>
+                        <a:cs typeface="AdobeClean-Light"/>
+                      </a:endParaRPr>
                     </a:p>
                   </a:txBody>
-                  <a:tcPr anchor="ctr">
+                  <a:tcPr marL="0" marR="0" marT="91440" marB="91440" anchor="ctr" anchorCtr="1">
                     <a:lnL w="3175">
                       <a:solidFill>
                         <a:srgbClr val="B7B8B8"/>
@@ -3129,14 +3815,14 @@
           <p:nvPr>
             <p:extLst>
               <p:ext uri="{D42A27DB-BD31-4B8C-83A1-F6EECF244321}">
-                <p14:modId xmlns:p14="http://schemas.microsoft.com/office/powerpoint/2010/main" val="4099234316"/>
+                <p14:modId xmlns:p14="http://schemas.microsoft.com/office/powerpoint/2010/main" val="116851390"/>
               </p:ext>
             </p:extLst>
           </p:nvPr>
         </p:nvGraphicFramePr>
         <p:xfrm>
           <a:off x="121147" y="2120949"/>
-          <a:ext cx="7498851" cy="4815558"/>
+          <a:ext cx="7498851" cy="4714546"/>
         </p:xfrm>
         <a:graphic>
           <a:graphicData uri="http://schemas.openxmlformats.org/drawingml/2006/table">
@@ -3180,7 +3866,7 @@
                     <a:bodyPr/>
                     <a:lstStyle/>
                     <a:p>
-                      <a:endParaRPr lang="en-US" dirty="0"/>
+                      <a:endParaRPr lang="en-US"/>
                     </a:p>
                   </a:txBody>
                   <a:tcPr/>
@@ -3218,15 +3904,39 @@
                         <a:defRPr/>
                       </a:pPr>
                       <a:r>
-                        <a:rPr lang="fr-FR" sz="900">
+                        <a:rPr lang="en-US" sz="900" spc="-20">
                           <a:solidFill>
                             <a:srgbClr val="404040"/>
                           </a:solidFill>
                           <a:latin typeface="Adobe Clean"/>
                           <a:cs typeface="Adobe Clean"/>
                         </a:rPr>
-                        <a:t>Assistance en ligne</a:t>
+                        <a:t>Online </a:t>
                       </a:r>
+                      <a:r>
+                        <a:rPr lang="en-US" sz="900" spc="-135">
+                          <a:solidFill>
+                            <a:srgbClr val="404040"/>
+                          </a:solidFill>
+                          <a:latin typeface="Adobe Clean"/>
+                          <a:cs typeface="Adobe Clean"/>
+                        </a:rPr>
+                        <a:t> </a:t>
+                      </a:r>
+                      <a:r>
+                        <a:rPr lang="en-US" sz="900" spc="-20">
+                          <a:solidFill>
+                            <a:srgbClr val="404040"/>
+                          </a:solidFill>
+                          <a:latin typeface="Adobe Clean"/>
+                          <a:cs typeface="Adobe Clean"/>
+                        </a:rPr>
+                        <a:t>Support</a:t>
+                      </a:r>
+                      <a:endParaRPr lang="en-US" sz="900">
+                        <a:latin typeface="Adobe Clean"/>
+                        <a:cs typeface="Adobe Clean"/>
+                      </a:endParaRPr>
                     </a:p>
                   </a:txBody>
                   <a:tcPr marL="0" marR="0" marT="7620" marB="0" anchor="ctr">
@@ -3267,15 +3977,39 @@
                         </a:spcBef>
                       </a:pPr>
                       <a:r>
-                        <a:rPr lang="fr-FR" sz="900">
+                        <a:rPr sz="900" spc="-20">
                           <a:solidFill>
                             <a:srgbClr val="FFFFFF"/>
                           </a:solidFill>
                           <a:latin typeface="Adobe Clean"/>
                           <a:cs typeface="Adobe Clean"/>
                         </a:rPr>
-                        <a:t>Assistance commerciale</a:t>
+                        <a:t>Business</a:t>
                       </a:r>
+                      <a:r>
+                        <a:rPr lang="en-US" sz="900" spc="-20">
+                          <a:solidFill>
+                            <a:srgbClr val="FFFFFF"/>
+                          </a:solidFill>
+                          <a:latin typeface="Adobe Clean"/>
+                          <a:cs typeface="Adobe Clean"/>
+                        </a:rPr>
+                        <a:t> </a:t>
+                      </a:r>
+                      <a:r>
+                        <a:rPr sz="900" spc="-20">
+                          <a:solidFill>
+                            <a:srgbClr val="FFFFFF"/>
+                          </a:solidFill>
+                          <a:latin typeface="Adobe Clean"/>
+                          <a:cs typeface="Adobe Clean"/>
+                        </a:rPr>
+                        <a:t>Support</a:t>
+                      </a:r>
+                      <a:endParaRPr sz="900">
+                        <a:latin typeface="Adobe Clean"/>
+                        <a:cs typeface="Adobe Clean"/>
+                      </a:endParaRPr>
                     </a:p>
                   </a:txBody>
                   <a:tcPr marL="0" marR="0" marT="7620" marB="0" anchor="ctr">
@@ -3320,7 +4054,7 @@
                     <a:bodyPr/>
                     <a:lstStyle/>
                     <a:p>
-                      <a:endParaRPr lang="en-US" dirty="0"/>
+                      <a:endParaRPr lang="en-US"/>
                     </a:p>
                   </a:txBody>
                   <a:tcPr/>
@@ -3340,7 +4074,7 @@
                     <a:bodyPr/>
                     <a:lstStyle/>
                     <a:p>
-                      <a:pPr marL="0" marR="0" lvl="0" indent="0" algn="l" defTabSz="914400" rtl="0" eaLnBrk="1" fontAlgn="auto" latinLnBrk="0" hangingPunct="1">
+                      <a:pPr marL="0" marR="0" lvl="0" indent="0" algn="ctr" defTabSz="914400" eaLnBrk="1" fontAlgn="auto" latinLnBrk="0" hangingPunct="1">
                         <a:lnSpc>
                           <a:spcPct val="100000"/>
                         </a:lnSpc>
@@ -3421,13 +4155,13 @@
                         <a:defRPr/>
                       </a:pPr>
                       <a:r>
-                        <a:rPr lang="fr-FR" sz="800" i="1">
+                        <a:rPr lang="en-US" sz="800" i="1">
                           <a:solidFill>
                             <a:schemeClr val="bg1"/>
                           </a:solidFill>
                           <a:latin typeface="Adobe Clean Light" panose="020B0303020404020204" pitchFamily="34" charset="0"/>
                         </a:rPr>
-                        <a:t>Assistance payante ($)</a:t>
+                        <a:t>Paid Support ($)</a:t>
                       </a:r>
                     </a:p>
                   </a:txBody>
@@ -3491,15 +4225,22 @@
                         </a:spcBef>
                       </a:pPr>
                       <a:r>
-                        <a:rPr lang="fr-FR" sz="1000" b="1" i="0">
+                        <a:rPr lang="en-US" sz="1000" b="1" i="0" spc="0">
                           <a:solidFill>
                             <a:schemeClr val="bg1"/>
                           </a:solidFill>
                           <a:latin typeface="Adobe Clean" panose="020B0503020404020204" pitchFamily="34" charset="0"/>
                           <a:cs typeface="AdobeClean-Light"/>
                         </a:rPr>
-                        <a:t>Experts assignés</a:t>
+                        <a:t>Assigned Experts</a:t>
                       </a:r>
+                      <a:endParaRPr sz="1000" b="1" i="0" spc="0">
+                        <a:solidFill>
+                          <a:schemeClr val="bg1"/>
+                        </a:solidFill>
+                        <a:latin typeface="Adobe Clean" panose="020B0503020404020204" pitchFamily="34" charset="0"/>
+                        <a:cs typeface="AdobeClean-Light"/>
+                      </a:endParaRPr>
                     </a:p>
                   </a:txBody>
                   <a:tcPr marL="0" marR="0" marT="58419" marB="0" anchor="ctr">
@@ -3546,15 +4287,19 @@
                         </a:spcBef>
                       </a:pPr>
                       <a:r>
-                        <a:rPr lang="fr-FR" sz="900">
+                        <a:rPr sz="900" spc="0">
                           <a:solidFill>
                             <a:srgbClr val="020302"/>
                           </a:solidFill>
                           <a:latin typeface="AdobeClean-Light"/>
                           <a:cs typeface="AdobeClean-Light"/>
                         </a:rPr>
-                        <a:t>Assistance principale du compte</a:t>
+                        <a:t>Account Support Lead</a:t>
                       </a:r>
+                      <a:endParaRPr sz="900" spc="0">
+                        <a:latin typeface="AdobeClean-Light"/>
+                        <a:cs typeface="AdobeClean-Light"/>
+                      </a:endParaRPr>
                     </a:p>
                   </a:txBody>
                   <a:tcPr marL="0" marR="0" marT="58419" marB="0">
@@ -3589,7 +4334,7 @@
                     <a:bodyPr/>
                     <a:lstStyle/>
                     <a:p>
-                      <a:pPr algn="l" rtl="0">
+                      <a:pPr algn="ctr">
                         <a:lnSpc>
                           <a:spcPct val="100000"/>
                         </a:lnSpc>
@@ -3639,7 +4384,7 @@
                         </a:spcBef>
                       </a:pPr>
                       <a:r>
-                        <a:rPr lang="fr-FR" sz="900">
+                        <a:rPr sz="900">
                           <a:solidFill>
                             <a:srgbClr val="020302"/>
                           </a:solidFill>
@@ -3648,6 +4393,10 @@
                         </a:rPr>
                         <a:t></a:t>
                       </a:r>
+                      <a:endParaRPr sz="900">
+                        <a:latin typeface="Wingdings"/>
+                        <a:cs typeface="Wingdings"/>
+                      </a:endParaRPr>
                     </a:p>
                   </a:txBody>
                   <a:tcPr marL="0" marR="0" marT="59690" marB="0" anchor="ctr">
@@ -3679,7 +4428,7 @@
                     <a:bodyPr/>
                     <a:lstStyle/>
                     <a:p>
-                      <a:pPr marL="50800" algn="l" rtl="0">
+                      <a:pPr marL="50800">
                         <a:lnSpc>
                           <a:spcPct val="100000"/>
                         </a:lnSpc>
@@ -3725,15 +4474,19 @@
                         </a:spcBef>
                       </a:pPr>
                       <a:r>
-                        <a:rPr lang="fr-FR" sz="900">
+                        <a:rPr sz="900" spc="0">
                           <a:solidFill>
                             <a:srgbClr val="020302"/>
                           </a:solidFill>
                           <a:latin typeface="AdobeClean-Light"/>
                           <a:cs typeface="AdobeClean-Light"/>
                         </a:rPr>
-                        <a:t>Ingénieur d’assistance nommé</a:t>
+                        <a:t>Named Support Engineer</a:t>
                       </a:r>
+                      <a:endParaRPr sz="900" spc="0">
+                        <a:latin typeface="AdobeClean-Light"/>
+                        <a:cs typeface="AdobeClean-Light"/>
+                      </a:endParaRPr>
                     </a:p>
                   </a:txBody>
                   <a:tcPr marL="0" marR="0" marT="58419" marB="0">
@@ -3756,7 +4509,7 @@
                     <a:bodyPr/>
                     <a:lstStyle/>
                     <a:p>
-                      <a:pPr algn="l" rtl="0">
+                      <a:pPr algn="ctr">
                         <a:lnSpc>
                           <a:spcPct val="100000"/>
                         </a:lnSpc>
@@ -3785,7 +4538,7 @@
                     <a:bodyPr/>
                     <a:lstStyle/>
                     <a:p>
-                      <a:pPr algn="l" rtl="0">
+                      <a:pPr algn="ctr">
                         <a:lnSpc>
                           <a:spcPct val="100000"/>
                         </a:lnSpc>
@@ -3816,7 +4569,7 @@
                     <a:bodyPr/>
                     <a:lstStyle/>
                     <a:p>
-                      <a:pPr marL="50800" algn="l" rtl="0">
+                      <a:pPr marL="50800">
                         <a:lnSpc>
                           <a:spcPct val="100000"/>
                         </a:lnSpc>
@@ -3874,15 +4627,19 @@
                         </a:spcBef>
                       </a:pPr>
                       <a:r>
-                        <a:rPr lang="fr-FR" sz="900">
+                        <a:rPr sz="900" spc="0">
                           <a:solidFill>
                             <a:srgbClr val="020302"/>
                           </a:solidFill>
                           <a:latin typeface="AdobeClean-Light"/>
                           <a:cs typeface="AdobeClean-Light"/>
                         </a:rPr>
-                        <a:t>Gestionnaire de compte technique</a:t>
+                        <a:t>Technical Account Manager</a:t>
                       </a:r>
+                      <a:endParaRPr sz="900" spc="0">
+                        <a:latin typeface="AdobeClean-Light"/>
+                        <a:cs typeface="AdobeClean-Light"/>
+                      </a:endParaRPr>
                     </a:p>
                   </a:txBody>
                   <a:tcPr marL="0" marR="0" marT="63500" marB="0">
@@ -3911,7 +4668,7 @@
                     <a:bodyPr/>
                     <a:lstStyle/>
                     <a:p>
-                      <a:pPr algn="l" rtl="0">
+                      <a:pPr algn="ctr">
                         <a:lnSpc>
                           <a:spcPct val="100000"/>
                         </a:lnSpc>
@@ -3949,7 +4706,7 @@
                     <a:bodyPr/>
                     <a:lstStyle/>
                     <a:p>
-                      <a:pPr algn="l" rtl="0">
+                      <a:pPr algn="ctr">
                         <a:lnSpc>
                           <a:spcPct val="100000"/>
                         </a:lnSpc>
@@ -3998,15 +4755,22 @@
                         </a:spcBef>
                       </a:pPr>
                       <a:r>
-                        <a:rPr lang="fr-FR" sz="1000" b="1" i="0">
+                        <a:rPr lang="en-US" sz="1000" b="1" i="0" spc="0">
                           <a:solidFill>
                             <a:schemeClr val="bg1"/>
                           </a:solidFill>
                           <a:latin typeface="Adobe Clean" panose="020B0503020404020204" pitchFamily="34" charset="0"/>
                           <a:cs typeface="AdobeClean-Light"/>
                         </a:rPr>
-                        <a:t>Services d’assistance</a:t>
+                        <a:t>Support Services</a:t>
                       </a:r>
+                      <a:endParaRPr sz="1000" b="1" i="0" spc="0">
+                        <a:solidFill>
+                          <a:schemeClr val="bg1"/>
+                        </a:solidFill>
+                        <a:latin typeface="Adobe Clean" panose="020B0503020404020204" pitchFamily="34" charset="0"/>
+                        <a:cs typeface="AdobeClean-Light"/>
+                      </a:endParaRPr>
                     </a:p>
                   </a:txBody>
                   <a:tcPr marL="0" marR="0" marT="57150" marB="0" anchor="ctr">
@@ -4062,15 +4826,29 @@
                         </a:spcBef>
                       </a:pPr>
                       <a:r>
-                        <a:rPr lang="fr-FR" sz="900">
+                        <a:rPr lang="en-US" sz="900" spc="0">
                           <a:solidFill>
                             <a:srgbClr val="020302"/>
                           </a:solidFill>
                           <a:latin typeface="AdobeClean-Light"/>
                           <a:cs typeface="AdobeClean-Light"/>
                         </a:rPr>
-                        <a:t>Assistance en ligne</a:t>
+                        <a:t>Online</a:t>
                       </a:r>
+                      <a:r>
+                        <a:rPr sz="900" spc="0">
+                          <a:solidFill>
+                            <a:srgbClr val="020302"/>
+                          </a:solidFill>
+                          <a:latin typeface="AdobeClean-Light"/>
+                          <a:cs typeface="AdobeClean-Light"/>
+                        </a:rPr>
+                        <a:t> Support</a:t>
+                      </a:r>
+                      <a:endParaRPr sz="900" spc="0">
+                        <a:latin typeface="AdobeClean-Light"/>
+                        <a:cs typeface="AdobeClean-Light"/>
+                      </a:endParaRPr>
                     </a:p>
                   </a:txBody>
                   <a:tcPr marL="0" marR="0" marT="57150" marB="0">
@@ -4108,15 +4886,39 @@
                         </a:spcBef>
                       </a:pPr>
                       <a:r>
-                        <a:rPr lang="fr-FR" sz="900">
+                        <a:rPr sz="900" spc="-25">
                           <a:solidFill>
                             <a:srgbClr val="020302"/>
                           </a:solidFill>
                           <a:latin typeface="AdobeClean-Light"/>
                           <a:cs typeface="AdobeClean-Light"/>
                         </a:rPr>
-                        <a:t>Heures d’ouverture</a:t>
+                        <a:t>Business</a:t>
                       </a:r>
+                      <a:r>
+                        <a:rPr sz="900" spc="-15">
+                          <a:solidFill>
+                            <a:srgbClr val="020302"/>
+                          </a:solidFill>
+                          <a:latin typeface="AdobeClean-Light"/>
+                          <a:cs typeface="AdobeClean-Light"/>
+                        </a:rPr>
+                        <a:t> </a:t>
+                      </a:r>
+                      <a:r>
+                        <a:rPr sz="900" spc="-30">
+                          <a:solidFill>
+                            <a:srgbClr val="020302"/>
+                          </a:solidFill>
+                          <a:latin typeface="AdobeClean-Light"/>
+                          <a:cs typeface="AdobeClean-Light"/>
+                        </a:rPr>
+                        <a:t>hours</a:t>
+                      </a:r>
+                      <a:endParaRPr sz="900">
+                        <a:latin typeface="AdobeClean-Light"/>
+                        <a:cs typeface="AdobeClean-Light"/>
+                      </a:endParaRPr>
                     </a:p>
                   </a:txBody>
                   <a:tcPr marL="0" marR="0" marT="67945" marB="0">
@@ -4155,15 +4957,39 @@
                         </a:spcBef>
                       </a:pPr>
                       <a:r>
-                        <a:rPr lang="fr-FR" sz="900">
+                        <a:rPr sz="900" spc="-25">
                           <a:solidFill>
                             <a:srgbClr val="020302"/>
                           </a:solidFill>
                           <a:latin typeface="AdobeClean-Light"/>
                           <a:cs typeface="AdobeClean-Light"/>
                         </a:rPr>
-                        <a:t>Heures d’ouverture</a:t>
+                        <a:t>Business</a:t>
                       </a:r>
+                      <a:r>
+                        <a:rPr sz="900" spc="-15">
+                          <a:solidFill>
+                            <a:srgbClr val="020302"/>
+                          </a:solidFill>
+                          <a:latin typeface="AdobeClean-Light"/>
+                          <a:cs typeface="AdobeClean-Light"/>
+                        </a:rPr>
+                        <a:t> </a:t>
+                      </a:r>
+                      <a:r>
+                        <a:rPr sz="900" spc="-30">
+                          <a:solidFill>
+                            <a:srgbClr val="020302"/>
+                          </a:solidFill>
+                          <a:latin typeface="AdobeClean-Light"/>
+                          <a:cs typeface="AdobeClean-Light"/>
+                        </a:rPr>
+                        <a:t>hours</a:t>
+                      </a:r>
+                      <a:endParaRPr sz="900">
+                        <a:latin typeface="AdobeClean-Light"/>
+                        <a:cs typeface="AdobeClean-Light"/>
+                      </a:endParaRPr>
                     </a:p>
                   </a:txBody>
                   <a:tcPr marL="0" marR="0" marT="67945" marB="0">
@@ -4195,7 +5021,7 @@
                     <a:bodyPr/>
                     <a:lstStyle/>
                     <a:p>
-                      <a:pPr marL="50800" algn="l" rtl="0">
+                      <a:pPr marL="50800">
                         <a:lnSpc>
                           <a:spcPct val="100000"/>
                         </a:lnSpc>
@@ -4244,15 +5070,39 @@
                         </a:spcBef>
                       </a:pPr>
                       <a:r>
-                        <a:rPr lang="fr-FR" sz="900">
+                        <a:rPr sz="900" spc="0">
                           <a:solidFill>
                             <a:srgbClr val="020302"/>
                           </a:solidFill>
                           <a:latin typeface="AdobeClean-Light"/>
                           <a:cs typeface="AdobeClean-Light"/>
                         </a:rPr>
-                        <a:t>Assistance en cas de problèmes P1 24x7x365</a:t>
+                        <a:t>24x7</a:t>
                       </a:r>
+                      <a:r>
+                        <a:rPr lang="en-US" sz="900" spc="0">
+                          <a:solidFill>
+                            <a:srgbClr val="020302"/>
+                          </a:solidFill>
+                          <a:latin typeface="AdobeClean-Light"/>
+                          <a:cs typeface="AdobeClean-Light"/>
+                        </a:rPr>
+                        <a:t>x365</a:t>
+                      </a:r>
+                      <a:r>
+                        <a:rPr sz="900" spc="0">
+                          <a:solidFill>
+                            <a:srgbClr val="020302"/>
+                          </a:solidFill>
+                          <a:latin typeface="AdobeClean-Light"/>
+                          <a:cs typeface="AdobeClean-Light"/>
+                        </a:rPr>
+                        <a:t> P1 Issue Support</a:t>
+                      </a:r>
+                      <a:endParaRPr sz="900" spc="0">
+                        <a:latin typeface="AdobeClean-Light"/>
+                        <a:cs typeface="AdobeClean-Light"/>
+                      </a:endParaRPr>
                     </a:p>
                   </a:txBody>
                   <a:tcPr marL="0" marR="0" marT="57785" marB="0">
@@ -4284,7 +5134,7 @@
                         </a:spcBef>
                       </a:pPr>
                       <a:r>
-                        <a:rPr lang="fr-FR" sz="900">
+                        <a:rPr sz="900">
                           <a:solidFill>
                             <a:srgbClr val="020302"/>
                           </a:solidFill>
@@ -4293,6 +5143,10 @@
                         </a:rPr>
                         <a:t></a:t>
                       </a:r>
+                      <a:endParaRPr sz="900">
+                        <a:latin typeface="Wingdings"/>
+                        <a:cs typeface="Wingdings"/>
+                      </a:endParaRPr>
                     </a:p>
                   </a:txBody>
                   <a:tcPr marL="0" marR="0" marT="58419" marB="0">
@@ -4322,7 +5176,7 @@
                         </a:spcBef>
                       </a:pPr>
                       <a:r>
-                        <a:rPr lang="fr-FR" sz="900">
+                        <a:rPr sz="900">
                           <a:solidFill>
                             <a:srgbClr val="020302"/>
                           </a:solidFill>
@@ -4331,6 +5185,10 @@
                         </a:rPr>
                         <a:t></a:t>
                       </a:r>
+                      <a:endParaRPr sz="900">
+                        <a:latin typeface="Wingdings"/>
+                        <a:cs typeface="Wingdings"/>
+                      </a:endParaRPr>
                     </a:p>
                   </a:txBody>
                   <a:tcPr marL="0" marR="0" marT="58419" marB="0">
@@ -4353,7 +5211,7 @@
                     <a:bodyPr/>
                     <a:lstStyle/>
                     <a:p>
-                      <a:pPr marL="50800" algn="l" rtl="0">
+                      <a:pPr marL="50800">
                         <a:lnSpc>
                           <a:spcPct val="100000"/>
                         </a:lnSpc>
@@ -4411,15 +5269,19 @@
                         </a:spcBef>
                       </a:pPr>
                       <a:r>
-                        <a:rPr lang="fr-FR" sz="900">
+                        <a:rPr lang="en-US" sz="900" spc="0">
                           <a:solidFill>
                             <a:srgbClr val="020302"/>
                           </a:solidFill>
                           <a:latin typeface="AdobeClean-Light"/>
                           <a:cs typeface="AdobeClean-Light"/>
                         </a:rPr>
-                        <a:t>Contacts d’assistance nommés (par produit)</a:t>
+                        <a:t>Named Support Contacts (per product)</a:t>
                       </a:r>
+                      <a:endParaRPr sz="900" spc="0">
+                        <a:latin typeface="AdobeClean-Light"/>
+                        <a:cs typeface="AdobeClean-Light"/>
+                      </a:endParaRPr>
                     </a:p>
                   </a:txBody>
                   <a:tcPr marL="0" marR="0" marT="57785" marB="0">
@@ -4457,7 +5319,7 @@
                         </a:spcBef>
                       </a:pPr>
                       <a:r>
-                        <a:rPr lang="fr-FR" sz="900">
+                        <a:rPr sz="900">
                           <a:solidFill>
                             <a:srgbClr val="020302"/>
                           </a:solidFill>
@@ -4466,6 +5328,10 @@
                         </a:rPr>
                         <a:t>4</a:t>
                       </a:r>
+                      <a:endParaRPr sz="900">
+                        <a:latin typeface="AdobeClean-Light"/>
+                        <a:cs typeface="AdobeClean-Light"/>
+                      </a:endParaRPr>
                     </a:p>
                   </a:txBody>
                   <a:tcPr marL="0" marR="0" marT="57785" marB="0">
@@ -4495,7 +5361,7 @@
                         </a:spcBef>
                       </a:pPr>
                       <a:r>
-                        <a:rPr lang="fr-FR" sz="900">
+                        <a:rPr sz="900">
                           <a:solidFill>
                             <a:srgbClr val="020302"/>
                           </a:solidFill>
@@ -4504,6 +5370,10 @@
                         </a:rPr>
                         <a:t>6</a:t>
                       </a:r>
+                      <a:endParaRPr sz="900">
+                        <a:latin typeface="AdobeClean-Light"/>
+                        <a:cs typeface="AdobeClean-Light"/>
+                      </a:endParaRPr>
                     </a:p>
                   </a:txBody>
                   <a:tcPr marL="0" marR="0" marT="57785" marB="0">
@@ -4526,7 +5396,7 @@
                     <a:bodyPr/>
                     <a:lstStyle/>
                     <a:p>
-                      <a:pPr marL="50800" algn="l" rtl="0">
+                      <a:pPr marL="50800">
                         <a:lnSpc>
                           <a:spcPct val="100000"/>
                         </a:lnSpc>
@@ -4575,15 +5445,19 @@
                         </a:spcBef>
                       </a:pPr>
                       <a:r>
-                        <a:rPr lang="fr-FR" sz="900">
+                        <a:rPr lang="en-US" sz="900" spc="0">
                           <a:solidFill>
                             <a:srgbClr val="020302"/>
                           </a:solidFill>
                           <a:latin typeface="AdobeClean-Light"/>
                           <a:cs typeface="AdobeClean-Light"/>
                         </a:rPr>
-                        <a:t>Assistance téléphonique en direct</a:t>
+                        <a:t>Live Telephone Support</a:t>
                       </a:r>
+                      <a:endParaRPr sz="900" spc="0">
+                        <a:latin typeface="AdobeClean-Light"/>
+                        <a:cs typeface="AdobeClean-Light"/>
+                      </a:endParaRPr>
                     </a:p>
                   </a:txBody>
                   <a:tcPr marL="0" marR="0" marT="57785" marB="0">
@@ -4606,7 +5480,7 @@
                     <a:bodyPr/>
                     <a:lstStyle/>
                     <a:p>
-                      <a:pPr algn="l" rtl="0">
+                      <a:pPr algn="ctr">
                         <a:lnSpc>
                           <a:spcPct val="100000"/>
                         </a:lnSpc>
@@ -4647,7 +5521,7 @@
                         </a:spcBef>
                       </a:pPr>
                       <a:r>
-                        <a:rPr lang="fr-FR" sz="900">
+                        <a:rPr sz="900">
                           <a:solidFill>
                             <a:srgbClr val="020302"/>
                           </a:solidFill>
@@ -4656,6 +5530,10 @@
                         </a:rPr>
                         <a:t></a:t>
                       </a:r>
+                      <a:endParaRPr sz="900">
+                        <a:latin typeface="Wingdings"/>
+                        <a:cs typeface="Wingdings"/>
+                      </a:endParaRPr>
                     </a:p>
                   </a:txBody>
                   <a:tcPr marL="0" marR="0" marT="59054" marB="0">
@@ -4678,7 +5556,7 @@
                     <a:bodyPr/>
                     <a:lstStyle/>
                     <a:p>
-                      <a:pPr marL="50800" algn="l" rtl="0">
+                      <a:pPr marL="50800">
                         <a:lnSpc>
                           <a:spcPct val="100000"/>
                         </a:lnSpc>
@@ -4727,15 +5605,19 @@
                         </a:spcBef>
                       </a:pPr>
                       <a:r>
-                        <a:rPr lang="fr-FR" sz="900">
+                        <a:rPr sz="900" spc="0">
                           <a:solidFill>
                             <a:srgbClr val="020302"/>
                           </a:solidFill>
                           <a:latin typeface="AdobeClean-Light"/>
                           <a:cs typeface="AdobeClean-Light"/>
                         </a:rPr>
-                        <a:t>Gestion des remontées d’informations</a:t>
+                        <a:t>Escalation Management</a:t>
                       </a:r>
+                      <a:endParaRPr sz="900" spc="0">
+                        <a:latin typeface="AdobeClean-Light"/>
+                        <a:cs typeface="AdobeClean-Light"/>
+                      </a:endParaRPr>
                     </a:p>
                   </a:txBody>
                   <a:tcPr marL="0" marR="0" marT="58419" marB="0">
@@ -4758,7 +5640,7 @@
                     <a:bodyPr/>
                     <a:lstStyle/>
                     <a:p>
-                      <a:pPr algn="l" rtl="0">
+                      <a:pPr algn="ctr">
                         <a:lnSpc>
                           <a:spcPct val="100000"/>
                         </a:lnSpc>
@@ -4799,7 +5681,7 @@
                         </a:spcBef>
                       </a:pPr>
                       <a:r>
-                        <a:rPr lang="fr-FR" sz="900">
+                        <a:rPr sz="900">
                           <a:solidFill>
                             <a:srgbClr val="020302"/>
                           </a:solidFill>
@@ -4808,6 +5690,10 @@
                         </a:rPr>
                         <a:t></a:t>
                       </a:r>
+                      <a:endParaRPr sz="900">
+                        <a:latin typeface="Wingdings"/>
+                        <a:cs typeface="Wingdings"/>
+                      </a:endParaRPr>
                     </a:p>
                   </a:txBody>
                   <a:tcPr marL="0" marR="0" marT="59690" marB="0">
@@ -4830,7 +5716,7 @@
                     <a:bodyPr/>
                     <a:lstStyle/>
                     <a:p>
-                      <a:pPr marL="50800" algn="l" rtl="0">
+                      <a:pPr marL="50800">
                         <a:lnSpc>
                           <a:spcPct val="100000"/>
                         </a:lnSpc>
@@ -4879,15 +5765,29 @@
                         </a:spcBef>
                       </a:pPr>
                       <a:r>
-                        <a:rPr lang="fr-FR" sz="900">
+                        <a:rPr sz="900" spc="0">
                           <a:solidFill>
                             <a:srgbClr val="020302"/>
                           </a:solidFill>
                           <a:latin typeface="AdobeClean-Light"/>
                           <a:cs typeface="AdobeClean-Light"/>
                         </a:rPr>
-                        <a:t>Examens de service par an</a:t>
+                        <a:t>Service Reviews </a:t>
                       </a:r>
+                      <a:r>
+                        <a:rPr lang="en-US" sz="900" spc="0">
+                          <a:solidFill>
+                            <a:srgbClr val="020302"/>
+                          </a:solidFill>
+                          <a:latin typeface="AdobeClean-Light"/>
+                          <a:cs typeface="AdobeClean-Light"/>
+                        </a:rPr>
+                        <a:t>per Year</a:t>
+                      </a:r>
+                      <a:endParaRPr sz="900" spc="0">
+                        <a:latin typeface="AdobeClean-Light"/>
+                        <a:cs typeface="AdobeClean-Light"/>
+                      </a:endParaRPr>
                     </a:p>
                   </a:txBody>
                   <a:tcPr marL="0" marR="0" marT="57150" marB="0">
@@ -4910,7 +5810,7 @@
                     <a:bodyPr/>
                     <a:lstStyle/>
                     <a:p>
-                      <a:pPr algn="l" rtl="0">
+                      <a:pPr>
                         <a:lnSpc>
                           <a:spcPct val="100000"/>
                         </a:lnSpc>
@@ -4939,7 +5839,7 @@
                     <a:bodyPr/>
                     <a:lstStyle/>
                     <a:p>
-                      <a:pPr algn="l" rtl="0">
+                      <a:pPr>
                         <a:lnSpc>
                           <a:spcPct val="100000"/>
                         </a:lnSpc>
@@ -4989,12 +5889,16 @@
                         </a:spcBef>
                       </a:pPr>
                       <a:r>
-                        <a:rPr lang="fr-FR" sz="900">
+                        <a:rPr lang="en-US" sz="900" spc="0">
                           <a:latin typeface="AdobeClean-Light"/>
                           <a:cs typeface="AdobeClean-Light"/>
                         </a:rPr>
-                        <a:t>Sessions d’experts par an</a:t>
+                        <a:t>Expert Sessions per Year</a:t>
                       </a:r>
+                      <a:endParaRPr sz="900" spc="0">
+                        <a:latin typeface="AdobeClean-Light"/>
+                        <a:cs typeface="AdobeClean-Light"/>
+                      </a:endParaRPr>
                     </a:p>
                   </a:txBody>
                   <a:tcPr marL="0" marR="0" marT="57150" marB="0">
@@ -5023,7 +5927,7 @@
                     <a:bodyPr/>
                     <a:lstStyle/>
                     <a:p>
-                      <a:pPr algn="l" rtl="0">
+                      <a:pPr>
                         <a:lnSpc>
                           <a:spcPct val="100000"/>
                         </a:lnSpc>
@@ -5052,7 +5956,7 @@
                     <a:bodyPr/>
                     <a:lstStyle/>
                     <a:p>
-                      <a:pPr algn="l" rtl="0">
+                      <a:pPr>
                         <a:lnSpc>
                           <a:spcPct val="100000"/>
                         </a:lnSpc>
@@ -5102,12 +6006,16 @@
                         </a:spcBef>
                       </a:pPr>
                       <a:r>
-                        <a:rPr lang="fr-FR" sz="900">
+                        <a:rPr lang="en-US" sz="900" spc="0">
                           <a:latin typeface="AdobeClean-Light"/>
                           <a:cs typeface="AdobeClean-Light"/>
                         </a:rPr>
-                        <a:t>Examens de cas</a:t>
+                        <a:t>Case Reviews</a:t>
                       </a:r>
+                      <a:endParaRPr sz="900" spc="0">
+                        <a:latin typeface="AdobeClean-Light"/>
+                        <a:cs typeface="AdobeClean-Light"/>
+                      </a:endParaRPr>
                     </a:p>
                   </a:txBody>
                   <a:tcPr marL="0" marR="0" marT="57150" marB="0">
@@ -5136,7 +6044,7 @@
                     <a:bodyPr/>
                     <a:lstStyle/>
                     <a:p>
-                      <a:pPr algn="l" rtl="0">
+                      <a:pPr>
                         <a:lnSpc>
                           <a:spcPct val="100000"/>
                         </a:lnSpc>
@@ -5165,7 +6073,7 @@
                     <a:bodyPr/>
                     <a:lstStyle/>
                     <a:p>
-                      <a:pPr algn="l" rtl="0">
+                      <a:pPr>
                         <a:lnSpc>
                           <a:spcPct val="100000"/>
                         </a:lnSpc>
@@ -5196,7 +6104,7 @@
                     <a:bodyPr/>
                     <a:lstStyle/>
                     <a:p>
-                      <a:pPr marL="48895" algn="l" rtl="0">
+                      <a:pPr marL="48895">
                         <a:lnSpc>
                           <a:spcPct val="100000"/>
                         </a:lnSpc>
@@ -5254,15 +6162,29 @@
                         </a:spcBef>
                       </a:pPr>
                       <a:r>
-                        <a:rPr lang="fr-FR" sz="900">
+                        <a:rPr sz="900" spc="0">
                           <a:solidFill>
                             <a:srgbClr val="020302"/>
                           </a:solidFill>
                           <a:latin typeface="AdobeClean-Light"/>
                           <a:cs typeface="AdobeClean-Light"/>
                         </a:rPr>
-                        <a:t>Gestion des événements</a:t>
+                        <a:t>Event </a:t>
                       </a:r>
+                      <a:r>
+                        <a:rPr lang="en-US" sz="900" spc="0">
+                          <a:solidFill>
+                            <a:srgbClr val="020302"/>
+                          </a:solidFill>
+                          <a:latin typeface="AdobeClean-Light"/>
+                          <a:cs typeface="AdobeClean-Light"/>
+                        </a:rPr>
+                        <a:t>Management</a:t>
+                      </a:r>
+                      <a:endParaRPr sz="900" spc="0">
+                        <a:latin typeface="AdobeClean-Light"/>
+                        <a:cs typeface="AdobeClean-Light"/>
+                      </a:endParaRPr>
                     </a:p>
                   </a:txBody>
                   <a:tcPr marL="0" marR="0" marT="58419" marB="0">
@@ -5291,7 +6213,7 @@
                     <a:bodyPr/>
                     <a:lstStyle/>
                     <a:p>
-                      <a:pPr algn="l" rtl="0">
+                      <a:pPr>
                         <a:lnSpc>
                           <a:spcPct val="100000"/>
                         </a:lnSpc>
@@ -5320,7 +6242,7 @@
                     <a:bodyPr/>
                     <a:lstStyle/>
                     <a:p>
-                      <a:pPr algn="l" rtl="0">
+                      <a:pPr>
                         <a:lnSpc>
                           <a:spcPct val="100000"/>
                         </a:lnSpc>
@@ -5351,7 +6273,7 @@
                     <a:bodyPr/>
                     <a:lstStyle/>
                     <a:p>
-                      <a:pPr marL="48895" algn="l" rtl="0">
+                      <a:pPr marL="48895">
                         <a:lnSpc>
                           <a:spcPct val="100000"/>
                         </a:lnSpc>
@@ -5400,15 +6322,39 @@
                         </a:spcBef>
                       </a:pPr>
                       <a:r>
-                        <a:rPr lang="fr-FR" sz="900">
+                        <a:rPr sz="900" spc="0">
                           <a:solidFill>
                             <a:srgbClr val="020302"/>
                           </a:solidFill>
                           <a:latin typeface="AdobeClean-Light"/>
                           <a:cs typeface="AdobeClean-Light"/>
                         </a:rPr>
-                        <a:t>Examen, maintenance et surveillance de l’environnement</a:t>
+                        <a:t>Environment</a:t>
                       </a:r>
+                      <a:r>
+                        <a:rPr lang="en-US" sz="900" spc="0">
+                          <a:solidFill>
+                            <a:srgbClr val="020302"/>
+                          </a:solidFill>
+                          <a:latin typeface="AdobeClean-Light"/>
+                          <a:cs typeface="AdobeClean-Light"/>
+                        </a:rPr>
+                        <a:t> </a:t>
+                      </a:r>
+                      <a:r>
+                        <a:rPr sz="900" spc="0">
+                          <a:solidFill>
+                            <a:srgbClr val="020302"/>
+                          </a:solidFill>
+                          <a:latin typeface="AdobeClean-Light"/>
+                          <a:cs typeface="AdobeClean-Light"/>
+                        </a:rPr>
+                        <a:t>Review, Maintenance &amp; Monitoring</a:t>
+                      </a:r>
+                      <a:endParaRPr sz="900" spc="0">
+                        <a:latin typeface="AdobeClean-Light"/>
+                        <a:cs typeface="AdobeClean-Light"/>
+                      </a:endParaRPr>
                     </a:p>
                   </a:txBody>
                   <a:tcPr marL="0" marR="0" marT="59055" marB="0">
@@ -5431,7 +6377,7 @@
                     <a:bodyPr/>
                     <a:lstStyle/>
                     <a:p>
-                      <a:pPr algn="l" rtl="0">
+                      <a:pPr>
                         <a:lnSpc>
                           <a:spcPct val="100000"/>
                         </a:lnSpc>
@@ -5460,7 +6406,7 @@
                     <a:bodyPr/>
                     <a:lstStyle/>
                     <a:p>
-                      <a:pPr algn="l" rtl="0">
+                      <a:pPr>
                         <a:lnSpc>
                           <a:spcPct val="100000"/>
                         </a:lnSpc>
@@ -5491,7 +6437,7 @@
                     <a:bodyPr/>
                     <a:lstStyle/>
                     <a:p>
-                      <a:pPr marL="49530" algn="l" rtl="0">
+                      <a:pPr marL="49530">
                         <a:lnSpc>
                           <a:spcPct val="100000"/>
                         </a:lnSpc>
@@ -5540,34 +6486,19 @@
                         </a:spcBef>
                       </a:pPr>
                       <a:r>
-                        <a:rPr lang="fr-FR" sz="900" dirty="0">
+                        <a:rPr sz="900" spc="0">
                           <a:solidFill>
                             <a:srgbClr val="020302"/>
                           </a:solidFill>
                           <a:latin typeface="AdobeClean-Light"/>
                           <a:cs typeface="AdobeClean-Light"/>
                         </a:rPr>
-                        <a:t>Version, migration, mise à niveau et examen de la feuille </a:t>
+                        <a:t>Release, Migration, Upgrade &amp; Product Roadmap Review</a:t>
                       </a:r>
-                      <a:br>
-                        <a:rPr lang="sk-SK" sz="900" dirty="0">
-                          <a:solidFill>
-                            <a:srgbClr val="020302"/>
-                          </a:solidFill>
-                          <a:latin typeface="AdobeClean-Light"/>
-                          <a:cs typeface="AdobeClean-Light"/>
-                        </a:rPr>
-                      </a:br>
-                      <a:r>
-                        <a:rPr lang="fr-FR" sz="900" dirty="0">
-                          <a:solidFill>
-                            <a:srgbClr val="020302"/>
-                          </a:solidFill>
-                          <a:latin typeface="AdobeClean-Light"/>
-                          <a:cs typeface="AdobeClean-Light"/>
-                        </a:rPr>
-                        <a:t>de route du produit</a:t>
-                      </a:r>
+                      <a:endParaRPr sz="900" spc="0">
+                        <a:latin typeface="AdobeClean-Light"/>
+                        <a:cs typeface="AdobeClean-Light"/>
+                      </a:endParaRPr>
                     </a:p>
                   </a:txBody>
                   <a:tcPr marL="0" marR="0" marT="63500" marB="0">
@@ -5590,7 +6521,7 @@
                     <a:bodyPr/>
                     <a:lstStyle/>
                     <a:p>
-                      <a:pPr algn="l" rtl="0">
+                      <a:pPr>
                         <a:lnSpc>
                           <a:spcPct val="100000"/>
                         </a:lnSpc>
@@ -5619,7 +6550,7 @@
                     <a:bodyPr/>
                     <a:lstStyle/>
                     <a:p>
-                      <a:pPr algn="l" rtl="0">
+                      <a:pPr>
                         <a:lnSpc>
                           <a:spcPct val="100000"/>
                         </a:lnSpc>
@@ -5650,7 +6581,7 @@
                     <a:bodyPr/>
                     <a:lstStyle/>
                     <a:p>
-                      <a:pPr marL="49530" algn="l" rtl="0">
+                      <a:pPr marL="49530">
                         <a:lnSpc>
                           <a:spcPct val="100000"/>
                         </a:lnSpc>
@@ -5708,11 +6639,11 @@
                         </a:spcBef>
                       </a:pPr>
                       <a:r>
-                        <a:rPr lang="fr-FR" sz="900">
+                        <a:rPr sz="900" spc="0">
                           <a:latin typeface="AdobeClean-Light"/>
                           <a:cs typeface="AdobeClean-Light"/>
                         </a:rPr>
-                        <a:t>Activités d’assistance dans le Cloud - Experience Manager as Cloud</a:t>
+                        <a:t>Cloud Support Activities – Experience Manager as Cloud</a:t>
                       </a:r>
                     </a:p>
                   </a:txBody>
@@ -5742,7 +6673,7 @@
                     <a:bodyPr/>
                     <a:lstStyle/>
                     <a:p>
-                      <a:pPr algn="l" rtl="0">
+                      <a:pPr>
                         <a:lnSpc>
                           <a:spcPct val="100000"/>
                         </a:lnSpc>
@@ -5780,7 +6711,7 @@
                     <a:bodyPr/>
                     <a:lstStyle/>
                     <a:p>
-                      <a:pPr algn="l" rtl="0">
+                      <a:pPr>
                         <a:lnSpc>
                           <a:spcPct val="100000"/>
                         </a:lnSpc>
@@ -5829,15 +6760,22 @@
                         </a:spcBef>
                       </a:pPr>
                       <a:r>
-                        <a:rPr lang="fr-FR" sz="1000" b="1" i="0">
+                        <a:rPr lang="en-US" sz="1000" b="1" i="0" spc="0">
                           <a:solidFill>
                             <a:schemeClr val="bg1"/>
                           </a:solidFill>
                           <a:latin typeface="Adobe Clean" panose="020B0503020404020204" pitchFamily="34" charset="0"/>
                           <a:cs typeface="AdobeClean-Light"/>
                         </a:rPr>
-                        <a:t>Services de terrain</a:t>
+                        <a:t>Field Services</a:t>
                       </a:r>
+                      <a:endParaRPr sz="1000" b="1" i="0" spc="0">
+                        <a:solidFill>
+                          <a:schemeClr val="bg1"/>
+                        </a:solidFill>
+                        <a:latin typeface="Adobe Clean" panose="020B0503020404020204" pitchFamily="34" charset="0"/>
+                        <a:cs typeface="AdobeClean-Light"/>
+                      </a:endParaRPr>
                     </a:p>
                   </a:txBody>
                   <a:tcPr marL="0" marR="0" marT="48260" marB="0" anchor="ctr">
@@ -5890,15 +6828,19 @@
                         </a:spcBef>
                       </a:pPr>
                       <a:r>
-                        <a:rPr lang="fr-FR" sz="900">
+                        <a:rPr sz="900" spc="0">
                           <a:solidFill>
                             <a:srgbClr val="020302"/>
                           </a:solidFill>
                           <a:latin typeface="AdobeClean-Light"/>
                           <a:cs typeface="AdobeClean-Light"/>
                         </a:rPr>
-                        <a:t>Services Launch Advisory - Première année de la nouvelle solution</a:t>
+                        <a:t>Launch Advisory Services – First Year of new solution</a:t>
                       </a:r>
+                      <a:endParaRPr sz="900" spc="0">
+                        <a:latin typeface="AdobeClean-Light"/>
+                        <a:cs typeface="AdobeClean-Light"/>
+                      </a:endParaRPr>
                     </a:p>
                     <a:p>
                       <a:pPr marL="48260" hangingPunct="0">
@@ -5910,11 +6852,11 @@
                         </a:spcBef>
                       </a:pPr>
                       <a:r>
-                        <a:rPr lang="fr-FR" sz="900">
+                        <a:rPr sz="900" spc="0">
                           <a:latin typeface="AdobeClean-Light"/>
                           <a:cs typeface="AdobeClean-Light"/>
                         </a:rPr>
-                        <a:t>Activités du service de terrain </a:t>
+                        <a:t>Field Service Activities </a:t>
                       </a:r>
                     </a:p>
                   </a:txBody>
@@ -5950,7 +6892,7 @@
                     <a:bodyPr/>
                     <a:lstStyle/>
                     <a:p>
-                      <a:pPr algn="l" rtl="0">
+                      <a:pPr>
                         <a:lnSpc>
                           <a:spcPct val="100000"/>
                         </a:lnSpc>
@@ -5988,7 +6930,7 @@
                     <a:bodyPr/>
                     <a:lstStyle/>
                     <a:p>
-                      <a:pPr algn="l" rtl="0">
+                      <a:pPr>
                         <a:lnSpc>
                           <a:spcPct val="100000"/>
                         </a:lnSpc>
@@ -6073,7 +7015,7 @@
                     <a:bodyPr/>
                     <a:lstStyle/>
                     <a:p>
-                      <a:pPr algn="l" rtl="0">
+                      <a:pPr>
                         <a:lnSpc>
                           <a:spcPct val="100000"/>
                         </a:lnSpc>
@@ -6099,12 +7041,12 @@
                     <a:bodyPr/>
                     <a:lstStyle/>
                     <a:p>
-                      <a:pPr algn="l" rtl="0">
+                      <a:pPr>
                         <a:lnSpc>
                           <a:spcPct val="100000"/>
                         </a:lnSpc>
                       </a:pPr>
-                      <a:endParaRPr sz="900" dirty="0">
+                      <a:endParaRPr sz="900">
                         <a:latin typeface="Times New Roman"/>
                         <a:cs typeface="Times New Roman"/>
                       </a:endParaRPr>
@@ -6163,7 +7105,7 @@
           <a:lstStyle/>
           <a:p>
             <a:r>
-              <a:rPr lang="fr-FR" sz="700" i="1">
+              <a:rPr lang="en-US" sz="700" i="1">
                 <a:solidFill>
                   <a:schemeClr val="bg1"/>
                 </a:solidFill>
@@ -6345,7 +7287,7 @@
         <p:spPr>
           <a:xfrm>
             <a:off x="370040" y="1409311"/>
-            <a:ext cx="2286000" cy="1817998"/>
+            <a:ext cx="2286000" cy="1289969"/>
           </a:xfrm>
           <a:prstGeom prst="rect">
             <a:avLst/>
@@ -6366,48 +7308,18 @@
               </a:spcBef>
             </a:pPr>
             <a:r>
-              <a:rPr lang="fr-FR" sz="1000" dirty="0">
+              <a:rPr lang="en-US" sz="1000">
                 <a:solidFill>
                   <a:srgbClr val="000000"/>
                 </a:solidFill>
                 <a:latin typeface="Adobe Clean Light" panose="020B0303020404020204" pitchFamily="34" charset="0"/>
               </a:rPr>
-              <a:t>Il s’agit d’une assistance principale de compte désignée permettant de surveiller de manière proactive les cas, de favoriser la collaboration entre les équipes, de diffuser des webinaires d’intégration, de conduire des rapports </a:t>
-            </a:r>
-            <a:br>
-              <a:rPr lang="sk-SK" sz="1000" dirty="0">
-                <a:solidFill>
-                  <a:srgbClr val="000000"/>
-                </a:solidFill>
-                <a:latin typeface="Adobe Clean Light" panose="020B0303020404020204" pitchFamily="34" charset="0"/>
-              </a:rPr>
-            </a:br>
-            <a:r>
-              <a:rPr lang="fr-FR" sz="1000" dirty="0">
-                <a:solidFill>
-                  <a:srgbClr val="000000"/>
-                </a:solidFill>
-                <a:latin typeface="Adobe Clean Light" panose="020B0303020404020204" pitchFamily="34" charset="0"/>
-              </a:rPr>
-              <a:t>de service, de fournir une assistance non technique et d’agir comme porte-parole </a:t>
-            </a:r>
-            <a:br>
-              <a:rPr lang="sk-SK" sz="1000" dirty="0">
-                <a:solidFill>
-                  <a:srgbClr val="000000"/>
-                </a:solidFill>
-                <a:latin typeface="Adobe Clean Light" panose="020B0303020404020204" pitchFamily="34" charset="0"/>
-              </a:rPr>
-            </a:br>
-            <a:r>
-              <a:rPr lang="fr-FR" sz="1000" dirty="0">
-                <a:solidFill>
-                  <a:srgbClr val="000000"/>
-                </a:solidFill>
-                <a:latin typeface="Adobe Clean Light" panose="020B0303020404020204" pitchFamily="34" charset="0"/>
-              </a:rPr>
-              <a:t>de remontée des informations et comme ambassadeur interne au sein du service d’assistance d’Adobe.</a:t>
-            </a:r>
+              <a:t>A designated Account Support Lead to proactively monitor cases, drive cross-team collaboration, deliver onboarding webinars, run service reports, provide non-technical support assistance, and function as your escalation point and internal advocate within Adobe Support.</a:t>
+            </a:r>
+            <a:endParaRPr lang="en-US" sz="1000">
+              <a:latin typeface="Adobe Clean Light" panose="020B0303020404020204" pitchFamily="34" charset="0"/>
+              <a:cs typeface="AdobeClean-Light"/>
+            </a:endParaRPr>
           </a:p>
         </p:txBody>
       </p:sp>
@@ -6420,14 +7332,14 @@
         <p:spPr>
           <a:xfrm>
             <a:off x="2836967" y="8618616"/>
-            <a:ext cx="2286000" cy="487313"/>
+            <a:ext cx="2286000" cy="641201"/>
           </a:xfrm>
           <a:prstGeom prst="rect">
             <a:avLst/>
           </a:prstGeom>
         </p:spPr>
         <p:txBody>
-          <a:bodyPr vert="horz" wrap="square" lIns="0" tIns="12700" rIns="0" bIns="0" rtlCol="0">
+          <a:bodyPr vert="horz" wrap="square" lIns="0" tIns="12700" rIns="0" bIns="0" rtlCol="0" anchor="t">
             <a:spAutoFit/>
           </a:bodyPr>
           <a:lstStyle/>
@@ -6444,21 +7356,48 @@
               </a:tabLst>
             </a:pPr>
             <a:r>
-              <a:rPr lang="fr-FR" sz="1000" dirty="0">
+              <a:rPr sz="1000">
                 <a:solidFill>
                   <a:srgbClr val="020302"/>
                 </a:solidFill>
                 <a:latin typeface="AdobeClean-Light"/>
                 <a:cs typeface="AdobeClean-Light"/>
               </a:rPr>
-              <a:t>Commencez une session de conversation pour obtenir des réponses et de l’aide lors de l’envoi du cas</a:t>
+              <a:t>Start a chat session to get answers</a:t>
+            </a:r>
+            <a:r>
+              <a:rPr lang="en-US" sz="1000">
+                <a:solidFill>
+                  <a:srgbClr val="020302"/>
+                </a:solidFill>
+                <a:latin typeface="AdobeClean-Light"/>
+                <a:cs typeface="AdobeClean-Light"/>
+              </a:rPr>
+              <a:t> &amp; </a:t>
+            </a:r>
+            <a:r>
+              <a:rPr sz="1000">
+                <a:solidFill>
+                  <a:srgbClr val="020302"/>
+                </a:solidFill>
+                <a:latin typeface="AdobeClean-Light"/>
+                <a:cs typeface="AdobeClean-Light"/>
+              </a:rPr>
+              <a:t>help with case submission</a:t>
+            </a:r>
+            <a:r>
+              <a:rPr lang="en-US" sz="1000">
+                <a:solidFill>
+                  <a:srgbClr val="020302"/>
+                </a:solidFill>
+                <a:latin typeface="AdobeClean-Light"/>
+                <a:cs typeface="AdobeClean-Light"/>
+              </a:rPr>
+              <a:t>.</a:t>
             </a:r>
           </a:p>
           <a:p>
             <a:pPr marL="33020" marR="159385">
-              <a:lnSpc>
-                <a:spcPct val="100000"/>
-              </a:lnSpc>
               <a:spcBef>
                 <a:spcPts val="100"/>
               </a:spcBef>
@@ -6467,25 +7406,39 @@
               </a:tabLst>
             </a:pPr>
             <a:r>
-              <a:rPr lang="fr-FR" sz="1000" i="1" dirty="0">
+              <a:rPr sz="1000" i="1">
                 <a:solidFill>
                   <a:srgbClr val="7A7A7A"/>
                 </a:solidFill>
                 <a:latin typeface="AdobeClean-LightIt"/>
                 <a:cs typeface="AdobeClean-LightIt"/>
               </a:rPr>
-              <a:t>*Tous les produits ne bénéficient pas de l’assistance de messagerie instantanée</a:t>
-            </a:r>
-            <a:r>
-              <a:rPr lang="fr-FR" sz="900" i="1" dirty="0">
+              <a:t>*Not all products have live chat support</a:t>
+            </a:r>
+            <a:r>
+              <a:rPr sz="900" i="1">
                 <a:solidFill>
                   <a:srgbClr val="7A7A7A"/>
                 </a:solidFill>
                 <a:latin typeface="AdobeClean-LightIt"/>
                 <a:cs typeface="AdobeClean-LightIt"/>
               </a:rPr>
-              <a:t>.  </a:t>
-            </a:r>
+              <a:t>.</a:t>
+            </a:r>
+            <a:r>
+              <a:rPr lang="en-US" sz="900" i="1">
+                <a:solidFill>
+                  <a:srgbClr val="7A7A7A"/>
+                </a:solidFill>
+                <a:latin typeface="AdobeClean-LightIt"/>
+                <a:cs typeface="AdobeClean-LightIt"/>
+              </a:rPr>
+              <a:t>  </a:t>
+            </a:r>
+            <a:endParaRPr sz="900">
+              <a:latin typeface="AdobeClean-Light"/>
+              <a:cs typeface="AdobeClean-Light"/>
+            </a:endParaRPr>
           </a:p>
         </p:txBody>
       </p:sp>
@@ -6535,7 +7488,7 @@
         <p:spPr>
           <a:xfrm>
             <a:off x="838200" y="6046398"/>
-            <a:ext cx="1817840" cy="184666"/>
+            <a:ext cx="1568246" cy="184666"/>
           </a:xfrm>
           <a:prstGeom prst="rect">
             <a:avLst/>
@@ -6561,12 +7514,12 @@
               <a:defRPr/>
             </a:pPr>
             <a:r>
-              <a:rPr lang="fr-FR" sz="1200" dirty="0">
+              <a:rPr lang="en-US" sz="1200">
                 <a:solidFill>
                   <a:srgbClr val="000000"/>
                 </a:solidFill>
               </a:rPr>
-              <a:t>Forums de la communauté</a:t>
+              <a:t>Community Forums</a:t>
             </a:r>
           </a:p>
         </p:txBody>
@@ -6588,7 +7541,7 @@
         <p:spPr>
           <a:xfrm>
             <a:off x="838200" y="6277305"/>
-            <a:ext cx="1376994" cy="184666"/>
+            <a:ext cx="959314" cy="184666"/>
           </a:xfrm>
           <a:prstGeom prst="rect">
             <a:avLst/>
@@ -6609,12 +7562,12 @@
               </a:spcAft>
             </a:pPr>
             <a:r>
-              <a:rPr lang="fr-FR" sz="1200" b="1" dirty="0">
+              <a:rPr lang="en-US" sz="1200" b="1">
                 <a:latin typeface="+mj-lt"/>
                 <a:ea typeface="Open Sans" pitchFamily="34" charset="0"/>
                 <a:cs typeface="Open Sans" pitchFamily="34" charset="0"/>
               </a:rPr>
-              <a:t>Forums en ligne</a:t>
+              <a:t>Online Forums</a:t>
             </a:r>
           </a:p>
         </p:txBody>
@@ -6634,7 +7587,7 @@
         <p:spPr>
           <a:xfrm>
             <a:off x="370040" y="6529249"/>
-            <a:ext cx="2286000" cy="1113125"/>
+            <a:ext cx="2286000" cy="805349"/>
           </a:xfrm>
           <a:prstGeom prst="rect">
             <a:avLst/>
@@ -6647,64 +7600,13 @@
           <a:lstStyle/>
           <a:p>
             <a:r>
-              <a:rPr lang="fr-FR" sz="1000" dirty="0">
+              <a:rPr lang="en-US" sz="1000">
                 <a:solidFill>
                   <a:srgbClr val="000000"/>
                 </a:solidFill>
                 <a:latin typeface="Adobe Clean Light" panose="020B0303020404020204" pitchFamily="34" charset="0"/>
               </a:rPr>
-              <a:t>Accès en ligne permanent à une base </a:t>
-            </a:r>
-            <a:br>
-              <a:rPr lang="sk-SK" sz="1000" dirty="0">
-                <a:solidFill>
-                  <a:srgbClr val="000000"/>
-                </a:solidFill>
-                <a:latin typeface="Adobe Clean Light" panose="020B0303020404020204" pitchFamily="34" charset="0"/>
-              </a:rPr>
-            </a:br>
-            <a:r>
-              <a:rPr lang="fr-FR" sz="1000" dirty="0">
-                <a:solidFill>
-                  <a:srgbClr val="000000"/>
-                </a:solidFill>
-                <a:latin typeface="Adobe Clean Light" panose="020B0303020404020204" pitchFamily="34" charset="0"/>
-              </a:rPr>
-              <a:t>de données croissante de solutions techniques, de documentation sur les produits, de questions fréquentes, etc. </a:t>
-            </a:r>
-            <a:br>
-              <a:rPr lang="sk-SK" sz="1000" dirty="0">
-                <a:solidFill>
-                  <a:srgbClr val="000000"/>
-                </a:solidFill>
-                <a:latin typeface="Adobe Clean Light" panose="020B0303020404020204" pitchFamily="34" charset="0"/>
-              </a:rPr>
-            </a:br>
-            <a:r>
-              <a:rPr lang="fr-FR" sz="1000" dirty="0">
-                <a:solidFill>
-                  <a:srgbClr val="000000"/>
-                </a:solidFill>
-                <a:latin typeface="Adobe Clean Light" panose="020B0303020404020204" pitchFamily="34" charset="0"/>
-              </a:rPr>
-              <a:t>Des milliers de clients peuvent entrer en contact pour partager les bonnes pratiques </a:t>
-            </a:r>
-            <a:br>
-              <a:rPr lang="sk-SK" sz="1000" dirty="0">
-                <a:solidFill>
-                  <a:srgbClr val="000000"/>
-                </a:solidFill>
-                <a:latin typeface="Adobe Clean Light" panose="020B0303020404020204" pitchFamily="34" charset="0"/>
-              </a:rPr>
-            </a:br>
-            <a:r>
-              <a:rPr lang="fr-FR" sz="1000" dirty="0">
-                <a:solidFill>
-                  <a:srgbClr val="000000"/>
-                </a:solidFill>
-                <a:latin typeface="Adobe Clean Light" panose="020B0303020404020204" pitchFamily="34" charset="0"/>
-              </a:rPr>
-              <a:t>et les leçons apprises.</a:t>
+              <a:t>Continuous online access to a growing database of technical solutions, product documentation, FAQs and more. Thousands of customers can connect to share best practices and lessons learned.</a:t>
             </a:r>
           </a:p>
         </p:txBody>
@@ -6747,12 +7649,12 @@
               </a:spcAft>
             </a:pPr>
             <a:r>
-              <a:rPr lang="fr-FR" sz="1200" b="1">
+              <a:rPr lang="en-US" sz="1200" b="1">
                 <a:latin typeface="+mj-lt"/>
                 <a:ea typeface="Open Sans" pitchFamily="34" charset="0"/>
                 <a:cs typeface="Open Sans" pitchFamily="34" charset="0"/>
               </a:rPr>
-              <a:t>Parcours auto-guidés</a:t>
+              <a:t>Self-guided Journeys</a:t>
             </a:r>
           </a:p>
         </p:txBody>
@@ -6772,7 +7674,7 @@
         <p:spPr>
           <a:xfrm>
             <a:off x="5376301" y="6529249"/>
-            <a:ext cx="2381010" cy="1113125"/>
+            <a:ext cx="2286000" cy="959237"/>
           </a:xfrm>
           <a:prstGeom prst="rect">
             <a:avLst/>
@@ -6785,67 +7687,13 @@
           <a:lstStyle/>
           <a:p>
             <a:r>
-              <a:rPr lang="fr-FR" sz="1000" dirty="0">
+              <a:rPr lang="en-US" sz="1000">
                 <a:solidFill>
                   <a:srgbClr val="000000"/>
                 </a:solidFill>
                 <a:latin typeface="Adobe Clean Light" panose="020B0303020404020204" pitchFamily="34" charset="0"/>
               </a:rPr>
-              <a:t>Les </a:t>
-            </a:r>
-            <a:r>
-              <a:rPr lang="fr-FR" sz="1000" dirty="0" err="1">
-                <a:solidFill>
-                  <a:srgbClr val="000000"/>
-                </a:solidFill>
-                <a:latin typeface="Adobe Clean Light" panose="020B0303020404020204" pitchFamily="34" charset="0"/>
-              </a:rPr>
-              <a:t>Experience</a:t>
-            </a:r>
-            <a:r>
-              <a:rPr lang="fr-FR" sz="1000" dirty="0">
-                <a:solidFill>
-                  <a:srgbClr val="000000"/>
-                </a:solidFill>
-                <a:latin typeface="Adobe Clean Light" panose="020B0303020404020204" pitchFamily="34" charset="0"/>
-              </a:rPr>
-              <a:t> </a:t>
-            </a:r>
-            <a:r>
-              <a:rPr lang="fr-FR" sz="1000" dirty="0" err="1">
-                <a:solidFill>
-                  <a:srgbClr val="000000"/>
-                </a:solidFill>
-                <a:latin typeface="Adobe Clean Light" panose="020B0303020404020204" pitchFamily="34" charset="0"/>
-              </a:rPr>
-              <a:t>Makers</a:t>
-            </a:r>
-            <a:r>
-              <a:rPr lang="fr-FR" sz="1000" dirty="0">
-                <a:solidFill>
-                  <a:srgbClr val="000000"/>
-                </a:solidFill>
-                <a:latin typeface="Adobe Clean Light" panose="020B0303020404020204" pitchFamily="34" charset="0"/>
-              </a:rPr>
-              <a:t> sont créées à l’aide d’</a:t>
-            </a:r>
-            <a:r>
-              <a:rPr lang="fr-FR" sz="1000" dirty="0" err="1">
-                <a:solidFill>
-                  <a:srgbClr val="000000"/>
-                </a:solidFill>
-                <a:latin typeface="Adobe Clean Light" panose="020B0303020404020204" pitchFamily="34" charset="0"/>
-              </a:rPr>
-              <a:t>Experience</a:t>
-            </a:r>
-            <a:r>
-              <a:rPr lang="fr-FR" sz="1000" dirty="0">
-                <a:solidFill>
-                  <a:srgbClr val="000000"/>
-                </a:solidFill>
-                <a:latin typeface="Adobe Clean Light" panose="020B0303020404020204" pitchFamily="34" charset="0"/>
-              </a:rPr>
-              <a:t> League. Les clients peuvent lancer leurs capacités de gestion de l’expérience client grâce à un apprentissage personnalisé permettant de développer leurs compétences, collaborer avec une communauté mondiale de pairs et gagner une reconnaissance de carrière.</a:t>
+              <a:t>Experience Makers are made with Experience League. Customers can kickstart their Customer Experience Management abilities with personalized learning to develop skills, engage with a global community of peers, and earn career advancing recognition.</a:t>
             </a:r>
           </a:p>
         </p:txBody>
@@ -6866,8 +7714,8 @@
         </p:nvSpPr>
         <p:spPr>
           <a:xfrm>
-            <a:off x="3215895" y="8054891"/>
-            <a:ext cx="2520000" cy="369332"/>
+            <a:off x="3215895" y="8150141"/>
+            <a:ext cx="2520000" cy="184666"/>
           </a:xfrm>
           <a:prstGeom prst="rect">
             <a:avLst/>
@@ -6893,27 +7741,12 @@
               <a:defRPr/>
             </a:pPr>
             <a:r>
-              <a:rPr lang="fr-FR" sz="1200" dirty="0">
+              <a:rPr lang="en-US" sz="1200">
                 <a:solidFill>
                   <a:srgbClr val="000000"/>
                 </a:solidFill>
               </a:rPr>
-              <a:t>Assistance de messagerie </a:t>
-            </a:r>
-            <a:br>
-              <a:rPr lang="sk-SK" sz="1200" dirty="0">
-                <a:solidFill>
-                  <a:srgbClr val="000000"/>
-                </a:solidFill>
-              </a:rPr>
-            </a:br>
-            <a:r>
-              <a:rPr lang="fr-FR" sz="1200" dirty="0">
-                <a:solidFill>
-                  <a:srgbClr val="000000"/>
-                </a:solidFill>
-              </a:rPr>
-              <a:t>instantanée*</a:t>
+              <a:t>Live Chat  Support*</a:t>
             </a:r>
           </a:p>
         </p:txBody>
@@ -6934,7 +7767,7 @@
         </p:nvSpPr>
         <p:spPr>
           <a:xfrm>
-            <a:off x="3198434" y="8424343"/>
+            <a:off x="3198434" y="8373543"/>
             <a:ext cx="840166" cy="184666"/>
           </a:xfrm>
           <a:prstGeom prst="rect">
@@ -6956,12 +7789,12 @@
               </a:spcAft>
             </a:pPr>
             <a:r>
-              <a:rPr lang="fr-FR" sz="1200" b="1">
+              <a:rPr lang="en-US" sz="1200" b="1">
                 <a:latin typeface="+mj-lt"/>
                 <a:ea typeface="Open Sans" pitchFamily="34" charset="0"/>
                 <a:cs typeface="Open Sans" pitchFamily="34" charset="0"/>
               </a:rPr>
-              <a:t>Assistance de conversation</a:t>
+              <a:t>Chat Support</a:t>
             </a:r>
           </a:p>
         </p:txBody>
@@ -7009,12 +7842,12 @@
               <a:defRPr/>
             </a:pPr>
             <a:r>
-              <a:rPr lang="fr-FR" sz="1200">
+              <a:rPr lang="en-US" sz="1200">
                 <a:solidFill>
                   <a:srgbClr val="000000"/>
                 </a:solidFill>
               </a:rPr>
-              <a:t>P1 24X7 </a:t>
+              <a:t>24X7 P1 </a:t>
             </a:r>
           </a:p>
         </p:txBody>
@@ -7057,12 +7890,12 @@
               </a:spcAft>
             </a:pPr>
             <a:r>
-              <a:rPr lang="fr-FR" sz="1200" b="1">
+              <a:rPr lang="en-US" sz="1200" b="1">
                 <a:latin typeface="+mj-lt"/>
                 <a:ea typeface="Open Sans" pitchFamily="34" charset="0"/>
                 <a:cs typeface="Open Sans" pitchFamily="34" charset="0"/>
               </a:rPr>
-              <a:t>Assistance téléphonique</a:t>
+              <a:t>Phone Support</a:t>
             </a:r>
           </a:p>
         </p:txBody>
@@ -7082,7 +7915,7 @@
         <p:spPr>
           <a:xfrm>
             <a:off x="2836967" y="6529249"/>
-            <a:ext cx="2286000" cy="1113125"/>
+            <a:ext cx="2286000" cy="805349"/>
           </a:xfrm>
           <a:prstGeom prst="rect">
             <a:avLst/>
@@ -7095,53 +7928,26 @@
           <a:lstStyle/>
           <a:p>
             <a:r>
-              <a:rPr lang="fr-FR" sz="1000" dirty="0">
+              <a:rPr lang="en-US" sz="1000">
                 <a:solidFill>
                   <a:srgbClr val="020302"/>
                 </a:solidFill>
                 <a:latin typeface="AdobeClean-Light"/>
               </a:rPr>
-              <a:t>Les utilisateurs autorisés ou les contacts d’assistance nommés </a:t>
-            </a:r>
-            <a:r>
-              <a:rPr lang="fr-FR" sz="1000" dirty="0">
+              <a:t>Authorized users or Named Support Contacts </a:t>
+            </a:r>
+            <a:r>
+              <a:rPr lang="en-US" sz="1000">
                 <a:latin typeface="Adobe Clean Light" panose="020B0303020404020204" pitchFamily="34" charset="0"/>
               </a:rPr>
-              <a:t>peuvent communiquer des problèmes par l’intermédiaire de tous </a:t>
-            </a:r>
-            <a:br>
-              <a:rPr lang="sk-SK" sz="1000" dirty="0">
-                <a:latin typeface="Adobe Clean Light" panose="020B0303020404020204" pitchFamily="34" charset="0"/>
-              </a:rPr>
-            </a:br>
-            <a:r>
-              <a:rPr lang="fr-FR" sz="1000" dirty="0">
-                <a:latin typeface="Adobe Clean Light" panose="020B0303020404020204" pitchFamily="34" charset="0"/>
-              </a:rPr>
-              <a:t>les canaux disponibles (y compris </a:t>
-            </a:r>
-            <a:br>
-              <a:rPr lang="sk-SK" sz="1000" dirty="0">
-                <a:latin typeface="Adobe Clean Light" panose="020B0303020404020204" pitchFamily="34" charset="0"/>
-              </a:rPr>
-            </a:br>
-            <a:r>
-              <a:rPr lang="fr-FR" sz="1000" dirty="0">
-                <a:latin typeface="Adobe Clean Light" panose="020B0303020404020204" pitchFamily="34" charset="0"/>
-              </a:rPr>
-              <a:t>le téléphone pour P1) et interagir avec notre équipe d’assistance technique au nom </a:t>
-            </a:r>
-            <a:br>
-              <a:rPr lang="sk-SK" sz="1000" dirty="0">
-                <a:latin typeface="Adobe Clean Light" panose="020B0303020404020204" pitchFamily="34" charset="0"/>
-              </a:rPr>
-            </a:br>
-            <a:r>
-              <a:rPr lang="fr-FR" sz="1000" dirty="0">
-                <a:latin typeface="Adobe Clean Light" panose="020B0303020404020204" pitchFamily="34" charset="0"/>
-              </a:rPr>
-              <a:t>de votre entreprise. </a:t>
-            </a:r>
+              <a:t>can submit issues through all available  channels (including phone for P1) and interact with our technical support team on behalf of your company. </a:t>
+            </a:r>
+            <a:endParaRPr lang="en-US" sz="1000">
+              <a:solidFill>
+                <a:srgbClr val="000000"/>
+              </a:solidFill>
+              <a:latin typeface="Adobe Clean Light" panose="020B0303020404020204" pitchFamily="34" charset="0"/>
+            </a:endParaRPr>
           </a:p>
         </p:txBody>
       </p:sp>
@@ -7163,8 +7969,8 @@
         </p:nvSpPr>
         <p:spPr>
           <a:xfrm>
-            <a:off x="4806950" y="9862967"/>
-            <a:ext cx="2716591" cy="132308"/>
+            <a:off x="5253416" y="9862966"/>
+            <a:ext cx="2270125" cy="132729"/>
           </a:xfrm>
           <a:prstGeom prst="rect">
             <a:avLst/>
@@ -7185,8 +7991,24 @@
               </a:spcBef>
             </a:pPr>
             <a:r>
-              <a:rPr lang="fr-FR"/>
-              <a:t>©2021 Adobe. All Rights Reserved. Données confidentielles Adobe</a:t>
+              <a:rPr spc="-5"/>
+              <a:t>©202</a:t>
+            </a:r>
+            <a:r>
+              <a:rPr lang="en-US" spc="-5"/>
+              <a:t>1</a:t>
+            </a:r>
+            <a:r>
+              <a:rPr spc="-5"/>
+              <a:t> Adobe. All Rights Reserved. Adobe</a:t>
+            </a:r>
+            <a:r>
+              <a:rPr spc="60"/>
+              <a:t> </a:t>
+            </a:r>
+            <a:r>
+              <a:rPr spc="-5"/>
+              <a:t>Confidential.</a:t>
             </a:r>
           </a:p>
         </p:txBody>
@@ -7208,7 +8030,7 @@
         <p:spPr>
           <a:xfrm>
             <a:off x="821898" y="1099315"/>
-            <a:ext cx="1726164" cy="369332"/>
+            <a:ext cx="1726164" cy="184666"/>
           </a:xfrm>
           <a:prstGeom prst="rect">
             <a:avLst/>
@@ -7229,30 +8051,13 @@
               </a:spcAft>
             </a:pPr>
             <a:r>
-              <a:rPr lang="fr-FR" sz="1200" b="1" dirty="0">
+              <a:rPr lang="en-US" sz="1200" b="1" spc="-10">
                 <a:solidFill>
                   <a:srgbClr val="020302"/>
                 </a:solidFill>
                 <a:latin typeface="+mj-lt"/>
               </a:rPr>
-              <a:t>Assistance principale </a:t>
-            </a:r>
-            <a:br>
-              <a:rPr lang="sk-SK" sz="1200" b="1" dirty="0">
-                <a:solidFill>
-                  <a:srgbClr val="020302"/>
-                </a:solidFill>
-                <a:latin typeface="+mj-lt"/>
-              </a:rPr>
-            </a:br>
-            <a:r>
-              <a:rPr lang="fr-FR" sz="1200" b="1" dirty="0">
-                <a:solidFill>
-                  <a:srgbClr val="020302"/>
-                </a:solidFill>
-                <a:latin typeface="+mj-lt"/>
-              </a:rPr>
-              <a:t>du compte</a:t>
+              <a:t>Account Support Lead</a:t>
             </a:r>
           </a:p>
         </p:txBody>
@@ -7272,7 +8077,7 @@
         <p:spPr>
           <a:xfrm>
             <a:off x="401995" y="5785009"/>
-            <a:ext cx="2956205" cy="45719"/>
+            <a:ext cx="1848207" cy="45719"/>
           </a:xfrm>
           <a:custGeom>
             <a:avLst/>
@@ -7341,15 +8146,19 @@
               </a:spcBef>
             </a:pPr>
             <a:r>
-              <a:rPr lang="fr-FR" sz="1400" b="1">
+              <a:rPr lang="en-US" sz="1400" b="1" spc="-10">
                 <a:solidFill>
                   <a:srgbClr val="020302"/>
                 </a:solidFill>
                 <a:latin typeface="Adobe Clean"/>
                 <a:cs typeface="Adobe Clean"/>
               </a:rPr>
-              <a:t>Fonctionnalités de l’assistance en ligne</a:t>
-            </a:r>
+              <a:t>Online Support Features</a:t>
+            </a:r>
+            <a:endParaRPr lang="en-US" sz="1400">
+              <a:latin typeface="Adobe Clean"/>
+              <a:cs typeface="Adobe Clean"/>
+            </a:endParaRPr>
           </a:p>
         </p:txBody>
       </p:sp>
@@ -7367,8 +8176,8 @@
         </p:nvSpPr>
         <p:spPr>
           <a:xfrm>
-            <a:off x="384420" y="774494"/>
-            <a:ext cx="3069979" cy="45719"/>
+            <a:off x="384421" y="774495"/>
+            <a:ext cx="2011680" cy="0"/>
           </a:xfrm>
           <a:custGeom>
             <a:avLst/>
@@ -7437,15 +8246,19 @@
               </a:spcBef>
             </a:pPr>
             <a:r>
-              <a:rPr lang="fr-FR" sz="1400" b="1">
+              <a:rPr lang="en-US" sz="1400" b="1" spc="-10">
                 <a:solidFill>
                   <a:srgbClr val="020302"/>
                 </a:solidFill>
                 <a:latin typeface="Adobe Clean"/>
                 <a:cs typeface="Adobe Clean"/>
               </a:rPr>
-              <a:t>Fonctionnalités d’assistance commerciale</a:t>
-            </a:r>
+              <a:t>Business  Support Features</a:t>
+            </a:r>
+            <a:endParaRPr lang="en-US" sz="1400">
+              <a:latin typeface="Adobe Clean"/>
+              <a:cs typeface="Adobe Clean"/>
+            </a:endParaRPr>
           </a:p>
         </p:txBody>
       </p:sp>
@@ -7485,11 +8298,15 @@
               </a:spcBef>
             </a:pPr>
             <a:r>
-              <a:rPr lang="fr-FR" sz="1000" dirty="0">
+              <a:rPr lang="en-US" sz="1000">
                 <a:latin typeface="Adobe Clean Light" panose="020B0303020404020204" pitchFamily="34" charset="0"/>
               </a:rPr>
-              <a:t>Les clients peuvent envoyer des cas d’assistance par téléphone pour tous les problèmes P2, P3 et P4 pendant les heures d’assistance régionales. Vous pouvez appeler l’assistance autant de fois que cela est nécessaire. Les clients peuvent également demander à l’assistance de les rappeler ou demander une réunion pour démontrer ou résoudre un problème au cours d’une session de bureau distant partagée.</a:t>
-            </a:r>
+              <a:t>Customers can submit support cases via Phone for all P2, P3, P4 issues during regional support hours. There are no upper limits on the number of times you can call into support. Customers can also request a call back from support or request a meeting to demonstrate or work through an issue using a shared remote desktop session.</a:t>
+            </a:r>
+            <a:endParaRPr lang="en-US" sz="1000">
+              <a:latin typeface="Adobe Clean Light" panose="020B0303020404020204" pitchFamily="34" charset="0"/>
+              <a:cs typeface="AdobeClean-Light"/>
+            </a:endParaRPr>
           </a:p>
         </p:txBody>
       </p:sp>
@@ -7510,7 +8327,7 @@
         <p:spPr>
           <a:xfrm>
             <a:off x="3257682" y="1083435"/>
-            <a:ext cx="1976242" cy="369332"/>
+            <a:ext cx="1976242" cy="184666"/>
           </a:xfrm>
           <a:prstGeom prst="rect">
             <a:avLst/>
@@ -7531,30 +8348,13 @@
               </a:spcAft>
             </a:pPr>
             <a:r>
-              <a:rPr lang="fr-FR" sz="1200" b="1" dirty="0">
+              <a:rPr lang="en-US" sz="1200" b="1" spc="-10">
                 <a:solidFill>
                   <a:srgbClr val="020302"/>
                 </a:solidFill>
                 <a:latin typeface="+mj-lt"/>
               </a:rPr>
-              <a:t>Assistance téléphonique </a:t>
-            </a:r>
-            <a:br>
-              <a:rPr lang="sk-SK" sz="1200" b="1" dirty="0">
-                <a:solidFill>
-                  <a:srgbClr val="020302"/>
-                </a:solidFill>
-                <a:latin typeface="+mj-lt"/>
-              </a:rPr>
-            </a:br>
-            <a:r>
-              <a:rPr lang="fr-FR" sz="1200" b="1" dirty="0">
-                <a:solidFill>
-                  <a:srgbClr val="020302"/>
-                </a:solidFill>
-                <a:latin typeface="+mj-lt"/>
-              </a:rPr>
-              <a:t>en direct</a:t>
+              <a:t>Live Telephone Support</a:t>
             </a:r>
           </a:p>
         </p:txBody>
@@ -7574,7 +8374,7 @@
         <p:spPr>
           <a:xfrm>
             <a:off x="5376301" y="1398482"/>
-            <a:ext cx="2286000" cy="959237"/>
+            <a:ext cx="2286000" cy="805349"/>
           </a:xfrm>
           <a:prstGeom prst="rect">
             <a:avLst/>
@@ -7595,65 +8395,18 @@
               </a:spcBef>
             </a:pPr>
             <a:r>
-              <a:rPr lang="fr-FR" sz="1000" dirty="0">
+              <a:rPr lang="en-US" sz="1000">
                 <a:solidFill>
                   <a:srgbClr val="4B4B4B"/>
                 </a:solidFill>
                 <a:latin typeface="Adobe Clean Light" panose="020B0303020404020204" pitchFamily="34" charset="0"/>
               </a:rPr>
-              <a:t>Il s’agit d’un point de contact désigné au sein d’Adobe pouvant fournir une assistance </a:t>
-            </a:r>
-            <a:br>
-              <a:rPr lang="sk-SK" sz="1000" dirty="0">
-                <a:solidFill>
-                  <a:srgbClr val="4B4B4B"/>
-                </a:solidFill>
-                <a:latin typeface="Adobe Clean Light" panose="020B0303020404020204" pitchFamily="34" charset="0"/>
-              </a:rPr>
-            </a:br>
-            <a:r>
-              <a:rPr lang="fr-FR" sz="1000" dirty="0">
-                <a:solidFill>
-                  <a:srgbClr val="4B4B4B"/>
-                </a:solidFill>
-                <a:latin typeface="Adobe Clean Light" panose="020B0303020404020204" pitchFamily="34" charset="0"/>
-              </a:rPr>
-              <a:t>en matière de remontées d’informations, </a:t>
-            </a:r>
-            <a:br>
-              <a:rPr lang="sk-SK" sz="1000" dirty="0">
-                <a:solidFill>
-                  <a:srgbClr val="4B4B4B"/>
-                </a:solidFill>
-                <a:latin typeface="Adobe Clean Light" panose="020B0303020404020204" pitchFamily="34" charset="0"/>
-              </a:rPr>
-            </a:br>
-            <a:r>
-              <a:rPr lang="fr-FR" sz="1000" dirty="0">
-                <a:solidFill>
-                  <a:srgbClr val="4B4B4B"/>
-                </a:solidFill>
-                <a:latin typeface="Adobe Clean Light" panose="020B0303020404020204" pitchFamily="34" charset="0"/>
-              </a:rPr>
-              <a:t>des mises à jour régulières et s’assurant que </a:t>
-            </a:r>
-            <a:br>
-              <a:rPr lang="sk-SK" sz="1000" dirty="0">
-                <a:solidFill>
-                  <a:srgbClr val="4B4B4B"/>
-                </a:solidFill>
-                <a:latin typeface="Adobe Clean Light" panose="020B0303020404020204" pitchFamily="34" charset="0"/>
-              </a:rPr>
-            </a:br>
-            <a:r>
-              <a:rPr lang="fr-FR" sz="1000" dirty="0">
-                <a:solidFill>
-                  <a:srgbClr val="4B4B4B"/>
-                </a:solidFill>
-                <a:latin typeface="Adobe Clean Light" panose="020B0303020404020204" pitchFamily="34" charset="0"/>
-              </a:rPr>
-              <a:t>la priorité est mise sur vos demandes d’assistance ouvertes les plus importantes.</a:t>
-            </a:r>
+              <a:t>A designated point of contact within Adobe who can provide escalation assistance, regular updates and ensure priority is given to your most critical open support requests.</a:t>
+            </a:r>
+            <a:endParaRPr lang="en-US" sz="1000">
+              <a:latin typeface="Adobe Clean Light" panose="020B0303020404020204" pitchFamily="34" charset="0"/>
+              <a:cs typeface="AdobeClean-Light"/>
+            </a:endParaRPr>
           </a:p>
         </p:txBody>
       </p:sp>
@@ -7695,13 +8448,13 @@
               </a:spcAft>
             </a:pPr>
             <a:r>
-              <a:rPr lang="fr-FR" sz="1200" b="1">
+              <a:rPr lang="en-US" sz="1200" b="1" spc="-10">
                 <a:solidFill>
                   <a:srgbClr val="020302"/>
                 </a:solidFill>
                 <a:latin typeface="+mj-lt"/>
               </a:rPr>
-              <a:t>Gestion des remontées d’informations</a:t>
+              <a:t>Escalation Management</a:t>
             </a:r>
           </a:p>
         </p:txBody>
@@ -7749,7 +8502,7 @@
               <a:defRPr/>
             </a:pPr>
             <a:r>
-              <a:rPr lang="fr-FR" sz="1200">
+              <a:rPr lang="en-US" sz="1200">
                 <a:solidFill>
                   <a:srgbClr val="000000"/>
                 </a:solidFill>
@@ -7797,12 +8550,12 @@
               </a:spcAft>
             </a:pPr>
             <a:r>
-              <a:rPr lang="fr-FR" sz="1200" b="1">
+              <a:rPr lang="en-US" sz="1200" b="1">
                 <a:latin typeface="+mj-lt"/>
                 <a:ea typeface="Open Sans" pitchFamily="34" charset="0"/>
                 <a:cs typeface="Open Sans" pitchFamily="34" charset="0"/>
               </a:rPr>
-              <a:t>Webinaires</a:t>
+              <a:t>Webinars</a:t>
             </a:r>
           </a:p>
         </p:txBody>
@@ -7835,134 +8588,13 @@
           <a:lstStyle/>
           <a:p>
             <a:r>
-              <a:rPr lang="fr-FR" sz="1000" dirty="0">
+              <a:rPr lang="en-US" sz="1000">
                 <a:solidFill>
                   <a:srgbClr val="000000"/>
                 </a:solidFill>
                 <a:latin typeface="Adobe Clean Light" panose="020B0303020404020204" pitchFamily="34" charset="0"/>
               </a:rPr>
-              <a:t>« Office </a:t>
-            </a:r>
-            <a:r>
-              <a:rPr lang="fr-FR" sz="1000" dirty="0" err="1">
-                <a:solidFill>
-                  <a:srgbClr val="000000"/>
-                </a:solidFill>
-                <a:latin typeface="Adobe Clean Light" panose="020B0303020404020204" pitchFamily="34" charset="0"/>
-              </a:rPr>
-              <a:t>Hours</a:t>
-            </a:r>
-            <a:r>
-              <a:rPr lang="fr-FR" sz="1000" dirty="0">
-                <a:solidFill>
-                  <a:srgbClr val="000000"/>
-                </a:solidFill>
-                <a:latin typeface="Adobe Clean Light" panose="020B0303020404020204" pitchFamily="34" charset="0"/>
-              </a:rPr>
-              <a:t> » est une initiative menée </a:t>
-            </a:r>
-            <a:br>
-              <a:rPr lang="sk-SK" sz="1000" dirty="0">
-                <a:solidFill>
-                  <a:srgbClr val="000000"/>
-                </a:solidFill>
-                <a:latin typeface="Adobe Clean Light" panose="020B0303020404020204" pitchFamily="34" charset="0"/>
-              </a:rPr>
-            </a:br>
-            <a:r>
-              <a:rPr lang="fr-FR" sz="1000" dirty="0">
-                <a:solidFill>
-                  <a:srgbClr val="000000"/>
-                </a:solidFill>
-                <a:latin typeface="Adobe Clean Light" panose="020B0303020404020204" pitchFamily="34" charset="0"/>
-              </a:rPr>
-              <a:t>par l’équipe du service clientèle d’Adobe. </a:t>
-            </a:r>
-            <a:br>
-              <a:rPr lang="sk-SK" sz="1000" dirty="0">
-                <a:solidFill>
-                  <a:srgbClr val="000000"/>
-                </a:solidFill>
-                <a:latin typeface="Adobe Clean Light" panose="020B0303020404020204" pitchFamily="34" charset="0"/>
-              </a:rPr>
-            </a:br>
-            <a:r>
-              <a:rPr lang="fr-FR" sz="1000" dirty="0">
-                <a:solidFill>
-                  <a:srgbClr val="000000"/>
-                </a:solidFill>
-                <a:latin typeface="Adobe Clean Light" panose="020B0303020404020204" pitchFamily="34" charset="0"/>
-              </a:rPr>
-              <a:t>Ces sessions sont conçues pour informer </a:t>
-            </a:r>
-            <a:br>
-              <a:rPr lang="sk-SK" sz="1000" dirty="0">
-                <a:solidFill>
-                  <a:srgbClr val="000000"/>
-                </a:solidFill>
-                <a:latin typeface="Adobe Clean Light" panose="020B0303020404020204" pitchFamily="34" charset="0"/>
-              </a:rPr>
-            </a:br>
-            <a:r>
-              <a:rPr lang="fr-FR" sz="1000" dirty="0">
-                <a:solidFill>
-                  <a:srgbClr val="000000"/>
-                </a:solidFill>
-                <a:latin typeface="Adobe Clean Light" panose="020B0303020404020204" pitchFamily="34" charset="0"/>
-              </a:rPr>
-              <a:t>les participants des problèmes et les aider </a:t>
-            </a:r>
-            <a:br>
-              <a:rPr lang="sk-SK" sz="1000" dirty="0">
-                <a:solidFill>
-                  <a:srgbClr val="000000"/>
-                </a:solidFill>
-                <a:latin typeface="Adobe Clean Light" panose="020B0303020404020204" pitchFamily="34" charset="0"/>
-              </a:rPr>
-            </a:br>
-            <a:r>
-              <a:rPr lang="fr-FR" sz="1000" dirty="0">
-                <a:solidFill>
-                  <a:srgbClr val="000000"/>
-                </a:solidFill>
-                <a:latin typeface="Adobe Clean Light" panose="020B0303020404020204" pitchFamily="34" charset="0"/>
-              </a:rPr>
-              <a:t>à les résoudre. Elles fournissent des conseils </a:t>
-            </a:r>
-            <a:br>
-              <a:rPr lang="sk-SK" sz="1000" dirty="0">
-                <a:solidFill>
-                  <a:srgbClr val="000000"/>
-                </a:solidFill>
-                <a:latin typeface="Adobe Clean Light" panose="020B0303020404020204" pitchFamily="34" charset="0"/>
-              </a:rPr>
-            </a:br>
-            <a:r>
-              <a:rPr lang="fr-FR" sz="1000" dirty="0">
-                <a:solidFill>
-                  <a:srgbClr val="000000"/>
-                </a:solidFill>
-                <a:latin typeface="Adobe Clean Light" panose="020B0303020404020204" pitchFamily="34" charset="0"/>
-              </a:rPr>
-              <a:t>et des astuces pour bien utiliser Adobe </a:t>
-            </a:r>
-            <a:r>
-              <a:rPr lang="fr-FR" sz="1000" dirty="0" err="1">
-                <a:solidFill>
-                  <a:srgbClr val="000000"/>
-                </a:solidFill>
-                <a:latin typeface="Adobe Clean Light" panose="020B0303020404020204" pitchFamily="34" charset="0"/>
-              </a:rPr>
-              <a:t>Experience</a:t>
-            </a:r>
-            <a:r>
-              <a:rPr lang="fr-FR" sz="1000" dirty="0">
-                <a:solidFill>
-                  <a:srgbClr val="000000"/>
-                </a:solidFill>
-                <a:latin typeface="Adobe Clean Light" panose="020B0303020404020204" pitchFamily="34" charset="0"/>
-              </a:rPr>
-              <a:t> Cloud.</a:t>
+              <a:t>Office Hours is an initiative led by the Adobe Customer Support team. These sessions are designed to inform as well as help participants troubleshoot problems and provide tips and tricks to be successful with Adobe Experience Cloud.</a:t>
             </a:r>
           </a:p>
         </p:txBody>
@@ -8005,12 +8637,12 @@
               </a:spcAft>
             </a:pPr>
             <a:r>
-              <a:rPr lang="fr-FR" sz="1200" b="1">
+              <a:rPr lang="en-US" sz="1200" b="1">
                 <a:latin typeface="+mj-lt"/>
                 <a:ea typeface="Open Sans" pitchFamily="34" charset="0"/>
                 <a:cs typeface="Open Sans" pitchFamily="34" charset="0"/>
               </a:rPr>
-              <a:t>Portail d’assistance 24/7</a:t>
+              <a:t>24/7 Support Portal</a:t>
             </a:r>
           </a:p>
         </p:txBody>
@@ -8030,7 +8662,7 @@
         <p:spPr>
           <a:xfrm>
             <a:off x="5376301" y="8618616"/>
-            <a:ext cx="2286000" cy="1113125"/>
+            <a:ext cx="2286000" cy="805349"/>
           </a:xfrm>
           <a:prstGeom prst="rect">
             <a:avLst/>
@@ -8043,16 +8675,16 @@
           <a:lstStyle/>
           <a:p>
             <a:r>
-              <a:rPr lang="fr-FR" sz="1000" dirty="0">
+              <a:rPr lang="en-US" sz="1000">
                 <a:solidFill>
                   <a:srgbClr val="000000"/>
                 </a:solidFill>
                 <a:latin typeface="Adobe Clean Light" panose="020B0303020404020204" pitchFamily="34" charset="0"/>
               </a:rPr>
-              <a:t>Accès à la demande au portail </a:t>
+              <a:t>On-demand access to the online </a:t>
             </a:r>
             <a:br>
-              <a:rPr lang="fr-FR" sz="1000" dirty="0">
+              <a:rPr lang="en-US" sz="1000">
                 <a:solidFill>
                   <a:srgbClr val="000000"/>
                 </a:solidFill>
@@ -8060,81 +8692,13 @@
               </a:rPr>
             </a:br>
             <a:r>
-              <a:rPr lang="fr-FR" sz="1000" dirty="0">
+              <a:rPr lang="en-US" sz="1000">
                 <a:solidFill>
                   <a:srgbClr val="000000"/>
                 </a:solidFill>
                 <a:latin typeface="Adobe Clean Light" panose="020B0303020404020204" pitchFamily="34" charset="0"/>
               </a:rPr>
-              <a:t>d’assistance d’aide automatique en ligne </a:t>
-            </a:r>
-            <a:br>
-              <a:rPr lang="sk-SK" sz="1000" dirty="0">
-                <a:solidFill>
-                  <a:srgbClr val="000000"/>
-                </a:solidFill>
-                <a:latin typeface="Adobe Clean Light" panose="020B0303020404020204" pitchFamily="34" charset="0"/>
-              </a:rPr>
-            </a:br>
-            <a:r>
-              <a:rPr lang="fr-FR" sz="1000" dirty="0">
-                <a:solidFill>
-                  <a:srgbClr val="000000"/>
-                </a:solidFill>
-                <a:latin typeface="Adobe Clean Light" panose="020B0303020404020204" pitchFamily="34" charset="0"/>
-              </a:rPr>
-              <a:t>pour envoyer des demandes d’assistance, </a:t>
-            </a:r>
-            <a:br>
-              <a:rPr lang="sk-SK" sz="1000" dirty="0">
-                <a:solidFill>
-                  <a:srgbClr val="000000"/>
-                </a:solidFill>
-                <a:latin typeface="Adobe Clean Light" panose="020B0303020404020204" pitchFamily="34" charset="0"/>
-              </a:rPr>
-            </a:br>
-            <a:r>
-              <a:rPr lang="fr-FR" sz="1000" dirty="0">
-                <a:solidFill>
-                  <a:srgbClr val="000000"/>
-                </a:solidFill>
-                <a:latin typeface="Adobe Clean Light" panose="020B0303020404020204" pitchFamily="34" charset="0"/>
-              </a:rPr>
-              <a:t>examiner le statut des cas et parcourir</a:t>
-            </a:r>
-            <a:br>
-              <a:rPr lang="sk-SK" sz="1000" dirty="0">
-                <a:solidFill>
-                  <a:srgbClr val="000000"/>
-                </a:solidFill>
-                <a:latin typeface="Adobe Clean Light" panose="020B0303020404020204" pitchFamily="34" charset="0"/>
-              </a:rPr>
-            </a:br>
-            <a:r>
-              <a:rPr lang="fr-FR" sz="1000" dirty="0">
-                <a:solidFill>
-                  <a:srgbClr val="000000"/>
-                </a:solidFill>
-                <a:latin typeface="Adobe Clean Light" panose="020B0303020404020204" pitchFamily="34" charset="0"/>
-              </a:rPr>
-              <a:t>d’autres ressources, telles que notre base </a:t>
-            </a:r>
-            <a:br>
-              <a:rPr lang="sk-SK" sz="1000" dirty="0">
-                <a:solidFill>
-                  <a:srgbClr val="000000"/>
-                </a:solidFill>
-                <a:latin typeface="Adobe Clean Light" panose="020B0303020404020204" pitchFamily="34" charset="0"/>
-              </a:rPr>
-            </a:br>
-            <a:r>
-              <a:rPr lang="fr-FR" sz="1000" dirty="0">
-                <a:solidFill>
-                  <a:srgbClr val="000000"/>
-                </a:solidFill>
-                <a:latin typeface="Adobe Clean Light" panose="020B0303020404020204" pitchFamily="34" charset="0"/>
-              </a:rPr>
-              <a:t>de connaissances, les actualités et les alertes, les conseils présentés, etc.</a:t>
+              <a:t>Self-help Support Portal to submit support requests, review case status, and browse other resources, like our knowledgebase, news and alerts, featured tips, and more.</a:t>
             </a:r>
           </a:p>
         </p:txBody>
@@ -8246,10 +8810,10 @@
           <a:lstStyle/>
           <a:p>
             <a:r>
-              <a:rPr lang="fr-FR" sz="1200" b="1">
+              <a:rPr lang="en-US" sz="1200" b="1">
                 <a:latin typeface="+mj-lt"/>
               </a:rPr>
-              <a:t>Services commerciaux</a:t>
+              <a:t>Business Services</a:t>
             </a:r>
           </a:p>
         </p:txBody>
@@ -8269,7 +8833,7 @@
         <p:spPr>
           <a:xfrm>
             <a:off x="370041" y="3875832"/>
-            <a:ext cx="2286000" cy="740780"/>
+            <a:ext cx="2286000" cy="558999"/>
           </a:xfrm>
           <a:prstGeom prst="rect">
             <a:avLst/>
@@ -8290,22 +8854,15 @@
               </a:spcBef>
             </a:pPr>
             <a:r>
-              <a:rPr lang="fr-FR" sz="1000" dirty="0">
+              <a:rPr lang="en-US" sz="1000">
                 <a:latin typeface="Adobe Clean Light" panose="020B0303020404020204" pitchFamily="34" charset="0"/>
               </a:rPr>
-              <a:t>Une assistance de compte principale hébergera des webinaires présentant </a:t>
-            </a:r>
-            <a:br>
-              <a:rPr lang="sk-SK" sz="1000" dirty="0">
-                <a:latin typeface="Adobe Clean Light" panose="020B0303020404020204" pitchFamily="34" charset="0"/>
-              </a:rPr>
-            </a:br>
-            <a:r>
-              <a:rPr lang="fr-FR" sz="1000" dirty="0">
-                <a:latin typeface="Adobe Clean Light" panose="020B0303020404020204" pitchFamily="34" charset="0"/>
-              </a:rPr>
-              <a:t>un aperçu des services d’assistance commerciale.  </a:t>
-            </a:r>
+              <a:t>An Account Support Lead will host webinars covering an overview of business support services.  </a:t>
+            </a:r>
+            <a:endParaRPr lang="en-US" sz="1000">
+              <a:latin typeface="Adobe Clean Light" panose="020B0303020404020204" pitchFamily="34" charset="0"/>
+              <a:cs typeface="AdobeClean-Light"/>
+            </a:endParaRPr>
           </a:p>
         </p:txBody>
       </p:sp>
@@ -8323,7 +8880,7 @@
         </p:nvSpPr>
         <p:spPr>
           <a:xfrm rot="5400000" flipH="1">
-            <a:off x="3863341" y="506167"/>
+            <a:off x="3863341" y="302967"/>
             <a:ext cx="45719" cy="5577840"/>
           </a:xfrm>
           <a:custGeom>
@@ -8774,12 +9331,12 @@
               <a:defRPr/>
             </a:pPr>
             <a:r>
-              <a:rPr lang="fr-FR" sz="1200">
+              <a:rPr lang="en-US" sz="1200">
                 <a:solidFill>
                   <a:srgbClr val="000000"/>
                 </a:solidFill>
               </a:rPr>
-              <a:t>Portail d’aide automatique</a:t>
+              <a:t>Self– Help Portal</a:t>
             </a:r>
           </a:p>
         </p:txBody>
@@ -8827,7 +9384,7 @@
               <a:defRPr/>
             </a:pPr>
             <a:r>
-              <a:rPr lang="fr-FR" sz="1200">
+              <a:rPr lang="en-US" sz="1200">
                 <a:solidFill>
                   <a:srgbClr val="000000"/>
                 </a:solidFill>
@@ -8889,15 +9446,49 @@
               </a:lnSpc>
             </a:pPr>
             <a:r>
-              <a:rPr lang="fr-FR" sz="500">
+              <a:rPr sz="500" spc="-5">
                 <a:solidFill>
                   <a:srgbClr val="6C6C6C"/>
                 </a:solidFill>
                 <a:latin typeface="Adobe Clean"/>
                 <a:cs typeface="Adobe Clean"/>
               </a:rPr>
-              <a:t>©2020 Adobe. All Rights Reserved. Données confidentielles Adobe</a:t>
-            </a:r>
+              <a:t>©2020 Adobe. All Rights Reserved. </a:t>
+            </a:r>
+            <a:r>
+              <a:rPr sz="500">
+                <a:solidFill>
+                  <a:srgbClr val="6C6C6C"/>
+                </a:solidFill>
+                <a:latin typeface="Adobe Clean"/>
+                <a:cs typeface="Adobe Clean"/>
+              </a:rPr>
+              <a:t>Adobe</a:t>
+            </a:r>
+            <a:r>
+              <a:rPr sz="500" spc="5">
+                <a:solidFill>
+                  <a:srgbClr val="6C6C6C"/>
+                </a:solidFill>
+                <a:latin typeface="Adobe Clean"/>
+                <a:cs typeface="Adobe Clean"/>
+              </a:rPr>
+              <a:t> </a:t>
+            </a:r>
+            <a:r>
+              <a:rPr sz="500" spc="-5">
+                <a:solidFill>
+                  <a:srgbClr val="6C6C6C"/>
+                </a:solidFill>
+                <a:latin typeface="Adobe Clean"/>
+                <a:cs typeface="Adobe Clean"/>
+              </a:rPr>
+              <a:t>Confidential.</a:t>
+            </a:r>
+            <a:endParaRPr sz="500">
+              <a:latin typeface="Adobe Clean"/>
+              <a:cs typeface="Adobe Clean"/>
+            </a:endParaRPr>
           </a:p>
           <a:p>
             <a:pPr>
@@ -8923,15 +9514,39 @@
               </a:spcBef>
             </a:pPr>
             <a:r>
-              <a:rPr lang="fr-FR" sz="800">
+              <a:rPr sz="800" spc="-5">
                 <a:solidFill>
                   <a:srgbClr val="6D6D6D"/>
                 </a:solidFill>
                 <a:latin typeface="Adobe Clean"/>
                 <a:cs typeface="Adobe Clean"/>
               </a:rPr>
-              <a:t>©2020 Adobe. All Rights Reserved. Données confidentielles Adobe</a:t>
-            </a:r>
+              <a:t>©2020 Adobe. All Rights Reserved. Adobe</a:t>
+            </a:r>
+            <a:r>
+              <a:rPr sz="800" spc="75">
+                <a:solidFill>
+                  <a:srgbClr val="6D6D6D"/>
+                </a:solidFill>
+                <a:latin typeface="Adobe Clean"/>
+                <a:cs typeface="Adobe Clean"/>
+              </a:rPr>
+              <a:t> </a:t>
+            </a:r>
+            <a:r>
+              <a:rPr sz="800" spc="-5">
+                <a:solidFill>
+                  <a:srgbClr val="6D6D6D"/>
+                </a:solidFill>
+                <a:latin typeface="Adobe Clean"/>
+                <a:cs typeface="Adobe Clean"/>
+              </a:rPr>
+              <a:t>Confidential.</a:t>
+            </a:r>
+            <a:endParaRPr sz="800">
+              <a:latin typeface="Adobe Clean"/>
+              <a:cs typeface="Adobe Clean"/>
+            </a:endParaRPr>
           </a:p>
         </p:txBody>
       </p:sp>
@@ -9015,15 +9630,19 @@
               </a:spcBef>
             </a:pPr>
             <a:r>
-              <a:rPr lang="fr-FR" sz="1400" b="1">
+              <a:rPr lang="en-US" sz="1400" b="1" spc="-15">
                 <a:solidFill>
                   <a:srgbClr val="020302"/>
                 </a:solidFill>
                 <a:latin typeface="Adobe Clean"/>
                 <a:cs typeface="Adobe Clean"/>
               </a:rPr>
-              <a:t>Ressources</a:t>
-            </a:r>
+              <a:t>Resources</a:t>
+            </a:r>
+            <a:endParaRPr sz="1400">
+              <a:latin typeface="Adobe Clean"/>
+              <a:cs typeface="Adobe Clean"/>
+            </a:endParaRPr>
           </a:p>
         </p:txBody>
       </p:sp>
@@ -9057,7 +9676,7 @@
               </a:spcBef>
             </a:pPr>
             <a:r>
-              <a:rPr lang="fr-FR" sz="800">
+              <a:rPr sz="800" spc="-15">
                 <a:solidFill>
                   <a:srgbClr val="777879"/>
                 </a:solidFill>
@@ -9066,6 +9685,10 @@
               </a:rPr>
               <a:t>Adobe</a:t>
             </a:r>
+            <a:endParaRPr sz="800">
+              <a:latin typeface="Adobe Clean"/>
+              <a:cs typeface="Adobe Clean"/>
+            </a:endParaRPr>
           </a:p>
           <a:p>
             <a:pPr marL="12700">
@@ -9074,15 +9697,39 @@
               </a:lnSpc>
             </a:pPr>
             <a:r>
-              <a:rPr lang="fr-FR" sz="800">
+              <a:rPr sz="800" spc="-15">
                 <a:solidFill>
                   <a:srgbClr val="777879"/>
                 </a:solidFill>
                 <a:latin typeface="Adobe Clean"/>
                 <a:cs typeface="Adobe Clean"/>
               </a:rPr>
-              <a:t>345 Park Avenue</a:t>
-            </a:r>
+              <a:t>345 Park</a:t>
+            </a:r>
+            <a:r>
+              <a:rPr sz="800" spc="-100">
+                <a:solidFill>
+                  <a:srgbClr val="777879"/>
+                </a:solidFill>
+                <a:latin typeface="Adobe Clean"/>
+                <a:cs typeface="Adobe Clean"/>
+              </a:rPr>
+              <a:t> </a:t>
+            </a:r>
+            <a:r>
+              <a:rPr sz="800" spc="-15">
+                <a:solidFill>
+                  <a:srgbClr val="777879"/>
+                </a:solidFill>
+                <a:latin typeface="Adobe Clean"/>
+                <a:cs typeface="Adobe Clean"/>
+              </a:rPr>
+              <a:t>Avenue</a:t>
+            </a:r>
+            <a:endParaRPr sz="800">
+              <a:latin typeface="Adobe Clean"/>
+              <a:cs typeface="Adobe Clean"/>
+            </a:endParaRPr>
           </a:p>
           <a:p>
             <a:pPr marL="12700">
@@ -9091,15 +9738,49 @@
               </a:lnSpc>
             </a:pPr>
             <a:r>
-              <a:rPr lang="fr-FR" sz="800">
+              <a:rPr sz="800" spc="-10">
                 <a:solidFill>
                   <a:srgbClr val="777879"/>
                 </a:solidFill>
                 <a:latin typeface="Adobe Clean"/>
                 <a:cs typeface="Adobe Clean"/>
               </a:rPr>
-              <a:t>San Jose, CA95110-2704</a:t>
-            </a:r>
+              <a:t>San </a:t>
+            </a:r>
+            <a:r>
+              <a:rPr sz="800" spc="-15">
+                <a:solidFill>
+                  <a:srgbClr val="777879"/>
+                </a:solidFill>
+                <a:latin typeface="Adobe Clean"/>
+                <a:cs typeface="Adobe Clean"/>
+              </a:rPr>
+              <a:t>Jose,</a:t>
+            </a:r>
+            <a:r>
+              <a:rPr sz="800" spc="-140">
+                <a:solidFill>
+                  <a:srgbClr val="777879"/>
+                </a:solidFill>
+                <a:latin typeface="Adobe Clean"/>
+                <a:cs typeface="Adobe Clean"/>
+              </a:rPr>
+              <a:t> </a:t>
+            </a:r>
+            <a:r>
+              <a:rPr sz="800" spc="-20">
+                <a:solidFill>
+                  <a:srgbClr val="777879"/>
+                </a:solidFill>
+                <a:latin typeface="Adobe Clean"/>
+                <a:cs typeface="Adobe Clean"/>
+              </a:rPr>
+              <a:t>CA95110-2704</a:t>
+            </a:r>
+            <a:endParaRPr sz="800">
+              <a:latin typeface="Adobe Clean"/>
+              <a:cs typeface="Adobe Clean"/>
+            </a:endParaRPr>
           </a:p>
           <a:p>
             <a:pPr marL="12700">
@@ -9111,15 +9792,19 @@
               </a:spcBef>
             </a:pPr>
             <a:r>
-              <a:rPr lang="fr-FR" sz="800">
+              <a:rPr sz="800" spc="-10">
                 <a:solidFill>
                   <a:srgbClr val="777879"/>
                 </a:solidFill>
                 <a:latin typeface="Adobe Clean"/>
                 <a:cs typeface="Adobe Clean"/>
               </a:rPr>
-              <a:t>États-Unis</a:t>
-            </a:r>
+              <a:t>USA</a:t>
+            </a:r>
+            <a:endParaRPr sz="800">
+              <a:latin typeface="Adobe Clean"/>
+              <a:cs typeface="Adobe Clean"/>
+            </a:endParaRPr>
           </a:p>
           <a:p>
             <a:pPr marL="12700">
@@ -9131,7 +9816,7 @@
               </a:spcBef>
             </a:pPr>
             <a:r>
-              <a:rPr lang="fr-FR" sz="800" u="sng">
+              <a:rPr sz="800" u="sng" spc="-25">
                 <a:solidFill>
                   <a:srgbClr val="5F5F5F"/>
                 </a:solidFill>
@@ -9144,8 +9829,12 @@
                 <a:cs typeface="Adobe Clean"/>
                 <a:hlinkClick r:id="rId3"/>
               </a:rPr>
-              <a:t>www.adobe.com/fr/</a:t>
-            </a:r>
+              <a:t>www.adobe.com</a:t>
+            </a:r>
+            <a:endParaRPr sz="800">
+              <a:latin typeface="Adobe Clean"/>
+              <a:cs typeface="Adobe Clean"/>
+            </a:endParaRPr>
           </a:p>
         </p:txBody>
       </p:sp>
@@ -9306,7 +9995,7 @@
           </a:prstGeom>
         </p:spPr>
         <p:txBody>
-          <a:bodyPr vert="horz" wrap="square" lIns="0" tIns="29845" rIns="0" bIns="0" rtlCol="0">
+          <a:bodyPr vert="horz" wrap="square" lIns="0" tIns="29845" rIns="0" bIns="0" rtlCol="0" anchor="t">
             <a:spAutoFit/>
           </a:bodyPr>
           <a:lstStyle/>
@@ -9320,15 +10009,439 @@
               </a:spcBef>
             </a:pPr>
             <a:r>
-              <a:rPr lang="fr-FR" sz="1100" i="1" dirty="0">
+              <a:rPr sz="1100" i="1" spc="-10">
                 <a:solidFill>
                   <a:srgbClr val="777879"/>
                 </a:solidFill>
                 <a:latin typeface="AdobeClean-LightIt"/>
                 <a:cs typeface="AdobeClean-LightIt"/>
               </a:rPr>
-              <a:t>Pour en apprendre plus sur les offres de l’assistance Adobe et sur le niveau qui vous convient, contactez votre gestionnaire de compte nommé (NAM) ou votre gestionnaire de réussite client (CSM)</a:t>
-            </a:r>
+              <a:t>To</a:t>
+            </a:r>
+            <a:r>
+              <a:rPr sz="1100" i="1" spc="-50">
+                <a:solidFill>
+                  <a:srgbClr val="777879"/>
+                </a:solidFill>
+                <a:latin typeface="AdobeClean-LightIt"/>
+                <a:cs typeface="AdobeClean-LightIt"/>
+              </a:rPr>
+              <a:t> </a:t>
+            </a:r>
+            <a:r>
+              <a:rPr sz="1100" i="1" spc="-15">
+                <a:solidFill>
+                  <a:srgbClr val="777879"/>
+                </a:solidFill>
+                <a:latin typeface="AdobeClean-LightIt"/>
+                <a:cs typeface="AdobeClean-LightIt"/>
+              </a:rPr>
+              <a:t>learn</a:t>
+            </a:r>
+            <a:r>
+              <a:rPr sz="1100" i="1" spc="-40">
+                <a:solidFill>
+                  <a:srgbClr val="777879"/>
+                </a:solidFill>
+                <a:latin typeface="AdobeClean-LightIt"/>
+                <a:cs typeface="AdobeClean-LightIt"/>
+              </a:rPr>
+              <a:t> </a:t>
+            </a:r>
+            <a:r>
+              <a:rPr sz="1100" i="1" spc="-15">
+                <a:solidFill>
+                  <a:srgbClr val="777879"/>
+                </a:solidFill>
+                <a:latin typeface="AdobeClean-LightIt"/>
+                <a:cs typeface="AdobeClean-LightIt"/>
+              </a:rPr>
+              <a:t>more</a:t>
+            </a:r>
+            <a:r>
+              <a:rPr sz="1100" i="1" spc="-45">
+                <a:solidFill>
+                  <a:srgbClr val="777879"/>
+                </a:solidFill>
+                <a:latin typeface="AdobeClean-LightIt"/>
+                <a:cs typeface="AdobeClean-LightIt"/>
+              </a:rPr>
+              <a:t> </a:t>
+            </a:r>
+            <a:r>
+              <a:rPr sz="1100" i="1" spc="-15">
+                <a:solidFill>
+                  <a:srgbClr val="777879"/>
+                </a:solidFill>
+                <a:latin typeface="AdobeClean-LightIt"/>
+                <a:cs typeface="AdobeClean-LightIt"/>
+              </a:rPr>
+              <a:t>about</a:t>
+            </a:r>
+            <a:r>
+              <a:rPr sz="1100" i="1" spc="-45">
+                <a:solidFill>
+                  <a:srgbClr val="777879"/>
+                </a:solidFill>
+                <a:latin typeface="AdobeClean-LightIt"/>
+                <a:cs typeface="AdobeClean-LightIt"/>
+              </a:rPr>
+              <a:t> </a:t>
+            </a:r>
+            <a:r>
+              <a:rPr sz="1100" i="1" spc="-15">
+                <a:solidFill>
+                  <a:srgbClr val="777879"/>
+                </a:solidFill>
+                <a:latin typeface="AdobeClean-LightIt"/>
+                <a:cs typeface="AdobeClean-LightIt"/>
+              </a:rPr>
+              <a:t>Adobe</a:t>
+            </a:r>
+            <a:r>
+              <a:rPr sz="1100" i="1" spc="-50">
+                <a:solidFill>
+                  <a:srgbClr val="777879"/>
+                </a:solidFill>
+                <a:latin typeface="AdobeClean-LightIt"/>
+                <a:cs typeface="AdobeClean-LightIt"/>
+              </a:rPr>
+              <a:t> </a:t>
+            </a:r>
+            <a:r>
+              <a:rPr sz="1100" i="1" spc="-15">
+                <a:solidFill>
+                  <a:srgbClr val="777879"/>
+                </a:solidFill>
+                <a:latin typeface="AdobeClean-LightIt"/>
+                <a:cs typeface="AdobeClean-LightIt"/>
+              </a:rPr>
+              <a:t>Support</a:t>
+            </a:r>
+            <a:r>
+              <a:rPr lang="en-US" sz="1100" i="1" spc="-15">
+                <a:solidFill>
+                  <a:srgbClr val="777879"/>
+                </a:solidFill>
+                <a:latin typeface="AdobeClean-LightIt"/>
+                <a:cs typeface="AdobeClean-LightIt"/>
+              </a:rPr>
+              <a:t> Offerings</a:t>
+            </a:r>
+            <a:r>
+              <a:rPr sz="1100" i="1" spc="-75">
+                <a:solidFill>
+                  <a:srgbClr val="777879"/>
+                </a:solidFill>
+                <a:latin typeface="AdobeClean-LightIt"/>
+                <a:cs typeface="AdobeClean-LightIt"/>
+              </a:rPr>
+              <a:t> </a:t>
+            </a:r>
+            <a:r>
+              <a:rPr sz="1100" i="1" spc="-15">
+                <a:solidFill>
+                  <a:srgbClr val="777879"/>
+                </a:solidFill>
+                <a:latin typeface="AdobeClean-LightIt"/>
+                <a:cs typeface="AdobeClean-LightIt"/>
+              </a:rPr>
+              <a:t>and</a:t>
+            </a:r>
+            <a:r>
+              <a:rPr sz="1100" i="1" spc="-50">
+                <a:solidFill>
+                  <a:srgbClr val="777879"/>
+                </a:solidFill>
+                <a:latin typeface="AdobeClean-LightIt"/>
+                <a:cs typeface="AdobeClean-LightIt"/>
+              </a:rPr>
+              <a:t> </a:t>
+            </a:r>
+            <a:r>
+              <a:rPr sz="1100" i="1" spc="-15">
+                <a:solidFill>
+                  <a:srgbClr val="777879"/>
+                </a:solidFill>
+                <a:latin typeface="AdobeClean-LightIt"/>
+                <a:cs typeface="AdobeClean-LightIt"/>
+              </a:rPr>
+              <a:t>the</a:t>
+            </a:r>
+            <a:r>
+              <a:rPr sz="1100" i="1" spc="-55">
+                <a:solidFill>
+                  <a:srgbClr val="777879"/>
+                </a:solidFill>
+                <a:latin typeface="AdobeClean-LightIt"/>
+                <a:cs typeface="AdobeClean-LightIt"/>
+              </a:rPr>
+              <a:t> </a:t>
+            </a:r>
+            <a:r>
+              <a:rPr sz="1100" i="1" spc="-15">
+                <a:solidFill>
+                  <a:srgbClr val="777879"/>
+                </a:solidFill>
+                <a:latin typeface="AdobeClean-LightIt"/>
+                <a:cs typeface="AdobeClean-LightIt"/>
+              </a:rPr>
+              <a:t>right</a:t>
+            </a:r>
+            <a:r>
+              <a:rPr sz="1100" i="1" spc="-95">
+                <a:solidFill>
+                  <a:srgbClr val="777879"/>
+                </a:solidFill>
+                <a:latin typeface="AdobeClean-LightIt"/>
+                <a:cs typeface="AdobeClean-LightIt"/>
+              </a:rPr>
+              <a:t> </a:t>
+            </a:r>
+            <a:r>
+              <a:rPr sz="1100" i="1" spc="-15">
+                <a:solidFill>
+                  <a:srgbClr val="777879"/>
+                </a:solidFill>
+                <a:latin typeface="AdobeClean-LightIt"/>
+                <a:cs typeface="AdobeClean-LightIt"/>
+              </a:rPr>
+              <a:t>level</a:t>
+            </a:r>
+            <a:r>
+              <a:rPr sz="1100" i="1" spc="-55">
+                <a:solidFill>
+                  <a:srgbClr val="777879"/>
+                </a:solidFill>
+                <a:latin typeface="AdobeClean-LightIt"/>
+                <a:cs typeface="AdobeClean-LightIt"/>
+              </a:rPr>
+              <a:t> </a:t>
+            </a:r>
+            <a:r>
+              <a:rPr sz="1100" i="1" spc="-15">
+                <a:solidFill>
+                  <a:srgbClr val="777879"/>
+                </a:solidFill>
+                <a:latin typeface="AdobeClean-LightIt"/>
+                <a:cs typeface="AdobeClean-LightIt"/>
+              </a:rPr>
+              <a:t>for</a:t>
+            </a:r>
+            <a:r>
+              <a:rPr sz="1100" i="1" spc="-85">
+                <a:solidFill>
+                  <a:srgbClr val="777879"/>
+                </a:solidFill>
+                <a:latin typeface="AdobeClean-LightIt"/>
+                <a:cs typeface="AdobeClean-LightIt"/>
+              </a:rPr>
+              <a:t> </a:t>
+            </a:r>
+            <a:r>
+              <a:rPr sz="1100" i="1" spc="-15">
+                <a:solidFill>
+                  <a:srgbClr val="777879"/>
+                </a:solidFill>
+                <a:latin typeface="AdobeClean-LightIt"/>
+                <a:cs typeface="AdobeClean-LightIt"/>
+              </a:rPr>
+              <a:t>you,</a:t>
+            </a:r>
+            <a:r>
+              <a:rPr sz="1100" i="1" spc="-65">
+                <a:solidFill>
+                  <a:srgbClr val="777879"/>
+                </a:solidFill>
+                <a:latin typeface="AdobeClean-LightIt"/>
+                <a:cs typeface="AdobeClean-LightIt"/>
+              </a:rPr>
+              <a:t> </a:t>
+            </a:r>
+            <a:r>
+              <a:rPr sz="1100" i="1" spc="-15">
+                <a:solidFill>
+                  <a:srgbClr val="777879"/>
+                </a:solidFill>
+                <a:latin typeface="AdobeClean-LightIt"/>
+                <a:cs typeface="AdobeClean-LightIt"/>
+              </a:rPr>
+              <a:t>contact</a:t>
+            </a:r>
+            <a:r>
+              <a:rPr sz="1100" i="1" spc="-85">
+                <a:solidFill>
+                  <a:srgbClr val="777879"/>
+                </a:solidFill>
+                <a:latin typeface="AdobeClean-LightIt"/>
+                <a:cs typeface="AdobeClean-LightIt"/>
+              </a:rPr>
+              <a:t> </a:t>
+            </a:r>
+            <a:r>
+              <a:rPr sz="1100" i="1" spc="-15">
+                <a:solidFill>
+                  <a:srgbClr val="777879"/>
+                </a:solidFill>
+                <a:latin typeface="AdobeClean-LightIt"/>
+                <a:cs typeface="AdobeClean-LightIt"/>
+              </a:rPr>
+              <a:t>your</a:t>
+            </a:r>
+            <a:r>
+              <a:rPr sz="1100" i="1" spc="-70">
+                <a:solidFill>
+                  <a:srgbClr val="777879"/>
+                </a:solidFill>
+                <a:latin typeface="AdobeClean-LightIt"/>
+                <a:cs typeface="AdobeClean-LightIt"/>
+              </a:rPr>
+              <a:t> </a:t>
+            </a:r>
+            <a:r>
+              <a:rPr sz="1100" i="1" spc="-15">
+                <a:solidFill>
+                  <a:srgbClr val="777879"/>
+                </a:solidFill>
+                <a:latin typeface="AdobeClean-LightIt"/>
+                <a:cs typeface="AdobeClean-LightIt"/>
+              </a:rPr>
+              <a:t>Named</a:t>
+            </a:r>
+            <a:r>
+              <a:rPr sz="1100" i="1" spc="-55">
+                <a:solidFill>
+                  <a:srgbClr val="777879"/>
+                </a:solidFill>
+                <a:latin typeface="AdobeClean-LightIt"/>
+                <a:cs typeface="AdobeClean-LightIt"/>
+              </a:rPr>
+              <a:t> </a:t>
+            </a:r>
+            <a:r>
+              <a:rPr sz="1100" i="1" spc="-25">
+                <a:solidFill>
+                  <a:srgbClr val="777879"/>
+                </a:solidFill>
+                <a:latin typeface="AdobeClean-LightIt"/>
+                <a:cs typeface="AdobeClean-LightIt"/>
+              </a:rPr>
+              <a:t>Account</a:t>
+            </a:r>
+            <a:r>
+              <a:rPr sz="1100" i="1" spc="-120">
+                <a:solidFill>
+                  <a:srgbClr val="777879"/>
+                </a:solidFill>
+                <a:latin typeface="AdobeClean-LightIt"/>
+                <a:cs typeface="AdobeClean-LightIt"/>
+              </a:rPr>
+              <a:t> </a:t>
+            </a:r>
+            <a:r>
+              <a:rPr sz="1100" i="1" spc="-20">
+                <a:solidFill>
+                  <a:srgbClr val="777879"/>
+                </a:solidFill>
+                <a:latin typeface="AdobeClean-LightIt"/>
+                <a:cs typeface="AdobeClean-LightIt"/>
+              </a:rPr>
+              <a:t>Manager</a:t>
+            </a:r>
+            <a:r>
+              <a:rPr lang="en-US" sz="1100" i="1" spc="-20">
+                <a:solidFill>
+                  <a:srgbClr val="777879"/>
+                </a:solidFill>
+                <a:latin typeface="AdobeClean-LightIt"/>
+                <a:cs typeface="AdobeClean-LightIt"/>
+              </a:rPr>
+              <a:t> </a:t>
+            </a:r>
+            <a:r>
+              <a:rPr sz="1100" i="1" spc="-20">
+                <a:solidFill>
+                  <a:srgbClr val="777879"/>
+                </a:solidFill>
+                <a:latin typeface="AdobeClean-LightIt"/>
+                <a:cs typeface="AdobeClean-LightIt"/>
+              </a:rPr>
+              <a:t> </a:t>
+            </a:r>
+            <a:r>
+              <a:rPr sz="1100" i="1" spc="-15">
+                <a:solidFill>
+                  <a:srgbClr val="777879"/>
+                </a:solidFill>
+                <a:latin typeface="AdobeClean-LightIt"/>
+                <a:cs typeface="AdobeClean-LightIt"/>
+              </a:rPr>
+              <a:t>(NAM) </a:t>
+            </a:r>
+            <a:r>
+              <a:rPr sz="1100" i="1" spc="-10">
+                <a:solidFill>
+                  <a:srgbClr val="777879"/>
+                </a:solidFill>
+                <a:latin typeface="AdobeClean-LightIt"/>
+                <a:cs typeface="AdobeClean-LightIt"/>
+              </a:rPr>
+              <a:t>or </a:t>
+            </a:r>
+            <a:r>
+              <a:rPr sz="1100" i="1" spc="-15">
+                <a:solidFill>
+                  <a:srgbClr val="777879"/>
+                </a:solidFill>
+                <a:latin typeface="AdobeClean-LightIt"/>
+                <a:cs typeface="AdobeClean-LightIt"/>
+              </a:rPr>
+              <a:t>Customer</a:t>
+            </a:r>
+            <a:r>
+              <a:rPr lang="en-US" sz="1100" i="1" spc="-15">
+                <a:solidFill>
+                  <a:srgbClr val="777879"/>
+                </a:solidFill>
+                <a:latin typeface="AdobeClean-LightIt"/>
+                <a:cs typeface="AdobeClean-LightIt"/>
+              </a:rPr>
+              <a:t> </a:t>
+            </a:r>
+            <a:r>
+              <a:rPr lang="en-US" sz="1100" i="1" spc="-20">
+                <a:solidFill>
+                  <a:srgbClr val="777879"/>
+                </a:solidFill>
+                <a:latin typeface="AdobeClean-LightIt"/>
+                <a:cs typeface="AdobeClean-LightIt"/>
+              </a:rPr>
+              <a:t>Success </a:t>
+            </a:r>
+            <a:r>
+              <a:rPr lang="en-US" sz="1100" i="1" spc="-15">
+                <a:solidFill>
+                  <a:srgbClr val="777879"/>
+                </a:solidFill>
+                <a:latin typeface="AdobeClean-LightIt"/>
+                <a:cs typeface="AdobeClean-LightIt"/>
+              </a:rPr>
+              <a:t>Manager </a:t>
+            </a:r>
+            <a:r>
+              <a:rPr sz="1100" i="1" spc="-15">
+                <a:solidFill>
+                  <a:srgbClr val="777879"/>
+                </a:solidFill>
+                <a:latin typeface="AdobeClean-LightIt"/>
+                <a:cs typeface="AdobeClean-LightIt"/>
+              </a:rPr>
+              <a:t>(CSM)</a:t>
+            </a:r>
+            <a:endParaRPr sz="1100">
+              <a:latin typeface="AdobeClean-LightIt"/>
+              <a:cs typeface="AdobeClean-LightIt"/>
+            </a:endParaRPr>
           </a:p>
           <a:p>
             <a:pPr marL="34290">
@@ -9340,55 +10453,59 @@
               </a:spcBef>
             </a:pPr>
             <a:r>
-              <a:rPr lang="fr-FR" sz="800" dirty="0">
+              <a:rPr sz="800" spc="-5">
                 <a:solidFill>
                   <a:srgbClr val="6D6D6D"/>
                 </a:solidFill>
                 <a:latin typeface="Adobe Clean"/>
                 <a:cs typeface="Adobe Clean"/>
               </a:rPr>
-              <a:t>©2021 Adobe. All </a:t>
-            </a:r>
-            <a:r>
-              <a:rPr lang="fr-FR" sz="800" dirty="0" err="1">
+              <a:t>©202</a:t>
+            </a:r>
+            <a:r>
+              <a:rPr lang="en-US" sz="800" spc="-5">
                 <a:solidFill>
                   <a:srgbClr val="6D6D6D"/>
                 </a:solidFill>
                 <a:latin typeface="Adobe Clean"/>
                 <a:cs typeface="Adobe Clean"/>
               </a:rPr>
-              <a:t>Rights</a:t>
-            </a:r>
-            <a:r>
-              <a:rPr lang="fr-FR" sz="800" dirty="0">
+              <a:t>1</a:t>
+            </a:r>
+            <a:r>
+              <a:rPr sz="800" spc="-5">
                 <a:solidFill>
                   <a:srgbClr val="6D6D6D"/>
                 </a:solidFill>
                 <a:latin typeface="Adobe Clean"/>
                 <a:cs typeface="Adobe Clean"/>
               </a:rPr>
-              <a:t> </a:t>
-            </a:r>
-            <a:r>
-              <a:rPr lang="fr-FR" sz="800" dirty="0" err="1">
+              <a:t> Adobe. All Rights Reserved. Adobe</a:t>
+            </a:r>
+            <a:r>
+              <a:rPr sz="800" spc="75">
                 <a:solidFill>
                   <a:srgbClr val="6D6D6D"/>
                 </a:solidFill>
                 <a:latin typeface="Adobe Clean"/>
                 <a:cs typeface="Adobe Clean"/>
               </a:rPr>
-              <a:t>Reserved</a:t>
-            </a:r>
-            <a:r>
-              <a:rPr lang="fr-FR" sz="800" dirty="0">
+              <a:t> </a:t>
+            </a:r>
+            <a:r>
+              <a:rPr sz="800" spc="-5">
                 <a:solidFill>
                   <a:srgbClr val="6D6D6D"/>
                 </a:solidFill>
                 <a:latin typeface="Adobe Clean"/>
                 <a:cs typeface="Adobe Clean"/>
               </a:rPr>
-              <a:t>. Données confidentielles Adobe</a:t>
-            </a:r>
+              <a:t>Confidential.</a:t>
+            </a:r>
+            <a:endParaRPr sz="800">
+              <a:latin typeface="Adobe Clean"/>
+              <a:cs typeface="Adobe Clean"/>
+            </a:endParaRPr>
           </a:p>
         </p:txBody>
       </p:sp>
@@ -9406,8 +10523,8 @@
         </p:nvSpPr>
         <p:spPr>
           <a:xfrm>
-            <a:off x="197232" y="5063020"/>
-            <a:ext cx="7029067" cy="755976"/>
+            <a:off x="197233" y="5031270"/>
+            <a:ext cx="6476646" cy="755976"/>
           </a:xfrm>
           <a:prstGeom prst="rect">
             <a:avLst/>
@@ -9425,15 +10542,19 @@
               </a:spcBef>
             </a:pPr>
             <a:r>
-              <a:rPr lang="fr-FR" sz="1400" b="1" dirty="0">
+              <a:rPr lang="en-US" sz="1400" b="1" spc="-15">
                 <a:solidFill>
                   <a:srgbClr val="020302"/>
                 </a:solidFill>
                 <a:latin typeface="Adobe Clean"/>
                 <a:cs typeface="Adobe Clean"/>
               </a:rPr>
-              <a:t>Portée régionale de l’assistance Adobe, heures ouvrables locales et assistance linguistique</a:t>
-            </a:r>
+              <a:t>Regional scope of Adobe Support, Local Hours Of Operation And Language Support</a:t>
+            </a:r>
+            <a:endParaRPr lang="en-US" sz="1400" spc="-15">
+              <a:ea typeface="+mn-lt"/>
+              <a:cs typeface="+mn-lt"/>
+            </a:endParaRPr>
           </a:p>
           <a:p>
             <a:pPr>
@@ -9442,14 +10563,15 @@
               </a:spcBef>
             </a:pPr>
             <a:r>
-              <a:rPr lang="fr-FR" sz="1000" dirty="0">
+              <a:rPr lang="en-US" sz="1000" spc="-15">
                 <a:solidFill>
                   <a:srgbClr val="1F1F1F"/>
                 </a:solidFill>
                 <a:latin typeface="AdobeClean-Light"/>
               </a:rPr>
-              <a:t>La portée régionale de l’assistance Adobe est définie par l’alignement de l’adresse de facturation du client (se trouvant sur le bon de commande ou tout autre document d’achat de l’assistance Adobe) avec l’une des régions suivantes :</a:t>
-            </a:r>
+              <a:t>The Regional scope of Adobe Support is established by aligning the customer's billing address (via the Sales Order or other Adobe Support purchasing document) to one of the following regions:</a:t>
+            </a:r>
+            <a:endParaRPr lang="en-US"/>
           </a:p>
         </p:txBody>
       </p:sp>
@@ -9521,13 +10643,13 @@
                     <a:p>
                       <a:pPr algn="ctr"/>
                       <a:r>
-                        <a:rPr lang="fr-FR" sz="1100">
+                        <a:rPr lang="en-US" sz="1100">
                           <a:solidFill>
                             <a:schemeClr val="tx1"/>
                           </a:solidFill>
                           <a:latin typeface="Adobe Clean"/>
                         </a:rPr>
-                        <a:t>Amériques</a:t>
+                        <a:t>Americas</a:t>
                       </a:r>
                     </a:p>
                   </a:txBody>
@@ -9586,13 +10708,13 @@
                     <a:p>
                       <a:pPr algn="ctr"/>
                       <a:r>
-                        <a:rPr lang="fr-FR" sz="1100">
+                        <a:rPr lang="en-US" sz="1100">
                           <a:solidFill>
                             <a:schemeClr val="tx1"/>
                           </a:solidFill>
                           <a:latin typeface="Adobe Clean"/>
                         </a:rPr>
-                        <a:t>Europe, Moyen-Orient et Afrique</a:t>
+                        <a:t>Europe, Middle East &amp; Africa</a:t>
                       </a:r>
                     </a:p>
                   </a:txBody>
@@ -9651,13 +10773,13 @@
                     <a:p>
                       <a:pPr algn="ctr"/>
                       <a:r>
-                        <a:rPr lang="fr-FR" sz="1100">
+                        <a:rPr lang="en-US" sz="1100">
                           <a:solidFill>
                             <a:schemeClr val="tx1"/>
                           </a:solidFill>
                           <a:latin typeface="Adobe Clean"/>
                         </a:rPr>
-                        <a:t>Asie-Pacifique</a:t>
+                        <a:t>Asia Pacific</a:t>
                       </a:r>
                     </a:p>
                   </a:txBody>
@@ -9716,16 +10838,16 @@
                     <a:p>
                       <a:pPr algn="ctr"/>
                       <a:r>
-                        <a:rPr lang="fr-FR" sz="1100">
+                        <a:rPr lang="en-US" sz="1100">
                           <a:solidFill>
                             <a:schemeClr val="tx1"/>
                           </a:solidFill>
                           <a:latin typeface="Adobe Clean"/>
                         </a:rPr>
-                        <a:t>Japon </a:t>
+                        <a:t>Japan </a:t>
                       </a:r>
                       <a:r>
-                        <a:rPr lang="fr-FR" sz="1100" baseline="30000">
+                        <a:rPr lang="en-US" sz="1100" baseline="30000">
                           <a:solidFill>
                             <a:schemeClr val="tx1"/>
                           </a:solidFill>
@@ -9733,6 +10855,12 @@
                         </a:rPr>
                         <a:t>1 </a:t>
                       </a:r>
+                      <a:endParaRPr lang="en-US" sz="1100">
+                        <a:solidFill>
+                          <a:schemeClr val="tx1"/>
+                        </a:solidFill>
+                        <a:latin typeface="Adobe Clean" panose="020B0503020404020204" pitchFamily="34" charset="0"/>
+                      </a:endParaRPr>
                     </a:p>
                   </a:txBody>
                   <a:tcPr anchor="ctr">
@@ -9797,13 +10925,13 @@
                     <a:p>
                       <a:pPr algn="ctr"/>
                       <a:r>
-                        <a:rPr lang="fr-FR" sz="1100">
+                        <a:rPr lang="en-US" sz="1100">
                           <a:solidFill>
                             <a:schemeClr val="tx1"/>
                           </a:solidFill>
                           <a:latin typeface="Adobe Clean"/>
                         </a:rPr>
-                        <a:t>6 h 00 à 17 h 30</a:t>
+                        <a:t>6 am – 5:30 pm</a:t>
                       </a:r>
                     </a:p>
                   </a:txBody>
@@ -9862,13 +10990,13 @@
                     <a:p>
                       <a:pPr algn="ctr"/>
                       <a:r>
-                        <a:rPr lang="fr-FR" sz="1100">
+                        <a:rPr lang="en-US" sz="1100">
                           <a:solidFill>
                             <a:schemeClr val="tx1"/>
                           </a:solidFill>
                           <a:latin typeface="Adobe Clean"/>
                         </a:rPr>
-                        <a:t>9 h 00 à 17 h 00</a:t>
+                        <a:t>9 am – 5 pm</a:t>
                       </a:r>
                     </a:p>
                   </a:txBody>
@@ -9927,13 +11055,13 @@
                     <a:p>
                       <a:pPr algn="ctr"/>
                       <a:r>
-                        <a:rPr lang="fr-FR" sz="1100">
+                        <a:rPr lang="en-US" sz="1100">
                           <a:solidFill>
                             <a:schemeClr val="tx1"/>
                           </a:solidFill>
                           <a:latin typeface="Adobe Clean"/>
                         </a:rPr>
-                        <a:t>9 h 00 à 17 h 00</a:t>
+                        <a:t>9 am – 5 pm</a:t>
                       </a:r>
                     </a:p>
                   </a:txBody>
@@ -9992,13 +11120,13 @@
                     <a:p>
                       <a:pPr algn="ctr"/>
                       <a:r>
-                        <a:rPr lang="fr-FR" sz="1100">
+                        <a:rPr lang="en-US" sz="1100">
                           <a:solidFill>
                             <a:schemeClr val="tx1"/>
                           </a:solidFill>
                           <a:latin typeface="Adobe Clean"/>
                         </a:rPr>
-                        <a:t>9 h 00 à 17 h 30</a:t>
+                        <a:t>9 am – 5:30 pm</a:t>
                       </a:r>
                     </a:p>
                   </a:txBody>
@@ -10078,10 +11206,11 @@
                         <a:buNone/>
                       </a:pPr>
                       <a:r>
-                        <a:rPr lang="fr-FR" sz="1100" b="1" i="0" u="none" strike="noStrike" cap="none" normalizeH="0" baseline="30000" noProof="0">
+                        <a:rPr lang="en-US" sz="1100" b="1" i="0" u="none" strike="noStrike" kern="0" cap="none" spc="0" normalizeH="0" baseline="30000" noProof="0">
                           <a:ln>
                             <a:noFill/>
                           </a:ln>
+                          <a:effectLst/>
                           <a:uLnTx/>
                           <a:uFillTx/>
                           <a:latin typeface="Adobe Clean"/>
@@ -10091,16 +11220,17 @@
                         <a:t> </a:t>
                       </a:r>
                       <a:r>
-                        <a:rPr lang="fr-FR" sz="1100">
+                        <a:rPr lang="en-US" sz="1100">
                           <a:solidFill>
                             <a:schemeClr val="tx1"/>
                           </a:solidFill>
                           <a:latin typeface="Adobe Clean"/>
-                          <a:ea typeface="+mn-ea"/>
-                          <a:cs typeface="+mn-cs"/>
                         </a:rPr>
-                        <a:t>L’assistance linguistique est uniquement disponible en anglais et en japonais.</a:t>
+                        <a:t>Language support is only available in English and Japanese.</a:t>
                       </a:r>
+                      <a:endParaRPr lang="en-US">
+                        <a:latin typeface="Adobe Clean"/>
+                      </a:endParaRPr>
                     </a:p>
                     <a:p>
                       <a:pPr marL="0" marR="0" lvl="0" indent="0" algn="ctr">
@@ -10119,17 +11249,17 @@
                         <a:buNone/>
                       </a:pPr>
                       <a:r>
-                        <a:rPr lang="fr-FR" sz="1100" i="1">
+                        <a:rPr lang="en-US" sz="1100" i="1">
                           <a:solidFill>
                             <a:schemeClr val="tx1"/>
                           </a:solidFill>
                           <a:latin typeface="Adobe Clean"/>
                         </a:rPr>
-                        <a:t>*Adobe Commerce exclut l’assistance linguistique japonaise.</a:t>
+                        <a:t>*Adobe Commerce excludes Japanese languages support.</a:t>
                       </a:r>
                     </a:p>
                     <a:p>
-                      <a:pPr algn="l" rtl="0"/>
+                      <a:pPr algn="ctr"/>
                       <a:endParaRPr kumimoji="0" lang="en-US" sz="1100" b="1" i="0" u="none" strike="noStrike" kern="0" cap="none" spc="0" normalizeH="0" baseline="30000" noProof="0">
                         <a:ln>
                           <a:noFill/>
@@ -10148,7 +11278,7 @@
                     <a:p>
                       <a:pPr algn="ctr"/>
                       <a:r>
-                        <a:rPr lang="fr-FR" sz="1100" i="0">
+                        <a:rPr lang="en-US" sz="1100" i="0">
                           <a:solidFill>
                             <a:schemeClr val="tx1"/>
                           </a:solidFill>
@@ -10157,7 +11287,7 @@
                         <a:t> </a:t>
                       </a:r>
                       <a:r>
-                        <a:rPr lang="fr-FR" sz="1100" i="0" baseline="30000">
+                        <a:rPr lang="en-US" sz="1100" i="0" baseline="30000">
                           <a:solidFill>
                             <a:schemeClr val="tx1"/>
                           </a:solidFill>
@@ -10166,14 +11296,20 @@
                         <a:t>1 </a:t>
                       </a:r>
                       <a:r>
-                        <a:rPr lang="fr-FR" sz="1100" i="0">
+                        <a:rPr lang="en-US" sz="1100" i="0">
                           <a:solidFill>
                             <a:schemeClr val="tx1"/>
                           </a:solidFill>
                           <a:latin typeface="Adobe Clean"/>
                         </a:rPr>
-                        <a:t>Les cas P2, P3 et P4 sont limités aux heures ouvrables uniquement au Japon.</a:t>
+                        <a:t>P2, P3, P4 cases are limited to business hours only in Japan.</a:t>
                       </a:r>
+                      <a:endParaRPr lang="en-US" sz="1100" b="1" i="0">
+                        <a:solidFill>
+                          <a:schemeClr val="tx1"/>
+                        </a:solidFill>
+                        <a:latin typeface="Adobe Clean"/>
+                      </a:endParaRPr>
                     </a:p>
                   </a:txBody>
                   <a:tcPr anchor="ctr">
@@ -10515,8 +11651,8 @@
         </p:nvSpPr>
         <p:spPr>
           <a:xfrm>
-            <a:off x="2726571" y="8528519"/>
-            <a:ext cx="1045329" cy="385445"/>
+            <a:off x="2840871" y="8528519"/>
+            <a:ext cx="810895" cy="385445"/>
           </a:xfrm>
           <a:prstGeom prst="rect">
             <a:avLst/>
@@ -10528,7 +11664,7 @@
           </a:bodyPr>
           <a:lstStyle/>
           <a:p>
-            <a:pPr marR="5080" algn="ctr">
+            <a:pPr marL="139065" marR="5080" indent="-139065">
               <a:lnSpc>
                 <a:spcPts val="1390"/>
               </a:lnSpc>
@@ -10537,15 +11673,129 @@
               </a:spcBef>
             </a:pPr>
             <a:r>
-              <a:rPr lang="fr-FR" sz="1200" b="1" dirty="0">
+              <a:rPr sz="1200" b="1" spc="-15">
                 <a:solidFill>
                   <a:srgbClr val="FFFFFF"/>
                 </a:solidFill>
                 <a:latin typeface="Adobe Clean"/>
                 <a:cs typeface="Adobe Clean"/>
               </a:rPr>
-              <a:t>Expertise incomparable</a:t>
-            </a:r>
+              <a:t>U</a:t>
+            </a:r>
+            <a:r>
+              <a:rPr sz="1200" b="1" spc="-20">
+                <a:solidFill>
+                  <a:srgbClr val="FFFFFF"/>
+                </a:solidFill>
+                <a:latin typeface="Adobe Clean"/>
+                <a:cs typeface="Adobe Clean"/>
+              </a:rPr>
+              <a:t>n</a:t>
+            </a:r>
+            <a:r>
+              <a:rPr sz="1200" b="1" spc="-25">
+                <a:solidFill>
+                  <a:srgbClr val="FFFFFF"/>
+                </a:solidFill>
+                <a:latin typeface="Adobe Clean"/>
+                <a:cs typeface="Adobe Clean"/>
+              </a:rPr>
+              <a:t>p</a:t>
+            </a:r>
+            <a:r>
+              <a:rPr sz="1200" b="1" spc="-15">
+                <a:solidFill>
+                  <a:srgbClr val="FFFFFF"/>
+                </a:solidFill>
+                <a:latin typeface="Adobe Clean"/>
+                <a:cs typeface="Adobe Clean"/>
+              </a:rPr>
+              <a:t>a</a:t>
+            </a:r>
+            <a:r>
+              <a:rPr sz="1200" b="1" spc="-25">
+                <a:solidFill>
+                  <a:srgbClr val="FFFFFF"/>
+                </a:solidFill>
+                <a:latin typeface="Adobe Clean"/>
+                <a:cs typeface="Adobe Clean"/>
+              </a:rPr>
+              <a:t>r</a:t>
+            </a:r>
+            <a:r>
+              <a:rPr sz="1200" b="1" spc="-15">
+                <a:solidFill>
+                  <a:srgbClr val="FFFFFF"/>
+                </a:solidFill>
+                <a:latin typeface="Adobe Clean"/>
+                <a:cs typeface="Adobe Clean"/>
+              </a:rPr>
+              <a:t>a</a:t>
+            </a:r>
+            <a:r>
+              <a:rPr sz="1200" b="1" spc="-30">
+                <a:solidFill>
+                  <a:srgbClr val="FFFFFF"/>
+                </a:solidFill>
+                <a:latin typeface="Adobe Clean"/>
+                <a:cs typeface="Adobe Clean"/>
+              </a:rPr>
+              <a:t>ll</a:t>
+            </a:r>
+            <a:r>
+              <a:rPr sz="1200" b="1" spc="-25">
+                <a:solidFill>
+                  <a:srgbClr val="FFFFFF"/>
+                </a:solidFill>
+                <a:latin typeface="Adobe Clean"/>
+                <a:cs typeface="Adobe Clean"/>
+              </a:rPr>
+              <a:t>e</a:t>
+            </a:r>
+            <a:r>
+              <a:rPr sz="1200" b="1" spc="-30">
+                <a:solidFill>
+                  <a:srgbClr val="FFFFFF"/>
+                </a:solidFill>
+                <a:latin typeface="Adobe Clean"/>
+                <a:cs typeface="Adobe Clean"/>
+              </a:rPr>
+              <a:t>l</a:t>
+            </a:r>
+            <a:r>
+              <a:rPr sz="1200" b="1" spc="-25">
+                <a:solidFill>
+                  <a:srgbClr val="FFFFFF"/>
+                </a:solidFill>
+                <a:latin typeface="Adobe Clean"/>
+                <a:cs typeface="Adobe Clean"/>
+              </a:rPr>
+              <a:t>e</a:t>
+            </a:r>
+            <a:r>
+              <a:rPr sz="1200" b="1">
+                <a:solidFill>
+                  <a:srgbClr val="FFFFFF"/>
+                </a:solidFill>
+                <a:latin typeface="Adobe Clean"/>
+                <a:cs typeface="Adobe Clean"/>
+              </a:rPr>
+              <a:t>d  </a:t>
+            </a:r>
+            <a:r>
+              <a:rPr sz="1200" b="1" spc="-25">
+                <a:solidFill>
+                  <a:srgbClr val="FFFFFF"/>
+                </a:solidFill>
+                <a:latin typeface="Adobe Clean"/>
+                <a:cs typeface="Adobe Clean"/>
+              </a:rPr>
+              <a:t>Expertise</a:t>
+            </a:r>
+            <a:endParaRPr sz="1200">
+              <a:latin typeface="Adobe Clean"/>
+              <a:cs typeface="Adobe Clean"/>
+            </a:endParaRPr>
           </a:p>
         </p:txBody>
       </p:sp>
@@ -10563,7 +11813,7 @@
         </p:nvSpPr>
         <p:spPr>
           <a:xfrm>
-            <a:off x="4668995" y="8541244"/>
+            <a:off x="4732495" y="8541244"/>
             <a:ext cx="810895" cy="382797"/>
           </a:xfrm>
           <a:prstGeom prst="rect">
@@ -10576,7 +11826,7 @@
           </a:bodyPr>
           <a:lstStyle/>
           <a:p>
-            <a:pPr marR="5080" algn="ctr">
+            <a:pPr marL="139065" marR="5080" indent="-139065">
               <a:lnSpc>
                 <a:spcPts val="1390"/>
               </a:lnSpc>
@@ -10585,15 +11835,19 @@
               </a:spcBef>
             </a:pPr>
             <a:r>
-              <a:rPr lang="fr-FR" sz="1200" b="1" dirty="0">
+              <a:rPr lang="en-US" sz="1200" b="1" spc="-15">
                 <a:solidFill>
                   <a:srgbClr val="FFFFFF"/>
                 </a:solidFill>
                 <a:latin typeface="Adobe Clean"/>
                 <a:cs typeface="Adobe Clean"/>
               </a:rPr>
-              <a:t>Assistance accélérée</a:t>
-            </a:r>
+              <a:t>Accelerated Support</a:t>
+            </a:r>
+            <a:endParaRPr sz="1200">
+              <a:latin typeface="Adobe Clean"/>
+              <a:cs typeface="Adobe Clean"/>
+            </a:endParaRPr>
           </a:p>
         </p:txBody>
       </p:sp>
@@ -10611,8 +11865,8 @@
         </p:nvSpPr>
         <p:spPr>
           <a:xfrm>
-            <a:off x="6497118" y="8543943"/>
-            <a:ext cx="760931" cy="382797"/>
+            <a:off x="6624119" y="8543943"/>
+            <a:ext cx="510540" cy="385445"/>
           </a:xfrm>
           <a:prstGeom prst="rect">
             <a:avLst/>
@@ -10624,7 +11878,7 @@
           </a:bodyPr>
           <a:lstStyle/>
           <a:p>
-            <a:pPr marR="5080" algn="ctr">
+            <a:pPr marL="50800" marR="5080" indent="-51435">
               <a:lnSpc>
                 <a:spcPts val="1390"/>
               </a:lnSpc>
@@ -10633,15 +11887,109 @@
               </a:spcBef>
             </a:pPr>
             <a:r>
-              <a:rPr lang="fr-FR" sz="1200" b="1" dirty="0">
+              <a:rPr sz="1200" b="1" spc="-50">
                 <a:solidFill>
                   <a:srgbClr val="FFFFFF"/>
                 </a:solidFill>
                 <a:latin typeface="Adobe Clean"/>
                 <a:cs typeface="Adobe Clean"/>
               </a:rPr>
-              <a:t>Conseil stratégique</a:t>
-            </a:r>
+              <a:t>S</a:t>
+            </a:r>
+            <a:r>
+              <a:rPr sz="1200" b="1" spc="-20">
+                <a:solidFill>
+                  <a:srgbClr val="FFFFFF"/>
+                </a:solidFill>
+                <a:latin typeface="Adobe Clean"/>
+                <a:cs typeface="Adobe Clean"/>
+              </a:rPr>
+              <a:t>t</a:t>
+            </a:r>
+            <a:r>
+              <a:rPr sz="1200" b="1" spc="-75">
+                <a:solidFill>
+                  <a:srgbClr val="FFFFFF"/>
+                </a:solidFill>
+                <a:latin typeface="Adobe Clean"/>
+                <a:cs typeface="Adobe Clean"/>
+              </a:rPr>
+              <a:t>r</a:t>
+            </a:r>
+            <a:r>
+              <a:rPr sz="1200" b="1" spc="-90">
+                <a:solidFill>
+                  <a:srgbClr val="FFFFFF"/>
+                </a:solidFill>
+                <a:latin typeface="Adobe Clean"/>
+                <a:cs typeface="Adobe Clean"/>
+              </a:rPr>
+              <a:t>a</a:t>
+            </a:r>
+            <a:r>
+              <a:rPr sz="1200" b="1" spc="-55">
+                <a:solidFill>
+                  <a:srgbClr val="FFFFFF"/>
+                </a:solidFill>
+                <a:latin typeface="Adobe Clean"/>
+                <a:cs typeface="Adobe Clean"/>
+              </a:rPr>
+              <a:t>t</a:t>
+            </a:r>
+            <a:r>
+              <a:rPr sz="1200" b="1" spc="-100">
+                <a:solidFill>
+                  <a:srgbClr val="FFFFFF"/>
+                </a:solidFill>
+                <a:latin typeface="Adobe Clean"/>
+                <a:cs typeface="Adobe Clean"/>
+              </a:rPr>
+              <a:t>e</a:t>
+            </a:r>
+            <a:r>
+              <a:rPr sz="1200" b="1" spc="-80">
+                <a:solidFill>
+                  <a:srgbClr val="FFFFFF"/>
+                </a:solidFill>
+                <a:latin typeface="Adobe Clean"/>
+                <a:cs typeface="Adobe Clean"/>
+              </a:rPr>
+              <a:t>g</a:t>
+            </a:r>
+            <a:r>
+              <a:rPr sz="1200" b="1" spc="-35">
+                <a:solidFill>
+                  <a:srgbClr val="FFFFFF"/>
+                </a:solidFill>
+                <a:latin typeface="Adobe Clean"/>
+                <a:cs typeface="Adobe Clean"/>
+              </a:rPr>
+              <a:t>i</a:t>
+            </a:r>
+            <a:r>
+              <a:rPr sz="1200" b="1">
+                <a:solidFill>
+                  <a:srgbClr val="FFFFFF"/>
+                </a:solidFill>
+                <a:latin typeface="Adobe Clean"/>
+                <a:cs typeface="Adobe Clean"/>
+              </a:rPr>
+              <a:t>c  </a:t>
+            </a:r>
+            <a:r>
+              <a:rPr sz="1200" b="1" spc="-45">
+                <a:solidFill>
+                  <a:srgbClr val="FFFFFF"/>
+                </a:solidFill>
+                <a:latin typeface="Adobe Clean"/>
+                <a:cs typeface="Adobe Clean"/>
+              </a:rPr>
+              <a:t>Advice</a:t>
+            </a:r>
+            <a:endParaRPr sz="1200">
+              <a:latin typeface="Adobe Clean"/>
+              <a:cs typeface="Adobe Clean"/>
+            </a:endParaRPr>
           </a:p>
         </p:txBody>
       </p:sp>
@@ -10660,14 +12008,14 @@
           <p:nvPr>
             <p:extLst>
               <p:ext uri="{D42A27DB-BD31-4B8C-83A1-F6EECF244321}">
-                <p14:modId xmlns:p14="http://schemas.microsoft.com/office/powerpoint/2010/main" val="3940831295"/>
+                <p14:modId xmlns:p14="http://schemas.microsoft.com/office/powerpoint/2010/main" val="3773282750"/>
               </p:ext>
             </p:extLst>
           </p:nvPr>
         </p:nvGraphicFramePr>
         <p:xfrm>
           <a:off x="194236" y="1059345"/>
-          <a:ext cx="7368291" cy="4089400"/>
+          <a:ext cx="7368291" cy="3302000"/>
         </p:xfrm>
         <a:graphic>
           <a:graphicData uri="http://schemas.openxmlformats.org/drawingml/2006/table">
@@ -10698,17 +12046,25 @@
                     <a:lstStyle/>
                     <a:p>
                       <a:r>
-                        <a:rPr lang="fr-FR" sz="1100" b="0">
+                        <a:rPr lang="en-US" sz="1100" b="0">
                           <a:solidFill>
                             <a:schemeClr val="tx1"/>
                           </a:solidFill>
-                          <a:latin typeface="Adobe Clean" panose="020B0503020404020204" pitchFamily="34" charset="0"/>
+                          <a:latin typeface="Adobe Clean"/>
                           <a:ea typeface="+mn-ea"/>
                           <a:cs typeface="+mn-cs"/>
                           <a:hlinkClick r:id="rId7"/>
                         </a:rPr>
                         <a:t>Experience League</a:t>
                       </a:r>
+                      <a:endParaRPr lang="en-US" sz="1100" b="0">
+                        <a:solidFill>
+                          <a:schemeClr val="tx1"/>
+                        </a:solidFill>
+                        <a:latin typeface="Adobe Clean"/>
+                        <a:ea typeface="+mn-ea"/>
+                        <a:cs typeface="+mn-cs"/>
+                      </a:endParaRPr>
                     </a:p>
                   </a:txBody>
                   <a:tcPr marL="47625" marR="47625" marT="0" marB="0" anchor="ctr">
@@ -10764,7 +12120,7 @@
                     <a:bodyPr/>
                     <a:lstStyle/>
                     <a:p>
-                      <a:pPr marL="0" marR="0" lvl="0" indent="0" defTabSz="914400" eaLnBrk="1" fontAlgn="auto" latinLnBrk="0" hangingPunct="1">
+                      <a:pPr marL="0" marR="0" lvl="0" indent="0" eaLnBrk="1" fontAlgn="auto" latinLnBrk="0" hangingPunct="1">
                         <a:lnSpc>
                           <a:spcPct val="100000"/>
                         </a:lnSpc>
@@ -10778,115 +12134,26 @@
                         <a:buSzTx/>
                         <a:buFontTx/>
                         <a:buNone/>
-                        <a:tabLst/>
-                        <a:defRPr/>
                       </a:pPr>
                       <a:r>
-                        <a:rPr lang="fr-FR" sz="1000" b="0" spc="-20" baseline="0" dirty="0" err="1">
+                        <a:rPr lang="en-US" sz="1000" b="0" kern="1200">
                           <a:solidFill>
                             <a:srgbClr val="000000"/>
                           </a:solidFill>
-                          <a:latin typeface="Adobe Clean Light" panose="020B0303020404020204" pitchFamily="34" charset="0"/>
+                          <a:latin typeface="Adobe Clean Light"/>
                           <a:ea typeface="+mn-ea"/>
                           <a:cs typeface="+mn-cs"/>
                         </a:rPr>
-                        <a:t>Experience</a:t>
+                        <a:t>Experience League is how Adobe helps businesses achieve the value they expect from their Adobe investment. It’s the unified place where customers can learn, connect, and grow along a personalized path to success that includes self-help tutorials, product documentation, instructor-led training, community and technical support. </a:t>
                       </a:r>
-                      <a:r>
-                        <a:rPr lang="fr-FR" sz="1000" b="0" spc="-20" baseline="0" dirty="0">
-                          <a:solidFill>
-                            <a:srgbClr val="000000"/>
-                          </a:solidFill>
-                          <a:latin typeface="Adobe Clean Light" panose="020B0303020404020204" pitchFamily="34" charset="0"/>
-                          <a:ea typeface="+mn-ea"/>
-                          <a:cs typeface="+mn-cs"/>
-                        </a:rPr>
-                        <a:t> League est la manière dont Adobe aide les entreprises </a:t>
-                      </a:r>
-                      <a:br>
-                        <a:rPr lang="sk-SK" sz="1000" b="0" spc="-20" baseline="0" dirty="0">
-                          <a:solidFill>
-                            <a:srgbClr val="000000"/>
-                          </a:solidFill>
-                          <a:latin typeface="Adobe Clean Light" panose="020B0303020404020204" pitchFamily="34" charset="0"/>
-                          <a:ea typeface="+mn-ea"/>
-                          <a:cs typeface="+mn-cs"/>
-                        </a:rPr>
-                      </a:br>
-                      <a:r>
-                        <a:rPr lang="fr-FR" sz="1000" b="0" spc="-20" baseline="0" dirty="0">
-                          <a:solidFill>
-                            <a:srgbClr val="000000"/>
-                          </a:solidFill>
-                          <a:latin typeface="Adobe Clean Light" panose="020B0303020404020204" pitchFamily="34" charset="0"/>
-                          <a:ea typeface="+mn-ea"/>
-                          <a:cs typeface="+mn-cs"/>
-                        </a:rPr>
-                        <a:t>à atteindre la valeur qu’elles attendent de leur investissement dans Adobe. </a:t>
-                      </a:r>
-                      <a:br>
-                        <a:rPr lang="sk-SK" sz="1000" b="0" spc="-20" baseline="0" dirty="0">
-                          <a:solidFill>
-                            <a:srgbClr val="000000"/>
-                          </a:solidFill>
-                          <a:latin typeface="Adobe Clean Light" panose="020B0303020404020204" pitchFamily="34" charset="0"/>
-                          <a:ea typeface="+mn-ea"/>
-                          <a:cs typeface="+mn-cs"/>
-                        </a:rPr>
-                      </a:br>
-                      <a:r>
-                        <a:rPr lang="fr-FR" sz="1000" b="0" spc="-20" baseline="0" dirty="0">
-                          <a:solidFill>
-                            <a:srgbClr val="000000"/>
-                          </a:solidFill>
-                          <a:latin typeface="Adobe Clean Light" panose="020B0303020404020204" pitchFamily="34" charset="0"/>
-                          <a:ea typeface="+mn-ea"/>
-                          <a:cs typeface="+mn-cs"/>
-                        </a:rPr>
-                        <a:t>Il s’agit de l’endroit commun où les clients peuvent apprendre, se mettre en relation les uns avec les autres et grandir le long d’un chemin personnalisé vers le succès. Il comprend des tutoriels automatiques, </a:t>
-                      </a:r>
-                      <a:br>
-                        <a:rPr lang="sk-SK" sz="1000" b="0" spc="-20" baseline="0" dirty="0">
-                          <a:solidFill>
-                            <a:srgbClr val="000000"/>
-                          </a:solidFill>
-                          <a:latin typeface="Adobe Clean Light" panose="020B0303020404020204" pitchFamily="34" charset="0"/>
-                          <a:ea typeface="+mn-ea"/>
-                          <a:cs typeface="+mn-cs"/>
-                        </a:rPr>
-                      </a:br>
-                      <a:r>
-                        <a:rPr lang="fr-FR" sz="1000" b="0" spc="-20" baseline="0" dirty="0">
-                          <a:solidFill>
-                            <a:srgbClr val="000000"/>
-                          </a:solidFill>
-                          <a:latin typeface="Adobe Clean Light" panose="020B0303020404020204" pitchFamily="34" charset="0"/>
-                          <a:ea typeface="+mn-ea"/>
-                          <a:cs typeface="+mn-cs"/>
-                        </a:rPr>
-                        <a:t>de la documentation sur les produits, une formation dispensée par </a:t>
-                      </a:r>
-                      <a:br>
-                        <a:rPr lang="sk-SK" sz="1000" b="0" spc="-20" baseline="0" dirty="0">
-                          <a:solidFill>
-                            <a:srgbClr val="000000"/>
-                          </a:solidFill>
-                          <a:latin typeface="Adobe Clean Light" panose="020B0303020404020204" pitchFamily="34" charset="0"/>
-                          <a:ea typeface="+mn-ea"/>
-                          <a:cs typeface="+mn-cs"/>
-                        </a:rPr>
-                      </a:br>
-                      <a:r>
-                        <a:rPr lang="fr-FR" sz="1000" b="0" spc="-20" baseline="0" dirty="0">
-                          <a:solidFill>
-                            <a:srgbClr val="000000"/>
-                          </a:solidFill>
-                          <a:latin typeface="Adobe Clean Light" panose="020B0303020404020204" pitchFamily="34" charset="0"/>
-                          <a:ea typeface="+mn-ea"/>
-                          <a:cs typeface="+mn-cs"/>
-                        </a:rPr>
-                        <a:t>un instructeur, une communauté et une assistance technique. </a:t>
-                      </a:r>
+                      <a:endParaRPr lang="en-US" sz="1000" b="0" kern="1200">
+                        <a:solidFill>
+                          <a:srgbClr val="000000"/>
+                        </a:solidFill>
+                        <a:latin typeface="Adobe Clean Light" panose="020B0303020404020204" pitchFamily="34" charset="0"/>
+                        <a:ea typeface="+mn-ea"/>
+                        <a:cs typeface="+mn-cs"/>
+                      </a:endParaRPr>
                     </a:p>
                   </a:txBody>
                   <a:tcPr anchor="ctr">
@@ -10967,28 +12234,39 @@
                         <a:defRPr/>
                       </a:pPr>
                       <a:r>
-                        <a:rPr lang="fr-FR" sz="1100">
+                        <a:rPr lang="en-US" sz="1100">
                           <a:solidFill>
                             <a:schemeClr val="dk1"/>
                           </a:solidFill>
-                          <a:latin typeface="Adobe Clean" panose="020B0503020404020204" pitchFamily="34" charset="0"/>
+                          <a:effectLst/>
+                          <a:latin typeface="Adobe Clean"/>
                           <a:ea typeface="+mn-ea"/>
                           <a:cs typeface="+mn-cs"/>
                           <a:hlinkClick r:id="rId8"/>
                         </a:rPr>
-                        <a:t>Formation</a:t>
+                        <a:t>Training</a:t>
                       </a:r>
                       <a:r>
-                        <a:rPr lang="fr-FR" sz="1100">
+                        <a:rPr lang="en-US" sz="1100">
                           <a:solidFill>
                             <a:schemeClr val="dk1"/>
                           </a:solidFill>
-                          <a:latin typeface="Adobe Clean" panose="020B0503020404020204" pitchFamily="34" charset="0"/>
+                          <a:effectLst/>
+                          <a:latin typeface="Adobe Clean"/>
                           <a:ea typeface="+mn-ea"/>
                           <a:cs typeface="+mn-cs"/>
                         </a:rPr>
                         <a:t> </a:t>
                       </a:r>
+                      <a:endParaRPr lang="en-US" sz="1100">
+                        <a:solidFill>
+                          <a:schemeClr val="tx1"/>
+                        </a:solidFill>
+                        <a:effectLst/>
+                        <a:latin typeface="Adobe Clean"/>
+                        <a:ea typeface="+mn-ea"/>
+                        <a:cs typeface="+mn-cs"/>
+                      </a:endParaRPr>
                     </a:p>
                   </a:txBody>
                   <a:tcPr anchor="ctr">
@@ -11062,79 +12340,15 @@
                         <a:defRPr/>
                       </a:pPr>
                       <a:r>
-                        <a:rPr lang="fr-FR" sz="1000" dirty="0">
+                        <a:rPr lang="en-US" sz="1000" kern="1200">
                           <a:solidFill>
                             <a:srgbClr val="000000"/>
                           </a:solidFill>
-                          <a:latin typeface="Adobe Clean Light" panose="020B0303020404020204" pitchFamily="34" charset="0"/>
+                          <a:latin typeface="Adobe Clean Light"/>
                           <a:ea typeface="+mn-ea"/>
                           <a:cs typeface="+mn-cs"/>
                         </a:rPr>
-                        <a:t>Les cours sur les services de formation numérique d’Adobe sont accessibles depuis </a:t>
-                      </a:r>
-                      <a:r>
-                        <a:rPr lang="fr-FR" sz="1000" dirty="0" err="1">
-                          <a:solidFill>
-                            <a:srgbClr val="000000"/>
-                          </a:solidFill>
-                          <a:latin typeface="Adobe Clean Light" panose="020B0303020404020204" pitchFamily="34" charset="0"/>
-                          <a:ea typeface="+mn-ea"/>
-                          <a:cs typeface="+mn-cs"/>
-                        </a:rPr>
-                        <a:t>Experience</a:t>
-                      </a:r>
-                      <a:r>
-                        <a:rPr lang="fr-FR" sz="1000" dirty="0">
-                          <a:solidFill>
-                            <a:srgbClr val="000000"/>
-                          </a:solidFill>
-                          <a:latin typeface="Adobe Clean Light" panose="020B0303020404020204" pitchFamily="34" charset="0"/>
-                          <a:ea typeface="+mn-ea"/>
-                          <a:cs typeface="+mn-cs"/>
-                        </a:rPr>
-                        <a:t> League. Les cours de formation regroupent des cours à la demande et des cours dispensés par </a:t>
-                      </a:r>
-                      <a:br>
-                        <a:rPr lang="sk-SK" sz="1000" dirty="0">
-                          <a:solidFill>
-                            <a:srgbClr val="000000"/>
-                          </a:solidFill>
-                          <a:latin typeface="Adobe Clean Light" panose="020B0303020404020204" pitchFamily="34" charset="0"/>
-                          <a:ea typeface="+mn-ea"/>
-                          <a:cs typeface="+mn-cs"/>
-                        </a:rPr>
-                      </a:br>
-                      <a:r>
-                        <a:rPr lang="fr-FR" sz="1000" dirty="0">
-                          <a:solidFill>
-                            <a:srgbClr val="000000"/>
-                          </a:solidFill>
-                          <a:latin typeface="Adobe Clean Light" panose="020B0303020404020204" pitchFamily="34" charset="0"/>
-                          <a:ea typeface="+mn-ea"/>
-                          <a:cs typeface="+mn-cs"/>
-                        </a:rPr>
-                        <a:t>un instructeur.  Grâce à ces cours, vous pouvez acquérir des compétences qui présentent une valeur marchande reconnue </a:t>
-                      </a:r>
-                      <a:br>
-                        <a:rPr lang="sk-SK" sz="1000" dirty="0">
-                          <a:solidFill>
-                            <a:srgbClr val="000000"/>
-                          </a:solidFill>
-                          <a:latin typeface="Adobe Clean Light" panose="020B0303020404020204" pitchFamily="34" charset="0"/>
-                          <a:ea typeface="+mn-ea"/>
-                          <a:cs typeface="+mn-cs"/>
-                        </a:rPr>
-                      </a:br>
-                      <a:r>
-                        <a:rPr lang="fr-FR" sz="1000" dirty="0">
-                          <a:solidFill>
-                            <a:srgbClr val="000000"/>
-                          </a:solidFill>
-                          <a:latin typeface="Adobe Clean Light" panose="020B0303020404020204" pitchFamily="34" charset="0"/>
-                          <a:ea typeface="+mn-ea"/>
-                          <a:cs typeface="+mn-cs"/>
-                        </a:rPr>
-                        <a:t>et les disposer de manière à stimuler le succès de vos entreprises.</a:t>
+                        <a:t>Adobe Digital Learning Services courses are accessible from Experience League. Learning courses integrate both on-demand and instructor-led lessons.  Here you can accrue skills that have recognized market value and position them to drive success in your organizations.</a:t>
                       </a:r>
                     </a:p>
                   </a:txBody>
@@ -11216,17 +12430,27 @@
                         <a:defRPr/>
                       </a:pPr>
                       <a:r>
-                        <a:rPr lang="fr-FR" sz="1100">
+                        <a:rPr lang="en-US" sz="1100">
                           <a:solidFill>
                             <a:schemeClr val="tx1"/>
                           </a:solidFill>
-                          <a:latin typeface="Adobe Clean" panose="020B0503020404020204" pitchFamily="34" charset="0"/>
+                          <a:effectLst/>
+                          <a:latin typeface="Adobe Clean"/>
                           <a:ea typeface="+mn-ea"/>
                           <a:cs typeface="+mn-cs"/>
                           <a:hlinkClick r:id="rId9"/>
                         </a:rPr>
-                        <a:t>Problèmes de production et panne du système</a:t>
+                        <a:t>Production Issues &amp; System Outages</a:t>
                       </a:r>
+                      <a:endParaRPr lang="en-US" sz="1100">
+                        <a:solidFill>
+                          <a:schemeClr val="tx1"/>
+                        </a:solidFill>
+                        <a:effectLst/>
+                        <a:latin typeface="Adobe Clean"/>
+                        <a:ea typeface="+mn-ea"/>
+                        <a:cs typeface="+mn-cs"/>
+                      </a:endParaRPr>
                     </a:p>
                   </a:txBody>
                   <a:tcPr anchor="ctr">
@@ -11282,7 +12506,7 @@
                     <a:bodyPr/>
                     <a:lstStyle/>
                     <a:p>
-                      <a:pPr marL="0" marR="0" lvl="0" indent="0" defTabSz="914400" eaLnBrk="1" fontAlgn="auto" latinLnBrk="0" hangingPunct="1">
+                      <a:pPr marL="0" marR="0" lvl="0" indent="0" eaLnBrk="1" fontAlgn="auto" latinLnBrk="0" hangingPunct="1">
                         <a:lnSpc>
                           <a:spcPct val="100000"/>
                         </a:lnSpc>
@@ -11296,62 +12520,26 @@
                         <a:buSzTx/>
                         <a:buFontTx/>
                         <a:buNone/>
-                        <a:tabLst/>
-                        <a:defRPr/>
                       </a:pPr>
                       <a:r>
-                        <a:rPr lang="fr-FR" sz="1000" dirty="0">
+                        <a:rPr lang="en-US" sz="1000" kern="1200">
                           <a:solidFill>
                             <a:srgbClr val="000000"/>
                           </a:solidFill>
-                          <a:latin typeface="Adobe Clean Light" panose="020B0303020404020204" pitchFamily="34" charset="0"/>
+                          <a:latin typeface="Adobe Clean Light"/>
                           <a:ea typeface="+mn-ea"/>
                           <a:cs typeface="+mn-cs"/>
                         </a:rPr>
-                        <a:t>Status.adobe.com transmet les informations d’intégrité de tous les produits et services d’Adobe déployés dans des environnements multi-entité. Les clients peuvent choisir leurs préférences d’abonnement afin de recevoir des notifications par e-mail chaque fois qu’Adobe crée, </a:t>
+                        <a:t>Status.adobe.com conveys the health information of all Adobe products and services that are deployed in multi-tenant environments. Customers can choose their subscription preferences to get email notifications whenever Adobe creates, updates or resolves a product event. This can include scheduled maintenance or service issues of varying levels of severity. </a:t>
                       </a:r>
-                      <a:br>
-                        <a:rPr lang="sk-SK" sz="1000" dirty="0">
-                          <a:solidFill>
-                            <a:srgbClr val="000000"/>
-                          </a:solidFill>
-                          <a:latin typeface="Adobe Clean Light" panose="020B0303020404020204" pitchFamily="34" charset="0"/>
-                          <a:ea typeface="+mn-ea"/>
-                          <a:cs typeface="+mn-cs"/>
-                        </a:rPr>
-                      </a:br>
-                      <a:r>
-                        <a:rPr lang="fr-FR" sz="1000" dirty="0">
-                          <a:solidFill>
-                            <a:srgbClr val="000000"/>
-                          </a:solidFill>
-                          <a:latin typeface="Adobe Clean Light" panose="020B0303020404020204" pitchFamily="34" charset="0"/>
-                          <a:ea typeface="+mn-ea"/>
-                          <a:cs typeface="+mn-cs"/>
-                        </a:rPr>
-                        <a:t>met à jour ou résout un événement de produit. Cet événement </a:t>
-                      </a:r>
-                      <a:br>
-                        <a:rPr lang="sk-SK" sz="1000" dirty="0">
-                          <a:solidFill>
-                            <a:srgbClr val="000000"/>
-                          </a:solidFill>
-                          <a:latin typeface="Adobe Clean Light" panose="020B0303020404020204" pitchFamily="34" charset="0"/>
-                          <a:ea typeface="+mn-ea"/>
-                          <a:cs typeface="+mn-cs"/>
-                        </a:rPr>
-                      </a:br>
-                      <a:r>
-                        <a:rPr lang="fr-FR" sz="1000" dirty="0">
-                          <a:solidFill>
-                            <a:srgbClr val="000000"/>
-                          </a:solidFill>
-                          <a:latin typeface="Adobe Clean Light" panose="020B0303020404020204" pitchFamily="34" charset="0"/>
-                          <a:ea typeface="+mn-ea"/>
-                          <a:cs typeface="+mn-cs"/>
-                        </a:rPr>
-                        <a:t>peut inclure des problèmes de maintenance planifiée ou de service présentant différents niveaux de gravité. </a:t>
-                      </a:r>
+                      <a:endParaRPr lang="en-US" sz="1000" kern="1200">
+                        <a:solidFill>
+                          <a:srgbClr val="000000"/>
+                        </a:solidFill>
+                        <a:latin typeface="Adobe Clean Light" panose="020B0303020404020204" pitchFamily="34" charset="0"/>
+                        <a:ea typeface="+mn-ea"/>
+                        <a:cs typeface="+mn-cs"/>
+                      </a:endParaRPr>
                     </a:p>
                   </a:txBody>
                   <a:tcPr anchor="ctr">
@@ -11432,17 +12620,27 @@
                         <a:defRPr/>
                       </a:pPr>
                       <a:r>
-                        <a:rPr lang="fr-FR" sz="1100" b="0" i="0">
+                        <a:rPr lang="en-US" sz="1100" b="0" i="0">
                           <a:solidFill>
                             <a:schemeClr val="dk1"/>
                           </a:solidFill>
-                          <a:latin typeface="Adobe Clean" panose="020B0503020404020204" pitchFamily="34" charset="0"/>
+                          <a:effectLst/>
+                          <a:latin typeface="Adobe Clean"/>
                           <a:ea typeface="+mn-ea"/>
                           <a:cs typeface="+mn-cs"/>
-                          <a:hlinkClick r:id="rId10" tooltip="https://helpx.adobe.com/fr/support/programs/enterprise-support-programs/premier-support-business.html"/>
+                          <a:hlinkClick r:id="rId10" tooltip="https://helpx.adobe.com/support/programs/enterprise-support-programs/premier-support-business.html"/>
                         </a:rPr>
-                        <a:t>Site Web de l’assistance commerciale</a:t>
+                        <a:t>Business Support Website</a:t>
                       </a:r>
+                      <a:endParaRPr lang="en-US" sz="1100" b="0" i="0">
+                        <a:solidFill>
+                          <a:schemeClr val="dk1"/>
+                        </a:solidFill>
+                        <a:effectLst/>
+                        <a:latin typeface="Adobe Clean"/>
+                        <a:ea typeface="+mn-ea"/>
+                        <a:cs typeface="+mn-cs"/>
+                      </a:endParaRPr>
                     </a:p>
                   </a:txBody>
                   <a:tcPr anchor="ctr">
@@ -11499,16 +12697,24 @@
                     <a:lstStyle/>
                     <a:p>
                       <a:r>
-                        <a:rPr lang="fr-FR" sz="1000">
+                        <a:rPr lang="en-US" sz="1000" kern="1200">
                           <a:solidFill>
                             <a:srgbClr val="000000"/>
                           </a:solidFill>
-                          <a:latin typeface="Adobe Clean Light" panose="020B0303020404020204" pitchFamily="34" charset="0"/>
+                          <a:latin typeface="Adobe Clean Light"/>
                           <a:ea typeface="+mn-ea"/>
                           <a:cs typeface="+mn-cs"/>
                         </a:rPr>
-                        <a:t>Site Web d’assistance commerciale d’Adobe</a:t>
+                        <a:t>Adobe Business Support website.</a:t>
                       </a:r>
+                      <a:endParaRPr lang="en-US" sz="1000" kern="1200">
+                        <a:solidFill>
+                          <a:srgbClr val="000000"/>
+                        </a:solidFill>
+                        <a:latin typeface="Adobe Clean Light" panose="020B0303020404020204" pitchFamily="34" charset="0"/>
+                        <a:ea typeface="+mn-ea"/>
+                        <a:cs typeface="+mn-cs"/>
+                      </a:endParaRPr>
                     </a:p>
                   </a:txBody>
                   <a:tcPr anchor="ctr">
@@ -11589,17 +12795,27 @@
                         <a:defRPr/>
                       </a:pPr>
                       <a:r>
-                        <a:rPr lang="fr-FR" sz="1100">
+                        <a:rPr lang="en-US" sz="1100">
                           <a:solidFill>
                             <a:schemeClr val="tx1"/>
                           </a:solidFill>
-                          <a:latin typeface="Adobe Clean" panose="020B0503020404020204" pitchFamily="34" charset="0"/>
+                          <a:effectLst/>
+                          <a:latin typeface="Adobe Clean"/>
                           <a:ea typeface="+mn-ea"/>
                           <a:cs typeface="+mn-cs"/>
                           <a:hlinkClick r:id="rId11"/>
                         </a:rPr>
-                        <a:t>Termes et conditions</a:t>
+                        <a:t>Terms and Conditions</a:t>
                       </a:r>
+                      <a:endParaRPr lang="en-US" sz="1100">
+                        <a:solidFill>
+                          <a:schemeClr val="tx1"/>
+                        </a:solidFill>
+                        <a:effectLst/>
+                        <a:latin typeface="Adobe Clean"/>
+                        <a:ea typeface="+mn-ea"/>
+                        <a:cs typeface="+mn-cs"/>
+                      </a:endParaRPr>
                     </a:p>
                   </a:txBody>
                   <a:tcPr anchor="ctr">
@@ -11656,37 +12872,24 @@
                     <a:lstStyle/>
                     <a:p>
                       <a:r>
-                        <a:rPr lang="fr-FR" sz="1000" dirty="0">
+                        <a:rPr lang="en-US" sz="1000" kern="1200">
                           <a:solidFill>
                             <a:srgbClr val="000000"/>
                           </a:solidFill>
-                          <a:latin typeface="Adobe Clean Light" panose="020B0303020404020204" pitchFamily="34" charset="0"/>
+                          <a:latin typeface="Adobe Clean Light"/>
                           <a:ea typeface="+mn-ea"/>
                           <a:cs typeface="+mn-cs"/>
                         </a:rPr>
-                        <a:t>Il s’agit des termes et conditions détaillant</a:t>
+                        <a:t>Terms and conditions detailing Support Services offerings.</a:t>
                       </a:r>
-                      <a:br>
-                        <a:rPr lang="sk-SK" sz="1000" dirty="0">
-                          <a:solidFill>
-                            <a:srgbClr val="000000"/>
-                          </a:solidFill>
-                          <a:latin typeface="Adobe Clean Light" panose="020B0303020404020204" pitchFamily="34" charset="0"/>
-                          <a:ea typeface="+mn-ea"/>
-                          <a:cs typeface="+mn-cs"/>
-                        </a:rPr>
-                      </a:br>
-                      <a:r>
-                        <a:rPr lang="fr-FR" sz="1000" dirty="0">
-                          <a:solidFill>
-                            <a:srgbClr val="000000"/>
-                          </a:solidFill>
-                          <a:latin typeface="Adobe Clean Light" panose="020B0303020404020204" pitchFamily="34" charset="0"/>
-                          <a:ea typeface="+mn-ea"/>
-                          <a:cs typeface="+mn-cs"/>
-                        </a:rPr>
-                        <a:t>les offres des services d’assistance</a:t>
-                      </a:r>
+                      <a:endParaRPr lang="en-US" sz="1000" kern="1200">
+                        <a:solidFill>
+                          <a:srgbClr val="000000"/>
+                        </a:solidFill>
+                        <a:latin typeface="Adobe Clean Light" panose="020B0303020404020204" pitchFamily="34" charset="0"/>
+                        <a:ea typeface="+mn-ea"/>
+                        <a:cs typeface="+mn-cs"/>
+                      </a:endParaRPr>
                     </a:p>
                   </a:txBody>
                   <a:tcPr anchor="ctr">
@@ -12456,21 +13659,6 @@
 </file>
 
 <file path=customXml/item1.xml><?xml version="1.0" encoding="utf-8"?>
-<?mso-contentType ?>
-<FormTemplates xmlns="http://schemas.microsoft.com/sharepoint/v3/contenttype/forms">
-  <Display>DocumentLibraryForm</Display>
-  <Edit>DocumentLibraryForm</Edit>
-  <New>DocumentLibraryForm</New>
-</FormTemplates>
-</file>
-
-<file path=customXml/item2.xml><?xml version="1.0" encoding="utf-8"?>
-<p:properties xmlns:p="http://schemas.microsoft.com/office/2006/metadata/properties" xmlns:xsi="http://www.w3.org/2001/XMLSchema-instance" xmlns:pc="http://schemas.microsoft.com/office/infopath/2007/PartnerControls">
-  <documentManagement/>
-</p:properties>
-</file>
-
-<file path=customXml/item3.xml><?xml version="1.0" encoding="utf-8"?>
 <ct:contentTypeSchema xmlns:ct="http://schemas.microsoft.com/office/2006/metadata/contentType" xmlns:ma="http://schemas.microsoft.com/office/2006/metadata/properties/metaAttributes" ct:_="" ma:_="" ma:contentTypeName="Document" ma:contentTypeID="0x010100E783BF6876BCC646A459363AF21A7736" ma:contentTypeVersion="10" ma:contentTypeDescription="Create a new document." ma:contentTypeScope="" ma:versionID="c4ffda7f4f415767600769e454c2ea87">
   <xsd:schema xmlns:xsd="http://www.w3.org/2001/XMLSchema" xmlns:xs="http://www.w3.org/2001/XMLSchema" xmlns:p="http://schemas.microsoft.com/office/2006/metadata/properties" xmlns:ns2="8a053bff-88be-49e4-9a87-e748e18b8b62" xmlns:ns3="6c8368ec-3776-49b5-a5bb-90648cf9530f" targetNamespace="http://schemas.microsoft.com/office/2006/metadata/properties" ma:root="true" ma:fieldsID="df3ec33bccc23e23bce7bc897fad43d1" ns2:_="" ns3:_="">
     <xsd:import namespace="8a053bff-88be-49e4-9a87-e748e18b8b62"/>
@@ -12675,24 +13863,22 @@
 </ct:contentTypeSchema>
 </file>
 
-<file path=customXml/itemProps1.xml><?xml version="1.0" encoding="utf-8"?>
-<ds:datastoreItem xmlns:ds="http://schemas.openxmlformats.org/officeDocument/2006/customXml" ds:itemID="{95AE3B0B-E909-400C-B0B3-909FB50E07DE}">
-  <ds:schemaRefs>
-    <ds:schemaRef ds:uri="http://schemas.microsoft.com/sharepoint/v3/contenttype/forms"/>
-  </ds:schemaRefs>
-</ds:datastoreItem>
+<file path=customXml/item2.xml><?xml version="1.0" encoding="utf-8"?>
+<?mso-contentType ?>
+<FormTemplates xmlns="http://schemas.microsoft.com/sharepoint/v3/contenttype/forms">
+  <Display>DocumentLibraryForm</Display>
+  <Edit>DocumentLibraryForm</Edit>
+  <New>DocumentLibraryForm</New>
+</FormTemplates>
 </file>
 
-<file path=customXml/itemProps2.xml><?xml version="1.0" encoding="utf-8"?>
-<ds:datastoreItem xmlns:ds="http://schemas.openxmlformats.org/officeDocument/2006/customXml" ds:itemID="{10FC3CAF-E6F1-40E3-87D4-6B781C97D6B4}">
-  <ds:schemaRefs>
-    <ds:schemaRef ds:uri="http://schemas.microsoft.com/office/2006/metadata/properties"/>
-    <ds:schemaRef ds:uri="http://schemas.microsoft.com/office/infopath/2007/PartnerControls"/>
-  </ds:schemaRefs>
-</ds:datastoreItem>
+<file path=customXml/item3.xml><?xml version="1.0" encoding="utf-8"?>
+<p:properties xmlns:p="http://schemas.microsoft.com/office/2006/metadata/properties" xmlns:xsi="http://www.w3.org/2001/XMLSchema-instance" xmlns:pc="http://schemas.microsoft.com/office/infopath/2007/PartnerControls">
+  <documentManagement/>
+</p:properties>
 </file>
 
-<file path=customXml/itemProps3.xml><?xml version="1.0" encoding="utf-8"?>
+<file path=customXml/itemProps1.xml><?xml version="1.0" encoding="utf-8"?>
 <ds:datastoreItem xmlns:ds="http://schemas.openxmlformats.org/officeDocument/2006/customXml" ds:itemID="{E0DB8BDF-6DA8-4ABC-A3CA-043AFD674CFC}">
   <ds:schemaRefs>
     <ds:schemaRef ds:uri="6c8368ec-3776-49b5-a5bb-90648cf9530f"/>
@@ -12709,4 +13895,29 @@
     <ds:schemaRef ds:uri="http://www.w3.org/2001/XMLSchema"/>
   </ds:schemaRefs>
 </ds:datastoreItem>
+</file>
+
+<file path=customXml/itemProps2.xml><?xml version="1.0" encoding="utf-8"?>
+<ds:datastoreItem xmlns:ds="http://schemas.openxmlformats.org/officeDocument/2006/customXml" ds:itemID="{95AE3B0B-E909-400C-B0B3-909FB50E07DE}">
+  <ds:schemaRefs>
+    <ds:schemaRef ds:uri="http://schemas.microsoft.com/sharepoint/v3/contenttype/forms"/>
+  </ds:schemaRefs>
+</ds:datastoreItem>
+</file>
+
+<file path=customXml/itemProps3.xml><?xml version="1.0" encoding="utf-8"?>
+<ds:datastoreItem xmlns:ds="http://schemas.openxmlformats.org/officeDocument/2006/customXml" ds:itemID="{10FC3CAF-E6F1-40E3-87D4-6B781C97D6B4}">
+  <ds:schemaRefs>
+    <ds:schemaRef ds:uri="6c8368ec-3776-49b5-a5bb-90648cf9530f"/>
+    <ds:schemaRef ds:uri="8a053bff-88be-49e4-9a87-e748e18b8b62"/>
+    <ds:schemaRef ds:uri="http://purl.org/dc/dcmitype/"/>
+    <ds:schemaRef ds:uri="http://purl.org/dc/elements/1.1/"/>
+    <ds:schemaRef ds:uri="http://purl.org/dc/terms/"/>
+    <ds:schemaRef ds:uri="http://schemas.microsoft.com/office/2006/documentManagement/types"/>
+    <ds:schemaRef ds:uri="http://schemas.microsoft.com/office/2006/metadata/properties"/>
+    <ds:schemaRef ds:uri="http://schemas.microsoft.com/office/infopath/2007/PartnerControls"/>
+    <ds:schemaRef ds:uri="http://schemas.openxmlformats.org/package/2006/metadata/core-properties"/>
+    <ds:schemaRef ds:uri="http://www.w3.org/XML/1998/namespace"/>
+  </ds:schemaRefs>
+</ds:datastoreItem>
 </file>
--- a/help/data-sheets/assets/BusinessSupportDatasheet.pptx
+++ b/help/data-sheets/assets/BusinessSupportDatasheet.pptx
@@ -143,8 +143,12 @@
 <file path=ppt/revisionInfo.xml><?xml version="1.0" encoding="utf-8"?>
 <p1510:revInfo xmlns:a="http://schemas.openxmlformats.org/drawingml/2006/main" xmlns:r="http://schemas.openxmlformats.org/officeDocument/2006/relationships" xmlns:p1510="http://schemas.microsoft.com/office/powerpoint/2015/10/main">
   <p1510:revLst>
-    <p1510:client id="{61630BD6-9AE9-064C-B39F-AFA945B82B3E}" v="202" dt="2021-10-13T19:21:08.267"/>
-    <p1510:client id="{AC30C20D-1316-8ECC-DADD-39CCEC6A7FCF}" v="9" dt="2021-10-13T19:03:35.035"/>
+    <p1510:client id="{06B13378-B080-7F0F-51A5-F9203CEE57ED}" v="370" dt="2021-08-25T22:26:24.850"/>
+    <p1510:client id="{4D8E0410-E0CE-85E2-0F84-C1BF4F647622}" v="27" dt="2021-09-22T22:57:14.395"/>
+    <p1510:client id="{71D6CFBF-0EA2-99B0-93F4-22F19EF0AE4E}" v="2" dt="2021-09-22T19:06:58.732"/>
+    <p1510:client id="{9E385600-BF81-FC49-9ED0-E33BC37F7908}" v="55" dt="2021-08-04T08:16:13.478"/>
+    <p1510:client id="{AFB92C2B-405E-C597-0988-18F97C53104C}" v="37" dt="2021-09-22T18:53:28.028"/>
+    <p1510:client id="{CA5D33DF-AE75-BCA1-B9BC-A7CD44D2F3C7}" v="2" dt="2021-08-25T22:38:18.624"/>
   </p1510:revLst>
 </p1510:revInfo>
 </file>
@@ -166,77 +170,6 @@
         </pc:sldMkLst>
         <pc:graphicFrameChg chg="mod modGraphic">
           <ac:chgData name="Akilah Johnson" userId="S::akjohnso@adobe.com::2fa3aa60-0c9c-4d06-bae2-795983241227" providerId="AD" clId="Web-{4D8E0410-E0CE-85E2-0F84-C1BF4F647622}" dt="2021-09-22T22:57:04.802" v="5"/>
-          <ac:graphicFrameMkLst>
-            <pc:docMk/>
-            <pc:sldMk cId="1050037809" sldId="261"/>
-            <ac:graphicFrameMk id="25" creationId="{3A91F5B0-3974-A14D-A146-FB590F2AAD18}"/>
-          </ac:graphicFrameMkLst>
-        </pc:graphicFrameChg>
-      </pc:sldChg>
-    </pc:docChg>
-  </pc:docChgLst>
-  <pc:docChgLst>
-    <pc:chgData name="Akilah Johnson" userId="S::akjohnso@adobe.com::2fa3aa60-0c9c-4d06-bae2-795983241227" providerId="AD" clId="Web-{019F6A09-DCDA-BB53-9E3C-5BA3B13E26BB}"/>
-    <pc:docChg chg="modSld">
-      <pc:chgData name="Akilah Johnson" userId="S::akjohnso@adobe.com::2fa3aa60-0c9c-4d06-bae2-795983241227" providerId="AD" clId="Web-{019F6A09-DCDA-BB53-9E3C-5BA3B13E26BB}" dt="2021-10-12T17:10:36.752" v="17" actId="20577"/>
-      <pc:docMkLst>
-        <pc:docMk/>
-      </pc:docMkLst>
-      <pc:sldChg chg="modSp">
-        <pc:chgData name="Akilah Johnson" userId="S::akjohnso@adobe.com::2fa3aa60-0c9c-4d06-bae2-795983241227" providerId="AD" clId="Web-{019F6A09-DCDA-BB53-9E3C-5BA3B13E26BB}" dt="2021-10-12T17:09:32.112" v="2" actId="20577"/>
-        <pc:sldMkLst>
-          <pc:docMk/>
-          <pc:sldMk cId="0" sldId="257"/>
-        </pc:sldMkLst>
-        <pc:spChg chg="mod">
-          <ac:chgData name="Akilah Johnson" userId="S::akjohnso@adobe.com::2fa3aa60-0c9c-4d06-bae2-795983241227" providerId="AD" clId="Web-{019F6A09-DCDA-BB53-9E3C-5BA3B13E26BB}" dt="2021-10-12T17:09:32.112" v="2" actId="20577"/>
-          <ac:spMkLst>
-            <pc:docMk/>
-            <pc:sldMk cId="0" sldId="257"/>
-            <ac:spMk id="46" creationId="{00000000-0000-0000-0000-000000000000}"/>
-          </ac:spMkLst>
-        </pc:spChg>
-      </pc:sldChg>
-      <pc:sldChg chg="modSp">
-        <pc:chgData name="Akilah Johnson" userId="S::akjohnso@adobe.com::2fa3aa60-0c9c-4d06-bae2-795983241227" providerId="AD" clId="Web-{019F6A09-DCDA-BB53-9E3C-5BA3B13E26BB}" dt="2021-10-12T17:10:36.752" v="17" actId="20577"/>
-        <pc:sldMkLst>
-          <pc:docMk/>
-          <pc:sldMk cId="1050037809" sldId="261"/>
-        </pc:sldMkLst>
-        <pc:spChg chg="mod">
-          <ac:chgData name="Akilah Johnson" userId="S::akjohnso@adobe.com::2fa3aa60-0c9c-4d06-bae2-795983241227" providerId="AD" clId="Web-{019F6A09-DCDA-BB53-9E3C-5BA3B13E26BB}" dt="2021-10-12T17:10:36.752" v="17" actId="20577"/>
-          <ac:spMkLst>
-            <pc:docMk/>
-            <pc:sldMk cId="1050037809" sldId="261"/>
-            <ac:spMk id="56" creationId="{00000000-0000-0000-0000-000000000000}"/>
-          </ac:spMkLst>
-        </pc:spChg>
-        <pc:graphicFrameChg chg="mod modGraphic">
-          <ac:chgData name="Akilah Johnson" userId="S::akjohnso@adobe.com::2fa3aa60-0c9c-4d06-bae2-795983241227" providerId="AD" clId="Web-{019F6A09-DCDA-BB53-9E3C-5BA3B13E26BB}" dt="2021-10-12T17:09:41.471" v="6"/>
-          <ac:graphicFrameMkLst>
-            <pc:docMk/>
-            <pc:sldMk cId="1050037809" sldId="261"/>
-            <ac:graphicFrameMk id="111" creationId="{D8653CEC-4213-DE40-9BAF-D1E3318FF89C}"/>
-          </ac:graphicFrameMkLst>
-        </pc:graphicFrameChg>
-      </pc:sldChg>
-    </pc:docChg>
-  </pc:docChgLst>
-  <pc:docChgLst>
-    <pc:chgData name="Andy Witt" userId="S::awitt@adobe.com::e9157bdf-53b2-40e4-9459-936793d75696" providerId="AD" clId="Web-{06B13378-B080-7F0F-51A5-F9203CEE57ED}"/>
-    <pc:docChg chg="modSld">
-      <pc:chgData name="Andy Witt" userId="S::awitt@adobe.com::e9157bdf-53b2-40e4-9459-936793d75696" providerId="AD" clId="Web-{06B13378-B080-7F0F-51A5-F9203CEE57ED}" dt="2021-08-25T22:25:13.647" v="363"/>
-      <pc:docMkLst>
-        <pc:docMk/>
-      </pc:docMkLst>
-      <pc:sldChg chg="modSp">
-        <pc:chgData name="Andy Witt" userId="S::awitt@adobe.com::e9157bdf-53b2-40e4-9459-936793d75696" providerId="AD" clId="Web-{06B13378-B080-7F0F-51A5-F9203CEE57ED}" dt="2021-08-25T22:25:13.647" v="363"/>
-        <pc:sldMkLst>
-          <pc:docMk/>
-          <pc:sldMk cId="1050037809" sldId="261"/>
-        </pc:sldMkLst>
-        <pc:graphicFrameChg chg="mod modGraphic">
-          <ac:chgData name="Andy Witt" userId="S::awitt@adobe.com::e9157bdf-53b2-40e4-9459-936793d75696" providerId="AD" clId="Web-{06B13378-B080-7F0F-51A5-F9203CEE57ED}" dt="2021-08-25T22:25:13.647" v="363"/>
           <ac:graphicFrameMkLst>
             <pc:docMk/>
             <pc:sldMk cId="1050037809" sldId="261"/>
@@ -271,58 +204,26 @@
     </pc:docChg>
   </pc:docChgLst>
   <pc:docChgLst>
-    <pc:chgData name="Akilah Johnson" userId="S::akjohnso@adobe.com::2fa3aa60-0c9c-4d06-bae2-795983241227" providerId="AD" clId="Web-{D428A0AE-54E2-30D2-C574-7A0742876CCF}"/>
+    <pc:chgData name="Andy Witt" userId="S::awitt@adobe.com::e9157bdf-53b2-40e4-9459-936793d75696" providerId="AD" clId="Web-{06B13378-B080-7F0F-51A5-F9203CEE57ED}"/>
     <pc:docChg chg="modSld">
-      <pc:chgData name="Akilah Johnson" userId="S::akjohnso@adobe.com::2fa3aa60-0c9c-4d06-bae2-795983241227" providerId="AD" clId="Web-{D428A0AE-54E2-30D2-C574-7A0742876CCF}" dt="2021-10-12T19:11:25.330" v="0" actId="20577"/>
+      <pc:chgData name="Andy Witt" userId="S::awitt@adobe.com::e9157bdf-53b2-40e4-9459-936793d75696" providerId="AD" clId="Web-{06B13378-B080-7F0F-51A5-F9203CEE57ED}" dt="2021-08-25T22:25:13.647" v="363"/>
       <pc:docMkLst>
         <pc:docMk/>
       </pc:docMkLst>
       <pc:sldChg chg="modSp">
-        <pc:chgData name="Akilah Johnson" userId="S::akjohnso@adobe.com::2fa3aa60-0c9c-4d06-bae2-795983241227" providerId="AD" clId="Web-{D428A0AE-54E2-30D2-C574-7A0742876CCF}" dt="2021-10-12T19:11:25.330" v="0" actId="20577"/>
+        <pc:chgData name="Andy Witt" userId="S::awitt@adobe.com::e9157bdf-53b2-40e4-9459-936793d75696" providerId="AD" clId="Web-{06B13378-B080-7F0F-51A5-F9203CEE57ED}" dt="2021-08-25T22:25:13.647" v="363"/>
         <pc:sldMkLst>
           <pc:docMk/>
-          <pc:sldMk cId="0" sldId="256"/>
+          <pc:sldMk cId="1050037809" sldId="261"/>
         </pc:sldMkLst>
-        <pc:spChg chg="mod">
-          <ac:chgData name="Akilah Johnson" userId="S::akjohnso@adobe.com::2fa3aa60-0c9c-4d06-bae2-795983241227" providerId="AD" clId="Web-{D428A0AE-54E2-30D2-C574-7A0742876CCF}" dt="2021-10-12T19:11:25.330" v="0" actId="20577"/>
-          <ac:spMkLst>
+        <pc:graphicFrameChg chg="mod modGraphic">
+          <ac:chgData name="Andy Witt" userId="S::awitt@adobe.com::e9157bdf-53b2-40e4-9459-936793d75696" providerId="AD" clId="Web-{06B13378-B080-7F0F-51A5-F9203CEE57ED}" dt="2021-08-25T22:25:13.647" v="363"/>
+          <ac:graphicFrameMkLst>
             <pc:docMk/>
-            <pc:sldMk cId="0" sldId="256"/>
-            <ac:spMk id="4" creationId="{00000000-0000-0000-0000-000000000000}"/>
-          </ac:spMkLst>
-        </pc:spChg>
-      </pc:sldChg>
-    </pc:docChg>
-  </pc:docChgLst>
-  <pc:docChgLst>
-    <pc:chgData name="Lauren Schutte" userId="S::schutte@adobe.com::6e08b2d3-447a-4d66-86be-444d50df187f" providerId="AD" clId="Web-{AC30C20D-1316-8ECC-DADD-39CCEC6A7FCF}"/>
-    <pc:docChg chg="modSld">
-      <pc:chgData name="Lauren Schutte" userId="S::schutte@adobe.com::6e08b2d3-447a-4d66-86be-444d50df187f" providerId="AD" clId="Web-{AC30C20D-1316-8ECC-DADD-39CCEC6A7FCF}" dt="2021-10-13T19:03:35.035" v="8" actId="1076"/>
-      <pc:docMkLst>
-        <pc:docMk/>
-      </pc:docMkLst>
-      <pc:sldChg chg="modSp">
-        <pc:chgData name="Lauren Schutte" userId="S::schutte@adobe.com::6e08b2d3-447a-4d66-86be-444d50df187f" providerId="AD" clId="Web-{AC30C20D-1316-8ECC-DADD-39CCEC6A7FCF}" dt="2021-10-13T19:03:35.035" v="8" actId="1076"/>
-        <pc:sldMkLst>
-          <pc:docMk/>
-          <pc:sldMk cId="0" sldId="256"/>
-        </pc:sldMkLst>
-        <pc:spChg chg="mod">
-          <ac:chgData name="Lauren Schutte" userId="S::schutte@adobe.com::6e08b2d3-447a-4d66-86be-444d50df187f" providerId="AD" clId="Web-{AC30C20D-1316-8ECC-DADD-39CCEC6A7FCF}" dt="2021-10-13T19:03:27.878" v="7" actId="14100"/>
-          <ac:spMkLst>
-            <pc:docMk/>
-            <pc:sldMk cId="0" sldId="256"/>
-            <ac:spMk id="3" creationId="{00000000-0000-0000-0000-000000000000}"/>
-          </ac:spMkLst>
-        </pc:spChg>
-        <pc:spChg chg="mod">
-          <ac:chgData name="Lauren Schutte" userId="S::schutte@adobe.com::6e08b2d3-447a-4d66-86be-444d50df187f" providerId="AD" clId="Web-{AC30C20D-1316-8ECC-DADD-39CCEC6A7FCF}" dt="2021-10-13T19:03:35.035" v="8" actId="1076"/>
-          <ac:spMkLst>
-            <pc:docMk/>
-            <pc:sldMk cId="0" sldId="256"/>
-            <ac:spMk id="5" creationId="{00000000-0000-0000-0000-000000000000}"/>
-          </ac:spMkLst>
-        </pc:spChg>
+            <pc:sldMk cId="1050037809" sldId="261"/>
+            <ac:graphicFrameMk id="25" creationId="{3A91F5B0-3974-A14D-A146-FB590F2AAD18}"/>
+          </ac:graphicFrameMkLst>
+        </pc:graphicFrameChg>
       </pc:sldChg>
     </pc:docChg>
   </pc:docChgLst>
@@ -353,38 +254,6 @@
             <pc:docMk/>
             <pc:sldMk cId="1050037809" sldId="261"/>
             <ac:graphicFrameMk id="25" creationId="{3A91F5B0-3974-A14D-A146-FB590F2AAD18}"/>
-          </ac:graphicFrameMkLst>
-        </pc:graphicFrameChg>
-      </pc:sldChg>
-    </pc:docChg>
-  </pc:docChgLst>
-  <pc:docChgLst>
-    <pc:chgData name="Lauren Schutte" userId="6e08b2d3-447a-4d66-86be-444d50df187f" providerId="ADAL" clId="{61630BD6-9AE9-064C-B39F-AFA945B82B3E}"/>
-    <pc:docChg chg="undo custSel modSld">
-      <pc:chgData name="Lauren Schutte" userId="6e08b2d3-447a-4d66-86be-444d50df187f" providerId="ADAL" clId="{61630BD6-9AE9-064C-B39F-AFA945B82B3E}" dt="2021-10-13T19:21:08.267" v="201" actId="20577"/>
-      <pc:docMkLst>
-        <pc:docMk/>
-      </pc:docMkLst>
-      <pc:sldChg chg="modSp mod">
-        <pc:chgData name="Lauren Schutte" userId="6e08b2d3-447a-4d66-86be-444d50df187f" providerId="ADAL" clId="{61630BD6-9AE9-064C-B39F-AFA945B82B3E}" dt="2021-10-13T19:21:08.267" v="201" actId="20577"/>
-        <pc:sldMkLst>
-          <pc:docMk/>
-          <pc:sldMk cId="0" sldId="256"/>
-        </pc:sldMkLst>
-        <pc:spChg chg="mod">
-          <ac:chgData name="Lauren Schutte" userId="6e08b2d3-447a-4d66-86be-444d50df187f" providerId="ADAL" clId="{61630BD6-9AE9-064C-B39F-AFA945B82B3E}" dt="2021-10-13T19:03:44.344" v="3" actId="1076"/>
-          <ac:spMkLst>
-            <pc:docMk/>
-            <pc:sldMk cId="0" sldId="256"/>
-            <ac:spMk id="3" creationId="{00000000-0000-0000-0000-000000000000}"/>
-          </ac:spMkLst>
-        </pc:spChg>
-        <pc:graphicFrameChg chg="mod modGraphic">
-          <ac:chgData name="Lauren Schutte" userId="6e08b2d3-447a-4d66-86be-444d50df187f" providerId="ADAL" clId="{61630BD6-9AE9-064C-B39F-AFA945B82B3E}" dt="2021-10-13T19:21:08.267" v="201" actId="20577"/>
-          <ac:graphicFrameMkLst>
-            <pc:docMk/>
-            <pc:sldMk cId="0" sldId="256"/>
-            <ac:graphicFrameMk id="9" creationId="{00000000-0000-0000-0000-000000000000}"/>
           </ac:graphicFrameMkLst>
         </pc:graphicFrameChg>
       </pc:sldChg>
@@ -499,7 +368,7 @@
           <a:p>
             <a:fld id="{FB81873C-0B24-F04A-98A1-90E0A78F7E8A}" type="datetimeFigureOut">
               <a:rPr lang="en-US" smtClean="0"/>
-              <a:t>10/13/2021</a:t>
+              <a:t>10/1/2021</a:t>
             </a:fld>
             <a:endParaRPr lang="en-US"/>
           </a:p>
@@ -1122,7 +991,7 @@
           <a:p>
             <a:fld id="{1D8BD707-D9CF-40AE-B4C6-C98DA3205C09}" type="datetimeFigureOut">
               <a:rPr lang="en-US"/>
-              <a:t>10/13/2021</a:t>
+              <a:t>10/1/2021</a:t>
             </a:fld>
             <a:endParaRPr lang="en-US"/>
           </a:p>
@@ -1314,7 +1183,7 @@
           <a:p>
             <a:fld id="{1D8BD707-D9CF-40AE-B4C6-C98DA3205C09}" type="datetimeFigureOut">
               <a:rPr lang="en-US"/>
-              <a:t>10/13/2021</a:t>
+              <a:t>10/1/2021</a:t>
             </a:fld>
             <a:endParaRPr lang="en-US"/>
           </a:p>
@@ -1632,7 +1501,7 @@
           <a:p>
             <a:fld id="{1D8BD707-D9CF-40AE-B4C6-C98DA3205C09}" type="datetimeFigureOut">
               <a:rPr lang="en-US"/>
-              <a:t>10/13/2021</a:t>
+              <a:t>10/1/2021</a:t>
             </a:fld>
             <a:endParaRPr lang="en-US"/>
           </a:p>
@@ -1886,8 +1755,8 @@
         </p:nvSpPr>
         <p:spPr>
           <a:xfrm>
-            <a:off x="168565" y="7162363"/>
-            <a:ext cx="2800350" cy="238760"/>
+            <a:off x="168564" y="7162363"/>
+            <a:ext cx="3882735" cy="227626"/>
           </a:xfrm>
           <a:prstGeom prst="rect">
             <a:avLst/>
@@ -1908,7 +1777,7 @@
               </a:spcBef>
             </a:pPr>
             <a:r>
-              <a:rPr sz="1400" b="1" u="heavy" spc="10">
+              <a:rPr lang="fr-FR" sz="1400" b="1" u="heavy" dirty="0">
                 <a:solidFill>
                   <a:srgbClr val="020302"/>
                 </a:solidFill>
@@ -1920,87 +1789,8 @@
                 <a:latin typeface="Adobe Clean"/>
                 <a:cs typeface="Adobe Clean"/>
               </a:rPr>
-              <a:t>Service </a:t>
+              <a:t>Cibles du niveau de service : Réponse initiale</a:t>
             </a:r>
-            <a:r>
-              <a:rPr sz="1400" b="1" u="heavy" spc="-10">
-                <a:solidFill>
-                  <a:srgbClr val="020302"/>
-                </a:solidFill>
-                <a:uFill>
-                  <a:solidFill>
-                    <a:srgbClr val="020302"/>
-                  </a:solidFill>
-                </a:uFill>
-                <a:latin typeface="Adobe Clean"/>
-                <a:cs typeface="Adobe Clean"/>
-              </a:rPr>
-              <a:t>Level </a:t>
-            </a:r>
-            <a:r>
-              <a:rPr sz="1400" b="1" u="heavy" spc="-45">
-                <a:solidFill>
-                  <a:srgbClr val="020302"/>
-                </a:solidFill>
-                <a:uFill>
-                  <a:solidFill>
-                    <a:srgbClr val="020302"/>
-                  </a:solidFill>
-                </a:uFill>
-                <a:latin typeface="Adobe Clean"/>
-                <a:cs typeface="Adobe Clean"/>
-              </a:rPr>
-              <a:t>Targets: </a:t>
-            </a:r>
-            <a:r>
-              <a:rPr sz="1400" b="1" u="heavy" spc="-10">
-                <a:solidFill>
-                  <a:srgbClr val="020302"/>
-                </a:solidFill>
-                <a:uFill>
-                  <a:solidFill>
-                    <a:srgbClr val="020302"/>
-                  </a:solidFill>
-                </a:uFill>
-                <a:latin typeface="Adobe Clean"/>
-                <a:cs typeface="Adobe Clean"/>
-              </a:rPr>
-              <a:t>Initial</a:t>
-            </a:r>
-            <a:r>
-              <a:rPr sz="1400" b="1" u="heavy" spc="-140">
-                <a:solidFill>
-                  <a:srgbClr val="020302"/>
-                </a:solidFill>
-                <a:uFill>
-                  <a:solidFill>
-                    <a:srgbClr val="020302"/>
-                  </a:solidFill>
-                </a:uFill>
-                <a:latin typeface="Adobe Clean"/>
-                <a:cs typeface="Adobe Clean"/>
-              </a:rPr>
-              <a:t> </a:t>
-            </a:r>
-            <a:r>
-              <a:rPr sz="1400" b="1" u="heavy" spc="-15">
-                <a:solidFill>
-                  <a:srgbClr val="020302"/>
-                </a:solidFill>
-                <a:uFill>
-                  <a:solidFill>
-                    <a:srgbClr val="020302"/>
-                  </a:solidFill>
-                </a:uFill>
-                <a:latin typeface="Adobe Clean"/>
-                <a:cs typeface="Adobe Clean"/>
-              </a:rPr>
-              <a:t>Response</a:t>
-            </a:r>
-            <a:endParaRPr sz="1400">
-              <a:latin typeface="Adobe Clean"/>
-              <a:cs typeface="Adobe Clean"/>
-            </a:endParaRPr>
           </a:p>
         </p:txBody>
       </p:sp>
@@ -2013,7 +1803,7 @@
         <p:spPr>
           <a:xfrm>
             <a:off x="-8467" y="23397"/>
-            <a:ext cx="7772399" cy="2006345"/>
+            <a:ext cx="7772399" cy="2036902"/>
           </a:xfrm>
           <a:prstGeom prst="rect">
             <a:avLst/>
@@ -2053,7 +1843,7 @@
           </a:prstGeom>
         </p:spPr>
         <p:txBody>
-          <a:bodyPr vert="horz" wrap="square" lIns="0" tIns="12700" rIns="0" bIns="0" rtlCol="0" anchor="t">
+          <a:bodyPr vert="horz" wrap="square" lIns="0" tIns="12700" rIns="0" bIns="0" rtlCol="0">
             <a:spAutoFit/>
           </a:bodyPr>
           <a:lstStyle/>
@@ -2067,20 +1857,11 @@
               </a:spcBef>
             </a:pPr>
             <a:r>
-              <a:rPr sz="2300">
-                <a:latin typeface="Adobe Clean"/>
+              <a:rPr lang="fr-FR" sz="2300">
+                <a:latin typeface="Adobe Clean" panose="020B0503020404020204" pitchFamily="34" charset="0"/>
               </a:rPr>
-              <a:t>ADOBE </a:t>
+              <a:t>OFFRES D’ASSISTANCE ADOBE</a:t>
             </a:r>
-            <a:r>
-              <a:rPr lang="en-US" sz="2300">
-                <a:latin typeface="Adobe Clean"/>
-              </a:rPr>
-              <a:t>SUPPORT PLANS</a:t>
-            </a:r>
-            <a:endParaRPr sz="2300">
-              <a:latin typeface="Adobe Clean" panose="020B0503020404020204" pitchFamily="34" charset="0"/>
-            </a:endParaRPr>
           </a:p>
         </p:txBody>
       </p:sp>
@@ -2092,8 +1873,8 @@
         </p:nvSpPr>
         <p:spPr>
           <a:xfrm>
-            <a:off x="121147" y="531160"/>
-            <a:ext cx="5865216" cy="1269065"/>
+            <a:off x="121147" y="604185"/>
+            <a:ext cx="6055816" cy="1424364"/>
           </a:xfrm>
           <a:prstGeom prst="rect">
             <a:avLst/>
@@ -2114,31 +1895,31 @@
               </a:spcBef>
             </a:pPr>
             <a:r>
-              <a:rPr lang="en-US" sz="900">
+              <a:rPr lang="fr-FR" sz="900" spc="-30" dirty="0">
                 <a:solidFill>
                   <a:schemeClr val="bg1"/>
                 </a:solidFill>
                 <a:latin typeface="Adobe Clean Light" panose="020B0303020404020204" pitchFamily="34" charset="0"/>
               </a:rPr>
-              <a:t>Online | </a:t>
+              <a:t>En ligne | </a:t>
             </a:r>
             <a:r>
-              <a:rPr lang="en-US" sz="900" b="1">
+              <a:rPr lang="fr-FR" sz="900" b="1" spc="-30" dirty="0">
                 <a:solidFill>
                   <a:schemeClr val="bg1"/>
                 </a:solidFill>
                 <a:latin typeface="Adobe Clean" panose="020B0503020404020204" pitchFamily="34" charset="0"/>
               </a:rPr>
-              <a:t>Business</a:t>
+              <a:t>Commerciale</a:t>
             </a:r>
             <a:r>
-              <a:rPr lang="en-US" sz="900">
+              <a:rPr lang="fr-FR" sz="900" spc="-30" dirty="0">
                 <a:solidFill>
                   <a:schemeClr val="bg1"/>
                 </a:solidFill>
                 <a:latin typeface="Adobe Clean Light" panose="020B0303020404020204" pitchFamily="34" charset="0"/>
               </a:rPr>
-              <a:t> | Enterprise | Elite</a:t>
+              <a:t> | Entreprise | Elite</a:t>
             </a:r>
           </a:p>
           <a:p>
@@ -2151,21 +1932,50 @@
               </a:spcBef>
             </a:pPr>
             <a:r>
-              <a:rPr lang="en-US" sz="900">
+              <a:rPr lang="fr-FR" sz="900" spc="-30" dirty="0">
                 <a:solidFill>
                   <a:schemeClr val="bg1"/>
                 </a:solidFill>
                 <a:latin typeface="Adobe Clean SemiLight" panose="020B0403020404020204" pitchFamily="34" charset="0"/>
               </a:rPr>
-              <a:t>Adobe provides a comprehensive range of technical resources to help support your business, included as part of your Experience Cloud license subscription and enhanced in the BUSINESS support package. BUSINESS support includes access to personalized learning paths and monitored community forums via the Adobe Experience League. You can also take advantage of our detailed and in-depth technical product documentation and current release notes. BUSINESS customers also benefit from access to our technical support teams for any product query via either the telephone or the support web portal, to help protect your business at the most critical times. BUSINESS customers will receive regular communications and updates from their Account Support Lead in addition to support case escalation management for your most critical of support requests. </a:t>
+              <a:t>Adobe offre une gamme complète de ressources techniques afin d’appuyer votre entreprise. Elles sont comprises dans votre abonnement à la licence </a:t>
             </a:r>
-            <a:endParaRPr lang="en-US" sz="900">
-              <a:solidFill>
-                <a:schemeClr val="bg1"/>
-              </a:solidFill>
-              <a:latin typeface="Adobe Clean Light" panose="020B0303020404020204" pitchFamily="34" charset="0"/>
-              <a:cs typeface="AdobeClean-Light"/>
-            </a:endParaRPr>
+            <a:r>
+              <a:rPr lang="fr-FR" sz="900" spc="-30" dirty="0" err="1">
+                <a:solidFill>
+                  <a:schemeClr val="bg1"/>
+                </a:solidFill>
+                <a:latin typeface="Adobe Clean SemiLight" panose="020B0403020404020204" pitchFamily="34" charset="0"/>
+              </a:rPr>
+              <a:t>Experience</a:t>
+            </a:r>
+            <a:r>
+              <a:rPr lang="fr-FR" sz="900" spc="-30" dirty="0">
+                <a:solidFill>
+                  <a:schemeClr val="bg1"/>
+                </a:solidFill>
+                <a:latin typeface="Adobe Clean SemiLight" panose="020B0403020404020204" pitchFamily="34" charset="0"/>
+              </a:rPr>
+              <a:t> Cloud et sont améliorées dans le pack d’assistance COMMERCIALE. L’assistance COMMERCIALE comprend un accès à des parcours de formation personnalisés et à des forums communautaires surveillés au travers d’</a:t>
+            </a:r>
+            <a:r>
+              <a:rPr lang="fr-FR" sz="900" spc="-30" dirty="0" err="1">
+                <a:solidFill>
+                  <a:schemeClr val="bg1"/>
+                </a:solidFill>
+                <a:latin typeface="Adobe Clean SemiLight" panose="020B0403020404020204" pitchFamily="34" charset="0"/>
+              </a:rPr>
+              <a:t>Experience</a:t>
+            </a:r>
+            <a:r>
+              <a:rPr lang="fr-FR" sz="900" spc="-30" dirty="0">
+                <a:solidFill>
+                  <a:schemeClr val="bg1"/>
+                </a:solidFill>
+                <a:latin typeface="Adobe Clean SemiLight" panose="020B0403020404020204" pitchFamily="34" charset="0"/>
+              </a:rPr>
+              <a:t> League d’Adobe. Vous pouvez également tirer profit de notre documentation technique détaillée et approfondie sur les produits, ainsi que de nos notes de mise à jour actuelles. Les clients de COMMERCIALE bénéficient également d’un accès à nos équipes d’assistance technique pour toute requête concernant un produit. Cette requête peut être effectuée par téléphone ou via le portail web de l’assistance et permet de protéger votre entreprise aux moments les plus critiques. Les clients de COMMERCIALE recevront régulièrement des informations et des mises à jour de la part de leur assistance principale du compte en plus d’une aide de gestion des remontées de cas en ce qui concerne les requêtes d’assistance les plus critiques. </a:t>
+            </a:r>
           </a:p>
         </p:txBody>
       </p:sp>
@@ -2210,8 +2020,8 @@
         </p:nvSpPr>
         <p:spPr>
           <a:xfrm>
-            <a:off x="5307201" y="9862966"/>
-            <a:ext cx="2465198" cy="132729"/>
+            <a:off x="4895850" y="9862966"/>
+            <a:ext cx="2876549" cy="132729"/>
           </a:xfrm>
           <a:prstGeom prst="rect">
             <a:avLst/>
@@ -2232,24 +2042,24 @@
               </a:spcBef>
             </a:pPr>
             <a:r>
-              <a:rPr spc="-5"/>
-              <a:t>©202</a:t>
+              <a:rPr lang="fr-FR" dirty="0"/>
+              <a:t>©2021 Adobe. All </a:t>
             </a:r>
             <a:r>
-              <a:rPr lang="en-US" spc="-5"/>
-              <a:t>1</a:t>
+              <a:rPr lang="fr-FR" dirty="0" err="1"/>
+              <a:t>Rights</a:t>
             </a:r>
             <a:r>
-              <a:rPr spc="-5"/>
-              <a:t> Adobe. All Rights Reserved. Adobe</a:t>
-            </a:r>
-            <a:r>
-              <a:rPr spc="60"/>
+              <a:rPr lang="fr-FR" dirty="0"/>
               <a:t> </a:t>
             </a:r>
             <a:r>
-              <a:rPr spc="-5"/>
-              <a:t>Confidential.</a:t>
+              <a:rPr lang="fr-FR" dirty="0" err="1"/>
+              <a:t>Reserved</a:t>
+            </a:r>
+            <a:r>
+              <a:rPr lang="fr-FR" dirty="0"/>
+              <a:t>. Données confidentielles Adobe</a:t>
             </a:r>
           </a:p>
         </p:txBody>
@@ -2263,14 +2073,14 @@
           <p:nvPr>
             <p:extLst>
               <p:ext uri="{D42A27DB-BD31-4B8C-83A1-F6EECF244321}">
-                <p14:modId xmlns:p14="http://schemas.microsoft.com/office/powerpoint/2010/main" val="852543156"/>
+                <p14:modId xmlns:p14="http://schemas.microsoft.com/office/powerpoint/2010/main" val="3587222514"/>
               </p:ext>
             </p:extLst>
           </p:nvPr>
         </p:nvGraphicFramePr>
         <p:xfrm>
-          <a:off x="118872" y="7475985"/>
-          <a:ext cx="7498851" cy="2223598"/>
+          <a:off x="121146" y="7475985"/>
+          <a:ext cx="7498852" cy="2207759"/>
         </p:xfrm>
         <a:graphic>
           <a:graphicData uri="http://schemas.openxmlformats.org/drawingml/2006/table">
@@ -2279,7 +2089,7 @@
                 <a:tableStyleId>{2D5ABB26-0587-4C30-8999-92F81FD0307C}</a:tableStyleId>
               </a:tblPr>
               <a:tblGrid>
-                <a:gridCol w="4698744">
+                <a:gridCol w="4698745">
                   <a:extLst>
                     <a:ext uri="{9D8B030D-6E8A-4147-A177-3AD203B41FA5}">
                       <a16:colId xmlns:a16="http://schemas.microsoft.com/office/drawing/2014/main" val="20000"/>
@@ -2301,7 +2111,7 @@
                   </a:extLst>
                 </a:gridCol>
               </a:tblGrid>
-              <a:tr h="291248">
+              <a:tr h="274318">
                 <a:tc>
                   <a:txBody>
                     <a:bodyPr/>
@@ -2316,22 +2126,18 @@
                         </a:spcBef>
                       </a:pPr>
                       <a:r>
-                        <a:rPr sz="900" spc="0">
+                        <a:rPr lang="fr-FR" sz="900">
                           <a:solidFill>
                             <a:srgbClr val="020302"/>
                           </a:solidFill>
                           <a:latin typeface="Adobe Clean"/>
                           <a:cs typeface="Adobe Clean"/>
                         </a:rPr>
-                        <a:t>Priority</a:t>
+                        <a:t>Priorité</a:t>
                       </a:r>
-                      <a:endParaRPr sz="900" spc="0">
-                        <a:latin typeface="Adobe Clean"/>
-                        <a:cs typeface="Adobe Clean"/>
-                      </a:endParaRPr>
                     </a:p>
                   </a:txBody>
-                  <a:tcPr marL="0" marR="0" marT="7620" marB="0">
+                  <a:tcPr marL="0" marR="0" marT="7620" marB="0" anchor="ctr">
                     <a:lnL w="3175">
                       <a:solidFill>
                         <a:srgbClr val="B7B8B8"/>
@@ -2375,22 +2181,18 @@
                         </a:spcBef>
                       </a:pPr>
                       <a:r>
-                        <a:rPr sz="900" spc="0">
+                        <a:rPr lang="fr-FR" sz="900">
                           <a:solidFill>
                             <a:srgbClr val="020302"/>
                           </a:solidFill>
                           <a:latin typeface="Adobe Clean"/>
                           <a:cs typeface="Adobe Clean"/>
                         </a:rPr>
-                        <a:t>Online Support</a:t>
+                        <a:t>Assistance en ligne</a:t>
                       </a:r>
-                      <a:endParaRPr sz="900" spc="0">
-                        <a:latin typeface="Adobe Clean"/>
-                        <a:cs typeface="Adobe Clean"/>
-                      </a:endParaRPr>
                     </a:p>
                   </a:txBody>
-                  <a:tcPr marL="182880" marT="91440" anchor="ctr">
+                  <a:tcPr anchor="ctr">
                     <a:lnL w="3175">
                       <a:solidFill>
                         <a:srgbClr val="B7B8B8"/>
@@ -2434,42 +2236,18 @@
                         </a:spcBef>
                       </a:pPr>
                       <a:r>
-                        <a:rPr sz="900" spc="0">
+                        <a:rPr lang="fr-FR" sz="900">
                           <a:solidFill>
                             <a:srgbClr val="FFFFFF"/>
                           </a:solidFill>
                           <a:latin typeface="Adobe Clean"/>
                           <a:cs typeface="Adobe Clean"/>
                         </a:rPr>
-                        <a:t>Business</a:t>
+                        <a:t>Assistance commerciale</a:t>
                       </a:r>
-                      <a:r>
-                        <a:rPr lang="en-US" sz="900" spc="0">
-                          <a:solidFill>
-                            <a:srgbClr val="FFFFFF"/>
-                          </a:solidFill>
-                          <a:latin typeface="Adobe Clean"/>
-                          <a:cs typeface="Adobe Clean"/>
-                        </a:rPr>
-                        <a:t> </a:t>
-                      </a:r>
-                      <a:r>
-                        <a:rPr sz="900" spc="0">
-                          <a:solidFill>
-                            <a:srgbClr val="FFFFFF"/>
-                          </a:solidFill>
-                          <a:latin typeface="Adobe Clean"/>
-                          <a:cs typeface="Adobe Clean"/>
-                        </a:rPr>
-                        <a:t>Support</a:t>
-                      </a:r>
-                      <a:endParaRPr sz="900" spc="0">
-                        <a:latin typeface="Adobe Clean"/>
-                        <a:cs typeface="Adobe Clean"/>
-                      </a:endParaRPr>
                     </a:p>
                   </a:txBody>
-                  <a:tcPr marL="182880" marT="91440" anchor="ctr">
+                  <a:tcPr anchor="ctr">
                     <a:lnL w="3175">
                       <a:solidFill>
                         <a:srgbClr val="B7B8B8"/>
@@ -2505,7 +2283,7 @@
                   </a:ext>
                 </a:extLst>
               </a:tr>
-              <a:tr h="514672">
+              <a:tr h="530982">
                 <a:tc>
                   <a:txBody>
                     <a:bodyPr/>
@@ -2520,19 +2298,15 @@
                         </a:spcBef>
                       </a:pPr>
                       <a:r>
-                        <a:rPr sz="900" b="1" spc="0">
+                        <a:rPr lang="fr-FR" sz="900" b="1" dirty="0">
                           <a:solidFill>
                             <a:srgbClr val="020302"/>
                           </a:solidFill>
                           <a:latin typeface="Adobe Clean"/>
                           <a:cs typeface="Adobe Clean"/>
                         </a:rPr>
-                        <a:t>PRIORITY 1</a:t>
+                        <a:t>PRIORITÉ 1</a:t>
                       </a:r>
-                      <a:endParaRPr sz="900" spc="0">
-                        <a:latin typeface="Adobe Clean"/>
-                        <a:cs typeface="Adobe Clean"/>
-                      </a:endParaRPr>
                     </a:p>
                     <a:p>
                       <a:pPr marL="50800" marR="387985" lvl="0" indent="0" algn="l" defTabSz="914400" rtl="0" eaLnBrk="1" fontAlgn="auto" latinLnBrk="0" hangingPunct="1">
@@ -2553,19 +2327,48 @@
                         <a:defRPr/>
                       </a:pPr>
                       <a:r>
-                        <a:rPr lang="en-US" sz="900" b="0" i="0" spc="0">
+                        <a:rPr lang="fr-FR" sz="900" b="0" i="0" dirty="0">
                           <a:solidFill>
                             <a:srgbClr val="000000"/>
                           </a:solidFill>
-                          <a:effectLst/>
                           <a:latin typeface="Adobe Clean Light" panose="020B0303020404020204" pitchFamily="34" charset="0"/>
                         </a:rPr>
-                        <a:t>Customer's production business functions are down or have significant data loss or service degradation and immediate attention is required to restore functionality and usability</a:t>
+                        <a:t>Les fonctions commerciales de production du client sont en panne ou présentent une perte </a:t>
                       </a:r>
-                      <a:endParaRPr lang="en-US" sz="900" b="0" i="0" spc="0">
-                        <a:latin typeface="Adobe Clean Light" panose="020B0303020404020204" pitchFamily="34" charset="0"/>
-                        <a:cs typeface="AdobeClean-Light"/>
-                      </a:endParaRPr>
+                      <a:br>
+                        <a:rPr lang="sk-SK" sz="900" b="0" i="0" dirty="0">
+                          <a:solidFill>
+                            <a:srgbClr val="000000"/>
+                          </a:solidFill>
+                          <a:latin typeface="Adobe Clean Light" panose="020B0303020404020204" pitchFamily="34" charset="0"/>
+                        </a:rPr>
+                      </a:br>
+                      <a:r>
+                        <a:rPr lang="fr-FR" sz="900" b="0" i="0" dirty="0">
+                          <a:solidFill>
+                            <a:srgbClr val="000000"/>
+                          </a:solidFill>
+                          <a:latin typeface="Adobe Clean Light" panose="020B0303020404020204" pitchFamily="34" charset="0"/>
+                        </a:rPr>
+                        <a:t>de données ou une dégradation importante du service. Une attention immédiate est requise </a:t>
+                      </a:r>
+                      <a:br>
+                        <a:rPr lang="sk-SK" sz="900" b="0" i="0" dirty="0">
+                          <a:solidFill>
+                            <a:srgbClr val="000000"/>
+                          </a:solidFill>
+                          <a:latin typeface="Adobe Clean Light" panose="020B0303020404020204" pitchFamily="34" charset="0"/>
+                        </a:rPr>
+                      </a:br>
+                      <a:r>
+                        <a:rPr lang="fr-FR" sz="900" b="0" i="0" dirty="0">
+                          <a:solidFill>
+                            <a:srgbClr val="000000"/>
+                          </a:solidFill>
+                          <a:latin typeface="Adobe Clean Light" panose="020B0303020404020204" pitchFamily="34" charset="0"/>
+                        </a:rPr>
+                        <a:t>afin de restaurer les fonctionnalités et l’accessibilité</a:t>
+                      </a:r>
                     </a:p>
                   </a:txBody>
                   <a:tcPr marL="0" marR="0" marT="3810" marB="0">
@@ -2609,62 +2412,18 @@
                         </a:spcBef>
                       </a:pPr>
                       <a:r>
-                        <a:rPr sz="900" spc="0">
+                        <a:rPr lang="fr-FR" sz="900">
                           <a:solidFill>
                             <a:srgbClr val="020302"/>
                           </a:solidFill>
                           <a:latin typeface="AdobeClean-Light"/>
                           <a:cs typeface="AdobeClean-Light"/>
                         </a:rPr>
-                        <a:t>24x7</a:t>
+                        <a:t>24x7 /           1 heure</a:t>
                       </a:r>
-                      <a:r>
-                        <a:rPr lang="en-US" sz="900" spc="0">
-                          <a:solidFill>
-                            <a:srgbClr val="020302"/>
-                          </a:solidFill>
-                          <a:latin typeface="AdobeClean-Light"/>
-                          <a:cs typeface="AdobeClean-Light"/>
-                        </a:rPr>
-                        <a:t> </a:t>
-                      </a:r>
-                      <a:r>
-                        <a:rPr sz="900" spc="0">
-                          <a:solidFill>
-                            <a:srgbClr val="020302"/>
-                          </a:solidFill>
-                          <a:latin typeface="AdobeClean-Light"/>
-                          <a:cs typeface="AdobeClean-Light"/>
-                        </a:rPr>
-                        <a:t>/</a:t>
-                      </a:r>
-                      <a:r>
-                        <a:rPr lang="en-US" sz="900" spc="0">
-                          <a:solidFill>
-                            <a:srgbClr val="020302"/>
-                          </a:solidFill>
-                          <a:latin typeface="AdobeClean-Light"/>
-                          <a:cs typeface="AdobeClean-Light"/>
-                        </a:rPr>
-                        <a:t> </a:t>
-                      </a:r>
-                      <a:r>
-                        <a:rPr sz="900" spc="0">
-                          <a:solidFill>
-                            <a:srgbClr val="020302"/>
-                          </a:solidFill>
-                          <a:latin typeface="AdobeClean-Light"/>
-                          <a:cs typeface="AdobeClean-Light"/>
-                        </a:rPr>
-                        <a:t>1 hour</a:t>
-                      </a:r>
-                      <a:endParaRPr sz="900" spc="0">
-                        <a:latin typeface="AdobeClean-Light"/>
-                        <a:cs typeface="AdobeClean-Light"/>
-                      </a:endParaRPr>
                     </a:p>
                   </a:txBody>
-                  <a:tcPr marL="0" marR="0" marT="91440" marB="91440" anchor="ctr" anchorCtr="1">
+                  <a:tcPr anchor="ctr">
                     <a:lnL w="3175">
                       <a:solidFill>
                         <a:srgbClr val="B7B8B8"/>
@@ -2705,62 +2464,18 @@
                         </a:spcBef>
                       </a:pPr>
                       <a:r>
-                        <a:rPr sz="900" spc="0">
+                        <a:rPr lang="fr-FR" sz="900">
                           <a:solidFill>
                             <a:srgbClr val="020302"/>
                           </a:solidFill>
                           <a:latin typeface="AdobeClean-Light"/>
                           <a:cs typeface="AdobeClean-Light"/>
                         </a:rPr>
-                        <a:t>24x7</a:t>
+                        <a:t>24x7 /          1 heure</a:t>
                       </a:r>
-                      <a:r>
-                        <a:rPr lang="en-US" sz="900" spc="0">
-                          <a:solidFill>
-                            <a:srgbClr val="020302"/>
-                          </a:solidFill>
-                          <a:latin typeface="AdobeClean-Light"/>
-                          <a:cs typeface="AdobeClean-Light"/>
-                        </a:rPr>
-                        <a:t> </a:t>
-                      </a:r>
-                      <a:r>
-                        <a:rPr sz="900" spc="0">
-                          <a:solidFill>
-                            <a:srgbClr val="020302"/>
-                          </a:solidFill>
-                          <a:latin typeface="AdobeClean-Light"/>
-                          <a:cs typeface="AdobeClean-Light"/>
-                        </a:rPr>
-                        <a:t>/</a:t>
-                      </a:r>
-                      <a:r>
-                        <a:rPr lang="en-US" sz="900" spc="0">
-                          <a:solidFill>
-                            <a:srgbClr val="020302"/>
-                          </a:solidFill>
-                          <a:latin typeface="AdobeClean-Light"/>
-                          <a:cs typeface="AdobeClean-Light"/>
-                        </a:rPr>
-                        <a:t> </a:t>
-                      </a:r>
-                      <a:r>
-                        <a:rPr sz="900" spc="0">
-                          <a:solidFill>
-                            <a:srgbClr val="020302"/>
-                          </a:solidFill>
-                          <a:latin typeface="AdobeClean-Light"/>
-                          <a:cs typeface="AdobeClean-Light"/>
-                        </a:rPr>
-                        <a:t>1 hour</a:t>
-                      </a:r>
-                      <a:endParaRPr sz="900" spc="0">
-                        <a:latin typeface="AdobeClean-Light"/>
-                        <a:cs typeface="AdobeClean-Light"/>
-                      </a:endParaRPr>
                     </a:p>
                   </a:txBody>
-                  <a:tcPr marL="0" marR="0" marT="91440" marB="91440" anchor="ctr" anchorCtr="1">
+                  <a:tcPr anchor="ctr">
                     <a:lnL w="3175">
                       <a:solidFill>
                         <a:srgbClr val="B7B8B8"/>
@@ -2798,7 +2513,7 @@
                   </a:ext>
                 </a:extLst>
               </a:tr>
-              <a:tr h="514672">
+              <a:tr h="484755">
                 <a:tc>
                   <a:txBody>
                     <a:bodyPr/>
@@ -2813,19 +2528,15 @@
                         </a:spcBef>
                       </a:pPr>
                       <a:r>
-                        <a:rPr sz="900" b="1" spc="0">
+                        <a:rPr lang="fr-FR" sz="900" b="1" dirty="0">
                           <a:solidFill>
                             <a:srgbClr val="020302"/>
                           </a:solidFill>
                           <a:latin typeface="Adobe Clean"/>
                           <a:cs typeface="Adobe Clean"/>
                         </a:rPr>
-                        <a:t>PRIORITY 2</a:t>
+                        <a:t>PRIORITÉ 2</a:t>
                       </a:r>
-                      <a:endParaRPr sz="900" spc="0">
-                        <a:latin typeface="Adobe Clean"/>
-                        <a:cs typeface="Adobe Clean"/>
-                      </a:endParaRPr>
                     </a:p>
                     <a:p>
                       <a:pPr marL="50165" marR="203200">
@@ -2837,19 +2548,14 @@
                         </a:spcBef>
                       </a:pPr>
                       <a:r>
-                        <a:rPr lang="en-US" sz="900" b="0" i="0" spc="0">
+                        <a:rPr lang="fr-FR" sz="900" b="0" i="0" dirty="0">
                           <a:solidFill>
                             <a:srgbClr val="000000"/>
                           </a:solidFill>
-                          <a:effectLst/>
                           <a:latin typeface="Adobe Clean Light" panose="020B0303020404020204" pitchFamily="34" charset="0"/>
                         </a:rPr>
-                        <a:t>Customer's business functions have major service degradation or potential data loss, or a major feature is impacted </a:t>
+                        <a:t>Les fonctions commerciales du client présentent une dégradation importante du service ou une perte potentielle de données. Il est également possible qu’une fonctionnalité majeure soit affectée </a:t>
                       </a:r>
-                      <a:endParaRPr lang="en-US" sz="900" b="0" i="0" spc="0">
-                        <a:latin typeface="Adobe Clean Light" panose="020B0303020404020204" pitchFamily="34" charset="0"/>
-                        <a:cs typeface="AdobeClean-Light"/>
-                      </a:endParaRPr>
                     </a:p>
                   </a:txBody>
                   <a:tcPr marL="0" marR="0" marT="3810" marB="0">
@@ -2893,82 +2599,18 @@
                         </a:spcBef>
                       </a:pPr>
                       <a:r>
-                        <a:rPr sz="900" spc="0">
+                        <a:rPr lang="fr-FR" sz="900">
                           <a:solidFill>
                             <a:srgbClr val="020302"/>
                           </a:solidFill>
                           <a:latin typeface="AdobeClean-Light"/>
                           <a:cs typeface="AdobeClean-Light"/>
                         </a:rPr>
-                        <a:t>Business</a:t>
+                        <a:t>Heures d’ouverture /     4 heures</a:t>
                       </a:r>
-                      <a:r>
-                        <a:rPr lang="en-US" sz="900" spc="0">
-                          <a:solidFill>
-                            <a:srgbClr val="020302"/>
-                          </a:solidFill>
-                          <a:latin typeface="AdobeClean-Light"/>
-                          <a:cs typeface="AdobeClean-Light"/>
-                        </a:rPr>
-                        <a:t> </a:t>
-                      </a:r>
-                      <a:r>
-                        <a:rPr sz="900" spc="0">
-                          <a:solidFill>
-                            <a:srgbClr val="020302"/>
-                          </a:solidFill>
-                          <a:latin typeface="AdobeClean-Light"/>
-                          <a:cs typeface="AdobeClean-Light"/>
-                        </a:rPr>
-                        <a:t>hours</a:t>
-                      </a:r>
-                      <a:r>
-                        <a:rPr lang="en-US" sz="900" spc="0">
-                          <a:solidFill>
-                            <a:srgbClr val="020302"/>
-                          </a:solidFill>
-                          <a:latin typeface="AdobeClean-Light"/>
-                          <a:cs typeface="AdobeClean-Light"/>
-                        </a:rPr>
-                        <a:t> </a:t>
-                      </a:r>
-                      <a:r>
-                        <a:rPr sz="900" spc="0">
-                          <a:solidFill>
-                            <a:srgbClr val="020302"/>
-                          </a:solidFill>
-                          <a:latin typeface="AdobeClean-Light"/>
-                          <a:cs typeface="AdobeClean-Light"/>
-                        </a:rPr>
-                        <a:t>/</a:t>
-                      </a:r>
-                      <a:r>
-                        <a:rPr lang="en-US" sz="900" spc="0">
-                          <a:solidFill>
-                            <a:srgbClr val="020302"/>
-                          </a:solidFill>
-                          <a:latin typeface="AdobeClean-Light"/>
-                          <a:cs typeface="AdobeClean-Light"/>
-                        </a:rPr>
-                        <a:t> </a:t>
-                      </a:r>
-                      <a:r>
-                        <a:rPr sz="900" spc="0">
-                          <a:solidFill>
-                            <a:srgbClr val="020302"/>
-                          </a:solidFill>
-                          <a:latin typeface="AdobeClean-Light"/>
-                          <a:cs typeface="AdobeClean-Light"/>
-                        </a:rPr>
-                        <a:t>4 hours</a:t>
-                      </a:r>
-                      <a:endParaRPr sz="900" spc="0">
-                        <a:latin typeface="AdobeClean-Light"/>
-                        <a:cs typeface="AdobeClean-Light"/>
-                      </a:endParaRPr>
                     </a:p>
                   </a:txBody>
-                  <a:tcPr marL="0" marR="0" marT="91440" marB="91440" anchor="ctr" anchorCtr="1">
+                  <a:tcPr anchor="ctr">
                     <a:lnL w="3175">
                       <a:solidFill>
                         <a:srgbClr val="B7B8B8"/>
@@ -3009,92 +2651,18 @@
                         </a:spcBef>
                       </a:pPr>
                       <a:r>
-                        <a:rPr lang="en-US" sz="900" spc="0">
+                        <a:rPr lang="fr-FR" sz="900">
                           <a:solidFill>
                             <a:srgbClr val="020302"/>
                           </a:solidFill>
                           <a:latin typeface="AdobeClean-Light"/>
                           <a:cs typeface="AdobeClean-Light"/>
                         </a:rPr>
-                        <a:t>    </a:t>
+                        <a:t>Heures d’ouverture /      2 heures</a:t>
                       </a:r>
-                      <a:r>
-                        <a:rPr sz="900" spc="0">
-                          <a:solidFill>
-                            <a:srgbClr val="020302"/>
-                          </a:solidFill>
-                          <a:latin typeface="AdobeClean-Light"/>
-                          <a:cs typeface="AdobeClean-Light"/>
-                        </a:rPr>
-                        <a:t>Business</a:t>
-                      </a:r>
-                      <a:r>
-                        <a:rPr lang="en-US" sz="900" spc="0">
-                          <a:solidFill>
-                            <a:srgbClr val="020302"/>
-                          </a:solidFill>
-                          <a:latin typeface="AdobeClean-Light"/>
-                          <a:cs typeface="AdobeClean-Light"/>
-                        </a:rPr>
-                        <a:t> </a:t>
-                      </a:r>
-                      <a:r>
-                        <a:rPr sz="900" spc="0">
-                          <a:solidFill>
-                            <a:srgbClr val="020302"/>
-                          </a:solidFill>
-                          <a:latin typeface="AdobeClean-Light"/>
-                          <a:cs typeface="AdobeClean-Light"/>
-                        </a:rPr>
-                        <a:t>hours</a:t>
-                      </a:r>
-                      <a:r>
-                        <a:rPr lang="en-US" sz="900" spc="0">
-                          <a:solidFill>
-                            <a:srgbClr val="020302"/>
-                          </a:solidFill>
-                          <a:latin typeface="AdobeClean-Light"/>
-                          <a:cs typeface="AdobeClean-Light"/>
-                        </a:rPr>
-                        <a:t> / </a:t>
-                      </a:r>
-                      <a:r>
-                        <a:rPr sz="900" spc="0">
-                          <a:solidFill>
-                            <a:srgbClr val="020302"/>
-                          </a:solidFill>
-                          <a:latin typeface="AdobeClean-Light"/>
-                          <a:cs typeface="AdobeClean-Light"/>
-                        </a:rPr>
-                        <a:t>2</a:t>
-                      </a:r>
-                      <a:r>
-                        <a:rPr lang="en-US" sz="900" spc="0">
-                          <a:solidFill>
-                            <a:srgbClr val="020302"/>
-                          </a:solidFill>
-                          <a:latin typeface="AdobeClean-Light"/>
-                          <a:cs typeface="AdobeClean-Light"/>
-                        </a:rPr>
-                        <a:t> </a:t>
-                      </a:r>
-                      <a:r>
-                        <a:rPr sz="900" spc="0">
-                          <a:solidFill>
-                            <a:srgbClr val="020302"/>
-                          </a:solidFill>
-                          <a:latin typeface="AdobeClean-Light"/>
-                          <a:cs typeface="AdobeClean-Light"/>
-                        </a:rPr>
-                        <a:t>hours</a:t>
-                      </a:r>
-                      <a:endParaRPr sz="900" spc="0">
-                        <a:latin typeface="AdobeClean-Light"/>
-                        <a:cs typeface="AdobeClean-Light"/>
-                      </a:endParaRPr>
                     </a:p>
                   </a:txBody>
-                  <a:tcPr marL="0" marR="0" marT="91440" marB="91440" anchor="ctr" anchorCtr="1">
+                  <a:tcPr anchor="ctr">
                     <a:lnL w="3175">
                       <a:solidFill>
                         <a:srgbClr val="B7B8B8"/>
@@ -3132,7 +2700,7 @@
                   </a:ext>
                 </a:extLst>
               </a:tr>
-              <a:tr h="514673">
+              <a:tr h="484756">
                 <a:tc>
                   <a:txBody>
                     <a:bodyPr/>
@@ -3147,19 +2715,15 @@
                         </a:spcBef>
                       </a:pPr>
                       <a:r>
-                        <a:rPr sz="900" b="1" spc="0">
+                        <a:rPr lang="fr-FR" sz="900" b="1">
                           <a:solidFill>
                             <a:srgbClr val="020302"/>
                           </a:solidFill>
                           <a:latin typeface="Adobe Clean"/>
                           <a:cs typeface="Adobe Clean"/>
                         </a:rPr>
-                        <a:t>PRIORITY 3</a:t>
+                        <a:t>PRIORITÉ 3</a:t>
                       </a:r>
-                      <a:endParaRPr sz="900" spc="0">
-                        <a:latin typeface="Adobe Clean"/>
-                        <a:cs typeface="Adobe Clean"/>
-                      </a:endParaRPr>
                     </a:p>
                     <a:p>
                       <a:pPr marL="49530" marR="212090" indent="-2540">
@@ -3171,26 +2735,21 @@
                         </a:spcBef>
                       </a:pPr>
                       <a:r>
-                        <a:rPr kumimoji="0" lang="en-US" sz="900" b="0" i="0" u="none" strike="noStrike" kern="1200" cap="none" spc="0" normalizeH="0" baseline="0" noProof="0">
+                        <a:rPr kumimoji="0" lang="fr-FR" sz="900" b="0" i="0" u="none" strike="noStrike" cap="none" normalizeH="0" baseline="0" noProof="0">
                           <a:ln>
                             <a:noFill/>
                           </a:ln>
                           <a:solidFill>
                             <a:srgbClr val="000000"/>
                           </a:solidFill>
-                          <a:effectLst/>
                           <a:uLnTx/>
                           <a:uFillTx/>
                           <a:latin typeface="Adobe Clean Light" panose="020B0303020404020204" pitchFamily="34" charset="0"/>
                           <a:ea typeface="+mn-ea"/>
                           <a:cs typeface="+mn-cs"/>
                         </a:rPr>
-                        <a:t>Customer's business functions have minor service degradation but there exists a solution/workaround allowing business functions to continue </a:t>
+                        <a:t>Les fonctions commerciales du client présentent une dégradation mineure du service, mais il existe une solution/un moyen permettant aux fonctions commerciales de continuer de fonctionner </a:t>
                       </a:r>
-                      <a:endParaRPr lang="en-US" sz="900" b="0" i="0" spc="0">
-                        <a:latin typeface="Adobe Clean Light" panose="020B0303020404020204" pitchFamily="34" charset="0"/>
-                        <a:cs typeface="AdobeClean-Light"/>
-                      </a:endParaRPr>
                     </a:p>
                   </a:txBody>
                   <a:tcPr marL="0" marR="0" marT="3810" marB="0">
@@ -3234,92 +2793,18 @@
                         </a:spcBef>
                       </a:pPr>
                       <a:r>
-                        <a:rPr lang="en-US" sz="900" spc="0">
+                        <a:rPr lang="fr-FR" sz="900">
                           <a:solidFill>
                             <a:srgbClr val="020302"/>
                           </a:solidFill>
                           <a:latin typeface="AdobeClean-Light"/>
                           <a:cs typeface="AdobeClean-Light"/>
                         </a:rPr>
-                        <a:t>   </a:t>
+                        <a:t>Heures d’ouverture /     6 heures</a:t>
                       </a:r>
-                      <a:r>
-                        <a:rPr sz="900" spc="0">
-                          <a:solidFill>
-                            <a:srgbClr val="020302"/>
-                          </a:solidFill>
-                          <a:latin typeface="AdobeClean-Light"/>
-                          <a:cs typeface="AdobeClean-Light"/>
-                        </a:rPr>
-                        <a:t>Business</a:t>
-                      </a:r>
-                      <a:r>
-                        <a:rPr lang="en-US" sz="900" spc="0">
-                          <a:solidFill>
-                            <a:srgbClr val="020302"/>
-                          </a:solidFill>
-                          <a:latin typeface="AdobeClean-Light"/>
-                          <a:cs typeface="AdobeClean-Light"/>
-                        </a:rPr>
-                        <a:t> </a:t>
-                      </a:r>
-                      <a:r>
-                        <a:rPr sz="900" spc="0">
-                          <a:solidFill>
-                            <a:srgbClr val="020302"/>
-                          </a:solidFill>
-                          <a:latin typeface="AdobeClean-Light"/>
-                          <a:cs typeface="AdobeClean-Light"/>
-                        </a:rPr>
-                        <a:t>hours</a:t>
-                      </a:r>
-                      <a:r>
-                        <a:rPr lang="en-US" sz="900" spc="0">
-                          <a:solidFill>
-                            <a:srgbClr val="020302"/>
-                          </a:solidFill>
-                          <a:latin typeface="AdobeClean-Light"/>
-                          <a:cs typeface="AdobeClean-Light"/>
-                        </a:rPr>
-                        <a:t> / </a:t>
-                      </a:r>
-                      <a:r>
-                        <a:rPr sz="900" spc="0">
-                          <a:solidFill>
-                            <a:srgbClr val="020302"/>
-                          </a:solidFill>
-                          <a:latin typeface="AdobeClean-Light"/>
-                          <a:cs typeface="AdobeClean-Light"/>
-                        </a:rPr>
-                        <a:t>6</a:t>
-                      </a:r>
-                      <a:r>
-                        <a:rPr lang="en-US" sz="900" spc="0">
-                          <a:solidFill>
-                            <a:srgbClr val="020302"/>
-                          </a:solidFill>
-                          <a:latin typeface="AdobeClean-Light"/>
-                          <a:cs typeface="AdobeClean-Light"/>
-                        </a:rPr>
-                        <a:t> </a:t>
-                      </a:r>
-                      <a:r>
-                        <a:rPr sz="900" spc="0">
-                          <a:solidFill>
-                            <a:srgbClr val="020302"/>
-                          </a:solidFill>
-                          <a:latin typeface="AdobeClean-Light"/>
-                          <a:cs typeface="AdobeClean-Light"/>
-                        </a:rPr>
-                        <a:t>hours</a:t>
-                      </a:r>
-                      <a:endParaRPr sz="900" spc="0">
-                        <a:latin typeface="AdobeClean-Light"/>
-                        <a:cs typeface="AdobeClean-Light"/>
-                      </a:endParaRPr>
                     </a:p>
                   </a:txBody>
-                  <a:tcPr marL="0" marR="0" marT="91440" marB="91440" anchor="ctr" anchorCtr="1">
+                  <a:tcPr anchor="ctr">
                     <a:lnL w="3175">
                       <a:solidFill>
                         <a:srgbClr val="B7B8B8"/>
@@ -3360,82 +2845,18 @@
                         </a:spcBef>
                       </a:pPr>
                       <a:r>
-                        <a:rPr sz="900" spc="0">
+                        <a:rPr lang="fr-FR" sz="900">
                           <a:solidFill>
                             <a:srgbClr val="020302"/>
                           </a:solidFill>
                           <a:latin typeface="AdobeClean-Light"/>
                           <a:cs typeface="AdobeClean-Light"/>
                         </a:rPr>
-                        <a:t>Business</a:t>
+                        <a:t>Heures d’ouverture /     4 heures</a:t>
                       </a:r>
-                      <a:r>
-                        <a:rPr lang="en-US" sz="900" spc="0">
-                          <a:solidFill>
-                            <a:srgbClr val="020302"/>
-                          </a:solidFill>
-                          <a:latin typeface="AdobeClean-Light"/>
-                          <a:cs typeface="AdobeClean-Light"/>
-                        </a:rPr>
-                        <a:t> </a:t>
-                      </a:r>
-                      <a:r>
-                        <a:rPr sz="900" spc="0">
-                          <a:solidFill>
-                            <a:srgbClr val="020302"/>
-                          </a:solidFill>
-                          <a:latin typeface="AdobeClean-Light"/>
-                          <a:cs typeface="AdobeClean-Light"/>
-                        </a:rPr>
-                        <a:t>hours</a:t>
-                      </a:r>
-                      <a:r>
-                        <a:rPr lang="en-US" sz="900" spc="0">
-                          <a:solidFill>
-                            <a:srgbClr val="020302"/>
-                          </a:solidFill>
-                          <a:latin typeface="AdobeClean-Light"/>
-                          <a:cs typeface="AdobeClean-Light"/>
-                        </a:rPr>
-                        <a:t> </a:t>
-                      </a:r>
-                      <a:r>
-                        <a:rPr sz="900" spc="0">
-                          <a:solidFill>
-                            <a:srgbClr val="020302"/>
-                          </a:solidFill>
-                          <a:latin typeface="AdobeClean-Light"/>
-                          <a:cs typeface="AdobeClean-Light"/>
-                        </a:rPr>
-                        <a:t>/ 4</a:t>
-                      </a:r>
-                      <a:r>
-                        <a:rPr lang="en-US" sz="900" spc="0">
-                          <a:solidFill>
-                            <a:srgbClr val="020302"/>
-                          </a:solidFill>
-                          <a:latin typeface="AdobeClean-Light"/>
-                          <a:cs typeface="AdobeClean-Light"/>
-                        </a:rPr>
-                        <a:t> </a:t>
-                      </a:r>
-                      <a:r>
-                        <a:rPr sz="900" spc="0">
-                          <a:solidFill>
-                            <a:srgbClr val="020302"/>
-                          </a:solidFill>
-                          <a:latin typeface="AdobeClean-Light"/>
-                          <a:cs typeface="AdobeClean-Light"/>
-                        </a:rPr>
-                        <a:t>hours</a:t>
-                      </a:r>
-                      <a:endParaRPr sz="900" spc="0">
-                        <a:latin typeface="AdobeClean-Light"/>
-                        <a:cs typeface="AdobeClean-Light"/>
-                      </a:endParaRPr>
                     </a:p>
                   </a:txBody>
-                  <a:tcPr marL="0" marR="0" marT="91440" marB="91440" anchor="ctr" anchorCtr="1">
+                  <a:tcPr anchor="ctr">
                     <a:lnL w="3175">
                       <a:solidFill>
                         <a:srgbClr val="B7B8B8"/>
@@ -3473,7 +2894,7 @@
                   </a:ext>
                 </a:extLst>
               </a:tr>
-              <a:tr h="388333">
+              <a:tr h="359998">
                 <a:tc>
                   <a:txBody>
                     <a:bodyPr/>
@@ -3488,19 +2909,15 @@
                         </a:spcBef>
                       </a:pPr>
                       <a:r>
-                        <a:rPr sz="900" b="1" spc="0">
+                        <a:rPr lang="fr-FR" sz="900" b="1">
                           <a:solidFill>
                             <a:srgbClr val="020302"/>
                           </a:solidFill>
                           <a:latin typeface="Adobe Clean"/>
                           <a:cs typeface="Adobe Clean"/>
                         </a:rPr>
-                        <a:t>PRIORITY 4</a:t>
+                        <a:t>PRIORITÉ 4</a:t>
                       </a:r>
-                      <a:endParaRPr sz="900" spc="0">
-                        <a:latin typeface="Adobe Clean"/>
-                        <a:cs typeface="Adobe Clean"/>
-                      </a:endParaRPr>
                     </a:p>
                     <a:p>
                       <a:pPr marL="48895" marR="0" lvl="0" indent="0" defTabSz="914400" eaLnBrk="1" fontAlgn="auto" latinLnBrk="0" hangingPunct="1">
@@ -3521,19 +2938,14 @@
                         <a:defRPr/>
                       </a:pPr>
                       <a:r>
-                        <a:rPr lang="en-US" sz="900" b="0" i="0" spc="0">
+                        <a:rPr lang="fr-FR" sz="900" b="0" i="0">
                           <a:solidFill>
                             <a:srgbClr val="000000"/>
                           </a:solidFill>
-                          <a:effectLst/>
                           <a:latin typeface="Adobe Clean Light" panose="020B0303020404020204" pitchFamily="34" charset="0"/>
                         </a:rPr>
-                        <a:t>General question regarding current product functionality or an enhancement request</a:t>
+                        <a:t>Question générale concernant les fonctionnalités actuelles du produit ou une demande d’amélioration</a:t>
                       </a:r>
-                      <a:endParaRPr lang="en-US" sz="900" b="0" i="0" spc="0">
-                        <a:latin typeface="Adobe Clean Light" panose="020B0303020404020204" pitchFamily="34" charset="0"/>
-                        <a:cs typeface="AdobeClean-Light"/>
-                      </a:endParaRPr>
                     </a:p>
                   </a:txBody>
                   <a:tcPr marL="0" marR="0" marT="1905" marB="0">
@@ -3577,72 +2989,18 @@
                         </a:spcBef>
                       </a:pPr>
                       <a:r>
-                        <a:rPr lang="en-US" sz="900" spc="0">
+                        <a:rPr lang="fr-FR" sz="900">
                           <a:solidFill>
                             <a:srgbClr val="020302"/>
                           </a:solidFill>
                           <a:latin typeface="AdobeClean-Light"/>
                           <a:cs typeface="AdobeClean-Light"/>
                         </a:rPr>
-                        <a:t>  </a:t>
+                        <a:t>Jours ouvrables /      3 jours</a:t>
                       </a:r>
-                      <a:r>
-                        <a:rPr sz="900" spc="0">
-                          <a:solidFill>
-                            <a:srgbClr val="020302"/>
-                          </a:solidFill>
-                          <a:latin typeface="AdobeClean-Light"/>
-                          <a:cs typeface="AdobeClean-Light"/>
-                        </a:rPr>
-                        <a:t>Business</a:t>
-                      </a:r>
-                      <a:r>
-                        <a:rPr lang="en-US" sz="900" spc="0">
-                          <a:solidFill>
-                            <a:srgbClr val="020302"/>
-                          </a:solidFill>
-                          <a:latin typeface="AdobeClean-Light"/>
-                          <a:cs typeface="AdobeClean-Light"/>
-                        </a:rPr>
-                        <a:t> </a:t>
-                      </a:r>
-                      <a:r>
-                        <a:rPr sz="900" spc="0">
-                          <a:solidFill>
-                            <a:srgbClr val="020302"/>
-                          </a:solidFill>
-                          <a:latin typeface="AdobeClean-Light"/>
-                          <a:cs typeface="AdobeClean-Light"/>
-                        </a:rPr>
-                        <a:t>days</a:t>
-                      </a:r>
-                      <a:r>
-                        <a:rPr lang="en-US" sz="900" spc="0">
-                          <a:solidFill>
-                            <a:srgbClr val="020302"/>
-                          </a:solidFill>
-                          <a:latin typeface="AdobeClean-Light"/>
-                          <a:cs typeface="AdobeClean-Light"/>
-                        </a:rPr>
-                        <a:t> / </a:t>
-                      </a:r>
-                      <a:r>
-                        <a:rPr sz="900" spc="0">
-                          <a:solidFill>
-                            <a:srgbClr val="020302"/>
-                          </a:solidFill>
-                          <a:latin typeface="AdobeClean-Light"/>
-                          <a:cs typeface="AdobeClean-Light"/>
-                        </a:rPr>
-                        <a:t>3 days</a:t>
-                      </a:r>
-                      <a:endParaRPr sz="900" spc="0">
-                        <a:latin typeface="AdobeClean-Light"/>
-                        <a:cs typeface="AdobeClean-Light"/>
-                      </a:endParaRPr>
                     </a:p>
                   </a:txBody>
-                  <a:tcPr marL="0" marR="0" marT="91440" marB="91440" anchor="ctr" anchorCtr="1">
+                  <a:tcPr anchor="ctr">
                     <a:lnL w="3175">
                       <a:solidFill>
                         <a:srgbClr val="B7B8B8"/>
@@ -3683,82 +3041,38 @@
                         </a:spcBef>
                       </a:pPr>
                       <a:r>
-                        <a:rPr sz="900" spc="0">
+                        <a:rPr lang="fr-FR" sz="900" dirty="0">
                           <a:solidFill>
                             <a:srgbClr val="020302"/>
                           </a:solidFill>
                           <a:latin typeface="AdobeClean-Light"/>
                           <a:cs typeface="AdobeClean-Light"/>
                         </a:rPr>
-                        <a:t>Business</a:t>
+                        <a:t>Jours ouvrables / </a:t>
                       </a:r>
+                    </a:p>
+                    <a:p>
+                      <a:pPr marL="370840" marR="223520" indent="-202565" algn="ctr">
+                        <a:lnSpc>
+                          <a:spcPct val="100000"/>
+                        </a:lnSpc>
+                        <a:spcBef>
+                          <a:spcPts val="155"/>
+                        </a:spcBef>
+                      </a:pPr>
                       <a:r>
-                        <a:rPr lang="en-US" sz="900" spc="0">
+                        <a:rPr lang="fr-FR" sz="900" dirty="0">
                           <a:solidFill>
                             <a:srgbClr val="020302"/>
                           </a:solidFill>
                           <a:latin typeface="AdobeClean-Light"/>
                           <a:cs typeface="AdobeClean-Light"/>
                         </a:rPr>
-                        <a:t> </a:t>
+                        <a:t>  1 jour</a:t>
                       </a:r>
-                      <a:r>
-                        <a:rPr sz="900" spc="0">
-                          <a:solidFill>
-                            <a:srgbClr val="020302"/>
-                          </a:solidFill>
-                          <a:latin typeface="AdobeClean-Light"/>
-                          <a:cs typeface="AdobeClean-Light"/>
-                        </a:rPr>
-                        <a:t>day</a:t>
-                      </a:r>
-                      <a:r>
-                        <a:rPr lang="en-US" sz="900" spc="0">
-                          <a:solidFill>
-                            <a:srgbClr val="020302"/>
-                          </a:solidFill>
-                          <a:latin typeface="AdobeClean-Light"/>
-                          <a:cs typeface="AdobeClean-Light"/>
-                        </a:rPr>
-                        <a:t>s </a:t>
-                      </a:r>
-                      <a:r>
-                        <a:rPr sz="900" spc="0">
-                          <a:solidFill>
-                            <a:srgbClr val="020302"/>
-                          </a:solidFill>
-                          <a:latin typeface="AdobeClean-Light"/>
-                          <a:cs typeface="AdobeClean-Light"/>
-                        </a:rPr>
-                        <a:t>/</a:t>
-                      </a:r>
-                      <a:r>
-                        <a:rPr lang="en-US" sz="900" spc="0">
-                          <a:solidFill>
-                            <a:srgbClr val="020302"/>
-                          </a:solidFill>
-                          <a:latin typeface="AdobeClean-Light"/>
-                          <a:cs typeface="AdobeClean-Light"/>
-                        </a:rPr>
-                        <a:t> </a:t>
-                      </a:r>
-                      <a:r>
-                        <a:rPr sz="900" spc="0">
-                          <a:solidFill>
-                            <a:srgbClr val="020302"/>
-                          </a:solidFill>
-                          <a:latin typeface="AdobeClean-Light"/>
-                          <a:cs typeface="AdobeClean-Light"/>
-                        </a:rPr>
-                        <a:t>1 day</a:t>
-                      </a:r>
-                      <a:endParaRPr sz="900" spc="0">
-                        <a:latin typeface="AdobeClean-Light"/>
-                        <a:cs typeface="AdobeClean-Light"/>
-                      </a:endParaRPr>
                     </a:p>
                   </a:txBody>
-                  <a:tcPr marL="0" marR="0" marT="91440" marB="91440" anchor="ctr" anchorCtr="1">
+                  <a:tcPr anchor="ctr">
                     <a:lnL w="3175">
                       <a:solidFill>
                         <a:srgbClr val="B7B8B8"/>
@@ -3815,14 +3129,14 @@
           <p:nvPr>
             <p:extLst>
               <p:ext uri="{D42A27DB-BD31-4B8C-83A1-F6EECF244321}">
-                <p14:modId xmlns:p14="http://schemas.microsoft.com/office/powerpoint/2010/main" val="116851390"/>
+                <p14:modId xmlns:p14="http://schemas.microsoft.com/office/powerpoint/2010/main" val="4099234316"/>
               </p:ext>
             </p:extLst>
           </p:nvPr>
         </p:nvGraphicFramePr>
         <p:xfrm>
           <a:off x="121147" y="2120949"/>
-          <a:ext cx="7498851" cy="4714546"/>
+          <a:ext cx="7498851" cy="4815558"/>
         </p:xfrm>
         <a:graphic>
           <a:graphicData uri="http://schemas.openxmlformats.org/drawingml/2006/table">
@@ -3866,7 +3180,7 @@
                     <a:bodyPr/>
                     <a:lstStyle/>
                     <a:p>
-                      <a:endParaRPr lang="en-US"/>
+                      <a:endParaRPr lang="en-US" dirty="0"/>
                     </a:p>
                   </a:txBody>
                   <a:tcPr/>
@@ -3904,39 +3218,15 @@
                         <a:defRPr/>
                       </a:pPr>
                       <a:r>
-                        <a:rPr lang="en-US" sz="900" spc="-20">
+                        <a:rPr lang="fr-FR" sz="900">
                           <a:solidFill>
                             <a:srgbClr val="404040"/>
                           </a:solidFill>
                           <a:latin typeface="Adobe Clean"/>
                           <a:cs typeface="Adobe Clean"/>
                         </a:rPr>
-                        <a:t>Online </a:t>
+                        <a:t>Assistance en ligne</a:t>
                       </a:r>
-                      <a:r>
-                        <a:rPr lang="en-US" sz="900" spc="-135">
-                          <a:solidFill>
-                            <a:srgbClr val="404040"/>
-                          </a:solidFill>
-                          <a:latin typeface="Adobe Clean"/>
-                          <a:cs typeface="Adobe Clean"/>
-                        </a:rPr>
-                        <a:t> </a:t>
-                      </a:r>
-                      <a:r>
-                        <a:rPr lang="en-US" sz="900" spc="-20">
-                          <a:solidFill>
-                            <a:srgbClr val="404040"/>
-                          </a:solidFill>
-                          <a:latin typeface="Adobe Clean"/>
-                          <a:cs typeface="Adobe Clean"/>
-                        </a:rPr>
-                        <a:t>Support</a:t>
-                      </a:r>
-                      <a:endParaRPr lang="en-US" sz="900">
-                        <a:latin typeface="Adobe Clean"/>
-                        <a:cs typeface="Adobe Clean"/>
-                      </a:endParaRPr>
                     </a:p>
                   </a:txBody>
                   <a:tcPr marL="0" marR="0" marT="7620" marB="0" anchor="ctr">
@@ -3977,39 +3267,15 @@
                         </a:spcBef>
                       </a:pPr>
                       <a:r>
-                        <a:rPr sz="900" spc="-20">
+                        <a:rPr lang="fr-FR" sz="900">
                           <a:solidFill>
                             <a:srgbClr val="FFFFFF"/>
                           </a:solidFill>
                           <a:latin typeface="Adobe Clean"/>
                           <a:cs typeface="Adobe Clean"/>
                         </a:rPr>
-                        <a:t>Business</a:t>
+                        <a:t>Assistance commerciale</a:t>
                       </a:r>
-                      <a:r>
-                        <a:rPr lang="en-US" sz="900" spc="-20">
-                          <a:solidFill>
-                            <a:srgbClr val="FFFFFF"/>
-                          </a:solidFill>
-                          <a:latin typeface="Adobe Clean"/>
-                          <a:cs typeface="Adobe Clean"/>
-                        </a:rPr>
-                        <a:t> </a:t>
-                      </a:r>
-                      <a:r>
-                        <a:rPr sz="900" spc="-20">
-                          <a:solidFill>
-                            <a:srgbClr val="FFFFFF"/>
-                          </a:solidFill>
-                          <a:latin typeface="Adobe Clean"/>
-                          <a:cs typeface="Adobe Clean"/>
-                        </a:rPr>
-                        <a:t>Support</a:t>
-                      </a:r>
-                      <a:endParaRPr sz="900">
-                        <a:latin typeface="Adobe Clean"/>
-                        <a:cs typeface="Adobe Clean"/>
-                      </a:endParaRPr>
                     </a:p>
                   </a:txBody>
                   <a:tcPr marL="0" marR="0" marT="7620" marB="0" anchor="ctr">
@@ -4054,7 +3320,7 @@
                     <a:bodyPr/>
                     <a:lstStyle/>
                     <a:p>
-                      <a:endParaRPr lang="en-US"/>
+                      <a:endParaRPr lang="en-US" dirty="0"/>
                     </a:p>
                   </a:txBody>
                   <a:tcPr/>
@@ -4074,7 +3340,7 @@
                     <a:bodyPr/>
                     <a:lstStyle/>
                     <a:p>
-                      <a:pPr marL="0" marR="0" lvl="0" indent="0" algn="ctr" defTabSz="914400" eaLnBrk="1" fontAlgn="auto" latinLnBrk="0" hangingPunct="1">
+                      <a:pPr marL="0" marR="0" lvl="0" indent="0" algn="l" defTabSz="914400" rtl="0" eaLnBrk="1" fontAlgn="auto" latinLnBrk="0" hangingPunct="1">
                         <a:lnSpc>
                           <a:spcPct val="100000"/>
                         </a:lnSpc>
@@ -4155,13 +3421,13 @@
                         <a:defRPr/>
                       </a:pPr>
                       <a:r>
-                        <a:rPr lang="en-US" sz="800" i="1">
+                        <a:rPr lang="fr-FR" sz="800" i="1">
                           <a:solidFill>
                             <a:schemeClr val="bg1"/>
                           </a:solidFill>
                           <a:latin typeface="Adobe Clean Light" panose="020B0303020404020204" pitchFamily="34" charset="0"/>
                         </a:rPr>
-                        <a:t>Paid Support ($)</a:t>
+                        <a:t>Assistance payante ($)</a:t>
                       </a:r>
                     </a:p>
                   </a:txBody>
@@ -4225,22 +3491,15 @@
                         </a:spcBef>
                       </a:pPr>
                       <a:r>
-                        <a:rPr lang="en-US" sz="1000" b="1" i="0" spc="0">
+                        <a:rPr lang="fr-FR" sz="1000" b="1" i="0">
                           <a:solidFill>
                             <a:schemeClr val="bg1"/>
                           </a:solidFill>
                           <a:latin typeface="Adobe Clean" panose="020B0503020404020204" pitchFamily="34" charset="0"/>
                           <a:cs typeface="AdobeClean-Light"/>
                         </a:rPr>
-                        <a:t>Assigned Experts</a:t>
+                        <a:t>Experts assignés</a:t>
                       </a:r>
-                      <a:endParaRPr sz="1000" b="1" i="0" spc="0">
-                        <a:solidFill>
-                          <a:schemeClr val="bg1"/>
-                        </a:solidFill>
-                        <a:latin typeface="Adobe Clean" panose="020B0503020404020204" pitchFamily="34" charset="0"/>
-                        <a:cs typeface="AdobeClean-Light"/>
-                      </a:endParaRPr>
                     </a:p>
                   </a:txBody>
                   <a:tcPr marL="0" marR="0" marT="58419" marB="0" anchor="ctr">
@@ -4287,19 +3546,15 @@
                         </a:spcBef>
                       </a:pPr>
                       <a:r>
-                        <a:rPr sz="900" spc="0">
+                        <a:rPr lang="fr-FR" sz="900">
                           <a:solidFill>
                             <a:srgbClr val="020302"/>
                           </a:solidFill>
                           <a:latin typeface="AdobeClean-Light"/>
                           <a:cs typeface="AdobeClean-Light"/>
                         </a:rPr>
-                        <a:t>Account Support Lead</a:t>
+                        <a:t>Assistance principale du compte</a:t>
                       </a:r>
-                      <a:endParaRPr sz="900" spc="0">
-                        <a:latin typeface="AdobeClean-Light"/>
-                        <a:cs typeface="AdobeClean-Light"/>
-                      </a:endParaRPr>
                     </a:p>
                   </a:txBody>
                   <a:tcPr marL="0" marR="0" marT="58419" marB="0">
@@ -4334,7 +3589,7 @@
                     <a:bodyPr/>
                     <a:lstStyle/>
                     <a:p>
-                      <a:pPr algn="ctr">
+                      <a:pPr algn="l" rtl="0">
                         <a:lnSpc>
                           <a:spcPct val="100000"/>
                         </a:lnSpc>
@@ -4384,7 +3639,7 @@
                         </a:spcBef>
                       </a:pPr>
                       <a:r>
-                        <a:rPr sz="900">
+                        <a:rPr lang="fr-FR" sz="900">
                           <a:solidFill>
                             <a:srgbClr val="020302"/>
                           </a:solidFill>
@@ -4393,10 +3648,6 @@
                         </a:rPr>
                         <a:t></a:t>
                       </a:r>
-                      <a:endParaRPr sz="900">
-                        <a:latin typeface="Wingdings"/>
-                        <a:cs typeface="Wingdings"/>
-                      </a:endParaRPr>
                     </a:p>
                   </a:txBody>
                   <a:tcPr marL="0" marR="0" marT="59690" marB="0" anchor="ctr">
@@ -4428,7 +3679,7 @@
                     <a:bodyPr/>
                     <a:lstStyle/>
                     <a:p>
-                      <a:pPr marL="50800">
+                      <a:pPr marL="50800" algn="l" rtl="0">
                         <a:lnSpc>
                           <a:spcPct val="100000"/>
                         </a:lnSpc>
@@ -4474,19 +3725,15 @@
                         </a:spcBef>
                       </a:pPr>
                       <a:r>
-                        <a:rPr sz="900" spc="0">
+                        <a:rPr lang="fr-FR" sz="900">
                           <a:solidFill>
                             <a:srgbClr val="020302"/>
                           </a:solidFill>
                           <a:latin typeface="AdobeClean-Light"/>
                           <a:cs typeface="AdobeClean-Light"/>
                         </a:rPr>
-                        <a:t>Named Support Engineer</a:t>
+                        <a:t>Ingénieur d’assistance nommé</a:t>
                       </a:r>
-                      <a:endParaRPr sz="900" spc="0">
-                        <a:latin typeface="AdobeClean-Light"/>
-                        <a:cs typeface="AdobeClean-Light"/>
-                      </a:endParaRPr>
                     </a:p>
                   </a:txBody>
                   <a:tcPr marL="0" marR="0" marT="58419" marB="0">
@@ -4509,7 +3756,7 @@
                     <a:bodyPr/>
                     <a:lstStyle/>
                     <a:p>
-                      <a:pPr algn="ctr">
+                      <a:pPr algn="l" rtl="0">
                         <a:lnSpc>
                           <a:spcPct val="100000"/>
                         </a:lnSpc>
@@ -4538,7 +3785,7 @@
                     <a:bodyPr/>
                     <a:lstStyle/>
                     <a:p>
-                      <a:pPr algn="ctr">
+                      <a:pPr algn="l" rtl="0">
                         <a:lnSpc>
                           <a:spcPct val="100000"/>
                         </a:lnSpc>
@@ -4569,7 +3816,7 @@
                     <a:bodyPr/>
                     <a:lstStyle/>
                     <a:p>
-                      <a:pPr marL="50800">
+                      <a:pPr marL="50800" algn="l" rtl="0">
                         <a:lnSpc>
                           <a:spcPct val="100000"/>
                         </a:lnSpc>
@@ -4627,19 +3874,15 @@
                         </a:spcBef>
                       </a:pPr>
                       <a:r>
-                        <a:rPr sz="900" spc="0">
+                        <a:rPr lang="fr-FR" sz="900">
                           <a:solidFill>
                             <a:srgbClr val="020302"/>
                           </a:solidFill>
                           <a:latin typeface="AdobeClean-Light"/>
                           <a:cs typeface="AdobeClean-Light"/>
                         </a:rPr>
-                        <a:t>Technical Account Manager</a:t>
+                        <a:t>Gestionnaire de compte technique</a:t>
                       </a:r>
-                      <a:endParaRPr sz="900" spc="0">
-                        <a:latin typeface="AdobeClean-Light"/>
-                        <a:cs typeface="AdobeClean-Light"/>
-                      </a:endParaRPr>
                     </a:p>
                   </a:txBody>
                   <a:tcPr marL="0" marR="0" marT="63500" marB="0">
@@ -4668,7 +3911,7 @@
                     <a:bodyPr/>
                     <a:lstStyle/>
                     <a:p>
-                      <a:pPr algn="ctr">
+                      <a:pPr algn="l" rtl="0">
                         <a:lnSpc>
                           <a:spcPct val="100000"/>
                         </a:lnSpc>
@@ -4706,7 +3949,7 @@
                     <a:bodyPr/>
                     <a:lstStyle/>
                     <a:p>
-                      <a:pPr algn="ctr">
+                      <a:pPr algn="l" rtl="0">
                         <a:lnSpc>
                           <a:spcPct val="100000"/>
                         </a:lnSpc>
@@ -4755,22 +3998,15 @@
                         </a:spcBef>
                       </a:pPr>
                       <a:r>
-                        <a:rPr lang="en-US" sz="1000" b="1" i="0" spc="0">
+                        <a:rPr lang="fr-FR" sz="1000" b="1" i="0">
                           <a:solidFill>
                             <a:schemeClr val="bg1"/>
                           </a:solidFill>
                           <a:latin typeface="Adobe Clean" panose="020B0503020404020204" pitchFamily="34" charset="0"/>
                           <a:cs typeface="AdobeClean-Light"/>
                         </a:rPr>
-                        <a:t>Support Services</a:t>
+                        <a:t>Services d’assistance</a:t>
                       </a:r>
-                      <a:endParaRPr sz="1000" b="1" i="0" spc="0">
-                        <a:solidFill>
-                          <a:schemeClr val="bg1"/>
-                        </a:solidFill>
-                        <a:latin typeface="Adobe Clean" panose="020B0503020404020204" pitchFamily="34" charset="0"/>
-                        <a:cs typeface="AdobeClean-Light"/>
-                      </a:endParaRPr>
                     </a:p>
                   </a:txBody>
                   <a:tcPr marL="0" marR="0" marT="57150" marB="0" anchor="ctr">
@@ -4826,29 +4062,15 @@
                         </a:spcBef>
                       </a:pPr>
                       <a:r>
-                        <a:rPr lang="en-US" sz="900" spc="0">
+                        <a:rPr lang="fr-FR" sz="900">
                           <a:solidFill>
                             <a:srgbClr val="020302"/>
                           </a:solidFill>
                           <a:latin typeface="AdobeClean-Light"/>
                           <a:cs typeface="AdobeClean-Light"/>
                         </a:rPr>
-                        <a:t>Online</a:t>
+                        <a:t>Assistance en ligne</a:t>
                       </a:r>
-                      <a:r>
-                        <a:rPr sz="900" spc="0">
-                          <a:solidFill>
-                            <a:srgbClr val="020302"/>
-                          </a:solidFill>
-                          <a:latin typeface="AdobeClean-Light"/>
-                          <a:cs typeface="AdobeClean-Light"/>
-                        </a:rPr>
-                        <a:t> Support</a:t>
-                      </a:r>
-                      <a:endParaRPr sz="900" spc="0">
-                        <a:latin typeface="AdobeClean-Light"/>
-                        <a:cs typeface="AdobeClean-Light"/>
-                      </a:endParaRPr>
                     </a:p>
                   </a:txBody>
                   <a:tcPr marL="0" marR="0" marT="57150" marB="0">
@@ -4886,39 +4108,15 @@
                         </a:spcBef>
                       </a:pPr>
                       <a:r>
-                        <a:rPr sz="900" spc="-25">
+                        <a:rPr lang="fr-FR" sz="900">
                           <a:solidFill>
                             <a:srgbClr val="020302"/>
                           </a:solidFill>
                           <a:latin typeface="AdobeClean-Light"/>
                           <a:cs typeface="AdobeClean-Light"/>
                         </a:rPr>
-                        <a:t>Business</a:t>
+                        <a:t>Heures d’ouverture</a:t>
                       </a:r>
-                      <a:r>
-                        <a:rPr sz="900" spc="-15">
-                          <a:solidFill>
-                            <a:srgbClr val="020302"/>
-                          </a:solidFill>
-                          <a:latin typeface="AdobeClean-Light"/>
-                          <a:cs typeface="AdobeClean-Light"/>
-                        </a:rPr>
-                        <a:t> </a:t>
-                      </a:r>
-                      <a:r>
-                        <a:rPr sz="900" spc="-30">
-                          <a:solidFill>
-                            <a:srgbClr val="020302"/>
-                          </a:solidFill>
-                          <a:latin typeface="AdobeClean-Light"/>
-                          <a:cs typeface="AdobeClean-Light"/>
-                        </a:rPr>
-                        <a:t>hours</a:t>
-                      </a:r>
-                      <a:endParaRPr sz="900">
-                        <a:latin typeface="AdobeClean-Light"/>
-                        <a:cs typeface="AdobeClean-Light"/>
-                      </a:endParaRPr>
                     </a:p>
                   </a:txBody>
                   <a:tcPr marL="0" marR="0" marT="67945" marB="0">
@@ -4957,39 +4155,15 @@
                         </a:spcBef>
                       </a:pPr>
                       <a:r>
-                        <a:rPr sz="900" spc="-25">
+                        <a:rPr lang="fr-FR" sz="900">
                           <a:solidFill>
                             <a:srgbClr val="020302"/>
                           </a:solidFill>
                           <a:latin typeface="AdobeClean-Light"/>
                           <a:cs typeface="AdobeClean-Light"/>
                         </a:rPr>
-                        <a:t>Business</a:t>
+                        <a:t>Heures d’ouverture</a:t>
                       </a:r>
-                      <a:r>
-                        <a:rPr sz="900" spc="-15">
-                          <a:solidFill>
-                            <a:srgbClr val="020302"/>
-                          </a:solidFill>
-                          <a:latin typeface="AdobeClean-Light"/>
-                          <a:cs typeface="AdobeClean-Light"/>
-                        </a:rPr>
-                        <a:t> </a:t>
-                      </a:r>
-                      <a:r>
-                        <a:rPr sz="900" spc="-30">
-                          <a:solidFill>
-                            <a:srgbClr val="020302"/>
-                          </a:solidFill>
-                          <a:latin typeface="AdobeClean-Light"/>
-                          <a:cs typeface="AdobeClean-Light"/>
-                        </a:rPr>
-                        <a:t>hours</a:t>
-                      </a:r>
-                      <a:endParaRPr sz="900">
-                        <a:latin typeface="AdobeClean-Light"/>
-                        <a:cs typeface="AdobeClean-Light"/>
-                      </a:endParaRPr>
                     </a:p>
                   </a:txBody>
                   <a:tcPr marL="0" marR="0" marT="67945" marB="0">
@@ -5021,7 +4195,7 @@
                     <a:bodyPr/>
                     <a:lstStyle/>
                     <a:p>
-                      <a:pPr marL="50800">
+                      <a:pPr marL="50800" algn="l" rtl="0">
                         <a:lnSpc>
                           <a:spcPct val="100000"/>
                         </a:lnSpc>
@@ -5070,39 +4244,15 @@
                         </a:spcBef>
                       </a:pPr>
                       <a:r>
-                        <a:rPr sz="900" spc="0">
+                        <a:rPr lang="fr-FR" sz="900">
                           <a:solidFill>
                             <a:srgbClr val="020302"/>
                           </a:solidFill>
                           <a:latin typeface="AdobeClean-Light"/>
                           <a:cs typeface="AdobeClean-Light"/>
                         </a:rPr>
-                        <a:t>24x7</a:t>
+                        <a:t>Assistance en cas de problèmes P1 24x7x365</a:t>
                       </a:r>
-                      <a:r>
-                        <a:rPr lang="en-US" sz="900" spc="0">
-                          <a:solidFill>
-                            <a:srgbClr val="020302"/>
-                          </a:solidFill>
-                          <a:latin typeface="AdobeClean-Light"/>
-                          <a:cs typeface="AdobeClean-Light"/>
-                        </a:rPr>
-                        <a:t>x365</a:t>
-                      </a:r>
-                      <a:r>
-                        <a:rPr sz="900" spc="0">
-                          <a:solidFill>
-                            <a:srgbClr val="020302"/>
-                          </a:solidFill>
-                          <a:latin typeface="AdobeClean-Light"/>
-                          <a:cs typeface="AdobeClean-Light"/>
-                        </a:rPr>
-                        <a:t> P1 Issue Support</a:t>
-                      </a:r>
-                      <a:endParaRPr sz="900" spc="0">
-                        <a:latin typeface="AdobeClean-Light"/>
-                        <a:cs typeface="AdobeClean-Light"/>
-                      </a:endParaRPr>
                     </a:p>
                   </a:txBody>
                   <a:tcPr marL="0" marR="0" marT="57785" marB="0">
@@ -5134,7 +4284,7 @@
                         </a:spcBef>
                       </a:pPr>
                       <a:r>
-                        <a:rPr sz="900">
+                        <a:rPr lang="fr-FR" sz="900">
                           <a:solidFill>
                             <a:srgbClr val="020302"/>
                           </a:solidFill>
@@ -5143,10 +4293,6 @@
                         </a:rPr>
                         <a:t></a:t>
                       </a:r>
-                      <a:endParaRPr sz="900">
-                        <a:latin typeface="Wingdings"/>
-                        <a:cs typeface="Wingdings"/>
-                      </a:endParaRPr>
                     </a:p>
                   </a:txBody>
                   <a:tcPr marL="0" marR="0" marT="58419" marB="0">
@@ -5176,7 +4322,7 @@
                         </a:spcBef>
                       </a:pPr>
                       <a:r>
-                        <a:rPr sz="900">
+                        <a:rPr lang="fr-FR" sz="900">
                           <a:solidFill>
                             <a:srgbClr val="020302"/>
                           </a:solidFill>
@@ -5185,10 +4331,6 @@
                         </a:rPr>
                         <a:t></a:t>
                       </a:r>
-                      <a:endParaRPr sz="900">
-                        <a:latin typeface="Wingdings"/>
-                        <a:cs typeface="Wingdings"/>
-                      </a:endParaRPr>
                     </a:p>
                   </a:txBody>
                   <a:tcPr marL="0" marR="0" marT="58419" marB="0">
@@ -5211,7 +4353,7 @@
                     <a:bodyPr/>
                     <a:lstStyle/>
                     <a:p>
-                      <a:pPr marL="50800">
+                      <a:pPr marL="50800" algn="l" rtl="0">
                         <a:lnSpc>
                           <a:spcPct val="100000"/>
                         </a:lnSpc>
@@ -5269,19 +4411,15 @@
                         </a:spcBef>
                       </a:pPr>
                       <a:r>
-                        <a:rPr lang="en-US" sz="900" spc="0">
+                        <a:rPr lang="fr-FR" sz="900">
                           <a:solidFill>
                             <a:srgbClr val="020302"/>
                           </a:solidFill>
                           <a:latin typeface="AdobeClean-Light"/>
                           <a:cs typeface="AdobeClean-Light"/>
                         </a:rPr>
-                        <a:t>Named Support Contacts (per product)</a:t>
+                        <a:t>Contacts d’assistance nommés (par produit)</a:t>
                       </a:r>
-                      <a:endParaRPr sz="900" spc="0">
-                        <a:latin typeface="AdobeClean-Light"/>
-                        <a:cs typeface="AdobeClean-Light"/>
-                      </a:endParaRPr>
                     </a:p>
                   </a:txBody>
                   <a:tcPr marL="0" marR="0" marT="57785" marB="0">
@@ -5319,7 +4457,7 @@
                         </a:spcBef>
                       </a:pPr>
                       <a:r>
-                        <a:rPr sz="900">
+                        <a:rPr lang="fr-FR" sz="900">
                           <a:solidFill>
                             <a:srgbClr val="020302"/>
                           </a:solidFill>
@@ -5328,10 +4466,6 @@
                         </a:rPr>
                         <a:t>4</a:t>
                       </a:r>
-                      <a:endParaRPr sz="900">
-                        <a:latin typeface="AdobeClean-Light"/>
-                        <a:cs typeface="AdobeClean-Light"/>
-                      </a:endParaRPr>
                     </a:p>
                   </a:txBody>
                   <a:tcPr marL="0" marR="0" marT="57785" marB="0">
@@ -5361,7 +4495,7 @@
                         </a:spcBef>
                       </a:pPr>
                       <a:r>
-                        <a:rPr sz="900">
+                        <a:rPr lang="fr-FR" sz="900">
                           <a:solidFill>
                             <a:srgbClr val="020302"/>
                           </a:solidFill>
@@ -5370,10 +4504,6 @@
                         </a:rPr>
                         <a:t>6</a:t>
                       </a:r>
-                      <a:endParaRPr sz="900">
-                        <a:latin typeface="AdobeClean-Light"/>
-                        <a:cs typeface="AdobeClean-Light"/>
-                      </a:endParaRPr>
                     </a:p>
                   </a:txBody>
                   <a:tcPr marL="0" marR="0" marT="57785" marB="0">
@@ -5396,7 +4526,7 @@
                     <a:bodyPr/>
                     <a:lstStyle/>
                     <a:p>
-                      <a:pPr marL="50800">
+                      <a:pPr marL="50800" algn="l" rtl="0">
                         <a:lnSpc>
                           <a:spcPct val="100000"/>
                         </a:lnSpc>
@@ -5445,19 +4575,15 @@
                         </a:spcBef>
                       </a:pPr>
                       <a:r>
-                        <a:rPr lang="en-US" sz="900" spc="0">
+                        <a:rPr lang="fr-FR" sz="900">
                           <a:solidFill>
                             <a:srgbClr val="020302"/>
                           </a:solidFill>
                           <a:latin typeface="AdobeClean-Light"/>
                           <a:cs typeface="AdobeClean-Light"/>
                         </a:rPr>
-                        <a:t>Live Telephone Support</a:t>
+                        <a:t>Assistance téléphonique en direct</a:t>
                       </a:r>
-                      <a:endParaRPr sz="900" spc="0">
-                        <a:latin typeface="AdobeClean-Light"/>
-                        <a:cs typeface="AdobeClean-Light"/>
-                      </a:endParaRPr>
                     </a:p>
                   </a:txBody>
                   <a:tcPr marL="0" marR="0" marT="57785" marB="0">
@@ -5480,7 +4606,7 @@
                     <a:bodyPr/>
                     <a:lstStyle/>
                     <a:p>
-                      <a:pPr algn="ctr">
+                      <a:pPr algn="l" rtl="0">
                         <a:lnSpc>
                           <a:spcPct val="100000"/>
                         </a:lnSpc>
@@ -5521,7 +4647,7 @@
                         </a:spcBef>
                       </a:pPr>
                       <a:r>
-                        <a:rPr sz="900">
+                        <a:rPr lang="fr-FR" sz="900">
                           <a:solidFill>
                             <a:srgbClr val="020302"/>
                           </a:solidFill>
@@ -5530,10 +4656,6 @@
                         </a:rPr>
                         <a:t></a:t>
                       </a:r>
-                      <a:endParaRPr sz="900">
-                        <a:latin typeface="Wingdings"/>
-                        <a:cs typeface="Wingdings"/>
-                      </a:endParaRPr>
                     </a:p>
                   </a:txBody>
                   <a:tcPr marL="0" marR="0" marT="59054" marB="0">
@@ -5556,7 +4678,7 @@
                     <a:bodyPr/>
                     <a:lstStyle/>
                     <a:p>
-                      <a:pPr marL="50800">
+                      <a:pPr marL="50800" algn="l" rtl="0">
                         <a:lnSpc>
                           <a:spcPct val="100000"/>
                         </a:lnSpc>
@@ -5605,19 +4727,15 @@
                         </a:spcBef>
                       </a:pPr>
                       <a:r>
-                        <a:rPr sz="900" spc="0">
+                        <a:rPr lang="fr-FR" sz="900">
                           <a:solidFill>
                             <a:srgbClr val="020302"/>
                           </a:solidFill>
                           <a:latin typeface="AdobeClean-Light"/>
                           <a:cs typeface="AdobeClean-Light"/>
                         </a:rPr>
-                        <a:t>Escalation Management</a:t>
+                        <a:t>Gestion des remontées d’informations</a:t>
                       </a:r>
-                      <a:endParaRPr sz="900" spc="0">
-                        <a:latin typeface="AdobeClean-Light"/>
-                        <a:cs typeface="AdobeClean-Light"/>
-                      </a:endParaRPr>
                     </a:p>
                   </a:txBody>
                   <a:tcPr marL="0" marR="0" marT="58419" marB="0">
@@ -5640,7 +4758,7 @@
                     <a:bodyPr/>
                     <a:lstStyle/>
                     <a:p>
-                      <a:pPr algn="ctr">
+                      <a:pPr algn="l" rtl="0">
                         <a:lnSpc>
                           <a:spcPct val="100000"/>
                         </a:lnSpc>
@@ -5681,7 +4799,7 @@
                         </a:spcBef>
                       </a:pPr>
                       <a:r>
-                        <a:rPr sz="900">
+                        <a:rPr lang="fr-FR" sz="900">
                           <a:solidFill>
                             <a:srgbClr val="020302"/>
                           </a:solidFill>
@@ -5690,10 +4808,6 @@
                         </a:rPr>
                         <a:t></a:t>
                       </a:r>
-                      <a:endParaRPr sz="900">
-                        <a:latin typeface="Wingdings"/>
-                        <a:cs typeface="Wingdings"/>
-                      </a:endParaRPr>
                     </a:p>
                   </a:txBody>
                   <a:tcPr marL="0" marR="0" marT="59690" marB="0">
@@ -5716,7 +4830,7 @@
                     <a:bodyPr/>
                     <a:lstStyle/>
                     <a:p>
-                      <a:pPr marL="50800">
+                      <a:pPr marL="50800" algn="l" rtl="0">
                         <a:lnSpc>
                           <a:spcPct val="100000"/>
                         </a:lnSpc>
@@ -5765,29 +4879,15 @@
                         </a:spcBef>
                       </a:pPr>
                       <a:r>
-                        <a:rPr sz="900" spc="0">
+                        <a:rPr lang="fr-FR" sz="900">
                           <a:solidFill>
                             <a:srgbClr val="020302"/>
                           </a:solidFill>
                           <a:latin typeface="AdobeClean-Light"/>
                           <a:cs typeface="AdobeClean-Light"/>
                         </a:rPr>
-                        <a:t>Service Reviews </a:t>
+                        <a:t>Examens de service par an</a:t>
                       </a:r>
-                      <a:r>
-                        <a:rPr lang="en-US" sz="900" spc="0">
-                          <a:solidFill>
-                            <a:srgbClr val="020302"/>
-                          </a:solidFill>
-                          <a:latin typeface="AdobeClean-Light"/>
-                          <a:cs typeface="AdobeClean-Light"/>
-                        </a:rPr>
-                        <a:t>per Year</a:t>
-                      </a:r>
-                      <a:endParaRPr sz="900" spc="0">
-                        <a:latin typeface="AdobeClean-Light"/>
-                        <a:cs typeface="AdobeClean-Light"/>
-                      </a:endParaRPr>
                     </a:p>
                   </a:txBody>
                   <a:tcPr marL="0" marR="0" marT="57150" marB="0">
@@ -5810,7 +4910,7 @@
                     <a:bodyPr/>
                     <a:lstStyle/>
                     <a:p>
-                      <a:pPr>
+                      <a:pPr algn="l" rtl="0">
                         <a:lnSpc>
                           <a:spcPct val="100000"/>
                         </a:lnSpc>
@@ -5839,7 +4939,7 @@
                     <a:bodyPr/>
                     <a:lstStyle/>
                     <a:p>
-                      <a:pPr>
+                      <a:pPr algn="l" rtl="0">
                         <a:lnSpc>
                           <a:spcPct val="100000"/>
                         </a:lnSpc>
@@ -5889,16 +4989,12 @@
                         </a:spcBef>
                       </a:pPr>
                       <a:r>
-                        <a:rPr lang="en-US" sz="900" spc="0">
+                        <a:rPr lang="fr-FR" sz="900">
                           <a:latin typeface="AdobeClean-Light"/>
                           <a:cs typeface="AdobeClean-Light"/>
                         </a:rPr>
-                        <a:t>Expert Sessions per Year</a:t>
+                        <a:t>Sessions d’experts par an</a:t>
                       </a:r>
-                      <a:endParaRPr sz="900" spc="0">
-                        <a:latin typeface="AdobeClean-Light"/>
-                        <a:cs typeface="AdobeClean-Light"/>
-                      </a:endParaRPr>
                     </a:p>
                   </a:txBody>
                   <a:tcPr marL="0" marR="0" marT="57150" marB="0">
@@ -5927,7 +5023,7 @@
                     <a:bodyPr/>
                     <a:lstStyle/>
                     <a:p>
-                      <a:pPr>
+                      <a:pPr algn="l" rtl="0">
                         <a:lnSpc>
                           <a:spcPct val="100000"/>
                         </a:lnSpc>
@@ -5956,7 +5052,7 @@
                     <a:bodyPr/>
                     <a:lstStyle/>
                     <a:p>
-                      <a:pPr>
+                      <a:pPr algn="l" rtl="0">
                         <a:lnSpc>
                           <a:spcPct val="100000"/>
                         </a:lnSpc>
@@ -6006,16 +5102,12 @@
                         </a:spcBef>
                       </a:pPr>
                       <a:r>
-                        <a:rPr lang="en-US" sz="900" spc="0">
+                        <a:rPr lang="fr-FR" sz="900">
                           <a:latin typeface="AdobeClean-Light"/>
                           <a:cs typeface="AdobeClean-Light"/>
                         </a:rPr>
-                        <a:t>Case Reviews</a:t>
+                        <a:t>Examens de cas</a:t>
                       </a:r>
-                      <a:endParaRPr sz="900" spc="0">
-                        <a:latin typeface="AdobeClean-Light"/>
-                        <a:cs typeface="AdobeClean-Light"/>
-                      </a:endParaRPr>
                     </a:p>
                   </a:txBody>
                   <a:tcPr marL="0" marR="0" marT="57150" marB="0">
@@ -6044,7 +5136,7 @@
                     <a:bodyPr/>
                     <a:lstStyle/>
                     <a:p>
-                      <a:pPr>
+                      <a:pPr algn="l" rtl="0">
                         <a:lnSpc>
                           <a:spcPct val="100000"/>
                         </a:lnSpc>
@@ -6073,7 +5165,7 @@
                     <a:bodyPr/>
                     <a:lstStyle/>
                     <a:p>
-                      <a:pPr>
+                      <a:pPr algn="l" rtl="0">
                         <a:lnSpc>
                           <a:spcPct val="100000"/>
                         </a:lnSpc>
@@ -6104,7 +5196,7 @@
                     <a:bodyPr/>
                     <a:lstStyle/>
                     <a:p>
-                      <a:pPr marL="48895">
+                      <a:pPr marL="48895" algn="l" rtl="0">
                         <a:lnSpc>
                           <a:spcPct val="100000"/>
                         </a:lnSpc>
@@ -6162,29 +5254,15 @@
                         </a:spcBef>
                       </a:pPr>
                       <a:r>
-                        <a:rPr sz="900" spc="0">
+                        <a:rPr lang="fr-FR" sz="900">
                           <a:solidFill>
                             <a:srgbClr val="020302"/>
                           </a:solidFill>
                           <a:latin typeface="AdobeClean-Light"/>
                           <a:cs typeface="AdobeClean-Light"/>
                         </a:rPr>
-                        <a:t>Event </a:t>
+                        <a:t>Gestion des événements</a:t>
                       </a:r>
-                      <a:r>
-                        <a:rPr lang="en-US" sz="900" spc="0">
-                          <a:solidFill>
-                            <a:srgbClr val="020302"/>
-                          </a:solidFill>
-                          <a:latin typeface="AdobeClean-Light"/>
-                          <a:cs typeface="AdobeClean-Light"/>
-                        </a:rPr>
-                        <a:t>Management</a:t>
-                      </a:r>
-                      <a:endParaRPr sz="900" spc="0">
-                        <a:latin typeface="AdobeClean-Light"/>
-                        <a:cs typeface="AdobeClean-Light"/>
-                      </a:endParaRPr>
                     </a:p>
                   </a:txBody>
                   <a:tcPr marL="0" marR="0" marT="58419" marB="0">
@@ -6213,7 +5291,7 @@
                     <a:bodyPr/>
                     <a:lstStyle/>
                     <a:p>
-                      <a:pPr>
+                      <a:pPr algn="l" rtl="0">
                         <a:lnSpc>
                           <a:spcPct val="100000"/>
                         </a:lnSpc>
@@ -6242,7 +5320,7 @@
                     <a:bodyPr/>
                     <a:lstStyle/>
                     <a:p>
-                      <a:pPr>
+                      <a:pPr algn="l" rtl="0">
                         <a:lnSpc>
                           <a:spcPct val="100000"/>
                         </a:lnSpc>
@@ -6273,7 +5351,7 @@
                     <a:bodyPr/>
                     <a:lstStyle/>
                     <a:p>
-                      <a:pPr marL="48895">
+                      <a:pPr marL="48895" algn="l" rtl="0">
                         <a:lnSpc>
                           <a:spcPct val="100000"/>
                         </a:lnSpc>
@@ -6322,39 +5400,15 @@
                         </a:spcBef>
                       </a:pPr>
                       <a:r>
-                        <a:rPr sz="900" spc="0">
+                        <a:rPr lang="fr-FR" sz="900">
                           <a:solidFill>
                             <a:srgbClr val="020302"/>
                           </a:solidFill>
                           <a:latin typeface="AdobeClean-Light"/>
                           <a:cs typeface="AdobeClean-Light"/>
                         </a:rPr>
-                        <a:t>Environment</a:t>
+                        <a:t>Examen, maintenance et surveillance de l’environnement</a:t>
                       </a:r>
-                      <a:r>
-                        <a:rPr lang="en-US" sz="900" spc="0">
-                          <a:solidFill>
-                            <a:srgbClr val="020302"/>
-                          </a:solidFill>
-                          <a:latin typeface="AdobeClean-Light"/>
-                          <a:cs typeface="AdobeClean-Light"/>
-                        </a:rPr>
-                        <a:t> </a:t>
-                      </a:r>
-                      <a:r>
-                        <a:rPr sz="900" spc="0">
-                          <a:solidFill>
-                            <a:srgbClr val="020302"/>
-                          </a:solidFill>
-                          <a:latin typeface="AdobeClean-Light"/>
-                          <a:cs typeface="AdobeClean-Light"/>
-                        </a:rPr>
-                        <a:t>Review, Maintenance &amp; Monitoring</a:t>
-                      </a:r>
-                      <a:endParaRPr sz="900" spc="0">
-                        <a:latin typeface="AdobeClean-Light"/>
-                        <a:cs typeface="AdobeClean-Light"/>
-                      </a:endParaRPr>
                     </a:p>
                   </a:txBody>
                   <a:tcPr marL="0" marR="0" marT="59055" marB="0">
@@ -6377,7 +5431,7 @@
                     <a:bodyPr/>
                     <a:lstStyle/>
                     <a:p>
-                      <a:pPr>
+                      <a:pPr algn="l" rtl="0">
                         <a:lnSpc>
                           <a:spcPct val="100000"/>
                         </a:lnSpc>
@@ -6406,7 +5460,7 @@
                     <a:bodyPr/>
                     <a:lstStyle/>
                     <a:p>
-                      <a:pPr>
+                      <a:pPr algn="l" rtl="0">
                         <a:lnSpc>
                           <a:spcPct val="100000"/>
                         </a:lnSpc>
@@ -6437,7 +5491,7 @@
                     <a:bodyPr/>
                     <a:lstStyle/>
                     <a:p>
-                      <a:pPr marL="49530">
+                      <a:pPr marL="49530" algn="l" rtl="0">
                         <a:lnSpc>
                           <a:spcPct val="100000"/>
                         </a:lnSpc>
@@ -6486,19 +5540,34 @@
                         </a:spcBef>
                       </a:pPr>
                       <a:r>
-                        <a:rPr sz="900" spc="0">
+                        <a:rPr lang="fr-FR" sz="900" dirty="0">
                           <a:solidFill>
                             <a:srgbClr val="020302"/>
                           </a:solidFill>
                           <a:latin typeface="AdobeClean-Light"/>
                           <a:cs typeface="AdobeClean-Light"/>
                         </a:rPr>
-                        <a:t>Release, Migration, Upgrade &amp; Product Roadmap Review</a:t>
+                        <a:t>Version, migration, mise à niveau et examen de la feuille </a:t>
                       </a:r>
-                      <a:endParaRPr sz="900" spc="0">
-                        <a:latin typeface="AdobeClean-Light"/>
-                        <a:cs typeface="AdobeClean-Light"/>
-                      </a:endParaRPr>
+                      <a:br>
+                        <a:rPr lang="sk-SK" sz="900" dirty="0">
+                          <a:solidFill>
+                            <a:srgbClr val="020302"/>
+                          </a:solidFill>
+                          <a:latin typeface="AdobeClean-Light"/>
+                          <a:cs typeface="AdobeClean-Light"/>
+                        </a:rPr>
+                      </a:br>
+                      <a:r>
+                        <a:rPr lang="fr-FR" sz="900" dirty="0">
+                          <a:solidFill>
+                            <a:srgbClr val="020302"/>
+                          </a:solidFill>
+                          <a:latin typeface="AdobeClean-Light"/>
+                          <a:cs typeface="AdobeClean-Light"/>
+                        </a:rPr>
+                        <a:t>de route du produit</a:t>
+                      </a:r>
                     </a:p>
                   </a:txBody>
                   <a:tcPr marL="0" marR="0" marT="63500" marB="0">
@@ -6521,7 +5590,7 @@
                     <a:bodyPr/>
                     <a:lstStyle/>
                     <a:p>
-                      <a:pPr>
+                      <a:pPr algn="l" rtl="0">
                         <a:lnSpc>
                           <a:spcPct val="100000"/>
                         </a:lnSpc>
@@ -6550,7 +5619,7 @@
                     <a:bodyPr/>
                     <a:lstStyle/>
                     <a:p>
-                      <a:pPr>
+                      <a:pPr algn="l" rtl="0">
                         <a:lnSpc>
                           <a:spcPct val="100000"/>
                         </a:lnSpc>
@@ -6581,7 +5650,7 @@
                     <a:bodyPr/>
                     <a:lstStyle/>
                     <a:p>
-                      <a:pPr marL="49530">
+                      <a:pPr marL="49530" algn="l" rtl="0">
                         <a:lnSpc>
                           <a:spcPct val="100000"/>
                         </a:lnSpc>
@@ -6639,11 +5708,11 @@
                         </a:spcBef>
                       </a:pPr>
                       <a:r>
-                        <a:rPr sz="900" spc="0">
+                        <a:rPr lang="fr-FR" sz="900">
                           <a:latin typeface="AdobeClean-Light"/>
                           <a:cs typeface="AdobeClean-Light"/>
                         </a:rPr>
-                        <a:t>Cloud Support Activities – Experience Manager as Cloud</a:t>
+                        <a:t>Activités d’assistance dans le Cloud - Experience Manager as Cloud</a:t>
                       </a:r>
                     </a:p>
                   </a:txBody>
@@ -6673,7 +5742,7 @@
                     <a:bodyPr/>
                     <a:lstStyle/>
                     <a:p>
-                      <a:pPr>
+                      <a:pPr algn="l" rtl="0">
                         <a:lnSpc>
                           <a:spcPct val="100000"/>
                         </a:lnSpc>
@@ -6711,7 +5780,7 @@
                     <a:bodyPr/>
                     <a:lstStyle/>
                     <a:p>
-                      <a:pPr>
+                      <a:pPr algn="l" rtl="0">
                         <a:lnSpc>
                           <a:spcPct val="100000"/>
                         </a:lnSpc>
@@ -6760,22 +5829,15 @@
                         </a:spcBef>
                       </a:pPr>
                       <a:r>
-                        <a:rPr lang="en-US" sz="1000" b="1" i="0" spc="0">
+                        <a:rPr lang="fr-FR" sz="1000" b="1" i="0">
                           <a:solidFill>
                             <a:schemeClr val="bg1"/>
                           </a:solidFill>
                           <a:latin typeface="Adobe Clean" panose="020B0503020404020204" pitchFamily="34" charset="0"/>
                           <a:cs typeface="AdobeClean-Light"/>
                         </a:rPr>
-                        <a:t>Field Services</a:t>
+                        <a:t>Services de terrain</a:t>
                       </a:r>
-                      <a:endParaRPr sz="1000" b="1" i="0" spc="0">
-                        <a:solidFill>
-                          <a:schemeClr val="bg1"/>
-                        </a:solidFill>
-                        <a:latin typeface="Adobe Clean" panose="020B0503020404020204" pitchFamily="34" charset="0"/>
-                        <a:cs typeface="AdobeClean-Light"/>
-                      </a:endParaRPr>
                     </a:p>
                   </a:txBody>
                   <a:tcPr marL="0" marR="0" marT="48260" marB="0" anchor="ctr">
@@ -6828,19 +5890,15 @@
                         </a:spcBef>
                       </a:pPr>
                       <a:r>
-                        <a:rPr sz="900" spc="0">
+                        <a:rPr lang="fr-FR" sz="900">
                           <a:solidFill>
                             <a:srgbClr val="020302"/>
                           </a:solidFill>
                           <a:latin typeface="AdobeClean-Light"/>
                           <a:cs typeface="AdobeClean-Light"/>
                         </a:rPr>
-                        <a:t>Launch Advisory Services – First Year of new solution</a:t>
+                        <a:t>Services Launch Advisory - Première année de la nouvelle solution</a:t>
                       </a:r>
-                      <a:endParaRPr sz="900" spc="0">
-                        <a:latin typeface="AdobeClean-Light"/>
-                        <a:cs typeface="AdobeClean-Light"/>
-                      </a:endParaRPr>
                     </a:p>
                     <a:p>
                       <a:pPr marL="48260" hangingPunct="0">
@@ -6852,11 +5910,11 @@
                         </a:spcBef>
                       </a:pPr>
                       <a:r>
-                        <a:rPr sz="900" spc="0">
+                        <a:rPr lang="fr-FR" sz="900">
                           <a:latin typeface="AdobeClean-Light"/>
                           <a:cs typeface="AdobeClean-Light"/>
                         </a:rPr>
-                        <a:t>Field Service Activities </a:t>
+                        <a:t>Activités du service de terrain </a:t>
                       </a:r>
                     </a:p>
                   </a:txBody>
@@ -6892,7 +5950,7 @@
                     <a:bodyPr/>
                     <a:lstStyle/>
                     <a:p>
-                      <a:pPr>
+                      <a:pPr algn="l" rtl="0">
                         <a:lnSpc>
                           <a:spcPct val="100000"/>
                         </a:lnSpc>
@@ -6930,7 +5988,7 @@
                     <a:bodyPr/>
                     <a:lstStyle/>
                     <a:p>
-                      <a:pPr>
+                      <a:pPr algn="l" rtl="0">
                         <a:lnSpc>
                           <a:spcPct val="100000"/>
                         </a:lnSpc>
@@ -7015,7 +6073,7 @@
                     <a:bodyPr/>
                     <a:lstStyle/>
                     <a:p>
-                      <a:pPr>
+                      <a:pPr algn="l" rtl="0">
                         <a:lnSpc>
                           <a:spcPct val="100000"/>
                         </a:lnSpc>
@@ -7041,12 +6099,12 @@
                     <a:bodyPr/>
                     <a:lstStyle/>
                     <a:p>
-                      <a:pPr>
+                      <a:pPr algn="l" rtl="0">
                         <a:lnSpc>
                           <a:spcPct val="100000"/>
                         </a:lnSpc>
                       </a:pPr>
-                      <a:endParaRPr sz="900">
+                      <a:endParaRPr sz="900" dirty="0">
                         <a:latin typeface="Times New Roman"/>
                         <a:cs typeface="Times New Roman"/>
                       </a:endParaRPr>
@@ -7105,7 +6163,7 @@
           <a:lstStyle/>
           <a:p>
             <a:r>
-              <a:rPr lang="en-US" sz="700" i="1">
+              <a:rPr lang="fr-FR" sz="700" i="1">
                 <a:solidFill>
                   <a:schemeClr val="bg1"/>
                 </a:solidFill>
@@ -7287,7 +6345,7 @@
         <p:spPr>
           <a:xfrm>
             <a:off x="370040" y="1409311"/>
-            <a:ext cx="2286000" cy="1289969"/>
+            <a:ext cx="2286000" cy="1817998"/>
           </a:xfrm>
           <a:prstGeom prst="rect">
             <a:avLst/>
@@ -7308,18 +6366,48 @@
               </a:spcBef>
             </a:pPr>
             <a:r>
-              <a:rPr lang="en-US" sz="1000">
+              <a:rPr lang="fr-FR" sz="1000" dirty="0">
                 <a:solidFill>
                   <a:srgbClr val="000000"/>
                 </a:solidFill>
                 <a:latin typeface="Adobe Clean Light" panose="020B0303020404020204" pitchFamily="34" charset="0"/>
               </a:rPr>
-              <a:t>A designated Account Support Lead to proactively monitor cases, drive cross-team collaboration, deliver onboarding webinars, run service reports, provide non-technical support assistance, and function as your escalation point and internal advocate within Adobe Support.</a:t>
+              <a:t>Il s’agit d’une assistance principale de compte désignée permettant de surveiller de manière proactive les cas, de favoriser la collaboration entre les équipes, de diffuser des webinaires d’intégration, de conduire des rapports </a:t>
             </a:r>
-            <a:endParaRPr lang="en-US" sz="1000">
-              <a:latin typeface="Adobe Clean Light" panose="020B0303020404020204" pitchFamily="34" charset="0"/>
-              <a:cs typeface="AdobeClean-Light"/>
-            </a:endParaRPr>
+            <a:br>
+              <a:rPr lang="sk-SK" sz="1000" dirty="0">
+                <a:solidFill>
+                  <a:srgbClr val="000000"/>
+                </a:solidFill>
+                <a:latin typeface="Adobe Clean Light" panose="020B0303020404020204" pitchFamily="34" charset="0"/>
+              </a:rPr>
+            </a:br>
+            <a:r>
+              <a:rPr lang="fr-FR" sz="1000" dirty="0">
+                <a:solidFill>
+                  <a:srgbClr val="000000"/>
+                </a:solidFill>
+                <a:latin typeface="Adobe Clean Light" panose="020B0303020404020204" pitchFamily="34" charset="0"/>
+              </a:rPr>
+              <a:t>de service, de fournir une assistance non technique et d’agir comme porte-parole </a:t>
+            </a:r>
+            <a:br>
+              <a:rPr lang="sk-SK" sz="1000" dirty="0">
+                <a:solidFill>
+                  <a:srgbClr val="000000"/>
+                </a:solidFill>
+                <a:latin typeface="Adobe Clean Light" panose="020B0303020404020204" pitchFamily="34" charset="0"/>
+              </a:rPr>
+            </a:br>
+            <a:r>
+              <a:rPr lang="fr-FR" sz="1000" dirty="0">
+                <a:solidFill>
+                  <a:srgbClr val="000000"/>
+                </a:solidFill>
+                <a:latin typeface="Adobe Clean Light" panose="020B0303020404020204" pitchFamily="34" charset="0"/>
+              </a:rPr>
+              <a:t>de remontée des informations et comme ambassadeur interne au sein du service d’assistance d’Adobe.</a:t>
+            </a:r>
           </a:p>
         </p:txBody>
       </p:sp>
@@ -7332,14 +6420,14 @@
         <p:spPr>
           <a:xfrm>
             <a:off x="2836967" y="8618616"/>
-            <a:ext cx="2286000" cy="641201"/>
+            <a:ext cx="2286000" cy="487313"/>
           </a:xfrm>
           <a:prstGeom prst="rect">
             <a:avLst/>
           </a:prstGeom>
         </p:spPr>
         <p:txBody>
-          <a:bodyPr vert="horz" wrap="square" lIns="0" tIns="12700" rIns="0" bIns="0" rtlCol="0" anchor="t">
+          <a:bodyPr vert="horz" wrap="square" lIns="0" tIns="12700" rIns="0" bIns="0" rtlCol="0">
             <a:spAutoFit/>
           </a:bodyPr>
           <a:lstStyle/>
@@ -7356,48 +6444,21 @@
               </a:tabLst>
             </a:pPr>
             <a:r>
-              <a:rPr sz="1000">
+              <a:rPr lang="fr-FR" sz="1000" dirty="0">
                 <a:solidFill>
                   <a:srgbClr val="020302"/>
                 </a:solidFill>
                 <a:latin typeface="AdobeClean-Light"/>
                 <a:cs typeface="AdobeClean-Light"/>
               </a:rPr>
-              <a:t>Start a chat session to get answers</a:t>
-            </a:r>
-            <a:r>
-              <a:rPr lang="en-US" sz="1000">
-                <a:solidFill>
-                  <a:srgbClr val="020302"/>
-                </a:solidFill>
-                <a:latin typeface="AdobeClean-Light"/>
-                <a:cs typeface="AdobeClean-Light"/>
-              </a:rPr>
-              <a:t> &amp; </a:t>
-            </a:r>
-            <a:r>
-              <a:rPr sz="1000">
-                <a:solidFill>
-                  <a:srgbClr val="020302"/>
-                </a:solidFill>
-                <a:latin typeface="AdobeClean-Light"/>
-                <a:cs typeface="AdobeClean-Light"/>
-              </a:rPr>
-              <a:t>help with case submission</a:t>
-            </a:r>
-            <a:r>
-              <a:rPr lang="en-US" sz="1000">
-                <a:solidFill>
-                  <a:srgbClr val="020302"/>
-                </a:solidFill>
-                <a:latin typeface="AdobeClean-Light"/>
-                <a:cs typeface="AdobeClean-Light"/>
-              </a:rPr>
-              <a:t>.</a:t>
+              <a:t>Commencez une session de conversation pour obtenir des réponses et de l’aide lors de l’envoi du cas</a:t>
             </a:r>
           </a:p>
           <a:p>
             <a:pPr marL="33020" marR="159385">
+              <a:lnSpc>
+                <a:spcPct val="100000"/>
+              </a:lnSpc>
               <a:spcBef>
                 <a:spcPts val="100"/>
               </a:spcBef>
@@ -7406,39 +6467,25 @@
               </a:tabLst>
             </a:pPr>
             <a:r>
-              <a:rPr sz="1000" i="1">
+              <a:rPr lang="fr-FR" sz="1000" i="1" dirty="0">
                 <a:solidFill>
                   <a:srgbClr val="7A7A7A"/>
                 </a:solidFill>
                 <a:latin typeface="AdobeClean-LightIt"/>
                 <a:cs typeface="AdobeClean-LightIt"/>
               </a:rPr>
-              <a:t>*Not all products have live chat support</a:t>
+              <a:t>*Tous les produits ne bénéficient pas de l’assistance de messagerie instantanée</a:t>
             </a:r>
             <a:r>
-              <a:rPr sz="900" i="1">
+              <a:rPr lang="fr-FR" sz="900" i="1" dirty="0">
                 <a:solidFill>
                   <a:srgbClr val="7A7A7A"/>
                 </a:solidFill>
                 <a:latin typeface="AdobeClean-LightIt"/>
                 <a:cs typeface="AdobeClean-LightIt"/>
               </a:rPr>
-              <a:t>.</a:t>
+              <a:t>.  </a:t>
             </a:r>
-            <a:r>
-              <a:rPr lang="en-US" sz="900" i="1">
-                <a:solidFill>
-                  <a:srgbClr val="7A7A7A"/>
-                </a:solidFill>
-                <a:latin typeface="AdobeClean-LightIt"/>
-                <a:cs typeface="AdobeClean-LightIt"/>
-              </a:rPr>
-              <a:t>  </a:t>
-            </a:r>
-            <a:endParaRPr sz="900">
-              <a:latin typeface="AdobeClean-Light"/>
-              <a:cs typeface="AdobeClean-Light"/>
-            </a:endParaRPr>
           </a:p>
         </p:txBody>
       </p:sp>
@@ -7488,7 +6535,7 @@
         <p:spPr>
           <a:xfrm>
             <a:off x="838200" y="6046398"/>
-            <a:ext cx="1568246" cy="184666"/>
+            <a:ext cx="1817840" cy="184666"/>
           </a:xfrm>
           <a:prstGeom prst="rect">
             <a:avLst/>
@@ -7514,12 +6561,12 @@
               <a:defRPr/>
             </a:pPr>
             <a:r>
-              <a:rPr lang="en-US" sz="1200">
+              <a:rPr lang="fr-FR" sz="1200" dirty="0">
                 <a:solidFill>
                   <a:srgbClr val="000000"/>
                 </a:solidFill>
               </a:rPr>
-              <a:t>Community Forums</a:t>
+              <a:t>Forums de la communauté</a:t>
             </a:r>
           </a:p>
         </p:txBody>
@@ -7541,7 +6588,7 @@
         <p:spPr>
           <a:xfrm>
             <a:off x="838200" y="6277305"/>
-            <a:ext cx="959314" cy="184666"/>
+            <a:ext cx="1376994" cy="184666"/>
           </a:xfrm>
           <a:prstGeom prst="rect">
             <a:avLst/>
@@ -7562,12 +6609,12 @@
               </a:spcAft>
             </a:pPr>
             <a:r>
-              <a:rPr lang="en-US" sz="1200" b="1">
+              <a:rPr lang="fr-FR" sz="1200" b="1" dirty="0">
                 <a:latin typeface="+mj-lt"/>
                 <a:ea typeface="Open Sans" pitchFamily="34" charset="0"/>
                 <a:cs typeface="Open Sans" pitchFamily="34" charset="0"/>
               </a:rPr>
-              <a:t>Online Forums</a:t>
+              <a:t>Forums en ligne</a:t>
             </a:r>
           </a:p>
         </p:txBody>
@@ -7587,7 +6634,7 @@
         <p:spPr>
           <a:xfrm>
             <a:off x="370040" y="6529249"/>
-            <a:ext cx="2286000" cy="805349"/>
+            <a:ext cx="2286000" cy="1113125"/>
           </a:xfrm>
           <a:prstGeom prst="rect">
             <a:avLst/>
@@ -7600,13 +6647,64 @@
           <a:lstStyle/>
           <a:p>
             <a:r>
-              <a:rPr lang="en-US" sz="1000">
+              <a:rPr lang="fr-FR" sz="1000" dirty="0">
                 <a:solidFill>
                   <a:srgbClr val="000000"/>
                 </a:solidFill>
                 <a:latin typeface="Adobe Clean Light" panose="020B0303020404020204" pitchFamily="34" charset="0"/>
               </a:rPr>
-              <a:t>Continuous online access to a growing database of technical solutions, product documentation, FAQs and more. Thousands of customers can connect to share best practices and lessons learned.</a:t>
+              <a:t>Accès en ligne permanent à une base </a:t>
+            </a:r>
+            <a:br>
+              <a:rPr lang="sk-SK" sz="1000" dirty="0">
+                <a:solidFill>
+                  <a:srgbClr val="000000"/>
+                </a:solidFill>
+                <a:latin typeface="Adobe Clean Light" panose="020B0303020404020204" pitchFamily="34" charset="0"/>
+              </a:rPr>
+            </a:br>
+            <a:r>
+              <a:rPr lang="fr-FR" sz="1000" dirty="0">
+                <a:solidFill>
+                  <a:srgbClr val="000000"/>
+                </a:solidFill>
+                <a:latin typeface="Adobe Clean Light" panose="020B0303020404020204" pitchFamily="34" charset="0"/>
+              </a:rPr>
+              <a:t>de données croissante de solutions techniques, de documentation sur les produits, de questions fréquentes, etc. </a:t>
+            </a:r>
+            <a:br>
+              <a:rPr lang="sk-SK" sz="1000" dirty="0">
+                <a:solidFill>
+                  <a:srgbClr val="000000"/>
+                </a:solidFill>
+                <a:latin typeface="Adobe Clean Light" panose="020B0303020404020204" pitchFamily="34" charset="0"/>
+              </a:rPr>
+            </a:br>
+            <a:r>
+              <a:rPr lang="fr-FR" sz="1000" dirty="0">
+                <a:solidFill>
+                  <a:srgbClr val="000000"/>
+                </a:solidFill>
+                <a:latin typeface="Adobe Clean Light" panose="020B0303020404020204" pitchFamily="34" charset="0"/>
+              </a:rPr>
+              <a:t>Des milliers de clients peuvent entrer en contact pour partager les bonnes pratiques </a:t>
+            </a:r>
+            <a:br>
+              <a:rPr lang="sk-SK" sz="1000" dirty="0">
+                <a:solidFill>
+                  <a:srgbClr val="000000"/>
+                </a:solidFill>
+                <a:latin typeface="Adobe Clean Light" panose="020B0303020404020204" pitchFamily="34" charset="0"/>
+              </a:rPr>
+            </a:br>
+            <a:r>
+              <a:rPr lang="fr-FR" sz="1000" dirty="0">
+                <a:solidFill>
+                  <a:srgbClr val="000000"/>
+                </a:solidFill>
+                <a:latin typeface="Adobe Clean Light" panose="020B0303020404020204" pitchFamily="34" charset="0"/>
+              </a:rPr>
+              <a:t>et les leçons apprises.</a:t>
             </a:r>
           </a:p>
         </p:txBody>
@@ -7649,12 +6747,12 @@
               </a:spcAft>
             </a:pPr>
             <a:r>
-              <a:rPr lang="en-US" sz="1200" b="1">
+              <a:rPr lang="fr-FR" sz="1200" b="1">
                 <a:latin typeface="+mj-lt"/>
                 <a:ea typeface="Open Sans" pitchFamily="34" charset="0"/>
                 <a:cs typeface="Open Sans" pitchFamily="34" charset="0"/>
               </a:rPr>
-              <a:t>Self-guided Journeys</a:t>
+              <a:t>Parcours auto-guidés</a:t>
             </a:r>
           </a:p>
         </p:txBody>
@@ -7674,7 +6772,7 @@
         <p:spPr>
           <a:xfrm>
             <a:off x="5376301" y="6529249"/>
-            <a:ext cx="2286000" cy="959237"/>
+            <a:ext cx="2381010" cy="1113125"/>
           </a:xfrm>
           <a:prstGeom prst="rect">
             <a:avLst/>
@@ -7687,13 +6785,67 @@
           <a:lstStyle/>
           <a:p>
             <a:r>
-              <a:rPr lang="en-US" sz="1000">
+              <a:rPr lang="fr-FR" sz="1000" dirty="0">
                 <a:solidFill>
                   <a:srgbClr val="000000"/>
                 </a:solidFill>
                 <a:latin typeface="Adobe Clean Light" panose="020B0303020404020204" pitchFamily="34" charset="0"/>
               </a:rPr>
-              <a:t>Experience Makers are made with Experience League. Customers can kickstart their Customer Experience Management abilities with personalized learning to develop skills, engage with a global community of peers, and earn career advancing recognition.</a:t>
+              <a:t>Les </a:t>
+            </a:r>
+            <a:r>
+              <a:rPr lang="fr-FR" sz="1000" dirty="0" err="1">
+                <a:solidFill>
+                  <a:srgbClr val="000000"/>
+                </a:solidFill>
+                <a:latin typeface="Adobe Clean Light" panose="020B0303020404020204" pitchFamily="34" charset="0"/>
+              </a:rPr>
+              <a:t>Experience</a:t>
+            </a:r>
+            <a:r>
+              <a:rPr lang="fr-FR" sz="1000" dirty="0">
+                <a:solidFill>
+                  <a:srgbClr val="000000"/>
+                </a:solidFill>
+                <a:latin typeface="Adobe Clean Light" panose="020B0303020404020204" pitchFamily="34" charset="0"/>
+              </a:rPr>
+              <a:t> </a:t>
+            </a:r>
+            <a:r>
+              <a:rPr lang="fr-FR" sz="1000" dirty="0" err="1">
+                <a:solidFill>
+                  <a:srgbClr val="000000"/>
+                </a:solidFill>
+                <a:latin typeface="Adobe Clean Light" panose="020B0303020404020204" pitchFamily="34" charset="0"/>
+              </a:rPr>
+              <a:t>Makers</a:t>
+            </a:r>
+            <a:r>
+              <a:rPr lang="fr-FR" sz="1000" dirty="0">
+                <a:solidFill>
+                  <a:srgbClr val="000000"/>
+                </a:solidFill>
+                <a:latin typeface="Adobe Clean Light" panose="020B0303020404020204" pitchFamily="34" charset="0"/>
+              </a:rPr>
+              <a:t> sont créées à l’aide d’</a:t>
+            </a:r>
+            <a:r>
+              <a:rPr lang="fr-FR" sz="1000" dirty="0" err="1">
+                <a:solidFill>
+                  <a:srgbClr val="000000"/>
+                </a:solidFill>
+                <a:latin typeface="Adobe Clean Light" panose="020B0303020404020204" pitchFamily="34" charset="0"/>
+              </a:rPr>
+              <a:t>Experience</a:t>
+            </a:r>
+            <a:r>
+              <a:rPr lang="fr-FR" sz="1000" dirty="0">
+                <a:solidFill>
+                  <a:srgbClr val="000000"/>
+                </a:solidFill>
+                <a:latin typeface="Adobe Clean Light" panose="020B0303020404020204" pitchFamily="34" charset="0"/>
+              </a:rPr>
+              <a:t> League. Les clients peuvent lancer leurs capacités de gestion de l’expérience client grâce à un apprentissage personnalisé permettant de développer leurs compétences, collaborer avec une communauté mondiale de pairs et gagner une reconnaissance de carrière.</a:t>
             </a:r>
           </a:p>
         </p:txBody>
@@ -7714,8 +6866,8 @@
         </p:nvSpPr>
         <p:spPr>
           <a:xfrm>
-            <a:off x="3215895" y="8150141"/>
-            <a:ext cx="2520000" cy="184666"/>
+            <a:off x="3215895" y="8054891"/>
+            <a:ext cx="2520000" cy="369332"/>
           </a:xfrm>
           <a:prstGeom prst="rect">
             <a:avLst/>
@@ -7741,12 +6893,27 @@
               <a:defRPr/>
             </a:pPr>
             <a:r>
-              <a:rPr lang="en-US" sz="1200">
+              <a:rPr lang="fr-FR" sz="1200" dirty="0">
                 <a:solidFill>
                   <a:srgbClr val="000000"/>
                 </a:solidFill>
               </a:rPr>
-              <a:t>Live Chat  Support*</a:t>
+              <a:t>Assistance de messagerie </a:t>
+            </a:r>
+            <a:br>
+              <a:rPr lang="sk-SK" sz="1200" dirty="0">
+                <a:solidFill>
+                  <a:srgbClr val="000000"/>
+                </a:solidFill>
+              </a:rPr>
+            </a:br>
+            <a:r>
+              <a:rPr lang="fr-FR" sz="1200" dirty="0">
+                <a:solidFill>
+                  <a:srgbClr val="000000"/>
+                </a:solidFill>
+              </a:rPr>
+              <a:t>instantanée*</a:t>
             </a:r>
           </a:p>
         </p:txBody>
@@ -7767,7 +6934,7 @@
         </p:nvSpPr>
         <p:spPr>
           <a:xfrm>
-            <a:off x="3198434" y="8373543"/>
+            <a:off x="3198434" y="8424343"/>
             <a:ext cx="840166" cy="184666"/>
           </a:xfrm>
           <a:prstGeom prst="rect">
@@ -7789,12 +6956,12 @@
               </a:spcAft>
             </a:pPr>
             <a:r>
-              <a:rPr lang="en-US" sz="1200" b="1">
+              <a:rPr lang="fr-FR" sz="1200" b="1">
                 <a:latin typeface="+mj-lt"/>
                 <a:ea typeface="Open Sans" pitchFamily="34" charset="0"/>
                 <a:cs typeface="Open Sans" pitchFamily="34" charset="0"/>
               </a:rPr>
-              <a:t>Chat Support</a:t>
+              <a:t>Assistance de conversation</a:t>
             </a:r>
           </a:p>
         </p:txBody>
@@ -7842,12 +7009,12 @@
               <a:defRPr/>
             </a:pPr>
             <a:r>
-              <a:rPr lang="en-US" sz="1200">
+              <a:rPr lang="fr-FR" sz="1200">
                 <a:solidFill>
                   <a:srgbClr val="000000"/>
                 </a:solidFill>
               </a:rPr>
-              <a:t>24X7 P1 </a:t>
+              <a:t>P1 24X7 </a:t>
             </a:r>
           </a:p>
         </p:txBody>
@@ -7890,12 +7057,12 @@
               </a:spcAft>
             </a:pPr>
             <a:r>
-              <a:rPr lang="en-US" sz="1200" b="1">
+              <a:rPr lang="fr-FR" sz="1200" b="1">
                 <a:latin typeface="+mj-lt"/>
                 <a:ea typeface="Open Sans" pitchFamily="34" charset="0"/>
                 <a:cs typeface="Open Sans" pitchFamily="34" charset="0"/>
               </a:rPr>
-              <a:t>Phone Support</a:t>
+              <a:t>Assistance téléphonique</a:t>
             </a:r>
           </a:p>
         </p:txBody>
@@ -7915,7 +7082,7 @@
         <p:spPr>
           <a:xfrm>
             <a:off x="2836967" y="6529249"/>
-            <a:ext cx="2286000" cy="805349"/>
+            <a:ext cx="2286000" cy="1113125"/>
           </a:xfrm>
           <a:prstGeom prst="rect">
             <a:avLst/>
@@ -7928,26 +7095,53 @@
           <a:lstStyle/>
           <a:p>
             <a:r>
-              <a:rPr lang="en-US" sz="1000">
+              <a:rPr lang="fr-FR" sz="1000" dirty="0">
                 <a:solidFill>
                   <a:srgbClr val="020302"/>
                 </a:solidFill>
                 <a:latin typeface="AdobeClean-Light"/>
               </a:rPr>
-              <a:t>Authorized users or Named Support Contacts </a:t>
+              <a:t>Les utilisateurs autorisés ou les contacts d’assistance nommés </a:t>
             </a:r>
             <a:r>
-              <a:rPr lang="en-US" sz="1000">
+              <a:rPr lang="fr-FR" sz="1000" dirty="0">
                 <a:latin typeface="Adobe Clean Light" panose="020B0303020404020204" pitchFamily="34" charset="0"/>
               </a:rPr>
-              <a:t>can submit issues through all available  channels (including phone for P1) and interact with our technical support team on behalf of your company. </a:t>
+              <a:t>peuvent communiquer des problèmes par l’intermédiaire de tous </a:t>
             </a:r>
-            <a:endParaRPr lang="en-US" sz="1000">
-              <a:solidFill>
-                <a:srgbClr val="000000"/>
-              </a:solidFill>
-              <a:latin typeface="Adobe Clean Light" panose="020B0303020404020204" pitchFamily="34" charset="0"/>
-            </a:endParaRPr>
+            <a:br>
+              <a:rPr lang="sk-SK" sz="1000" dirty="0">
+                <a:latin typeface="Adobe Clean Light" panose="020B0303020404020204" pitchFamily="34" charset="0"/>
+              </a:rPr>
+            </a:br>
+            <a:r>
+              <a:rPr lang="fr-FR" sz="1000" dirty="0">
+                <a:latin typeface="Adobe Clean Light" panose="020B0303020404020204" pitchFamily="34" charset="0"/>
+              </a:rPr>
+              <a:t>les canaux disponibles (y compris </a:t>
+            </a:r>
+            <a:br>
+              <a:rPr lang="sk-SK" sz="1000" dirty="0">
+                <a:latin typeface="Adobe Clean Light" panose="020B0303020404020204" pitchFamily="34" charset="0"/>
+              </a:rPr>
+            </a:br>
+            <a:r>
+              <a:rPr lang="fr-FR" sz="1000" dirty="0">
+                <a:latin typeface="Adobe Clean Light" panose="020B0303020404020204" pitchFamily="34" charset="0"/>
+              </a:rPr>
+              <a:t>le téléphone pour P1) et interagir avec notre équipe d’assistance technique au nom </a:t>
+            </a:r>
+            <a:br>
+              <a:rPr lang="sk-SK" sz="1000" dirty="0">
+                <a:latin typeface="Adobe Clean Light" panose="020B0303020404020204" pitchFamily="34" charset="0"/>
+              </a:rPr>
+            </a:br>
+            <a:r>
+              <a:rPr lang="fr-FR" sz="1000" dirty="0">
+                <a:latin typeface="Adobe Clean Light" panose="020B0303020404020204" pitchFamily="34" charset="0"/>
+              </a:rPr>
+              <a:t>de votre entreprise. </a:t>
+            </a:r>
           </a:p>
         </p:txBody>
       </p:sp>
@@ -7969,8 +7163,8 @@
         </p:nvSpPr>
         <p:spPr>
           <a:xfrm>
-            <a:off x="5253416" y="9862966"/>
-            <a:ext cx="2270125" cy="132729"/>
+            <a:off x="4806950" y="9862967"/>
+            <a:ext cx="2716591" cy="132308"/>
           </a:xfrm>
           <a:prstGeom prst="rect">
             <a:avLst/>
@@ -7991,24 +7185,8 @@
               </a:spcBef>
             </a:pPr>
             <a:r>
-              <a:rPr spc="-5"/>
-              <a:t>©202</a:t>
-            </a:r>
-            <a:r>
-              <a:rPr lang="en-US" spc="-5"/>
-              <a:t>1</a:t>
-            </a:r>
-            <a:r>
-              <a:rPr spc="-5"/>
-              <a:t> Adobe. All Rights Reserved. Adobe</a:t>
-            </a:r>
-            <a:r>
-              <a:rPr spc="60"/>
-              <a:t> </a:t>
-            </a:r>
-            <a:r>
-              <a:rPr spc="-5"/>
-              <a:t>Confidential.</a:t>
+              <a:rPr lang="fr-FR"/>
+              <a:t>©2021 Adobe. All Rights Reserved. Données confidentielles Adobe</a:t>
             </a:r>
           </a:p>
         </p:txBody>
@@ -8030,7 +7208,7 @@
         <p:spPr>
           <a:xfrm>
             <a:off x="821898" y="1099315"/>
-            <a:ext cx="1726164" cy="184666"/>
+            <a:ext cx="1726164" cy="369332"/>
           </a:xfrm>
           <a:prstGeom prst="rect">
             <a:avLst/>
@@ -8051,13 +7229,30 @@
               </a:spcAft>
             </a:pPr>
             <a:r>
-              <a:rPr lang="en-US" sz="1200" b="1" spc="-10">
+              <a:rPr lang="fr-FR" sz="1200" b="1" dirty="0">
                 <a:solidFill>
                   <a:srgbClr val="020302"/>
                 </a:solidFill>
                 <a:latin typeface="+mj-lt"/>
               </a:rPr>
-              <a:t>Account Support Lead</a:t>
+              <a:t>Assistance principale </a:t>
+            </a:r>
+            <a:br>
+              <a:rPr lang="sk-SK" sz="1200" b="1" dirty="0">
+                <a:solidFill>
+                  <a:srgbClr val="020302"/>
+                </a:solidFill>
+                <a:latin typeface="+mj-lt"/>
+              </a:rPr>
+            </a:br>
+            <a:r>
+              <a:rPr lang="fr-FR" sz="1200" b="1" dirty="0">
+                <a:solidFill>
+                  <a:srgbClr val="020302"/>
+                </a:solidFill>
+                <a:latin typeface="+mj-lt"/>
+              </a:rPr>
+              <a:t>du compte</a:t>
             </a:r>
           </a:p>
         </p:txBody>
@@ -8077,7 +7272,7 @@
         <p:spPr>
           <a:xfrm>
             <a:off x="401995" y="5785009"/>
-            <a:ext cx="1848207" cy="45719"/>
+            <a:ext cx="2956205" cy="45719"/>
           </a:xfrm>
           <a:custGeom>
             <a:avLst/>
@@ -8146,19 +7341,15 @@
               </a:spcBef>
             </a:pPr>
             <a:r>
-              <a:rPr lang="en-US" sz="1400" b="1" spc="-10">
+              <a:rPr lang="fr-FR" sz="1400" b="1">
                 <a:solidFill>
                   <a:srgbClr val="020302"/>
                 </a:solidFill>
                 <a:latin typeface="Adobe Clean"/>
                 <a:cs typeface="Adobe Clean"/>
               </a:rPr>
-              <a:t>Online Support Features</a:t>
+              <a:t>Fonctionnalités de l’assistance en ligne</a:t>
             </a:r>
-            <a:endParaRPr lang="en-US" sz="1400">
-              <a:latin typeface="Adobe Clean"/>
-              <a:cs typeface="Adobe Clean"/>
-            </a:endParaRPr>
           </a:p>
         </p:txBody>
       </p:sp>
@@ -8176,8 +7367,8 @@
         </p:nvSpPr>
         <p:spPr>
           <a:xfrm>
-            <a:off x="384421" y="774495"/>
-            <a:ext cx="2011680" cy="0"/>
+            <a:off x="384420" y="774494"/>
+            <a:ext cx="3069979" cy="45719"/>
           </a:xfrm>
           <a:custGeom>
             <a:avLst/>
@@ -8246,19 +7437,15 @@
               </a:spcBef>
             </a:pPr>
             <a:r>
-              <a:rPr lang="en-US" sz="1400" b="1" spc="-10">
+              <a:rPr lang="fr-FR" sz="1400" b="1">
                 <a:solidFill>
                   <a:srgbClr val="020302"/>
                 </a:solidFill>
                 <a:latin typeface="Adobe Clean"/>
                 <a:cs typeface="Adobe Clean"/>
               </a:rPr>
-              <a:t>Business  Support Features</a:t>
+              <a:t>Fonctionnalités d’assistance commerciale</a:t>
             </a:r>
-            <a:endParaRPr lang="en-US" sz="1400">
-              <a:latin typeface="Adobe Clean"/>
-              <a:cs typeface="Adobe Clean"/>
-            </a:endParaRPr>
           </a:p>
         </p:txBody>
       </p:sp>
@@ -8298,15 +7485,11 @@
               </a:spcBef>
             </a:pPr>
             <a:r>
-              <a:rPr lang="en-US" sz="1000">
+              <a:rPr lang="fr-FR" sz="1000" dirty="0">
                 <a:latin typeface="Adobe Clean Light" panose="020B0303020404020204" pitchFamily="34" charset="0"/>
               </a:rPr>
-              <a:t>Customers can submit support cases via Phone for all P2, P3, P4 issues during regional support hours. There are no upper limits on the number of times you can call into support. Customers can also request a call back from support or request a meeting to demonstrate or work through an issue using a shared remote desktop session.</a:t>
+              <a:t>Les clients peuvent envoyer des cas d’assistance par téléphone pour tous les problèmes P2, P3 et P4 pendant les heures d’assistance régionales. Vous pouvez appeler l’assistance autant de fois que cela est nécessaire. Les clients peuvent également demander à l’assistance de les rappeler ou demander une réunion pour démontrer ou résoudre un problème au cours d’une session de bureau distant partagée.</a:t>
             </a:r>
-            <a:endParaRPr lang="en-US" sz="1000">
-              <a:latin typeface="Adobe Clean Light" panose="020B0303020404020204" pitchFamily="34" charset="0"/>
-              <a:cs typeface="AdobeClean-Light"/>
-            </a:endParaRPr>
           </a:p>
         </p:txBody>
       </p:sp>
@@ -8327,7 +7510,7 @@
         <p:spPr>
           <a:xfrm>
             <a:off x="3257682" y="1083435"/>
-            <a:ext cx="1976242" cy="184666"/>
+            <a:ext cx="1976242" cy="369332"/>
           </a:xfrm>
           <a:prstGeom prst="rect">
             <a:avLst/>
@@ -8348,13 +7531,30 @@
               </a:spcAft>
             </a:pPr>
             <a:r>
-              <a:rPr lang="en-US" sz="1200" b="1" spc="-10">
+              <a:rPr lang="fr-FR" sz="1200" b="1" dirty="0">
                 <a:solidFill>
                   <a:srgbClr val="020302"/>
                 </a:solidFill>
                 <a:latin typeface="+mj-lt"/>
               </a:rPr>
-              <a:t>Live Telephone Support</a:t>
+              <a:t>Assistance téléphonique </a:t>
+            </a:r>
+            <a:br>
+              <a:rPr lang="sk-SK" sz="1200" b="1" dirty="0">
+                <a:solidFill>
+                  <a:srgbClr val="020302"/>
+                </a:solidFill>
+                <a:latin typeface="+mj-lt"/>
+              </a:rPr>
+            </a:br>
+            <a:r>
+              <a:rPr lang="fr-FR" sz="1200" b="1" dirty="0">
+                <a:solidFill>
+                  <a:srgbClr val="020302"/>
+                </a:solidFill>
+                <a:latin typeface="+mj-lt"/>
+              </a:rPr>
+              <a:t>en direct</a:t>
             </a:r>
           </a:p>
         </p:txBody>
@@ -8374,7 +7574,7 @@
         <p:spPr>
           <a:xfrm>
             <a:off x="5376301" y="1398482"/>
-            <a:ext cx="2286000" cy="805349"/>
+            <a:ext cx="2286000" cy="959237"/>
           </a:xfrm>
           <a:prstGeom prst="rect">
             <a:avLst/>
@@ -8395,18 +7595,65 @@
               </a:spcBef>
             </a:pPr>
             <a:r>
-              <a:rPr lang="en-US" sz="1000">
+              <a:rPr lang="fr-FR" sz="1000" dirty="0">
                 <a:solidFill>
                   <a:srgbClr val="4B4B4B"/>
                 </a:solidFill>
                 <a:latin typeface="Adobe Clean Light" panose="020B0303020404020204" pitchFamily="34" charset="0"/>
               </a:rPr>
-              <a:t>A designated point of contact within Adobe who can provide escalation assistance, regular updates and ensure priority is given to your most critical open support requests.</a:t>
+              <a:t>Il s’agit d’un point de contact désigné au sein d’Adobe pouvant fournir une assistance </a:t>
             </a:r>
-            <a:endParaRPr lang="en-US" sz="1000">
-              <a:latin typeface="Adobe Clean Light" panose="020B0303020404020204" pitchFamily="34" charset="0"/>
-              <a:cs typeface="AdobeClean-Light"/>
-            </a:endParaRPr>
+            <a:br>
+              <a:rPr lang="sk-SK" sz="1000" dirty="0">
+                <a:solidFill>
+                  <a:srgbClr val="4B4B4B"/>
+                </a:solidFill>
+                <a:latin typeface="Adobe Clean Light" panose="020B0303020404020204" pitchFamily="34" charset="0"/>
+              </a:rPr>
+            </a:br>
+            <a:r>
+              <a:rPr lang="fr-FR" sz="1000" dirty="0">
+                <a:solidFill>
+                  <a:srgbClr val="4B4B4B"/>
+                </a:solidFill>
+                <a:latin typeface="Adobe Clean Light" panose="020B0303020404020204" pitchFamily="34" charset="0"/>
+              </a:rPr>
+              <a:t>en matière de remontées d’informations, </a:t>
+            </a:r>
+            <a:br>
+              <a:rPr lang="sk-SK" sz="1000" dirty="0">
+                <a:solidFill>
+                  <a:srgbClr val="4B4B4B"/>
+                </a:solidFill>
+                <a:latin typeface="Adobe Clean Light" panose="020B0303020404020204" pitchFamily="34" charset="0"/>
+              </a:rPr>
+            </a:br>
+            <a:r>
+              <a:rPr lang="fr-FR" sz="1000" dirty="0">
+                <a:solidFill>
+                  <a:srgbClr val="4B4B4B"/>
+                </a:solidFill>
+                <a:latin typeface="Adobe Clean Light" panose="020B0303020404020204" pitchFamily="34" charset="0"/>
+              </a:rPr>
+              <a:t>des mises à jour régulières et s’assurant que </a:t>
+            </a:r>
+            <a:br>
+              <a:rPr lang="sk-SK" sz="1000" dirty="0">
+                <a:solidFill>
+                  <a:srgbClr val="4B4B4B"/>
+                </a:solidFill>
+                <a:latin typeface="Adobe Clean Light" panose="020B0303020404020204" pitchFamily="34" charset="0"/>
+              </a:rPr>
+            </a:br>
+            <a:r>
+              <a:rPr lang="fr-FR" sz="1000" dirty="0">
+                <a:solidFill>
+                  <a:srgbClr val="4B4B4B"/>
+                </a:solidFill>
+                <a:latin typeface="Adobe Clean Light" panose="020B0303020404020204" pitchFamily="34" charset="0"/>
+              </a:rPr>
+              <a:t>la priorité est mise sur vos demandes d’assistance ouvertes les plus importantes.</a:t>
+            </a:r>
           </a:p>
         </p:txBody>
       </p:sp>
@@ -8448,13 +7695,13 @@
               </a:spcAft>
             </a:pPr>
             <a:r>
-              <a:rPr lang="en-US" sz="1200" b="1" spc="-10">
+              <a:rPr lang="fr-FR" sz="1200" b="1">
                 <a:solidFill>
                   <a:srgbClr val="020302"/>
                 </a:solidFill>
                 <a:latin typeface="+mj-lt"/>
               </a:rPr>
-              <a:t>Escalation Management</a:t>
+              <a:t>Gestion des remontées d’informations</a:t>
             </a:r>
           </a:p>
         </p:txBody>
@@ -8502,7 +7749,7 @@
               <a:defRPr/>
             </a:pPr>
             <a:r>
-              <a:rPr lang="en-US" sz="1200">
+              <a:rPr lang="fr-FR" sz="1200">
                 <a:solidFill>
                   <a:srgbClr val="000000"/>
                 </a:solidFill>
@@ -8550,12 +7797,12 @@
               </a:spcAft>
             </a:pPr>
             <a:r>
-              <a:rPr lang="en-US" sz="1200" b="1">
+              <a:rPr lang="fr-FR" sz="1200" b="1">
                 <a:latin typeface="+mj-lt"/>
                 <a:ea typeface="Open Sans" pitchFamily="34" charset="0"/>
                 <a:cs typeface="Open Sans" pitchFamily="34" charset="0"/>
               </a:rPr>
-              <a:t>Webinars</a:t>
+              <a:t>Webinaires</a:t>
             </a:r>
           </a:p>
         </p:txBody>
@@ -8588,13 +7835,134 @@
           <a:lstStyle/>
           <a:p>
             <a:r>
-              <a:rPr lang="en-US" sz="1000">
+              <a:rPr lang="fr-FR" sz="1000" dirty="0">
                 <a:solidFill>
                   <a:srgbClr val="000000"/>
                 </a:solidFill>
                 <a:latin typeface="Adobe Clean Light" panose="020B0303020404020204" pitchFamily="34" charset="0"/>
               </a:rPr>
-              <a:t>Office Hours is an initiative led by the Adobe Customer Support team. These sessions are designed to inform as well as help participants troubleshoot problems and provide tips and tricks to be successful with Adobe Experience Cloud.</a:t>
+              <a:t>« Office </a:t>
+            </a:r>
+            <a:r>
+              <a:rPr lang="fr-FR" sz="1000" dirty="0" err="1">
+                <a:solidFill>
+                  <a:srgbClr val="000000"/>
+                </a:solidFill>
+                <a:latin typeface="Adobe Clean Light" panose="020B0303020404020204" pitchFamily="34" charset="0"/>
+              </a:rPr>
+              <a:t>Hours</a:t>
+            </a:r>
+            <a:r>
+              <a:rPr lang="fr-FR" sz="1000" dirty="0">
+                <a:solidFill>
+                  <a:srgbClr val="000000"/>
+                </a:solidFill>
+                <a:latin typeface="Adobe Clean Light" panose="020B0303020404020204" pitchFamily="34" charset="0"/>
+              </a:rPr>
+              <a:t> » est une initiative menée </a:t>
+            </a:r>
+            <a:br>
+              <a:rPr lang="sk-SK" sz="1000" dirty="0">
+                <a:solidFill>
+                  <a:srgbClr val="000000"/>
+                </a:solidFill>
+                <a:latin typeface="Adobe Clean Light" panose="020B0303020404020204" pitchFamily="34" charset="0"/>
+              </a:rPr>
+            </a:br>
+            <a:r>
+              <a:rPr lang="fr-FR" sz="1000" dirty="0">
+                <a:solidFill>
+                  <a:srgbClr val="000000"/>
+                </a:solidFill>
+                <a:latin typeface="Adobe Clean Light" panose="020B0303020404020204" pitchFamily="34" charset="0"/>
+              </a:rPr>
+              <a:t>par l’équipe du service clientèle d’Adobe. </a:t>
+            </a:r>
+            <a:br>
+              <a:rPr lang="sk-SK" sz="1000" dirty="0">
+                <a:solidFill>
+                  <a:srgbClr val="000000"/>
+                </a:solidFill>
+                <a:latin typeface="Adobe Clean Light" panose="020B0303020404020204" pitchFamily="34" charset="0"/>
+              </a:rPr>
+            </a:br>
+            <a:r>
+              <a:rPr lang="fr-FR" sz="1000" dirty="0">
+                <a:solidFill>
+                  <a:srgbClr val="000000"/>
+                </a:solidFill>
+                <a:latin typeface="Adobe Clean Light" panose="020B0303020404020204" pitchFamily="34" charset="0"/>
+              </a:rPr>
+              <a:t>Ces sessions sont conçues pour informer </a:t>
+            </a:r>
+            <a:br>
+              <a:rPr lang="sk-SK" sz="1000" dirty="0">
+                <a:solidFill>
+                  <a:srgbClr val="000000"/>
+                </a:solidFill>
+                <a:latin typeface="Adobe Clean Light" panose="020B0303020404020204" pitchFamily="34" charset="0"/>
+              </a:rPr>
+            </a:br>
+            <a:r>
+              <a:rPr lang="fr-FR" sz="1000" dirty="0">
+                <a:solidFill>
+                  <a:srgbClr val="000000"/>
+                </a:solidFill>
+                <a:latin typeface="Adobe Clean Light" panose="020B0303020404020204" pitchFamily="34" charset="0"/>
+              </a:rPr>
+              <a:t>les participants des problèmes et les aider </a:t>
+            </a:r>
+            <a:br>
+              <a:rPr lang="sk-SK" sz="1000" dirty="0">
+                <a:solidFill>
+                  <a:srgbClr val="000000"/>
+                </a:solidFill>
+                <a:latin typeface="Adobe Clean Light" panose="020B0303020404020204" pitchFamily="34" charset="0"/>
+              </a:rPr>
+            </a:br>
+            <a:r>
+              <a:rPr lang="fr-FR" sz="1000" dirty="0">
+                <a:solidFill>
+                  <a:srgbClr val="000000"/>
+                </a:solidFill>
+                <a:latin typeface="Adobe Clean Light" panose="020B0303020404020204" pitchFamily="34" charset="0"/>
+              </a:rPr>
+              <a:t>à les résoudre. Elles fournissent des conseils </a:t>
+            </a:r>
+            <a:br>
+              <a:rPr lang="sk-SK" sz="1000" dirty="0">
+                <a:solidFill>
+                  <a:srgbClr val="000000"/>
+                </a:solidFill>
+                <a:latin typeface="Adobe Clean Light" panose="020B0303020404020204" pitchFamily="34" charset="0"/>
+              </a:rPr>
+            </a:br>
+            <a:r>
+              <a:rPr lang="fr-FR" sz="1000" dirty="0">
+                <a:solidFill>
+                  <a:srgbClr val="000000"/>
+                </a:solidFill>
+                <a:latin typeface="Adobe Clean Light" panose="020B0303020404020204" pitchFamily="34" charset="0"/>
+              </a:rPr>
+              <a:t>et des astuces pour bien utiliser Adobe </a:t>
+            </a:r>
+            <a:r>
+              <a:rPr lang="fr-FR" sz="1000" dirty="0" err="1">
+                <a:solidFill>
+                  <a:srgbClr val="000000"/>
+                </a:solidFill>
+                <a:latin typeface="Adobe Clean Light" panose="020B0303020404020204" pitchFamily="34" charset="0"/>
+              </a:rPr>
+              <a:t>Experience</a:t>
+            </a:r>
+            <a:r>
+              <a:rPr lang="fr-FR" sz="1000" dirty="0">
+                <a:solidFill>
+                  <a:srgbClr val="000000"/>
+                </a:solidFill>
+                <a:latin typeface="Adobe Clean Light" panose="020B0303020404020204" pitchFamily="34" charset="0"/>
+              </a:rPr>
+              <a:t> Cloud.</a:t>
             </a:r>
           </a:p>
         </p:txBody>
@@ -8637,12 +8005,12 @@
               </a:spcAft>
             </a:pPr>
             <a:r>
-              <a:rPr lang="en-US" sz="1200" b="1">
+              <a:rPr lang="fr-FR" sz="1200" b="1">
                 <a:latin typeface="+mj-lt"/>
                 <a:ea typeface="Open Sans" pitchFamily="34" charset="0"/>
                 <a:cs typeface="Open Sans" pitchFamily="34" charset="0"/>
               </a:rPr>
-              <a:t>24/7 Support Portal</a:t>
+              <a:t>Portail d’assistance 24/7</a:t>
             </a:r>
           </a:p>
         </p:txBody>
@@ -8662,7 +8030,7 @@
         <p:spPr>
           <a:xfrm>
             <a:off x="5376301" y="8618616"/>
-            <a:ext cx="2286000" cy="805349"/>
+            <a:ext cx="2286000" cy="1113125"/>
           </a:xfrm>
           <a:prstGeom prst="rect">
             <a:avLst/>
@@ -8675,16 +8043,16 @@
           <a:lstStyle/>
           <a:p>
             <a:r>
-              <a:rPr lang="en-US" sz="1000">
+              <a:rPr lang="fr-FR" sz="1000" dirty="0">
                 <a:solidFill>
                   <a:srgbClr val="000000"/>
                 </a:solidFill>
                 <a:latin typeface="Adobe Clean Light" panose="020B0303020404020204" pitchFamily="34" charset="0"/>
               </a:rPr>
-              <a:t>On-demand access to the online </a:t>
+              <a:t>Accès à la demande au portail </a:t>
             </a:r>
             <a:br>
-              <a:rPr lang="en-US" sz="1000">
+              <a:rPr lang="fr-FR" sz="1000" dirty="0">
                 <a:solidFill>
                   <a:srgbClr val="000000"/>
                 </a:solidFill>
@@ -8692,13 +8060,81 @@
               </a:rPr>
             </a:br>
             <a:r>
-              <a:rPr lang="en-US" sz="1000">
+              <a:rPr lang="fr-FR" sz="1000" dirty="0">
                 <a:solidFill>
                   <a:srgbClr val="000000"/>
                 </a:solidFill>
                 <a:latin typeface="Adobe Clean Light" panose="020B0303020404020204" pitchFamily="34" charset="0"/>
               </a:rPr>
-              <a:t>Self-help Support Portal to submit support requests, review case status, and browse other resources, like our knowledgebase, news and alerts, featured tips, and more.</a:t>
+              <a:t>d’assistance d’aide automatique en ligne </a:t>
+            </a:r>
+            <a:br>
+              <a:rPr lang="sk-SK" sz="1000" dirty="0">
+                <a:solidFill>
+                  <a:srgbClr val="000000"/>
+                </a:solidFill>
+                <a:latin typeface="Adobe Clean Light" panose="020B0303020404020204" pitchFamily="34" charset="0"/>
+              </a:rPr>
+            </a:br>
+            <a:r>
+              <a:rPr lang="fr-FR" sz="1000" dirty="0">
+                <a:solidFill>
+                  <a:srgbClr val="000000"/>
+                </a:solidFill>
+                <a:latin typeface="Adobe Clean Light" panose="020B0303020404020204" pitchFamily="34" charset="0"/>
+              </a:rPr>
+              <a:t>pour envoyer des demandes d’assistance, </a:t>
+            </a:r>
+            <a:br>
+              <a:rPr lang="sk-SK" sz="1000" dirty="0">
+                <a:solidFill>
+                  <a:srgbClr val="000000"/>
+                </a:solidFill>
+                <a:latin typeface="Adobe Clean Light" panose="020B0303020404020204" pitchFamily="34" charset="0"/>
+              </a:rPr>
+            </a:br>
+            <a:r>
+              <a:rPr lang="fr-FR" sz="1000" dirty="0">
+                <a:solidFill>
+                  <a:srgbClr val="000000"/>
+                </a:solidFill>
+                <a:latin typeface="Adobe Clean Light" panose="020B0303020404020204" pitchFamily="34" charset="0"/>
+              </a:rPr>
+              <a:t>examiner le statut des cas et parcourir</a:t>
+            </a:r>
+            <a:br>
+              <a:rPr lang="sk-SK" sz="1000" dirty="0">
+                <a:solidFill>
+                  <a:srgbClr val="000000"/>
+                </a:solidFill>
+                <a:latin typeface="Adobe Clean Light" panose="020B0303020404020204" pitchFamily="34" charset="0"/>
+              </a:rPr>
+            </a:br>
+            <a:r>
+              <a:rPr lang="fr-FR" sz="1000" dirty="0">
+                <a:solidFill>
+                  <a:srgbClr val="000000"/>
+                </a:solidFill>
+                <a:latin typeface="Adobe Clean Light" panose="020B0303020404020204" pitchFamily="34" charset="0"/>
+              </a:rPr>
+              <a:t>d’autres ressources, telles que notre base </a:t>
+            </a:r>
+            <a:br>
+              <a:rPr lang="sk-SK" sz="1000" dirty="0">
+                <a:solidFill>
+                  <a:srgbClr val="000000"/>
+                </a:solidFill>
+                <a:latin typeface="Adobe Clean Light" panose="020B0303020404020204" pitchFamily="34" charset="0"/>
+              </a:rPr>
+            </a:br>
+            <a:r>
+              <a:rPr lang="fr-FR" sz="1000" dirty="0">
+                <a:solidFill>
+                  <a:srgbClr val="000000"/>
+                </a:solidFill>
+                <a:latin typeface="Adobe Clean Light" panose="020B0303020404020204" pitchFamily="34" charset="0"/>
+              </a:rPr>
+              <a:t>de connaissances, les actualités et les alertes, les conseils présentés, etc.</a:t>
             </a:r>
           </a:p>
         </p:txBody>
@@ -8810,10 +8246,10 @@
           <a:lstStyle/>
           <a:p>
             <a:r>
-              <a:rPr lang="en-US" sz="1200" b="1">
+              <a:rPr lang="fr-FR" sz="1200" b="1">
                 <a:latin typeface="+mj-lt"/>
               </a:rPr>
-              <a:t>Business Services</a:t>
+              <a:t>Services commerciaux</a:t>
             </a:r>
           </a:p>
         </p:txBody>
@@ -8833,7 +8269,7 @@
         <p:spPr>
           <a:xfrm>
             <a:off x="370041" y="3875832"/>
-            <a:ext cx="2286000" cy="558999"/>
+            <a:ext cx="2286000" cy="740780"/>
           </a:xfrm>
           <a:prstGeom prst="rect">
             <a:avLst/>
@@ -8854,15 +8290,22 @@
               </a:spcBef>
             </a:pPr>
             <a:r>
-              <a:rPr lang="en-US" sz="1000">
+              <a:rPr lang="fr-FR" sz="1000" dirty="0">
                 <a:latin typeface="Adobe Clean Light" panose="020B0303020404020204" pitchFamily="34" charset="0"/>
               </a:rPr>
-              <a:t>An Account Support Lead will host webinars covering an overview of business support services.  </a:t>
+              <a:t>Une assistance de compte principale hébergera des webinaires présentant </a:t>
             </a:r>
-            <a:endParaRPr lang="en-US" sz="1000">
-              <a:latin typeface="Adobe Clean Light" panose="020B0303020404020204" pitchFamily="34" charset="0"/>
-              <a:cs typeface="AdobeClean-Light"/>
-            </a:endParaRPr>
+            <a:br>
+              <a:rPr lang="sk-SK" sz="1000" dirty="0">
+                <a:latin typeface="Adobe Clean Light" panose="020B0303020404020204" pitchFamily="34" charset="0"/>
+              </a:rPr>
+            </a:br>
+            <a:r>
+              <a:rPr lang="fr-FR" sz="1000" dirty="0">
+                <a:latin typeface="Adobe Clean Light" panose="020B0303020404020204" pitchFamily="34" charset="0"/>
+              </a:rPr>
+              <a:t>un aperçu des services d’assistance commerciale.  </a:t>
+            </a:r>
           </a:p>
         </p:txBody>
       </p:sp>
@@ -8880,7 +8323,7 @@
         </p:nvSpPr>
         <p:spPr>
           <a:xfrm rot="5400000" flipH="1">
-            <a:off x="3863341" y="302967"/>
+            <a:off x="3863341" y="506167"/>
             <a:ext cx="45719" cy="5577840"/>
           </a:xfrm>
           <a:custGeom>
@@ -9331,12 +8774,12 @@
               <a:defRPr/>
             </a:pPr>
             <a:r>
-              <a:rPr lang="en-US" sz="1200">
+              <a:rPr lang="fr-FR" sz="1200">
                 <a:solidFill>
                   <a:srgbClr val="000000"/>
                 </a:solidFill>
               </a:rPr>
-              <a:t>Self– Help Portal</a:t>
+              <a:t>Portail d’aide automatique</a:t>
             </a:r>
           </a:p>
         </p:txBody>
@@ -9384,7 +8827,7 @@
               <a:defRPr/>
             </a:pPr>
             <a:r>
-              <a:rPr lang="en-US" sz="1200">
+              <a:rPr lang="fr-FR" sz="1200">
                 <a:solidFill>
                   <a:srgbClr val="000000"/>
                 </a:solidFill>
@@ -9446,49 +8889,15 @@
               </a:lnSpc>
             </a:pPr>
             <a:r>
-              <a:rPr sz="500" spc="-5">
+              <a:rPr lang="fr-FR" sz="500">
                 <a:solidFill>
                   <a:srgbClr val="6C6C6C"/>
                 </a:solidFill>
                 <a:latin typeface="Adobe Clean"/>
                 <a:cs typeface="Adobe Clean"/>
               </a:rPr>
-              <a:t>©2020 Adobe. All Rights Reserved. </a:t>
+              <a:t>©2020 Adobe. All Rights Reserved. Données confidentielles Adobe</a:t>
             </a:r>
-            <a:r>
-              <a:rPr sz="500">
-                <a:solidFill>
-                  <a:srgbClr val="6C6C6C"/>
-                </a:solidFill>
-                <a:latin typeface="Adobe Clean"/>
-                <a:cs typeface="Adobe Clean"/>
-              </a:rPr>
-              <a:t>Adobe</a:t>
-            </a:r>
-            <a:r>
-              <a:rPr sz="500" spc="5">
-                <a:solidFill>
-                  <a:srgbClr val="6C6C6C"/>
-                </a:solidFill>
-                <a:latin typeface="Adobe Clean"/>
-                <a:cs typeface="Adobe Clean"/>
-              </a:rPr>
-              <a:t> </a:t>
-            </a:r>
-            <a:r>
-              <a:rPr sz="500" spc="-5">
-                <a:solidFill>
-                  <a:srgbClr val="6C6C6C"/>
-                </a:solidFill>
-                <a:latin typeface="Adobe Clean"/>
-                <a:cs typeface="Adobe Clean"/>
-              </a:rPr>
-              <a:t>Confidential.</a:t>
-            </a:r>
-            <a:endParaRPr sz="500">
-              <a:latin typeface="Adobe Clean"/>
-              <a:cs typeface="Adobe Clean"/>
-            </a:endParaRPr>
           </a:p>
           <a:p>
             <a:pPr>
@@ -9514,39 +8923,15 @@
               </a:spcBef>
             </a:pPr>
             <a:r>
-              <a:rPr sz="800" spc="-5">
+              <a:rPr lang="fr-FR" sz="800">
                 <a:solidFill>
                   <a:srgbClr val="6D6D6D"/>
                 </a:solidFill>
                 <a:latin typeface="Adobe Clean"/>
                 <a:cs typeface="Adobe Clean"/>
               </a:rPr>
-              <a:t>©2020 Adobe. All Rights Reserved. Adobe</a:t>
+              <a:t>©2020 Adobe. All Rights Reserved. Données confidentielles Adobe</a:t>
             </a:r>
-            <a:r>
-              <a:rPr sz="800" spc="75">
-                <a:solidFill>
-                  <a:srgbClr val="6D6D6D"/>
-                </a:solidFill>
-                <a:latin typeface="Adobe Clean"/>
-                <a:cs typeface="Adobe Clean"/>
-              </a:rPr>
-              <a:t> </a:t>
-            </a:r>
-            <a:r>
-              <a:rPr sz="800" spc="-5">
-                <a:solidFill>
-                  <a:srgbClr val="6D6D6D"/>
-                </a:solidFill>
-                <a:latin typeface="Adobe Clean"/>
-                <a:cs typeface="Adobe Clean"/>
-              </a:rPr>
-              <a:t>Confidential.</a:t>
-            </a:r>
-            <a:endParaRPr sz="800">
-              <a:latin typeface="Adobe Clean"/>
-              <a:cs typeface="Adobe Clean"/>
-            </a:endParaRPr>
           </a:p>
         </p:txBody>
       </p:sp>
@@ -9630,19 +9015,15 @@
               </a:spcBef>
             </a:pPr>
             <a:r>
-              <a:rPr lang="en-US" sz="1400" b="1" spc="-15">
+              <a:rPr lang="fr-FR" sz="1400" b="1">
                 <a:solidFill>
                   <a:srgbClr val="020302"/>
                 </a:solidFill>
                 <a:latin typeface="Adobe Clean"/>
                 <a:cs typeface="Adobe Clean"/>
               </a:rPr>
-              <a:t>Resources</a:t>
+              <a:t>Ressources</a:t>
             </a:r>
-            <a:endParaRPr sz="1400">
-              <a:latin typeface="Adobe Clean"/>
-              <a:cs typeface="Adobe Clean"/>
-            </a:endParaRPr>
           </a:p>
         </p:txBody>
       </p:sp>
@@ -9676,7 +9057,7 @@
               </a:spcBef>
             </a:pPr>
             <a:r>
-              <a:rPr sz="800" spc="-15">
+              <a:rPr lang="fr-FR" sz="800">
                 <a:solidFill>
                   <a:srgbClr val="777879"/>
                 </a:solidFill>
@@ -9685,10 +9066,6 @@
               </a:rPr>
               <a:t>Adobe</a:t>
             </a:r>
-            <a:endParaRPr sz="800">
-              <a:latin typeface="Adobe Clean"/>
-              <a:cs typeface="Adobe Clean"/>
-            </a:endParaRPr>
           </a:p>
           <a:p>
             <a:pPr marL="12700">
@@ -9697,39 +9074,15 @@
               </a:lnSpc>
             </a:pPr>
             <a:r>
-              <a:rPr sz="800" spc="-15">
+              <a:rPr lang="fr-FR" sz="800">
                 <a:solidFill>
                   <a:srgbClr val="777879"/>
                 </a:solidFill>
                 <a:latin typeface="Adobe Clean"/>
                 <a:cs typeface="Adobe Clean"/>
               </a:rPr>
-              <a:t>345 Park</a:t>
+              <a:t>345 Park Avenue</a:t>
             </a:r>
-            <a:r>
-              <a:rPr sz="800" spc="-100">
-                <a:solidFill>
-                  <a:srgbClr val="777879"/>
-                </a:solidFill>
-                <a:latin typeface="Adobe Clean"/>
-                <a:cs typeface="Adobe Clean"/>
-              </a:rPr>
-              <a:t> </a:t>
-            </a:r>
-            <a:r>
-              <a:rPr sz="800" spc="-15">
-                <a:solidFill>
-                  <a:srgbClr val="777879"/>
-                </a:solidFill>
-                <a:latin typeface="Adobe Clean"/>
-                <a:cs typeface="Adobe Clean"/>
-              </a:rPr>
-              <a:t>Avenue</a:t>
-            </a:r>
-            <a:endParaRPr sz="800">
-              <a:latin typeface="Adobe Clean"/>
-              <a:cs typeface="Adobe Clean"/>
-            </a:endParaRPr>
           </a:p>
           <a:p>
             <a:pPr marL="12700">
@@ -9738,49 +9091,15 @@
               </a:lnSpc>
             </a:pPr>
             <a:r>
-              <a:rPr sz="800" spc="-10">
+              <a:rPr lang="fr-FR" sz="800">
                 <a:solidFill>
                   <a:srgbClr val="777879"/>
                 </a:solidFill>
                 <a:latin typeface="Adobe Clean"/>
                 <a:cs typeface="Adobe Clean"/>
               </a:rPr>
-              <a:t>San </a:t>
+              <a:t>San Jose, CA95110-2704</a:t>
             </a:r>
-            <a:r>
-              <a:rPr sz="800" spc="-15">
-                <a:solidFill>
-                  <a:srgbClr val="777879"/>
-                </a:solidFill>
-                <a:latin typeface="Adobe Clean"/>
-                <a:cs typeface="Adobe Clean"/>
-              </a:rPr>
-              <a:t>Jose,</a:t>
-            </a:r>
-            <a:r>
-              <a:rPr sz="800" spc="-140">
-                <a:solidFill>
-                  <a:srgbClr val="777879"/>
-                </a:solidFill>
-                <a:latin typeface="Adobe Clean"/>
-                <a:cs typeface="Adobe Clean"/>
-              </a:rPr>
-              <a:t> </a:t>
-            </a:r>
-            <a:r>
-              <a:rPr sz="800" spc="-20">
-                <a:solidFill>
-                  <a:srgbClr val="777879"/>
-                </a:solidFill>
-                <a:latin typeface="Adobe Clean"/>
-                <a:cs typeface="Adobe Clean"/>
-              </a:rPr>
-              <a:t>CA95110-2704</a:t>
-            </a:r>
-            <a:endParaRPr sz="800">
-              <a:latin typeface="Adobe Clean"/>
-              <a:cs typeface="Adobe Clean"/>
-            </a:endParaRPr>
           </a:p>
           <a:p>
             <a:pPr marL="12700">
@@ -9792,19 +9111,15 @@
               </a:spcBef>
             </a:pPr>
             <a:r>
-              <a:rPr sz="800" spc="-10">
+              <a:rPr lang="fr-FR" sz="800">
                 <a:solidFill>
                   <a:srgbClr val="777879"/>
                 </a:solidFill>
                 <a:latin typeface="Adobe Clean"/>
                 <a:cs typeface="Adobe Clean"/>
               </a:rPr>
-              <a:t>USA</a:t>
+              <a:t>États-Unis</a:t>
             </a:r>
-            <a:endParaRPr sz="800">
-              <a:latin typeface="Adobe Clean"/>
-              <a:cs typeface="Adobe Clean"/>
-            </a:endParaRPr>
           </a:p>
           <a:p>
             <a:pPr marL="12700">
@@ -9816,7 +9131,7 @@
               </a:spcBef>
             </a:pPr>
             <a:r>
-              <a:rPr sz="800" u="sng" spc="-25">
+              <a:rPr lang="fr-FR" sz="800" u="sng">
                 <a:solidFill>
                   <a:srgbClr val="5F5F5F"/>
                 </a:solidFill>
@@ -9829,12 +9144,8 @@
                 <a:cs typeface="Adobe Clean"/>
                 <a:hlinkClick r:id="rId3"/>
               </a:rPr>
-              <a:t>www.adobe.com</a:t>
+              <a:t>www.adobe.com/fr/</a:t>
             </a:r>
-            <a:endParaRPr sz="800">
-              <a:latin typeface="Adobe Clean"/>
-              <a:cs typeface="Adobe Clean"/>
-            </a:endParaRPr>
           </a:p>
         </p:txBody>
       </p:sp>
@@ -9995,7 +9306,7 @@
           </a:prstGeom>
         </p:spPr>
         <p:txBody>
-          <a:bodyPr vert="horz" wrap="square" lIns="0" tIns="29845" rIns="0" bIns="0" rtlCol="0" anchor="t">
+          <a:bodyPr vert="horz" wrap="square" lIns="0" tIns="29845" rIns="0" bIns="0" rtlCol="0">
             <a:spAutoFit/>
           </a:bodyPr>
           <a:lstStyle/>
@@ -10009,439 +9320,15 @@
               </a:spcBef>
             </a:pPr>
             <a:r>
-              <a:rPr sz="1100" i="1" spc="-10">
+              <a:rPr lang="fr-FR" sz="1100" i="1" dirty="0">
                 <a:solidFill>
                   <a:srgbClr val="777879"/>
                 </a:solidFill>
                 <a:latin typeface="AdobeClean-LightIt"/>
                 <a:cs typeface="AdobeClean-LightIt"/>
               </a:rPr>
-              <a:t>To</a:t>
+              <a:t>Pour en apprendre plus sur les offres de l’assistance Adobe et sur le niveau qui vous convient, contactez votre gestionnaire de compte nommé (NAM) ou votre gestionnaire de réussite client (CSM)</a:t>
             </a:r>
-            <a:r>
-              <a:rPr sz="1100" i="1" spc="-50">
-                <a:solidFill>
-                  <a:srgbClr val="777879"/>
-                </a:solidFill>
-                <a:latin typeface="AdobeClean-LightIt"/>
-                <a:cs typeface="AdobeClean-LightIt"/>
-              </a:rPr>
-              <a:t> </a:t>
-            </a:r>
-            <a:r>
-              <a:rPr sz="1100" i="1" spc="-15">
-                <a:solidFill>
-                  <a:srgbClr val="777879"/>
-                </a:solidFill>
-                <a:latin typeface="AdobeClean-LightIt"/>
-                <a:cs typeface="AdobeClean-LightIt"/>
-              </a:rPr>
-              <a:t>learn</a:t>
-            </a:r>
-            <a:r>
-              <a:rPr sz="1100" i="1" spc="-40">
-                <a:solidFill>
-                  <a:srgbClr val="777879"/>
-                </a:solidFill>
-                <a:latin typeface="AdobeClean-LightIt"/>
-                <a:cs typeface="AdobeClean-LightIt"/>
-              </a:rPr>
-              <a:t> </a:t>
-            </a:r>
-            <a:r>
-              <a:rPr sz="1100" i="1" spc="-15">
-                <a:solidFill>
-                  <a:srgbClr val="777879"/>
-                </a:solidFill>
-                <a:latin typeface="AdobeClean-LightIt"/>
-                <a:cs typeface="AdobeClean-LightIt"/>
-              </a:rPr>
-              <a:t>more</a:t>
-            </a:r>
-            <a:r>
-              <a:rPr sz="1100" i="1" spc="-45">
-                <a:solidFill>
-                  <a:srgbClr val="777879"/>
-                </a:solidFill>
-                <a:latin typeface="AdobeClean-LightIt"/>
-                <a:cs typeface="AdobeClean-LightIt"/>
-              </a:rPr>
-              <a:t> </a:t>
-            </a:r>
-            <a:r>
-              <a:rPr sz="1100" i="1" spc="-15">
-                <a:solidFill>
-                  <a:srgbClr val="777879"/>
-                </a:solidFill>
-                <a:latin typeface="AdobeClean-LightIt"/>
-                <a:cs typeface="AdobeClean-LightIt"/>
-              </a:rPr>
-              <a:t>about</a:t>
-            </a:r>
-            <a:r>
-              <a:rPr sz="1100" i="1" spc="-45">
-                <a:solidFill>
-                  <a:srgbClr val="777879"/>
-                </a:solidFill>
-                <a:latin typeface="AdobeClean-LightIt"/>
-                <a:cs typeface="AdobeClean-LightIt"/>
-              </a:rPr>
-              <a:t> </a:t>
-            </a:r>
-            <a:r>
-              <a:rPr sz="1100" i="1" spc="-15">
-                <a:solidFill>
-                  <a:srgbClr val="777879"/>
-                </a:solidFill>
-                <a:latin typeface="AdobeClean-LightIt"/>
-                <a:cs typeface="AdobeClean-LightIt"/>
-              </a:rPr>
-              <a:t>Adobe</a:t>
-            </a:r>
-            <a:r>
-              <a:rPr sz="1100" i="1" spc="-50">
-                <a:solidFill>
-                  <a:srgbClr val="777879"/>
-                </a:solidFill>
-                <a:latin typeface="AdobeClean-LightIt"/>
-                <a:cs typeface="AdobeClean-LightIt"/>
-              </a:rPr>
-              <a:t> </a:t>
-            </a:r>
-            <a:r>
-              <a:rPr sz="1100" i="1" spc="-15">
-                <a:solidFill>
-                  <a:srgbClr val="777879"/>
-                </a:solidFill>
-                <a:latin typeface="AdobeClean-LightIt"/>
-                <a:cs typeface="AdobeClean-LightIt"/>
-              </a:rPr>
-              <a:t>Support</a:t>
-            </a:r>
-            <a:r>
-              <a:rPr lang="en-US" sz="1100" i="1" spc="-15">
-                <a:solidFill>
-                  <a:srgbClr val="777879"/>
-                </a:solidFill>
-                <a:latin typeface="AdobeClean-LightIt"/>
-                <a:cs typeface="AdobeClean-LightIt"/>
-              </a:rPr>
-              <a:t> Offerings</a:t>
-            </a:r>
-            <a:r>
-              <a:rPr sz="1100" i="1" spc="-75">
-                <a:solidFill>
-                  <a:srgbClr val="777879"/>
-                </a:solidFill>
-                <a:latin typeface="AdobeClean-LightIt"/>
-                <a:cs typeface="AdobeClean-LightIt"/>
-              </a:rPr>
-              <a:t> </a:t>
-            </a:r>
-            <a:r>
-              <a:rPr sz="1100" i="1" spc="-15">
-                <a:solidFill>
-                  <a:srgbClr val="777879"/>
-                </a:solidFill>
-                <a:latin typeface="AdobeClean-LightIt"/>
-                <a:cs typeface="AdobeClean-LightIt"/>
-              </a:rPr>
-              <a:t>and</a:t>
-            </a:r>
-            <a:r>
-              <a:rPr sz="1100" i="1" spc="-50">
-                <a:solidFill>
-                  <a:srgbClr val="777879"/>
-                </a:solidFill>
-                <a:latin typeface="AdobeClean-LightIt"/>
-                <a:cs typeface="AdobeClean-LightIt"/>
-              </a:rPr>
-              <a:t> </a:t>
-            </a:r>
-            <a:r>
-              <a:rPr sz="1100" i="1" spc="-15">
-                <a:solidFill>
-                  <a:srgbClr val="777879"/>
-                </a:solidFill>
-                <a:latin typeface="AdobeClean-LightIt"/>
-                <a:cs typeface="AdobeClean-LightIt"/>
-              </a:rPr>
-              <a:t>the</a:t>
-            </a:r>
-            <a:r>
-              <a:rPr sz="1100" i="1" spc="-55">
-                <a:solidFill>
-                  <a:srgbClr val="777879"/>
-                </a:solidFill>
-                <a:latin typeface="AdobeClean-LightIt"/>
-                <a:cs typeface="AdobeClean-LightIt"/>
-              </a:rPr>
-              <a:t> </a:t>
-            </a:r>
-            <a:r>
-              <a:rPr sz="1100" i="1" spc="-15">
-                <a:solidFill>
-                  <a:srgbClr val="777879"/>
-                </a:solidFill>
-                <a:latin typeface="AdobeClean-LightIt"/>
-                <a:cs typeface="AdobeClean-LightIt"/>
-              </a:rPr>
-              <a:t>right</a:t>
-            </a:r>
-            <a:r>
-              <a:rPr sz="1100" i="1" spc="-95">
-                <a:solidFill>
-                  <a:srgbClr val="777879"/>
-                </a:solidFill>
-                <a:latin typeface="AdobeClean-LightIt"/>
-                <a:cs typeface="AdobeClean-LightIt"/>
-              </a:rPr>
-              <a:t> </a:t>
-            </a:r>
-            <a:r>
-              <a:rPr sz="1100" i="1" spc="-15">
-                <a:solidFill>
-                  <a:srgbClr val="777879"/>
-                </a:solidFill>
-                <a:latin typeface="AdobeClean-LightIt"/>
-                <a:cs typeface="AdobeClean-LightIt"/>
-              </a:rPr>
-              <a:t>level</a:t>
-            </a:r>
-            <a:r>
-              <a:rPr sz="1100" i="1" spc="-55">
-                <a:solidFill>
-                  <a:srgbClr val="777879"/>
-                </a:solidFill>
-                <a:latin typeface="AdobeClean-LightIt"/>
-                <a:cs typeface="AdobeClean-LightIt"/>
-              </a:rPr>
-              <a:t> </a:t>
-            </a:r>
-            <a:r>
-              <a:rPr sz="1100" i="1" spc="-15">
-                <a:solidFill>
-                  <a:srgbClr val="777879"/>
-                </a:solidFill>
-                <a:latin typeface="AdobeClean-LightIt"/>
-                <a:cs typeface="AdobeClean-LightIt"/>
-              </a:rPr>
-              <a:t>for</a:t>
-            </a:r>
-            <a:r>
-              <a:rPr sz="1100" i="1" spc="-85">
-                <a:solidFill>
-                  <a:srgbClr val="777879"/>
-                </a:solidFill>
-                <a:latin typeface="AdobeClean-LightIt"/>
-                <a:cs typeface="AdobeClean-LightIt"/>
-              </a:rPr>
-              <a:t> </a:t>
-            </a:r>
-            <a:r>
-              <a:rPr sz="1100" i="1" spc="-15">
-                <a:solidFill>
-                  <a:srgbClr val="777879"/>
-                </a:solidFill>
-                <a:latin typeface="AdobeClean-LightIt"/>
-                <a:cs typeface="AdobeClean-LightIt"/>
-              </a:rPr>
-              <a:t>you,</a:t>
-            </a:r>
-            <a:r>
-              <a:rPr sz="1100" i="1" spc="-65">
-                <a:solidFill>
-                  <a:srgbClr val="777879"/>
-                </a:solidFill>
-                <a:latin typeface="AdobeClean-LightIt"/>
-                <a:cs typeface="AdobeClean-LightIt"/>
-              </a:rPr>
-              <a:t> </a:t>
-            </a:r>
-            <a:r>
-              <a:rPr sz="1100" i="1" spc="-15">
-                <a:solidFill>
-                  <a:srgbClr val="777879"/>
-                </a:solidFill>
-                <a:latin typeface="AdobeClean-LightIt"/>
-                <a:cs typeface="AdobeClean-LightIt"/>
-              </a:rPr>
-              <a:t>contact</a:t>
-            </a:r>
-            <a:r>
-              <a:rPr sz="1100" i="1" spc="-85">
-                <a:solidFill>
-                  <a:srgbClr val="777879"/>
-                </a:solidFill>
-                <a:latin typeface="AdobeClean-LightIt"/>
-                <a:cs typeface="AdobeClean-LightIt"/>
-              </a:rPr>
-              <a:t> </a:t>
-            </a:r>
-            <a:r>
-              <a:rPr sz="1100" i="1" spc="-15">
-                <a:solidFill>
-                  <a:srgbClr val="777879"/>
-                </a:solidFill>
-                <a:latin typeface="AdobeClean-LightIt"/>
-                <a:cs typeface="AdobeClean-LightIt"/>
-              </a:rPr>
-              <a:t>your</a:t>
-            </a:r>
-            <a:r>
-              <a:rPr sz="1100" i="1" spc="-70">
-                <a:solidFill>
-                  <a:srgbClr val="777879"/>
-                </a:solidFill>
-                <a:latin typeface="AdobeClean-LightIt"/>
-                <a:cs typeface="AdobeClean-LightIt"/>
-              </a:rPr>
-              <a:t> </a:t>
-            </a:r>
-            <a:r>
-              <a:rPr sz="1100" i="1" spc="-15">
-                <a:solidFill>
-                  <a:srgbClr val="777879"/>
-                </a:solidFill>
-                <a:latin typeface="AdobeClean-LightIt"/>
-                <a:cs typeface="AdobeClean-LightIt"/>
-              </a:rPr>
-              <a:t>Named</a:t>
-            </a:r>
-            <a:r>
-              <a:rPr sz="1100" i="1" spc="-55">
-                <a:solidFill>
-                  <a:srgbClr val="777879"/>
-                </a:solidFill>
-                <a:latin typeface="AdobeClean-LightIt"/>
-                <a:cs typeface="AdobeClean-LightIt"/>
-              </a:rPr>
-              <a:t> </a:t>
-            </a:r>
-            <a:r>
-              <a:rPr sz="1100" i="1" spc="-25">
-                <a:solidFill>
-                  <a:srgbClr val="777879"/>
-                </a:solidFill>
-                <a:latin typeface="AdobeClean-LightIt"/>
-                <a:cs typeface="AdobeClean-LightIt"/>
-              </a:rPr>
-              <a:t>Account</a:t>
-            </a:r>
-            <a:r>
-              <a:rPr sz="1100" i="1" spc="-120">
-                <a:solidFill>
-                  <a:srgbClr val="777879"/>
-                </a:solidFill>
-                <a:latin typeface="AdobeClean-LightIt"/>
-                <a:cs typeface="AdobeClean-LightIt"/>
-              </a:rPr>
-              <a:t> </a:t>
-            </a:r>
-            <a:r>
-              <a:rPr sz="1100" i="1" spc="-20">
-                <a:solidFill>
-                  <a:srgbClr val="777879"/>
-                </a:solidFill>
-                <a:latin typeface="AdobeClean-LightIt"/>
-                <a:cs typeface="AdobeClean-LightIt"/>
-              </a:rPr>
-              <a:t>Manager</a:t>
-            </a:r>
-            <a:r>
-              <a:rPr lang="en-US" sz="1100" i="1" spc="-20">
-                <a:solidFill>
-                  <a:srgbClr val="777879"/>
-                </a:solidFill>
-                <a:latin typeface="AdobeClean-LightIt"/>
-                <a:cs typeface="AdobeClean-LightIt"/>
-              </a:rPr>
-              <a:t> </a:t>
-            </a:r>
-            <a:r>
-              <a:rPr sz="1100" i="1" spc="-20">
-                <a:solidFill>
-                  <a:srgbClr val="777879"/>
-                </a:solidFill>
-                <a:latin typeface="AdobeClean-LightIt"/>
-                <a:cs typeface="AdobeClean-LightIt"/>
-              </a:rPr>
-              <a:t> </a:t>
-            </a:r>
-            <a:r>
-              <a:rPr sz="1100" i="1" spc="-15">
-                <a:solidFill>
-                  <a:srgbClr val="777879"/>
-                </a:solidFill>
-                <a:latin typeface="AdobeClean-LightIt"/>
-                <a:cs typeface="AdobeClean-LightIt"/>
-              </a:rPr>
-              <a:t>(NAM) </a:t>
-            </a:r>
-            <a:r>
-              <a:rPr sz="1100" i="1" spc="-10">
-                <a:solidFill>
-                  <a:srgbClr val="777879"/>
-                </a:solidFill>
-                <a:latin typeface="AdobeClean-LightIt"/>
-                <a:cs typeface="AdobeClean-LightIt"/>
-              </a:rPr>
-              <a:t>or </a:t>
-            </a:r>
-            <a:r>
-              <a:rPr sz="1100" i="1" spc="-15">
-                <a:solidFill>
-                  <a:srgbClr val="777879"/>
-                </a:solidFill>
-                <a:latin typeface="AdobeClean-LightIt"/>
-                <a:cs typeface="AdobeClean-LightIt"/>
-              </a:rPr>
-              <a:t>Customer</a:t>
-            </a:r>
-            <a:r>
-              <a:rPr lang="en-US" sz="1100" i="1" spc="-15">
-                <a:solidFill>
-                  <a:srgbClr val="777879"/>
-                </a:solidFill>
-                <a:latin typeface="AdobeClean-LightIt"/>
-                <a:cs typeface="AdobeClean-LightIt"/>
-              </a:rPr>
-              <a:t> </a:t>
-            </a:r>
-            <a:r>
-              <a:rPr lang="en-US" sz="1100" i="1" spc="-20">
-                <a:solidFill>
-                  <a:srgbClr val="777879"/>
-                </a:solidFill>
-                <a:latin typeface="AdobeClean-LightIt"/>
-                <a:cs typeface="AdobeClean-LightIt"/>
-              </a:rPr>
-              <a:t>Success </a:t>
-            </a:r>
-            <a:r>
-              <a:rPr lang="en-US" sz="1100" i="1" spc="-15">
-                <a:solidFill>
-                  <a:srgbClr val="777879"/>
-                </a:solidFill>
-                <a:latin typeface="AdobeClean-LightIt"/>
-                <a:cs typeface="AdobeClean-LightIt"/>
-              </a:rPr>
-              <a:t>Manager </a:t>
-            </a:r>
-            <a:r>
-              <a:rPr sz="1100" i="1" spc="-15">
-                <a:solidFill>
-                  <a:srgbClr val="777879"/>
-                </a:solidFill>
-                <a:latin typeface="AdobeClean-LightIt"/>
-                <a:cs typeface="AdobeClean-LightIt"/>
-              </a:rPr>
-              <a:t>(CSM)</a:t>
-            </a:r>
-            <a:endParaRPr sz="1100">
-              <a:latin typeface="AdobeClean-LightIt"/>
-              <a:cs typeface="AdobeClean-LightIt"/>
-            </a:endParaRPr>
           </a:p>
           <a:p>
             <a:pPr marL="34290">
@@ -10453,37 +9340,27 @@
               </a:spcBef>
             </a:pPr>
             <a:r>
-              <a:rPr sz="800" spc="-5">
+              <a:rPr lang="fr-FR" sz="800" dirty="0">
                 <a:solidFill>
                   <a:srgbClr val="6D6D6D"/>
                 </a:solidFill>
                 <a:latin typeface="Adobe Clean"/>
                 <a:cs typeface="Adobe Clean"/>
               </a:rPr>
-              <a:t>©202</a:t>
+              <a:t>©2021 Adobe. All </a:t>
             </a:r>
             <a:r>
-              <a:rPr lang="en-US" sz="800" spc="-5">
+              <a:rPr lang="fr-FR" sz="800" dirty="0" err="1">
                 <a:solidFill>
                   <a:srgbClr val="6D6D6D"/>
                 </a:solidFill>
                 <a:latin typeface="Adobe Clean"/>
                 <a:cs typeface="Adobe Clean"/>
               </a:rPr>
-              <a:t>1</a:t>
+              <a:t>Rights</a:t>
             </a:r>
             <a:r>
-              <a:rPr sz="800" spc="-5">
-                <a:solidFill>
-                  <a:srgbClr val="6D6D6D"/>
-                </a:solidFill>
-                <a:latin typeface="Adobe Clean"/>
-                <a:cs typeface="Adobe Clean"/>
-              </a:rPr>
-              <a:t> Adobe. All Rights Reserved. Adobe</a:t>
-            </a:r>
-            <a:r>
-              <a:rPr sz="800" spc="75">
+              <a:rPr lang="fr-FR" sz="800" dirty="0">
                 <a:solidFill>
                   <a:srgbClr val="6D6D6D"/>
                 </a:solidFill>
@@ -10493,19 +9370,25 @@
               <a:t> </a:t>
             </a:r>
             <a:r>
-              <a:rPr sz="800" spc="-5">
+              <a:rPr lang="fr-FR" sz="800" dirty="0" err="1">
                 <a:solidFill>
                   <a:srgbClr val="6D6D6D"/>
                 </a:solidFill>
                 <a:latin typeface="Adobe Clean"/>
                 <a:cs typeface="Adobe Clean"/>
               </a:rPr>
-              <a:t>Confidential.</a:t>
+              <a:t>Reserved</a:t>
             </a:r>
-            <a:endParaRPr sz="800">
-              <a:latin typeface="Adobe Clean"/>
-              <a:cs typeface="Adobe Clean"/>
-            </a:endParaRPr>
+            <a:r>
+              <a:rPr lang="fr-FR" sz="800" dirty="0">
+                <a:solidFill>
+                  <a:srgbClr val="6D6D6D"/>
+                </a:solidFill>
+                <a:latin typeface="Adobe Clean"/>
+                <a:cs typeface="Adobe Clean"/>
+              </a:rPr>
+              <a:t>. Données confidentielles Adobe</a:t>
+            </a:r>
           </a:p>
         </p:txBody>
       </p:sp>
@@ -10523,8 +9406,8 @@
         </p:nvSpPr>
         <p:spPr>
           <a:xfrm>
-            <a:off x="197233" y="5031270"/>
-            <a:ext cx="6476646" cy="755976"/>
+            <a:off x="197232" y="5063020"/>
+            <a:ext cx="7029067" cy="755976"/>
           </a:xfrm>
           <a:prstGeom prst="rect">
             <a:avLst/>
@@ -10542,19 +9425,15 @@
               </a:spcBef>
             </a:pPr>
             <a:r>
-              <a:rPr lang="en-US" sz="1400" b="1" spc="-15">
+              <a:rPr lang="fr-FR" sz="1400" b="1" dirty="0">
                 <a:solidFill>
                   <a:srgbClr val="020302"/>
                 </a:solidFill>
                 <a:latin typeface="Adobe Clean"/>
                 <a:cs typeface="Adobe Clean"/>
               </a:rPr>
-              <a:t>Regional scope of Adobe Support, Local Hours Of Operation And Language Support</a:t>
+              <a:t>Portée régionale de l’assistance Adobe, heures ouvrables locales et assistance linguistique</a:t>
             </a:r>
-            <a:endParaRPr lang="en-US" sz="1400" spc="-15">
-              <a:ea typeface="+mn-lt"/>
-              <a:cs typeface="+mn-lt"/>
-            </a:endParaRPr>
           </a:p>
           <a:p>
             <a:pPr>
@@ -10563,15 +9442,14 @@
               </a:spcBef>
             </a:pPr>
             <a:r>
-              <a:rPr lang="en-US" sz="1000" spc="-15">
+              <a:rPr lang="fr-FR" sz="1000" dirty="0">
                 <a:solidFill>
                   <a:srgbClr val="1F1F1F"/>
                 </a:solidFill>
                 <a:latin typeface="AdobeClean-Light"/>
               </a:rPr>
-              <a:t>The Regional scope of Adobe Support is established by aligning the customer's billing address (via the Sales Order or other Adobe Support purchasing document) to one of the following regions:</a:t>
+              <a:t>La portée régionale de l’assistance Adobe est définie par l’alignement de l’adresse de facturation du client (se trouvant sur le bon de commande ou tout autre document d’achat de l’assistance Adobe) avec l’une des régions suivantes :</a:t>
             </a:r>
-            <a:endParaRPr lang="en-US"/>
           </a:p>
         </p:txBody>
       </p:sp>
@@ -10643,13 +9521,13 @@
                     <a:p>
                       <a:pPr algn="ctr"/>
                       <a:r>
-                        <a:rPr lang="en-US" sz="1100">
+                        <a:rPr lang="fr-FR" sz="1100">
                           <a:solidFill>
                             <a:schemeClr val="tx1"/>
                           </a:solidFill>
                           <a:latin typeface="Adobe Clean"/>
                         </a:rPr>
-                        <a:t>Americas</a:t>
+                        <a:t>Amériques</a:t>
                       </a:r>
                     </a:p>
                   </a:txBody>
@@ -10708,13 +9586,13 @@
                     <a:p>
                       <a:pPr algn="ctr"/>
                       <a:r>
-                        <a:rPr lang="en-US" sz="1100">
+                        <a:rPr lang="fr-FR" sz="1100">
                           <a:solidFill>
                             <a:schemeClr val="tx1"/>
                           </a:solidFill>
                           <a:latin typeface="Adobe Clean"/>
                         </a:rPr>
-                        <a:t>Europe, Middle East &amp; Africa</a:t>
+                        <a:t>Europe, Moyen-Orient et Afrique</a:t>
                       </a:r>
                     </a:p>
                   </a:txBody>
@@ -10773,13 +9651,13 @@
                     <a:p>
                       <a:pPr algn="ctr"/>
                       <a:r>
-                        <a:rPr lang="en-US" sz="1100">
+                        <a:rPr lang="fr-FR" sz="1100">
                           <a:solidFill>
                             <a:schemeClr val="tx1"/>
                           </a:solidFill>
                           <a:latin typeface="Adobe Clean"/>
                         </a:rPr>
-                        <a:t>Asia Pacific</a:t>
+                        <a:t>Asie-Pacifique</a:t>
                       </a:r>
                     </a:p>
                   </a:txBody>
@@ -10838,16 +9716,16 @@
                     <a:p>
                       <a:pPr algn="ctr"/>
                       <a:r>
-                        <a:rPr lang="en-US" sz="1100">
+                        <a:rPr lang="fr-FR" sz="1100">
                           <a:solidFill>
                             <a:schemeClr val="tx1"/>
                           </a:solidFill>
                           <a:latin typeface="Adobe Clean"/>
                         </a:rPr>
-                        <a:t>Japan </a:t>
+                        <a:t>Japon </a:t>
                       </a:r>
                       <a:r>
-                        <a:rPr lang="en-US" sz="1100" baseline="30000">
+                        <a:rPr lang="fr-FR" sz="1100" baseline="30000">
                           <a:solidFill>
                             <a:schemeClr val="tx1"/>
                           </a:solidFill>
@@ -10855,12 +9733,6 @@
                         </a:rPr>
                         <a:t>1 </a:t>
                       </a:r>
-                      <a:endParaRPr lang="en-US" sz="1100">
-                        <a:solidFill>
-                          <a:schemeClr val="tx1"/>
-                        </a:solidFill>
-                        <a:latin typeface="Adobe Clean" panose="020B0503020404020204" pitchFamily="34" charset="0"/>
-                      </a:endParaRPr>
                     </a:p>
                   </a:txBody>
                   <a:tcPr anchor="ctr">
@@ -10925,13 +9797,13 @@
                     <a:p>
                       <a:pPr algn="ctr"/>
                       <a:r>
-                        <a:rPr lang="en-US" sz="1100">
+                        <a:rPr lang="fr-FR" sz="1100">
                           <a:solidFill>
                             <a:schemeClr val="tx1"/>
                           </a:solidFill>
                           <a:latin typeface="Adobe Clean"/>
                         </a:rPr>
-                        <a:t>6 am – 5:30 pm</a:t>
+                        <a:t>6 h 00 à 17 h 30</a:t>
                       </a:r>
                     </a:p>
                   </a:txBody>
@@ -10990,13 +9862,13 @@
                     <a:p>
                       <a:pPr algn="ctr"/>
                       <a:r>
-                        <a:rPr lang="en-US" sz="1100">
+                        <a:rPr lang="fr-FR" sz="1100">
                           <a:solidFill>
                             <a:schemeClr val="tx1"/>
                           </a:solidFill>
                           <a:latin typeface="Adobe Clean"/>
                         </a:rPr>
-                        <a:t>9 am – 5 pm</a:t>
+                        <a:t>9 h 00 à 17 h 00</a:t>
                       </a:r>
                     </a:p>
                   </a:txBody>
@@ -11055,13 +9927,13 @@
                     <a:p>
                       <a:pPr algn="ctr"/>
                       <a:r>
-                        <a:rPr lang="en-US" sz="1100">
+                        <a:rPr lang="fr-FR" sz="1100">
                           <a:solidFill>
                             <a:schemeClr val="tx1"/>
                           </a:solidFill>
                           <a:latin typeface="Adobe Clean"/>
                         </a:rPr>
-                        <a:t>9 am – 5 pm</a:t>
+                        <a:t>9 h 00 à 17 h 00</a:t>
                       </a:r>
                     </a:p>
                   </a:txBody>
@@ -11120,13 +9992,13 @@
                     <a:p>
                       <a:pPr algn="ctr"/>
                       <a:r>
-                        <a:rPr lang="en-US" sz="1100">
+                        <a:rPr lang="fr-FR" sz="1100">
                           <a:solidFill>
                             <a:schemeClr val="tx1"/>
                           </a:solidFill>
                           <a:latin typeface="Adobe Clean"/>
                         </a:rPr>
-                        <a:t>9 am – 5:30 pm</a:t>
+                        <a:t>9 h 00 à 17 h 30</a:t>
                       </a:r>
                     </a:p>
                   </a:txBody>
@@ -11206,11 +10078,10 @@
                         <a:buNone/>
                       </a:pPr>
                       <a:r>
-                        <a:rPr lang="en-US" sz="1100" b="1" i="0" u="none" strike="noStrike" kern="0" cap="none" spc="0" normalizeH="0" baseline="30000" noProof="0">
+                        <a:rPr lang="fr-FR" sz="1100" b="1" i="0" u="none" strike="noStrike" cap="none" normalizeH="0" baseline="30000" noProof="0">
                           <a:ln>
                             <a:noFill/>
                           </a:ln>
-                          <a:effectLst/>
                           <a:uLnTx/>
                           <a:uFillTx/>
                           <a:latin typeface="Adobe Clean"/>
@@ -11220,17 +10091,16 @@
                         <a:t> </a:t>
                       </a:r>
                       <a:r>
-                        <a:rPr lang="en-US" sz="1100">
+                        <a:rPr lang="fr-FR" sz="1100">
                           <a:solidFill>
                             <a:schemeClr val="tx1"/>
                           </a:solidFill>
                           <a:latin typeface="Adobe Clean"/>
+                          <a:ea typeface="+mn-ea"/>
+                          <a:cs typeface="+mn-cs"/>
                         </a:rPr>
-                        <a:t>Language support is only available in English and Japanese.</a:t>
+                        <a:t>L’assistance linguistique est uniquement disponible en anglais et en japonais.</a:t>
                       </a:r>
-                      <a:endParaRPr lang="en-US">
-                        <a:latin typeface="Adobe Clean"/>
-                      </a:endParaRPr>
                     </a:p>
                     <a:p>
                       <a:pPr marL="0" marR="0" lvl="0" indent="0" algn="ctr">
@@ -11249,17 +10119,17 @@
                         <a:buNone/>
                       </a:pPr>
                       <a:r>
-                        <a:rPr lang="en-US" sz="1100" i="1">
+                        <a:rPr lang="fr-FR" sz="1100" i="1">
                           <a:solidFill>
                             <a:schemeClr val="tx1"/>
                           </a:solidFill>
                           <a:latin typeface="Adobe Clean"/>
                         </a:rPr>
-                        <a:t>*Adobe Commerce excludes Japanese languages support.</a:t>
+                        <a:t>*Adobe Commerce exclut l’assistance linguistique japonaise.</a:t>
                       </a:r>
                     </a:p>
                     <a:p>
-                      <a:pPr algn="ctr"/>
+                      <a:pPr algn="l" rtl="0"/>
                       <a:endParaRPr kumimoji="0" lang="en-US" sz="1100" b="1" i="0" u="none" strike="noStrike" kern="0" cap="none" spc="0" normalizeH="0" baseline="30000" noProof="0">
                         <a:ln>
                           <a:noFill/>
@@ -11278,7 +10148,7 @@
                     <a:p>
                       <a:pPr algn="ctr"/>
                       <a:r>
-                        <a:rPr lang="en-US" sz="1100" i="0">
+                        <a:rPr lang="fr-FR" sz="1100" i="0">
                           <a:solidFill>
                             <a:schemeClr val="tx1"/>
                           </a:solidFill>
@@ -11287,7 +10157,7 @@
                         <a:t> </a:t>
                       </a:r>
                       <a:r>
-                        <a:rPr lang="en-US" sz="1100" i="0" baseline="30000">
+                        <a:rPr lang="fr-FR" sz="1100" i="0" baseline="30000">
                           <a:solidFill>
                             <a:schemeClr val="tx1"/>
                           </a:solidFill>
@@ -11296,20 +10166,14 @@
                         <a:t>1 </a:t>
                       </a:r>
                       <a:r>
-                        <a:rPr lang="en-US" sz="1100" i="0">
+                        <a:rPr lang="fr-FR" sz="1100" i="0">
                           <a:solidFill>
                             <a:schemeClr val="tx1"/>
                           </a:solidFill>
                           <a:latin typeface="Adobe Clean"/>
                         </a:rPr>
-                        <a:t>P2, P3, P4 cases are limited to business hours only in Japan.</a:t>
+                        <a:t>Les cas P2, P3 et P4 sont limités aux heures ouvrables uniquement au Japon.</a:t>
                       </a:r>
-                      <a:endParaRPr lang="en-US" sz="1100" b="1" i="0">
-                        <a:solidFill>
-                          <a:schemeClr val="tx1"/>
-                        </a:solidFill>
-                        <a:latin typeface="Adobe Clean"/>
-                      </a:endParaRPr>
                     </a:p>
                   </a:txBody>
                   <a:tcPr anchor="ctr">
@@ -11651,8 +10515,8 @@
         </p:nvSpPr>
         <p:spPr>
           <a:xfrm>
-            <a:off x="2840871" y="8528519"/>
-            <a:ext cx="810895" cy="385445"/>
+            <a:off x="2726571" y="8528519"/>
+            <a:ext cx="1045329" cy="385445"/>
           </a:xfrm>
           <a:prstGeom prst="rect">
             <a:avLst/>
@@ -11664,7 +10528,7 @@
           </a:bodyPr>
           <a:lstStyle/>
           <a:p>
-            <a:pPr marL="139065" marR="5080" indent="-139065">
+            <a:pPr marR="5080" algn="ctr">
               <a:lnSpc>
                 <a:spcPts val="1390"/>
               </a:lnSpc>
@@ -11673,129 +10537,15 @@
               </a:spcBef>
             </a:pPr>
             <a:r>
-              <a:rPr sz="1200" b="1" spc="-15">
+              <a:rPr lang="fr-FR" sz="1200" b="1" dirty="0">
                 <a:solidFill>
                   <a:srgbClr val="FFFFFF"/>
                 </a:solidFill>
                 <a:latin typeface="Adobe Clean"/>
                 <a:cs typeface="Adobe Clean"/>
               </a:rPr>
-              <a:t>U</a:t>
+              <a:t>Expertise incomparable</a:t>
             </a:r>
-            <a:r>
-              <a:rPr sz="1200" b="1" spc="-20">
-                <a:solidFill>
-                  <a:srgbClr val="FFFFFF"/>
-                </a:solidFill>
-                <a:latin typeface="Adobe Clean"/>
-                <a:cs typeface="Adobe Clean"/>
-              </a:rPr>
-              <a:t>n</a:t>
-            </a:r>
-            <a:r>
-              <a:rPr sz="1200" b="1" spc="-25">
-                <a:solidFill>
-                  <a:srgbClr val="FFFFFF"/>
-                </a:solidFill>
-                <a:latin typeface="Adobe Clean"/>
-                <a:cs typeface="Adobe Clean"/>
-              </a:rPr>
-              <a:t>p</a:t>
-            </a:r>
-            <a:r>
-              <a:rPr sz="1200" b="1" spc="-15">
-                <a:solidFill>
-                  <a:srgbClr val="FFFFFF"/>
-                </a:solidFill>
-                <a:latin typeface="Adobe Clean"/>
-                <a:cs typeface="Adobe Clean"/>
-              </a:rPr>
-              <a:t>a</a:t>
-            </a:r>
-            <a:r>
-              <a:rPr sz="1200" b="1" spc="-25">
-                <a:solidFill>
-                  <a:srgbClr val="FFFFFF"/>
-                </a:solidFill>
-                <a:latin typeface="Adobe Clean"/>
-                <a:cs typeface="Adobe Clean"/>
-              </a:rPr>
-              <a:t>r</a:t>
-            </a:r>
-            <a:r>
-              <a:rPr sz="1200" b="1" spc="-15">
-                <a:solidFill>
-                  <a:srgbClr val="FFFFFF"/>
-                </a:solidFill>
-                <a:latin typeface="Adobe Clean"/>
-                <a:cs typeface="Adobe Clean"/>
-              </a:rPr>
-              <a:t>a</a:t>
-            </a:r>
-            <a:r>
-              <a:rPr sz="1200" b="1" spc="-30">
-                <a:solidFill>
-                  <a:srgbClr val="FFFFFF"/>
-                </a:solidFill>
-                <a:latin typeface="Adobe Clean"/>
-                <a:cs typeface="Adobe Clean"/>
-              </a:rPr>
-              <a:t>ll</a:t>
-            </a:r>
-            <a:r>
-              <a:rPr sz="1200" b="1" spc="-25">
-                <a:solidFill>
-                  <a:srgbClr val="FFFFFF"/>
-                </a:solidFill>
-                <a:latin typeface="Adobe Clean"/>
-                <a:cs typeface="Adobe Clean"/>
-              </a:rPr>
-              <a:t>e</a:t>
-            </a:r>
-            <a:r>
-              <a:rPr sz="1200" b="1" spc="-30">
-                <a:solidFill>
-                  <a:srgbClr val="FFFFFF"/>
-                </a:solidFill>
-                <a:latin typeface="Adobe Clean"/>
-                <a:cs typeface="Adobe Clean"/>
-              </a:rPr>
-              <a:t>l</a:t>
-            </a:r>
-            <a:r>
-              <a:rPr sz="1200" b="1" spc="-25">
-                <a:solidFill>
-                  <a:srgbClr val="FFFFFF"/>
-                </a:solidFill>
-                <a:latin typeface="Adobe Clean"/>
-                <a:cs typeface="Adobe Clean"/>
-              </a:rPr>
-              <a:t>e</a:t>
-            </a:r>
-            <a:r>
-              <a:rPr sz="1200" b="1">
-                <a:solidFill>
-                  <a:srgbClr val="FFFFFF"/>
-                </a:solidFill>
-                <a:latin typeface="Adobe Clean"/>
-                <a:cs typeface="Adobe Clean"/>
-              </a:rPr>
-              <a:t>d  </a:t>
-            </a:r>
-            <a:r>
-              <a:rPr sz="1200" b="1" spc="-25">
-                <a:solidFill>
-                  <a:srgbClr val="FFFFFF"/>
-                </a:solidFill>
-                <a:latin typeface="Adobe Clean"/>
-                <a:cs typeface="Adobe Clean"/>
-              </a:rPr>
-              <a:t>Expertise</a:t>
-            </a:r>
-            <a:endParaRPr sz="1200">
-              <a:latin typeface="Adobe Clean"/>
-              <a:cs typeface="Adobe Clean"/>
-            </a:endParaRPr>
           </a:p>
         </p:txBody>
       </p:sp>
@@ -11813,7 +10563,7 @@
         </p:nvSpPr>
         <p:spPr>
           <a:xfrm>
-            <a:off x="4732495" y="8541244"/>
+            <a:off x="4668995" y="8541244"/>
             <a:ext cx="810895" cy="382797"/>
           </a:xfrm>
           <a:prstGeom prst="rect">
@@ -11826,7 +10576,7 @@
           </a:bodyPr>
           <a:lstStyle/>
           <a:p>
-            <a:pPr marL="139065" marR="5080" indent="-139065">
+            <a:pPr marR="5080" algn="ctr">
               <a:lnSpc>
                 <a:spcPts val="1390"/>
               </a:lnSpc>
@@ -11835,19 +10585,15 @@
               </a:spcBef>
             </a:pPr>
             <a:r>
-              <a:rPr lang="en-US" sz="1200" b="1" spc="-15">
+              <a:rPr lang="fr-FR" sz="1200" b="1" dirty="0">
                 <a:solidFill>
                   <a:srgbClr val="FFFFFF"/>
                 </a:solidFill>
                 <a:latin typeface="Adobe Clean"/>
                 <a:cs typeface="Adobe Clean"/>
               </a:rPr>
-              <a:t>Accelerated Support</a:t>
+              <a:t>Assistance accélérée</a:t>
             </a:r>
-            <a:endParaRPr sz="1200">
-              <a:latin typeface="Adobe Clean"/>
-              <a:cs typeface="Adobe Clean"/>
-            </a:endParaRPr>
           </a:p>
         </p:txBody>
       </p:sp>
@@ -11865,8 +10611,8 @@
         </p:nvSpPr>
         <p:spPr>
           <a:xfrm>
-            <a:off x="6624119" y="8543943"/>
-            <a:ext cx="510540" cy="385445"/>
+            <a:off x="6497118" y="8543943"/>
+            <a:ext cx="760931" cy="382797"/>
           </a:xfrm>
           <a:prstGeom prst="rect">
             <a:avLst/>
@@ -11878,7 +10624,7 @@
           </a:bodyPr>
           <a:lstStyle/>
           <a:p>
-            <a:pPr marL="50800" marR="5080" indent="-51435">
+            <a:pPr marR="5080" algn="ctr">
               <a:lnSpc>
                 <a:spcPts val="1390"/>
               </a:lnSpc>
@@ -11887,109 +10633,15 @@
               </a:spcBef>
             </a:pPr>
             <a:r>
-              <a:rPr sz="1200" b="1" spc="-50">
+              <a:rPr lang="fr-FR" sz="1200" b="1" dirty="0">
                 <a:solidFill>
                   <a:srgbClr val="FFFFFF"/>
                 </a:solidFill>
                 <a:latin typeface="Adobe Clean"/>
                 <a:cs typeface="Adobe Clean"/>
               </a:rPr>
-              <a:t>S</a:t>
+              <a:t>Conseil stratégique</a:t>
             </a:r>
-            <a:r>
-              <a:rPr sz="1200" b="1" spc="-20">
-                <a:solidFill>
-                  <a:srgbClr val="FFFFFF"/>
-                </a:solidFill>
-                <a:latin typeface="Adobe Clean"/>
-                <a:cs typeface="Adobe Clean"/>
-              </a:rPr>
-              <a:t>t</a:t>
-            </a:r>
-            <a:r>
-              <a:rPr sz="1200" b="1" spc="-75">
-                <a:solidFill>
-                  <a:srgbClr val="FFFFFF"/>
-                </a:solidFill>
-                <a:latin typeface="Adobe Clean"/>
-                <a:cs typeface="Adobe Clean"/>
-              </a:rPr>
-              <a:t>r</a:t>
-            </a:r>
-            <a:r>
-              <a:rPr sz="1200" b="1" spc="-90">
-                <a:solidFill>
-                  <a:srgbClr val="FFFFFF"/>
-                </a:solidFill>
-                <a:latin typeface="Adobe Clean"/>
-                <a:cs typeface="Adobe Clean"/>
-              </a:rPr>
-              <a:t>a</a:t>
-            </a:r>
-            <a:r>
-              <a:rPr sz="1200" b="1" spc="-55">
-                <a:solidFill>
-                  <a:srgbClr val="FFFFFF"/>
-                </a:solidFill>
-                <a:latin typeface="Adobe Clean"/>
-                <a:cs typeface="Adobe Clean"/>
-              </a:rPr>
-              <a:t>t</a:t>
-            </a:r>
-            <a:r>
-              <a:rPr sz="1200" b="1" spc="-100">
-                <a:solidFill>
-                  <a:srgbClr val="FFFFFF"/>
-                </a:solidFill>
-                <a:latin typeface="Adobe Clean"/>
-                <a:cs typeface="Adobe Clean"/>
-              </a:rPr>
-              <a:t>e</a:t>
-            </a:r>
-            <a:r>
-              <a:rPr sz="1200" b="1" spc="-80">
-                <a:solidFill>
-                  <a:srgbClr val="FFFFFF"/>
-                </a:solidFill>
-                <a:latin typeface="Adobe Clean"/>
-                <a:cs typeface="Adobe Clean"/>
-              </a:rPr>
-              <a:t>g</a:t>
-            </a:r>
-            <a:r>
-              <a:rPr sz="1200" b="1" spc="-35">
-                <a:solidFill>
-                  <a:srgbClr val="FFFFFF"/>
-                </a:solidFill>
-                <a:latin typeface="Adobe Clean"/>
-                <a:cs typeface="Adobe Clean"/>
-              </a:rPr>
-              <a:t>i</a:t>
-            </a:r>
-            <a:r>
-              <a:rPr sz="1200" b="1">
-                <a:solidFill>
-                  <a:srgbClr val="FFFFFF"/>
-                </a:solidFill>
-                <a:latin typeface="Adobe Clean"/>
-                <a:cs typeface="Adobe Clean"/>
-              </a:rPr>
-              <a:t>c  </a:t>
-            </a:r>
-            <a:r>
-              <a:rPr sz="1200" b="1" spc="-45">
-                <a:solidFill>
-                  <a:srgbClr val="FFFFFF"/>
-                </a:solidFill>
-                <a:latin typeface="Adobe Clean"/>
-                <a:cs typeface="Adobe Clean"/>
-              </a:rPr>
-              <a:t>Advice</a:t>
-            </a:r>
-            <a:endParaRPr sz="1200">
-              <a:latin typeface="Adobe Clean"/>
-              <a:cs typeface="Adobe Clean"/>
-            </a:endParaRPr>
           </a:p>
         </p:txBody>
       </p:sp>
@@ -12008,14 +10660,14 @@
           <p:nvPr>
             <p:extLst>
               <p:ext uri="{D42A27DB-BD31-4B8C-83A1-F6EECF244321}">
-                <p14:modId xmlns:p14="http://schemas.microsoft.com/office/powerpoint/2010/main" val="3773282750"/>
+                <p14:modId xmlns:p14="http://schemas.microsoft.com/office/powerpoint/2010/main" val="3940831295"/>
               </p:ext>
             </p:extLst>
           </p:nvPr>
         </p:nvGraphicFramePr>
         <p:xfrm>
           <a:off x="194236" y="1059345"/>
-          <a:ext cx="7368291" cy="3302000"/>
+          <a:ext cx="7368291" cy="4089400"/>
         </p:xfrm>
         <a:graphic>
           <a:graphicData uri="http://schemas.openxmlformats.org/drawingml/2006/table">
@@ -12046,25 +10698,17 @@
                     <a:lstStyle/>
                     <a:p>
                       <a:r>
-                        <a:rPr lang="en-US" sz="1100" b="0">
+                        <a:rPr lang="fr-FR" sz="1100" b="0">
                           <a:solidFill>
                             <a:schemeClr val="tx1"/>
                           </a:solidFill>
-                          <a:latin typeface="Adobe Clean"/>
+                          <a:latin typeface="Adobe Clean" panose="020B0503020404020204" pitchFamily="34" charset="0"/>
                           <a:ea typeface="+mn-ea"/>
                           <a:cs typeface="+mn-cs"/>
                           <a:hlinkClick r:id="rId7"/>
                         </a:rPr>
                         <a:t>Experience League</a:t>
                       </a:r>
-                      <a:endParaRPr lang="en-US" sz="1100" b="0">
-                        <a:solidFill>
-                          <a:schemeClr val="tx1"/>
-                        </a:solidFill>
-                        <a:latin typeface="Adobe Clean"/>
-                        <a:ea typeface="+mn-ea"/>
-                        <a:cs typeface="+mn-cs"/>
-                      </a:endParaRPr>
                     </a:p>
                   </a:txBody>
                   <a:tcPr marL="47625" marR="47625" marT="0" marB="0" anchor="ctr">
@@ -12120,7 +10764,7 @@
                     <a:bodyPr/>
                     <a:lstStyle/>
                     <a:p>
-                      <a:pPr marL="0" marR="0" lvl="0" indent="0" eaLnBrk="1" fontAlgn="auto" latinLnBrk="0" hangingPunct="1">
+                      <a:pPr marL="0" marR="0" lvl="0" indent="0" defTabSz="914400" eaLnBrk="1" fontAlgn="auto" latinLnBrk="0" hangingPunct="1">
                         <a:lnSpc>
                           <a:spcPct val="100000"/>
                         </a:lnSpc>
@@ -12134,26 +10778,115 @@
                         <a:buSzTx/>
                         <a:buFontTx/>
                         <a:buNone/>
+                        <a:tabLst/>
+                        <a:defRPr/>
                       </a:pPr>
                       <a:r>
-                        <a:rPr lang="en-US" sz="1000" b="0" kern="1200">
+                        <a:rPr lang="fr-FR" sz="1000" b="0" spc="-20" baseline="0" dirty="0" err="1">
                           <a:solidFill>
                             <a:srgbClr val="000000"/>
                           </a:solidFill>
-                          <a:latin typeface="Adobe Clean Light"/>
+                          <a:latin typeface="Adobe Clean Light" panose="020B0303020404020204" pitchFamily="34" charset="0"/>
                           <a:ea typeface="+mn-ea"/>
                           <a:cs typeface="+mn-cs"/>
                         </a:rPr>
-                        <a:t>Experience League is how Adobe helps businesses achieve the value they expect from their Adobe investment. It’s the unified place where customers can learn, connect, and grow along a personalized path to success that includes self-help tutorials, product documentation, instructor-led training, community and technical support. </a:t>
+                        <a:t>Experience</a:t>
                       </a:r>
-                      <a:endParaRPr lang="en-US" sz="1000" b="0" kern="1200">
-                        <a:solidFill>
-                          <a:srgbClr val="000000"/>
-                        </a:solidFill>
-                        <a:latin typeface="Adobe Clean Light" panose="020B0303020404020204" pitchFamily="34" charset="0"/>
-                        <a:ea typeface="+mn-ea"/>
-                        <a:cs typeface="+mn-cs"/>
-                      </a:endParaRPr>
+                      <a:r>
+                        <a:rPr lang="fr-FR" sz="1000" b="0" spc="-20" baseline="0" dirty="0">
+                          <a:solidFill>
+                            <a:srgbClr val="000000"/>
+                          </a:solidFill>
+                          <a:latin typeface="Adobe Clean Light" panose="020B0303020404020204" pitchFamily="34" charset="0"/>
+                          <a:ea typeface="+mn-ea"/>
+                          <a:cs typeface="+mn-cs"/>
+                        </a:rPr>
+                        <a:t> League est la manière dont Adobe aide les entreprises </a:t>
+                      </a:r>
+                      <a:br>
+                        <a:rPr lang="sk-SK" sz="1000" b="0" spc="-20" baseline="0" dirty="0">
+                          <a:solidFill>
+                            <a:srgbClr val="000000"/>
+                          </a:solidFill>
+                          <a:latin typeface="Adobe Clean Light" panose="020B0303020404020204" pitchFamily="34" charset="0"/>
+                          <a:ea typeface="+mn-ea"/>
+                          <a:cs typeface="+mn-cs"/>
+                        </a:rPr>
+                      </a:br>
+                      <a:r>
+                        <a:rPr lang="fr-FR" sz="1000" b="0" spc="-20" baseline="0" dirty="0">
+                          <a:solidFill>
+                            <a:srgbClr val="000000"/>
+                          </a:solidFill>
+                          <a:latin typeface="Adobe Clean Light" panose="020B0303020404020204" pitchFamily="34" charset="0"/>
+                          <a:ea typeface="+mn-ea"/>
+                          <a:cs typeface="+mn-cs"/>
+                        </a:rPr>
+                        <a:t>à atteindre la valeur qu’elles attendent de leur investissement dans Adobe. </a:t>
+                      </a:r>
+                      <a:br>
+                        <a:rPr lang="sk-SK" sz="1000" b="0" spc="-20" baseline="0" dirty="0">
+                          <a:solidFill>
+                            <a:srgbClr val="000000"/>
+                          </a:solidFill>
+                          <a:latin typeface="Adobe Clean Light" panose="020B0303020404020204" pitchFamily="34" charset="0"/>
+                          <a:ea typeface="+mn-ea"/>
+                          <a:cs typeface="+mn-cs"/>
+                        </a:rPr>
+                      </a:br>
+                      <a:r>
+                        <a:rPr lang="fr-FR" sz="1000" b="0" spc="-20" baseline="0" dirty="0">
+                          <a:solidFill>
+                            <a:srgbClr val="000000"/>
+                          </a:solidFill>
+                          <a:latin typeface="Adobe Clean Light" panose="020B0303020404020204" pitchFamily="34" charset="0"/>
+                          <a:ea typeface="+mn-ea"/>
+                          <a:cs typeface="+mn-cs"/>
+                        </a:rPr>
+                        <a:t>Il s’agit de l’endroit commun où les clients peuvent apprendre, se mettre en relation les uns avec les autres et grandir le long d’un chemin personnalisé vers le succès. Il comprend des tutoriels automatiques, </a:t>
+                      </a:r>
+                      <a:br>
+                        <a:rPr lang="sk-SK" sz="1000" b="0" spc="-20" baseline="0" dirty="0">
+                          <a:solidFill>
+                            <a:srgbClr val="000000"/>
+                          </a:solidFill>
+                          <a:latin typeface="Adobe Clean Light" panose="020B0303020404020204" pitchFamily="34" charset="0"/>
+                          <a:ea typeface="+mn-ea"/>
+                          <a:cs typeface="+mn-cs"/>
+                        </a:rPr>
+                      </a:br>
+                      <a:r>
+                        <a:rPr lang="fr-FR" sz="1000" b="0" spc="-20" baseline="0" dirty="0">
+                          <a:solidFill>
+                            <a:srgbClr val="000000"/>
+                          </a:solidFill>
+                          <a:latin typeface="Adobe Clean Light" panose="020B0303020404020204" pitchFamily="34" charset="0"/>
+                          <a:ea typeface="+mn-ea"/>
+                          <a:cs typeface="+mn-cs"/>
+                        </a:rPr>
+                        <a:t>de la documentation sur les produits, une formation dispensée par </a:t>
+                      </a:r>
+                      <a:br>
+                        <a:rPr lang="sk-SK" sz="1000" b="0" spc="-20" baseline="0" dirty="0">
+                          <a:solidFill>
+                            <a:srgbClr val="000000"/>
+                          </a:solidFill>
+                          <a:latin typeface="Adobe Clean Light" panose="020B0303020404020204" pitchFamily="34" charset="0"/>
+                          <a:ea typeface="+mn-ea"/>
+                          <a:cs typeface="+mn-cs"/>
+                        </a:rPr>
+                      </a:br>
+                      <a:r>
+                        <a:rPr lang="fr-FR" sz="1000" b="0" spc="-20" baseline="0" dirty="0">
+                          <a:solidFill>
+                            <a:srgbClr val="000000"/>
+                          </a:solidFill>
+                          <a:latin typeface="Adobe Clean Light" panose="020B0303020404020204" pitchFamily="34" charset="0"/>
+                          <a:ea typeface="+mn-ea"/>
+                          <a:cs typeface="+mn-cs"/>
+                        </a:rPr>
+                        <a:t>un instructeur, une communauté et une assistance technique. </a:t>
+                      </a:r>
                     </a:p>
                   </a:txBody>
                   <a:tcPr anchor="ctr">
@@ -12234,39 +10967,28 @@
                         <a:defRPr/>
                       </a:pPr>
                       <a:r>
-                        <a:rPr lang="en-US" sz="1100">
+                        <a:rPr lang="fr-FR" sz="1100">
                           <a:solidFill>
                             <a:schemeClr val="dk1"/>
                           </a:solidFill>
-                          <a:effectLst/>
-                          <a:latin typeface="Adobe Clean"/>
+                          <a:latin typeface="Adobe Clean" panose="020B0503020404020204" pitchFamily="34" charset="0"/>
                           <a:ea typeface="+mn-ea"/>
                           <a:cs typeface="+mn-cs"/>
                           <a:hlinkClick r:id="rId8"/>
                         </a:rPr>
-                        <a:t>Training</a:t>
+                        <a:t>Formation</a:t>
                       </a:r>
                       <a:r>
-                        <a:rPr lang="en-US" sz="1100">
+                        <a:rPr lang="fr-FR" sz="1100">
                           <a:solidFill>
                             <a:schemeClr val="dk1"/>
                           </a:solidFill>
-                          <a:effectLst/>
-                          <a:latin typeface="Adobe Clean"/>
+                          <a:latin typeface="Adobe Clean" panose="020B0503020404020204" pitchFamily="34" charset="0"/>
                           <a:ea typeface="+mn-ea"/>
                           <a:cs typeface="+mn-cs"/>
                         </a:rPr>
                         <a:t> </a:t>
                       </a:r>
-                      <a:endParaRPr lang="en-US" sz="1100">
-                        <a:solidFill>
-                          <a:schemeClr val="tx1"/>
-                        </a:solidFill>
-                        <a:effectLst/>
-                        <a:latin typeface="Adobe Clean"/>
-                        <a:ea typeface="+mn-ea"/>
-                        <a:cs typeface="+mn-cs"/>
-                      </a:endParaRPr>
                     </a:p>
                   </a:txBody>
                   <a:tcPr anchor="ctr">
@@ -12340,15 +11062,79 @@
                         <a:defRPr/>
                       </a:pPr>
                       <a:r>
-                        <a:rPr lang="en-US" sz="1000" kern="1200">
+                        <a:rPr lang="fr-FR" sz="1000" dirty="0">
                           <a:solidFill>
                             <a:srgbClr val="000000"/>
                           </a:solidFill>
-                          <a:latin typeface="Adobe Clean Light"/>
+                          <a:latin typeface="Adobe Clean Light" panose="020B0303020404020204" pitchFamily="34" charset="0"/>
                           <a:ea typeface="+mn-ea"/>
                           <a:cs typeface="+mn-cs"/>
                         </a:rPr>
-                        <a:t>Adobe Digital Learning Services courses are accessible from Experience League. Learning courses integrate both on-demand and instructor-led lessons.  Here you can accrue skills that have recognized market value and position them to drive success in your organizations.</a:t>
+                        <a:t>Les cours sur les services de formation numérique d’Adobe sont accessibles depuis </a:t>
+                      </a:r>
+                      <a:r>
+                        <a:rPr lang="fr-FR" sz="1000" dirty="0" err="1">
+                          <a:solidFill>
+                            <a:srgbClr val="000000"/>
+                          </a:solidFill>
+                          <a:latin typeface="Adobe Clean Light" panose="020B0303020404020204" pitchFamily="34" charset="0"/>
+                          <a:ea typeface="+mn-ea"/>
+                          <a:cs typeface="+mn-cs"/>
+                        </a:rPr>
+                        <a:t>Experience</a:t>
+                      </a:r>
+                      <a:r>
+                        <a:rPr lang="fr-FR" sz="1000" dirty="0">
+                          <a:solidFill>
+                            <a:srgbClr val="000000"/>
+                          </a:solidFill>
+                          <a:latin typeface="Adobe Clean Light" panose="020B0303020404020204" pitchFamily="34" charset="0"/>
+                          <a:ea typeface="+mn-ea"/>
+                          <a:cs typeface="+mn-cs"/>
+                        </a:rPr>
+                        <a:t> League. Les cours de formation regroupent des cours à la demande et des cours dispensés par </a:t>
+                      </a:r>
+                      <a:br>
+                        <a:rPr lang="sk-SK" sz="1000" dirty="0">
+                          <a:solidFill>
+                            <a:srgbClr val="000000"/>
+                          </a:solidFill>
+                          <a:latin typeface="Adobe Clean Light" panose="020B0303020404020204" pitchFamily="34" charset="0"/>
+                          <a:ea typeface="+mn-ea"/>
+                          <a:cs typeface="+mn-cs"/>
+                        </a:rPr>
+                      </a:br>
+                      <a:r>
+                        <a:rPr lang="fr-FR" sz="1000" dirty="0">
+                          <a:solidFill>
+                            <a:srgbClr val="000000"/>
+                          </a:solidFill>
+                          <a:latin typeface="Adobe Clean Light" panose="020B0303020404020204" pitchFamily="34" charset="0"/>
+                          <a:ea typeface="+mn-ea"/>
+                          <a:cs typeface="+mn-cs"/>
+                        </a:rPr>
+                        <a:t>un instructeur.  Grâce à ces cours, vous pouvez acquérir des compétences qui présentent une valeur marchande reconnue </a:t>
+                      </a:r>
+                      <a:br>
+                        <a:rPr lang="sk-SK" sz="1000" dirty="0">
+                          <a:solidFill>
+                            <a:srgbClr val="000000"/>
+                          </a:solidFill>
+                          <a:latin typeface="Adobe Clean Light" panose="020B0303020404020204" pitchFamily="34" charset="0"/>
+                          <a:ea typeface="+mn-ea"/>
+                          <a:cs typeface="+mn-cs"/>
+                        </a:rPr>
+                      </a:br>
+                      <a:r>
+                        <a:rPr lang="fr-FR" sz="1000" dirty="0">
+                          <a:solidFill>
+                            <a:srgbClr val="000000"/>
+                          </a:solidFill>
+                          <a:latin typeface="Adobe Clean Light" panose="020B0303020404020204" pitchFamily="34" charset="0"/>
+                          <a:ea typeface="+mn-ea"/>
+                          <a:cs typeface="+mn-cs"/>
+                        </a:rPr>
+                        <a:t>et les disposer de manière à stimuler le succès de vos entreprises.</a:t>
                       </a:r>
                     </a:p>
                   </a:txBody>
@@ -12430,27 +11216,17 @@
                         <a:defRPr/>
                       </a:pPr>
                       <a:r>
-                        <a:rPr lang="en-US" sz="1100">
+                        <a:rPr lang="fr-FR" sz="1100">
                           <a:solidFill>
                             <a:schemeClr val="tx1"/>
                           </a:solidFill>
-                          <a:effectLst/>
-                          <a:latin typeface="Adobe Clean"/>
+                          <a:latin typeface="Adobe Clean" panose="020B0503020404020204" pitchFamily="34" charset="0"/>
                           <a:ea typeface="+mn-ea"/>
                           <a:cs typeface="+mn-cs"/>
                           <a:hlinkClick r:id="rId9"/>
                         </a:rPr>
-                        <a:t>Production Issues &amp; System Outages</a:t>
+                        <a:t>Problèmes de production et panne du système</a:t>
                       </a:r>
-                      <a:endParaRPr lang="en-US" sz="1100">
-                        <a:solidFill>
-                          <a:schemeClr val="tx1"/>
-                        </a:solidFill>
-                        <a:effectLst/>
-                        <a:latin typeface="Adobe Clean"/>
-                        <a:ea typeface="+mn-ea"/>
-                        <a:cs typeface="+mn-cs"/>
-                      </a:endParaRPr>
                     </a:p>
                   </a:txBody>
                   <a:tcPr anchor="ctr">
@@ -12506,7 +11282,7 @@
                     <a:bodyPr/>
                     <a:lstStyle/>
                     <a:p>
-                      <a:pPr marL="0" marR="0" lvl="0" indent="0" eaLnBrk="1" fontAlgn="auto" latinLnBrk="0" hangingPunct="1">
+                      <a:pPr marL="0" marR="0" lvl="0" indent="0" defTabSz="914400" eaLnBrk="1" fontAlgn="auto" latinLnBrk="0" hangingPunct="1">
                         <a:lnSpc>
                           <a:spcPct val="100000"/>
                         </a:lnSpc>
@@ -12520,26 +11296,62 @@
                         <a:buSzTx/>
                         <a:buFontTx/>
                         <a:buNone/>
+                        <a:tabLst/>
+                        <a:defRPr/>
                       </a:pPr>
                       <a:r>
-                        <a:rPr lang="en-US" sz="1000" kern="1200">
+                        <a:rPr lang="fr-FR" sz="1000" dirty="0">
                           <a:solidFill>
                             <a:srgbClr val="000000"/>
                           </a:solidFill>
-                          <a:latin typeface="Adobe Clean Light"/>
+                          <a:latin typeface="Adobe Clean Light" panose="020B0303020404020204" pitchFamily="34" charset="0"/>
                           <a:ea typeface="+mn-ea"/>
                           <a:cs typeface="+mn-cs"/>
                         </a:rPr>
-                        <a:t>Status.adobe.com conveys the health information of all Adobe products and services that are deployed in multi-tenant environments. Customers can choose their subscription preferences to get email notifications whenever Adobe creates, updates or resolves a product event. This can include scheduled maintenance or service issues of varying levels of severity. </a:t>
+                        <a:t>Status.adobe.com transmet les informations d’intégrité de tous les produits et services d’Adobe déployés dans des environnements multi-entité. Les clients peuvent choisir leurs préférences d’abonnement afin de recevoir des notifications par e-mail chaque fois qu’Adobe crée, </a:t>
                       </a:r>
-                      <a:endParaRPr lang="en-US" sz="1000" kern="1200">
-                        <a:solidFill>
-                          <a:srgbClr val="000000"/>
-                        </a:solidFill>
-                        <a:latin typeface="Adobe Clean Light" panose="020B0303020404020204" pitchFamily="34" charset="0"/>
-                        <a:ea typeface="+mn-ea"/>
-                        <a:cs typeface="+mn-cs"/>
-                      </a:endParaRPr>
+                      <a:br>
+                        <a:rPr lang="sk-SK" sz="1000" dirty="0">
+                          <a:solidFill>
+                            <a:srgbClr val="000000"/>
+                          </a:solidFill>
+                          <a:latin typeface="Adobe Clean Light" panose="020B0303020404020204" pitchFamily="34" charset="0"/>
+                          <a:ea typeface="+mn-ea"/>
+                          <a:cs typeface="+mn-cs"/>
+                        </a:rPr>
+                      </a:br>
+                      <a:r>
+                        <a:rPr lang="fr-FR" sz="1000" dirty="0">
+                          <a:solidFill>
+                            <a:srgbClr val="000000"/>
+                          </a:solidFill>
+                          <a:latin typeface="Adobe Clean Light" panose="020B0303020404020204" pitchFamily="34" charset="0"/>
+                          <a:ea typeface="+mn-ea"/>
+                          <a:cs typeface="+mn-cs"/>
+                        </a:rPr>
+                        <a:t>met à jour ou résout un événement de produit. Cet événement </a:t>
+                      </a:r>
+                      <a:br>
+                        <a:rPr lang="sk-SK" sz="1000" dirty="0">
+                          <a:solidFill>
+                            <a:srgbClr val="000000"/>
+                          </a:solidFill>
+                          <a:latin typeface="Adobe Clean Light" panose="020B0303020404020204" pitchFamily="34" charset="0"/>
+                          <a:ea typeface="+mn-ea"/>
+                          <a:cs typeface="+mn-cs"/>
+                        </a:rPr>
+                      </a:br>
+                      <a:r>
+                        <a:rPr lang="fr-FR" sz="1000" dirty="0">
+                          <a:solidFill>
+                            <a:srgbClr val="000000"/>
+                          </a:solidFill>
+                          <a:latin typeface="Adobe Clean Light" panose="020B0303020404020204" pitchFamily="34" charset="0"/>
+                          <a:ea typeface="+mn-ea"/>
+                          <a:cs typeface="+mn-cs"/>
+                        </a:rPr>
+                        <a:t>peut inclure des problèmes de maintenance planifiée ou de service présentant différents niveaux de gravité. </a:t>
+                      </a:r>
                     </a:p>
                   </a:txBody>
                   <a:tcPr anchor="ctr">
@@ -12620,27 +11432,17 @@
                         <a:defRPr/>
                       </a:pPr>
                       <a:r>
-                        <a:rPr lang="en-US" sz="1100" b="0" i="0">
+                        <a:rPr lang="fr-FR" sz="1100" b="0" i="0">
                           <a:solidFill>
                             <a:schemeClr val="dk1"/>
                           </a:solidFill>
-                          <a:effectLst/>
-                          <a:latin typeface="Adobe Clean"/>
+                          <a:latin typeface="Adobe Clean" panose="020B0503020404020204" pitchFamily="34" charset="0"/>
                           <a:ea typeface="+mn-ea"/>
                           <a:cs typeface="+mn-cs"/>
-                          <a:hlinkClick r:id="rId10" tooltip="https://helpx.adobe.com/support/programs/enterprise-support-programs/premier-support-business.html"/>
+                          <a:hlinkClick r:id="rId10" tooltip="https://helpx.adobe.com/fr/support/programs/enterprise-support-programs/premier-support-business.html"/>
                         </a:rPr>
-                        <a:t>Business Support Website</a:t>
+                        <a:t>Site Web de l’assistance commerciale</a:t>
                       </a:r>
-                      <a:endParaRPr lang="en-US" sz="1100" b="0" i="0">
-                        <a:solidFill>
-                          <a:schemeClr val="dk1"/>
-                        </a:solidFill>
-                        <a:effectLst/>
-                        <a:latin typeface="Adobe Clean"/>
-                        <a:ea typeface="+mn-ea"/>
-                        <a:cs typeface="+mn-cs"/>
-                      </a:endParaRPr>
                     </a:p>
                   </a:txBody>
                   <a:tcPr anchor="ctr">
@@ -12697,24 +11499,16 @@
                     <a:lstStyle/>
                     <a:p>
                       <a:r>
-                        <a:rPr lang="en-US" sz="1000" kern="1200">
+                        <a:rPr lang="fr-FR" sz="1000">
                           <a:solidFill>
                             <a:srgbClr val="000000"/>
                           </a:solidFill>
-                          <a:latin typeface="Adobe Clean Light"/>
+                          <a:latin typeface="Adobe Clean Light" panose="020B0303020404020204" pitchFamily="34" charset="0"/>
                           <a:ea typeface="+mn-ea"/>
                           <a:cs typeface="+mn-cs"/>
                         </a:rPr>
-                        <a:t>Adobe Business Support website.</a:t>
+                        <a:t>Site Web d’assistance commerciale d’Adobe</a:t>
                       </a:r>
-                      <a:endParaRPr lang="en-US" sz="1000" kern="1200">
-                        <a:solidFill>
-                          <a:srgbClr val="000000"/>
-                        </a:solidFill>
-                        <a:latin typeface="Adobe Clean Light" panose="020B0303020404020204" pitchFamily="34" charset="0"/>
-                        <a:ea typeface="+mn-ea"/>
-                        <a:cs typeface="+mn-cs"/>
-                      </a:endParaRPr>
                     </a:p>
                   </a:txBody>
                   <a:tcPr anchor="ctr">
@@ -12795,27 +11589,17 @@
                         <a:defRPr/>
                       </a:pPr>
                       <a:r>
-                        <a:rPr lang="en-US" sz="1100">
+                        <a:rPr lang="fr-FR" sz="1100">
                           <a:solidFill>
                             <a:schemeClr val="tx1"/>
                           </a:solidFill>
-                          <a:effectLst/>
-                          <a:latin typeface="Adobe Clean"/>
+                          <a:latin typeface="Adobe Clean" panose="020B0503020404020204" pitchFamily="34" charset="0"/>
                           <a:ea typeface="+mn-ea"/>
                           <a:cs typeface="+mn-cs"/>
                           <a:hlinkClick r:id="rId11"/>
                         </a:rPr>
-                        <a:t>Terms and Conditions</a:t>
+                        <a:t>Termes et conditions</a:t>
                       </a:r>
-                      <a:endParaRPr lang="en-US" sz="1100">
-                        <a:solidFill>
-                          <a:schemeClr val="tx1"/>
-                        </a:solidFill>
-                        <a:effectLst/>
-                        <a:latin typeface="Adobe Clean"/>
-                        <a:ea typeface="+mn-ea"/>
-                        <a:cs typeface="+mn-cs"/>
-                      </a:endParaRPr>
                     </a:p>
                   </a:txBody>
                   <a:tcPr anchor="ctr">
@@ -12872,24 +11656,37 @@
                     <a:lstStyle/>
                     <a:p>
                       <a:r>
-                        <a:rPr lang="en-US" sz="1000" kern="1200">
+                        <a:rPr lang="fr-FR" sz="1000" dirty="0">
                           <a:solidFill>
                             <a:srgbClr val="000000"/>
                           </a:solidFill>
-                          <a:latin typeface="Adobe Clean Light"/>
+                          <a:latin typeface="Adobe Clean Light" panose="020B0303020404020204" pitchFamily="34" charset="0"/>
                           <a:ea typeface="+mn-ea"/>
                           <a:cs typeface="+mn-cs"/>
                         </a:rPr>
-                        <a:t>Terms and conditions detailing Support Services offerings.</a:t>
+                        <a:t>Il s’agit des termes et conditions détaillant</a:t>
                       </a:r>
-                      <a:endParaRPr lang="en-US" sz="1000" kern="1200">
-                        <a:solidFill>
-                          <a:srgbClr val="000000"/>
-                        </a:solidFill>
-                        <a:latin typeface="Adobe Clean Light" panose="020B0303020404020204" pitchFamily="34" charset="0"/>
-                        <a:ea typeface="+mn-ea"/>
-                        <a:cs typeface="+mn-cs"/>
-                      </a:endParaRPr>
+                      <a:br>
+                        <a:rPr lang="sk-SK" sz="1000" dirty="0">
+                          <a:solidFill>
+                            <a:srgbClr val="000000"/>
+                          </a:solidFill>
+                          <a:latin typeface="Adobe Clean Light" panose="020B0303020404020204" pitchFamily="34" charset="0"/>
+                          <a:ea typeface="+mn-ea"/>
+                          <a:cs typeface="+mn-cs"/>
+                        </a:rPr>
+                      </a:br>
+                      <a:r>
+                        <a:rPr lang="fr-FR" sz="1000" dirty="0">
+                          <a:solidFill>
+                            <a:srgbClr val="000000"/>
+                          </a:solidFill>
+                          <a:latin typeface="Adobe Clean Light" panose="020B0303020404020204" pitchFamily="34" charset="0"/>
+                          <a:ea typeface="+mn-ea"/>
+                          <a:cs typeface="+mn-cs"/>
+                        </a:rPr>
+                        <a:t>les offres des services d’assistance</a:t>
+                      </a:r>
                     </a:p>
                   </a:txBody>
                   <a:tcPr anchor="ctr">
@@ -13659,6 +12456,21 @@
 </file>
 
 <file path=customXml/item1.xml><?xml version="1.0" encoding="utf-8"?>
+<?mso-contentType ?>
+<FormTemplates xmlns="http://schemas.microsoft.com/sharepoint/v3/contenttype/forms">
+  <Display>DocumentLibraryForm</Display>
+  <Edit>DocumentLibraryForm</Edit>
+  <New>DocumentLibraryForm</New>
+</FormTemplates>
+</file>
+
+<file path=customXml/item2.xml><?xml version="1.0" encoding="utf-8"?>
+<p:properties xmlns:p="http://schemas.microsoft.com/office/2006/metadata/properties" xmlns:xsi="http://www.w3.org/2001/XMLSchema-instance" xmlns:pc="http://schemas.microsoft.com/office/infopath/2007/PartnerControls">
+  <documentManagement/>
+</p:properties>
+</file>
+
+<file path=customXml/item3.xml><?xml version="1.0" encoding="utf-8"?>
 <ct:contentTypeSchema xmlns:ct="http://schemas.microsoft.com/office/2006/metadata/contentType" xmlns:ma="http://schemas.microsoft.com/office/2006/metadata/properties/metaAttributes" ct:_="" ma:_="" ma:contentTypeName="Document" ma:contentTypeID="0x010100E783BF6876BCC646A459363AF21A7736" ma:contentTypeVersion="10" ma:contentTypeDescription="Create a new document." ma:contentTypeScope="" ma:versionID="c4ffda7f4f415767600769e454c2ea87">
   <xsd:schema xmlns:xsd="http://www.w3.org/2001/XMLSchema" xmlns:xs="http://www.w3.org/2001/XMLSchema" xmlns:p="http://schemas.microsoft.com/office/2006/metadata/properties" xmlns:ns2="8a053bff-88be-49e4-9a87-e748e18b8b62" xmlns:ns3="6c8368ec-3776-49b5-a5bb-90648cf9530f" targetNamespace="http://schemas.microsoft.com/office/2006/metadata/properties" ma:root="true" ma:fieldsID="df3ec33bccc23e23bce7bc897fad43d1" ns2:_="" ns3:_="">
     <xsd:import namespace="8a053bff-88be-49e4-9a87-e748e18b8b62"/>
@@ -13863,22 +12675,24 @@
 </ct:contentTypeSchema>
 </file>
 
-<file path=customXml/item2.xml><?xml version="1.0" encoding="utf-8"?>
-<?mso-contentType ?>
-<FormTemplates xmlns="http://schemas.microsoft.com/sharepoint/v3/contenttype/forms">
-  <Display>DocumentLibraryForm</Display>
-  <Edit>DocumentLibraryForm</Edit>
-  <New>DocumentLibraryForm</New>
-</FormTemplates>
+<file path=customXml/itemProps1.xml><?xml version="1.0" encoding="utf-8"?>
+<ds:datastoreItem xmlns:ds="http://schemas.openxmlformats.org/officeDocument/2006/customXml" ds:itemID="{95AE3B0B-E909-400C-B0B3-909FB50E07DE}">
+  <ds:schemaRefs>
+    <ds:schemaRef ds:uri="http://schemas.microsoft.com/sharepoint/v3/contenttype/forms"/>
+  </ds:schemaRefs>
+</ds:datastoreItem>
 </file>
 
-<file path=customXml/item3.xml><?xml version="1.0" encoding="utf-8"?>
-<p:properties xmlns:p="http://schemas.microsoft.com/office/2006/metadata/properties" xmlns:xsi="http://www.w3.org/2001/XMLSchema-instance" xmlns:pc="http://schemas.microsoft.com/office/infopath/2007/PartnerControls">
-  <documentManagement/>
-</p:properties>
+<file path=customXml/itemProps2.xml><?xml version="1.0" encoding="utf-8"?>
+<ds:datastoreItem xmlns:ds="http://schemas.openxmlformats.org/officeDocument/2006/customXml" ds:itemID="{10FC3CAF-E6F1-40E3-87D4-6B781C97D6B4}">
+  <ds:schemaRefs>
+    <ds:schemaRef ds:uri="http://schemas.microsoft.com/office/2006/metadata/properties"/>
+    <ds:schemaRef ds:uri="http://schemas.microsoft.com/office/infopath/2007/PartnerControls"/>
+  </ds:schemaRefs>
+</ds:datastoreItem>
 </file>
 
-<file path=customXml/itemProps1.xml><?xml version="1.0" encoding="utf-8"?>
+<file path=customXml/itemProps3.xml><?xml version="1.0" encoding="utf-8"?>
 <ds:datastoreItem xmlns:ds="http://schemas.openxmlformats.org/officeDocument/2006/customXml" ds:itemID="{E0DB8BDF-6DA8-4ABC-A3CA-043AFD674CFC}">
   <ds:schemaRefs>
     <ds:schemaRef ds:uri="6c8368ec-3776-49b5-a5bb-90648cf9530f"/>
@@ -13895,29 +12709,4 @@
     <ds:schemaRef ds:uri="http://www.w3.org/2001/XMLSchema"/>
   </ds:schemaRefs>
 </ds:datastoreItem>
-</file>
-
-<file path=customXml/itemProps2.xml><?xml version="1.0" encoding="utf-8"?>
-<ds:datastoreItem xmlns:ds="http://schemas.openxmlformats.org/officeDocument/2006/customXml" ds:itemID="{95AE3B0B-E909-400C-B0B3-909FB50E07DE}">
-  <ds:schemaRefs>
-    <ds:schemaRef ds:uri="http://schemas.microsoft.com/sharepoint/v3/contenttype/forms"/>
-  </ds:schemaRefs>
-</ds:datastoreItem>
-</file>
-
-<file path=customXml/itemProps3.xml><?xml version="1.0" encoding="utf-8"?>
-<ds:datastoreItem xmlns:ds="http://schemas.openxmlformats.org/officeDocument/2006/customXml" ds:itemID="{10FC3CAF-E6F1-40E3-87D4-6B781C97D6B4}">
-  <ds:schemaRefs>
-    <ds:schemaRef ds:uri="6c8368ec-3776-49b5-a5bb-90648cf9530f"/>
-    <ds:schemaRef ds:uri="8a053bff-88be-49e4-9a87-e748e18b8b62"/>
-    <ds:schemaRef ds:uri="http://purl.org/dc/dcmitype/"/>
-    <ds:schemaRef ds:uri="http://purl.org/dc/elements/1.1/"/>
-    <ds:schemaRef ds:uri="http://purl.org/dc/terms/"/>
-    <ds:schemaRef ds:uri="http://schemas.microsoft.com/office/2006/documentManagement/types"/>
-    <ds:schemaRef ds:uri="http://schemas.microsoft.com/office/2006/metadata/properties"/>
-    <ds:schemaRef ds:uri="http://schemas.microsoft.com/office/infopath/2007/PartnerControls"/>
-    <ds:schemaRef ds:uri="http://schemas.openxmlformats.org/package/2006/metadata/core-properties"/>
-    <ds:schemaRef ds:uri="http://www.w3.org/XML/1998/namespace"/>
-  </ds:schemaRefs>
-</ds:datastoreItem>
 </file>
--- a/help/data-sheets/assets/BusinessSupportDatasheet.pptx
+++ b/help/data-sheets/assets/BusinessSupportDatasheet.pptx
@@ -143,12 +143,8 @@
 <file path=ppt/revisionInfo.xml><?xml version="1.0" encoding="utf-8"?>
 <p1510:revInfo xmlns:a="http://schemas.openxmlformats.org/drawingml/2006/main" xmlns:r="http://schemas.openxmlformats.org/officeDocument/2006/relationships" xmlns:p1510="http://schemas.microsoft.com/office/powerpoint/2015/10/main">
   <p1510:revLst>
-    <p1510:client id="{06B13378-B080-7F0F-51A5-F9203CEE57ED}" v="370" dt="2021-08-25T22:26:24.850"/>
-    <p1510:client id="{4D8E0410-E0CE-85E2-0F84-C1BF4F647622}" v="27" dt="2021-09-22T22:57:14.395"/>
-    <p1510:client id="{71D6CFBF-0EA2-99B0-93F4-22F19EF0AE4E}" v="2" dt="2021-09-22T19:06:58.732"/>
-    <p1510:client id="{9E385600-BF81-FC49-9ED0-E33BC37F7908}" v="55" dt="2021-08-04T08:16:13.478"/>
-    <p1510:client id="{AFB92C2B-405E-C597-0988-18F97C53104C}" v="37" dt="2021-09-22T18:53:28.028"/>
-    <p1510:client id="{CA5D33DF-AE75-BCA1-B9BC-A7CD44D2F3C7}" v="2" dt="2021-08-25T22:38:18.624"/>
+    <p1510:client id="{61630BD6-9AE9-064C-B39F-AFA945B82B3E}" v="202" dt="2021-10-13T19:21:08.267"/>
+    <p1510:client id="{AC30C20D-1316-8ECC-DADD-39CCEC6A7FCF}" v="9" dt="2021-10-13T19:03:35.035"/>
   </p1510:revLst>
 </p1510:revInfo>
 </file>
@@ -180,6 +176,101 @@
     </pc:docChg>
   </pc:docChgLst>
   <pc:docChgLst>
+    <pc:chgData name="Akilah Johnson" userId="S::akjohnso@adobe.com::2fa3aa60-0c9c-4d06-bae2-795983241227" providerId="AD" clId="Web-{019F6A09-DCDA-BB53-9E3C-5BA3B13E26BB}"/>
+    <pc:docChg chg="modSld">
+      <pc:chgData name="Akilah Johnson" userId="S::akjohnso@adobe.com::2fa3aa60-0c9c-4d06-bae2-795983241227" providerId="AD" clId="Web-{019F6A09-DCDA-BB53-9E3C-5BA3B13E26BB}" dt="2021-10-12T17:10:36.752" v="17" actId="20577"/>
+      <pc:docMkLst>
+        <pc:docMk/>
+      </pc:docMkLst>
+      <pc:sldChg chg="modSp">
+        <pc:chgData name="Akilah Johnson" userId="S::akjohnso@adobe.com::2fa3aa60-0c9c-4d06-bae2-795983241227" providerId="AD" clId="Web-{019F6A09-DCDA-BB53-9E3C-5BA3B13E26BB}" dt="2021-10-12T17:09:32.112" v="2" actId="20577"/>
+        <pc:sldMkLst>
+          <pc:docMk/>
+          <pc:sldMk cId="0" sldId="257"/>
+        </pc:sldMkLst>
+        <pc:spChg chg="mod">
+          <ac:chgData name="Akilah Johnson" userId="S::akjohnso@adobe.com::2fa3aa60-0c9c-4d06-bae2-795983241227" providerId="AD" clId="Web-{019F6A09-DCDA-BB53-9E3C-5BA3B13E26BB}" dt="2021-10-12T17:09:32.112" v="2" actId="20577"/>
+          <ac:spMkLst>
+            <pc:docMk/>
+            <pc:sldMk cId="0" sldId="257"/>
+            <ac:spMk id="46" creationId="{00000000-0000-0000-0000-000000000000}"/>
+          </ac:spMkLst>
+        </pc:spChg>
+      </pc:sldChg>
+      <pc:sldChg chg="modSp">
+        <pc:chgData name="Akilah Johnson" userId="S::akjohnso@adobe.com::2fa3aa60-0c9c-4d06-bae2-795983241227" providerId="AD" clId="Web-{019F6A09-DCDA-BB53-9E3C-5BA3B13E26BB}" dt="2021-10-12T17:10:36.752" v="17" actId="20577"/>
+        <pc:sldMkLst>
+          <pc:docMk/>
+          <pc:sldMk cId="1050037809" sldId="261"/>
+        </pc:sldMkLst>
+        <pc:spChg chg="mod">
+          <ac:chgData name="Akilah Johnson" userId="S::akjohnso@adobe.com::2fa3aa60-0c9c-4d06-bae2-795983241227" providerId="AD" clId="Web-{019F6A09-DCDA-BB53-9E3C-5BA3B13E26BB}" dt="2021-10-12T17:10:36.752" v="17" actId="20577"/>
+          <ac:spMkLst>
+            <pc:docMk/>
+            <pc:sldMk cId="1050037809" sldId="261"/>
+            <ac:spMk id="56" creationId="{00000000-0000-0000-0000-000000000000}"/>
+          </ac:spMkLst>
+        </pc:spChg>
+        <pc:graphicFrameChg chg="mod modGraphic">
+          <ac:chgData name="Akilah Johnson" userId="S::akjohnso@adobe.com::2fa3aa60-0c9c-4d06-bae2-795983241227" providerId="AD" clId="Web-{019F6A09-DCDA-BB53-9E3C-5BA3B13E26BB}" dt="2021-10-12T17:09:41.471" v="6"/>
+          <ac:graphicFrameMkLst>
+            <pc:docMk/>
+            <pc:sldMk cId="1050037809" sldId="261"/>
+            <ac:graphicFrameMk id="111" creationId="{D8653CEC-4213-DE40-9BAF-D1E3318FF89C}"/>
+          </ac:graphicFrameMkLst>
+        </pc:graphicFrameChg>
+      </pc:sldChg>
+    </pc:docChg>
+  </pc:docChgLst>
+  <pc:docChgLst>
+    <pc:chgData name="Andy Witt" userId="S::awitt@adobe.com::e9157bdf-53b2-40e4-9459-936793d75696" providerId="AD" clId="Web-{06B13378-B080-7F0F-51A5-F9203CEE57ED}"/>
+    <pc:docChg chg="modSld">
+      <pc:chgData name="Andy Witt" userId="S::awitt@adobe.com::e9157bdf-53b2-40e4-9459-936793d75696" providerId="AD" clId="Web-{06B13378-B080-7F0F-51A5-F9203CEE57ED}" dt="2021-08-25T22:25:13.647" v="363"/>
+      <pc:docMkLst>
+        <pc:docMk/>
+      </pc:docMkLst>
+      <pc:sldChg chg="modSp">
+        <pc:chgData name="Andy Witt" userId="S::awitt@adobe.com::e9157bdf-53b2-40e4-9459-936793d75696" providerId="AD" clId="Web-{06B13378-B080-7F0F-51A5-F9203CEE57ED}" dt="2021-08-25T22:25:13.647" v="363"/>
+        <pc:sldMkLst>
+          <pc:docMk/>
+          <pc:sldMk cId="1050037809" sldId="261"/>
+        </pc:sldMkLst>
+        <pc:graphicFrameChg chg="mod modGraphic">
+          <ac:chgData name="Andy Witt" userId="S::awitt@adobe.com::e9157bdf-53b2-40e4-9459-936793d75696" providerId="AD" clId="Web-{06B13378-B080-7F0F-51A5-F9203CEE57ED}" dt="2021-08-25T22:25:13.647" v="363"/>
+          <ac:graphicFrameMkLst>
+            <pc:docMk/>
+            <pc:sldMk cId="1050037809" sldId="261"/>
+            <ac:graphicFrameMk id="25" creationId="{3A91F5B0-3974-A14D-A146-FB590F2AAD18}"/>
+          </ac:graphicFrameMkLst>
+        </pc:graphicFrameChg>
+      </pc:sldChg>
+    </pc:docChg>
+  </pc:docChgLst>
+  <pc:docChgLst>
+    <pc:chgData name="Akilah Johnson" userId="S::akjohnso@adobe.com::2fa3aa60-0c9c-4d06-bae2-795983241227" providerId="AD" clId="Web-{D428A0AE-54E2-30D2-C574-7A0742876CCF}"/>
+    <pc:docChg chg="modSld">
+      <pc:chgData name="Akilah Johnson" userId="S::akjohnso@adobe.com::2fa3aa60-0c9c-4d06-bae2-795983241227" providerId="AD" clId="Web-{D428A0AE-54E2-30D2-C574-7A0742876CCF}" dt="2021-10-12T19:11:25.330" v="0" actId="20577"/>
+      <pc:docMkLst>
+        <pc:docMk/>
+      </pc:docMkLst>
+      <pc:sldChg chg="modSp">
+        <pc:chgData name="Akilah Johnson" userId="S::akjohnso@adobe.com::2fa3aa60-0c9c-4d06-bae2-795983241227" providerId="AD" clId="Web-{D428A0AE-54E2-30D2-C574-7A0742876CCF}" dt="2021-10-12T19:11:25.330" v="0" actId="20577"/>
+        <pc:sldMkLst>
+          <pc:docMk/>
+          <pc:sldMk cId="0" sldId="256"/>
+        </pc:sldMkLst>
+        <pc:spChg chg="mod">
+          <ac:chgData name="Akilah Johnson" userId="S::akjohnso@adobe.com::2fa3aa60-0c9c-4d06-bae2-795983241227" providerId="AD" clId="Web-{D428A0AE-54E2-30D2-C574-7A0742876CCF}" dt="2021-10-12T19:11:25.330" v="0" actId="20577"/>
+          <ac:spMkLst>
+            <pc:docMk/>
+            <pc:sldMk cId="0" sldId="256"/>
+            <ac:spMk id="4" creationId="{00000000-0000-0000-0000-000000000000}"/>
+          </ac:spMkLst>
+        </pc:spChg>
+      </pc:sldChg>
+    </pc:docChg>
+  </pc:docChgLst>
+  <pc:docChgLst>
     <pc:chgData name="Akilah Johnson" userId="S::akjohnso@adobe.com::2fa3aa60-0c9c-4d06-bae2-795983241227" providerId="AD" clId="Web-{71D6CFBF-0EA2-99B0-93F4-22F19EF0AE4E}"/>
     <pc:docChg chg="modSld">
       <pc:chgData name="Akilah Johnson" userId="S::akjohnso@adobe.com::2fa3aa60-0c9c-4d06-bae2-795983241227" providerId="AD" clId="Web-{71D6CFBF-0EA2-99B0-93F4-22F19EF0AE4E}" dt="2021-09-22T19:06:58.732" v="1" actId="1076"/>
@@ -204,26 +295,34 @@
     </pc:docChg>
   </pc:docChgLst>
   <pc:docChgLst>
-    <pc:chgData name="Andy Witt" userId="S::awitt@adobe.com::e9157bdf-53b2-40e4-9459-936793d75696" providerId="AD" clId="Web-{06B13378-B080-7F0F-51A5-F9203CEE57ED}"/>
+    <pc:chgData name="Lauren Schutte" userId="S::schutte@adobe.com::6e08b2d3-447a-4d66-86be-444d50df187f" providerId="AD" clId="Web-{AC30C20D-1316-8ECC-DADD-39CCEC6A7FCF}"/>
     <pc:docChg chg="modSld">
-      <pc:chgData name="Andy Witt" userId="S::awitt@adobe.com::e9157bdf-53b2-40e4-9459-936793d75696" providerId="AD" clId="Web-{06B13378-B080-7F0F-51A5-F9203CEE57ED}" dt="2021-08-25T22:25:13.647" v="363"/>
+      <pc:chgData name="Lauren Schutte" userId="S::schutte@adobe.com::6e08b2d3-447a-4d66-86be-444d50df187f" providerId="AD" clId="Web-{AC30C20D-1316-8ECC-DADD-39CCEC6A7FCF}" dt="2021-10-13T19:03:35.035" v="8" actId="1076"/>
       <pc:docMkLst>
         <pc:docMk/>
       </pc:docMkLst>
       <pc:sldChg chg="modSp">
-        <pc:chgData name="Andy Witt" userId="S::awitt@adobe.com::e9157bdf-53b2-40e4-9459-936793d75696" providerId="AD" clId="Web-{06B13378-B080-7F0F-51A5-F9203CEE57ED}" dt="2021-08-25T22:25:13.647" v="363"/>
+        <pc:chgData name="Lauren Schutte" userId="S::schutte@adobe.com::6e08b2d3-447a-4d66-86be-444d50df187f" providerId="AD" clId="Web-{AC30C20D-1316-8ECC-DADD-39CCEC6A7FCF}" dt="2021-10-13T19:03:35.035" v="8" actId="1076"/>
         <pc:sldMkLst>
           <pc:docMk/>
-          <pc:sldMk cId="1050037809" sldId="261"/>
+          <pc:sldMk cId="0" sldId="256"/>
         </pc:sldMkLst>
-        <pc:graphicFrameChg chg="mod modGraphic">
-          <ac:chgData name="Andy Witt" userId="S::awitt@adobe.com::e9157bdf-53b2-40e4-9459-936793d75696" providerId="AD" clId="Web-{06B13378-B080-7F0F-51A5-F9203CEE57ED}" dt="2021-08-25T22:25:13.647" v="363"/>
-          <ac:graphicFrameMkLst>
+        <pc:spChg chg="mod">
+          <ac:chgData name="Lauren Schutte" userId="S::schutte@adobe.com::6e08b2d3-447a-4d66-86be-444d50df187f" providerId="AD" clId="Web-{AC30C20D-1316-8ECC-DADD-39CCEC6A7FCF}" dt="2021-10-13T19:03:27.878" v="7" actId="14100"/>
+          <ac:spMkLst>
             <pc:docMk/>
-            <pc:sldMk cId="1050037809" sldId="261"/>
-            <ac:graphicFrameMk id="25" creationId="{3A91F5B0-3974-A14D-A146-FB590F2AAD18}"/>
-          </ac:graphicFrameMkLst>
-        </pc:graphicFrameChg>
+            <pc:sldMk cId="0" sldId="256"/>
+            <ac:spMk id="3" creationId="{00000000-0000-0000-0000-000000000000}"/>
+          </ac:spMkLst>
+        </pc:spChg>
+        <pc:spChg chg="mod">
+          <ac:chgData name="Lauren Schutte" userId="S::schutte@adobe.com::6e08b2d3-447a-4d66-86be-444d50df187f" providerId="AD" clId="Web-{AC30C20D-1316-8ECC-DADD-39CCEC6A7FCF}" dt="2021-10-13T19:03:35.035" v="8" actId="1076"/>
+          <ac:spMkLst>
+            <pc:docMk/>
+            <pc:sldMk cId="0" sldId="256"/>
+            <ac:spMk id="5" creationId="{00000000-0000-0000-0000-000000000000}"/>
+          </ac:spMkLst>
+        </pc:spChg>
       </pc:sldChg>
     </pc:docChg>
   </pc:docChgLst>
@@ -254,6 +353,38 @@
             <pc:docMk/>
             <pc:sldMk cId="1050037809" sldId="261"/>
             <ac:graphicFrameMk id="25" creationId="{3A91F5B0-3974-A14D-A146-FB590F2AAD18}"/>
+          </ac:graphicFrameMkLst>
+        </pc:graphicFrameChg>
+      </pc:sldChg>
+    </pc:docChg>
+  </pc:docChgLst>
+  <pc:docChgLst>
+    <pc:chgData name="Lauren Schutte" userId="6e08b2d3-447a-4d66-86be-444d50df187f" providerId="ADAL" clId="{61630BD6-9AE9-064C-B39F-AFA945B82B3E}"/>
+    <pc:docChg chg="undo custSel modSld">
+      <pc:chgData name="Lauren Schutte" userId="6e08b2d3-447a-4d66-86be-444d50df187f" providerId="ADAL" clId="{61630BD6-9AE9-064C-B39F-AFA945B82B3E}" dt="2021-10-13T19:21:08.267" v="201" actId="20577"/>
+      <pc:docMkLst>
+        <pc:docMk/>
+      </pc:docMkLst>
+      <pc:sldChg chg="modSp mod">
+        <pc:chgData name="Lauren Schutte" userId="6e08b2d3-447a-4d66-86be-444d50df187f" providerId="ADAL" clId="{61630BD6-9AE9-064C-B39F-AFA945B82B3E}" dt="2021-10-13T19:21:08.267" v="201" actId="20577"/>
+        <pc:sldMkLst>
+          <pc:docMk/>
+          <pc:sldMk cId="0" sldId="256"/>
+        </pc:sldMkLst>
+        <pc:spChg chg="mod">
+          <ac:chgData name="Lauren Schutte" userId="6e08b2d3-447a-4d66-86be-444d50df187f" providerId="ADAL" clId="{61630BD6-9AE9-064C-B39F-AFA945B82B3E}" dt="2021-10-13T19:03:44.344" v="3" actId="1076"/>
+          <ac:spMkLst>
+            <pc:docMk/>
+            <pc:sldMk cId="0" sldId="256"/>
+            <ac:spMk id="3" creationId="{00000000-0000-0000-0000-000000000000}"/>
+          </ac:spMkLst>
+        </pc:spChg>
+        <pc:graphicFrameChg chg="mod modGraphic">
+          <ac:chgData name="Lauren Schutte" userId="6e08b2d3-447a-4d66-86be-444d50df187f" providerId="ADAL" clId="{61630BD6-9AE9-064C-B39F-AFA945B82B3E}" dt="2021-10-13T19:21:08.267" v="201" actId="20577"/>
+          <ac:graphicFrameMkLst>
+            <pc:docMk/>
+            <pc:sldMk cId="0" sldId="256"/>
+            <ac:graphicFrameMk id="9" creationId="{00000000-0000-0000-0000-000000000000}"/>
           </ac:graphicFrameMkLst>
         </pc:graphicFrameChg>
       </pc:sldChg>
@@ -368,7 +499,7 @@
           <a:p>
             <a:fld id="{FB81873C-0B24-F04A-98A1-90E0A78F7E8A}" type="datetimeFigureOut">
               <a:rPr lang="en-US" smtClean="0"/>
-              <a:t>10/1/2021</a:t>
+              <a:t>12-Nov-21</a:t>
             </a:fld>
             <a:endParaRPr lang="en-US"/>
           </a:p>
@@ -991,7 +1122,7 @@
           <a:p>
             <a:fld id="{1D8BD707-D9CF-40AE-B4C6-C98DA3205C09}" type="datetimeFigureOut">
               <a:rPr lang="en-US"/>
-              <a:t>10/1/2021</a:t>
+              <a:t>12-Nov-21</a:t>
             </a:fld>
             <a:endParaRPr lang="en-US"/>
           </a:p>
@@ -1183,7 +1314,7 @@
           <a:p>
             <a:fld id="{1D8BD707-D9CF-40AE-B4C6-C98DA3205C09}" type="datetimeFigureOut">
               <a:rPr lang="en-US"/>
-              <a:t>10/1/2021</a:t>
+              <a:t>12-Nov-21</a:t>
             </a:fld>
             <a:endParaRPr lang="en-US"/>
           </a:p>
@@ -1501,7 +1632,7 @@
           <a:p>
             <a:fld id="{1D8BD707-D9CF-40AE-B4C6-C98DA3205C09}" type="datetimeFigureOut">
               <a:rPr lang="en-US"/>
-              <a:t>10/1/2021</a:t>
+              <a:t>12-Nov-21</a:t>
             </a:fld>
             <a:endParaRPr lang="en-US"/>
           </a:p>
@@ -1755,8 +1886,8 @@
         </p:nvSpPr>
         <p:spPr>
           <a:xfrm>
-            <a:off x="168564" y="7162363"/>
-            <a:ext cx="3882735" cy="227626"/>
+            <a:off x="168564" y="6742823"/>
+            <a:ext cx="5222585" cy="227626"/>
           </a:xfrm>
           <a:prstGeom prst="rect">
             <a:avLst/>
@@ -1803,7 +1934,7 @@
         <p:spPr>
           <a:xfrm>
             <a:off x="-8467" y="23397"/>
-            <a:ext cx="7772399" cy="2036902"/>
+            <a:ext cx="7772399" cy="2006345"/>
           </a:xfrm>
           <a:prstGeom prst="rect">
             <a:avLst/>
@@ -1843,7 +1974,7 @@
           </a:prstGeom>
         </p:spPr>
         <p:txBody>
-          <a:bodyPr vert="horz" wrap="square" lIns="0" tIns="12700" rIns="0" bIns="0" rtlCol="0">
+          <a:bodyPr vert="horz" wrap="square" lIns="0" tIns="12700" rIns="0" bIns="0" rtlCol="0" anchor="t">
             <a:spAutoFit/>
           </a:bodyPr>
           <a:lstStyle/>
@@ -1858,9 +1989,9 @@
             </a:pPr>
             <a:r>
               <a:rPr lang="fr-FR" sz="2300">
-                <a:latin typeface="Adobe Clean" panose="020B0503020404020204" pitchFamily="34" charset="0"/>
+                <a:latin typeface="Adobe Clean"/>
               </a:rPr>
-              <a:t>OFFRES D’ASSISTANCE ADOBE</a:t>
+              <a:t>PLANS D’ASSISTANCE ADOBE</a:t>
             </a:r>
           </a:p>
         </p:txBody>
@@ -1873,8 +2004,8 @@
         </p:nvSpPr>
         <p:spPr>
           <a:xfrm>
-            <a:off x="121147" y="604185"/>
-            <a:ext cx="6055816" cy="1424364"/>
+            <a:off x="121147" y="531160"/>
+            <a:ext cx="5865216" cy="1421223"/>
           </a:xfrm>
           <a:prstGeom prst="rect">
             <a:avLst/>
@@ -1895,7 +2026,7 @@
               </a:spcBef>
             </a:pPr>
             <a:r>
-              <a:rPr lang="fr-FR" sz="900" spc="-30" dirty="0">
+              <a:rPr lang="fr-FR" sz="800" dirty="0">
                 <a:solidFill>
                   <a:schemeClr val="bg1"/>
                 </a:solidFill>
@@ -1904,7 +2035,7 @@
               <a:t>En ligne | </a:t>
             </a:r>
             <a:r>
-              <a:rPr lang="fr-FR" sz="900" b="1" spc="-30" dirty="0">
+              <a:rPr lang="fr-FR" sz="800" b="1" dirty="0">
                 <a:solidFill>
                   <a:schemeClr val="bg1"/>
                 </a:solidFill>
@@ -1913,7 +2044,7 @@
               <a:t>Commerciale</a:t>
             </a:r>
             <a:r>
-              <a:rPr lang="fr-FR" sz="900" spc="-30" dirty="0">
+              <a:rPr lang="fr-FR" sz="800" dirty="0">
                 <a:solidFill>
                   <a:schemeClr val="bg1"/>
                 </a:solidFill>
@@ -1932,16 +2063,33 @@
               </a:spcBef>
             </a:pPr>
             <a:r>
-              <a:rPr lang="fr-FR" sz="900" spc="-30" dirty="0">
+              <a:rPr lang="fr-FR" sz="800" dirty="0">
                 <a:solidFill>
                   <a:schemeClr val="bg1"/>
                 </a:solidFill>
                 <a:latin typeface="Adobe Clean SemiLight" panose="020B0403020404020204" pitchFamily="34" charset="0"/>
               </a:rPr>
-              <a:t>Adobe offre une gamme complète de ressources techniques afin d’appuyer votre entreprise. Elles sont comprises dans votre abonnement à la licence </a:t>
+              <a:t>Adobe offre une gamme complète de ressources techniques afin d’appuyer votre entreprise. Elles sont comprises dans votre abonnement </a:t>
+            </a:r>
+            <a:br>
+              <a:rPr lang="fr-FR" sz="800" dirty="0">
+                <a:solidFill>
+                  <a:schemeClr val="bg1"/>
+                </a:solidFill>
+                <a:latin typeface="Adobe Clean SemiLight" panose="020B0403020404020204" pitchFamily="34" charset="0"/>
+              </a:rPr>
+            </a:br>
+            <a:r>
+              <a:rPr lang="fr-FR" sz="800" dirty="0">
+                <a:solidFill>
+                  <a:schemeClr val="bg1"/>
+                </a:solidFill>
+                <a:latin typeface="Adobe Clean SemiLight" panose="020B0403020404020204" pitchFamily="34" charset="0"/>
+              </a:rPr>
+              <a:t>à la licence </a:t>
             </a:r>
             <a:r>
-              <a:rPr lang="fr-FR" sz="900" spc="-30" dirty="0" err="1">
+              <a:rPr lang="fr-FR" sz="800" dirty="0" err="1">
                 <a:solidFill>
                   <a:schemeClr val="bg1"/>
                 </a:solidFill>
@@ -1950,16 +2098,33 @@
               <a:t>Experience</a:t>
             </a:r>
             <a:r>
-              <a:rPr lang="fr-FR" sz="900" spc="-30" dirty="0">
+              <a:rPr lang="fr-FR" sz="800" dirty="0">
                 <a:solidFill>
                   <a:schemeClr val="bg1"/>
                 </a:solidFill>
                 <a:latin typeface="Adobe Clean SemiLight" panose="020B0403020404020204" pitchFamily="34" charset="0"/>
               </a:rPr>
-              <a:t> Cloud et sont améliorées dans le pack d’assistance COMMERCIALE. L’assistance COMMERCIALE comprend un accès à des parcours de formation personnalisés et à des forums communautaires surveillés au travers d’</a:t>
+              <a:t> Cloud et sont améliorées dans le pack d’assistance COMMERCIALE. L’assistance COMMERCIALE comprend un accès </a:t>
+            </a:r>
+            <a:br>
+              <a:rPr lang="fr-FR" sz="800" dirty="0">
+                <a:solidFill>
+                  <a:schemeClr val="bg1"/>
+                </a:solidFill>
+                <a:latin typeface="Adobe Clean SemiLight" panose="020B0403020404020204" pitchFamily="34" charset="0"/>
+              </a:rPr>
+            </a:br>
+            <a:r>
+              <a:rPr lang="fr-FR" sz="800" dirty="0">
+                <a:solidFill>
+                  <a:schemeClr val="bg1"/>
+                </a:solidFill>
+                <a:latin typeface="Adobe Clean SemiLight" panose="020B0403020404020204" pitchFamily="34" charset="0"/>
+              </a:rPr>
+              <a:t>à des parcours de formation personnalisés et à des forums communautaires surveillés au travers d’</a:t>
             </a:r>
             <a:r>
-              <a:rPr lang="fr-FR" sz="900" spc="-30" dirty="0" err="1">
+              <a:rPr lang="fr-FR" sz="800" dirty="0" err="1">
                 <a:solidFill>
                   <a:schemeClr val="bg1"/>
                 </a:solidFill>
@@ -1968,13 +2133,30 @@
               <a:t>Experience</a:t>
             </a:r>
             <a:r>
-              <a:rPr lang="fr-FR" sz="900" spc="-30" dirty="0">
+              <a:rPr lang="fr-FR" sz="800" dirty="0">
                 <a:solidFill>
                   <a:schemeClr val="bg1"/>
                 </a:solidFill>
                 <a:latin typeface="Adobe Clean SemiLight" panose="020B0403020404020204" pitchFamily="34" charset="0"/>
               </a:rPr>
-              <a:t> League d’Adobe. Vous pouvez également tirer profit de notre documentation technique détaillée et approfondie sur les produits, ainsi que de nos notes de mise à jour actuelles. Les clients de COMMERCIALE bénéficient également d’un accès à nos équipes d’assistance technique pour toute requête concernant un produit. Cette requête peut être effectuée par téléphone ou via le portail web de l’assistance et permet de protéger votre entreprise aux moments les plus critiques. Les clients de COMMERCIALE recevront régulièrement des informations et des mises à jour de la part de leur assistance principale du compte en plus d’une aide de gestion des remontées de cas en ce qui concerne les requêtes d’assistance les plus critiques. </a:t>
+              <a:t> League d’Adobe. Vous pouvez également tirer profit de notre documentation technique détaillée et approfondie sur les produits, ainsi que de nos notes de mise à jour actuelles. Les clients de COMMERCIALE bénéficient également d’un accès à nos équipes d’assistance technique pour toute requête concernant un produit. Cette requête peut être effectuée par téléphone ou via le portail web de l’assistance et permet de protéger votre entreprise aux moments les plus critiques. Les clients de COMMERCIALE recevront régulièrement des informations et des mises à jour de la part de leur assistance principale </a:t>
+            </a:r>
+            <a:br>
+              <a:rPr lang="fr-FR" sz="800" dirty="0">
+                <a:solidFill>
+                  <a:schemeClr val="bg1"/>
+                </a:solidFill>
+                <a:latin typeface="Adobe Clean SemiLight" panose="020B0403020404020204" pitchFamily="34" charset="0"/>
+              </a:rPr>
+            </a:br>
+            <a:r>
+              <a:rPr lang="fr-FR" sz="800" dirty="0">
+                <a:solidFill>
+                  <a:schemeClr val="bg1"/>
+                </a:solidFill>
+                <a:latin typeface="Adobe Clean SemiLight" panose="020B0403020404020204" pitchFamily="34" charset="0"/>
+              </a:rPr>
+              <a:t>du compte en plus d’une aide de gestion des remontées de cas en ce qui concerne les requêtes d’assistance les plus critiques. </a:t>
             </a:r>
           </a:p>
         </p:txBody>
@@ -2020,8 +2202,8 @@
         </p:nvSpPr>
         <p:spPr>
           <a:xfrm>
-            <a:off x="4895850" y="9862966"/>
-            <a:ext cx="2876549" cy="132729"/>
+            <a:off x="4881563" y="9862966"/>
+            <a:ext cx="2890836" cy="132729"/>
           </a:xfrm>
           <a:prstGeom prst="rect">
             <a:avLst/>
@@ -2073,14 +2255,14 @@
           <p:nvPr>
             <p:extLst>
               <p:ext uri="{D42A27DB-BD31-4B8C-83A1-F6EECF244321}">
-                <p14:modId xmlns:p14="http://schemas.microsoft.com/office/powerpoint/2010/main" val="3587222514"/>
+                <p14:modId xmlns:p14="http://schemas.microsoft.com/office/powerpoint/2010/main" val="7517955"/>
               </p:ext>
             </p:extLst>
           </p:nvPr>
         </p:nvGraphicFramePr>
         <p:xfrm>
-          <a:off x="121146" y="7475985"/>
-          <a:ext cx="7498852" cy="2207759"/>
+          <a:off x="118872" y="7056445"/>
+          <a:ext cx="7498851" cy="2440625"/>
         </p:xfrm>
         <a:graphic>
           <a:graphicData uri="http://schemas.openxmlformats.org/drawingml/2006/table">
@@ -2089,7 +2271,7 @@
                 <a:tableStyleId>{2D5ABB26-0587-4C30-8999-92F81FD0307C}</a:tableStyleId>
               </a:tblPr>
               <a:tblGrid>
-                <a:gridCol w="4698745">
+                <a:gridCol w="4698744">
                   <a:extLst>
                     <a:ext uri="{9D8B030D-6E8A-4147-A177-3AD203B41FA5}">
                       <a16:colId xmlns:a16="http://schemas.microsoft.com/office/drawing/2014/main" val="20000"/>
@@ -2111,7 +2293,7 @@
                   </a:extLst>
                 </a:gridCol>
               </a:tblGrid>
-              <a:tr h="274318">
+              <a:tr h="291248">
                 <a:tc>
                   <a:txBody>
                     <a:bodyPr/>
@@ -2137,7 +2319,7 @@
                       </a:r>
                     </a:p>
                   </a:txBody>
-                  <a:tcPr marL="0" marR="0" marT="7620" marB="0" anchor="ctr">
+                  <a:tcPr marL="0" marR="0" marT="7620" marB="0">
                     <a:lnL w="3175">
                       <a:solidFill>
                         <a:srgbClr val="B7B8B8"/>
@@ -2172,7 +2354,7 @@
                     <a:bodyPr/>
                     <a:lstStyle/>
                     <a:p>
-                      <a:pPr marL="135255" algn="ctr">
+                      <a:pPr marL="0" indent="0" algn="ctr">
                         <a:lnSpc>
                           <a:spcPct val="100000"/>
                         </a:lnSpc>
@@ -2181,7 +2363,7 @@
                         </a:spcBef>
                       </a:pPr>
                       <a:r>
-                        <a:rPr lang="fr-FR" sz="900">
+                        <a:rPr lang="fr-FR" sz="900" dirty="0">
                           <a:solidFill>
                             <a:srgbClr val="020302"/>
                           </a:solidFill>
@@ -2192,7 +2374,7 @@
                       </a:r>
                     </a:p>
                   </a:txBody>
-                  <a:tcPr anchor="ctr">
+                  <a:tcPr marL="182880" marT="91440" anchor="ctr">
                     <a:lnL w="3175">
                       <a:solidFill>
                         <a:srgbClr val="B7B8B8"/>
@@ -2227,7 +2409,7 @@
                     <a:bodyPr/>
                     <a:lstStyle/>
                     <a:p>
-                      <a:pPr marL="92710">
+                      <a:pPr marL="0" indent="0">
                         <a:lnSpc>
                           <a:spcPct val="100000"/>
                         </a:lnSpc>
@@ -2236,7 +2418,7 @@
                         </a:spcBef>
                       </a:pPr>
                       <a:r>
-                        <a:rPr lang="fr-FR" sz="900">
+                        <a:rPr lang="fr-FR" sz="900" dirty="0">
                           <a:solidFill>
                             <a:srgbClr val="FFFFFF"/>
                           </a:solidFill>
@@ -2247,7 +2429,7 @@
                       </a:r>
                     </a:p>
                   </a:txBody>
-                  <a:tcPr anchor="ctr">
+                  <a:tcPr marL="182880" marT="91440" anchor="ctr">
                     <a:lnL w="3175">
                       <a:solidFill>
                         <a:srgbClr val="B7B8B8"/>
@@ -2283,7 +2465,7 @@
                   </a:ext>
                 </a:extLst>
               </a:tr>
-              <a:tr h="530982">
+              <a:tr h="662832">
                 <a:tc>
                   <a:txBody>
                     <a:bodyPr/>
@@ -2336,7 +2518,7 @@
                         <a:t>Les fonctions commerciales de production du client sont en panne ou présentent une perte </a:t>
                       </a:r>
                       <a:br>
-                        <a:rPr lang="sk-SK" sz="900" b="0" i="0" dirty="0">
+                        <a:rPr lang="fr-FR" sz="900" b="0" i="0" dirty="0">
                           <a:solidFill>
                             <a:srgbClr val="000000"/>
                           </a:solidFill>
@@ -2353,7 +2535,7 @@
                         <a:t>de données ou une dégradation importante du service. Une attention immédiate est requise </a:t>
                       </a:r>
                       <a:br>
-                        <a:rPr lang="sk-SK" sz="900" b="0" i="0" dirty="0">
+                        <a:rPr lang="fr-FR" sz="900" b="0" i="0" dirty="0">
                           <a:solidFill>
                             <a:srgbClr val="000000"/>
                           </a:solidFill>
@@ -2419,11 +2601,11 @@
                           <a:latin typeface="AdobeClean-Light"/>
                           <a:cs typeface="AdobeClean-Light"/>
                         </a:rPr>
-                        <a:t>24x7 /           1 heure</a:t>
+                        <a:t>24x7 / 1 heure</a:t>
                       </a:r>
                     </a:p>
                   </a:txBody>
-                  <a:tcPr anchor="ctr">
+                  <a:tcPr marL="0" marR="0" marT="91440" marB="91440" anchor="ctr" anchorCtr="1">
                     <a:lnL w="3175">
                       <a:solidFill>
                         <a:srgbClr val="B7B8B8"/>
@@ -2471,11 +2653,11 @@
                           <a:latin typeface="AdobeClean-Light"/>
                           <a:cs typeface="AdobeClean-Light"/>
                         </a:rPr>
-                        <a:t>24x7 /          1 heure</a:t>
+                        <a:t>24x7 / 1 heure</a:t>
                       </a:r>
                     </a:p>
                   </a:txBody>
-                  <a:tcPr anchor="ctr">
+                  <a:tcPr marL="0" marR="0" marT="91440" marB="91440" anchor="ctr" anchorCtr="1">
                     <a:lnL w="3175">
                       <a:solidFill>
                         <a:srgbClr val="B7B8B8"/>
@@ -2513,7 +2695,7 @@
                   </a:ext>
                 </a:extLst>
               </a:tr>
-              <a:tr h="484755">
+              <a:tr h="514672">
                 <a:tc>
                   <a:txBody>
                     <a:bodyPr/>
@@ -2528,7 +2710,7 @@
                         </a:spcBef>
                       </a:pPr>
                       <a:r>
-                        <a:rPr lang="fr-FR" sz="900" b="1" dirty="0">
+                        <a:rPr lang="fr-FR" sz="900" b="1">
                           <a:solidFill>
                             <a:srgbClr val="020302"/>
                           </a:solidFill>
@@ -2548,7 +2730,7 @@
                         </a:spcBef>
                       </a:pPr>
                       <a:r>
-                        <a:rPr lang="fr-FR" sz="900" b="0" i="0" dirty="0">
+                        <a:rPr lang="fr-FR" sz="900" b="0" i="0">
                           <a:solidFill>
                             <a:srgbClr val="000000"/>
                           </a:solidFill>
@@ -2606,11 +2788,11 @@
                           <a:latin typeface="AdobeClean-Light"/>
                           <a:cs typeface="AdobeClean-Light"/>
                         </a:rPr>
-                        <a:t>Heures d’ouverture /     4 heures</a:t>
+                        <a:t>Heures d’ouverture / 4 heures</a:t>
                       </a:r>
                     </a:p>
                   </a:txBody>
-                  <a:tcPr anchor="ctr">
+                  <a:tcPr marL="0" marR="0" marT="91440" marB="91440" anchor="ctr" anchorCtr="1">
                     <a:lnL w="3175">
                       <a:solidFill>
                         <a:srgbClr val="B7B8B8"/>
@@ -2658,11 +2840,11 @@
                           <a:latin typeface="AdobeClean-Light"/>
                           <a:cs typeface="AdobeClean-Light"/>
                         </a:rPr>
-                        <a:t>Heures d’ouverture /      2 heures</a:t>
+                        <a:t>    Heures d’ouverture / 2 heures</a:t>
                       </a:r>
                     </a:p>
                   </a:txBody>
-                  <a:tcPr anchor="ctr">
+                  <a:tcPr marL="0" marR="0" marT="91440" marB="91440" anchor="ctr" anchorCtr="1">
                     <a:lnL w="3175">
                       <a:solidFill>
                         <a:srgbClr val="B7B8B8"/>
@@ -2700,7 +2882,7 @@
                   </a:ext>
                 </a:extLst>
               </a:tr>
-              <a:tr h="484756">
+              <a:tr h="514673">
                 <a:tc>
                   <a:txBody>
                     <a:bodyPr/>
@@ -2800,11 +2982,11 @@
                           <a:latin typeface="AdobeClean-Light"/>
                           <a:cs typeface="AdobeClean-Light"/>
                         </a:rPr>
-                        <a:t>Heures d’ouverture /     6 heures</a:t>
+                        <a:t>   Heures d’ouverture / 6 heures</a:t>
                       </a:r>
                     </a:p>
                   </a:txBody>
-                  <a:tcPr anchor="ctr">
+                  <a:tcPr marL="0" marR="0" marT="91440" marB="91440" anchor="ctr" anchorCtr="1">
                     <a:lnL w="3175">
                       <a:solidFill>
                         <a:srgbClr val="B7B8B8"/>
@@ -2852,11 +3034,11 @@
                           <a:latin typeface="AdobeClean-Light"/>
                           <a:cs typeface="AdobeClean-Light"/>
                         </a:rPr>
-                        <a:t>Heures d’ouverture /     4 heures</a:t>
+                        <a:t>Heures d’ouverture / 4 heures</a:t>
                       </a:r>
                     </a:p>
                   </a:txBody>
-                  <a:tcPr anchor="ctr">
+                  <a:tcPr marL="0" marR="0" marT="91440" marB="91440" anchor="ctr" anchorCtr="1">
                     <a:lnL w="3175">
                       <a:solidFill>
                         <a:srgbClr val="B7B8B8"/>
@@ -2894,7 +3076,7 @@
                   </a:ext>
                 </a:extLst>
               </a:tr>
-              <a:tr h="359998">
+              <a:tr h="388333">
                 <a:tc>
                   <a:txBody>
                     <a:bodyPr/>
@@ -2996,11 +3178,11 @@
                           <a:latin typeface="AdobeClean-Light"/>
                           <a:cs typeface="AdobeClean-Light"/>
                         </a:rPr>
-                        <a:t>Jours ouvrables /      3 jours</a:t>
+                        <a:t>  Jours ouvrables / 3 jours</a:t>
                       </a:r>
                     </a:p>
                   </a:txBody>
-                  <a:tcPr anchor="ctr">
+                  <a:tcPr marL="0" marR="0" marT="91440" marB="91440" anchor="ctr" anchorCtr="1">
                     <a:lnL w="3175">
                       <a:solidFill>
                         <a:srgbClr val="B7B8B8"/>
@@ -3048,31 +3230,11 @@
                           <a:latin typeface="AdobeClean-Light"/>
                           <a:cs typeface="AdobeClean-Light"/>
                         </a:rPr>
-                        <a:t>Jours ouvrables / </a:t>
-                      </a:r>
-                    </a:p>
-                    <a:p>
-                      <a:pPr marL="370840" marR="223520" indent="-202565" algn="ctr">
-                        <a:lnSpc>
-                          <a:spcPct val="100000"/>
-                        </a:lnSpc>
-                        <a:spcBef>
-                          <a:spcPts val="155"/>
-                        </a:spcBef>
-                      </a:pPr>
-                      <a:r>
-                        <a:rPr lang="fr-FR" sz="900" dirty="0">
-                          <a:solidFill>
-                            <a:srgbClr val="020302"/>
-                          </a:solidFill>
-                          <a:latin typeface="AdobeClean-Light"/>
-                          <a:cs typeface="AdobeClean-Light"/>
-                        </a:rPr>
-                        <a:t>  1 jour</a:t>
+                        <a:t>Jours ouvrables / 1 jour</a:t>
                       </a:r>
                     </a:p>
                   </a:txBody>
-                  <a:tcPr anchor="ctr">
+                  <a:tcPr marL="0" marR="0" marT="91440" marB="91440" anchor="ctr" anchorCtr="1">
                     <a:lnL w="3175">
                       <a:solidFill>
                         <a:srgbClr val="B7B8B8"/>
@@ -3129,14 +3291,14 @@
           <p:nvPr>
             <p:extLst>
               <p:ext uri="{D42A27DB-BD31-4B8C-83A1-F6EECF244321}">
-                <p14:modId xmlns:p14="http://schemas.microsoft.com/office/powerpoint/2010/main" val="4099234316"/>
+                <p14:modId xmlns:p14="http://schemas.microsoft.com/office/powerpoint/2010/main" val="789050569"/>
               </p:ext>
             </p:extLst>
           </p:nvPr>
         </p:nvGraphicFramePr>
         <p:xfrm>
           <a:off x="121147" y="2120949"/>
-          <a:ext cx="7498851" cy="4815558"/>
+          <a:ext cx="7498851" cy="4447419"/>
         </p:xfrm>
         <a:graphic>
           <a:graphicData uri="http://schemas.openxmlformats.org/drawingml/2006/table">
@@ -3174,13 +3336,13 @@
                   </a:extLst>
                 </a:gridCol>
               </a:tblGrid>
-              <a:tr h="241251">
+              <a:tr h="344282">
                 <a:tc gridSpan="2">
                   <a:txBody>
                     <a:bodyPr/>
                     <a:lstStyle/>
                     <a:p>
-                      <a:endParaRPr lang="en-US" dirty="0"/>
+                      <a:endParaRPr lang="en-US"/>
                     </a:p>
                   </a:txBody>
                   <a:tcPr/>
@@ -3314,13 +3476,13 @@
                   </a:ext>
                 </a:extLst>
               </a:tr>
-              <a:tr h="332691">
+              <a:tr h="344282">
                 <a:tc gridSpan="2">
                   <a:txBody>
                     <a:bodyPr/>
                     <a:lstStyle/>
                     <a:p>
-                      <a:endParaRPr lang="en-US" dirty="0"/>
+                      <a:endParaRPr lang="en-US"/>
                     </a:p>
                   </a:txBody>
                   <a:tcPr/>
@@ -3476,7 +3638,7 @@
                   </a:ext>
                 </a:extLst>
               </a:tr>
-              <a:tr h="232310">
+              <a:tr h="209481">
                 <a:tc rowSpan="3">
                   <a:txBody>
                     <a:bodyPr/>
@@ -3546,7 +3708,7 @@
                         </a:spcBef>
                       </a:pPr>
                       <a:r>
-                        <a:rPr lang="fr-FR" sz="900">
+                        <a:rPr lang="fr-FR" sz="900" dirty="0">
                           <a:solidFill>
                             <a:srgbClr val="020302"/>
                           </a:solidFill>
@@ -3673,7 +3835,7 @@
                   </a:ext>
                 </a:extLst>
               </a:tr>
-              <a:tr h="230812">
+              <a:tr h="208130">
                 <a:tc vMerge="1">
                   <a:txBody>
                     <a:bodyPr/>
@@ -3810,7 +3972,7 @@
                   </a:ext>
                 </a:extLst>
               </a:tr>
-              <a:tr h="236808">
+              <a:tr h="213537">
                 <a:tc vMerge="1">
                   <a:txBody>
                     <a:bodyPr/>
@@ -3983,7 +4145,7 @@
                   </a:ext>
                 </a:extLst>
               </a:tr>
-              <a:tr h="229317">
+              <a:tr h="206782">
                 <a:tc rowSpan="12">
                   <a:txBody>
                     <a:bodyPr/>
@@ -4189,7 +4351,7 @@
                   </a:ext>
                 </a:extLst>
               </a:tr>
-              <a:tr h="230812">
+              <a:tr h="208130">
                 <a:tc vMerge="1">
                   <a:txBody>
                     <a:bodyPr/>
@@ -4347,7 +4509,7 @@
                   </a:ext>
                 </a:extLst>
               </a:tr>
-              <a:tr h="230065">
+              <a:tr h="207457">
                 <a:tc vMerge="1">
                   <a:txBody>
                     <a:bodyPr/>
@@ -4520,7 +4682,7 @@
                   </a:ext>
                 </a:extLst>
               </a:tr>
-              <a:tr h="231561">
+              <a:tr h="208806">
                 <a:tc vMerge="1">
                   <a:txBody>
                     <a:bodyPr/>
@@ -4672,7 +4834,7 @@
                   </a:ext>
                 </a:extLst>
               </a:tr>
-              <a:tr h="232310">
+              <a:tr h="209481">
                 <a:tc vMerge="1">
                   <a:txBody>
                     <a:bodyPr/>
@@ -4824,7 +4986,7 @@
                   </a:ext>
                 </a:extLst>
               </a:tr>
-              <a:tr h="229317">
+              <a:tr h="206782">
                 <a:tc vMerge="1">
                   <a:txBody>
                     <a:bodyPr/>
@@ -4964,7 +5126,7 @@
                   </a:ext>
                 </a:extLst>
               </a:tr>
-              <a:tr h="229317">
+              <a:tr h="206782">
                 <a:tc vMerge="1">
                   <a:txBody>
                     <a:bodyPr/>
@@ -5077,7 +5239,7 @@
                   </a:ext>
                 </a:extLst>
               </a:tr>
-              <a:tr h="229317">
+              <a:tr h="206782">
                 <a:tc vMerge="1">
                   <a:txBody>
                     <a:bodyPr/>
@@ -5190,7 +5352,7 @@
                   </a:ext>
                 </a:extLst>
               </a:tr>
-              <a:tr h="230812">
+              <a:tr h="208130">
                 <a:tc vMerge="1">
                   <a:txBody>
                     <a:bodyPr/>
@@ -5345,7 +5507,7 @@
                   </a:ext>
                 </a:extLst>
               </a:tr>
-              <a:tr h="231562">
+              <a:tr h="208807">
                 <a:tc vMerge="1">
                   <a:txBody>
                     <a:bodyPr/>
@@ -5485,7 +5647,7 @@
                   </a:ext>
                 </a:extLst>
               </a:tr>
-              <a:tr h="236808">
+              <a:tr h="317983">
                 <a:tc vMerge="1">
                   <a:txBody>
                     <a:bodyPr/>
@@ -5540,7 +5702,7 @@
                         </a:spcBef>
                       </a:pPr>
                       <a:r>
-                        <a:rPr lang="fr-FR" sz="900" dirty="0">
+                        <a:rPr lang="fr-FR" sz="900">
                           <a:solidFill>
                             <a:srgbClr val="020302"/>
                           </a:solidFill>
@@ -5550,7 +5712,7 @@
                         <a:t>Version, migration, mise à niveau et examen de la feuille </a:t>
                       </a:r>
                       <a:br>
-                        <a:rPr lang="sk-SK" sz="900" dirty="0">
+                        <a:rPr lang="fr-FR" sz="900">
                           <a:solidFill>
                             <a:srgbClr val="020302"/>
                           </a:solidFill>
@@ -5559,7 +5721,7 @@
                         </a:rPr>
                       </a:br>
                       <a:r>
-                        <a:rPr lang="fr-FR" sz="900" dirty="0">
+                        <a:rPr lang="fr-FR" sz="900">
                           <a:solidFill>
                             <a:srgbClr val="020302"/>
                           </a:solidFill>
@@ -5644,7 +5806,7 @@
                   </a:ext>
                 </a:extLst>
               </a:tr>
-              <a:tr h="241305">
+              <a:tr h="217592">
                 <a:tc vMerge="1">
                   <a:txBody>
                     <a:bodyPr/>
@@ -5814,7 +5976,7 @@
                   </a:ext>
                 </a:extLst>
               </a:tr>
-              <a:tr h="161868">
+              <a:tr h="145961">
                 <a:tc rowSpan="2">
                   <a:txBody>
                     <a:bodyPr/>
@@ -5829,7 +5991,7 @@
                         </a:spcBef>
                       </a:pPr>
                       <a:r>
-                        <a:rPr lang="fr-FR" sz="1000" b="1" i="0">
+                        <a:rPr lang="fr-FR" sz="1000" b="1" i="0" dirty="0">
                           <a:solidFill>
                             <a:schemeClr val="bg1"/>
                           </a:solidFill>
@@ -6022,7 +6184,7 @@
                   </a:ext>
                 </a:extLst>
               </a:tr>
-              <a:tr h="338725">
+              <a:tr h="305439">
                 <a:tc vMerge="1">
                   <a:txBody>
                     <a:bodyPr/>
@@ -6345,7 +6507,7 @@
         <p:spPr>
           <a:xfrm>
             <a:off x="370040" y="1409311"/>
-            <a:ext cx="2286000" cy="1817998"/>
+            <a:ext cx="2286000" cy="1633717"/>
           </a:xfrm>
           <a:prstGeom prst="rect">
             <a:avLst/>
@@ -6366,16 +6528,16 @@
               </a:spcBef>
             </a:pPr>
             <a:r>
-              <a:rPr lang="fr-FR" sz="1000" dirty="0">
+              <a:rPr lang="fr-FR" sz="850" dirty="0">
                 <a:solidFill>
                   <a:srgbClr val="000000"/>
                 </a:solidFill>
                 <a:latin typeface="Adobe Clean Light" panose="020B0303020404020204" pitchFamily="34" charset="0"/>
               </a:rPr>
-              <a:t>Il s’agit d’une assistance principale de compte désignée permettant de surveiller de manière proactive les cas, de favoriser la collaboration entre les équipes, de diffuser des webinaires d’intégration, de conduire des rapports </a:t>
+              <a:t>Il s’agit d’une assistance principale de compte désignée permettant de surveiller de manière proactive les cas, de favoriser la collaboration entre </a:t>
             </a:r>
             <a:br>
-              <a:rPr lang="sk-SK" sz="1000" dirty="0">
+              <a:rPr lang="fr-FR" sz="850" dirty="0">
                 <a:solidFill>
                   <a:srgbClr val="000000"/>
                 </a:solidFill>
@@ -6383,16 +6545,16 @@
               </a:rPr>
             </a:br>
             <a:r>
-              <a:rPr lang="fr-FR" sz="1000" dirty="0">
+              <a:rPr lang="fr-FR" sz="850" dirty="0">
                 <a:solidFill>
                   <a:srgbClr val="000000"/>
                 </a:solidFill>
                 <a:latin typeface="Adobe Clean Light" panose="020B0303020404020204" pitchFamily="34" charset="0"/>
               </a:rPr>
-              <a:t>de service, de fournir une assistance non technique et d’agir comme porte-parole </a:t>
+              <a:t>les équipes, de diffuser des webinaires d’intégration, </a:t>
             </a:r>
             <a:br>
-              <a:rPr lang="sk-SK" sz="1000" dirty="0">
+              <a:rPr lang="fr-FR" sz="850" dirty="0">
                 <a:solidFill>
                   <a:srgbClr val="000000"/>
                 </a:solidFill>
@@ -6400,13 +6562,13 @@
               </a:rPr>
             </a:br>
             <a:r>
-              <a:rPr lang="fr-FR" sz="1000" dirty="0">
+              <a:rPr lang="fr-FR" sz="850" dirty="0">
                 <a:solidFill>
                   <a:srgbClr val="000000"/>
                 </a:solidFill>
                 <a:latin typeface="Adobe Clean Light" panose="020B0303020404020204" pitchFamily="34" charset="0"/>
               </a:rPr>
-              <a:t>de remontée des informations et comme ambassadeur interne au sein du service d’assistance d’Adobe.</a:t>
+              <a:t>de conduire des rapports de service, de fournir une assistance non technique et d’agir comme porte-parole de remontée des informations et comme ambassadeur interne au sein du service d’assistance d’Adobe.</a:t>
             </a:r>
           </a:p>
         </p:txBody>
@@ -6420,14 +6582,14 @@
         <p:spPr>
           <a:xfrm>
             <a:off x="2836967" y="8618616"/>
-            <a:ext cx="2286000" cy="487313"/>
+            <a:ext cx="2184613" cy="679673"/>
           </a:xfrm>
           <a:prstGeom prst="rect">
             <a:avLst/>
           </a:prstGeom>
         </p:spPr>
         <p:txBody>
-          <a:bodyPr vert="horz" wrap="square" lIns="0" tIns="12700" rIns="0" bIns="0" rtlCol="0">
+          <a:bodyPr vert="horz" wrap="square" lIns="0" tIns="12700" rIns="0" bIns="0" rtlCol="0" anchor="t">
             <a:spAutoFit/>
           </a:bodyPr>
           <a:lstStyle/>
@@ -6444,21 +6606,18 @@
               </a:tabLst>
             </a:pPr>
             <a:r>
-              <a:rPr lang="fr-FR" sz="1000" dirty="0">
+              <a:rPr lang="fr-FR" sz="850" dirty="0">
                 <a:solidFill>
                   <a:srgbClr val="020302"/>
                 </a:solidFill>
                 <a:latin typeface="AdobeClean-Light"/>
                 <a:cs typeface="AdobeClean-Light"/>
               </a:rPr>
-              <a:t>Commencez une session de conversation pour obtenir des réponses et de l’aide lors de l’envoi du cas</a:t>
+              <a:t>Commencez une session de conversation pour obtenir des réponses et de l’aide lors de l’envoi du cas.</a:t>
             </a:r>
           </a:p>
           <a:p>
             <a:pPr marL="33020" marR="159385">
-              <a:lnSpc>
-                <a:spcPct val="100000"/>
-              </a:lnSpc>
               <a:spcBef>
                 <a:spcPts val="100"/>
               </a:spcBef>
@@ -6467,24 +6626,14 @@
               </a:tabLst>
             </a:pPr>
             <a:r>
-              <a:rPr lang="fr-FR" sz="1000" i="1" dirty="0">
+              <a:rPr lang="fr-FR" sz="850" i="1" dirty="0">
                 <a:solidFill>
                   <a:srgbClr val="7A7A7A"/>
                 </a:solidFill>
                 <a:latin typeface="AdobeClean-LightIt"/>
                 <a:cs typeface="AdobeClean-LightIt"/>
               </a:rPr>
-              <a:t>*Tous les produits ne bénéficient pas de l’assistance de messagerie instantanée</a:t>
-            </a:r>
-            <a:r>
-              <a:rPr lang="fr-FR" sz="900" i="1" dirty="0">
-                <a:solidFill>
-                  <a:srgbClr val="7A7A7A"/>
-                </a:solidFill>
-                <a:latin typeface="AdobeClean-LightIt"/>
-                <a:cs typeface="AdobeClean-LightIt"/>
-              </a:rPr>
-              <a:t>.  </a:t>
+              <a:t>*Tous les produits ne bénéficient pas de l’assistance de messagerie instantanée.  </a:t>
             </a:r>
           </a:p>
         </p:txBody>
@@ -6535,7 +6684,7 @@
         <p:spPr>
           <a:xfrm>
             <a:off x="838200" y="6046398"/>
-            <a:ext cx="1817840" cy="184666"/>
+            <a:ext cx="1995408" cy="184666"/>
           </a:xfrm>
           <a:prstGeom prst="rect">
             <a:avLst/>
@@ -6587,8 +6736,8 @@
         </p:nvSpPr>
         <p:spPr>
           <a:xfrm>
-            <a:off x="838200" y="6277305"/>
-            <a:ext cx="1376994" cy="184666"/>
+            <a:off x="838199" y="6277305"/>
+            <a:ext cx="1557901" cy="184666"/>
           </a:xfrm>
           <a:prstGeom prst="rect">
             <a:avLst/>
@@ -6634,7 +6783,7 @@
         <p:spPr>
           <a:xfrm>
             <a:off x="370040" y="6529249"/>
-            <a:ext cx="2286000" cy="1113125"/>
+            <a:ext cx="2286000" cy="689932"/>
           </a:xfrm>
           <a:prstGeom prst="rect">
             <a:avLst/>
@@ -6647,64 +6796,13 @@
           <a:lstStyle/>
           <a:p>
             <a:r>
-              <a:rPr lang="fr-FR" sz="1000" dirty="0">
+              <a:rPr lang="fr-FR" sz="850">
                 <a:solidFill>
                   <a:srgbClr val="000000"/>
                 </a:solidFill>
                 <a:latin typeface="Adobe Clean Light" panose="020B0303020404020204" pitchFamily="34" charset="0"/>
               </a:rPr>
-              <a:t>Accès en ligne permanent à une base </a:t>
-            </a:r>
-            <a:br>
-              <a:rPr lang="sk-SK" sz="1000" dirty="0">
-                <a:solidFill>
-                  <a:srgbClr val="000000"/>
-                </a:solidFill>
-                <a:latin typeface="Adobe Clean Light" panose="020B0303020404020204" pitchFamily="34" charset="0"/>
-              </a:rPr>
-            </a:br>
-            <a:r>
-              <a:rPr lang="fr-FR" sz="1000" dirty="0">
-                <a:solidFill>
-                  <a:srgbClr val="000000"/>
-                </a:solidFill>
-                <a:latin typeface="Adobe Clean Light" panose="020B0303020404020204" pitchFamily="34" charset="0"/>
-              </a:rPr>
-              <a:t>de données croissante de solutions techniques, de documentation sur les produits, de questions fréquentes, etc. </a:t>
-            </a:r>
-            <a:br>
-              <a:rPr lang="sk-SK" sz="1000" dirty="0">
-                <a:solidFill>
-                  <a:srgbClr val="000000"/>
-                </a:solidFill>
-                <a:latin typeface="Adobe Clean Light" panose="020B0303020404020204" pitchFamily="34" charset="0"/>
-              </a:rPr>
-            </a:br>
-            <a:r>
-              <a:rPr lang="fr-FR" sz="1000" dirty="0">
-                <a:solidFill>
-                  <a:srgbClr val="000000"/>
-                </a:solidFill>
-                <a:latin typeface="Adobe Clean Light" panose="020B0303020404020204" pitchFamily="34" charset="0"/>
-              </a:rPr>
-              <a:t>Des milliers de clients peuvent entrer en contact pour partager les bonnes pratiques </a:t>
-            </a:r>
-            <a:br>
-              <a:rPr lang="sk-SK" sz="1000" dirty="0">
-                <a:solidFill>
-                  <a:srgbClr val="000000"/>
-                </a:solidFill>
-                <a:latin typeface="Adobe Clean Light" panose="020B0303020404020204" pitchFamily="34" charset="0"/>
-              </a:rPr>
-            </a:br>
-            <a:r>
-              <a:rPr lang="fr-FR" sz="1000" dirty="0">
-                <a:solidFill>
-                  <a:srgbClr val="000000"/>
-                </a:solidFill>
-                <a:latin typeface="Adobe Clean Light" panose="020B0303020404020204" pitchFamily="34" charset="0"/>
-              </a:rPr>
-              <a:t>et les leçons apprises.</a:t>
+              <a:t>Accès en ligne permanent à une base de données croissante de solutions techniques, de documentation sur les produits, de questions fréquentes, etc. Des milliers de clients peuvent entrer en contact pour partager les bonnes pratiques et les leçons apprises.</a:t>
             </a:r>
           </a:p>
         </p:txBody>
@@ -6772,7 +6870,7 @@
         <p:spPr>
           <a:xfrm>
             <a:off x="5376301" y="6529249"/>
-            <a:ext cx="2381010" cy="1113125"/>
+            <a:ext cx="2175119" cy="959237"/>
           </a:xfrm>
           <a:prstGeom prst="rect">
             <a:avLst/>
@@ -6785,7 +6883,7 @@
           <a:lstStyle/>
           <a:p>
             <a:r>
-              <a:rPr lang="fr-FR" sz="1000" dirty="0">
+              <a:rPr lang="fr-FR" sz="850" dirty="0">
                 <a:solidFill>
                   <a:srgbClr val="000000"/>
                 </a:solidFill>
@@ -6794,7 +6892,7 @@
               <a:t>Les </a:t>
             </a:r>
             <a:r>
-              <a:rPr lang="fr-FR" sz="1000" dirty="0" err="1">
+              <a:rPr lang="fr-FR" sz="850" dirty="0" err="1">
                 <a:solidFill>
                   <a:srgbClr val="000000"/>
                 </a:solidFill>
@@ -6803,7 +6901,7 @@
               <a:t>Experience</a:t>
             </a:r>
             <a:r>
-              <a:rPr lang="fr-FR" sz="1000" dirty="0">
+              <a:rPr lang="fr-FR" sz="850" dirty="0">
                 <a:solidFill>
                   <a:srgbClr val="000000"/>
                 </a:solidFill>
@@ -6812,7 +6910,7 @@
               <a:t> </a:t>
             </a:r>
             <a:r>
-              <a:rPr lang="fr-FR" sz="1000" dirty="0" err="1">
+              <a:rPr lang="fr-FR" sz="850" dirty="0" err="1">
                 <a:solidFill>
                   <a:srgbClr val="000000"/>
                 </a:solidFill>
@@ -6821,7 +6919,7 @@
               <a:t>Makers</a:t>
             </a:r>
             <a:r>
-              <a:rPr lang="fr-FR" sz="1000" dirty="0">
+              <a:rPr lang="fr-FR" sz="850" dirty="0">
                 <a:solidFill>
                   <a:srgbClr val="000000"/>
                 </a:solidFill>
@@ -6830,7 +6928,7 @@
               <a:t> sont créées à l’aide d’</a:t>
             </a:r>
             <a:r>
-              <a:rPr lang="fr-FR" sz="1000" dirty="0" err="1">
+              <a:rPr lang="fr-FR" sz="850" dirty="0" err="1">
                 <a:solidFill>
                   <a:srgbClr val="000000"/>
                 </a:solidFill>
@@ -6839,7 +6937,7 @@
               <a:t>Experience</a:t>
             </a:r>
             <a:r>
-              <a:rPr lang="fr-FR" sz="1000" dirty="0">
+              <a:rPr lang="fr-FR" sz="850" dirty="0">
                 <a:solidFill>
                   <a:srgbClr val="000000"/>
                 </a:solidFill>
@@ -6866,8 +6964,8 @@
         </p:nvSpPr>
         <p:spPr>
           <a:xfrm>
-            <a:off x="3215895" y="8054891"/>
-            <a:ext cx="2520000" cy="369332"/>
+            <a:off x="3215895" y="8004211"/>
+            <a:ext cx="1988100" cy="369332"/>
           </a:xfrm>
           <a:prstGeom prst="rect">
             <a:avLst/>
@@ -6898,22 +6996,7 @@
                   <a:srgbClr val="000000"/>
                 </a:solidFill>
               </a:rPr>
-              <a:t>Assistance de messagerie </a:t>
-            </a:r>
-            <a:br>
-              <a:rPr lang="sk-SK" sz="1200" dirty="0">
-                <a:solidFill>
-                  <a:srgbClr val="000000"/>
-                </a:solidFill>
-              </a:rPr>
-            </a:br>
-            <a:r>
-              <a:rPr lang="fr-FR" sz="1200" dirty="0">
-                <a:solidFill>
-                  <a:srgbClr val="000000"/>
-                </a:solidFill>
-              </a:rPr>
-              <a:t>instantanée*</a:t>
+              <a:t>Assistance de messagerie instantanée*</a:t>
             </a:r>
           </a:p>
         </p:txBody>
@@ -6934,7 +7017,7 @@
         </p:nvSpPr>
         <p:spPr>
           <a:xfrm>
-            <a:off x="3198434" y="8424343"/>
+            <a:off x="3198434" y="8343595"/>
             <a:ext cx="840166" cy="184666"/>
           </a:xfrm>
           <a:prstGeom prst="rect">
@@ -7082,7 +7165,7 @@
         <p:spPr>
           <a:xfrm>
             <a:off x="2836967" y="6529249"/>
-            <a:ext cx="2286000" cy="1113125"/>
+            <a:ext cx="2286000" cy="820738"/>
           </a:xfrm>
           <a:prstGeom prst="rect">
             <a:avLst/>
@@ -7095,7 +7178,7 @@
           <a:lstStyle/>
           <a:p>
             <a:r>
-              <a:rPr lang="fr-FR" sz="1000" dirty="0">
+              <a:rPr lang="fr-FR" sz="850" dirty="0">
                 <a:solidFill>
                   <a:srgbClr val="020302"/>
                 </a:solidFill>
@@ -7104,43 +7187,32 @@
               <a:t>Les utilisateurs autorisés ou les contacts d’assistance nommés </a:t>
             </a:r>
             <a:r>
-              <a:rPr lang="fr-FR" sz="1000" dirty="0">
+              <a:rPr lang="fr-FR" sz="850" dirty="0">
                 <a:latin typeface="Adobe Clean Light" panose="020B0303020404020204" pitchFamily="34" charset="0"/>
               </a:rPr>
-              <a:t>peuvent communiquer des problèmes par l’intermédiaire de tous </a:t>
+              <a:t>peuvent communiquer des problèmes </a:t>
             </a:r>
             <a:br>
-              <a:rPr lang="sk-SK" sz="1000" dirty="0">
+              <a:rPr lang="fr-FR" sz="850" dirty="0">
                 <a:latin typeface="Adobe Clean Light" panose="020B0303020404020204" pitchFamily="34" charset="0"/>
               </a:rPr>
             </a:br>
             <a:r>
-              <a:rPr lang="fr-FR" sz="1000" dirty="0">
+              <a:rPr lang="fr-FR" sz="850" dirty="0">
                 <a:latin typeface="Adobe Clean Light" panose="020B0303020404020204" pitchFamily="34" charset="0"/>
               </a:rPr>
-              <a:t>les canaux disponibles (y compris </a:t>
+              <a:t>par l’intermédiaire de tous les canaux disponibles </a:t>
             </a:r>
             <a:br>
-              <a:rPr lang="sk-SK" sz="1000" dirty="0">
+              <a:rPr lang="fr-FR" sz="850" dirty="0">
                 <a:latin typeface="Adobe Clean Light" panose="020B0303020404020204" pitchFamily="34" charset="0"/>
               </a:rPr>
             </a:br>
             <a:r>
-              <a:rPr lang="fr-FR" sz="1000" dirty="0">
+              <a:rPr lang="fr-FR" sz="850" dirty="0">
                 <a:latin typeface="Adobe Clean Light" panose="020B0303020404020204" pitchFamily="34" charset="0"/>
               </a:rPr>
-              <a:t>le téléphone pour P1) et interagir avec notre équipe d’assistance technique au nom </a:t>
-            </a:r>
-            <a:br>
-              <a:rPr lang="sk-SK" sz="1000" dirty="0">
-                <a:latin typeface="Adobe Clean Light" panose="020B0303020404020204" pitchFamily="34" charset="0"/>
-              </a:rPr>
-            </a:br>
-            <a:r>
-              <a:rPr lang="fr-FR" sz="1000" dirty="0">
-                <a:latin typeface="Adobe Clean Light" panose="020B0303020404020204" pitchFamily="34" charset="0"/>
-              </a:rPr>
-              <a:t>de votre entreprise. </a:t>
+              <a:t>(y compris le téléphone pour P1) et interagir avec notre équipe d’assistance technique au nom de votre entreprise. </a:t>
             </a:r>
           </a:p>
         </p:txBody>
@@ -7163,8 +7235,8 @@
         </p:nvSpPr>
         <p:spPr>
           <a:xfrm>
-            <a:off x="4806950" y="9862967"/>
-            <a:ext cx="2716591" cy="132308"/>
+            <a:off x="4781550" y="9862967"/>
+            <a:ext cx="2741991" cy="132308"/>
           </a:xfrm>
           <a:prstGeom prst="rect">
             <a:avLst/>
@@ -7185,8 +7257,24 @@
               </a:spcBef>
             </a:pPr>
             <a:r>
-              <a:rPr lang="fr-FR"/>
-              <a:t>©2021 Adobe. All Rights Reserved. Données confidentielles Adobe</a:t>
+              <a:rPr lang="fr-FR" dirty="0"/>
+              <a:t>©2021 Adobe. All </a:t>
+            </a:r>
+            <a:r>
+              <a:rPr lang="fr-FR" dirty="0" err="1"/>
+              <a:t>Rights</a:t>
+            </a:r>
+            <a:r>
+              <a:rPr lang="fr-FR" dirty="0"/>
+              <a:t> </a:t>
+            </a:r>
+            <a:r>
+              <a:rPr lang="fr-FR" dirty="0" err="1"/>
+              <a:t>Reserved</a:t>
+            </a:r>
+            <a:r>
+              <a:rPr lang="fr-FR" dirty="0"/>
+              <a:t>. Données confidentielles Adobe</a:t>
             </a:r>
           </a:p>
         </p:txBody>
@@ -7207,8 +7295,8 @@
         </p:nvSpPr>
         <p:spPr>
           <a:xfrm>
-            <a:off x="821898" y="1099315"/>
-            <a:ext cx="1726164" cy="369332"/>
+            <a:off x="821898" y="973470"/>
+            <a:ext cx="1428304" cy="369332"/>
           </a:xfrm>
           <a:prstGeom prst="rect">
             <a:avLst/>
@@ -7235,24 +7323,7 @@
                 </a:solidFill>
                 <a:latin typeface="+mj-lt"/>
               </a:rPr>
-              <a:t>Assistance principale </a:t>
-            </a:r>
-            <a:br>
-              <a:rPr lang="sk-SK" sz="1200" b="1" dirty="0">
-                <a:solidFill>
-                  <a:srgbClr val="020302"/>
-                </a:solidFill>
-                <a:latin typeface="+mj-lt"/>
-              </a:rPr>
-            </a:br>
-            <a:r>
-              <a:rPr lang="fr-FR" sz="1200" b="1" dirty="0">
-                <a:solidFill>
-                  <a:srgbClr val="020302"/>
-                </a:solidFill>
-                <a:latin typeface="+mj-lt"/>
-              </a:rPr>
-              <a:t>du compte</a:t>
+              <a:t>Assistance principale du compte</a:t>
             </a:r>
           </a:p>
         </p:txBody>
@@ -7272,7 +7343,7 @@
         <p:spPr>
           <a:xfrm>
             <a:off x="401995" y="5785009"/>
-            <a:ext cx="2956205" cy="45719"/>
+            <a:ext cx="2916515" cy="74092"/>
           </a:xfrm>
           <a:custGeom>
             <a:avLst/>
@@ -7367,8 +7438,8 @@
         </p:nvSpPr>
         <p:spPr>
           <a:xfrm>
-            <a:off x="384420" y="774494"/>
-            <a:ext cx="3069979" cy="45719"/>
+            <a:off x="384421" y="774495"/>
+            <a:ext cx="2011680" cy="0"/>
           </a:xfrm>
           <a:custGeom>
             <a:avLst/>
@@ -7485,10 +7556,32 @@
               </a:spcBef>
             </a:pPr>
             <a:r>
-              <a:rPr lang="fr-FR" sz="1000" dirty="0">
+              <a:rPr lang="fr-FR" sz="850" dirty="0">
                 <a:latin typeface="Adobe Clean Light" panose="020B0303020404020204" pitchFamily="34" charset="0"/>
               </a:rPr>
-              <a:t>Les clients peuvent envoyer des cas d’assistance par téléphone pour tous les problèmes P2, P3 et P4 pendant les heures d’assistance régionales. Vous pouvez appeler l’assistance autant de fois que cela est nécessaire. Les clients peuvent également demander à l’assistance de les rappeler ou demander une réunion pour démontrer ou résoudre un problème au cours d’une session de bureau distant partagée.</a:t>
+              <a:t>Les clients peuvent envoyer des cas d’assistance par téléphone pour tous les problèmes P2, P3 et P4 pendant les heures d’assistance régionales. Vous pouvez appeler l’assistance autant de fois que cela est nécessaire. Les clients peuvent également demander </a:t>
+            </a:r>
+            <a:br>
+              <a:rPr lang="fr-FR" sz="850" dirty="0">
+                <a:latin typeface="Adobe Clean Light" panose="020B0303020404020204" pitchFamily="34" charset="0"/>
+              </a:rPr>
+            </a:br>
+            <a:r>
+              <a:rPr lang="fr-FR" sz="850" dirty="0">
+                <a:latin typeface="Adobe Clean Light" panose="020B0303020404020204" pitchFamily="34" charset="0"/>
+              </a:rPr>
+              <a:t>à l’assistance de les rappeler ou demander une réunion pour démontrer ou résoudre un problème </a:t>
+            </a:r>
+            <a:br>
+              <a:rPr lang="fr-FR" sz="850" dirty="0">
+                <a:latin typeface="Adobe Clean Light" panose="020B0303020404020204" pitchFamily="34" charset="0"/>
+              </a:rPr>
+            </a:br>
+            <a:r>
+              <a:rPr lang="fr-FR" sz="850" dirty="0">
+                <a:latin typeface="Adobe Clean Light" panose="020B0303020404020204" pitchFamily="34" charset="0"/>
+              </a:rPr>
+              <a:t>au cours d’une session de bureau distant partagée.</a:t>
             </a:r>
           </a:p>
         </p:txBody>
@@ -7509,8 +7602,8 @@
         </p:nvSpPr>
         <p:spPr>
           <a:xfrm>
-            <a:off x="3257682" y="1083435"/>
-            <a:ext cx="1976242" cy="369332"/>
+            <a:off x="3245088" y="976322"/>
+            <a:ext cx="1694525" cy="369332"/>
           </a:xfrm>
           <a:prstGeom prst="rect">
             <a:avLst/>
@@ -7537,24 +7630,7 @@
                 </a:solidFill>
                 <a:latin typeface="+mj-lt"/>
               </a:rPr>
-              <a:t>Assistance téléphonique </a:t>
-            </a:r>
-            <a:br>
-              <a:rPr lang="sk-SK" sz="1200" b="1" dirty="0">
-                <a:solidFill>
-                  <a:srgbClr val="020302"/>
-                </a:solidFill>
-                <a:latin typeface="+mj-lt"/>
-              </a:rPr>
-            </a:br>
-            <a:r>
-              <a:rPr lang="fr-FR" sz="1200" b="1" dirty="0">
-                <a:solidFill>
-                  <a:srgbClr val="020302"/>
-                </a:solidFill>
-                <a:latin typeface="+mj-lt"/>
-              </a:rPr>
-              <a:t>en direct</a:t>
+              <a:t>Assistance téléphonique en direct</a:t>
             </a:r>
           </a:p>
         </p:txBody>
@@ -7574,7 +7650,7 @@
         <p:spPr>
           <a:xfrm>
             <a:off x="5376301" y="1398482"/>
-            <a:ext cx="2286000" cy="959237"/>
+            <a:ext cx="2087489" cy="820738"/>
           </a:xfrm>
           <a:prstGeom prst="rect">
             <a:avLst/>
@@ -7595,16 +7671,16 @@
               </a:spcBef>
             </a:pPr>
             <a:r>
-              <a:rPr lang="fr-FR" sz="1000" dirty="0">
+              <a:rPr lang="fr-FR" sz="850" dirty="0">
                 <a:solidFill>
                   <a:srgbClr val="4B4B4B"/>
                 </a:solidFill>
                 <a:latin typeface="Adobe Clean Light" panose="020B0303020404020204" pitchFamily="34" charset="0"/>
               </a:rPr>
-              <a:t>Il s’agit d’un point de contact désigné au sein d’Adobe pouvant fournir une assistance </a:t>
+              <a:t>Il s’agit d’un point de contact désigné au sein d’Adobe pouvant fournir une assistance en matière de remontées d’informations, des mises </a:t>
             </a:r>
             <a:br>
-              <a:rPr lang="sk-SK" sz="1000" dirty="0">
+              <a:rPr lang="fr-FR" sz="850" dirty="0">
                 <a:solidFill>
                   <a:srgbClr val="4B4B4B"/>
                 </a:solidFill>
@@ -7612,47 +7688,13 @@
               </a:rPr>
             </a:br>
             <a:r>
-              <a:rPr lang="fr-FR" sz="1000" dirty="0">
+              <a:rPr lang="fr-FR" sz="850" dirty="0">
                 <a:solidFill>
                   <a:srgbClr val="4B4B4B"/>
                 </a:solidFill>
                 <a:latin typeface="Adobe Clean Light" panose="020B0303020404020204" pitchFamily="34" charset="0"/>
               </a:rPr>
-              <a:t>en matière de remontées d’informations, </a:t>
-            </a:r>
-            <a:br>
-              <a:rPr lang="sk-SK" sz="1000" dirty="0">
-                <a:solidFill>
-                  <a:srgbClr val="4B4B4B"/>
-                </a:solidFill>
-                <a:latin typeface="Adobe Clean Light" panose="020B0303020404020204" pitchFamily="34" charset="0"/>
-              </a:rPr>
-            </a:br>
-            <a:r>
-              <a:rPr lang="fr-FR" sz="1000" dirty="0">
-                <a:solidFill>
-                  <a:srgbClr val="4B4B4B"/>
-                </a:solidFill>
-                <a:latin typeface="Adobe Clean Light" panose="020B0303020404020204" pitchFamily="34" charset="0"/>
-              </a:rPr>
-              <a:t>des mises à jour régulières et s’assurant que </a:t>
-            </a:r>
-            <a:br>
-              <a:rPr lang="sk-SK" sz="1000" dirty="0">
-                <a:solidFill>
-                  <a:srgbClr val="4B4B4B"/>
-                </a:solidFill>
-                <a:latin typeface="Adobe Clean Light" panose="020B0303020404020204" pitchFamily="34" charset="0"/>
-              </a:rPr>
-            </a:br>
-            <a:r>
-              <a:rPr lang="fr-FR" sz="1000" dirty="0">
-                <a:solidFill>
-                  <a:srgbClr val="4B4B4B"/>
-                </a:solidFill>
-                <a:latin typeface="Adobe Clean Light" panose="020B0303020404020204" pitchFamily="34" charset="0"/>
-              </a:rPr>
-              <a:t>la priorité est mise sur vos demandes d’assistance ouvertes les plus importantes.</a:t>
+              <a:t>à jour régulières et s’assurant que la priorité est mise sur vos demandes d’assistance ouvertes les plus importantes.</a:t>
             </a:r>
           </a:p>
         </p:txBody>
@@ -7673,7 +7715,7 @@
         </p:nvSpPr>
         <p:spPr>
           <a:xfrm>
-            <a:off x="5885313" y="1085652"/>
+            <a:off x="5885313" y="979579"/>
             <a:ext cx="1608472" cy="184666"/>
           </a:xfrm>
           <a:prstGeom prst="rect">
@@ -7695,7 +7737,7 @@
               </a:spcAft>
             </a:pPr>
             <a:r>
-              <a:rPr lang="fr-FR" sz="1200" b="1">
+              <a:rPr lang="fr-FR" sz="1200" b="1" dirty="0">
                 <a:solidFill>
                   <a:srgbClr val="020302"/>
                 </a:solidFill>
@@ -7822,7 +7864,7 @@
         <p:spPr>
           <a:xfrm>
             <a:off x="370040" y="8618616"/>
-            <a:ext cx="2286000" cy="1113125"/>
+            <a:ext cx="2286000" cy="689932"/>
           </a:xfrm>
           <a:prstGeom prst="rect">
             <a:avLst/>
@@ -7835,7 +7877,7 @@
           <a:lstStyle/>
           <a:p>
             <a:r>
-              <a:rPr lang="fr-FR" sz="1000" dirty="0">
+              <a:rPr lang="fr-FR" sz="850" dirty="0">
                 <a:solidFill>
                   <a:srgbClr val="000000"/>
                 </a:solidFill>
@@ -7844,7 +7886,7 @@
               <a:t>« Office </a:t>
             </a:r>
             <a:r>
-              <a:rPr lang="fr-FR" sz="1000" dirty="0" err="1">
+              <a:rPr lang="fr-FR" sz="850" dirty="0" err="1">
                 <a:solidFill>
                   <a:srgbClr val="000000"/>
                 </a:solidFill>
@@ -7853,101 +7895,16 @@
               <a:t>Hours</a:t>
             </a:r>
             <a:r>
-              <a:rPr lang="fr-FR" sz="1000" dirty="0">
+              <a:rPr lang="fr-FR" sz="850" dirty="0">
                 <a:solidFill>
                   <a:srgbClr val="000000"/>
                 </a:solidFill>
                 <a:latin typeface="Adobe Clean Light" panose="020B0303020404020204" pitchFamily="34" charset="0"/>
               </a:rPr>
-              <a:t> » est une initiative menée </a:t>
-            </a:r>
-            <a:br>
-              <a:rPr lang="sk-SK" sz="1000" dirty="0">
-                <a:solidFill>
-                  <a:srgbClr val="000000"/>
-                </a:solidFill>
-                <a:latin typeface="Adobe Clean Light" panose="020B0303020404020204" pitchFamily="34" charset="0"/>
-              </a:rPr>
-            </a:br>
-            <a:r>
-              <a:rPr lang="fr-FR" sz="1000" dirty="0">
-                <a:solidFill>
-                  <a:srgbClr val="000000"/>
-                </a:solidFill>
-                <a:latin typeface="Adobe Clean Light" panose="020B0303020404020204" pitchFamily="34" charset="0"/>
-              </a:rPr>
-              <a:t>par l’équipe du service clientèle d’Adobe. </a:t>
-            </a:r>
-            <a:br>
-              <a:rPr lang="sk-SK" sz="1000" dirty="0">
-                <a:solidFill>
-                  <a:srgbClr val="000000"/>
-                </a:solidFill>
-                <a:latin typeface="Adobe Clean Light" panose="020B0303020404020204" pitchFamily="34" charset="0"/>
-              </a:rPr>
-            </a:br>
-            <a:r>
-              <a:rPr lang="fr-FR" sz="1000" dirty="0">
-                <a:solidFill>
-                  <a:srgbClr val="000000"/>
-                </a:solidFill>
-                <a:latin typeface="Adobe Clean Light" panose="020B0303020404020204" pitchFamily="34" charset="0"/>
-              </a:rPr>
-              <a:t>Ces sessions sont conçues pour informer </a:t>
-            </a:r>
-            <a:br>
-              <a:rPr lang="sk-SK" sz="1000" dirty="0">
-                <a:solidFill>
-                  <a:srgbClr val="000000"/>
-                </a:solidFill>
-                <a:latin typeface="Adobe Clean Light" panose="020B0303020404020204" pitchFamily="34" charset="0"/>
-              </a:rPr>
-            </a:br>
-            <a:r>
-              <a:rPr lang="fr-FR" sz="1000" dirty="0">
-                <a:solidFill>
-                  <a:srgbClr val="000000"/>
-                </a:solidFill>
-                <a:latin typeface="Adobe Clean Light" panose="020B0303020404020204" pitchFamily="34" charset="0"/>
-              </a:rPr>
-              <a:t>les participants des problèmes et les aider </a:t>
-            </a:r>
-            <a:br>
-              <a:rPr lang="sk-SK" sz="1000" dirty="0">
-                <a:solidFill>
-                  <a:srgbClr val="000000"/>
-                </a:solidFill>
-                <a:latin typeface="Adobe Clean Light" panose="020B0303020404020204" pitchFamily="34" charset="0"/>
-              </a:rPr>
-            </a:br>
-            <a:r>
-              <a:rPr lang="fr-FR" sz="1000" dirty="0">
-                <a:solidFill>
-                  <a:srgbClr val="000000"/>
-                </a:solidFill>
-                <a:latin typeface="Adobe Clean Light" panose="020B0303020404020204" pitchFamily="34" charset="0"/>
-              </a:rPr>
-              <a:t>à les résoudre. Elles fournissent des conseils </a:t>
-            </a:r>
-            <a:br>
-              <a:rPr lang="sk-SK" sz="1000" dirty="0">
-                <a:solidFill>
-                  <a:srgbClr val="000000"/>
-                </a:solidFill>
-                <a:latin typeface="Adobe Clean Light" panose="020B0303020404020204" pitchFamily="34" charset="0"/>
-              </a:rPr>
-            </a:br>
-            <a:r>
-              <a:rPr lang="fr-FR" sz="1000" dirty="0">
-                <a:solidFill>
-                  <a:srgbClr val="000000"/>
-                </a:solidFill>
-                <a:latin typeface="Adobe Clean Light" panose="020B0303020404020204" pitchFamily="34" charset="0"/>
-              </a:rPr>
-              <a:t>et des astuces pour bien utiliser Adobe </a:t>
+              <a:t> » est une initiative menée par l’équipe du service clientèle d’Adobe. Ces sessions sont conçues pour informer les participants des problèmes et les aider à les résoudre. Elles fournissent des conseils et des astuces pour bien utiliser Adobe </a:t>
             </a:r>
             <a:r>
-              <a:rPr lang="fr-FR" sz="1000" dirty="0" err="1">
+              <a:rPr lang="fr-FR" sz="850" dirty="0" err="1">
                 <a:solidFill>
                   <a:srgbClr val="000000"/>
                 </a:solidFill>
@@ -7956,7 +7913,7 @@
               <a:t>Experience</a:t>
             </a:r>
             <a:r>
-              <a:rPr lang="fr-FR" sz="1000" dirty="0">
+              <a:rPr lang="fr-FR" sz="850" dirty="0">
                 <a:solidFill>
                   <a:srgbClr val="000000"/>
                 </a:solidFill>
@@ -8030,7 +7987,7 @@
         <p:spPr>
           <a:xfrm>
             <a:off x="5376301" y="8618616"/>
-            <a:ext cx="2286000" cy="1113125"/>
+            <a:ext cx="2117484" cy="951543"/>
           </a:xfrm>
           <a:prstGeom prst="rect">
             <a:avLst/>
@@ -8043,7 +8000,7 @@
           <a:lstStyle/>
           <a:p>
             <a:r>
-              <a:rPr lang="fr-FR" sz="1000" dirty="0">
+              <a:rPr lang="fr-FR" sz="850" dirty="0">
                 <a:solidFill>
                   <a:srgbClr val="000000"/>
                 </a:solidFill>
@@ -8052,7 +8009,7 @@
               <a:t>Accès à la demande au portail </a:t>
             </a:r>
             <a:br>
-              <a:rPr lang="fr-FR" sz="1000" dirty="0">
+              <a:rPr lang="fr-FR" sz="850" dirty="0">
                 <a:solidFill>
                   <a:srgbClr val="000000"/>
                 </a:solidFill>
@@ -8060,16 +8017,16 @@
               </a:rPr>
             </a:br>
             <a:r>
-              <a:rPr lang="fr-FR" sz="1000" dirty="0">
+              <a:rPr lang="fr-FR" sz="850" dirty="0">
                 <a:solidFill>
                   <a:srgbClr val="000000"/>
                 </a:solidFill>
                 <a:latin typeface="Adobe Clean Light" panose="020B0303020404020204" pitchFamily="34" charset="0"/>
               </a:rPr>
-              <a:t>d’assistance d’aide automatique en ligne </a:t>
+              <a:t>d’assistance d’aide automatique en ligne pour envoyer des demandes d’assistance, examiner </a:t>
             </a:r>
             <a:br>
-              <a:rPr lang="sk-SK" sz="1000" dirty="0">
+              <a:rPr lang="fr-FR" sz="850" dirty="0">
                 <a:solidFill>
                   <a:srgbClr val="000000"/>
                 </a:solidFill>
@@ -8077,16 +8034,16 @@
               </a:rPr>
             </a:br>
             <a:r>
-              <a:rPr lang="fr-FR" sz="1000" dirty="0">
+              <a:rPr lang="fr-FR" sz="850" dirty="0">
                 <a:solidFill>
                   <a:srgbClr val="000000"/>
                 </a:solidFill>
                 <a:latin typeface="Adobe Clean Light" panose="020B0303020404020204" pitchFamily="34" charset="0"/>
               </a:rPr>
-              <a:t>pour envoyer des demandes d’assistance, </a:t>
+              <a:t>le statut des cas et parcourir d’autres ressources, telles que notre base de connaissances, </a:t>
             </a:r>
             <a:br>
-              <a:rPr lang="sk-SK" sz="1000" dirty="0">
+              <a:rPr lang="fr-FR" sz="850" dirty="0">
                 <a:solidFill>
                   <a:srgbClr val="000000"/>
                 </a:solidFill>
@@ -8094,47 +8051,13 @@
               </a:rPr>
             </a:br>
             <a:r>
-              <a:rPr lang="fr-FR" sz="1000" dirty="0">
+              <a:rPr lang="fr-FR" sz="850" dirty="0">
                 <a:solidFill>
                   <a:srgbClr val="000000"/>
                 </a:solidFill>
                 <a:latin typeface="Adobe Clean Light" panose="020B0303020404020204" pitchFamily="34" charset="0"/>
               </a:rPr>
-              <a:t>examiner le statut des cas et parcourir</a:t>
-            </a:r>
-            <a:br>
-              <a:rPr lang="sk-SK" sz="1000" dirty="0">
-                <a:solidFill>
-                  <a:srgbClr val="000000"/>
-                </a:solidFill>
-                <a:latin typeface="Adobe Clean Light" panose="020B0303020404020204" pitchFamily="34" charset="0"/>
-              </a:rPr>
-            </a:br>
-            <a:r>
-              <a:rPr lang="fr-FR" sz="1000" dirty="0">
-                <a:solidFill>
-                  <a:srgbClr val="000000"/>
-                </a:solidFill>
-                <a:latin typeface="Adobe Clean Light" panose="020B0303020404020204" pitchFamily="34" charset="0"/>
-              </a:rPr>
-              <a:t>d’autres ressources, telles que notre base </a:t>
-            </a:r>
-            <a:br>
-              <a:rPr lang="sk-SK" sz="1000" dirty="0">
-                <a:solidFill>
-                  <a:srgbClr val="000000"/>
-                </a:solidFill>
-                <a:latin typeface="Adobe Clean Light" panose="020B0303020404020204" pitchFamily="34" charset="0"/>
-              </a:rPr>
-            </a:br>
-            <a:r>
-              <a:rPr lang="fr-FR" sz="1000" dirty="0">
-                <a:solidFill>
-                  <a:srgbClr val="000000"/>
-                </a:solidFill>
-                <a:latin typeface="Adobe Clean Light" panose="020B0303020404020204" pitchFamily="34" charset="0"/>
-              </a:rPr>
-              <a:t>de connaissances, les actualités et les alertes, les conseils présentés, etc.</a:t>
+              <a:t>les actualités et les alertes, les conseils présentés, etc.</a:t>
             </a:r>
           </a:p>
         </p:txBody>
@@ -8231,7 +8154,7 @@
         </p:nvSpPr>
         <p:spPr>
           <a:xfrm>
-            <a:off x="789025" y="3499700"/>
+            <a:off x="789025" y="3414400"/>
             <a:ext cx="1336142" cy="285247"/>
           </a:xfrm>
           <a:prstGeom prst="rect">
@@ -8246,7 +8169,7 @@
           <a:lstStyle/>
           <a:p>
             <a:r>
-              <a:rPr lang="fr-FR" sz="1200" b="1">
+              <a:rPr lang="fr-FR" sz="1200" b="1" dirty="0">
                 <a:latin typeface="+mj-lt"/>
               </a:rPr>
               <a:t>Services commerciaux</a:t>
@@ -8269,7 +8192,7 @@
         <p:spPr>
           <a:xfrm>
             <a:off x="370041" y="3875832"/>
-            <a:ext cx="2286000" cy="740780"/>
+            <a:ext cx="2286000" cy="558999"/>
           </a:xfrm>
           <a:prstGeom prst="rect">
             <a:avLst/>
@@ -8290,21 +8213,10 @@
               </a:spcBef>
             </a:pPr>
             <a:r>
-              <a:rPr lang="fr-FR" sz="1000" dirty="0">
+              <a:rPr lang="fr-FR" sz="850">
                 <a:latin typeface="Adobe Clean Light" panose="020B0303020404020204" pitchFamily="34" charset="0"/>
               </a:rPr>
-              <a:t>Une assistance de compte principale hébergera des webinaires présentant </a:t>
-            </a:r>
-            <a:br>
-              <a:rPr lang="sk-SK" sz="1000" dirty="0">
-                <a:latin typeface="Adobe Clean Light" panose="020B0303020404020204" pitchFamily="34" charset="0"/>
-              </a:rPr>
-            </a:br>
-            <a:r>
-              <a:rPr lang="fr-FR" sz="1000" dirty="0">
-                <a:latin typeface="Adobe Clean Light" panose="020B0303020404020204" pitchFamily="34" charset="0"/>
-              </a:rPr>
-              <a:t>un aperçu des services d’assistance commerciale.  </a:t>
+              <a:t>Une assistance de compte principale hébergera des webinaires présentant un aperçu des services d’assistance commerciale.  </a:t>
             </a:r>
           </a:p>
         </p:txBody>
@@ -8323,7 +8235,7 @@
         </p:nvSpPr>
         <p:spPr>
           <a:xfrm rot="5400000" flipH="1">
-            <a:off x="3863341" y="506167"/>
+            <a:off x="3863341" y="302967"/>
             <a:ext cx="45719" cy="5577840"/>
           </a:xfrm>
           <a:custGeom>
@@ -9036,7 +8948,7 @@
         <p:spPr>
           <a:xfrm>
             <a:off x="6754821" y="9283729"/>
-            <a:ext cx="930275" cy="662305"/>
+            <a:ext cx="1017579" cy="662305"/>
           </a:xfrm>
           <a:prstGeom prst="rect">
             <a:avLst/>
@@ -9057,7 +8969,7 @@
               </a:spcBef>
             </a:pPr>
             <a:r>
-              <a:rPr lang="fr-FR" sz="800">
+              <a:rPr lang="fr-FR" sz="800" dirty="0">
                 <a:solidFill>
                   <a:srgbClr val="777879"/>
                 </a:solidFill>
@@ -9074,7 +8986,7 @@
               </a:lnSpc>
             </a:pPr>
             <a:r>
-              <a:rPr lang="fr-FR" sz="800">
+              <a:rPr lang="fr-FR" sz="800" dirty="0">
                 <a:solidFill>
                   <a:srgbClr val="777879"/>
                 </a:solidFill>
@@ -9091,7 +9003,7 @@
               </a:lnSpc>
             </a:pPr>
             <a:r>
-              <a:rPr lang="fr-FR" sz="800">
+              <a:rPr lang="fr-FR" sz="800" dirty="0">
                 <a:solidFill>
                   <a:srgbClr val="777879"/>
                 </a:solidFill>
@@ -9111,7 +9023,7 @@
               </a:spcBef>
             </a:pPr>
             <a:r>
-              <a:rPr lang="fr-FR" sz="800">
+              <a:rPr lang="fr-FR" sz="800" dirty="0">
                 <a:solidFill>
                   <a:srgbClr val="777879"/>
                 </a:solidFill>
@@ -9131,7 +9043,7 @@
               </a:spcBef>
             </a:pPr>
             <a:r>
-              <a:rPr lang="fr-FR" sz="800" u="sng">
+              <a:rPr lang="fr-FR" sz="800" u="sng" dirty="0">
                 <a:solidFill>
                   <a:srgbClr val="5F5F5F"/>
                 </a:solidFill>
@@ -9306,7 +9218,7 @@
           </a:prstGeom>
         </p:spPr>
         <p:txBody>
-          <a:bodyPr vert="horz" wrap="square" lIns="0" tIns="29845" rIns="0" bIns="0" rtlCol="0">
+          <a:bodyPr vert="horz" wrap="square" lIns="0" tIns="29845" rIns="0" bIns="0" rtlCol="0" anchor="t">
             <a:spAutoFit/>
           </a:bodyPr>
           <a:lstStyle/>
@@ -9327,7 +9239,26 @@
                 <a:latin typeface="AdobeClean-LightIt"/>
                 <a:cs typeface="AdobeClean-LightIt"/>
               </a:rPr>
-              <a:t>Pour en apprendre plus sur les offres de l’assistance Adobe et sur le niveau qui vous convient, contactez votre gestionnaire de compte nommé (NAM) ou votre gestionnaire de réussite client (CSM)</a:t>
+              <a:t>Pour en apprendre plus sur les offres de l’assistance Adobe et sur le niveau qui vous convient, </a:t>
+            </a:r>
+            <a:br>
+              <a:rPr lang="fr-FR" sz="1100" i="1" dirty="0">
+                <a:solidFill>
+                  <a:srgbClr val="777879"/>
+                </a:solidFill>
+                <a:latin typeface="AdobeClean-LightIt"/>
+                <a:cs typeface="AdobeClean-LightIt"/>
+              </a:rPr>
+            </a:br>
+            <a:r>
+              <a:rPr lang="fr-FR" sz="1100" i="1" dirty="0">
+                <a:solidFill>
+                  <a:srgbClr val="777879"/>
+                </a:solidFill>
+                <a:latin typeface="AdobeClean-LightIt"/>
+                <a:cs typeface="AdobeClean-LightIt"/>
+              </a:rPr>
+              <a:t>contactez votre gestionnaire de compte nommé (NAM) ou votre gestionnaire de réussite client (CSM).</a:t>
             </a:r>
           </a:p>
           <a:p>
@@ -9406,8 +9337,8 @@
         </p:nvSpPr>
         <p:spPr>
           <a:xfrm>
-            <a:off x="197232" y="5063020"/>
-            <a:ext cx="7029067" cy="755976"/>
+            <a:off x="197232" y="5031270"/>
+            <a:ext cx="7140827" cy="755976"/>
           </a:xfrm>
           <a:prstGeom prst="rect">
             <a:avLst/>
@@ -9468,7 +9399,7 @@
           <p:nvPr>
             <p:extLst>
               <p:ext uri="{D42A27DB-BD31-4B8C-83A1-F6EECF244321}">
-                <p14:modId xmlns:p14="http://schemas.microsoft.com/office/powerpoint/2010/main" val="2969235217"/>
+                <p14:modId xmlns:p14="http://schemas.microsoft.com/office/powerpoint/2010/main" val="500150918"/>
               </p:ext>
             </p:extLst>
           </p:nvPr>
@@ -9592,7 +9523,24 @@
                           </a:solidFill>
                           <a:latin typeface="Adobe Clean"/>
                         </a:rPr>
-                        <a:t>Europe, Moyen-Orient et Afrique</a:t>
+                        <a:t>Europe, Moyen-Orient </a:t>
+                      </a:r>
+                      <a:br>
+                        <a:rPr lang="fr-FR" sz="1100">
+                          <a:solidFill>
+                            <a:schemeClr val="tx1"/>
+                          </a:solidFill>
+                          <a:latin typeface="Adobe Clean"/>
+                        </a:rPr>
+                      </a:br>
+                      <a:r>
+                        <a:rPr lang="fr-FR" sz="1100">
+                          <a:solidFill>
+                            <a:schemeClr val="tx1"/>
+                          </a:solidFill>
+                          <a:latin typeface="Adobe Clean"/>
+                        </a:rPr>
+                        <a:t>et Afrique</a:t>
                       </a:r>
                     </a:p>
                   </a:txBody>
@@ -10078,7 +10026,7 @@
                         <a:buNone/>
                       </a:pPr>
                       <a:r>
-                        <a:rPr lang="fr-FR" sz="1100" b="1" i="0" u="none" strike="noStrike" cap="none" normalizeH="0" baseline="30000" noProof="0">
+                        <a:rPr lang="fr-FR" sz="1100" b="1" i="0" u="none" strike="noStrike" cap="none" normalizeH="0" baseline="30000" noProof="0" dirty="0">
                           <a:ln>
                             <a:noFill/>
                           </a:ln>
@@ -10091,7 +10039,7 @@
                         <a:t> </a:t>
                       </a:r>
                       <a:r>
-                        <a:rPr lang="fr-FR" sz="1100">
+                        <a:rPr lang="fr-FR" sz="1100" dirty="0">
                           <a:solidFill>
                             <a:schemeClr val="tx1"/>
                           </a:solidFill>
@@ -10119,7 +10067,7 @@
                         <a:buNone/>
                       </a:pPr>
                       <a:r>
-                        <a:rPr lang="fr-FR" sz="1100" i="1">
+                        <a:rPr lang="fr-FR" sz="1100" i="1" dirty="0">
                           <a:solidFill>
                             <a:schemeClr val="tx1"/>
                           </a:solidFill>
@@ -10130,7 +10078,7 @@
                     </a:p>
                     <a:p>
                       <a:pPr algn="l" rtl="0"/>
-                      <a:endParaRPr kumimoji="0" lang="en-US" sz="1100" b="1" i="0" u="none" strike="noStrike" kern="0" cap="none" spc="0" normalizeH="0" baseline="30000" noProof="0">
+                      <a:endParaRPr kumimoji="0" lang="en-US" sz="1100" b="1" i="0" u="none" strike="noStrike" kern="0" cap="none" spc="0" normalizeH="0" baseline="30000" noProof="0" dirty="0">
                         <a:ln>
                           <a:noFill/>
                         </a:ln>
@@ -10148,7 +10096,7 @@
                     <a:p>
                       <a:pPr algn="ctr"/>
                       <a:r>
-                        <a:rPr lang="fr-FR" sz="1100" i="0">
+                        <a:rPr lang="fr-FR" sz="1100" i="0" dirty="0">
                           <a:solidFill>
                             <a:schemeClr val="tx1"/>
                           </a:solidFill>
@@ -10157,7 +10105,7 @@
                         <a:t> </a:t>
                       </a:r>
                       <a:r>
-                        <a:rPr lang="fr-FR" sz="1100" i="0" baseline="30000">
+                        <a:rPr lang="fr-FR" sz="1100" i="0" baseline="30000" dirty="0">
                           <a:solidFill>
                             <a:schemeClr val="tx1"/>
                           </a:solidFill>
@@ -10166,7 +10114,7 @@
                         <a:t>1 </a:t>
                       </a:r>
                       <a:r>
-                        <a:rPr lang="fr-FR" sz="1100" i="0">
+                        <a:rPr lang="fr-FR" sz="1100" i="0" dirty="0">
                           <a:solidFill>
                             <a:schemeClr val="tx1"/>
                           </a:solidFill>
@@ -10515,8 +10463,8 @@
         </p:nvSpPr>
         <p:spPr>
           <a:xfrm>
-            <a:off x="2726571" y="8528519"/>
-            <a:ext cx="1045329" cy="385445"/>
+            <a:off x="2606437" y="8528519"/>
+            <a:ext cx="1279764" cy="385445"/>
           </a:xfrm>
           <a:prstGeom prst="rect">
             <a:avLst/>
@@ -10563,7 +10511,7 @@
         </p:nvSpPr>
         <p:spPr>
           <a:xfrm>
-            <a:off x="4668995" y="8541244"/>
+            <a:off x="4732495" y="8541244"/>
             <a:ext cx="810895" cy="382797"/>
           </a:xfrm>
           <a:prstGeom prst="rect">
@@ -10611,8 +10559,8 @@
         </p:nvSpPr>
         <p:spPr>
           <a:xfrm>
-            <a:off x="6497118" y="8543943"/>
-            <a:ext cx="760931" cy="382797"/>
+            <a:off x="6389684" y="8543943"/>
+            <a:ext cx="979410" cy="382797"/>
           </a:xfrm>
           <a:prstGeom prst="rect">
             <a:avLst/>
@@ -10660,14 +10608,14 @@
           <p:nvPr>
             <p:extLst>
               <p:ext uri="{D42A27DB-BD31-4B8C-83A1-F6EECF244321}">
-                <p14:modId xmlns:p14="http://schemas.microsoft.com/office/powerpoint/2010/main" val="3940831295"/>
+                <p14:modId xmlns:p14="http://schemas.microsoft.com/office/powerpoint/2010/main" val="2184595641"/>
               </p:ext>
             </p:extLst>
           </p:nvPr>
         </p:nvGraphicFramePr>
         <p:xfrm>
           <a:off x="194236" y="1059345"/>
-          <a:ext cx="7368291" cy="4089400"/>
+          <a:ext cx="7368291" cy="3606800"/>
         </p:xfrm>
         <a:graphic>
           <a:graphicData uri="http://schemas.openxmlformats.org/drawingml/2006/table">
@@ -10676,14 +10624,14 @@
                 <a:tableStyleId>{5C22544A-7EE6-4342-B048-85BDC9FD1C3A}</a:tableStyleId>
               </a:tblPr>
               <a:tblGrid>
-                <a:gridCol w="3691964">
+                <a:gridCol w="3230954">
                   <a:extLst>
                     <a:ext uri="{9D8B030D-6E8A-4147-A177-3AD203B41FA5}">
                       <a16:colId xmlns:a16="http://schemas.microsoft.com/office/drawing/2014/main" val="2364693614"/>
                     </a:ext>
                   </a:extLst>
                 </a:gridCol>
-                <a:gridCol w="3676327">
+                <a:gridCol w="4137337">
                   <a:extLst>
                     <a:ext uri="{9D8B030D-6E8A-4147-A177-3AD203B41FA5}">
                       <a16:colId xmlns:a16="http://schemas.microsoft.com/office/drawing/2014/main" val="1545335406"/>
@@ -10702,7 +10650,7 @@
                           <a:solidFill>
                             <a:schemeClr val="tx1"/>
                           </a:solidFill>
-                          <a:latin typeface="Adobe Clean" panose="020B0503020404020204" pitchFamily="34" charset="0"/>
+                          <a:latin typeface="Adobe Clean"/>
                           <a:ea typeface="+mn-ea"/>
                           <a:cs typeface="+mn-cs"/>
                           <a:hlinkClick r:id="rId7"/>
@@ -10764,7 +10712,7 @@
                     <a:bodyPr/>
                     <a:lstStyle/>
                     <a:p>
-                      <a:pPr marL="0" marR="0" lvl="0" indent="0" defTabSz="914400" eaLnBrk="1" fontAlgn="auto" latinLnBrk="0" hangingPunct="1">
+                      <a:pPr marL="0" marR="0" lvl="0" indent="0" eaLnBrk="1" fontAlgn="auto" latinLnBrk="0" hangingPunct="1">
                         <a:lnSpc>
                           <a:spcPct val="100000"/>
                         </a:lnSpc>
@@ -10778,114 +10726,17 @@
                         <a:buSzTx/>
                         <a:buFontTx/>
                         <a:buNone/>
-                        <a:tabLst/>
-                        <a:defRPr/>
                       </a:pPr>
                       <a:r>
-                        <a:rPr lang="fr-FR" sz="1000" b="0" spc="-20" baseline="0" dirty="0" err="1">
+                        <a:rPr lang="fr-FR" sz="1000" b="0">
                           <a:solidFill>
                             <a:srgbClr val="000000"/>
                           </a:solidFill>
-                          <a:latin typeface="Adobe Clean Light" panose="020B0303020404020204" pitchFamily="34" charset="0"/>
+                          <a:latin typeface="Adobe Clean Light"/>
                           <a:ea typeface="+mn-ea"/>
                           <a:cs typeface="+mn-cs"/>
                         </a:rPr>
-                        <a:t>Experience</a:t>
-                      </a:r>
-                      <a:r>
-                        <a:rPr lang="fr-FR" sz="1000" b="0" spc="-20" baseline="0" dirty="0">
-                          <a:solidFill>
-                            <a:srgbClr val="000000"/>
-                          </a:solidFill>
-                          <a:latin typeface="Adobe Clean Light" panose="020B0303020404020204" pitchFamily="34" charset="0"/>
-                          <a:ea typeface="+mn-ea"/>
-                          <a:cs typeface="+mn-cs"/>
-                        </a:rPr>
-                        <a:t> League est la manière dont Adobe aide les entreprises </a:t>
-                      </a:r>
-                      <a:br>
-                        <a:rPr lang="sk-SK" sz="1000" b="0" spc="-20" baseline="0" dirty="0">
-                          <a:solidFill>
-                            <a:srgbClr val="000000"/>
-                          </a:solidFill>
-                          <a:latin typeface="Adobe Clean Light" panose="020B0303020404020204" pitchFamily="34" charset="0"/>
-                          <a:ea typeface="+mn-ea"/>
-                          <a:cs typeface="+mn-cs"/>
-                        </a:rPr>
-                      </a:br>
-                      <a:r>
-                        <a:rPr lang="fr-FR" sz="1000" b="0" spc="-20" baseline="0" dirty="0">
-                          <a:solidFill>
-                            <a:srgbClr val="000000"/>
-                          </a:solidFill>
-                          <a:latin typeface="Adobe Clean Light" panose="020B0303020404020204" pitchFamily="34" charset="0"/>
-                          <a:ea typeface="+mn-ea"/>
-                          <a:cs typeface="+mn-cs"/>
-                        </a:rPr>
-                        <a:t>à atteindre la valeur qu’elles attendent de leur investissement dans Adobe. </a:t>
-                      </a:r>
-                      <a:br>
-                        <a:rPr lang="sk-SK" sz="1000" b="0" spc="-20" baseline="0" dirty="0">
-                          <a:solidFill>
-                            <a:srgbClr val="000000"/>
-                          </a:solidFill>
-                          <a:latin typeface="Adobe Clean Light" panose="020B0303020404020204" pitchFamily="34" charset="0"/>
-                          <a:ea typeface="+mn-ea"/>
-                          <a:cs typeface="+mn-cs"/>
-                        </a:rPr>
-                      </a:br>
-                      <a:r>
-                        <a:rPr lang="fr-FR" sz="1000" b="0" spc="-20" baseline="0" dirty="0">
-                          <a:solidFill>
-                            <a:srgbClr val="000000"/>
-                          </a:solidFill>
-                          <a:latin typeface="Adobe Clean Light" panose="020B0303020404020204" pitchFamily="34" charset="0"/>
-                          <a:ea typeface="+mn-ea"/>
-                          <a:cs typeface="+mn-cs"/>
-                        </a:rPr>
-                        <a:t>Il s’agit de l’endroit commun où les clients peuvent apprendre, se mettre en relation les uns avec les autres et grandir le long d’un chemin personnalisé vers le succès. Il comprend des tutoriels automatiques, </a:t>
-                      </a:r>
-                      <a:br>
-                        <a:rPr lang="sk-SK" sz="1000" b="0" spc="-20" baseline="0" dirty="0">
-                          <a:solidFill>
-                            <a:srgbClr val="000000"/>
-                          </a:solidFill>
-                          <a:latin typeface="Adobe Clean Light" panose="020B0303020404020204" pitchFamily="34" charset="0"/>
-                          <a:ea typeface="+mn-ea"/>
-                          <a:cs typeface="+mn-cs"/>
-                        </a:rPr>
-                      </a:br>
-                      <a:r>
-                        <a:rPr lang="fr-FR" sz="1000" b="0" spc="-20" baseline="0" dirty="0">
-                          <a:solidFill>
-                            <a:srgbClr val="000000"/>
-                          </a:solidFill>
-                          <a:latin typeface="Adobe Clean Light" panose="020B0303020404020204" pitchFamily="34" charset="0"/>
-                          <a:ea typeface="+mn-ea"/>
-                          <a:cs typeface="+mn-cs"/>
-                        </a:rPr>
-                        <a:t>de la documentation sur les produits, une formation dispensée par </a:t>
-                      </a:r>
-                      <a:br>
-                        <a:rPr lang="sk-SK" sz="1000" b="0" spc="-20" baseline="0" dirty="0">
-                          <a:solidFill>
-                            <a:srgbClr val="000000"/>
-                          </a:solidFill>
-                          <a:latin typeface="Adobe Clean Light" panose="020B0303020404020204" pitchFamily="34" charset="0"/>
-                          <a:ea typeface="+mn-ea"/>
-                          <a:cs typeface="+mn-cs"/>
-                        </a:rPr>
-                      </a:br>
-                      <a:r>
-                        <a:rPr lang="fr-FR" sz="1000" b="0" spc="-20" baseline="0" dirty="0">
-                          <a:solidFill>
-                            <a:srgbClr val="000000"/>
-                          </a:solidFill>
-                          <a:latin typeface="Adobe Clean Light" panose="020B0303020404020204" pitchFamily="34" charset="0"/>
-                          <a:ea typeface="+mn-ea"/>
-                          <a:cs typeface="+mn-cs"/>
-                        </a:rPr>
-                        <a:t>un instructeur, une communauté et une assistance technique. </a:t>
+                        <a:t>Experience League est la manière dont Adobe aide les entreprises à atteindre la valeur qu’elles attendent de leur investissement dans Adobe. Il s’agit de l’endroit commun où les clients peuvent apprendre, se mettre en relation les uns avec les autres et grandir le long d’un chemin personnalisé vers le succès. Il comprend des tutoriels automatiques, de la documentation sur les produits, une formation dispensée par un instructeur, une communauté et une assistance technique. </a:t>
                       </a:r>
                     </a:p>
                   </a:txBody>
@@ -10971,7 +10822,7 @@
                           <a:solidFill>
                             <a:schemeClr val="dk1"/>
                           </a:solidFill>
-                          <a:latin typeface="Adobe Clean" panose="020B0503020404020204" pitchFamily="34" charset="0"/>
+                          <a:latin typeface="Adobe Clean"/>
                           <a:ea typeface="+mn-ea"/>
                           <a:cs typeface="+mn-cs"/>
                           <a:hlinkClick r:id="rId8"/>
@@ -10983,7 +10834,7 @@
                           <a:solidFill>
                             <a:schemeClr val="dk1"/>
                           </a:solidFill>
-                          <a:latin typeface="Adobe Clean" panose="020B0503020404020204" pitchFamily="34" charset="0"/>
+                          <a:latin typeface="Adobe Clean"/>
                           <a:ea typeface="+mn-ea"/>
                           <a:cs typeface="+mn-cs"/>
                         </a:rPr>
@@ -11062,79 +10913,15 @@
                         <a:defRPr/>
                       </a:pPr>
                       <a:r>
-                        <a:rPr lang="fr-FR" sz="1000" dirty="0">
+                        <a:rPr lang="fr-FR" sz="1000">
                           <a:solidFill>
                             <a:srgbClr val="000000"/>
                           </a:solidFill>
-                          <a:latin typeface="Adobe Clean Light" panose="020B0303020404020204" pitchFamily="34" charset="0"/>
+                          <a:latin typeface="Adobe Clean Light"/>
                           <a:ea typeface="+mn-ea"/>
                           <a:cs typeface="+mn-cs"/>
                         </a:rPr>
-                        <a:t>Les cours sur les services de formation numérique d’Adobe sont accessibles depuis </a:t>
-                      </a:r>
-                      <a:r>
-                        <a:rPr lang="fr-FR" sz="1000" dirty="0" err="1">
-                          <a:solidFill>
-                            <a:srgbClr val="000000"/>
-                          </a:solidFill>
-                          <a:latin typeface="Adobe Clean Light" panose="020B0303020404020204" pitchFamily="34" charset="0"/>
-                          <a:ea typeface="+mn-ea"/>
-                          <a:cs typeface="+mn-cs"/>
-                        </a:rPr>
-                        <a:t>Experience</a:t>
-                      </a:r>
-                      <a:r>
-                        <a:rPr lang="fr-FR" sz="1000" dirty="0">
-                          <a:solidFill>
-                            <a:srgbClr val="000000"/>
-                          </a:solidFill>
-                          <a:latin typeface="Adobe Clean Light" panose="020B0303020404020204" pitchFamily="34" charset="0"/>
-                          <a:ea typeface="+mn-ea"/>
-                          <a:cs typeface="+mn-cs"/>
-                        </a:rPr>
-                        <a:t> League. Les cours de formation regroupent des cours à la demande et des cours dispensés par </a:t>
-                      </a:r>
-                      <a:br>
-                        <a:rPr lang="sk-SK" sz="1000" dirty="0">
-                          <a:solidFill>
-                            <a:srgbClr val="000000"/>
-                          </a:solidFill>
-                          <a:latin typeface="Adobe Clean Light" panose="020B0303020404020204" pitchFamily="34" charset="0"/>
-                          <a:ea typeface="+mn-ea"/>
-                          <a:cs typeface="+mn-cs"/>
-                        </a:rPr>
-                      </a:br>
-                      <a:r>
-                        <a:rPr lang="fr-FR" sz="1000" dirty="0">
-                          <a:solidFill>
-                            <a:srgbClr val="000000"/>
-                          </a:solidFill>
-                          <a:latin typeface="Adobe Clean Light" panose="020B0303020404020204" pitchFamily="34" charset="0"/>
-                          <a:ea typeface="+mn-ea"/>
-                          <a:cs typeface="+mn-cs"/>
-                        </a:rPr>
-                        <a:t>un instructeur.  Grâce à ces cours, vous pouvez acquérir des compétences qui présentent une valeur marchande reconnue </a:t>
-                      </a:r>
-                      <a:br>
-                        <a:rPr lang="sk-SK" sz="1000" dirty="0">
-                          <a:solidFill>
-                            <a:srgbClr val="000000"/>
-                          </a:solidFill>
-                          <a:latin typeface="Adobe Clean Light" panose="020B0303020404020204" pitchFamily="34" charset="0"/>
-                          <a:ea typeface="+mn-ea"/>
-                          <a:cs typeface="+mn-cs"/>
-                        </a:rPr>
-                      </a:br>
-                      <a:r>
-                        <a:rPr lang="fr-FR" sz="1000" dirty="0">
-                          <a:solidFill>
-                            <a:srgbClr val="000000"/>
-                          </a:solidFill>
-                          <a:latin typeface="Adobe Clean Light" panose="020B0303020404020204" pitchFamily="34" charset="0"/>
-                          <a:ea typeface="+mn-ea"/>
-                          <a:cs typeface="+mn-cs"/>
-                        </a:rPr>
-                        <a:t>et les disposer de manière à stimuler le succès de vos entreprises.</a:t>
+                        <a:t>Les cours sur les services de formation numérique d’Adobe sont accessibles depuis Experience League. Les cours de formation regroupent des cours à la demande et des cours dispensés par un instructeur.  Grâce à ces cours, vous pouvez acquérir des compétences qui présentent une valeur marchande reconnue et les disposer de manière à stimuler le succès de vos entreprises.</a:t>
                       </a:r>
                     </a:p>
                   </a:txBody>
@@ -11220,7 +11007,7 @@
                           <a:solidFill>
                             <a:schemeClr val="tx1"/>
                           </a:solidFill>
-                          <a:latin typeface="Adobe Clean" panose="020B0503020404020204" pitchFamily="34" charset="0"/>
+                          <a:latin typeface="Adobe Clean"/>
                           <a:ea typeface="+mn-ea"/>
                           <a:cs typeface="+mn-cs"/>
                           <a:hlinkClick r:id="rId9"/>
@@ -11282,7 +11069,7 @@
                     <a:bodyPr/>
                     <a:lstStyle/>
                     <a:p>
-                      <a:pPr marL="0" marR="0" lvl="0" indent="0" defTabSz="914400" eaLnBrk="1" fontAlgn="auto" latinLnBrk="0" hangingPunct="1">
+                      <a:pPr marL="0" marR="0" lvl="0" indent="0" eaLnBrk="1" fontAlgn="auto" latinLnBrk="0" hangingPunct="1">
                         <a:lnSpc>
                           <a:spcPct val="100000"/>
                         </a:lnSpc>
@@ -11296,61 +11083,17 @@
                         <a:buSzTx/>
                         <a:buFontTx/>
                         <a:buNone/>
-                        <a:tabLst/>
-                        <a:defRPr/>
                       </a:pPr>
                       <a:r>
-                        <a:rPr lang="fr-FR" sz="1000" dirty="0">
+                        <a:rPr lang="fr-FR" sz="1000">
                           <a:solidFill>
                             <a:srgbClr val="000000"/>
                           </a:solidFill>
-                          <a:latin typeface="Adobe Clean Light" panose="020B0303020404020204" pitchFamily="34" charset="0"/>
+                          <a:latin typeface="Adobe Clean Light"/>
                           <a:ea typeface="+mn-ea"/>
                           <a:cs typeface="+mn-cs"/>
                         </a:rPr>
-                        <a:t>Status.adobe.com transmet les informations d’intégrité de tous les produits et services d’Adobe déployés dans des environnements multi-entité. Les clients peuvent choisir leurs préférences d’abonnement afin de recevoir des notifications par e-mail chaque fois qu’Adobe crée, </a:t>
-                      </a:r>
-                      <a:br>
-                        <a:rPr lang="sk-SK" sz="1000" dirty="0">
-                          <a:solidFill>
-                            <a:srgbClr val="000000"/>
-                          </a:solidFill>
-                          <a:latin typeface="Adobe Clean Light" panose="020B0303020404020204" pitchFamily="34" charset="0"/>
-                          <a:ea typeface="+mn-ea"/>
-                          <a:cs typeface="+mn-cs"/>
-                        </a:rPr>
-                      </a:br>
-                      <a:r>
-                        <a:rPr lang="fr-FR" sz="1000" dirty="0">
-                          <a:solidFill>
-                            <a:srgbClr val="000000"/>
-                          </a:solidFill>
-                          <a:latin typeface="Adobe Clean Light" panose="020B0303020404020204" pitchFamily="34" charset="0"/>
-                          <a:ea typeface="+mn-ea"/>
-                          <a:cs typeface="+mn-cs"/>
-                        </a:rPr>
-                        <a:t>met à jour ou résout un événement de produit. Cet événement </a:t>
-                      </a:r>
-                      <a:br>
-                        <a:rPr lang="sk-SK" sz="1000" dirty="0">
-                          <a:solidFill>
-                            <a:srgbClr val="000000"/>
-                          </a:solidFill>
-                          <a:latin typeface="Adobe Clean Light" panose="020B0303020404020204" pitchFamily="34" charset="0"/>
-                          <a:ea typeface="+mn-ea"/>
-                          <a:cs typeface="+mn-cs"/>
-                        </a:rPr>
-                      </a:br>
-                      <a:r>
-                        <a:rPr lang="fr-FR" sz="1000" dirty="0">
-                          <a:solidFill>
-                            <a:srgbClr val="000000"/>
-                          </a:solidFill>
-                          <a:latin typeface="Adobe Clean Light" panose="020B0303020404020204" pitchFamily="34" charset="0"/>
-                          <a:ea typeface="+mn-ea"/>
-                          <a:cs typeface="+mn-cs"/>
-                        </a:rPr>
-                        <a:t>peut inclure des problèmes de maintenance planifiée ou de service présentant différents niveaux de gravité. </a:t>
+                        <a:t>Status.adobe.com transmet les informations d’intégrité de tous les produits et services d’Adobe déployés dans des environnements multi-entité. Les clients peuvent choisir leurs préférences d’abonnement afin de recevoir des notifications par e-mail chaque fois qu’Adobe crée, met à jour ou résout un événement de produit. Cet événement peut inclure des problèmes de maintenance planifiée ou de service présentant différents niveaux de gravité. </a:t>
                       </a:r>
                     </a:p>
                   </a:txBody>
@@ -11436,7 +11179,7 @@
                           <a:solidFill>
                             <a:schemeClr val="dk1"/>
                           </a:solidFill>
-                          <a:latin typeface="Adobe Clean" panose="020B0503020404020204" pitchFamily="34" charset="0"/>
+                          <a:latin typeface="Adobe Clean"/>
                           <a:ea typeface="+mn-ea"/>
                           <a:cs typeface="+mn-cs"/>
                           <a:hlinkClick r:id="rId10" tooltip="https://helpx.adobe.com/fr/support/programs/enterprise-support-programs/premier-support-business.html"/>
@@ -11503,11 +11246,11 @@
                           <a:solidFill>
                             <a:srgbClr val="000000"/>
                           </a:solidFill>
-                          <a:latin typeface="Adobe Clean Light" panose="020B0303020404020204" pitchFamily="34" charset="0"/>
+                          <a:latin typeface="Adobe Clean Light"/>
                           <a:ea typeface="+mn-ea"/>
                           <a:cs typeface="+mn-cs"/>
                         </a:rPr>
-                        <a:t>Site Web d’assistance commerciale d’Adobe</a:t>
+                        <a:t>Site Web d’assistance commerciale d’Adobe.</a:t>
                       </a:r>
                     </a:p>
                   </a:txBody>
@@ -11593,7 +11336,7 @@
                           <a:solidFill>
                             <a:schemeClr val="tx1"/>
                           </a:solidFill>
-                          <a:latin typeface="Adobe Clean" panose="020B0503020404020204" pitchFamily="34" charset="0"/>
+                          <a:latin typeface="Adobe Clean"/>
                           <a:ea typeface="+mn-ea"/>
                           <a:cs typeface="+mn-cs"/>
                           <a:hlinkClick r:id="rId11"/>
@@ -11660,32 +11403,11 @@
                           <a:solidFill>
                             <a:srgbClr val="000000"/>
                           </a:solidFill>
-                          <a:latin typeface="Adobe Clean Light" panose="020B0303020404020204" pitchFamily="34" charset="0"/>
+                          <a:latin typeface="Adobe Clean Light"/>
                           <a:ea typeface="+mn-ea"/>
                           <a:cs typeface="+mn-cs"/>
                         </a:rPr>
-                        <a:t>Il s’agit des termes et conditions détaillant</a:t>
-                      </a:r>
-                      <a:br>
-                        <a:rPr lang="sk-SK" sz="1000" dirty="0">
-                          <a:solidFill>
-                            <a:srgbClr val="000000"/>
-                          </a:solidFill>
-                          <a:latin typeface="Adobe Clean Light" panose="020B0303020404020204" pitchFamily="34" charset="0"/>
-                          <a:ea typeface="+mn-ea"/>
-                          <a:cs typeface="+mn-cs"/>
-                        </a:rPr>
-                      </a:br>
-                      <a:r>
-                        <a:rPr lang="fr-FR" sz="1000" dirty="0">
-                          <a:solidFill>
-                            <a:srgbClr val="000000"/>
-                          </a:solidFill>
-                          <a:latin typeface="Adobe Clean Light" panose="020B0303020404020204" pitchFamily="34" charset="0"/>
-                          <a:ea typeface="+mn-ea"/>
-                          <a:cs typeface="+mn-cs"/>
-                        </a:rPr>
-                        <a:t>les offres des services d’assistance</a:t>
+                        <a:t>Il s’agit des termes et conditions détaillant les offres des services d’assistance.</a:t>
                       </a:r>
                     </a:p>
                   </a:txBody>
@@ -12456,18 +12178,18 @@
 </file>
 
 <file path=customXml/item1.xml><?xml version="1.0" encoding="utf-8"?>
+<p:properties xmlns:p="http://schemas.microsoft.com/office/2006/metadata/properties" xmlns:xsi="http://www.w3.org/2001/XMLSchema-instance" xmlns:pc="http://schemas.microsoft.com/office/infopath/2007/PartnerControls">
+  <documentManagement/>
+</p:properties>
+</file>
+
+<file path=customXml/item2.xml><?xml version="1.0" encoding="utf-8"?>
 <?mso-contentType ?>
 <FormTemplates xmlns="http://schemas.microsoft.com/sharepoint/v3/contenttype/forms">
   <Display>DocumentLibraryForm</Display>
   <Edit>DocumentLibraryForm</Edit>
   <New>DocumentLibraryForm</New>
 </FormTemplates>
-</file>
-
-<file path=customXml/item2.xml><?xml version="1.0" encoding="utf-8"?>
-<p:properties xmlns:p="http://schemas.microsoft.com/office/2006/metadata/properties" xmlns:xsi="http://www.w3.org/2001/XMLSchema-instance" xmlns:pc="http://schemas.microsoft.com/office/infopath/2007/PartnerControls">
-  <documentManagement/>
-</p:properties>
 </file>
 
 <file path=customXml/item3.xml><?xml version="1.0" encoding="utf-8"?>
@@ -12676,18 +12398,26 @@
 </file>
 
 <file path=customXml/itemProps1.xml><?xml version="1.0" encoding="utf-8"?>
-<ds:datastoreItem xmlns:ds="http://schemas.openxmlformats.org/officeDocument/2006/customXml" ds:itemID="{95AE3B0B-E909-400C-B0B3-909FB50E07DE}">
+<ds:datastoreItem xmlns:ds="http://schemas.openxmlformats.org/officeDocument/2006/customXml" ds:itemID="{10FC3CAF-E6F1-40E3-87D4-6B781C97D6B4}">
   <ds:schemaRefs>
-    <ds:schemaRef ds:uri="http://schemas.microsoft.com/sharepoint/v3/contenttype/forms"/>
+    <ds:schemaRef ds:uri="6c8368ec-3776-49b5-a5bb-90648cf9530f"/>
+    <ds:schemaRef ds:uri="8a053bff-88be-49e4-9a87-e748e18b8b62"/>
+    <ds:schemaRef ds:uri="http://purl.org/dc/dcmitype/"/>
+    <ds:schemaRef ds:uri="http://purl.org/dc/elements/1.1/"/>
+    <ds:schemaRef ds:uri="http://purl.org/dc/terms/"/>
+    <ds:schemaRef ds:uri="http://schemas.microsoft.com/office/2006/documentManagement/types"/>
+    <ds:schemaRef ds:uri="http://schemas.microsoft.com/office/2006/metadata/properties"/>
+    <ds:schemaRef ds:uri="http://schemas.microsoft.com/office/infopath/2007/PartnerControls"/>
+    <ds:schemaRef ds:uri="http://schemas.openxmlformats.org/package/2006/metadata/core-properties"/>
+    <ds:schemaRef ds:uri="http://www.w3.org/XML/1998/namespace"/>
   </ds:schemaRefs>
 </ds:datastoreItem>
 </file>
 
 <file path=customXml/itemProps2.xml><?xml version="1.0" encoding="utf-8"?>
-<ds:datastoreItem xmlns:ds="http://schemas.openxmlformats.org/officeDocument/2006/customXml" ds:itemID="{10FC3CAF-E6F1-40E3-87D4-6B781C97D6B4}">
+<ds:datastoreItem xmlns:ds="http://schemas.openxmlformats.org/officeDocument/2006/customXml" ds:itemID="{95AE3B0B-E909-400C-B0B3-909FB50E07DE}">
   <ds:schemaRefs>
-    <ds:schemaRef ds:uri="http://schemas.microsoft.com/office/2006/metadata/properties"/>
-    <ds:schemaRef ds:uri="http://schemas.microsoft.com/office/infopath/2007/PartnerControls"/>
+    <ds:schemaRef ds:uri="http://schemas.microsoft.com/sharepoint/v3/contenttype/forms"/>
   </ds:schemaRefs>
 </ds:datastoreItem>
 </file>

--- a/help/data-sheets/assets/BusinessSupportDatasheet.pptx
+++ b/help/data-sheets/assets/BusinessSupportDatasheet.pptx
@@ -499,7 +499,7 @@
           <a:p>
             <a:fld id="{FB81873C-0B24-F04A-98A1-90E0A78F7E8A}" type="datetimeFigureOut">
               <a:rPr lang="en-US" smtClean="0"/>
-              <a:t>12-Nov-21</a:t>
+              <a:t>12/7/21</a:t>
             </a:fld>
             <a:endParaRPr lang="en-US"/>
           </a:p>
@@ -1122,7 +1122,7 @@
           <a:p>
             <a:fld id="{1D8BD707-D9CF-40AE-B4C6-C98DA3205C09}" type="datetimeFigureOut">
               <a:rPr lang="en-US"/>
-              <a:t>12-Nov-21</a:t>
+              <a:t>12/7/21</a:t>
             </a:fld>
             <a:endParaRPr lang="en-US"/>
           </a:p>
@@ -1314,7 +1314,7 @@
           <a:p>
             <a:fld id="{1D8BD707-D9CF-40AE-B4C6-C98DA3205C09}" type="datetimeFigureOut">
               <a:rPr lang="en-US"/>
-              <a:t>12-Nov-21</a:t>
+              <a:t>12/7/21</a:t>
             </a:fld>
             <a:endParaRPr lang="en-US"/>
           </a:p>
@@ -1632,7 +1632,7 @@
           <a:p>
             <a:fld id="{1D8BD707-D9CF-40AE-B4C6-C98DA3205C09}" type="datetimeFigureOut">
               <a:rPr lang="en-US"/>
-              <a:t>12-Nov-21</a:t>
+              <a:t>12/7/21</a:t>
             </a:fld>
             <a:endParaRPr lang="en-US"/>
           </a:p>
@@ -1886,8 +1886,8 @@
         </p:nvSpPr>
         <p:spPr>
           <a:xfrm>
-            <a:off x="168564" y="6742823"/>
-            <a:ext cx="5222585" cy="227626"/>
+            <a:off x="168565" y="7162363"/>
+            <a:ext cx="2800350" cy="238760"/>
           </a:xfrm>
           <a:prstGeom prst="rect">
             <a:avLst/>
@@ -1908,7 +1908,7 @@
               </a:spcBef>
             </a:pPr>
             <a:r>
-              <a:rPr lang="fr-FR" sz="1400" b="1" u="heavy" dirty="0">
+              <a:rPr sz="1400" b="1" u="heavy" spc="10">
                 <a:solidFill>
                   <a:srgbClr val="020302"/>
                 </a:solidFill>
@@ -1920,8 +1920,87 @@
                 <a:latin typeface="Adobe Clean"/>
                 <a:cs typeface="Adobe Clean"/>
               </a:rPr>
-              <a:t>Cibles du niveau de service : Réponse initiale</a:t>
-            </a:r>
+              <a:t>Service </a:t>
+            </a:r>
+            <a:r>
+              <a:rPr sz="1400" b="1" u="heavy" spc="-10">
+                <a:solidFill>
+                  <a:srgbClr val="020302"/>
+                </a:solidFill>
+                <a:uFill>
+                  <a:solidFill>
+                    <a:srgbClr val="020302"/>
+                  </a:solidFill>
+                </a:uFill>
+                <a:latin typeface="Adobe Clean"/>
+                <a:cs typeface="Adobe Clean"/>
+              </a:rPr>
+              <a:t>Level </a:t>
+            </a:r>
+            <a:r>
+              <a:rPr sz="1400" b="1" u="heavy" spc="-45">
+                <a:solidFill>
+                  <a:srgbClr val="020302"/>
+                </a:solidFill>
+                <a:uFill>
+                  <a:solidFill>
+                    <a:srgbClr val="020302"/>
+                  </a:solidFill>
+                </a:uFill>
+                <a:latin typeface="Adobe Clean"/>
+                <a:cs typeface="Adobe Clean"/>
+              </a:rPr>
+              <a:t>Targets: </a:t>
+            </a:r>
+            <a:r>
+              <a:rPr sz="1400" b="1" u="heavy" spc="-10">
+                <a:solidFill>
+                  <a:srgbClr val="020302"/>
+                </a:solidFill>
+                <a:uFill>
+                  <a:solidFill>
+                    <a:srgbClr val="020302"/>
+                  </a:solidFill>
+                </a:uFill>
+                <a:latin typeface="Adobe Clean"/>
+                <a:cs typeface="Adobe Clean"/>
+              </a:rPr>
+              <a:t>Initial</a:t>
+            </a:r>
+            <a:r>
+              <a:rPr sz="1400" b="1" u="heavy" spc="-140">
+                <a:solidFill>
+                  <a:srgbClr val="020302"/>
+                </a:solidFill>
+                <a:uFill>
+                  <a:solidFill>
+                    <a:srgbClr val="020302"/>
+                  </a:solidFill>
+                </a:uFill>
+                <a:latin typeface="Adobe Clean"/>
+                <a:cs typeface="Adobe Clean"/>
+              </a:rPr>
+              <a:t> </a:t>
+            </a:r>
+            <a:r>
+              <a:rPr sz="1400" b="1" u="heavy" spc="-15">
+                <a:solidFill>
+                  <a:srgbClr val="020302"/>
+                </a:solidFill>
+                <a:uFill>
+                  <a:solidFill>
+                    <a:srgbClr val="020302"/>
+                  </a:solidFill>
+                </a:uFill>
+                <a:latin typeface="Adobe Clean"/>
+                <a:cs typeface="Adobe Clean"/>
+              </a:rPr>
+              <a:t>Response</a:t>
+            </a:r>
+            <a:endParaRPr sz="1400">
+              <a:latin typeface="Adobe Clean"/>
+              <a:cs typeface="Adobe Clean"/>
+            </a:endParaRPr>
           </a:p>
         </p:txBody>
       </p:sp>
@@ -1988,11 +2067,20 @@
               </a:spcBef>
             </a:pPr>
             <a:r>
-              <a:rPr lang="fr-FR" sz="2300">
+              <a:rPr sz="2300">
                 <a:latin typeface="Adobe Clean"/>
               </a:rPr>
-              <a:t>PLANS D’ASSISTANCE ADOBE</a:t>
-            </a:r>
+              <a:t>ADOBE </a:t>
+            </a:r>
+            <a:r>
+              <a:rPr lang="en-US" sz="2300">
+                <a:latin typeface="Adobe Clean"/>
+              </a:rPr>
+              <a:t>SUPPORT PLANS</a:t>
+            </a:r>
+            <a:endParaRPr sz="2300">
+              <a:latin typeface="Adobe Clean" panose="020B0503020404020204" pitchFamily="34" charset="0"/>
+            </a:endParaRPr>
           </a:p>
         </p:txBody>
       </p:sp>
@@ -2005,7 +2093,7 @@
         <p:spPr>
           <a:xfrm>
             <a:off x="121147" y="531160"/>
-            <a:ext cx="5865216" cy="1421223"/>
+            <a:ext cx="5865216" cy="1269065"/>
           </a:xfrm>
           <a:prstGeom prst="rect">
             <a:avLst/>
@@ -2026,31 +2114,31 @@
               </a:spcBef>
             </a:pPr>
             <a:r>
-              <a:rPr lang="fr-FR" sz="800" dirty="0">
+              <a:rPr lang="en-US" sz="900">
                 <a:solidFill>
                   <a:schemeClr val="bg1"/>
                 </a:solidFill>
                 <a:latin typeface="Adobe Clean Light" panose="020B0303020404020204" pitchFamily="34" charset="0"/>
               </a:rPr>
-              <a:t>En ligne | </a:t>
-            </a:r>
-            <a:r>
-              <a:rPr lang="fr-FR" sz="800" b="1" dirty="0">
+              <a:t>Online | </a:t>
+            </a:r>
+            <a:r>
+              <a:rPr lang="en-US" sz="900" b="1">
                 <a:solidFill>
                   <a:schemeClr val="bg1"/>
                 </a:solidFill>
                 <a:latin typeface="Adobe Clean" panose="020B0503020404020204" pitchFamily="34" charset="0"/>
               </a:rPr>
-              <a:t>Commerciale</a:t>
-            </a:r>
-            <a:r>
-              <a:rPr lang="fr-FR" sz="800" dirty="0">
+              <a:t>Business</a:t>
+            </a:r>
+            <a:r>
+              <a:rPr lang="en-US" sz="900">
                 <a:solidFill>
                   <a:schemeClr val="bg1"/>
                 </a:solidFill>
                 <a:latin typeface="Adobe Clean Light" panose="020B0303020404020204" pitchFamily="34" charset="0"/>
               </a:rPr>
-              <a:t> | Entreprise | Elite</a:t>
+              <a:t> | Enterprise | Elite</a:t>
             </a:r>
           </a:p>
           <a:p>
@@ -2063,101 +2151,21 @@
               </a:spcBef>
             </a:pPr>
             <a:r>
-              <a:rPr lang="fr-FR" sz="800" dirty="0">
+              <a:rPr lang="en-US" sz="900">
                 <a:solidFill>
                   <a:schemeClr val="bg1"/>
                 </a:solidFill>
                 <a:latin typeface="Adobe Clean SemiLight" panose="020B0403020404020204" pitchFamily="34" charset="0"/>
               </a:rPr>
-              <a:t>Adobe offre une gamme complète de ressources techniques afin d’appuyer votre entreprise. Elles sont comprises dans votre abonnement </a:t>
-            </a:r>
-            <a:br>
-              <a:rPr lang="fr-FR" sz="800" dirty="0">
-                <a:solidFill>
-                  <a:schemeClr val="bg1"/>
-                </a:solidFill>
-                <a:latin typeface="Adobe Clean SemiLight" panose="020B0403020404020204" pitchFamily="34" charset="0"/>
-              </a:rPr>
-            </a:br>
-            <a:r>
-              <a:rPr lang="fr-FR" sz="800" dirty="0">
-                <a:solidFill>
-                  <a:schemeClr val="bg1"/>
-                </a:solidFill>
-                <a:latin typeface="Adobe Clean SemiLight" panose="020B0403020404020204" pitchFamily="34" charset="0"/>
-              </a:rPr>
-              <a:t>à la licence </a:t>
-            </a:r>
-            <a:r>
-              <a:rPr lang="fr-FR" sz="800" dirty="0" err="1">
-                <a:solidFill>
-                  <a:schemeClr val="bg1"/>
-                </a:solidFill>
-                <a:latin typeface="Adobe Clean SemiLight" panose="020B0403020404020204" pitchFamily="34" charset="0"/>
-              </a:rPr>
-              <a:t>Experience</a:t>
-            </a:r>
-            <a:r>
-              <a:rPr lang="fr-FR" sz="800" dirty="0">
-                <a:solidFill>
-                  <a:schemeClr val="bg1"/>
-                </a:solidFill>
-                <a:latin typeface="Adobe Clean SemiLight" panose="020B0403020404020204" pitchFamily="34" charset="0"/>
-              </a:rPr>
-              <a:t> Cloud et sont améliorées dans le pack d’assistance COMMERCIALE. L’assistance COMMERCIALE comprend un accès </a:t>
-            </a:r>
-            <a:br>
-              <a:rPr lang="fr-FR" sz="800" dirty="0">
-                <a:solidFill>
-                  <a:schemeClr val="bg1"/>
-                </a:solidFill>
-                <a:latin typeface="Adobe Clean SemiLight" panose="020B0403020404020204" pitchFamily="34" charset="0"/>
-              </a:rPr>
-            </a:br>
-            <a:r>
-              <a:rPr lang="fr-FR" sz="800" dirty="0">
-                <a:solidFill>
-                  <a:schemeClr val="bg1"/>
-                </a:solidFill>
-                <a:latin typeface="Adobe Clean SemiLight" panose="020B0403020404020204" pitchFamily="34" charset="0"/>
-              </a:rPr>
-              <a:t>à des parcours de formation personnalisés et à des forums communautaires surveillés au travers d’</a:t>
-            </a:r>
-            <a:r>
-              <a:rPr lang="fr-FR" sz="800" dirty="0" err="1">
-                <a:solidFill>
-                  <a:schemeClr val="bg1"/>
-                </a:solidFill>
-                <a:latin typeface="Adobe Clean SemiLight" panose="020B0403020404020204" pitchFamily="34" charset="0"/>
-              </a:rPr>
-              <a:t>Experience</a:t>
-            </a:r>
-            <a:r>
-              <a:rPr lang="fr-FR" sz="800" dirty="0">
-                <a:solidFill>
-                  <a:schemeClr val="bg1"/>
-                </a:solidFill>
-                <a:latin typeface="Adobe Clean SemiLight" panose="020B0403020404020204" pitchFamily="34" charset="0"/>
-              </a:rPr>
-              <a:t> League d’Adobe. Vous pouvez également tirer profit de notre documentation technique détaillée et approfondie sur les produits, ainsi que de nos notes de mise à jour actuelles. Les clients de COMMERCIALE bénéficient également d’un accès à nos équipes d’assistance technique pour toute requête concernant un produit. Cette requête peut être effectuée par téléphone ou via le portail web de l’assistance et permet de protéger votre entreprise aux moments les plus critiques. Les clients de COMMERCIALE recevront régulièrement des informations et des mises à jour de la part de leur assistance principale </a:t>
-            </a:r>
-            <a:br>
-              <a:rPr lang="fr-FR" sz="800" dirty="0">
-                <a:solidFill>
-                  <a:schemeClr val="bg1"/>
-                </a:solidFill>
-                <a:latin typeface="Adobe Clean SemiLight" panose="020B0403020404020204" pitchFamily="34" charset="0"/>
-              </a:rPr>
-            </a:br>
-            <a:r>
-              <a:rPr lang="fr-FR" sz="800" dirty="0">
-                <a:solidFill>
-                  <a:schemeClr val="bg1"/>
-                </a:solidFill>
-                <a:latin typeface="Adobe Clean SemiLight" panose="020B0403020404020204" pitchFamily="34" charset="0"/>
-              </a:rPr>
-              <a:t>du compte en plus d’une aide de gestion des remontées de cas en ce qui concerne les requêtes d’assistance les plus critiques. </a:t>
-            </a:r>
+              <a:t>Adobe provides a comprehensive range of technical resources to help support your business, included as part of your Experience Cloud license subscription and enhanced in the BUSINESS support package. BUSINESS support includes access to personalized learning paths and monitored community forums via the Adobe Experience League. You can also take advantage of our detailed and in-depth technical product documentation and current release notes. BUSINESS customers also benefit from access to our technical support teams for any product query via either the telephone or the support web portal, to help protect your business at the most critical times. BUSINESS customers will receive regular communications and updates from their Account Support Lead in addition to support case escalation management for your most critical of support requests. </a:t>
+            </a:r>
+            <a:endParaRPr lang="en-US" sz="900">
+              <a:solidFill>
+                <a:schemeClr val="bg1"/>
+              </a:solidFill>
+              <a:latin typeface="Adobe Clean Light" panose="020B0303020404020204" pitchFamily="34" charset="0"/>
+              <a:cs typeface="AdobeClean-Light"/>
+            </a:endParaRPr>
           </a:p>
         </p:txBody>
       </p:sp>
@@ -2202,8 +2210,8 @@
         </p:nvSpPr>
         <p:spPr>
           <a:xfrm>
-            <a:off x="4881563" y="9862966"/>
-            <a:ext cx="2890836" cy="132729"/>
+            <a:off x="5307201" y="9862966"/>
+            <a:ext cx="2465198" cy="132729"/>
           </a:xfrm>
           <a:prstGeom prst="rect">
             <a:avLst/>
@@ -2224,24 +2232,24 @@
               </a:spcBef>
             </a:pPr>
             <a:r>
-              <a:rPr lang="fr-FR" dirty="0"/>
-              <a:t>©2021 Adobe. All </a:t>
-            </a:r>
-            <a:r>
-              <a:rPr lang="fr-FR" dirty="0" err="1"/>
-              <a:t>Rights</a:t>
-            </a:r>
-            <a:r>
-              <a:rPr lang="fr-FR" dirty="0"/>
+              <a:rPr spc="-5"/>
+              <a:t>©202</a:t>
+            </a:r>
+            <a:r>
+              <a:rPr lang="en-US" spc="-5"/>
+              <a:t>1</a:t>
+            </a:r>
+            <a:r>
+              <a:rPr spc="-5"/>
+              <a:t> Adobe. All Rights Reserved. Adobe</a:t>
+            </a:r>
+            <a:r>
+              <a:rPr spc="60"/>
               <a:t> </a:t>
             </a:r>
             <a:r>
-              <a:rPr lang="fr-FR" dirty="0" err="1"/>
-              <a:t>Reserved</a:t>
-            </a:r>
-            <a:r>
-              <a:rPr lang="fr-FR" dirty="0"/>
-              <a:t>. Données confidentielles Adobe</a:t>
+              <a:rPr spc="-5"/>
+              <a:t>Confidential.</a:t>
             </a:r>
           </a:p>
         </p:txBody>
@@ -2255,14 +2263,14 @@
           <p:nvPr>
             <p:extLst>
               <p:ext uri="{D42A27DB-BD31-4B8C-83A1-F6EECF244321}">
-                <p14:modId xmlns:p14="http://schemas.microsoft.com/office/powerpoint/2010/main" val="7517955"/>
+                <p14:modId xmlns:p14="http://schemas.microsoft.com/office/powerpoint/2010/main" val="852543156"/>
               </p:ext>
             </p:extLst>
           </p:nvPr>
         </p:nvGraphicFramePr>
         <p:xfrm>
-          <a:off x="118872" y="7056445"/>
-          <a:ext cx="7498851" cy="2440625"/>
+          <a:off x="118872" y="7475985"/>
+          <a:ext cx="7498851" cy="2223598"/>
         </p:xfrm>
         <a:graphic>
           <a:graphicData uri="http://schemas.openxmlformats.org/drawingml/2006/table">
@@ -2308,15 +2316,19 @@
                         </a:spcBef>
                       </a:pPr>
                       <a:r>
-                        <a:rPr lang="fr-FR" sz="900">
+                        <a:rPr sz="900" spc="0">
                           <a:solidFill>
                             <a:srgbClr val="020302"/>
                           </a:solidFill>
                           <a:latin typeface="Adobe Clean"/>
                           <a:cs typeface="Adobe Clean"/>
                         </a:rPr>
-                        <a:t>Priorité</a:t>
+                        <a:t>Priority</a:t>
                       </a:r>
+                      <a:endParaRPr sz="900" spc="0">
+                        <a:latin typeface="Adobe Clean"/>
+                        <a:cs typeface="Adobe Clean"/>
+                      </a:endParaRPr>
                     </a:p>
                   </a:txBody>
                   <a:tcPr marL="0" marR="0" marT="7620" marB="0">
@@ -2354,7 +2366,7 @@
                     <a:bodyPr/>
                     <a:lstStyle/>
                     <a:p>
-                      <a:pPr marL="0" indent="0" algn="ctr">
+                      <a:pPr marL="135255" algn="ctr">
                         <a:lnSpc>
                           <a:spcPct val="100000"/>
                         </a:lnSpc>
@@ -2363,15 +2375,19 @@
                         </a:spcBef>
                       </a:pPr>
                       <a:r>
-                        <a:rPr lang="fr-FR" sz="900" dirty="0">
+                        <a:rPr sz="900" spc="0">
                           <a:solidFill>
                             <a:srgbClr val="020302"/>
                           </a:solidFill>
                           <a:latin typeface="Adobe Clean"/>
                           <a:cs typeface="Adobe Clean"/>
                         </a:rPr>
-                        <a:t>Assistance en ligne</a:t>
+                        <a:t>Online Support</a:t>
                       </a:r>
+                      <a:endParaRPr sz="900" spc="0">
+                        <a:latin typeface="Adobe Clean"/>
+                        <a:cs typeface="Adobe Clean"/>
+                      </a:endParaRPr>
                     </a:p>
                   </a:txBody>
                   <a:tcPr marL="182880" marT="91440" anchor="ctr">
@@ -2409,7 +2425,7 @@
                     <a:bodyPr/>
                     <a:lstStyle/>
                     <a:p>
-                      <a:pPr marL="0" indent="0">
+                      <a:pPr marL="92710">
                         <a:lnSpc>
                           <a:spcPct val="100000"/>
                         </a:lnSpc>
@@ -2418,15 +2434,39 @@
                         </a:spcBef>
                       </a:pPr>
                       <a:r>
-                        <a:rPr lang="fr-FR" sz="900" dirty="0">
+                        <a:rPr sz="900" spc="0">
                           <a:solidFill>
                             <a:srgbClr val="FFFFFF"/>
                           </a:solidFill>
                           <a:latin typeface="Adobe Clean"/>
                           <a:cs typeface="Adobe Clean"/>
                         </a:rPr>
-                        <a:t>Assistance commerciale</a:t>
+                        <a:t>Business</a:t>
                       </a:r>
+                      <a:r>
+                        <a:rPr lang="en-US" sz="900" spc="0">
+                          <a:solidFill>
+                            <a:srgbClr val="FFFFFF"/>
+                          </a:solidFill>
+                          <a:latin typeface="Adobe Clean"/>
+                          <a:cs typeface="Adobe Clean"/>
+                        </a:rPr>
+                        <a:t> </a:t>
+                      </a:r>
+                      <a:r>
+                        <a:rPr sz="900" spc="0">
+                          <a:solidFill>
+                            <a:srgbClr val="FFFFFF"/>
+                          </a:solidFill>
+                          <a:latin typeface="Adobe Clean"/>
+                          <a:cs typeface="Adobe Clean"/>
+                        </a:rPr>
+                        <a:t>Support</a:t>
+                      </a:r>
+                      <a:endParaRPr sz="900" spc="0">
+                        <a:latin typeface="Adobe Clean"/>
+                        <a:cs typeface="Adobe Clean"/>
+                      </a:endParaRPr>
                     </a:p>
                   </a:txBody>
                   <a:tcPr marL="182880" marT="91440" anchor="ctr">
@@ -2465,7 +2505,7 @@
                   </a:ext>
                 </a:extLst>
               </a:tr>
-              <a:tr h="662832">
+              <a:tr h="514672">
                 <a:tc>
                   <a:txBody>
                     <a:bodyPr/>
@@ -2480,15 +2520,19 @@
                         </a:spcBef>
                       </a:pPr>
                       <a:r>
-                        <a:rPr lang="fr-FR" sz="900" b="1" dirty="0">
+                        <a:rPr sz="900" b="1" spc="0">
                           <a:solidFill>
                             <a:srgbClr val="020302"/>
                           </a:solidFill>
                           <a:latin typeface="Adobe Clean"/>
                           <a:cs typeface="Adobe Clean"/>
                         </a:rPr>
-                        <a:t>PRIORITÉ 1</a:t>
+                        <a:t>PRIORITY 1</a:t>
                       </a:r>
+                      <a:endParaRPr sz="900" spc="0">
+                        <a:latin typeface="Adobe Clean"/>
+                        <a:cs typeface="Adobe Clean"/>
+                      </a:endParaRPr>
                     </a:p>
                     <a:p>
                       <a:pPr marL="50800" marR="387985" lvl="0" indent="0" algn="l" defTabSz="914400" rtl="0" eaLnBrk="1" fontAlgn="auto" latinLnBrk="0" hangingPunct="1">
@@ -2509,48 +2553,19 @@
                         <a:defRPr/>
                       </a:pPr>
                       <a:r>
-                        <a:rPr lang="fr-FR" sz="900" b="0" i="0" dirty="0">
+                        <a:rPr lang="en-US" sz="900" b="0" i="0" spc="0">
                           <a:solidFill>
                             <a:srgbClr val="000000"/>
                           </a:solidFill>
+                          <a:effectLst/>
                           <a:latin typeface="Adobe Clean Light" panose="020B0303020404020204" pitchFamily="34" charset="0"/>
                         </a:rPr>
-                        <a:t>Les fonctions commerciales de production du client sont en panne ou présentent une perte </a:t>
+                        <a:t>Customer's production business functions are down or have significant data loss or service degradation and immediate attention is required to restore functionality and usability</a:t>
                       </a:r>
-                      <a:br>
-                        <a:rPr lang="fr-FR" sz="900" b="0" i="0" dirty="0">
-                          <a:solidFill>
-                            <a:srgbClr val="000000"/>
-                          </a:solidFill>
-                          <a:latin typeface="Adobe Clean Light" panose="020B0303020404020204" pitchFamily="34" charset="0"/>
-                        </a:rPr>
-                      </a:br>
-                      <a:r>
-                        <a:rPr lang="fr-FR" sz="900" b="0" i="0" dirty="0">
-                          <a:solidFill>
-                            <a:srgbClr val="000000"/>
-                          </a:solidFill>
-                          <a:latin typeface="Adobe Clean Light" panose="020B0303020404020204" pitchFamily="34" charset="0"/>
-                        </a:rPr>
-                        <a:t>de données ou une dégradation importante du service. Une attention immédiate est requise </a:t>
-                      </a:r>
-                      <a:br>
-                        <a:rPr lang="fr-FR" sz="900" b="0" i="0" dirty="0">
-                          <a:solidFill>
-                            <a:srgbClr val="000000"/>
-                          </a:solidFill>
-                          <a:latin typeface="Adobe Clean Light" panose="020B0303020404020204" pitchFamily="34" charset="0"/>
-                        </a:rPr>
-                      </a:br>
-                      <a:r>
-                        <a:rPr lang="fr-FR" sz="900" b="0" i="0" dirty="0">
-                          <a:solidFill>
-                            <a:srgbClr val="000000"/>
-                          </a:solidFill>
-                          <a:latin typeface="Adobe Clean Light" panose="020B0303020404020204" pitchFamily="34" charset="0"/>
-                        </a:rPr>
-                        <a:t>afin de restaurer les fonctionnalités et l’accessibilité</a:t>
-                      </a:r>
+                      <a:endParaRPr lang="en-US" sz="900" b="0" i="0" spc="0">
+                        <a:latin typeface="Adobe Clean Light" panose="020B0303020404020204" pitchFamily="34" charset="0"/>
+                        <a:cs typeface="AdobeClean-Light"/>
+                      </a:endParaRPr>
                     </a:p>
                   </a:txBody>
                   <a:tcPr marL="0" marR="0" marT="3810" marB="0">
@@ -2594,15 +2609,59 @@
                         </a:spcBef>
                       </a:pPr>
                       <a:r>
-                        <a:rPr lang="fr-FR" sz="900">
+                        <a:rPr sz="900" spc="0">
                           <a:solidFill>
                             <a:srgbClr val="020302"/>
                           </a:solidFill>
                           <a:latin typeface="AdobeClean-Light"/>
                           <a:cs typeface="AdobeClean-Light"/>
                         </a:rPr>
-                        <a:t>24x7 / 1 heure</a:t>
+                        <a:t>24x7</a:t>
                       </a:r>
+                      <a:r>
+                        <a:rPr lang="en-US" sz="900" spc="0">
+                          <a:solidFill>
+                            <a:srgbClr val="020302"/>
+                          </a:solidFill>
+                          <a:latin typeface="AdobeClean-Light"/>
+                          <a:cs typeface="AdobeClean-Light"/>
+                        </a:rPr>
+                        <a:t> </a:t>
+                      </a:r>
+                      <a:r>
+                        <a:rPr sz="900" spc="0">
+                          <a:solidFill>
+                            <a:srgbClr val="020302"/>
+                          </a:solidFill>
+                          <a:latin typeface="AdobeClean-Light"/>
+                          <a:cs typeface="AdobeClean-Light"/>
+                        </a:rPr>
+                        <a:t>/</a:t>
+                      </a:r>
+                      <a:r>
+                        <a:rPr lang="en-US" sz="900" spc="0">
+                          <a:solidFill>
+                            <a:srgbClr val="020302"/>
+                          </a:solidFill>
+                          <a:latin typeface="AdobeClean-Light"/>
+                          <a:cs typeface="AdobeClean-Light"/>
+                        </a:rPr>
+                        <a:t> </a:t>
+                      </a:r>
+                      <a:r>
+                        <a:rPr sz="900" spc="0">
+                          <a:solidFill>
+                            <a:srgbClr val="020302"/>
+                          </a:solidFill>
+                          <a:latin typeface="AdobeClean-Light"/>
+                          <a:cs typeface="AdobeClean-Light"/>
+                        </a:rPr>
+                        <a:t>1 hour</a:t>
+                      </a:r>
+                      <a:endParaRPr sz="900" spc="0">
+                        <a:latin typeface="AdobeClean-Light"/>
+                        <a:cs typeface="AdobeClean-Light"/>
+                      </a:endParaRPr>
                     </a:p>
                   </a:txBody>
                   <a:tcPr marL="0" marR="0" marT="91440" marB="91440" anchor="ctr" anchorCtr="1">
@@ -2646,15 +2705,59 @@
                         </a:spcBef>
                       </a:pPr>
                       <a:r>
-                        <a:rPr lang="fr-FR" sz="900">
+                        <a:rPr sz="900" spc="0">
                           <a:solidFill>
                             <a:srgbClr val="020302"/>
                           </a:solidFill>
                           <a:latin typeface="AdobeClean-Light"/>
                           <a:cs typeface="AdobeClean-Light"/>
                         </a:rPr>
-                        <a:t>24x7 / 1 heure</a:t>
+                        <a:t>24x7</a:t>
                       </a:r>
+                      <a:r>
+                        <a:rPr lang="en-US" sz="900" spc="0">
+                          <a:solidFill>
+                            <a:srgbClr val="020302"/>
+                          </a:solidFill>
+                          <a:latin typeface="AdobeClean-Light"/>
+                          <a:cs typeface="AdobeClean-Light"/>
+                        </a:rPr>
+                        <a:t> </a:t>
+                      </a:r>
+                      <a:r>
+                        <a:rPr sz="900" spc="0">
+                          <a:solidFill>
+                            <a:srgbClr val="020302"/>
+                          </a:solidFill>
+                          <a:latin typeface="AdobeClean-Light"/>
+                          <a:cs typeface="AdobeClean-Light"/>
+                        </a:rPr>
+                        <a:t>/</a:t>
+                      </a:r>
+                      <a:r>
+                        <a:rPr lang="en-US" sz="900" spc="0">
+                          <a:solidFill>
+                            <a:srgbClr val="020302"/>
+                          </a:solidFill>
+                          <a:latin typeface="AdobeClean-Light"/>
+                          <a:cs typeface="AdobeClean-Light"/>
+                        </a:rPr>
+                        <a:t> </a:t>
+                      </a:r>
+                      <a:r>
+                        <a:rPr sz="900" spc="0">
+                          <a:solidFill>
+                            <a:srgbClr val="020302"/>
+                          </a:solidFill>
+                          <a:latin typeface="AdobeClean-Light"/>
+                          <a:cs typeface="AdobeClean-Light"/>
+                        </a:rPr>
+                        <a:t>1 hour</a:t>
+                      </a:r>
+                      <a:endParaRPr sz="900" spc="0">
+                        <a:latin typeface="AdobeClean-Light"/>
+                        <a:cs typeface="AdobeClean-Light"/>
+                      </a:endParaRPr>
                     </a:p>
                   </a:txBody>
                   <a:tcPr marL="0" marR="0" marT="91440" marB="91440" anchor="ctr" anchorCtr="1">
@@ -2710,15 +2813,19 @@
                         </a:spcBef>
                       </a:pPr>
                       <a:r>
-                        <a:rPr lang="fr-FR" sz="900" b="1">
+                        <a:rPr sz="900" b="1" spc="0">
                           <a:solidFill>
                             <a:srgbClr val="020302"/>
                           </a:solidFill>
                           <a:latin typeface="Adobe Clean"/>
                           <a:cs typeface="Adobe Clean"/>
                         </a:rPr>
-                        <a:t>PRIORITÉ 2</a:t>
+                        <a:t>PRIORITY 2</a:t>
                       </a:r>
+                      <a:endParaRPr sz="900" spc="0">
+                        <a:latin typeface="Adobe Clean"/>
+                        <a:cs typeface="Adobe Clean"/>
+                      </a:endParaRPr>
                     </a:p>
                     <a:p>
                       <a:pPr marL="50165" marR="203200">
@@ -2730,14 +2837,19 @@
                         </a:spcBef>
                       </a:pPr>
                       <a:r>
-                        <a:rPr lang="fr-FR" sz="900" b="0" i="0">
+                        <a:rPr lang="en-US" sz="900" b="0" i="0" spc="0">
                           <a:solidFill>
                             <a:srgbClr val="000000"/>
                           </a:solidFill>
+                          <a:effectLst/>
                           <a:latin typeface="Adobe Clean Light" panose="020B0303020404020204" pitchFamily="34" charset="0"/>
                         </a:rPr>
-                        <a:t>Les fonctions commerciales du client présentent une dégradation importante du service ou une perte potentielle de données. Il est également possible qu’une fonctionnalité majeure soit affectée </a:t>
+                        <a:t>Customer's business functions have major service degradation or potential data loss, or a major feature is impacted </a:t>
                       </a:r>
+                      <a:endParaRPr lang="en-US" sz="900" b="0" i="0" spc="0">
+                        <a:latin typeface="Adobe Clean Light" panose="020B0303020404020204" pitchFamily="34" charset="0"/>
+                        <a:cs typeface="AdobeClean-Light"/>
+                      </a:endParaRPr>
                     </a:p>
                   </a:txBody>
                   <a:tcPr marL="0" marR="0" marT="3810" marB="0">
@@ -2781,15 +2893,79 @@
                         </a:spcBef>
                       </a:pPr>
                       <a:r>
-                        <a:rPr lang="fr-FR" sz="900">
+                        <a:rPr sz="900" spc="0">
                           <a:solidFill>
                             <a:srgbClr val="020302"/>
                           </a:solidFill>
                           <a:latin typeface="AdobeClean-Light"/>
                           <a:cs typeface="AdobeClean-Light"/>
                         </a:rPr>
-                        <a:t>Heures d’ouverture / 4 heures</a:t>
+                        <a:t>Business</a:t>
                       </a:r>
+                      <a:r>
+                        <a:rPr lang="en-US" sz="900" spc="0">
+                          <a:solidFill>
+                            <a:srgbClr val="020302"/>
+                          </a:solidFill>
+                          <a:latin typeface="AdobeClean-Light"/>
+                          <a:cs typeface="AdobeClean-Light"/>
+                        </a:rPr>
+                        <a:t> </a:t>
+                      </a:r>
+                      <a:r>
+                        <a:rPr sz="900" spc="0">
+                          <a:solidFill>
+                            <a:srgbClr val="020302"/>
+                          </a:solidFill>
+                          <a:latin typeface="AdobeClean-Light"/>
+                          <a:cs typeface="AdobeClean-Light"/>
+                        </a:rPr>
+                        <a:t>hours</a:t>
+                      </a:r>
+                      <a:r>
+                        <a:rPr lang="en-US" sz="900" spc="0">
+                          <a:solidFill>
+                            <a:srgbClr val="020302"/>
+                          </a:solidFill>
+                          <a:latin typeface="AdobeClean-Light"/>
+                          <a:cs typeface="AdobeClean-Light"/>
+                        </a:rPr>
+                        <a:t> </a:t>
+                      </a:r>
+                      <a:r>
+                        <a:rPr sz="900" spc="0">
+                          <a:solidFill>
+                            <a:srgbClr val="020302"/>
+                          </a:solidFill>
+                          <a:latin typeface="AdobeClean-Light"/>
+                          <a:cs typeface="AdobeClean-Light"/>
+                        </a:rPr>
+                        <a:t>/</a:t>
+                      </a:r>
+                      <a:r>
+                        <a:rPr lang="en-US" sz="900" spc="0">
+                          <a:solidFill>
+                            <a:srgbClr val="020302"/>
+                          </a:solidFill>
+                          <a:latin typeface="AdobeClean-Light"/>
+                          <a:cs typeface="AdobeClean-Light"/>
+                        </a:rPr>
+                        <a:t> </a:t>
+                      </a:r>
+                      <a:r>
+                        <a:rPr sz="900" spc="0">
+                          <a:solidFill>
+                            <a:srgbClr val="020302"/>
+                          </a:solidFill>
+                          <a:latin typeface="AdobeClean-Light"/>
+                          <a:cs typeface="AdobeClean-Light"/>
+                        </a:rPr>
+                        <a:t>4 hours</a:t>
+                      </a:r>
+                      <a:endParaRPr sz="900" spc="0">
+                        <a:latin typeface="AdobeClean-Light"/>
+                        <a:cs typeface="AdobeClean-Light"/>
+                      </a:endParaRPr>
                     </a:p>
                   </a:txBody>
                   <a:tcPr marL="0" marR="0" marT="91440" marB="91440" anchor="ctr" anchorCtr="1">
@@ -2833,15 +3009,89 @@
                         </a:spcBef>
                       </a:pPr>
                       <a:r>
-                        <a:rPr lang="fr-FR" sz="900">
+                        <a:rPr lang="en-US" sz="900" spc="0">
                           <a:solidFill>
                             <a:srgbClr val="020302"/>
                           </a:solidFill>
                           <a:latin typeface="AdobeClean-Light"/>
                           <a:cs typeface="AdobeClean-Light"/>
                         </a:rPr>
-                        <a:t>    Heures d’ouverture / 2 heures</a:t>
+                        <a:t>    </a:t>
                       </a:r>
+                      <a:r>
+                        <a:rPr sz="900" spc="0">
+                          <a:solidFill>
+                            <a:srgbClr val="020302"/>
+                          </a:solidFill>
+                          <a:latin typeface="AdobeClean-Light"/>
+                          <a:cs typeface="AdobeClean-Light"/>
+                        </a:rPr>
+                        <a:t>Business</a:t>
+                      </a:r>
+                      <a:r>
+                        <a:rPr lang="en-US" sz="900" spc="0">
+                          <a:solidFill>
+                            <a:srgbClr val="020302"/>
+                          </a:solidFill>
+                          <a:latin typeface="AdobeClean-Light"/>
+                          <a:cs typeface="AdobeClean-Light"/>
+                        </a:rPr>
+                        <a:t> </a:t>
+                      </a:r>
+                      <a:r>
+                        <a:rPr sz="900" spc="0">
+                          <a:solidFill>
+                            <a:srgbClr val="020302"/>
+                          </a:solidFill>
+                          <a:latin typeface="AdobeClean-Light"/>
+                          <a:cs typeface="AdobeClean-Light"/>
+                        </a:rPr>
+                        <a:t>hours</a:t>
+                      </a:r>
+                      <a:r>
+                        <a:rPr lang="en-US" sz="900" spc="0">
+                          <a:solidFill>
+                            <a:srgbClr val="020302"/>
+                          </a:solidFill>
+                          <a:latin typeface="AdobeClean-Light"/>
+                          <a:cs typeface="AdobeClean-Light"/>
+                        </a:rPr>
+                        <a:t> / </a:t>
+                      </a:r>
+                      <a:r>
+                        <a:rPr sz="900" spc="0">
+                          <a:solidFill>
+                            <a:srgbClr val="020302"/>
+                          </a:solidFill>
+                          <a:latin typeface="AdobeClean-Light"/>
+                          <a:cs typeface="AdobeClean-Light"/>
+                        </a:rPr>
+                        <a:t>2</a:t>
+                      </a:r>
+                      <a:r>
+                        <a:rPr lang="en-US" sz="900" spc="0">
+                          <a:solidFill>
+                            <a:srgbClr val="020302"/>
+                          </a:solidFill>
+                          <a:latin typeface="AdobeClean-Light"/>
+                          <a:cs typeface="AdobeClean-Light"/>
+                        </a:rPr>
+                        <a:t> </a:t>
+                      </a:r>
+                      <a:r>
+                        <a:rPr sz="900" spc="0">
+                          <a:solidFill>
+                            <a:srgbClr val="020302"/>
+                          </a:solidFill>
+                          <a:latin typeface="AdobeClean-Light"/>
+                          <a:cs typeface="AdobeClean-Light"/>
+                        </a:rPr>
+                        <a:t>hours</a:t>
+                      </a:r>
+                      <a:endParaRPr sz="900" spc="0">
+                        <a:latin typeface="AdobeClean-Light"/>
+                        <a:cs typeface="AdobeClean-Light"/>
+                      </a:endParaRPr>
                     </a:p>
                   </a:txBody>
                   <a:tcPr marL="0" marR="0" marT="91440" marB="91440" anchor="ctr" anchorCtr="1">
@@ -2897,15 +3147,19 @@
                         </a:spcBef>
                       </a:pPr>
                       <a:r>
-                        <a:rPr lang="fr-FR" sz="900" b="1">
+                        <a:rPr sz="900" b="1" spc="0">
                           <a:solidFill>
                             <a:srgbClr val="020302"/>
                           </a:solidFill>
                           <a:latin typeface="Adobe Clean"/>
                           <a:cs typeface="Adobe Clean"/>
                         </a:rPr>
-                        <a:t>PRIORITÉ 3</a:t>
+                        <a:t>PRIORITY 3</a:t>
                       </a:r>
+                      <a:endParaRPr sz="900" spc="0">
+                        <a:latin typeface="Adobe Clean"/>
+                        <a:cs typeface="Adobe Clean"/>
+                      </a:endParaRPr>
                     </a:p>
                     <a:p>
                       <a:pPr marL="49530" marR="212090" indent="-2540">
@@ -2917,21 +3171,26 @@
                         </a:spcBef>
                       </a:pPr>
                       <a:r>
-                        <a:rPr kumimoji="0" lang="fr-FR" sz="900" b="0" i="0" u="none" strike="noStrike" cap="none" normalizeH="0" baseline="0" noProof="0">
+                        <a:rPr kumimoji="0" lang="en-US" sz="900" b="0" i="0" u="none" strike="noStrike" kern="1200" cap="none" spc="0" normalizeH="0" baseline="0" noProof="0">
                           <a:ln>
                             <a:noFill/>
                           </a:ln>
                           <a:solidFill>
                             <a:srgbClr val="000000"/>
                           </a:solidFill>
+                          <a:effectLst/>
                           <a:uLnTx/>
                           <a:uFillTx/>
                           <a:latin typeface="Adobe Clean Light" panose="020B0303020404020204" pitchFamily="34" charset="0"/>
                           <a:ea typeface="+mn-ea"/>
                           <a:cs typeface="+mn-cs"/>
                         </a:rPr>
-                        <a:t>Les fonctions commerciales du client présentent une dégradation mineure du service, mais il existe une solution/un moyen permettant aux fonctions commerciales de continuer de fonctionner </a:t>
+                        <a:t>Customer's business functions have minor service degradation but there exists a solution/workaround allowing business functions to continue </a:t>
                       </a:r>
+                      <a:endParaRPr lang="en-US" sz="900" b="0" i="0" spc="0">
+                        <a:latin typeface="Adobe Clean Light" panose="020B0303020404020204" pitchFamily="34" charset="0"/>
+                        <a:cs typeface="AdobeClean-Light"/>
+                      </a:endParaRPr>
                     </a:p>
                   </a:txBody>
                   <a:tcPr marL="0" marR="0" marT="3810" marB="0">
@@ -2975,15 +3234,89 @@
                         </a:spcBef>
                       </a:pPr>
                       <a:r>
-                        <a:rPr lang="fr-FR" sz="900">
+                        <a:rPr lang="en-US" sz="900" spc="0">
                           <a:solidFill>
                             <a:srgbClr val="020302"/>
                           </a:solidFill>
                           <a:latin typeface="AdobeClean-Light"/>
                           <a:cs typeface="AdobeClean-Light"/>
                         </a:rPr>
-                        <a:t>   Heures d’ouverture / 6 heures</a:t>
+                        <a:t>   </a:t>
                       </a:r>
+                      <a:r>
+                        <a:rPr sz="900" spc="0">
+                          <a:solidFill>
+                            <a:srgbClr val="020302"/>
+                          </a:solidFill>
+                          <a:latin typeface="AdobeClean-Light"/>
+                          <a:cs typeface="AdobeClean-Light"/>
+                        </a:rPr>
+                        <a:t>Business</a:t>
+                      </a:r>
+                      <a:r>
+                        <a:rPr lang="en-US" sz="900" spc="0">
+                          <a:solidFill>
+                            <a:srgbClr val="020302"/>
+                          </a:solidFill>
+                          <a:latin typeface="AdobeClean-Light"/>
+                          <a:cs typeface="AdobeClean-Light"/>
+                        </a:rPr>
+                        <a:t> </a:t>
+                      </a:r>
+                      <a:r>
+                        <a:rPr sz="900" spc="0">
+                          <a:solidFill>
+                            <a:srgbClr val="020302"/>
+                          </a:solidFill>
+                          <a:latin typeface="AdobeClean-Light"/>
+                          <a:cs typeface="AdobeClean-Light"/>
+                        </a:rPr>
+                        <a:t>hours</a:t>
+                      </a:r>
+                      <a:r>
+                        <a:rPr lang="en-US" sz="900" spc="0">
+                          <a:solidFill>
+                            <a:srgbClr val="020302"/>
+                          </a:solidFill>
+                          <a:latin typeface="AdobeClean-Light"/>
+                          <a:cs typeface="AdobeClean-Light"/>
+                        </a:rPr>
+                        <a:t> / </a:t>
+                      </a:r>
+                      <a:r>
+                        <a:rPr sz="900" spc="0">
+                          <a:solidFill>
+                            <a:srgbClr val="020302"/>
+                          </a:solidFill>
+                          <a:latin typeface="AdobeClean-Light"/>
+                          <a:cs typeface="AdobeClean-Light"/>
+                        </a:rPr>
+                        <a:t>6</a:t>
+                      </a:r>
+                      <a:r>
+                        <a:rPr lang="en-US" sz="900" spc="0">
+                          <a:solidFill>
+                            <a:srgbClr val="020302"/>
+                          </a:solidFill>
+                          <a:latin typeface="AdobeClean-Light"/>
+                          <a:cs typeface="AdobeClean-Light"/>
+                        </a:rPr>
+                        <a:t> </a:t>
+                      </a:r>
+                      <a:r>
+                        <a:rPr sz="900" spc="0">
+                          <a:solidFill>
+                            <a:srgbClr val="020302"/>
+                          </a:solidFill>
+                          <a:latin typeface="AdobeClean-Light"/>
+                          <a:cs typeface="AdobeClean-Light"/>
+                        </a:rPr>
+                        <a:t>hours</a:t>
+                      </a:r>
+                      <a:endParaRPr sz="900" spc="0">
+                        <a:latin typeface="AdobeClean-Light"/>
+                        <a:cs typeface="AdobeClean-Light"/>
+                      </a:endParaRPr>
                     </a:p>
                   </a:txBody>
                   <a:tcPr marL="0" marR="0" marT="91440" marB="91440" anchor="ctr" anchorCtr="1">
@@ -3027,15 +3360,79 @@
                         </a:spcBef>
                       </a:pPr>
                       <a:r>
-                        <a:rPr lang="fr-FR" sz="900">
+                        <a:rPr sz="900" spc="0">
                           <a:solidFill>
                             <a:srgbClr val="020302"/>
                           </a:solidFill>
                           <a:latin typeface="AdobeClean-Light"/>
                           <a:cs typeface="AdobeClean-Light"/>
                         </a:rPr>
-                        <a:t>Heures d’ouverture / 4 heures</a:t>
+                        <a:t>Business</a:t>
                       </a:r>
+                      <a:r>
+                        <a:rPr lang="en-US" sz="900" spc="0">
+                          <a:solidFill>
+                            <a:srgbClr val="020302"/>
+                          </a:solidFill>
+                          <a:latin typeface="AdobeClean-Light"/>
+                          <a:cs typeface="AdobeClean-Light"/>
+                        </a:rPr>
+                        <a:t> </a:t>
+                      </a:r>
+                      <a:r>
+                        <a:rPr sz="900" spc="0">
+                          <a:solidFill>
+                            <a:srgbClr val="020302"/>
+                          </a:solidFill>
+                          <a:latin typeface="AdobeClean-Light"/>
+                          <a:cs typeface="AdobeClean-Light"/>
+                        </a:rPr>
+                        <a:t>hours</a:t>
+                      </a:r>
+                      <a:r>
+                        <a:rPr lang="en-US" sz="900" spc="0">
+                          <a:solidFill>
+                            <a:srgbClr val="020302"/>
+                          </a:solidFill>
+                          <a:latin typeface="AdobeClean-Light"/>
+                          <a:cs typeface="AdobeClean-Light"/>
+                        </a:rPr>
+                        <a:t> </a:t>
+                      </a:r>
+                      <a:r>
+                        <a:rPr sz="900" spc="0">
+                          <a:solidFill>
+                            <a:srgbClr val="020302"/>
+                          </a:solidFill>
+                          <a:latin typeface="AdobeClean-Light"/>
+                          <a:cs typeface="AdobeClean-Light"/>
+                        </a:rPr>
+                        <a:t>/ 4</a:t>
+                      </a:r>
+                      <a:r>
+                        <a:rPr lang="en-US" sz="900" spc="0">
+                          <a:solidFill>
+                            <a:srgbClr val="020302"/>
+                          </a:solidFill>
+                          <a:latin typeface="AdobeClean-Light"/>
+                          <a:cs typeface="AdobeClean-Light"/>
+                        </a:rPr>
+                        <a:t> </a:t>
+                      </a:r>
+                      <a:r>
+                        <a:rPr sz="900" spc="0">
+                          <a:solidFill>
+                            <a:srgbClr val="020302"/>
+                          </a:solidFill>
+                          <a:latin typeface="AdobeClean-Light"/>
+                          <a:cs typeface="AdobeClean-Light"/>
+                        </a:rPr>
+                        <a:t>hours</a:t>
+                      </a:r>
+                      <a:endParaRPr sz="900" spc="0">
+                        <a:latin typeface="AdobeClean-Light"/>
+                        <a:cs typeface="AdobeClean-Light"/>
+                      </a:endParaRPr>
                     </a:p>
                   </a:txBody>
                   <a:tcPr marL="0" marR="0" marT="91440" marB="91440" anchor="ctr" anchorCtr="1">
@@ -3091,15 +3488,19 @@
                         </a:spcBef>
                       </a:pPr>
                       <a:r>
-                        <a:rPr lang="fr-FR" sz="900" b="1">
+                        <a:rPr sz="900" b="1" spc="0">
                           <a:solidFill>
                             <a:srgbClr val="020302"/>
                           </a:solidFill>
                           <a:latin typeface="Adobe Clean"/>
                           <a:cs typeface="Adobe Clean"/>
                         </a:rPr>
-                        <a:t>PRIORITÉ 4</a:t>
+                        <a:t>PRIORITY 4</a:t>
                       </a:r>
+                      <a:endParaRPr sz="900" spc="0">
+                        <a:latin typeface="Adobe Clean"/>
+                        <a:cs typeface="Adobe Clean"/>
+                      </a:endParaRPr>
                     </a:p>
                     <a:p>
                       <a:pPr marL="48895" marR="0" lvl="0" indent="0" defTabSz="914400" eaLnBrk="1" fontAlgn="auto" latinLnBrk="0" hangingPunct="1">
@@ -3120,14 +3521,19 @@
                         <a:defRPr/>
                       </a:pPr>
                       <a:r>
-                        <a:rPr lang="fr-FR" sz="900" b="0" i="0">
+                        <a:rPr lang="en-US" sz="900" b="0" i="0" spc="0">
                           <a:solidFill>
                             <a:srgbClr val="000000"/>
                           </a:solidFill>
+                          <a:effectLst/>
                           <a:latin typeface="Adobe Clean Light" panose="020B0303020404020204" pitchFamily="34" charset="0"/>
                         </a:rPr>
-                        <a:t>Question générale concernant les fonctionnalités actuelles du produit ou une demande d’amélioration</a:t>
+                        <a:t>General question regarding current product functionality or an enhancement request</a:t>
                       </a:r>
+                      <a:endParaRPr lang="en-US" sz="900" b="0" i="0" spc="0">
+                        <a:latin typeface="Adobe Clean Light" panose="020B0303020404020204" pitchFamily="34" charset="0"/>
+                        <a:cs typeface="AdobeClean-Light"/>
+                      </a:endParaRPr>
                     </a:p>
                   </a:txBody>
                   <a:tcPr marL="0" marR="0" marT="1905" marB="0">
@@ -3171,15 +3577,69 @@
                         </a:spcBef>
                       </a:pPr>
                       <a:r>
-                        <a:rPr lang="fr-FR" sz="900">
+                        <a:rPr lang="en-US" sz="900" spc="0">
                           <a:solidFill>
                             <a:srgbClr val="020302"/>
                           </a:solidFill>
                           <a:latin typeface="AdobeClean-Light"/>
                           <a:cs typeface="AdobeClean-Light"/>
                         </a:rPr>
-                        <a:t>  Jours ouvrables / 3 jours</a:t>
+                        <a:t>  </a:t>
                       </a:r>
+                      <a:r>
+                        <a:rPr sz="900" spc="0">
+                          <a:solidFill>
+                            <a:srgbClr val="020302"/>
+                          </a:solidFill>
+                          <a:latin typeface="AdobeClean-Light"/>
+                          <a:cs typeface="AdobeClean-Light"/>
+                        </a:rPr>
+                        <a:t>Business</a:t>
+                      </a:r>
+                      <a:r>
+                        <a:rPr lang="en-US" sz="900" spc="0">
+                          <a:solidFill>
+                            <a:srgbClr val="020302"/>
+                          </a:solidFill>
+                          <a:latin typeface="AdobeClean-Light"/>
+                          <a:cs typeface="AdobeClean-Light"/>
+                        </a:rPr>
+                        <a:t> </a:t>
+                      </a:r>
+                      <a:r>
+                        <a:rPr sz="900" spc="0">
+                          <a:solidFill>
+                            <a:srgbClr val="020302"/>
+                          </a:solidFill>
+                          <a:latin typeface="AdobeClean-Light"/>
+                          <a:cs typeface="AdobeClean-Light"/>
+                        </a:rPr>
+                        <a:t>days</a:t>
+                      </a:r>
+                      <a:r>
+                        <a:rPr lang="en-US" sz="900" spc="0">
+                          <a:solidFill>
+                            <a:srgbClr val="020302"/>
+                          </a:solidFill>
+                          <a:latin typeface="AdobeClean-Light"/>
+                          <a:cs typeface="AdobeClean-Light"/>
+                        </a:rPr>
+                        <a:t> / </a:t>
+                      </a:r>
+                      <a:r>
+                        <a:rPr sz="900" spc="0">
+                          <a:solidFill>
+                            <a:srgbClr val="020302"/>
+                          </a:solidFill>
+                          <a:latin typeface="AdobeClean-Light"/>
+                          <a:cs typeface="AdobeClean-Light"/>
+                        </a:rPr>
+                        <a:t>3 days</a:t>
+                      </a:r>
+                      <a:endParaRPr sz="900" spc="0">
+                        <a:latin typeface="AdobeClean-Light"/>
+                        <a:cs typeface="AdobeClean-Light"/>
+                      </a:endParaRPr>
                     </a:p>
                   </a:txBody>
                   <a:tcPr marL="0" marR="0" marT="91440" marB="91440" anchor="ctr" anchorCtr="1">
@@ -3223,15 +3683,79 @@
                         </a:spcBef>
                       </a:pPr>
                       <a:r>
-                        <a:rPr lang="fr-FR" sz="900" dirty="0">
+                        <a:rPr sz="900" spc="0">
                           <a:solidFill>
                             <a:srgbClr val="020302"/>
                           </a:solidFill>
                           <a:latin typeface="AdobeClean-Light"/>
                           <a:cs typeface="AdobeClean-Light"/>
                         </a:rPr>
-                        <a:t>Jours ouvrables / 1 jour</a:t>
+                        <a:t>Business</a:t>
                       </a:r>
+                      <a:r>
+                        <a:rPr lang="en-US" sz="900" spc="0">
+                          <a:solidFill>
+                            <a:srgbClr val="020302"/>
+                          </a:solidFill>
+                          <a:latin typeface="AdobeClean-Light"/>
+                          <a:cs typeface="AdobeClean-Light"/>
+                        </a:rPr>
+                        <a:t> </a:t>
+                      </a:r>
+                      <a:r>
+                        <a:rPr sz="900" spc="0">
+                          <a:solidFill>
+                            <a:srgbClr val="020302"/>
+                          </a:solidFill>
+                          <a:latin typeface="AdobeClean-Light"/>
+                          <a:cs typeface="AdobeClean-Light"/>
+                        </a:rPr>
+                        <a:t>day</a:t>
+                      </a:r>
+                      <a:r>
+                        <a:rPr lang="en-US" sz="900" spc="0">
+                          <a:solidFill>
+                            <a:srgbClr val="020302"/>
+                          </a:solidFill>
+                          <a:latin typeface="AdobeClean-Light"/>
+                          <a:cs typeface="AdobeClean-Light"/>
+                        </a:rPr>
+                        <a:t>s </a:t>
+                      </a:r>
+                      <a:r>
+                        <a:rPr sz="900" spc="0">
+                          <a:solidFill>
+                            <a:srgbClr val="020302"/>
+                          </a:solidFill>
+                          <a:latin typeface="AdobeClean-Light"/>
+                          <a:cs typeface="AdobeClean-Light"/>
+                        </a:rPr>
+                        <a:t>/</a:t>
+                      </a:r>
+                      <a:r>
+                        <a:rPr lang="en-US" sz="900" spc="0">
+                          <a:solidFill>
+                            <a:srgbClr val="020302"/>
+                          </a:solidFill>
+                          <a:latin typeface="AdobeClean-Light"/>
+                          <a:cs typeface="AdobeClean-Light"/>
+                        </a:rPr>
+                        <a:t> </a:t>
+                      </a:r>
+                      <a:r>
+                        <a:rPr sz="900" spc="0">
+                          <a:solidFill>
+                            <a:srgbClr val="020302"/>
+                          </a:solidFill>
+                          <a:latin typeface="AdobeClean-Light"/>
+                          <a:cs typeface="AdobeClean-Light"/>
+                        </a:rPr>
+                        <a:t>1 day</a:t>
+                      </a:r>
+                      <a:endParaRPr sz="900" spc="0">
+                        <a:latin typeface="AdobeClean-Light"/>
+                        <a:cs typeface="AdobeClean-Light"/>
+                      </a:endParaRPr>
                     </a:p>
                   </a:txBody>
                   <a:tcPr marL="0" marR="0" marT="91440" marB="91440" anchor="ctr" anchorCtr="1">
@@ -3291,14 +3815,14 @@
           <p:nvPr>
             <p:extLst>
               <p:ext uri="{D42A27DB-BD31-4B8C-83A1-F6EECF244321}">
-                <p14:modId xmlns:p14="http://schemas.microsoft.com/office/powerpoint/2010/main" val="789050569"/>
+                <p14:modId xmlns:p14="http://schemas.microsoft.com/office/powerpoint/2010/main" val="116851390"/>
               </p:ext>
             </p:extLst>
           </p:nvPr>
         </p:nvGraphicFramePr>
         <p:xfrm>
           <a:off x="121147" y="2120949"/>
-          <a:ext cx="7498851" cy="4447419"/>
+          <a:ext cx="7498851" cy="4714546"/>
         </p:xfrm>
         <a:graphic>
           <a:graphicData uri="http://schemas.openxmlformats.org/drawingml/2006/table">
@@ -3336,7 +3860,7 @@
                   </a:extLst>
                 </a:gridCol>
               </a:tblGrid>
-              <a:tr h="344282">
+              <a:tr h="241251">
                 <a:tc gridSpan="2">
                   <a:txBody>
                     <a:bodyPr/>
@@ -3380,15 +3904,39 @@
                         <a:defRPr/>
                       </a:pPr>
                       <a:r>
-                        <a:rPr lang="fr-FR" sz="900">
+                        <a:rPr lang="en-US" sz="900" spc="-20">
                           <a:solidFill>
                             <a:srgbClr val="404040"/>
                           </a:solidFill>
                           <a:latin typeface="Adobe Clean"/>
                           <a:cs typeface="Adobe Clean"/>
                         </a:rPr>
-                        <a:t>Assistance en ligne</a:t>
+                        <a:t>Online </a:t>
                       </a:r>
+                      <a:r>
+                        <a:rPr lang="en-US" sz="900" spc="-135">
+                          <a:solidFill>
+                            <a:srgbClr val="404040"/>
+                          </a:solidFill>
+                          <a:latin typeface="Adobe Clean"/>
+                          <a:cs typeface="Adobe Clean"/>
+                        </a:rPr>
+                        <a:t> </a:t>
+                      </a:r>
+                      <a:r>
+                        <a:rPr lang="en-US" sz="900" spc="-20">
+                          <a:solidFill>
+                            <a:srgbClr val="404040"/>
+                          </a:solidFill>
+                          <a:latin typeface="Adobe Clean"/>
+                          <a:cs typeface="Adobe Clean"/>
+                        </a:rPr>
+                        <a:t>Support</a:t>
+                      </a:r>
+                      <a:endParaRPr lang="en-US" sz="900">
+                        <a:latin typeface="Adobe Clean"/>
+                        <a:cs typeface="Adobe Clean"/>
+                      </a:endParaRPr>
                     </a:p>
                   </a:txBody>
                   <a:tcPr marL="0" marR="0" marT="7620" marB="0" anchor="ctr">
@@ -3429,15 +3977,39 @@
                         </a:spcBef>
                       </a:pPr>
                       <a:r>
-                        <a:rPr lang="fr-FR" sz="900">
+                        <a:rPr sz="900" spc="-20">
                           <a:solidFill>
                             <a:srgbClr val="FFFFFF"/>
                           </a:solidFill>
                           <a:latin typeface="Adobe Clean"/>
                           <a:cs typeface="Adobe Clean"/>
                         </a:rPr>
-                        <a:t>Assistance commerciale</a:t>
+                        <a:t>Business</a:t>
                       </a:r>
+                      <a:r>
+                        <a:rPr lang="en-US" sz="900" spc="-20">
+                          <a:solidFill>
+                            <a:srgbClr val="FFFFFF"/>
+                          </a:solidFill>
+                          <a:latin typeface="Adobe Clean"/>
+                          <a:cs typeface="Adobe Clean"/>
+                        </a:rPr>
+                        <a:t> </a:t>
+                      </a:r>
+                      <a:r>
+                        <a:rPr sz="900" spc="-20">
+                          <a:solidFill>
+                            <a:srgbClr val="FFFFFF"/>
+                          </a:solidFill>
+                          <a:latin typeface="Adobe Clean"/>
+                          <a:cs typeface="Adobe Clean"/>
+                        </a:rPr>
+                        <a:t>Support</a:t>
+                      </a:r>
+                      <a:endParaRPr sz="900">
+                        <a:latin typeface="Adobe Clean"/>
+                        <a:cs typeface="Adobe Clean"/>
+                      </a:endParaRPr>
                     </a:p>
                   </a:txBody>
                   <a:tcPr marL="0" marR="0" marT="7620" marB="0" anchor="ctr">
@@ -3476,7 +4048,7 @@
                   </a:ext>
                 </a:extLst>
               </a:tr>
-              <a:tr h="344282">
+              <a:tr h="332691">
                 <a:tc gridSpan="2">
                   <a:txBody>
                     <a:bodyPr/>
@@ -3502,7 +4074,7 @@
                     <a:bodyPr/>
                     <a:lstStyle/>
                     <a:p>
-                      <a:pPr marL="0" marR="0" lvl="0" indent="0" algn="l" defTabSz="914400" rtl="0" eaLnBrk="1" fontAlgn="auto" latinLnBrk="0" hangingPunct="1">
+                      <a:pPr marL="0" marR="0" lvl="0" indent="0" algn="ctr" defTabSz="914400" eaLnBrk="1" fontAlgn="auto" latinLnBrk="0" hangingPunct="1">
                         <a:lnSpc>
                           <a:spcPct val="100000"/>
                         </a:lnSpc>
@@ -3583,13 +4155,13 @@
                         <a:defRPr/>
                       </a:pPr>
                       <a:r>
-                        <a:rPr lang="fr-FR" sz="800" i="1">
+                        <a:rPr lang="en-US" sz="800" i="1">
                           <a:solidFill>
                             <a:schemeClr val="bg1"/>
                           </a:solidFill>
                           <a:latin typeface="Adobe Clean Light" panose="020B0303020404020204" pitchFamily="34" charset="0"/>
                         </a:rPr>
-                        <a:t>Assistance payante ($)</a:t>
+                        <a:t>Paid Support ($)</a:t>
                       </a:r>
                     </a:p>
                   </a:txBody>
@@ -3638,7 +4210,7 @@
                   </a:ext>
                 </a:extLst>
               </a:tr>
-              <a:tr h="209481">
+              <a:tr h="232310">
                 <a:tc rowSpan="3">
                   <a:txBody>
                     <a:bodyPr/>
@@ -3653,15 +4225,22 @@
                         </a:spcBef>
                       </a:pPr>
                       <a:r>
-                        <a:rPr lang="fr-FR" sz="1000" b="1" i="0">
+                        <a:rPr lang="en-US" sz="1000" b="1" i="0" spc="0">
                           <a:solidFill>
                             <a:schemeClr val="bg1"/>
                           </a:solidFill>
                           <a:latin typeface="Adobe Clean" panose="020B0503020404020204" pitchFamily="34" charset="0"/>
                           <a:cs typeface="AdobeClean-Light"/>
                         </a:rPr>
-                        <a:t>Experts assignés</a:t>
+                        <a:t>Assigned Experts</a:t>
                       </a:r>
+                      <a:endParaRPr sz="1000" b="1" i="0" spc="0">
+                        <a:solidFill>
+                          <a:schemeClr val="bg1"/>
+                        </a:solidFill>
+                        <a:latin typeface="Adobe Clean" panose="020B0503020404020204" pitchFamily="34" charset="0"/>
+                        <a:cs typeface="AdobeClean-Light"/>
+                      </a:endParaRPr>
                     </a:p>
                   </a:txBody>
                   <a:tcPr marL="0" marR="0" marT="58419" marB="0" anchor="ctr">
@@ -3708,15 +4287,19 @@
                         </a:spcBef>
                       </a:pPr>
                       <a:r>
-                        <a:rPr lang="fr-FR" sz="900" dirty="0">
+                        <a:rPr sz="900" spc="0">
                           <a:solidFill>
                             <a:srgbClr val="020302"/>
                           </a:solidFill>
                           <a:latin typeface="AdobeClean-Light"/>
                           <a:cs typeface="AdobeClean-Light"/>
                         </a:rPr>
-                        <a:t>Assistance principale du compte</a:t>
+                        <a:t>Account Support Lead</a:t>
                       </a:r>
+                      <a:endParaRPr sz="900" spc="0">
+                        <a:latin typeface="AdobeClean-Light"/>
+                        <a:cs typeface="AdobeClean-Light"/>
+                      </a:endParaRPr>
                     </a:p>
                   </a:txBody>
                   <a:tcPr marL="0" marR="0" marT="58419" marB="0">
@@ -3751,7 +4334,7 @@
                     <a:bodyPr/>
                     <a:lstStyle/>
                     <a:p>
-                      <a:pPr algn="l" rtl="0">
+                      <a:pPr algn="ctr">
                         <a:lnSpc>
                           <a:spcPct val="100000"/>
                         </a:lnSpc>
@@ -3801,7 +4384,7 @@
                         </a:spcBef>
                       </a:pPr>
                       <a:r>
-                        <a:rPr lang="fr-FR" sz="900">
+                        <a:rPr sz="900">
                           <a:solidFill>
                             <a:srgbClr val="020302"/>
                           </a:solidFill>
@@ -3810,6 +4393,10 @@
                         </a:rPr>
                         <a:t></a:t>
                       </a:r>
+                      <a:endParaRPr sz="900">
+                        <a:latin typeface="Wingdings"/>
+                        <a:cs typeface="Wingdings"/>
+                      </a:endParaRPr>
                     </a:p>
                   </a:txBody>
                   <a:tcPr marL="0" marR="0" marT="59690" marB="0" anchor="ctr">
@@ -3835,13 +4422,13 @@
                   </a:ext>
                 </a:extLst>
               </a:tr>
-              <a:tr h="208130">
+              <a:tr h="230812">
                 <a:tc vMerge="1">
                   <a:txBody>
                     <a:bodyPr/>
                     <a:lstStyle/>
                     <a:p>
-                      <a:pPr marL="50800" algn="l" rtl="0">
+                      <a:pPr marL="50800">
                         <a:lnSpc>
                           <a:spcPct val="100000"/>
                         </a:lnSpc>
@@ -3887,15 +4474,19 @@
                         </a:spcBef>
                       </a:pPr>
                       <a:r>
-                        <a:rPr lang="fr-FR" sz="900">
+                        <a:rPr sz="900" spc="0">
                           <a:solidFill>
                             <a:srgbClr val="020302"/>
                           </a:solidFill>
                           <a:latin typeface="AdobeClean-Light"/>
                           <a:cs typeface="AdobeClean-Light"/>
                         </a:rPr>
-                        <a:t>Ingénieur d’assistance nommé</a:t>
+                        <a:t>Named Support Engineer</a:t>
                       </a:r>
+                      <a:endParaRPr sz="900" spc="0">
+                        <a:latin typeface="AdobeClean-Light"/>
+                        <a:cs typeface="AdobeClean-Light"/>
+                      </a:endParaRPr>
                     </a:p>
                   </a:txBody>
                   <a:tcPr marL="0" marR="0" marT="58419" marB="0">
@@ -3918,7 +4509,7 @@
                     <a:bodyPr/>
                     <a:lstStyle/>
                     <a:p>
-                      <a:pPr algn="l" rtl="0">
+                      <a:pPr algn="ctr">
                         <a:lnSpc>
                           <a:spcPct val="100000"/>
                         </a:lnSpc>
@@ -3947,7 +4538,7 @@
                     <a:bodyPr/>
                     <a:lstStyle/>
                     <a:p>
-                      <a:pPr algn="l" rtl="0">
+                      <a:pPr algn="ctr">
                         <a:lnSpc>
                           <a:spcPct val="100000"/>
                         </a:lnSpc>
@@ -3972,13 +4563,13 @@
                   </a:ext>
                 </a:extLst>
               </a:tr>
-              <a:tr h="213537">
+              <a:tr h="236808">
                 <a:tc vMerge="1">
                   <a:txBody>
                     <a:bodyPr/>
                     <a:lstStyle/>
                     <a:p>
-                      <a:pPr marL="50800" algn="l" rtl="0">
+                      <a:pPr marL="50800">
                         <a:lnSpc>
                           <a:spcPct val="100000"/>
                         </a:lnSpc>
@@ -4036,15 +4627,19 @@
                         </a:spcBef>
                       </a:pPr>
                       <a:r>
-                        <a:rPr lang="fr-FR" sz="900">
+                        <a:rPr sz="900" spc="0">
                           <a:solidFill>
                             <a:srgbClr val="020302"/>
                           </a:solidFill>
                           <a:latin typeface="AdobeClean-Light"/>
                           <a:cs typeface="AdobeClean-Light"/>
                         </a:rPr>
-                        <a:t>Gestionnaire de compte technique</a:t>
+                        <a:t>Technical Account Manager</a:t>
                       </a:r>
+                      <a:endParaRPr sz="900" spc="0">
+                        <a:latin typeface="AdobeClean-Light"/>
+                        <a:cs typeface="AdobeClean-Light"/>
+                      </a:endParaRPr>
                     </a:p>
                   </a:txBody>
                   <a:tcPr marL="0" marR="0" marT="63500" marB="0">
@@ -4073,7 +4668,7 @@
                     <a:bodyPr/>
                     <a:lstStyle/>
                     <a:p>
-                      <a:pPr algn="l" rtl="0">
+                      <a:pPr algn="ctr">
                         <a:lnSpc>
                           <a:spcPct val="100000"/>
                         </a:lnSpc>
@@ -4111,7 +4706,7 @@
                     <a:bodyPr/>
                     <a:lstStyle/>
                     <a:p>
-                      <a:pPr algn="l" rtl="0">
+                      <a:pPr algn="ctr">
                         <a:lnSpc>
                           <a:spcPct val="100000"/>
                         </a:lnSpc>
@@ -4145,7 +4740,7 @@
                   </a:ext>
                 </a:extLst>
               </a:tr>
-              <a:tr h="206782">
+              <a:tr h="229317">
                 <a:tc rowSpan="12">
                   <a:txBody>
                     <a:bodyPr/>
@@ -4160,15 +4755,22 @@
                         </a:spcBef>
                       </a:pPr>
                       <a:r>
-                        <a:rPr lang="fr-FR" sz="1000" b="1" i="0">
+                        <a:rPr lang="en-US" sz="1000" b="1" i="0" spc="0">
                           <a:solidFill>
                             <a:schemeClr val="bg1"/>
                           </a:solidFill>
                           <a:latin typeface="Adobe Clean" panose="020B0503020404020204" pitchFamily="34" charset="0"/>
                           <a:cs typeface="AdobeClean-Light"/>
                         </a:rPr>
-                        <a:t>Services d’assistance</a:t>
+                        <a:t>Support Services</a:t>
                       </a:r>
+                      <a:endParaRPr sz="1000" b="1" i="0" spc="0">
+                        <a:solidFill>
+                          <a:schemeClr val="bg1"/>
+                        </a:solidFill>
+                        <a:latin typeface="Adobe Clean" panose="020B0503020404020204" pitchFamily="34" charset="0"/>
+                        <a:cs typeface="AdobeClean-Light"/>
+                      </a:endParaRPr>
                     </a:p>
                   </a:txBody>
                   <a:tcPr marL="0" marR="0" marT="57150" marB="0" anchor="ctr">
@@ -4224,15 +4826,29 @@
                         </a:spcBef>
                       </a:pPr>
                       <a:r>
-                        <a:rPr lang="fr-FR" sz="900">
+                        <a:rPr lang="en-US" sz="900" spc="0">
                           <a:solidFill>
                             <a:srgbClr val="020302"/>
                           </a:solidFill>
                           <a:latin typeface="AdobeClean-Light"/>
                           <a:cs typeface="AdobeClean-Light"/>
                         </a:rPr>
-                        <a:t>Assistance en ligne</a:t>
+                        <a:t>Online</a:t>
                       </a:r>
+                      <a:r>
+                        <a:rPr sz="900" spc="0">
+                          <a:solidFill>
+                            <a:srgbClr val="020302"/>
+                          </a:solidFill>
+                          <a:latin typeface="AdobeClean-Light"/>
+                          <a:cs typeface="AdobeClean-Light"/>
+                        </a:rPr>
+                        <a:t> Support</a:t>
+                      </a:r>
+                      <a:endParaRPr sz="900" spc="0">
+                        <a:latin typeface="AdobeClean-Light"/>
+                        <a:cs typeface="AdobeClean-Light"/>
+                      </a:endParaRPr>
                     </a:p>
                   </a:txBody>
                   <a:tcPr marL="0" marR="0" marT="57150" marB="0">
@@ -4270,15 +4886,39 @@
                         </a:spcBef>
                       </a:pPr>
                       <a:r>
-                        <a:rPr lang="fr-FR" sz="900">
+                        <a:rPr sz="900" spc="-25">
                           <a:solidFill>
                             <a:srgbClr val="020302"/>
                           </a:solidFill>
                           <a:latin typeface="AdobeClean-Light"/>
                           <a:cs typeface="AdobeClean-Light"/>
                         </a:rPr>
-                        <a:t>Heures d’ouverture</a:t>
+                        <a:t>Business</a:t>
                       </a:r>
+                      <a:r>
+                        <a:rPr sz="900" spc="-15">
+                          <a:solidFill>
+                            <a:srgbClr val="020302"/>
+                          </a:solidFill>
+                          <a:latin typeface="AdobeClean-Light"/>
+                          <a:cs typeface="AdobeClean-Light"/>
+                        </a:rPr>
+                        <a:t> </a:t>
+                      </a:r>
+                      <a:r>
+                        <a:rPr sz="900" spc="-30">
+                          <a:solidFill>
+                            <a:srgbClr val="020302"/>
+                          </a:solidFill>
+                          <a:latin typeface="AdobeClean-Light"/>
+                          <a:cs typeface="AdobeClean-Light"/>
+                        </a:rPr>
+                        <a:t>hours</a:t>
+                      </a:r>
+                      <a:endParaRPr sz="900">
+                        <a:latin typeface="AdobeClean-Light"/>
+                        <a:cs typeface="AdobeClean-Light"/>
+                      </a:endParaRPr>
                     </a:p>
                   </a:txBody>
                   <a:tcPr marL="0" marR="0" marT="67945" marB="0">
@@ -4317,15 +4957,39 @@
                         </a:spcBef>
                       </a:pPr>
                       <a:r>
-                        <a:rPr lang="fr-FR" sz="900">
+                        <a:rPr sz="900" spc="-25">
                           <a:solidFill>
                             <a:srgbClr val="020302"/>
                           </a:solidFill>
                           <a:latin typeface="AdobeClean-Light"/>
                           <a:cs typeface="AdobeClean-Light"/>
                         </a:rPr>
-                        <a:t>Heures d’ouverture</a:t>
+                        <a:t>Business</a:t>
                       </a:r>
+                      <a:r>
+                        <a:rPr sz="900" spc="-15">
+                          <a:solidFill>
+                            <a:srgbClr val="020302"/>
+                          </a:solidFill>
+                          <a:latin typeface="AdobeClean-Light"/>
+                          <a:cs typeface="AdobeClean-Light"/>
+                        </a:rPr>
+                        <a:t> </a:t>
+                      </a:r>
+                      <a:r>
+                        <a:rPr sz="900" spc="-30">
+                          <a:solidFill>
+                            <a:srgbClr val="020302"/>
+                          </a:solidFill>
+                          <a:latin typeface="AdobeClean-Light"/>
+                          <a:cs typeface="AdobeClean-Light"/>
+                        </a:rPr>
+                        <a:t>hours</a:t>
+                      </a:r>
+                      <a:endParaRPr sz="900">
+                        <a:latin typeface="AdobeClean-Light"/>
+                        <a:cs typeface="AdobeClean-Light"/>
+                      </a:endParaRPr>
                     </a:p>
                   </a:txBody>
                   <a:tcPr marL="0" marR="0" marT="67945" marB="0">
@@ -4351,13 +5015,13 @@
                   </a:ext>
                 </a:extLst>
               </a:tr>
-              <a:tr h="208130">
+              <a:tr h="230812">
                 <a:tc vMerge="1">
                   <a:txBody>
                     <a:bodyPr/>
                     <a:lstStyle/>
                     <a:p>
-                      <a:pPr marL="50800" algn="l" rtl="0">
+                      <a:pPr marL="50800">
                         <a:lnSpc>
                           <a:spcPct val="100000"/>
                         </a:lnSpc>
@@ -4406,15 +5070,39 @@
                         </a:spcBef>
                       </a:pPr>
                       <a:r>
-                        <a:rPr lang="fr-FR" sz="900">
+                        <a:rPr sz="900" spc="0">
                           <a:solidFill>
                             <a:srgbClr val="020302"/>
                           </a:solidFill>
                           <a:latin typeface="AdobeClean-Light"/>
                           <a:cs typeface="AdobeClean-Light"/>
                         </a:rPr>
-                        <a:t>Assistance en cas de problèmes P1 24x7x365</a:t>
+                        <a:t>24x7</a:t>
                       </a:r>
+                      <a:r>
+                        <a:rPr lang="en-US" sz="900" spc="0">
+                          <a:solidFill>
+                            <a:srgbClr val="020302"/>
+                          </a:solidFill>
+                          <a:latin typeface="AdobeClean-Light"/>
+                          <a:cs typeface="AdobeClean-Light"/>
+                        </a:rPr>
+                        <a:t>x365</a:t>
+                      </a:r>
+                      <a:r>
+                        <a:rPr sz="900" spc="0">
+                          <a:solidFill>
+                            <a:srgbClr val="020302"/>
+                          </a:solidFill>
+                          <a:latin typeface="AdobeClean-Light"/>
+                          <a:cs typeface="AdobeClean-Light"/>
+                        </a:rPr>
+                        <a:t> P1 Issue Support</a:t>
+                      </a:r>
+                      <a:endParaRPr sz="900" spc="0">
+                        <a:latin typeface="AdobeClean-Light"/>
+                        <a:cs typeface="AdobeClean-Light"/>
+                      </a:endParaRPr>
                     </a:p>
                   </a:txBody>
                   <a:tcPr marL="0" marR="0" marT="57785" marB="0">
@@ -4446,7 +5134,7 @@
                         </a:spcBef>
                       </a:pPr>
                       <a:r>
-                        <a:rPr lang="fr-FR" sz="900">
+                        <a:rPr sz="900">
                           <a:solidFill>
                             <a:srgbClr val="020302"/>
                           </a:solidFill>
@@ -4455,6 +5143,10 @@
                         </a:rPr>
                         <a:t></a:t>
                       </a:r>
+                      <a:endParaRPr sz="900">
+                        <a:latin typeface="Wingdings"/>
+                        <a:cs typeface="Wingdings"/>
+                      </a:endParaRPr>
                     </a:p>
                   </a:txBody>
                   <a:tcPr marL="0" marR="0" marT="58419" marB="0">
@@ -4484,7 +5176,7 @@
                         </a:spcBef>
                       </a:pPr>
                       <a:r>
-                        <a:rPr lang="fr-FR" sz="900">
+                        <a:rPr sz="900">
                           <a:solidFill>
                             <a:srgbClr val="020302"/>
                           </a:solidFill>
@@ -4493,6 +5185,10 @@
                         </a:rPr>
                         <a:t></a:t>
                       </a:r>
+                      <a:endParaRPr sz="900">
+                        <a:latin typeface="Wingdings"/>
+                        <a:cs typeface="Wingdings"/>
+                      </a:endParaRPr>
                     </a:p>
                   </a:txBody>
                   <a:tcPr marL="0" marR="0" marT="58419" marB="0">
@@ -4509,13 +5205,13 @@
                   </a:ext>
                 </a:extLst>
               </a:tr>
-              <a:tr h="207457">
+              <a:tr h="230065">
                 <a:tc vMerge="1">
                   <a:txBody>
                     <a:bodyPr/>
                     <a:lstStyle/>
                     <a:p>
-                      <a:pPr marL="50800" algn="l" rtl="0">
+                      <a:pPr marL="50800">
                         <a:lnSpc>
                           <a:spcPct val="100000"/>
                         </a:lnSpc>
@@ -4573,15 +5269,19 @@
                         </a:spcBef>
                       </a:pPr>
                       <a:r>
-                        <a:rPr lang="fr-FR" sz="900">
+                        <a:rPr lang="en-US" sz="900" spc="0">
                           <a:solidFill>
                             <a:srgbClr val="020302"/>
                           </a:solidFill>
                           <a:latin typeface="AdobeClean-Light"/>
                           <a:cs typeface="AdobeClean-Light"/>
                         </a:rPr>
-                        <a:t>Contacts d’assistance nommés (par produit)</a:t>
+                        <a:t>Named Support Contacts (per product)</a:t>
                       </a:r>
+                      <a:endParaRPr sz="900" spc="0">
+                        <a:latin typeface="AdobeClean-Light"/>
+                        <a:cs typeface="AdobeClean-Light"/>
+                      </a:endParaRPr>
                     </a:p>
                   </a:txBody>
                   <a:tcPr marL="0" marR="0" marT="57785" marB="0">
@@ -4619,7 +5319,7 @@
                         </a:spcBef>
                       </a:pPr>
                       <a:r>
-                        <a:rPr lang="fr-FR" sz="900">
+                        <a:rPr sz="900">
                           <a:solidFill>
                             <a:srgbClr val="020302"/>
                           </a:solidFill>
@@ -4628,6 +5328,10 @@
                         </a:rPr>
                         <a:t>4</a:t>
                       </a:r>
+                      <a:endParaRPr sz="900">
+                        <a:latin typeface="AdobeClean-Light"/>
+                        <a:cs typeface="AdobeClean-Light"/>
+                      </a:endParaRPr>
                     </a:p>
                   </a:txBody>
                   <a:tcPr marL="0" marR="0" marT="57785" marB="0">
@@ -4657,7 +5361,7 @@
                         </a:spcBef>
                       </a:pPr>
                       <a:r>
-                        <a:rPr lang="fr-FR" sz="900">
+                        <a:rPr sz="900">
                           <a:solidFill>
                             <a:srgbClr val="020302"/>
                           </a:solidFill>
@@ -4666,6 +5370,10 @@
                         </a:rPr>
                         <a:t>6</a:t>
                       </a:r>
+                      <a:endParaRPr sz="900">
+                        <a:latin typeface="AdobeClean-Light"/>
+                        <a:cs typeface="AdobeClean-Light"/>
+                      </a:endParaRPr>
                     </a:p>
                   </a:txBody>
                   <a:tcPr marL="0" marR="0" marT="57785" marB="0">
@@ -4682,13 +5390,13 @@
                   </a:ext>
                 </a:extLst>
               </a:tr>
-              <a:tr h="208806">
+              <a:tr h="231561">
                 <a:tc vMerge="1">
                   <a:txBody>
                     <a:bodyPr/>
                     <a:lstStyle/>
                     <a:p>
-                      <a:pPr marL="50800" algn="l" rtl="0">
+                      <a:pPr marL="50800">
                         <a:lnSpc>
                           <a:spcPct val="100000"/>
                         </a:lnSpc>
@@ -4737,15 +5445,19 @@
                         </a:spcBef>
                       </a:pPr>
                       <a:r>
-                        <a:rPr lang="fr-FR" sz="900">
+                        <a:rPr lang="en-US" sz="900" spc="0">
                           <a:solidFill>
                             <a:srgbClr val="020302"/>
                           </a:solidFill>
                           <a:latin typeface="AdobeClean-Light"/>
                           <a:cs typeface="AdobeClean-Light"/>
                         </a:rPr>
-                        <a:t>Assistance téléphonique en direct</a:t>
+                        <a:t>Live Telephone Support</a:t>
                       </a:r>
+                      <a:endParaRPr sz="900" spc="0">
+                        <a:latin typeface="AdobeClean-Light"/>
+                        <a:cs typeface="AdobeClean-Light"/>
+                      </a:endParaRPr>
                     </a:p>
                   </a:txBody>
                   <a:tcPr marL="0" marR="0" marT="57785" marB="0">
@@ -4768,7 +5480,7 @@
                     <a:bodyPr/>
                     <a:lstStyle/>
                     <a:p>
-                      <a:pPr algn="l" rtl="0">
+                      <a:pPr algn="ctr">
                         <a:lnSpc>
                           <a:spcPct val="100000"/>
                         </a:lnSpc>
@@ -4809,7 +5521,7 @@
                         </a:spcBef>
                       </a:pPr>
                       <a:r>
-                        <a:rPr lang="fr-FR" sz="900">
+                        <a:rPr sz="900">
                           <a:solidFill>
                             <a:srgbClr val="020302"/>
                           </a:solidFill>
@@ -4818,6 +5530,10 @@
                         </a:rPr>
                         <a:t></a:t>
                       </a:r>
+                      <a:endParaRPr sz="900">
+                        <a:latin typeface="Wingdings"/>
+                        <a:cs typeface="Wingdings"/>
+                      </a:endParaRPr>
                     </a:p>
                   </a:txBody>
                   <a:tcPr marL="0" marR="0" marT="59054" marB="0">
@@ -4834,13 +5550,13 @@
                   </a:ext>
                 </a:extLst>
               </a:tr>
-              <a:tr h="209481">
+              <a:tr h="232310">
                 <a:tc vMerge="1">
                   <a:txBody>
                     <a:bodyPr/>
                     <a:lstStyle/>
                     <a:p>
-                      <a:pPr marL="50800" algn="l" rtl="0">
+                      <a:pPr marL="50800">
                         <a:lnSpc>
                           <a:spcPct val="100000"/>
                         </a:lnSpc>
@@ -4889,15 +5605,19 @@
                         </a:spcBef>
                       </a:pPr>
                       <a:r>
-                        <a:rPr lang="fr-FR" sz="900">
+                        <a:rPr sz="900" spc="0">
                           <a:solidFill>
                             <a:srgbClr val="020302"/>
                           </a:solidFill>
                           <a:latin typeface="AdobeClean-Light"/>
                           <a:cs typeface="AdobeClean-Light"/>
                         </a:rPr>
-                        <a:t>Gestion des remontées d’informations</a:t>
+                        <a:t>Escalation Management</a:t>
                       </a:r>
+                      <a:endParaRPr sz="900" spc="0">
+                        <a:latin typeface="AdobeClean-Light"/>
+                        <a:cs typeface="AdobeClean-Light"/>
+                      </a:endParaRPr>
                     </a:p>
                   </a:txBody>
                   <a:tcPr marL="0" marR="0" marT="58419" marB="0">
@@ -4920,7 +5640,7 @@
                     <a:bodyPr/>
                     <a:lstStyle/>
                     <a:p>
-                      <a:pPr algn="l" rtl="0">
+                      <a:pPr algn="ctr">
                         <a:lnSpc>
                           <a:spcPct val="100000"/>
                         </a:lnSpc>
@@ -4961,7 +5681,7 @@
                         </a:spcBef>
                       </a:pPr>
                       <a:r>
-                        <a:rPr lang="fr-FR" sz="900">
+                        <a:rPr sz="900">
                           <a:solidFill>
                             <a:srgbClr val="020302"/>
                           </a:solidFill>
@@ -4970,6 +5690,10 @@
                         </a:rPr>
                         <a:t></a:t>
                       </a:r>
+                      <a:endParaRPr sz="900">
+                        <a:latin typeface="Wingdings"/>
+                        <a:cs typeface="Wingdings"/>
+                      </a:endParaRPr>
                     </a:p>
                   </a:txBody>
                   <a:tcPr marL="0" marR="0" marT="59690" marB="0">
@@ -4986,13 +5710,13 @@
                   </a:ext>
                 </a:extLst>
               </a:tr>
-              <a:tr h="206782">
+              <a:tr h="229317">
                 <a:tc vMerge="1">
                   <a:txBody>
                     <a:bodyPr/>
                     <a:lstStyle/>
                     <a:p>
-                      <a:pPr marL="50800" algn="l" rtl="0">
+                      <a:pPr marL="50800">
                         <a:lnSpc>
                           <a:spcPct val="100000"/>
                         </a:lnSpc>
@@ -5041,15 +5765,29 @@
                         </a:spcBef>
                       </a:pPr>
                       <a:r>
-                        <a:rPr lang="fr-FR" sz="900">
+                        <a:rPr sz="900" spc="0">
                           <a:solidFill>
                             <a:srgbClr val="020302"/>
                           </a:solidFill>
                           <a:latin typeface="AdobeClean-Light"/>
                           <a:cs typeface="AdobeClean-Light"/>
                         </a:rPr>
-                        <a:t>Examens de service par an</a:t>
+                        <a:t>Service Reviews </a:t>
                       </a:r>
+                      <a:r>
+                        <a:rPr lang="en-US" sz="900" spc="0">
+                          <a:solidFill>
+                            <a:srgbClr val="020302"/>
+                          </a:solidFill>
+                          <a:latin typeface="AdobeClean-Light"/>
+                          <a:cs typeface="AdobeClean-Light"/>
+                        </a:rPr>
+                        <a:t>per Year</a:t>
+                      </a:r>
+                      <a:endParaRPr sz="900" spc="0">
+                        <a:latin typeface="AdobeClean-Light"/>
+                        <a:cs typeface="AdobeClean-Light"/>
+                      </a:endParaRPr>
                     </a:p>
                   </a:txBody>
                   <a:tcPr marL="0" marR="0" marT="57150" marB="0">
@@ -5072,7 +5810,7 @@
                     <a:bodyPr/>
                     <a:lstStyle/>
                     <a:p>
-                      <a:pPr algn="l" rtl="0">
+                      <a:pPr>
                         <a:lnSpc>
                           <a:spcPct val="100000"/>
                         </a:lnSpc>
@@ -5101,7 +5839,7 @@
                     <a:bodyPr/>
                     <a:lstStyle/>
                     <a:p>
-                      <a:pPr algn="l" rtl="0">
+                      <a:pPr>
                         <a:lnSpc>
                           <a:spcPct val="100000"/>
                         </a:lnSpc>
@@ -5126,7 +5864,7 @@
                   </a:ext>
                 </a:extLst>
               </a:tr>
-              <a:tr h="206782">
+              <a:tr h="229317">
                 <a:tc vMerge="1">
                   <a:txBody>
                     <a:bodyPr/>
@@ -5151,12 +5889,16 @@
                         </a:spcBef>
                       </a:pPr>
                       <a:r>
-                        <a:rPr lang="fr-FR" sz="900">
+                        <a:rPr lang="en-US" sz="900" spc="0">
                           <a:latin typeface="AdobeClean-Light"/>
                           <a:cs typeface="AdobeClean-Light"/>
                         </a:rPr>
-                        <a:t>Sessions d’experts par an</a:t>
+                        <a:t>Expert Sessions per Year</a:t>
                       </a:r>
+                      <a:endParaRPr sz="900" spc="0">
+                        <a:latin typeface="AdobeClean-Light"/>
+                        <a:cs typeface="AdobeClean-Light"/>
+                      </a:endParaRPr>
                     </a:p>
                   </a:txBody>
                   <a:tcPr marL="0" marR="0" marT="57150" marB="0">
@@ -5185,7 +5927,7 @@
                     <a:bodyPr/>
                     <a:lstStyle/>
                     <a:p>
-                      <a:pPr algn="l" rtl="0">
+                      <a:pPr>
                         <a:lnSpc>
                           <a:spcPct val="100000"/>
                         </a:lnSpc>
@@ -5214,7 +5956,7 @@
                     <a:bodyPr/>
                     <a:lstStyle/>
                     <a:p>
-                      <a:pPr algn="l" rtl="0">
+                      <a:pPr>
                         <a:lnSpc>
                           <a:spcPct val="100000"/>
                         </a:lnSpc>
@@ -5239,7 +5981,7 @@
                   </a:ext>
                 </a:extLst>
               </a:tr>
-              <a:tr h="206782">
+              <a:tr h="229317">
                 <a:tc vMerge="1">
                   <a:txBody>
                     <a:bodyPr/>
@@ -5264,12 +6006,16 @@
                         </a:spcBef>
                       </a:pPr>
                       <a:r>
-                        <a:rPr lang="fr-FR" sz="900">
+                        <a:rPr lang="en-US" sz="900" spc="0">
                           <a:latin typeface="AdobeClean-Light"/>
                           <a:cs typeface="AdobeClean-Light"/>
                         </a:rPr>
-                        <a:t>Examens de cas</a:t>
+                        <a:t>Case Reviews</a:t>
                       </a:r>
+                      <a:endParaRPr sz="900" spc="0">
+                        <a:latin typeface="AdobeClean-Light"/>
+                        <a:cs typeface="AdobeClean-Light"/>
+                      </a:endParaRPr>
                     </a:p>
                   </a:txBody>
                   <a:tcPr marL="0" marR="0" marT="57150" marB="0">
@@ -5298,7 +6044,7 @@
                     <a:bodyPr/>
                     <a:lstStyle/>
                     <a:p>
-                      <a:pPr algn="l" rtl="0">
+                      <a:pPr>
                         <a:lnSpc>
                           <a:spcPct val="100000"/>
                         </a:lnSpc>
@@ -5327,7 +6073,7 @@
                     <a:bodyPr/>
                     <a:lstStyle/>
                     <a:p>
-                      <a:pPr algn="l" rtl="0">
+                      <a:pPr>
                         <a:lnSpc>
                           <a:spcPct val="100000"/>
                         </a:lnSpc>
@@ -5352,13 +6098,13 @@
                   </a:ext>
                 </a:extLst>
               </a:tr>
-              <a:tr h="208130">
+              <a:tr h="230812">
                 <a:tc vMerge="1">
                   <a:txBody>
                     <a:bodyPr/>
                     <a:lstStyle/>
                     <a:p>
-                      <a:pPr marL="48895" algn="l" rtl="0">
+                      <a:pPr marL="48895">
                         <a:lnSpc>
                           <a:spcPct val="100000"/>
                         </a:lnSpc>
@@ -5416,15 +6162,29 @@
                         </a:spcBef>
                       </a:pPr>
                       <a:r>
-                        <a:rPr lang="fr-FR" sz="900">
+                        <a:rPr sz="900" spc="0">
                           <a:solidFill>
                             <a:srgbClr val="020302"/>
                           </a:solidFill>
                           <a:latin typeface="AdobeClean-Light"/>
                           <a:cs typeface="AdobeClean-Light"/>
                         </a:rPr>
-                        <a:t>Gestion des événements</a:t>
+                        <a:t>Event </a:t>
                       </a:r>
+                      <a:r>
+                        <a:rPr lang="en-US" sz="900" spc="0">
+                          <a:solidFill>
+                            <a:srgbClr val="020302"/>
+                          </a:solidFill>
+                          <a:latin typeface="AdobeClean-Light"/>
+                          <a:cs typeface="AdobeClean-Light"/>
+                        </a:rPr>
+                        <a:t>Management</a:t>
+                      </a:r>
+                      <a:endParaRPr sz="900" spc="0">
+                        <a:latin typeface="AdobeClean-Light"/>
+                        <a:cs typeface="AdobeClean-Light"/>
+                      </a:endParaRPr>
                     </a:p>
                   </a:txBody>
                   <a:tcPr marL="0" marR="0" marT="58419" marB="0">
@@ -5453,7 +6213,7 @@
                     <a:bodyPr/>
                     <a:lstStyle/>
                     <a:p>
-                      <a:pPr algn="l" rtl="0">
+                      <a:pPr>
                         <a:lnSpc>
                           <a:spcPct val="100000"/>
                         </a:lnSpc>
@@ -5482,7 +6242,7 @@
                     <a:bodyPr/>
                     <a:lstStyle/>
                     <a:p>
-                      <a:pPr algn="l" rtl="0">
+                      <a:pPr>
                         <a:lnSpc>
                           <a:spcPct val="100000"/>
                         </a:lnSpc>
@@ -5507,13 +6267,13 @@
                   </a:ext>
                 </a:extLst>
               </a:tr>
-              <a:tr h="208807">
+              <a:tr h="231562">
                 <a:tc vMerge="1">
                   <a:txBody>
                     <a:bodyPr/>
                     <a:lstStyle/>
                     <a:p>
-                      <a:pPr marL="48895" algn="l" rtl="0">
+                      <a:pPr marL="48895">
                         <a:lnSpc>
                           <a:spcPct val="100000"/>
                         </a:lnSpc>
@@ -5562,15 +6322,39 @@
                         </a:spcBef>
                       </a:pPr>
                       <a:r>
-                        <a:rPr lang="fr-FR" sz="900">
+                        <a:rPr sz="900" spc="0">
                           <a:solidFill>
                             <a:srgbClr val="020302"/>
                           </a:solidFill>
                           <a:latin typeface="AdobeClean-Light"/>
                           <a:cs typeface="AdobeClean-Light"/>
                         </a:rPr>
-                        <a:t>Examen, maintenance et surveillance de l’environnement</a:t>
+                        <a:t>Environment</a:t>
                       </a:r>
+                      <a:r>
+                        <a:rPr lang="en-US" sz="900" spc="0">
+                          <a:solidFill>
+                            <a:srgbClr val="020302"/>
+                          </a:solidFill>
+                          <a:latin typeface="AdobeClean-Light"/>
+                          <a:cs typeface="AdobeClean-Light"/>
+                        </a:rPr>
+                        <a:t> </a:t>
+                      </a:r>
+                      <a:r>
+                        <a:rPr sz="900" spc="0">
+                          <a:solidFill>
+                            <a:srgbClr val="020302"/>
+                          </a:solidFill>
+                          <a:latin typeface="AdobeClean-Light"/>
+                          <a:cs typeface="AdobeClean-Light"/>
+                        </a:rPr>
+                        <a:t>Review, Maintenance &amp; Monitoring</a:t>
+                      </a:r>
+                      <a:endParaRPr sz="900" spc="0">
+                        <a:latin typeface="AdobeClean-Light"/>
+                        <a:cs typeface="AdobeClean-Light"/>
+                      </a:endParaRPr>
                     </a:p>
                   </a:txBody>
                   <a:tcPr marL="0" marR="0" marT="59055" marB="0">
@@ -5593,7 +6377,7 @@
                     <a:bodyPr/>
                     <a:lstStyle/>
                     <a:p>
-                      <a:pPr algn="l" rtl="0">
+                      <a:pPr>
                         <a:lnSpc>
                           <a:spcPct val="100000"/>
                         </a:lnSpc>
@@ -5622,7 +6406,7 @@
                     <a:bodyPr/>
                     <a:lstStyle/>
                     <a:p>
-                      <a:pPr algn="l" rtl="0">
+                      <a:pPr>
                         <a:lnSpc>
                           <a:spcPct val="100000"/>
                         </a:lnSpc>
@@ -5647,13 +6431,13 @@
                   </a:ext>
                 </a:extLst>
               </a:tr>
-              <a:tr h="317983">
+              <a:tr h="236808">
                 <a:tc vMerge="1">
                   <a:txBody>
                     <a:bodyPr/>
                     <a:lstStyle/>
                     <a:p>
-                      <a:pPr marL="49530" algn="l" rtl="0">
+                      <a:pPr marL="49530">
                         <a:lnSpc>
                           <a:spcPct val="100000"/>
                         </a:lnSpc>
@@ -5702,34 +6486,19 @@
                         </a:spcBef>
                       </a:pPr>
                       <a:r>
-                        <a:rPr lang="fr-FR" sz="900">
+                        <a:rPr sz="900" spc="0">
                           <a:solidFill>
                             <a:srgbClr val="020302"/>
                           </a:solidFill>
                           <a:latin typeface="AdobeClean-Light"/>
                           <a:cs typeface="AdobeClean-Light"/>
                         </a:rPr>
-                        <a:t>Version, migration, mise à niveau et examen de la feuille </a:t>
+                        <a:t>Release, Migration, Upgrade &amp; Product Roadmap Review</a:t>
                       </a:r>
-                      <a:br>
-                        <a:rPr lang="fr-FR" sz="900">
-                          <a:solidFill>
-                            <a:srgbClr val="020302"/>
-                          </a:solidFill>
-                          <a:latin typeface="AdobeClean-Light"/>
-                          <a:cs typeface="AdobeClean-Light"/>
-                        </a:rPr>
-                      </a:br>
-                      <a:r>
-                        <a:rPr lang="fr-FR" sz="900">
-                          <a:solidFill>
-                            <a:srgbClr val="020302"/>
-                          </a:solidFill>
-                          <a:latin typeface="AdobeClean-Light"/>
-                          <a:cs typeface="AdobeClean-Light"/>
-                        </a:rPr>
-                        <a:t>de route du produit</a:t>
-                      </a:r>
+                      <a:endParaRPr sz="900" spc="0">
+                        <a:latin typeface="AdobeClean-Light"/>
+                        <a:cs typeface="AdobeClean-Light"/>
+                      </a:endParaRPr>
                     </a:p>
                   </a:txBody>
                   <a:tcPr marL="0" marR="0" marT="63500" marB="0">
@@ -5752,7 +6521,7 @@
                     <a:bodyPr/>
                     <a:lstStyle/>
                     <a:p>
-                      <a:pPr algn="l" rtl="0">
+                      <a:pPr>
                         <a:lnSpc>
                           <a:spcPct val="100000"/>
                         </a:lnSpc>
@@ -5781,7 +6550,7 @@
                     <a:bodyPr/>
                     <a:lstStyle/>
                     <a:p>
-                      <a:pPr algn="l" rtl="0">
+                      <a:pPr>
                         <a:lnSpc>
                           <a:spcPct val="100000"/>
                         </a:lnSpc>
@@ -5806,13 +6575,13 @@
                   </a:ext>
                 </a:extLst>
               </a:tr>
-              <a:tr h="217592">
+              <a:tr h="241305">
                 <a:tc vMerge="1">
                   <a:txBody>
                     <a:bodyPr/>
                     <a:lstStyle/>
                     <a:p>
-                      <a:pPr marL="49530" algn="l" rtl="0">
+                      <a:pPr marL="49530">
                         <a:lnSpc>
                           <a:spcPct val="100000"/>
                         </a:lnSpc>
@@ -5870,11 +6639,11 @@
                         </a:spcBef>
                       </a:pPr>
                       <a:r>
-                        <a:rPr lang="fr-FR" sz="900">
+                        <a:rPr sz="900" spc="0">
                           <a:latin typeface="AdobeClean-Light"/>
                           <a:cs typeface="AdobeClean-Light"/>
                         </a:rPr>
-                        <a:t>Activités d’assistance dans le Cloud - Experience Manager as Cloud</a:t>
+                        <a:t>Cloud Support Activities – Experience Manager as Cloud</a:t>
                       </a:r>
                     </a:p>
                   </a:txBody>
@@ -5904,7 +6673,7 @@
                     <a:bodyPr/>
                     <a:lstStyle/>
                     <a:p>
-                      <a:pPr algn="l" rtl="0">
+                      <a:pPr>
                         <a:lnSpc>
                           <a:spcPct val="100000"/>
                         </a:lnSpc>
@@ -5942,7 +6711,7 @@
                     <a:bodyPr/>
                     <a:lstStyle/>
                     <a:p>
-                      <a:pPr algn="l" rtl="0">
+                      <a:pPr>
                         <a:lnSpc>
                           <a:spcPct val="100000"/>
                         </a:lnSpc>
@@ -5976,7 +6745,7 @@
                   </a:ext>
                 </a:extLst>
               </a:tr>
-              <a:tr h="145961">
+              <a:tr h="161868">
                 <a:tc rowSpan="2">
                   <a:txBody>
                     <a:bodyPr/>
@@ -5991,15 +6760,22 @@
                         </a:spcBef>
                       </a:pPr>
                       <a:r>
-                        <a:rPr lang="fr-FR" sz="1000" b="1" i="0" dirty="0">
+                        <a:rPr lang="en-US" sz="1000" b="1" i="0" spc="0">
                           <a:solidFill>
                             <a:schemeClr val="bg1"/>
                           </a:solidFill>
                           <a:latin typeface="Adobe Clean" panose="020B0503020404020204" pitchFamily="34" charset="0"/>
                           <a:cs typeface="AdobeClean-Light"/>
                         </a:rPr>
-                        <a:t>Services de terrain</a:t>
+                        <a:t>Field Services</a:t>
                       </a:r>
+                      <a:endParaRPr sz="1000" b="1" i="0" spc="0">
+                        <a:solidFill>
+                          <a:schemeClr val="bg1"/>
+                        </a:solidFill>
+                        <a:latin typeface="Adobe Clean" panose="020B0503020404020204" pitchFamily="34" charset="0"/>
+                        <a:cs typeface="AdobeClean-Light"/>
+                      </a:endParaRPr>
                     </a:p>
                   </a:txBody>
                   <a:tcPr marL="0" marR="0" marT="48260" marB="0" anchor="ctr">
@@ -6052,15 +6828,19 @@
                         </a:spcBef>
                       </a:pPr>
                       <a:r>
-                        <a:rPr lang="fr-FR" sz="900">
+                        <a:rPr sz="900" spc="0">
                           <a:solidFill>
                             <a:srgbClr val="020302"/>
                           </a:solidFill>
                           <a:latin typeface="AdobeClean-Light"/>
                           <a:cs typeface="AdobeClean-Light"/>
                         </a:rPr>
-                        <a:t>Services Launch Advisory - Première année de la nouvelle solution</a:t>
+                        <a:t>Launch Advisory Services – First Year of new solution</a:t>
                       </a:r>
+                      <a:endParaRPr sz="900" spc="0">
+                        <a:latin typeface="AdobeClean-Light"/>
+                        <a:cs typeface="AdobeClean-Light"/>
+                      </a:endParaRPr>
                     </a:p>
                     <a:p>
                       <a:pPr marL="48260" hangingPunct="0">
@@ -6072,11 +6852,11 @@
                         </a:spcBef>
                       </a:pPr>
                       <a:r>
-                        <a:rPr lang="fr-FR" sz="900">
+                        <a:rPr sz="900" spc="0">
                           <a:latin typeface="AdobeClean-Light"/>
                           <a:cs typeface="AdobeClean-Light"/>
                         </a:rPr>
-                        <a:t>Activités du service de terrain </a:t>
+                        <a:t>Field Service Activities </a:t>
                       </a:r>
                     </a:p>
                   </a:txBody>
@@ -6112,7 +6892,7 @@
                     <a:bodyPr/>
                     <a:lstStyle/>
                     <a:p>
-                      <a:pPr algn="l" rtl="0">
+                      <a:pPr>
                         <a:lnSpc>
                           <a:spcPct val="100000"/>
                         </a:lnSpc>
@@ -6150,7 +6930,7 @@
                     <a:bodyPr/>
                     <a:lstStyle/>
                     <a:p>
-                      <a:pPr algn="l" rtl="0">
+                      <a:pPr>
                         <a:lnSpc>
                           <a:spcPct val="100000"/>
                         </a:lnSpc>
@@ -6184,7 +6964,7 @@
                   </a:ext>
                 </a:extLst>
               </a:tr>
-              <a:tr h="305439">
+              <a:tr h="338725">
                 <a:tc vMerge="1">
                   <a:txBody>
                     <a:bodyPr/>
@@ -6235,7 +7015,7 @@
                     <a:bodyPr/>
                     <a:lstStyle/>
                     <a:p>
-                      <a:pPr algn="l" rtl="0">
+                      <a:pPr>
                         <a:lnSpc>
                           <a:spcPct val="100000"/>
                         </a:lnSpc>
@@ -6261,12 +7041,12 @@
                     <a:bodyPr/>
                     <a:lstStyle/>
                     <a:p>
-                      <a:pPr algn="l" rtl="0">
+                      <a:pPr>
                         <a:lnSpc>
                           <a:spcPct val="100000"/>
                         </a:lnSpc>
                       </a:pPr>
-                      <a:endParaRPr sz="900" dirty="0">
+                      <a:endParaRPr sz="900">
                         <a:latin typeface="Times New Roman"/>
                         <a:cs typeface="Times New Roman"/>
                       </a:endParaRPr>
@@ -6325,7 +7105,7 @@
           <a:lstStyle/>
           <a:p>
             <a:r>
-              <a:rPr lang="fr-FR" sz="700" i="1">
+              <a:rPr lang="en-US" sz="700" i="1">
                 <a:solidFill>
                   <a:schemeClr val="bg1"/>
                 </a:solidFill>
@@ -6507,7 +7287,7 @@
         <p:spPr>
           <a:xfrm>
             <a:off x="370040" y="1409311"/>
-            <a:ext cx="2286000" cy="1633717"/>
+            <a:ext cx="2286000" cy="1289969"/>
           </a:xfrm>
           <a:prstGeom prst="rect">
             <a:avLst/>
@@ -6528,48 +7308,18 @@
               </a:spcBef>
             </a:pPr>
             <a:r>
-              <a:rPr lang="fr-FR" sz="850" dirty="0">
+              <a:rPr lang="en-US" sz="1000">
                 <a:solidFill>
                   <a:srgbClr val="000000"/>
                 </a:solidFill>
                 <a:latin typeface="Adobe Clean Light" panose="020B0303020404020204" pitchFamily="34" charset="0"/>
               </a:rPr>
-              <a:t>Il s’agit d’une assistance principale de compte désignée permettant de surveiller de manière proactive les cas, de favoriser la collaboration entre </a:t>
-            </a:r>
-            <a:br>
-              <a:rPr lang="fr-FR" sz="850" dirty="0">
-                <a:solidFill>
-                  <a:srgbClr val="000000"/>
-                </a:solidFill>
-                <a:latin typeface="Adobe Clean Light" panose="020B0303020404020204" pitchFamily="34" charset="0"/>
-              </a:rPr>
-            </a:br>
-            <a:r>
-              <a:rPr lang="fr-FR" sz="850" dirty="0">
-                <a:solidFill>
-                  <a:srgbClr val="000000"/>
-                </a:solidFill>
-                <a:latin typeface="Adobe Clean Light" panose="020B0303020404020204" pitchFamily="34" charset="0"/>
-              </a:rPr>
-              <a:t>les équipes, de diffuser des webinaires d’intégration, </a:t>
-            </a:r>
-            <a:br>
-              <a:rPr lang="fr-FR" sz="850" dirty="0">
-                <a:solidFill>
-                  <a:srgbClr val="000000"/>
-                </a:solidFill>
-                <a:latin typeface="Adobe Clean Light" panose="020B0303020404020204" pitchFamily="34" charset="0"/>
-              </a:rPr>
-            </a:br>
-            <a:r>
-              <a:rPr lang="fr-FR" sz="850" dirty="0">
-                <a:solidFill>
-                  <a:srgbClr val="000000"/>
-                </a:solidFill>
-                <a:latin typeface="Adobe Clean Light" panose="020B0303020404020204" pitchFamily="34" charset="0"/>
-              </a:rPr>
-              <a:t>de conduire des rapports de service, de fournir une assistance non technique et d’agir comme porte-parole de remontée des informations et comme ambassadeur interne au sein du service d’assistance d’Adobe.</a:t>
-            </a:r>
+              <a:t>A designated Account Support Lead to proactively monitor cases, drive cross-team collaboration, deliver onboarding webinars, run service reports, provide non-technical support assistance, and function as your escalation point and internal advocate within Adobe Support.</a:t>
+            </a:r>
+            <a:endParaRPr lang="en-US" sz="1000">
+              <a:latin typeface="Adobe Clean Light" panose="020B0303020404020204" pitchFamily="34" charset="0"/>
+              <a:cs typeface="AdobeClean-Light"/>
+            </a:endParaRPr>
           </a:p>
         </p:txBody>
       </p:sp>
@@ -6582,7 +7332,7 @@
         <p:spPr>
           <a:xfrm>
             <a:off x="2836967" y="8618616"/>
-            <a:ext cx="2184613" cy="679673"/>
+            <a:ext cx="2286000" cy="641201"/>
           </a:xfrm>
           <a:prstGeom prst="rect">
             <a:avLst/>
@@ -6606,14 +7356,44 @@
               </a:tabLst>
             </a:pPr>
             <a:r>
-              <a:rPr lang="fr-FR" sz="850" dirty="0">
+              <a:rPr sz="1000">
                 <a:solidFill>
                   <a:srgbClr val="020302"/>
                 </a:solidFill>
                 <a:latin typeface="AdobeClean-Light"/>
                 <a:cs typeface="AdobeClean-Light"/>
               </a:rPr>
-              <a:t>Commencez une session de conversation pour obtenir des réponses et de l’aide lors de l’envoi du cas.</a:t>
+              <a:t>Start a chat session to get answers</a:t>
+            </a:r>
+            <a:r>
+              <a:rPr lang="en-US" sz="1000">
+                <a:solidFill>
+                  <a:srgbClr val="020302"/>
+                </a:solidFill>
+                <a:latin typeface="AdobeClean-Light"/>
+                <a:cs typeface="AdobeClean-Light"/>
+              </a:rPr>
+              <a:t> &amp; </a:t>
+            </a:r>
+            <a:r>
+              <a:rPr sz="1000">
+                <a:solidFill>
+                  <a:srgbClr val="020302"/>
+                </a:solidFill>
+                <a:latin typeface="AdobeClean-Light"/>
+                <a:cs typeface="AdobeClean-Light"/>
+              </a:rPr>
+              <a:t>help with case submission</a:t>
+            </a:r>
+            <a:r>
+              <a:rPr lang="en-US" sz="1000">
+                <a:solidFill>
+                  <a:srgbClr val="020302"/>
+                </a:solidFill>
+                <a:latin typeface="AdobeClean-Light"/>
+                <a:cs typeface="AdobeClean-Light"/>
+              </a:rPr>
+              <a:t>.</a:t>
             </a:r>
           </a:p>
           <a:p>
@@ -6626,15 +7406,39 @@
               </a:tabLst>
             </a:pPr>
             <a:r>
-              <a:rPr lang="fr-FR" sz="850" i="1" dirty="0">
+              <a:rPr sz="1000" i="1">
                 <a:solidFill>
                   <a:srgbClr val="7A7A7A"/>
                 </a:solidFill>
                 <a:latin typeface="AdobeClean-LightIt"/>
                 <a:cs typeface="AdobeClean-LightIt"/>
               </a:rPr>
-              <a:t>*Tous les produits ne bénéficient pas de l’assistance de messagerie instantanée.  </a:t>
-            </a:r>
+              <a:t>*Not all products have live chat support</a:t>
+            </a:r>
+            <a:r>
+              <a:rPr sz="900" i="1">
+                <a:solidFill>
+                  <a:srgbClr val="7A7A7A"/>
+                </a:solidFill>
+                <a:latin typeface="AdobeClean-LightIt"/>
+                <a:cs typeface="AdobeClean-LightIt"/>
+              </a:rPr>
+              <a:t>.</a:t>
+            </a:r>
+            <a:r>
+              <a:rPr lang="en-US" sz="900" i="1">
+                <a:solidFill>
+                  <a:srgbClr val="7A7A7A"/>
+                </a:solidFill>
+                <a:latin typeface="AdobeClean-LightIt"/>
+                <a:cs typeface="AdobeClean-LightIt"/>
+              </a:rPr>
+              <a:t>  </a:t>
+            </a:r>
+            <a:endParaRPr sz="900">
+              <a:latin typeface="AdobeClean-Light"/>
+              <a:cs typeface="AdobeClean-Light"/>
+            </a:endParaRPr>
           </a:p>
         </p:txBody>
       </p:sp>
@@ -6684,7 +7488,7 @@
         <p:spPr>
           <a:xfrm>
             <a:off x="838200" y="6046398"/>
-            <a:ext cx="1995408" cy="184666"/>
+            <a:ext cx="1568246" cy="184666"/>
           </a:xfrm>
           <a:prstGeom prst="rect">
             <a:avLst/>
@@ -6710,12 +7514,12 @@
               <a:defRPr/>
             </a:pPr>
             <a:r>
-              <a:rPr lang="fr-FR" sz="1200" dirty="0">
+              <a:rPr lang="en-US" sz="1200">
                 <a:solidFill>
                   <a:srgbClr val="000000"/>
                 </a:solidFill>
               </a:rPr>
-              <a:t>Forums de la communauté</a:t>
+              <a:t>Community Forums</a:t>
             </a:r>
           </a:p>
         </p:txBody>
@@ -6736,8 +7540,8 @@
         </p:nvSpPr>
         <p:spPr>
           <a:xfrm>
-            <a:off x="838199" y="6277305"/>
-            <a:ext cx="1557901" cy="184666"/>
+            <a:off x="838200" y="6277305"/>
+            <a:ext cx="959314" cy="184666"/>
           </a:xfrm>
           <a:prstGeom prst="rect">
             <a:avLst/>
@@ -6758,12 +7562,12 @@
               </a:spcAft>
             </a:pPr>
             <a:r>
-              <a:rPr lang="fr-FR" sz="1200" b="1" dirty="0">
+              <a:rPr lang="en-US" sz="1200" b="1">
                 <a:latin typeface="+mj-lt"/>
                 <a:ea typeface="Open Sans" pitchFamily="34" charset="0"/>
                 <a:cs typeface="Open Sans" pitchFamily="34" charset="0"/>
               </a:rPr>
-              <a:t>Forums en ligne</a:t>
+              <a:t>Online Forums</a:t>
             </a:r>
           </a:p>
         </p:txBody>
@@ -6783,7 +7587,7 @@
         <p:spPr>
           <a:xfrm>
             <a:off x="370040" y="6529249"/>
-            <a:ext cx="2286000" cy="689932"/>
+            <a:ext cx="2286000" cy="805349"/>
           </a:xfrm>
           <a:prstGeom prst="rect">
             <a:avLst/>
@@ -6796,13 +7600,13 @@
           <a:lstStyle/>
           <a:p>
             <a:r>
-              <a:rPr lang="fr-FR" sz="850">
+              <a:rPr lang="en-US" sz="1000">
                 <a:solidFill>
                   <a:srgbClr val="000000"/>
                 </a:solidFill>
                 <a:latin typeface="Adobe Clean Light" panose="020B0303020404020204" pitchFamily="34" charset="0"/>
               </a:rPr>
-              <a:t>Accès en ligne permanent à une base de données croissante de solutions techniques, de documentation sur les produits, de questions fréquentes, etc. Des milliers de clients peuvent entrer en contact pour partager les bonnes pratiques et les leçons apprises.</a:t>
+              <a:t>Continuous online access to a growing database of technical solutions, product documentation, FAQs and more. Thousands of customers can connect to share best practices and lessons learned.</a:t>
             </a:r>
           </a:p>
         </p:txBody>
@@ -6845,12 +7649,12 @@
               </a:spcAft>
             </a:pPr>
             <a:r>
-              <a:rPr lang="fr-FR" sz="1200" b="1">
+              <a:rPr lang="en-US" sz="1200" b="1">
                 <a:latin typeface="+mj-lt"/>
                 <a:ea typeface="Open Sans" pitchFamily="34" charset="0"/>
                 <a:cs typeface="Open Sans" pitchFamily="34" charset="0"/>
               </a:rPr>
-              <a:t>Parcours auto-guidés</a:t>
+              <a:t>Self-guided Journeys</a:t>
             </a:r>
           </a:p>
         </p:txBody>
@@ -6870,7 +7674,7 @@
         <p:spPr>
           <a:xfrm>
             <a:off x="5376301" y="6529249"/>
-            <a:ext cx="2175119" cy="959237"/>
+            <a:ext cx="2286000" cy="959237"/>
           </a:xfrm>
           <a:prstGeom prst="rect">
             <a:avLst/>
@@ -6883,67 +7687,13 @@
           <a:lstStyle/>
           <a:p>
             <a:r>
-              <a:rPr lang="fr-FR" sz="850" dirty="0">
+              <a:rPr lang="en-US" sz="1000">
                 <a:solidFill>
                   <a:srgbClr val="000000"/>
                 </a:solidFill>
                 <a:latin typeface="Adobe Clean Light" panose="020B0303020404020204" pitchFamily="34" charset="0"/>
               </a:rPr>
-              <a:t>Les </a:t>
-            </a:r>
-            <a:r>
-              <a:rPr lang="fr-FR" sz="850" dirty="0" err="1">
-                <a:solidFill>
-                  <a:srgbClr val="000000"/>
-                </a:solidFill>
-                <a:latin typeface="Adobe Clean Light" panose="020B0303020404020204" pitchFamily="34" charset="0"/>
-              </a:rPr>
-              <a:t>Experience</a:t>
-            </a:r>
-            <a:r>
-              <a:rPr lang="fr-FR" sz="850" dirty="0">
-                <a:solidFill>
-                  <a:srgbClr val="000000"/>
-                </a:solidFill>
-                <a:latin typeface="Adobe Clean Light" panose="020B0303020404020204" pitchFamily="34" charset="0"/>
-              </a:rPr>
-              <a:t> </a:t>
-            </a:r>
-            <a:r>
-              <a:rPr lang="fr-FR" sz="850" dirty="0" err="1">
-                <a:solidFill>
-                  <a:srgbClr val="000000"/>
-                </a:solidFill>
-                <a:latin typeface="Adobe Clean Light" panose="020B0303020404020204" pitchFamily="34" charset="0"/>
-              </a:rPr>
-              <a:t>Makers</a:t>
-            </a:r>
-            <a:r>
-              <a:rPr lang="fr-FR" sz="850" dirty="0">
-                <a:solidFill>
-                  <a:srgbClr val="000000"/>
-                </a:solidFill>
-                <a:latin typeface="Adobe Clean Light" panose="020B0303020404020204" pitchFamily="34" charset="0"/>
-              </a:rPr>
-              <a:t> sont créées à l’aide d’</a:t>
-            </a:r>
-            <a:r>
-              <a:rPr lang="fr-FR" sz="850" dirty="0" err="1">
-                <a:solidFill>
-                  <a:srgbClr val="000000"/>
-                </a:solidFill>
-                <a:latin typeface="Adobe Clean Light" panose="020B0303020404020204" pitchFamily="34" charset="0"/>
-              </a:rPr>
-              <a:t>Experience</a:t>
-            </a:r>
-            <a:r>
-              <a:rPr lang="fr-FR" sz="850" dirty="0">
-                <a:solidFill>
-                  <a:srgbClr val="000000"/>
-                </a:solidFill>
-                <a:latin typeface="Adobe Clean Light" panose="020B0303020404020204" pitchFamily="34" charset="0"/>
-              </a:rPr>
-              <a:t> League. Les clients peuvent lancer leurs capacités de gestion de l’expérience client grâce à un apprentissage personnalisé permettant de développer leurs compétences, collaborer avec une communauté mondiale de pairs et gagner une reconnaissance de carrière.</a:t>
+              <a:t>Experience Makers are made with Experience League. Customers can kickstart their Customer Experience Management abilities with personalized learning to develop skills, engage with a global community of peers, and earn career advancing recognition.</a:t>
             </a:r>
           </a:p>
         </p:txBody>
@@ -6964,8 +7714,8 @@
         </p:nvSpPr>
         <p:spPr>
           <a:xfrm>
-            <a:off x="3215895" y="8004211"/>
-            <a:ext cx="1988100" cy="369332"/>
+            <a:off x="3215895" y="8150141"/>
+            <a:ext cx="2520000" cy="184666"/>
           </a:xfrm>
           <a:prstGeom prst="rect">
             <a:avLst/>
@@ -6991,12 +7741,12 @@
               <a:defRPr/>
             </a:pPr>
             <a:r>
-              <a:rPr lang="fr-FR" sz="1200" dirty="0">
+              <a:rPr lang="en-US" sz="1200">
                 <a:solidFill>
                   <a:srgbClr val="000000"/>
                 </a:solidFill>
               </a:rPr>
-              <a:t>Assistance de messagerie instantanée*</a:t>
+              <a:t>Live Chat  Support*</a:t>
             </a:r>
           </a:p>
         </p:txBody>
@@ -7017,7 +7767,7 @@
         </p:nvSpPr>
         <p:spPr>
           <a:xfrm>
-            <a:off x="3198434" y="8343595"/>
+            <a:off x="3198434" y="8373543"/>
             <a:ext cx="840166" cy="184666"/>
           </a:xfrm>
           <a:prstGeom prst="rect">
@@ -7039,12 +7789,12 @@
               </a:spcAft>
             </a:pPr>
             <a:r>
-              <a:rPr lang="fr-FR" sz="1200" b="1">
+              <a:rPr lang="en-US" sz="1200" b="1">
                 <a:latin typeface="+mj-lt"/>
                 <a:ea typeface="Open Sans" pitchFamily="34" charset="0"/>
                 <a:cs typeface="Open Sans" pitchFamily="34" charset="0"/>
               </a:rPr>
-              <a:t>Assistance de conversation</a:t>
+              <a:t>Chat Support</a:t>
             </a:r>
           </a:p>
         </p:txBody>
@@ -7092,12 +7842,12 @@
               <a:defRPr/>
             </a:pPr>
             <a:r>
-              <a:rPr lang="fr-FR" sz="1200">
+              <a:rPr lang="en-US" sz="1200">
                 <a:solidFill>
                   <a:srgbClr val="000000"/>
                 </a:solidFill>
               </a:rPr>
-              <a:t>P1 24X7 </a:t>
+              <a:t>24X7 P1 </a:t>
             </a:r>
           </a:p>
         </p:txBody>
@@ -7140,12 +7890,12 @@
               </a:spcAft>
             </a:pPr>
             <a:r>
-              <a:rPr lang="fr-FR" sz="1200" b="1">
+              <a:rPr lang="en-US" sz="1200" b="1">
                 <a:latin typeface="+mj-lt"/>
                 <a:ea typeface="Open Sans" pitchFamily="34" charset="0"/>
                 <a:cs typeface="Open Sans" pitchFamily="34" charset="0"/>
               </a:rPr>
-              <a:t>Assistance téléphonique</a:t>
+              <a:t>Phone Support</a:t>
             </a:r>
           </a:p>
         </p:txBody>
@@ -7165,7 +7915,7 @@
         <p:spPr>
           <a:xfrm>
             <a:off x="2836967" y="6529249"/>
-            <a:ext cx="2286000" cy="820738"/>
+            <a:ext cx="2286000" cy="805349"/>
           </a:xfrm>
           <a:prstGeom prst="rect">
             <a:avLst/>
@@ -7178,42 +7928,26 @@
           <a:lstStyle/>
           <a:p>
             <a:r>
-              <a:rPr lang="fr-FR" sz="850" dirty="0">
+              <a:rPr lang="en-US" sz="1000">
                 <a:solidFill>
                   <a:srgbClr val="020302"/>
                 </a:solidFill>
                 <a:latin typeface="AdobeClean-Light"/>
               </a:rPr>
-              <a:t>Les utilisateurs autorisés ou les contacts d’assistance nommés </a:t>
-            </a:r>
-            <a:r>
-              <a:rPr lang="fr-FR" sz="850" dirty="0">
+              <a:t>Authorized users or Named Support Contacts </a:t>
+            </a:r>
+            <a:r>
+              <a:rPr lang="en-US" sz="1000">
                 <a:latin typeface="Adobe Clean Light" panose="020B0303020404020204" pitchFamily="34" charset="0"/>
               </a:rPr>
-              <a:t>peuvent communiquer des problèmes </a:t>
-            </a:r>
-            <a:br>
-              <a:rPr lang="fr-FR" sz="850" dirty="0">
-                <a:latin typeface="Adobe Clean Light" panose="020B0303020404020204" pitchFamily="34" charset="0"/>
-              </a:rPr>
-            </a:br>
-            <a:r>
-              <a:rPr lang="fr-FR" sz="850" dirty="0">
-                <a:latin typeface="Adobe Clean Light" panose="020B0303020404020204" pitchFamily="34" charset="0"/>
-              </a:rPr>
-              <a:t>par l’intermédiaire de tous les canaux disponibles </a:t>
-            </a:r>
-            <a:br>
-              <a:rPr lang="fr-FR" sz="850" dirty="0">
-                <a:latin typeface="Adobe Clean Light" panose="020B0303020404020204" pitchFamily="34" charset="0"/>
-              </a:rPr>
-            </a:br>
-            <a:r>
-              <a:rPr lang="fr-FR" sz="850" dirty="0">
-                <a:latin typeface="Adobe Clean Light" panose="020B0303020404020204" pitchFamily="34" charset="0"/>
-              </a:rPr>
-              <a:t>(y compris le téléphone pour P1) et interagir avec notre équipe d’assistance technique au nom de votre entreprise. </a:t>
-            </a:r>
+              <a:t>can submit issues through all available  channels (including phone for P1) and interact with our technical support team on behalf of your company. </a:t>
+            </a:r>
+            <a:endParaRPr lang="en-US" sz="1000">
+              <a:solidFill>
+                <a:srgbClr val="000000"/>
+              </a:solidFill>
+              <a:latin typeface="Adobe Clean Light" panose="020B0303020404020204" pitchFamily="34" charset="0"/>
+            </a:endParaRPr>
           </a:p>
         </p:txBody>
       </p:sp>
@@ -7235,8 +7969,8 @@
         </p:nvSpPr>
         <p:spPr>
           <a:xfrm>
-            <a:off x="4781550" y="9862967"/>
-            <a:ext cx="2741991" cy="132308"/>
+            <a:off x="5253416" y="9862966"/>
+            <a:ext cx="2270125" cy="132729"/>
           </a:xfrm>
           <a:prstGeom prst="rect">
             <a:avLst/>
@@ -7257,24 +7991,24 @@
               </a:spcBef>
             </a:pPr>
             <a:r>
-              <a:rPr lang="fr-FR" dirty="0"/>
-              <a:t>©2021 Adobe. All </a:t>
-            </a:r>
-            <a:r>
-              <a:rPr lang="fr-FR" dirty="0" err="1"/>
-              <a:t>Rights</a:t>
-            </a:r>
-            <a:r>
-              <a:rPr lang="fr-FR" dirty="0"/>
+              <a:rPr spc="-5"/>
+              <a:t>©202</a:t>
+            </a:r>
+            <a:r>
+              <a:rPr lang="en-US" spc="-5"/>
+              <a:t>1</a:t>
+            </a:r>
+            <a:r>
+              <a:rPr spc="-5"/>
+              <a:t> Adobe. All Rights Reserved. Adobe</a:t>
+            </a:r>
+            <a:r>
+              <a:rPr spc="60"/>
               <a:t> </a:t>
             </a:r>
             <a:r>
-              <a:rPr lang="fr-FR" dirty="0" err="1"/>
-              <a:t>Reserved</a:t>
-            </a:r>
-            <a:r>
-              <a:rPr lang="fr-FR" dirty="0"/>
-              <a:t>. Données confidentielles Adobe</a:t>
+              <a:rPr spc="-5"/>
+              <a:t>Confidential.</a:t>
             </a:r>
           </a:p>
         </p:txBody>
@@ -7295,8 +8029,8 @@
         </p:nvSpPr>
         <p:spPr>
           <a:xfrm>
-            <a:off x="821898" y="973470"/>
-            <a:ext cx="1428304" cy="369332"/>
+            <a:off x="821898" y="1099315"/>
+            <a:ext cx="1726164" cy="184666"/>
           </a:xfrm>
           <a:prstGeom prst="rect">
             <a:avLst/>
@@ -7317,13 +8051,13 @@
               </a:spcAft>
             </a:pPr>
             <a:r>
-              <a:rPr lang="fr-FR" sz="1200" b="1" dirty="0">
+              <a:rPr lang="en-US" sz="1200" b="1" spc="-10">
                 <a:solidFill>
                   <a:srgbClr val="020302"/>
                 </a:solidFill>
                 <a:latin typeface="+mj-lt"/>
               </a:rPr>
-              <a:t>Assistance principale du compte</a:t>
+              <a:t>Account Support Lead</a:t>
             </a:r>
           </a:p>
         </p:txBody>
@@ -7343,7 +8077,7 @@
         <p:spPr>
           <a:xfrm>
             <a:off x="401995" y="5785009"/>
-            <a:ext cx="2916515" cy="74092"/>
+            <a:ext cx="1848207" cy="45719"/>
           </a:xfrm>
           <a:custGeom>
             <a:avLst/>
@@ -7412,15 +8146,19 @@
               </a:spcBef>
             </a:pPr>
             <a:r>
-              <a:rPr lang="fr-FR" sz="1400" b="1">
+              <a:rPr lang="en-US" sz="1400" b="1" spc="-10">
                 <a:solidFill>
                   <a:srgbClr val="020302"/>
                 </a:solidFill>
                 <a:latin typeface="Adobe Clean"/>
                 <a:cs typeface="Adobe Clean"/>
               </a:rPr>
-              <a:t>Fonctionnalités de l’assistance en ligne</a:t>
-            </a:r>
+              <a:t>Online Support Features</a:t>
+            </a:r>
+            <a:endParaRPr lang="en-US" sz="1400">
+              <a:latin typeface="Adobe Clean"/>
+              <a:cs typeface="Adobe Clean"/>
+            </a:endParaRPr>
           </a:p>
         </p:txBody>
       </p:sp>
@@ -7508,15 +8246,19 @@
               </a:spcBef>
             </a:pPr>
             <a:r>
-              <a:rPr lang="fr-FR" sz="1400" b="1">
+              <a:rPr lang="en-US" sz="1400" b="1" spc="-10">
                 <a:solidFill>
                   <a:srgbClr val="020302"/>
                 </a:solidFill>
                 <a:latin typeface="Adobe Clean"/>
                 <a:cs typeface="Adobe Clean"/>
               </a:rPr>
-              <a:t>Fonctionnalités d’assistance commerciale</a:t>
-            </a:r>
+              <a:t>Business  Support Features</a:t>
+            </a:r>
+            <a:endParaRPr lang="en-US" sz="1400">
+              <a:latin typeface="Adobe Clean"/>
+              <a:cs typeface="Adobe Clean"/>
+            </a:endParaRPr>
           </a:p>
         </p:txBody>
       </p:sp>
@@ -7556,33 +8298,15 @@
               </a:spcBef>
             </a:pPr>
             <a:r>
-              <a:rPr lang="fr-FR" sz="850" dirty="0">
+              <a:rPr lang="en-US" sz="1000">
                 <a:latin typeface="Adobe Clean Light" panose="020B0303020404020204" pitchFamily="34" charset="0"/>
               </a:rPr>
-              <a:t>Les clients peuvent envoyer des cas d’assistance par téléphone pour tous les problèmes P2, P3 et P4 pendant les heures d’assistance régionales. Vous pouvez appeler l’assistance autant de fois que cela est nécessaire. Les clients peuvent également demander </a:t>
-            </a:r>
-            <a:br>
-              <a:rPr lang="fr-FR" sz="850" dirty="0">
-                <a:latin typeface="Adobe Clean Light" panose="020B0303020404020204" pitchFamily="34" charset="0"/>
-              </a:rPr>
-            </a:br>
-            <a:r>
-              <a:rPr lang="fr-FR" sz="850" dirty="0">
-                <a:latin typeface="Adobe Clean Light" panose="020B0303020404020204" pitchFamily="34" charset="0"/>
-              </a:rPr>
-              <a:t>à l’assistance de les rappeler ou demander une réunion pour démontrer ou résoudre un problème </a:t>
-            </a:r>
-            <a:br>
-              <a:rPr lang="fr-FR" sz="850" dirty="0">
-                <a:latin typeface="Adobe Clean Light" panose="020B0303020404020204" pitchFamily="34" charset="0"/>
-              </a:rPr>
-            </a:br>
-            <a:r>
-              <a:rPr lang="fr-FR" sz="850" dirty="0">
-                <a:latin typeface="Adobe Clean Light" panose="020B0303020404020204" pitchFamily="34" charset="0"/>
-              </a:rPr>
-              <a:t>au cours d’une session de bureau distant partagée.</a:t>
-            </a:r>
+              <a:t>Customers can submit support cases via Phone for all P2, P3, P4 issues during regional support hours. There are no upper limits on the number of times you can call into support. Customers can also request a call back from support or request a meeting to demonstrate or work through an issue using a shared remote desktop session.</a:t>
+            </a:r>
+            <a:endParaRPr lang="en-US" sz="1000">
+              <a:latin typeface="Adobe Clean Light" panose="020B0303020404020204" pitchFamily="34" charset="0"/>
+              <a:cs typeface="AdobeClean-Light"/>
+            </a:endParaRPr>
           </a:p>
         </p:txBody>
       </p:sp>
@@ -7602,8 +8326,8 @@
         </p:nvSpPr>
         <p:spPr>
           <a:xfrm>
-            <a:off x="3245088" y="976322"/>
-            <a:ext cx="1694525" cy="369332"/>
+            <a:off x="3257682" y="1083435"/>
+            <a:ext cx="1976242" cy="184666"/>
           </a:xfrm>
           <a:prstGeom prst="rect">
             <a:avLst/>
@@ -7624,13 +8348,13 @@
               </a:spcAft>
             </a:pPr>
             <a:r>
-              <a:rPr lang="fr-FR" sz="1200" b="1" dirty="0">
+              <a:rPr lang="en-US" sz="1200" b="1" spc="-10">
                 <a:solidFill>
                   <a:srgbClr val="020302"/>
                 </a:solidFill>
                 <a:latin typeface="+mj-lt"/>
               </a:rPr>
-              <a:t>Assistance téléphonique en direct</a:t>
+              <a:t>Live Telephone Support</a:t>
             </a:r>
           </a:p>
         </p:txBody>
@@ -7650,7 +8374,7 @@
         <p:spPr>
           <a:xfrm>
             <a:off x="5376301" y="1398482"/>
-            <a:ext cx="2087489" cy="820738"/>
+            <a:ext cx="2286000" cy="805349"/>
           </a:xfrm>
           <a:prstGeom prst="rect">
             <a:avLst/>
@@ -7671,31 +8395,18 @@
               </a:spcBef>
             </a:pPr>
             <a:r>
-              <a:rPr lang="fr-FR" sz="850" dirty="0">
+              <a:rPr lang="en-US" sz="1000">
                 <a:solidFill>
                   <a:srgbClr val="4B4B4B"/>
                 </a:solidFill>
                 <a:latin typeface="Adobe Clean Light" panose="020B0303020404020204" pitchFamily="34" charset="0"/>
               </a:rPr>
-              <a:t>Il s’agit d’un point de contact désigné au sein d’Adobe pouvant fournir une assistance en matière de remontées d’informations, des mises </a:t>
-            </a:r>
-            <a:br>
-              <a:rPr lang="fr-FR" sz="850" dirty="0">
-                <a:solidFill>
-                  <a:srgbClr val="4B4B4B"/>
-                </a:solidFill>
-                <a:latin typeface="Adobe Clean Light" panose="020B0303020404020204" pitchFamily="34" charset="0"/>
-              </a:rPr>
-            </a:br>
-            <a:r>
-              <a:rPr lang="fr-FR" sz="850" dirty="0">
-                <a:solidFill>
-                  <a:srgbClr val="4B4B4B"/>
-                </a:solidFill>
-                <a:latin typeface="Adobe Clean Light" panose="020B0303020404020204" pitchFamily="34" charset="0"/>
-              </a:rPr>
-              <a:t>à jour régulières et s’assurant que la priorité est mise sur vos demandes d’assistance ouvertes les plus importantes.</a:t>
-            </a:r>
+              <a:t>A designated point of contact within Adobe who can provide escalation assistance, regular updates and ensure priority is given to your most critical open support requests.</a:t>
+            </a:r>
+            <a:endParaRPr lang="en-US" sz="1000">
+              <a:latin typeface="Adobe Clean Light" panose="020B0303020404020204" pitchFamily="34" charset="0"/>
+              <a:cs typeface="AdobeClean-Light"/>
+            </a:endParaRPr>
           </a:p>
         </p:txBody>
       </p:sp>
@@ -7715,7 +8426,7 @@
         </p:nvSpPr>
         <p:spPr>
           <a:xfrm>
-            <a:off x="5885313" y="979579"/>
+            <a:off x="5885313" y="1085652"/>
             <a:ext cx="1608472" cy="184666"/>
           </a:xfrm>
           <a:prstGeom prst="rect">
@@ -7737,13 +8448,13 @@
               </a:spcAft>
             </a:pPr>
             <a:r>
-              <a:rPr lang="fr-FR" sz="1200" b="1" dirty="0">
+              <a:rPr lang="en-US" sz="1200" b="1" spc="-10">
                 <a:solidFill>
                   <a:srgbClr val="020302"/>
                 </a:solidFill>
                 <a:latin typeface="+mj-lt"/>
               </a:rPr>
-              <a:t>Gestion des remontées d’informations</a:t>
+              <a:t>Escalation Management</a:t>
             </a:r>
           </a:p>
         </p:txBody>
@@ -7791,7 +8502,7 @@
               <a:defRPr/>
             </a:pPr>
             <a:r>
-              <a:rPr lang="fr-FR" sz="1200">
+              <a:rPr lang="en-US" sz="1200">
                 <a:solidFill>
                   <a:srgbClr val="000000"/>
                 </a:solidFill>
@@ -7839,12 +8550,12 @@
               </a:spcAft>
             </a:pPr>
             <a:r>
-              <a:rPr lang="fr-FR" sz="1200" b="1">
+              <a:rPr lang="en-US" sz="1200" b="1">
                 <a:latin typeface="+mj-lt"/>
                 <a:ea typeface="Open Sans" pitchFamily="34" charset="0"/>
                 <a:cs typeface="Open Sans" pitchFamily="34" charset="0"/>
               </a:rPr>
-              <a:t>Webinaires</a:t>
+              <a:t>Webinars</a:t>
             </a:r>
           </a:p>
         </p:txBody>
@@ -7864,7 +8575,7 @@
         <p:spPr>
           <a:xfrm>
             <a:off x="370040" y="8618616"/>
-            <a:ext cx="2286000" cy="689932"/>
+            <a:ext cx="2286000" cy="1113125"/>
           </a:xfrm>
           <a:prstGeom prst="rect">
             <a:avLst/>
@@ -7877,49 +8588,13 @@
           <a:lstStyle/>
           <a:p>
             <a:r>
-              <a:rPr lang="fr-FR" sz="850" dirty="0">
+              <a:rPr lang="en-US" sz="1000">
                 <a:solidFill>
                   <a:srgbClr val="000000"/>
                 </a:solidFill>
                 <a:latin typeface="Adobe Clean Light" panose="020B0303020404020204" pitchFamily="34" charset="0"/>
               </a:rPr>
-              <a:t>« Office </a:t>
-            </a:r>
-            <a:r>
-              <a:rPr lang="fr-FR" sz="850" dirty="0" err="1">
-                <a:solidFill>
-                  <a:srgbClr val="000000"/>
-                </a:solidFill>
-                <a:latin typeface="Adobe Clean Light" panose="020B0303020404020204" pitchFamily="34" charset="0"/>
-              </a:rPr>
-              <a:t>Hours</a:t>
-            </a:r>
-            <a:r>
-              <a:rPr lang="fr-FR" sz="850" dirty="0">
-                <a:solidFill>
-                  <a:srgbClr val="000000"/>
-                </a:solidFill>
-                <a:latin typeface="Adobe Clean Light" panose="020B0303020404020204" pitchFamily="34" charset="0"/>
-              </a:rPr>
-              <a:t> » est une initiative menée par l’équipe du service clientèle d’Adobe. Ces sessions sont conçues pour informer les participants des problèmes et les aider à les résoudre. Elles fournissent des conseils et des astuces pour bien utiliser Adobe </a:t>
-            </a:r>
-            <a:r>
-              <a:rPr lang="fr-FR" sz="850" dirty="0" err="1">
-                <a:solidFill>
-                  <a:srgbClr val="000000"/>
-                </a:solidFill>
-                <a:latin typeface="Adobe Clean Light" panose="020B0303020404020204" pitchFamily="34" charset="0"/>
-              </a:rPr>
-              <a:t>Experience</a:t>
-            </a:r>
-            <a:r>
-              <a:rPr lang="fr-FR" sz="850" dirty="0">
-                <a:solidFill>
-                  <a:srgbClr val="000000"/>
-                </a:solidFill>
-                <a:latin typeface="Adobe Clean Light" panose="020B0303020404020204" pitchFamily="34" charset="0"/>
-              </a:rPr>
-              <a:t> Cloud.</a:t>
+              <a:t>Office Hours is an initiative led by the Adobe Customer Support team. These sessions are designed to inform as well as help participants troubleshoot problems and provide tips and tricks to be successful with Adobe Experience Cloud.</a:t>
             </a:r>
           </a:p>
         </p:txBody>
@@ -7962,12 +8637,12 @@
               </a:spcAft>
             </a:pPr>
             <a:r>
-              <a:rPr lang="fr-FR" sz="1200" b="1">
+              <a:rPr lang="en-US" sz="1200" b="1">
                 <a:latin typeface="+mj-lt"/>
                 <a:ea typeface="Open Sans" pitchFamily="34" charset="0"/>
                 <a:cs typeface="Open Sans" pitchFamily="34" charset="0"/>
               </a:rPr>
-              <a:t>Portail d’assistance 24/7</a:t>
+              <a:t>24/7 Support Portal</a:t>
             </a:r>
           </a:p>
         </p:txBody>
@@ -7987,7 +8662,7 @@
         <p:spPr>
           <a:xfrm>
             <a:off x="5376301" y="8618616"/>
-            <a:ext cx="2117484" cy="951543"/>
+            <a:ext cx="2286000" cy="805349"/>
           </a:xfrm>
           <a:prstGeom prst="rect">
             <a:avLst/>
@@ -8000,16 +8675,16 @@
           <a:lstStyle/>
           <a:p>
             <a:r>
-              <a:rPr lang="fr-FR" sz="850" dirty="0">
+              <a:rPr lang="en-US" sz="1000">
                 <a:solidFill>
                   <a:srgbClr val="000000"/>
                 </a:solidFill>
                 <a:latin typeface="Adobe Clean Light" panose="020B0303020404020204" pitchFamily="34" charset="0"/>
               </a:rPr>
-              <a:t>Accès à la demande au portail </a:t>
+              <a:t>On-demand access to the online </a:t>
             </a:r>
             <a:br>
-              <a:rPr lang="fr-FR" sz="850" dirty="0">
+              <a:rPr lang="en-US" sz="1000">
                 <a:solidFill>
                   <a:srgbClr val="000000"/>
                 </a:solidFill>
@@ -8017,47 +8692,13 @@
               </a:rPr>
             </a:br>
             <a:r>
-              <a:rPr lang="fr-FR" sz="850" dirty="0">
+              <a:rPr lang="en-US" sz="1000">
                 <a:solidFill>
                   <a:srgbClr val="000000"/>
                 </a:solidFill>
                 <a:latin typeface="Adobe Clean Light" panose="020B0303020404020204" pitchFamily="34" charset="0"/>
               </a:rPr>
-              <a:t>d’assistance d’aide automatique en ligne pour envoyer des demandes d’assistance, examiner </a:t>
-            </a:r>
-            <a:br>
-              <a:rPr lang="fr-FR" sz="850" dirty="0">
-                <a:solidFill>
-                  <a:srgbClr val="000000"/>
-                </a:solidFill>
-                <a:latin typeface="Adobe Clean Light" panose="020B0303020404020204" pitchFamily="34" charset="0"/>
-              </a:rPr>
-            </a:br>
-            <a:r>
-              <a:rPr lang="fr-FR" sz="850" dirty="0">
-                <a:solidFill>
-                  <a:srgbClr val="000000"/>
-                </a:solidFill>
-                <a:latin typeface="Adobe Clean Light" panose="020B0303020404020204" pitchFamily="34" charset="0"/>
-              </a:rPr>
-              <a:t>le statut des cas et parcourir d’autres ressources, telles que notre base de connaissances, </a:t>
-            </a:r>
-            <a:br>
-              <a:rPr lang="fr-FR" sz="850" dirty="0">
-                <a:solidFill>
-                  <a:srgbClr val="000000"/>
-                </a:solidFill>
-                <a:latin typeface="Adobe Clean Light" panose="020B0303020404020204" pitchFamily="34" charset="0"/>
-              </a:rPr>
-            </a:br>
-            <a:r>
-              <a:rPr lang="fr-FR" sz="850" dirty="0">
-                <a:solidFill>
-                  <a:srgbClr val="000000"/>
-                </a:solidFill>
-                <a:latin typeface="Adobe Clean Light" panose="020B0303020404020204" pitchFamily="34" charset="0"/>
-              </a:rPr>
-              <a:t>les actualités et les alertes, les conseils présentés, etc.</a:t>
+              <a:t>Self-help Support Portal to submit support requests, review case status, and browse other resources, like our knowledgebase, news and alerts, featured tips, and more.</a:t>
             </a:r>
           </a:p>
         </p:txBody>
@@ -8154,7 +8795,7 @@
         </p:nvSpPr>
         <p:spPr>
           <a:xfrm>
-            <a:off x="789025" y="3414400"/>
+            <a:off x="789025" y="3499700"/>
             <a:ext cx="1336142" cy="285247"/>
           </a:xfrm>
           <a:prstGeom prst="rect">
@@ -8169,10 +8810,10 @@
           <a:lstStyle/>
           <a:p>
             <a:r>
-              <a:rPr lang="fr-FR" sz="1200" b="1" dirty="0">
+              <a:rPr lang="en-US" sz="1200" b="1">
                 <a:latin typeface="+mj-lt"/>
               </a:rPr>
-              <a:t>Services commerciaux</a:t>
+              <a:t>Business Services</a:t>
             </a:r>
           </a:p>
         </p:txBody>
@@ -8213,11 +8854,15 @@
               </a:spcBef>
             </a:pPr>
             <a:r>
-              <a:rPr lang="fr-FR" sz="850">
+              <a:rPr lang="en-US" sz="1000">
                 <a:latin typeface="Adobe Clean Light" panose="020B0303020404020204" pitchFamily="34" charset="0"/>
               </a:rPr>
-              <a:t>Une assistance de compte principale hébergera des webinaires présentant un aperçu des services d’assistance commerciale.  </a:t>
-            </a:r>
+              <a:t>An Account Support Lead will host webinars covering an overview of business support services.  </a:t>
+            </a:r>
+            <a:endParaRPr lang="en-US" sz="1000">
+              <a:latin typeface="Adobe Clean Light" panose="020B0303020404020204" pitchFamily="34" charset="0"/>
+              <a:cs typeface="AdobeClean-Light"/>
+            </a:endParaRPr>
           </a:p>
         </p:txBody>
       </p:sp>
@@ -8686,12 +9331,12 @@
               <a:defRPr/>
             </a:pPr>
             <a:r>
-              <a:rPr lang="fr-FR" sz="1200">
+              <a:rPr lang="en-US" sz="1200">
                 <a:solidFill>
                   <a:srgbClr val="000000"/>
                 </a:solidFill>
               </a:rPr>
-              <a:t>Portail d’aide automatique</a:t>
+              <a:t>Self– Help Portal</a:t>
             </a:r>
           </a:p>
         </p:txBody>
@@ -8739,7 +9384,7 @@
               <a:defRPr/>
             </a:pPr>
             <a:r>
-              <a:rPr lang="fr-FR" sz="1200">
+              <a:rPr lang="en-US" sz="1200">
                 <a:solidFill>
                   <a:srgbClr val="000000"/>
                 </a:solidFill>
@@ -8801,15 +9446,49 @@
               </a:lnSpc>
             </a:pPr>
             <a:r>
-              <a:rPr lang="fr-FR" sz="500">
+              <a:rPr sz="500" spc="-5">
                 <a:solidFill>
                   <a:srgbClr val="6C6C6C"/>
                 </a:solidFill>
                 <a:latin typeface="Adobe Clean"/>
                 <a:cs typeface="Adobe Clean"/>
               </a:rPr>
-              <a:t>©2020 Adobe. All Rights Reserved. Données confidentielles Adobe</a:t>
-            </a:r>
+              <a:t>©2020 Adobe. All Rights Reserved. </a:t>
+            </a:r>
+            <a:r>
+              <a:rPr sz="500">
+                <a:solidFill>
+                  <a:srgbClr val="6C6C6C"/>
+                </a:solidFill>
+                <a:latin typeface="Adobe Clean"/>
+                <a:cs typeface="Adobe Clean"/>
+              </a:rPr>
+              <a:t>Adobe</a:t>
+            </a:r>
+            <a:r>
+              <a:rPr sz="500" spc="5">
+                <a:solidFill>
+                  <a:srgbClr val="6C6C6C"/>
+                </a:solidFill>
+                <a:latin typeface="Adobe Clean"/>
+                <a:cs typeface="Adobe Clean"/>
+              </a:rPr>
+              <a:t> </a:t>
+            </a:r>
+            <a:r>
+              <a:rPr sz="500" spc="-5">
+                <a:solidFill>
+                  <a:srgbClr val="6C6C6C"/>
+                </a:solidFill>
+                <a:latin typeface="Adobe Clean"/>
+                <a:cs typeface="Adobe Clean"/>
+              </a:rPr>
+              <a:t>Confidential.</a:t>
+            </a:r>
+            <a:endParaRPr sz="500">
+              <a:latin typeface="Adobe Clean"/>
+              <a:cs typeface="Adobe Clean"/>
+            </a:endParaRPr>
           </a:p>
           <a:p>
             <a:pPr>
@@ -8835,15 +9514,39 @@
               </a:spcBef>
             </a:pPr>
             <a:r>
-              <a:rPr lang="fr-FR" sz="800">
+              <a:rPr sz="800" spc="-5">
                 <a:solidFill>
                   <a:srgbClr val="6D6D6D"/>
                 </a:solidFill>
                 <a:latin typeface="Adobe Clean"/>
                 <a:cs typeface="Adobe Clean"/>
               </a:rPr>
-              <a:t>©2020 Adobe. All Rights Reserved. Données confidentielles Adobe</a:t>
-            </a:r>
+              <a:t>©2020 Adobe. All Rights Reserved. Adobe</a:t>
+            </a:r>
+            <a:r>
+              <a:rPr sz="800" spc="75">
+                <a:solidFill>
+                  <a:srgbClr val="6D6D6D"/>
+                </a:solidFill>
+                <a:latin typeface="Adobe Clean"/>
+                <a:cs typeface="Adobe Clean"/>
+              </a:rPr>
+              <a:t> </a:t>
+            </a:r>
+            <a:r>
+              <a:rPr sz="800" spc="-5">
+                <a:solidFill>
+                  <a:srgbClr val="6D6D6D"/>
+                </a:solidFill>
+                <a:latin typeface="Adobe Clean"/>
+                <a:cs typeface="Adobe Clean"/>
+              </a:rPr>
+              <a:t>Confidential.</a:t>
+            </a:r>
+            <a:endParaRPr sz="800">
+              <a:latin typeface="Adobe Clean"/>
+              <a:cs typeface="Adobe Clean"/>
+            </a:endParaRPr>
           </a:p>
         </p:txBody>
       </p:sp>
@@ -8927,15 +9630,19 @@
               </a:spcBef>
             </a:pPr>
             <a:r>
-              <a:rPr lang="fr-FR" sz="1400" b="1">
+              <a:rPr lang="en-US" sz="1400" b="1" spc="-15">
                 <a:solidFill>
                   <a:srgbClr val="020302"/>
                 </a:solidFill>
                 <a:latin typeface="Adobe Clean"/>
                 <a:cs typeface="Adobe Clean"/>
               </a:rPr>
-              <a:t>Ressources</a:t>
-            </a:r>
+              <a:t>Resources</a:t>
+            </a:r>
+            <a:endParaRPr sz="1400">
+              <a:latin typeface="Adobe Clean"/>
+              <a:cs typeface="Adobe Clean"/>
+            </a:endParaRPr>
           </a:p>
         </p:txBody>
       </p:sp>
@@ -8948,7 +9655,7 @@
         <p:spPr>
           <a:xfrm>
             <a:off x="6754821" y="9283729"/>
-            <a:ext cx="1017579" cy="662305"/>
+            <a:ext cx="930275" cy="662305"/>
           </a:xfrm>
           <a:prstGeom prst="rect">
             <a:avLst/>
@@ -8969,7 +9676,7 @@
               </a:spcBef>
             </a:pPr>
             <a:r>
-              <a:rPr lang="fr-FR" sz="800" dirty="0">
+              <a:rPr sz="800" spc="-15">
                 <a:solidFill>
                   <a:srgbClr val="777879"/>
                 </a:solidFill>
@@ -8978,6 +9685,10 @@
               </a:rPr>
               <a:t>Adobe</a:t>
             </a:r>
+            <a:endParaRPr sz="800">
+              <a:latin typeface="Adobe Clean"/>
+              <a:cs typeface="Adobe Clean"/>
+            </a:endParaRPr>
           </a:p>
           <a:p>
             <a:pPr marL="12700">
@@ -8986,15 +9697,39 @@
               </a:lnSpc>
             </a:pPr>
             <a:r>
-              <a:rPr lang="fr-FR" sz="800" dirty="0">
+              <a:rPr sz="800" spc="-15">
                 <a:solidFill>
                   <a:srgbClr val="777879"/>
                 </a:solidFill>
                 <a:latin typeface="Adobe Clean"/>
                 <a:cs typeface="Adobe Clean"/>
               </a:rPr>
-              <a:t>345 Park Avenue</a:t>
-            </a:r>
+              <a:t>345 Park</a:t>
+            </a:r>
+            <a:r>
+              <a:rPr sz="800" spc="-100">
+                <a:solidFill>
+                  <a:srgbClr val="777879"/>
+                </a:solidFill>
+                <a:latin typeface="Adobe Clean"/>
+                <a:cs typeface="Adobe Clean"/>
+              </a:rPr>
+              <a:t> </a:t>
+            </a:r>
+            <a:r>
+              <a:rPr sz="800" spc="-15">
+                <a:solidFill>
+                  <a:srgbClr val="777879"/>
+                </a:solidFill>
+                <a:latin typeface="Adobe Clean"/>
+                <a:cs typeface="Adobe Clean"/>
+              </a:rPr>
+              <a:t>Avenue</a:t>
+            </a:r>
+            <a:endParaRPr sz="800">
+              <a:latin typeface="Adobe Clean"/>
+              <a:cs typeface="Adobe Clean"/>
+            </a:endParaRPr>
           </a:p>
           <a:p>
             <a:pPr marL="12700">
@@ -9003,15 +9738,49 @@
               </a:lnSpc>
             </a:pPr>
             <a:r>
-              <a:rPr lang="fr-FR" sz="800" dirty="0">
+              <a:rPr sz="800" spc="-10">
                 <a:solidFill>
                   <a:srgbClr val="777879"/>
                 </a:solidFill>
                 <a:latin typeface="Adobe Clean"/>
                 <a:cs typeface="Adobe Clean"/>
               </a:rPr>
-              <a:t>San Jose, CA95110-2704</a:t>
-            </a:r>
+              <a:t>San </a:t>
+            </a:r>
+            <a:r>
+              <a:rPr sz="800" spc="-15">
+                <a:solidFill>
+                  <a:srgbClr val="777879"/>
+                </a:solidFill>
+                <a:latin typeface="Adobe Clean"/>
+                <a:cs typeface="Adobe Clean"/>
+              </a:rPr>
+              <a:t>Jose,</a:t>
+            </a:r>
+            <a:r>
+              <a:rPr sz="800" spc="-140">
+                <a:solidFill>
+                  <a:srgbClr val="777879"/>
+                </a:solidFill>
+                <a:latin typeface="Adobe Clean"/>
+                <a:cs typeface="Adobe Clean"/>
+              </a:rPr>
+              <a:t> </a:t>
+            </a:r>
+            <a:r>
+              <a:rPr sz="800" spc="-20">
+                <a:solidFill>
+                  <a:srgbClr val="777879"/>
+                </a:solidFill>
+                <a:latin typeface="Adobe Clean"/>
+                <a:cs typeface="Adobe Clean"/>
+              </a:rPr>
+              <a:t>CA95110-2704</a:t>
+            </a:r>
+            <a:endParaRPr sz="800">
+              <a:latin typeface="Adobe Clean"/>
+              <a:cs typeface="Adobe Clean"/>
+            </a:endParaRPr>
           </a:p>
           <a:p>
             <a:pPr marL="12700">
@@ -9023,15 +9792,19 @@
               </a:spcBef>
             </a:pPr>
             <a:r>
-              <a:rPr lang="fr-FR" sz="800" dirty="0">
+              <a:rPr sz="800" spc="-10">
                 <a:solidFill>
                   <a:srgbClr val="777879"/>
                 </a:solidFill>
                 <a:latin typeface="Adobe Clean"/>
                 <a:cs typeface="Adobe Clean"/>
               </a:rPr>
-              <a:t>États-Unis</a:t>
-            </a:r>
+              <a:t>USA</a:t>
+            </a:r>
+            <a:endParaRPr sz="800">
+              <a:latin typeface="Adobe Clean"/>
+              <a:cs typeface="Adobe Clean"/>
+            </a:endParaRPr>
           </a:p>
           <a:p>
             <a:pPr marL="12700">
@@ -9043,7 +9816,7 @@
               </a:spcBef>
             </a:pPr>
             <a:r>
-              <a:rPr lang="fr-FR" sz="800" u="sng" dirty="0">
+              <a:rPr sz="800" u="sng" spc="-25">
                 <a:solidFill>
                   <a:srgbClr val="5F5F5F"/>
                 </a:solidFill>
@@ -9056,8 +9829,12 @@
                 <a:cs typeface="Adobe Clean"/>
                 <a:hlinkClick r:id="rId3"/>
               </a:rPr>
-              <a:t>www.adobe.com/fr/</a:t>
-            </a:r>
+              <a:t>www.adobe.com</a:t>
+            </a:r>
+            <a:endParaRPr sz="800">
+              <a:latin typeface="Adobe Clean"/>
+              <a:cs typeface="Adobe Clean"/>
+            </a:endParaRPr>
           </a:p>
         </p:txBody>
       </p:sp>
@@ -9232,34 +10009,439 @@
               </a:spcBef>
             </a:pPr>
             <a:r>
-              <a:rPr lang="fr-FR" sz="1100" i="1" dirty="0">
+              <a:rPr sz="1100" i="1" spc="-10">
                 <a:solidFill>
                   <a:srgbClr val="777879"/>
                 </a:solidFill>
                 <a:latin typeface="AdobeClean-LightIt"/>
                 <a:cs typeface="AdobeClean-LightIt"/>
               </a:rPr>
-              <a:t>Pour en apprendre plus sur les offres de l’assistance Adobe et sur le niveau qui vous convient, </a:t>
-            </a:r>
-            <a:br>
-              <a:rPr lang="fr-FR" sz="1100" i="1" dirty="0">
+              <a:t>To</a:t>
+            </a:r>
+            <a:r>
+              <a:rPr sz="1100" i="1" spc="-50">
                 <a:solidFill>
                   <a:srgbClr val="777879"/>
                 </a:solidFill>
                 <a:latin typeface="AdobeClean-LightIt"/>
                 <a:cs typeface="AdobeClean-LightIt"/>
               </a:rPr>
-            </a:br>
-            <a:r>
-              <a:rPr lang="fr-FR" sz="1100" i="1" dirty="0">
+              <a:t> </a:t>
+            </a:r>
+            <a:r>
+              <a:rPr sz="1100" i="1" spc="-15">
                 <a:solidFill>
                   <a:srgbClr val="777879"/>
                 </a:solidFill>
                 <a:latin typeface="AdobeClean-LightIt"/>
                 <a:cs typeface="AdobeClean-LightIt"/>
               </a:rPr>
-              <a:t>contactez votre gestionnaire de compte nommé (NAM) ou votre gestionnaire de réussite client (CSM).</a:t>
-            </a:r>
+              <a:t>learn</a:t>
+            </a:r>
+            <a:r>
+              <a:rPr sz="1100" i="1" spc="-40">
+                <a:solidFill>
+                  <a:srgbClr val="777879"/>
+                </a:solidFill>
+                <a:latin typeface="AdobeClean-LightIt"/>
+                <a:cs typeface="AdobeClean-LightIt"/>
+              </a:rPr>
+              <a:t> </a:t>
+            </a:r>
+            <a:r>
+              <a:rPr sz="1100" i="1" spc="-15">
+                <a:solidFill>
+                  <a:srgbClr val="777879"/>
+                </a:solidFill>
+                <a:latin typeface="AdobeClean-LightIt"/>
+                <a:cs typeface="AdobeClean-LightIt"/>
+              </a:rPr>
+              <a:t>more</a:t>
+            </a:r>
+            <a:r>
+              <a:rPr sz="1100" i="1" spc="-45">
+                <a:solidFill>
+                  <a:srgbClr val="777879"/>
+                </a:solidFill>
+                <a:latin typeface="AdobeClean-LightIt"/>
+                <a:cs typeface="AdobeClean-LightIt"/>
+              </a:rPr>
+              <a:t> </a:t>
+            </a:r>
+            <a:r>
+              <a:rPr sz="1100" i="1" spc="-15">
+                <a:solidFill>
+                  <a:srgbClr val="777879"/>
+                </a:solidFill>
+                <a:latin typeface="AdobeClean-LightIt"/>
+                <a:cs typeface="AdobeClean-LightIt"/>
+              </a:rPr>
+              <a:t>about</a:t>
+            </a:r>
+            <a:r>
+              <a:rPr sz="1100" i="1" spc="-45">
+                <a:solidFill>
+                  <a:srgbClr val="777879"/>
+                </a:solidFill>
+                <a:latin typeface="AdobeClean-LightIt"/>
+                <a:cs typeface="AdobeClean-LightIt"/>
+              </a:rPr>
+              <a:t> </a:t>
+            </a:r>
+            <a:r>
+              <a:rPr sz="1100" i="1" spc="-15">
+                <a:solidFill>
+                  <a:srgbClr val="777879"/>
+                </a:solidFill>
+                <a:latin typeface="AdobeClean-LightIt"/>
+                <a:cs typeface="AdobeClean-LightIt"/>
+              </a:rPr>
+              <a:t>Adobe</a:t>
+            </a:r>
+            <a:r>
+              <a:rPr sz="1100" i="1" spc="-50">
+                <a:solidFill>
+                  <a:srgbClr val="777879"/>
+                </a:solidFill>
+                <a:latin typeface="AdobeClean-LightIt"/>
+                <a:cs typeface="AdobeClean-LightIt"/>
+              </a:rPr>
+              <a:t> </a:t>
+            </a:r>
+            <a:r>
+              <a:rPr sz="1100" i="1" spc="-15">
+                <a:solidFill>
+                  <a:srgbClr val="777879"/>
+                </a:solidFill>
+                <a:latin typeface="AdobeClean-LightIt"/>
+                <a:cs typeface="AdobeClean-LightIt"/>
+              </a:rPr>
+              <a:t>Support</a:t>
+            </a:r>
+            <a:r>
+              <a:rPr lang="en-US" sz="1100" i="1" spc="-15">
+                <a:solidFill>
+                  <a:srgbClr val="777879"/>
+                </a:solidFill>
+                <a:latin typeface="AdobeClean-LightIt"/>
+                <a:cs typeface="AdobeClean-LightIt"/>
+              </a:rPr>
+              <a:t> Offerings</a:t>
+            </a:r>
+            <a:r>
+              <a:rPr sz="1100" i="1" spc="-75">
+                <a:solidFill>
+                  <a:srgbClr val="777879"/>
+                </a:solidFill>
+                <a:latin typeface="AdobeClean-LightIt"/>
+                <a:cs typeface="AdobeClean-LightIt"/>
+              </a:rPr>
+              <a:t> </a:t>
+            </a:r>
+            <a:r>
+              <a:rPr sz="1100" i="1" spc="-15">
+                <a:solidFill>
+                  <a:srgbClr val="777879"/>
+                </a:solidFill>
+                <a:latin typeface="AdobeClean-LightIt"/>
+                <a:cs typeface="AdobeClean-LightIt"/>
+              </a:rPr>
+              <a:t>and</a:t>
+            </a:r>
+            <a:r>
+              <a:rPr sz="1100" i="1" spc="-50">
+                <a:solidFill>
+                  <a:srgbClr val="777879"/>
+                </a:solidFill>
+                <a:latin typeface="AdobeClean-LightIt"/>
+                <a:cs typeface="AdobeClean-LightIt"/>
+              </a:rPr>
+              <a:t> </a:t>
+            </a:r>
+            <a:r>
+              <a:rPr sz="1100" i="1" spc="-15">
+                <a:solidFill>
+                  <a:srgbClr val="777879"/>
+                </a:solidFill>
+                <a:latin typeface="AdobeClean-LightIt"/>
+                <a:cs typeface="AdobeClean-LightIt"/>
+              </a:rPr>
+              <a:t>the</a:t>
+            </a:r>
+            <a:r>
+              <a:rPr sz="1100" i="1" spc="-55">
+                <a:solidFill>
+                  <a:srgbClr val="777879"/>
+                </a:solidFill>
+                <a:latin typeface="AdobeClean-LightIt"/>
+                <a:cs typeface="AdobeClean-LightIt"/>
+              </a:rPr>
+              <a:t> </a:t>
+            </a:r>
+            <a:r>
+              <a:rPr sz="1100" i="1" spc="-15">
+                <a:solidFill>
+                  <a:srgbClr val="777879"/>
+                </a:solidFill>
+                <a:latin typeface="AdobeClean-LightIt"/>
+                <a:cs typeface="AdobeClean-LightIt"/>
+              </a:rPr>
+              <a:t>right</a:t>
+            </a:r>
+            <a:r>
+              <a:rPr sz="1100" i="1" spc="-95">
+                <a:solidFill>
+                  <a:srgbClr val="777879"/>
+                </a:solidFill>
+                <a:latin typeface="AdobeClean-LightIt"/>
+                <a:cs typeface="AdobeClean-LightIt"/>
+              </a:rPr>
+              <a:t> </a:t>
+            </a:r>
+            <a:r>
+              <a:rPr sz="1100" i="1" spc="-15">
+                <a:solidFill>
+                  <a:srgbClr val="777879"/>
+                </a:solidFill>
+                <a:latin typeface="AdobeClean-LightIt"/>
+                <a:cs typeface="AdobeClean-LightIt"/>
+              </a:rPr>
+              <a:t>level</a:t>
+            </a:r>
+            <a:r>
+              <a:rPr sz="1100" i="1" spc="-55">
+                <a:solidFill>
+                  <a:srgbClr val="777879"/>
+                </a:solidFill>
+                <a:latin typeface="AdobeClean-LightIt"/>
+                <a:cs typeface="AdobeClean-LightIt"/>
+              </a:rPr>
+              <a:t> </a:t>
+            </a:r>
+            <a:r>
+              <a:rPr sz="1100" i="1" spc="-15">
+                <a:solidFill>
+                  <a:srgbClr val="777879"/>
+                </a:solidFill>
+                <a:latin typeface="AdobeClean-LightIt"/>
+                <a:cs typeface="AdobeClean-LightIt"/>
+              </a:rPr>
+              <a:t>for</a:t>
+            </a:r>
+            <a:r>
+              <a:rPr sz="1100" i="1" spc="-85">
+                <a:solidFill>
+                  <a:srgbClr val="777879"/>
+                </a:solidFill>
+                <a:latin typeface="AdobeClean-LightIt"/>
+                <a:cs typeface="AdobeClean-LightIt"/>
+              </a:rPr>
+              <a:t> </a:t>
+            </a:r>
+            <a:r>
+              <a:rPr sz="1100" i="1" spc="-15">
+                <a:solidFill>
+                  <a:srgbClr val="777879"/>
+                </a:solidFill>
+                <a:latin typeface="AdobeClean-LightIt"/>
+                <a:cs typeface="AdobeClean-LightIt"/>
+              </a:rPr>
+              <a:t>you,</a:t>
+            </a:r>
+            <a:r>
+              <a:rPr sz="1100" i="1" spc="-65">
+                <a:solidFill>
+                  <a:srgbClr val="777879"/>
+                </a:solidFill>
+                <a:latin typeface="AdobeClean-LightIt"/>
+                <a:cs typeface="AdobeClean-LightIt"/>
+              </a:rPr>
+              <a:t> </a:t>
+            </a:r>
+            <a:r>
+              <a:rPr sz="1100" i="1" spc="-15">
+                <a:solidFill>
+                  <a:srgbClr val="777879"/>
+                </a:solidFill>
+                <a:latin typeface="AdobeClean-LightIt"/>
+                <a:cs typeface="AdobeClean-LightIt"/>
+              </a:rPr>
+              <a:t>contact</a:t>
+            </a:r>
+            <a:r>
+              <a:rPr sz="1100" i="1" spc="-85">
+                <a:solidFill>
+                  <a:srgbClr val="777879"/>
+                </a:solidFill>
+                <a:latin typeface="AdobeClean-LightIt"/>
+                <a:cs typeface="AdobeClean-LightIt"/>
+              </a:rPr>
+              <a:t> </a:t>
+            </a:r>
+            <a:r>
+              <a:rPr sz="1100" i="1" spc="-15">
+                <a:solidFill>
+                  <a:srgbClr val="777879"/>
+                </a:solidFill>
+                <a:latin typeface="AdobeClean-LightIt"/>
+                <a:cs typeface="AdobeClean-LightIt"/>
+              </a:rPr>
+              <a:t>your</a:t>
+            </a:r>
+            <a:r>
+              <a:rPr sz="1100" i="1" spc="-70">
+                <a:solidFill>
+                  <a:srgbClr val="777879"/>
+                </a:solidFill>
+                <a:latin typeface="AdobeClean-LightIt"/>
+                <a:cs typeface="AdobeClean-LightIt"/>
+              </a:rPr>
+              <a:t> </a:t>
+            </a:r>
+            <a:r>
+              <a:rPr sz="1100" i="1" spc="-15">
+                <a:solidFill>
+                  <a:srgbClr val="777879"/>
+                </a:solidFill>
+                <a:latin typeface="AdobeClean-LightIt"/>
+                <a:cs typeface="AdobeClean-LightIt"/>
+              </a:rPr>
+              <a:t>Named</a:t>
+            </a:r>
+            <a:r>
+              <a:rPr sz="1100" i="1" spc="-55">
+                <a:solidFill>
+                  <a:srgbClr val="777879"/>
+                </a:solidFill>
+                <a:latin typeface="AdobeClean-LightIt"/>
+                <a:cs typeface="AdobeClean-LightIt"/>
+              </a:rPr>
+              <a:t> </a:t>
+            </a:r>
+            <a:r>
+              <a:rPr sz="1100" i="1" spc="-25">
+                <a:solidFill>
+                  <a:srgbClr val="777879"/>
+                </a:solidFill>
+                <a:latin typeface="AdobeClean-LightIt"/>
+                <a:cs typeface="AdobeClean-LightIt"/>
+              </a:rPr>
+              <a:t>Account</a:t>
+            </a:r>
+            <a:r>
+              <a:rPr sz="1100" i="1" spc="-120">
+                <a:solidFill>
+                  <a:srgbClr val="777879"/>
+                </a:solidFill>
+                <a:latin typeface="AdobeClean-LightIt"/>
+                <a:cs typeface="AdobeClean-LightIt"/>
+              </a:rPr>
+              <a:t> </a:t>
+            </a:r>
+            <a:r>
+              <a:rPr sz="1100" i="1" spc="-20">
+                <a:solidFill>
+                  <a:srgbClr val="777879"/>
+                </a:solidFill>
+                <a:latin typeface="AdobeClean-LightIt"/>
+                <a:cs typeface="AdobeClean-LightIt"/>
+              </a:rPr>
+              <a:t>Manager</a:t>
+            </a:r>
+            <a:r>
+              <a:rPr lang="en-US" sz="1100" i="1" spc="-20">
+                <a:solidFill>
+                  <a:srgbClr val="777879"/>
+                </a:solidFill>
+                <a:latin typeface="AdobeClean-LightIt"/>
+                <a:cs typeface="AdobeClean-LightIt"/>
+              </a:rPr>
+              <a:t> </a:t>
+            </a:r>
+            <a:r>
+              <a:rPr sz="1100" i="1" spc="-20">
+                <a:solidFill>
+                  <a:srgbClr val="777879"/>
+                </a:solidFill>
+                <a:latin typeface="AdobeClean-LightIt"/>
+                <a:cs typeface="AdobeClean-LightIt"/>
+              </a:rPr>
+              <a:t> </a:t>
+            </a:r>
+            <a:r>
+              <a:rPr sz="1100" i="1" spc="-15">
+                <a:solidFill>
+                  <a:srgbClr val="777879"/>
+                </a:solidFill>
+                <a:latin typeface="AdobeClean-LightIt"/>
+                <a:cs typeface="AdobeClean-LightIt"/>
+              </a:rPr>
+              <a:t>(NAM) </a:t>
+            </a:r>
+            <a:r>
+              <a:rPr sz="1100" i="1" spc="-10">
+                <a:solidFill>
+                  <a:srgbClr val="777879"/>
+                </a:solidFill>
+                <a:latin typeface="AdobeClean-LightIt"/>
+                <a:cs typeface="AdobeClean-LightIt"/>
+              </a:rPr>
+              <a:t>or </a:t>
+            </a:r>
+            <a:r>
+              <a:rPr sz="1100" i="1" spc="-15">
+                <a:solidFill>
+                  <a:srgbClr val="777879"/>
+                </a:solidFill>
+                <a:latin typeface="AdobeClean-LightIt"/>
+                <a:cs typeface="AdobeClean-LightIt"/>
+              </a:rPr>
+              <a:t>Customer</a:t>
+            </a:r>
+            <a:r>
+              <a:rPr lang="en-US" sz="1100" i="1" spc="-15">
+                <a:solidFill>
+                  <a:srgbClr val="777879"/>
+                </a:solidFill>
+                <a:latin typeface="AdobeClean-LightIt"/>
+                <a:cs typeface="AdobeClean-LightIt"/>
+              </a:rPr>
+              <a:t> </a:t>
+            </a:r>
+            <a:r>
+              <a:rPr lang="en-US" sz="1100" i="1" spc="-20">
+                <a:solidFill>
+                  <a:srgbClr val="777879"/>
+                </a:solidFill>
+                <a:latin typeface="AdobeClean-LightIt"/>
+                <a:cs typeface="AdobeClean-LightIt"/>
+              </a:rPr>
+              <a:t>Success </a:t>
+            </a:r>
+            <a:r>
+              <a:rPr lang="en-US" sz="1100" i="1" spc="-15">
+                <a:solidFill>
+                  <a:srgbClr val="777879"/>
+                </a:solidFill>
+                <a:latin typeface="AdobeClean-LightIt"/>
+                <a:cs typeface="AdobeClean-LightIt"/>
+              </a:rPr>
+              <a:t>Manager </a:t>
+            </a:r>
+            <a:r>
+              <a:rPr sz="1100" i="1" spc="-15">
+                <a:solidFill>
+                  <a:srgbClr val="777879"/>
+                </a:solidFill>
+                <a:latin typeface="AdobeClean-LightIt"/>
+                <a:cs typeface="AdobeClean-LightIt"/>
+              </a:rPr>
+              <a:t>(CSM)</a:t>
+            </a:r>
+            <a:endParaRPr sz="1100">
+              <a:latin typeface="AdobeClean-LightIt"/>
+              <a:cs typeface="AdobeClean-LightIt"/>
+            </a:endParaRPr>
           </a:p>
           <a:p>
             <a:pPr marL="34290">
@@ -9271,55 +10453,59 @@
               </a:spcBef>
             </a:pPr>
             <a:r>
-              <a:rPr lang="fr-FR" sz="800" dirty="0">
+              <a:rPr sz="800" spc="-5">
                 <a:solidFill>
                   <a:srgbClr val="6D6D6D"/>
                 </a:solidFill>
                 <a:latin typeface="Adobe Clean"/>
                 <a:cs typeface="Adobe Clean"/>
               </a:rPr>
-              <a:t>©2021 Adobe. All </a:t>
-            </a:r>
-            <a:r>
-              <a:rPr lang="fr-FR" sz="800" dirty="0" err="1">
+              <a:t>©202</a:t>
+            </a:r>
+            <a:r>
+              <a:rPr lang="en-US" sz="800" spc="-5">
                 <a:solidFill>
                   <a:srgbClr val="6D6D6D"/>
                 </a:solidFill>
                 <a:latin typeface="Adobe Clean"/>
                 <a:cs typeface="Adobe Clean"/>
               </a:rPr>
-              <a:t>Rights</a:t>
-            </a:r>
-            <a:r>
-              <a:rPr lang="fr-FR" sz="800" dirty="0">
+              <a:t>1</a:t>
+            </a:r>
+            <a:r>
+              <a:rPr sz="800" spc="-5">
                 <a:solidFill>
                   <a:srgbClr val="6D6D6D"/>
                 </a:solidFill>
                 <a:latin typeface="Adobe Clean"/>
                 <a:cs typeface="Adobe Clean"/>
               </a:rPr>
-              <a:t> </a:t>
-            </a:r>
-            <a:r>
-              <a:rPr lang="fr-FR" sz="800" dirty="0" err="1">
+              <a:t> Adobe. All Rights Reserved. Adobe</a:t>
+            </a:r>
+            <a:r>
+              <a:rPr sz="800" spc="75">
                 <a:solidFill>
                   <a:srgbClr val="6D6D6D"/>
                 </a:solidFill>
                 <a:latin typeface="Adobe Clean"/>
                 <a:cs typeface="Adobe Clean"/>
               </a:rPr>
-              <a:t>Reserved</a:t>
-            </a:r>
-            <a:r>
-              <a:rPr lang="fr-FR" sz="800" dirty="0">
+              <a:t> </a:t>
+            </a:r>
+            <a:r>
+              <a:rPr sz="800" spc="-5">
                 <a:solidFill>
                   <a:srgbClr val="6D6D6D"/>
                 </a:solidFill>
                 <a:latin typeface="Adobe Clean"/>
                 <a:cs typeface="Adobe Clean"/>
               </a:rPr>
-              <a:t>. Données confidentielles Adobe</a:t>
-            </a:r>
+              <a:t>Confidential.</a:t>
+            </a:r>
+            <a:endParaRPr sz="800">
+              <a:latin typeface="Adobe Clean"/>
+              <a:cs typeface="Adobe Clean"/>
+            </a:endParaRPr>
           </a:p>
         </p:txBody>
       </p:sp>
@@ -9337,8 +10523,8 @@
         </p:nvSpPr>
         <p:spPr>
           <a:xfrm>
-            <a:off x="197232" y="5031270"/>
-            <a:ext cx="7140827" cy="755976"/>
+            <a:off x="197233" y="5031270"/>
+            <a:ext cx="6476646" cy="755976"/>
           </a:xfrm>
           <a:prstGeom prst="rect">
             <a:avLst/>
@@ -9356,15 +10542,19 @@
               </a:spcBef>
             </a:pPr>
             <a:r>
-              <a:rPr lang="fr-FR" sz="1400" b="1" dirty="0">
+              <a:rPr lang="en-US" sz="1400" b="1" spc="-15">
                 <a:solidFill>
                   <a:srgbClr val="020302"/>
                 </a:solidFill>
                 <a:latin typeface="Adobe Clean"/>
                 <a:cs typeface="Adobe Clean"/>
               </a:rPr>
-              <a:t>Portée régionale de l’assistance Adobe, heures ouvrables locales et assistance linguistique</a:t>
-            </a:r>
+              <a:t>Regional scope of Adobe Support, Local Hours Of Operation And Language Support</a:t>
+            </a:r>
+            <a:endParaRPr lang="en-US" sz="1400" spc="-15">
+              <a:ea typeface="+mn-lt"/>
+              <a:cs typeface="+mn-lt"/>
+            </a:endParaRPr>
           </a:p>
           <a:p>
             <a:pPr>
@@ -9373,14 +10563,15 @@
               </a:spcBef>
             </a:pPr>
             <a:r>
-              <a:rPr lang="fr-FR" sz="1000" dirty="0">
+              <a:rPr lang="en-US" sz="1000" spc="-15">
                 <a:solidFill>
                   <a:srgbClr val="1F1F1F"/>
                 </a:solidFill>
                 <a:latin typeface="AdobeClean-Light"/>
               </a:rPr>
-              <a:t>La portée régionale de l’assistance Adobe est définie par l’alignement de l’adresse de facturation du client (se trouvant sur le bon de commande ou tout autre document d’achat de l’assistance Adobe) avec l’une des régions suivantes :</a:t>
-            </a:r>
+              <a:t>The Regional scope of Adobe Support is established by aligning the customer's billing address (via the Sales Order or other Adobe Support purchasing document) to one of the following regions:</a:t>
+            </a:r>
+            <a:endParaRPr lang="en-US"/>
           </a:p>
         </p:txBody>
       </p:sp>
@@ -9399,7 +10590,7 @@
           <p:nvPr>
             <p:extLst>
               <p:ext uri="{D42A27DB-BD31-4B8C-83A1-F6EECF244321}">
-                <p14:modId xmlns:p14="http://schemas.microsoft.com/office/powerpoint/2010/main" val="500150918"/>
+                <p14:modId xmlns:p14="http://schemas.microsoft.com/office/powerpoint/2010/main" val="914484175"/>
               </p:ext>
             </p:extLst>
           </p:nvPr>
@@ -9452,13 +10643,13 @@
                     <a:p>
                       <a:pPr algn="ctr"/>
                       <a:r>
-                        <a:rPr lang="fr-FR" sz="1100">
+                        <a:rPr lang="en-US" sz="1100">
                           <a:solidFill>
                             <a:schemeClr val="tx1"/>
                           </a:solidFill>
                           <a:latin typeface="Adobe Clean"/>
                         </a:rPr>
-                        <a:t>Amériques</a:t>
+                        <a:t>Americas</a:t>
                       </a:r>
                     </a:p>
                   </a:txBody>
@@ -9517,30 +10708,13 @@
                     <a:p>
                       <a:pPr algn="ctr"/>
                       <a:r>
-                        <a:rPr lang="fr-FR" sz="1100">
+                        <a:rPr lang="en-US" sz="1100">
                           <a:solidFill>
                             <a:schemeClr val="tx1"/>
                           </a:solidFill>
                           <a:latin typeface="Adobe Clean"/>
                         </a:rPr>
-                        <a:t>Europe, Moyen-Orient </a:t>
-                      </a:r>
-                      <a:br>
-                        <a:rPr lang="fr-FR" sz="1100">
-                          <a:solidFill>
-                            <a:schemeClr val="tx1"/>
-                          </a:solidFill>
-                          <a:latin typeface="Adobe Clean"/>
-                        </a:rPr>
-                      </a:br>
-                      <a:r>
-                        <a:rPr lang="fr-FR" sz="1100">
-                          <a:solidFill>
-                            <a:schemeClr val="tx1"/>
-                          </a:solidFill>
-                          <a:latin typeface="Adobe Clean"/>
-                        </a:rPr>
-                        <a:t>et Afrique</a:t>
+                        <a:t>Europe, Middle East &amp; Africa</a:t>
                       </a:r>
                     </a:p>
                   </a:txBody>
@@ -9599,13 +10773,13 @@
                     <a:p>
                       <a:pPr algn="ctr"/>
                       <a:r>
-                        <a:rPr lang="fr-FR" sz="1100">
+                        <a:rPr lang="en-US" sz="1100">
                           <a:solidFill>
                             <a:schemeClr val="tx1"/>
                           </a:solidFill>
                           <a:latin typeface="Adobe Clean"/>
                         </a:rPr>
-                        <a:t>Asie-Pacifique</a:t>
+                        <a:t>Asia Pacific</a:t>
                       </a:r>
                     </a:p>
                   </a:txBody>
@@ -9664,16 +10838,16 @@
                     <a:p>
                       <a:pPr algn="ctr"/>
                       <a:r>
-                        <a:rPr lang="fr-FR" sz="1100">
+                        <a:rPr lang="en-US" sz="1100">
                           <a:solidFill>
                             <a:schemeClr val="tx1"/>
                           </a:solidFill>
                           <a:latin typeface="Adobe Clean"/>
                         </a:rPr>
-                        <a:t>Japon </a:t>
+                        <a:t>Japan </a:t>
                       </a:r>
                       <a:r>
-                        <a:rPr lang="fr-FR" sz="1100" baseline="30000">
+                        <a:rPr lang="en-US" sz="1100" baseline="30000">
                           <a:solidFill>
                             <a:schemeClr val="tx1"/>
                           </a:solidFill>
@@ -9681,6 +10855,12 @@
                         </a:rPr>
                         <a:t>1 </a:t>
                       </a:r>
+                      <a:endParaRPr lang="en-US" sz="1100">
+                        <a:solidFill>
+                          <a:schemeClr val="tx1"/>
+                        </a:solidFill>
+                        <a:latin typeface="Adobe Clean" panose="020B0503020404020204" pitchFamily="34" charset="0"/>
+                      </a:endParaRPr>
                     </a:p>
                   </a:txBody>
                   <a:tcPr anchor="ctr">
@@ -9745,13 +10925,13 @@
                     <a:p>
                       <a:pPr algn="ctr"/>
                       <a:r>
-                        <a:rPr lang="fr-FR" sz="1100">
+                        <a:rPr lang="en-US" sz="1100">
                           <a:solidFill>
                             <a:schemeClr val="tx1"/>
                           </a:solidFill>
                           <a:latin typeface="Adobe Clean"/>
                         </a:rPr>
-                        <a:t>6 h 00 à 17 h 30</a:t>
+                        <a:t>6 am – 5:30 pm</a:t>
                       </a:r>
                     </a:p>
                   </a:txBody>
@@ -9810,13 +10990,13 @@
                     <a:p>
                       <a:pPr algn="ctr"/>
                       <a:r>
-                        <a:rPr lang="fr-FR" sz="1100">
+                        <a:rPr lang="en-US" sz="1100">
                           <a:solidFill>
                             <a:schemeClr val="tx1"/>
                           </a:solidFill>
                           <a:latin typeface="Adobe Clean"/>
                         </a:rPr>
-                        <a:t>9 h 00 à 17 h 00</a:t>
+                        <a:t>9 am – 5 pm</a:t>
                       </a:r>
                     </a:p>
                   </a:txBody>
@@ -9875,13 +11055,13 @@
                     <a:p>
                       <a:pPr algn="ctr"/>
                       <a:r>
-                        <a:rPr lang="fr-FR" sz="1100">
+                        <a:rPr lang="en-US" sz="1100">
                           <a:solidFill>
                             <a:schemeClr val="tx1"/>
                           </a:solidFill>
                           <a:latin typeface="Adobe Clean"/>
                         </a:rPr>
-                        <a:t>9 h 00 à 17 h 00</a:t>
+                        <a:t>9 am – 5 pm</a:t>
                       </a:r>
                     </a:p>
                   </a:txBody>
@@ -9940,13 +11120,13 @@
                     <a:p>
                       <a:pPr algn="ctr"/>
                       <a:r>
-                        <a:rPr lang="fr-FR" sz="1100">
+                        <a:rPr lang="en-US" sz="1100">
                           <a:solidFill>
                             <a:schemeClr val="tx1"/>
                           </a:solidFill>
                           <a:latin typeface="Adobe Clean"/>
                         </a:rPr>
-                        <a:t>9 h 00 à 17 h 30</a:t>
+                        <a:t>9 am – 5:30 pm</a:t>
                       </a:r>
                     </a:p>
                   </a:txBody>
@@ -10026,10 +11206,11 @@
                         <a:buNone/>
                       </a:pPr>
                       <a:r>
-                        <a:rPr lang="fr-FR" sz="1100" b="1" i="0" u="none" strike="noStrike" cap="none" normalizeH="0" baseline="30000" noProof="0" dirty="0">
+                        <a:rPr lang="en-US" sz="1100" b="1" i="0" u="none" strike="noStrike" kern="0" cap="none" spc="0" normalizeH="0" baseline="30000" noProof="0" dirty="0">
                           <a:ln>
                             <a:noFill/>
                           </a:ln>
+                          <a:effectLst/>
                           <a:uLnTx/>
                           <a:uFillTx/>
                           <a:latin typeface="Adobe Clean"/>
@@ -10039,16 +11220,17 @@
                         <a:t> </a:t>
                       </a:r>
                       <a:r>
-                        <a:rPr lang="fr-FR" sz="1100" dirty="0">
+                        <a:rPr lang="en-US" sz="1100" dirty="0">
                           <a:solidFill>
                             <a:schemeClr val="tx1"/>
                           </a:solidFill>
                           <a:latin typeface="Adobe Clean"/>
-                          <a:ea typeface="+mn-ea"/>
-                          <a:cs typeface="+mn-cs"/>
                         </a:rPr>
-                        <a:t>L’assistance linguistique est uniquement disponible en anglais et en japonais.</a:t>
+                        <a:t>Language support is only available in English and Japanese.</a:t>
                       </a:r>
+                      <a:endParaRPr lang="en-US" dirty="0">
+                        <a:latin typeface="Adobe Clean"/>
+                      </a:endParaRPr>
                     </a:p>
                     <a:p>
                       <a:pPr marL="0" marR="0" lvl="0" indent="0" algn="ctr">
@@ -10067,17 +11249,17 @@
                         <a:buNone/>
                       </a:pPr>
                       <a:r>
-                        <a:rPr lang="fr-FR" sz="1100" i="1" dirty="0">
+                        <a:rPr lang="en-US" sz="1100" i="1" dirty="0">
                           <a:solidFill>
                             <a:schemeClr val="tx1"/>
                           </a:solidFill>
                           <a:latin typeface="Adobe Clean"/>
                         </a:rPr>
-                        <a:t>*Adobe Commerce exclut l’assistance linguistique japonaise.</a:t>
+                        <a:t>*Adobe Commerce excludes Japanese languages support. </a:t>
                       </a:r>
                     </a:p>
                     <a:p>
-                      <a:pPr algn="l" rtl="0"/>
+                      <a:pPr algn="ctr"/>
                       <a:endParaRPr kumimoji="0" lang="en-US" sz="1100" b="1" i="0" u="none" strike="noStrike" kern="0" cap="none" spc="0" normalizeH="0" baseline="30000" noProof="0" dirty="0">
                         <a:ln>
                           <a:noFill/>
@@ -10096,7 +11278,7 @@
                     <a:p>
                       <a:pPr algn="ctr"/>
                       <a:r>
-                        <a:rPr lang="fr-FR" sz="1100" i="0" dirty="0">
+                        <a:rPr lang="en-US" sz="1100" i="0" dirty="0">
                           <a:solidFill>
                             <a:schemeClr val="tx1"/>
                           </a:solidFill>
@@ -10105,7 +11287,7 @@
                         <a:t> </a:t>
                       </a:r>
                       <a:r>
-                        <a:rPr lang="fr-FR" sz="1100" i="0" baseline="30000" dirty="0">
+                        <a:rPr lang="en-US" sz="1100" i="0" baseline="30000" dirty="0">
                           <a:solidFill>
                             <a:schemeClr val="tx1"/>
                           </a:solidFill>
@@ -10114,14 +11296,20 @@
                         <a:t>1 </a:t>
                       </a:r>
                       <a:r>
-                        <a:rPr lang="fr-FR" sz="1100" i="0" dirty="0">
+                        <a:rPr lang="en-US" sz="1100" i="0" dirty="0">
                           <a:solidFill>
                             <a:schemeClr val="tx1"/>
                           </a:solidFill>
                           <a:latin typeface="Adobe Clean"/>
                         </a:rPr>
-                        <a:t>Les cas P2, P3 et P4 sont limités aux heures ouvrables uniquement au Japon.</a:t>
+                        <a:t>P2, P3, P4 cases are limited to business hours only in Japan.</a:t>
                       </a:r>
+                      <a:endParaRPr lang="en-US" sz="1100" b="1" i="0" dirty="0">
+                        <a:solidFill>
+                          <a:schemeClr val="tx1"/>
+                        </a:solidFill>
+                        <a:latin typeface="Adobe Clean"/>
+                      </a:endParaRPr>
                     </a:p>
                   </a:txBody>
                   <a:tcPr anchor="ctr">
@@ -10463,8 +11651,8 @@
         </p:nvSpPr>
         <p:spPr>
           <a:xfrm>
-            <a:off x="2606437" y="8528519"/>
-            <a:ext cx="1279764" cy="385445"/>
+            <a:off x="2840871" y="8528519"/>
+            <a:ext cx="810895" cy="385445"/>
           </a:xfrm>
           <a:prstGeom prst="rect">
             <a:avLst/>
@@ -10476,7 +11664,7 @@
           </a:bodyPr>
           <a:lstStyle/>
           <a:p>
-            <a:pPr marR="5080" algn="ctr">
+            <a:pPr marL="139065" marR="5080" indent="-139065">
               <a:lnSpc>
                 <a:spcPts val="1390"/>
               </a:lnSpc>
@@ -10485,15 +11673,129 @@
               </a:spcBef>
             </a:pPr>
             <a:r>
-              <a:rPr lang="fr-FR" sz="1200" b="1" dirty="0">
+              <a:rPr sz="1200" b="1" spc="-15">
                 <a:solidFill>
                   <a:srgbClr val="FFFFFF"/>
                 </a:solidFill>
                 <a:latin typeface="Adobe Clean"/>
                 <a:cs typeface="Adobe Clean"/>
               </a:rPr>
-              <a:t>Expertise incomparable</a:t>
-            </a:r>
+              <a:t>U</a:t>
+            </a:r>
+            <a:r>
+              <a:rPr sz="1200" b="1" spc="-20">
+                <a:solidFill>
+                  <a:srgbClr val="FFFFFF"/>
+                </a:solidFill>
+                <a:latin typeface="Adobe Clean"/>
+                <a:cs typeface="Adobe Clean"/>
+              </a:rPr>
+              <a:t>n</a:t>
+            </a:r>
+            <a:r>
+              <a:rPr sz="1200" b="1" spc="-25">
+                <a:solidFill>
+                  <a:srgbClr val="FFFFFF"/>
+                </a:solidFill>
+                <a:latin typeface="Adobe Clean"/>
+                <a:cs typeface="Adobe Clean"/>
+              </a:rPr>
+              <a:t>p</a:t>
+            </a:r>
+            <a:r>
+              <a:rPr sz="1200" b="1" spc="-15">
+                <a:solidFill>
+                  <a:srgbClr val="FFFFFF"/>
+                </a:solidFill>
+                <a:latin typeface="Adobe Clean"/>
+                <a:cs typeface="Adobe Clean"/>
+              </a:rPr>
+              <a:t>a</a:t>
+            </a:r>
+            <a:r>
+              <a:rPr sz="1200" b="1" spc="-25">
+                <a:solidFill>
+                  <a:srgbClr val="FFFFFF"/>
+                </a:solidFill>
+                <a:latin typeface="Adobe Clean"/>
+                <a:cs typeface="Adobe Clean"/>
+              </a:rPr>
+              <a:t>r</a:t>
+            </a:r>
+            <a:r>
+              <a:rPr sz="1200" b="1" spc="-15">
+                <a:solidFill>
+                  <a:srgbClr val="FFFFFF"/>
+                </a:solidFill>
+                <a:latin typeface="Adobe Clean"/>
+                <a:cs typeface="Adobe Clean"/>
+              </a:rPr>
+              <a:t>a</a:t>
+            </a:r>
+            <a:r>
+              <a:rPr sz="1200" b="1" spc="-30">
+                <a:solidFill>
+                  <a:srgbClr val="FFFFFF"/>
+                </a:solidFill>
+                <a:latin typeface="Adobe Clean"/>
+                <a:cs typeface="Adobe Clean"/>
+              </a:rPr>
+              <a:t>ll</a:t>
+            </a:r>
+            <a:r>
+              <a:rPr sz="1200" b="1" spc="-25">
+                <a:solidFill>
+                  <a:srgbClr val="FFFFFF"/>
+                </a:solidFill>
+                <a:latin typeface="Adobe Clean"/>
+                <a:cs typeface="Adobe Clean"/>
+              </a:rPr>
+              <a:t>e</a:t>
+            </a:r>
+            <a:r>
+              <a:rPr sz="1200" b="1" spc="-30">
+                <a:solidFill>
+                  <a:srgbClr val="FFFFFF"/>
+                </a:solidFill>
+                <a:latin typeface="Adobe Clean"/>
+                <a:cs typeface="Adobe Clean"/>
+              </a:rPr>
+              <a:t>l</a:t>
+            </a:r>
+            <a:r>
+              <a:rPr sz="1200" b="1" spc="-25">
+                <a:solidFill>
+                  <a:srgbClr val="FFFFFF"/>
+                </a:solidFill>
+                <a:latin typeface="Adobe Clean"/>
+                <a:cs typeface="Adobe Clean"/>
+              </a:rPr>
+              <a:t>e</a:t>
+            </a:r>
+            <a:r>
+              <a:rPr sz="1200" b="1">
+                <a:solidFill>
+                  <a:srgbClr val="FFFFFF"/>
+                </a:solidFill>
+                <a:latin typeface="Adobe Clean"/>
+                <a:cs typeface="Adobe Clean"/>
+              </a:rPr>
+              <a:t>d  </a:t>
+            </a:r>
+            <a:r>
+              <a:rPr sz="1200" b="1" spc="-25">
+                <a:solidFill>
+                  <a:srgbClr val="FFFFFF"/>
+                </a:solidFill>
+                <a:latin typeface="Adobe Clean"/>
+                <a:cs typeface="Adobe Clean"/>
+              </a:rPr>
+              <a:t>Expertise</a:t>
+            </a:r>
+            <a:endParaRPr sz="1200">
+              <a:latin typeface="Adobe Clean"/>
+              <a:cs typeface="Adobe Clean"/>
+            </a:endParaRPr>
           </a:p>
         </p:txBody>
       </p:sp>
@@ -10524,7 +11826,7 @@
           </a:bodyPr>
           <a:lstStyle/>
           <a:p>
-            <a:pPr marR="5080" algn="ctr">
+            <a:pPr marL="139065" marR="5080" indent="-139065">
               <a:lnSpc>
                 <a:spcPts val="1390"/>
               </a:lnSpc>
@@ -10533,15 +11835,19 @@
               </a:spcBef>
             </a:pPr>
             <a:r>
-              <a:rPr lang="fr-FR" sz="1200" b="1" dirty="0">
+              <a:rPr lang="en-US" sz="1200" b="1" spc="-15">
                 <a:solidFill>
                   <a:srgbClr val="FFFFFF"/>
                 </a:solidFill>
                 <a:latin typeface="Adobe Clean"/>
                 <a:cs typeface="Adobe Clean"/>
               </a:rPr>
-              <a:t>Assistance accélérée</a:t>
-            </a:r>
+              <a:t>Accelerated Support</a:t>
+            </a:r>
+            <a:endParaRPr sz="1200">
+              <a:latin typeface="Adobe Clean"/>
+              <a:cs typeface="Adobe Clean"/>
+            </a:endParaRPr>
           </a:p>
         </p:txBody>
       </p:sp>
@@ -10559,8 +11865,8 @@
         </p:nvSpPr>
         <p:spPr>
           <a:xfrm>
-            <a:off x="6389684" y="8543943"/>
-            <a:ext cx="979410" cy="382797"/>
+            <a:off x="6624119" y="8543943"/>
+            <a:ext cx="510540" cy="385445"/>
           </a:xfrm>
           <a:prstGeom prst="rect">
             <a:avLst/>
@@ -10572,7 +11878,7 @@
           </a:bodyPr>
           <a:lstStyle/>
           <a:p>
-            <a:pPr marR="5080" algn="ctr">
+            <a:pPr marL="50800" marR="5080" indent="-51435">
               <a:lnSpc>
                 <a:spcPts val="1390"/>
               </a:lnSpc>
@@ -10581,15 +11887,109 @@
               </a:spcBef>
             </a:pPr>
             <a:r>
-              <a:rPr lang="fr-FR" sz="1200" b="1" dirty="0">
+              <a:rPr sz="1200" b="1" spc="-50">
                 <a:solidFill>
                   <a:srgbClr val="FFFFFF"/>
                 </a:solidFill>
                 <a:latin typeface="Adobe Clean"/>
                 <a:cs typeface="Adobe Clean"/>
               </a:rPr>
-              <a:t>Conseil stratégique</a:t>
-            </a:r>
+              <a:t>S</a:t>
+            </a:r>
+            <a:r>
+              <a:rPr sz="1200" b="1" spc="-20">
+                <a:solidFill>
+                  <a:srgbClr val="FFFFFF"/>
+                </a:solidFill>
+                <a:latin typeface="Adobe Clean"/>
+                <a:cs typeface="Adobe Clean"/>
+              </a:rPr>
+              <a:t>t</a:t>
+            </a:r>
+            <a:r>
+              <a:rPr sz="1200" b="1" spc="-75">
+                <a:solidFill>
+                  <a:srgbClr val="FFFFFF"/>
+                </a:solidFill>
+                <a:latin typeface="Adobe Clean"/>
+                <a:cs typeface="Adobe Clean"/>
+              </a:rPr>
+              <a:t>r</a:t>
+            </a:r>
+            <a:r>
+              <a:rPr sz="1200" b="1" spc="-90">
+                <a:solidFill>
+                  <a:srgbClr val="FFFFFF"/>
+                </a:solidFill>
+                <a:latin typeface="Adobe Clean"/>
+                <a:cs typeface="Adobe Clean"/>
+              </a:rPr>
+              <a:t>a</a:t>
+            </a:r>
+            <a:r>
+              <a:rPr sz="1200" b="1" spc="-55">
+                <a:solidFill>
+                  <a:srgbClr val="FFFFFF"/>
+                </a:solidFill>
+                <a:latin typeface="Adobe Clean"/>
+                <a:cs typeface="Adobe Clean"/>
+              </a:rPr>
+              <a:t>t</a:t>
+            </a:r>
+            <a:r>
+              <a:rPr sz="1200" b="1" spc="-100">
+                <a:solidFill>
+                  <a:srgbClr val="FFFFFF"/>
+                </a:solidFill>
+                <a:latin typeface="Adobe Clean"/>
+                <a:cs typeface="Adobe Clean"/>
+              </a:rPr>
+              <a:t>e</a:t>
+            </a:r>
+            <a:r>
+              <a:rPr sz="1200" b="1" spc="-80">
+                <a:solidFill>
+                  <a:srgbClr val="FFFFFF"/>
+                </a:solidFill>
+                <a:latin typeface="Adobe Clean"/>
+                <a:cs typeface="Adobe Clean"/>
+              </a:rPr>
+              <a:t>g</a:t>
+            </a:r>
+            <a:r>
+              <a:rPr sz="1200" b="1" spc="-35">
+                <a:solidFill>
+                  <a:srgbClr val="FFFFFF"/>
+                </a:solidFill>
+                <a:latin typeface="Adobe Clean"/>
+                <a:cs typeface="Adobe Clean"/>
+              </a:rPr>
+              <a:t>i</a:t>
+            </a:r>
+            <a:r>
+              <a:rPr sz="1200" b="1">
+                <a:solidFill>
+                  <a:srgbClr val="FFFFFF"/>
+                </a:solidFill>
+                <a:latin typeface="Adobe Clean"/>
+                <a:cs typeface="Adobe Clean"/>
+              </a:rPr>
+              <a:t>c  </a:t>
+            </a:r>
+            <a:r>
+              <a:rPr sz="1200" b="1" spc="-45">
+                <a:solidFill>
+                  <a:srgbClr val="FFFFFF"/>
+                </a:solidFill>
+                <a:latin typeface="Adobe Clean"/>
+                <a:cs typeface="Adobe Clean"/>
+              </a:rPr>
+              <a:t>Advice</a:t>
+            </a:r>
+            <a:endParaRPr sz="1200">
+              <a:latin typeface="Adobe Clean"/>
+              <a:cs typeface="Adobe Clean"/>
+            </a:endParaRPr>
           </a:p>
         </p:txBody>
       </p:sp>
@@ -10608,14 +12008,14 @@
           <p:nvPr>
             <p:extLst>
               <p:ext uri="{D42A27DB-BD31-4B8C-83A1-F6EECF244321}">
-                <p14:modId xmlns:p14="http://schemas.microsoft.com/office/powerpoint/2010/main" val="2184595641"/>
+                <p14:modId xmlns:p14="http://schemas.microsoft.com/office/powerpoint/2010/main" val="3773282750"/>
               </p:ext>
             </p:extLst>
           </p:nvPr>
         </p:nvGraphicFramePr>
         <p:xfrm>
           <a:off x="194236" y="1059345"/>
-          <a:ext cx="7368291" cy="3606800"/>
+          <a:ext cx="7368291" cy="3302000"/>
         </p:xfrm>
         <a:graphic>
           <a:graphicData uri="http://schemas.openxmlformats.org/drawingml/2006/table">
@@ -10624,14 +12024,14 @@
                 <a:tableStyleId>{5C22544A-7EE6-4342-B048-85BDC9FD1C3A}</a:tableStyleId>
               </a:tblPr>
               <a:tblGrid>
-                <a:gridCol w="3230954">
+                <a:gridCol w="3691964">
                   <a:extLst>
                     <a:ext uri="{9D8B030D-6E8A-4147-A177-3AD203B41FA5}">
                       <a16:colId xmlns:a16="http://schemas.microsoft.com/office/drawing/2014/main" val="2364693614"/>
                     </a:ext>
                   </a:extLst>
                 </a:gridCol>
-                <a:gridCol w="4137337">
+                <a:gridCol w="3676327">
                   <a:extLst>
                     <a:ext uri="{9D8B030D-6E8A-4147-A177-3AD203B41FA5}">
                       <a16:colId xmlns:a16="http://schemas.microsoft.com/office/drawing/2014/main" val="1545335406"/>
@@ -10646,7 +12046,7 @@
                     <a:lstStyle/>
                     <a:p>
                       <a:r>
-                        <a:rPr lang="fr-FR" sz="1100" b="0">
+                        <a:rPr lang="en-US" sz="1100" b="0">
                           <a:solidFill>
                             <a:schemeClr val="tx1"/>
                           </a:solidFill>
@@ -10657,6 +12057,14 @@
                         </a:rPr>
                         <a:t>Experience League</a:t>
                       </a:r>
+                      <a:endParaRPr lang="en-US" sz="1100" b="0">
+                        <a:solidFill>
+                          <a:schemeClr val="tx1"/>
+                        </a:solidFill>
+                        <a:latin typeface="Adobe Clean"/>
+                        <a:ea typeface="+mn-ea"/>
+                        <a:cs typeface="+mn-cs"/>
+                      </a:endParaRPr>
                     </a:p>
                   </a:txBody>
                   <a:tcPr marL="47625" marR="47625" marT="0" marB="0" anchor="ctr">
@@ -10728,7 +12136,7 @@
                         <a:buNone/>
                       </a:pPr>
                       <a:r>
-                        <a:rPr lang="fr-FR" sz="1000" b="0">
+                        <a:rPr lang="en-US" sz="1000" b="0" kern="1200">
                           <a:solidFill>
                             <a:srgbClr val="000000"/>
                           </a:solidFill>
@@ -10736,8 +12144,16 @@
                           <a:ea typeface="+mn-ea"/>
                           <a:cs typeface="+mn-cs"/>
                         </a:rPr>
-                        <a:t>Experience League est la manière dont Adobe aide les entreprises à atteindre la valeur qu’elles attendent de leur investissement dans Adobe. Il s’agit de l’endroit commun où les clients peuvent apprendre, se mettre en relation les uns avec les autres et grandir le long d’un chemin personnalisé vers le succès. Il comprend des tutoriels automatiques, de la documentation sur les produits, une formation dispensée par un instructeur, une communauté et une assistance technique. </a:t>
+                        <a:t>Experience League is how Adobe helps businesses achieve the value they expect from their Adobe investment. It’s the unified place where customers can learn, connect, and grow along a personalized path to success that includes self-help tutorials, product documentation, instructor-led training, community and technical support. </a:t>
                       </a:r>
+                      <a:endParaRPr lang="en-US" sz="1000" b="0" kern="1200">
+                        <a:solidFill>
+                          <a:srgbClr val="000000"/>
+                        </a:solidFill>
+                        <a:latin typeface="Adobe Clean Light" panose="020B0303020404020204" pitchFamily="34" charset="0"/>
+                        <a:ea typeface="+mn-ea"/>
+                        <a:cs typeface="+mn-cs"/>
+                      </a:endParaRPr>
                     </a:p>
                   </a:txBody>
                   <a:tcPr anchor="ctr">
@@ -10818,28 +12234,39 @@
                         <a:defRPr/>
                       </a:pPr>
                       <a:r>
-                        <a:rPr lang="fr-FR" sz="1100">
+                        <a:rPr lang="en-US" sz="1100">
                           <a:solidFill>
                             <a:schemeClr val="dk1"/>
                           </a:solidFill>
+                          <a:effectLst/>
                           <a:latin typeface="Adobe Clean"/>
                           <a:ea typeface="+mn-ea"/>
                           <a:cs typeface="+mn-cs"/>
                           <a:hlinkClick r:id="rId8"/>
                         </a:rPr>
-                        <a:t>Formation</a:t>
+                        <a:t>Training</a:t>
                       </a:r>
                       <a:r>
-                        <a:rPr lang="fr-FR" sz="1100">
+                        <a:rPr lang="en-US" sz="1100">
                           <a:solidFill>
                             <a:schemeClr val="dk1"/>
                           </a:solidFill>
+                          <a:effectLst/>
                           <a:latin typeface="Adobe Clean"/>
                           <a:ea typeface="+mn-ea"/>
                           <a:cs typeface="+mn-cs"/>
                         </a:rPr>
                         <a:t> </a:t>
                       </a:r>
+                      <a:endParaRPr lang="en-US" sz="1100">
+                        <a:solidFill>
+                          <a:schemeClr val="tx1"/>
+                        </a:solidFill>
+                        <a:effectLst/>
+                        <a:latin typeface="Adobe Clean"/>
+                        <a:ea typeface="+mn-ea"/>
+                        <a:cs typeface="+mn-cs"/>
+                      </a:endParaRPr>
                     </a:p>
                   </a:txBody>
                   <a:tcPr anchor="ctr">
@@ -10913,7 +12340,7 @@
                         <a:defRPr/>
                       </a:pPr>
                       <a:r>
-                        <a:rPr lang="fr-FR" sz="1000">
+                        <a:rPr lang="en-US" sz="1000" kern="1200">
                           <a:solidFill>
                             <a:srgbClr val="000000"/>
                           </a:solidFill>
@@ -10921,7 +12348,7 @@
                           <a:ea typeface="+mn-ea"/>
                           <a:cs typeface="+mn-cs"/>
                         </a:rPr>
-                        <a:t>Les cours sur les services de formation numérique d’Adobe sont accessibles depuis Experience League. Les cours de formation regroupent des cours à la demande et des cours dispensés par un instructeur.  Grâce à ces cours, vous pouvez acquérir des compétences qui présentent une valeur marchande reconnue et les disposer de manière à stimuler le succès de vos entreprises.</a:t>
+                        <a:t>Adobe Digital Learning Services courses are accessible from Experience League. Learning courses integrate both on-demand and instructor-led lessons.  Here you can accrue skills that have recognized market value and position them to drive success in your organizations.</a:t>
                       </a:r>
                     </a:p>
                   </a:txBody>
@@ -11003,17 +12430,27 @@
                         <a:defRPr/>
                       </a:pPr>
                       <a:r>
-                        <a:rPr lang="fr-FR" sz="1100">
+                        <a:rPr lang="en-US" sz="1100">
                           <a:solidFill>
                             <a:schemeClr val="tx1"/>
                           </a:solidFill>
+                          <a:effectLst/>
                           <a:latin typeface="Adobe Clean"/>
                           <a:ea typeface="+mn-ea"/>
                           <a:cs typeface="+mn-cs"/>
                           <a:hlinkClick r:id="rId9"/>
                         </a:rPr>
-                        <a:t>Problèmes de production et panne du système</a:t>
+                        <a:t>Production Issues &amp; System Outages</a:t>
                       </a:r>
+                      <a:endParaRPr lang="en-US" sz="1100">
+                        <a:solidFill>
+                          <a:schemeClr val="tx1"/>
+                        </a:solidFill>
+                        <a:effectLst/>
+                        <a:latin typeface="Adobe Clean"/>
+                        <a:ea typeface="+mn-ea"/>
+                        <a:cs typeface="+mn-cs"/>
+                      </a:endParaRPr>
                     </a:p>
                   </a:txBody>
                   <a:tcPr anchor="ctr">
@@ -11085,7 +12522,7 @@
                         <a:buNone/>
                       </a:pPr>
                       <a:r>
-                        <a:rPr lang="fr-FR" sz="1000">
+                        <a:rPr lang="en-US" sz="1000" kern="1200">
                           <a:solidFill>
                             <a:srgbClr val="000000"/>
                           </a:solidFill>
@@ -11093,8 +12530,16 @@
                           <a:ea typeface="+mn-ea"/>
                           <a:cs typeface="+mn-cs"/>
                         </a:rPr>
-                        <a:t>Status.adobe.com transmet les informations d’intégrité de tous les produits et services d’Adobe déployés dans des environnements multi-entité. Les clients peuvent choisir leurs préférences d’abonnement afin de recevoir des notifications par e-mail chaque fois qu’Adobe crée, met à jour ou résout un événement de produit. Cet événement peut inclure des problèmes de maintenance planifiée ou de service présentant différents niveaux de gravité. </a:t>
+                        <a:t>Status.adobe.com conveys the health information of all Adobe products and services that are deployed in multi-tenant environments. Customers can choose their subscription preferences to get email notifications whenever Adobe creates, updates or resolves a product event. This can include scheduled maintenance or service issues of varying levels of severity. </a:t>
                       </a:r>
+                      <a:endParaRPr lang="en-US" sz="1000" kern="1200">
+                        <a:solidFill>
+                          <a:srgbClr val="000000"/>
+                        </a:solidFill>
+                        <a:latin typeface="Adobe Clean Light" panose="020B0303020404020204" pitchFamily="34" charset="0"/>
+                        <a:ea typeface="+mn-ea"/>
+                        <a:cs typeface="+mn-cs"/>
+                      </a:endParaRPr>
                     </a:p>
                   </a:txBody>
                   <a:tcPr anchor="ctr">
@@ -11175,17 +12620,27 @@
                         <a:defRPr/>
                       </a:pPr>
                       <a:r>
-                        <a:rPr lang="fr-FR" sz="1100" b="0" i="0">
+                        <a:rPr lang="en-US" sz="1100" b="0" i="0">
                           <a:solidFill>
                             <a:schemeClr val="dk1"/>
                           </a:solidFill>
+                          <a:effectLst/>
                           <a:latin typeface="Adobe Clean"/>
                           <a:ea typeface="+mn-ea"/>
                           <a:cs typeface="+mn-cs"/>
-                          <a:hlinkClick r:id="rId10" tooltip="https://helpx.adobe.com/fr/support/programs/enterprise-support-programs/premier-support-business.html"/>
+                          <a:hlinkClick r:id="rId10" tooltip="https://helpx.adobe.com/support/programs/enterprise-support-programs/premier-support-business.html"/>
                         </a:rPr>
-                        <a:t>Site Web de l’assistance commerciale</a:t>
+                        <a:t>Business Support Website</a:t>
                       </a:r>
+                      <a:endParaRPr lang="en-US" sz="1100" b="0" i="0">
+                        <a:solidFill>
+                          <a:schemeClr val="dk1"/>
+                        </a:solidFill>
+                        <a:effectLst/>
+                        <a:latin typeface="Adobe Clean"/>
+                        <a:ea typeface="+mn-ea"/>
+                        <a:cs typeface="+mn-cs"/>
+                      </a:endParaRPr>
                     </a:p>
                   </a:txBody>
                   <a:tcPr anchor="ctr">
@@ -11242,7 +12697,7 @@
                     <a:lstStyle/>
                     <a:p>
                       <a:r>
-                        <a:rPr lang="fr-FR" sz="1000">
+                        <a:rPr lang="en-US" sz="1000" kern="1200">
                           <a:solidFill>
                             <a:srgbClr val="000000"/>
                           </a:solidFill>
@@ -11250,8 +12705,16 @@
                           <a:ea typeface="+mn-ea"/>
                           <a:cs typeface="+mn-cs"/>
                         </a:rPr>
-                        <a:t>Site Web d’assistance commerciale d’Adobe.</a:t>
+                        <a:t>Adobe Business Support website.</a:t>
                       </a:r>
+                      <a:endParaRPr lang="en-US" sz="1000" kern="1200">
+                        <a:solidFill>
+                          <a:srgbClr val="000000"/>
+                        </a:solidFill>
+                        <a:latin typeface="Adobe Clean Light" panose="020B0303020404020204" pitchFamily="34" charset="0"/>
+                        <a:ea typeface="+mn-ea"/>
+                        <a:cs typeface="+mn-cs"/>
+                      </a:endParaRPr>
                     </a:p>
                   </a:txBody>
                   <a:tcPr anchor="ctr">
@@ -11332,17 +12795,27 @@
                         <a:defRPr/>
                       </a:pPr>
                       <a:r>
-                        <a:rPr lang="fr-FR" sz="1100">
+                        <a:rPr lang="en-US" sz="1100">
                           <a:solidFill>
                             <a:schemeClr val="tx1"/>
                           </a:solidFill>
+                          <a:effectLst/>
                           <a:latin typeface="Adobe Clean"/>
                           <a:ea typeface="+mn-ea"/>
                           <a:cs typeface="+mn-cs"/>
                           <a:hlinkClick r:id="rId11"/>
                         </a:rPr>
-                        <a:t>Termes et conditions</a:t>
+                        <a:t>Terms and Conditions</a:t>
                       </a:r>
+                      <a:endParaRPr lang="en-US" sz="1100">
+                        <a:solidFill>
+                          <a:schemeClr val="tx1"/>
+                        </a:solidFill>
+                        <a:effectLst/>
+                        <a:latin typeface="Adobe Clean"/>
+                        <a:ea typeface="+mn-ea"/>
+                        <a:cs typeface="+mn-cs"/>
+                      </a:endParaRPr>
                     </a:p>
                   </a:txBody>
                   <a:tcPr anchor="ctr">
@@ -11399,7 +12872,7 @@
                     <a:lstStyle/>
                     <a:p>
                       <a:r>
-                        <a:rPr lang="fr-FR" sz="1000" dirty="0">
+                        <a:rPr lang="en-US" sz="1000" kern="1200">
                           <a:solidFill>
                             <a:srgbClr val="000000"/>
                           </a:solidFill>
@@ -11407,8 +12880,16 @@
                           <a:ea typeface="+mn-ea"/>
                           <a:cs typeface="+mn-cs"/>
                         </a:rPr>
-                        <a:t>Il s’agit des termes et conditions détaillant les offres des services d’assistance.</a:t>
+                        <a:t>Terms and conditions detailing Support Services offerings.</a:t>
                       </a:r>
+                      <a:endParaRPr lang="en-US" sz="1000" kern="1200">
+                        <a:solidFill>
+                          <a:srgbClr val="000000"/>
+                        </a:solidFill>
+                        <a:latin typeface="Adobe Clean Light" panose="020B0303020404020204" pitchFamily="34" charset="0"/>
+                        <a:ea typeface="+mn-ea"/>
+                        <a:cs typeface="+mn-cs"/>
+                      </a:endParaRPr>
                     </a:p>
                   </a:txBody>
                   <a:tcPr anchor="ctr">

--- a/help/data-sheets/assets/BusinessSupportDatasheet.pptx
+++ b/help/data-sheets/assets/BusinessSupportDatasheet.pptx
@@ -499,7 +499,7 @@
           <a:p>
             <a:fld id="{FB81873C-0B24-F04A-98A1-90E0A78F7E8A}" type="datetimeFigureOut">
               <a:rPr lang="en-US" smtClean="0"/>
-              <a:t>12/7/21</a:t>
+              <a:t>12-Nov-21</a:t>
             </a:fld>
             <a:endParaRPr lang="en-US"/>
           </a:p>
@@ -1122,7 +1122,7 @@
           <a:p>
             <a:fld id="{1D8BD707-D9CF-40AE-B4C6-C98DA3205C09}" type="datetimeFigureOut">
               <a:rPr lang="en-US"/>
-              <a:t>12/7/21</a:t>
+              <a:t>12-Nov-21</a:t>
             </a:fld>
             <a:endParaRPr lang="en-US"/>
           </a:p>
@@ -1314,7 +1314,7 @@
           <a:p>
             <a:fld id="{1D8BD707-D9CF-40AE-B4C6-C98DA3205C09}" type="datetimeFigureOut">
               <a:rPr lang="en-US"/>
-              <a:t>12/7/21</a:t>
+              <a:t>12-Nov-21</a:t>
             </a:fld>
             <a:endParaRPr lang="en-US"/>
           </a:p>
@@ -1632,7 +1632,7 @@
           <a:p>
             <a:fld id="{1D8BD707-D9CF-40AE-B4C6-C98DA3205C09}" type="datetimeFigureOut">
               <a:rPr lang="en-US"/>
-              <a:t>12/7/21</a:t>
+              <a:t>12-Nov-21</a:t>
             </a:fld>
             <a:endParaRPr lang="en-US"/>
           </a:p>
@@ -1886,8 +1886,8 @@
         </p:nvSpPr>
         <p:spPr>
           <a:xfrm>
-            <a:off x="168565" y="7162363"/>
-            <a:ext cx="2800350" cy="238760"/>
+            <a:off x="168564" y="6742823"/>
+            <a:ext cx="5222585" cy="227626"/>
           </a:xfrm>
           <a:prstGeom prst="rect">
             <a:avLst/>
@@ -1908,7 +1908,7 @@
               </a:spcBef>
             </a:pPr>
             <a:r>
-              <a:rPr sz="1400" b="1" u="heavy" spc="10">
+              <a:rPr lang="fr-FR" sz="1400" b="1" u="heavy" dirty="0">
                 <a:solidFill>
                   <a:srgbClr val="020302"/>
                 </a:solidFill>
@@ -1920,87 +1920,8 @@
                 <a:latin typeface="Adobe Clean"/>
                 <a:cs typeface="Adobe Clean"/>
               </a:rPr>
-              <a:t>Service </a:t>
+              <a:t>Cibles du niveau de service : Réponse initiale</a:t>
             </a:r>
-            <a:r>
-              <a:rPr sz="1400" b="1" u="heavy" spc="-10">
-                <a:solidFill>
-                  <a:srgbClr val="020302"/>
-                </a:solidFill>
-                <a:uFill>
-                  <a:solidFill>
-                    <a:srgbClr val="020302"/>
-                  </a:solidFill>
-                </a:uFill>
-                <a:latin typeface="Adobe Clean"/>
-                <a:cs typeface="Adobe Clean"/>
-              </a:rPr>
-              <a:t>Level </a:t>
-            </a:r>
-            <a:r>
-              <a:rPr sz="1400" b="1" u="heavy" spc="-45">
-                <a:solidFill>
-                  <a:srgbClr val="020302"/>
-                </a:solidFill>
-                <a:uFill>
-                  <a:solidFill>
-                    <a:srgbClr val="020302"/>
-                  </a:solidFill>
-                </a:uFill>
-                <a:latin typeface="Adobe Clean"/>
-                <a:cs typeface="Adobe Clean"/>
-              </a:rPr>
-              <a:t>Targets: </a:t>
-            </a:r>
-            <a:r>
-              <a:rPr sz="1400" b="1" u="heavy" spc="-10">
-                <a:solidFill>
-                  <a:srgbClr val="020302"/>
-                </a:solidFill>
-                <a:uFill>
-                  <a:solidFill>
-                    <a:srgbClr val="020302"/>
-                  </a:solidFill>
-                </a:uFill>
-                <a:latin typeface="Adobe Clean"/>
-                <a:cs typeface="Adobe Clean"/>
-              </a:rPr>
-              <a:t>Initial</a:t>
-            </a:r>
-            <a:r>
-              <a:rPr sz="1400" b="1" u="heavy" spc="-140">
-                <a:solidFill>
-                  <a:srgbClr val="020302"/>
-                </a:solidFill>
-                <a:uFill>
-                  <a:solidFill>
-                    <a:srgbClr val="020302"/>
-                  </a:solidFill>
-                </a:uFill>
-                <a:latin typeface="Adobe Clean"/>
-                <a:cs typeface="Adobe Clean"/>
-              </a:rPr>
-              <a:t> </a:t>
-            </a:r>
-            <a:r>
-              <a:rPr sz="1400" b="1" u="heavy" spc="-15">
-                <a:solidFill>
-                  <a:srgbClr val="020302"/>
-                </a:solidFill>
-                <a:uFill>
-                  <a:solidFill>
-                    <a:srgbClr val="020302"/>
-                  </a:solidFill>
-                </a:uFill>
-                <a:latin typeface="Adobe Clean"/>
-                <a:cs typeface="Adobe Clean"/>
-              </a:rPr>
-              <a:t>Response</a:t>
-            </a:r>
-            <a:endParaRPr sz="1400">
-              <a:latin typeface="Adobe Clean"/>
-              <a:cs typeface="Adobe Clean"/>
-            </a:endParaRPr>
           </a:p>
         </p:txBody>
       </p:sp>
@@ -2067,20 +1988,11 @@
               </a:spcBef>
             </a:pPr>
             <a:r>
-              <a:rPr sz="2300">
+              <a:rPr lang="fr-FR" sz="2300">
                 <a:latin typeface="Adobe Clean"/>
               </a:rPr>
-              <a:t>ADOBE </a:t>
+              <a:t>PLANS D’ASSISTANCE ADOBE</a:t>
             </a:r>
-            <a:r>
-              <a:rPr lang="en-US" sz="2300">
-                <a:latin typeface="Adobe Clean"/>
-              </a:rPr>
-              <a:t>SUPPORT PLANS</a:t>
-            </a:r>
-            <a:endParaRPr sz="2300">
-              <a:latin typeface="Adobe Clean" panose="020B0503020404020204" pitchFamily="34" charset="0"/>
-            </a:endParaRPr>
           </a:p>
         </p:txBody>
       </p:sp>
@@ -2093,7 +2005,7 @@
         <p:spPr>
           <a:xfrm>
             <a:off x="121147" y="531160"/>
-            <a:ext cx="5865216" cy="1269065"/>
+            <a:ext cx="5865216" cy="1421223"/>
           </a:xfrm>
           <a:prstGeom prst="rect">
             <a:avLst/>
@@ -2114,31 +2026,31 @@
               </a:spcBef>
             </a:pPr>
             <a:r>
-              <a:rPr lang="en-US" sz="900">
+              <a:rPr lang="fr-FR" sz="800" dirty="0">
                 <a:solidFill>
                   <a:schemeClr val="bg1"/>
                 </a:solidFill>
                 <a:latin typeface="Adobe Clean Light" panose="020B0303020404020204" pitchFamily="34" charset="0"/>
               </a:rPr>
-              <a:t>Online | </a:t>
+              <a:t>En ligne | </a:t>
             </a:r>
             <a:r>
-              <a:rPr lang="en-US" sz="900" b="1">
+              <a:rPr lang="fr-FR" sz="800" b="1" dirty="0">
                 <a:solidFill>
                   <a:schemeClr val="bg1"/>
                 </a:solidFill>
                 <a:latin typeface="Adobe Clean" panose="020B0503020404020204" pitchFamily="34" charset="0"/>
               </a:rPr>
-              <a:t>Business</a:t>
+              <a:t>Commerciale</a:t>
             </a:r>
             <a:r>
-              <a:rPr lang="en-US" sz="900">
+              <a:rPr lang="fr-FR" sz="800" dirty="0">
                 <a:solidFill>
                   <a:schemeClr val="bg1"/>
                 </a:solidFill>
                 <a:latin typeface="Adobe Clean Light" panose="020B0303020404020204" pitchFamily="34" charset="0"/>
               </a:rPr>
-              <a:t> | Enterprise | Elite</a:t>
+              <a:t> | Entreprise | Elite</a:t>
             </a:r>
           </a:p>
           <a:p>
@@ -2151,21 +2063,101 @@
               </a:spcBef>
             </a:pPr>
             <a:r>
-              <a:rPr lang="en-US" sz="900">
+              <a:rPr lang="fr-FR" sz="800" dirty="0">
                 <a:solidFill>
                   <a:schemeClr val="bg1"/>
                 </a:solidFill>
                 <a:latin typeface="Adobe Clean SemiLight" panose="020B0403020404020204" pitchFamily="34" charset="0"/>
               </a:rPr>
-              <a:t>Adobe provides a comprehensive range of technical resources to help support your business, included as part of your Experience Cloud license subscription and enhanced in the BUSINESS support package. BUSINESS support includes access to personalized learning paths and monitored community forums via the Adobe Experience League. You can also take advantage of our detailed and in-depth technical product documentation and current release notes. BUSINESS customers also benefit from access to our technical support teams for any product query via either the telephone or the support web portal, to help protect your business at the most critical times. BUSINESS customers will receive regular communications and updates from their Account Support Lead in addition to support case escalation management for your most critical of support requests. </a:t>
+              <a:t>Adobe offre une gamme complète de ressources techniques afin d’appuyer votre entreprise. Elles sont comprises dans votre abonnement </a:t>
             </a:r>
-            <a:endParaRPr lang="en-US" sz="900">
-              <a:solidFill>
-                <a:schemeClr val="bg1"/>
-              </a:solidFill>
-              <a:latin typeface="Adobe Clean Light" panose="020B0303020404020204" pitchFamily="34" charset="0"/>
-              <a:cs typeface="AdobeClean-Light"/>
-            </a:endParaRPr>
+            <a:br>
+              <a:rPr lang="fr-FR" sz="800" dirty="0">
+                <a:solidFill>
+                  <a:schemeClr val="bg1"/>
+                </a:solidFill>
+                <a:latin typeface="Adobe Clean SemiLight" panose="020B0403020404020204" pitchFamily="34" charset="0"/>
+              </a:rPr>
+            </a:br>
+            <a:r>
+              <a:rPr lang="fr-FR" sz="800" dirty="0">
+                <a:solidFill>
+                  <a:schemeClr val="bg1"/>
+                </a:solidFill>
+                <a:latin typeface="Adobe Clean SemiLight" panose="020B0403020404020204" pitchFamily="34" charset="0"/>
+              </a:rPr>
+              <a:t>à la licence </a:t>
+            </a:r>
+            <a:r>
+              <a:rPr lang="fr-FR" sz="800" dirty="0" err="1">
+                <a:solidFill>
+                  <a:schemeClr val="bg1"/>
+                </a:solidFill>
+                <a:latin typeface="Adobe Clean SemiLight" panose="020B0403020404020204" pitchFamily="34" charset="0"/>
+              </a:rPr>
+              <a:t>Experience</a:t>
+            </a:r>
+            <a:r>
+              <a:rPr lang="fr-FR" sz="800" dirty="0">
+                <a:solidFill>
+                  <a:schemeClr val="bg1"/>
+                </a:solidFill>
+                <a:latin typeface="Adobe Clean SemiLight" panose="020B0403020404020204" pitchFamily="34" charset="0"/>
+              </a:rPr>
+              <a:t> Cloud et sont améliorées dans le pack d’assistance COMMERCIALE. L’assistance COMMERCIALE comprend un accès </a:t>
+            </a:r>
+            <a:br>
+              <a:rPr lang="fr-FR" sz="800" dirty="0">
+                <a:solidFill>
+                  <a:schemeClr val="bg1"/>
+                </a:solidFill>
+                <a:latin typeface="Adobe Clean SemiLight" panose="020B0403020404020204" pitchFamily="34" charset="0"/>
+              </a:rPr>
+            </a:br>
+            <a:r>
+              <a:rPr lang="fr-FR" sz="800" dirty="0">
+                <a:solidFill>
+                  <a:schemeClr val="bg1"/>
+                </a:solidFill>
+                <a:latin typeface="Adobe Clean SemiLight" panose="020B0403020404020204" pitchFamily="34" charset="0"/>
+              </a:rPr>
+              <a:t>à des parcours de formation personnalisés et à des forums communautaires surveillés au travers d’</a:t>
+            </a:r>
+            <a:r>
+              <a:rPr lang="fr-FR" sz="800" dirty="0" err="1">
+                <a:solidFill>
+                  <a:schemeClr val="bg1"/>
+                </a:solidFill>
+                <a:latin typeface="Adobe Clean SemiLight" panose="020B0403020404020204" pitchFamily="34" charset="0"/>
+              </a:rPr>
+              <a:t>Experience</a:t>
+            </a:r>
+            <a:r>
+              <a:rPr lang="fr-FR" sz="800" dirty="0">
+                <a:solidFill>
+                  <a:schemeClr val="bg1"/>
+                </a:solidFill>
+                <a:latin typeface="Adobe Clean SemiLight" panose="020B0403020404020204" pitchFamily="34" charset="0"/>
+              </a:rPr>
+              <a:t> League d’Adobe. Vous pouvez également tirer profit de notre documentation technique détaillée et approfondie sur les produits, ainsi que de nos notes de mise à jour actuelles. Les clients de COMMERCIALE bénéficient également d’un accès à nos équipes d’assistance technique pour toute requête concernant un produit. Cette requête peut être effectuée par téléphone ou via le portail web de l’assistance et permet de protéger votre entreprise aux moments les plus critiques. Les clients de COMMERCIALE recevront régulièrement des informations et des mises à jour de la part de leur assistance principale </a:t>
+            </a:r>
+            <a:br>
+              <a:rPr lang="fr-FR" sz="800" dirty="0">
+                <a:solidFill>
+                  <a:schemeClr val="bg1"/>
+                </a:solidFill>
+                <a:latin typeface="Adobe Clean SemiLight" panose="020B0403020404020204" pitchFamily="34" charset="0"/>
+              </a:rPr>
+            </a:br>
+            <a:r>
+              <a:rPr lang="fr-FR" sz="800" dirty="0">
+                <a:solidFill>
+                  <a:schemeClr val="bg1"/>
+                </a:solidFill>
+                <a:latin typeface="Adobe Clean SemiLight" panose="020B0403020404020204" pitchFamily="34" charset="0"/>
+              </a:rPr>
+              <a:t>du compte en plus d’une aide de gestion des remontées de cas en ce qui concerne les requêtes d’assistance les plus critiques. </a:t>
+            </a:r>
           </a:p>
         </p:txBody>
       </p:sp>
@@ -2210,8 +2202,8 @@
         </p:nvSpPr>
         <p:spPr>
           <a:xfrm>
-            <a:off x="5307201" y="9862966"/>
-            <a:ext cx="2465198" cy="132729"/>
+            <a:off x="4881563" y="9862966"/>
+            <a:ext cx="2890836" cy="132729"/>
           </a:xfrm>
           <a:prstGeom prst="rect">
             <a:avLst/>
@@ -2232,24 +2224,24 @@
               </a:spcBef>
             </a:pPr>
             <a:r>
-              <a:rPr spc="-5"/>
-              <a:t>©202</a:t>
+              <a:rPr lang="fr-FR" dirty="0"/>
+              <a:t>©2021 Adobe. All </a:t>
             </a:r>
             <a:r>
-              <a:rPr lang="en-US" spc="-5"/>
-              <a:t>1</a:t>
+              <a:rPr lang="fr-FR" dirty="0" err="1"/>
+              <a:t>Rights</a:t>
             </a:r>
             <a:r>
-              <a:rPr spc="-5"/>
-              <a:t> Adobe. All Rights Reserved. Adobe</a:t>
-            </a:r>
-            <a:r>
-              <a:rPr spc="60"/>
+              <a:rPr lang="fr-FR" dirty="0"/>
               <a:t> </a:t>
             </a:r>
             <a:r>
-              <a:rPr spc="-5"/>
-              <a:t>Confidential.</a:t>
+              <a:rPr lang="fr-FR" dirty="0" err="1"/>
+              <a:t>Reserved</a:t>
+            </a:r>
+            <a:r>
+              <a:rPr lang="fr-FR" dirty="0"/>
+              <a:t>. Données confidentielles Adobe</a:t>
             </a:r>
           </a:p>
         </p:txBody>
@@ -2263,14 +2255,14 @@
           <p:nvPr>
             <p:extLst>
               <p:ext uri="{D42A27DB-BD31-4B8C-83A1-F6EECF244321}">
-                <p14:modId xmlns:p14="http://schemas.microsoft.com/office/powerpoint/2010/main" val="852543156"/>
+                <p14:modId xmlns:p14="http://schemas.microsoft.com/office/powerpoint/2010/main" val="7517955"/>
               </p:ext>
             </p:extLst>
           </p:nvPr>
         </p:nvGraphicFramePr>
         <p:xfrm>
-          <a:off x="118872" y="7475985"/>
-          <a:ext cx="7498851" cy="2223598"/>
+          <a:off x="118872" y="7056445"/>
+          <a:ext cx="7498851" cy="2440625"/>
         </p:xfrm>
         <a:graphic>
           <a:graphicData uri="http://schemas.openxmlformats.org/drawingml/2006/table">
@@ -2316,19 +2308,15 @@
                         </a:spcBef>
                       </a:pPr>
                       <a:r>
-                        <a:rPr sz="900" spc="0">
+                        <a:rPr lang="fr-FR" sz="900">
                           <a:solidFill>
                             <a:srgbClr val="020302"/>
                           </a:solidFill>
                           <a:latin typeface="Adobe Clean"/>
                           <a:cs typeface="Adobe Clean"/>
                         </a:rPr>
-                        <a:t>Priority</a:t>
+                        <a:t>Priorité</a:t>
                       </a:r>
-                      <a:endParaRPr sz="900" spc="0">
-                        <a:latin typeface="Adobe Clean"/>
-                        <a:cs typeface="Adobe Clean"/>
-                      </a:endParaRPr>
                     </a:p>
                   </a:txBody>
                   <a:tcPr marL="0" marR="0" marT="7620" marB="0">
@@ -2366,7 +2354,7 @@
                     <a:bodyPr/>
                     <a:lstStyle/>
                     <a:p>
-                      <a:pPr marL="135255" algn="ctr">
+                      <a:pPr marL="0" indent="0" algn="ctr">
                         <a:lnSpc>
                           <a:spcPct val="100000"/>
                         </a:lnSpc>
@@ -2375,19 +2363,15 @@
                         </a:spcBef>
                       </a:pPr>
                       <a:r>
-                        <a:rPr sz="900" spc="0">
+                        <a:rPr lang="fr-FR" sz="900" dirty="0">
                           <a:solidFill>
                             <a:srgbClr val="020302"/>
                           </a:solidFill>
                           <a:latin typeface="Adobe Clean"/>
                           <a:cs typeface="Adobe Clean"/>
                         </a:rPr>
-                        <a:t>Online Support</a:t>
+                        <a:t>Assistance en ligne</a:t>
                       </a:r>
-                      <a:endParaRPr sz="900" spc="0">
-                        <a:latin typeface="Adobe Clean"/>
-                        <a:cs typeface="Adobe Clean"/>
-                      </a:endParaRPr>
                     </a:p>
                   </a:txBody>
                   <a:tcPr marL="182880" marT="91440" anchor="ctr">
@@ -2425,7 +2409,7 @@
                     <a:bodyPr/>
                     <a:lstStyle/>
                     <a:p>
-                      <a:pPr marL="92710">
+                      <a:pPr marL="0" indent="0">
                         <a:lnSpc>
                           <a:spcPct val="100000"/>
                         </a:lnSpc>
@@ -2434,39 +2418,15 @@
                         </a:spcBef>
                       </a:pPr>
                       <a:r>
-                        <a:rPr sz="900" spc="0">
+                        <a:rPr lang="fr-FR" sz="900" dirty="0">
                           <a:solidFill>
                             <a:srgbClr val="FFFFFF"/>
                           </a:solidFill>
                           <a:latin typeface="Adobe Clean"/>
                           <a:cs typeface="Adobe Clean"/>
                         </a:rPr>
-                        <a:t>Business</a:t>
+                        <a:t>Assistance commerciale</a:t>
                       </a:r>
-                      <a:r>
-                        <a:rPr lang="en-US" sz="900" spc="0">
-                          <a:solidFill>
-                            <a:srgbClr val="FFFFFF"/>
-                          </a:solidFill>
-                          <a:latin typeface="Adobe Clean"/>
-                          <a:cs typeface="Adobe Clean"/>
-                        </a:rPr>
-                        <a:t> </a:t>
-                      </a:r>
-                      <a:r>
-                        <a:rPr sz="900" spc="0">
-                          <a:solidFill>
-                            <a:srgbClr val="FFFFFF"/>
-                          </a:solidFill>
-                          <a:latin typeface="Adobe Clean"/>
-                          <a:cs typeface="Adobe Clean"/>
-                        </a:rPr>
-                        <a:t>Support</a:t>
-                      </a:r>
-                      <a:endParaRPr sz="900" spc="0">
-                        <a:latin typeface="Adobe Clean"/>
-                        <a:cs typeface="Adobe Clean"/>
-                      </a:endParaRPr>
                     </a:p>
                   </a:txBody>
                   <a:tcPr marL="182880" marT="91440" anchor="ctr">
@@ -2505,7 +2465,7 @@
                   </a:ext>
                 </a:extLst>
               </a:tr>
-              <a:tr h="514672">
+              <a:tr h="662832">
                 <a:tc>
                   <a:txBody>
                     <a:bodyPr/>
@@ -2520,19 +2480,15 @@
                         </a:spcBef>
                       </a:pPr>
                       <a:r>
-                        <a:rPr sz="900" b="1" spc="0">
+                        <a:rPr lang="fr-FR" sz="900" b="1" dirty="0">
                           <a:solidFill>
                             <a:srgbClr val="020302"/>
                           </a:solidFill>
                           <a:latin typeface="Adobe Clean"/>
                           <a:cs typeface="Adobe Clean"/>
                         </a:rPr>
-                        <a:t>PRIORITY 1</a:t>
+                        <a:t>PRIORITÉ 1</a:t>
                       </a:r>
-                      <a:endParaRPr sz="900" spc="0">
-                        <a:latin typeface="Adobe Clean"/>
-                        <a:cs typeface="Adobe Clean"/>
-                      </a:endParaRPr>
                     </a:p>
                     <a:p>
                       <a:pPr marL="50800" marR="387985" lvl="0" indent="0" algn="l" defTabSz="914400" rtl="0" eaLnBrk="1" fontAlgn="auto" latinLnBrk="0" hangingPunct="1">
@@ -2553,19 +2509,48 @@
                         <a:defRPr/>
                       </a:pPr>
                       <a:r>
-                        <a:rPr lang="en-US" sz="900" b="0" i="0" spc="0">
+                        <a:rPr lang="fr-FR" sz="900" b="0" i="0" dirty="0">
                           <a:solidFill>
                             <a:srgbClr val="000000"/>
                           </a:solidFill>
-                          <a:effectLst/>
                           <a:latin typeface="Adobe Clean Light" panose="020B0303020404020204" pitchFamily="34" charset="0"/>
                         </a:rPr>
-                        <a:t>Customer's production business functions are down or have significant data loss or service degradation and immediate attention is required to restore functionality and usability</a:t>
+                        <a:t>Les fonctions commerciales de production du client sont en panne ou présentent une perte </a:t>
                       </a:r>
-                      <a:endParaRPr lang="en-US" sz="900" b="0" i="0" spc="0">
-                        <a:latin typeface="Adobe Clean Light" panose="020B0303020404020204" pitchFamily="34" charset="0"/>
-                        <a:cs typeface="AdobeClean-Light"/>
-                      </a:endParaRPr>
+                      <a:br>
+                        <a:rPr lang="fr-FR" sz="900" b="0" i="0" dirty="0">
+                          <a:solidFill>
+                            <a:srgbClr val="000000"/>
+                          </a:solidFill>
+                          <a:latin typeface="Adobe Clean Light" panose="020B0303020404020204" pitchFamily="34" charset="0"/>
+                        </a:rPr>
+                      </a:br>
+                      <a:r>
+                        <a:rPr lang="fr-FR" sz="900" b="0" i="0" dirty="0">
+                          <a:solidFill>
+                            <a:srgbClr val="000000"/>
+                          </a:solidFill>
+                          <a:latin typeface="Adobe Clean Light" panose="020B0303020404020204" pitchFamily="34" charset="0"/>
+                        </a:rPr>
+                        <a:t>de données ou une dégradation importante du service. Une attention immédiate est requise </a:t>
+                      </a:r>
+                      <a:br>
+                        <a:rPr lang="fr-FR" sz="900" b="0" i="0" dirty="0">
+                          <a:solidFill>
+                            <a:srgbClr val="000000"/>
+                          </a:solidFill>
+                          <a:latin typeface="Adobe Clean Light" panose="020B0303020404020204" pitchFamily="34" charset="0"/>
+                        </a:rPr>
+                      </a:br>
+                      <a:r>
+                        <a:rPr lang="fr-FR" sz="900" b="0" i="0" dirty="0">
+                          <a:solidFill>
+                            <a:srgbClr val="000000"/>
+                          </a:solidFill>
+                          <a:latin typeface="Adobe Clean Light" panose="020B0303020404020204" pitchFamily="34" charset="0"/>
+                        </a:rPr>
+                        <a:t>afin de restaurer les fonctionnalités et l’accessibilité</a:t>
+                      </a:r>
                     </a:p>
                   </a:txBody>
                   <a:tcPr marL="0" marR="0" marT="3810" marB="0">
@@ -2609,59 +2594,15 @@
                         </a:spcBef>
                       </a:pPr>
                       <a:r>
-                        <a:rPr sz="900" spc="0">
+                        <a:rPr lang="fr-FR" sz="900">
                           <a:solidFill>
                             <a:srgbClr val="020302"/>
                           </a:solidFill>
                           <a:latin typeface="AdobeClean-Light"/>
                           <a:cs typeface="AdobeClean-Light"/>
                         </a:rPr>
-                        <a:t>24x7</a:t>
+                        <a:t>24x7 / 1 heure</a:t>
                       </a:r>
-                      <a:r>
-                        <a:rPr lang="en-US" sz="900" spc="0">
-                          <a:solidFill>
-                            <a:srgbClr val="020302"/>
-                          </a:solidFill>
-                          <a:latin typeface="AdobeClean-Light"/>
-                          <a:cs typeface="AdobeClean-Light"/>
-                        </a:rPr>
-                        <a:t> </a:t>
-                      </a:r>
-                      <a:r>
-                        <a:rPr sz="900" spc="0">
-                          <a:solidFill>
-                            <a:srgbClr val="020302"/>
-                          </a:solidFill>
-                          <a:latin typeface="AdobeClean-Light"/>
-                          <a:cs typeface="AdobeClean-Light"/>
-                        </a:rPr>
-                        <a:t>/</a:t>
-                      </a:r>
-                      <a:r>
-                        <a:rPr lang="en-US" sz="900" spc="0">
-                          <a:solidFill>
-                            <a:srgbClr val="020302"/>
-                          </a:solidFill>
-                          <a:latin typeface="AdobeClean-Light"/>
-                          <a:cs typeface="AdobeClean-Light"/>
-                        </a:rPr>
-                        <a:t> </a:t>
-                      </a:r>
-                      <a:r>
-                        <a:rPr sz="900" spc="0">
-                          <a:solidFill>
-                            <a:srgbClr val="020302"/>
-                          </a:solidFill>
-                          <a:latin typeface="AdobeClean-Light"/>
-                          <a:cs typeface="AdobeClean-Light"/>
-                        </a:rPr>
-                        <a:t>1 hour</a:t>
-                      </a:r>
-                      <a:endParaRPr sz="900" spc="0">
-                        <a:latin typeface="AdobeClean-Light"/>
-                        <a:cs typeface="AdobeClean-Light"/>
-                      </a:endParaRPr>
                     </a:p>
                   </a:txBody>
                   <a:tcPr marL="0" marR="0" marT="91440" marB="91440" anchor="ctr" anchorCtr="1">
@@ -2705,59 +2646,15 @@
                         </a:spcBef>
                       </a:pPr>
                       <a:r>
-                        <a:rPr sz="900" spc="0">
+                        <a:rPr lang="fr-FR" sz="900">
                           <a:solidFill>
                             <a:srgbClr val="020302"/>
                           </a:solidFill>
                           <a:latin typeface="AdobeClean-Light"/>
                           <a:cs typeface="AdobeClean-Light"/>
                         </a:rPr>
-                        <a:t>24x7</a:t>
+                        <a:t>24x7 / 1 heure</a:t>
                       </a:r>
-                      <a:r>
-                        <a:rPr lang="en-US" sz="900" spc="0">
-                          <a:solidFill>
-                            <a:srgbClr val="020302"/>
-                          </a:solidFill>
-                          <a:latin typeface="AdobeClean-Light"/>
-                          <a:cs typeface="AdobeClean-Light"/>
-                        </a:rPr>
-                        <a:t> </a:t>
-                      </a:r>
-                      <a:r>
-                        <a:rPr sz="900" spc="0">
-                          <a:solidFill>
-                            <a:srgbClr val="020302"/>
-                          </a:solidFill>
-                          <a:latin typeface="AdobeClean-Light"/>
-                          <a:cs typeface="AdobeClean-Light"/>
-                        </a:rPr>
-                        <a:t>/</a:t>
-                      </a:r>
-                      <a:r>
-                        <a:rPr lang="en-US" sz="900" spc="0">
-                          <a:solidFill>
-                            <a:srgbClr val="020302"/>
-                          </a:solidFill>
-                          <a:latin typeface="AdobeClean-Light"/>
-                          <a:cs typeface="AdobeClean-Light"/>
-                        </a:rPr>
-                        <a:t> </a:t>
-                      </a:r>
-                      <a:r>
-                        <a:rPr sz="900" spc="0">
-                          <a:solidFill>
-                            <a:srgbClr val="020302"/>
-                          </a:solidFill>
-                          <a:latin typeface="AdobeClean-Light"/>
-                          <a:cs typeface="AdobeClean-Light"/>
-                        </a:rPr>
-                        <a:t>1 hour</a:t>
-                      </a:r>
-                      <a:endParaRPr sz="900" spc="0">
-                        <a:latin typeface="AdobeClean-Light"/>
-                        <a:cs typeface="AdobeClean-Light"/>
-                      </a:endParaRPr>
                     </a:p>
                   </a:txBody>
                   <a:tcPr marL="0" marR="0" marT="91440" marB="91440" anchor="ctr" anchorCtr="1">
@@ -2813,19 +2710,15 @@
                         </a:spcBef>
                       </a:pPr>
                       <a:r>
-                        <a:rPr sz="900" b="1" spc="0">
+                        <a:rPr lang="fr-FR" sz="900" b="1">
                           <a:solidFill>
                             <a:srgbClr val="020302"/>
                           </a:solidFill>
                           <a:latin typeface="Adobe Clean"/>
                           <a:cs typeface="Adobe Clean"/>
                         </a:rPr>
-                        <a:t>PRIORITY 2</a:t>
+                        <a:t>PRIORITÉ 2</a:t>
                       </a:r>
-                      <a:endParaRPr sz="900" spc="0">
-                        <a:latin typeface="Adobe Clean"/>
-                        <a:cs typeface="Adobe Clean"/>
-                      </a:endParaRPr>
                     </a:p>
                     <a:p>
                       <a:pPr marL="50165" marR="203200">
@@ -2837,19 +2730,14 @@
                         </a:spcBef>
                       </a:pPr>
                       <a:r>
-                        <a:rPr lang="en-US" sz="900" b="0" i="0" spc="0">
+                        <a:rPr lang="fr-FR" sz="900" b="0" i="0">
                           <a:solidFill>
                             <a:srgbClr val="000000"/>
                           </a:solidFill>
-                          <a:effectLst/>
                           <a:latin typeface="Adobe Clean Light" panose="020B0303020404020204" pitchFamily="34" charset="0"/>
                         </a:rPr>
-                        <a:t>Customer's business functions have major service degradation or potential data loss, or a major feature is impacted </a:t>
+                        <a:t>Les fonctions commerciales du client présentent une dégradation importante du service ou une perte potentielle de données. Il est également possible qu’une fonctionnalité majeure soit affectée </a:t>
                       </a:r>
-                      <a:endParaRPr lang="en-US" sz="900" b="0" i="0" spc="0">
-                        <a:latin typeface="Adobe Clean Light" panose="020B0303020404020204" pitchFamily="34" charset="0"/>
-                        <a:cs typeface="AdobeClean-Light"/>
-                      </a:endParaRPr>
                     </a:p>
                   </a:txBody>
                   <a:tcPr marL="0" marR="0" marT="3810" marB="0">
@@ -2893,79 +2781,15 @@
                         </a:spcBef>
                       </a:pPr>
                       <a:r>
-                        <a:rPr sz="900" spc="0">
+                        <a:rPr lang="fr-FR" sz="900">
                           <a:solidFill>
                             <a:srgbClr val="020302"/>
                           </a:solidFill>
                           <a:latin typeface="AdobeClean-Light"/>
                           <a:cs typeface="AdobeClean-Light"/>
                         </a:rPr>
-                        <a:t>Business</a:t>
+                        <a:t>Heures d’ouverture / 4 heures</a:t>
                       </a:r>
-                      <a:r>
-                        <a:rPr lang="en-US" sz="900" spc="0">
-                          <a:solidFill>
-                            <a:srgbClr val="020302"/>
-                          </a:solidFill>
-                          <a:latin typeface="AdobeClean-Light"/>
-                          <a:cs typeface="AdobeClean-Light"/>
-                        </a:rPr>
-                        <a:t> </a:t>
-                      </a:r>
-                      <a:r>
-                        <a:rPr sz="900" spc="0">
-                          <a:solidFill>
-                            <a:srgbClr val="020302"/>
-                          </a:solidFill>
-                          <a:latin typeface="AdobeClean-Light"/>
-                          <a:cs typeface="AdobeClean-Light"/>
-                        </a:rPr>
-                        <a:t>hours</a:t>
-                      </a:r>
-                      <a:r>
-                        <a:rPr lang="en-US" sz="900" spc="0">
-                          <a:solidFill>
-                            <a:srgbClr val="020302"/>
-                          </a:solidFill>
-                          <a:latin typeface="AdobeClean-Light"/>
-                          <a:cs typeface="AdobeClean-Light"/>
-                        </a:rPr>
-                        <a:t> </a:t>
-                      </a:r>
-                      <a:r>
-                        <a:rPr sz="900" spc="0">
-                          <a:solidFill>
-                            <a:srgbClr val="020302"/>
-                          </a:solidFill>
-                          <a:latin typeface="AdobeClean-Light"/>
-                          <a:cs typeface="AdobeClean-Light"/>
-                        </a:rPr>
-                        <a:t>/</a:t>
-                      </a:r>
-                      <a:r>
-                        <a:rPr lang="en-US" sz="900" spc="0">
-                          <a:solidFill>
-                            <a:srgbClr val="020302"/>
-                          </a:solidFill>
-                          <a:latin typeface="AdobeClean-Light"/>
-                          <a:cs typeface="AdobeClean-Light"/>
-                        </a:rPr>
-                        <a:t> </a:t>
-                      </a:r>
-                      <a:r>
-                        <a:rPr sz="900" spc="0">
-                          <a:solidFill>
-                            <a:srgbClr val="020302"/>
-                          </a:solidFill>
-                          <a:latin typeface="AdobeClean-Light"/>
-                          <a:cs typeface="AdobeClean-Light"/>
-                        </a:rPr>
-                        <a:t>4 hours</a:t>
-                      </a:r>
-                      <a:endParaRPr sz="900" spc="0">
-                        <a:latin typeface="AdobeClean-Light"/>
-                        <a:cs typeface="AdobeClean-Light"/>
-                      </a:endParaRPr>
                     </a:p>
                   </a:txBody>
                   <a:tcPr marL="0" marR="0" marT="91440" marB="91440" anchor="ctr" anchorCtr="1">
@@ -3009,89 +2833,15 @@
                         </a:spcBef>
                       </a:pPr>
                       <a:r>
-                        <a:rPr lang="en-US" sz="900" spc="0">
+                        <a:rPr lang="fr-FR" sz="900">
                           <a:solidFill>
                             <a:srgbClr val="020302"/>
                           </a:solidFill>
                           <a:latin typeface="AdobeClean-Light"/>
                           <a:cs typeface="AdobeClean-Light"/>
                         </a:rPr>
-                        <a:t>    </a:t>
+                        <a:t>    Heures d’ouverture / 2 heures</a:t>
                       </a:r>
-                      <a:r>
-                        <a:rPr sz="900" spc="0">
-                          <a:solidFill>
-                            <a:srgbClr val="020302"/>
-                          </a:solidFill>
-                          <a:latin typeface="AdobeClean-Light"/>
-                          <a:cs typeface="AdobeClean-Light"/>
-                        </a:rPr>
-                        <a:t>Business</a:t>
-                      </a:r>
-                      <a:r>
-                        <a:rPr lang="en-US" sz="900" spc="0">
-                          <a:solidFill>
-                            <a:srgbClr val="020302"/>
-                          </a:solidFill>
-                          <a:latin typeface="AdobeClean-Light"/>
-                          <a:cs typeface="AdobeClean-Light"/>
-                        </a:rPr>
-                        <a:t> </a:t>
-                      </a:r>
-                      <a:r>
-                        <a:rPr sz="900" spc="0">
-                          <a:solidFill>
-                            <a:srgbClr val="020302"/>
-                          </a:solidFill>
-                          <a:latin typeface="AdobeClean-Light"/>
-                          <a:cs typeface="AdobeClean-Light"/>
-                        </a:rPr>
-                        <a:t>hours</a:t>
-                      </a:r>
-                      <a:r>
-                        <a:rPr lang="en-US" sz="900" spc="0">
-                          <a:solidFill>
-                            <a:srgbClr val="020302"/>
-                          </a:solidFill>
-                          <a:latin typeface="AdobeClean-Light"/>
-                          <a:cs typeface="AdobeClean-Light"/>
-                        </a:rPr>
-                        <a:t> / </a:t>
-                      </a:r>
-                      <a:r>
-                        <a:rPr sz="900" spc="0">
-                          <a:solidFill>
-                            <a:srgbClr val="020302"/>
-                          </a:solidFill>
-                          <a:latin typeface="AdobeClean-Light"/>
-                          <a:cs typeface="AdobeClean-Light"/>
-                        </a:rPr>
-                        <a:t>2</a:t>
-                      </a:r>
-                      <a:r>
-                        <a:rPr lang="en-US" sz="900" spc="0">
-                          <a:solidFill>
-                            <a:srgbClr val="020302"/>
-                          </a:solidFill>
-                          <a:latin typeface="AdobeClean-Light"/>
-                          <a:cs typeface="AdobeClean-Light"/>
-                        </a:rPr>
-                        <a:t> </a:t>
-                      </a:r>
-                      <a:r>
-                        <a:rPr sz="900" spc="0">
-                          <a:solidFill>
-                            <a:srgbClr val="020302"/>
-                          </a:solidFill>
-                          <a:latin typeface="AdobeClean-Light"/>
-                          <a:cs typeface="AdobeClean-Light"/>
-                        </a:rPr>
-                        <a:t>hours</a:t>
-                      </a:r>
-                      <a:endParaRPr sz="900" spc="0">
-                        <a:latin typeface="AdobeClean-Light"/>
-                        <a:cs typeface="AdobeClean-Light"/>
-                      </a:endParaRPr>
                     </a:p>
                   </a:txBody>
                   <a:tcPr marL="0" marR="0" marT="91440" marB="91440" anchor="ctr" anchorCtr="1">
@@ -3147,19 +2897,15 @@
                         </a:spcBef>
                       </a:pPr>
                       <a:r>
-                        <a:rPr sz="900" b="1" spc="0">
+                        <a:rPr lang="fr-FR" sz="900" b="1">
                           <a:solidFill>
                             <a:srgbClr val="020302"/>
                           </a:solidFill>
                           <a:latin typeface="Adobe Clean"/>
                           <a:cs typeface="Adobe Clean"/>
                         </a:rPr>
-                        <a:t>PRIORITY 3</a:t>
+                        <a:t>PRIORITÉ 3</a:t>
                       </a:r>
-                      <a:endParaRPr sz="900" spc="0">
-                        <a:latin typeface="Adobe Clean"/>
-                        <a:cs typeface="Adobe Clean"/>
-                      </a:endParaRPr>
                     </a:p>
                     <a:p>
                       <a:pPr marL="49530" marR="212090" indent="-2540">
@@ -3171,26 +2917,21 @@
                         </a:spcBef>
                       </a:pPr>
                       <a:r>
-                        <a:rPr kumimoji="0" lang="en-US" sz="900" b="0" i="0" u="none" strike="noStrike" kern="1200" cap="none" spc="0" normalizeH="0" baseline="0" noProof="0">
+                        <a:rPr kumimoji="0" lang="fr-FR" sz="900" b="0" i="0" u="none" strike="noStrike" cap="none" normalizeH="0" baseline="0" noProof="0">
                           <a:ln>
                             <a:noFill/>
                           </a:ln>
                           <a:solidFill>
                             <a:srgbClr val="000000"/>
                           </a:solidFill>
-                          <a:effectLst/>
                           <a:uLnTx/>
                           <a:uFillTx/>
                           <a:latin typeface="Adobe Clean Light" panose="020B0303020404020204" pitchFamily="34" charset="0"/>
                           <a:ea typeface="+mn-ea"/>
                           <a:cs typeface="+mn-cs"/>
                         </a:rPr>
-                        <a:t>Customer's business functions have minor service degradation but there exists a solution/workaround allowing business functions to continue </a:t>
+                        <a:t>Les fonctions commerciales du client présentent une dégradation mineure du service, mais il existe une solution/un moyen permettant aux fonctions commerciales de continuer de fonctionner </a:t>
                       </a:r>
-                      <a:endParaRPr lang="en-US" sz="900" b="0" i="0" spc="0">
-                        <a:latin typeface="Adobe Clean Light" panose="020B0303020404020204" pitchFamily="34" charset="0"/>
-                        <a:cs typeface="AdobeClean-Light"/>
-                      </a:endParaRPr>
                     </a:p>
                   </a:txBody>
                   <a:tcPr marL="0" marR="0" marT="3810" marB="0">
@@ -3234,89 +2975,15 @@
                         </a:spcBef>
                       </a:pPr>
                       <a:r>
-                        <a:rPr lang="en-US" sz="900" spc="0">
+                        <a:rPr lang="fr-FR" sz="900">
                           <a:solidFill>
                             <a:srgbClr val="020302"/>
                           </a:solidFill>
                           <a:latin typeface="AdobeClean-Light"/>
                           <a:cs typeface="AdobeClean-Light"/>
                         </a:rPr>
-                        <a:t>   </a:t>
+                        <a:t>   Heures d’ouverture / 6 heures</a:t>
                       </a:r>
-                      <a:r>
-                        <a:rPr sz="900" spc="0">
-                          <a:solidFill>
-                            <a:srgbClr val="020302"/>
-                          </a:solidFill>
-                          <a:latin typeface="AdobeClean-Light"/>
-                          <a:cs typeface="AdobeClean-Light"/>
-                        </a:rPr>
-                        <a:t>Business</a:t>
-                      </a:r>
-                      <a:r>
-                        <a:rPr lang="en-US" sz="900" spc="0">
-                          <a:solidFill>
-                            <a:srgbClr val="020302"/>
-                          </a:solidFill>
-                          <a:latin typeface="AdobeClean-Light"/>
-                          <a:cs typeface="AdobeClean-Light"/>
-                        </a:rPr>
-                        <a:t> </a:t>
-                      </a:r>
-                      <a:r>
-                        <a:rPr sz="900" spc="0">
-                          <a:solidFill>
-                            <a:srgbClr val="020302"/>
-                          </a:solidFill>
-                          <a:latin typeface="AdobeClean-Light"/>
-                          <a:cs typeface="AdobeClean-Light"/>
-                        </a:rPr>
-                        <a:t>hours</a:t>
-                      </a:r>
-                      <a:r>
-                        <a:rPr lang="en-US" sz="900" spc="0">
-                          <a:solidFill>
-                            <a:srgbClr val="020302"/>
-                          </a:solidFill>
-                          <a:latin typeface="AdobeClean-Light"/>
-                          <a:cs typeface="AdobeClean-Light"/>
-                        </a:rPr>
-                        <a:t> / </a:t>
-                      </a:r>
-                      <a:r>
-                        <a:rPr sz="900" spc="0">
-                          <a:solidFill>
-                            <a:srgbClr val="020302"/>
-                          </a:solidFill>
-                          <a:latin typeface="AdobeClean-Light"/>
-                          <a:cs typeface="AdobeClean-Light"/>
-                        </a:rPr>
-                        <a:t>6</a:t>
-                      </a:r>
-                      <a:r>
-                        <a:rPr lang="en-US" sz="900" spc="0">
-                          <a:solidFill>
-                            <a:srgbClr val="020302"/>
-                          </a:solidFill>
-                          <a:latin typeface="AdobeClean-Light"/>
-                          <a:cs typeface="AdobeClean-Light"/>
-                        </a:rPr>
-                        <a:t> </a:t>
-                      </a:r>
-                      <a:r>
-                        <a:rPr sz="900" spc="0">
-                          <a:solidFill>
-                            <a:srgbClr val="020302"/>
-                          </a:solidFill>
-                          <a:latin typeface="AdobeClean-Light"/>
-                          <a:cs typeface="AdobeClean-Light"/>
-                        </a:rPr>
-                        <a:t>hours</a:t>
-                      </a:r>
-                      <a:endParaRPr sz="900" spc="0">
-                        <a:latin typeface="AdobeClean-Light"/>
-                        <a:cs typeface="AdobeClean-Light"/>
-                      </a:endParaRPr>
                     </a:p>
                   </a:txBody>
                   <a:tcPr marL="0" marR="0" marT="91440" marB="91440" anchor="ctr" anchorCtr="1">
@@ -3360,79 +3027,15 @@
                         </a:spcBef>
                       </a:pPr>
                       <a:r>
-                        <a:rPr sz="900" spc="0">
+                        <a:rPr lang="fr-FR" sz="900">
                           <a:solidFill>
                             <a:srgbClr val="020302"/>
                           </a:solidFill>
                           <a:latin typeface="AdobeClean-Light"/>
                           <a:cs typeface="AdobeClean-Light"/>
                         </a:rPr>
-                        <a:t>Business</a:t>
+                        <a:t>Heures d’ouverture / 4 heures</a:t>
                       </a:r>
-                      <a:r>
-                        <a:rPr lang="en-US" sz="900" spc="0">
-                          <a:solidFill>
-                            <a:srgbClr val="020302"/>
-                          </a:solidFill>
-                          <a:latin typeface="AdobeClean-Light"/>
-                          <a:cs typeface="AdobeClean-Light"/>
-                        </a:rPr>
-                        <a:t> </a:t>
-                      </a:r>
-                      <a:r>
-                        <a:rPr sz="900" spc="0">
-                          <a:solidFill>
-                            <a:srgbClr val="020302"/>
-                          </a:solidFill>
-                          <a:latin typeface="AdobeClean-Light"/>
-                          <a:cs typeface="AdobeClean-Light"/>
-                        </a:rPr>
-                        <a:t>hours</a:t>
-                      </a:r>
-                      <a:r>
-                        <a:rPr lang="en-US" sz="900" spc="0">
-                          <a:solidFill>
-                            <a:srgbClr val="020302"/>
-                          </a:solidFill>
-                          <a:latin typeface="AdobeClean-Light"/>
-                          <a:cs typeface="AdobeClean-Light"/>
-                        </a:rPr>
-                        <a:t> </a:t>
-                      </a:r>
-                      <a:r>
-                        <a:rPr sz="900" spc="0">
-                          <a:solidFill>
-                            <a:srgbClr val="020302"/>
-                          </a:solidFill>
-                          <a:latin typeface="AdobeClean-Light"/>
-                          <a:cs typeface="AdobeClean-Light"/>
-                        </a:rPr>
-                        <a:t>/ 4</a:t>
-                      </a:r>
-                      <a:r>
-                        <a:rPr lang="en-US" sz="900" spc="0">
-                          <a:solidFill>
-                            <a:srgbClr val="020302"/>
-                          </a:solidFill>
-                          <a:latin typeface="AdobeClean-Light"/>
-                          <a:cs typeface="AdobeClean-Light"/>
-                        </a:rPr>
-                        <a:t> </a:t>
-                      </a:r>
-                      <a:r>
-                        <a:rPr sz="900" spc="0">
-                          <a:solidFill>
-                            <a:srgbClr val="020302"/>
-                          </a:solidFill>
-                          <a:latin typeface="AdobeClean-Light"/>
-                          <a:cs typeface="AdobeClean-Light"/>
-                        </a:rPr>
-                        <a:t>hours</a:t>
-                      </a:r>
-                      <a:endParaRPr sz="900" spc="0">
-                        <a:latin typeface="AdobeClean-Light"/>
-                        <a:cs typeface="AdobeClean-Light"/>
-                      </a:endParaRPr>
                     </a:p>
                   </a:txBody>
                   <a:tcPr marL="0" marR="0" marT="91440" marB="91440" anchor="ctr" anchorCtr="1">
@@ -3488,19 +3091,15 @@
                         </a:spcBef>
                       </a:pPr>
                       <a:r>
-                        <a:rPr sz="900" b="1" spc="0">
+                        <a:rPr lang="fr-FR" sz="900" b="1">
                           <a:solidFill>
                             <a:srgbClr val="020302"/>
                           </a:solidFill>
                           <a:latin typeface="Adobe Clean"/>
                           <a:cs typeface="Adobe Clean"/>
                         </a:rPr>
-                        <a:t>PRIORITY 4</a:t>
+                        <a:t>PRIORITÉ 4</a:t>
                       </a:r>
-                      <a:endParaRPr sz="900" spc="0">
-                        <a:latin typeface="Adobe Clean"/>
-                        <a:cs typeface="Adobe Clean"/>
-                      </a:endParaRPr>
                     </a:p>
                     <a:p>
                       <a:pPr marL="48895" marR="0" lvl="0" indent="0" defTabSz="914400" eaLnBrk="1" fontAlgn="auto" latinLnBrk="0" hangingPunct="1">
@@ -3521,19 +3120,14 @@
                         <a:defRPr/>
                       </a:pPr>
                       <a:r>
-                        <a:rPr lang="en-US" sz="900" b="0" i="0" spc="0">
+                        <a:rPr lang="fr-FR" sz="900" b="0" i="0">
                           <a:solidFill>
                             <a:srgbClr val="000000"/>
                           </a:solidFill>
-                          <a:effectLst/>
                           <a:latin typeface="Adobe Clean Light" panose="020B0303020404020204" pitchFamily="34" charset="0"/>
                         </a:rPr>
-                        <a:t>General question regarding current product functionality or an enhancement request</a:t>
+                        <a:t>Question générale concernant les fonctionnalités actuelles du produit ou une demande d’amélioration</a:t>
                       </a:r>
-                      <a:endParaRPr lang="en-US" sz="900" b="0" i="0" spc="0">
-                        <a:latin typeface="Adobe Clean Light" panose="020B0303020404020204" pitchFamily="34" charset="0"/>
-                        <a:cs typeface="AdobeClean-Light"/>
-                      </a:endParaRPr>
                     </a:p>
                   </a:txBody>
                   <a:tcPr marL="0" marR="0" marT="1905" marB="0">
@@ -3577,69 +3171,15 @@
                         </a:spcBef>
                       </a:pPr>
                       <a:r>
-                        <a:rPr lang="en-US" sz="900" spc="0">
+                        <a:rPr lang="fr-FR" sz="900">
                           <a:solidFill>
                             <a:srgbClr val="020302"/>
                           </a:solidFill>
                           <a:latin typeface="AdobeClean-Light"/>
                           <a:cs typeface="AdobeClean-Light"/>
                         </a:rPr>
-                        <a:t>  </a:t>
+                        <a:t>  Jours ouvrables / 3 jours</a:t>
                       </a:r>
-                      <a:r>
-                        <a:rPr sz="900" spc="0">
-                          <a:solidFill>
-                            <a:srgbClr val="020302"/>
-                          </a:solidFill>
-                          <a:latin typeface="AdobeClean-Light"/>
-                          <a:cs typeface="AdobeClean-Light"/>
-                        </a:rPr>
-                        <a:t>Business</a:t>
-                      </a:r>
-                      <a:r>
-                        <a:rPr lang="en-US" sz="900" spc="0">
-                          <a:solidFill>
-                            <a:srgbClr val="020302"/>
-                          </a:solidFill>
-                          <a:latin typeface="AdobeClean-Light"/>
-                          <a:cs typeface="AdobeClean-Light"/>
-                        </a:rPr>
-                        <a:t> </a:t>
-                      </a:r>
-                      <a:r>
-                        <a:rPr sz="900" spc="0">
-                          <a:solidFill>
-                            <a:srgbClr val="020302"/>
-                          </a:solidFill>
-                          <a:latin typeface="AdobeClean-Light"/>
-                          <a:cs typeface="AdobeClean-Light"/>
-                        </a:rPr>
-                        <a:t>days</a:t>
-                      </a:r>
-                      <a:r>
-                        <a:rPr lang="en-US" sz="900" spc="0">
-                          <a:solidFill>
-                            <a:srgbClr val="020302"/>
-                          </a:solidFill>
-                          <a:latin typeface="AdobeClean-Light"/>
-                          <a:cs typeface="AdobeClean-Light"/>
-                        </a:rPr>
-                        <a:t> / </a:t>
-                      </a:r>
-                      <a:r>
-                        <a:rPr sz="900" spc="0">
-                          <a:solidFill>
-                            <a:srgbClr val="020302"/>
-                          </a:solidFill>
-                          <a:latin typeface="AdobeClean-Light"/>
-                          <a:cs typeface="AdobeClean-Light"/>
-                        </a:rPr>
-                        <a:t>3 days</a:t>
-                      </a:r>
-                      <a:endParaRPr sz="900" spc="0">
-                        <a:latin typeface="AdobeClean-Light"/>
-                        <a:cs typeface="AdobeClean-Light"/>
-                      </a:endParaRPr>
                     </a:p>
                   </a:txBody>
                   <a:tcPr marL="0" marR="0" marT="91440" marB="91440" anchor="ctr" anchorCtr="1">
@@ -3683,79 +3223,15 @@
                         </a:spcBef>
                       </a:pPr>
                       <a:r>
-                        <a:rPr sz="900" spc="0">
+                        <a:rPr lang="fr-FR" sz="900" dirty="0">
                           <a:solidFill>
                             <a:srgbClr val="020302"/>
                           </a:solidFill>
                           <a:latin typeface="AdobeClean-Light"/>
                           <a:cs typeface="AdobeClean-Light"/>
                         </a:rPr>
-                        <a:t>Business</a:t>
+                        <a:t>Jours ouvrables / 1 jour</a:t>
                       </a:r>
-                      <a:r>
-                        <a:rPr lang="en-US" sz="900" spc="0">
-                          <a:solidFill>
-                            <a:srgbClr val="020302"/>
-                          </a:solidFill>
-                          <a:latin typeface="AdobeClean-Light"/>
-                          <a:cs typeface="AdobeClean-Light"/>
-                        </a:rPr>
-                        <a:t> </a:t>
-                      </a:r>
-                      <a:r>
-                        <a:rPr sz="900" spc="0">
-                          <a:solidFill>
-                            <a:srgbClr val="020302"/>
-                          </a:solidFill>
-                          <a:latin typeface="AdobeClean-Light"/>
-                          <a:cs typeface="AdobeClean-Light"/>
-                        </a:rPr>
-                        <a:t>day</a:t>
-                      </a:r>
-                      <a:r>
-                        <a:rPr lang="en-US" sz="900" spc="0">
-                          <a:solidFill>
-                            <a:srgbClr val="020302"/>
-                          </a:solidFill>
-                          <a:latin typeface="AdobeClean-Light"/>
-                          <a:cs typeface="AdobeClean-Light"/>
-                        </a:rPr>
-                        <a:t>s </a:t>
-                      </a:r>
-                      <a:r>
-                        <a:rPr sz="900" spc="0">
-                          <a:solidFill>
-                            <a:srgbClr val="020302"/>
-                          </a:solidFill>
-                          <a:latin typeface="AdobeClean-Light"/>
-                          <a:cs typeface="AdobeClean-Light"/>
-                        </a:rPr>
-                        <a:t>/</a:t>
-                      </a:r>
-                      <a:r>
-                        <a:rPr lang="en-US" sz="900" spc="0">
-                          <a:solidFill>
-                            <a:srgbClr val="020302"/>
-                          </a:solidFill>
-                          <a:latin typeface="AdobeClean-Light"/>
-                          <a:cs typeface="AdobeClean-Light"/>
-                        </a:rPr>
-                        <a:t> </a:t>
-                      </a:r>
-                      <a:r>
-                        <a:rPr sz="900" spc="0">
-                          <a:solidFill>
-                            <a:srgbClr val="020302"/>
-                          </a:solidFill>
-                          <a:latin typeface="AdobeClean-Light"/>
-                          <a:cs typeface="AdobeClean-Light"/>
-                        </a:rPr>
-                        <a:t>1 day</a:t>
-                      </a:r>
-                      <a:endParaRPr sz="900" spc="0">
-                        <a:latin typeface="AdobeClean-Light"/>
-                        <a:cs typeface="AdobeClean-Light"/>
-                      </a:endParaRPr>
                     </a:p>
                   </a:txBody>
                   <a:tcPr marL="0" marR="0" marT="91440" marB="91440" anchor="ctr" anchorCtr="1">
@@ -3815,14 +3291,14 @@
           <p:nvPr>
             <p:extLst>
               <p:ext uri="{D42A27DB-BD31-4B8C-83A1-F6EECF244321}">
-                <p14:modId xmlns:p14="http://schemas.microsoft.com/office/powerpoint/2010/main" val="116851390"/>
+                <p14:modId xmlns:p14="http://schemas.microsoft.com/office/powerpoint/2010/main" val="789050569"/>
               </p:ext>
             </p:extLst>
           </p:nvPr>
         </p:nvGraphicFramePr>
         <p:xfrm>
           <a:off x="121147" y="2120949"/>
-          <a:ext cx="7498851" cy="4714546"/>
+          <a:ext cx="7498851" cy="4447419"/>
         </p:xfrm>
         <a:graphic>
           <a:graphicData uri="http://schemas.openxmlformats.org/drawingml/2006/table">
@@ -3860,7 +3336,7 @@
                   </a:extLst>
                 </a:gridCol>
               </a:tblGrid>
-              <a:tr h="241251">
+              <a:tr h="344282">
                 <a:tc gridSpan="2">
                   <a:txBody>
                     <a:bodyPr/>
@@ -3904,39 +3380,15 @@
                         <a:defRPr/>
                       </a:pPr>
                       <a:r>
-                        <a:rPr lang="en-US" sz="900" spc="-20">
+                        <a:rPr lang="fr-FR" sz="900">
                           <a:solidFill>
                             <a:srgbClr val="404040"/>
                           </a:solidFill>
                           <a:latin typeface="Adobe Clean"/>
                           <a:cs typeface="Adobe Clean"/>
                         </a:rPr>
-                        <a:t>Online </a:t>
+                        <a:t>Assistance en ligne</a:t>
                       </a:r>
-                      <a:r>
-                        <a:rPr lang="en-US" sz="900" spc="-135">
-                          <a:solidFill>
-                            <a:srgbClr val="404040"/>
-                          </a:solidFill>
-                          <a:latin typeface="Adobe Clean"/>
-                          <a:cs typeface="Adobe Clean"/>
-                        </a:rPr>
-                        <a:t> </a:t>
-                      </a:r>
-                      <a:r>
-                        <a:rPr lang="en-US" sz="900" spc="-20">
-                          <a:solidFill>
-                            <a:srgbClr val="404040"/>
-                          </a:solidFill>
-                          <a:latin typeface="Adobe Clean"/>
-                          <a:cs typeface="Adobe Clean"/>
-                        </a:rPr>
-                        <a:t>Support</a:t>
-                      </a:r>
-                      <a:endParaRPr lang="en-US" sz="900">
-                        <a:latin typeface="Adobe Clean"/>
-                        <a:cs typeface="Adobe Clean"/>
-                      </a:endParaRPr>
                     </a:p>
                   </a:txBody>
                   <a:tcPr marL="0" marR="0" marT="7620" marB="0" anchor="ctr">
@@ -3977,39 +3429,15 @@
                         </a:spcBef>
                       </a:pPr>
                       <a:r>
-                        <a:rPr sz="900" spc="-20">
+                        <a:rPr lang="fr-FR" sz="900">
                           <a:solidFill>
                             <a:srgbClr val="FFFFFF"/>
                           </a:solidFill>
                           <a:latin typeface="Adobe Clean"/>
                           <a:cs typeface="Adobe Clean"/>
                         </a:rPr>
-                        <a:t>Business</a:t>
+                        <a:t>Assistance commerciale</a:t>
                       </a:r>
-                      <a:r>
-                        <a:rPr lang="en-US" sz="900" spc="-20">
-                          <a:solidFill>
-                            <a:srgbClr val="FFFFFF"/>
-                          </a:solidFill>
-                          <a:latin typeface="Adobe Clean"/>
-                          <a:cs typeface="Adobe Clean"/>
-                        </a:rPr>
-                        <a:t> </a:t>
-                      </a:r>
-                      <a:r>
-                        <a:rPr sz="900" spc="-20">
-                          <a:solidFill>
-                            <a:srgbClr val="FFFFFF"/>
-                          </a:solidFill>
-                          <a:latin typeface="Adobe Clean"/>
-                          <a:cs typeface="Adobe Clean"/>
-                        </a:rPr>
-                        <a:t>Support</a:t>
-                      </a:r>
-                      <a:endParaRPr sz="900">
-                        <a:latin typeface="Adobe Clean"/>
-                        <a:cs typeface="Adobe Clean"/>
-                      </a:endParaRPr>
                     </a:p>
                   </a:txBody>
                   <a:tcPr marL="0" marR="0" marT="7620" marB="0" anchor="ctr">
@@ -4048,7 +3476,7 @@
                   </a:ext>
                 </a:extLst>
               </a:tr>
-              <a:tr h="332691">
+              <a:tr h="344282">
                 <a:tc gridSpan="2">
                   <a:txBody>
                     <a:bodyPr/>
@@ -4074,7 +3502,7 @@
                     <a:bodyPr/>
                     <a:lstStyle/>
                     <a:p>
-                      <a:pPr marL="0" marR="0" lvl="0" indent="0" algn="ctr" defTabSz="914400" eaLnBrk="1" fontAlgn="auto" latinLnBrk="0" hangingPunct="1">
+                      <a:pPr marL="0" marR="0" lvl="0" indent="0" algn="l" defTabSz="914400" rtl="0" eaLnBrk="1" fontAlgn="auto" latinLnBrk="0" hangingPunct="1">
                         <a:lnSpc>
                           <a:spcPct val="100000"/>
                         </a:lnSpc>
@@ -4155,13 +3583,13 @@
                         <a:defRPr/>
                       </a:pPr>
                       <a:r>
-                        <a:rPr lang="en-US" sz="800" i="1">
+                        <a:rPr lang="fr-FR" sz="800" i="1">
                           <a:solidFill>
                             <a:schemeClr val="bg1"/>
                           </a:solidFill>
                           <a:latin typeface="Adobe Clean Light" panose="020B0303020404020204" pitchFamily="34" charset="0"/>
                         </a:rPr>
-                        <a:t>Paid Support ($)</a:t>
+                        <a:t>Assistance payante ($)</a:t>
                       </a:r>
                     </a:p>
                   </a:txBody>
@@ -4210,7 +3638,7 @@
                   </a:ext>
                 </a:extLst>
               </a:tr>
-              <a:tr h="232310">
+              <a:tr h="209481">
                 <a:tc rowSpan="3">
                   <a:txBody>
                     <a:bodyPr/>
@@ -4225,22 +3653,15 @@
                         </a:spcBef>
                       </a:pPr>
                       <a:r>
-                        <a:rPr lang="en-US" sz="1000" b="1" i="0" spc="0">
+                        <a:rPr lang="fr-FR" sz="1000" b="1" i="0">
                           <a:solidFill>
                             <a:schemeClr val="bg1"/>
                           </a:solidFill>
                           <a:latin typeface="Adobe Clean" panose="020B0503020404020204" pitchFamily="34" charset="0"/>
                           <a:cs typeface="AdobeClean-Light"/>
                         </a:rPr>
-                        <a:t>Assigned Experts</a:t>
+                        <a:t>Experts assignés</a:t>
                       </a:r>
-                      <a:endParaRPr sz="1000" b="1" i="0" spc="0">
-                        <a:solidFill>
-                          <a:schemeClr val="bg1"/>
-                        </a:solidFill>
-                        <a:latin typeface="Adobe Clean" panose="020B0503020404020204" pitchFamily="34" charset="0"/>
-                        <a:cs typeface="AdobeClean-Light"/>
-                      </a:endParaRPr>
                     </a:p>
                   </a:txBody>
                   <a:tcPr marL="0" marR="0" marT="58419" marB="0" anchor="ctr">
@@ -4287,19 +3708,15 @@
                         </a:spcBef>
                       </a:pPr>
                       <a:r>
-                        <a:rPr sz="900" spc="0">
+                        <a:rPr lang="fr-FR" sz="900" dirty="0">
                           <a:solidFill>
                             <a:srgbClr val="020302"/>
                           </a:solidFill>
                           <a:latin typeface="AdobeClean-Light"/>
                           <a:cs typeface="AdobeClean-Light"/>
                         </a:rPr>
-                        <a:t>Account Support Lead</a:t>
+                        <a:t>Assistance principale du compte</a:t>
                       </a:r>
-                      <a:endParaRPr sz="900" spc="0">
-                        <a:latin typeface="AdobeClean-Light"/>
-                        <a:cs typeface="AdobeClean-Light"/>
-                      </a:endParaRPr>
                     </a:p>
                   </a:txBody>
                   <a:tcPr marL="0" marR="0" marT="58419" marB="0">
@@ -4334,7 +3751,7 @@
                     <a:bodyPr/>
                     <a:lstStyle/>
                     <a:p>
-                      <a:pPr algn="ctr">
+                      <a:pPr algn="l" rtl="0">
                         <a:lnSpc>
                           <a:spcPct val="100000"/>
                         </a:lnSpc>
@@ -4384,7 +3801,7 @@
                         </a:spcBef>
                       </a:pPr>
                       <a:r>
-                        <a:rPr sz="900">
+                        <a:rPr lang="fr-FR" sz="900">
                           <a:solidFill>
                             <a:srgbClr val="020302"/>
                           </a:solidFill>
@@ -4393,10 +3810,6 @@
                         </a:rPr>
                         <a:t></a:t>
                       </a:r>
-                      <a:endParaRPr sz="900">
-                        <a:latin typeface="Wingdings"/>
-                        <a:cs typeface="Wingdings"/>
-                      </a:endParaRPr>
                     </a:p>
                   </a:txBody>
                   <a:tcPr marL="0" marR="0" marT="59690" marB="0" anchor="ctr">
@@ -4422,13 +3835,13 @@
                   </a:ext>
                 </a:extLst>
               </a:tr>
-              <a:tr h="230812">
+              <a:tr h="208130">
                 <a:tc vMerge="1">
                   <a:txBody>
                     <a:bodyPr/>
                     <a:lstStyle/>
                     <a:p>
-                      <a:pPr marL="50800">
+                      <a:pPr marL="50800" algn="l" rtl="0">
                         <a:lnSpc>
                           <a:spcPct val="100000"/>
                         </a:lnSpc>
@@ -4474,19 +3887,15 @@
                         </a:spcBef>
                       </a:pPr>
                       <a:r>
-                        <a:rPr sz="900" spc="0">
+                        <a:rPr lang="fr-FR" sz="900">
                           <a:solidFill>
                             <a:srgbClr val="020302"/>
                           </a:solidFill>
                           <a:latin typeface="AdobeClean-Light"/>
                           <a:cs typeface="AdobeClean-Light"/>
                         </a:rPr>
-                        <a:t>Named Support Engineer</a:t>
+                        <a:t>Ingénieur d’assistance nommé</a:t>
                       </a:r>
-                      <a:endParaRPr sz="900" spc="0">
-                        <a:latin typeface="AdobeClean-Light"/>
-                        <a:cs typeface="AdobeClean-Light"/>
-                      </a:endParaRPr>
                     </a:p>
                   </a:txBody>
                   <a:tcPr marL="0" marR="0" marT="58419" marB="0">
@@ -4509,7 +3918,7 @@
                     <a:bodyPr/>
                     <a:lstStyle/>
                     <a:p>
-                      <a:pPr algn="ctr">
+                      <a:pPr algn="l" rtl="0">
                         <a:lnSpc>
                           <a:spcPct val="100000"/>
                         </a:lnSpc>
@@ -4538,7 +3947,7 @@
                     <a:bodyPr/>
                     <a:lstStyle/>
                     <a:p>
-                      <a:pPr algn="ctr">
+                      <a:pPr algn="l" rtl="0">
                         <a:lnSpc>
                           <a:spcPct val="100000"/>
                         </a:lnSpc>
@@ -4563,13 +3972,13 @@
                   </a:ext>
                 </a:extLst>
               </a:tr>
-              <a:tr h="236808">
+              <a:tr h="213537">
                 <a:tc vMerge="1">
                   <a:txBody>
                     <a:bodyPr/>
                     <a:lstStyle/>
                     <a:p>
-                      <a:pPr marL="50800">
+                      <a:pPr marL="50800" algn="l" rtl="0">
                         <a:lnSpc>
                           <a:spcPct val="100000"/>
                         </a:lnSpc>
@@ -4627,19 +4036,15 @@
                         </a:spcBef>
                       </a:pPr>
                       <a:r>
-                        <a:rPr sz="900" spc="0">
+                        <a:rPr lang="fr-FR" sz="900">
                           <a:solidFill>
                             <a:srgbClr val="020302"/>
                           </a:solidFill>
                           <a:latin typeface="AdobeClean-Light"/>
                           <a:cs typeface="AdobeClean-Light"/>
                         </a:rPr>
-                        <a:t>Technical Account Manager</a:t>
+                        <a:t>Gestionnaire de compte technique</a:t>
                       </a:r>
-                      <a:endParaRPr sz="900" spc="0">
-                        <a:latin typeface="AdobeClean-Light"/>
-                        <a:cs typeface="AdobeClean-Light"/>
-                      </a:endParaRPr>
                     </a:p>
                   </a:txBody>
                   <a:tcPr marL="0" marR="0" marT="63500" marB="0">
@@ -4668,7 +4073,7 @@
                     <a:bodyPr/>
                     <a:lstStyle/>
                     <a:p>
-                      <a:pPr algn="ctr">
+                      <a:pPr algn="l" rtl="0">
                         <a:lnSpc>
                           <a:spcPct val="100000"/>
                         </a:lnSpc>
@@ -4706,7 +4111,7 @@
                     <a:bodyPr/>
                     <a:lstStyle/>
                     <a:p>
-                      <a:pPr algn="ctr">
+                      <a:pPr algn="l" rtl="0">
                         <a:lnSpc>
                           <a:spcPct val="100000"/>
                         </a:lnSpc>
@@ -4740,7 +4145,7 @@
                   </a:ext>
                 </a:extLst>
               </a:tr>
-              <a:tr h="229317">
+              <a:tr h="206782">
                 <a:tc rowSpan="12">
                   <a:txBody>
                     <a:bodyPr/>
@@ -4755,22 +4160,15 @@
                         </a:spcBef>
                       </a:pPr>
                       <a:r>
-                        <a:rPr lang="en-US" sz="1000" b="1" i="0" spc="0">
+                        <a:rPr lang="fr-FR" sz="1000" b="1" i="0">
                           <a:solidFill>
                             <a:schemeClr val="bg1"/>
                           </a:solidFill>
                           <a:latin typeface="Adobe Clean" panose="020B0503020404020204" pitchFamily="34" charset="0"/>
                           <a:cs typeface="AdobeClean-Light"/>
                         </a:rPr>
-                        <a:t>Support Services</a:t>
+                        <a:t>Services d’assistance</a:t>
                       </a:r>
-                      <a:endParaRPr sz="1000" b="1" i="0" spc="0">
-                        <a:solidFill>
-                          <a:schemeClr val="bg1"/>
-                        </a:solidFill>
-                        <a:latin typeface="Adobe Clean" panose="020B0503020404020204" pitchFamily="34" charset="0"/>
-                        <a:cs typeface="AdobeClean-Light"/>
-                      </a:endParaRPr>
                     </a:p>
                   </a:txBody>
                   <a:tcPr marL="0" marR="0" marT="57150" marB="0" anchor="ctr">
@@ -4826,29 +4224,15 @@
                         </a:spcBef>
                       </a:pPr>
                       <a:r>
-                        <a:rPr lang="en-US" sz="900" spc="0">
+                        <a:rPr lang="fr-FR" sz="900">
                           <a:solidFill>
                             <a:srgbClr val="020302"/>
                           </a:solidFill>
                           <a:latin typeface="AdobeClean-Light"/>
                           <a:cs typeface="AdobeClean-Light"/>
                         </a:rPr>
-                        <a:t>Online</a:t>
+                        <a:t>Assistance en ligne</a:t>
                       </a:r>
-                      <a:r>
-                        <a:rPr sz="900" spc="0">
-                          <a:solidFill>
-                            <a:srgbClr val="020302"/>
-                          </a:solidFill>
-                          <a:latin typeface="AdobeClean-Light"/>
-                          <a:cs typeface="AdobeClean-Light"/>
-                        </a:rPr>
-                        <a:t> Support</a:t>
-                      </a:r>
-                      <a:endParaRPr sz="900" spc="0">
-                        <a:latin typeface="AdobeClean-Light"/>
-                        <a:cs typeface="AdobeClean-Light"/>
-                      </a:endParaRPr>
                     </a:p>
                   </a:txBody>
                   <a:tcPr marL="0" marR="0" marT="57150" marB="0">
@@ -4886,39 +4270,15 @@
                         </a:spcBef>
                       </a:pPr>
                       <a:r>
-                        <a:rPr sz="900" spc="-25">
+                        <a:rPr lang="fr-FR" sz="900">
                           <a:solidFill>
                             <a:srgbClr val="020302"/>
                           </a:solidFill>
                           <a:latin typeface="AdobeClean-Light"/>
                           <a:cs typeface="AdobeClean-Light"/>
                         </a:rPr>
-                        <a:t>Business</a:t>
+                        <a:t>Heures d’ouverture</a:t>
                       </a:r>
-                      <a:r>
-                        <a:rPr sz="900" spc="-15">
-                          <a:solidFill>
-                            <a:srgbClr val="020302"/>
-                          </a:solidFill>
-                          <a:latin typeface="AdobeClean-Light"/>
-                          <a:cs typeface="AdobeClean-Light"/>
-                        </a:rPr>
-                        <a:t> </a:t>
-                      </a:r>
-                      <a:r>
-                        <a:rPr sz="900" spc="-30">
-                          <a:solidFill>
-                            <a:srgbClr val="020302"/>
-                          </a:solidFill>
-                          <a:latin typeface="AdobeClean-Light"/>
-                          <a:cs typeface="AdobeClean-Light"/>
-                        </a:rPr>
-                        <a:t>hours</a:t>
-                      </a:r>
-                      <a:endParaRPr sz="900">
-                        <a:latin typeface="AdobeClean-Light"/>
-                        <a:cs typeface="AdobeClean-Light"/>
-                      </a:endParaRPr>
                     </a:p>
                   </a:txBody>
                   <a:tcPr marL="0" marR="0" marT="67945" marB="0">
@@ -4957,39 +4317,15 @@
                         </a:spcBef>
                       </a:pPr>
                       <a:r>
-                        <a:rPr sz="900" spc="-25">
+                        <a:rPr lang="fr-FR" sz="900">
                           <a:solidFill>
                             <a:srgbClr val="020302"/>
                           </a:solidFill>
                           <a:latin typeface="AdobeClean-Light"/>
                           <a:cs typeface="AdobeClean-Light"/>
                         </a:rPr>
-                        <a:t>Business</a:t>
+                        <a:t>Heures d’ouverture</a:t>
                       </a:r>
-                      <a:r>
-                        <a:rPr sz="900" spc="-15">
-                          <a:solidFill>
-                            <a:srgbClr val="020302"/>
-                          </a:solidFill>
-                          <a:latin typeface="AdobeClean-Light"/>
-                          <a:cs typeface="AdobeClean-Light"/>
-                        </a:rPr>
-                        <a:t> </a:t>
-                      </a:r>
-                      <a:r>
-                        <a:rPr sz="900" spc="-30">
-                          <a:solidFill>
-                            <a:srgbClr val="020302"/>
-                          </a:solidFill>
-                          <a:latin typeface="AdobeClean-Light"/>
-                          <a:cs typeface="AdobeClean-Light"/>
-                        </a:rPr>
-                        <a:t>hours</a:t>
-                      </a:r>
-                      <a:endParaRPr sz="900">
-                        <a:latin typeface="AdobeClean-Light"/>
-                        <a:cs typeface="AdobeClean-Light"/>
-                      </a:endParaRPr>
                     </a:p>
                   </a:txBody>
                   <a:tcPr marL="0" marR="0" marT="67945" marB="0">
@@ -5015,13 +4351,13 @@
                   </a:ext>
                 </a:extLst>
               </a:tr>
-              <a:tr h="230812">
+              <a:tr h="208130">
                 <a:tc vMerge="1">
                   <a:txBody>
                     <a:bodyPr/>
                     <a:lstStyle/>
                     <a:p>
-                      <a:pPr marL="50800">
+                      <a:pPr marL="50800" algn="l" rtl="0">
                         <a:lnSpc>
                           <a:spcPct val="100000"/>
                         </a:lnSpc>
@@ -5070,39 +4406,15 @@
                         </a:spcBef>
                       </a:pPr>
                       <a:r>
-                        <a:rPr sz="900" spc="0">
+                        <a:rPr lang="fr-FR" sz="900">
                           <a:solidFill>
                             <a:srgbClr val="020302"/>
                           </a:solidFill>
                           <a:latin typeface="AdobeClean-Light"/>
                           <a:cs typeface="AdobeClean-Light"/>
                         </a:rPr>
-                        <a:t>24x7</a:t>
+                        <a:t>Assistance en cas de problèmes P1 24x7x365</a:t>
                       </a:r>
-                      <a:r>
-                        <a:rPr lang="en-US" sz="900" spc="0">
-                          <a:solidFill>
-                            <a:srgbClr val="020302"/>
-                          </a:solidFill>
-                          <a:latin typeface="AdobeClean-Light"/>
-                          <a:cs typeface="AdobeClean-Light"/>
-                        </a:rPr>
-                        <a:t>x365</a:t>
-                      </a:r>
-                      <a:r>
-                        <a:rPr sz="900" spc="0">
-                          <a:solidFill>
-                            <a:srgbClr val="020302"/>
-                          </a:solidFill>
-                          <a:latin typeface="AdobeClean-Light"/>
-                          <a:cs typeface="AdobeClean-Light"/>
-                        </a:rPr>
-                        <a:t> P1 Issue Support</a:t>
-                      </a:r>
-                      <a:endParaRPr sz="900" spc="0">
-                        <a:latin typeface="AdobeClean-Light"/>
-                        <a:cs typeface="AdobeClean-Light"/>
-                      </a:endParaRPr>
                     </a:p>
                   </a:txBody>
                   <a:tcPr marL="0" marR="0" marT="57785" marB="0">
@@ -5134,7 +4446,7 @@
                         </a:spcBef>
                       </a:pPr>
                       <a:r>
-                        <a:rPr sz="900">
+                        <a:rPr lang="fr-FR" sz="900">
                           <a:solidFill>
                             <a:srgbClr val="020302"/>
                           </a:solidFill>
@@ -5143,10 +4455,6 @@
                         </a:rPr>
                         <a:t></a:t>
                       </a:r>
-                      <a:endParaRPr sz="900">
-                        <a:latin typeface="Wingdings"/>
-                        <a:cs typeface="Wingdings"/>
-                      </a:endParaRPr>
                     </a:p>
                   </a:txBody>
                   <a:tcPr marL="0" marR="0" marT="58419" marB="0">
@@ -5176,7 +4484,7 @@
                         </a:spcBef>
                       </a:pPr>
                       <a:r>
-                        <a:rPr sz="900">
+                        <a:rPr lang="fr-FR" sz="900">
                           <a:solidFill>
                             <a:srgbClr val="020302"/>
                           </a:solidFill>
@@ -5185,10 +4493,6 @@
                         </a:rPr>
                         <a:t></a:t>
                       </a:r>
-                      <a:endParaRPr sz="900">
-                        <a:latin typeface="Wingdings"/>
-                        <a:cs typeface="Wingdings"/>
-                      </a:endParaRPr>
                     </a:p>
                   </a:txBody>
                   <a:tcPr marL="0" marR="0" marT="58419" marB="0">
@@ -5205,13 +4509,13 @@
                   </a:ext>
                 </a:extLst>
               </a:tr>
-              <a:tr h="230065">
+              <a:tr h="207457">
                 <a:tc vMerge="1">
                   <a:txBody>
                     <a:bodyPr/>
                     <a:lstStyle/>
                     <a:p>
-                      <a:pPr marL="50800">
+                      <a:pPr marL="50800" algn="l" rtl="0">
                         <a:lnSpc>
                           <a:spcPct val="100000"/>
                         </a:lnSpc>
@@ -5269,19 +4573,15 @@
                         </a:spcBef>
                       </a:pPr>
                       <a:r>
-                        <a:rPr lang="en-US" sz="900" spc="0">
+                        <a:rPr lang="fr-FR" sz="900">
                           <a:solidFill>
                             <a:srgbClr val="020302"/>
                           </a:solidFill>
                           <a:latin typeface="AdobeClean-Light"/>
                           <a:cs typeface="AdobeClean-Light"/>
                         </a:rPr>
-                        <a:t>Named Support Contacts (per product)</a:t>
+                        <a:t>Contacts d’assistance nommés (par produit)</a:t>
                       </a:r>
-                      <a:endParaRPr sz="900" spc="0">
-                        <a:latin typeface="AdobeClean-Light"/>
-                        <a:cs typeface="AdobeClean-Light"/>
-                      </a:endParaRPr>
                     </a:p>
                   </a:txBody>
                   <a:tcPr marL="0" marR="0" marT="57785" marB="0">
@@ -5319,7 +4619,7 @@
                         </a:spcBef>
                       </a:pPr>
                       <a:r>
-                        <a:rPr sz="900">
+                        <a:rPr lang="fr-FR" sz="900">
                           <a:solidFill>
                             <a:srgbClr val="020302"/>
                           </a:solidFill>
@@ -5328,10 +4628,6 @@
                         </a:rPr>
                         <a:t>4</a:t>
                       </a:r>
-                      <a:endParaRPr sz="900">
-                        <a:latin typeface="AdobeClean-Light"/>
-                        <a:cs typeface="AdobeClean-Light"/>
-                      </a:endParaRPr>
                     </a:p>
                   </a:txBody>
                   <a:tcPr marL="0" marR="0" marT="57785" marB="0">
@@ -5361,7 +4657,7 @@
                         </a:spcBef>
                       </a:pPr>
                       <a:r>
-                        <a:rPr sz="900">
+                        <a:rPr lang="fr-FR" sz="900">
                           <a:solidFill>
                             <a:srgbClr val="020302"/>
                           </a:solidFill>
@@ -5370,10 +4666,6 @@
                         </a:rPr>
                         <a:t>6</a:t>
                       </a:r>
-                      <a:endParaRPr sz="900">
-                        <a:latin typeface="AdobeClean-Light"/>
-                        <a:cs typeface="AdobeClean-Light"/>
-                      </a:endParaRPr>
                     </a:p>
                   </a:txBody>
                   <a:tcPr marL="0" marR="0" marT="57785" marB="0">
@@ -5390,13 +4682,13 @@
                   </a:ext>
                 </a:extLst>
               </a:tr>
-              <a:tr h="231561">
+              <a:tr h="208806">
                 <a:tc vMerge="1">
                   <a:txBody>
                     <a:bodyPr/>
                     <a:lstStyle/>
                     <a:p>
-                      <a:pPr marL="50800">
+                      <a:pPr marL="50800" algn="l" rtl="0">
                         <a:lnSpc>
                           <a:spcPct val="100000"/>
                         </a:lnSpc>
@@ -5445,19 +4737,15 @@
                         </a:spcBef>
                       </a:pPr>
                       <a:r>
-                        <a:rPr lang="en-US" sz="900" spc="0">
+                        <a:rPr lang="fr-FR" sz="900">
                           <a:solidFill>
                             <a:srgbClr val="020302"/>
                           </a:solidFill>
                           <a:latin typeface="AdobeClean-Light"/>
                           <a:cs typeface="AdobeClean-Light"/>
                         </a:rPr>
-                        <a:t>Live Telephone Support</a:t>
+                        <a:t>Assistance téléphonique en direct</a:t>
                       </a:r>
-                      <a:endParaRPr sz="900" spc="0">
-                        <a:latin typeface="AdobeClean-Light"/>
-                        <a:cs typeface="AdobeClean-Light"/>
-                      </a:endParaRPr>
                     </a:p>
                   </a:txBody>
                   <a:tcPr marL="0" marR="0" marT="57785" marB="0">
@@ -5480,7 +4768,7 @@
                     <a:bodyPr/>
                     <a:lstStyle/>
                     <a:p>
-                      <a:pPr algn="ctr">
+                      <a:pPr algn="l" rtl="0">
                         <a:lnSpc>
                           <a:spcPct val="100000"/>
                         </a:lnSpc>
@@ -5521,7 +4809,7 @@
                         </a:spcBef>
                       </a:pPr>
                       <a:r>
-                        <a:rPr sz="900">
+                        <a:rPr lang="fr-FR" sz="900">
                           <a:solidFill>
                             <a:srgbClr val="020302"/>
                           </a:solidFill>
@@ -5530,10 +4818,6 @@
                         </a:rPr>
                         <a:t></a:t>
                       </a:r>
-                      <a:endParaRPr sz="900">
-                        <a:latin typeface="Wingdings"/>
-                        <a:cs typeface="Wingdings"/>
-                      </a:endParaRPr>
                     </a:p>
                   </a:txBody>
                   <a:tcPr marL="0" marR="0" marT="59054" marB="0">
@@ -5550,13 +4834,13 @@
                   </a:ext>
                 </a:extLst>
               </a:tr>
-              <a:tr h="232310">
+              <a:tr h="209481">
                 <a:tc vMerge="1">
                   <a:txBody>
                     <a:bodyPr/>
                     <a:lstStyle/>
                     <a:p>
-                      <a:pPr marL="50800">
+                      <a:pPr marL="50800" algn="l" rtl="0">
                         <a:lnSpc>
                           <a:spcPct val="100000"/>
                         </a:lnSpc>
@@ -5605,19 +4889,15 @@
                         </a:spcBef>
                       </a:pPr>
                       <a:r>
-                        <a:rPr sz="900" spc="0">
+                        <a:rPr lang="fr-FR" sz="900">
                           <a:solidFill>
                             <a:srgbClr val="020302"/>
                           </a:solidFill>
                           <a:latin typeface="AdobeClean-Light"/>
                           <a:cs typeface="AdobeClean-Light"/>
                         </a:rPr>
-                        <a:t>Escalation Management</a:t>
+                        <a:t>Gestion des remontées d’informations</a:t>
                       </a:r>
-                      <a:endParaRPr sz="900" spc="0">
-                        <a:latin typeface="AdobeClean-Light"/>
-                        <a:cs typeface="AdobeClean-Light"/>
-                      </a:endParaRPr>
                     </a:p>
                   </a:txBody>
                   <a:tcPr marL="0" marR="0" marT="58419" marB="0">
@@ -5640,7 +4920,7 @@
                     <a:bodyPr/>
                     <a:lstStyle/>
                     <a:p>
-                      <a:pPr algn="ctr">
+                      <a:pPr algn="l" rtl="0">
                         <a:lnSpc>
                           <a:spcPct val="100000"/>
                         </a:lnSpc>
@@ -5681,7 +4961,7 @@
                         </a:spcBef>
                       </a:pPr>
                       <a:r>
-                        <a:rPr sz="900">
+                        <a:rPr lang="fr-FR" sz="900">
                           <a:solidFill>
                             <a:srgbClr val="020302"/>
                           </a:solidFill>
@@ -5690,10 +4970,6 @@
                         </a:rPr>
                         <a:t></a:t>
                       </a:r>
-                      <a:endParaRPr sz="900">
-                        <a:latin typeface="Wingdings"/>
-                        <a:cs typeface="Wingdings"/>
-                      </a:endParaRPr>
                     </a:p>
                   </a:txBody>
                   <a:tcPr marL="0" marR="0" marT="59690" marB="0">
@@ -5710,13 +4986,13 @@
                   </a:ext>
                 </a:extLst>
               </a:tr>
-              <a:tr h="229317">
+              <a:tr h="206782">
                 <a:tc vMerge="1">
                   <a:txBody>
                     <a:bodyPr/>
                     <a:lstStyle/>
                     <a:p>
-                      <a:pPr marL="50800">
+                      <a:pPr marL="50800" algn="l" rtl="0">
                         <a:lnSpc>
                           <a:spcPct val="100000"/>
                         </a:lnSpc>
@@ -5765,29 +5041,15 @@
                         </a:spcBef>
                       </a:pPr>
                       <a:r>
-                        <a:rPr sz="900" spc="0">
+                        <a:rPr lang="fr-FR" sz="900">
                           <a:solidFill>
                             <a:srgbClr val="020302"/>
                           </a:solidFill>
                           <a:latin typeface="AdobeClean-Light"/>
                           <a:cs typeface="AdobeClean-Light"/>
                         </a:rPr>
-                        <a:t>Service Reviews </a:t>
+                        <a:t>Examens de service par an</a:t>
                       </a:r>
-                      <a:r>
-                        <a:rPr lang="en-US" sz="900" spc="0">
-                          <a:solidFill>
-                            <a:srgbClr val="020302"/>
-                          </a:solidFill>
-                          <a:latin typeface="AdobeClean-Light"/>
-                          <a:cs typeface="AdobeClean-Light"/>
-                        </a:rPr>
-                        <a:t>per Year</a:t>
-                      </a:r>
-                      <a:endParaRPr sz="900" spc="0">
-                        <a:latin typeface="AdobeClean-Light"/>
-                        <a:cs typeface="AdobeClean-Light"/>
-                      </a:endParaRPr>
                     </a:p>
                   </a:txBody>
                   <a:tcPr marL="0" marR="0" marT="57150" marB="0">
@@ -5810,7 +5072,7 @@
                     <a:bodyPr/>
                     <a:lstStyle/>
                     <a:p>
-                      <a:pPr>
+                      <a:pPr algn="l" rtl="0">
                         <a:lnSpc>
                           <a:spcPct val="100000"/>
                         </a:lnSpc>
@@ -5839,7 +5101,7 @@
                     <a:bodyPr/>
                     <a:lstStyle/>
                     <a:p>
-                      <a:pPr>
+                      <a:pPr algn="l" rtl="0">
                         <a:lnSpc>
                           <a:spcPct val="100000"/>
                         </a:lnSpc>
@@ -5864,7 +5126,7 @@
                   </a:ext>
                 </a:extLst>
               </a:tr>
-              <a:tr h="229317">
+              <a:tr h="206782">
                 <a:tc vMerge="1">
                   <a:txBody>
                     <a:bodyPr/>
@@ -5889,16 +5151,12 @@
                         </a:spcBef>
                       </a:pPr>
                       <a:r>
-                        <a:rPr lang="en-US" sz="900" spc="0">
+                        <a:rPr lang="fr-FR" sz="900">
                           <a:latin typeface="AdobeClean-Light"/>
                           <a:cs typeface="AdobeClean-Light"/>
                         </a:rPr>
-                        <a:t>Expert Sessions per Year</a:t>
+                        <a:t>Sessions d’experts par an</a:t>
                       </a:r>
-                      <a:endParaRPr sz="900" spc="0">
-                        <a:latin typeface="AdobeClean-Light"/>
-                        <a:cs typeface="AdobeClean-Light"/>
-                      </a:endParaRPr>
                     </a:p>
                   </a:txBody>
                   <a:tcPr marL="0" marR="0" marT="57150" marB="0">
@@ -5927,7 +5185,7 @@
                     <a:bodyPr/>
                     <a:lstStyle/>
                     <a:p>
-                      <a:pPr>
+                      <a:pPr algn="l" rtl="0">
                         <a:lnSpc>
                           <a:spcPct val="100000"/>
                         </a:lnSpc>
@@ -5956,7 +5214,7 @@
                     <a:bodyPr/>
                     <a:lstStyle/>
                     <a:p>
-                      <a:pPr>
+                      <a:pPr algn="l" rtl="0">
                         <a:lnSpc>
                           <a:spcPct val="100000"/>
                         </a:lnSpc>
@@ -5981,7 +5239,7 @@
                   </a:ext>
                 </a:extLst>
               </a:tr>
-              <a:tr h="229317">
+              <a:tr h="206782">
                 <a:tc vMerge="1">
                   <a:txBody>
                     <a:bodyPr/>
@@ -6006,16 +5264,12 @@
                         </a:spcBef>
                       </a:pPr>
                       <a:r>
-                        <a:rPr lang="en-US" sz="900" spc="0">
+                        <a:rPr lang="fr-FR" sz="900">
                           <a:latin typeface="AdobeClean-Light"/>
                           <a:cs typeface="AdobeClean-Light"/>
                         </a:rPr>
-                        <a:t>Case Reviews</a:t>
+                        <a:t>Examens de cas</a:t>
                       </a:r>
-                      <a:endParaRPr sz="900" spc="0">
-                        <a:latin typeface="AdobeClean-Light"/>
-                        <a:cs typeface="AdobeClean-Light"/>
-                      </a:endParaRPr>
                     </a:p>
                   </a:txBody>
                   <a:tcPr marL="0" marR="0" marT="57150" marB="0">
@@ -6044,7 +5298,7 @@
                     <a:bodyPr/>
                     <a:lstStyle/>
                     <a:p>
-                      <a:pPr>
+                      <a:pPr algn="l" rtl="0">
                         <a:lnSpc>
                           <a:spcPct val="100000"/>
                         </a:lnSpc>
@@ -6073,7 +5327,7 @@
                     <a:bodyPr/>
                     <a:lstStyle/>
                     <a:p>
-                      <a:pPr>
+                      <a:pPr algn="l" rtl="0">
                         <a:lnSpc>
                           <a:spcPct val="100000"/>
                         </a:lnSpc>
@@ -6098,13 +5352,13 @@
                   </a:ext>
                 </a:extLst>
               </a:tr>
-              <a:tr h="230812">
+              <a:tr h="208130">
                 <a:tc vMerge="1">
                   <a:txBody>
                     <a:bodyPr/>
                     <a:lstStyle/>
                     <a:p>
-                      <a:pPr marL="48895">
+                      <a:pPr marL="48895" algn="l" rtl="0">
                         <a:lnSpc>
                           <a:spcPct val="100000"/>
                         </a:lnSpc>
@@ -6162,29 +5416,15 @@
                         </a:spcBef>
                       </a:pPr>
                       <a:r>
-                        <a:rPr sz="900" spc="0">
+                        <a:rPr lang="fr-FR" sz="900">
                           <a:solidFill>
                             <a:srgbClr val="020302"/>
                           </a:solidFill>
                           <a:latin typeface="AdobeClean-Light"/>
                           <a:cs typeface="AdobeClean-Light"/>
                         </a:rPr>
-                        <a:t>Event </a:t>
+                        <a:t>Gestion des événements</a:t>
                       </a:r>
-                      <a:r>
-                        <a:rPr lang="en-US" sz="900" spc="0">
-                          <a:solidFill>
-                            <a:srgbClr val="020302"/>
-                          </a:solidFill>
-                          <a:latin typeface="AdobeClean-Light"/>
-                          <a:cs typeface="AdobeClean-Light"/>
-                        </a:rPr>
-                        <a:t>Management</a:t>
-                      </a:r>
-                      <a:endParaRPr sz="900" spc="0">
-                        <a:latin typeface="AdobeClean-Light"/>
-                        <a:cs typeface="AdobeClean-Light"/>
-                      </a:endParaRPr>
                     </a:p>
                   </a:txBody>
                   <a:tcPr marL="0" marR="0" marT="58419" marB="0">
@@ -6213,7 +5453,7 @@
                     <a:bodyPr/>
                     <a:lstStyle/>
                     <a:p>
-                      <a:pPr>
+                      <a:pPr algn="l" rtl="0">
                         <a:lnSpc>
                           <a:spcPct val="100000"/>
                         </a:lnSpc>
@@ -6242,7 +5482,7 @@
                     <a:bodyPr/>
                     <a:lstStyle/>
                     <a:p>
-                      <a:pPr>
+                      <a:pPr algn="l" rtl="0">
                         <a:lnSpc>
                           <a:spcPct val="100000"/>
                         </a:lnSpc>
@@ -6267,13 +5507,13 @@
                   </a:ext>
                 </a:extLst>
               </a:tr>
-              <a:tr h="231562">
+              <a:tr h="208807">
                 <a:tc vMerge="1">
                   <a:txBody>
                     <a:bodyPr/>
                     <a:lstStyle/>
                     <a:p>
-                      <a:pPr marL="48895">
+                      <a:pPr marL="48895" algn="l" rtl="0">
                         <a:lnSpc>
                           <a:spcPct val="100000"/>
                         </a:lnSpc>
@@ -6322,39 +5562,15 @@
                         </a:spcBef>
                       </a:pPr>
                       <a:r>
-                        <a:rPr sz="900" spc="0">
+                        <a:rPr lang="fr-FR" sz="900">
                           <a:solidFill>
                             <a:srgbClr val="020302"/>
                           </a:solidFill>
                           <a:latin typeface="AdobeClean-Light"/>
                           <a:cs typeface="AdobeClean-Light"/>
                         </a:rPr>
-                        <a:t>Environment</a:t>
+                        <a:t>Examen, maintenance et surveillance de l’environnement</a:t>
                       </a:r>
-                      <a:r>
-                        <a:rPr lang="en-US" sz="900" spc="0">
-                          <a:solidFill>
-                            <a:srgbClr val="020302"/>
-                          </a:solidFill>
-                          <a:latin typeface="AdobeClean-Light"/>
-                          <a:cs typeface="AdobeClean-Light"/>
-                        </a:rPr>
-                        <a:t> </a:t>
-                      </a:r>
-                      <a:r>
-                        <a:rPr sz="900" spc="0">
-                          <a:solidFill>
-                            <a:srgbClr val="020302"/>
-                          </a:solidFill>
-                          <a:latin typeface="AdobeClean-Light"/>
-                          <a:cs typeface="AdobeClean-Light"/>
-                        </a:rPr>
-                        <a:t>Review, Maintenance &amp; Monitoring</a:t>
-                      </a:r>
-                      <a:endParaRPr sz="900" spc="0">
-                        <a:latin typeface="AdobeClean-Light"/>
-                        <a:cs typeface="AdobeClean-Light"/>
-                      </a:endParaRPr>
                     </a:p>
                   </a:txBody>
                   <a:tcPr marL="0" marR="0" marT="59055" marB="0">
@@ -6377,7 +5593,7 @@
                     <a:bodyPr/>
                     <a:lstStyle/>
                     <a:p>
-                      <a:pPr>
+                      <a:pPr algn="l" rtl="0">
                         <a:lnSpc>
                           <a:spcPct val="100000"/>
                         </a:lnSpc>
@@ -6406,7 +5622,7 @@
                     <a:bodyPr/>
                     <a:lstStyle/>
                     <a:p>
-                      <a:pPr>
+                      <a:pPr algn="l" rtl="0">
                         <a:lnSpc>
                           <a:spcPct val="100000"/>
                         </a:lnSpc>
@@ -6431,13 +5647,13 @@
                   </a:ext>
                 </a:extLst>
               </a:tr>
-              <a:tr h="236808">
+              <a:tr h="317983">
                 <a:tc vMerge="1">
                   <a:txBody>
                     <a:bodyPr/>
                     <a:lstStyle/>
                     <a:p>
-                      <a:pPr marL="49530">
+                      <a:pPr marL="49530" algn="l" rtl="0">
                         <a:lnSpc>
                           <a:spcPct val="100000"/>
                         </a:lnSpc>
@@ -6486,19 +5702,34 @@
                         </a:spcBef>
                       </a:pPr>
                       <a:r>
-                        <a:rPr sz="900" spc="0">
+                        <a:rPr lang="fr-FR" sz="900">
                           <a:solidFill>
                             <a:srgbClr val="020302"/>
                           </a:solidFill>
                           <a:latin typeface="AdobeClean-Light"/>
                           <a:cs typeface="AdobeClean-Light"/>
                         </a:rPr>
-                        <a:t>Release, Migration, Upgrade &amp; Product Roadmap Review</a:t>
+                        <a:t>Version, migration, mise à niveau et examen de la feuille </a:t>
                       </a:r>
-                      <a:endParaRPr sz="900" spc="0">
-                        <a:latin typeface="AdobeClean-Light"/>
-                        <a:cs typeface="AdobeClean-Light"/>
-                      </a:endParaRPr>
+                      <a:br>
+                        <a:rPr lang="fr-FR" sz="900">
+                          <a:solidFill>
+                            <a:srgbClr val="020302"/>
+                          </a:solidFill>
+                          <a:latin typeface="AdobeClean-Light"/>
+                          <a:cs typeface="AdobeClean-Light"/>
+                        </a:rPr>
+                      </a:br>
+                      <a:r>
+                        <a:rPr lang="fr-FR" sz="900">
+                          <a:solidFill>
+                            <a:srgbClr val="020302"/>
+                          </a:solidFill>
+                          <a:latin typeface="AdobeClean-Light"/>
+                          <a:cs typeface="AdobeClean-Light"/>
+                        </a:rPr>
+                        <a:t>de route du produit</a:t>
+                      </a:r>
                     </a:p>
                   </a:txBody>
                   <a:tcPr marL="0" marR="0" marT="63500" marB="0">
@@ -6521,7 +5752,7 @@
                     <a:bodyPr/>
                     <a:lstStyle/>
                     <a:p>
-                      <a:pPr>
+                      <a:pPr algn="l" rtl="0">
                         <a:lnSpc>
                           <a:spcPct val="100000"/>
                         </a:lnSpc>
@@ -6550,7 +5781,7 @@
                     <a:bodyPr/>
                     <a:lstStyle/>
                     <a:p>
-                      <a:pPr>
+                      <a:pPr algn="l" rtl="0">
                         <a:lnSpc>
                           <a:spcPct val="100000"/>
                         </a:lnSpc>
@@ -6575,13 +5806,13 @@
                   </a:ext>
                 </a:extLst>
               </a:tr>
-              <a:tr h="241305">
+              <a:tr h="217592">
                 <a:tc vMerge="1">
                   <a:txBody>
                     <a:bodyPr/>
                     <a:lstStyle/>
                     <a:p>
-                      <a:pPr marL="49530">
+                      <a:pPr marL="49530" algn="l" rtl="0">
                         <a:lnSpc>
                           <a:spcPct val="100000"/>
                         </a:lnSpc>
@@ -6639,11 +5870,11 @@
                         </a:spcBef>
                       </a:pPr>
                       <a:r>
-                        <a:rPr sz="900" spc="0">
+                        <a:rPr lang="fr-FR" sz="900">
                           <a:latin typeface="AdobeClean-Light"/>
                           <a:cs typeface="AdobeClean-Light"/>
                         </a:rPr>
-                        <a:t>Cloud Support Activities – Experience Manager as Cloud</a:t>
+                        <a:t>Activités d’assistance dans le Cloud - Experience Manager as Cloud</a:t>
                       </a:r>
                     </a:p>
                   </a:txBody>
@@ -6673,7 +5904,7 @@
                     <a:bodyPr/>
                     <a:lstStyle/>
                     <a:p>
-                      <a:pPr>
+                      <a:pPr algn="l" rtl="0">
                         <a:lnSpc>
                           <a:spcPct val="100000"/>
                         </a:lnSpc>
@@ -6711,7 +5942,7 @@
                     <a:bodyPr/>
                     <a:lstStyle/>
                     <a:p>
-                      <a:pPr>
+                      <a:pPr algn="l" rtl="0">
                         <a:lnSpc>
                           <a:spcPct val="100000"/>
                         </a:lnSpc>
@@ -6745,7 +5976,7 @@
                   </a:ext>
                 </a:extLst>
               </a:tr>
-              <a:tr h="161868">
+              <a:tr h="145961">
                 <a:tc rowSpan="2">
                   <a:txBody>
                     <a:bodyPr/>
@@ -6760,22 +5991,15 @@
                         </a:spcBef>
                       </a:pPr>
                       <a:r>
-                        <a:rPr lang="en-US" sz="1000" b="1" i="0" spc="0">
+                        <a:rPr lang="fr-FR" sz="1000" b="1" i="0" dirty="0">
                           <a:solidFill>
                             <a:schemeClr val="bg1"/>
                           </a:solidFill>
                           <a:latin typeface="Adobe Clean" panose="020B0503020404020204" pitchFamily="34" charset="0"/>
                           <a:cs typeface="AdobeClean-Light"/>
                         </a:rPr>
-                        <a:t>Field Services</a:t>
+                        <a:t>Services de terrain</a:t>
                       </a:r>
-                      <a:endParaRPr sz="1000" b="1" i="0" spc="0">
-                        <a:solidFill>
-                          <a:schemeClr val="bg1"/>
-                        </a:solidFill>
-                        <a:latin typeface="Adobe Clean" panose="020B0503020404020204" pitchFamily="34" charset="0"/>
-                        <a:cs typeface="AdobeClean-Light"/>
-                      </a:endParaRPr>
                     </a:p>
                   </a:txBody>
                   <a:tcPr marL="0" marR="0" marT="48260" marB="0" anchor="ctr">
@@ -6828,19 +6052,15 @@
                         </a:spcBef>
                       </a:pPr>
                       <a:r>
-                        <a:rPr sz="900" spc="0">
+                        <a:rPr lang="fr-FR" sz="900">
                           <a:solidFill>
                             <a:srgbClr val="020302"/>
                           </a:solidFill>
                           <a:latin typeface="AdobeClean-Light"/>
                           <a:cs typeface="AdobeClean-Light"/>
                         </a:rPr>
-                        <a:t>Launch Advisory Services – First Year of new solution</a:t>
+                        <a:t>Services Launch Advisory - Première année de la nouvelle solution</a:t>
                       </a:r>
-                      <a:endParaRPr sz="900" spc="0">
-                        <a:latin typeface="AdobeClean-Light"/>
-                        <a:cs typeface="AdobeClean-Light"/>
-                      </a:endParaRPr>
                     </a:p>
                     <a:p>
                       <a:pPr marL="48260" hangingPunct="0">
@@ -6852,11 +6072,11 @@
                         </a:spcBef>
                       </a:pPr>
                       <a:r>
-                        <a:rPr sz="900" spc="0">
+                        <a:rPr lang="fr-FR" sz="900">
                           <a:latin typeface="AdobeClean-Light"/>
                           <a:cs typeface="AdobeClean-Light"/>
                         </a:rPr>
-                        <a:t>Field Service Activities </a:t>
+                        <a:t>Activités du service de terrain </a:t>
                       </a:r>
                     </a:p>
                   </a:txBody>
@@ -6892,7 +6112,7 @@
                     <a:bodyPr/>
                     <a:lstStyle/>
                     <a:p>
-                      <a:pPr>
+                      <a:pPr algn="l" rtl="0">
                         <a:lnSpc>
                           <a:spcPct val="100000"/>
                         </a:lnSpc>
@@ -6930,7 +6150,7 @@
                     <a:bodyPr/>
                     <a:lstStyle/>
                     <a:p>
-                      <a:pPr>
+                      <a:pPr algn="l" rtl="0">
                         <a:lnSpc>
                           <a:spcPct val="100000"/>
                         </a:lnSpc>
@@ -6964,7 +6184,7 @@
                   </a:ext>
                 </a:extLst>
               </a:tr>
-              <a:tr h="338725">
+              <a:tr h="305439">
                 <a:tc vMerge="1">
                   <a:txBody>
                     <a:bodyPr/>
@@ -7015,7 +6235,7 @@
                     <a:bodyPr/>
                     <a:lstStyle/>
                     <a:p>
-                      <a:pPr>
+                      <a:pPr algn="l" rtl="0">
                         <a:lnSpc>
                           <a:spcPct val="100000"/>
                         </a:lnSpc>
@@ -7041,12 +6261,12 @@
                     <a:bodyPr/>
                     <a:lstStyle/>
                     <a:p>
-                      <a:pPr>
+                      <a:pPr algn="l" rtl="0">
                         <a:lnSpc>
                           <a:spcPct val="100000"/>
                         </a:lnSpc>
                       </a:pPr>
-                      <a:endParaRPr sz="900">
+                      <a:endParaRPr sz="900" dirty="0">
                         <a:latin typeface="Times New Roman"/>
                         <a:cs typeface="Times New Roman"/>
                       </a:endParaRPr>
@@ -7105,7 +6325,7 @@
           <a:lstStyle/>
           <a:p>
             <a:r>
-              <a:rPr lang="en-US" sz="700" i="1">
+              <a:rPr lang="fr-FR" sz="700" i="1">
                 <a:solidFill>
                   <a:schemeClr val="bg1"/>
                 </a:solidFill>
@@ -7287,7 +6507,7 @@
         <p:spPr>
           <a:xfrm>
             <a:off x="370040" y="1409311"/>
-            <a:ext cx="2286000" cy="1289969"/>
+            <a:ext cx="2286000" cy="1633717"/>
           </a:xfrm>
           <a:prstGeom prst="rect">
             <a:avLst/>
@@ -7308,18 +6528,48 @@
               </a:spcBef>
             </a:pPr>
             <a:r>
-              <a:rPr lang="en-US" sz="1000">
+              <a:rPr lang="fr-FR" sz="850" dirty="0">
                 <a:solidFill>
                   <a:srgbClr val="000000"/>
                 </a:solidFill>
                 <a:latin typeface="Adobe Clean Light" panose="020B0303020404020204" pitchFamily="34" charset="0"/>
               </a:rPr>
-              <a:t>A designated Account Support Lead to proactively monitor cases, drive cross-team collaboration, deliver onboarding webinars, run service reports, provide non-technical support assistance, and function as your escalation point and internal advocate within Adobe Support.</a:t>
+              <a:t>Il s’agit d’une assistance principale de compte désignée permettant de surveiller de manière proactive les cas, de favoriser la collaboration entre </a:t>
             </a:r>
-            <a:endParaRPr lang="en-US" sz="1000">
-              <a:latin typeface="Adobe Clean Light" panose="020B0303020404020204" pitchFamily="34" charset="0"/>
-              <a:cs typeface="AdobeClean-Light"/>
-            </a:endParaRPr>
+            <a:br>
+              <a:rPr lang="fr-FR" sz="850" dirty="0">
+                <a:solidFill>
+                  <a:srgbClr val="000000"/>
+                </a:solidFill>
+                <a:latin typeface="Adobe Clean Light" panose="020B0303020404020204" pitchFamily="34" charset="0"/>
+              </a:rPr>
+            </a:br>
+            <a:r>
+              <a:rPr lang="fr-FR" sz="850" dirty="0">
+                <a:solidFill>
+                  <a:srgbClr val="000000"/>
+                </a:solidFill>
+                <a:latin typeface="Adobe Clean Light" panose="020B0303020404020204" pitchFamily="34" charset="0"/>
+              </a:rPr>
+              <a:t>les équipes, de diffuser des webinaires d’intégration, </a:t>
+            </a:r>
+            <a:br>
+              <a:rPr lang="fr-FR" sz="850" dirty="0">
+                <a:solidFill>
+                  <a:srgbClr val="000000"/>
+                </a:solidFill>
+                <a:latin typeface="Adobe Clean Light" panose="020B0303020404020204" pitchFamily="34" charset="0"/>
+              </a:rPr>
+            </a:br>
+            <a:r>
+              <a:rPr lang="fr-FR" sz="850" dirty="0">
+                <a:solidFill>
+                  <a:srgbClr val="000000"/>
+                </a:solidFill>
+                <a:latin typeface="Adobe Clean Light" panose="020B0303020404020204" pitchFamily="34" charset="0"/>
+              </a:rPr>
+              <a:t>de conduire des rapports de service, de fournir une assistance non technique et d’agir comme porte-parole de remontée des informations et comme ambassadeur interne au sein du service d’assistance d’Adobe.</a:t>
+            </a:r>
           </a:p>
         </p:txBody>
       </p:sp>
@@ -7332,7 +6582,7 @@
         <p:spPr>
           <a:xfrm>
             <a:off x="2836967" y="8618616"/>
-            <a:ext cx="2286000" cy="641201"/>
+            <a:ext cx="2184613" cy="679673"/>
           </a:xfrm>
           <a:prstGeom prst="rect">
             <a:avLst/>
@@ -7356,44 +6606,14 @@
               </a:tabLst>
             </a:pPr>
             <a:r>
-              <a:rPr sz="1000">
+              <a:rPr lang="fr-FR" sz="850" dirty="0">
                 <a:solidFill>
                   <a:srgbClr val="020302"/>
                 </a:solidFill>
                 <a:latin typeface="AdobeClean-Light"/>
                 <a:cs typeface="AdobeClean-Light"/>
               </a:rPr>
-              <a:t>Start a chat session to get answers</a:t>
-            </a:r>
-            <a:r>
-              <a:rPr lang="en-US" sz="1000">
-                <a:solidFill>
-                  <a:srgbClr val="020302"/>
-                </a:solidFill>
-                <a:latin typeface="AdobeClean-Light"/>
-                <a:cs typeface="AdobeClean-Light"/>
-              </a:rPr>
-              <a:t> &amp; </a:t>
-            </a:r>
-            <a:r>
-              <a:rPr sz="1000">
-                <a:solidFill>
-                  <a:srgbClr val="020302"/>
-                </a:solidFill>
-                <a:latin typeface="AdobeClean-Light"/>
-                <a:cs typeface="AdobeClean-Light"/>
-              </a:rPr>
-              <a:t>help with case submission</a:t>
-            </a:r>
-            <a:r>
-              <a:rPr lang="en-US" sz="1000">
-                <a:solidFill>
-                  <a:srgbClr val="020302"/>
-                </a:solidFill>
-                <a:latin typeface="AdobeClean-Light"/>
-                <a:cs typeface="AdobeClean-Light"/>
-              </a:rPr>
-              <a:t>.</a:t>
+              <a:t>Commencez une session de conversation pour obtenir des réponses et de l’aide lors de l’envoi du cas.</a:t>
             </a:r>
           </a:p>
           <a:p>
@@ -7406,39 +6626,15 @@
               </a:tabLst>
             </a:pPr>
             <a:r>
-              <a:rPr sz="1000" i="1">
+              <a:rPr lang="fr-FR" sz="850" i="1" dirty="0">
                 <a:solidFill>
                   <a:srgbClr val="7A7A7A"/>
                 </a:solidFill>
                 <a:latin typeface="AdobeClean-LightIt"/>
                 <a:cs typeface="AdobeClean-LightIt"/>
               </a:rPr>
-              <a:t>*Not all products have live chat support</a:t>
+              <a:t>*Tous les produits ne bénéficient pas de l’assistance de messagerie instantanée.  </a:t>
             </a:r>
-            <a:r>
-              <a:rPr sz="900" i="1">
-                <a:solidFill>
-                  <a:srgbClr val="7A7A7A"/>
-                </a:solidFill>
-                <a:latin typeface="AdobeClean-LightIt"/>
-                <a:cs typeface="AdobeClean-LightIt"/>
-              </a:rPr>
-              <a:t>.</a:t>
-            </a:r>
-            <a:r>
-              <a:rPr lang="en-US" sz="900" i="1">
-                <a:solidFill>
-                  <a:srgbClr val="7A7A7A"/>
-                </a:solidFill>
-                <a:latin typeface="AdobeClean-LightIt"/>
-                <a:cs typeface="AdobeClean-LightIt"/>
-              </a:rPr>
-              <a:t>  </a:t>
-            </a:r>
-            <a:endParaRPr sz="900">
-              <a:latin typeface="AdobeClean-Light"/>
-              <a:cs typeface="AdobeClean-Light"/>
-            </a:endParaRPr>
           </a:p>
         </p:txBody>
       </p:sp>
@@ -7488,7 +6684,7 @@
         <p:spPr>
           <a:xfrm>
             <a:off x="838200" y="6046398"/>
-            <a:ext cx="1568246" cy="184666"/>
+            <a:ext cx="1995408" cy="184666"/>
           </a:xfrm>
           <a:prstGeom prst="rect">
             <a:avLst/>
@@ -7514,12 +6710,12 @@
               <a:defRPr/>
             </a:pPr>
             <a:r>
-              <a:rPr lang="en-US" sz="1200">
+              <a:rPr lang="fr-FR" sz="1200" dirty="0">
                 <a:solidFill>
                   <a:srgbClr val="000000"/>
                 </a:solidFill>
               </a:rPr>
-              <a:t>Community Forums</a:t>
+              <a:t>Forums de la communauté</a:t>
             </a:r>
           </a:p>
         </p:txBody>
@@ -7540,8 +6736,8 @@
         </p:nvSpPr>
         <p:spPr>
           <a:xfrm>
-            <a:off x="838200" y="6277305"/>
-            <a:ext cx="959314" cy="184666"/>
+            <a:off x="838199" y="6277305"/>
+            <a:ext cx="1557901" cy="184666"/>
           </a:xfrm>
           <a:prstGeom prst="rect">
             <a:avLst/>
@@ -7562,12 +6758,12 @@
               </a:spcAft>
             </a:pPr>
             <a:r>
-              <a:rPr lang="en-US" sz="1200" b="1">
+              <a:rPr lang="fr-FR" sz="1200" b="1" dirty="0">
                 <a:latin typeface="+mj-lt"/>
                 <a:ea typeface="Open Sans" pitchFamily="34" charset="0"/>
                 <a:cs typeface="Open Sans" pitchFamily="34" charset="0"/>
               </a:rPr>
-              <a:t>Online Forums</a:t>
+              <a:t>Forums en ligne</a:t>
             </a:r>
           </a:p>
         </p:txBody>
@@ -7587,7 +6783,7 @@
         <p:spPr>
           <a:xfrm>
             <a:off x="370040" y="6529249"/>
-            <a:ext cx="2286000" cy="805349"/>
+            <a:ext cx="2286000" cy="689932"/>
           </a:xfrm>
           <a:prstGeom prst="rect">
             <a:avLst/>
@@ -7600,13 +6796,13 @@
           <a:lstStyle/>
           <a:p>
             <a:r>
-              <a:rPr lang="en-US" sz="1000">
+              <a:rPr lang="fr-FR" sz="850">
                 <a:solidFill>
                   <a:srgbClr val="000000"/>
                 </a:solidFill>
                 <a:latin typeface="Adobe Clean Light" panose="020B0303020404020204" pitchFamily="34" charset="0"/>
               </a:rPr>
-              <a:t>Continuous online access to a growing database of technical solutions, product documentation, FAQs and more. Thousands of customers can connect to share best practices and lessons learned.</a:t>
+              <a:t>Accès en ligne permanent à une base de données croissante de solutions techniques, de documentation sur les produits, de questions fréquentes, etc. Des milliers de clients peuvent entrer en contact pour partager les bonnes pratiques et les leçons apprises.</a:t>
             </a:r>
           </a:p>
         </p:txBody>
@@ -7649,12 +6845,12 @@
               </a:spcAft>
             </a:pPr>
             <a:r>
-              <a:rPr lang="en-US" sz="1200" b="1">
+              <a:rPr lang="fr-FR" sz="1200" b="1">
                 <a:latin typeface="+mj-lt"/>
                 <a:ea typeface="Open Sans" pitchFamily="34" charset="0"/>
                 <a:cs typeface="Open Sans" pitchFamily="34" charset="0"/>
               </a:rPr>
-              <a:t>Self-guided Journeys</a:t>
+              <a:t>Parcours auto-guidés</a:t>
             </a:r>
           </a:p>
         </p:txBody>
@@ -7674,7 +6870,7 @@
         <p:spPr>
           <a:xfrm>
             <a:off x="5376301" y="6529249"/>
-            <a:ext cx="2286000" cy="959237"/>
+            <a:ext cx="2175119" cy="959237"/>
           </a:xfrm>
           <a:prstGeom prst="rect">
             <a:avLst/>
@@ -7687,13 +6883,67 @@
           <a:lstStyle/>
           <a:p>
             <a:r>
-              <a:rPr lang="en-US" sz="1000">
+              <a:rPr lang="fr-FR" sz="850" dirty="0">
                 <a:solidFill>
                   <a:srgbClr val="000000"/>
                 </a:solidFill>
                 <a:latin typeface="Adobe Clean Light" panose="020B0303020404020204" pitchFamily="34" charset="0"/>
               </a:rPr>
-              <a:t>Experience Makers are made with Experience League. Customers can kickstart their Customer Experience Management abilities with personalized learning to develop skills, engage with a global community of peers, and earn career advancing recognition.</a:t>
+              <a:t>Les </a:t>
+            </a:r>
+            <a:r>
+              <a:rPr lang="fr-FR" sz="850" dirty="0" err="1">
+                <a:solidFill>
+                  <a:srgbClr val="000000"/>
+                </a:solidFill>
+                <a:latin typeface="Adobe Clean Light" panose="020B0303020404020204" pitchFamily="34" charset="0"/>
+              </a:rPr>
+              <a:t>Experience</a:t>
+            </a:r>
+            <a:r>
+              <a:rPr lang="fr-FR" sz="850" dirty="0">
+                <a:solidFill>
+                  <a:srgbClr val="000000"/>
+                </a:solidFill>
+                <a:latin typeface="Adobe Clean Light" panose="020B0303020404020204" pitchFamily="34" charset="0"/>
+              </a:rPr>
+              <a:t> </a:t>
+            </a:r>
+            <a:r>
+              <a:rPr lang="fr-FR" sz="850" dirty="0" err="1">
+                <a:solidFill>
+                  <a:srgbClr val="000000"/>
+                </a:solidFill>
+                <a:latin typeface="Adobe Clean Light" panose="020B0303020404020204" pitchFamily="34" charset="0"/>
+              </a:rPr>
+              <a:t>Makers</a:t>
+            </a:r>
+            <a:r>
+              <a:rPr lang="fr-FR" sz="850" dirty="0">
+                <a:solidFill>
+                  <a:srgbClr val="000000"/>
+                </a:solidFill>
+                <a:latin typeface="Adobe Clean Light" panose="020B0303020404020204" pitchFamily="34" charset="0"/>
+              </a:rPr>
+              <a:t> sont créées à l’aide d’</a:t>
+            </a:r>
+            <a:r>
+              <a:rPr lang="fr-FR" sz="850" dirty="0" err="1">
+                <a:solidFill>
+                  <a:srgbClr val="000000"/>
+                </a:solidFill>
+                <a:latin typeface="Adobe Clean Light" panose="020B0303020404020204" pitchFamily="34" charset="0"/>
+              </a:rPr>
+              <a:t>Experience</a:t>
+            </a:r>
+            <a:r>
+              <a:rPr lang="fr-FR" sz="850" dirty="0">
+                <a:solidFill>
+                  <a:srgbClr val="000000"/>
+                </a:solidFill>
+                <a:latin typeface="Adobe Clean Light" panose="020B0303020404020204" pitchFamily="34" charset="0"/>
+              </a:rPr>
+              <a:t> League. Les clients peuvent lancer leurs capacités de gestion de l’expérience client grâce à un apprentissage personnalisé permettant de développer leurs compétences, collaborer avec une communauté mondiale de pairs et gagner une reconnaissance de carrière.</a:t>
             </a:r>
           </a:p>
         </p:txBody>
@@ -7714,8 +6964,8 @@
         </p:nvSpPr>
         <p:spPr>
           <a:xfrm>
-            <a:off x="3215895" y="8150141"/>
-            <a:ext cx="2520000" cy="184666"/>
+            <a:off x="3215895" y="8004211"/>
+            <a:ext cx="1988100" cy="369332"/>
           </a:xfrm>
           <a:prstGeom prst="rect">
             <a:avLst/>
@@ -7741,12 +6991,12 @@
               <a:defRPr/>
             </a:pPr>
             <a:r>
-              <a:rPr lang="en-US" sz="1200">
+              <a:rPr lang="fr-FR" sz="1200" dirty="0">
                 <a:solidFill>
                   <a:srgbClr val="000000"/>
                 </a:solidFill>
               </a:rPr>
-              <a:t>Live Chat  Support*</a:t>
+              <a:t>Assistance de messagerie instantanée*</a:t>
             </a:r>
           </a:p>
         </p:txBody>
@@ -7767,7 +7017,7 @@
         </p:nvSpPr>
         <p:spPr>
           <a:xfrm>
-            <a:off x="3198434" y="8373543"/>
+            <a:off x="3198434" y="8343595"/>
             <a:ext cx="840166" cy="184666"/>
           </a:xfrm>
           <a:prstGeom prst="rect">
@@ -7789,12 +7039,12 @@
               </a:spcAft>
             </a:pPr>
             <a:r>
-              <a:rPr lang="en-US" sz="1200" b="1">
+              <a:rPr lang="fr-FR" sz="1200" b="1">
                 <a:latin typeface="+mj-lt"/>
                 <a:ea typeface="Open Sans" pitchFamily="34" charset="0"/>
                 <a:cs typeface="Open Sans" pitchFamily="34" charset="0"/>
               </a:rPr>
-              <a:t>Chat Support</a:t>
+              <a:t>Assistance de conversation</a:t>
             </a:r>
           </a:p>
         </p:txBody>
@@ -7842,12 +7092,12 @@
               <a:defRPr/>
             </a:pPr>
             <a:r>
-              <a:rPr lang="en-US" sz="1200">
+              <a:rPr lang="fr-FR" sz="1200">
                 <a:solidFill>
                   <a:srgbClr val="000000"/>
                 </a:solidFill>
               </a:rPr>
-              <a:t>24X7 P1 </a:t>
+              <a:t>P1 24X7 </a:t>
             </a:r>
           </a:p>
         </p:txBody>
@@ -7890,12 +7140,12 @@
               </a:spcAft>
             </a:pPr>
             <a:r>
-              <a:rPr lang="en-US" sz="1200" b="1">
+              <a:rPr lang="fr-FR" sz="1200" b="1">
                 <a:latin typeface="+mj-lt"/>
                 <a:ea typeface="Open Sans" pitchFamily="34" charset="0"/>
                 <a:cs typeface="Open Sans" pitchFamily="34" charset="0"/>
               </a:rPr>
-              <a:t>Phone Support</a:t>
+              <a:t>Assistance téléphonique</a:t>
             </a:r>
           </a:p>
         </p:txBody>
@@ -7915,7 +7165,7 @@
         <p:spPr>
           <a:xfrm>
             <a:off x="2836967" y="6529249"/>
-            <a:ext cx="2286000" cy="805349"/>
+            <a:ext cx="2286000" cy="820738"/>
           </a:xfrm>
           <a:prstGeom prst="rect">
             <a:avLst/>
@@ -7928,26 +7178,42 @@
           <a:lstStyle/>
           <a:p>
             <a:r>
-              <a:rPr lang="en-US" sz="1000">
+              <a:rPr lang="fr-FR" sz="850" dirty="0">
                 <a:solidFill>
                   <a:srgbClr val="020302"/>
                 </a:solidFill>
                 <a:latin typeface="AdobeClean-Light"/>
               </a:rPr>
-              <a:t>Authorized users or Named Support Contacts </a:t>
+              <a:t>Les utilisateurs autorisés ou les contacts d’assistance nommés </a:t>
             </a:r>
             <a:r>
-              <a:rPr lang="en-US" sz="1000">
+              <a:rPr lang="fr-FR" sz="850" dirty="0">
                 <a:latin typeface="Adobe Clean Light" panose="020B0303020404020204" pitchFamily="34" charset="0"/>
               </a:rPr>
-              <a:t>can submit issues through all available  channels (including phone for P1) and interact with our technical support team on behalf of your company. </a:t>
+              <a:t>peuvent communiquer des problèmes </a:t>
             </a:r>
-            <a:endParaRPr lang="en-US" sz="1000">
-              <a:solidFill>
-                <a:srgbClr val="000000"/>
-              </a:solidFill>
-              <a:latin typeface="Adobe Clean Light" panose="020B0303020404020204" pitchFamily="34" charset="0"/>
-            </a:endParaRPr>
+            <a:br>
+              <a:rPr lang="fr-FR" sz="850" dirty="0">
+                <a:latin typeface="Adobe Clean Light" panose="020B0303020404020204" pitchFamily="34" charset="0"/>
+              </a:rPr>
+            </a:br>
+            <a:r>
+              <a:rPr lang="fr-FR" sz="850" dirty="0">
+                <a:latin typeface="Adobe Clean Light" panose="020B0303020404020204" pitchFamily="34" charset="0"/>
+              </a:rPr>
+              <a:t>par l’intermédiaire de tous les canaux disponibles </a:t>
+            </a:r>
+            <a:br>
+              <a:rPr lang="fr-FR" sz="850" dirty="0">
+                <a:latin typeface="Adobe Clean Light" panose="020B0303020404020204" pitchFamily="34" charset="0"/>
+              </a:rPr>
+            </a:br>
+            <a:r>
+              <a:rPr lang="fr-FR" sz="850" dirty="0">
+                <a:latin typeface="Adobe Clean Light" panose="020B0303020404020204" pitchFamily="34" charset="0"/>
+              </a:rPr>
+              <a:t>(y compris le téléphone pour P1) et interagir avec notre équipe d’assistance technique au nom de votre entreprise. </a:t>
+            </a:r>
           </a:p>
         </p:txBody>
       </p:sp>
@@ -7969,8 +7235,8 @@
         </p:nvSpPr>
         <p:spPr>
           <a:xfrm>
-            <a:off x="5253416" y="9862966"/>
-            <a:ext cx="2270125" cy="132729"/>
+            <a:off x="4781550" y="9862967"/>
+            <a:ext cx="2741991" cy="132308"/>
           </a:xfrm>
           <a:prstGeom prst="rect">
             <a:avLst/>
@@ -7991,24 +7257,24 @@
               </a:spcBef>
             </a:pPr>
             <a:r>
-              <a:rPr spc="-5"/>
-              <a:t>©202</a:t>
+              <a:rPr lang="fr-FR" dirty="0"/>
+              <a:t>©2021 Adobe. All </a:t>
             </a:r>
             <a:r>
-              <a:rPr lang="en-US" spc="-5"/>
-              <a:t>1</a:t>
+              <a:rPr lang="fr-FR" dirty="0" err="1"/>
+              <a:t>Rights</a:t>
             </a:r>
             <a:r>
-              <a:rPr spc="-5"/>
-              <a:t> Adobe. All Rights Reserved. Adobe</a:t>
-            </a:r>
-            <a:r>
-              <a:rPr spc="60"/>
+              <a:rPr lang="fr-FR" dirty="0"/>
               <a:t> </a:t>
             </a:r>
             <a:r>
-              <a:rPr spc="-5"/>
-              <a:t>Confidential.</a:t>
+              <a:rPr lang="fr-FR" dirty="0" err="1"/>
+              <a:t>Reserved</a:t>
+            </a:r>
+            <a:r>
+              <a:rPr lang="fr-FR" dirty="0"/>
+              <a:t>. Données confidentielles Adobe</a:t>
             </a:r>
           </a:p>
         </p:txBody>
@@ -8029,8 +7295,8 @@
         </p:nvSpPr>
         <p:spPr>
           <a:xfrm>
-            <a:off x="821898" y="1099315"/>
-            <a:ext cx="1726164" cy="184666"/>
+            <a:off x="821898" y="973470"/>
+            <a:ext cx="1428304" cy="369332"/>
           </a:xfrm>
           <a:prstGeom prst="rect">
             <a:avLst/>
@@ -8051,13 +7317,13 @@
               </a:spcAft>
             </a:pPr>
             <a:r>
-              <a:rPr lang="en-US" sz="1200" b="1" spc="-10">
+              <a:rPr lang="fr-FR" sz="1200" b="1" dirty="0">
                 <a:solidFill>
                   <a:srgbClr val="020302"/>
                 </a:solidFill>
                 <a:latin typeface="+mj-lt"/>
               </a:rPr>
-              <a:t>Account Support Lead</a:t>
+              <a:t>Assistance principale du compte</a:t>
             </a:r>
           </a:p>
         </p:txBody>
@@ -8077,7 +7343,7 @@
         <p:spPr>
           <a:xfrm>
             <a:off x="401995" y="5785009"/>
-            <a:ext cx="1848207" cy="45719"/>
+            <a:ext cx="2916515" cy="74092"/>
           </a:xfrm>
           <a:custGeom>
             <a:avLst/>
@@ -8146,19 +7412,15 @@
               </a:spcBef>
             </a:pPr>
             <a:r>
-              <a:rPr lang="en-US" sz="1400" b="1" spc="-10">
+              <a:rPr lang="fr-FR" sz="1400" b="1">
                 <a:solidFill>
                   <a:srgbClr val="020302"/>
                 </a:solidFill>
                 <a:latin typeface="Adobe Clean"/>
                 <a:cs typeface="Adobe Clean"/>
               </a:rPr>
-              <a:t>Online Support Features</a:t>
+              <a:t>Fonctionnalités de l’assistance en ligne</a:t>
             </a:r>
-            <a:endParaRPr lang="en-US" sz="1400">
-              <a:latin typeface="Adobe Clean"/>
-              <a:cs typeface="Adobe Clean"/>
-            </a:endParaRPr>
           </a:p>
         </p:txBody>
       </p:sp>
@@ -8246,19 +7508,15 @@
               </a:spcBef>
             </a:pPr>
             <a:r>
-              <a:rPr lang="en-US" sz="1400" b="1" spc="-10">
+              <a:rPr lang="fr-FR" sz="1400" b="1">
                 <a:solidFill>
                   <a:srgbClr val="020302"/>
                 </a:solidFill>
                 <a:latin typeface="Adobe Clean"/>
                 <a:cs typeface="Adobe Clean"/>
               </a:rPr>
-              <a:t>Business  Support Features</a:t>
+              <a:t>Fonctionnalités d’assistance commerciale</a:t>
             </a:r>
-            <a:endParaRPr lang="en-US" sz="1400">
-              <a:latin typeface="Adobe Clean"/>
-              <a:cs typeface="Adobe Clean"/>
-            </a:endParaRPr>
           </a:p>
         </p:txBody>
       </p:sp>
@@ -8298,15 +7556,33 @@
               </a:spcBef>
             </a:pPr>
             <a:r>
-              <a:rPr lang="en-US" sz="1000">
+              <a:rPr lang="fr-FR" sz="850" dirty="0">
                 <a:latin typeface="Adobe Clean Light" panose="020B0303020404020204" pitchFamily="34" charset="0"/>
               </a:rPr>
-              <a:t>Customers can submit support cases via Phone for all P2, P3, P4 issues during regional support hours. There are no upper limits on the number of times you can call into support. Customers can also request a call back from support or request a meeting to demonstrate or work through an issue using a shared remote desktop session.</a:t>
+              <a:t>Les clients peuvent envoyer des cas d’assistance par téléphone pour tous les problèmes P2, P3 et P4 pendant les heures d’assistance régionales. Vous pouvez appeler l’assistance autant de fois que cela est nécessaire. Les clients peuvent également demander </a:t>
             </a:r>
-            <a:endParaRPr lang="en-US" sz="1000">
-              <a:latin typeface="Adobe Clean Light" panose="020B0303020404020204" pitchFamily="34" charset="0"/>
-              <a:cs typeface="AdobeClean-Light"/>
-            </a:endParaRPr>
+            <a:br>
+              <a:rPr lang="fr-FR" sz="850" dirty="0">
+                <a:latin typeface="Adobe Clean Light" panose="020B0303020404020204" pitchFamily="34" charset="0"/>
+              </a:rPr>
+            </a:br>
+            <a:r>
+              <a:rPr lang="fr-FR" sz="850" dirty="0">
+                <a:latin typeface="Adobe Clean Light" panose="020B0303020404020204" pitchFamily="34" charset="0"/>
+              </a:rPr>
+              <a:t>à l’assistance de les rappeler ou demander une réunion pour démontrer ou résoudre un problème </a:t>
+            </a:r>
+            <a:br>
+              <a:rPr lang="fr-FR" sz="850" dirty="0">
+                <a:latin typeface="Adobe Clean Light" panose="020B0303020404020204" pitchFamily="34" charset="0"/>
+              </a:rPr>
+            </a:br>
+            <a:r>
+              <a:rPr lang="fr-FR" sz="850" dirty="0">
+                <a:latin typeface="Adobe Clean Light" panose="020B0303020404020204" pitchFamily="34" charset="0"/>
+              </a:rPr>
+              <a:t>au cours d’une session de bureau distant partagée.</a:t>
+            </a:r>
           </a:p>
         </p:txBody>
       </p:sp>
@@ -8326,8 +7602,8 @@
         </p:nvSpPr>
         <p:spPr>
           <a:xfrm>
-            <a:off x="3257682" y="1083435"/>
-            <a:ext cx="1976242" cy="184666"/>
+            <a:off x="3245088" y="976322"/>
+            <a:ext cx="1694525" cy="369332"/>
           </a:xfrm>
           <a:prstGeom prst="rect">
             <a:avLst/>
@@ -8348,13 +7624,13 @@
               </a:spcAft>
             </a:pPr>
             <a:r>
-              <a:rPr lang="en-US" sz="1200" b="1" spc="-10">
+              <a:rPr lang="fr-FR" sz="1200" b="1" dirty="0">
                 <a:solidFill>
                   <a:srgbClr val="020302"/>
                 </a:solidFill>
                 <a:latin typeface="+mj-lt"/>
               </a:rPr>
-              <a:t>Live Telephone Support</a:t>
+              <a:t>Assistance téléphonique en direct</a:t>
             </a:r>
           </a:p>
         </p:txBody>
@@ -8374,7 +7650,7 @@
         <p:spPr>
           <a:xfrm>
             <a:off x="5376301" y="1398482"/>
-            <a:ext cx="2286000" cy="805349"/>
+            <a:ext cx="2087489" cy="820738"/>
           </a:xfrm>
           <a:prstGeom prst="rect">
             <a:avLst/>
@@ -8395,18 +7671,31 @@
               </a:spcBef>
             </a:pPr>
             <a:r>
-              <a:rPr lang="en-US" sz="1000">
+              <a:rPr lang="fr-FR" sz="850" dirty="0">
                 <a:solidFill>
                   <a:srgbClr val="4B4B4B"/>
                 </a:solidFill>
                 <a:latin typeface="Adobe Clean Light" panose="020B0303020404020204" pitchFamily="34" charset="0"/>
               </a:rPr>
-              <a:t>A designated point of contact within Adobe who can provide escalation assistance, regular updates and ensure priority is given to your most critical open support requests.</a:t>
+              <a:t>Il s’agit d’un point de contact désigné au sein d’Adobe pouvant fournir une assistance en matière de remontées d’informations, des mises </a:t>
             </a:r>
-            <a:endParaRPr lang="en-US" sz="1000">
-              <a:latin typeface="Adobe Clean Light" panose="020B0303020404020204" pitchFamily="34" charset="0"/>
-              <a:cs typeface="AdobeClean-Light"/>
-            </a:endParaRPr>
+            <a:br>
+              <a:rPr lang="fr-FR" sz="850" dirty="0">
+                <a:solidFill>
+                  <a:srgbClr val="4B4B4B"/>
+                </a:solidFill>
+                <a:latin typeface="Adobe Clean Light" panose="020B0303020404020204" pitchFamily="34" charset="0"/>
+              </a:rPr>
+            </a:br>
+            <a:r>
+              <a:rPr lang="fr-FR" sz="850" dirty="0">
+                <a:solidFill>
+                  <a:srgbClr val="4B4B4B"/>
+                </a:solidFill>
+                <a:latin typeface="Adobe Clean Light" panose="020B0303020404020204" pitchFamily="34" charset="0"/>
+              </a:rPr>
+              <a:t>à jour régulières et s’assurant que la priorité est mise sur vos demandes d’assistance ouvertes les plus importantes.</a:t>
+            </a:r>
           </a:p>
         </p:txBody>
       </p:sp>
@@ -8426,7 +7715,7 @@
         </p:nvSpPr>
         <p:spPr>
           <a:xfrm>
-            <a:off x="5885313" y="1085652"/>
+            <a:off x="5885313" y="979579"/>
             <a:ext cx="1608472" cy="184666"/>
           </a:xfrm>
           <a:prstGeom prst="rect">
@@ -8448,13 +7737,13 @@
               </a:spcAft>
             </a:pPr>
             <a:r>
-              <a:rPr lang="en-US" sz="1200" b="1" spc="-10">
+              <a:rPr lang="fr-FR" sz="1200" b="1" dirty="0">
                 <a:solidFill>
                   <a:srgbClr val="020302"/>
                 </a:solidFill>
                 <a:latin typeface="+mj-lt"/>
               </a:rPr>
-              <a:t>Escalation Management</a:t>
+              <a:t>Gestion des remontées d’informations</a:t>
             </a:r>
           </a:p>
         </p:txBody>
@@ -8502,7 +7791,7 @@
               <a:defRPr/>
             </a:pPr>
             <a:r>
-              <a:rPr lang="en-US" sz="1200">
+              <a:rPr lang="fr-FR" sz="1200">
                 <a:solidFill>
                   <a:srgbClr val="000000"/>
                 </a:solidFill>
@@ -8550,12 +7839,12 @@
               </a:spcAft>
             </a:pPr>
             <a:r>
-              <a:rPr lang="en-US" sz="1200" b="1">
+              <a:rPr lang="fr-FR" sz="1200" b="1">
                 <a:latin typeface="+mj-lt"/>
                 <a:ea typeface="Open Sans" pitchFamily="34" charset="0"/>
                 <a:cs typeface="Open Sans" pitchFamily="34" charset="0"/>
               </a:rPr>
-              <a:t>Webinars</a:t>
+              <a:t>Webinaires</a:t>
             </a:r>
           </a:p>
         </p:txBody>
@@ -8575,7 +7864,7 @@
         <p:spPr>
           <a:xfrm>
             <a:off x="370040" y="8618616"/>
-            <a:ext cx="2286000" cy="1113125"/>
+            <a:ext cx="2286000" cy="689932"/>
           </a:xfrm>
           <a:prstGeom prst="rect">
             <a:avLst/>
@@ -8588,13 +7877,49 @@
           <a:lstStyle/>
           <a:p>
             <a:r>
-              <a:rPr lang="en-US" sz="1000">
+              <a:rPr lang="fr-FR" sz="850" dirty="0">
                 <a:solidFill>
                   <a:srgbClr val="000000"/>
                 </a:solidFill>
                 <a:latin typeface="Adobe Clean Light" panose="020B0303020404020204" pitchFamily="34" charset="0"/>
               </a:rPr>
-              <a:t>Office Hours is an initiative led by the Adobe Customer Support team. These sessions are designed to inform as well as help participants troubleshoot problems and provide tips and tricks to be successful with Adobe Experience Cloud.</a:t>
+              <a:t>« Office </a:t>
+            </a:r>
+            <a:r>
+              <a:rPr lang="fr-FR" sz="850" dirty="0" err="1">
+                <a:solidFill>
+                  <a:srgbClr val="000000"/>
+                </a:solidFill>
+                <a:latin typeface="Adobe Clean Light" panose="020B0303020404020204" pitchFamily="34" charset="0"/>
+              </a:rPr>
+              <a:t>Hours</a:t>
+            </a:r>
+            <a:r>
+              <a:rPr lang="fr-FR" sz="850" dirty="0">
+                <a:solidFill>
+                  <a:srgbClr val="000000"/>
+                </a:solidFill>
+                <a:latin typeface="Adobe Clean Light" panose="020B0303020404020204" pitchFamily="34" charset="0"/>
+              </a:rPr>
+              <a:t> » est une initiative menée par l’équipe du service clientèle d’Adobe. Ces sessions sont conçues pour informer les participants des problèmes et les aider à les résoudre. Elles fournissent des conseils et des astuces pour bien utiliser Adobe </a:t>
+            </a:r>
+            <a:r>
+              <a:rPr lang="fr-FR" sz="850" dirty="0" err="1">
+                <a:solidFill>
+                  <a:srgbClr val="000000"/>
+                </a:solidFill>
+                <a:latin typeface="Adobe Clean Light" panose="020B0303020404020204" pitchFamily="34" charset="0"/>
+              </a:rPr>
+              <a:t>Experience</a:t>
+            </a:r>
+            <a:r>
+              <a:rPr lang="fr-FR" sz="850" dirty="0">
+                <a:solidFill>
+                  <a:srgbClr val="000000"/>
+                </a:solidFill>
+                <a:latin typeface="Adobe Clean Light" panose="020B0303020404020204" pitchFamily="34" charset="0"/>
+              </a:rPr>
+              <a:t> Cloud.</a:t>
             </a:r>
           </a:p>
         </p:txBody>
@@ -8637,12 +7962,12 @@
               </a:spcAft>
             </a:pPr>
             <a:r>
-              <a:rPr lang="en-US" sz="1200" b="1">
+              <a:rPr lang="fr-FR" sz="1200" b="1">
                 <a:latin typeface="+mj-lt"/>
                 <a:ea typeface="Open Sans" pitchFamily="34" charset="0"/>
                 <a:cs typeface="Open Sans" pitchFamily="34" charset="0"/>
               </a:rPr>
-              <a:t>24/7 Support Portal</a:t>
+              <a:t>Portail d’assistance 24/7</a:t>
             </a:r>
           </a:p>
         </p:txBody>
@@ -8662,7 +7987,7 @@
         <p:spPr>
           <a:xfrm>
             <a:off x="5376301" y="8618616"/>
-            <a:ext cx="2286000" cy="805349"/>
+            <a:ext cx="2117484" cy="951543"/>
           </a:xfrm>
           <a:prstGeom prst="rect">
             <a:avLst/>
@@ -8675,16 +8000,16 @@
           <a:lstStyle/>
           <a:p>
             <a:r>
-              <a:rPr lang="en-US" sz="1000">
+              <a:rPr lang="fr-FR" sz="850" dirty="0">
                 <a:solidFill>
                   <a:srgbClr val="000000"/>
                 </a:solidFill>
                 <a:latin typeface="Adobe Clean Light" panose="020B0303020404020204" pitchFamily="34" charset="0"/>
               </a:rPr>
-              <a:t>On-demand access to the online </a:t>
+              <a:t>Accès à la demande au portail </a:t>
             </a:r>
             <a:br>
-              <a:rPr lang="en-US" sz="1000">
+              <a:rPr lang="fr-FR" sz="850" dirty="0">
                 <a:solidFill>
                   <a:srgbClr val="000000"/>
                 </a:solidFill>
@@ -8692,13 +8017,47 @@
               </a:rPr>
             </a:br>
             <a:r>
-              <a:rPr lang="en-US" sz="1000">
+              <a:rPr lang="fr-FR" sz="850" dirty="0">
                 <a:solidFill>
                   <a:srgbClr val="000000"/>
                 </a:solidFill>
                 <a:latin typeface="Adobe Clean Light" panose="020B0303020404020204" pitchFamily="34" charset="0"/>
               </a:rPr>
-              <a:t>Self-help Support Portal to submit support requests, review case status, and browse other resources, like our knowledgebase, news and alerts, featured tips, and more.</a:t>
+              <a:t>d’assistance d’aide automatique en ligne pour envoyer des demandes d’assistance, examiner </a:t>
+            </a:r>
+            <a:br>
+              <a:rPr lang="fr-FR" sz="850" dirty="0">
+                <a:solidFill>
+                  <a:srgbClr val="000000"/>
+                </a:solidFill>
+                <a:latin typeface="Adobe Clean Light" panose="020B0303020404020204" pitchFamily="34" charset="0"/>
+              </a:rPr>
+            </a:br>
+            <a:r>
+              <a:rPr lang="fr-FR" sz="850" dirty="0">
+                <a:solidFill>
+                  <a:srgbClr val="000000"/>
+                </a:solidFill>
+                <a:latin typeface="Adobe Clean Light" panose="020B0303020404020204" pitchFamily="34" charset="0"/>
+              </a:rPr>
+              <a:t>le statut des cas et parcourir d’autres ressources, telles que notre base de connaissances, </a:t>
+            </a:r>
+            <a:br>
+              <a:rPr lang="fr-FR" sz="850" dirty="0">
+                <a:solidFill>
+                  <a:srgbClr val="000000"/>
+                </a:solidFill>
+                <a:latin typeface="Adobe Clean Light" panose="020B0303020404020204" pitchFamily="34" charset="0"/>
+              </a:rPr>
+            </a:br>
+            <a:r>
+              <a:rPr lang="fr-FR" sz="850" dirty="0">
+                <a:solidFill>
+                  <a:srgbClr val="000000"/>
+                </a:solidFill>
+                <a:latin typeface="Adobe Clean Light" panose="020B0303020404020204" pitchFamily="34" charset="0"/>
+              </a:rPr>
+              <a:t>les actualités et les alertes, les conseils présentés, etc.</a:t>
             </a:r>
           </a:p>
         </p:txBody>
@@ -8795,7 +8154,7 @@
         </p:nvSpPr>
         <p:spPr>
           <a:xfrm>
-            <a:off x="789025" y="3499700"/>
+            <a:off x="789025" y="3414400"/>
             <a:ext cx="1336142" cy="285247"/>
           </a:xfrm>
           <a:prstGeom prst="rect">
@@ -8810,10 +8169,10 @@
           <a:lstStyle/>
           <a:p>
             <a:r>
-              <a:rPr lang="en-US" sz="1200" b="1">
+              <a:rPr lang="fr-FR" sz="1200" b="1" dirty="0">
                 <a:latin typeface="+mj-lt"/>
               </a:rPr>
-              <a:t>Business Services</a:t>
+              <a:t>Services commerciaux</a:t>
             </a:r>
           </a:p>
         </p:txBody>
@@ -8854,15 +8213,11 @@
               </a:spcBef>
             </a:pPr>
             <a:r>
-              <a:rPr lang="en-US" sz="1000">
+              <a:rPr lang="fr-FR" sz="850">
                 <a:latin typeface="Adobe Clean Light" panose="020B0303020404020204" pitchFamily="34" charset="0"/>
               </a:rPr>
-              <a:t>An Account Support Lead will host webinars covering an overview of business support services.  </a:t>
+              <a:t>Une assistance de compte principale hébergera des webinaires présentant un aperçu des services d’assistance commerciale.  </a:t>
             </a:r>
-            <a:endParaRPr lang="en-US" sz="1000">
-              <a:latin typeface="Adobe Clean Light" panose="020B0303020404020204" pitchFamily="34" charset="0"/>
-              <a:cs typeface="AdobeClean-Light"/>
-            </a:endParaRPr>
           </a:p>
         </p:txBody>
       </p:sp>
@@ -9331,12 +8686,12 @@
               <a:defRPr/>
             </a:pPr>
             <a:r>
-              <a:rPr lang="en-US" sz="1200">
+              <a:rPr lang="fr-FR" sz="1200">
                 <a:solidFill>
                   <a:srgbClr val="000000"/>
                 </a:solidFill>
               </a:rPr>
-              <a:t>Self– Help Portal</a:t>
+              <a:t>Portail d’aide automatique</a:t>
             </a:r>
           </a:p>
         </p:txBody>
@@ -9384,7 +8739,7 @@
               <a:defRPr/>
             </a:pPr>
             <a:r>
-              <a:rPr lang="en-US" sz="1200">
+              <a:rPr lang="fr-FR" sz="1200">
                 <a:solidFill>
                   <a:srgbClr val="000000"/>
                 </a:solidFill>
@@ -9446,49 +8801,15 @@
               </a:lnSpc>
             </a:pPr>
             <a:r>
-              <a:rPr sz="500" spc="-5">
+              <a:rPr lang="fr-FR" sz="500">
                 <a:solidFill>
                   <a:srgbClr val="6C6C6C"/>
                 </a:solidFill>
                 <a:latin typeface="Adobe Clean"/>
                 <a:cs typeface="Adobe Clean"/>
               </a:rPr>
-              <a:t>©2020 Adobe. All Rights Reserved. </a:t>
+              <a:t>©2020 Adobe. All Rights Reserved. Données confidentielles Adobe</a:t>
             </a:r>
-            <a:r>
-              <a:rPr sz="500">
-                <a:solidFill>
-                  <a:srgbClr val="6C6C6C"/>
-                </a:solidFill>
-                <a:latin typeface="Adobe Clean"/>
-                <a:cs typeface="Adobe Clean"/>
-              </a:rPr>
-              <a:t>Adobe</a:t>
-            </a:r>
-            <a:r>
-              <a:rPr sz="500" spc="5">
-                <a:solidFill>
-                  <a:srgbClr val="6C6C6C"/>
-                </a:solidFill>
-                <a:latin typeface="Adobe Clean"/>
-                <a:cs typeface="Adobe Clean"/>
-              </a:rPr>
-              <a:t> </a:t>
-            </a:r>
-            <a:r>
-              <a:rPr sz="500" spc="-5">
-                <a:solidFill>
-                  <a:srgbClr val="6C6C6C"/>
-                </a:solidFill>
-                <a:latin typeface="Adobe Clean"/>
-                <a:cs typeface="Adobe Clean"/>
-              </a:rPr>
-              <a:t>Confidential.</a:t>
-            </a:r>
-            <a:endParaRPr sz="500">
-              <a:latin typeface="Adobe Clean"/>
-              <a:cs typeface="Adobe Clean"/>
-            </a:endParaRPr>
           </a:p>
           <a:p>
             <a:pPr>
@@ -9514,39 +8835,15 @@
               </a:spcBef>
             </a:pPr>
             <a:r>
-              <a:rPr sz="800" spc="-5">
+              <a:rPr lang="fr-FR" sz="800">
                 <a:solidFill>
                   <a:srgbClr val="6D6D6D"/>
                 </a:solidFill>
                 <a:latin typeface="Adobe Clean"/>
                 <a:cs typeface="Adobe Clean"/>
               </a:rPr>
-              <a:t>©2020 Adobe. All Rights Reserved. Adobe</a:t>
+              <a:t>©2020 Adobe. All Rights Reserved. Données confidentielles Adobe</a:t>
             </a:r>
-            <a:r>
-              <a:rPr sz="800" spc="75">
-                <a:solidFill>
-                  <a:srgbClr val="6D6D6D"/>
-                </a:solidFill>
-                <a:latin typeface="Adobe Clean"/>
-                <a:cs typeface="Adobe Clean"/>
-              </a:rPr>
-              <a:t> </a:t>
-            </a:r>
-            <a:r>
-              <a:rPr sz="800" spc="-5">
-                <a:solidFill>
-                  <a:srgbClr val="6D6D6D"/>
-                </a:solidFill>
-                <a:latin typeface="Adobe Clean"/>
-                <a:cs typeface="Adobe Clean"/>
-              </a:rPr>
-              <a:t>Confidential.</a:t>
-            </a:r>
-            <a:endParaRPr sz="800">
-              <a:latin typeface="Adobe Clean"/>
-              <a:cs typeface="Adobe Clean"/>
-            </a:endParaRPr>
           </a:p>
         </p:txBody>
       </p:sp>
@@ -9630,19 +8927,15 @@
               </a:spcBef>
             </a:pPr>
             <a:r>
-              <a:rPr lang="en-US" sz="1400" b="1" spc="-15">
+              <a:rPr lang="fr-FR" sz="1400" b="1">
                 <a:solidFill>
                   <a:srgbClr val="020302"/>
                 </a:solidFill>
                 <a:latin typeface="Adobe Clean"/>
                 <a:cs typeface="Adobe Clean"/>
               </a:rPr>
-              <a:t>Resources</a:t>
+              <a:t>Ressources</a:t>
             </a:r>
-            <a:endParaRPr sz="1400">
-              <a:latin typeface="Adobe Clean"/>
-              <a:cs typeface="Adobe Clean"/>
-            </a:endParaRPr>
           </a:p>
         </p:txBody>
       </p:sp>
@@ -9655,7 +8948,7 @@
         <p:spPr>
           <a:xfrm>
             <a:off x="6754821" y="9283729"/>
-            <a:ext cx="930275" cy="662305"/>
+            <a:ext cx="1017579" cy="662305"/>
           </a:xfrm>
           <a:prstGeom prst="rect">
             <a:avLst/>
@@ -9676,7 +8969,7 @@
               </a:spcBef>
             </a:pPr>
             <a:r>
-              <a:rPr sz="800" spc="-15">
+              <a:rPr lang="fr-FR" sz="800" dirty="0">
                 <a:solidFill>
                   <a:srgbClr val="777879"/>
                 </a:solidFill>
@@ -9685,10 +8978,6 @@
               </a:rPr>
               <a:t>Adobe</a:t>
             </a:r>
-            <a:endParaRPr sz="800">
-              <a:latin typeface="Adobe Clean"/>
-              <a:cs typeface="Adobe Clean"/>
-            </a:endParaRPr>
           </a:p>
           <a:p>
             <a:pPr marL="12700">
@@ -9697,39 +8986,15 @@
               </a:lnSpc>
             </a:pPr>
             <a:r>
-              <a:rPr sz="800" spc="-15">
+              <a:rPr lang="fr-FR" sz="800" dirty="0">
                 <a:solidFill>
                   <a:srgbClr val="777879"/>
                 </a:solidFill>
                 <a:latin typeface="Adobe Clean"/>
                 <a:cs typeface="Adobe Clean"/>
               </a:rPr>
-              <a:t>345 Park</a:t>
+              <a:t>345 Park Avenue</a:t>
             </a:r>
-            <a:r>
-              <a:rPr sz="800" spc="-100">
-                <a:solidFill>
-                  <a:srgbClr val="777879"/>
-                </a:solidFill>
-                <a:latin typeface="Adobe Clean"/>
-                <a:cs typeface="Adobe Clean"/>
-              </a:rPr>
-              <a:t> </a:t>
-            </a:r>
-            <a:r>
-              <a:rPr sz="800" spc="-15">
-                <a:solidFill>
-                  <a:srgbClr val="777879"/>
-                </a:solidFill>
-                <a:latin typeface="Adobe Clean"/>
-                <a:cs typeface="Adobe Clean"/>
-              </a:rPr>
-              <a:t>Avenue</a:t>
-            </a:r>
-            <a:endParaRPr sz="800">
-              <a:latin typeface="Adobe Clean"/>
-              <a:cs typeface="Adobe Clean"/>
-            </a:endParaRPr>
           </a:p>
           <a:p>
             <a:pPr marL="12700">
@@ -9738,49 +9003,15 @@
               </a:lnSpc>
             </a:pPr>
             <a:r>
-              <a:rPr sz="800" spc="-10">
+              <a:rPr lang="fr-FR" sz="800" dirty="0">
                 <a:solidFill>
                   <a:srgbClr val="777879"/>
                 </a:solidFill>
                 <a:latin typeface="Adobe Clean"/>
                 <a:cs typeface="Adobe Clean"/>
               </a:rPr>
-              <a:t>San </a:t>
+              <a:t>San Jose, CA95110-2704</a:t>
             </a:r>
-            <a:r>
-              <a:rPr sz="800" spc="-15">
-                <a:solidFill>
-                  <a:srgbClr val="777879"/>
-                </a:solidFill>
-                <a:latin typeface="Adobe Clean"/>
-                <a:cs typeface="Adobe Clean"/>
-              </a:rPr>
-              <a:t>Jose,</a:t>
-            </a:r>
-            <a:r>
-              <a:rPr sz="800" spc="-140">
-                <a:solidFill>
-                  <a:srgbClr val="777879"/>
-                </a:solidFill>
-                <a:latin typeface="Adobe Clean"/>
-                <a:cs typeface="Adobe Clean"/>
-              </a:rPr>
-              <a:t> </a:t>
-            </a:r>
-            <a:r>
-              <a:rPr sz="800" spc="-20">
-                <a:solidFill>
-                  <a:srgbClr val="777879"/>
-                </a:solidFill>
-                <a:latin typeface="Adobe Clean"/>
-                <a:cs typeface="Adobe Clean"/>
-              </a:rPr>
-              <a:t>CA95110-2704</a:t>
-            </a:r>
-            <a:endParaRPr sz="800">
-              <a:latin typeface="Adobe Clean"/>
-              <a:cs typeface="Adobe Clean"/>
-            </a:endParaRPr>
           </a:p>
           <a:p>
             <a:pPr marL="12700">
@@ -9792,19 +9023,15 @@
               </a:spcBef>
             </a:pPr>
             <a:r>
-              <a:rPr sz="800" spc="-10">
+              <a:rPr lang="fr-FR" sz="800" dirty="0">
                 <a:solidFill>
                   <a:srgbClr val="777879"/>
                 </a:solidFill>
                 <a:latin typeface="Adobe Clean"/>
                 <a:cs typeface="Adobe Clean"/>
               </a:rPr>
-              <a:t>USA</a:t>
+              <a:t>États-Unis</a:t>
             </a:r>
-            <a:endParaRPr sz="800">
-              <a:latin typeface="Adobe Clean"/>
-              <a:cs typeface="Adobe Clean"/>
-            </a:endParaRPr>
           </a:p>
           <a:p>
             <a:pPr marL="12700">
@@ -9816,7 +9043,7 @@
               </a:spcBef>
             </a:pPr>
             <a:r>
-              <a:rPr sz="800" u="sng" spc="-25">
+              <a:rPr lang="fr-FR" sz="800" u="sng" dirty="0">
                 <a:solidFill>
                   <a:srgbClr val="5F5F5F"/>
                 </a:solidFill>
@@ -9829,12 +9056,8 @@
                 <a:cs typeface="Adobe Clean"/>
                 <a:hlinkClick r:id="rId3"/>
               </a:rPr>
-              <a:t>www.adobe.com</a:t>
+              <a:t>www.adobe.com/fr/</a:t>
             </a:r>
-            <a:endParaRPr sz="800">
-              <a:latin typeface="Adobe Clean"/>
-              <a:cs typeface="Adobe Clean"/>
-            </a:endParaRPr>
           </a:p>
         </p:txBody>
       </p:sp>
@@ -10009,439 +9232,34 @@
               </a:spcBef>
             </a:pPr>
             <a:r>
-              <a:rPr sz="1100" i="1" spc="-10">
+              <a:rPr lang="fr-FR" sz="1100" i="1" dirty="0">
                 <a:solidFill>
                   <a:srgbClr val="777879"/>
                 </a:solidFill>
                 <a:latin typeface="AdobeClean-LightIt"/>
                 <a:cs typeface="AdobeClean-LightIt"/>
               </a:rPr>
-              <a:t>To</a:t>
+              <a:t>Pour en apprendre plus sur les offres de l’assistance Adobe et sur le niveau qui vous convient, </a:t>
             </a:r>
-            <a:r>
-              <a:rPr sz="1100" i="1" spc="-50">
+            <a:br>
+              <a:rPr lang="fr-FR" sz="1100" i="1" dirty="0">
                 <a:solidFill>
                   <a:srgbClr val="777879"/>
                 </a:solidFill>
                 <a:latin typeface="AdobeClean-LightIt"/>
                 <a:cs typeface="AdobeClean-LightIt"/>
               </a:rPr>
-              <a:t> </a:t>
-            </a:r>
+            </a:br>
             <a:r>
-              <a:rPr sz="1100" i="1" spc="-15">
+              <a:rPr lang="fr-FR" sz="1100" i="1" dirty="0">
                 <a:solidFill>
                   <a:srgbClr val="777879"/>
                 </a:solidFill>
                 <a:latin typeface="AdobeClean-LightIt"/>
                 <a:cs typeface="AdobeClean-LightIt"/>
               </a:rPr>
-              <a:t>learn</a:t>
+              <a:t>contactez votre gestionnaire de compte nommé (NAM) ou votre gestionnaire de réussite client (CSM).</a:t>
             </a:r>
-            <a:r>
-              <a:rPr sz="1100" i="1" spc="-40">
-                <a:solidFill>
-                  <a:srgbClr val="777879"/>
-                </a:solidFill>
-                <a:latin typeface="AdobeClean-LightIt"/>
-                <a:cs typeface="AdobeClean-LightIt"/>
-              </a:rPr>
-              <a:t> </a:t>
-            </a:r>
-            <a:r>
-              <a:rPr sz="1100" i="1" spc="-15">
-                <a:solidFill>
-                  <a:srgbClr val="777879"/>
-                </a:solidFill>
-                <a:latin typeface="AdobeClean-LightIt"/>
-                <a:cs typeface="AdobeClean-LightIt"/>
-              </a:rPr>
-              <a:t>more</a:t>
-            </a:r>
-            <a:r>
-              <a:rPr sz="1100" i="1" spc="-45">
-                <a:solidFill>
-                  <a:srgbClr val="777879"/>
-                </a:solidFill>
-                <a:latin typeface="AdobeClean-LightIt"/>
-                <a:cs typeface="AdobeClean-LightIt"/>
-              </a:rPr>
-              <a:t> </a:t>
-            </a:r>
-            <a:r>
-              <a:rPr sz="1100" i="1" spc="-15">
-                <a:solidFill>
-                  <a:srgbClr val="777879"/>
-                </a:solidFill>
-                <a:latin typeface="AdobeClean-LightIt"/>
-                <a:cs typeface="AdobeClean-LightIt"/>
-              </a:rPr>
-              <a:t>about</a:t>
-            </a:r>
-            <a:r>
-              <a:rPr sz="1100" i="1" spc="-45">
-                <a:solidFill>
-                  <a:srgbClr val="777879"/>
-                </a:solidFill>
-                <a:latin typeface="AdobeClean-LightIt"/>
-                <a:cs typeface="AdobeClean-LightIt"/>
-              </a:rPr>
-              <a:t> </a:t>
-            </a:r>
-            <a:r>
-              <a:rPr sz="1100" i="1" spc="-15">
-                <a:solidFill>
-                  <a:srgbClr val="777879"/>
-                </a:solidFill>
-                <a:latin typeface="AdobeClean-LightIt"/>
-                <a:cs typeface="AdobeClean-LightIt"/>
-              </a:rPr>
-              <a:t>Adobe</a:t>
-            </a:r>
-            <a:r>
-              <a:rPr sz="1100" i="1" spc="-50">
-                <a:solidFill>
-                  <a:srgbClr val="777879"/>
-                </a:solidFill>
-                <a:latin typeface="AdobeClean-LightIt"/>
-                <a:cs typeface="AdobeClean-LightIt"/>
-              </a:rPr>
-              <a:t> </a:t>
-            </a:r>
-            <a:r>
-              <a:rPr sz="1100" i="1" spc="-15">
-                <a:solidFill>
-                  <a:srgbClr val="777879"/>
-                </a:solidFill>
-                <a:latin typeface="AdobeClean-LightIt"/>
-                <a:cs typeface="AdobeClean-LightIt"/>
-              </a:rPr>
-              <a:t>Support</a:t>
-            </a:r>
-            <a:r>
-              <a:rPr lang="en-US" sz="1100" i="1" spc="-15">
-                <a:solidFill>
-                  <a:srgbClr val="777879"/>
-                </a:solidFill>
-                <a:latin typeface="AdobeClean-LightIt"/>
-                <a:cs typeface="AdobeClean-LightIt"/>
-              </a:rPr>
-              <a:t> Offerings</a:t>
-            </a:r>
-            <a:r>
-              <a:rPr sz="1100" i="1" spc="-75">
-                <a:solidFill>
-                  <a:srgbClr val="777879"/>
-                </a:solidFill>
-                <a:latin typeface="AdobeClean-LightIt"/>
-                <a:cs typeface="AdobeClean-LightIt"/>
-              </a:rPr>
-              <a:t> </a:t>
-            </a:r>
-            <a:r>
-              <a:rPr sz="1100" i="1" spc="-15">
-                <a:solidFill>
-                  <a:srgbClr val="777879"/>
-                </a:solidFill>
-                <a:latin typeface="AdobeClean-LightIt"/>
-                <a:cs typeface="AdobeClean-LightIt"/>
-              </a:rPr>
-              <a:t>and</a:t>
-            </a:r>
-            <a:r>
-              <a:rPr sz="1100" i="1" spc="-50">
-                <a:solidFill>
-                  <a:srgbClr val="777879"/>
-                </a:solidFill>
-                <a:latin typeface="AdobeClean-LightIt"/>
-                <a:cs typeface="AdobeClean-LightIt"/>
-              </a:rPr>
-              <a:t> </a:t>
-            </a:r>
-            <a:r>
-              <a:rPr sz="1100" i="1" spc="-15">
-                <a:solidFill>
-                  <a:srgbClr val="777879"/>
-                </a:solidFill>
-                <a:latin typeface="AdobeClean-LightIt"/>
-                <a:cs typeface="AdobeClean-LightIt"/>
-              </a:rPr>
-              <a:t>the</a:t>
-            </a:r>
-            <a:r>
-              <a:rPr sz="1100" i="1" spc="-55">
-                <a:solidFill>
-                  <a:srgbClr val="777879"/>
-                </a:solidFill>
-                <a:latin typeface="AdobeClean-LightIt"/>
-                <a:cs typeface="AdobeClean-LightIt"/>
-              </a:rPr>
-              <a:t> </a:t>
-            </a:r>
-            <a:r>
-              <a:rPr sz="1100" i="1" spc="-15">
-                <a:solidFill>
-                  <a:srgbClr val="777879"/>
-                </a:solidFill>
-                <a:latin typeface="AdobeClean-LightIt"/>
-                <a:cs typeface="AdobeClean-LightIt"/>
-              </a:rPr>
-              <a:t>right</a:t>
-            </a:r>
-            <a:r>
-              <a:rPr sz="1100" i="1" spc="-95">
-                <a:solidFill>
-                  <a:srgbClr val="777879"/>
-                </a:solidFill>
-                <a:latin typeface="AdobeClean-LightIt"/>
-                <a:cs typeface="AdobeClean-LightIt"/>
-              </a:rPr>
-              <a:t> </a:t>
-            </a:r>
-            <a:r>
-              <a:rPr sz="1100" i="1" spc="-15">
-                <a:solidFill>
-                  <a:srgbClr val="777879"/>
-                </a:solidFill>
-                <a:latin typeface="AdobeClean-LightIt"/>
-                <a:cs typeface="AdobeClean-LightIt"/>
-              </a:rPr>
-              <a:t>level</a:t>
-            </a:r>
-            <a:r>
-              <a:rPr sz="1100" i="1" spc="-55">
-                <a:solidFill>
-                  <a:srgbClr val="777879"/>
-                </a:solidFill>
-                <a:latin typeface="AdobeClean-LightIt"/>
-                <a:cs typeface="AdobeClean-LightIt"/>
-              </a:rPr>
-              <a:t> </a:t>
-            </a:r>
-            <a:r>
-              <a:rPr sz="1100" i="1" spc="-15">
-                <a:solidFill>
-                  <a:srgbClr val="777879"/>
-                </a:solidFill>
-                <a:latin typeface="AdobeClean-LightIt"/>
-                <a:cs typeface="AdobeClean-LightIt"/>
-              </a:rPr>
-              <a:t>for</a:t>
-            </a:r>
-            <a:r>
-              <a:rPr sz="1100" i="1" spc="-85">
-                <a:solidFill>
-                  <a:srgbClr val="777879"/>
-                </a:solidFill>
-                <a:latin typeface="AdobeClean-LightIt"/>
-                <a:cs typeface="AdobeClean-LightIt"/>
-              </a:rPr>
-              <a:t> </a:t>
-            </a:r>
-            <a:r>
-              <a:rPr sz="1100" i="1" spc="-15">
-                <a:solidFill>
-                  <a:srgbClr val="777879"/>
-                </a:solidFill>
-                <a:latin typeface="AdobeClean-LightIt"/>
-                <a:cs typeface="AdobeClean-LightIt"/>
-              </a:rPr>
-              <a:t>you,</a:t>
-            </a:r>
-            <a:r>
-              <a:rPr sz="1100" i="1" spc="-65">
-                <a:solidFill>
-                  <a:srgbClr val="777879"/>
-                </a:solidFill>
-                <a:latin typeface="AdobeClean-LightIt"/>
-                <a:cs typeface="AdobeClean-LightIt"/>
-              </a:rPr>
-              <a:t> </a:t>
-            </a:r>
-            <a:r>
-              <a:rPr sz="1100" i="1" spc="-15">
-                <a:solidFill>
-                  <a:srgbClr val="777879"/>
-                </a:solidFill>
-                <a:latin typeface="AdobeClean-LightIt"/>
-                <a:cs typeface="AdobeClean-LightIt"/>
-              </a:rPr>
-              <a:t>contact</a:t>
-            </a:r>
-            <a:r>
-              <a:rPr sz="1100" i="1" spc="-85">
-                <a:solidFill>
-                  <a:srgbClr val="777879"/>
-                </a:solidFill>
-                <a:latin typeface="AdobeClean-LightIt"/>
-                <a:cs typeface="AdobeClean-LightIt"/>
-              </a:rPr>
-              <a:t> </a:t>
-            </a:r>
-            <a:r>
-              <a:rPr sz="1100" i="1" spc="-15">
-                <a:solidFill>
-                  <a:srgbClr val="777879"/>
-                </a:solidFill>
-                <a:latin typeface="AdobeClean-LightIt"/>
-                <a:cs typeface="AdobeClean-LightIt"/>
-              </a:rPr>
-              <a:t>your</a:t>
-            </a:r>
-            <a:r>
-              <a:rPr sz="1100" i="1" spc="-70">
-                <a:solidFill>
-                  <a:srgbClr val="777879"/>
-                </a:solidFill>
-                <a:latin typeface="AdobeClean-LightIt"/>
-                <a:cs typeface="AdobeClean-LightIt"/>
-              </a:rPr>
-              <a:t> </a:t>
-            </a:r>
-            <a:r>
-              <a:rPr sz="1100" i="1" spc="-15">
-                <a:solidFill>
-                  <a:srgbClr val="777879"/>
-                </a:solidFill>
-                <a:latin typeface="AdobeClean-LightIt"/>
-                <a:cs typeface="AdobeClean-LightIt"/>
-              </a:rPr>
-              <a:t>Named</a:t>
-            </a:r>
-            <a:r>
-              <a:rPr sz="1100" i="1" spc="-55">
-                <a:solidFill>
-                  <a:srgbClr val="777879"/>
-                </a:solidFill>
-                <a:latin typeface="AdobeClean-LightIt"/>
-                <a:cs typeface="AdobeClean-LightIt"/>
-              </a:rPr>
-              <a:t> </a:t>
-            </a:r>
-            <a:r>
-              <a:rPr sz="1100" i="1" spc="-25">
-                <a:solidFill>
-                  <a:srgbClr val="777879"/>
-                </a:solidFill>
-                <a:latin typeface="AdobeClean-LightIt"/>
-                <a:cs typeface="AdobeClean-LightIt"/>
-              </a:rPr>
-              <a:t>Account</a:t>
-            </a:r>
-            <a:r>
-              <a:rPr sz="1100" i="1" spc="-120">
-                <a:solidFill>
-                  <a:srgbClr val="777879"/>
-                </a:solidFill>
-                <a:latin typeface="AdobeClean-LightIt"/>
-                <a:cs typeface="AdobeClean-LightIt"/>
-              </a:rPr>
-              <a:t> </a:t>
-            </a:r>
-            <a:r>
-              <a:rPr sz="1100" i="1" spc="-20">
-                <a:solidFill>
-                  <a:srgbClr val="777879"/>
-                </a:solidFill>
-                <a:latin typeface="AdobeClean-LightIt"/>
-                <a:cs typeface="AdobeClean-LightIt"/>
-              </a:rPr>
-              <a:t>Manager</a:t>
-            </a:r>
-            <a:r>
-              <a:rPr lang="en-US" sz="1100" i="1" spc="-20">
-                <a:solidFill>
-                  <a:srgbClr val="777879"/>
-                </a:solidFill>
-                <a:latin typeface="AdobeClean-LightIt"/>
-                <a:cs typeface="AdobeClean-LightIt"/>
-              </a:rPr>
-              <a:t> </a:t>
-            </a:r>
-            <a:r>
-              <a:rPr sz="1100" i="1" spc="-20">
-                <a:solidFill>
-                  <a:srgbClr val="777879"/>
-                </a:solidFill>
-                <a:latin typeface="AdobeClean-LightIt"/>
-                <a:cs typeface="AdobeClean-LightIt"/>
-              </a:rPr>
-              <a:t> </a:t>
-            </a:r>
-            <a:r>
-              <a:rPr sz="1100" i="1" spc="-15">
-                <a:solidFill>
-                  <a:srgbClr val="777879"/>
-                </a:solidFill>
-                <a:latin typeface="AdobeClean-LightIt"/>
-                <a:cs typeface="AdobeClean-LightIt"/>
-              </a:rPr>
-              <a:t>(NAM) </a:t>
-            </a:r>
-            <a:r>
-              <a:rPr sz="1100" i="1" spc="-10">
-                <a:solidFill>
-                  <a:srgbClr val="777879"/>
-                </a:solidFill>
-                <a:latin typeface="AdobeClean-LightIt"/>
-                <a:cs typeface="AdobeClean-LightIt"/>
-              </a:rPr>
-              <a:t>or </a:t>
-            </a:r>
-            <a:r>
-              <a:rPr sz="1100" i="1" spc="-15">
-                <a:solidFill>
-                  <a:srgbClr val="777879"/>
-                </a:solidFill>
-                <a:latin typeface="AdobeClean-LightIt"/>
-                <a:cs typeface="AdobeClean-LightIt"/>
-              </a:rPr>
-              <a:t>Customer</a:t>
-            </a:r>
-            <a:r>
-              <a:rPr lang="en-US" sz="1100" i="1" spc="-15">
-                <a:solidFill>
-                  <a:srgbClr val="777879"/>
-                </a:solidFill>
-                <a:latin typeface="AdobeClean-LightIt"/>
-                <a:cs typeface="AdobeClean-LightIt"/>
-              </a:rPr>
-              <a:t> </a:t>
-            </a:r>
-            <a:r>
-              <a:rPr lang="en-US" sz="1100" i="1" spc="-20">
-                <a:solidFill>
-                  <a:srgbClr val="777879"/>
-                </a:solidFill>
-                <a:latin typeface="AdobeClean-LightIt"/>
-                <a:cs typeface="AdobeClean-LightIt"/>
-              </a:rPr>
-              <a:t>Success </a:t>
-            </a:r>
-            <a:r>
-              <a:rPr lang="en-US" sz="1100" i="1" spc="-15">
-                <a:solidFill>
-                  <a:srgbClr val="777879"/>
-                </a:solidFill>
-                <a:latin typeface="AdobeClean-LightIt"/>
-                <a:cs typeface="AdobeClean-LightIt"/>
-              </a:rPr>
-              <a:t>Manager </a:t>
-            </a:r>
-            <a:r>
-              <a:rPr sz="1100" i="1" spc="-15">
-                <a:solidFill>
-                  <a:srgbClr val="777879"/>
-                </a:solidFill>
-                <a:latin typeface="AdobeClean-LightIt"/>
-                <a:cs typeface="AdobeClean-LightIt"/>
-              </a:rPr>
-              <a:t>(CSM)</a:t>
-            </a:r>
-            <a:endParaRPr sz="1100">
-              <a:latin typeface="AdobeClean-LightIt"/>
-              <a:cs typeface="AdobeClean-LightIt"/>
-            </a:endParaRPr>
           </a:p>
           <a:p>
             <a:pPr marL="34290">
@@ -10453,37 +9271,27 @@
               </a:spcBef>
             </a:pPr>
             <a:r>
-              <a:rPr sz="800" spc="-5">
+              <a:rPr lang="fr-FR" sz="800" dirty="0">
                 <a:solidFill>
                   <a:srgbClr val="6D6D6D"/>
                 </a:solidFill>
                 <a:latin typeface="Adobe Clean"/>
                 <a:cs typeface="Adobe Clean"/>
               </a:rPr>
-              <a:t>©202</a:t>
+              <a:t>©2021 Adobe. All </a:t>
             </a:r>
             <a:r>
-              <a:rPr lang="en-US" sz="800" spc="-5">
+              <a:rPr lang="fr-FR" sz="800" dirty="0" err="1">
                 <a:solidFill>
                   <a:srgbClr val="6D6D6D"/>
                 </a:solidFill>
                 <a:latin typeface="Adobe Clean"/>
                 <a:cs typeface="Adobe Clean"/>
               </a:rPr>
-              <a:t>1</a:t>
+              <a:t>Rights</a:t>
             </a:r>
             <a:r>
-              <a:rPr sz="800" spc="-5">
-                <a:solidFill>
-                  <a:srgbClr val="6D6D6D"/>
-                </a:solidFill>
-                <a:latin typeface="Adobe Clean"/>
-                <a:cs typeface="Adobe Clean"/>
-              </a:rPr>
-              <a:t> Adobe. All Rights Reserved. Adobe</a:t>
-            </a:r>
-            <a:r>
-              <a:rPr sz="800" spc="75">
+              <a:rPr lang="fr-FR" sz="800" dirty="0">
                 <a:solidFill>
                   <a:srgbClr val="6D6D6D"/>
                 </a:solidFill>
@@ -10493,19 +9301,25 @@
               <a:t> </a:t>
             </a:r>
             <a:r>
-              <a:rPr sz="800" spc="-5">
+              <a:rPr lang="fr-FR" sz="800" dirty="0" err="1">
                 <a:solidFill>
                   <a:srgbClr val="6D6D6D"/>
                 </a:solidFill>
                 <a:latin typeface="Adobe Clean"/>
                 <a:cs typeface="Adobe Clean"/>
               </a:rPr>
-              <a:t>Confidential.</a:t>
+              <a:t>Reserved</a:t>
             </a:r>
-            <a:endParaRPr sz="800">
-              <a:latin typeface="Adobe Clean"/>
-              <a:cs typeface="Adobe Clean"/>
-            </a:endParaRPr>
+            <a:r>
+              <a:rPr lang="fr-FR" sz="800" dirty="0">
+                <a:solidFill>
+                  <a:srgbClr val="6D6D6D"/>
+                </a:solidFill>
+                <a:latin typeface="Adobe Clean"/>
+                <a:cs typeface="Adobe Clean"/>
+              </a:rPr>
+              <a:t>. Données confidentielles Adobe</a:t>
+            </a:r>
           </a:p>
         </p:txBody>
       </p:sp>
@@ -10523,8 +9337,8 @@
         </p:nvSpPr>
         <p:spPr>
           <a:xfrm>
-            <a:off x="197233" y="5031270"/>
-            <a:ext cx="6476646" cy="755976"/>
+            <a:off x="197232" y="5031270"/>
+            <a:ext cx="7140827" cy="755976"/>
           </a:xfrm>
           <a:prstGeom prst="rect">
             <a:avLst/>
@@ -10542,19 +9356,15 @@
               </a:spcBef>
             </a:pPr>
             <a:r>
-              <a:rPr lang="en-US" sz="1400" b="1" spc="-15">
+              <a:rPr lang="fr-FR" sz="1400" b="1" dirty="0">
                 <a:solidFill>
                   <a:srgbClr val="020302"/>
                 </a:solidFill>
                 <a:latin typeface="Adobe Clean"/>
                 <a:cs typeface="Adobe Clean"/>
               </a:rPr>
-              <a:t>Regional scope of Adobe Support, Local Hours Of Operation And Language Support</a:t>
+              <a:t>Portée régionale de l’assistance Adobe, heures ouvrables locales et assistance linguistique</a:t>
             </a:r>
-            <a:endParaRPr lang="en-US" sz="1400" spc="-15">
-              <a:ea typeface="+mn-lt"/>
-              <a:cs typeface="+mn-lt"/>
-            </a:endParaRPr>
           </a:p>
           <a:p>
             <a:pPr>
@@ -10563,15 +9373,14 @@
               </a:spcBef>
             </a:pPr>
             <a:r>
-              <a:rPr lang="en-US" sz="1000" spc="-15">
+              <a:rPr lang="fr-FR" sz="1000" dirty="0">
                 <a:solidFill>
                   <a:srgbClr val="1F1F1F"/>
                 </a:solidFill>
                 <a:latin typeface="AdobeClean-Light"/>
               </a:rPr>
-              <a:t>The Regional scope of Adobe Support is established by aligning the customer's billing address (via the Sales Order or other Adobe Support purchasing document) to one of the following regions:</a:t>
+              <a:t>La portée régionale de l’assistance Adobe est définie par l’alignement de l’adresse de facturation du client (se trouvant sur le bon de commande ou tout autre document d’achat de l’assistance Adobe) avec l’une des régions suivantes :</a:t>
             </a:r>
-            <a:endParaRPr lang="en-US"/>
           </a:p>
         </p:txBody>
       </p:sp>
@@ -10590,7 +9399,7 @@
           <p:nvPr>
             <p:extLst>
               <p:ext uri="{D42A27DB-BD31-4B8C-83A1-F6EECF244321}">
-                <p14:modId xmlns:p14="http://schemas.microsoft.com/office/powerpoint/2010/main" val="914484175"/>
+                <p14:modId xmlns:p14="http://schemas.microsoft.com/office/powerpoint/2010/main" val="500150918"/>
               </p:ext>
             </p:extLst>
           </p:nvPr>
@@ -10643,13 +9452,13 @@
                     <a:p>
                       <a:pPr algn="ctr"/>
                       <a:r>
-                        <a:rPr lang="en-US" sz="1100">
+                        <a:rPr lang="fr-FR" sz="1100">
                           <a:solidFill>
                             <a:schemeClr val="tx1"/>
                           </a:solidFill>
                           <a:latin typeface="Adobe Clean"/>
                         </a:rPr>
-                        <a:t>Americas</a:t>
+                        <a:t>Amériques</a:t>
                       </a:r>
                     </a:p>
                   </a:txBody>
@@ -10708,13 +9517,30 @@
                     <a:p>
                       <a:pPr algn="ctr"/>
                       <a:r>
-                        <a:rPr lang="en-US" sz="1100">
+                        <a:rPr lang="fr-FR" sz="1100">
                           <a:solidFill>
                             <a:schemeClr val="tx1"/>
                           </a:solidFill>
                           <a:latin typeface="Adobe Clean"/>
                         </a:rPr>
-                        <a:t>Europe, Middle East &amp; Africa</a:t>
+                        <a:t>Europe, Moyen-Orient </a:t>
+                      </a:r>
+                      <a:br>
+                        <a:rPr lang="fr-FR" sz="1100">
+                          <a:solidFill>
+                            <a:schemeClr val="tx1"/>
+                          </a:solidFill>
+                          <a:latin typeface="Adobe Clean"/>
+                        </a:rPr>
+                      </a:br>
+                      <a:r>
+                        <a:rPr lang="fr-FR" sz="1100">
+                          <a:solidFill>
+                            <a:schemeClr val="tx1"/>
+                          </a:solidFill>
+                          <a:latin typeface="Adobe Clean"/>
+                        </a:rPr>
+                        <a:t>et Afrique</a:t>
                       </a:r>
                     </a:p>
                   </a:txBody>
@@ -10773,13 +9599,13 @@
                     <a:p>
                       <a:pPr algn="ctr"/>
                       <a:r>
-                        <a:rPr lang="en-US" sz="1100">
+                        <a:rPr lang="fr-FR" sz="1100">
                           <a:solidFill>
                             <a:schemeClr val="tx1"/>
                           </a:solidFill>
                           <a:latin typeface="Adobe Clean"/>
                         </a:rPr>
-                        <a:t>Asia Pacific</a:t>
+                        <a:t>Asie-Pacifique</a:t>
                       </a:r>
                     </a:p>
                   </a:txBody>
@@ -10838,16 +9664,16 @@
                     <a:p>
                       <a:pPr algn="ctr"/>
                       <a:r>
-                        <a:rPr lang="en-US" sz="1100">
+                        <a:rPr lang="fr-FR" sz="1100">
                           <a:solidFill>
                             <a:schemeClr val="tx1"/>
                           </a:solidFill>
                           <a:latin typeface="Adobe Clean"/>
                         </a:rPr>
-                        <a:t>Japan </a:t>
+                        <a:t>Japon </a:t>
                       </a:r>
                       <a:r>
-                        <a:rPr lang="en-US" sz="1100" baseline="30000">
+                        <a:rPr lang="fr-FR" sz="1100" baseline="30000">
                           <a:solidFill>
                             <a:schemeClr val="tx1"/>
                           </a:solidFill>
@@ -10855,12 +9681,6 @@
                         </a:rPr>
                         <a:t>1 </a:t>
                       </a:r>
-                      <a:endParaRPr lang="en-US" sz="1100">
-                        <a:solidFill>
-                          <a:schemeClr val="tx1"/>
-                        </a:solidFill>
-                        <a:latin typeface="Adobe Clean" panose="020B0503020404020204" pitchFamily="34" charset="0"/>
-                      </a:endParaRPr>
                     </a:p>
                   </a:txBody>
                   <a:tcPr anchor="ctr">
@@ -10925,13 +9745,13 @@
                     <a:p>
                       <a:pPr algn="ctr"/>
                       <a:r>
-                        <a:rPr lang="en-US" sz="1100">
+                        <a:rPr lang="fr-FR" sz="1100">
                           <a:solidFill>
                             <a:schemeClr val="tx1"/>
                           </a:solidFill>
                           <a:latin typeface="Adobe Clean"/>
                         </a:rPr>
-                        <a:t>6 am – 5:30 pm</a:t>
+                        <a:t>6 h 00 à 17 h 30</a:t>
                       </a:r>
                     </a:p>
                   </a:txBody>
@@ -10990,13 +9810,13 @@
                     <a:p>
                       <a:pPr algn="ctr"/>
                       <a:r>
-                        <a:rPr lang="en-US" sz="1100">
+                        <a:rPr lang="fr-FR" sz="1100">
                           <a:solidFill>
                             <a:schemeClr val="tx1"/>
                           </a:solidFill>
                           <a:latin typeface="Adobe Clean"/>
                         </a:rPr>
-                        <a:t>9 am – 5 pm</a:t>
+                        <a:t>9 h 00 à 17 h 00</a:t>
                       </a:r>
                     </a:p>
                   </a:txBody>
@@ -11055,13 +9875,13 @@
                     <a:p>
                       <a:pPr algn="ctr"/>
                       <a:r>
-                        <a:rPr lang="en-US" sz="1100">
+                        <a:rPr lang="fr-FR" sz="1100">
                           <a:solidFill>
                             <a:schemeClr val="tx1"/>
                           </a:solidFill>
                           <a:latin typeface="Adobe Clean"/>
                         </a:rPr>
-                        <a:t>9 am – 5 pm</a:t>
+                        <a:t>9 h 00 à 17 h 00</a:t>
                       </a:r>
                     </a:p>
                   </a:txBody>
@@ -11120,13 +9940,13 @@
                     <a:p>
                       <a:pPr algn="ctr"/>
                       <a:r>
-                        <a:rPr lang="en-US" sz="1100">
+                        <a:rPr lang="fr-FR" sz="1100">
                           <a:solidFill>
                             <a:schemeClr val="tx1"/>
                           </a:solidFill>
                           <a:latin typeface="Adobe Clean"/>
                         </a:rPr>
-                        <a:t>9 am – 5:30 pm</a:t>
+                        <a:t>9 h 00 à 17 h 30</a:t>
                       </a:r>
                     </a:p>
                   </a:txBody>
@@ -11206,11 +10026,10 @@
                         <a:buNone/>
                       </a:pPr>
                       <a:r>
-                        <a:rPr lang="en-US" sz="1100" b="1" i="0" u="none" strike="noStrike" kern="0" cap="none" spc="0" normalizeH="0" baseline="30000" noProof="0" dirty="0">
+                        <a:rPr lang="fr-FR" sz="1100" b="1" i="0" u="none" strike="noStrike" cap="none" normalizeH="0" baseline="30000" noProof="0" dirty="0">
                           <a:ln>
                             <a:noFill/>
                           </a:ln>
-                          <a:effectLst/>
                           <a:uLnTx/>
                           <a:uFillTx/>
                           <a:latin typeface="Adobe Clean"/>
@@ -11220,17 +10039,16 @@
                         <a:t> </a:t>
                       </a:r>
                       <a:r>
-                        <a:rPr lang="en-US" sz="1100" dirty="0">
+                        <a:rPr lang="fr-FR" sz="1100" dirty="0">
                           <a:solidFill>
                             <a:schemeClr val="tx1"/>
                           </a:solidFill>
                           <a:latin typeface="Adobe Clean"/>
+                          <a:ea typeface="+mn-ea"/>
+                          <a:cs typeface="+mn-cs"/>
                         </a:rPr>
-                        <a:t>Language support is only available in English and Japanese.</a:t>
+                        <a:t>L’assistance linguistique est uniquement disponible en anglais et en japonais.</a:t>
                       </a:r>
-                      <a:endParaRPr lang="en-US" dirty="0">
-                        <a:latin typeface="Adobe Clean"/>
-                      </a:endParaRPr>
                     </a:p>
                     <a:p>
                       <a:pPr marL="0" marR="0" lvl="0" indent="0" algn="ctr">
@@ -11249,17 +10067,17 @@
                         <a:buNone/>
                       </a:pPr>
                       <a:r>
-                        <a:rPr lang="en-US" sz="1100" i="1" dirty="0">
+                        <a:rPr lang="fr-FR" sz="1100" i="1" dirty="0">
                           <a:solidFill>
                             <a:schemeClr val="tx1"/>
                           </a:solidFill>
                           <a:latin typeface="Adobe Clean"/>
                         </a:rPr>
-                        <a:t>*Adobe Commerce excludes Japanese languages support. </a:t>
+                        <a:t>*Adobe Commerce exclut l’assistance linguistique japonaise.</a:t>
                       </a:r>
                     </a:p>
                     <a:p>
-                      <a:pPr algn="ctr"/>
+                      <a:pPr algn="l" rtl="0"/>
                       <a:endParaRPr kumimoji="0" lang="en-US" sz="1100" b="1" i="0" u="none" strike="noStrike" kern="0" cap="none" spc="0" normalizeH="0" baseline="30000" noProof="0" dirty="0">
                         <a:ln>
                           <a:noFill/>
@@ -11278,7 +10096,7 @@
                     <a:p>
                       <a:pPr algn="ctr"/>
                       <a:r>
-                        <a:rPr lang="en-US" sz="1100" i="0" dirty="0">
+                        <a:rPr lang="fr-FR" sz="1100" i="0" dirty="0">
                           <a:solidFill>
                             <a:schemeClr val="tx1"/>
                           </a:solidFill>
@@ -11287,7 +10105,7 @@
                         <a:t> </a:t>
                       </a:r>
                       <a:r>
-                        <a:rPr lang="en-US" sz="1100" i="0" baseline="30000" dirty="0">
+                        <a:rPr lang="fr-FR" sz="1100" i="0" baseline="30000" dirty="0">
                           <a:solidFill>
                             <a:schemeClr val="tx1"/>
                           </a:solidFill>
@@ -11296,20 +10114,14 @@
                         <a:t>1 </a:t>
                       </a:r>
                       <a:r>
-                        <a:rPr lang="en-US" sz="1100" i="0" dirty="0">
+                        <a:rPr lang="fr-FR" sz="1100" i="0" dirty="0">
                           <a:solidFill>
                             <a:schemeClr val="tx1"/>
                           </a:solidFill>
                           <a:latin typeface="Adobe Clean"/>
                         </a:rPr>
-                        <a:t>P2, P3, P4 cases are limited to business hours only in Japan.</a:t>
+                        <a:t>Les cas P2, P3 et P4 sont limités aux heures ouvrables uniquement au Japon.</a:t>
                       </a:r>
-                      <a:endParaRPr lang="en-US" sz="1100" b="1" i="0" dirty="0">
-                        <a:solidFill>
-                          <a:schemeClr val="tx1"/>
-                        </a:solidFill>
-                        <a:latin typeface="Adobe Clean"/>
-                      </a:endParaRPr>
                     </a:p>
                   </a:txBody>
                   <a:tcPr anchor="ctr">
@@ -11651,8 +10463,8 @@
         </p:nvSpPr>
         <p:spPr>
           <a:xfrm>
-            <a:off x="2840871" y="8528519"/>
-            <a:ext cx="810895" cy="385445"/>
+            <a:off x="2606437" y="8528519"/>
+            <a:ext cx="1279764" cy="385445"/>
           </a:xfrm>
           <a:prstGeom prst="rect">
             <a:avLst/>
@@ -11664,7 +10476,7 @@
           </a:bodyPr>
           <a:lstStyle/>
           <a:p>
-            <a:pPr marL="139065" marR="5080" indent="-139065">
+            <a:pPr marR="5080" algn="ctr">
               <a:lnSpc>
                 <a:spcPts val="1390"/>
               </a:lnSpc>
@@ -11673,129 +10485,15 @@
               </a:spcBef>
             </a:pPr>
             <a:r>
-              <a:rPr sz="1200" b="1" spc="-15">
+              <a:rPr lang="fr-FR" sz="1200" b="1" dirty="0">
                 <a:solidFill>
                   <a:srgbClr val="FFFFFF"/>
                 </a:solidFill>
                 <a:latin typeface="Adobe Clean"/>
                 <a:cs typeface="Adobe Clean"/>
               </a:rPr>
-              <a:t>U</a:t>
+              <a:t>Expertise incomparable</a:t>
             </a:r>
-            <a:r>
-              <a:rPr sz="1200" b="1" spc="-20">
-                <a:solidFill>
-                  <a:srgbClr val="FFFFFF"/>
-                </a:solidFill>
-                <a:latin typeface="Adobe Clean"/>
-                <a:cs typeface="Adobe Clean"/>
-              </a:rPr>
-              <a:t>n</a:t>
-            </a:r>
-            <a:r>
-              <a:rPr sz="1200" b="1" spc="-25">
-                <a:solidFill>
-                  <a:srgbClr val="FFFFFF"/>
-                </a:solidFill>
-                <a:latin typeface="Adobe Clean"/>
-                <a:cs typeface="Adobe Clean"/>
-              </a:rPr>
-              <a:t>p</a:t>
-            </a:r>
-            <a:r>
-              <a:rPr sz="1200" b="1" spc="-15">
-                <a:solidFill>
-                  <a:srgbClr val="FFFFFF"/>
-                </a:solidFill>
-                <a:latin typeface="Adobe Clean"/>
-                <a:cs typeface="Adobe Clean"/>
-              </a:rPr>
-              <a:t>a</a:t>
-            </a:r>
-            <a:r>
-              <a:rPr sz="1200" b="1" spc="-25">
-                <a:solidFill>
-                  <a:srgbClr val="FFFFFF"/>
-                </a:solidFill>
-                <a:latin typeface="Adobe Clean"/>
-                <a:cs typeface="Adobe Clean"/>
-              </a:rPr>
-              <a:t>r</a:t>
-            </a:r>
-            <a:r>
-              <a:rPr sz="1200" b="1" spc="-15">
-                <a:solidFill>
-                  <a:srgbClr val="FFFFFF"/>
-                </a:solidFill>
-                <a:latin typeface="Adobe Clean"/>
-                <a:cs typeface="Adobe Clean"/>
-              </a:rPr>
-              <a:t>a</a:t>
-            </a:r>
-            <a:r>
-              <a:rPr sz="1200" b="1" spc="-30">
-                <a:solidFill>
-                  <a:srgbClr val="FFFFFF"/>
-                </a:solidFill>
-                <a:latin typeface="Adobe Clean"/>
-                <a:cs typeface="Adobe Clean"/>
-              </a:rPr>
-              <a:t>ll</a:t>
-            </a:r>
-            <a:r>
-              <a:rPr sz="1200" b="1" spc="-25">
-                <a:solidFill>
-                  <a:srgbClr val="FFFFFF"/>
-                </a:solidFill>
-                <a:latin typeface="Adobe Clean"/>
-                <a:cs typeface="Adobe Clean"/>
-              </a:rPr>
-              <a:t>e</a:t>
-            </a:r>
-            <a:r>
-              <a:rPr sz="1200" b="1" spc="-30">
-                <a:solidFill>
-                  <a:srgbClr val="FFFFFF"/>
-                </a:solidFill>
-                <a:latin typeface="Adobe Clean"/>
-                <a:cs typeface="Adobe Clean"/>
-              </a:rPr>
-              <a:t>l</a:t>
-            </a:r>
-            <a:r>
-              <a:rPr sz="1200" b="1" spc="-25">
-                <a:solidFill>
-                  <a:srgbClr val="FFFFFF"/>
-                </a:solidFill>
-                <a:latin typeface="Adobe Clean"/>
-                <a:cs typeface="Adobe Clean"/>
-              </a:rPr>
-              <a:t>e</a:t>
-            </a:r>
-            <a:r>
-              <a:rPr sz="1200" b="1">
-                <a:solidFill>
-                  <a:srgbClr val="FFFFFF"/>
-                </a:solidFill>
-                <a:latin typeface="Adobe Clean"/>
-                <a:cs typeface="Adobe Clean"/>
-              </a:rPr>
-              <a:t>d  </a:t>
-            </a:r>
-            <a:r>
-              <a:rPr sz="1200" b="1" spc="-25">
-                <a:solidFill>
-                  <a:srgbClr val="FFFFFF"/>
-                </a:solidFill>
-                <a:latin typeface="Adobe Clean"/>
-                <a:cs typeface="Adobe Clean"/>
-              </a:rPr>
-              <a:t>Expertise</a:t>
-            </a:r>
-            <a:endParaRPr sz="1200">
-              <a:latin typeface="Adobe Clean"/>
-              <a:cs typeface="Adobe Clean"/>
-            </a:endParaRPr>
           </a:p>
         </p:txBody>
       </p:sp>
@@ -11826,7 +10524,7 @@
           </a:bodyPr>
           <a:lstStyle/>
           <a:p>
-            <a:pPr marL="139065" marR="5080" indent="-139065">
+            <a:pPr marR="5080" algn="ctr">
               <a:lnSpc>
                 <a:spcPts val="1390"/>
               </a:lnSpc>
@@ -11835,19 +10533,15 @@
               </a:spcBef>
             </a:pPr>
             <a:r>
-              <a:rPr lang="en-US" sz="1200" b="1" spc="-15">
+              <a:rPr lang="fr-FR" sz="1200" b="1" dirty="0">
                 <a:solidFill>
                   <a:srgbClr val="FFFFFF"/>
                 </a:solidFill>
                 <a:latin typeface="Adobe Clean"/>
                 <a:cs typeface="Adobe Clean"/>
               </a:rPr>
-              <a:t>Accelerated Support</a:t>
+              <a:t>Assistance accélérée</a:t>
             </a:r>
-            <a:endParaRPr sz="1200">
-              <a:latin typeface="Adobe Clean"/>
-              <a:cs typeface="Adobe Clean"/>
-            </a:endParaRPr>
           </a:p>
         </p:txBody>
       </p:sp>
@@ -11865,8 +10559,8 @@
         </p:nvSpPr>
         <p:spPr>
           <a:xfrm>
-            <a:off x="6624119" y="8543943"/>
-            <a:ext cx="510540" cy="385445"/>
+            <a:off x="6389684" y="8543943"/>
+            <a:ext cx="979410" cy="382797"/>
           </a:xfrm>
           <a:prstGeom prst="rect">
             <a:avLst/>
@@ -11878,7 +10572,7 @@
           </a:bodyPr>
           <a:lstStyle/>
           <a:p>
-            <a:pPr marL="50800" marR="5080" indent="-51435">
+            <a:pPr marR="5080" algn="ctr">
               <a:lnSpc>
                 <a:spcPts val="1390"/>
               </a:lnSpc>
@@ -11887,109 +10581,15 @@
               </a:spcBef>
             </a:pPr>
             <a:r>
-              <a:rPr sz="1200" b="1" spc="-50">
+              <a:rPr lang="fr-FR" sz="1200" b="1" dirty="0">
                 <a:solidFill>
                   <a:srgbClr val="FFFFFF"/>
                 </a:solidFill>
                 <a:latin typeface="Adobe Clean"/>
                 <a:cs typeface="Adobe Clean"/>
               </a:rPr>
-              <a:t>S</a:t>
+              <a:t>Conseil stratégique</a:t>
             </a:r>
-            <a:r>
-              <a:rPr sz="1200" b="1" spc="-20">
-                <a:solidFill>
-                  <a:srgbClr val="FFFFFF"/>
-                </a:solidFill>
-                <a:latin typeface="Adobe Clean"/>
-                <a:cs typeface="Adobe Clean"/>
-              </a:rPr>
-              <a:t>t</a:t>
-            </a:r>
-            <a:r>
-              <a:rPr sz="1200" b="1" spc="-75">
-                <a:solidFill>
-                  <a:srgbClr val="FFFFFF"/>
-                </a:solidFill>
-                <a:latin typeface="Adobe Clean"/>
-                <a:cs typeface="Adobe Clean"/>
-              </a:rPr>
-              <a:t>r</a:t>
-            </a:r>
-            <a:r>
-              <a:rPr sz="1200" b="1" spc="-90">
-                <a:solidFill>
-                  <a:srgbClr val="FFFFFF"/>
-                </a:solidFill>
-                <a:latin typeface="Adobe Clean"/>
-                <a:cs typeface="Adobe Clean"/>
-              </a:rPr>
-              <a:t>a</a:t>
-            </a:r>
-            <a:r>
-              <a:rPr sz="1200" b="1" spc="-55">
-                <a:solidFill>
-                  <a:srgbClr val="FFFFFF"/>
-                </a:solidFill>
-                <a:latin typeface="Adobe Clean"/>
-                <a:cs typeface="Adobe Clean"/>
-              </a:rPr>
-              <a:t>t</a:t>
-            </a:r>
-            <a:r>
-              <a:rPr sz="1200" b="1" spc="-100">
-                <a:solidFill>
-                  <a:srgbClr val="FFFFFF"/>
-                </a:solidFill>
-                <a:latin typeface="Adobe Clean"/>
-                <a:cs typeface="Adobe Clean"/>
-              </a:rPr>
-              <a:t>e</a:t>
-            </a:r>
-            <a:r>
-              <a:rPr sz="1200" b="1" spc="-80">
-                <a:solidFill>
-                  <a:srgbClr val="FFFFFF"/>
-                </a:solidFill>
-                <a:latin typeface="Adobe Clean"/>
-                <a:cs typeface="Adobe Clean"/>
-              </a:rPr>
-              <a:t>g</a:t>
-            </a:r>
-            <a:r>
-              <a:rPr sz="1200" b="1" spc="-35">
-                <a:solidFill>
-                  <a:srgbClr val="FFFFFF"/>
-                </a:solidFill>
-                <a:latin typeface="Adobe Clean"/>
-                <a:cs typeface="Adobe Clean"/>
-              </a:rPr>
-              <a:t>i</a:t>
-            </a:r>
-            <a:r>
-              <a:rPr sz="1200" b="1">
-                <a:solidFill>
-                  <a:srgbClr val="FFFFFF"/>
-                </a:solidFill>
-                <a:latin typeface="Adobe Clean"/>
-                <a:cs typeface="Adobe Clean"/>
-              </a:rPr>
-              <a:t>c  </a:t>
-            </a:r>
-            <a:r>
-              <a:rPr sz="1200" b="1" spc="-45">
-                <a:solidFill>
-                  <a:srgbClr val="FFFFFF"/>
-                </a:solidFill>
-                <a:latin typeface="Adobe Clean"/>
-                <a:cs typeface="Adobe Clean"/>
-              </a:rPr>
-              <a:t>Advice</a:t>
-            </a:r>
-            <a:endParaRPr sz="1200">
-              <a:latin typeface="Adobe Clean"/>
-              <a:cs typeface="Adobe Clean"/>
-            </a:endParaRPr>
           </a:p>
         </p:txBody>
       </p:sp>
@@ -12008,14 +10608,14 @@
           <p:nvPr>
             <p:extLst>
               <p:ext uri="{D42A27DB-BD31-4B8C-83A1-F6EECF244321}">
-                <p14:modId xmlns:p14="http://schemas.microsoft.com/office/powerpoint/2010/main" val="3773282750"/>
+                <p14:modId xmlns:p14="http://schemas.microsoft.com/office/powerpoint/2010/main" val="2184595641"/>
               </p:ext>
             </p:extLst>
           </p:nvPr>
         </p:nvGraphicFramePr>
         <p:xfrm>
           <a:off x="194236" y="1059345"/>
-          <a:ext cx="7368291" cy="3302000"/>
+          <a:ext cx="7368291" cy="3606800"/>
         </p:xfrm>
         <a:graphic>
           <a:graphicData uri="http://schemas.openxmlformats.org/drawingml/2006/table">
@@ -12024,14 +10624,14 @@
                 <a:tableStyleId>{5C22544A-7EE6-4342-B048-85BDC9FD1C3A}</a:tableStyleId>
               </a:tblPr>
               <a:tblGrid>
-                <a:gridCol w="3691964">
+                <a:gridCol w="3230954">
                   <a:extLst>
                     <a:ext uri="{9D8B030D-6E8A-4147-A177-3AD203B41FA5}">
                       <a16:colId xmlns:a16="http://schemas.microsoft.com/office/drawing/2014/main" val="2364693614"/>
                     </a:ext>
                   </a:extLst>
                 </a:gridCol>
-                <a:gridCol w="3676327">
+                <a:gridCol w="4137337">
                   <a:extLst>
                     <a:ext uri="{9D8B030D-6E8A-4147-A177-3AD203B41FA5}">
                       <a16:colId xmlns:a16="http://schemas.microsoft.com/office/drawing/2014/main" val="1545335406"/>
@@ -12046,7 +10646,7 @@
                     <a:lstStyle/>
                     <a:p>
                       <a:r>
-                        <a:rPr lang="en-US" sz="1100" b="0">
+                        <a:rPr lang="fr-FR" sz="1100" b="0">
                           <a:solidFill>
                             <a:schemeClr val="tx1"/>
                           </a:solidFill>
@@ -12057,14 +10657,6 @@
                         </a:rPr>
                         <a:t>Experience League</a:t>
                       </a:r>
-                      <a:endParaRPr lang="en-US" sz="1100" b="0">
-                        <a:solidFill>
-                          <a:schemeClr val="tx1"/>
-                        </a:solidFill>
-                        <a:latin typeface="Adobe Clean"/>
-                        <a:ea typeface="+mn-ea"/>
-                        <a:cs typeface="+mn-cs"/>
-                      </a:endParaRPr>
                     </a:p>
                   </a:txBody>
                   <a:tcPr marL="47625" marR="47625" marT="0" marB="0" anchor="ctr">
@@ -12136,7 +10728,7 @@
                         <a:buNone/>
                       </a:pPr>
                       <a:r>
-                        <a:rPr lang="en-US" sz="1000" b="0" kern="1200">
+                        <a:rPr lang="fr-FR" sz="1000" b="0">
                           <a:solidFill>
                             <a:srgbClr val="000000"/>
                           </a:solidFill>
@@ -12144,16 +10736,8 @@
                           <a:ea typeface="+mn-ea"/>
                           <a:cs typeface="+mn-cs"/>
                         </a:rPr>
-                        <a:t>Experience League is how Adobe helps businesses achieve the value they expect from their Adobe investment. It’s the unified place where customers can learn, connect, and grow along a personalized path to success that includes self-help tutorials, product documentation, instructor-led training, community and technical support. </a:t>
+                        <a:t>Experience League est la manière dont Adobe aide les entreprises à atteindre la valeur qu’elles attendent de leur investissement dans Adobe. Il s’agit de l’endroit commun où les clients peuvent apprendre, se mettre en relation les uns avec les autres et grandir le long d’un chemin personnalisé vers le succès. Il comprend des tutoriels automatiques, de la documentation sur les produits, une formation dispensée par un instructeur, une communauté et une assistance technique. </a:t>
                       </a:r>
-                      <a:endParaRPr lang="en-US" sz="1000" b="0" kern="1200">
-                        <a:solidFill>
-                          <a:srgbClr val="000000"/>
-                        </a:solidFill>
-                        <a:latin typeface="Adobe Clean Light" panose="020B0303020404020204" pitchFamily="34" charset="0"/>
-                        <a:ea typeface="+mn-ea"/>
-                        <a:cs typeface="+mn-cs"/>
-                      </a:endParaRPr>
                     </a:p>
                   </a:txBody>
                   <a:tcPr anchor="ctr">
@@ -12234,39 +10818,28 @@
                         <a:defRPr/>
                       </a:pPr>
                       <a:r>
-                        <a:rPr lang="en-US" sz="1100">
+                        <a:rPr lang="fr-FR" sz="1100">
                           <a:solidFill>
                             <a:schemeClr val="dk1"/>
                           </a:solidFill>
-                          <a:effectLst/>
                           <a:latin typeface="Adobe Clean"/>
                           <a:ea typeface="+mn-ea"/>
                           <a:cs typeface="+mn-cs"/>
                           <a:hlinkClick r:id="rId8"/>
                         </a:rPr>
-                        <a:t>Training</a:t>
+                        <a:t>Formation</a:t>
                       </a:r>
                       <a:r>
-                        <a:rPr lang="en-US" sz="1100">
+                        <a:rPr lang="fr-FR" sz="1100">
                           <a:solidFill>
                             <a:schemeClr val="dk1"/>
                           </a:solidFill>
-                          <a:effectLst/>
                           <a:latin typeface="Adobe Clean"/>
                           <a:ea typeface="+mn-ea"/>
                           <a:cs typeface="+mn-cs"/>
                         </a:rPr>
                         <a:t> </a:t>
                       </a:r>
-                      <a:endParaRPr lang="en-US" sz="1100">
-                        <a:solidFill>
-                          <a:schemeClr val="tx1"/>
-                        </a:solidFill>
-                        <a:effectLst/>
-                        <a:latin typeface="Adobe Clean"/>
-                        <a:ea typeface="+mn-ea"/>
-                        <a:cs typeface="+mn-cs"/>
-                      </a:endParaRPr>
                     </a:p>
                   </a:txBody>
                   <a:tcPr anchor="ctr">
@@ -12340,7 +10913,7 @@
                         <a:defRPr/>
                       </a:pPr>
                       <a:r>
-                        <a:rPr lang="en-US" sz="1000" kern="1200">
+                        <a:rPr lang="fr-FR" sz="1000">
                           <a:solidFill>
                             <a:srgbClr val="000000"/>
                           </a:solidFill>
@@ -12348,7 +10921,7 @@
                           <a:ea typeface="+mn-ea"/>
                           <a:cs typeface="+mn-cs"/>
                         </a:rPr>
-                        <a:t>Adobe Digital Learning Services courses are accessible from Experience League. Learning courses integrate both on-demand and instructor-led lessons.  Here you can accrue skills that have recognized market value and position them to drive success in your organizations.</a:t>
+                        <a:t>Les cours sur les services de formation numérique d’Adobe sont accessibles depuis Experience League. Les cours de formation regroupent des cours à la demande et des cours dispensés par un instructeur.  Grâce à ces cours, vous pouvez acquérir des compétences qui présentent une valeur marchande reconnue et les disposer de manière à stimuler le succès de vos entreprises.</a:t>
                       </a:r>
                     </a:p>
                   </a:txBody>
@@ -12430,27 +11003,17 @@
                         <a:defRPr/>
                       </a:pPr>
                       <a:r>
-                        <a:rPr lang="en-US" sz="1100">
+                        <a:rPr lang="fr-FR" sz="1100">
                           <a:solidFill>
                             <a:schemeClr val="tx1"/>
                           </a:solidFill>
-                          <a:effectLst/>
                           <a:latin typeface="Adobe Clean"/>
                           <a:ea typeface="+mn-ea"/>
                           <a:cs typeface="+mn-cs"/>
                           <a:hlinkClick r:id="rId9"/>
                         </a:rPr>
-                        <a:t>Production Issues &amp; System Outages</a:t>
+                        <a:t>Problèmes de production et panne du système</a:t>
                       </a:r>
-                      <a:endParaRPr lang="en-US" sz="1100">
-                        <a:solidFill>
-                          <a:schemeClr val="tx1"/>
-                        </a:solidFill>
-                        <a:effectLst/>
-                        <a:latin typeface="Adobe Clean"/>
-                        <a:ea typeface="+mn-ea"/>
-                        <a:cs typeface="+mn-cs"/>
-                      </a:endParaRPr>
                     </a:p>
                   </a:txBody>
                   <a:tcPr anchor="ctr">
@@ -12522,7 +11085,7 @@
                         <a:buNone/>
                       </a:pPr>
                       <a:r>
-                        <a:rPr lang="en-US" sz="1000" kern="1200">
+                        <a:rPr lang="fr-FR" sz="1000">
                           <a:solidFill>
                             <a:srgbClr val="000000"/>
                           </a:solidFill>
@@ -12530,16 +11093,8 @@
                           <a:ea typeface="+mn-ea"/>
                           <a:cs typeface="+mn-cs"/>
                         </a:rPr>
-                        <a:t>Status.adobe.com conveys the health information of all Adobe products and services that are deployed in multi-tenant environments. Customers can choose their subscription preferences to get email notifications whenever Adobe creates, updates or resolves a product event. This can include scheduled maintenance or service issues of varying levels of severity. </a:t>
+                        <a:t>Status.adobe.com transmet les informations d’intégrité de tous les produits et services d’Adobe déployés dans des environnements multi-entité. Les clients peuvent choisir leurs préférences d’abonnement afin de recevoir des notifications par e-mail chaque fois qu’Adobe crée, met à jour ou résout un événement de produit. Cet événement peut inclure des problèmes de maintenance planifiée ou de service présentant différents niveaux de gravité. </a:t>
                       </a:r>
-                      <a:endParaRPr lang="en-US" sz="1000" kern="1200">
-                        <a:solidFill>
-                          <a:srgbClr val="000000"/>
-                        </a:solidFill>
-                        <a:latin typeface="Adobe Clean Light" panose="020B0303020404020204" pitchFamily="34" charset="0"/>
-                        <a:ea typeface="+mn-ea"/>
-                        <a:cs typeface="+mn-cs"/>
-                      </a:endParaRPr>
                     </a:p>
                   </a:txBody>
                   <a:tcPr anchor="ctr">
@@ -12620,27 +11175,17 @@
                         <a:defRPr/>
                       </a:pPr>
                       <a:r>
-                        <a:rPr lang="en-US" sz="1100" b="0" i="0">
+                        <a:rPr lang="fr-FR" sz="1100" b="0" i="0">
                           <a:solidFill>
                             <a:schemeClr val="dk1"/>
                           </a:solidFill>
-                          <a:effectLst/>
                           <a:latin typeface="Adobe Clean"/>
                           <a:ea typeface="+mn-ea"/>
                           <a:cs typeface="+mn-cs"/>
-                          <a:hlinkClick r:id="rId10" tooltip="https://helpx.adobe.com/support/programs/enterprise-support-programs/premier-support-business.html"/>
+                          <a:hlinkClick r:id="rId10" tooltip="https://helpx.adobe.com/fr/support/programs/enterprise-support-programs/premier-support-business.html"/>
                         </a:rPr>
-                        <a:t>Business Support Website</a:t>
+                        <a:t>Site Web de l’assistance commerciale</a:t>
                       </a:r>
-                      <a:endParaRPr lang="en-US" sz="1100" b="0" i="0">
-                        <a:solidFill>
-                          <a:schemeClr val="dk1"/>
-                        </a:solidFill>
-                        <a:effectLst/>
-                        <a:latin typeface="Adobe Clean"/>
-                        <a:ea typeface="+mn-ea"/>
-                        <a:cs typeface="+mn-cs"/>
-                      </a:endParaRPr>
                     </a:p>
                   </a:txBody>
                   <a:tcPr anchor="ctr">
@@ -12697,7 +11242,7 @@
                     <a:lstStyle/>
                     <a:p>
                       <a:r>
-                        <a:rPr lang="en-US" sz="1000" kern="1200">
+                        <a:rPr lang="fr-FR" sz="1000">
                           <a:solidFill>
                             <a:srgbClr val="000000"/>
                           </a:solidFill>
@@ -12705,16 +11250,8 @@
                           <a:ea typeface="+mn-ea"/>
                           <a:cs typeface="+mn-cs"/>
                         </a:rPr>
-                        <a:t>Adobe Business Support website.</a:t>
+                        <a:t>Site Web d’assistance commerciale d’Adobe.</a:t>
                       </a:r>
-                      <a:endParaRPr lang="en-US" sz="1000" kern="1200">
-                        <a:solidFill>
-                          <a:srgbClr val="000000"/>
-                        </a:solidFill>
-                        <a:latin typeface="Adobe Clean Light" panose="020B0303020404020204" pitchFamily="34" charset="0"/>
-                        <a:ea typeface="+mn-ea"/>
-                        <a:cs typeface="+mn-cs"/>
-                      </a:endParaRPr>
                     </a:p>
                   </a:txBody>
                   <a:tcPr anchor="ctr">
@@ -12795,27 +11332,17 @@
                         <a:defRPr/>
                       </a:pPr>
                       <a:r>
-                        <a:rPr lang="en-US" sz="1100">
+                        <a:rPr lang="fr-FR" sz="1100">
                           <a:solidFill>
                             <a:schemeClr val="tx1"/>
                           </a:solidFill>
-                          <a:effectLst/>
                           <a:latin typeface="Adobe Clean"/>
                           <a:ea typeface="+mn-ea"/>
                           <a:cs typeface="+mn-cs"/>
                           <a:hlinkClick r:id="rId11"/>
                         </a:rPr>
-                        <a:t>Terms and Conditions</a:t>
+                        <a:t>Termes et conditions</a:t>
                       </a:r>
-                      <a:endParaRPr lang="en-US" sz="1100">
-                        <a:solidFill>
-                          <a:schemeClr val="tx1"/>
-                        </a:solidFill>
-                        <a:effectLst/>
-                        <a:latin typeface="Adobe Clean"/>
-                        <a:ea typeface="+mn-ea"/>
-                        <a:cs typeface="+mn-cs"/>
-                      </a:endParaRPr>
                     </a:p>
                   </a:txBody>
                   <a:tcPr anchor="ctr">
@@ -12872,7 +11399,7 @@
                     <a:lstStyle/>
                     <a:p>
                       <a:r>
-                        <a:rPr lang="en-US" sz="1000" kern="1200">
+                        <a:rPr lang="fr-FR" sz="1000" dirty="0">
                           <a:solidFill>
                             <a:srgbClr val="000000"/>
                           </a:solidFill>
@@ -12880,16 +11407,8 @@
                           <a:ea typeface="+mn-ea"/>
                           <a:cs typeface="+mn-cs"/>
                         </a:rPr>
-                        <a:t>Terms and conditions detailing Support Services offerings.</a:t>
+                        <a:t>Il s’agit des termes et conditions détaillant les offres des services d’assistance.</a:t>
                       </a:r>
-                      <a:endParaRPr lang="en-US" sz="1000" kern="1200">
-                        <a:solidFill>
-                          <a:srgbClr val="000000"/>
-                        </a:solidFill>
-                        <a:latin typeface="Adobe Clean Light" panose="020B0303020404020204" pitchFamily="34" charset="0"/>
-                        <a:ea typeface="+mn-ea"/>
-                        <a:cs typeface="+mn-cs"/>
-                      </a:endParaRPr>
                     </a:p>
                   </a:txBody>
                   <a:tcPr anchor="ctr">

--- a/help/data-sheets/assets/BusinessSupportDatasheet.pptx
+++ b/help/data-sheets/assets/BusinessSupportDatasheet.pptx
@@ -140,32 +140,55 @@
 </p:cmAuthorLst>
 </file>
 
-<file path=ppt/revisionInfo.xml><?xml version="1.0" encoding="utf-8"?>
-<p1510:revInfo xmlns:a="http://schemas.openxmlformats.org/drawingml/2006/main" xmlns:r="http://schemas.openxmlformats.org/officeDocument/2006/relationships" xmlns:p1510="http://schemas.microsoft.com/office/powerpoint/2015/10/main">
-  <p1510:revLst>
-    <p1510:client id="{61630BD6-9AE9-064C-B39F-AFA945B82B3E}" v="202" dt="2021-10-13T19:21:08.267"/>
-    <p1510:client id="{AC30C20D-1316-8ECC-DADD-39CCEC6A7FCF}" v="9" dt="2021-10-13T19:03:35.035"/>
-  </p1510:revLst>
-</p1510:revInfo>
-</file>
-
 <file path=ppt/changesInfos/changesInfo1.xml><?xml version="1.0" encoding="utf-8"?>
 <pc:chgInfo xmlns:a="http://schemas.openxmlformats.org/drawingml/2006/main" xmlns:r="http://schemas.openxmlformats.org/officeDocument/2006/relationships" xmlns:ac="http://schemas.microsoft.com/office/drawing/2013/main/command" xmlns:pc="http://schemas.microsoft.com/office/powerpoint/2013/main/command">
   <pc:docChgLst>
-    <pc:chgData name="Akilah Johnson" userId="S::akjohnso@adobe.com::2fa3aa60-0c9c-4d06-bae2-795983241227" providerId="AD" clId="Web-{4D8E0410-E0CE-85E2-0F84-C1BF4F647622}"/>
+    <pc:chgData name="Akilah Johnson" userId="S::akjohnso@adobe.com::2fa3aa60-0c9c-4d06-bae2-795983241227" providerId="AD" clId="Web-{71D6CFBF-0EA2-99B0-93F4-22F19EF0AE4E}"/>
     <pc:docChg chg="modSld">
-      <pc:chgData name="Akilah Johnson" userId="S::akjohnso@adobe.com::2fa3aa60-0c9c-4d06-bae2-795983241227" providerId="AD" clId="Web-{4D8E0410-E0CE-85E2-0F84-C1BF4F647622}" dt="2021-09-22T22:57:04.802" v="5"/>
+      <pc:chgData name="Akilah Johnson" userId="S::akjohnso@adobe.com::2fa3aa60-0c9c-4d06-bae2-795983241227" providerId="AD" clId="Web-{71D6CFBF-0EA2-99B0-93F4-22F19EF0AE4E}" dt="2021-09-22T19:06:58.732" v="1" actId="1076"/>
       <pc:docMkLst>
         <pc:docMk/>
       </pc:docMkLst>
       <pc:sldChg chg="modSp">
-        <pc:chgData name="Akilah Johnson" userId="S::akjohnso@adobe.com::2fa3aa60-0c9c-4d06-bae2-795983241227" providerId="AD" clId="Web-{4D8E0410-E0CE-85E2-0F84-C1BF4F647622}" dt="2021-09-22T22:57:04.802" v="5"/>
+        <pc:chgData name="Akilah Johnson" userId="S::akjohnso@adobe.com::2fa3aa60-0c9c-4d06-bae2-795983241227" providerId="AD" clId="Web-{71D6CFBF-0EA2-99B0-93F4-22F19EF0AE4E}" dt="2021-09-22T19:06:58.732" v="1" actId="1076"/>
         <pc:sldMkLst>
           <pc:docMk/>
           <pc:sldMk cId="1050037809" sldId="261"/>
         </pc:sldMkLst>
+        <pc:spChg chg="mod">
+          <ac:chgData name="Akilah Johnson" userId="S::akjohnso@adobe.com::2fa3aa60-0c9c-4d06-bae2-795983241227" providerId="AD" clId="Web-{71D6CFBF-0EA2-99B0-93F4-22F19EF0AE4E}" dt="2021-09-22T19:06:58.732" v="1" actId="1076"/>
+          <ac:spMkLst>
+            <pc:docMk/>
+            <pc:sldMk cId="1050037809" sldId="261"/>
+            <ac:spMk id="64" creationId="{41467BDC-3D83-D844-B922-CD07E94E5AAB}"/>
+          </ac:spMkLst>
+        </pc:spChg>
+      </pc:sldChg>
+    </pc:docChg>
+  </pc:docChgLst>
+  <pc:docChgLst>
+    <pc:chgData name="Akilah Johnson" userId="S::akjohnso@adobe.com::2fa3aa60-0c9c-4d06-bae2-795983241227" providerId="AD" clId="Web-{AFB92C2B-405E-C597-0988-18F97C53104C}"/>
+    <pc:docChg chg="modSld">
+      <pc:chgData name="Akilah Johnson" userId="S::akjohnso@adobe.com::2fa3aa60-0c9c-4d06-bae2-795983241227" providerId="AD" clId="Web-{AFB92C2B-405E-C597-0988-18F97C53104C}" dt="2021-09-22T18:53:26.184" v="29"/>
+      <pc:docMkLst>
+        <pc:docMk/>
+      </pc:docMkLst>
+      <pc:sldChg chg="modSp">
+        <pc:chgData name="Akilah Johnson" userId="S::akjohnso@adobe.com::2fa3aa60-0c9c-4d06-bae2-795983241227" providerId="AD" clId="Web-{AFB92C2B-405E-C597-0988-18F97C53104C}" dt="2021-09-22T18:53:26.184" v="29"/>
+        <pc:sldMkLst>
+          <pc:docMk/>
+          <pc:sldMk cId="1050037809" sldId="261"/>
+        </pc:sldMkLst>
+        <pc:spChg chg="mod">
+          <ac:chgData name="Akilah Johnson" userId="S::akjohnso@adobe.com::2fa3aa60-0c9c-4d06-bae2-795983241227" providerId="AD" clId="Web-{AFB92C2B-405E-C597-0988-18F97C53104C}" dt="2021-09-22T18:53:05.841" v="5" actId="20577"/>
+          <ac:spMkLst>
+            <pc:docMk/>
+            <pc:sldMk cId="1050037809" sldId="261"/>
+            <ac:spMk id="64" creationId="{41467BDC-3D83-D844-B922-CD07E94E5AAB}"/>
+          </ac:spMkLst>
+        </pc:spChg>
         <pc:graphicFrameChg chg="mod modGraphic">
-          <ac:chgData name="Akilah Johnson" userId="S::akjohnso@adobe.com::2fa3aa60-0c9c-4d06-bae2-795983241227" providerId="AD" clId="Web-{4D8E0410-E0CE-85E2-0F84-C1BF4F647622}" dt="2021-09-22T22:57:04.802" v="5"/>
+          <ac:chgData name="Akilah Johnson" userId="S::akjohnso@adobe.com::2fa3aa60-0c9c-4d06-bae2-795983241227" providerId="AD" clId="Web-{AFB92C2B-405E-C597-0988-18F97C53104C}" dt="2021-09-22T18:53:26.184" v="29"/>
           <ac:graphicFrameMkLst>
             <pc:docMk/>
             <pc:sldMk cId="1050037809" sldId="261"/>
@@ -223,6 +246,117 @@
     </pc:docChg>
   </pc:docChgLst>
   <pc:docChgLst>
+    <pc:chgData name="Ankita Sood" userId="c93a62e3-2a47-429d-82c6-c2a8fd110ae7" providerId="ADAL" clId="{EADEB940-4844-7941-8DD1-C0A7CBA2737C}"/>
+    <pc:docChg chg="modSld">
+      <pc:chgData name="Ankita Sood" userId="c93a62e3-2a47-429d-82c6-c2a8fd110ae7" providerId="ADAL" clId="{EADEB940-4844-7941-8DD1-C0A7CBA2737C}" dt="2022-01-20T19:38:27.531" v="31" actId="20577"/>
+      <pc:docMkLst>
+        <pc:docMk/>
+      </pc:docMkLst>
+      <pc:sldChg chg="modSp mod">
+        <pc:chgData name="Ankita Sood" userId="c93a62e3-2a47-429d-82c6-c2a8fd110ae7" providerId="ADAL" clId="{EADEB940-4844-7941-8DD1-C0A7CBA2737C}" dt="2022-01-20T19:38:22.046" v="23" actId="20577"/>
+        <pc:sldMkLst>
+          <pc:docMk/>
+          <pc:sldMk cId="0" sldId="256"/>
+        </pc:sldMkLst>
+        <pc:spChg chg="mod">
+          <ac:chgData name="Ankita Sood" userId="c93a62e3-2a47-429d-82c6-c2a8fd110ae7" providerId="ADAL" clId="{EADEB940-4844-7941-8DD1-C0A7CBA2737C}" dt="2022-01-20T19:38:07.964" v="7" actId="20577"/>
+          <ac:spMkLst>
+            <pc:docMk/>
+            <pc:sldMk cId="0" sldId="256"/>
+            <ac:spMk id="5" creationId="{00000000-0000-0000-0000-000000000000}"/>
+          </ac:spMkLst>
+        </pc:spChg>
+        <pc:graphicFrameChg chg="modGraphic">
+          <ac:chgData name="Ankita Sood" userId="c93a62e3-2a47-429d-82c6-c2a8fd110ae7" providerId="ADAL" clId="{EADEB940-4844-7941-8DD1-C0A7CBA2737C}" dt="2022-01-20T19:38:22.046" v="23" actId="20577"/>
+          <ac:graphicFrameMkLst>
+            <pc:docMk/>
+            <pc:sldMk cId="0" sldId="256"/>
+            <ac:graphicFrameMk id="9" creationId="{00000000-0000-0000-0000-000000000000}"/>
+          </ac:graphicFrameMkLst>
+        </pc:graphicFrameChg>
+        <pc:graphicFrameChg chg="modGraphic">
+          <ac:chgData name="Ankita Sood" userId="c93a62e3-2a47-429d-82c6-c2a8fd110ae7" providerId="ADAL" clId="{EADEB940-4844-7941-8DD1-C0A7CBA2737C}" dt="2022-01-20T19:38:16.769" v="15" actId="20577"/>
+          <ac:graphicFrameMkLst>
+            <pc:docMk/>
+            <pc:sldMk cId="0" sldId="256"/>
+            <ac:graphicFrameMk id="11" creationId="{3AC7AEA2-E7A4-BD48-80EA-856168E207F6}"/>
+          </ac:graphicFrameMkLst>
+        </pc:graphicFrameChg>
+      </pc:sldChg>
+      <pc:sldChg chg="modSp mod">
+        <pc:chgData name="Ankita Sood" userId="c93a62e3-2a47-429d-82c6-c2a8fd110ae7" providerId="ADAL" clId="{EADEB940-4844-7941-8DD1-C0A7CBA2737C}" dt="2022-01-20T19:38:27.531" v="31" actId="20577"/>
+        <pc:sldMkLst>
+          <pc:docMk/>
+          <pc:sldMk cId="0" sldId="257"/>
+        </pc:sldMkLst>
+        <pc:spChg chg="mod">
+          <ac:chgData name="Ankita Sood" userId="c93a62e3-2a47-429d-82c6-c2a8fd110ae7" providerId="ADAL" clId="{EADEB940-4844-7941-8DD1-C0A7CBA2737C}" dt="2022-01-20T19:38:27.531" v="31" actId="20577"/>
+          <ac:spMkLst>
+            <pc:docMk/>
+            <pc:sldMk cId="0" sldId="257"/>
+            <ac:spMk id="44" creationId="{147009FB-1B8D-6D4F-87DF-41B5DE49EFE5}"/>
+          </ac:spMkLst>
+        </pc:spChg>
+      </pc:sldChg>
+    </pc:docChg>
+  </pc:docChgLst>
+  <pc:docChgLst>
+    <pc:chgData name="Andy Witt" userId="S::awitt@adobe.com::e9157bdf-53b2-40e4-9459-936793d75696" providerId="AD" clId="Web-{CA5D33DF-AE75-BCA1-B9BC-A7CD44D2F3C7}"/>
+    <pc:docChg chg="modSld">
+      <pc:chgData name="Andy Witt" userId="S::awitt@adobe.com::e9157bdf-53b2-40e4-9459-936793d75696" providerId="AD" clId="Web-{CA5D33DF-AE75-BCA1-B9BC-A7CD44D2F3C7}" dt="2021-08-25T22:38:18.624" v="1" actId="1076"/>
+      <pc:docMkLst>
+        <pc:docMk/>
+      </pc:docMkLst>
+      <pc:sldChg chg="modSp">
+        <pc:chgData name="Andy Witt" userId="S::awitt@adobe.com::e9157bdf-53b2-40e4-9459-936793d75696" providerId="AD" clId="Web-{CA5D33DF-AE75-BCA1-B9BC-A7CD44D2F3C7}" dt="2021-08-25T22:38:18.624" v="1" actId="1076"/>
+        <pc:sldMkLst>
+          <pc:docMk/>
+          <pc:sldMk cId="1050037809" sldId="261"/>
+        </pc:sldMkLst>
+        <pc:spChg chg="mod">
+          <ac:chgData name="Andy Witt" userId="S::awitt@adobe.com::e9157bdf-53b2-40e4-9459-936793d75696" providerId="AD" clId="Web-{CA5D33DF-AE75-BCA1-B9BC-A7CD44D2F3C7}" dt="2021-08-25T22:38:18.624" v="1" actId="1076"/>
+          <ac:spMkLst>
+            <pc:docMk/>
+            <pc:sldMk cId="1050037809" sldId="261"/>
+            <ac:spMk id="50" creationId="{043050D0-21FC-0C42-8484-7FE7C0DB771F}"/>
+          </ac:spMkLst>
+        </pc:spChg>
+      </pc:sldChg>
+    </pc:docChg>
+  </pc:docChgLst>
+  <pc:docChgLst>
+    <pc:chgData name="Lauren Schutte" userId="6e08b2d3-447a-4d66-86be-444d50df187f" providerId="ADAL" clId="{61630BD6-9AE9-064C-B39F-AFA945B82B3E}"/>
+    <pc:docChg chg="undo custSel modSld">
+      <pc:chgData name="Lauren Schutte" userId="6e08b2d3-447a-4d66-86be-444d50df187f" providerId="ADAL" clId="{61630BD6-9AE9-064C-B39F-AFA945B82B3E}" dt="2021-10-13T19:21:08.267" v="201" actId="20577"/>
+      <pc:docMkLst>
+        <pc:docMk/>
+      </pc:docMkLst>
+      <pc:sldChg chg="modSp mod">
+        <pc:chgData name="Lauren Schutte" userId="6e08b2d3-447a-4d66-86be-444d50df187f" providerId="ADAL" clId="{61630BD6-9AE9-064C-B39F-AFA945B82B3E}" dt="2021-10-13T19:21:08.267" v="201" actId="20577"/>
+        <pc:sldMkLst>
+          <pc:docMk/>
+          <pc:sldMk cId="0" sldId="256"/>
+        </pc:sldMkLst>
+        <pc:spChg chg="mod">
+          <ac:chgData name="Lauren Schutte" userId="6e08b2d3-447a-4d66-86be-444d50df187f" providerId="ADAL" clId="{61630BD6-9AE9-064C-B39F-AFA945B82B3E}" dt="2021-10-13T19:03:44.344" v="3" actId="1076"/>
+          <ac:spMkLst>
+            <pc:docMk/>
+            <pc:sldMk cId="0" sldId="256"/>
+            <ac:spMk id="3" creationId="{00000000-0000-0000-0000-000000000000}"/>
+          </ac:spMkLst>
+        </pc:spChg>
+        <pc:graphicFrameChg chg="mod modGraphic">
+          <ac:chgData name="Lauren Schutte" userId="6e08b2d3-447a-4d66-86be-444d50df187f" providerId="ADAL" clId="{61630BD6-9AE9-064C-B39F-AFA945B82B3E}" dt="2021-10-13T19:21:08.267" v="201" actId="20577"/>
+          <ac:graphicFrameMkLst>
+            <pc:docMk/>
+            <pc:sldMk cId="0" sldId="256"/>
+            <ac:graphicFrameMk id="9" creationId="{00000000-0000-0000-0000-000000000000}"/>
+          </ac:graphicFrameMkLst>
+        </pc:graphicFrameChg>
+      </pc:sldChg>
+    </pc:docChg>
+  </pc:docChgLst>
+  <pc:docChgLst>
     <pc:chgData name="Andy Witt" userId="S::awitt@adobe.com::e9157bdf-53b2-40e4-9459-936793d75696" providerId="AD" clId="Web-{06B13378-B080-7F0F-51A5-F9203CEE57ED}"/>
     <pc:docChg chg="modSld">
       <pc:chgData name="Andy Witt" userId="S::awitt@adobe.com::e9157bdf-53b2-40e4-9459-936793d75696" providerId="AD" clId="Web-{06B13378-B080-7F0F-51A5-F9203CEE57ED}" dt="2021-08-25T22:25:13.647" v="363"/>
@@ -247,50 +381,26 @@
     </pc:docChg>
   </pc:docChgLst>
   <pc:docChgLst>
-    <pc:chgData name="Akilah Johnson" userId="S::akjohnso@adobe.com::2fa3aa60-0c9c-4d06-bae2-795983241227" providerId="AD" clId="Web-{D428A0AE-54E2-30D2-C574-7A0742876CCF}"/>
+    <pc:chgData name="Akilah Johnson" userId="S::akjohnso@adobe.com::2fa3aa60-0c9c-4d06-bae2-795983241227" providerId="AD" clId="Web-{4D8E0410-E0CE-85E2-0F84-C1BF4F647622}"/>
     <pc:docChg chg="modSld">
-      <pc:chgData name="Akilah Johnson" userId="S::akjohnso@adobe.com::2fa3aa60-0c9c-4d06-bae2-795983241227" providerId="AD" clId="Web-{D428A0AE-54E2-30D2-C574-7A0742876CCF}" dt="2021-10-12T19:11:25.330" v="0" actId="20577"/>
+      <pc:chgData name="Akilah Johnson" userId="S::akjohnso@adobe.com::2fa3aa60-0c9c-4d06-bae2-795983241227" providerId="AD" clId="Web-{4D8E0410-E0CE-85E2-0F84-C1BF4F647622}" dt="2021-09-22T22:57:04.802" v="5"/>
       <pc:docMkLst>
         <pc:docMk/>
       </pc:docMkLst>
       <pc:sldChg chg="modSp">
-        <pc:chgData name="Akilah Johnson" userId="S::akjohnso@adobe.com::2fa3aa60-0c9c-4d06-bae2-795983241227" providerId="AD" clId="Web-{D428A0AE-54E2-30D2-C574-7A0742876CCF}" dt="2021-10-12T19:11:25.330" v="0" actId="20577"/>
-        <pc:sldMkLst>
-          <pc:docMk/>
-          <pc:sldMk cId="0" sldId="256"/>
-        </pc:sldMkLst>
-        <pc:spChg chg="mod">
-          <ac:chgData name="Akilah Johnson" userId="S::akjohnso@adobe.com::2fa3aa60-0c9c-4d06-bae2-795983241227" providerId="AD" clId="Web-{D428A0AE-54E2-30D2-C574-7A0742876CCF}" dt="2021-10-12T19:11:25.330" v="0" actId="20577"/>
-          <ac:spMkLst>
-            <pc:docMk/>
-            <pc:sldMk cId="0" sldId="256"/>
-            <ac:spMk id="4" creationId="{00000000-0000-0000-0000-000000000000}"/>
-          </ac:spMkLst>
-        </pc:spChg>
-      </pc:sldChg>
-    </pc:docChg>
-  </pc:docChgLst>
-  <pc:docChgLst>
-    <pc:chgData name="Akilah Johnson" userId="S::akjohnso@adobe.com::2fa3aa60-0c9c-4d06-bae2-795983241227" providerId="AD" clId="Web-{71D6CFBF-0EA2-99B0-93F4-22F19EF0AE4E}"/>
-    <pc:docChg chg="modSld">
-      <pc:chgData name="Akilah Johnson" userId="S::akjohnso@adobe.com::2fa3aa60-0c9c-4d06-bae2-795983241227" providerId="AD" clId="Web-{71D6CFBF-0EA2-99B0-93F4-22F19EF0AE4E}" dt="2021-09-22T19:06:58.732" v="1" actId="1076"/>
-      <pc:docMkLst>
-        <pc:docMk/>
-      </pc:docMkLst>
-      <pc:sldChg chg="modSp">
-        <pc:chgData name="Akilah Johnson" userId="S::akjohnso@adobe.com::2fa3aa60-0c9c-4d06-bae2-795983241227" providerId="AD" clId="Web-{71D6CFBF-0EA2-99B0-93F4-22F19EF0AE4E}" dt="2021-09-22T19:06:58.732" v="1" actId="1076"/>
+        <pc:chgData name="Akilah Johnson" userId="S::akjohnso@adobe.com::2fa3aa60-0c9c-4d06-bae2-795983241227" providerId="AD" clId="Web-{4D8E0410-E0CE-85E2-0F84-C1BF4F647622}" dt="2021-09-22T22:57:04.802" v="5"/>
         <pc:sldMkLst>
           <pc:docMk/>
           <pc:sldMk cId="1050037809" sldId="261"/>
         </pc:sldMkLst>
-        <pc:spChg chg="mod">
-          <ac:chgData name="Akilah Johnson" userId="S::akjohnso@adobe.com::2fa3aa60-0c9c-4d06-bae2-795983241227" providerId="AD" clId="Web-{71D6CFBF-0EA2-99B0-93F4-22F19EF0AE4E}" dt="2021-09-22T19:06:58.732" v="1" actId="1076"/>
-          <ac:spMkLst>
+        <pc:graphicFrameChg chg="mod modGraphic">
+          <ac:chgData name="Akilah Johnson" userId="S::akjohnso@adobe.com::2fa3aa60-0c9c-4d06-bae2-795983241227" providerId="AD" clId="Web-{4D8E0410-E0CE-85E2-0F84-C1BF4F647622}" dt="2021-09-22T22:57:04.802" v="5"/>
+          <ac:graphicFrameMkLst>
             <pc:docMk/>
             <pc:sldMk cId="1050037809" sldId="261"/>
-            <ac:spMk id="64" creationId="{41467BDC-3D83-D844-B922-CD07E94E5AAB}"/>
-          </ac:spMkLst>
-        </pc:spChg>
+            <ac:graphicFrameMk id="25" creationId="{3A91F5B0-3974-A14D-A146-FB590F2AAD18}"/>
+          </ac:graphicFrameMkLst>
+        </pc:graphicFrameChg>
       </pc:sldChg>
     </pc:docChg>
   </pc:docChgLst>
@@ -327,88 +437,24 @@
     </pc:docChg>
   </pc:docChgLst>
   <pc:docChgLst>
-    <pc:chgData name="Akilah Johnson" userId="S::akjohnso@adobe.com::2fa3aa60-0c9c-4d06-bae2-795983241227" providerId="AD" clId="Web-{AFB92C2B-405E-C597-0988-18F97C53104C}"/>
+    <pc:chgData name="Akilah Johnson" userId="S::akjohnso@adobe.com::2fa3aa60-0c9c-4d06-bae2-795983241227" providerId="AD" clId="Web-{D428A0AE-54E2-30D2-C574-7A0742876CCF}"/>
     <pc:docChg chg="modSld">
-      <pc:chgData name="Akilah Johnson" userId="S::akjohnso@adobe.com::2fa3aa60-0c9c-4d06-bae2-795983241227" providerId="AD" clId="Web-{AFB92C2B-405E-C597-0988-18F97C53104C}" dt="2021-09-22T18:53:26.184" v="29"/>
+      <pc:chgData name="Akilah Johnson" userId="S::akjohnso@adobe.com::2fa3aa60-0c9c-4d06-bae2-795983241227" providerId="AD" clId="Web-{D428A0AE-54E2-30D2-C574-7A0742876CCF}" dt="2021-10-12T19:11:25.330" v="0" actId="20577"/>
       <pc:docMkLst>
         <pc:docMk/>
       </pc:docMkLst>
       <pc:sldChg chg="modSp">
-        <pc:chgData name="Akilah Johnson" userId="S::akjohnso@adobe.com::2fa3aa60-0c9c-4d06-bae2-795983241227" providerId="AD" clId="Web-{AFB92C2B-405E-C597-0988-18F97C53104C}" dt="2021-09-22T18:53:26.184" v="29"/>
-        <pc:sldMkLst>
-          <pc:docMk/>
-          <pc:sldMk cId="1050037809" sldId="261"/>
-        </pc:sldMkLst>
-        <pc:spChg chg="mod">
-          <ac:chgData name="Akilah Johnson" userId="S::akjohnso@adobe.com::2fa3aa60-0c9c-4d06-bae2-795983241227" providerId="AD" clId="Web-{AFB92C2B-405E-C597-0988-18F97C53104C}" dt="2021-09-22T18:53:05.841" v="5" actId="20577"/>
-          <ac:spMkLst>
-            <pc:docMk/>
-            <pc:sldMk cId="1050037809" sldId="261"/>
-            <ac:spMk id="64" creationId="{41467BDC-3D83-D844-B922-CD07E94E5AAB}"/>
-          </ac:spMkLst>
-        </pc:spChg>
-        <pc:graphicFrameChg chg="mod modGraphic">
-          <ac:chgData name="Akilah Johnson" userId="S::akjohnso@adobe.com::2fa3aa60-0c9c-4d06-bae2-795983241227" providerId="AD" clId="Web-{AFB92C2B-405E-C597-0988-18F97C53104C}" dt="2021-09-22T18:53:26.184" v="29"/>
-          <ac:graphicFrameMkLst>
-            <pc:docMk/>
-            <pc:sldMk cId="1050037809" sldId="261"/>
-            <ac:graphicFrameMk id="25" creationId="{3A91F5B0-3974-A14D-A146-FB590F2AAD18}"/>
-          </ac:graphicFrameMkLst>
-        </pc:graphicFrameChg>
-      </pc:sldChg>
-    </pc:docChg>
-  </pc:docChgLst>
-  <pc:docChgLst>
-    <pc:chgData name="Lauren Schutte" userId="6e08b2d3-447a-4d66-86be-444d50df187f" providerId="ADAL" clId="{61630BD6-9AE9-064C-B39F-AFA945B82B3E}"/>
-    <pc:docChg chg="undo custSel modSld">
-      <pc:chgData name="Lauren Schutte" userId="6e08b2d3-447a-4d66-86be-444d50df187f" providerId="ADAL" clId="{61630BD6-9AE9-064C-B39F-AFA945B82B3E}" dt="2021-10-13T19:21:08.267" v="201" actId="20577"/>
-      <pc:docMkLst>
-        <pc:docMk/>
-      </pc:docMkLst>
-      <pc:sldChg chg="modSp mod">
-        <pc:chgData name="Lauren Schutte" userId="6e08b2d3-447a-4d66-86be-444d50df187f" providerId="ADAL" clId="{61630BD6-9AE9-064C-B39F-AFA945B82B3E}" dt="2021-10-13T19:21:08.267" v="201" actId="20577"/>
+        <pc:chgData name="Akilah Johnson" userId="S::akjohnso@adobe.com::2fa3aa60-0c9c-4d06-bae2-795983241227" providerId="AD" clId="Web-{D428A0AE-54E2-30D2-C574-7A0742876CCF}" dt="2021-10-12T19:11:25.330" v="0" actId="20577"/>
         <pc:sldMkLst>
           <pc:docMk/>
           <pc:sldMk cId="0" sldId="256"/>
         </pc:sldMkLst>
         <pc:spChg chg="mod">
-          <ac:chgData name="Lauren Schutte" userId="6e08b2d3-447a-4d66-86be-444d50df187f" providerId="ADAL" clId="{61630BD6-9AE9-064C-B39F-AFA945B82B3E}" dt="2021-10-13T19:03:44.344" v="3" actId="1076"/>
+          <ac:chgData name="Akilah Johnson" userId="S::akjohnso@adobe.com::2fa3aa60-0c9c-4d06-bae2-795983241227" providerId="AD" clId="Web-{D428A0AE-54E2-30D2-C574-7A0742876CCF}" dt="2021-10-12T19:11:25.330" v="0" actId="20577"/>
           <ac:spMkLst>
             <pc:docMk/>
             <pc:sldMk cId="0" sldId="256"/>
-            <ac:spMk id="3" creationId="{00000000-0000-0000-0000-000000000000}"/>
-          </ac:spMkLst>
-        </pc:spChg>
-        <pc:graphicFrameChg chg="mod modGraphic">
-          <ac:chgData name="Lauren Schutte" userId="6e08b2d3-447a-4d66-86be-444d50df187f" providerId="ADAL" clId="{61630BD6-9AE9-064C-B39F-AFA945B82B3E}" dt="2021-10-13T19:21:08.267" v="201" actId="20577"/>
-          <ac:graphicFrameMkLst>
-            <pc:docMk/>
-            <pc:sldMk cId="0" sldId="256"/>
-            <ac:graphicFrameMk id="9" creationId="{00000000-0000-0000-0000-000000000000}"/>
-          </ac:graphicFrameMkLst>
-        </pc:graphicFrameChg>
-      </pc:sldChg>
-    </pc:docChg>
-  </pc:docChgLst>
-  <pc:docChgLst>
-    <pc:chgData name="Andy Witt" userId="S::awitt@adobe.com::e9157bdf-53b2-40e4-9459-936793d75696" providerId="AD" clId="Web-{CA5D33DF-AE75-BCA1-B9BC-A7CD44D2F3C7}"/>
-    <pc:docChg chg="modSld">
-      <pc:chgData name="Andy Witt" userId="S::awitt@adobe.com::e9157bdf-53b2-40e4-9459-936793d75696" providerId="AD" clId="Web-{CA5D33DF-AE75-BCA1-B9BC-A7CD44D2F3C7}" dt="2021-08-25T22:38:18.624" v="1" actId="1076"/>
-      <pc:docMkLst>
-        <pc:docMk/>
-      </pc:docMkLst>
-      <pc:sldChg chg="modSp">
-        <pc:chgData name="Andy Witt" userId="S::awitt@adobe.com::e9157bdf-53b2-40e4-9459-936793d75696" providerId="AD" clId="Web-{CA5D33DF-AE75-BCA1-B9BC-A7CD44D2F3C7}" dt="2021-08-25T22:38:18.624" v="1" actId="1076"/>
-        <pc:sldMkLst>
-          <pc:docMk/>
-          <pc:sldMk cId="1050037809" sldId="261"/>
-        </pc:sldMkLst>
-        <pc:spChg chg="mod">
-          <ac:chgData name="Andy Witt" userId="S::awitt@adobe.com::e9157bdf-53b2-40e4-9459-936793d75696" providerId="AD" clId="Web-{CA5D33DF-AE75-BCA1-B9BC-A7CD44D2F3C7}" dt="2021-08-25T22:38:18.624" v="1" actId="1076"/>
-          <ac:spMkLst>
-            <pc:docMk/>
-            <pc:sldMk cId="1050037809" sldId="261"/>
-            <ac:spMk id="50" creationId="{043050D0-21FC-0C42-8484-7FE7C0DB771F}"/>
+            <ac:spMk id="4" creationId="{00000000-0000-0000-0000-000000000000}"/>
           </ac:spMkLst>
         </pc:spChg>
       </pc:sldChg>
@@ -499,7 +545,7 @@
           <a:p>
             <a:fld id="{FB81873C-0B24-F04A-98A1-90E0A78F7E8A}" type="datetimeFigureOut">
               <a:rPr lang="en-US" smtClean="0"/>
-              <a:t>12-Nov-21</a:t>
+              <a:t>1/20/22</a:t>
             </a:fld>
             <a:endParaRPr lang="en-US"/>
           </a:p>
@@ -1122,7 +1168,7 @@
           <a:p>
             <a:fld id="{1D8BD707-D9CF-40AE-B4C6-C98DA3205C09}" type="datetimeFigureOut">
               <a:rPr lang="en-US"/>
-              <a:t>12-Nov-21</a:t>
+              <a:t>1/20/22</a:t>
             </a:fld>
             <a:endParaRPr lang="en-US"/>
           </a:p>
@@ -1314,7 +1360,7 @@
           <a:p>
             <a:fld id="{1D8BD707-D9CF-40AE-B4C6-C98DA3205C09}" type="datetimeFigureOut">
               <a:rPr lang="en-US"/>
-              <a:t>12-Nov-21</a:t>
+              <a:t>1/20/22</a:t>
             </a:fld>
             <a:endParaRPr lang="en-US"/>
           </a:p>
@@ -1632,7 +1678,7 @@
           <a:p>
             <a:fld id="{1D8BD707-D9CF-40AE-B4C6-C98DA3205C09}" type="datetimeFigureOut">
               <a:rPr lang="en-US"/>
-              <a:t>12-Nov-21</a:t>
+              <a:t>1/20/22</a:t>
             </a:fld>
             <a:endParaRPr lang="en-US"/>
           </a:p>
@@ -1886,8 +1932,8 @@
         </p:nvSpPr>
         <p:spPr>
           <a:xfrm>
-            <a:off x="168564" y="6742823"/>
-            <a:ext cx="5222585" cy="227626"/>
+            <a:off x="168565" y="7162363"/>
+            <a:ext cx="2800350" cy="238760"/>
           </a:xfrm>
           <a:prstGeom prst="rect">
             <a:avLst/>
@@ -1908,7 +1954,7 @@
               </a:spcBef>
             </a:pPr>
             <a:r>
-              <a:rPr lang="fr-FR" sz="1400" b="1" u="heavy" dirty="0">
+              <a:rPr sz="1400" b="1" u="heavy" spc="10">
                 <a:solidFill>
                   <a:srgbClr val="020302"/>
                 </a:solidFill>
@@ -1920,8 +1966,87 @@
                 <a:latin typeface="Adobe Clean"/>
                 <a:cs typeface="Adobe Clean"/>
               </a:rPr>
-              <a:t>Cibles du niveau de service : Réponse initiale</a:t>
-            </a:r>
+              <a:t>Service </a:t>
+            </a:r>
+            <a:r>
+              <a:rPr sz="1400" b="1" u="heavy" spc="-10">
+                <a:solidFill>
+                  <a:srgbClr val="020302"/>
+                </a:solidFill>
+                <a:uFill>
+                  <a:solidFill>
+                    <a:srgbClr val="020302"/>
+                  </a:solidFill>
+                </a:uFill>
+                <a:latin typeface="Adobe Clean"/>
+                <a:cs typeface="Adobe Clean"/>
+              </a:rPr>
+              <a:t>Level </a:t>
+            </a:r>
+            <a:r>
+              <a:rPr sz="1400" b="1" u="heavy" spc="-45">
+                <a:solidFill>
+                  <a:srgbClr val="020302"/>
+                </a:solidFill>
+                <a:uFill>
+                  <a:solidFill>
+                    <a:srgbClr val="020302"/>
+                  </a:solidFill>
+                </a:uFill>
+                <a:latin typeface="Adobe Clean"/>
+                <a:cs typeface="Adobe Clean"/>
+              </a:rPr>
+              <a:t>Targets: </a:t>
+            </a:r>
+            <a:r>
+              <a:rPr sz="1400" b="1" u="heavy" spc="-10">
+                <a:solidFill>
+                  <a:srgbClr val="020302"/>
+                </a:solidFill>
+                <a:uFill>
+                  <a:solidFill>
+                    <a:srgbClr val="020302"/>
+                  </a:solidFill>
+                </a:uFill>
+                <a:latin typeface="Adobe Clean"/>
+                <a:cs typeface="Adobe Clean"/>
+              </a:rPr>
+              <a:t>Initial</a:t>
+            </a:r>
+            <a:r>
+              <a:rPr sz="1400" b="1" u="heavy" spc="-140">
+                <a:solidFill>
+                  <a:srgbClr val="020302"/>
+                </a:solidFill>
+                <a:uFill>
+                  <a:solidFill>
+                    <a:srgbClr val="020302"/>
+                  </a:solidFill>
+                </a:uFill>
+                <a:latin typeface="Adobe Clean"/>
+                <a:cs typeface="Adobe Clean"/>
+              </a:rPr>
+              <a:t> </a:t>
+            </a:r>
+            <a:r>
+              <a:rPr sz="1400" b="1" u="heavy" spc="-15">
+                <a:solidFill>
+                  <a:srgbClr val="020302"/>
+                </a:solidFill>
+                <a:uFill>
+                  <a:solidFill>
+                    <a:srgbClr val="020302"/>
+                  </a:solidFill>
+                </a:uFill>
+                <a:latin typeface="Adobe Clean"/>
+                <a:cs typeface="Adobe Clean"/>
+              </a:rPr>
+              <a:t>Response</a:t>
+            </a:r>
+            <a:endParaRPr sz="1400">
+              <a:latin typeface="Adobe Clean"/>
+              <a:cs typeface="Adobe Clean"/>
+            </a:endParaRPr>
           </a:p>
         </p:txBody>
       </p:sp>
@@ -1988,11 +2113,20 @@
               </a:spcBef>
             </a:pPr>
             <a:r>
-              <a:rPr lang="fr-FR" sz="2300">
+              <a:rPr sz="2300">
                 <a:latin typeface="Adobe Clean"/>
               </a:rPr>
-              <a:t>PLANS D’ASSISTANCE ADOBE</a:t>
-            </a:r>
+              <a:t>ADOBE </a:t>
+            </a:r>
+            <a:r>
+              <a:rPr lang="en-US" sz="2300">
+                <a:latin typeface="Adobe Clean"/>
+              </a:rPr>
+              <a:t>SUPPORT PLANS</a:t>
+            </a:r>
+            <a:endParaRPr sz="2300">
+              <a:latin typeface="Adobe Clean" panose="020B0503020404020204" pitchFamily="34" charset="0"/>
+            </a:endParaRPr>
           </a:p>
         </p:txBody>
       </p:sp>
@@ -2005,7 +2139,7 @@
         <p:spPr>
           <a:xfrm>
             <a:off x="121147" y="531160"/>
-            <a:ext cx="5865216" cy="1421223"/>
+            <a:ext cx="5865216" cy="1269065"/>
           </a:xfrm>
           <a:prstGeom prst="rect">
             <a:avLst/>
@@ -2026,31 +2160,31 @@
               </a:spcBef>
             </a:pPr>
             <a:r>
-              <a:rPr lang="fr-FR" sz="800" dirty="0">
+              <a:rPr lang="en-US" sz="900" dirty="0">
                 <a:solidFill>
                   <a:schemeClr val="bg1"/>
                 </a:solidFill>
                 <a:latin typeface="Adobe Clean Light" panose="020B0303020404020204" pitchFamily="34" charset="0"/>
               </a:rPr>
-              <a:t>En ligne | </a:t>
-            </a:r>
-            <a:r>
-              <a:rPr lang="fr-FR" sz="800" b="1" dirty="0">
+              <a:t>Standard | </a:t>
+            </a:r>
+            <a:r>
+              <a:rPr lang="en-US" sz="900" b="1" dirty="0">
                 <a:solidFill>
                   <a:schemeClr val="bg1"/>
                 </a:solidFill>
                 <a:latin typeface="Adobe Clean" panose="020B0503020404020204" pitchFamily="34" charset="0"/>
               </a:rPr>
-              <a:t>Commerciale</a:t>
-            </a:r>
-            <a:r>
-              <a:rPr lang="fr-FR" sz="800" dirty="0">
+              <a:t>Business</a:t>
+            </a:r>
+            <a:r>
+              <a:rPr lang="en-US" sz="900" dirty="0">
                 <a:solidFill>
                   <a:schemeClr val="bg1"/>
                 </a:solidFill>
                 <a:latin typeface="Adobe Clean Light" panose="020B0303020404020204" pitchFamily="34" charset="0"/>
               </a:rPr>
-              <a:t> | Entreprise | Elite</a:t>
+              <a:t> | Enterprise | Elite</a:t>
             </a:r>
           </a:p>
           <a:p>
@@ -2063,101 +2197,21 @@
               </a:spcBef>
             </a:pPr>
             <a:r>
-              <a:rPr lang="fr-FR" sz="800" dirty="0">
+              <a:rPr lang="en-US" sz="900" dirty="0">
                 <a:solidFill>
                   <a:schemeClr val="bg1"/>
                 </a:solidFill>
                 <a:latin typeface="Adobe Clean SemiLight" panose="020B0403020404020204" pitchFamily="34" charset="0"/>
               </a:rPr>
-              <a:t>Adobe offre une gamme complète de ressources techniques afin d’appuyer votre entreprise. Elles sont comprises dans votre abonnement </a:t>
-            </a:r>
-            <a:br>
-              <a:rPr lang="fr-FR" sz="800" dirty="0">
-                <a:solidFill>
-                  <a:schemeClr val="bg1"/>
-                </a:solidFill>
-                <a:latin typeface="Adobe Clean SemiLight" panose="020B0403020404020204" pitchFamily="34" charset="0"/>
-              </a:rPr>
-            </a:br>
-            <a:r>
-              <a:rPr lang="fr-FR" sz="800" dirty="0">
-                <a:solidFill>
-                  <a:schemeClr val="bg1"/>
-                </a:solidFill>
-                <a:latin typeface="Adobe Clean SemiLight" panose="020B0403020404020204" pitchFamily="34" charset="0"/>
-              </a:rPr>
-              <a:t>à la licence </a:t>
-            </a:r>
-            <a:r>
-              <a:rPr lang="fr-FR" sz="800" dirty="0" err="1">
-                <a:solidFill>
-                  <a:schemeClr val="bg1"/>
-                </a:solidFill>
-                <a:latin typeface="Adobe Clean SemiLight" panose="020B0403020404020204" pitchFamily="34" charset="0"/>
-              </a:rPr>
-              <a:t>Experience</a:t>
-            </a:r>
-            <a:r>
-              <a:rPr lang="fr-FR" sz="800" dirty="0">
-                <a:solidFill>
-                  <a:schemeClr val="bg1"/>
-                </a:solidFill>
-                <a:latin typeface="Adobe Clean SemiLight" panose="020B0403020404020204" pitchFamily="34" charset="0"/>
-              </a:rPr>
-              <a:t> Cloud et sont améliorées dans le pack d’assistance COMMERCIALE. L’assistance COMMERCIALE comprend un accès </a:t>
-            </a:r>
-            <a:br>
-              <a:rPr lang="fr-FR" sz="800" dirty="0">
-                <a:solidFill>
-                  <a:schemeClr val="bg1"/>
-                </a:solidFill>
-                <a:latin typeface="Adobe Clean SemiLight" panose="020B0403020404020204" pitchFamily="34" charset="0"/>
-              </a:rPr>
-            </a:br>
-            <a:r>
-              <a:rPr lang="fr-FR" sz="800" dirty="0">
-                <a:solidFill>
-                  <a:schemeClr val="bg1"/>
-                </a:solidFill>
-                <a:latin typeface="Adobe Clean SemiLight" panose="020B0403020404020204" pitchFamily="34" charset="0"/>
-              </a:rPr>
-              <a:t>à des parcours de formation personnalisés et à des forums communautaires surveillés au travers d’</a:t>
-            </a:r>
-            <a:r>
-              <a:rPr lang="fr-FR" sz="800" dirty="0" err="1">
-                <a:solidFill>
-                  <a:schemeClr val="bg1"/>
-                </a:solidFill>
-                <a:latin typeface="Adobe Clean SemiLight" panose="020B0403020404020204" pitchFamily="34" charset="0"/>
-              </a:rPr>
-              <a:t>Experience</a:t>
-            </a:r>
-            <a:r>
-              <a:rPr lang="fr-FR" sz="800" dirty="0">
-                <a:solidFill>
-                  <a:schemeClr val="bg1"/>
-                </a:solidFill>
-                <a:latin typeface="Adobe Clean SemiLight" panose="020B0403020404020204" pitchFamily="34" charset="0"/>
-              </a:rPr>
-              <a:t> League d’Adobe. Vous pouvez également tirer profit de notre documentation technique détaillée et approfondie sur les produits, ainsi que de nos notes de mise à jour actuelles. Les clients de COMMERCIALE bénéficient également d’un accès à nos équipes d’assistance technique pour toute requête concernant un produit. Cette requête peut être effectuée par téléphone ou via le portail web de l’assistance et permet de protéger votre entreprise aux moments les plus critiques. Les clients de COMMERCIALE recevront régulièrement des informations et des mises à jour de la part de leur assistance principale </a:t>
-            </a:r>
-            <a:br>
-              <a:rPr lang="fr-FR" sz="800" dirty="0">
-                <a:solidFill>
-                  <a:schemeClr val="bg1"/>
-                </a:solidFill>
-                <a:latin typeface="Adobe Clean SemiLight" panose="020B0403020404020204" pitchFamily="34" charset="0"/>
-              </a:rPr>
-            </a:br>
-            <a:r>
-              <a:rPr lang="fr-FR" sz="800" dirty="0">
-                <a:solidFill>
-                  <a:schemeClr val="bg1"/>
-                </a:solidFill>
-                <a:latin typeface="Adobe Clean SemiLight" panose="020B0403020404020204" pitchFamily="34" charset="0"/>
-              </a:rPr>
-              <a:t>du compte en plus d’une aide de gestion des remontées de cas en ce qui concerne les requêtes d’assistance les plus critiques. </a:t>
-            </a:r>
+              <a:t>Adobe provides a comprehensive range of technical resources to help support your business, included as part of your Experience Cloud license subscription and enhanced in the BUSINESS support package. BUSINESS support includes access to personalized learning paths and monitored community forums via the Adobe Experience League. You can also take advantage of our detailed and in-depth technical product documentation and current release notes. BUSINESS customers also benefit from access to our technical support teams for any product query via either the telephone or the support web portal, to help protect your business at the most critical times. BUSINESS customers will receive regular communications and updates from their Account Support Lead in addition to support case escalation management for your most critical of support requests. </a:t>
+            </a:r>
+            <a:endParaRPr lang="en-US" sz="900" dirty="0">
+              <a:solidFill>
+                <a:schemeClr val="bg1"/>
+              </a:solidFill>
+              <a:latin typeface="Adobe Clean Light" panose="020B0303020404020204" pitchFamily="34" charset="0"/>
+              <a:cs typeface="AdobeClean-Light"/>
+            </a:endParaRPr>
           </a:p>
         </p:txBody>
       </p:sp>
@@ -2202,8 +2256,8 @@
         </p:nvSpPr>
         <p:spPr>
           <a:xfrm>
-            <a:off x="4881563" y="9862966"/>
-            <a:ext cx="2890836" cy="132729"/>
+            <a:off x="5307201" y="9862966"/>
+            <a:ext cx="2465198" cy="132729"/>
           </a:xfrm>
           <a:prstGeom prst="rect">
             <a:avLst/>
@@ -2224,24 +2278,24 @@
               </a:spcBef>
             </a:pPr>
             <a:r>
-              <a:rPr lang="fr-FR" dirty="0"/>
-              <a:t>©2021 Adobe. All </a:t>
-            </a:r>
-            <a:r>
-              <a:rPr lang="fr-FR" dirty="0" err="1"/>
-              <a:t>Rights</a:t>
-            </a:r>
-            <a:r>
-              <a:rPr lang="fr-FR" dirty="0"/>
+              <a:rPr spc="-5"/>
+              <a:t>©202</a:t>
+            </a:r>
+            <a:r>
+              <a:rPr lang="en-US" spc="-5"/>
+              <a:t>1</a:t>
+            </a:r>
+            <a:r>
+              <a:rPr spc="-5"/>
+              <a:t> Adobe. All Rights Reserved. Adobe</a:t>
+            </a:r>
+            <a:r>
+              <a:rPr spc="60"/>
               <a:t> </a:t>
             </a:r>
             <a:r>
-              <a:rPr lang="fr-FR" dirty="0" err="1"/>
-              <a:t>Reserved</a:t>
-            </a:r>
-            <a:r>
-              <a:rPr lang="fr-FR" dirty="0"/>
-              <a:t>. Données confidentielles Adobe</a:t>
+              <a:rPr spc="-5"/>
+              <a:t>Confidential.</a:t>
             </a:r>
           </a:p>
         </p:txBody>
@@ -2255,14 +2309,14 @@
           <p:nvPr>
             <p:extLst>
               <p:ext uri="{D42A27DB-BD31-4B8C-83A1-F6EECF244321}">
-                <p14:modId xmlns:p14="http://schemas.microsoft.com/office/powerpoint/2010/main" val="7517955"/>
+                <p14:modId xmlns:p14="http://schemas.microsoft.com/office/powerpoint/2010/main" val="2485809364"/>
               </p:ext>
             </p:extLst>
           </p:nvPr>
         </p:nvGraphicFramePr>
         <p:xfrm>
-          <a:off x="118872" y="7056445"/>
-          <a:ext cx="7498851" cy="2440625"/>
+          <a:off x="118872" y="7475985"/>
+          <a:ext cx="7498851" cy="2223598"/>
         </p:xfrm>
         <a:graphic>
           <a:graphicData uri="http://schemas.openxmlformats.org/drawingml/2006/table">
@@ -2308,15 +2362,19 @@
                         </a:spcBef>
                       </a:pPr>
                       <a:r>
-                        <a:rPr lang="fr-FR" sz="900">
+                        <a:rPr sz="900" spc="0">
                           <a:solidFill>
                             <a:srgbClr val="020302"/>
                           </a:solidFill>
                           <a:latin typeface="Adobe Clean"/>
                           <a:cs typeface="Adobe Clean"/>
                         </a:rPr>
-                        <a:t>Priorité</a:t>
+                        <a:t>Priority</a:t>
                       </a:r>
+                      <a:endParaRPr sz="900" spc="0">
+                        <a:latin typeface="Adobe Clean"/>
+                        <a:cs typeface="Adobe Clean"/>
+                      </a:endParaRPr>
                     </a:p>
                   </a:txBody>
                   <a:tcPr marL="0" marR="0" marT="7620" marB="0">
@@ -2354,7 +2412,7 @@
                     <a:bodyPr/>
                     <a:lstStyle/>
                     <a:p>
-                      <a:pPr marL="0" indent="0" algn="ctr">
+                      <a:pPr marL="135255" algn="ctr">
                         <a:lnSpc>
                           <a:spcPct val="100000"/>
                         </a:lnSpc>
@@ -2363,15 +2421,29 @@
                         </a:spcBef>
                       </a:pPr>
                       <a:r>
-                        <a:rPr lang="fr-FR" sz="900" dirty="0">
+                        <a:rPr lang="en-US" sz="900" spc="0" dirty="0">
                           <a:solidFill>
                             <a:srgbClr val="020302"/>
                           </a:solidFill>
                           <a:latin typeface="Adobe Clean"/>
                           <a:cs typeface="Adobe Clean"/>
                         </a:rPr>
-                        <a:t>Assistance en ligne</a:t>
+                        <a:t>Standard</a:t>
                       </a:r>
+                      <a:r>
+                        <a:rPr sz="900" spc="0" dirty="0">
+                          <a:solidFill>
+                            <a:srgbClr val="020302"/>
+                          </a:solidFill>
+                          <a:latin typeface="Adobe Clean"/>
+                          <a:cs typeface="Adobe Clean"/>
+                        </a:rPr>
+                        <a:t> Support</a:t>
+                      </a:r>
+                      <a:endParaRPr sz="900" spc="0" dirty="0">
+                        <a:latin typeface="Adobe Clean"/>
+                        <a:cs typeface="Adobe Clean"/>
+                      </a:endParaRPr>
                     </a:p>
                   </a:txBody>
                   <a:tcPr marL="182880" marT="91440" anchor="ctr">
@@ -2409,7 +2481,7 @@
                     <a:bodyPr/>
                     <a:lstStyle/>
                     <a:p>
-                      <a:pPr marL="0" indent="0">
+                      <a:pPr marL="92710">
                         <a:lnSpc>
                           <a:spcPct val="100000"/>
                         </a:lnSpc>
@@ -2418,15 +2490,39 @@
                         </a:spcBef>
                       </a:pPr>
                       <a:r>
-                        <a:rPr lang="fr-FR" sz="900" dirty="0">
+                        <a:rPr sz="900" spc="0">
                           <a:solidFill>
                             <a:srgbClr val="FFFFFF"/>
                           </a:solidFill>
                           <a:latin typeface="Adobe Clean"/>
                           <a:cs typeface="Adobe Clean"/>
                         </a:rPr>
-                        <a:t>Assistance commerciale</a:t>
+                        <a:t>Business</a:t>
                       </a:r>
+                      <a:r>
+                        <a:rPr lang="en-US" sz="900" spc="0">
+                          <a:solidFill>
+                            <a:srgbClr val="FFFFFF"/>
+                          </a:solidFill>
+                          <a:latin typeface="Adobe Clean"/>
+                          <a:cs typeface="Adobe Clean"/>
+                        </a:rPr>
+                        <a:t> </a:t>
+                      </a:r>
+                      <a:r>
+                        <a:rPr sz="900" spc="0">
+                          <a:solidFill>
+                            <a:srgbClr val="FFFFFF"/>
+                          </a:solidFill>
+                          <a:latin typeface="Adobe Clean"/>
+                          <a:cs typeface="Adobe Clean"/>
+                        </a:rPr>
+                        <a:t>Support</a:t>
+                      </a:r>
+                      <a:endParaRPr sz="900" spc="0">
+                        <a:latin typeface="Adobe Clean"/>
+                        <a:cs typeface="Adobe Clean"/>
+                      </a:endParaRPr>
                     </a:p>
                   </a:txBody>
                   <a:tcPr marL="182880" marT="91440" anchor="ctr">
@@ -2465,7 +2561,7 @@
                   </a:ext>
                 </a:extLst>
               </a:tr>
-              <a:tr h="662832">
+              <a:tr h="514672">
                 <a:tc>
                   <a:txBody>
                     <a:bodyPr/>
@@ -2480,15 +2576,19 @@
                         </a:spcBef>
                       </a:pPr>
                       <a:r>
-                        <a:rPr lang="fr-FR" sz="900" b="1" dirty="0">
+                        <a:rPr sz="900" b="1" spc="0">
                           <a:solidFill>
                             <a:srgbClr val="020302"/>
                           </a:solidFill>
                           <a:latin typeface="Adobe Clean"/>
                           <a:cs typeface="Adobe Clean"/>
                         </a:rPr>
-                        <a:t>PRIORITÉ 1</a:t>
+                        <a:t>PRIORITY 1</a:t>
                       </a:r>
+                      <a:endParaRPr sz="900" spc="0">
+                        <a:latin typeface="Adobe Clean"/>
+                        <a:cs typeface="Adobe Clean"/>
+                      </a:endParaRPr>
                     </a:p>
                     <a:p>
                       <a:pPr marL="50800" marR="387985" lvl="0" indent="0" algn="l" defTabSz="914400" rtl="0" eaLnBrk="1" fontAlgn="auto" latinLnBrk="0" hangingPunct="1">
@@ -2509,48 +2609,19 @@
                         <a:defRPr/>
                       </a:pPr>
                       <a:r>
-                        <a:rPr lang="fr-FR" sz="900" b="0" i="0" dirty="0">
+                        <a:rPr lang="en-US" sz="900" b="0" i="0" spc="0">
                           <a:solidFill>
                             <a:srgbClr val="000000"/>
                           </a:solidFill>
+                          <a:effectLst/>
                           <a:latin typeface="Adobe Clean Light" panose="020B0303020404020204" pitchFamily="34" charset="0"/>
                         </a:rPr>
-                        <a:t>Les fonctions commerciales de production du client sont en panne ou présentent une perte </a:t>
+                        <a:t>Customer's production business functions are down or have significant data loss or service degradation and immediate attention is required to restore functionality and usability</a:t>
                       </a:r>
-                      <a:br>
-                        <a:rPr lang="fr-FR" sz="900" b="0" i="0" dirty="0">
-                          <a:solidFill>
-                            <a:srgbClr val="000000"/>
-                          </a:solidFill>
-                          <a:latin typeface="Adobe Clean Light" panose="020B0303020404020204" pitchFamily="34" charset="0"/>
-                        </a:rPr>
-                      </a:br>
-                      <a:r>
-                        <a:rPr lang="fr-FR" sz="900" b="0" i="0" dirty="0">
-                          <a:solidFill>
-                            <a:srgbClr val="000000"/>
-                          </a:solidFill>
-                          <a:latin typeface="Adobe Clean Light" panose="020B0303020404020204" pitchFamily="34" charset="0"/>
-                        </a:rPr>
-                        <a:t>de données ou une dégradation importante du service. Une attention immédiate est requise </a:t>
-                      </a:r>
-                      <a:br>
-                        <a:rPr lang="fr-FR" sz="900" b="0" i="0" dirty="0">
-                          <a:solidFill>
-                            <a:srgbClr val="000000"/>
-                          </a:solidFill>
-                          <a:latin typeface="Adobe Clean Light" panose="020B0303020404020204" pitchFamily="34" charset="0"/>
-                        </a:rPr>
-                      </a:br>
-                      <a:r>
-                        <a:rPr lang="fr-FR" sz="900" b="0" i="0" dirty="0">
-                          <a:solidFill>
-                            <a:srgbClr val="000000"/>
-                          </a:solidFill>
-                          <a:latin typeface="Adobe Clean Light" panose="020B0303020404020204" pitchFamily="34" charset="0"/>
-                        </a:rPr>
-                        <a:t>afin de restaurer les fonctionnalités et l’accessibilité</a:t>
-                      </a:r>
+                      <a:endParaRPr lang="en-US" sz="900" b="0" i="0" spc="0">
+                        <a:latin typeface="Adobe Clean Light" panose="020B0303020404020204" pitchFamily="34" charset="0"/>
+                        <a:cs typeface="AdobeClean-Light"/>
+                      </a:endParaRPr>
                     </a:p>
                   </a:txBody>
                   <a:tcPr marL="0" marR="0" marT="3810" marB="0">
@@ -2594,15 +2665,59 @@
                         </a:spcBef>
                       </a:pPr>
                       <a:r>
-                        <a:rPr lang="fr-FR" sz="900">
+                        <a:rPr sz="900" spc="0">
                           <a:solidFill>
                             <a:srgbClr val="020302"/>
                           </a:solidFill>
                           <a:latin typeface="AdobeClean-Light"/>
                           <a:cs typeface="AdobeClean-Light"/>
                         </a:rPr>
-                        <a:t>24x7 / 1 heure</a:t>
+                        <a:t>24x7</a:t>
                       </a:r>
+                      <a:r>
+                        <a:rPr lang="en-US" sz="900" spc="0">
+                          <a:solidFill>
+                            <a:srgbClr val="020302"/>
+                          </a:solidFill>
+                          <a:latin typeface="AdobeClean-Light"/>
+                          <a:cs typeface="AdobeClean-Light"/>
+                        </a:rPr>
+                        <a:t> </a:t>
+                      </a:r>
+                      <a:r>
+                        <a:rPr sz="900" spc="0">
+                          <a:solidFill>
+                            <a:srgbClr val="020302"/>
+                          </a:solidFill>
+                          <a:latin typeface="AdobeClean-Light"/>
+                          <a:cs typeface="AdobeClean-Light"/>
+                        </a:rPr>
+                        <a:t>/</a:t>
+                      </a:r>
+                      <a:r>
+                        <a:rPr lang="en-US" sz="900" spc="0">
+                          <a:solidFill>
+                            <a:srgbClr val="020302"/>
+                          </a:solidFill>
+                          <a:latin typeface="AdobeClean-Light"/>
+                          <a:cs typeface="AdobeClean-Light"/>
+                        </a:rPr>
+                        <a:t> </a:t>
+                      </a:r>
+                      <a:r>
+                        <a:rPr sz="900" spc="0">
+                          <a:solidFill>
+                            <a:srgbClr val="020302"/>
+                          </a:solidFill>
+                          <a:latin typeface="AdobeClean-Light"/>
+                          <a:cs typeface="AdobeClean-Light"/>
+                        </a:rPr>
+                        <a:t>1 hour</a:t>
+                      </a:r>
+                      <a:endParaRPr sz="900" spc="0">
+                        <a:latin typeface="AdobeClean-Light"/>
+                        <a:cs typeface="AdobeClean-Light"/>
+                      </a:endParaRPr>
                     </a:p>
                   </a:txBody>
                   <a:tcPr marL="0" marR="0" marT="91440" marB="91440" anchor="ctr" anchorCtr="1">
@@ -2646,15 +2761,59 @@
                         </a:spcBef>
                       </a:pPr>
                       <a:r>
-                        <a:rPr lang="fr-FR" sz="900">
+                        <a:rPr sz="900" spc="0">
                           <a:solidFill>
                             <a:srgbClr val="020302"/>
                           </a:solidFill>
                           <a:latin typeface="AdobeClean-Light"/>
                           <a:cs typeface="AdobeClean-Light"/>
                         </a:rPr>
-                        <a:t>24x7 / 1 heure</a:t>
+                        <a:t>24x7</a:t>
                       </a:r>
+                      <a:r>
+                        <a:rPr lang="en-US" sz="900" spc="0">
+                          <a:solidFill>
+                            <a:srgbClr val="020302"/>
+                          </a:solidFill>
+                          <a:latin typeface="AdobeClean-Light"/>
+                          <a:cs typeface="AdobeClean-Light"/>
+                        </a:rPr>
+                        <a:t> </a:t>
+                      </a:r>
+                      <a:r>
+                        <a:rPr sz="900" spc="0">
+                          <a:solidFill>
+                            <a:srgbClr val="020302"/>
+                          </a:solidFill>
+                          <a:latin typeface="AdobeClean-Light"/>
+                          <a:cs typeface="AdobeClean-Light"/>
+                        </a:rPr>
+                        <a:t>/</a:t>
+                      </a:r>
+                      <a:r>
+                        <a:rPr lang="en-US" sz="900" spc="0">
+                          <a:solidFill>
+                            <a:srgbClr val="020302"/>
+                          </a:solidFill>
+                          <a:latin typeface="AdobeClean-Light"/>
+                          <a:cs typeface="AdobeClean-Light"/>
+                        </a:rPr>
+                        <a:t> </a:t>
+                      </a:r>
+                      <a:r>
+                        <a:rPr sz="900" spc="0">
+                          <a:solidFill>
+                            <a:srgbClr val="020302"/>
+                          </a:solidFill>
+                          <a:latin typeface="AdobeClean-Light"/>
+                          <a:cs typeface="AdobeClean-Light"/>
+                        </a:rPr>
+                        <a:t>1 hour</a:t>
+                      </a:r>
+                      <a:endParaRPr sz="900" spc="0">
+                        <a:latin typeface="AdobeClean-Light"/>
+                        <a:cs typeface="AdobeClean-Light"/>
+                      </a:endParaRPr>
                     </a:p>
                   </a:txBody>
                   <a:tcPr marL="0" marR="0" marT="91440" marB="91440" anchor="ctr" anchorCtr="1">
@@ -2710,15 +2869,19 @@
                         </a:spcBef>
                       </a:pPr>
                       <a:r>
-                        <a:rPr lang="fr-FR" sz="900" b="1">
+                        <a:rPr sz="900" b="1" spc="0">
                           <a:solidFill>
                             <a:srgbClr val="020302"/>
                           </a:solidFill>
                           <a:latin typeface="Adobe Clean"/>
                           <a:cs typeface="Adobe Clean"/>
                         </a:rPr>
-                        <a:t>PRIORITÉ 2</a:t>
+                        <a:t>PRIORITY 2</a:t>
                       </a:r>
+                      <a:endParaRPr sz="900" spc="0">
+                        <a:latin typeface="Adobe Clean"/>
+                        <a:cs typeface="Adobe Clean"/>
+                      </a:endParaRPr>
                     </a:p>
                     <a:p>
                       <a:pPr marL="50165" marR="203200">
@@ -2730,14 +2893,19 @@
                         </a:spcBef>
                       </a:pPr>
                       <a:r>
-                        <a:rPr lang="fr-FR" sz="900" b="0" i="0">
+                        <a:rPr lang="en-US" sz="900" b="0" i="0" spc="0">
                           <a:solidFill>
                             <a:srgbClr val="000000"/>
                           </a:solidFill>
+                          <a:effectLst/>
                           <a:latin typeface="Adobe Clean Light" panose="020B0303020404020204" pitchFamily="34" charset="0"/>
                         </a:rPr>
-                        <a:t>Les fonctions commerciales du client présentent une dégradation importante du service ou une perte potentielle de données. Il est également possible qu’une fonctionnalité majeure soit affectée </a:t>
+                        <a:t>Customer's business functions have major service degradation or potential data loss, or a major feature is impacted </a:t>
                       </a:r>
+                      <a:endParaRPr lang="en-US" sz="900" b="0" i="0" spc="0">
+                        <a:latin typeface="Adobe Clean Light" panose="020B0303020404020204" pitchFamily="34" charset="0"/>
+                        <a:cs typeface="AdobeClean-Light"/>
+                      </a:endParaRPr>
                     </a:p>
                   </a:txBody>
                   <a:tcPr marL="0" marR="0" marT="3810" marB="0">
@@ -2781,15 +2949,79 @@
                         </a:spcBef>
                       </a:pPr>
                       <a:r>
-                        <a:rPr lang="fr-FR" sz="900">
+                        <a:rPr sz="900" spc="0">
                           <a:solidFill>
                             <a:srgbClr val="020302"/>
                           </a:solidFill>
                           <a:latin typeface="AdobeClean-Light"/>
                           <a:cs typeface="AdobeClean-Light"/>
                         </a:rPr>
-                        <a:t>Heures d’ouverture / 4 heures</a:t>
+                        <a:t>Business</a:t>
                       </a:r>
+                      <a:r>
+                        <a:rPr lang="en-US" sz="900" spc="0">
+                          <a:solidFill>
+                            <a:srgbClr val="020302"/>
+                          </a:solidFill>
+                          <a:latin typeface="AdobeClean-Light"/>
+                          <a:cs typeface="AdobeClean-Light"/>
+                        </a:rPr>
+                        <a:t> </a:t>
+                      </a:r>
+                      <a:r>
+                        <a:rPr sz="900" spc="0">
+                          <a:solidFill>
+                            <a:srgbClr val="020302"/>
+                          </a:solidFill>
+                          <a:latin typeface="AdobeClean-Light"/>
+                          <a:cs typeface="AdobeClean-Light"/>
+                        </a:rPr>
+                        <a:t>hours</a:t>
+                      </a:r>
+                      <a:r>
+                        <a:rPr lang="en-US" sz="900" spc="0">
+                          <a:solidFill>
+                            <a:srgbClr val="020302"/>
+                          </a:solidFill>
+                          <a:latin typeface="AdobeClean-Light"/>
+                          <a:cs typeface="AdobeClean-Light"/>
+                        </a:rPr>
+                        <a:t> </a:t>
+                      </a:r>
+                      <a:r>
+                        <a:rPr sz="900" spc="0">
+                          <a:solidFill>
+                            <a:srgbClr val="020302"/>
+                          </a:solidFill>
+                          <a:latin typeface="AdobeClean-Light"/>
+                          <a:cs typeface="AdobeClean-Light"/>
+                        </a:rPr>
+                        <a:t>/</a:t>
+                      </a:r>
+                      <a:r>
+                        <a:rPr lang="en-US" sz="900" spc="0">
+                          <a:solidFill>
+                            <a:srgbClr val="020302"/>
+                          </a:solidFill>
+                          <a:latin typeface="AdobeClean-Light"/>
+                          <a:cs typeface="AdobeClean-Light"/>
+                        </a:rPr>
+                        <a:t> </a:t>
+                      </a:r>
+                      <a:r>
+                        <a:rPr sz="900" spc="0">
+                          <a:solidFill>
+                            <a:srgbClr val="020302"/>
+                          </a:solidFill>
+                          <a:latin typeface="AdobeClean-Light"/>
+                          <a:cs typeface="AdobeClean-Light"/>
+                        </a:rPr>
+                        <a:t>4 hours</a:t>
+                      </a:r>
+                      <a:endParaRPr sz="900" spc="0">
+                        <a:latin typeface="AdobeClean-Light"/>
+                        <a:cs typeface="AdobeClean-Light"/>
+                      </a:endParaRPr>
                     </a:p>
                   </a:txBody>
                   <a:tcPr marL="0" marR="0" marT="91440" marB="91440" anchor="ctr" anchorCtr="1">
@@ -2833,15 +3065,89 @@
                         </a:spcBef>
                       </a:pPr>
                       <a:r>
-                        <a:rPr lang="fr-FR" sz="900">
+                        <a:rPr lang="en-US" sz="900" spc="0">
                           <a:solidFill>
                             <a:srgbClr val="020302"/>
                           </a:solidFill>
                           <a:latin typeface="AdobeClean-Light"/>
                           <a:cs typeface="AdobeClean-Light"/>
                         </a:rPr>
-                        <a:t>    Heures d’ouverture / 2 heures</a:t>
+                        <a:t>    </a:t>
                       </a:r>
+                      <a:r>
+                        <a:rPr sz="900" spc="0">
+                          <a:solidFill>
+                            <a:srgbClr val="020302"/>
+                          </a:solidFill>
+                          <a:latin typeface="AdobeClean-Light"/>
+                          <a:cs typeface="AdobeClean-Light"/>
+                        </a:rPr>
+                        <a:t>Business</a:t>
+                      </a:r>
+                      <a:r>
+                        <a:rPr lang="en-US" sz="900" spc="0">
+                          <a:solidFill>
+                            <a:srgbClr val="020302"/>
+                          </a:solidFill>
+                          <a:latin typeface="AdobeClean-Light"/>
+                          <a:cs typeface="AdobeClean-Light"/>
+                        </a:rPr>
+                        <a:t> </a:t>
+                      </a:r>
+                      <a:r>
+                        <a:rPr sz="900" spc="0">
+                          <a:solidFill>
+                            <a:srgbClr val="020302"/>
+                          </a:solidFill>
+                          <a:latin typeface="AdobeClean-Light"/>
+                          <a:cs typeface="AdobeClean-Light"/>
+                        </a:rPr>
+                        <a:t>hours</a:t>
+                      </a:r>
+                      <a:r>
+                        <a:rPr lang="en-US" sz="900" spc="0">
+                          <a:solidFill>
+                            <a:srgbClr val="020302"/>
+                          </a:solidFill>
+                          <a:latin typeface="AdobeClean-Light"/>
+                          <a:cs typeface="AdobeClean-Light"/>
+                        </a:rPr>
+                        <a:t> / </a:t>
+                      </a:r>
+                      <a:r>
+                        <a:rPr sz="900" spc="0">
+                          <a:solidFill>
+                            <a:srgbClr val="020302"/>
+                          </a:solidFill>
+                          <a:latin typeface="AdobeClean-Light"/>
+                          <a:cs typeface="AdobeClean-Light"/>
+                        </a:rPr>
+                        <a:t>2</a:t>
+                      </a:r>
+                      <a:r>
+                        <a:rPr lang="en-US" sz="900" spc="0">
+                          <a:solidFill>
+                            <a:srgbClr val="020302"/>
+                          </a:solidFill>
+                          <a:latin typeface="AdobeClean-Light"/>
+                          <a:cs typeface="AdobeClean-Light"/>
+                        </a:rPr>
+                        <a:t> </a:t>
+                      </a:r>
+                      <a:r>
+                        <a:rPr sz="900" spc="0">
+                          <a:solidFill>
+                            <a:srgbClr val="020302"/>
+                          </a:solidFill>
+                          <a:latin typeface="AdobeClean-Light"/>
+                          <a:cs typeface="AdobeClean-Light"/>
+                        </a:rPr>
+                        <a:t>hours</a:t>
+                      </a:r>
+                      <a:endParaRPr sz="900" spc="0">
+                        <a:latin typeface="AdobeClean-Light"/>
+                        <a:cs typeface="AdobeClean-Light"/>
+                      </a:endParaRPr>
                     </a:p>
                   </a:txBody>
                   <a:tcPr marL="0" marR="0" marT="91440" marB="91440" anchor="ctr" anchorCtr="1">
@@ -2897,15 +3203,19 @@
                         </a:spcBef>
                       </a:pPr>
                       <a:r>
-                        <a:rPr lang="fr-FR" sz="900" b="1">
+                        <a:rPr sz="900" b="1" spc="0">
                           <a:solidFill>
                             <a:srgbClr val="020302"/>
                           </a:solidFill>
                           <a:latin typeface="Adobe Clean"/>
                           <a:cs typeface="Adobe Clean"/>
                         </a:rPr>
-                        <a:t>PRIORITÉ 3</a:t>
+                        <a:t>PRIORITY 3</a:t>
                       </a:r>
+                      <a:endParaRPr sz="900" spc="0">
+                        <a:latin typeface="Adobe Clean"/>
+                        <a:cs typeface="Adobe Clean"/>
+                      </a:endParaRPr>
                     </a:p>
                     <a:p>
                       <a:pPr marL="49530" marR="212090" indent="-2540">
@@ -2917,21 +3227,26 @@
                         </a:spcBef>
                       </a:pPr>
                       <a:r>
-                        <a:rPr kumimoji="0" lang="fr-FR" sz="900" b="0" i="0" u="none" strike="noStrike" cap="none" normalizeH="0" baseline="0" noProof="0">
+                        <a:rPr kumimoji="0" lang="en-US" sz="900" b="0" i="0" u="none" strike="noStrike" kern="1200" cap="none" spc="0" normalizeH="0" baseline="0" noProof="0">
                           <a:ln>
                             <a:noFill/>
                           </a:ln>
                           <a:solidFill>
                             <a:srgbClr val="000000"/>
                           </a:solidFill>
+                          <a:effectLst/>
                           <a:uLnTx/>
                           <a:uFillTx/>
                           <a:latin typeface="Adobe Clean Light" panose="020B0303020404020204" pitchFamily="34" charset="0"/>
                           <a:ea typeface="+mn-ea"/>
                           <a:cs typeface="+mn-cs"/>
                         </a:rPr>
-                        <a:t>Les fonctions commerciales du client présentent une dégradation mineure du service, mais il existe une solution/un moyen permettant aux fonctions commerciales de continuer de fonctionner </a:t>
+                        <a:t>Customer's business functions have minor service degradation but there exists a solution/workaround allowing business functions to continue </a:t>
                       </a:r>
+                      <a:endParaRPr lang="en-US" sz="900" b="0" i="0" spc="0">
+                        <a:latin typeface="Adobe Clean Light" panose="020B0303020404020204" pitchFamily="34" charset="0"/>
+                        <a:cs typeface="AdobeClean-Light"/>
+                      </a:endParaRPr>
                     </a:p>
                   </a:txBody>
                   <a:tcPr marL="0" marR="0" marT="3810" marB="0">
@@ -2975,15 +3290,89 @@
                         </a:spcBef>
                       </a:pPr>
                       <a:r>
-                        <a:rPr lang="fr-FR" sz="900">
+                        <a:rPr lang="en-US" sz="900" spc="0">
                           <a:solidFill>
                             <a:srgbClr val="020302"/>
                           </a:solidFill>
                           <a:latin typeface="AdobeClean-Light"/>
                           <a:cs typeface="AdobeClean-Light"/>
                         </a:rPr>
-                        <a:t>   Heures d’ouverture / 6 heures</a:t>
+                        <a:t>   </a:t>
                       </a:r>
+                      <a:r>
+                        <a:rPr sz="900" spc="0">
+                          <a:solidFill>
+                            <a:srgbClr val="020302"/>
+                          </a:solidFill>
+                          <a:latin typeface="AdobeClean-Light"/>
+                          <a:cs typeface="AdobeClean-Light"/>
+                        </a:rPr>
+                        <a:t>Business</a:t>
+                      </a:r>
+                      <a:r>
+                        <a:rPr lang="en-US" sz="900" spc="0">
+                          <a:solidFill>
+                            <a:srgbClr val="020302"/>
+                          </a:solidFill>
+                          <a:latin typeface="AdobeClean-Light"/>
+                          <a:cs typeface="AdobeClean-Light"/>
+                        </a:rPr>
+                        <a:t> </a:t>
+                      </a:r>
+                      <a:r>
+                        <a:rPr sz="900" spc="0">
+                          <a:solidFill>
+                            <a:srgbClr val="020302"/>
+                          </a:solidFill>
+                          <a:latin typeface="AdobeClean-Light"/>
+                          <a:cs typeface="AdobeClean-Light"/>
+                        </a:rPr>
+                        <a:t>hours</a:t>
+                      </a:r>
+                      <a:r>
+                        <a:rPr lang="en-US" sz="900" spc="0">
+                          <a:solidFill>
+                            <a:srgbClr val="020302"/>
+                          </a:solidFill>
+                          <a:latin typeface="AdobeClean-Light"/>
+                          <a:cs typeface="AdobeClean-Light"/>
+                        </a:rPr>
+                        <a:t> / </a:t>
+                      </a:r>
+                      <a:r>
+                        <a:rPr sz="900" spc="0">
+                          <a:solidFill>
+                            <a:srgbClr val="020302"/>
+                          </a:solidFill>
+                          <a:latin typeface="AdobeClean-Light"/>
+                          <a:cs typeface="AdobeClean-Light"/>
+                        </a:rPr>
+                        <a:t>6</a:t>
+                      </a:r>
+                      <a:r>
+                        <a:rPr lang="en-US" sz="900" spc="0">
+                          <a:solidFill>
+                            <a:srgbClr val="020302"/>
+                          </a:solidFill>
+                          <a:latin typeface="AdobeClean-Light"/>
+                          <a:cs typeface="AdobeClean-Light"/>
+                        </a:rPr>
+                        <a:t> </a:t>
+                      </a:r>
+                      <a:r>
+                        <a:rPr sz="900" spc="0">
+                          <a:solidFill>
+                            <a:srgbClr val="020302"/>
+                          </a:solidFill>
+                          <a:latin typeface="AdobeClean-Light"/>
+                          <a:cs typeface="AdobeClean-Light"/>
+                        </a:rPr>
+                        <a:t>hours</a:t>
+                      </a:r>
+                      <a:endParaRPr sz="900" spc="0">
+                        <a:latin typeface="AdobeClean-Light"/>
+                        <a:cs typeface="AdobeClean-Light"/>
+                      </a:endParaRPr>
                     </a:p>
                   </a:txBody>
                   <a:tcPr marL="0" marR="0" marT="91440" marB="91440" anchor="ctr" anchorCtr="1">
@@ -3027,15 +3416,79 @@
                         </a:spcBef>
                       </a:pPr>
                       <a:r>
-                        <a:rPr lang="fr-FR" sz="900">
+                        <a:rPr sz="900" spc="0">
                           <a:solidFill>
                             <a:srgbClr val="020302"/>
                           </a:solidFill>
                           <a:latin typeface="AdobeClean-Light"/>
                           <a:cs typeface="AdobeClean-Light"/>
                         </a:rPr>
-                        <a:t>Heures d’ouverture / 4 heures</a:t>
+                        <a:t>Business</a:t>
                       </a:r>
+                      <a:r>
+                        <a:rPr lang="en-US" sz="900" spc="0">
+                          <a:solidFill>
+                            <a:srgbClr val="020302"/>
+                          </a:solidFill>
+                          <a:latin typeface="AdobeClean-Light"/>
+                          <a:cs typeface="AdobeClean-Light"/>
+                        </a:rPr>
+                        <a:t> </a:t>
+                      </a:r>
+                      <a:r>
+                        <a:rPr sz="900" spc="0">
+                          <a:solidFill>
+                            <a:srgbClr val="020302"/>
+                          </a:solidFill>
+                          <a:latin typeface="AdobeClean-Light"/>
+                          <a:cs typeface="AdobeClean-Light"/>
+                        </a:rPr>
+                        <a:t>hours</a:t>
+                      </a:r>
+                      <a:r>
+                        <a:rPr lang="en-US" sz="900" spc="0">
+                          <a:solidFill>
+                            <a:srgbClr val="020302"/>
+                          </a:solidFill>
+                          <a:latin typeface="AdobeClean-Light"/>
+                          <a:cs typeface="AdobeClean-Light"/>
+                        </a:rPr>
+                        <a:t> </a:t>
+                      </a:r>
+                      <a:r>
+                        <a:rPr sz="900" spc="0">
+                          <a:solidFill>
+                            <a:srgbClr val="020302"/>
+                          </a:solidFill>
+                          <a:latin typeface="AdobeClean-Light"/>
+                          <a:cs typeface="AdobeClean-Light"/>
+                        </a:rPr>
+                        <a:t>/ 4</a:t>
+                      </a:r>
+                      <a:r>
+                        <a:rPr lang="en-US" sz="900" spc="0">
+                          <a:solidFill>
+                            <a:srgbClr val="020302"/>
+                          </a:solidFill>
+                          <a:latin typeface="AdobeClean-Light"/>
+                          <a:cs typeface="AdobeClean-Light"/>
+                        </a:rPr>
+                        <a:t> </a:t>
+                      </a:r>
+                      <a:r>
+                        <a:rPr sz="900" spc="0">
+                          <a:solidFill>
+                            <a:srgbClr val="020302"/>
+                          </a:solidFill>
+                          <a:latin typeface="AdobeClean-Light"/>
+                          <a:cs typeface="AdobeClean-Light"/>
+                        </a:rPr>
+                        <a:t>hours</a:t>
+                      </a:r>
+                      <a:endParaRPr sz="900" spc="0">
+                        <a:latin typeface="AdobeClean-Light"/>
+                        <a:cs typeface="AdobeClean-Light"/>
+                      </a:endParaRPr>
                     </a:p>
                   </a:txBody>
                   <a:tcPr marL="0" marR="0" marT="91440" marB="91440" anchor="ctr" anchorCtr="1">
@@ -3091,15 +3544,19 @@
                         </a:spcBef>
                       </a:pPr>
                       <a:r>
-                        <a:rPr lang="fr-FR" sz="900" b="1">
+                        <a:rPr sz="900" b="1" spc="0">
                           <a:solidFill>
                             <a:srgbClr val="020302"/>
                           </a:solidFill>
                           <a:latin typeface="Adobe Clean"/>
                           <a:cs typeface="Adobe Clean"/>
                         </a:rPr>
-                        <a:t>PRIORITÉ 4</a:t>
+                        <a:t>PRIORITY 4</a:t>
                       </a:r>
+                      <a:endParaRPr sz="900" spc="0">
+                        <a:latin typeface="Adobe Clean"/>
+                        <a:cs typeface="Adobe Clean"/>
+                      </a:endParaRPr>
                     </a:p>
                     <a:p>
                       <a:pPr marL="48895" marR="0" lvl="0" indent="0" defTabSz="914400" eaLnBrk="1" fontAlgn="auto" latinLnBrk="0" hangingPunct="1">
@@ -3120,14 +3577,19 @@
                         <a:defRPr/>
                       </a:pPr>
                       <a:r>
-                        <a:rPr lang="fr-FR" sz="900" b="0" i="0">
+                        <a:rPr lang="en-US" sz="900" b="0" i="0" spc="0">
                           <a:solidFill>
                             <a:srgbClr val="000000"/>
                           </a:solidFill>
+                          <a:effectLst/>
                           <a:latin typeface="Adobe Clean Light" panose="020B0303020404020204" pitchFamily="34" charset="0"/>
                         </a:rPr>
-                        <a:t>Question générale concernant les fonctionnalités actuelles du produit ou une demande d’amélioration</a:t>
+                        <a:t>General question regarding current product functionality or an enhancement request</a:t>
                       </a:r>
+                      <a:endParaRPr lang="en-US" sz="900" b="0" i="0" spc="0">
+                        <a:latin typeface="Adobe Clean Light" panose="020B0303020404020204" pitchFamily="34" charset="0"/>
+                        <a:cs typeface="AdobeClean-Light"/>
+                      </a:endParaRPr>
                     </a:p>
                   </a:txBody>
                   <a:tcPr marL="0" marR="0" marT="1905" marB="0">
@@ -3171,15 +3633,69 @@
                         </a:spcBef>
                       </a:pPr>
                       <a:r>
-                        <a:rPr lang="fr-FR" sz="900">
+                        <a:rPr lang="en-US" sz="900" spc="0">
                           <a:solidFill>
                             <a:srgbClr val="020302"/>
                           </a:solidFill>
                           <a:latin typeface="AdobeClean-Light"/>
                           <a:cs typeface="AdobeClean-Light"/>
                         </a:rPr>
-                        <a:t>  Jours ouvrables / 3 jours</a:t>
+                        <a:t>  </a:t>
                       </a:r>
+                      <a:r>
+                        <a:rPr sz="900" spc="0">
+                          <a:solidFill>
+                            <a:srgbClr val="020302"/>
+                          </a:solidFill>
+                          <a:latin typeface="AdobeClean-Light"/>
+                          <a:cs typeface="AdobeClean-Light"/>
+                        </a:rPr>
+                        <a:t>Business</a:t>
+                      </a:r>
+                      <a:r>
+                        <a:rPr lang="en-US" sz="900" spc="0">
+                          <a:solidFill>
+                            <a:srgbClr val="020302"/>
+                          </a:solidFill>
+                          <a:latin typeface="AdobeClean-Light"/>
+                          <a:cs typeface="AdobeClean-Light"/>
+                        </a:rPr>
+                        <a:t> </a:t>
+                      </a:r>
+                      <a:r>
+                        <a:rPr sz="900" spc="0">
+                          <a:solidFill>
+                            <a:srgbClr val="020302"/>
+                          </a:solidFill>
+                          <a:latin typeface="AdobeClean-Light"/>
+                          <a:cs typeface="AdobeClean-Light"/>
+                        </a:rPr>
+                        <a:t>days</a:t>
+                      </a:r>
+                      <a:r>
+                        <a:rPr lang="en-US" sz="900" spc="0">
+                          <a:solidFill>
+                            <a:srgbClr val="020302"/>
+                          </a:solidFill>
+                          <a:latin typeface="AdobeClean-Light"/>
+                          <a:cs typeface="AdobeClean-Light"/>
+                        </a:rPr>
+                        <a:t> / </a:t>
+                      </a:r>
+                      <a:r>
+                        <a:rPr sz="900" spc="0">
+                          <a:solidFill>
+                            <a:srgbClr val="020302"/>
+                          </a:solidFill>
+                          <a:latin typeface="AdobeClean-Light"/>
+                          <a:cs typeface="AdobeClean-Light"/>
+                        </a:rPr>
+                        <a:t>3 days</a:t>
+                      </a:r>
+                      <a:endParaRPr sz="900" spc="0">
+                        <a:latin typeface="AdobeClean-Light"/>
+                        <a:cs typeface="AdobeClean-Light"/>
+                      </a:endParaRPr>
                     </a:p>
                   </a:txBody>
                   <a:tcPr marL="0" marR="0" marT="91440" marB="91440" anchor="ctr" anchorCtr="1">
@@ -3223,15 +3739,79 @@
                         </a:spcBef>
                       </a:pPr>
                       <a:r>
-                        <a:rPr lang="fr-FR" sz="900" dirty="0">
+                        <a:rPr sz="900" spc="0" dirty="0">
                           <a:solidFill>
                             <a:srgbClr val="020302"/>
                           </a:solidFill>
                           <a:latin typeface="AdobeClean-Light"/>
                           <a:cs typeface="AdobeClean-Light"/>
                         </a:rPr>
-                        <a:t>Jours ouvrables / 1 jour</a:t>
+                        <a:t>Business</a:t>
                       </a:r>
+                      <a:r>
+                        <a:rPr lang="en-US" sz="900" spc="0" dirty="0">
+                          <a:solidFill>
+                            <a:srgbClr val="020302"/>
+                          </a:solidFill>
+                          <a:latin typeface="AdobeClean-Light"/>
+                          <a:cs typeface="AdobeClean-Light"/>
+                        </a:rPr>
+                        <a:t> </a:t>
+                      </a:r>
+                      <a:r>
+                        <a:rPr sz="900" spc="0" dirty="0">
+                          <a:solidFill>
+                            <a:srgbClr val="020302"/>
+                          </a:solidFill>
+                          <a:latin typeface="AdobeClean-Light"/>
+                          <a:cs typeface="AdobeClean-Light"/>
+                        </a:rPr>
+                        <a:t>day</a:t>
+                      </a:r>
+                      <a:r>
+                        <a:rPr lang="en-US" sz="900" spc="0" dirty="0">
+                          <a:solidFill>
+                            <a:srgbClr val="020302"/>
+                          </a:solidFill>
+                          <a:latin typeface="AdobeClean-Light"/>
+                          <a:cs typeface="AdobeClean-Light"/>
+                        </a:rPr>
+                        <a:t>s </a:t>
+                      </a:r>
+                      <a:r>
+                        <a:rPr sz="900" spc="0" dirty="0">
+                          <a:solidFill>
+                            <a:srgbClr val="020302"/>
+                          </a:solidFill>
+                          <a:latin typeface="AdobeClean-Light"/>
+                          <a:cs typeface="AdobeClean-Light"/>
+                        </a:rPr>
+                        <a:t>/</a:t>
+                      </a:r>
+                      <a:r>
+                        <a:rPr lang="en-US" sz="900" spc="0" dirty="0">
+                          <a:solidFill>
+                            <a:srgbClr val="020302"/>
+                          </a:solidFill>
+                          <a:latin typeface="AdobeClean-Light"/>
+                          <a:cs typeface="AdobeClean-Light"/>
+                        </a:rPr>
+                        <a:t> </a:t>
+                      </a:r>
+                      <a:r>
+                        <a:rPr sz="900" spc="0" dirty="0">
+                          <a:solidFill>
+                            <a:srgbClr val="020302"/>
+                          </a:solidFill>
+                          <a:latin typeface="AdobeClean-Light"/>
+                          <a:cs typeface="AdobeClean-Light"/>
+                        </a:rPr>
+                        <a:t>1 day</a:t>
+                      </a:r>
+                      <a:endParaRPr sz="900" spc="0" dirty="0">
+                        <a:latin typeface="AdobeClean-Light"/>
+                        <a:cs typeface="AdobeClean-Light"/>
+                      </a:endParaRPr>
                     </a:p>
                   </a:txBody>
                   <a:tcPr marL="0" marR="0" marT="91440" marB="91440" anchor="ctr" anchorCtr="1">
@@ -3291,14 +3871,14 @@
           <p:nvPr>
             <p:extLst>
               <p:ext uri="{D42A27DB-BD31-4B8C-83A1-F6EECF244321}">
-                <p14:modId xmlns:p14="http://schemas.microsoft.com/office/powerpoint/2010/main" val="789050569"/>
+                <p14:modId xmlns:p14="http://schemas.microsoft.com/office/powerpoint/2010/main" val="1162910209"/>
               </p:ext>
             </p:extLst>
           </p:nvPr>
         </p:nvGraphicFramePr>
         <p:xfrm>
           <a:off x="121147" y="2120949"/>
-          <a:ext cx="7498851" cy="4447419"/>
+          <a:ext cx="7498851" cy="4714546"/>
         </p:xfrm>
         <a:graphic>
           <a:graphicData uri="http://schemas.openxmlformats.org/drawingml/2006/table">
@@ -3336,7 +3916,7 @@
                   </a:extLst>
                 </a:gridCol>
               </a:tblGrid>
-              <a:tr h="344282">
+              <a:tr h="241251">
                 <a:tc gridSpan="2">
                   <a:txBody>
                     <a:bodyPr/>
@@ -3380,15 +3960,39 @@
                         <a:defRPr/>
                       </a:pPr>
                       <a:r>
-                        <a:rPr lang="fr-FR" sz="900">
+                        <a:rPr lang="en-US" sz="900" spc="-20" dirty="0">
                           <a:solidFill>
                             <a:srgbClr val="404040"/>
                           </a:solidFill>
                           <a:latin typeface="Adobe Clean"/>
                           <a:cs typeface="Adobe Clean"/>
                         </a:rPr>
-                        <a:t>Assistance en ligne</a:t>
+                        <a:t>Standard </a:t>
                       </a:r>
+                      <a:r>
+                        <a:rPr lang="en-US" sz="900" spc="-135" dirty="0">
+                          <a:solidFill>
+                            <a:srgbClr val="404040"/>
+                          </a:solidFill>
+                          <a:latin typeface="Adobe Clean"/>
+                          <a:cs typeface="Adobe Clean"/>
+                        </a:rPr>
+                        <a:t> </a:t>
+                      </a:r>
+                      <a:r>
+                        <a:rPr lang="en-US" sz="900" spc="-20" dirty="0">
+                          <a:solidFill>
+                            <a:srgbClr val="404040"/>
+                          </a:solidFill>
+                          <a:latin typeface="Adobe Clean"/>
+                          <a:cs typeface="Adobe Clean"/>
+                        </a:rPr>
+                        <a:t>Support</a:t>
+                      </a:r>
+                      <a:endParaRPr lang="en-US" sz="900" dirty="0">
+                        <a:latin typeface="Adobe Clean"/>
+                        <a:cs typeface="Adobe Clean"/>
+                      </a:endParaRPr>
                     </a:p>
                   </a:txBody>
                   <a:tcPr marL="0" marR="0" marT="7620" marB="0" anchor="ctr">
@@ -3429,15 +4033,39 @@
                         </a:spcBef>
                       </a:pPr>
                       <a:r>
-                        <a:rPr lang="fr-FR" sz="900">
+                        <a:rPr sz="900" spc="-20">
                           <a:solidFill>
                             <a:srgbClr val="FFFFFF"/>
                           </a:solidFill>
                           <a:latin typeface="Adobe Clean"/>
                           <a:cs typeface="Adobe Clean"/>
                         </a:rPr>
-                        <a:t>Assistance commerciale</a:t>
+                        <a:t>Business</a:t>
                       </a:r>
+                      <a:r>
+                        <a:rPr lang="en-US" sz="900" spc="-20">
+                          <a:solidFill>
+                            <a:srgbClr val="FFFFFF"/>
+                          </a:solidFill>
+                          <a:latin typeface="Adobe Clean"/>
+                          <a:cs typeface="Adobe Clean"/>
+                        </a:rPr>
+                        <a:t> </a:t>
+                      </a:r>
+                      <a:r>
+                        <a:rPr sz="900" spc="-20">
+                          <a:solidFill>
+                            <a:srgbClr val="FFFFFF"/>
+                          </a:solidFill>
+                          <a:latin typeface="Adobe Clean"/>
+                          <a:cs typeface="Adobe Clean"/>
+                        </a:rPr>
+                        <a:t>Support</a:t>
+                      </a:r>
+                      <a:endParaRPr sz="900">
+                        <a:latin typeface="Adobe Clean"/>
+                        <a:cs typeface="Adobe Clean"/>
+                      </a:endParaRPr>
                     </a:p>
                   </a:txBody>
                   <a:tcPr marL="0" marR="0" marT="7620" marB="0" anchor="ctr">
@@ -3476,7 +4104,7 @@
                   </a:ext>
                 </a:extLst>
               </a:tr>
-              <a:tr h="344282">
+              <a:tr h="332691">
                 <a:tc gridSpan="2">
                   <a:txBody>
                     <a:bodyPr/>
@@ -3502,7 +4130,7 @@
                     <a:bodyPr/>
                     <a:lstStyle/>
                     <a:p>
-                      <a:pPr marL="0" marR="0" lvl="0" indent="0" algn="l" defTabSz="914400" rtl="0" eaLnBrk="1" fontAlgn="auto" latinLnBrk="0" hangingPunct="1">
+                      <a:pPr marL="0" marR="0" lvl="0" indent="0" algn="ctr" defTabSz="914400" eaLnBrk="1" fontAlgn="auto" latinLnBrk="0" hangingPunct="1">
                         <a:lnSpc>
                           <a:spcPct val="100000"/>
                         </a:lnSpc>
@@ -3583,13 +4211,13 @@
                         <a:defRPr/>
                       </a:pPr>
                       <a:r>
-                        <a:rPr lang="fr-FR" sz="800" i="1">
+                        <a:rPr lang="en-US" sz="800" i="1">
                           <a:solidFill>
                             <a:schemeClr val="bg1"/>
                           </a:solidFill>
                           <a:latin typeface="Adobe Clean Light" panose="020B0303020404020204" pitchFamily="34" charset="0"/>
                         </a:rPr>
-                        <a:t>Assistance payante ($)</a:t>
+                        <a:t>Paid Support ($)</a:t>
                       </a:r>
                     </a:p>
                   </a:txBody>
@@ -3638,7 +4266,7 @@
                   </a:ext>
                 </a:extLst>
               </a:tr>
-              <a:tr h="209481">
+              <a:tr h="232310">
                 <a:tc rowSpan="3">
                   <a:txBody>
                     <a:bodyPr/>
@@ -3653,15 +4281,22 @@
                         </a:spcBef>
                       </a:pPr>
                       <a:r>
-                        <a:rPr lang="fr-FR" sz="1000" b="1" i="0">
+                        <a:rPr lang="en-US" sz="1000" b="1" i="0" spc="0">
                           <a:solidFill>
                             <a:schemeClr val="bg1"/>
                           </a:solidFill>
                           <a:latin typeface="Adobe Clean" panose="020B0503020404020204" pitchFamily="34" charset="0"/>
                           <a:cs typeface="AdobeClean-Light"/>
                         </a:rPr>
-                        <a:t>Experts assignés</a:t>
+                        <a:t>Assigned Experts</a:t>
                       </a:r>
+                      <a:endParaRPr sz="1000" b="1" i="0" spc="0">
+                        <a:solidFill>
+                          <a:schemeClr val="bg1"/>
+                        </a:solidFill>
+                        <a:latin typeface="Adobe Clean" panose="020B0503020404020204" pitchFamily="34" charset="0"/>
+                        <a:cs typeface="AdobeClean-Light"/>
+                      </a:endParaRPr>
                     </a:p>
                   </a:txBody>
                   <a:tcPr marL="0" marR="0" marT="58419" marB="0" anchor="ctr">
@@ -3708,15 +4343,19 @@
                         </a:spcBef>
                       </a:pPr>
                       <a:r>
-                        <a:rPr lang="fr-FR" sz="900" dirty="0">
+                        <a:rPr sz="900" spc="0">
                           <a:solidFill>
                             <a:srgbClr val="020302"/>
                           </a:solidFill>
                           <a:latin typeface="AdobeClean-Light"/>
                           <a:cs typeface="AdobeClean-Light"/>
                         </a:rPr>
-                        <a:t>Assistance principale du compte</a:t>
+                        <a:t>Account Support Lead</a:t>
                       </a:r>
+                      <a:endParaRPr sz="900" spc="0">
+                        <a:latin typeface="AdobeClean-Light"/>
+                        <a:cs typeface="AdobeClean-Light"/>
+                      </a:endParaRPr>
                     </a:p>
                   </a:txBody>
                   <a:tcPr marL="0" marR="0" marT="58419" marB="0">
@@ -3751,7 +4390,7 @@
                     <a:bodyPr/>
                     <a:lstStyle/>
                     <a:p>
-                      <a:pPr algn="l" rtl="0">
+                      <a:pPr algn="ctr">
                         <a:lnSpc>
                           <a:spcPct val="100000"/>
                         </a:lnSpc>
@@ -3801,7 +4440,7 @@
                         </a:spcBef>
                       </a:pPr>
                       <a:r>
-                        <a:rPr lang="fr-FR" sz="900">
+                        <a:rPr sz="900">
                           <a:solidFill>
                             <a:srgbClr val="020302"/>
                           </a:solidFill>
@@ -3810,6 +4449,10 @@
                         </a:rPr>
                         <a:t></a:t>
                       </a:r>
+                      <a:endParaRPr sz="900">
+                        <a:latin typeface="Wingdings"/>
+                        <a:cs typeface="Wingdings"/>
+                      </a:endParaRPr>
                     </a:p>
                   </a:txBody>
                   <a:tcPr marL="0" marR="0" marT="59690" marB="0" anchor="ctr">
@@ -3835,13 +4478,13 @@
                   </a:ext>
                 </a:extLst>
               </a:tr>
-              <a:tr h="208130">
+              <a:tr h="230812">
                 <a:tc vMerge="1">
                   <a:txBody>
                     <a:bodyPr/>
                     <a:lstStyle/>
                     <a:p>
-                      <a:pPr marL="50800" algn="l" rtl="0">
+                      <a:pPr marL="50800">
                         <a:lnSpc>
                           <a:spcPct val="100000"/>
                         </a:lnSpc>
@@ -3887,15 +4530,19 @@
                         </a:spcBef>
                       </a:pPr>
                       <a:r>
-                        <a:rPr lang="fr-FR" sz="900">
+                        <a:rPr sz="900" spc="0">
                           <a:solidFill>
                             <a:srgbClr val="020302"/>
                           </a:solidFill>
                           <a:latin typeface="AdobeClean-Light"/>
                           <a:cs typeface="AdobeClean-Light"/>
                         </a:rPr>
-                        <a:t>Ingénieur d’assistance nommé</a:t>
+                        <a:t>Named Support Engineer</a:t>
                       </a:r>
+                      <a:endParaRPr sz="900" spc="0">
+                        <a:latin typeface="AdobeClean-Light"/>
+                        <a:cs typeface="AdobeClean-Light"/>
+                      </a:endParaRPr>
                     </a:p>
                   </a:txBody>
                   <a:tcPr marL="0" marR="0" marT="58419" marB="0">
@@ -3918,7 +4565,7 @@
                     <a:bodyPr/>
                     <a:lstStyle/>
                     <a:p>
-                      <a:pPr algn="l" rtl="0">
+                      <a:pPr algn="ctr">
                         <a:lnSpc>
                           <a:spcPct val="100000"/>
                         </a:lnSpc>
@@ -3947,7 +4594,7 @@
                     <a:bodyPr/>
                     <a:lstStyle/>
                     <a:p>
-                      <a:pPr algn="l" rtl="0">
+                      <a:pPr algn="ctr">
                         <a:lnSpc>
                           <a:spcPct val="100000"/>
                         </a:lnSpc>
@@ -3972,13 +4619,13 @@
                   </a:ext>
                 </a:extLst>
               </a:tr>
-              <a:tr h="213537">
+              <a:tr h="236808">
                 <a:tc vMerge="1">
                   <a:txBody>
                     <a:bodyPr/>
                     <a:lstStyle/>
                     <a:p>
-                      <a:pPr marL="50800" algn="l" rtl="0">
+                      <a:pPr marL="50800">
                         <a:lnSpc>
                           <a:spcPct val="100000"/>
                         </a:lnSpc>
@@ -4036,15 +4683,19 @@
                         </a:spcBef>
                       </a:pPr>
                       <a:r>
-                        <a:rPr lang="fr-FR" sz="900">
+                        <a:rPr sz="900" spc="0">
                           <a:solidFill>
                             <a:srgbClr val="020302"/>
                           </a:solidFill>
                           <a:latin typeface="AdobeClean-Light"/>
                           <a:cs typeface="AdobeClean-Light"/>
                         </a:rPr>
-                        <a:t>Gestionnaire de compte technique</a:t>
+                        <a:t>Technical Account Manager</a:t>
                       </a:r>
+                      <a:endParaRPr sz="900" spc="0">
+                        <a:latin typeface="AdobeClean-Light"/>
+                        <a:cs typeface="AdobeClean-Light"/>
+                      </a:endParaRPr>
                     </a:p>
                   </a:txBody>
                   <a:tcPr marL="0" marR="0" marT="63500" marB="0">
@@ -4073,7 +4724,7 @@
                     <a:bodyPr/>
                     <a:lstStyle/>
                     <a:p>
-                      <a:pPr algn="l" rtl="0">
+                      <a:pPr algn="ctr">
                         <a:lnSpc>
                           <a:spcPct val="100000"/>
                         </a:lnSpc>
@@ -4111,7 +4762,7 @@
                     <a:bodyPr/>
                     <a:lstStyle/>
                     <a:p>
-                      <a:pPr algn="l" rtl="0">
+                      <a:pPr algn="ctr">
                         <a:lnSpc>
                           <a:spcPct val="100000"/>
                         </a:lnSpc>
@@ -4145,7 +4796,7 @@
                   </a:ext>
                 </a:extLst>
               </a:tr>
-              <a:tr h="206782">
+              <a:tr h="229317">
                 <a:tc rowSpan="12">
                   <a:txBody>
                     <a:bodyPr/>
@@ -4160,15 +4811,22 @@
                         </a:spcBef>
                       </a:pPr>
                       <a:r>
-                        <a:rPr lang="fr-FR" sz="1000" b="1" i="0">
+                        <a:rPr lang="en-US" sz="1000" b="1" i="0" spc="0">
                           <a:solidFill>
                             <a:schemeClr val="bg1"/>
                           </a:solidFill>
                           <a:latin typeface="Adobe Clean" panose="020B0503020404020204" pitchFamily="34" charset="0"/>
                           <a:cs typeface="AdobeClean-Light"/>
                         </a:rPr>
-                        <a:t>Services d’assistance</a:t>
+                        <a:t>Support Services</a:t>
                       </a:r>
+                      <a:endParaRPr sz="1000" b="1" i="0" spc="0">
+                        <a:solidFill>
+                          <a:schemeClr val="bg1"/>
+                        </a:solidFill>
+                        <a:latin typeface="Adobe Clean" panose="020B0503020404020204" pitchFamily="34" charset="0"/>
+                        <a:cs typeface="AdobeClean-Light"/>
+                      </a:endParaRPr>
                     </a:p>
                   </a:txBody>
                   <a:tcPr marL="0" marR="0" marT="57150" marB="0" anchor="ctr">
@@ -4224,15 +4882,29 @@
                         </a:spcBef>
                       </a:pPr>
                       <a:r>
-                        <a:rPr lang="fr-FR" sz="900">
+                        <a:rPr lang="en-US" sz="900" spc="0">
                           <a:solidFill>
                             <a:srgbClr val="020302"/>
                           </a:solidFill>
                           <a:latin typeface="AdobeClean-Light"/>
                           <a:cs typeface="AdobeClean-Light"/>
                         </a:rPr>
-                        <a:t>Assistance en ligne</a:t>
+                        <a:t>Online</a:t>
                       </a:r>
+                      <a:r>
+                        <a:rPr sz="900" spc="0">
+                          <a:solidFill>
+                            <a:srgbClr val="020302"/>
+                          </a:solidFill>
+                          <a:latin typeface="AdobeClean-Light"/>
+                          <a:cs typeface="AdobeClean-Light"/>
+                        </a:rPr>
+                        <a:t> Support</a:t>
+                      </a:r>
+                      <a:endParaRPr sz="900" spc="0">
+                        <a:latin typeface="AdobeClean-Light"/>
+                        <a:cs typeface="AdobeClean-Light"/>
+                      </a:endParaRPr>
                     </a:p>
                   </a:txBody>
                   <a:tcPr marL="0" marR="0" marT="57150" marB="0">
@@ -4270,15 +4942,39 @@
                         </a:spcBef>
                       </a:pPr>
                       <a:r>
-                        <a:rPr lang="fr-FR" sz="900">
+                        <a:rPr sz="900" spc="-25">
                           <a:solidFill>
                             <a:srgbClr val="020302"/>
                           </a:solidFill>
                           <a:latin typeface="AdobeClean-Light"/>
                           <a:cs typeface="AdobeClean-Light"/>
                         </a:rPr>
-                        <a:t>Heures d’ouverture</a:t>
+                        <a:t>Business</a:t>
                       </a:r>
+                      <a:r>
+                        <a:rPr sz="900" spc="-15">
+                          <a:solidFill>
+                            <a:srgbClr val="020302"/>
+                          </a:solidFill>
+                          <a:latin typeface="AdobeClean-Light"/>
+                          <a:cs typeface="AdobeClean-Light"/>
+                        </a:rPr>
+                        <a:t> </a:t>
+                      </a:r>
+                      <a:r>
+                        <a:rPr sz="900" spc="-30">
+                          <a:solidFill>
+                            <a:srgbClr val="020302"/>
+                          </a:solidFill>
+                          <a:latin typeface="AdobeClean-Light"/>
+                          <a:cs typeface="AdobeClean-Light"/>
+                        </a:rPr>
+                        <a:t>hours</a:t>
+                      </a:r>
+                      <a:endParaRPr sz="900">
+                        <a:latin typeface="AdobeClean-Light"/>
+                        <a:cs typeface="AdobeClean-Light"/>
+                      </a:endParaRPr>
                     </a:p>
                   </a:txBody>
                   <a:tcPr marL="0" marR="0" marT="67945" marB="0">
@@ -4317,15 +5013,39 @@
                         </a:spcBef>
                       </a:pPr>
                       <a:r>
-                        <a:rPr lang="fr-FR" sz="900">
+                        <a:rPr sz="900" spc="-25">
                           <a:solidFill>
                             <a:srgbClr val="020302"/>
                           </a:solidFill>
                           <a:latin typeface="AdobeClean-Light"/>
                           <a:cs typeface="AdobeClean-Light"/>
                         </a:rPr>
-                        <a:t>Heures d’ouverture</a:t>
+                        <a:t>Business</a:t>
                       </a:r>
+                      <a:r>
+                        <a:rPr sz="900" spc="-15">
+                          <a:solidFill>
+                            <a:srgbClr val="020302"/>
+                          </a:solidFill>
+                          <a:latin typeface="AdobeClean-Light"/>
+                          <a:cs typeface="AdobeClean-Light"/>
+                        </a:rPr>
+                        <a:t> </a:t>
+                      </a:r>
+                      <a:r>
+                        <a:rPr sz="900" spc="-30">
+                          <a:solidFill>
+                            <a:srgbClr val="020302"/>
+                          </a:solidFill>
+                          <a:latin typeface="AdobeClean-Light"/>
+                          <a:cs typeface="AdobeClean-Light"/>
+                        </a:rPr>
+                        <a:t>hours</a:t>
+                      </a:r>
+                      <a:endParaRPr sz="900">
+                        <a:latin typeface="AdobeClean-Light"/>
+                        <a:cs typeface="AdobeClean-Light"/>
+                      </a:endParaRPr>
                     </a:p>
                   </a:txBody>
                   <a:tcPr marL="0" marR="0" marT="67945" marB="0">
@@ -4351,13 +5071,13 @@
                   </a:ext>
                 </a:extLst>
               </a:tr>
-              <a:tr h="208130">
+              <a:tr h="230812">
                 <a:tc vMerge="1">
                   <a:txBody>
                     <a:bodyPr/>
                     <a:lstStyle/>
                     <a:p>
-                      <a:pPr marL="50800" algn="l" rtl="0">
+                      <a:pPr marL="50800">
                         <a:lnSpc>
                           <a:spcPct val="100000"/>
                         </a:lnSpc>
@@ -4406,15 +5126,39 @@
                         </a:spcBef>
                       </a:pPr>
                       <a:r>
-                        <a:rPr lang="fr-FR" sz="900">
+                        <a:rPr sz="900" spc="0">
                           <a:solidFill>
                             <a:srgbClr val="020302"/>
                           </a:solidFill>
                           <a:latin typeface="AdobeClean-Light"/>
                           <a:cs typeface="AdobeClean-Light"/>
                         </a:rPr>
-                        <a:t>Assistance en cas de problèmes P1 24x7x365</a:t>
+                        <a:t>24x7</a:t>
                       </a:r>
+                      <a:r>
+                        <a:rPr lang="en-US" sz="900" spc="0">
+                          <a:solidFill>
+                            <a:srgbClr val="020302"/>
+                          </a:solidFill>
+                          <a:latin typeface="AdobeClean-Light"/>
+                          <a:cs typeface="AdobeClean-Light"/>
+                        </a:rPr>
+                        <a:t>x365</a:t>
+                      </a:r>
+                      <a:r>
+                        <a:rPr sz="900" spc="0">
+                          <a:solidFill>
+                            <a:srgbClr val="020302"/>
+                          </a:solidFill>
+                          <a:latin typeface="AdobeClean-Light"/>
+                          <a:cs typeface="AdobeClean-Light"/>
+                        </a:rPr>
+                        <a:t> P1 Issue Support</a:t>
+                      </a:r>
+                      <a:endParaRPr sz="900" spc="0">
+                        <a:latin typeface="AdobeClean-Light"/>
+                        <a:cs typeface="AdobeClean-Light"/>
+                      </a:endParaRPr>
                     </a:p>
                   </a:txBody>
                   <a:tcPr marL="0" marR="0" marT="57785" marB="0">
@@ -4446,7 +5190,7 @@
                         </a:spcBef>
                       </a:pPr>
                       <a:r>
-                        <a:rPr lang="fr-FR" sz="900">
+                        <a:rPr sz="900">
                           <a:solidFill>
                             <a:srgbClr val="020302"/>
                           </a:solidFill>
@@ -4455,6 +5199,10 @@
                         </a:rPr>
                         <a:t></a:t>
                       </a:r>
+                      <a:endParaRPr sz="900">
+                        <a:latin typeface="Wingdings"/>
+                        <a:cs typeface="Wingdings"/>
+                      </a:endParaRPr>
                     </a:p>
                   </a:txBody>
                   <a:tcPr marL="0" marR="0" marT="58419" marB="0">
@@ -4484,7 +5232,7 @@
                         </a:spcBef>
                       </a:pPr>
                       <a:r>
-                        <a:rPr lang="fr-FR" sz="900">
+                        <a:rPr sz="900">
                           <a:solidFill>
                             <a:srgbClr val="020302"/>
                           </a:solidFill>
@@ -4493,6 +5241,10 @@
                         </a:rPr>
                         <a:t></a:t>
                       </a:r>
+                      <a:endParaRPr sz="900">
+                        <a:latin typeface="Wingdings"/>
+                        <a:cs typeface="Wingdings"/>
+                      </a:endParaRPr>
                     </a:p>
                   </a:txBody>
                   <a:tcPr marL="0" marR="0" marT="58419" marB="0">
@@ -4509,13 +5261,13 @@
                   </a:ext>
                 </a:extLst>
               </a:tr>
-              <a:tr h="207457">
+              <a:tr h="230065">
                 <a:tc vMerge="1">
                   <a:txBody>
                     <a:bodyPr/>
                     <a:lstStyle/>
                     <a:p>
-                      <a:pPr marL="50800" algn="l" rtl="0">
+                      <a:pPr marL="50800">
                         <a:lnSpc>
                           <a:spcPct val="100000"/>
                         </a:lnSpc>
@@ -4573,15 +5325,19 @@
                         </a:spcBef>
                       </a:pPr>
                       <a:r>
-                        <a:rPr lang="fr-FR" sz="900">
+                        <a:rPr lang="en-US" sz="900" spc="0">
                           <a:solidFill>
                             <a:srgbClr val="020302"/>
                           </a:solidFill>
                           <a:latin typeface="AdobeClean-Light"/>
                           <a:cs typeface="AdobeClean-Light"/>
                         </a:rPr>
-                        <a:t>Contacts d’assistance nommés (par produit)</a:t>
+                        <a:t>Named Support Contacts (per product)</a:t>
                       </a:r>
+                      <a:endParaRPr sz="900" spc="0">
+                        <a:latin typeface="AdobeClean-Light"/>
+                        <a:cs typeface="AdobeClean-Light"/>
+                      </a:endParaRPr>
                     </a:p>
                   </a:txBody>
                   <a:tcPr marL="0" marR="0" marT="57785" marB="0">
@@ -4619,7 +5375,7 @@
                         </a:spcBef>
                       </a:pPr>
                       <a:r>
-                        <a:rPr lang="fr-FR" sz="900">
+                        <a:rPr sz="900">
                           <a:solidFill>
                             <a:srgbClr val="020302"/>
                           </a:solidFill>
@@ -4628,6 +5384,10 @@
                         </a:rPr>
                         <a:t>4</a:t>
                       </a:r>
+                      <a:endParaRPr sz="900">
+                        <a:latin typeface="AdobeClean-Light"/>
+                        <a:cs typeface="AdobeClean-Light"/>
+                      </a:endParaRPr>
                     </a:p>
                   </a:txBody>
                   <a:tcPr marL="0" marR="0" marT="57785" marB="0">
@@ -4657,7 +5417,7 @@
                         </a:spcBef>
                       </a:pPr>
                       <a:r>
-                        <a:rPr lang="fr-FR" sz="900">
+                        <a:rPr sz="900">
                           <a:solidFill>
                             <a:srgbClr val="020302"/>
                           </a:solidFill>
@@ -4666,6 +5426,10 @@
                         </a:rPr>
                         <a:t>6</a:t>
                       </a:r>
+                      <a:endParaRPr sz="900">
+                        <a:latin typeface="AdobeClean-Light"/>
+                        <a:cs typeface="AdobeClean-Light"/>
+                      </a:endParaRPr>
                     </a:p>
                   </a:txBody>
                   <a:tcPr marL="0" marR="0" marT="57785" marB="0">
@@ -4682,13 +5446,13 @@
                   </a:ext>
                 </a:extLst>
               </a:tr>
-              <a:tr h="208806">
+              <a:tr h="231561">
                 <a:tc vMerge="1">
                   <a:txBody>
                     <a:bodyPr/>
                     <a:lstStyle/>
                     <a:p>
-                      <a:pPr marL="50800" algn="l" rtl="0">
+                      <a:pPr marL="50800">
                         <a:lnSpc>
                           <a:spcPct val="100000"/>
                         </a:lnSpc>
@@ -4737,15 +5501,19 @@
                         </a:spcBef>
                       </a:pPr>
                       <a:r>
-                        <a:rPr lang="fr-FR" sz="900">
+                        <a:rPr lang="en-US" sz="900" spc="0">
                           <a:solidFill>
                             <a:srgbClr val="020302"/>
                           </a:solidFill>
                           <a:latin typeface="AdobeClean-Light"/>
                           <a:cs typeface="AdobeClean-Light"/>
                         </a:rPr>
-                        <a:t>Assistance téléphonique en direct</a:t>
+                        <a:t>Live Telephone Support</a:t>
                       </a:r>
+                      <a:endParaRPr sz="900" spc="0">
+                        <a:latin typeface="AdobeClean-Light"/>
+                        <a:cs typeface="AdobeClean-Light"/>
+                      </a:endParaRPr>
                     </a:p>
                   </a:txBody>
                   <a:tcPr marL="0" marR="0" marT="57785" marB="0">
@@ -4768,7 +5536,7 @@
                     <a:bodyPr/>
                     <a:lstStyle/>
                     <a:p>
-                      <a:pPr algn="l" rtl="0">
+                      <a:pPr algn="ctr">
                         <a:lnSpc>
                           <a:spcPct val="100000"/>
                         </a:lnSpc>
@@ -4809,7 +5577,7 @@
                         </a:spcBef>
                       </a:pPr>
                       <a:r>
-                        <a:rPr lang="fr-FR" sz="900">
+                        <a:rPr sz="900">
                           <a:solidFill>
                             <a:srgbClr val="020302"/>
                           </a:solidFill>
@@ -4818,6 +5586,10 @@
                         </a:rPr>
                         <a:t></a:t>
                       </a:r>
+                      <a:endParaRPr sz="900">
+                        <a:latin typeface="Wingdings"/>
+                        <a:cs typeface="Wingdings"/>
+                      </a:endParaRPr>
                     </a:p>
                   </a:txBody>
                   <a:tcPr marL="0" marR="0" marT="59054" marB="0">
@@ -4834,13 +5606,13 @@
                   </a:ext>
                 </a:extLst>
               </a:tr>
-              <a:tr h="209481">
+              <a:tr h="232310">
                 <a:tc vMerge="1">
                   <a:txBody>
                     <a:bodyPr/>
                     <a:lstStyle/>
                     <a:p>
-                      <a:pPr marL="50800" algn="l" rtl="0">
+                      <a:pPr marL="50800">
                         <a:lnSpc>
                           <a:spcPct val="100000"/>
                         </a:lnSpc>
@@ -4889,15 +5661,19 @@
                         </a:spcBef>
                       </a:pPr>
                       <a:r>
-                        <a:rPr lang="fr-FR" sz="900">
+                        <a:rPr sz="900" spc="0">
                           <a:solidFill>
                             <a:srgbClr val="020302"/>
                           </a:solidFill>
                           <a:latin typeface="AdobeClean-Light"/>
                           <a:cs typeface="AdobeClean-Light"/>
                         </a:rPr>
-                        <a:t>Gestion des remontées d’informations</a:t>
+                        <a:t>Escalation Management</a:t>
                       </a:r>
+                      <a:endParaRPr sz="900" spc="0">
+                        <a:latin typeface="AdobeClean-Light"/>
+                        <a:cs typeface="AdobeClean-Light"/>
+                      </a:endParaRPr>
                     </a:p>
                   </a:txBody>
                   <a:tcPr marL="0" marR="0" marT="58419" marB="0">
@@ -4920,7 +5696,7 @@
                     <a:bodyPr/>
                     <a:lstStyle/>
                     <a:p>
-                      <a:pPr algn="l" rtl="0">
+                      <a:pPr algn="ctr">
                         <a:lnSpc>
                           <a:spcPct val="100000"/>
                         </a:lnSpc>
@@ -4961,7 +5737,7 @@
                         </a:spcBef>
                       </a:pPr>
                       <a:r>
-                        <a:rPr lang="fr-FR" sz="900">
+                        <a:rPr sz="900">
                           <a:solidFill>
                             <a:srgbClr val="020302"/>
                           </a:solidFill>
@@ -4970,6 +5746,10 @@
                         </a:rPr>
                         <a:t></a:t>
                       </a:r>
+                      <a:endParaRPr sz="900">
+                        <a:latin typeface="Wingdings"/>
+                        <a:cs typeface="Wingdings"/>
+                      </a:endParaRPr>
                     </a:p>
                   </a:txBody>
                   <a:tcPr marL="0" marR="0" marT="59690" marB="0">
@@ -4986,13 +5766,13 @@
                   </a:ext>
                 </a:extLst>
               </a:tr>
-              <a:tr h="206782">
+              <a:tr h="229317">
                 <a:tc vMerge="1">
                   <a:txBody>
                     <a:bodyPr/>
                     <a:lstStyle/>
                     <a:p>
-                      <a:pPr marL="50800" algn="l" rtl="0">
+                      <a:pPr marL="50800">
                         <a:lnSpc>
                           <a:spcPct val="100000"/>
                         </a:lnSpc>
@@ -5041,15 +5821,29 @@
                         </a:spcBef>
                       </a:pPr>
                       <a:r>
-                        <a:rPr lang="fr-FR" sz="900">
+                        <a:rPr sz="900" spc="0">
                           <a:solidFill>
                             <a:srgbClr val="020302"/>
                           </a:solidFill>
                           <a:latin typeface="AdobeClean-Light"/>
                           <a:cs typeface="AdobeClean-Light"/>
                         </a:rPr>
-                        <a:t>Examens de service par an</a:t>
+                        <a:t>Service Reviews </a:t>
                       </a:r>
+                      <a:r>
+                        <a:rPr lang="en-US" sz="900" spc="0">
+                          <a:solidFill>
+                            <a:srgbClr val="020302"/>
+                          </a:solidFill>
+                          <a:latin typeface="AdobeClean-Light"/>
+                          <a:cs typeface="AdobeClean-Light"/>
+                        </a:rPr>
+                        <a:t>per Year</a:t>
+                      </a:r>
+                      <a:endParaRPr sz="900" spc="0">
+                        <a:latin typeface="AdobeClean-Light"/>
+                        <a:cs typeface="AdobeClean-Light"/>
+                      </a:endParaRPr>
                     </a:p>
                   </a:txBody>
                   <a:tcPr marL="0" marR="0" marT="57150" marB="0">
@@ -5072,7 +5866,7 @@
                     <a:bodyPr/>
                     <a:lstStyle/>
                     <a:p>
-                      <a:pPr algn="l" rtl="0">
+                      <a:pPr>
                         <a:lnSpc>
                           <a:spcPct val="100000"/>
                         </a:lnSpc>
@@ -5101,7 +5895,7 @@
                     <a:bodyPr/>
                     <a:lstStyle/>
                     <a:p>
-                      <a:pPr algn="l" rtl="0">
+                      <a:pPr>
                         <a:lnSpc>
                           <a:spcPct val="100000"/>
                         </a:lnSpc>
@@ -5126,7 +5920,7 @@
                   </a:ext>
                 </a:extLst>
               </a:tr>
-              <a:tr h="206782">
+              <a:tr h="229317">
                 <a:tc vMerge="1">
                   <a:txBody>
                     <a:bodyPr/>
@@ -5151,12 +5945,16 @@
                         </a:spcBef>
                       </a:pPr>
                       <a:r>
-                        <a:rPr lang="fr-FR" sz="900">
+                        <a:rPr lang="en-US" sz="900" spc="0">
                           <a:latin typeface="AdobeClean-Light"/>
                           <a:cs typeface="AdobeClean-Light"/>
                         </a:rPr>
-                        <a:t>Sessions d’experts par an</a:t>
+                        <a:t>Expert Sessions per Year</a:t>
                       </a:r>
+                      <a:endParaRPr sz="900" spc="0">
+                        <a:latin typeface="AdobeClean-Light"/>
+                        <a:cs typeface="AdobeClean-Light"/>
+                      </a:endParaRPr>
                     </a:p>
                   </a:txBody>
                   <a:tcPr marL="0" marR="0" marT="57150" marB="0">
@@ -5185,7 +5983,7 @@
                     <a:bodyPr/>
                     <a:lstStyle/>
                     <a:p>
-                      <a:pPr algn="l" rtl="0">
+                      <a:pPr>
                         <a:lnSpc>
                           <a:spcPct val="100000"/>
                         </a:lnSpc>
@@ -5214,7 +6012,7 @@
                     <a:bodyPr/>
                     <a:lstStyle/>
                     <a:p>
-                      <a:pPr algn="l" rtl="0">
+                      <a:pPr>
                         <a:lnSpc>
                           <a:spcPct val="100000"/>
                         </a:lnSpc>
@@ -5239,7 +6037,7 @@
                   </a:ext>
                 </a:extLst>
               </a:tr>
-              <a:tr h="206782">
+              <a:tr h="229317">
                 <a:tc vMerge="1">
                   <a:txBody>
                     <a:bodyPr/>
@@ -5264,12 +6062,16 @@
                         </a:spcBef>
                       </a:pPr>
                       <a:r>
-                        <a:rPr lang="fr-FR" sz="900">
+                        <a:rPr lang="en-US" sz="900" spc="0">
                           <a:latin typeface="AdobeClean-Light"/>
                           <a:cs typeface="AdobeClean-Light"/>
                         </a:rPr>
-                        <a:t>Examens de cas</a:t>
+                        <a:t>Case Reviews</a:t>
                       </a:r>
+                      <a:endParaRPr sz="900" spc="0">
+                        <a:latin typeface="AdobeClean-Light"/>
+                        <a:cs typeface="AdobeClean-Light"/>
+                      </a:endParaRPr>
                     </a:p>
                   </a:txBody>
                   <a:tcPr marL="0" marR="0" marT="57150" marB="0">
@@ -5298,7 +6100,7 @@
                     <a:bodyPr/>
                     <a:lstStyle/>
                     <a:p>
-                      <a:pPr algn="l" rtl="0">
+                      <a:pPr>
                         <a:lnSpc>
                           <a:spcPct val="100000"/>
                         </a:lnSpc>
@@ -5327,7 +6129,7 @@
                     <a:bodyPr/>
                     <a:lstStyle/>
                     <a:p>
-                      <a:pPr algn="l" rtl="0">
+                      <a:pPr>
                         <a:lnSpc>
                           <a:spcPct val="100000"/>
                         </a:lnSpc>
@@ -5352,13 +6154,13 @@
                   </a:ext>
                 </a:extLst>
               </a:tr>
-              <a:tr h="208130">
+              <a:tr h="230812">
                 <a:tc vMerge="1">
                   <a:txBody>
                     <a:bodyPr/>
                     <a:lstStyle/>
                     <a:p>
-                      <a:pPr marL="48895" algn="l" rtl="0">
+                      <a:pPr marL="48895">
                         <a:lnSpc>
                           <a:spcPct val="100000"/>
                         </a:lnSpc>
@@ -5416,15 +6218,29 @@
                         </a:spcBef>
                       </a:pPr>
                       <a:r>
-                        <a:rPr lang="fr-FR" sz="900">
+                        <a:rPr sz="900" spc="0">
                           <a:solidFill>
                             <a:srgbClr val="020302"/>
                           </a:solidFill>
                           <a:latin typeface="AdobeClean-Light"/>
                           <a:cs typeface="AdobeClean-Light"/>
                         </a:rPr>
-                        <a:t>Gestion des événements</a:t>
+                        <a:t>Event </a:t>
                       </a:r>
+                      <a:r>
+                        <a:rPr lang="en-US" sz="900" spc="0">
+                          <a:solidFill>
+                            <a:srgbClr val="020302"/>
+                          </a:solidFill>
+                          <a:latin typeface="AdobeClean-Light"/>
+                          <a:cs typeface="AdobeClean-Light"/>
+                        </a:rPr>
+                        <a:t>Management</a:t>
+                      </a:r>
+                      <a:endParaRPr sz="900" spc="0">
+                        <a:latin typeface="AdobeClean-Light"/>
+                        <a:cs typeface="AdobeClean-Light"/>
+                      </a:endParaRPr>
                     </a:p>
                   </a:txBody>
                   <a:tcPr marL="0" marR="0" marT="58419" marB="0">
@@ -5453,7 +6269,7 @@
                     <a:bodyPr/>
                     <a:lstStyle/>
                     <a:p>
-                      <a:pPr algn="l" rtl="0">
+                      <a:pPr>
                         <a:lnSpc>
                           <a:spcPct val="100000"/>
                         </a:lnSpc>
@@ -5482,7 +6298,7 @@
                     <a:bodyPr/>
                     <a:lstStyle/>
                     <a:p>
-                      <a:pPr algn="l" rtl="0">
+                      <a:pPr>
                         <a:lnSpc>
                           <a:spcPct val="100000"/>
                         </a:lnSpc>
@@ -5507,13 +6323,13 @@
                   </a:ext>
                 </a:extLst>
               </a:tr>
-              <a:tr h="208807">
+              <a:tr h="231562">
                 <a:tc vMerge="1">
                   <a:txBody>
                     <a:bodyPr/>
                     <a:lstStyle/>
                     <a:p>
-                      <a:pPr marL="48895" algn="l" rtl="0">
+                      <a:pPr marL="48895">
                         <a:lnSpc>
                           <a:spcPct val="100000"/>
                         </a:lnSpc>
@@ -5562,15 +6378,39 @@
                         </a:spcBef>
                       </a:pPr>
                       <a:r>
-                        <a:rPr lang="fr-FR" sz="900">
+                        <a:rPr sz="900" spc="0">
                           <a:solidFill>
                             <a:srgbClr val="020302"/>
                           </a:solidFill>
                           <a:latin typeface="AdobeClean-Light"/>
                           <a:cs typeface="AdobeClean-Light"/>
                         </a:rPr>
-                        <a:t>Examen, maintenance et surveillance de l’environnement</a:t>
+                        <a:t>Environment</a:t>
                       </a:r>
+                      <a:r>
+                        <a:rPr lang="en-US" sz="900" spc="0">
+                          <a:solidFill>
+                            <a:srgbClr val="020302"/>
+                          </a:solidFill>
+                          <a:latin typeface="AdobeClean-Light"/>
+                          <a:cs typeface="AdobeClean-Light"/>
+                        </a:rPr>
+                        <a:t> </a:t>
+                      </a:r>
+                      <a:r>
+                        <a:rPr sz="900" spc="0">
+                          <a:solidFill>
+                            <a:srgbClr val="020302"/>
+                          </a:solidFill>
+                          <a:latin typeface="AdobeClean-Light"/>
+                          <a:cs typeface="AdobeClean-Light"/>
+                        </a:rPr>
+                        <a:t>Review, Maintenance &amp; Monitoring</a:t>
+                      </a:r>
+                      <a:endParaRPr sz="900" spc="0">
+                        <a:latin typeface="AdobeClean-Light"/>
+                        <a:cs typeface="AdobeClean-Light"/>
+                      </a:endParaRPr>
                     </a:p>
                   </a:txBody>
                   <a:tcPr marL="0" marR="0" marT="59055" marB="0">
@@ -5593,7 +6433,7 @@
                     <a:bodyPr/>
                     <a:lstStyle/>
                     <a:p>
-                      <a:pPr algn="l" rtl="0">
+                      <a:pPr>
                         <a:lnSpc>
                           <a:spcPct val="100000"/>
                         </a:lnSpc>
@@ -5622,7 +6462,7 @@
                     <a:bodyPr/>
                     <a:lstStyle/>
                     <a:p>
-                      <a:pPr algn="l" rtl="0">
+                      <a:pPr>
                         <a:lnSpc>
                           <a:spcPct val="100000"/>
                         </a:lnSpc>
@@ -5647,13 +6487,13 @@
                   </a:ext>
                 </a:extLst>
               </a:tr>
-              <a:tr h="317983">
+              <a:tr h="236808">
                 <a:tc vMerge="1">
                   <a:txBody>
                     <a:bodyPr/>
                     <a:lstStyle/>
                     <a:p>
-                      <a:pPr marL="49530" algn="l" rtl="0">
+                      <a:pPr marL="49530">
                         <a:lnSpc>
                           <a:spcPct val="100000"/>
                         </a:lnSpc>
@@ -5702,34 +6542,19 @@
                         </a:spcBef>
                       </a:pPr>
                       <a:r>
-                        <a:rPr lang="fr-FR" sz="900">
+                        <a:rPr sz="900" spc="0">
                           <a:solidFill>
                             <a:srgbClr val="020302"/>
                           </a:solidFill>
                           <a:latin typeface="AdobeClean-Light"/>
                           <a:cs typeface="AdobeClean-Light"/>
                         </a:rPr>
-                        <a:t>Version, migration, mise à niveau et examen de la feuille </a:t>
+                        <a:t>Release, Migration, Upgrade &amp; Product Roadmap Review</a:t>
                       </a:r>
-                      <a:br>
-                        <a:rPr lang="fr-FR" sz="900">
-                          <a:solidFill>
-                            <a:srgbClr val="020302"/>
-                          </a:solidFill>
-                          <a:latin typeface="AdobeClean-Light"/>
-                          <a:cs typeface="AdobeClean-Light"/>
-                        </a:rPr>
-                      </a:br>
-                      <a:r>
-                        <a:rPr lang="fr-FR" sz="900">
-                          <a:solidFill>
-                            <a:srgbClr val="020302"/>
-                          </a:solidFill>
-                          <a:latin typeface="AdobeClean-Light"/>
-                          <a:cs typeface="AdobeClean-Light"/>
-                        </a:rPr>
-                        <a:t>de route du produit</a:t>
-                      </a:r>
+                      <a:endParaRPr sz="900" spc="0">
+                        <a:latin typeface="AdobeClean-Light"/>
+                        <a:cs typeface="AdobeClean-Light"/>
+                      </a:endParaRPr>
                     </a:p>
                   </a:txBody>
                   <a:tcPr marL="0" marR="0" marT="63500" marB="0">
@@ -5752,7 +6577,7 @@
                     <a:bodyPr/>
                     <a:lstStyle/>
                     <a:p>
-                      <a:pPr algn="l" rtl="0">
+                      <a:pPr>
                         <a:lnSpc>
                           <a:spcPct val="100000"/>
                         </a:lnSpc>
@@ -5781,7 +6606,7 @@
                     <a:bodyPr/>
                     <a:lstStyle/>
                     <a:p>
-                      <a:pPr algn="l" rtl="0">
+                      <a:pPr>
                         <a:lnSpc>
                           <a:spcPct val="100000"/>
                         </a:lnSpc>
@@ -5806,13 +6631,13 @@
                   </a:ext>
                 </a:extLst>
               </a:tr>
-              <a:tr h="217592">
+              <a:tr h="241305">
                 <a:tc vMerge="1">
                   <a:txBody>
                     <a:bodyPr/>
                     <a:lstStyle/>
                     <a:p>
-                      <a:pPr marL="49530" algn="l" rtl="0">
+                      <a:pPr marL="49530">
                         <a:lnSpc>
                           <a:spcPct val="100000"/>
                         </a:lnSpc>
@@ -5870,11 +6695,11 @@
                         </a:spcBef>
                       </a:pPr>
                       <a:r>
-                        <a:rPr lang="fr-FR" sz="900">
+                        <a:rPr sz="900" spc="0">
                           <a:latin typeface="AdobeClean-Light"/>
                           <a:cs typeface="AdobeClean-Light"/>
                         </a:rPr>
-                        <a:t>Activités d’assistance dans le Cloud - Experience Manager as Cloud</a:t>
+                        <a:t>Cloud Support Activities – Experience Manager as Cloud</a:t>
                       </a:r>
                     </a:p>
                   </a:txBody>
@@ -5904,7 +6729,7 @@
                     <a:bodyPr/>
                     <a:lstStyle/>
                     <a:p>
-                      <a:pPr algn="l" rtl="0">
+                      <a:pPr>
                         <a:lnSpc>
                           <a:spcPct val="100000"/>
                         </a:lnSpc>
@@ -5942,7 +6767,7 @@
                     <a:bodyPr/>
                     <a:lstStyle/>
                     <a:p>
-                      <a:pPr algn="l" rtl="0">
+                      <a:pPr>
                         <a:lnSpc>
                           <a:spcPct val="100000"/>
                         </a:lnSpc>
@@ -5976,7 +6801,7 @@
                   </a:ext>
                 </a:extLst>
               </a:tr>
-              <a:tr h="145961">
+              <a:tr h="161868">
                 <a:tc rowSpan="2">
                   <a:txBody>
                     <a:bodyPr/>
@@ -5991,15 +6816,22 @@
                         </a:spcBef>
                       </a:pPr>
                       <a:r>
-                        <a:rPr lang="fr-FR" sz="1000" b="1" i="0" dirty="0">
+                        <a:rPr lang="en-US" sz="1000" b="1" i="0" spc="0">
                           <a:solidFill>
                             <a:schemeClr val="bg1"/>
                           </a:solidFill>
                           <a:latin typeface="Adobe Clean" panose="020B0503020404020204" pitchFamily="34" charset="0"/>
                           <a:cs typeface="AdobeClean-Light"/>
                         </a:rPr>
-                        <a:t>Services de terrain</a:t>
+                        <a:t>Field Services</a:t>
                       </a:r>
+                      <a:endParaRPr sz="1000" b="1" i="0" spc="0">
+                        <a:solidFill>
+                          <a:schemeClr val="bg1"/>
+                        </a:solidFill>
+                        <a:latin typeface="Adobe Clean" panose="020B0503020404020204" pitchFamily="34" charset="0"/>
+                        <a:cs typeface="AdobeClean-Light"/>
+                      </a:endParaRPr>
                     </a:p>
                   </a:txBody>
                   <a:tcPr marL="0" marR="0" marT="48260" marB="0" anchor="ctr">
@@ -6052,15 +6884,19 @@
                         </a:spcBef>
                       </a:pPr>
                       <a:r>
-                        <a:rPr lang="fr-FR" sz="900">
+                        <a:rPr sz="900" spc="0">
                           <a:solidFill>
                             <a:srgbClr val="020302"/>
                           </a:solidFill>
                           <a:latin typeface="AdobeClean-Light"/>
                           <a:cs typeface="AdobeClean-Light"/>
                         </a:rPr>
-                        <a:t>Services Launch Advisory - Première année de la nouvelle solution</a:t>
+                        <a:t>Launch Advisory Services – First Year of new solution</a:t>
                       </a:r>
+                      <a:endParaRPr sz="900" spc="0">
+                        <a:latin typeface="AdobeClean-Light"/>
+                        <a:cs typeface="AdobeClean-Light"/>
+                      </a:endParaRPr>
                     </a:p>
                     <a:p>
                       <a:pPr marL="48260" hangingPunct="0">
@@ -6072,11 +6908,11 @@
                         </a:spcBef>
                       </a:pPr>
                       <a:r>
-                        <a:rPr lang="fr-FR" sz="900">
+                        <a:rPr sz="900" spc="0">
                           <a:latin typeface="AdobeClean-Light"/>
                           <a:cs typeface="AdobeClean-Light"/>
                         </a:rPr>
-                        <a:t>Activités du service de terrain </a:t>
+                        <a:t>Field Service Activities </a:t>
                       </a:r>
                     </a:p>
                   </a:txBody>
@@ -6112,7 +6948,7 @@
                     <a:bodyPr/>
                     <a:lstStyle/>
                     <a:p>
-                      <a:pPr algn="l" rtl="0">
+                      <a:pPr>
                         <a:lnSpc>
                           <a:spcPct val="100000"/>
                         </a:lnSpc>
@@ -6150,7 +6986,7 @@
                     <a:bodyPr/>
                     <a:lstStyle/>
                     <a:p>
-                      <a:pPr algn="l" rtl="0">
+                      <a:pPr>
                         <a:lnSpc>
                           <a:spcPct val="100000"/>
                         </a:lnSpc>
@@ -6184,7 +7020,7 @@
                   </a:ext>
                 </a:extLst>
               </a:tr>
-              <a:tr h="305439">
+              <a:tr h="338725">
                 <a:tc vMerge="1">
                   <a:txBody>
                     <a:bodyPr/>
@@ -6235,7 +7071,7 @@
                     <a:bodyPr/>
                     <a:lstStyle/>
                     <a:p>
-                      <a:pPr algn="l" rtl="0">
+                      <a:pPr>
                         <a:lnSpc>
                           <a:spcPct val="100000"/>
                         </a:lnSpc>
@@ -6261,7 +7097,7 @@
                     <a:bodyPr/>
                     <a:lstStyle/>
                     <a:p>
-                      <a:pPr algn="l" rtl="0">
+                      <a:pPr>
                         <a:lnSpc>
                           <a:spcPct val="100000"/>
                         </a:lnSpc>
@@ -6325,7 +7161,7 @@
           <a:lstStyle/>
           <a:p>
             <a:r>
-              <a:rPr lang="fr-FR" sz="700" i="1">
+              <a:rPr lang="en-US" sz="700" i="1">
                 <a:solidFill>
                   <a:schemeClr val="bg1"/>
                 </a:solidFill>
@@ -6507,7 +7343,7 @@
         <p:spPr>
           <a:xfrm>
             <a:off x="370040" y="1409311"/>
-            <a:ext cx="2286000" cy="1633717"/>
+            <a:ext cx="2286000" cy="1289969"/>
           </a:xfrm>
           <a:prstGeom prst="rect">
             <a:avLst/>
@@ -6528,48 +7364,18 @@
               </a:spcBef>
             </a:pPr>
             <a:r>
-              <a:rPr lang="fr-FR" sz="850" dirty="0">
+              <a:rPr lang="en-US" sz="1000">
                 <a:solidFill>
                   <a:srgbClr val="000000"/>
                 </a:solidFill>
                 <a:latin typeface="Adobe Clean Light" panose="020B0303020404020204" pitchFamily="34" charset="0"/>
               </a:rPr>
-              <a:t>Il s’agit d’une assistance principale de compte désignée permettant de surveiller de manière proactive les cas, de favoriser la collaboration entre </a:t>
-            </a:r>
-            <a:br>
-              <a:rPr lang="fr-FR" sz="850" dirty="0">
-                <a:solidFill>
-                  <a:srgbClr val="000000"/>
-                </a:solidFill>
-                <a:latin typeface="Adobe Clean Light" panose="020B0303020404020204" pitchFamily="34" charset="0"/>
-              </a:rPr>
-            </a:br>
-            <a:r>
-              <a:rPr lang="fr-FR" sz="850" dirty="0">
-                <a:solidFill>
-                  <a:srgbClr val="000000"/>
-                </a:solidFill>
-                <a:latin typeface="Adobe Clean Light" panose="020B0303020404020204" pitchFamily="34" charset="0"/>
-              </a:rPr>
-              <a:t>les équipes, de diffuser des webinaires d’intégration, </a:t>
-            </a:r>
-            <a:br>
-              <a:rPr lang="fr-FR" sz="850" dirty="0">
-                <a:solidFill>
-                  <a:srgbClr val="000000"/>
-                </a:solidFill>
-                <a:latin typeface="Adobe Clean Light" panose="020B0303020404020204" pitchFamily="34" charset="0"/>
-              </a:rPr>
-            </a:br>
-            <a:r>
-              <a:rPr lang="fr-FR" sz="850" dirty="0">
-                <a:solidFill>
-                  <a:srgbClr val="000000"/>
-                </a:solidFill>
-                <a:latin typeface="Adobe Clean Light" panose="020B0303020404020204" pitchFamily="34" charset="0"/>
-              </a:rPr>
-              <a:t>de conduire des rapports de service, de fournir une assistance non technique et d’agir comme porte-parole de remontée des informations et comme ambassadeur interne au sein du service d’assistance d’Adobe.</a:t>
-            </a:r>
+              <a:t>A designated Account Support Lead to proactively monitor cases, drive cross-team collaboration, deliver onboarding webinars, run service reports, provide non-technical support assistance, and function as your escalation point and internal advocate within Adobe Support.</a:t>
+            </a:r>
+            <a:endParaRPr lang="en-US" sz="1000">
+              <a:latin typeface="Adobe Clean Light" panose="020B0303020404020204" pitchFamily="34" charset="0"/>
+              <a:cs typeface="AdobeClean-Light"/>
+            </a:endParaRPr>
           </a:p>
         </p:txBody>
       </p:sp>
@@ -6582,7 +7388,7 @@
         <p:spPr>
           <a:xfrm>
             <a:off x="2836967" y="8618616"/>
-            <a:ext cx="2184613" cy="679673"/>
+            <a:ext cx="2286000" cy="641201"/>
           </a:xfrm>
           <a:prstGeom prst="rect">
             <a:avLst/>
@@ -6606,14 +7412,44 @@
               </a:tabLst>
             </a:pPr>
             <a:r>
-              <a:rPr lang="fr-FR" sz="850" dirty="0">
+              <a:rPr sz="1000">
                 <a:solidFill>
                   <a:srgbClr val="020302"/>
                 </a:solidFill>
                 <a:latin typeface="AdobeClean-Light"/>
                 <a:cs typeface="AdobeClean-Light"/>
               </a:rPr>
-              <a:t>Commencez une session de conversation pour obtenir des réponses et de l’aide lors de l’envoi du cas.</a:t>
+              <a:t>Start a chat session to get answers</a:t>
+            </a:r>
+            <a:r>
+              <a:rPr lang="en-US" sz="1000">
+                <a:solidFill>
+                  <a:srgbClr val="020302"/>
+                </a:solidFill>
+                <a:latin typeface="AdobeClean-Light"/>
+                <a:cs typeface="AdobeClean-Light"/>
+              </a:rPr>
+              <a:t> &amp; </a:t>
+            </a:r>
+            <a:r>
+              <a:rPr sz="1000">
+                <a:solidFill>
+                  <a:srgbClr val="020302"/>
+                </a:solidFill>
+                <a:latin typeface="AdobeClean-Light"/>
+                <a:cs typeface="AdobeClean-Light"/>
+              </a:rPr>
+              <a:t>help with case submission</a:t>
+            </a:r>
+            <a:r>
+              <a:rPr lang="en-US" sz="1000">
+                <a:solidFill>
+                  <a:srgbClr val="020302"/>
+                </a:solidFill>
+                <a:latin typeface="AdobeClean-Light"/>
+                <a:cs typeface="AdobeClean-Light"/>
+              </a:rPr>
+              <a:t>.</a:t>
             </a:r>
           </a:p>
           <a:p>
@@ -6626,15 +7462,39 @@
               </a:tabLst>
             </a:pPr>
             <a:r>
-              <a:rPr lang="fr-FR" sz="850" i="1" dirty="0">
+              <a:rPr sz="1000" i="1">
                 <a:solidFill>
                   <a:srgbClr val="7A7A7A"/>
                 </a:solidFill>
                 <a:latin typeface="AdobeClean-LightIt"/>
                 <a:cs typeface="AdobeClean-LightIt"/>
               </a:rPr>
-              <a:t>*Tous les produits ne bénéficient pas de l’assistance de messagerie instantanée.  </a:t>
-            </a:r>
+              <a:t>*Not all products have live chat support</a:t>
+            </a:r>
+            <a:r>
+              <a:rPr sz="900" i="1">
+                <a:solidFill>
+                  <a:srgbClr val="7A7A7A"/>
+                </a:solidFill>
+                <a:latin typeface="AdobeClean-LightIt"/>
+                <a:cs typeface="AdobeClean-LightIt"/>
+              </a:rPr>
+              <a:t>.</a:t>
+            </a:r>
+            <a:r>
+              <a:rPr lang="en-US" sz="900" i="1">
+                <a:solidFill>
+                  <a:srgbClr val="7A7A7A"/>
+                </a:solidFill>
+                <a:latin typeface="AdobeClean-LightIt"/>
+                <a:cs typeface="AdobeClean-LightIt"/>
+              </a:rPr>
+              <a:t>  </a:t>
+            </a:r>
+            <a:endParaRPr sz="900">
+              <a:latin typeface="AdobeClean-Light"/>
+              <a:cs typeface="AdobeClean-Light"/>
+            </a:endParaRPr>
           </a:p>
         </p:txBody>
       </p:sp>
@@ -6684,7 +7544,7 @@
         <p:spPr>
           <a:xfrm>
             <a:off x="838200" y="6046398"/>
-            <a:ext cx="1995408" cy="184666"/>
+            <a:ext cx="1568246" cy="184666"/>
           </a:xfrm>
           <a:prstGeom prst="rect">
             <a:avLst/>
@@ -6710,12 +7570,12 @@
               <a:defRPr/>
             </a:pPr>
             <a:r>
-              <a:rPr lang="fr-FR" sz="1200" dirty="0">
+              <a:rPr lang="en-US" sz="1200">
                 <a:solidFill>
                   <a:srgbClr val="000000"/>
                 </a:solidFill>
               </a:rPr>
-              <a:t>Forums de la communauté</a:t>
+              <a:t>Community Forums</a:t>
             </a:r>
           </a:p>
         </p:txBody>
@@ -6736,8 +7596,8 @@
         </p:nvSpPr>
         <p:spPr>
           <a:xfrm>
-            <a:off x="838199" y="6277305"/>
-            <a:ext cx="1557901" cy="184666"/>
+            <a:off x="838200" y="6277305"/>
+            <a:ext cx="959314" cy="184666"/>
           </a:xfrm>
           <a:prstGeom prst="rect">
             <a:avLst/>
@@ -6758,12 +7618,12 @@
               </a:spcAft>
             </a:pPr>
             <a:r>
-              <a:rPr lang="fr-FR" sz="1200" b="1" dirty="0">
+              <a:rPr lang="en-US" sz="1200" b="1">
                 <a:latin typeface="+mj-lt"/>
                 <a:ea typeface="Open Sans" pitchFamily="34" charset="0"/>
                 <a:cs typeface="Open Sans" pitchFamily="34" charset="0"/>
               </a:rPr>
-              <a:t>Forums en ligne</a:t>
+              <a:t>Online Forums</a:t>
             </a:r>
           </a:p>
         </p:txBody>
@@ -6783,7 +7643,7 @@
         <p:spPr>
           <a:xfrm>
             <a:off x="370040" y="6529249"/>
-            <a:ext cx="2286000" cy="689932"/>
+            <a:ext cx="2286000" cy="805349"/>
           </a:xfrm>
           <a:prstGeom prst="rect">
             <a:avLst/>
@@ -6796,13 +7656,13 @@
           <a:lstStyle/>
           <a:p>
             <a:r>
-              <a:rPr lang="fr-FR" sz="850">
+              <a:rPr lang="en-US" sz="1000">
                 <a:solidFill>
                   <a:srgbClr val="000000"/>
                 </a:solidFill>
                 <a:latin typeface="Adobe Clean Light" panose="020B0303020404020204" pitchFamily="34" charset="0"/>
               </a:rPr>
-              <a:t>Accès en ligne permanent à une base de données croissante de solutions techniques, de documentation sur les produits, de questions fréquentes, etc. Des milliers de clients peuvent entrer en contact pour partager les bonnes pratiques et les leçons apprises.</a:t>
+              <a:t>Continuous online access to a growing database of technical solutions, product documentation, FAQs and more. Thousands of customers can connect to share best practices and lessons learned.</a:t>
             </a:r>
           </a:p>
         </p:txBody>
@@ -6845,12 +7705,12 @@
               </a:spcAft>
             </a:pPr>
             <a:r>
-              <a:rPr lang="fr-FR" sz="1200" b="1">
+              <a:rPr lang="en-US" sz="1200" b="1">
                 <a:latin typeface="+mj-lt"/>
                 <a:ea typeface="Open Sans" pitchFamily="34" charset="0"/>
                 <a:cs typeface="Open Sans" pitchFamily="34" charset="0"/>
               </a:rPr>
-              <a:t>Parcours auto-guidés</a:t>
+              <a:t>Self-guided Journeys</a:t>
             </a:r>
           </a:p>
         </p:txBody>
@@ -6870,7 +7730,7 @@
         <p:spPr>
           <a:xfrm>
             <a:off x="5376301" y="6529249"/>
-            <a:ext cx="2175119" cy="959237"/>
+            <a:ext cx="2286000" cy="959237"/>
           </a:xfrm>
           <a:prstGeom prst="rect">
             <a:avLst/>
@@ -6883,67 +7743,13 @@
           <a:lstStyle/>
           <a:p>
             <a:r>
-              <a:rPr lang="fr-FR" sz="850" dirty="0">
+              <a:rPr lang="en-US" sz="1000">
                 <a:solidFill>
                   <a:srgbClr val="000000"/>
                 </a:solidFill>
                 <a:latin typeface="Adobe Clean Light" panose="020B0303020404020204" pitchFamily="34" charset="0"/>
               </a:rPr>
-              <a:t>Les </a:t>
-            </a:r>
-            <a:r>
-              <a:rPr lang="fr-FR" sz="850" dirty="0" err="1">
-                <a:solidFill>
-                  <a:srgbClr val="000000"/>
-                </a:solidFill>
-                <a:latin typeface="Adobe Clean Light" panose="020B0303020404020204" pitchFamily="34" charset="0"/>
-              </a:rPr>
-              <a:t>Experience</a:t>
-            </a:r>
-            <a:r>
-              <a:rPr lang="fr-FR" sz="850" dirty="0">
-                <a:solidFill>
-                  <a:srgbClr val="000000"/>
-                </a:solidFill>
-                <a:latin typeface="Adobe Clean Light" panose="020B0303020404020204" pitchFamily="34" charset="0"/>
-              </a:rPr>
-              <a:t> </a:t>
-            </a:r>
-            <a:r>
-              <a:rPr lang="fr-FR" sz="850" dirty="0" err="1">
-                <a:solidFill>
-                  <a:srgbClr val="000000"/>
-                </a:solidFill>
-                <a:latin typeface="Adobe Clean Light" panose="020B0303020404020204" pitchFamily="34" charset="0"/>
-              </a:rPr>
-              <a:t>Makers</a:t>
-            </a:r>
-            <a:r>
-              <a:rPr lang="fr-FR" sz="850" dirty="0">
-                <a:solidFill>
-                  <a:srgbClr val="000000"/>
-                </a:solidFill>
-                <a:latin typeface="Adobe Clean Light" panose="020B0303020404020204" pitchFamily="34" charset="0"/>
-              </a:rPr>
-              <a:t> sont créées à l’aide d’</a:t>
-            </a:r>
-            <a:r>
-              <a:rPr lang="fr-FR" sz="850" dirty="0" err="1">
-                <a:solidFill>
-                  <a:srgbClr val="000000"/>
-                </a:solidFill>
-                <a:latin typeface="Adobe Clean Light" panose="020B0303020404020204" pitchFamily="34" charset="0"/>
-              </a:rPr>
-              <a:t>Experience</a:t>
-            </a:r>
-            <a:r>
-              <a:rPr lang="fr-FR" sz="850" dirty="0">
-                <a:solidFill>
-                  <a:srgbClr val="000000"/>
-                </a:solidFill>
-                <a:latin typeface="Adobe Clean Light" panose="020B0303020404020204" pitchFamily="34" charset="0"/>
-              </a:rPr>
-              <a:t> League. Les clients peuvent lancer leurs capacités de gestion de l’expérience client grâce à un apprentissage personnalisé permettant de développer leurs compétences, collaborer avec une communauté mondiale de pairs et gagner une reconnaissance de carrière.</a:t>
+              <a:t>Experience Makers are made with Experience League. Customers can kickstart their Customer Experience Management abilities with personalized learning to develop skills, engage with a global community of peers, and earn career advancing recognition.</a:t>
             </a:r>
           </a:p>
         </p:txBody>
@@ -6964,8 +7770,8 @@
         </p:nvSpPr>
         <p:spPr>
           <a:xfrm>
-            <a:off x="3215895" y="8004211"/>
-            <a:ext cx="1988100" cy="369332"/>
+            <a:off x="3215895" y="8150141"/>
+            <a:ext cx="2520000" cy="184666"/>
           </a:xfrm>
           <a:prstGeom prst="rect">
             <a:avLst/>
@@ -6991,12 +7797,12 @@
               <a:defRPr/>
             </a:pPr>
             <a:r>
-              <a:rPr lang="fr-FR" sz="1200" dirty="0">
+              <a:rPr lang="en-US" sz="1200">
                 <a:solidFill>
                   <a:srgbClr val="000000"/>
                 </a:solidFill>
               </a:rPr>
-              <a:t>Assistance de messagerie instantanée*</a:t>
+              <a:t>Live Chat  Support*</a:t>
             </a:r>
           </a:p>
         </p:txBody>
@@ -7017,7 +7823,7 @@
         </p:nvSpPr>
         <p:spPr>
           <a:xfrm>
-            <a:off x="3198434" y="8343595"/>
+            <a:off x="3198434" y="8373543"/>
             <a:ext cx="840166" cy="184666"/>
           </a:xfrm>
           <a:prstGeom prst="rect">
@@ -7039,12 +7845,12 @@
               </a:spcAft>
             </a:pPr>
             <a:r>
-              <a:rPr lang="fr-FR" sz="1200" b="1">
+              <a:rPr lang="en-US" sz="1200" b="1">
                 <a:latin typeface="+mj-lt"/>
                 <a:ea typeface="Open Sans" pitchFamily="34" charset="0"/>
                 <a:cs typeface="Open Sans" pitchFamily="34" charset="0"/>
               </a:rPr>
-              <a:t>Assistance de conversation</a:t>
+              <a:t>Chat Support</a:t>
             </a:r>
           </a:p>
         </p:txBody>
@@ -7092,12 +7898,12 @@
               <a:defRPr/>
             </a:pPr>
             <a:r>
-              <a:rPr lang="fr-FR" sz="1200">
+              <a:rPr lang="en-US" sz="1200">
                 <a:solidFill>
                   <a:srgbClr val="000000"/>
                 </a:solidFill>
               </a:rPr>
-              <a:t>P1 24X7 </a:t>
+              <a:t>24X7 P1 </a:t>
             </a:r>
           </a:p>
         </p:txBody>
@@ -7140,12 +7946,12 @@
               </a:spcAft>
             </a:pPr>
             <a:r>
-              <a:rPr lang="fr-FR" sz="1200" b="1">
+              <a:rPr lang="en-US" sz="1200" b="1">
                 <a:latin typeface="+mj-lt"/>
                 <a:ea typeface="Open Sans" pitchFamily="34" charset="0"/>
                 <a:cs typeface="Open Sans" pitchFamily="34" charset="0"/>
               </a:rPr>
-              <a:t>Assistance téléphonique</a:t>
+              <a:t>Phone Support</a:t>
             </a:r>
           </a:p>
         </p:txBody>
@@ -7165,7 +7971,7 @@
         <p:spPr>
           <a:xfrm>
             <a:off x="2836967" y="6529249"/>
-            <a:ext cx="2286000" cy="820738"/>
+            <a:ext cx="2286000" cy="805349"/>
           </a:xfrm>
           <a:prstGeom prst="rect">
             <a:avLst/>
@@ -7178,42 +7984,26 @@
           <a:lstStyle/>
           <a:p>
             <a:r>
-              <a:rPr lang="fr-FR" sz="850" dirty="0">
+              <a:rPr lang="en-US" sz="1000">
                 <a:solidFill>
                   <a:srgbClr val="020302"/>
                 </a:solidFill>
                 <a:latin typeface="AdobeClean-Light"/>
               </a:rPr>
-              <a:t>Les utilisateurs autorisés ou les contacts d’assistance nommés </a:t>
-            </a:r>
-            <a:r>
-              <a:rPr lang="fr-FR" sz="850" dirty="0">
+              <a:t>Authorized users or Named Support Contacts </a:t>
+            </a:r>
+            <a:r>
+              <a:rPr lang="en-US" sz="1000">
                 <a:latin typeface="Adobe Clean Light" panose="020B0303020404020204" pitchFamily="34" charset="0"/>
               </a:rPr>
-              <a:t>peuvent communiquer des problèmes </a:t>
-            </a:r>
-            <a:br>
-              <a:rPr lang="fr-FR" sz="850" dirty="0">
-                <a:latin typeface="Adobe Clean Light" panose="020B0303020404020204" pitchFamily="34" charset="0"/>
-              </a:rPr>
-            </a:br>
-            <a:r>
-              <a:rPr lang="fr-FR" sz="850" dirty="0">
-                <a:latin typeface="Adobe Clean Light" panose="020B0303020404020204" pitchFamily="34" charset="0"/>
-              </a:rPr>
-              <a:t>par l’intermédiaire de tous les canaux disponibles </a:t>
-            </a:r>
-            <a:br>
-              <a:rPr lang="fr-FR" sz="850" dirty="0">
-                <a:latin typeface="Adobe Clean Light" panose="020B0303020404020204" pitchFamily="34" charset="0"/>
-              </a:rPr>
-            </a:br>
-            <a:r>
-              <a:rPr lang="fr-FR" sz="850" dirty="0">
-                <a:latin typeface="Adobe Clean Light" panose="020B0303020404020204" pitchFamily="34" charset="0"/>
-              </a:rPr>
-              <a:t>(y compris le téléphone pour P1) et interagir avec notre équipe d’assistance technique au nom de votre entreprise. </a:t>
-            </a:r>
+              <a:t>can submit issues through all available  channels (including phone for P1) and interact with our technical support team on behalf of your company. </a:t>
+            </a:r>
+            <a:endParaRPr lang="en-US" sz="1000">
+              <a:solidFill>
+                <a:srgbClr val="000000"/>
+              </a:solidFill>
+              <a:latin typeface="Adobe Clean Light" panose="020B0303020404020204" pitchFamily="34" charset="0"/>
+            </a:endParaRPr>
           </a:p>
         </p:txBody>
       </p:sp>
@@ -7235,8 +8025,8 @@
         </p:nvSpPr>
         <p:spPr>
           <a:xfrm>
-            <a:off x="4781550" y="9862967"/>
-            <a:ext cx="2741991" cy="132308"/>
+            <a:off x="5253416" y="9862966"/>
+            <a:ext cx="2270125" cy="132729"/>
           </a:xfrm>
           <a:prstGeom prst="rect">
             <a:avLst/>
@@ -7257,24 +8047,24 @@
               </a:spcBef>
             </a:pPr>
             <a:r>
-              <a:rPr lang="fr-FR" dirty="0"/>
-              <a:t>©2021 Adobe. All </a:t>
-            </a:r>
-            <a:r>
-              <a:rPr lang="fr-FR" dirty="0" err="1"/>
-              <a:t>Rights</a:t>
-            </a:r>
-            <a:r>
-              <a:rPr lang="fr-FR" dirty="0"/>
+              <a:rPr spc="-5"/>
+              <a:t>©202</a:t>
+            </a:r>
+            <a:r>
+              <a:rPr lang="en-US" spc="-5"/>
+              <a:t>1</a:t>
+            </a:r>
+            <a:r>
+              <a:rPr spc="-5"/>
+              <a:t> Adobe. All Rights Reserved. Adobe</a:t>
+            </a:r>
+            <a:r>
+              <a:rPr spc="60"/>
               <a:t> </a:t>
             </a:r>
             <a:r>
-              <a:rPr lang="fr-FR" dirty="0" err="1"/>
-              <a:t>Reserved</a:t>
-            </a:r>
-            <a:r>
-              <a:rPr lang="fr-FR" dirty="0"/>
-              <a:t>. Données confidentielles Adobe</a:t>
+              <a:rPr spc="-5"/>
+              <a:t>Confidential.</a:t>
             </a:r>
           </a:p>
         </p:txBody>
@@ -7295,8 +8085,8 @@
         </p:nvSpPr>
         <p:spPr>
           <a:xfrm>
-            <a:off x="821898" y="973470"/>
-            <a:ext cx="1428304" cy="369332"/>
+            <a:off x="821898" y="1099315"/>
+            <a:ext cx="1726164" cy="184666"/>
           </a:xfrm>
           <a:prstGeom prst="rect">
             <a:avLst/>
@@ -7317,13 +8107,13 @@
               </a:spcAft>
             </a:pPr>
             <a:r>
-              <a:rPr lang="fr-FR" sz="1200" b="1" dirty="0">
+              <a:rPr lang="en-US" sz="1200" b="1" spc="-10">
                 <a:solidFill>
                   <a:srgbClr val="020302"/>
                 </a:solidFill>
                 <a:latin typeface="+mj-lt"/>
               </a:rPr>
-              <a:t>Assistance principale du compte</a:t>
+              <a:t>Account Support Lead</a:t>
             </a:r>
           </a:p>
         </p:txBody>
@@ -7343,7 +8133,7 @@
         <p:spPr>
           <a:xfrm>
             <a:off x="401995" y="5785009"/>
-            <a:ext cx="2916515" cy="74092"/>
+            <a:ext cx="1848207" cy="45719"/>
           </a:xfrm>
           <a:custGeom>
             <a:avLst/>
@@ -7391,7 +8181,7 @@
         <p:spPr>
           <a:xfrm>
             <a:off x="318713" y="5432541"/>
-            <a:ext cx="2006640" cy="307777"/>
+            <a:ext cx="2180405" cy="307777"/>
           </a:xfrm>
           <a:prstGeom prst="rect">
             <a:avLst/>
@@ -7412,15 +8202,19 @@
               </a:spcBef>
             </a:pPr>
             <a:r>
-              <a:rPr lang="fr-FR" sz="1400" b="1">
+              <a:rPr lang="en-US" sz="1400" b="1" spc="-10" dirty="0">
                 <a:solidFill>
                   <a:srgbClr val="020302"/>
                 </a:solidFill>
                 <a:latin typeface="Adobe Clean"/>
                 <a:cs typeface="Adobe Clean"/>
               </a:rPr>
-              <a:t>Fonctionnalités de l’assistance en ligne</a:t>
-            </a:r>
+              <a:t>Standard Support Features</a:t>
+            </a:r>
+            <a:endParaRPr lang="en-US" sz="1400" dirty="0">
+              <a:latin typeface="Adobe Clean"/>
+              <a:cs typeface="Adobe Clean"/>
+            </a:endParaRPr>
           </a:p>
         </p:txBody>
       </p:sp>
@@ -7508,15 +8302,19 @@
               </a:spcBef>
             </a:pPr>
             <a:r>
-              <a:rPr lang="fr-FR" sz="1400" b="1">
+              <a:rPr lang="en-US" sz="1400" b="1" spc="-10">
                 <a:solidFill>
                   <a:srgbClr val="020302"/>
                 </a:solidFill>
                 <a:latin typeface="Adobe Clean"/>
                 <a:cs typeface="Adobe Clean"/>
               </a:rPr>
-              <a:t>Fonctionnalités d’assistance commerciale</a:t>
-            </a:r>
+              <a:t>Business  Support Features</a:t>
+            </a:r>
+            <a:endParaRPr lang="en-US" sz="1400">
+              <a:latin typeface="Adobe Clean"/>
+              <a:cs typeface="Adobe Clean"/>
+            </a:endParaRPr>
           </a:p>
         </p:txBody>
       </p:sp>
@@ -7556,33 +8354,15 @@
               </a:spcBef>
             </a:pPr>
             <a:r>
-              <a:rPr lang="fr-FR" sz="850" dirty="0">
+              <a:rPr lang="en-US" sz="1000">
                 <a:latin typeface="Adobe Clean Light" panose="020B0303020404020204" pitchFamily="34" charset="0"/>
               </a:rPr>
-              <a:t>Les clients peuvent envoyer des cas d’assistance par téléphone pour tous les problèmes P2, P3 et P4 pendant les heures d’assistance régionales. Vous pouvez appeler l’assistance autant de fois que cela est nécessaire. Les clients peuvent également demander </a:t>
-            </a:r>
-            <a:br>
-              <a:rPr lang="fr-FR" sz="850" dirty="0">
-                <a:latin typeface="Adobe Clean Light" panose="020B0303020404020204" pitchFamily="34" charset="0"/>
-              </a:rPr>
-            </a:br>
-            <a:r>
-              <a:rPr lang="fr-FR" sz="850" dirty="0">
-                <a:latin typeface="Adobe Clean Light" panose="020B0303020404020204" pitchFamily="34" charset="0"/>
-              </a:rPr>
-              <a:t>à l’assistance de les rappeler ou demander une réunion pour démontrer ou résoudre un problème </a:t>
-            </a:r>
-            <a:br>
-              <a:rPr lang="fr-FR" sz="850" dirty="0">
-                <a:latin typeface="Adobe Clean Light" panose="020B0303020404020204" pitchFamily="34" charset="0"/>
-              </a:rPr>
-            </a:br>
-            <a:r>
-              <a:rPr lang="fr-FR" sz="850" dirty="0">
-                <a:latin typeface="Adobe Clean Light" panose="020B0303020404020204" pitchFamily="34" charset="0"/>
-              </a:rPr>
-              <a:t>au cours d’une session de bureau distant partagée.</a:t>
-            </a:r>
+              <a:t>Customers can submit support cases via Phone for all P2, P3, P4 issues during regional support hours. There are no upper limits on the number of times you can call into support. Customers can also request a call back from support or request a meeting to demonstrate or work through an issue using a shared remote desktop session.</a:t>
+            </a:r>
+            <a:endParaRPr lang="en-US" sz="1000">
+              <a:latin typeface="Adobe Clean Light" panose="020B0303020404020204" pitchFamily="34" charset="0"/>
+              <a:cs typeface="AdobeClean-Light"/>
+            </a:endParaRPr>
           </a:p>
         </p:txBody>
       </p:sp>
@@ -7602,8 +8382,8 @@
         </p:nvSpPr>
         <p:spPr>
           <a:xfrm>
-            <a:off x="3245088" y="976322"/>
-            <a:ext cx="1694525" cy="369332"/>
+            <a:off x="3257682" y="1083435"/>
+            <a:ext cx="1976242" cy="184666"/>
           </a:xfrm>
           <a:prstGeom prst="rect">
             <a:avLst/>
@@ -7624,13 +8404,13 @@
               </a:spcAft>
             </a:pPr>
             <a:r>
-              <a:rPr lang="fr-FR" sz="1200" b="1" dirty="0">
+              <a:rPr lang="en-US" sz="1200" b="1" spc="-10">
                 <a:solidFill>
                   <a:srgbClr val="020302"/>
                 </a:solidFill>
                 <a:latin typeface="+mj-lt"/>
               </a:rPr>
-              <a:t>Assistance téléphonique en direct</a:t>
+              <a:t>Live Telephone Support</a:t>
             </a:r>
           </a:p>
         </p:txBody>
@@ -7650,7 +8430,7 @@
         <p:spPr>
           <a:xfrm>
             <a:off x="5376301" y="1398482"/>
-            <a:ext cx="2087489" cy="820738"/>
+            <a:ext cx="2286000" cy="805349"/>
           </a:xfrm>
           <a:prstGeom prst="rect">
             <a:avLst/>
@@ -7671,31 +8451,18 @@
               </a:spcBef>
             </a:pPr>
             <a:r>
-              <a:rPr lang="fr-FR" sz="850" dirty="0">
+              <a:rPr lang="en-US" sz="1000">
                 <a:solidFill>
                   <a:srgbClr val="4B4B4B"/>
                 </a:solidFill>
                 <a:latin typeface="Adobe Clean Light" panose="020B0303020404020204" pitchFamily="34" charset="0"/>
               </a:rPr>
-              <a:t>Il s’agit d’un point de contact désigné au sein d’Adobe pouvant fournir une assistance en matière de remontées d’informations, des mises </a:t>
-            </a:r>
-            <a:br>
-              <a:rPr lang="fr-FR" sz="850" dirty="0">
-                <a:solidFill>
-                  <a:srgbClr val="4B4B4B"/>
-                </a:solidFill>
-                <a:latin typeface="Adobe Clean Light" panose="020B0303020404020204" pitchFamily="34" charset="0"/>
-              </a:rPr>
-            </a:br>
-            <a:r>
-              <a:rPr lang="fr-FR" sz="850" dirty="0">
-                <a:solidFill>
-                  <a:srgbClr val="4B4B4B"/>
-                </a:solidFill>
-                <a:latin typeface="Adobe Clean Light" panose="020B0303020404020204" pitchFamily="34" charset="0"/>
-              </a:rPr>
-              <a:t>à jour régulières et s’assurant que la priorité est mise sur vos demandes d’assistance ouvertes les plus importantes.</a:t>
-            </a:r>
+              <a:t>A designated point of contact within Adobe who can provide escalation assistance, regular updates and ensure priority is given to your most critical open support requests.</a:t>
+            </a:r>
+            <a:endParaRPr lang="en-US" sz="1000">
+              <a:latin typeface="Adobe Clean Light" panose="020B0303020404020204" pitchFamily="34" charset="0"/>
+              <a:cs typeface="AdobeClean-Light"/>
+            </a:endParaRPr>
           </a:p>
         </p:txBody>
       </p:sp>
@@ -7715,7 +8482,7 @@
         </p:nvSpPr>
         <p:spPr>
           <a:xfrm>
-            <a:off x="5885313" y="979579"/>
+            <a:off x="5885313" y="1085652"/>
             <a:ext cx="1608472" cy="184666"/>
           </a:xfrm>
           <a:prstGeom prst="rect">
@@ -7737,13 +8504,13 @@
               </a:spcAft>
             </a:pPr>
             <a:r>
-              <a:rPr lang="fr-FR" sz="1200" b="1" dirty="0">
+              <a:rPr lang="en-US" sz="1200" b="1" spc="-10">
                 <a:solidFill>
                   <a:srgbClr val="020302"/>
                 </a:solidFill>
                 <a:latin typeface="+mj-lt"/>
               </a:rPr>
-              <a:t>Gestion des remontées d’informations</a:t>
+              <a:t>Escalation Management</a:t>
             </a:r>
           </a:p>
         </p:txBody>
@@ -7791,7 +8558,7 @@
               <a:defRPr/>
             </a:pPr>
             <a:r>
-              <a:rPr lang="fr-FR" sz="1200">
+              <a:rPr lang="en-US" sz="1200">
                 <a:solidFill>
                   <a:srgbClr val="000000"/>
                 </a:solidFill>
@@ -7839,12 +8606,12 @@
               </a:spcAft>
             </a:pPr>
             <a:r>
-              <a:rPr lang="fr-FR" sz="1200" b="1">
+              <a:rPr lang="en-US" sz="1200" b="1">
                 <a:latin typeface="+mj-lt"/>
                 <a:ea typeface="Open Sans" pitchFamily="34" charset="0"/>
                 <a:cs typeface="Open Sans" pitchFamily="34" charset="0"/>
               </a:rPr>
-              <a:t>Webinaires</a:t>
+              <a:t>Webinars</a:t>
             </a:r>
           </a:p>
         </p:txBody>
@@ -7864,7 +8631,7 @@
         <p:spPr>
           <a:xfrm>
             <a:off x="370040" y="8618616"/>
-            <a:ext cx="2286000" cy="689932"/>
+            <a:ext cx="2286000" cy="1113125"/>
           </a:xfrm>
           <a:prstGeom prst="rect">
             <a:avLst/>
@@ -7877,49 +8644,13 @@
           <a:lstStyle/>
           <a:p>
             <a:r>
-              <a:rPr lang="fr-FR" sz="850" dirty="0">
+              <a:rPr lang="en-US" sz="1000">
                 <a:solidFill>
                   <a:srgbClr val="000000"/>
                 </a:solidFill>
                 <a:latin typeface="Adobe Clean Light" panose="020B0303020404020204" pitchFamily="34" charset="0"/>
               </a:rPr>
-              <a:t>« Office </a:t>
-            </a:r>
-            <a:r>
-              <a:rPr lang="fr-FR" sz="850" dirty="0" err="1">
-                <a:solidFill>
-                  <a:srgbClr val="000000"/>
-                </a:solidFill>
-                <a:latin typeface="Adobe Clean Light" panose="020B0303020404020204" pitchFamily="34" charset="0"/>
-              </a:rPr>
-              <a:t>Hours</a:t>
-            </a:r>
-            <a:r>
-              <a:rPr lang="fr-FR" sz="850" dirty="0">
-                <a:solidFill>
-                  <a:srgbClr val="000000"/>
-                </a:solidFill>
-                <a:latin typeface="Adobe Clean Light" panose="020B0303020404020204" pitchFamily="34" charset="0"/>
-              </a:rPr>
-              <a:t> » est une initiative menée par l’équipe du service clientèle d’Adobe. Ces sessions sont conçues pour informer les participants des problèmes et les aider à les résoudre. Elles fournissent des conseils et des astuces pour bien utiliser Adobe </a:t>
-            </a:r>
-            <a:r>
-              <a:rPr lang="fr-FR" sz="850" dirty="0" err="1">
-                <a:solidFill>
-                  <a:srgbClr val="000000"/>
-                </a:solidFill>
-                <a:latin typeface="Adobe Clean Light" panose="020B0303020404020204" pitchFamily="34" charset="0"/>
-              </a:rPr>
-              <a:t>Experience</a:t>
-            </a:r>
-            <a:r>
-              <a:rPr lang="fr-FR" sz="850" dirty="0">
-                <a:solidFill>
-                  <a:srgbClr val="000000"/>
-                </a:solidFill>
-                <a:latin typeface="Adobe Clean Light" panose="020B0303020404020204" pitchFamily="34" charset="0"/>
-              </a:rPr>
-              <a:t> Cloud.</a:t>
+              <a:t>Office Hours is an initiative led by the Adobe Customer Support team. These sessions are designed to inform as well as help participants troubleshoot problems and provide tips and tricks to be successful with Adobe Experience Cloud.</a:t>
             </a:r>
           </a:p>
         </p:txBody>
@@ -7962,12 +8693,12 @@
               </a:spcAft>
             </a:pPr>
             <a:r>
-              <a:rPr lang="fr-FR" sz="1200" b="1">
+              <a:rPr lang="en-US" sz="1200" b="1">
                 <a:latin typeface="+mj-lt"/>
                 <a:ea typeface="Open Sans" pitchFamily="34" charset="0"/>
                 <a:cs typeface="Open Sans" pitchFamily="34" charset="0"/>
               </a:rPr>
-              <a:t>Portail d’assistance 24/7</a:t>
+              <a:t>24/7 Support Portal</a:t>
             </a:r>
           </a:p>
         </p:txBody>
@@ -7987,7 +8718,7 @@
         <p:spPr>
           <a:xfrm>
             <a:off x="5376301" y="8618616"/>
-            <a:ext cx="2117484" cy="951543"/>
+            <a:ext cx="2286000" cy="805349"/>
           </a:xfrm>
           <a:prstGeom prst="rect">
             <a:avLst/>
@@ -8000,16 +8731,16 @@
           <a:lstStyle/>
           <a:p>
             <a:r>
-              <a:rPr lang="fr-FR" sz="850" dirty="0">
+              <a:rPr lang="en-US" sz="1000">
                 <a:solidFill>
                   <a:srgbClr val="000000"/>
                 </a:solidFill>
                 <a:latin typeface="Adobe Clean Light" panose="020B0303020404020204" pitchFamily="34" charset="0"/>
               </a:rPr>
-              <a:t>Accès à la demande au portail </a:t>
+              <a:t>On-demand access to the online </a:t>
             </a:r>
             <a:br>
-              <a:rPr lang="fr-FR" sz="850" dirty="0">
+              <a:rPr lang="en-US" sz="1000">
                 <a:solidFill>
                   <a:srgbClr val="000000"/>
                 </a:solidFill>
@@ -8017,47 +8748,13 @@
               </a:rPr>
             </a:br>
             <a:r>
-              <a:rPr lang="fr-FR" sz="850" dirty="0">
+              <a:rPr lang="en-US" sz="1000">
                 <a:solidFill>
                   <a:srgbClr val="000000"/>
                 </a:solidFill>
                 <a:latin typeface="Adobe Clean Light" panose="020B0303020404020204" pitchFamily="34" charset="0"/>
               </a:rPr>
-              <a:t>d’assistance d’aide automatique en ligne pour envoyer des demandes d’assistance, examiner </a:t>
-            </a:r>
-            <a:br>
-              <a:rPr lang="fr-FR" sz="850" dirty="0">
-                <a:solidFill>
-                  <a:srgbClr val="000000"/>
-                </a:solidFill>
-                <a:latin typeface="Adobe Clean Light" panose="020B0303020404020204" pitchFamily="34" charset="0"/>
-              </a:rPr>
-            </a:br>
-            <a:r>
-              <a:rPr lang="fr-FR" sz="850" dirty="0">
-                <a:solidFill>
-                  <a:srgbClr val="000000"/>
-                </a:solidFill>
-                <a:latin typeface="Adobe Clean Light" panose="020B0303020404020204" pitchFamily="34" charset="0"/>
-              </a:rPr>
-              <a:t>le statut des cas et parcourir d’autres ressources, telles que notre base de connaissances, </a:t>
-            </a:r>
-            <a:br>
-              <a:rPr lang="fr-FR" sz="850" dirty="0">
-                <a:solidFill>
-                  <a:srgbClr val="000000"/>
-                </a:solidFill>
-                <a:latin typeface="Adobe Clean Light" panose="020B0303020404020204" pitchFamily="34" charset="0"/>
-              </a:rPr>
-            </a:br>
-            <a:r>
-              <a:rPr lang="fr-FR" sz="850" dirty="0">
-                <a:solidFill>
-                  <a:srgbClr val="000000"/>
-                </a:solidFill>
-                <a:latin typeface="Adobe Clean Light" panose="020B0303020404020204" pitchFamily="34" charset="0"/>
-              </a:rPr>
-              <a:t>les actualités et les alertes, les conseils présentés, etc.</a:t>
+              <a:t>Self-help Support Portal to submit support requests, review case status, and browse other resources, like our knowledgebase, news and alerts, featured tips, and more.</a:t>
             </a:r>
           </a:p>
         </p:txBody>
@@ -8154,7 +8851,7 @@
         </p:nvSpPr>
         <p:spPr>
           <a:xfrm>
-            <a:off x="789025" y="3414400"/>
+            <a:off x="789025" y="3499700"/>
             <a:ext cx="1336142" cy="285247"/>
           </a:xfrm>
           <a:prstGeom prst="rect">
@@ -8169,10 +8866,10 @@
           <a:lstStyle/>
           <a:p>
             <a:r>
-              <a:rPr lang="fr-FR" sz="1200" b="1" dirty="0">
+              <a:rPr lang="en-US" sz="1200" b="1">
                 <a:latin typeface="+mj-lt"/>
               </a:rPr>
-              <a:t>Services commerciaux</a:t>
+              <a:t>Business Services</a:t>
             </a:r>
           </a:p>
         </p:txBody>
@@ -8213,11 +8910,15 @@
               </a:spcBef>
             </a:pPr>
             <a:r>
-              <a:rPr lang="fr-FR" sz="850">
+              <a:rPr lang="en-US" sz="1000">
                 <a:latin typeface="Adobe Clean Light" panose="020B0303020404020204" pitchFamily="34" charset="0"/>
               </a:rPr>
-              <a:t>Une assistance de compte principale hébergera des webinaires présentant un aperçu des services d’assistance commerciale.  </a:t>
-            </a:r>
+              <a:t>An Account Support Lead will host webinars covering an overview of business support services.  </a:t>
+            </a:r>
+            <a:endParaRPr lang="en-US" sz="1000">
+              <a:latin typeface="Adobe Clean Light" panose="020B0303020404020204" pitchFamily="34" charset="0"/>
+              <a:cs typeface="AdobeClean-Light"/>
+            </a:endParaRPr>
           </a:p>
         </p:txBody>
       </p:sp>
@@ -8686,12 +9387,12 @@
               <a:defRPr/>
             </a:pPr>
             <a:r>
-              <a:rPr lang="fr-FR" sz="1200">
+              <a:rPr lang="en-US" sz="1200">
                 <a:solidFill>
                   <a:srgbClr val="000000"/>
                 </a:solidFill>
               </a:rPr>
-              <a:t>Portail d’aide automatique</a:t>
+              <a:t>Self– Help Portal</a:t>
             </a:r>
           </a:p>
         </p:txBody>
@@ -8739,7 +9440,7 @@
               <a:defRPr/>
             </a:pPr>
             <a:r>
-              <a:rPr lang="fr-FR" sz="1200">
+              <a:rPr lang="en-US" sz="1200">
                 <a:solidFill>
                   <a:srgbClr val="000000"/>
                 </a:solidFill>
@@ -8801,15 +9502,49 @@
               </a:lnSpc>
             </a:pPr>
             <a:r>
-              <a:rPr lang="fr-FR" sz="500">
+              <a:rPr sz="500" spc="-5">
                 <a:solidFill>
                   <a:srgbClr val="6C6C6C"/>
                 </a:solidFill>
                 <a:latin typeface="Adobe Clean"/>
                 <a:cs typeface="Adobe Clean"/>
               </a:rPr>
-              <a:t>©2020 Adobe. All Rights Reserved. Données confidentielles Adobe</a:t>
-            </a:r>
+              <a:t>©2020 Adobe. All Rights Reserved. </a:t>
+            </a:r>
+            <a:r>
+              <a:rPr sz="500">
+                <a:solidFill>
+                  <a:srgbClr val="6C6C6C"/>
+                </a:solidFill>
+                <a:latin typeface="Adobe Clean"/>
+                <a:cs typeface="Adobe Clean"/>
+              </a:rPr>
+              <a:t>Adobe</a:t>
+            </a:r>
+            <a:r>
+              <a:rPr sz="500" spc="5">
+                <a:solidFill>
+                  <a:srgbClr val="6C6C6C"/>
+                </a:solidFill>
+                <a:latin typeface="Adobe Clean"/>
+                <a:cs typeface="Adobe Clean"/>
+              </a:rPr>
+              <a:t> </a:t>
+            </a:r>
+            <a:r>
+              <a:rPr sz="500" spc="-5">
+                <a:solidFill>
+                  <a:srgbClr val="6C6C6C"/>
+                </a:solidFill>
+                <a:latin typeface="Adobe Clean"/>
+                <a:cs typeface="Adobe Clean"/>
+              </a:rPr>
+              <a:t>Confidential.</a:t>
+            </a:r>
+            <a:endParaRPr sz="500">
+              <a:latin typeface="Adobe Clean"/>
+              <a:cs typeface="Adobe Clean"/>
+            </a:endParaRPr>
           </a:p>
           <a:p>
             <a:pPr>
@@ -8835,15 +9570,39 @@
               </a:spcBef>
             </a:pPr>
             <a:r>
-              <a:rPr lang="fr-FR" sz="800">
+              <a:rPr sz="800" spc="-5">
                 <a:solidFill>
                   <a:srgbClr val="6D6D6D"/>
                 </a:solidFill>
                 <a:latin typeface="Adobe Clean"/>
                 <a:cs typeface="Adobe Clean"/>
               </a:rPr>
-              <a:t>©2020 Adobe. All Rights Reserved. Données confidentielles Adobe</a:t>
-            </a:r>
+              <a:t>©2020 Adobe. All Rights Reserved. Adobe</a:t>
+            </a:r>
+            <a:r>
+              <a:rPr sz="800" spc="75">
+                <a:solidFill>
+                  <a:srgbClr val="6D6D6D"/>
+                </a:solidFill>
+                <a:latin typeface="Adobe Clean"/>
+                <a:cs typeface="Adobe Clean"/>
+              </a:rPr>
+              <a:t> </a:t>
+            </a:r>
+            <a:r>
+              <a:rPr sz="800" spc="-5">
+                <a:solidFill>
+                  <a:srgbClr val="6D6D6D"/>
+                </a:solidFill>
+                <a:latin typeface="Adobe Clean"/>
+                <a:cs typeface="Adobe Clean"/>
+              </a:rPr>
+              <a:t>Confidential.</a:t>
+            </a:r>
+            <a:endParaRPr sz="800">
+              <a:latin typeface="Adobe Clean"/>
+              <a:cs typeface="Adobe Clean"/>
+            </a:endParaRPr>
           </a:p>
         </p:txBody>
       </p:sp>
@@ -8927,15 +9686,19 @@
               </a:spcBef>
             </a:pPr>
             <a:r>
-              <a:rPr lang="fr-FR" sz="1400" b="1">
+              <a:rPr lang="en-US" sz="1400" b="1" spc="-15">
                 <a:solidFill>
                   <a:srgbClr val="020302"/>
                 </a:solidFill>
                 <a:latin typeface="Adobe Clean"/>
                 <a:cs typeface="Adobe Clean"/>
               </a:rPr>
-              <a:t>Ressources</a:t>
-            </a:r>
+              <a:t>Resources</a:t>
+            </a:r>
+            <a:endParaRPr sz="1400">
+              <a:latin typeface="Adobe Clean"/>
+              <a:cs typeface="Adobe Clean"/>
+            </a:endParaRPr>
           </a:p>
         </p:txBody>
       </p:sp>
@@ -8948,7 +9711,7 @@
         <p:spPr>
           <a:xfrm>
             <a:off x="6754821" y="9283729"/>
-            <a:ext cx="1017579" cy="662305"/>
+            <a:ext cx="930275" cy="662305"/>
           </a:xfrm>
           <a:prstGeom prst="rect">
             <a:avLst/>
@@ -8969,7 +9732,7 @@
               </a:spcBef>
             </a:pPr>
             <a:r>
-              <a:rPr lang="fr-FR" sz="800" dirty="0">
+              <a:rPr sz="800" spc="-15">
                 <a:solidFill>
                   <a:srgbClr val="777879"/>
                 </a:solidFill>
@@ -8978,6 +9741,10 @@
               </a:rPr>
               <a:t>Adobe</a:t>
             </a:r>
+            <a:endParaRPr sz="800">
+              <a:latin typeface="Adobe Clean"/>
+              <a:cs typeface="Adobe Clean"/>
+            </a:endParaRPr>
           </a:p>
           <a:p>
             <a:pPr marL="12700">
@@ -8986,15 +9753,39 @@
               </a:lnSpc>
             </a:pPr>
             <a:r>
-              <a:rPr lang="fr-FR" sz="800" dirty="0">
+              <a:rPr sz="800" spc="-15">
                 <a:solidFill>
                   <a:srgbClr val="777879"/>
                 </a:solidFill>
                 <a:latin typeface="Adobe Clean"/>
                 <a:cs typeface="Adobe Clean"/>
               </a:rPr>
-              <a:t>345 Park Avenue</a:t>
-            </a:r>
+              <a:t>345 Park</a:t>
+            </a:r>
+            <a:r>
+              <a:rPr sz="800" spc="-100">
+                <a:solidFill>
+                  <a:srgbClr val="777879"/>
+                </a:solidFill>
+                <a:latin typeface="Adobe Clean"/>
+                <a:cs typeface="Adobe Clean"/>
+              </a:rPr>
+              <a:t> </a:t>
+            </a:r>
+            <a:r>
+              <a:rPr sz="800" spc="-15">
+                <a:solidFill>
+                  <a:srgbClr val="777879"/>
+                </a:solidFill>
+                <a:latin typeface="Adobe Clean"/>
+                <a:cs typeface="Adobe Clean"/>
+              </a:rPr>
+              <a:t>Avenue</a:t>
+            </a:r>
+            <a:endParaRPr sz="800">
+              <a:latin typeface="Adobe Clean"/>
+              <a:cs typeface="Adobe Clean"/>
+            </a:endParaRPr>
           </a:p>
           <a:p>
             <a:pPr marL="12700">
@@ -9003,15 +9794,49 @@
               </a:lnSpc>
             </a:pPr>
             <a:r>
-              <a:rPr lang="fr-FR" sz="800" dirty="0">
+              <a:rPr sz="800" spc="-10">
                 <a:solidFill>
                   <a:srgbClr val="777879"/>
                 </a:solidFill>
                 <a:latin typeface="Adobe Clean"/>
                 <a:cs typeface="Adobe Clean"/>
               </a:rPr>
-              <a:t>San Jose, CA95110-2704</a:t>
-            </a:r>
+              <a:t>San </a:t>
+            </a:r>
+            <a:r>
+              <a:rPr sz="800" spc="-15">
+                <a:solidFill>
+                  <a:srgbClr val="777879"/>
+                </a:solidFill>
+                <a:latin typeface="Adobe Clean"/>
+                <a:cs typeface="Adobe Clean"/>
+              </a:rPr>
+              <a:t>Jose,</a:t>
+            </a:r>
+            <a:r>
+              <a:rPr sz="800" spc="-140">
+                <a:solidFill>
+                  <a:srgbClr val="777879"/>
+                </a:solidFill>
+                <a:latin typeface="Adobe Clean"/>
+                <a:cs typeface="Adobe Clean"/>
+              </a:rPr>
+              <a:t> </a:t>
+            </a:r>
+            <a:r>
+              <a:rPr sz="800" spc="-20">
+                <a:solidFill>
+                  <a:srgbClr val="777879"/>
+                </a:solidFill>
+                <a:latin typeface="Adobe Clean"/>
+                <a:cs typeface="Adobe Clean"/>
+              </a:rPr>
+              <a:t>CA95110-2704</a:t>
+            </a:r>
+            <a:endParaRPr sz="800">
+              <a:latin typeface="Adobe Clean"/>
+              <a:cs typeface="Adobe Clean"/>
+            </a:endParaRPr>
           </a:p>
           <a:p>
             <a:pPr marL="12700">
@@ -9023,15 +9848,19 @@
               </a:spcBef>
             </a:pPr>
             <a:r>
-              <a:rPr lang="fr-FR" sz="800" dirty="0">
+              <a:rPr sz="800" spc="-10">
                 <a:solidFill>
                   <a:srgbClr val="777879"/>
                 </a:solidFill>
                 <a:latin typeface="Adobe Clean"/>
                 <a:cs typeface="Adobe Clean"/>
               </a:rPr>
-              <a:t>États-Unis</a:t>
-            </a:r>
+              <a:t>USA</a:t>
+            </a:r>
+            <a:endParaRPr sz="800">
+              <a:latin typeface="Adobe Clean"/>
+              <a:cs typeface="Adobe Clean"/>
+            </a:endParaRPr>
           </a:p>
           <a:p>
             <a:pPr marL="12700">
@@ -9043,7 +9872,7 @@
               </a:spcBef>
             </a:pPr>
             <a:r>
-              <a:rPr lang="fr-FR" sz="800" u="sng" dirty="0">
+              <a:rPr sz="800" u="sng" spc="-25">
                 <a:solidFill>
                   <a:srgbClr val="5F5F5F"/>
                 </a:solidFill>
@@ -9056,8 +9885,12 @@
                 <a:cs typeface="Adobe Clean"/>
                 <a:hlinkClick r:id="rId3"/>
               </a:rPr>
-              <a:t>www.adobe.com/fr/</a:t>
-            </a:r>
+              <a:t>www.adobe.com</a:t>
+            </a:r>
+            <a:endParaRPr sz="800">
+              <a:latin typeface="Adobe Clean"/>
+              <a:cs typeface="Adobe Clean"/>
+            </a:endParaRPr>
           </a:p>
         </p:txBody>
       </p:sp>
@@ -9232,34 +10065,439 @@
               </a:spcBef>
             </a:pPr>
             <a:r>
-              <a:rPr lang="fr-FR" sz="1100" i="1" dirty="0">
+              <a:rPr sz="1100" i="1" spc="-10">
                 <a:solidFill>
                   <a:srgbClr val="777879"/>
                 </a:solidFill>
                 <a:latin typeface="AdobeClean-LightIt"/>
                 <a:cs typeface="AdobeClean-LightIt"/>
               </a:rPr>
-              <a:t>Pour en apprendre plus sur les offres de l’assistance Adobe et sur le niveau qui vous convient, </a:t>
-            </a:r>
-            <a:br>
-              <a:rPr lang="fr-FR" sz="1100" i="1" dirty="0">
+              <a:t>To</a:t>
+            </a:r>
+            <a:r>
+              <a:rPr sz="1100" i="1" spc="-50">
                 <a:solidFill>
                   <a:srgbClr val="777879"/>
                 </a:solidFill>
                 <a:latin typeface="AdobeClean-LightIt"/>
                 <a:cs typeface="AdobeClean-LightIt"/>
               </a:rPr>
-            </a:br>
-            <a:r>
-              <a:rPr lang="fr-FR" sz="1100" i="1" dirty="0">
+              <a:t> </a:t>
+            </a:r>
+            <a:r>
+              <a:rPr sz="1100" i="1" spc="-15">
                 <a:solidFill>
                   <a:srgbClr val="777879"/>
                 </a:solidFill>
                 <a:latin typeface="AdobeClean-LightIt"/>
                 <a:cs typeface="AdobeClean-LightIt"/>
               </a:rPr>
-              <a:t>contactez votre gestionnaire de compte nommé (NAM) ou votre gestionnaire de réussite client (CSM).</a:t>
-            </a:r>
+              <a:t>learn</a:t>
+            </a:r>
+            <a:r>
+              <a:rPr sz="1100" i="1" spc="-40">
+                <a:solidFill>
+                  <a:srgbClr val="777879"/>
+                </a:solidFill>
+                <a:latin typeface="AdobeClean-LightIt"/>
+                <a:cs typeface="AdobeClean-LightIt"/>
+              </a:rPr>
+              <a:t> </a:t>
+            </a:r>
+            <a:r>
+              <a:rPr sz="1100" i="1" spc="-15">
+                <a:solidFill>
+                  <a:srgbClr val="777879"/>
+                </a:solidFill>
+                <a:latin typeface="AdobeClean-LightIt"/>
+                <a:cs typeface="AdobeClean-LightIt"/>
+              </a:rPr>
+              <a:t>more</a:t>
+            </a:r>
+            <a:r>
+              <a:rPr sz="1100" i="1" spc="-45">
+                <a:solidFill>
+                  <a:srgbClr val="777879"/>
+                </a:solidFill>
+                <a:latin typeface="AdobeClean-LightIt"/>
+                <a:cs typeface="AdobeClean-LightIt"/>
+              </a:rPr>
+              <a:t> </a:t>
+            </a:r>
+            <a:r>
+              <a:rPr sz="1100" i="1" spc="-15">
+                <a:solidFill>
+                  <a:srgbClr val="777879"/>
+                </a:solidFill>
+                <a:latin typeface="AdobeClean-LightIt"/>
+                <a:cs typeface="AdobeClean-LightIt"/>
+              </a:rPr>
+              <a:t>about</a:t>
+            </a:r>
+            <a:r>
+              <a:rPr sz="1100" i="1" spc="-45">
+                <a:solidFill>
+                  <a:srgbClr val="777879"/>
+                </a:solidFill>
+                <a:latin typeface="AdobeClean-LightIt"/>
+                <a:cs typeface="AdobeClean-LightIt"/>
+              </a:rPr>
+              <a:t> </a:t>
+            </a:r>
+            <a:r>
+              <a:rPr sz="1100" i="1" spc="-15">
+                <a:solidFill>
+                  <a:srgbClr val="777879"/>
+                </a:solidFill>
+                <a:latin typeface="AdobeClean-LightIt"/>
+                <a:cs typeface="AdobeClean-LightIt"/>
+              </a:rPr>
+              <a:t>Adobe</a:t>
+            </a:r>
+            <a:r>
+              <a:rPr sz="1100" i="1" spc="-50">
+                <a:solidFill>
+                  <a:srgbClr val="777879"/>
+                </a:solidFill>
+                <a:latin typeface="AdobeClean-LightIt"/>
+                <a:cs typeface="AdobeClean-LightIt"/>
+              </a:rPr>
+              <a:t> </a:t>
+            </a:r>
+            <a:r>
+              <a:rPr sz="1100" i="1" spc="-15">
+                <a:solidFill>
+                  <a:srgbClr val="777879"/>
+                </a:solidFill>
+                <a:latin typeface="AdobeClean-LightIt"/>
+                <a:cs typeface="AdobeClean-LightIt"/>
+              </a:rPr>
+              <a:t>Support</a:t>
+            </a:r>
+            <a:r>
+              <a:rPr lang="en-US" sz="1100" i="1" spc="-15">
+                <a:solidFill>
+                  <a:srgbClr val="777879"/>
+                </a:solidFill>
+                <a:latin typeface="AdobeClean-LightIt"/>
+                <a:cs typeface="AdobeClean-LightIt"/>
+              </a:rPr>
+              <a:t> Offerings</a:t>
+            </a:r>
+            <a:r>
+              <a:rPr sz="1100" i="1" spc="-75">
+                <a:solidFill>
+                  <a:srgbClr val="777879"/>
+                </a:solidFill>
+                <a:latin typeface="AdobeClean-LightIt"/>
+                <a:cs typeface="AdobeClean-LightIt"/>
+              </a:rPr>
+              <a:t> </a:t>
+            </a:r>
+            <a:r>
+              <a:rPr sz="1100" i="1" spc="-15">
+                <a:solidFill>
+                  <a:srgbClr val="777879"/>
+                </a:solidFill>
+                <a:latin typeface="AdobeClean-LightIt"/>
+                <a:cs typeface="AdobeClean-LightIt"/>
+              </a:rPr>
+              <a:t>and</a:t>
+            </a:r>
+            <a:r>
+              <a:rPr sz="1100" i="1" spc="-50">
+                <a:solidFill>
+                  <a:srgbClr val="777879"/>
+                </a:solidFill>
+                <a:latin typeface="AdobeClean-LightIt"/>
+                <a:cs typeface="AdobeClean-LightIt"/>
+              </a:rPr>
+              <a:t> </a:t>
+            </a:r>
+            <a:r>
+              <a:rPr sz="1100" i="1" spc="-15">
+                <a:solidFill>
+                  <a:srgbClr val="777879"/>
+                </a:solidFill>
+                <a:latin typeface="AdobeClean-LightIt"/>
+                <a:cs typeface="AdobeClean-LightIt"/>
+              </a:rPr>
+              <a:t>the</a:t>
+            </a:r>
+            <a:r>
+              <a:rPr sz="1100" i="1" spc="-55">
+                <a:solidFill>
+                  <a:srgbClr val="777879"/>
+                </a:solidFill>
+                <a:latin typeface="AdobeClean-LightIt"/>
+                <a:cs typeface="AdobeClean-LightIt"/>
+              </a:rPr>
+              <a:t> </a:t>
+            </a:r>
+            <a:r>
+              <a:rPr sz="1100" i="1" spc="-15">
+                <a:solidFill>
+                  <a:srgbClr val="777879"/>
+                </a:solidFill>
+                <a:latin typeface="AdobeClean-LightIt"/>
+                <a:cs typeface="AdobeClean-LightIt"/>
+              </a:rPr>
+              <a:t>right</a:t>
+            </a:r>
+            <a:r>
+              <a:rPr sz="1100" i="1" spc="-95">
+                <a:solidFill>
+                  <a:srgbClr val="777879"/>
+                </a:solidFill>
+                <a:latin typeface="AdobeClean-LightIt"/>
+                <a:cs typeface="AdobeClean-LightIt"/>
+              </a:rPr>
+              <a:t> </a:t>
+            </a:r>
+            <a:r>
+              <a:rPr sz="1100" i="1" spc="-15">
+                <a:solidFill>
+                  <a:srgbClr val="777879"/>
+                </a:solidFill>
+                <a:latin typeface="AdobeClean-LightIt"/>
+                <a:cs typeface="AdobeClean-LightIt"/>
+              </a:rPr>
+              <a:t>level</a:t>
+            </a:r>
+            <a:r>
+              <a:rPr sz="1100" i="1" spc="-55">
+                <a:solidFill>
+                  <a:srgbClr val="777879"/>
+                </a:solidFill>
+                <a:latin typeface="AdobeClean-LightIt"/>
+                <a:cs typeface="AdobeClean-LightIt"/>
+              </a:rPr>
+              <a:t> </a:t>
+            </a:r>
+            <a:r>
+              <a:rPr sz="1100" i="1" spc="-15">
+                <a:solidFill>
+                  <a:srgbClr val="777879"/>
+                </a:solidFill>
+                <a:latin typeface="AdobeClean-LightIt"/>
+                <a:cs typeface="AdobeClean-LightIt"/>
+              </a:rPr>
+              <a:t>for</a:t>
+            </a:r>
+            <a:r>
+              <a:rPr sz="1100" i="1" spc="-85">
+                <a:solidFill>
+                  <a:srgbClr val="777879"/>
+                </a:solidFill>
+                <a:latin typeface="AdobeClean-LightIt"/>
+                <a:cs typeface="AdobeClean-LightIt"/>
+              </a:rPr>
+              <a:t> </a:t>
+            </a:r>
+            <a:r>
+              <a:rPr sz="1100" i="1" spc="-15">
+                <a:solidFill>
+                  <a:srgbClr val="777879"/>
+                </a:solidFill>
+                <a:latin typeface="AdobeClean-LightIt"/>
+                <a:cs typeface="AdobeClean-LightIt"/>
+              </a:rPr>
+              <a:t>you,</a:t>
+            </a:r>
+            <a:r>
+              <a:rPr sz="1100" i="1" spc="-65">
+                <a:solidFill>
+                  <a:srgbClr val="777879"/>
+                </a:solidFill>
+                <a:latin typeface="AdobeClean-LightIt"/>
+                <a:cs typeface="AdobeClean-LightIt"/>
+              </a:rPr>
+              <a:t> </a:t>
+            </a:r>
+            <a:r>
+              <a:rPr sz="1100" i="1" spc="-15">
+                <a:solidFill>
+                  <a:srgbClr val="777879"/>
+                </a:solidFill>
+                <a:latin typeface="AdobeClean-LightIt"/>
+                <a:cs typeface="AdobeClean-LightIt"/>
+              </a:rPr>
+              <a:t>contact</a:t>
+            </a:r>
+            <a:r>
+              <a:rPr sz="1100" i="1" spc="-85">
+                <a:solidFill>
+                  <a:srgbClr val="777879"/>
+                </a:solidFill>
+                <a:latin typeface="AdobeClean-LightIt"/>
+                <a:cs typeface="AdobeClean-LightIt"/>
+              </a:rPr>
+              <a:t> </a:t>
+            </a:r>
+            <a:r>
+              <a:rPr sz="1100" i="1" spc="-15">
+                <a:solidFill>
+                  <a:srgbClr val="777879"/>
+                </a:solidFill>
+                <a:latin typeface="AdobeClean-LightIt"/>
+                <a:cs typeface="AdobeClean-LightIt"/>
+              </a:rPr>
+              <a:t>your</a:t>
+            </a:r>
+            <a:r>
+              <a:rPr sz="1100" i="1" spc="-70">
+                <a:solidFill>
+                  <a:srgbClr val="777879"/>
+                </a:solidFill>
+                <a:latin typeface="AdobeClean-LightIt"/>
+                <a:cs typeface="AdobeClean-LightIt"/>
+              </a:rPr>
+              <a:t> </a:t>
+            </a:r>
+            <a:r>
+              <a:rPr sz="1100" i="1" spc="-15">
+                <a:solidFill>
+                  <a:srgbClr val="777879"/>
+                </a:solidFill>
+                <a:latin typeface="AdobeClean-LightIt"/>
+                <a:cs typeface="AdobeClean-LightIt"/>
+              </a:rPr>
+              <a:t>Named</a:t>
+            </a:r>
+            <a:r>
+              <a:rPr sz="1100" i="1" spc="-55">
+                <a:solidFill>
+                  <a:srgbClr val="777879"/>
+                </a:solidFill>
+                <a:latin typeface="AdobeClean-LightIt"/>
+                <a:cs typeface="AdobeClean-LightIt"/>
+              </a:rPr>
+              <a:t> </a:t>
+            </a:r>
+            <a:r>
+              <a:rPr sz="1100" i="1" spc="-25">
+                <a:solidFill>
+                  <a:srgbClr val="777879"/>
+                </a:solidFill>
+                <a:latin typeface="AdobeClean-LightIt"/>
+                <a:cs typeface="AdobeClean-LightIt"/>
+              </a:rPr>
+              <a:t>Account</a:t>
+            </a:r>
+            <a:r>
+              <a:rPr sz="1100" i="1" spc="-120">
+                <a:solidFill>
+                  <a:srgbClr val="777879"/>
+                </a:solidFill>
+                <a:latin typeface="AdobeClean-LightIt"/>
+                <a:cs typeface="AdobeClean-LightIt"/>
+              </a:rPr>
+              <a:t> </a:t>
+            </a:r>
+            <a:r>
+              <a:rPr sz="1100" i="1" spc="-20">
+                <a:solidFill>
+                  <a:srgbClr val="777879"/>
+                </a:solidFill>
+                <a:latin typeface="AdobeClean-LightIt"/>
+                <a:cs typeface="AdobeClean-LightIt"/>
+              </a:rPr>
+              <a:t>Manager</a:t>
+            </a:r>
+            <a:r>
+              <a:rPr lang="en-US" sz="1100" i="1" spc="-20">
+                <a:solidFill>
+                  <a:srgbClr val="777879"/>
+                </a:solidFill>
+                <a:latin typeface="AdobeClean-LightIt"/>
+                <a:cs typeface="AdobeClean-LightIt"/>
+              </a:rPr>
+              <a:t> </a:t>
+            </a:r>
+            <a:r>
+              <a:rPr sz="1100" i="1" spc="-20">
+                <a:solidFill>
+                  <a:srgbClr val="777879"/>
+                </a:solidFill>
+                <a:latin typeface="AdobeClean-LightIt"/>
+                <a:cs typeface="AdobeClean-LightIt"/>
+              </a:rPr>
+              <a:t> </a:t>
+            </a:r>
+            <a:r>
+              <a:rPr sz="1100" i="1" spc="-15">
+                <a:solidFill>
+                  <a:srgbClr val="777879"/>
+                </a:solidFill>
+                <a:latin typeface="AdobeClean-LightIt"/>
+                <a:cs typeface="AdobeClean-LightIt"/>
+              </a:rPr>
+              <a:t>(NAM) </a:t>
+            </a:r>
+            <a:r>
+              <a:rPr sz="1100" i="1" spc="-10">
+                <a:solidFill>
+                  <a:srgbClr val="777879"/>
+                </a:solidFill>
+                <a:latin typeface="AdobeClean-LightIt"/>
+                <a:cs typeface="AdobeClean-LightIt"/>
+              </a:rPr>
+              <a:t>or </a:t>
+            </a:r>
+            <a:r>
+              <a:rPr sz="1100" i="1" spc="-15">
+                <a:solidFill>
+                  <a:srgbClr val="777879"/>
+                </a:solidFill>
+                <a:latin typeface="AdobeClean-LightIt"/>
+                <a:cs typeface="AdobeClean-LightIt"/>
+              </a:rPr>
+              <a:t>Customer</a:t>
+            </a:r>
+            <a:r>
+              <a:rPr lang="en-US" sz="1100" i="1" spc="-15">
+                <a:solidFill>
+                  <a:srgbClr val="777879"/>
+                </a:solidFill>
+                <a:latin typeface="AdobeClean-LightIt"/>
+                <a:cs typeface="AdobeClean-LightIt"/>
+              </a:rPr>
+              <a:t> </a:t>
+            </a:r>
+            <a:r>
+              <a:rPr lang="en-US" sz="1100" i="1" spc="-20">
+                <a:solidFill>
+                  <a:srgbClr val="777879"/>
+                </a:solidFill>
+                <a:latin typeface="AdobeClean-LightIt"/>
+                <a:cs typeface="AdobeClean-LightIt"/>
+              </a:rPr>
+              <a:t>Success </a:t>
+            </a:r>
+            <a:r>
+              <a:rPr lang="en-US" sz="1100" i="1" spc="-15">
+                <a:solidFill>
+                  <a:srgbClr val="777879"/>
+                </a:solidFill>
+                <a:latin typeface="AdobeClean-LightIt"/>
+                <a:cs typeface="AdobeClean-LightIt"/>
+              </a:rPr>
+              <a:t>Manager </a:t>
+            </a:r>
+            <a:r>
+              <a:rPr sz="1100" i="1" spc="-15">
+                <a:solidFill>
+                  <a:srgbClr val="777879"/>
+                </a:solidFill>
+                <a:latin typeface="AdobeClean-LightIt"/>
+                <a:cs typeface="AdobeClean-LightIt"/>
+              </a:rPr>
+              <a:t>(CSM)</a:t>
+            </a:r>
+            <a:endParaRPr sz="1100">
+              <a:latin typeface="AdobeClean-LightIt"/>
+              <a:cs typeface="AdobeClean-LightIt"/>
+            </a:endParaRPr>
           </a:p>
           <a:p>
             <a:pPr marL="34290">
@@ -9271,55 +10509,59 @@
               </a:spcBef>
             </a:pPr>
             <a:r>
-              <a:rPr lang="fr-FR" sz="800" dirty="0">
+              <a:rPr sz="800" spc="-5">
                 <a:solidFill>
                   <a:srgbClr val="6D6D6D"/>
                 </a:solidFill>
                 <a:latin typeface="Adobe Clean"/>
                 <a:cs typeface="Adobe Clean"/>
               </a:rPr>
-              <a:t>©2021 Adobe. All </a:t>
-            </a:r>
-            <a:r>
-              <a:rPr lang="fr-FR" sz="800" dirty="0" err="1">
+              <a:t>©202</a:t>
+            </a:r>
+            <a:r>
+              <a:rPr lang="en-US" sz="800" spc="-5">
                 <a:solidFill>
                   <a:srgbClr val="6D6D6D"/>
                 </a:solidFill>
                 <a:latin typeface="Adobe Clean"/>
                 <a:cs typeface="Adobe Clean"/>
               </a:rPr>
-              <a:t>Rights</a:t>
-            </a:r>
-            <a:r>
-              <a:rPr lang="fr-FR" sz="800" dirty="0">
+              <a:t>1</a:t>
+            </a:r>
+            <a:r>
+              <a:rPr sz="800" spc="-5">
                 <a:solidFill>
                   <a:srgbClr val="6D6D6D"/>
                 </a:solidFill>
                 <a:latin typeface="Adobe Clean"/>
                 <a:cs typeface="Adobe Clean"/>
               </a:rPr>
-              <a:t> </a:t>
-            </a:r>
-            <a:r>
-              <a:rPr lang="fr-FR" sz="800" dirty="0" err="1">
+              <a:t> Adobe. All Rights Reserved. Adobe</a:t>
+            </a:r>
+            <a:r>
+              <a:rPr sz="800" spc="75">
                 <a:solidFill>
                   <a:srgbClr val="6D6D6D"/>
                 </a:solidFill>
                 <a:latin typeface="Adobe Clean"/>
                 <a:cs typeface="Adobe Clean"/>
               </a:rPr>
-              <a:t>Reserved</a:t>
-            </a:r>
-            <a:r>
-              <a:rPr lang="fr-FR" sz="800" dirty="0">
+              <a:t> </a:t>
+            </a:r>
+            <a:r>
+              <a:rPr sz="800" spc="-5">
                 <a:solidFill>
                   <a:srgbClr val="6D6D6D"/>
                 </a:solidFill>
                 <a:latin typeface="Adobe Clean"/>
                 <a:cs typeface="Adobe Clean"/>
               </a:rPr>
-              <a:t>. Données confidentielles Adobe</a:t>
-            </a:r>
+              <a:t>Confidential.</a:t>
+            </a:r>
+            <a:endParaRPr sz="800">
+              <a:latin typeface="Adobe Clean"/>
+              <a:cs typeface="Adobe Clean"/>
+            </a:endParaRPr>
           </a:p>
         </p:txBody>
       </p:sp>
@@ -9337,8 +10579,8 @@
         </p:nvSpPr>
         <p:spPr>
           <a:xfrm>
-            <a:off x="197232" y="5031270"/>
-            <a:ext cx="7140827" cy="755976"/>
+            <a:off x="197233" y="5031270"/>
+            <a:ext cx="6476646" cy="755976"/>
           </a:xfrm>
           <a:prstGeom prst="rect">
             <a:avLst/>
@@ -9356,15 +10598,19 @@
               </a:spcBef>
             </a:pPr>
             <a:r>
-              <a:rPr lang="fr-FR" sz="1400" b="1" dirty="0">
+              <a:rPr lang="en-US" sz="1400" b="1" spc="-15">
                 <a:solidFill>
                   <a:srgbClr val="020302"/>
                 </a:solidFill>
                 <a:latin typeface="Adobe Clean"/>
                 <a:cs typeface="Adobe Clean"/>
               </a:rPr>
-              <a:t>Portée régionale de l’assistance Adobe, heures ouvrables locales et assistance linguistique</a:t>
-            </a:r>
+              <a:t>Regional scope of Adobe Support, Local Hours Of Operation And Language Support</a:t>
+            </a:r>
+            <a:endParaRPr lang="en-US" sz="1400" spc="-15">
+              <a:ea typeface="+mn-lt"/>
+              <a:cs typeface="+mn-lt"/>
+            </a:endParaRPr>
           </a:p>
           <a:p>
             <a:pPr>
@@ -9373,14 +10619,15 @@
               </a:spcBef>
             </a:pPr>
             <a:r>
-              <a:rPr lang="fr-FR" sz="1000" dirty="0">
+              <a:rPr lang="en-US" sz="1000" spc="-15">
                 <a:solidFill>
                   <a:srgbClr val="1F1F1F"/>
                 </a:solidFill>
                 <a:latin typeface="AdobeClean-Light"/>
               </a:rPr>
-              <a:t>La portée régionale de l’assistance Adobe est définie par l’alignement de l’adresse de facturation du client (se trouvant sur le bon de commande ou tout autre document d’achat de l’assistance Adobe) avec l’une des régions suivantes :</a:t>
-            </a:r>
+              <a:t>The Regional scope of Adobe Support is established by aligning the customer's billing address (via the Sales Order or other Adobe Support purchasing document) to one of the following regions:</a:t>
+            </a:r>
+            <a:endParaRPr lang="en-US"/>
           </a:p>
         </p:txBody>
       </p:sp>
@@ -9399,7 +10646,7 @@
           <p:nvPr>
             <p:extLst>
               <p:ext uri="{D42A27DB-BD31-4B8C-83A1-F6EECF244321}">
-                <p14:modId xmlns:p14="http://schemas.microsoft.com/office/powerpoint/2010/main" val="500150918"/>
+                <p14:modId xmlns:p14="http://schemas.microsoft.com/office/powerpoint/2010/main" val="2969235217"/>
               </p:ext>
             </p:extLst>
           </p:nvPr>
@@ -9452,13 +10699,13 @@
                     <a:p>
                       <a:pPr algn="ctr"/>
                       <a:r>
-                        <a:rPr lang="fr-FR" sz="1100">
+                        <a:rPr lang="en-US" sz="1100">
                           <a:solidFill>
                             <a:schemeClr val="tx1"/>
                           </a:solidFill>
                           <a:latin typeface="Adobe Clean"/>
                         </a:rPr>
-                        <a:t>Amériques</a:t>
+                        <a:t>Americas</a:t>
                       </a:r>
                     </a:p>
                   </a:txBody>
@@ -9517,30 +10764,13 @@
                     <a:p>
                       <a:pPr algn="ctr"/>
                       <a:r>
-                        <a:rPr lang="fr-FR" sz="1100">
+                        <a:rPr lang="en-US" sz="1100">
                           <a:solidFill>
                             <a:schemeClr val="tx1"/>
                           </a:solidFill>
                           <a:latin typeface="Adobe Clean"/>
                         </a:rPr>
-                        <a:t>Europe, Moyen-Orient </a:t>
-                      </a:r>
-                      <a:br>
-                        <a:rPr lang="fr-FR" sz="1100">
-                          <a:solidFill>
-                            <a:schemeClr val="tx1"/>
-                          </a:solidFill>
-                          <a:latin typeface="Adobe Clean"/>
-                        </a:rPr>
-                      </a:br>
-                      <a:r>
-                        <a:rPr lang="fr-FR" sz="1100">
-                          <a:solidFill>
-                            <a:schemeClr val="tx1"/>
-                          </a:solidFill>
-                          <a:latin typeface="Adobe Clean"/>
-                        </a:rPr>
-                        <a:t>et Afrique</a:t>
+                        <a:t>Europe, Middle East &amp; Africa</a:t>
                       </a:r>
                     </a:p>
                   </a:txBody>
@@ -9599,13 +10829,13 @@
                     <a:p>
                       <a:pPr algn="ctr"/>
                       <a:r>
-                        <a:rPr lang="fr-FR" sz="1100">
+                        <a:rPr lang="en-US" sz="1100">
                           <a:solidFill>
                             <a:schemeClr val="tx1"/>
                           </a:solidFill>
                           <a:latin typeface="Adobe Clean"/>
                         </a:rPr>
-                        <a:t>Asie-Pacifique</a:t>
+                        <a:t>Asia Pacific</a:t>
                       </a:r>
                     </a:p>
                   </a:txBody>
@@ -9664,16 +10894,16 @@
                     <a:p>
                       <a:pPr algn="ctr"/>
                       <a:r>
-                        <a:rPr lang="fr-FR" sz="1100">
+                        <a:rPr lang="en-US" sz="1100">
                           <a:solidFill>
                             <a:schemeClr val="tx1"/>
                           </a:solidFill>
                           <a:latin typeface="Adobe Clean"/>
                         </a:rPr>
-                        <a:t>Japon </a:t>
+                        <a:t>Japan </a:t>
                       </a:r>
                       <a:r>
-                        <a:rPr lang="fr-FR" sz="1100" baseline="30000">
+                        <a:rPr lang="en-US" sz="1100" baseline="30000">
                           <a:solidFill>
                             <a:schemeClr val="tx1"/>
                           </a:solidFill>
@@ -9681,6 +10911,12 @@
                         </a:rPr>
                         <a:t>1 </a:t>
                       </a:r>
+                      <a:endParaRPr lang="en-US" sz="1100">
+                        <a:solidFill>
+                          <a:schemeClr val="tx1"/>
+                        </a:solidFill>
+                        <a:latin typeface="Adobe Clean" panose="020B0503020404020204" pitchFamily="34" charset="0"/>
+                      </a:endParaRPr>
                     </a:p>
                   </a:txBody>
                   <a:tcPr anchor="ctr">
@@ -9745,13 +10981,13 @@
                     <a:p>
                       <a:pPr algn="ctr"/>
                       <a:r>
-                        <a:rPr lang="fr-FR" sz="1100">
+                        <a:rPr lang="en-US" sz="1100">
                           <a:solidFill>
                             <a:schemeClr val="tx1"/>
                           </a:solidFill>
                           <a:latin typeface="Adobe Clean"/>
                         </a:rPr>
-                        <a:t>6 h 00 à 17 h 30</a:t>
+                        <a:t>6 am – 5:30 pm</a:t>
                       </a:r>
                     </a:p>
                   </a:txBody>
@@ -9810,13 +11046,13 @@
                     <a:p>
                       <a:pPr algn="ctr"/>
                       <a:r>
-                        <a:rPr lang="fr-FR" sz="1100">
+                        <a:rPr lang="en-US" sz="1100">
                           <a:solidFill>
                             <a:schemeClr val="tx1"/>
                           </a:solidFill>
                           <a:latin typeface="Adobe Clean"/>
                         </a:rPr>
-                        <a:t>9 h 00 à 17 h 00</a:t>
+                        <a:t>9 am – 5 pm</a:t>
                       </a:r>
                     </a:p>
                   </a:txBody>
@@ -9875,13 +11111,13 @@
                     <a:p>
                       <a:pPr algn="ctr"/>
                       <a:r>
-                        <a:rPr lang="fr-FR" sz="1100">
+                        <a:rPr lang="en-US" sz="1100">
                           <a:solidFill>
                             <a:schemeClr val="tx1"/>
                           </a:solidFill>
                           <a:latin typeface="Adobe Clean"/>
                         </a:rPr>
-                        <a:t>9 h 00 à 17 h 00</a:t>
+                        <a:t>9 am – 5 pm</a:t>
                       </a:r>
                     </a:p>
                   </a:txBody>
@@ -9940,13 +11176,13 @@
                     <a:p>
                       <a:pPr algn="ctr"/>
                       <a:r>
-                        <a:rPr lang="fr-FR" sz="1100">
+                        <a:rPr lang="en-US" sz="1100">
                           <a:solidFill>
                             <a:schemeClr val="tx1"/>
                           </a:solidFill>
                           <a:latin typeface="Adobe Clean"/>
                         </a:rPr>
-                        <a:t>9 h 00 à 17 h 30</a:t>
+                        <a:t>9 am – 5:30 pm</a:t>
                       </a:r>
                     </a:p>
                   </a:txBody>
@@ -10026,10 +11262,11 @@
                         <a:buNone/>
                       </a:pPr>
                       <a:r>
-                        <a:rPr lang="fr-FR" sz="1100" b="1" i="0" u="none" strike="noStrike" cap="none" normalizeH="0" baseline="30000" noProof="0" dirty="0">
+                        <a:rPr lang="en-US" sz="1100" b="1" i="0" u="none" strike="noStrike" kern="0" cap="none" spc="0" normalizeH="0" baseline="30000" noProof="0">
                           <a:ln>
                             <a:noFill/>
                           </a:ln>
+                          <a:effectLst/>
                           <a:uLnTx/>
                           <a:uFillTx/>
                           <a:latin typeface="Adobe Clean"/>
@@ -10039,16 +11276,17 @@
                         <a:t> </a:t>
                       </a:r>
                       <a:r>
-                        <a:rPr lang="fr-FR" sz="1100" dirty="0">
+                        <a:rPr lang="en-US" sz="1100">
                           <a:solidFill>
                             <a:schemeClr val="tx1"/>
                           </a:solidFill>
                           <a:latin typeface="Adobe Clean"/>
-                          <a:ea typeface="+mn-ea"/>
-                          <a:cs typeface="+mn-cs"/>
                         </a:rPr>
-                        <a:t>L’assistance linguistique est uniquement disponible en anglais et en japonais.</a:t>
+                        <a:t>Language support is only available in English and Japanese.</a:t>
                       </a:r>
+                      <a:endParaRPr lang="en-US">
+                        <a:latin typeface="Adobe Clean"/>
+                      </a:endParaRPr>
                     </a:p>
                     <a:p>
                       <a:pPr marL="0" marR="0" lvl="0" indent="0" algn="ctr">
@@ -10067,18 +11305,18 @@
                         <a:buNone/>
                       </a:pPr>
                       <a:r>
-                        <a:rPr lang="fr-FR" sz="1100" i="1" dirty="0">
+                        <a:rPr lang="en-US" sz="1100" i="1">
                           <a:solidFill>
                             <a:schemeClr val="tx1"/>
                           </a:solidFill>
                           <a:latin typeface="Adobe Clean"/>
                         </a:rPr>
-                        <a:t>*Adobe Commerce exclut l’assistance linguistique japonaise.</a:t>
+                        <a:t>*Adobe Commerce excludes Japanese languages support.</a:t>
                       </a:r>
                     </a:p>
                     <a:p>
-                      <a:pPr algn="l" rtl="0"/>
-                      <a:endParaRPr kumimoji="0" lang="en-US" sz="1100" b="1" i="0" u="none" strike="noStrike" kern="0" cap="none" spc="0" normalizeH="0" baseline="30000" noProof="0" dirty="0">
+                      <a:pPr algn="ctr"/>
+                      <a:endParaRPr kumimoji="0" lang="en-US" sz="1100" b="1" i="0" u="none" strike="noStrike" kern="0" cap="none" spc="0" normalizeH="0" baseline="30000" noProof="0">
                         <a:ln>
                           <a:noFill/>
                         </a:ln>
@@ -10096,7 +11334,7 @@
                     <a:p>
                       <a:pPr algn="ctr"/>
                       <a:r>
-                        <a:rPr lang="fr-FR" sz="1100" i="0" dirty="0">
+                        <a:rPr lang="en-US" sz="1100" i="0">
                           <a:solidFill>
                             <a:schemeClr val="tx1"/>
                           </a:solidFill>
@@ -10105,7 +11343,7 @@
                         <a:t> </a:t>
                       </a:r>
                       <a:r>
-                        <a:rPr lang="fr-FR" sz="1100" i="0" baseline="30000" dirty="0">
+                        <a:rPr lang="en-US" sz="1100" i="0" baseline="30000">
                           <a:solidFill>
                             <a:schemeClr val="tx1"/>
                           </a:solidFill>
@@ -10114,14 +11352,20 @@
                         <a:t>1 </a:t>
                       </a:r>
                       <a:r>
-                        <a:rPr lang="fr-FR" sz="1100" i="0" dirty="0">
+                        <a:rPr lang="en-US" sz="1100" i="0">
                           <a:solidFill>
                             <a:schemeClr val="tx1"/>
                           </a:solidFill>
                           <a:latin typeface="Adobe Clean"/>
                         </a:rPr>
-                        <a:t>Les cas P2, P3 et P4 sont limités aux heures ouvrables uniquement au Japon.</a:t>
+                        <a:t>P2, P3, P4 cases are limited to business hours only in Japan.</a:t>
                       </a:r>
+                      <a:endParaRPr lang="en-US" sz="1100" b="1" i="0">
+                        <a:solidFill>
+                          <a:schemeClr val="tx1"/>
+                        </a:solidFill>
+                        <a:latin typeface="Adobe Clean"/>
+                      </a:endParaRPr>
                     </a:p>
                   </a:txBody>
                   <a:tcPr anchor="ctr">
@@ -10463,8 +11707,8 @@
         </p:nvSpPr>
         <p:spPr>
           <a:xfrm>
-            <a:off x="2606437" y="8528519"/>
-            <a:ext cx="1279764" cy="385445"/>
+            <a:off x="2840871" y="8528519"/>
+            <a:ext cx="810895" cy="385445"/>
           </a:xfrm>
           <a:prstGeom prst="rect">
             <a:avLst/>
@@ -10476,7 +11720,7 @@
           </a:bodyPr>
           <a:lstStyle/>
           <a:p>
-            <a:pPr marR="5080" algn="ctr">
+            <a:pPr marL="139065" marR="5080" indent="-139065">
               <a:lnSpc>
                 <a:spcPts val="1390"/>
               </a:lnSpc>
@@ -10485,15 +11729,129 @@
               </a:spcBef>
             </a:pPr>
             <a:r>
-              <a:rPr lang="fr-FR" sz="1200" b="1" dirty="0">
+              <a:rPr sz="1200" b="1" spc="-15">
                 <a:solidFill>
                   <a:srgbClr val="FFFFFF"/>
                 </a:solidFill>
                 <a:latin typeface="Adobe Clean"/>
                 <a:cs typeface="Adobe Clean"/>
               </a:rPr>
-              <a:t>Expertise incomparable</a:t>
-            </a:r>
+              <a:t>U</a:t>
+            </a:r>
+            <a:r>
+              <a:rPr sz="1200" b="1" spc="-20">
+                <a:solidFill>
+                  <a:srgbClr val="FFFFFF"/>
+                </a:solidFill>
+                <a:latin typeface="Adobe Clean"/>
+                <a:cs typeface="Adobe Clean"/>
+              </a:rPr>
+              <a:t>n</a:t>
+            </a:r>
+            <a:r>
+              <a:rPr sz="1200" b="1" spc="-25">
+                <a:solidFill>
+                  <a:srgbClr val="FFFFFF"/>
+                </a:solidFill>
+                <a:latin typeface="Adobe Clean"/>
+                <a:cs typeface="Adobe Clean"/>
+              </a:rPr>
+              <a:t>p</a:t>
+            </a:r>
+            <a:r>
+              <a:rPr sz="1200" b="1" spc="-15">
+                <a:solidFill>
+                  <a:srgbClr val="FFFFFF"/>
+                </a:solidFill>
+                <a:latin typeface="Adobe Clean"/>
+                <a:cs typeface="Adobe Clean"/>
+              </a:rPr>
+              <a:t>a</a:t>
+            </a:r>
+            <a:r>
+              <a:rPr sz="1200" b="1" spc="-25">
+                <a:solidFill>
+                  <a:srgbClr val="FFFFFF"/>
+                </a:solidFill>
+                <a:latin typeface="Adobe Clean"/>
+                <a:cs typeface="Adobe Clean"/>
+              </a:rPr>
+              <a:t>r</a:t>
+            </a:r>
+            <a:r>
+              <a:rPr sz="1200" b="1" spc="-15">
+                <a:solidFill>
+                  <a:srgbClr val="FFFFFF"/>
+                </a:solidFill>
+                <a:latin typeface="Adobe Clean"/>
+                <a:cs typeface="Adobe Clean"/>
+              </a:rPr>
+              <a:t>a</a:t>
+            </a:r>
+            <a:r>
+              <a:rPr sz="1200" b="1" spc="-30">
+                <a:solidFill>
+                  <a:srgbClr val="FFFFFF"/>
+                </a:solidFill>
+                <a:latin typeface="Adobe Clean"/>
+                <a:cs typeface="Adobe Clean"/>
+              </a:rPr>
+              <a:t>ll</a:t>
+            </a:r>
+            <a:r>
+              <a:rPr sz="1200" b="1" spc="-25">
+                <a:solidFill>
+                  <a:srgbClr val="FFFFFF"/>
+                </a:solidFill>
+                <a:latin typeface="Adobe Clean"/>
+                <a:cs typeface="Adobe Clean"/>
+              </a:rPr>
+              <a:t>e</a:t>
+            </a:r>
+            <a:r>
+              <a:rPr sz="1200" b="1" spc="-30">
+                <a:solidFill>
+                  <a:srgbClr val="FFFFFF"/>
+                </a:solidFill>
+                <a:latin typeface="Adobe Clean"/>
+                <a:cs typeface="Adobe Clean"/>
+              </a:rPr>
+              <a:t>l</a:t>
+            </a:r>
+            <a:r>
+              <a:rPr sz="1200" b="1" spc="-25">
+                <a:solidFill>
+                  <a:srgbClr val="FFFFFF"/>
+                </a:solidFill>
+                <a:latin typeface="Adobe Clean"/>
+                <a:cs typeface="Adobe Clean"/>
+              </a:rPr>
+              <a:t>e</a:t>
+            </a:r>
+            <a:r>
+              <a:rPr sz="1200" b="1">
+                <a:solidFill>
+                  <a:srgbClr val="FFFFFF"/>
+                </a:solidFill>
+                <a:latin typeface="Adobe Clean"/>
+                <a:cs typeface="Adobe Clean"/>
+              </a:rPr>
+              <a:t>d  </a:t>
+            </a:r>
+            <a:r>
+              <a:rPr sz="1200" b="1" spc="-25">
+                <a:solidFill>
+                  <a:srgbClr val="FFFFFF"/>
+                </a:solidFill>
+                <a:latin typeface="Adobe Clean"/>
+                <a:cs typeface="Adobe Clean"/>
+              </a:rPr>
+              <a:t>Expertise</a:t>
+            </a:r>
+            <a:endParaRPr sz="1200">
+              <a:latin typeface="Adobe Clean"/>
+              <a:cs typeface="Adobe Clean"/>
+            </a:endParaRPr>
           </a:p>
         </p:txBody>
       </p:sp>
@@ -10524,7 +11882,7 @@
           </a:bodyPr>
           <a:lstStyle/>
           <a:p>
-            <a:pPr marR="5080" algn="ctr">
+            <a:pPr marL="139065" marR="5080" indent="-139065">
               <a:lnSpc>
                 <a:spcPts val="1390"/>
               </a:lnSpc>
@@ -10533,15 +11891,19 @@
               </a:spcBef>
             </a:pPr>
             <a:r>
-              <a:rPr lang="fr-FR" sz="1200" b="1" dirty="0">
+              <a:rPr lang="en-US" sz="1200" b="1" spc="-15">
                 <a:solidFill>
                   <a:srgbClr val="FFFFFF"/>
                 </a:solidFill>
                 <a:latin typeface="Adobe Clean"/>
                 <a:cs typeface="Adobe Clean"/>
               </a:rPr>
-              <a:t>Assistance accélérée</a:t>
-            </a:r>
+              <a:t>Accelerated Support</a:t>
+            </a:r>
+            <a:endParaRPr sz="1200">
+              <a:latin typeface="Adobe Clean"/>
+              <a:cs typeface="Adobe Clean"/>
+            </a:endParaRPr>
           </a:p>
         </p:txBody>
       </p:sp>
@@ -10559,8 +11921,8 @@
         </p:nvSpPr>
         <p:spPr>
           <a:xfrm>
-            <a:off x="6389684" y="8543943"/>
-            <a:ext cx="979410" cy="382797"/>
+            <a:off x="6624119" y="8543943"/>
+            <a:ext cx="510540" cy="385445"/>
           </a:xfrm>
           <a:prstGeom prst="rect">
             <a:avLst/>
@@ -10572,7 +11934,7 @@
           </a:bodyPr>
           <a:lstStyle/>
           <a:p>
-            <a:pPr marR="5080" algn="ctr">
+            <a:pPr marL="50800" marR="5080" indent="-51435">
               <a:lnSpc>
                 <a:spcPts val="1390"/>
               </a:lnSpc>
@@ -10581,15 +11943,109 @@
               </a:spcBef>
             </a:pPr>
             <a:r>
-              <a:rPr lang="fr-FR" sz="1200" b="1" dirty="0">
+              <a:rPr sz="1200" b="1" spc="-50">
                 <a:solidFill>
                   <a:srgbClr val="FFFFFF"/>
                 </a:solidFill>
                 <a:latin typeface="Adobe Clean"/>
                 <a:cs typeface="Adobe Clean"/>
               </a:rPr>
-              <a:t>Conseil stratégique</a:t>
-            </a:r>
+              <a:t>S</a:t>
+            </a:r>
+            <a:r>
+              <a:rPr sz="1200" b="1" spc="-20">
+                <a:solidFill>
+                  <a:srgbClr val="FFFFFF"/>
+                </a:solidFill>
+                <a:latin typeface="Adobe Clean"/>
+                <a:cs typeface="Adobe Clean"/>
+              </a:rPr>
+              <a:t>t</a:t>
+            </a:r>
+            <a:r>
+              <a:rPr sz="1200" b="1" spc="-75">
+                <a:solidFill>
+                  <a:srgbClr val="FFFFFF"/>
+                </a:solidFill>
+                <a:latin typeface="Adobe Clean"/>
+                <a:cs typeface="Adobe Clean"/>
+              </a:rPr>
+              <a:t>r</a:t>
+            </a:r>
+            <a:r>
+              <a:rPr sz="1200" b="1" spc="-90">
+                <a:solidFill>
+                  <a:srgbClr val="FFFFFF"/>
+                </a:solidFill>
+                <a:latin typeface="Adobe Clean"/>
+                <a:cs typeface="Adobe Clean"/>
+              </a:rPr>
+              <a:t>a</a:t>
+            </a:r>
+            <a:r>
+              <a:rPr sz="1200" b="1" spc="-55">
+                <a:solidFill>
+                  <a:srgbClr val="FFFFFF"/>
+                </a:solidFill>
+                <a:latin typeface="Adobe Clean"/>
+                <a:cs typeface="Adobe Clean"/>
+              </a:rPr>
+              <a:t>t</a:t>
+            </a:r>
+            <a:r>
+              <a:rPr sz="1200" b="1" spc="-100">
+                <a:solidFill>
+                  <a:srgbClr val="FFFFFF"/>
+                </a:solidFill>
+                <a:latin typeface="Adobe Clean"/>
+                <a:cs typeface="Adobe Clean"/>
+              </a:rPr>
+              <a:t>e</a:t>
+            </a:r>
+            <a:r>
+              <a:rPr sz="1200" b="1" spc="-80">
+                <a:solidFill>
+                  <a:srgbClr val="FFFFFF"/>
+                </a:solidFill>
+                <a:latin typeface="Adobe Clean"/>
+                <a:cs typeface="Adobe Clean"/>
+              </a:rPr>
+              <a:t>g</a:t>
+            </a:r>
+            <a:r>
+              <a:rPr sz="1200" b="1" spc="-35">
+                <a:solidFill>
+                  <a:srgbClr val="FFFFFF"/>
+                </a:solidFill>
+                <a:latin typeface="Adobe Clean"/>
+                <a:cs typeface="Adobe Clean"/>
+              </a:rPr>
+              <a:t>i</a:t>
+            </a:r>
+            <a:r>
+              <a:rPr sz="1200" b="1">
+                <a:solidFill>
+                  <a:srgbClr val="FFFFFF"/>
+                </a:solidFill>
+                <a:latin typeface="Adobe Clean"/>
+                <a:cs typeface="Adobe Clean"/>
+              </a:rPr>
+              <a:t>c  </a:t>
+            </a:r>
+            <a:r>
+              <a:rPr sz="1200" b="1" spc="-45">
+                <a:solidFill>
+                  <a:srgbClr val="FFFFFF"/>
+                </a:solidFill>
+                <a:latin typeface="Adobe Clean"/>
+                <a:cs typeface="Adobe Clean"/>
+              </a:rPr>
+              <a:t>Advice</a:t>
+            </a:r>
+            <a:endParaRPr sz="1200">
+              <a:latin typeface="Adobe Clean"/>
+              <a:cs typeface="Adobe Clean"/>
+            </a:endParaRPr>
           </a:p>
         </p:txBody>
       </p:sp>
@@ -10608,14 +12064,14 @@
           <p:nvPr>
             <p:extLst>
               <p:ext uri="{D42A27DB-BD31-4B8C-83A1-F6EECF244321}">
-                <p14:modId xmlns:p14="http://schemas.microsoft.com/office/powerpoint/2010/main" val="2184595641"/>
+                <p14:modId xmlns:p14="http://schemas.microsoft.com/office/powerpoint/2010/main" val="3773282750"/>
               </p:ext>
             </p:extLst>
           </p:nvPr>
         </p:nvGraphicFramePr>
         <p:xfrm>
           <a:off x="194236" y="1059345"/>
-          <a:ext cx="7368291" cy="3606800"/>
+          <a:ext cx="7368291" cy="3302000"/>
         </p:xfrm>
         <a:graphic>
           <a:graphicData uri="http://schemas.openxmlformats.org/drawingml/2006/table">
@@ -10624,14 +12080,14 @@
                 <a:tableStyleId>{5C22544A-7EE6-4342-B048-85BDC9FD1C3A}</a:tableStyleId>
               </a:tblPr>
               <a:tblGrid>
-                <a:gridCol w="3230954">
+                <a:gridCol w="3691964">
                   <a:extLst>
                     <a:ext uri="{9D8B030D-6E8A-4147-A177-3AD203B41FA5}">
                       <a16:colId xmlns:a16="http://schemas.microsoft.com/office/drawing/2014/main" val="2364693614"/>
                     </a:ext>
                   </a:extLst>
                 </a:gridCol>
-                <a:gridCol w="4137337">
+                <a:gridCol w="3676327">
                   <a:extLst>
                     <a:ext uri="{9D8B030D-6E8A-4147-A177-3AD203B41FA5}">
                       <a16:colId xmlns:a16="http://schemas.microsoft.com/office/drawing/2014/main" val="1545335406"/>
@@ -10646,7 +12102,7 @@
                     <a:lstStyle/>
                     <a:p>
                       <a:r>
-                        <a:rPr lang="fr-FR" sz="1100" b="0">
+                        <a:rPr lang="en-US" sz="1100" b="0">
                           <a:solidFill>
                             <a:schemeClr val="tx1"/>
                           </a:solidFill>
@@ -10657,6 +12113,14 @@
                         </a:rPr>
                         <a:t>Experience League</a:t>
                       </a:r>
+                      <a:endParaRPr lang="en-US" sz="1100" b="0">
+                        <a:solidFill>
+                          <a:schemeClr val="tx1"/>
+                        </a:solidFill>
+                        <a:latin typeface="Adobe Clean"/>
+                        <a:ea typeface="+mn-ea"/>
+                        <a:cs typeface="+mn-cs"/>
+                      </a:endParaRPr>
                     </a:p>
                   </a:txBody>
                   <a:tcPr marL="47625" marR="47625" marT="0" marB="0" anchor="ctr">
@@ -10728,7 +12192,7 @@
                         <a:buNone/>
                       </a:pPr>
                       <a:r>
-                        <a:rPr lang="fr-FR" sz="1000" b="0">
+                        <a:rPr lang="en-US" sz="1000" b="0" kern="1200">
                           <a:solidFill>
                             <a:srgbClr val="000000"/>
                           </a:solidFill>
@@ -10736,8 +12200,16 @@
                           <a:ea typeface="+mn-ea"/>
                           <a:cs typeface="+mn-cs"/>
                         </a:rPr>
-                        <a:t>Experience League est la manière dont Adobe aide les entreprises à atteindre la valeur qu’elles attendent de leur investissement dans Adobe. Il s’agit de l’endroit commun où les clients peuvent apprendre, se mettre en relation les uns avec les autres et grandir le long d’un chemin personnalisé vers le succès. Il comprend des tutoriels automatiques, de la documentation sur les produits, une formation dispensée par un instructeur, une communauté et une assistance technique. </a:t>
+                        <a:t>Experience League is how Adobe helps businesses achieve the value they expect from their Adobe investment. It’s the unified place where customers can learn, connect, and grow along a personalized path to success that includes self-help tutorials, product documentation, instructor-led training, community and technical support. </a:t>
                       </a:r>
+                      <a:endParaRPr lang="en-US" sz="1000" b="0" kern="1200">
+                        <a:solidFill>
+                          <a:srgbClr val="000000"/>
+                        </a:solidFill>
+                        <a:latin typeface="Adobe Clean Light" panose="020B0303020404020204" pitchFamily="34" charset="0"/>
+                        <a:ea typeface="+mn-ea"/>
+                        <a:cs typeface="+mn-cs"/>
+                      </a:endParaRPr>
                     </a:p>
                   </a:txBody>
                   <a:tcPr anchor="ctr">
@@ -10818,28 +12290,39 @@
                         <a:defRPr/>
                       </a:pPr>
                       <a:r>
-                        <a:rPr lang="fr-FR" sz="1100">
+                        <a:rPr lang="en-US" sz="1100">
                           <a:solidFill>
                             <a:schemeClr val="dk1"/>
                           </a:solidFill>
+                          <a:effectLst/>
                           <a:latin typeface="Adobe Clean"/>
                           <a:ea typeface="+mn-ea"/>
                           <a:cs typeface="+mn-cs"/>
                           <a:hlinkClick r:id="rId8"/>
                         </a:rPr>
-                        <a:t>Formation</a:t>
+                        <a:t>Training</a:t>
                       </a:r>
                       <a:r>
-                        <a:rPr lang="fr-FR" sz="1100">
+                        <a:rPr lang="en-US" sz="1100">
                           <a:solidFill>
                             <a:schemeClr val="dk1"/>
                           </a:solidFill>
+                          <a:effectLst/>
                           <a:latin typeface="Adobe Clean"/>
                           <a:ea typeface="+mn-ea"/>
                           <a:cs typeface="+mn-cs"/>
                         </a:rPr>
                         <a:t> </a:t>
                       </a:r>
+                      <a:endParaRPr lang="en-US" sz="1100">
+                        <a:solidFill>
+                          <a:schemeClr val="tx1"/>
+                        </a:solidFill>
+                        <a:effectLst/>
+                        <a:latin typeface="Adobe Clean"/>
+                        <a:ea typeface="+mn-ea"/>
+                        <a:cs typeface="+mn-cs"/>
+                      </a:endParaRPr>
                     </a:p>
                   </a:txBody>
                   <a:tcPr anchor="ctr">
@@ -10913,7 +12396,7 @@
                         <a:defRPr/>
                       </a:pPr>
                       <a:r>
-                        <a:rPr lang="fr-FR" sz="1000">
+                        <a:rPr lang="en-US" sz="1000" kern="1200">
                           <a:solidFill>
                             <a:srgbClr val="000000"/>
                           </a:solidFill>
@@ -10921,7 +12404,7 @@
                           <a:ea typeface="+mn-ea"/>
                           <a:cs typeface="+mn-cs"/>
                         </a:rPr>
-                        <a:t>Les cours sur les services de formation numérique d’Adobe sont accessibles depuis Experience League. Les cours de formation regroupent des cours à la demande et des cours dispensés par un instructeur.  Grâce à ces cours, vous pouvez acquérir des compétences qui présentent une valeur marchande reconnue et les disposer de manière à stimuler le succès de vos entreprises.</a:t>
+                        <a:t>Adobe Digital Learning Services courses are accessible from Experience League. Learning courses integrate both on-demand and instructor-led lessons.  Here you can accrue skills that have recognized market value and position them to drive success in your organizations.</a:t>
                       </a:r>
                     </a:p>
                   </a:txBody>
@@ -11003,17 +12486,27 @@
                         <a:defRPr/>
                       </a:pPr>
                       <a:r>
-                        <a:rPr lang="fr-FR" sz="1100">
+                        <a:rPr lang="en-US" sz="1100">
                           <a:solidFill>
                             <a:schemeClr val="tx1"/>
                           </a:solidFill>
+                          <a:effectLst/>
                           <a:latin typeface="Adobe Clean"/>
                           <a:ea typeface="+mn-ea"/>
                           <a:cs typeface="+mn-cs"/>
                           <a:hlinkClick r:id="rId9"/>
                         </a:rPr>
-                        <a:t>Problèmes de production et panne du système</a:t>
+                        <a:t>Production Issues &amp; System Outages</a:t>
                       </a:r>
+                      <a:endParaRPr lang="en-US" sz="1100">
+                        <a:solidFill>
+                          <a:schemeClr val="tx1"/>
+                        </a:solidFill>
+                        <a:effectLst/>
+                        <a:latin typeface="Adobe Clean"/>
+                        <a:ea typeface="+mn-ea"/>
+                        <a:cs typeface="+mn-cs"/>
+                      </a:endParaRPr>
                     </a:p>
                   </a:txBody>
                   <a:tcPr anchor="ctr">
@@ -11085,7 +12578,7 @@
                         <a:buNone/>
                       </a:pPr>
                       <a:r>
-                        <a:rPr lang="fr-FR" sz="1000">
+                        <a:rPr lang="en-US" sz="1000" kern="1200">
                           <a:solidFill>
                             <a:srgbClr val="000000"/>
                           </a:solidFill>
@@ -11093,8 +12586,16 @@
                           <a:ea typeface="+mn-ea"/>
                           <a:cs typeface="+mn-cs"/>
                         </a:rPr>
-                        <a:t>Status.adobe.com transmet les informations d’intégrité de tous les produits et services d’Adobe déployés dans des environnements multi-entité. Les clients peuvent choisir leurs préférences d’abonnement afin de recevoir des notifications par e-mail chaque fois qu’Adobe crée, met à jour ou résout un événement de produit. Cet événement peut inclure des problèmes de maintenance planifiée ou de service présentant différents niveaux de gravité. </a:t>
+                        <a:t>Status.adobe.com conveys the health information of all Adobe products and services that are deployed in multi-tenant environments. Customers can choose their subscription preferences to get email notifications whenever Adobe creates, updates or resolves a product event. This can include scheduled maintenance or service issues of varying levels of severity. </a:t>
                       </a:r>
+                      <a:endParaRPr lang="en-US" sz="1000" kern="1200">
+                        <a:solidFill>
+                          <a:srgbClr val="000000"/>
+                        </a:solidFill>
+                        <a:latin typeface="Adobe Clean Light" panose="020B0303020404020204" pitchFamily="34" charset="0"/>
+                        <a:ea typeface="+mn-ea"/>
+                        <a:cs typeface="+mn-cs"/>
+                      </a:endParaRPr>
                     </a:p>
                   </a:txBody>
                   <a:tcPr anchor="ctr">
@@ -11175,17 +12676,27 @@
                         <a:defRPr/>
                       </a:pPr>
                       <a:r>
-                        <a:rPr lang="fr-FR" sz="1100" b="0" i="0">
+                        <a:rPr lang="en-US" sz="1100" b="0" i="0">
                           <a:solidFill>
                             <a:schemeClr val="dk1"/>
                           </a:solidFill>
+                          <a:effectLst/>
                           <a:latin typeface="Adobe Clean"/>
                           <a:ea typeface="+mn-ea"/>
                           <a:cs typeface="+mn-cs"/>
-                          <a:hlinkClick r:id="rId10" tooltip="https://helpx.adobe.com/fr/support/programs/enterprise-support-programs/premier-support-business.html"/>
+                          <a:hlinkClick r:id="rId10" tooltip="https://helpx.adobe.com/support/programs/enterprise-support-programs/premier-support-business.html"/>
                         </a:rPr>
-                        <a:t>Site Web de l’assistance commerciale</a:t>
+                        <a:t>Business Support Website</a:t>
                       </a:r>
+                      <a:endParaRPr lang="en-US" sz="1100" b="0" i="0">
+                        <a:solidFill>
+                          <a:schemeClr val="dk1"/>
+                        </a:solidFill>
+                        <a:effectLst/>
+                        <a:latin typeface="Adobe Clean"/>
+                        <a:ea typeface="+mn-ea"/>
+                        <a:cs typeface="+mn-cs"/>
+                      </a:endParaRPr>
                     </a:p>
                   </a:txBody>
                   <a:tcPr anchor="ctr">
@@ -11242,7 +12753,7 @@
                     <a:lstStyle/>
                     <a:p>
                       <a:r>
-                        <a:rPr lang="fr-FR" sz="1000">
+                        <a:rPr lang="en-US" sz="1000" kern="1200">
                           <a:solidFill>
                             <a:srgbClr val="000000"/>
                           </a:solidFill>
@@ -11250,8 +12761,16 @@
                           <a:ea typeface="+mn-ea"/>
                           <a:cs typeface="+mn-cs"/>
                         </a:rPr>
-                        <a:t>Site Web d’assistance commerciale d’Adobe.</a:t>
+                        <a:t>Adobe Business Support website.</a:t>
                       </a:r>
+                      <a:endParaRPr lang="en-US" sz="1000" kern="1200">
+                        <a:solidFill>
+                          <a:srgbClr val="000000"/>
+                        </a:solidFill>
+                        <a:latin typeface="Adobe Clean Light" panose="020B0303020404020204" pitchFamily="34" charset="0"/>
+                        <a:ea typeface="+mn-ea"/>
+                        <a:cs typeface="+mn-cs"/>
+                      </a:endParaRPr>
                     </a:p>
                   </a:txBody>
                   <a:tcPr anchor="ctr">
@@ -11332,17 +12851,27 @@
                         <a:defRPr/>
                       </a:pPr>
                       <a:r>
-                        <a:rPr lang="fr-FR" sz="1100">
+                        <a:rPr lang="en-US" sz="1100">
                           <a:solidFill>
                             <a:schemeClr val="tx1"/>
                           </a:solidFill>
+                          <a:effectLst/>
                           <a:latin typeface="Adobe Clean"/>
                           <a:ea typeface="+mn-ea"/>
                           <a:cs typeface="+mn-cs"/>
                           <a:hlinkClick r:id="rId11"/>
                         </a:rPr>
-                        <a:t>Termes et conditions</a:t>
+                        <a:t>Terms and Conditions</a:t>
                       </a:r>
+                      <a:endParaRPr lang="en-US" sz="1100">
+                        <a:solidFill>
+                          <a:schemeClr val="tx1"/>
+                        </a:solidFill>
+                        <a:effectLst/>
+                        <a:latin typeface="Adobe Clean"/>
+                        <a:ea typeface="+mn-ea"/>
+                        <a:cs typeface="+mn-cs"/>
+                      </a:endParaRPr>
                     </a:p>
                   </a:txBody>
                   <a:tcPr anchor="ctr">
@@ -11399,7 +12928,7 @@
                     <a:lstStyle/>
                     <a:p>
                       <a:r>
-                        <a:rPr lang="fr-FR" sz="1000" dirty="0">
+                        <a:rPr lang="en-US" sz="1000" kern="1200">
                           <a:solidFill>
                             <a:srgbClr val="000000"/>
                           </a:solidFill>
@@ -11407,8 +12936,16 @@
                           <a:ea typeface="+mn-ea"/>
                           <a:cs typeface="+mn-cs"/>
                         </a:rPr>
-                        <a:t>Il s’agit des termes et conditions détaillant les offres des services d’assistance.</a:t>
+                        <a:t>Terms and conditions detailing Support Services offerings.</a:t>
                       </a:r>
+                      <a:endParaRPr lang="en-US" sz="1000" kern="1200">
+                        <a:solidFill>
+                          <a:srgbClr val="000000"/>
+                        </a:solidFill>
+                        <a:latin typeface="Adobe Clean Light" panose="020B0303020404020204" pitchFamily="34" charset="0"/>
+                        <a:ea typeface="+mn-ea"/>
+                        <a:cs typeface="+mn-cs"/>
+                      </a:endParaRPr>
                     </a:p>
                   </a:txBody>
                   <a:tcPr anchor="ctr">
@@ -12401,15 +13938,15 @@
 <ds:datastoreItem xmlns:ds="http://schemas.openxmlformats.org/officeDocument/2006/customXml" ds:itemID="{10FC3CAF-E6F1-40E3-87D4-6B781C97D6B4}">
   <ds:schemaRefs>
     <ds:schemaRef ds:uri="6c8368ec-3776-49b5-a5bb-90648cf9530f"/>
+    <ds:schemaRef ds:uri="http://purl.org/dc/elements/1.1/"/>
+    <ds:schemaRef ds:uri="http://schemas.openxmlformats.org/package/2006/metadata/core-properties"/>
     <ds:schemaRef ds:uri="8a053bff-88be-49e4-9a87-e748e18b8b62"/>
+    <ds:schemaRef ds:uri="http://www.w3.org/XML/1998/namespace"/>
     <ds:schemaRef ds:uri="http://purl.org/dc/dcmitype/"/>
-    <ds:schemaRef ds:uri="http://purl.org/dc/elements/1.1/"/>
+    <ds:schemaRef ds:uri="http://schemas.microsoft.com/office/2006/documentManagement/types"/>
+    <ds:schemaRef ds:uri="http://schemas.microsoft.com/office/infopath/2007/PartnerControls"/>
+    <ds:schemaRef ds:uri="http://schemas.microsoft.com/office/2006/metadata/properties"/>
     <ds:schemaRef ds:uri="http://purl.org/dc/terms/"/>
-    <ds:schemaRef ds:uri="http://schemas.microsoft.com/office/2006/documentManagement/types"/>
-    <ds:schemaRef ds:uri="http://schemas.microsoft.com/office/2006/metadata/properties"/>
-    <ds:schemaRef ds:uri="http://schemas.microsoft.com/office/infopath/2007/PartnerControls"/>
-    <ds:schemaRef ds:uri="http://schemas.openxmlformats.org/package/2006/metadata/core-properties"/>
-    <ds:schemaRef ds:uri="http://www.w3.org/XML/1998/namespace"/>
   </ds:schemaRefs>
 </ds:datastoreItem>
 </file>

--- a/help/data-sheets/assets/BusinessSupportDatasheet.pptx
+++ b/help/data-sheets/assets/BusinessSupportDatasheet.pptx
@@ -143,62 +143,6 @@
 <file path=ppt/changesInfos/changesInfo1.xml><?xml version="1.0" encoding="utf-8"?>
 <pc:chgInfo xmlns:a="http://schemas.openxmlformats.org/drawingml/2006/main" xmlns:r="http://schemas.openxmlformats.org/officeDocument/2006/relationships" xmlns:ac="http://schemas.microsoft.com/office/drawing/2013/main/command" xmlns:pc="http://schemas.microsoft.com/office/powerpoint/2013/main/command">
   <pc:docChgLst>
-    <pc:chgData name="Akilah Johnson" userId="S::akjohnso@adobe.com::2fa3aa60-0c9c-4d06-bae2-795983241227" providerId="AD" clId="Web-{71D6CFBF-0EA2-99B0-93F4-22F19EF0AE4E}"/>
-    <pc:docChg chg="modSld">
-      <pc:chgData name="Akilah Johnson" userId="S::akjohnso@adobe.com::2fa3aa60-0c9c-4d06-bae2-795983241227" providerId="AD" clId="Web-{71D6CFBF-0EA2-99B0-93F4-22F19EF0AE4E}" dt="2021-09-22T19:06:58.732" v="1" actId="1076"/>
-      <pc:docMkLst>
-        <pc:docMk/>
-      </pc:docMkLst>
-      <pc:sldChg chg="modSp">
-        <pc:chgData name="Akilah Johnson" userId="S::akjohnso@adobe.com::2fa3aa60-0c9c-4d06-bae2-795983241227" providerId="AD" clId="Web-{71D6CFBF-0EA2-99B0-93F4-22F19EF0AE4E}" dt="2021-09-22T19:06:58.732" v="1" actId="1076"/>
-        <pc:sldMkLst>
-          <pc:docMk/>
-          <pc:sldMk cId="1050037809" sldId="261"/>
-        </pc:sldMkLst>
-        <pc:spChg chg="mod">
-          <ac:chgData name="Akilah Johnson" userId="S::akjohnso@adobe.com::2fa3aa60-0c9c-4d06-bae2-795983241227" providerId="AD" clId="Web-{71D6CFBF-0EA2-99B0-93F4-22F19EF0AE4E}" dt="2021-09-22T19:06:58.732" v="1" actId="1076"/>
-          <ac:spMkLst>
-            <pc:docMk/>
-            <pc:sldMk cId="1050037809" sldId="261"/>
-            <ac:spMk id="64" creationId="{41467BDC-3D83-D844-B922-CD07E94E5AAB}"/>
-          </ac:spMkLst>
-        </pc:spChg>
-      </pc:sldChg>
-    </pc:docChg>
-  </pc:docChgLst>
-  <pc:docChgLst>
-    <pc:chgData name="Akilah Johnson" userId="S::akjohnso@adobe.com::2fa3aa60-0c9c-4d06-bae2-795983241227" providerId="AD" clId="Web-{AFB92C2B-405E-C597-0988-18F97C53104C}"/>
-    <pc:docChg chg="modSld">
-      <pc:chgData name="Akilah Johnson" userId="S::akjohnso@adobe.com::2fa3aa60-0c9c-4d06-bae2-795983241227" providerId="AD" clId="Web-{AFB92C2B-405E-C597-0988-18F97C53104C}" dt="2021-09-22T18:53:26.184" v="29"/>
-      <pc:docMkLst>
-        <pc:docMk/>
-      </pc:docMkLst>
-      <pc:sldChg chg="modSp">
-        <pc:chgData name="Akilah Johnson" userId="S::akjohnso@adobe.com::2fa3aa60-0c9c-4d06-bae2-795983241227" providerId="AD" clId="Web-{AFB92C2B-405E-C597-0988-18F97C53104C}" dt="2021-09-22T18:53:26.184" v="29"/>
-        <pc:sldMkLst>
-          <pc:docMk/>
-          <pc:sldMk cId="1050037809" sldId="261"/>
-        </pc:sldMkLst>
-        <pc:spChg chg="mod">
-          <ac:chgData name="Akilah Johnson" userId="S::akjohnso@adobe.com::2fa3aa60-0c9c-4d06-bae2-795983241227" providerId="AD" clId="Web-{AFB92C2B-405E-C597-0988-18F97C53104C}" dt="2021-09-22T18:53:05.841" v="5" actId="20577"/>
-          <ac:spMkLst>
-            <pc:docMk/>
-            <pc:sldMk cId="1050037809" sldId="261"/>
-            <ac:spMk id="64" creationId="{41467BDC-3D83-D844-B922-CD07E94E5AAB}"/>
-          </ac:spMkLst>
-        </pc:spChg>
-        <pc:graphicFrameChg chg="mod modGraphic">
-          <ac:chgData name="Akilah Johnson" userId="S::akjohnso@adobe.com::2fa3aa60-0c9c-4d06-bae2-795983241227" providerId="AD" clId="Web-{AFB92C2B-405E-C597-0988-18F97C53104C}" dt="2021-09-22T18:53:26.184" v="29"/>
-          <ac:graphicFrameMkLst>
-            <pc:docMk/>
-            <pc:sldMk cId="1050037809" sldId="261"/>
-            <ac:graphicFrameMk id="25" creationId="{3A91F5B0-3974-A14D-A146-FB590F2AAD18}"/>
-          </ac:graphicFrameMkLst>
-        </pc:graphicFrameChg>
-      </pc:sldChg>
-    </pc:docChg>
-  </pc:docChgLst>
-  <pc:docChgLst>
     <pc:chgData name="Akilah Johnson" userId="S::akjohnso@adobe.com::2fa3aa60-0c9c-4d06-bae2-795983241227" providerId="AD" clId="Web-{019F6A09-DCDA-BB53-9E3C-5BA3B13E26BB}"/>
     <pc:docChg chg="modSld">
       <pc:chgData name="Akilah Johnson" userId="S::akjohnso@adobe.com::2fa3aa60-0c9c-4d06-bae2-795983241227" providerId="AD" clId="Web-{019F6A09-DCDA-BB53-9E3C-5BA3B13E26BB}" dt="2021-10-12T17:10:36.752" v="17" actId="20577"/>
@@ -240,6 +184,30 @@
             <pc:docMk/>
             <pc:sldMk cId="1050037809" sldId="261"/>
             <ac:graphicFrameMk id="111" creationId="{D8653CEC-4213-DE40-9BAF-D1E3318FF89C}"/>
+          </ac:graphicFrameMkLst>
+        </pc:graphicFrameChg>
+      </pc:sldChg>
+    </pc:docChg>
+  </pc:docChgLst>
+  <pc:docChgLst>
+    <pc:chgData name="Akilah Johnson" userId="S::akjohnso@adobe.com::2fa3aa60-0c9c-4d06-bae2-795983241227" providerId="AD" clId="Web-{4D8E0410-E0CE-85E2-0F84-C1BF4F647622}"/>
+    <pc:docChg chg="modSld">
+      <pc:chgData name="Akilah Johnson" userId="S::akjohnso@adobe.com::2fa3aa60-0c9c-4d06-bae2-795983241227" providerId="AD" clId="Web-{4D8E0410-E0CE-85E2-0F84-C1BF4F647622}" dt="2021-09-22T22:57:04.802" v="5"/>
+      <pc:docMkLst>
+        <pc:docMk/>
+      </pc:docMkLst>
+      <pc:sldChg chg="modSp">
+        <pc:chgData name="Akilah Johnson" userId="S::akjohnso@adobe.com::2fa3aa60-0c9c-4d06-bae2-795983241227" providerId="AD" clId="Web-{4D8E0410-E0CE-85E2-0F84-C1BF4F647622}" dt="2021-09-22T22:57:04.802" v="5"/>
+        <pc:sldMkLst>
+          <pc:docMk/>
+          <pc:sldMk cId="1050037809" sldId="261"/>
+        </pc:sldMkLst>
+        <pc:graphicFrameChg chg="mod modGraphic">
+          <ac:chgData name="Akilah Johnson" userId="S::akjohnso@adobe.com::2fa3aa60-0c9c-4d06-bae2-795983241227" providerId="AD" clId="Web-{4D8E0410-E0CE-85E2-0F84-C1BF4F647622}" dt="2021-09-22T22:57:04.802" v="5"/>
+          <ac:graphicFrameMkLst>
+            <pc:docMk/>
+            <pc:sldMk cId="1050037809" sldId="261"/>
+            <ac:graphicFrameMk id="25" creationId="{3A91F5B0-3974-A14D-A146-FB590F2AAD18}"/>
           </ac:graphicFrameMkLst>
         </pc:graphicFrameChg>
       </pc:sldChg>
@@ -301,6 +269,142 @@
     </pc:docChg>
   </pc:docChgLst>
   <pc:docChgLst>
+    <pc:chgData name="Akilah Johnson" userId="S::akjohnso@adobe.com::2fa3aa60-0c9c-4d06-bae2-795983241227" providerId="AD" clId="Web-{71D6CFBF-0EA2-99B0-93F4-22F19EF0AE4E}"/>
+    <pc:docChg chg="modSld">
+      <pc:chgData name="Akilah Johnson" userId="S::akjohnso@adobe.com::2fa3aa60-0c9c-4d06-bae2-795983241227" providerId="AD" clId="Web-{71D6CFBF-0EA2-99B0-93F4-22F19EF0AE4E}" dt="2021-09-22T19:06:58.732" v="1" actId="1076"/>
+      <pc:docMkLst>
+        <pc:docMk/>
+      </pc:docMkLst>
+      <pc:sldChg chg="modSp">
+        <pc:chgData name="Akilah Johnson" userId="S::akjohnso@adobe.com::2fa3aa60-0c9c-4d06-bae2-795983241227" providerId="AD" clId="Web-{71D6CFBF-0EA2-99B0-93F4-22F19EF0AE4E}" dt="2021-09-22T19:06:58.732" v="1" actId="1076"/>
+        <pc:sldMkLst>
+          <pc:docMk/>
+          <pc:sldMk cId="1050037809" sldId="261"/>
+        </pc:sldMkLst>
+        <pc:spChg chg="mod">
+          <ac:chgData name="Akilah Johnson" userId="S::akjohnso@adobe.com::2fa3aa60-0c9c-4d06-bae2-795983241227" providerId="AD" clId="Web-{71D6CFBF-0EA2-99B0-93F4-22F19EF0AE4E}" dt="2021-09-22T19:06:58.732" v="1" actId="1076"/>
+          <ac:spMkLst>
+            <pc:docMk/>
+            <pc:sldMk cId="1050037809" sldId="261"/>
+            <ac:spMk id="64" creationId="{41467BDC-3D83-D844-B922-CD07E94E5AAB}"/>
+          </ac:spMkLst>
+        </pc:spChg>
+      </pc:sldChg>
+    </pc:docChg>
+  </pc:docChgLst>
+  <pc:docChgLst>
+    <pc:chgData name="Akilah Johnson" userId="S::akjohnso@adobe.com::2fa3aa60-0c9c-4d06-bae2-795983241227" providerId="AD" clId="Web-{D428A0AE-54E2-30D2-C574-7A0742876CCF}"/>
+    <pc:docChg chg="modSld">
+      <pc:chgData name="Akilah Johnson" userId="S::akjohnso@adobe.com::2fa3aa60-0c9c-4d06-bae2-795983241227" providerId="AD" clId="Web-{D428A0AE-54E2-30D2-C574-7A0742876CCF}" dt="2021-10-12T19:11:25.330" v="0" actId="20577"/>
+      <pc:docMkLst>
+        <pc:docMk/>
+      </pc:docMkLst>
+      <pc:sldChg chg="modSp">
+        <pc:chgData name="Akilah Johnson" userId="S::akjohnso@adobe.com::2fa3aa60-0c9c-4d06-bae2-795983241227" providerId="AD" clId="Web-{D428A0AE-54E2-30D2-C574-7A0742876CCF}" dt="2021-10-12T19:11:25.330" v="0" actId="20577"/>
+        <pc:sldMkLst>
+          <pc:docMk/>
+          <pc:sldMk cId="0" sldId="256"/>
+        </pc:sldMkLst>
+        <pc:spChg chg="mod">
+          <ac:chgData name="Akilah Johnson" userId="S::akjohnso@adobe.com::2fa3aa60-0c9c-4d06-bae2-795983241227" providerId="AD" clId="Web-{D428A0AE-54E2-30D2-C574-7A0742876CCF}" dt="2021-10-12T19:11:25.330" v="0" actId="20577"/>
+          <ac:spMkLst>
+            <pc:docMk/>
+            <pc:sldMk cId="0" sldId="256"/>
+            <ac:spMk id="4" creationId="{00000000-0000-0000-0000-000000000000}"/>
+          </ac:spMkLst>
+        </pc:spChg>
+      </pc:sldChg>
+    </pc:docChg>
+  </pc:docChgLst>
+  <pc:docChgLst>
+    <pc:chgData name="Andy Witt" userId="S::awitt@adobe.com::e9157bdf-53b2-40e4-9459-936793d75696" providerId="AD" clId="Web-{06B13378-B080-7F0F-51A5-F9203CEE57ED}"/>
+    <pc:docChg chg="modSld">
+      <pc:chgData name="Andy Witt" userId="S::awitt@adobe.com::e9157bdf-53b2-40e4-9459-936793d75696" providerId="AD" clId="Web-{06B13378-B080-7F0F-51A5-F9203CEE57ED}" dt="2021-08-25T22:25:13.647" v="363"/>
+      <pc:docMkLst>
+        <pc:docMk/>
+      </pc:docMkLst>
+      <pc:sldChg chg="modSp">
+        <pc:chgData name="Andy Witt" userId="S::awitt@adobe.com::e9157bdf-53b2-40e4-9459-936793d75696" providerId="AD" clId="Web-{06B13378-B080-7F0F-51A5-F9203CEE57ED}" dt="2021-08-25T22:25:13.647" v="363"/>
+        <pc:sldMkLst>
+          <pc:docMk/>
+          <pc:sldMk cId="1050037809" sldId="261"/>
+        </pc:sldMkLst>
+        <pc:graphicFrameChg chg="mod modGraphic">
+          <ac:chgData name="Andy Witt" userId="S::awitt@adobe.com::e9157bdf-53b2-40e4-9459-936793d75696" providerId="AD" clId="Web-{06B13378-B080-7F0F-51A5-F9203CEE57ED}" dt="2021-08-25T22:25:13.647" v="363"/>
+          <ac:graphicFrameMkLst>
+            <pc:docMk/>
+            <pc:sldMk cId="1050037809" sldId="261"/>
+            <ac:graphicFrameMk id="25" creationId="{3A91F5B0-3974-A14D-A146-FB590F2AAD18}"/>
+          </ac:graphicFrameMkLst>
+        </pc:graphicFrameChg>
+      </pc:sldChg>
+    </pc:docChg>
+  </pc:docChgLst>
+  <pc:docChgLst>
+    <pc:chgData name="Lauren Schutte" userId="S::schutte@adobe.com::6e08b2d3-447a-4d66-86be-444d50df187f" providerId="AD" clId="Web-{AC30C20D-1316-8ECC-DADD-39CCEC6A7FCF}"/>
+    <pc:docChg chg="modSld">
+      <pc:chgData name="Lauren Schutte" userId="S::schutte@adobe.com::6e08b2d3-447a-4d66-86be-444d50df187f" providerId="AD" clId="Web-{AC30C20D-1316-8ECC-DADD-39CCEC6A7FCF}" dt="2021-10-13T19:03:35.035" v="8" actId="1076"/>
+      <pc:docMkLst>
+        <pc:docMk/>
+      </pc:docMkLst>
+      <pc:sldChg chg="modSp">
+        <pc:chgData name="Lauren Schutte" userId="S::schutte@adobe.com::6e08b2d3-447a-4d66-86be-444d50df187f" providerId="AD" clId="Web-{AC30C20D-1316-8ECC-DADD-39CCEC6A7FCF}" dt="2021-10-13T19:03:35.035" v="8" actId="1076"/>
+        <pc:sldMkLst>
+          <pc:docMk/>
+          <pc:sldMk cId="0" sldId="256"/>
+        </pc:sldMkLst>
+        <pc:spChg chg="mod">
+          <ac:chgData name="Lauren Schutte" userId="S::schutte@adobe.com::6e08b2d3-447a-4d66-86be-444d50df187f" providerId="AD" clId="Web-{AC30C20D-1316-8ECC-DADD-39CCEC6A7FCF}" dt="2021-10-13T19:03:27.878" v="7" actId="14100"/>
+          <ac:spMkLst>
+            <pc:docMk/>
+            <pc:sldMk cId="0" sldId="256"/>
+            <ac:spMk id="3" creationId="{00000000-0000-0000-0000-000000000000}"/>
+          </ac:spMkLst>
+        </pc:spChg>
+        <pc:spChg chg="mod">
+          <ac:chgData name="Lauren Schutte" userId="S::schutte@adobe.com::6e08b2d3-447a-4d66-86be-444d50df187f" providerId="AD" clId="Web-{AC30C20D-1316-8ECC-DADD-39CCEC6A7FCF}" dt="2021-10-13T19:03:35.035" v="8" actId="1076"/>
+          <ac:spMkLst>
+            <pc:docMk/>
+            <pc:sldMk cId="0" sldId="256"/>
+            <ac:spMk id="5" creationId="{00000000-0000-0000-0000-000000000000}"/>
+          </ac:spMkLst>
+        </pc:spChg>
+      </pc:sldChg>
+    </pc:docChg>
+  </pc:docChgLst>
+  <pc:docChgLst>
+    <pc:chgData name="Akilah Johnson" userId="S::akjohnso@adobe.com::2fa3aa60-0c9c-4d06-bae2-795983241227" providerId="AD" clId="Web-{AFB92C2B-405E-C597-0988-18F97C53104C}"/>
+    <pc:docChg chg="modSld">
+      <pc:chgData name="Akilah Johnson" userId="S::akjohnso@adobe.com::2fa3aa60-0c9c-4d06-bae2-795983241227" providerId="AD" clId="Web-{AFB92C2B-405E-C597-0988-18F97C53104C}" dt="2021-09-22T18:53:26.184" v="29"/>
+      <pc:docMkLst>
+        <pc:docMk/>
+      </pc:docMkLst>
+      <pc:sldChg chg="modSp">
+        <pc:chgData name="Akilah Johnson" userId="S::akjohnso@adobe.com::2fa3aa60-0c9c-4d06-bae2-795983241227" providerId="AD" clId="Web-{AFB92C2B-405E-C597-0988-18F97C53104C}" dt="2021-09-22T18:53:26.184" v="29"/>
+        <pc:sldMkLst>
+          <pc:docMk/>
+          <pc:sldMk cId="1050037809" sldId="261"/>
+        </pc:sldMkLst>
+        <pc:spChg chg="mod">
+          <ac:chgData name="Akilah Johnson" userId="S::akjohnso@adobe.com::2fa3aa60-0c9c-4d06-bae2-795983241227" providerId="AD" clId="Web-{AFB92C2B-405E-C597-0988-18F97C53104C}" dt="2021-09-22T18:53:05.841" v="5" actId="20577"/>
+          <ac:spMkLst>
+            <pc:docMk/>
+            <pc:sldMk cId="1050037809" sldId="261"/>
+            <ac:spMk id="64" creationId="{41467BDC-3D83-D844-B922-CD07E94E5AAB}"/>
+          </ac:spMkLst>
+        </pc:spChg>
+        <pc:graphicFrameChg chg="mod modGraphic">
+          <ac:chgData name="Akilah Johnson" userId="S::akjohnso@adobe.com::2fa3aa60-0c9c-4d06-bae2-795983241227" providerId="AD" clId="Web-{AFB92C2B-405E-C597-0988-18F97C53104C}" dt="2021-09-22T18:53:26.184" v="29"/>
+          <ac:graphicFrameMkLst>
+            <pc:docMk/>
+            <pc:sldMk cId="1050037809" sldId="261"/>
+            <ac:graphicFrameMk id="25" creationId="{3A91F5B0-3974-A14D-A146-FB590F2AAD18}"/>
+          </ac:graphicFrameMkLst>
+        </pc:graphicFrameChg>
+      </pc:sldChg>
+    </pc:docChg>
+  </pc:docChgLst>
+  <pc:docChgLst>
     <pc:chgData name="Andy Witt" userId="S::awitt@adobe.com::e9157bdf-53b2-40e4-9459-936793d75696" providerId="AD" clId="Web-{CA5D33DF-AE75-BCA1-B9BC-A7CD44D2F3C7}"/>
     <pc:docChg chg="modSld">
       <pc:chgData name="Andy Witt" userId="S::awitt@adobe.com::e9157bdf-53b2-40e4-9459-936793d75696" providerId="AD" clId="Web-{CA5D33DF-AE75-BCA1-B9BC-A7CD44D2F3C7}" dt="2021-08-25T22:38:18.624" v="1" actId="1076"/>
@@ -353,110 +457,6 @@
             <ac:graphicFrameMk id="9" creationId="{00000000-0000-0000-0000-000000000000}"/>
           </ac:graphicFrameMkLst>
         </pc:graphicFrameChg>
-      </pc:sldChg>
-    </pc:docChg>
-  </pc:docChgLst>
-  <pc:docChgLst>
-    <pc:chgData name="Andy Witt" userId="S::awitt@adobe.com::e9157bdf-53b2-40e4-9459-936793d75696" providerId="AD" clId="Web-{06B13378-B080-7F0F-51A5-F9203CEE57ED}"/>
-    <pc:docChg chg="modSld">
-      <pc:chgData name="Andy Witt" userId="S::awitt@adobe.com::e9157bdf-53b2-40e4-9459-936793d75696" providerId="AD" clId="Web-{06B13378-B080-7F0F-51A5-F9203CEE57ED}" dt="2021-08-25T22:25:13.647" v="363"/>
-      <pc:docMkLst>
-        <pc:docMk/>
-      </pc:docMkLst>
-      <pc:sldChg chg="modSp">
-        <pc:chgData name="Andy Witt" userId="S::awitt@adobe.com::e9157bdf-53b2-40e4-9459-936793d75696" providerId="AD" clId="Web-{06B13378-B080-7F0F-51A5-F9203CEE57ED}" dt="2021-08-25T22:25:13.647" v="363"/>
-        <pc:sldMkLst>
-          <pc:docMk/>
-          <pc:sldMk cId="1050037809" sldId="261"/>
-        </pc:sldMkLst>
-        <pc:graphicFrameChg chg="mod modGraphic">
-          <ac:chgData name="Andy Witt" userId="S::awitt@adobe.com::e9157bdf-53b2-40e4-9459-936793d75696" providerId="AD" clId="Web-{06B13378-B080-7F0F-51A5-F9203CEE57ED}" dt="2021-08-25T22:25:13.647" v="363"/>
-          <ac:graphicFrameMkLst>
-            <pc:docMk/>
-            <pc:sldMk cId="1050037809" sldId="261"/>
-            <ac:graphicFrameMk id="25" creationId="{3A91F5B0-3974-A14D-A146-FB590F2AAD18}"/>
-          </ac:graphicFrameMkLst>
-        </pc:graphicFrameChg>
-      </pc:sldChg>
-    </pc:docChg>
-  </pc:docChgLst>
-  <pc:docChgLst>
-    <pc:chgData name="Akilah Johnson" userId="S::akjohnso@adobe.com::2fa3aa60-0c9c-4d06-bae2-795983241227" providerId="AD" clId="Web-{4D8E0410-E0CE-85E2-0F84-C1BF4F647622}"/>
-    <pc:docChg chg="modSld">
-      <pc:chgData name="Akilah Johnson" userId="S::akjohnso@adobe.com::2fa3aa60-0c9c-4d06-bae2-795983241227" providerId="AD" clId="Web-{4D8E0410-E0CE-85E2-0F84-C1BF4F647622}" dt="2021-09-22T22:57:04.802" v="5"/>
-      <pc:docMkLst>
-        <pc:docMk/>
-      </pc:docMkLst>
-      <pc:sldChg chg="modSp">
-        <pc:chgData name="Akilah Johnson" userId="S::akjohnso@adobe.com::2fa3aa60-0c9c-4d06-bae2-795983241227" providerId="AD" clId="Web-{4D8E0410-E0CE-85E2-0F84-C1BF4F647622}" dt="2021-09-22T22:57:04.802" v="5"/>
-        <pc:sldMkLst>
-          <pc:docMk/>
-          <pc:sldMk cId="1050037809" sldId="261"/>
-        </pc:sldMkLst>
-        <pc:graphicFrameChg chg="mod modGraphic">
-          <ac:chgData name="Akilah Johnson" userId="S::akjohnso@adobe.com::2fa3aa60-0c9c-4d06-bae2-795983241227" providerId="AD" clId="Web-{4D8E0410-E0CE-85E2-0F84-C1BF4F647622}" dt="2021-09-22T22:57:04.802" v="5"/>
-          <ac:graphicFrameMkLst>
-            <pc:docMk/>
-            <pc:sldMk cId="1050037809" sldId="261"/>
-            <ac:graphicFrameMk id="25" creationId="{3A91F5B0-3974-A14D-A146-FB590F2AAD18}"/>
-          </ac:graphicFrameMkLst>
-        </pc:graphicFrameChg>
-      </pc:sldChg>
-    </pc:docChg>
-  </pc:docChgLst>
-  <pc:docChgLst>
-    <pc:chgData name="Lauren Schutte" userId="S::schutte@adobe.com::6e08b2d3-447a-4d66-86be-444d50df187f" providerId="AD" clId="Web-{AC30C20D-1316-8ECC-DADD-39CCEC6A7FCF}"/>
-    <pc:docChg chg="modSld">
-      <pc:chgData name="Lauren Schutte" userId="S::schutte@adobe.com::6e08b2d3-447a-4d66-86be-444d50df187f" providerId="AD" clId="Web-{AC30C20D-1316-8ECC-DADD-39CCEC6A7FCF}" dt="2021-10-13T19:03:35.035" v="8" actId="1076"/>
-      <pc:docMkLst>
-        <pc:docMk/>
-      </pc:docMkLst>
-      <pc:sldChg chg="modSp">
-        <pc:chgData name="Lauren Schutte" userId="S::schutte@adobe.com::6e08b2d3-447a-4d66-86be-444d50df187f" providerId="AD" clId="Web-{AC30C20D-1316-8ECC-DADD-39CCEC6A7FCF}" dt="2021-10-13T19:03:35.035" v="8" actId="1076"/>
-        <pc:sldMkLst>
-          <pc:docMk/>
-          <pc:sldMk cId="0" sldId="256"/>
-        </pc:sldMkLst>
-        <pc:spChg chg="mod">
-          <ac:chgData name="Lauren Schutte" userId="S::schutte@adobe.com::6e08b2d3-447a-4d66-86be-444d50df187f" providerId="AD" clId="Web-{AC30C20D-1316-8ECC-DADD-39CCEC6A7FCF}" dt="2021-10-13T19:03:27.878" v="7" actId="14100"/>
-          <ac:spMkLst>
-            <pc:docMk/>
-            <pc:sldMk cId="0" sldId="256"/>
-            <ac:spMk id="3" creationId="{00000000-0000-0000-0000-000000000000}"/>
-          </ac:spMkLst>
-        </pc:spChg>
-        <pc:spChg chg="mod">
-          <ac:chgData name="Lauren Schutte" userId="S::schutte@adobe.com::6e08b2d3-447a-4d66-86be-444d50df187f" providerId="AD" clId="Web-{AC30C20D-1316-8ECC-DADD-39CCEC6A7FCF}" dt="2021-10-13T19:03:35.035" v="8" actId="1076"/>
-          <ac:spMkLst>
-            <pc:docMk/>
-            <pc:sldMk cId="0" sldId="256"/>
-            <ac:spMk id="5" creationId="{00000000-0000-0000-0000-000000000000}"/>
-          </ac:spMkLst>
-        </pc:spChg>
-      </pc:sldChg>
-    </pc:docChg>
-  </pc:docChgLst>
-  <pc:docChgLst>
-    <pc:chgData name="Akilah Johnson" userId="S::akjohnso@adobe.com::2fa3aa60-0c9c-4d06-bae2-795983241227" providerId="AD" clId="Web-{D428A0AE-54E2-30D2-C574-7A0742876CCF}"/>
-    <pc:docChg chg="modSld">
-      <pc:chgData name="Akilah Johnson" userId="S::akjohnso@adobe.com::2fa3aa60-0c9c-4d06-bae2-795983241227" providerId="AD" clId="Web-{D428A0AE-54E2-30D2-C574-7A0742876CCF}" dt="2021-10-12T19:11:25.330" v="0" actId="20577"/>
-      <pc:docMkLst>
-        <pc:docMk/>
-      </pc:docMkLst>
-      <pc:sldChg chg="modSp">
-        <pc:chgData name="Akilah Johnson" userId="S::akjohnso@adobe.com::2fa3aa60-0c9c-4d06-bae2-795983241227" providerId="AD" clId="Web-{D428A0AE-54E2-30D2-C574-7A0742876CCF}" dt="2021-10-12T19:11:25.330" v="0" actId="20577"/>
-        <pc:sldMkLst>
-          <pc:docMk/>
-          <pc:sldMk cId="0" sldId="256"/>
-        </pc:sldMkLst>
-        <pc:spChg chg="mod">
-          <ac:chgData name="Akilah Johnson" userId="S::akjohnso@adobe.com::2fa3aa60-0c9c-4d06-bae2-795983241227" providerId="AD" clId="Web-{D428A0AE-54E2-30D2-C574-7A0742876CCF}" dt="2021-10-12T19:11:25.330" v="0" actId="20577"/>
-          <ac:spMkLst>
-            <pc:docMk/>
-            <pc:sldMk cId="0" sldId="256"/>
-            <ac:spMk id="4" creationId="{00000000-0000-0000-0000-000000000000}"/>
-          </ac:spMkLst>
-        </pc:spChg>
       </pc:sldChg>
     </pc:docChg>
   </pc:docChgLst>
@@ -545,7 +545,7 @@
           <a:p>
             <a:fld id="{FB81873C-0B24-F04A-98A1-90E0A78F7E8A}" type="datetimeFigureOut">
               <a:rPr lang="en-US" smtClean="0"/>
-              <a:t>1/20/22</a:t>
+              <a:t>2/15/2022</a:t>
             </a:fld>
             <a:endParaRPr lang="en-US"/>
           </a:p>
@@ -1168,7 +1168,7 @@
           <a:p>
             <a:fld id="{1D8BD707-D9CF-40AE-B4C6-C98DA3205C09}" type="datetimeFigureOut">
               <a:rPr lang="en-US"/>
-              <a:t>1/20/22</a:t>
+              <a:t>2/15/2022</a:t>
             </a:fld>
             <a:endParaRPr lang="en-US"/>
           </a:p>
@@ -1360,7 +1360,7 @@
           <a:p>
             <a:fld id="{1D8BD707-D9CF-40AE-B4C6-C98DA3205C09}" type="datetimeFigureOut">
               <a:rPr lang="en-US"/>
-              <a:t>1/20/22</a:t>
+              <a:t>2/15/2022</a:t>
             </a:fld>
             <a:endParaRPr lang="en-US"/>
           </a:p>
@@ -1678,7 +1678,7 @@
           <a:p>
             <a:fld id="{1D8BD707-D9CF-40AE-B4C6-C98DA3205C09}" type="datetimeFigureOut">
               <a:rPr lang="en-US"/>
-              <a:t>1/20/22</a:t>
+              <a:t>2/15/2022</a:t>
             </a:fld>
             <a:endParaRPr lang="en-US"/>
           </a:p>
@@ -1932,8 +1932,8 @@
         </p:nvSpPr>
         <p:spPr>
           <a:xfrm>
-            <a:off x="168565" y="7162363"/>
-            <a:ext cx="2800350" cy="238760"/>
+            <a:off x="168564" y="7065843"/>
+            <a:ext cx="4647275" cy="227626"/>
           </a:xfrm>
           <a:prstGeom prst="rect">
             <a:avLst/>
@@ -1954,7 +1954,7 @@
               </a:spcBef>
             </a:pPr>
             <a:r>
-              <a:rPr sz="1400" b="1" u="heavy" spc="10">
+              <a:rPr lang="fr-FR" sz="1400" b="1" u="heavy" dirty="0">
                 <a:solidFill>
                   <a:srgbClr val="020302"/>
                 </a:solidFill>
@@ -1966,87 +1966,8 @@
                 <a:latin typeface="Adobe Clean"/>
                 <a:cs typeface="Adobe Clean"/>
               </a:rPr>
-              <a:t>Service </a:t>
+              <a:t>Cibles du niveau de service : Réponse initiale</a:t>
             </a:r>
-            <a:r>
-              <a:rPr sz="1400" b="1" u="heavy" spc="-10">
-                <a:solidFill>
-                  <a:srgbClr val="020302"/>
-                </a:solidFill>
-                <a:uFill>
-                  <a:solidFill>
-                    <a:srgbClr val="020302"/>
-                  </a:solidFill>
-                </a:uFill>
-                <a:latin typeface="Adobe Clean"/>
-                <a:cs typeface="Adobe Clean"/>
-              </a:rPr>
-              <a:t>Level </a:t>
-            </a:r>
-            <a:r>
-              <a:rPr sz="1400" b="1" u="heavy" spc="-45">
-                <a:solidFill>
-                  <a:srgbClr val="020302"/>
-                </a:solidFill>
-                <a:uFill>
-                  <a:solidFill>
-                    <a:srgbClr val="020302"/>
-                  </a:solidFill>
-                </a:uFill>
-                <a:latin typeface="Adobe Clean"/>
-                <a:cs typeface="Adobe Clean"/>
-              </a:rPr>
-              <a:t>Targets: </a:t>
-            </a:r>
-            <a:r>
-              <a:rPr sz="1400" b="1" u="heavy" spc="-10">
-                <a:solidFill>
-                  <a:srgbClr val="020302"/>
-                </a:solidFill>
-                <a:uFill>
-                  <a:solidFill>
-                    <a:srgbClr val="020302"/>
-                  </a:solidFill>
-                </a:uFill>
-                <a:latin typeface="Adobe Clean"/>
-                <a:cs typeface="Adobe Clean"/>
-              </a:rPr>
-              <a:t>Initial</a:t>
-            </a:r>
-            <a:r>
-              <a:rPr sz="1400" b="1" u="heavy" spc="-140">
-                <a:solidFill>
-                  <a:srgbClr val="020302"/>
-                </a:solidFill>
-                <a:uFill>
-                  <a:solidFill>
-                    <a:srgbClr val="020302"/>
-                  </a:solidFill>
-                </a:uFill>
-                <a:latin typeface="Adobe Clean"/>
-                <a:cs typeface="Adobe Clean"/>
-              </a:rPr>
-              <a:t> </a:t>
-            </a:r>
-            <a:r>
-              <a:rPr sz="1400" b="1" u="heavy" spc="-15">
-                <a:solidFill>
-                  <a:srgbClr val="020302"/>
-                </a:solidFill>
-                <a:uFill>
-                  <a:solidFill>
-                    <a:srgbClr val="020302"/>
-                  </a:solidFill>
-                </a:uFill>
-                <a:latin typeface="Adobe Clean"/>
-                <a:cs typeface="Adobe Clean"/>
-              </a:rPr>
-              <a:t>Response</a:t>
-            </a:r>
-            <a:endParaRPr sz="1400">
-              <a:latin typeface="Adobe Clean"/>
-              <a:cs typeface="Adobe Clean"/>
-            </a:endParaRPr>
           </a:p>
         </p:txBody>
       </p:sp>
@@ -2113,20 +2034,11 @@
               </a:spcBef>
             </a:pPr>
             <a:r>
-              <a:rPr sz="2300">
+              <a:rPr lang="fr-FR" sz="2300">
                 <a:latin typeface="Adobe Clean"/>
               </a:rPr>
-              <a:t>ADOBE </a:t>
+              <a:t>PLANS D’ASSISTANCE ADOBE</a:t>
             </a:r>
-            <a:r>
-              <a:rPr lang="en-US" sz="2300">
-                <a:latin typeface="Adobe Clean"/>
-              </a:rPr>
-              <a:t>SUPPORT PLANS</a:t>
-            </a:r>
-            <a:endParaRPr sz="2300">
-              <a:latin typeface="Adobe Clean" panose="020B0503020404020204" pitchFamily="34" charset="0"/>
-            </a:endParaRPr>
           </a:p>
         </p:txBody>
       </p:sp>
@@ -2138,8 +2050,8 @@
         </p:nvSpPr>
         <p:spPr>
           <a:xfrm>
-            <a:off x="121147" y="531160"/>
-            <a:ext cx="5865216" cy="1269065"/>
+            <a:off x="121146" y="531160"/>
+            <a:ext cx="6025653" cy="1422441"/>
           </a:xfrm>
           <a:prstGeom prst="rect">
             <a:avLst/>
@@ -2160,7 +2072,7 @@
               </a:spcBef>
             </a:pPr>
             <a:r>
-              <a:rPr lang="en-US" sz="900" dirty="0">
+              <a:rPr lang="fr-FR" sz="900" dirty="0">
                 <a:solidFill>
                   <a:schemeClr val="bg1"/>
                 </a:solidFill>
@@ -2169,22 +2081,22 @@
               <a:t>Standard | </a:t>
             </a:r>
             <a:r>
-              <a:rPr lang="en-US" sz="900" b="1" dirty="0">
+              <a:rPr lang="fr-FR" sz="900" b="1" dirty="0">
                 <a:solidFill>
                   <a:schemeClr val="bg1"/>
                 </a:solidFill>
                 <a:latin typeface="Adobe Clean" panose="020B0503020404020204" pitchFamily="34" charset="0"/>
               </a:rPr>
-              <a:t>Business</a:t>
+              <a:t>Commerciale</a:t>
             </a:r>
             <a:r>
-              <a:rPr lang="en-US" sz="900" dirty="0">
+              <a:rPr lang="fr-FR" sz="900" dirty="0">
                 <a:solidFill>
                   <a:schemeClr val="bg1"/>
                 </a:solidFill>
                 <a:latin typeface="Adobe Clean Light" panose="020B0303020404020204" pitchFamily="34" charset="0"/>
               </a:rPr>
-              <a:t> | Enterprise | Elite</a:t>
+              <a:t> | Entreprise | Elite</a:t>
             </a:r>
           </a:p>
           <a:p>
@@ -2197,21 +2109,50 @@
               </a:spcBef>
             </a:pPr>
             <a:r>
-              <a:rPr lang="en-US" sz="900" dirty="0">
+              <a:rPr lang="fr-FR" sz="800" dirty="0">
                 <a:solidFill>
                   <a:schemeClr val="bg1"/>
                 </a:solidFill>
                 <a:latin typeface="Adobe Clean SemiLight" panose="020B0403020404020204" pitchFamily="34" charset="0"/>
               </a:rPr>
-              <a:t>Adobe provides a comprehensive range of technical resources to help support your business, included as part of your Experience Cloud license subscription and enhanced in the BUSINESS support package. BUSINESS support includes access to personalized learning paths and monitored community forums via the Adobe Experience League. You can also take advantage of our detailed and in-depth technical product documentation and current release notes. BUSINESS customers also benefit from access to our technical support teams for any product query via either the telephone or the support web portal, to help protect your business at the most critical times. BUSINESS customers will receive regular communications and updates from their Account Support Lead in addition to support case escalation management for your most critical of support requests. </a:t>
+              <a:t>Adobe offre une gamme complète de ressources techniques afin d’appuyer votre entreprise. Elles sont comprises dans votre abonnement à la licence </a:t>
             </a:r>
-            <a:endParaRPr lang="en-US" sz="900" dirty="0">
-              <a:solidFill>
-                <a:schemeClr val="bg1"/>
-              </a:solidFill>
-              <a:latin typeface="Adobe Clean Light" panose="020B0303020404020204" pitchFamily="34" charset="0"/>
-              <a:cs typeface="AdobeClean-Light"/>
-            </a:endParaRPr>
+            <a:r>
+              <a:rPr lang="fr-FR" sz="800" dirty="0" err="1">
+                <a:solidFill>
+                  <a:schemeClr val="bg1"/>
+                </a:solidFill>
+                <a:latin typeface="Adobe Clean SemiLight" panose="020B0403020404020204" pitchFamily="34" charset="0"/>
+              </a:rPr>
+              <a:t>Experience</a:t>
+            </a:r>
+            <a:r>
+              <a:rPr lang="fr-FR" sz="800" dirty="0">
+                <a:solidFill>
+                  <a:schemeClr val="bg1"/>
+                </a:solidFill>
+                <a:latin typeface="Adobe Clean SemiLight" panose="020B0403020404020204" pitchFamily="34" charset="0"/>
+              </a:rPr>
+              <a:t> Cloud et sont améliorées dans le pack d’assistance COMMERCIALE. L’assistance COMMERCIALE comprend un accès à des parcours de formation personnalisés et à des forums communautaires surveillés au travers d’</a:t>
+            </a:r>
+            <a:r>
+              <a:rPr lang="fr-FR" sz="800" dirty="0" err="1">
+                <a:solidFill>
+                  <a:schemeClr val="bg1"/>
+                </a:solidFill>
+                <a:latin typeface="Adobe Clean SemiLight" panose="020B0403020404020204" pitchFamily="34" charset="0"/>
+              </a:rPr>
+              <a:t>Experience</a:t>
+            </a:r>
+            <a:r>
+              <a:rPr lang="fr-FR" sz="800" dirty="0">
+                <a:solidFill>
+                  <a:schemeClr val="bg1"/>
+                </a:solidFill>
+                <a:latin typeface="Adobe Clean SemiLight" panose="020B0403020404020204" pitchFamily="34" charset="0"/>
+              </a:rPr>
+              <a:t> League d’Adobe. Vous pouvez également tirer profit de notre documentation technique détaillée et approfondie sur les produits, ainsi que de nos notes de mise à jour actuelles. Les clients de COMMERCIALE bénéficient également d’un accès à nos équipes d’assistance technique pour toute requête concernant un produit. Cette requête peut être effectuée par téléphone ou via le portail web de l’assistance et permet de protéger votre entreprise aux moments les plus critiques. Les clients de COMMERCIALE recevront régulièrement des informations et des mises à jour de la part de leur assistance principale du compte en plus d’une aide de gestion des remontées de cas en ce qui concerne les requêtes d’assistance les plus critiques. </a:t>
+            </a:r>
           </a:p>
         </p:txBody>
       </p:sp>
@@ -2256,8 +2197,8 @@
         </p:nvSpPr>
         <p:spPr>
           <a:xfrm>
-            <a:off x="5307201" y="9862966"/>
-            <a:ext cx="2465198" cy="132729"/>
+            <a:off x="4753481" y="9862966"/>
+            <a:ext cx="2926080" cy="132729"/>
           </a:xfrm>
           <a:prstGeom prst="rect">
             <a:avLst/>
@@ -2278,24 +2219,24 @@
               </a:spcBef>
             </a:pPr>
             <a:r>
-              <a:rPr spc="-5"/>
-              <a:t>©202</a:t>
+              <a:rPr lang="fr-FR" dirty="0"/>
+              <a:t>©2021 Adobe. All </a:t>
             </a:r>
             <a:r>
-              <a:rPr lang="en-US" spc="-5"/>
-              <a:t>1</a:t>
+              <a:rPr lang="fr-FR" dirty="0" err="1"/>
+              <a:t>Rights</a:t>
             </a:r>
             <a:r>
-              <a:rPr spc="-5"/>
-              <a:t> Adobe. All Rights Reserved. Adobe</a:t>
-            </a:r>
-            <a:r>
-              <a:rPr spc="60"/>
+              <a:rPr lang="fr-FR" dirty="0"/>
               <a:t> </a:t>
             </a:r>
             <a:r>
-              <a:rPr spc="-5"/>
-              <a:t>Confidential.</a:t>
+              <a:rPr lang="fr-FR" dirty="0" err="1"/>
+              <a:t>Reserved</a:t>
+            </a:r>
+            <a:r>
+              <a:rPr lang="fr-FR" dirty="0"/>
+              <a:t>. Données confidentielles Adobe</a:t>
             </a:r>
           </a:p>
         </p:txBody>
@@ -2309,14 +2250,14 @@
           <p:nvPr>
             <p:extLst>
               <p:ext uri="{D42A27DB-BD31-4B8C-83A1-F6EECF244321}">
-                <p14:modId xmlns:p14="http://schemas.microsoft.com/office/powerpoint/2010/main" val="2485809364"/>
+                <p14:modId xmlns:p14="http://schemas.microsoft.com/office/powerpoint/2010/main" val="3517357214"/>
               </p:ext>
             </p:extLst>
           </p:nvPr>
         </p:nvGraphicFramePr>
         <p:xfrm>
-          <a:off x="118872" y="7475985"/>
-          <a:ext cx="7498851" cy="2223598"/>
+          <a:off x="118872" y="7379465"/>
+          <a:ext cx="7498851" cy="2455555"/>
         </p:xfrm>
         <a:graphic>
           <a:graphicData uri="http://schemas.openxmlformats.org/drawingml/2006/table">
@@ -2362,19 +2303,15 @@
                         </a:spcBef>
                       </a:pPr>
                       <a:r>
-                        <a:rPr sz="900" spc="0">
+                        <a:rPr lang="fr-FR" sz="900" dirty="0">
                           <a:solidFill>
                             <a:srgbClr val="020302"/>
                           </a:solidFill>
                           <a:latin typeface="Adobe Clean"/>
                           <a:cs typeface="Adobe Clean"/>
                         </a:rPr>
-                        <a:t>Priority</a:t>
+                        <a:t>Priorité</a:t>
                       </a:r>
-                      <a:endParaRPr sz="900" spc="0">
-                        <a:latin typeface="Adobe Clean"/>
-                        <a:cs typeface="Adobe Clean"/>
-                      </a:endParaRPr>
                     </a:p>
                   </a:txBody>
                   <a:tcPr marL="0" marR="0" marT="7620" marB="0">
@@ -2421,29 +2358,15 @@
                         </a:spcBef>
                       </a:pPr>
                       <a:r>
-                        <a:rPr lang="en-US" sz="900" spc="0" dirty="0">
+                        <a:rPr lang="fr-FR" sz="900">
                           <a:solidFill>
                             <a:srgbClr val="020302"/>
                           </a:solidFill>
                           <a:latin typeface="Adobe Clean"/>
                           <a:cs typeface="Adobe Clean"/>
                         </a:rPr>
-                        <a:t>Standard</a:t>
+                        <a:t>Assistance Standard</a:t>
                       </a:r>
-                      <a:r>
-                        <a:rPr sz="900" spc="0" dirty="0">
-                          <a:solidFill>
-                            <a:srgbClr val="020302"/>
-                          </a:solidFill>
-                          <a:latin typeface="Adobe Clean"/>
-                          <a:cs typeface="Adobe Clean"/>
-                        </a:rPr>
-                        <a:t> Support</a:t>
-                      </a:r>
-                      <a:endParaRPr sz="900" spc="0" dirty="0">
-                        <a:latin typeface="Adobe Clean"/>
-                        <a:cs typeface="Adobe Clean"/>
-                      </a:endParaRPr>
                     </a:p>
                   </a:txBody>
                   <a:tcPr marL="182880" marT="91440" anchor="ctr">
@@ -2481,7 +2404,7 @@
                     <a:bodyPr/>
                     <a:lstStyle/>
                     <a:p>
-                      <a:pPr marL="92710">
+                      <a:pPr marL="0" indent="0" algn="ctr">
                         <a:lnSpc>
                           <a:spcPct val="100000"/>
                         </a:lnSpc>
@@ -2490,39 +2413,15 @@
                         </a:spcBef>
                       </a:pPr>
                       <a:r>
-                        <a:rPr sz="900" spc="0">
+                        <a:rPr lang="fr-FR" sz="900" dirty="0">
                           <a:solidFill>
                             <a:srgbClr val="FFFFFF"/>
                           </a:solidFill>
                           <a:latin typeface="Adobe Clean"/>
                           <a:cs typeface="Adobe Clean"/>
                         </a:rPr>
-                        <a:t>Business</a:t>
+                        <a:t>Assistance commerciale</a:t>
                       </a:r>
-                      <a:r>
-                        <a:rPr lang="en-US" sz="900" spc="0">
-                          <a:solidFill>
-                            <a:srgbClr val="FFFFFF"/>
-                          </a:solidFill>
-                          <a:latin typeface="Adobe Clean"/>
-                          <a:cs typeface="Adobe Clean"/>
-                        </a:rPr>
-                        <a:t> </a:t>
-                      </a:r>
-                      <a:r>
-                        <a:rPr sz="900" spc="0">
-                          <a:solidFill>
-                            <a:srgbClr val="FFFFFF"/>
-                          </a:solidFill>
-                          <a:latin typeface="Adobe Clean"/>
-                          <a:cs typeface="Adobe Clean"/>
-                        </a:rPr>
-                        <a:t>Support</a:t>
-                      </a:r>
-                      <a:endParaRPr sz="900" spc="0">
-                        <a:latin typeface="Adobe Clean"/>
-                        <a:cs typeface="Adobe Clean"/>
-                      </a:endParaRPr>
                     </a:p>
                   </a:txBody>
                   <a:tcPr marL="182880" marT="91440" anchor="ctr">
@@ -2576,19 +2475,15 @@
                         </a:spcBef>
                       </a:pPr>
                       <a:r>
-                        <a:rPr sz="900" b="1" spc="0">
+                        <a:rPr lang="fr-FR" sz="900" b="1" dirty="0">
                           <a:solidFill>
                             <a:srgbClr val="020302"/>
                           </a:solidFill>
                           <a:latin typeface="Adobe Clean"/>
                           <a:cs typeface="Adobe Clean"/>
                         </a:rPr>
-                        <a:t>PRIORITY 1</a:t>
+                        <a:t>PRIORITÉ 1</a:t>
                       </a:r>
-                      <a:endParaRPr sz="900" spc="0">
-                        <a:latin typeface="Adobe Clean"/>
-                        <a:cs typeface="Adobe Clean"/>
-                      </a:endParaRPr>
                     </a:p>
                     <a:p>
                       <a:pPr marL="50800" marR="387985" lvl="0" indent="0" algn="l" defTabSz="914400" rtl="0" eaLnBrk="1" fontAlgn="auto" latinLnBrk="0" hangingPunct="1">
@@ -2609,19 +2504,14 @@
                         <a:defRPr/>
                       </a:pPr>
                       <a:r>
-                        <a:rPr lang="en-US" sz="900" b="0" i="0" spc="0">
+                        <a:rPr lang="fr-FR" sz="850" b="0" i="0" dirty="0">
                           <a:solidFill>
                             <a:srgbClr val="000000"/>
                           </a:solidFill>
-                          <a:effectLst/>
                           <a:latin typeface="Adobe Clean Light" panose="020B0303020404020204" pitchFamily="34" charset="0"/>
                         </a:rPr>
-                        <a:t>Customer's production business functions are down or have significant data loss or service degradation and immediate attention is required to restore functionality and usability</a:t>
+                        <a:t>Les fonctions commerciales de production du client sont en panne ou présentent une perte de données ou une dégradation importante du service. Une attention immédiate est requise afin de restaurer les fonctionnalités et l’accessibilité</a:t>
                       </a:r>
-                      <a:endParaRPr lang="en-US" sz="900" b="0" i="0" spc="0">
-                        <a:latin typeface="Adobe Clean Light" panose="020B0303020404020204" pitchFamily="34" charset="0"/>
-                        <a:cs typeface="AdobeClean-Light"/>
-                      </a:endParaRPr>
                     </a:p>
                   </a:txBody>
                   <a:tcPr marL="0" marR="0" marT="3810" marB="0">
@@ -2665,59 +2555,15 @@
                         </a:spcBef>
                       </a:pPr>
                       <a:r>
-                        <a:rPr sz="900" spc="0">
+                        <a:rPr lang="fr-FR" sz="850" dirty="0">
                           <a:solidFill>
                             <a:srgbClr val="020302"/>
                           </a:solidFill>
                           <a:latin typeface="AdobeClean-Light"/>
                           <a:cs typeface="AdobeClean-Light"/>
                         </a:rPr>
-                        <a:t>24x7</a:t>
+                        <a:t>24x7 / 1 heure</a:t>
                       </a:r>
-                      <a:r>
-                        <a:rPr lang="en-US" sz="900" spc="0">
-                          <a:solidFill>
-                            <a:srgbClr val="020302"/>
-                          </a:solidFill>
-                          <a:latin typeface="AdobeClean-Light"/>
-                          <a:cs typeface="AdobeClean-Light"/>
-                        </a:rPr>
-                        <a:t> </a:t>
-                      </a:r>
-                      <a:r>
-                        <a:rPr sz="900" spc="0">
-                          <a:solidFill>
-                            <a:srgbClr val="020302"/>
-                          </a:solidFill>
-                          <a:latin typeface="AdobeClean-Light"/>
-                          <a:cs typeface="AdobeClean-Light"/>
-                        </a:rPr>
-                        <a:t>/</a:t>
-                      </a:r>
-                      <a:r>
-                        <a:rPr lang="en-US" sz="900" spc="0">
-                          <a:solidFill>
-                            <a:srgbClr val="020302"/>
-                          </a:solidFill>
-                          <a:latin typeface="AdobeClean-Light"/>
-                          <a:cs typeface="AdobeClean-Light"/>
-                        </a:rPr>
-                        <a:t> </a:t>
-                      </a:r>
-                      <a:r>
-                        <a:rPr sz="900" spc="0">
-                          <a:solidFill>
-                            <a:srgbClr val="020302"/>
-                          </a:solidFill>
-                          <a:latin typeface="AdobeClean-Light"/>
-                          <a:cs typeface="AdobeClean-Light"/>
-                        </a:rPr>
-                        <a:t>1 hour</a:t>
-                      </a:r>
-                      <a:endParaRPr sz="900" spc="0">
-                        <a:latin typeface="AdobeClean-Light"/>
-                        <a:cs typeface="AdobeClean-Light"/>
-                      </a:endParaRPr>
                     </a:p>
                   </a:txBody>
                   <a:tcPr marL="0" marR="0" marT="91440" marB="91440" anchor="ctr" anchorCtr="1">
@@ -2761,59 +2607,15 @@
                         </a:spcBef>
                       </a:pPr>
                       <a:r>
-                        <a:rPr sz="900" spc="0">
+                        <a:rPr lang="fr-FR" sz="850">
                           <a:solidFill>
                             <a:srgbClr val="020302"/>
                           </a:solidFill>
                           <a:latin typeface="AdobeClean-Light"/>
                           <a:cs typeface="AdobeClean-Light"/>
                         </a:rPr>
-                        <a:t>24x7</a:t>
+                        <a:t>24x7 / 1 heure</a:t>
                       </a:r>
-                      <a:r>
-                        <a:rPr lang="en-US" sz="900" spc="0">
-                          <a:solidFill>
-                            <a:srgbClr val="020302"/>
-                          </a:solidFill>
-                          <a:latin typeface="AdobeClean-Light"/>
-                          <a:cs typeface="AdobeClean-Light"/>
-                        </a:rPr>
-                        <a:t> </a:t>
-                      </a:r>
-                      <a:r>
-                        <a:rPr sz="900" spc="0">
-                          <a:solidFill>
-                            <a:srgbClr val="020302"/>
-                          </a:solidFill>
-                          <a:latin typeface="AdobeClean-Light"/>
-                          <a:cs typeface="AdobeClean-Light"/>
-                        </a:rPr>
-                        <a:t>/</a:t>
-                      </a:r>
-                      <a:r>
-                        <a:rPr lang="en-US" sz="900" spc="0">
-                          <a:solidFill>
-                            <a:srgbClr val="020302"/>
-                          </a:solidFill>
-                          <a:latin typeface="AdobeClean-Light"/>
-                          <a:cs typeface="AdobeClean-Light"/>
-                        </a:rPr>
-                        <a:t> </a:t>
-                      </a:r>
-                      <a:r>
-                        <a:rPr sz="900" spc="0">
-                          <a:solidFill>
-                            <a:srgbClr val="020302"/>
-                          </a:solidFill>
-                          <a:latin typeface="AdobeClean-Light"/>
-                          <a:cs typeface="AdobeClean-Light"/>
-                        </a:rPr>
-                        <a:t>1 hour</a:t>
-                      </a:r>
-                      <a:endParaRPr sz="900" spc="0">
-                        <a:latin typeface="AdobeClean-Light"/>
-                        <a:cs typeface="AdobeClean-Light"/>
-                      </a:endParaRPr>
                     </a:p>
                   </a:txBody>
                   <a:tcPr marL="0" marR="0" marT="91440" marB="91440" anchor="ctr" anchorCtr="1">
@@ -2869,19 +2671,15 @@
                         </a:spcBef>
                       </a:pPr>
                       <a:r>
-                        <a:rPr sz="900" b="1" spc="0">
+                        <a:rPr lang="fr-FR" sz="900" b="1" dirty="0">
                           <a:solidFill>
                             <a:srgbClr val="020302"/>
                           </a:solidFill>
                           <a:latin typeface="Adobe Clean"/>
                           <a:cs typeface="Adobe Clean"/>
                         </a:rPr>
-                        <a:t>PRIORITY 2</a:t>
+                        <a:t>PRIORITÉ 2</a:t>
                       </a:r>
-                      <a:endParaRPr sz="900" spc="0">
-                        <a:latin typeface="Adobe Clean"/>
-                        <a:cs typeface="Adobe Clean"/>
-                      </a:endParaRPr>
                     </a:p>
                     <a:p>
                       <a:pPr marL="50165" marR="203200">
@@ -2893,19 +2691,14 @@
                         </a:spcBef>
                       </a:pPr>
                       <a:r>
-                        <a:rPr lang="en-US" sz="900" b="0" i="0" spc="0">
+                        <a:rPr lang="fr-FR" sz="850" b="0" i="0" dirty="0">
                           <a:solidFill>
                             <a:srgbClr val="000000"/>
                           </a:solidFill>
-                          <a:effectLst/>
                           <a:latin typeface="Adobe Clean Light" panose="020B0303020404020204" pitchFamily="34" charset="0"/>
                         </a:rPr>
-                        <a:t>Customer's business functions have major service degradation or potential data loss, or a major feature is impacted </a:t>
+                        <a:t>Les fonctions commerciales du client présentent une dégradation importante du service ou une perte potentielle de données. Il est également possible qu’une fonctionnalité majeure soit affectée </a:t>
                       </a:r>
-                      <a:endParaRPr lang="en-US" sz="900" b="0" i="0" spc="0">
-                        <a:latin typeface="Adobe Clean Light" panose="020B0303020404020204" pitchFamily="34" charset="0"/>
-                        <a:cs typeface="AdobeClean-Light"/>
-                      </a:endParaRPr>
                     </a:p>
                   </a:txBody>
                   <a:tcPr marL="0" marR="0" marT="3810" marB="0">
@@ -2949,79 +2742,15 @@
                         </a:spcBef>
                       </a:pPr>
                       <a:r>
-                        <a:rPr sz="900" spc="0">
+                        <a:rPr lang="fr-FR" sz="850" dirty="0">
                           <a:solidFill>
                             <a:srgbClr val="020302"/>
                           </a:solidFill>
                           <a:latin typeface="AdobeClean-Light"/>
                           <a:cs typeface="AdobeClean-Light"/>
                         </a:rPr>
-                        <a:t>Business</a:t>
+                        <a:t>Heures d’ouverture / 4 heures</a:t>
                       </a:r>
-                      <a:r>
-                        <a:rPr lang="en-US" sz="900" spc="0">
-                          <a:solidFill>
-                            <a:srgbClr val="020302"/>
-                          </a:solidFill>
-                          <a:latin typeface="AdobeClean-Light"/>
-                          <a:cs typeface="AdobeClean-Light"/>
-                        </a:rPr>
-                        <a:t> </a:t>
-                      </a:r>
-                      <a:r>
-                        <a:rPr sz="900" spc="0">
-                          <a:solidFill>
-                            <a:srgbClr val="020302"/>
-                          </a:solidFill>
-                          <a:latin typeface="AdobeClean-Light"/>
-                          <a:cs typeface="AdobeClean-Light"/>
-                        </a:rPr>
-                        <a:t>hours</a:t>
-                      </a:r>
-                      <a:r>
-                        <a:rPr lang="en-US" sz="900" spc="0">
-                          <a:solidFill>
-                            <a:srgbClr val="020302"/>
-                          </a:solidFill>
-                          <a:latin typeface="AdobeClean-Light"/>
-                          <a:cs typeface="AdobeClean-Light"/>
-                        </a:rPr>
-                        <a:t> </a:t>
-                      </a:r>
-                      <a:r>
-                        <a:rPr sz="900" spc="0">
-                          <a:solidFill>
-                            <a:srgbClr val="020302"/>
-                          </a:solidFill>
-                          <a:latin typeface="AdobeClean-Light"/>
-                          <a:cs typeface="AdobeClean-Light"/>
-                        </a:rPr>
-                        <a:t>/</a:t>
-                      </a:r>
-                      <a:r>
-                        <a:rPr lang="en-US" sz="900" spc="0">
-                          <a:solidFill>
-                            <a:srgbClr val="020302"/>
-                          </a:solidFill>
-                          <a:latin typeface="AdobeClean-Light"/>
-                          <a:cs typeface="AdobeClean-Light"/>
-                        </a:rPr>
-                        <a:t> </a:t>
-                      </a:r>
-                      <a:r>
-                        <a:rPr sz="900" spc="0">
-                          <a:solidFill>
-                            <a:srgbClr val="020302"/>
-                          </a:solidFill>
-                          <a:latin typeface="AdobeClean-Light"/>
-                          <a:cs typeface="AdobeClean-Light"/>
-                        </a:rPr>
-                        <a:t>4 hours</a:t>
-                      </a:r>
-                      <a:endParaRPr sz="900" spc="0">
-                        <a:latin typeface="AdobeClean-Light"/>
-                        <a:cs typeface="AdobeClean-Light"/>
-                      </a:endParaRPr>
                     </a:p>
                   </a:txBody>
                   <a:tcPr marL="0" marR="0" marT="91440" marB="91440" anchor="ctr" anchorCtr="1">
@@ -3065,89 +2794,15 @@
                         </a:spcBef>
                       </a:pPr>
                       <a:r>
-                        <a:rPr lang="en-US" sz="900" spc="0">
+                        <a:rPr lang="fr-FR" sz="850" dirty="0">
                           <a:solidFill>
                             <a:srgbClr val="020302"/>
                           </a:solidFill>
                           <a:latin typeface="AdobeClean-Light"/>
                           <a:cs typeface="AdobeClean-Light"/>
                         </a:rPr>
-                        <a:t>    </a:t>
+                        <a:t>    Heures d’ouverture / 2 heures</a:t>
                       </a:r>
-                      <a:r>
-                        <a:rPr sz="900" spc="0">
-                          <a:solidFill>
-                            <a:srgbClr val="020302"/>
-                          </a:solidFill>
-                          <a:latin typeface="AdobeClean-Light"/>
-                          <a:cs typeface="AdobeClean-Light"/>
-                        </a:rPr>
-                        <a:t>Business</a:t>
-                      </a:r>
-                      <a:r>
-                        <a:rPr lang="en-US" sz="900" spc="0">
-                          <a:solidFill>
-                            <a:srgbClr val="020302"/>
-                          </a:solidFill>
-                          <a:latin typeface="AdobeClean-Light"/>
-                          <a:cs typeface="AdobeClean-Light"/>
-                        </a:rPr>
-                        <a:t> </a:t>
-                      </a:r>
-                      <a:r>
-                        <a:rPr sz="900" spc="0">
-                          <a:solidFill>
-                            <a:srgbClr val="020302"/>
-                          </a:solidFill>
-                          <a:latin typeface="AdobeClean-Light"/>
-                          <a:cs typeface="AdobeClean-Light"/>
-                        </a:rPr>
-                        <a:t>hours</a:t>
-                      </a:r>
-                      <a:r>
-                        <a:rPr lang="en-US" sz="900" spc="0">
-                          <a:solidFill>
-                            <a:srgbClr val="020302"/>
-                          </a:solidFill>
-                          <a:latin typeface="AdobeClean-Light"/>
-                          <a:cs typeface="AdobeClean-Light"/>
-                        </a:rPr>
-                        <a:t> / </a:t>
-                      </a:r>
-                      <a:r>
-                        <a:rPr sz="900" spc="0">
-                          <a:solidFill>
-                            <a:srgbClr val="020302"/>
-                          </a:solidFill>
-                          <a:latin typeface="AdobeClean-Light"/>
-                          <a:cs typeface="AdobeClean-Light"/>
-                        </a:rPr>
-                        <a:t>2</a:t>
-                      </a:r>
-                      <a:r>
-                        <a:rPr lang="en-US" sz="900" spc="0">
-                          <a:solidFill>
-                            <a:srgbClr val="020302"/>
-                          </a:solidFill>
-                          <a:latin typeface="AdobeClean-Light"/>
-                          <a:cs typeface="AdobeClean-Light"/>
-                        </a:rPr>
-                        <a:t> </a:t>
-                      </a:r>
-                      <a:r>
-                        <a:rPr sz="900" spc="0">
-                          <a:solidFill>
-                            <a:srgbClr val="020302"/>
-                          </a:solidFill>
-                          <a:latin typeface="AdobeClean-Light"/>
-                          <a:cs typeface="AdobeClean-Light"/>
-                        </a:rPr>
-                        <a:t>hours</a:t>
-                      </a:r>
-                      <a:endParaRPr sz="900" spc="0">
-                        <a:latin typeface="AdobeClean-Light"/>
-                        <a:cs typeface="AdobeClean-Light"/>
-                      </a:endParaRPr>
                     </a:p>
                   </a:txBody>
                   <a:tcPr marL="0" marR="0" marT="91440" marB="91440" anchor="ctr" anchorCtr="1">
@@ -3203,19 +2858,15 @@
                         </a:spcBef>
                       </a:pPr>
                       <a:r>
-                        <a:rPr sz="900" b="1" spc="0">
+                        <a:rPr lang="fr-FR" sz="900" b="1" dirty="0">
                           <a:solidFill>
                             <a:srgbClr val="020302"/>
                           </a:solidFill>
                           <a:latin typeface="Adobe Clean"/>
                           <a:cs typeface="Adobe Clean"/>
                         </a:rPr>
-                        <a:t>PRIORITY 3</a:t>
+                        <a:t>PRIORITÉ 3</a:t>
                       </a:r>
-                      <a:endParaRPr sz="900" spc="0">
-                        <a:latin typeface="Adobe Clean"/>
-                        <a:cs typeface="Adobe Clean"/>
-                      </a:endParaRPr>
                     </a:p>
                     <a:p>
                       <a:pPr marL="49530" marR="212090" indent="-2540">
@@ -3227,26 +2878,21 @@
                         </a:spcBef>
                       </a:pPr>
                       <a:r>
-                        <a:rPr kumimoji="0" lang="en-US" sz="900" b="0" i="0" u="none" strike="noStrike" kern="1200" cap="none" spc="0" normalizeH="0" baseline="0" noProof="0">
+                        <a:rPr kumimoji="0" lang="fr-FR" sz="850" b="0" i="0" u="none" strike="noStrike" cap="none" normalizeH="0" baseline="0" noProof="0" dirty="0">
                           <a:ln>
                             <a:noFill/>
                           </a:ln>
                           <a:solidFill>
                             <a:srgbClr val="000000"/>
                           </a:solidFill>
-                          <a:effectLst/>
                           <a:uLnTx/>
                           <a:uFillTx/>
                           <a:latin typeface="Adobe Clean Light" panose="020B0303020404020204" pitchFamily="34" charset="0"/>
                           <a:ea typeface="+mn-ea"/>
                           <a:cs typeface="+mn-cs"/>
                         </a:rPr>
-                        <a:t>Customer's business functions have minor service degradation but there exists a solution/workaround allowing business functions to continue </a:t>
+                        <a:t>Les fonctions commerciales du client présentent une dégradation mineure du service, mais il existe une solution/un moyen permettant aux fonctions commerciales de continuer de fonctionner </a:t>
                       </a:r>
-                      <a:endParaRPr lang="en-US" sz="900" b="0" i="0" spc="0">
-                        <a:latin typeface="Adobe Clean Light" panose="020B0303020404020204" pitchFamily="34" charset="0"/>
-                        <a:cs typeface="AdobeClean-Light"/>
-                      </a:endParaRPr>
                     </a:p>
                   </a:txBody>
                   <a:tcPr marL="0" marR="0" marT="3810" marB="0">
@@ -3290,89 +2936,15 @@
                         </a:spcBef>
                       </a:pPr>
                       <a:r>
-                        <a:rPr lang="en-US" sz="900" spc="0">
+                        <a:rPr lang="fr-FR" sz="850" dirty="0">
                           <a:solidFill>
                             <a:srgbClr val="020302"/>
                           </a:solidFill>
                           <a:latin typeface="AdobeClean-Light"/>
                           <a:cs typeface="AdobeClean-Light"/>
                         </a:rPr>
-                        <a:t>   </a:t>
+                        <a:t>   Heures d’ouverture / 6 heures</a:t>
                       </a:r>
-                      <a:r>
-                        <a:rPr sz="900" spc="0">
-                          <a:solidFill>
-                            <a:srgbClr val="020302"/>
-                          </a:solidFill>
-                          <a:latin typeface="AdobeClean-Light"/>
-                          <a:cs typeface="AdobeClean-Light"/>
-                        </a:rPr>
-                        <a:t>Business</a:t>
-                      </a:r>
-                      <a:r>
-                        <a:rPr lang="en-US" sz="900" spc="0">
-                          <a:solidFill>
-                            <a:srgbClr val="020302"/>
-                          </a:solidFill>
-                          <a:latin typeface="AdobeClean-Light"/>
-                          <a:cs typeface="AdobeClean-Light"/>
-                        </a:rPr>
-                        <a:t> </a:t>
-                      </a:r>
-                      <a:r>
-                        <a:rPr sz="900" spc="0">
-                          <a:solidFill>
-                            <a:srgbClr val="020302"/>
-                          </a:solidFill>
-                          <a:latin typeface="AdobeClean-Light"/>
-                          <a:cs typeface="AdobeClean-Light"/>
-                        </a:rPr>
-                        <a:t>hours</a:t>
-                      </a:r>
-                      <a:r>
-                        <a:rPr lang="en-US" sz="900" spc="0">
-                          <a:solidFill>
-                            <a:srgbClr val="020302"/>
-                          </a:solidFill>
-                          <a:latin typeface="AdobeClean-Light"/>
-                          <a:cs typeface="AdobeClean-Light"/>
-                        </a:rPr>
-                        <a:t> / </a:t>
-                      </a:r>
-                      <a:r>
-                        <a:rPr sz="900" spc="0">
-                          <a:solidFill>
-                            <a:srgbClr val="020302"/>
-                          </a:solidFill>
-                          <a:latin typeface="AdobeClean-Light"/>
-                          <a:cs typeface="AdobeClean-Light"/>
-                        </a:rPr>
-                        <a:t>6</a:t>
-                      </a:r>
-                      <a:r>
-                        <a:rPr lang="en-US" sz="900" spc="0">
-                          <a:solidFill>
-                            <a:srgbClr val="020302"/>
-                          </a:solidFill>
-                          <a:latin typeface="AdobeClean-Light"/>
-                          <a:cs typeface="AdobeClean-Light"/>
-                        </a:rPr>
-                        <a:t> </a:t>
-                      </a:r>
-                      <a:r>
-                        <a:rPr sz="900" spc="0">
-                          <a:solidFill>
-                            <a:srgbClr val="020302"/>
-                          </a:solidFill>
-                          <a:latin typeface="AdobeClean-Light"/>
-                          <a:cs typeface="AdobeClean-Light"/>
-                        </a:rPr>
-                        <a:t>hours</a:t>
-                      </a:r>
-                      <a:endParaRPr sz="900" spc="0">
-                        <a:latin typeface="AdobeClean-Light"/>
-                        <a:cs typeface="AdobeClean-Light"/>
-                      </a:endParaRPr>
                     </a:p>
                   </a:txBody>
                   <a:tcPr marL="0" marR="0" marT="91440" marB="91440" anchor="ctr" anchorCtr="1">
@@ -3416,79 +2988,15 @@
                         </a:spcBef>
                       </a:pPr>
                       <a:r>
-                        <a:rPr sz="900" spc="0">
+                        <a:rPr lang="fr-FR" sz="850" dirty="0">
                           <a:solidFill>
                             <a:srgbClr val="020302"/>
                           </a:solidFill>
                           <a:latin typeface="AdobeClean-Light"/>
                           <a:cs typeface="AdobeClean-Light"/>
                         </a:rPr>
-                        <a:t>Business</a:t>
+                        <a:t>Heures d’ouverture / 4 heures</a:t>
                       </a:r>
-                      <a:r>
-                        <a:rPr lang="en-US" sz="900" spc="0">
-                          <a:solidFill>
-                            <a:srgbClr val="020302"/>
-                          </a:solidFill>
-                          <a:latin typeface="AdobeClean-Light"/>
-                          <a:cs typeface="AdobeClean-Light"/>
-                        </a:rPr>
-                        <a:t> </a:t>
-                      </a:r>
-                      <a:r>
-                        <a:rPr sz="900" spc="0">
-                          <a:solidFill>
-                            <a:srgbClr val="020302"/>
-                          </a:solidFill>
-                          <a:latin typeface="AdobeClean-Light"/>
-                          <a:cs typeface="AdobeClean-Light"/>
-                        </a:rPr>
-                        <a:t>hours</a:t>
-                      </a:r>
-                      <a:r>
-                        <a:rPr lang="en-US" sz="900" spc="0">
-                          <a:solidFill>
-                            <a:srgbClr val="020302"/>
-                          </a:solidFill>
-                          <a:latin typeface="AdobeClean-Light"/>
-                          <a:cs typeface="AdobeClean-Light"/>
-                        </a:rPr>
-                        <a:t> </a:t>
-                      </a:r>
-                      <a:r>
-                        <a:rPr sz="900" spc="0">
-                          <a:solidFill>
-                            <a:srgbClr val="020302"/>
-                          </a:solidFill>
-                          <a:latin typeface="AdobeClean-Light"/>
-                          <a:cs typeface="AdobeClean-Light"/>
-                        </a:rPr>
-                        <a:t>/ 4</a:t>
-                      </a:r>
-                      <a:r>
-                        <a:rPr lang="en-US" sz="900" spc="0">
-                          <a:solidFill>
-                            <a:srgbClr val="020302"/>
-                          </a:solidFill>
-                          <a:latin typeface="AdobeClean-Light"/>
-                          <a:cs typeface="AdobeClean-Light"/>
-                        </a:rPr>
-                        <a:t> </a:t>
-                      </a:r>
-                      <a:r>
-                        <a:rPr sz="900" spc="0">
-                          <a:solidFill>
-                            <a:srgbClr val="020302"/>
-                          </a:solidFill>
-                          <a:latin typeface="AdobeClean-Light"/>
-                          <a:cs typeface="AdobeClean-Light"/>
-                        </a:rPr>
-                        <a:t>hours</a:t>
-                      </a:r>
-                      <a:endParaRPr sz="900" spc="0">
-                        <a:latin typeface="AdobeClean-Light"/>
-                        <a:cs typeface="AdobeClean-Light"/>
-                      </a:endParaRPr>
                     </a:p>
                   </a:txBody>
                   <a:tcPr marL="0" marR="0" marT="91440" marB="91440" anchor="ctr" anchorCtr="1">
@@ -3544,19 +3052,15 @@
                         </a:spcBef>
                       </a:pPr>
                       <a:r>
-                        <a:rPr sz="900" b="1" spc="0">
+                        <a:rPr lang="fr-FR" sz="900" b="1" dirty="0">
                           <a:solidFill>
                             <a:srgbClr val="020302"/>
                           </a:solidFill>
                           <a:latin typeface="Adobe Clean"/>
                           <a:cs typeface="Adobe Clean"/>
                         </a:rPr>
-                        <a:t>PRIORITY 4</a:t>
+                        <a:t>PRIORITÉ 4</a:t>
                       </a:r>
-                      <a:endParaRPr sz="900" spc="0">
-                        <a:latin typeface="Adobe Clean"/>
-                        <a:cs typeface="Adobe Clean"/>
-                      </a:endParaRPr>
                     </a:p>
                     <a:p>
                       <a:pPr marL="48895" marR="0" lvl="0" indent="0" defTabSz="914400" eaLnBrk="1" fontAlgn="auto" latinLnBrk="0" hangingPunct="1">
@@ -3577,19 +3081,14 @@
                         <a:defRPr/>
                       </a:pPr>
                       <a:r>
-                        <a:rPr lang="en-US" sz="900" b="0" i="0" spc="0">
+                        <a:rPr lang="fr-FR" sz="900" b="0" i="0" dirty="0">
                           <a:solidFill>
                             <a:srgbClr val="000000"/>
                           </a:solidFill>
-                          <a:effectLst/>
                           <a:latin typeface="Adobe Clean Light" panose="020B0303020404020204" pitchFamily="34" charset="0"/>
                         </a:rPr>
-                        <a:t>General question regarding current product functionality or an enhancement request</a:t>
+                        <a:t>Question générale concernant les fonctionnalités actuelles du produit ou une demande d’amélioration</a:t>
                       </a:r>
-                      <a:endParaRPr lang="en-US" sz="900" b="0" i="0" spc="0">
-                        <a:latin typeface="Adobe Clean Light" panose="020B0303020404020204" pitchFamily="34" charset="0"/>
-                        <a:cs typeface="AdobeClean-Light"/>
-                      </a:endParaRPr>
                     </a:p>
                   </a:txBody>
                   <a:tcPr marL="0" marR="0" marT="1905" marB="0">
@@ -3633,69 +3132,15 @@
                         </a:spcBef>
                       </a:pPr>
                       <a:r>
-                        <a:rPr lang="en-US" sz="900" spc="0">
+                        <a:rPr lang="fr-FR" sz="850">
                           <a:solidFill>
                             <a:srgbClr val="020302"/>
                           </a:solidFill>
                           <a:latin typeface="AdobeClean-Light"/>
                           <a:cs typeface="AdobeClean-Light"/>
                         </a:rPr>
-                        <a:t>  </a:t>
+                        <a:t>  Jours ouvrables / 3 jours</a:t>
                       </a:r>
-                      <a:r>
-                        <a:rPr sz="900" spc="0">
-                          <a:solidFill>
-                            <a:srgbClr val="020302"/>
-                          </a:solidFill>
-                          <a:latin typeface="AdobeClean-Light"/>
-                          <a:cs typeface="AdobeClean-Light"/>
-                        </a:rPr>
-                        <a:t>Business</a:t>
-                      </a:r>
-                      <a:r>
-                        <a:rPr lang="en-US" sz="900" spc="0">
-                          <a:solidFill>
-                            <a:srgbClr val="020302"/>
-                          </a:solidFill>
-                          <a:latin typeface="AdobeClean-Light"/>
-                          <a:cs typeface="AdobeClean-Light"/>
-                        </a:rPr>
-                        <a:t> </a:t>
-                      </a:r>
-                      <a:r>
-                        <a:rPr sz="900" spc="0">
-                          <a:solidFill>
-                            <a:srgbClr val="020302"/>
-                          </a:solidFill>
-                          <a:latin typeface="AdobeClean-Light"/>
-                          <a:cs typeface="AdobeClean-Light"/>
-                        </a:rPr>
-                        <a:t>days</a:t>
-                      </a:r>
-                      <a:r>
-                        <a:rPr lang="en-US" sz="900" spc="0">
-                          <a:solidFill>
-                            <a:srgbClr val="020302"/>
-                          </a:solidFill>
-                          <a:latin typeface="AdobeClean-Light"/>
-                          <a:cs typeface="AdobeClean-Light"/>
-                        </a:rPr>
-                        <a:t> / </a:t>
-                      </a:r>
-                      <a:r>
-                        <a:rPr sz="900" spc="0">
-                          <a:solidFill>
-                            <a:srgbClr val="020302"/>
-                          </a:solidFill>
-                          <a:latin typeface="AdobeClean-Light"/>
-                          <a:cs typeface="AdobeClean-Light"/>
-                        </a:rPr>
-                        <a:t>3 days</a:t>
-                      </a:r>
-                      <a:endParaRPr sz="900" spc="0">
-                        <a:latin typeface="AdobeClean-Light"/>
-                        <a:cs typeface="AdobeClean-Light"/>
-                      </a:endParaRPr>
                     </a:p>
                   </a:txBody>
                   <a:tcPr marL="0" marR="0" marT="91440" marB="91440" anchor="ctr" anchorCtr="1">
@@ -3739,79 +3184,15 @@
                         </a:spcBef>
                       </a:pPr>
                       <a:r>
-                        <a:rPr sz="900" spc="0" dirty="0">
+                        <a:rPr lang="fr-FR" sz="850" dirty="0">
                           <a:solidFill>
                             <a:srgbClr val="020302"/>
                           </a:solidFill>
                           <a:latin typeface="AdobeClean-Light"/>
                           <a:cs typeface="AdobeClean-Light"/>
                         </a:rPr>
-                        <a:t>Business</a:t>
+                        <a:t>Jours ouvrables / 1 jour</a:t>
                       </a:r>
-                      <a:r>
-                        <a:rPr lang="en-US" sz="900" spc="0" dirty="0">
-                          <a:solidFill>
-                            <a:srgbClr val="020302"/>
-                          </a:solidFill>
-                          <a:latin typeface="AdobeClean-Light"/>
-                          <a:cs typeface="AdobeClean-Light"/>
-                        </a:rPr>
-                        <a:t> </a:t>
-                      </a:r>
-                      <a:r>
-                        <a:rPr sz="900" spc="0" dirty="0">
-                          <a:solidFill>
-                            <a:srgbClr val="020302"/>
-                          </a:solidFill>
-                          <a:latin typeface="AdobeClean-Light"/>
-                          <a:cs typeface="AdobeClean-Light"/>
-                        </a:rPr>
-                        <a:t>day</a:t>
-                      </a:r>
-                      <a:r>
-                        <a:rPr lang="en-US" sz="900" spc="0" dirty="0">
-                          <a:solidFill>
-                            <a:srgbClr val="020302"/>
-                          </a:solidFill>
-                          <a:latin typeface="AdobeClean-Light"/>
-                          <a:cs typeface="AdobeClean-Light"/>
-                        </a:rPr>
-                        <a:t>s </a:t>
-                      </a:r>
-                      <a:r>
-                        <a:rPr sz="900" spc="0" dirty="0">
-                          <a:solidFill>
-                            <a:srgbClr val="020302"/>
-                          </a:solidFill>
-                          <a:latin typeface="AdobeClean-Light"/>
-                          <a:cs typeface="AdobeClean-Light"/>
-                        </a:rPr>
-                        <a:t>/</a:t>
-                      </a:r>
-                      <a:r>
-                        <a:rPr lang="en-US" sz="900" spc="0" dirty="0">
-                          <a:solidFill>
-                            <a:srgbClr val="020302"/>
-                          </a:solidFill>
-                          <a:latin typeface="AdobeClean-Light"/>
-                          <a:cs typeface="AdobeClean-Light"/>
-                        </a:rPr>
-                        <a:t> </a:t>
-                      </a:r>
-                      <a:r>
-                        <a:rPr sz="900" spc="0" dirty="0">
-                          <a:solidFill>
-                            <a:srgbClr val="020302"/>
-                          </a:solidFill>
-                          <a:latin typeface="AdobeClean-Light"/>
-                          <a:cs typeface="AdobeClean-Light"/>
-                        </a:rPr>
-                        <a:t>1 day</a:t>
-                      </a:r>
-                      <a:endParaRPr sz="900" spc="0" dirty="0">
-                        <a:latin typeface="AdobeClean-Light"/>
-                        <a:cs typeface="AdobeClean-Light"/>
-                      </a:endParaRPr>
                     </a:p>
                   </a:txBody>
                   <a:tcPr marL="0" marR="0" marT="91440" marB="91440" anchor="ctr" anchorCtr="1">
@@ -3878,7 +3259,7 @@
         </p:nvGraphicFramePr>
         <p:xfrm>
           <a:off x="121147" y="2120949"/>
-          <a:ext cx="7498851" cy="4714546"/>
+          <a:ext cx="7498851" cy="4815558"/>
         </p:xfrm>
         <a:graphic>
           <a:graphicData uri="http://schemas.openxmlformats.org/drawingml/2006/table">
@@ -3960,39 +3341,15 @@
                         <a:defRPr/>
                       </a:pPr>
                       <a:r>
-                        <a:rPr lang="en-US" sz="900" spc="-20" dirty="0">
+                        <a:rPr lang="fr-FR" sz="900">
                           <a:solidFill>
                             <a:srgbClr val="404040"/>
                           </a:solidFill>
                           <a:latin typeface="Adobe Clean"/>
                           <a:cs typeface="Adobe Clean"/>
                         </a:rPr>
-                        <a:t>Standard </a:t>
+                        <a:t>Assistance Standard</a:t>
                       </a:r>
-                      <a:r>
-                        <a:rPr lang="en-US" sz="900" spc="-135" dirty="0">
-                          <a:solidFill>
-                            <a:srgbClr val="404040"/>
-                          </a:solidFill>
-                          <a:latin typeface="Adobe Clean"/>
-                          <a:cs typeface="Adobe Clean"/>
-                        </a:rPr>
-                        <a:t> </a:t>
-                      </a:r>
-                      <a:r>
-                        <a:rPr lang="en-US" sz="900" spc="-20" dirty="0">
-                          <a:solidFill>
-                            <a:srgbClr val="404040"/>
-                          </a:solidFill>
-                          <a:latin typeface="Adobe Clean"/>
-                          <a:cs typeface="Adobe Clean"/>
-                        </a:rPr>
-                        <a:t>Support</a:t>
-                      </a:r>
-                      <a:endParaRPr lang="en-US" sz="900" dirty="0">
-                        <a:latin typeface="Adobe Clean"/>
-                        <a:cs typeface="Adobe Clean"/>
-                      </a:endParaRPr>
                     </a:p>
                   </a:txBody>
                   <a:tcPr marL="0" marR="0" marT="7620" marB="0" anchor="ctr">
@@ -4033,39 +3390,15 @@
                         </a:spcBef>
                       </a:pPr>
                       <a:r>
-                        <a:rPr sz="900" spc="-20">
+                        <a:rPr lang="fr-FR" sz="900">
                           <a:solidFill>
                             <a:srgbClr val="FFFFFF"/>
                           </a:solidFill>
                           <a:latin typeface="Adobe Clean"/>
                           <a:cs typeface="Adobe Clean"/>
                         </a:rPr>
-                        <a:t>Business</a:t>
+                        <a:t>Assistance commerciale</a:t>
                       </a:r>
-                      <a:r>
-                        <a:rPr lang="en-US" sz="900" spc="-20">
-                          <a:solidFill>
-                            <a:srgbClr val="FFFFFF"/>
-                          </a:solidFill>
-                          <a:latin typeface="Adobe Clean"/>
-                          <a:cs typeface="Adobe Clean"/>
-                        </a:rPr>
-                        <a:t> </a:t>
-                      </a:r>
-                      <a:r>
-                        <a:rPr sz="900" spc="-20">
-                          <a:solidFill>
-                            <a:srgbClr val="FFFFFF"/>
-                          </a:solidFill>
-                          <a:latin typeface="Adobe Clean"/>
-                          <a:cs typeface="Adobe Clean"/>
-                        </a:rPr>
-                        <a:t>Support</a:t>
-                      </a:r>
-                      <a:endParaRPr sz="900">
-                        <a:latin typeface="Adobe Clean"/>
-                        <a:cs typeface="Adobe Clean"/>
-                      </a:endParaRPr>
                     </a:p>
                   </a:txBody>
                   <a:tcPr marL="0" marR="0" marT="7620" marB="0" anchor="ctr">
@@ -4110,7 +3443,7 @@
                     <a:bodyPr/>
                     <a:lstStyle/>
                     <a:p>
-                      <a:endParaRPr lang="en-US"/>
+                      <a:endParaRPr lang="en-US" dirty="0"/>
                     </a:p>
                   </a:txBody>
                   <a:tcPr/>
@@ -4130,7 +3463,7 @@
                     <a:bodyPr/>
                     <a:lstStyle/>
                     <a:p>
-                      <a:pPr marL="0" marR="0" lvl="0" indent="0" algn="ctr" defTabSz="914400" eaLnBrk="1" fontAlgn="auto" latinLnBrk="0" hangingPunct="1">
+                      <a:pPr marL="0" marR="0" lvl="0" indent="0" algn="l" defTabSz="914400" rtl="0" eaLnBrk="1" fontAlgn="auto" latinLnBrk="0" hangingPunct="1">
                         <a:lnSpc>
                           <a:spcPct val="100000"/>
                         </a:lnSpc>
@@ -4147,7 +3480,7 @@
                         <a:tabLst/>
                         <a:defRPr/>
                       </a:pPr>
-                      <a:endParaRPr lang="en-US" sz="800" i="1">
+                      <a:endParaRPr lang="en-US" sz="800" i="1" dirty="0">
                         <a:solidFill>
                           <a:sysClr val="windowText" lastClr="000000"/>
                         </a:solidFill>
@@ -4211,13 +3544,13 @@
                         <a:defRPr/>
                       </a:pPr>
                       <a:r>
-                        <a:rPr lang="en-US" sz="800" i="1">
+                        <a:rPr lang="fr-FR" sz="800" i="1">
                           <a:solidFill>
                             <a:schemeClr val="bg1"/>
                           </a:solidFill>
                           <a:latin typeface="Adobe Clean Light" panose="020B0303020404020204" pitchFamily="34" charset="0"/>
                         </a:rPr>
-                        <a:t>Paid Support ($)</a:t>
+                        <a:t>Assistance payante ($)</a:t>
                       </a:r>
                     </a:p>
                   </a:txBody>
@@ -4281,22 +3614,15 @@
                         </a:spcBef>
                       </a:pPr>
                       <a:r>
-                        <a:rPr lang="en-US" sz="1000" b="1" i="0" spc="0">
+                        <a:rPr lang="fr-FR" sz="1000" b="1" i="0">
                           <a:solidFill>
                             <a:schemeClr val="bg1"/>
                           </a:solidFill>
                           <a:latin typeface="Adobe Clean" panose="020B0503020404020204" pitchFamily="34" charset="0"/>
                           <a:cs typeface="AdobeClean-Light"/>
                         </a:rPr>
-                        <a:t>Assigned Experts</a:t>
+                        <a:t>Experts assignés</a:t>
                       </a:r>
-                      <a:endParaRPr sz="1000" b="1" i="0" spc="0">
-                        <a:solidFill>
-                          <a:schemeClr val="bg1"/>
-                        </a:solidFill>
-                        <a:latin typeface="Adobe Clean" panose="020B0503020404020204" pitchFamily="34" charset="0"/>
-                        <a:cs typeface="AdobeClean-Light"/>
-                      </a:endParaRPr>
                     </a:p>
                   </a:txBody>
                   <a:tcPr marL="0" marR="0" marT="58419" marB="0" anchor="ctr">
@@ -4343,19 +3669,15 @@
                         </a:spcBef>
                       </a:pPr>
                       <a:r>
-                        <a:rPr sz="900" spc="0">
+                        <a:rPr lang="fr-FR" sz="900">
                           <a:solidFill>
                             <a:srgbClr val="020302"/>
                           </a:solidFill>
                           <a:latin typeface="AdobeClean-Light"/>
                           <a:cs typeface="AdobeClean-Light"/>
                         </a:rPr>
-                        <a:t>Account Support Lead</a:t>
+                        <a:t>Assistance principale du compte</a:t>
                       </a:r>
-                      <a:endParaRPr sz="900" spc="0">
-                        <a:latin typeface="AdobeClean-Light"/>
-                        <a:cs typeface="AdobeClean-Light"/>
-                      </a:endParaRPr>
                     </a:p>
                   </a:txBody>
                   <a:tcPr marL="0" marR="0" marT="58419" marB="0">
@@ -4390,7 +3712,7 @@
                     <a:bodyPr/>
                     <a:lstStyle/>
                     <a:p>
-                      <a:pPr algn="ctr">
+                      <a:pPr algn="l" rtl="0">
                         <a:lnSpc>
                           <a:spcPct val="100000"/>
                         </a:lnSpc>
@@ -4440,7 +3762,7 @@
                         </a:spcBef>
                       </a:pPr>
                       <a:r>
-                        <a:rPr sz="900">
+                        <a:rPr lang="fr-FR" sz="900">
                           <a:solidFill>
                             <a:srgbClr val="020302"/>
                           </a:solidFill>
@@ -4449,10 +3771,6 @@
                         </a:rPr>
                         <a:t></a:t>
                       </a:r>
-                      <a:endParaRPr sz="900">
-                        <a:latin typeface="Wingdings"/>
-                        <a:cs typeface="Wingdings"/>
-                      </a:endParaRPr>
                     </a:p>
                   </a:txBody>
                   <a:tcPr marL="0" marR="0" marT="59690" marB="0" anchor="ctr">
@@ -4484,7 +3802,7 @@
                     <a:bodyPr/>
                     <a:lstStyle/>
                     <a:p>
-                      <a:pPr marL="50800">
+                      <a:pPr marL="50800" algn="l" rtl="0">
                         <a:lnSpc>
                           <a:spcPct val="100000"/>
                         </a:lnSpc>
@@ -4530,19 +3848,15 @@
                         </a:spcBef>
                       </a:pPr>
                       <a:r>
-                        <a:rPr sz="900" spc="0">
+                        <a:rPr lang="fr-FR" sz="900" dirty="0">
                           <a:solidFill>
                             <a:srgbClr val="020302"/>
                           </a:solidFill>
                           <a:latin typeface="AdobeClean-Light"/>
                           <a:cs typeface="AdobeClean-Light"/>
                         </a:rPr>
-                        <a:t>Named Support Engineer</a:t>
+                        <a:t>Ingénieur d’assistance nommé</a:t>
                       </a:r>
-                      <a:endParaRPr sz="900" spc="0">
-                        <a:latin typeface="AdobeClean-Light"/>
-                        <a:cs typeface="AdobeClean-Light"/>
-                      </a:endParaRPr>
                     </a:p>
                   </a:txBody>
                   <a:tcPr marL="0" marR="0" marT="58419" marB="0">
@@ -4565,7 +3879,7 @@
                     <a:bodyPr/>
                     <a:lstStyle/>
                     <a:p>
-                      <a:pPr algn="ctr">
+                      <a:pPr algn="l" rtl="0">
                         <a:lnSpc>
                           <a:spcPct val="100000"/>
                         </a:lnSpc>
@@ -4594,7 +3908,7 @@
                     <a:bodyPr/>
                     <a:lstStyle/>
                     <a:p>
-                      <a:pPr algn="ctr">
+                      <a:pPr algn="l" rtl="0">
                         <a:lnSpc>
                           <a:spcPct val="100000"/>
                         </a:lnSpc>
@@ -4625,7 +3939,7 @@
                     <a:bodyPr/>
                     <a:lstStyle/>
                     <a:p>
-                      <a:pPr marL="50800">
+                      <a:pPr marL="50800" algn="l" rtl="0">
                         <a:lnSpc>
                           <a:spcPct val="100000"/>
                         </a:lnSpc>
@@ -4683,19 +3997,15 @@
                         </a:spcBef>
                       </a:pPr>
                       <a:r>
-                        <a:rPr sz="900" spc="0">
+                        <a:rPr lang="fr-FR" sz="900">
                           <a:solidFill>
                             <a:srgbClr val="020302"/>
                           </a:solidFill>
                           <a:latin typeface="AdobeClean-Light"/>
                           <a:cs typeface="AdobeClean-Light"/>
                         </a:rPr>
-                        <a:t>Technical Account Manager</a:t>
+                        <a:t>Gestionnaire de compte technique</a:t>
                       </a:r>
-                      <a:endParaRPr sz="900" spc="0">
-                        <a:latin typeface="AdobeClean-Light"/>
-                        <a:cs typeface="AdobeClean-Light"/>
-                      </a:endParaRPr>
                     </a:p>
                   </a:txBody>
                   <a:tcPr marL="0" marR="0" marT="63500" marB="0">
@@ -4724,7 +4034,7 @@
                     <a:bodyPr/>
                     <a:lstStyle/>
                     <a:p>
-                      <a:pPr algn="ctr">
+                      <a:pPr algn="l" rtl="0">
                         <a:lnSpc>
                           <a:spcPct val="100000"/>
                         </a:lnSpc>
@@ -4762,7 +4072,7 @@
                     <a:bodyPr/>
                     <a:lstStyle/>
                     <a:p>
-                      <a:pPr algn="ctr">
+                      <a:pPr algn="l" rtl="0">
                         <a:lnSpc>
                           <a:spcPct val="100000"/>
                         </a:lnSpc>
@@ -4811,22 +4121,15 @@
                         </a:spcBef>
                       </a:pPr>
                       <a:r>
-                        <a:rPr lang="en-US" sz="1000" b="1" i="0" spc="0">
+                        <a:rPr lang="fr-FR" sz="1000" b="1" i="0">
                           <a:solidFill>
                             <a:schemeClr val="bg1"/>
                           </a:solidFill>
                           <a:latin typeface="Adobe Clean" panose="020B0503020404020204" pitchFamily="34" charset="0"/>
                           <a:cs typeface="AdobeClean-Light"/>
                         </a:rPr>
-                        <a:t>Support Services</a:t>
+                        <a:t>Services d’assistance</a:t>
                       </a:r>
-                      <a:endParaRPr sz="1000" b="1" i="0" spc="0">
-                        <a:solidFill>
-                          <a:schemeClr val="bg1"/>
-                        </a:solidFill>
-                        <a:latin typeface="Adobe Clean" panose="020B0503020404020204" pitchFamily="34" charset="0"/>
-                        <a:cs typeface="AdobeClean-Light"/>
-                      </a:endParaRPr>
                     </a:p>
                   </a:txBody>
                   <a:tcPr marL="0" marR="0" marT="57150" marB="0" anchor="ctr">
@@ -4882,29 +4185,15 @@
                         </a:spcBef>
                       </a:pPr>
                       <a:r>
-                        <a:rPr lang="en-US" sz="900" spc="0">
+                        <a:rPr lang="fr-FR" sz="900">
                           <a:solidFill>
                             <a:srgbClr val="020302"/>
                           </a:solidFill>
                           <a:latin typeface="AdobeClean-Light"/>
                           <a:cs typeface="AdobeClean-Light"/>
                         </a:rPr>
-                        <a:t>Online</a:t>
+                        <a:t>Assistance en ligne</a:t>
                       </a:r>
-                      <a:r>
-                        <a:rPr sz="900" spc="0">
-                          <a:solidFill>
-                            <a:srgbClr val="020302"/>
-                          </a:solidFill>
-                          <a:latin typeface="AdobeClean-Light"/>
-                          <a:cs typeface="AdobeClean-Light"/>
-                        </a:rPr>
-                        <a:t> Support</a:t>
-                      </a:r>
-                      <a:endParaRPr sz="900" spc="0">
-                        <a:latin typeface="AdobeClean-Light"/>
-                        <a:cs typeface="AdobeClean-Light"/>
-                      </a:endParaRPr>
                     </a:p>
                   </a:txBody>
                   <a:tcPr marL="0" marR="0" marT="57150" marB="0">
@@ -4942,39 +4231,15 @@
                         </a:spcBef>
                       </a:pPr>
                       <a:r>
-                        <a:rPr sz="900" spc="-25">
+                        <a:rPr lang="fr-FR" sz="900">
                           <a:solidFill>
                             <a:srgbClr val="020302"/>
                           </a:solidFill>
                           <a:latin typeface="AdobeClean-Light"/>
                           <a:cs typeface="AdobeClean-Light"/>
                         </a:rPr>
-                        <a:t>Business</a:t>
+                        <a:t>Heures d’ouverture</a:t>
                       </a:r>
-                      <a:r>
-                        <a:rPr sz="900" spc="-15">
-                          <a:solidFill>
-                            <a:srgbClr val="020302"/>
-                          </a:solidFill>
-                          <a:latin typeface="AdobeClean-Light"/>
-                          <a:cs typeface="AdobeClean-Light"/>
-                        </a:rPr>
-                        <a:t> </a:t>
-                      </a:r>
-                      <a:r>
-                        <a:rPr sz="900" spc="-30">
-                          <a:solidFill>
-                            <a:srgbClr val="020302"/>
-                          </a:solidFill>
-                          <a:latin typeface="AdobeClean-Light"/>
-                          <a:cs typeface="AdobeClean-Light"/>
-                        </a:rPr>
-                        <a:t>hours</a:t>
-                      </a:r>
-                      <a:endParaRPr sz="900">
-                        <a:latin typeface="AdobeClean-Light"/>
-                        <a:cs typeface="AdobeClean-Light"/>
-                      </a:endParaRPr>
                     </a:p>
                   </a:txBody>
                   <a:tcPr marL="0" marR="0" marT="67945" marB="0">
@@ -5013,39 +4278,15 @@
                         </a:spcBef>
                       </a:pPr>
                       <a:r>
-                        <a:rPr sz="900" spc="-25">
+                        <a:rPr lang="fr-FR" sz="900">
                           <a:solidFill>
                             <a:srgbClr val="020302"/>
                           </a:solidFill>
                           <a:latin typeface="AdobeClean-Light"/>
                           <a:cs typeface="AdobeClean-Light"/>
                         </a:rPr>
-                        <a:t>Business</a:t>
+                        <a:t>Heures d’ouverture</a:t>
                       </a:r>
-                      <a:r>
-                        <a:rPr sz="900" spc="-15">
-                          <a:solidFill>
-                            <a:srgbClr val="020302"/>
-                          </a:solidFill>
-                          <a:latin typeface="AdobeClean-Light"/>
-                          <a:cs typeface="AdobeClean-Light"/>
-                        </a:rPr>
-                        <a:t> </a:t>
-                      </a:r>
-                      <a:r>
-                        <a:rPr sz="900" spc="-30">
-                          <a:solidFill>
-                            <a:srgbClr val="020302"/>
-                          </a:solidFill>
-                          <a:latin typeface="AdobeClean-Light"/>
-                          <a:cs typeface="AdobeClean-Light"/>
-                        </a:rPr>
-                        <a:t>hours</a:t>
-                      </a:r>
-                      <a:endParaRPr sz="900">
-                        <a:latin typeface="AdobeClean-Light"/>
-                        <a:cs typeface="AdobeClean-Light"/>
-                      </a:endParaRPr>
                     </a:p>
                   </a:txBody>
                   <a:tcPr marL="0" marR="0" marT="67945" marB="0">
@@ -5077,7 +4318,7 @@
                     <a:bodyPr/>
                     <a:lstStyle/>
                     <a:p>
-                      <a:pPr marL="50800">
+                      <a:pPr marL="50800" algn="l" rtl="0">
                         <a:lnSpc>
                           <a:spcPct val="100000"/>
                         </a:lnSpc>
@@ -5126,39 +4367,15 @@
                         </a:spcBef>
                       </a:pPr>
                       <a:r>
-                        <a:rPr sz="900" spc="0">
+                        <a:rPr lang="fr-FR" sz="900" dirty="0">
                           <a:solidFill>
                             <a:srgbClr val="020302"/>
                           </a:solidFill>
                           <a:latin typeface="AdobeClean-Light"/>
                           <a:cs typeface="AdobeClean-Light"/>
                         </a:rPr>
-                        <a:t>24x7</a:t>
+                        <a:t>Assistance en cas de problèmes P1 24x7x365</a:t>
                       </a:r>
-                      <a:r>
-                        <a:rPr lang="en-US" sz="900" spc="0">
-                          <a:solidFill>
-                            <a:srgbClr val="020302"/>
-                          </a:solidFill>
-                          <a:latin typeface="AdobeClean-Light"/>
-                          <a:cs typeface="AdobeClean-Light"/>
-                        </a:rPr>
-                        <a:t>x365</a:t>
-                      </a:r>
-                      <a:r>
-                        <a:rPr sz="900" spc="0">
-                          <a:solidFill>
-                            <a:srgbClr val="020302"/>
-                          </a:solidFill>
-                          <a:latin typeface="AdobeClean-Light"/>
-                          <a:cs typeface="AdobeClean-Light"/>
-                        </a:rPr>
-                        <a:t> P1 Issue Support</a:t>
-                      </a:r>
-                      <a:endParaRPr sz="900" spc="0">
-                        <a:latin typeface="AdobeClean-Light"/>
-                        <a:cs typeface="AdobeClean-Light"/>
-                      </a:endParaRPr>
                     </a:p>
                   </a:txBody>
                   <a:tcPr marL="0" marR="0" marT="57785" marB="0">
@@ -5190,7 +4407,7 @@
                         </a:spcBef>
                       </a:pPr>
                       <a:r>
-                        <a:rPr sz="900">
+                        <a:rPr lang="fr-FR" sz="900">
                           <a:solidFill>
                             <a:srgbClr val="020302"/>
                           </a:solidFill>
@@ -5199,10 +4416,6 @@
                         </a:rPr>
                         <a:t></a:t>
                       </a:r>
-                      <a:endParaRPr sz="900">
-                        <a:latin typeface="Wingdings"/>
-                        <a:cs typeface="Wingdings"/>
-                      </a:endParaRPr>
                     </a:p>
                   </a:txBody>
                   <a:tcPr marL="0" marR="0" marT="58419" marB="0">
@@ -5232,7 +4445,7 @@
                         </a:spcBef>
                       </a:pPr>
                       <a:r>
-                        <a:rPr sz="900">
+                        <a:rPr lang="fr-FR" sz="900">
                           <a:solidFill>
                             <a:srgbClr val="020302"/>
                           </a:solidFill>
@@ -5241,10 +4454,6 @@
                         </a:rPr>
                         <a:t></a:t>
                       </a:r>
-                      <a:endParaRPr sz="900">
-                        <a:latin typeface="Wingdings"/>
-                        <a:cs typeface="Wingdings"/>
-                      </a:endParaRPr>
                     </a:p>
                   </a:txBody>
                   <a:tcPr marL="0" marR="0" marT="58419" marB="0">
@@ -5267,7 +4476,7 @@
                     <a:bodyPr/>
                     <a:lstStyle/>
                     <a:p>
-                      <a:pPr marL="50800">
+                      <a:pPr marL="50800" algn="l" rtl="0">
                         <a:lnSpc>
                           <a:spcPct val="100000"/>
                         </a:lnSpc>
@@ -5325,19 +4534,15 @@
                         </a:spcBef>
                       </a:pPr>
                       <a:r>
-                        <a:rPr lang="en-US" sz="900" spc="0">
+                        <a:rPr lang="fr-FR" sz="900">
                           <a:solidFill>
                             <a:srgbClr val="020302"/>
                           </a:solidFill>
                           <a:latin typeface="AdobeClean-Light"/>
                           <a:cs typeface="AdobeClean-Light"/>
                         </a:rPr>
-                        <a:t>Named Support Contacts (per product)</a:t>
+                        <a:t>Contacts d’assistance nommés (par produit)</a:t>
                       </a:r>
-                      <a:endParaRPr sz="900" spc="0">
-                        <a:latin typeface="AdobeClean-Light"/>
-                        <a:cs typeface="AdobeClean-Light"/>
-                      </a:endParaRPr>
                     </a:p>
                   </a:txBody>
                   <a:tcPr marL="0" marR="0" marT="57785" marB="0">
@@ -5375,7 +4580,7 @@
                         </a:spcBef>
                       </a:pPr>
                       <a:r>
-                        <a:rPr sz="900">
+                        <a:rPr lang="fr-FR" sz="900">
                           <a:solidFill>
                             <a:srgbClr val="020302"/>
                           </a:solidFill>
@@ -5384,10 +4589,6 @@
                         </a:rPr>
                         <a:t>4</a:t>
                       </a:r>
-                      <a:endParaRPr sz="900">
-                        <a:latin typeface="AdobeClean-Light"/>
-                        <a:cs typeface="AdobeClean-Light"/>
-                      </a:endParaRPr>
                     </a:p>
                   </a:txBody>
                   <a:tcPr marL="0" marR="0" marT="57785" marB="0">
@@ -5417,7 +4618,7 @@
                         </a:spcBef>
                       </a:pPr>
                       <a:r>
-                        <a:rPr sz="900">
+                        <a:rPr lang="fr-FR" sz="900">
                           <a:solidFill>
                             <a:srgbClr val="020302"/>
                           </a:solidFill>
@@ -5426,10 +4627,6 @@
                         </a:rPr>
                         <a:t>6</a:t>
                       </a:r>
-                      <a:endParaRPr sz="900">
-                        <a:latin typeface="AdobeClean-Light"/>
-                        <a:cs typeface="AdobeClean-Light"/>
-                      </a:endParaRPr>
                     </a:p>
                   </a:txBody>
                   <a:tcPr marL="0" marR="0" marT="57785" marB="0">
@@ -5452,7 +4649,7 @@
                     <a:bodyPr/>
                     <a:lstStyle/>
                     <a:p>
-                      <a:pPr marL="50800">
+                      <a:pPr marL="50800" algn="l" rtl="0">
                         <a:lnSpc>
                           <a:spcPct val="100000"/>
                         </a:lnSpc>
@@ -5501,19 +4698,15 @@
                         </a:spcBef>
                       </a:pPr>
                       <a:r>
-                        <a:rPr lang="en-US" sz="900" spc="0">
+                        <a:rPr lang="fr-FR" sz="900">
                           <a:solidFill>
                             <a:srgbClr val="020302"/>
                           </a:solidFill>
                           <a:latin typeface="AdobeClean-Light"/>
                           <a:cs typeface="AdobeClean-Light"/>
                         </a:rPr>
-                        <a:t>Live Telephone Support</a:t>
+                        <a:t>Assistance téléphonique en direct</a:t>
                       </a:r>
-                      <a:endParaRPr sz="900" spc="0">
-                        <a:latin typeface="AdobeClean-Light"/>
-                        <a:cs typeface="AdobeClean-Light"/>
-                      </a:endParaRPr>
                     </a:p>
                   </a:txBody>
                   <a:tcPr marL="0" marR="0" marT="57785" marB="0">
@@ -5536,7 +4729,7 @@
                     <a:bodyPr/>
                     <a:lstStyle/>
                     <a:p>
-                      <a:pPr algn="ctr">
+                      <a:pPr algn="l" rtl="0">
                         <a:lnSpc>
                           <a:spcPct val="100000"/>
                         </a:lnSpc>
@@ -5577,7 +4770,7 @@
                         </a:spcBef>
                       </a:pPr>
                       <a:r>
-                        <a:rPr sz="900">
+                        <a:rPr lang="fr-FR" sz="900">
                           <a:solidFill>
                             <a:srgbClr val="020302"/>
                           </a:solidFill>
@@ -5586,10 +4779,6 @@
                         </a:rPr>
                         <a:t></a:t>
                       </a:r>
-                      <a:endParaRPr sz="900">
-                        <a:latin typeface="Wingdings"/>
-                        <a:cs typeface="Wingdings"/>
-                      </a:endParaRPr>
                     </a:p>
                   </a:txBody>
                   <a:tcPr marL="0" marR="0" marT="59054" marB="0">
@@ -5612,7 +4801,7 @@
                     <a:bodyPr/>
                     <a:lstStyle/>
                     <a:p>
-                      <a:pPr marL="50800">
+                      <a:pPr marL="50800" algn="l" rtl="0">
                         <a:lnSpc>
                           <a:spcPct val="100000"/>
                         </a:lnSpc>
@@ -5661,19 +4850,15 @@
                         </a:spcBef>
                       </a:pPr>
                       <a:r>
-                        <a:rPr sz="900" spc="0">
+                        <a:rPr lang="fr-FR" sz="900">
                           <a:solidFill>
                             <a:srgbClr val="020302"/>
                           </a:solidFill>
                           <a:latin typeface="AdobeClean-Light"/>
                           <a:cs typeface="AdobeClean-Light"/>
                         </a:rPr>
-                        <a:t>Escalation Management</a:t>
+                        <a:t>Gestion des remontées d’informations</a:t>
                       </a:r>
-                      <a:endParaRPr sz="900" spc="0">
-                        <a:latin typeface="AdobeClean-Light"/>
-                        <a:cs typeface="AdobeClean-Light"/>
-                      </a:endParaRPr>
                     </a:p>
                   </a:txBody>
                   <a:tcPr marL="0" marR="0" marT="58419" marB="0">
@@ -5696,7 +4881,7 @@
                     <a:bodyPr/>
                     <a:lstStyle/>
                     <a:p>
-                      <a:pPr algn="ctr">
+                      <a:pPr algn="l" rtl="0">
                         <a:lnSpc>
                           <a:spcPct val="100000"/>
                         </a:lnSpc>
@@ -5737,7 +4922,7 @@
                         </a:spcBef>
                       </a:pPr>
                       <a:r>
-                        <a:rPr sz="900">
+                        <a:rPr lang="fr-FR" sz="900">
                           <a:solidFill>
                             <a:srgbClr val="020302"/>
                           </a:solidFill>
@@ -5746,10 +4931,6 @@
                         </a:rPr>
                         <a:t></a:t>
                       </a:r>
-                      <a:endParaRPr sz="900">
-                        <a:latin typeface="Wingdings"/>
-                        <a:cs typeface="Wingdings"/>
-                      </a:endParaRPr>
                     </a:p>
                   </a:txBody>
                   <a:tcPr marL="0" marR="0" marT="59690" marB="0">
@@ -5772,7 +4953,7 @@
                     <a:bodyPr/>
                     <a:lstStyle/>
                     <a:p>
-                      <a:pPr marL="50800">
+                      <a:pPr marL="50800" algn="l" rtl="0">
                         <a:lnSpc>
                           <a:spcPct val="100000"/>
                         </a:lnSpc>
@@ -5821,29 +5002,15 @@
                         </a:spcBef>
                       </a:pPr>
                       <a:r>
-                        <a:rPr sz="900" spc="0">
+                        <a:rPr lang="fr-FR" sz="900">
                           <a:solidFill>
                             <a:srgbClr val="020302"/>
                           </a:solidFill>
                           <a:latin typeface="AdobeClean-Light"/>
                           <a:cs typeface="AdobeClean-Light"/>
                         </a:rPr>
-                        <a:t>Service Reviews </a:t>
+                        <a:t>Examens de service par an</a:t>
                       </a:r>
-                      <a:r>
-                        <a:rPr lang="en-US" sz="900" spc="0">
-                          <a:solidFill>
-                            <a:srgbClr val="020302"/>
-                          </a:solidFill>
-                          <a:latin typeface="AdobeClean-Light"/>
-                          <a:cs typeface="AdobeClean-Light"/>
-                        </a:rPr>
-                        <a:t>per Year</a:t>
-                      </a:r>
-                      <a:endParaRPr sz="900" spc="0">
-                        <a:latin typeface="AdobeClean-Light"/>
-                        <a:cs typeface="AdobeClean-Light"/>
-                      </a:endParaRPr>
                     </a:p>
                   </a:txBody>
                   <a:tcPr marL="0" marR="0" marT="57150" marB="0">
@@ -5866,7 +5033,7 @@
                     <a:bodyPr/>
                     <a:lstStyle/>
                     <a:p>
-                      <a:pPr>
+                      <a:pPr algn="l" rtl="0">
                         <a:lnSpc>
                           <a:spcPct val="100000"/>
                         </a:lnSpc>
@@ -5895,7 +5062,7 @@
                     <a:bodyPr/>
                     <a:lstStyle/>
                     <a:p>
-                      <a:pPr>
+                      <a:pPr algn="l" rtl="0">
                         <a:lnSpc>
                           <a:spcPct val="100000"/>
                         </a:lnSpc>
@@ -5945,16 +5112,12 @@
                         </a:spcBef>
                       </a:pPr>
                       <a:r>
-                        <a:rPr lang="en-US" sz="900" spc="0">
+                        <a:rPr lang="fr-FR" sz="900" dirty="0">
                           <a:latin typeface="AdobeClean-Light"/>
                           <a:cs typeface="AdobeClean-Light"/>
                         </a:rPr>
-                        <a:t>Expert Sessions per Year</a:t>
+                        <a:t>Sessions d’experts par an</a:t>
                       </a:r>
-                      <a:endParaRPr sz="900" spc="0">
-                        <a:latin typeface="AdobeClean-Light"/>
-                        <a:cs typeface="AdobeClean-Light"/>
-                      </a:endParaRPr>
                     </a:p>
                   </a:txBody>
                   <a:tcPr marL="0" marR="0" marT="57150" marB="0">
@@ -5983,7 +5146,7 @@
                     <a:bodyPr/>
                     <a:lstStyle/>
                     <a:p>
-                      <a:pPr>
+                      <a:pPr algn="l" rtl="0">
                         <a:lnSpc>
                           <a:spcPct val="100000"/>
                         </a:lnSpc>
@@ -6012,7 +5175,7 @@
                     <a:bodyPr/>
                     <a:lstStyle/>
                     <a:p>
-                      <a:pPr>
+                      <a:pPr algn="l" rtl="0">
                         <a:lnSpc>
                           <a:spcPct val="100000"/>
                         </a:lnSpc>
@@ -6062,16 +5225,12 @@
                         </a:spcBef>
                       </a:pPr>
                       <a:r>
-                        <a:rPr lang="en-US" sz="900" spc="0">
+                        <a:rPr lang="fr-FR" sz="900" dirty="0">
                           <a:latin typeface="AdobeClean-Light"/>
                           <a:cs typeface="AdobeClean-Light"/>
                         </a:rPr>
-                        <a:t>Case Reviews</a:t>
+                        <a:t>Examens de cas</a:t>
                       </a:r>
-                      <a:endParaRPr sz="900" spc="0">
-                        <a:latin typeface="AdobeClean-Light"/>
-                        <a:cs typeface="AdobeClean-Light"/>
-                      </a:endParaRPr>
                     </a:p>
                   </a:txBody>
                   <a:tcPr marL="0" marR="0" marT="57150" marB="0">
@@ -6100,7 +5259,7 @@
                     <a:bodyPr/>
                     <a:lstStyle/>
                     <a:p>
-                      <a:pPr>
+                      <a:pPr algn="l" rtl="0">
                         <a:lnSpc>
                           <a:spcPct val="100000"/>
                         </a:lnSpc>
@@ -6129,7 +5288,7 @@
                     <a:bodyPr/>
                     <a:lstStyle/>
                     <a:p>
-                      <a:pPr>
+                      <a:pPr algn="l" rtl="0">
                         <a:lnSpc>
                           <a:spcPct val="100000"/>
                         </a:lnSpc>
@@ -6160,7 +5319,7 @@
                     <a:bodyPr/>
                     <a:lstStyle/>
                     <a:p>
-                      <a:pPr marL="48895">
+                      <a:pPr marL="48895" algn="l" rtl="0">
                         <a:lnSpc>
                           <a:spcPct val="100000"/>
                         </a:lnSpc>
@@ -6218,29 +5377,15 @@
                         </a:spcBef>
                       </a:pPr>
                       <a:r>
-                        <a:rPr sz="900" spc="0">
+                        <a:rPr lang="fr-FR" sz="900">
                           <a:solidFill>
                             <a:srgbClr val="020302"/>
                           </a:solidFill>
                           <a:latin typeface="AdobeClean-Light"/>
                           <a:cs typeface="AdobeClean-Light"/>
                         </a:rPr>
-                        <a:t>Event </a:t>
+                        <a:t>Gestion des événements</a:t>
                       </a:r>
-                      <a:r>
-                        <a:rPr lang="en-US" sz="900" spc="0">
-                          <a:solidFill>
-                            <a:srgbClr val="020302"/>
-                          </a:solidFill>
-                          <a:latin typeface="AdobeClean-Light"/>
-                          <a:cs typeface="AdobeClean-Light"/>
-                        </a:rPr>
-                        <a:t>Management</a:t>
-                      </a:r>
-                      <a:endParaRPr sz="900" spc="0">
-                        <a:latin typeface="AdobeClean-Light"/>
-                        <a:cs typeface="AdobeClean-Light"/>
-                      </a:endParaRPr>
                     </a:p>
                   </a:txBody>
                   <a:tcPr marL="0" marR="0" marT="58419" marB="0">
@@ -6269,7 +5414,7 @@
                     <a:bodyPr/>
                     <a:lstStyle/>
                     <a:p>
-                      <a:pPr>
+                      <a:pPr algn="l" rtl="0">
                         <a:lnSpc>
                           <a:spcPct val="100000"/>
                         </a:lnSpc>
@@ -6298,7 +5443,7 @@
                     <a:bodyPr/>
                     <a:lstStyle/>
                     <a:p>
-                      <a:pPr>
+                      <a:pPr algn="l" rtl="0">
                         <a:lnSpc>
                           <a:spcPct val="100000"/>
                         </a:lnSpc>
@@ -6329,7 +5474,7 @@
                     <a:bodyPr/>
                     <a:lstStyle/>
                     <a:p>
-                      <a:pPr marL="48895">
+                      <a:pPr marL="48895" algn="l" rtl="0">
                         <a:lnSpc>
                           <a:spcPct val="100000"/>
                         </a:lnSpc>
@@ -6378,39 +5523,15 @@
                         </a:spcBef>
                       </a:pPr>
                       <a:r>
-                        <a:rPr sz="900" spc="0">
+                        <a:rPr lang="fr-FR" sz="900">
                           <a:solidFill>
                             <a:srgbClr val="020302"/>
                           </a:solidFill>
                           <a:latin typeface="AdobeClean-Light"/>
                           <a:cs typeface="AdobeClean-Light"/>
                         </a:rPr>
-                        <a:t>Environment</a:t>
+                        <a:t>Examen, maintenance et surveillance de l’environnement</a:t>
                       </a:r>
-                      <a:r>
-                        <a:rPr lang="en-US" sz="900" spc="0">
-                          <a:solidFill>
-                            <a:srgbClr val="020302"/>
-                          </a:solidFill>
-                          <a:latin typeface="AdobeClean-Light"/>
-                          <a:cs typeface="AdobeClean-Light"/>
-                        </a:rPr>
-                        <a:t> </a:t>
-                      </a:r>
-                      <a:r>
-                        <a:rPr sz="900" spc="0">
-                          <a:solidFill>
-                            <a:srgbClr val="020302"/>
-                          </a:solidFill>
-                          <a:latin typeface="AdobeClean-Light"/>
-                          <a:cs typeface="AdobeClean-Light"/>
-                        </a:rPr>
-                        <a:t>Review, Maintenance &amp; Monitoring</a:t>
-                      </a:r>
-                      <a:endParaRPr sz="900" spc="0">
-                        <a:latin typeface="AdobeClean-Light"/>
-                        <a:cs typeface="AdobeClean-Light"/>
-                      </a:endParaRPr>
                     </a:p>
                   </a:txBody>
                   <a:tcPr marL="0" marR="0" marT="59055" marB="0">
@@ -6433,7 +5554,7 @@
                     <a:bodyPr/>
                     <a:lstStyle/>
                     <a:p>
-                      <a:pPr>
+                      <a:pPr algn="l" rtl="0">
                         <a:lnSpc>
                           <a:spcPct val="100000"/>
                         </a:lnSpc>
@@ -6462,7 +5583,7 @@
                     <a:bodyPr/>
                     <a:lstStyle/>
                     <a:p>
-                      <a:pPr>
+                      <a:pPr algn="l" rtl="0">
                         <a:lnSpc>
                           <a:spcPct val="100000"/>
                         </a:lnSpc>
@@ -6493,7 +5614,7 @@
                     <a:bodyPr/>
                     <a:lstStyle/>
                     <a:p>
-                      <a:pPr marL="49530">
+                      <a:pPr marL="49530" algn="l" rtl="0">
                         <a:lnSpc>
                           <a:spcPct val="100000"/>
                         </a:lnSpc>
@@ -6542,19 +5663,15 @@
                         </a:spcBef>
                       </a:pPr>
                       <a:r>
-                        <a:rPr sz="900" spc="0">
+                        <a:rPr lang="fr-FR" sz="900" dirty="0">
                           <a:solidFill>
                             <a:srgbClr val="020302"/>
                           </a:solidFill>
                           <a:latin typeface="AdobeClean-Light"/>
                           <a:cs typeface="AdobeClean-Light"/>
                         </a:rPr>
-                        <a:t>Release, Migration, Upgrade &amp; Product Roadmap Review</a:t>
+                        <a:t>Version, migration, mise à niveau et examen de la feuille de route du produit</a:t>
                       </a:r>
-                      <a:endParaRPr sz="900" spc="0">
-                        <a:latin typeface="AdobeClean-Light"/>
-                        <a:cs typeface="AdobeClean-Light"/>
-                      </a:endParaRPr>
                     </a:p>
                   </a:txBody>
                   <a:tcPr marL="0" marR="0" marT="63500" marB="0">
@@ -6577,7 +5694,7 @@
                     <a:bodyPr/>
                     <a:lstStyle/>
                     <a:p>
-                      <a:pPr>
+                      <a:pPr algn="l" rtl="0">
                         <a:lnSpc>
                           <a:spcPct val="100000"/>
                         </a:lnSpc>
@@ -6606,7 +5723,7 @@
                     <a:bodyPr/>
                     <a:lstStyle/>
                     <a:p>
-                      <a:pPr>
+                      <a:pPr algn="l" rtl="0">
                         <a:lnSpc>
                           <a:spcPct val="100000"/>
                         </a:lnSpc>
@@ -6637,7 +5754,7 @@
                     <a:bodyPr/>
                     <a:lstStyle/>
                     <a:p>
-                      <a:pPr marL="49530">
+                      <a:pPr marL="49530" algn="l" rtl="0">
                         <a:lnSpc>
                           <a:spcPct val="100000"/>
                         </a:lnSpc>
@@ -6695,11 +5812,11 @@
                         </a:spcBef>
                       </a:pPr>
                       <a:r>
-                        <a:rPr sz="900" spc="0">
+                        <a:rPr lang="fr-FR" sz="900">
                           <a:latin typeface="AdobeClean-Light"/>
                           <a:cs typeface="AdobeClean-Light"/>
                         </a:rPr>
-                        <a:t>Cloud Support Activities – Experience Manager as Cloud</a:t>
+                        <a:t>Activités d’assistance dans le Cloud - Experience Manager as Cloud</a:t>
                       </a:r>
                     </a:p>
                   </a:txBody>
@@ -6729,7 +5846,7 @@
                     <a:bodyPr/>
                     <a:lstStyle/>
                     <a:p>
-                      <a:pPr>
+                      <a:pPr algn="l" rtl="0">
                         <a:lnSpc>
                           <a:spcPct val="100000"/>
                         </a:lnSpc>
@@ -6767,7 +5884,7 @@
                     <a:bodyPr/>
                     <a:lstStyle/>
                     <a:p>
-                      <a:pPr>
+                      <a:pPr algn="l" rtl="0">
                         <a:lnSpc>
                           <a:spcPct val="100000"/>
                         </a:lnSpc>
@@ -6816,22 +5933,15 @@
                         </a:spcBef>
                       </a:pPr>
                       <a:r>
-                        <a:rPr lang="en-US" sz="1000" b="1" i="0" spc="0">
+                        <a:rPr lang="fr-FR" sz="1000" b="1" i="0">
                           <a:solidFill>
                             <a:schemeClr val="bg1"/>
                           </a:solidFill>
                           <a:latin typeface="Adobe Clean" panose="020B0503020404020204" pitchFamily="34" charset="0"/>
                           <a:cs typeface="AdobeClean-Light"/>
                         </a:rPr>
-                        <a:t>Field Services</a:t>
+                        <a:t>Services de terrain</a:t>
                       </a:r>
-                      <a:endParaRPr sz="1000" b="1" i="0" spc="0">
-                        <a:solidFill>
-                          <a:schemeClr val="bg1"/>
-                        </a:solidFill>
-                        <a:latin typeface="Adobe Clean" panose="020B0503020404020204" pitchFamily="34" charset="0"/>
-                        <a:cs typeface="AdobeClean-Light"/>
-                      </a:endParaRPr>
                     </a:p>
                   </a:txBody>
                   <a:tcPr marL="0" marR="0" marT="48260" marB="0" anchor="ctr">
@@ -6884,19 +5994,15 @@
                         </a:spcBef>
                       </a:pPr>
                       <a:r>
-                        <a:rPr sz="900" spc="0">
+                        <a:rPr lang="fr-FR" sz="900">
                           <a:solidFill>
                             <a:srgbClr val="020302"/>
                           </a:solidFill>
                           <a:latin typeface="AdobeClean-Light"/>
                           <a:cs typeface="AdobeClean-Light"/>
                         </a:rPr>
-                        <a:t>Launch Advisory Services – First Year of new solution</a:t>
+                        <a:t>Services Launch Advisory - Première année de la nouvelle solution</a:t>
                       </a:r>
-                      <a:endParaRPr sz="900" spc="0">
-                        <a:latin typeface="AdobeClean-Light"/>
-                        <a:cs typeface="AdobeClean-Light"/>
-                      </a:endParaRPr>
                     </a:p>
                     <a:p>
                       <a:pPr marL="48260" hangingPunct="0">
@@ -6908,11 +6014,11 @@
                         </a:spcBef>
                       </a:pPr>
                       <a:r>
-                        <a:rPr sz="900" spc="0">
+                        <a:rPr lang="fr-FR" sz="900">
                           <a:latin typeface="AdobeClean-Light"/>
                           <a:cs typeface="AdobeClean-Light"/>
                         </a:rPr>
-                        <a:t>Field Service Activities </a:t>
+                        <a:t>Activités du service de terrain </a:t>
                       </a:r>
                     </a:p>
                   </a:txBody>
@@ -6948,7 +6054,7 @@
                     <a:bodyPr/>
                     <a:lstStyle/>
                     <a:p>
-                      <a:pPr>
+                      <a:pPr algn="l" rtl="0">
                         <a:lnSpc>
                           <a:spcPct val="100000"/>
                         </a:lnSpc>
@@ -6986,7 +6092,7 @@
                     <a:bodyPr/>
                     <a:lstStyle/>
                     <a:p>
-                      <a:pPr>
+                      <a:pPr algn="l" rtl="0">
                         <a:lnSpc>
                           <a:spcPct val="100000"/>
                         </a:lnSpc>
@@ -7071,7 +6177,7 @@
                     <a:bodyPr/>
                     <a:lstStyle/>
                     <a:p>
-                      <a:pPr>
+                      <a:pPr algn="l" rtl="0">
                         <a:lnSpc>
                           <a:spcPct val="100000"/>
                         </a:lnSpc>
@@ -7097,7 +6203,7 @@
                     <a:bodyPr/>
                     <a:lstStyle/>
                     <a:p>
-                      <a:pPr>
+                      <a:pPr algn="l" rtl="0">
                         <a:lnSpc>
                           <a:spcPct val="100000"/>
                         </a:lnSpc>
@@ -7161,7 +6267,7 @@
           <a:lstStyle/>
           <a:p>
             <a:r>
-              <a:rPr lang="en-US" sz="700" i="1">
+              <a:rPr lang="fr-FR" sz="700" i="1">
                 <a:solidFill>
                   <a:schemeClr val="bg1"/>
                 </a:solidFill>
@@ -7343,7 +6449,7 @@
         <p:spPr>
           <a:xfrm>
             <a:off x="370040" y="1409311"/>
-            <a:ext cx="2286000" cy="1289969"/>
+            <a:ext cx="2286000" cy="1636345"/>
           </a:xfrm>
           <a:prstGeom prst="rect">
             <a:avLst/>
@@ -7364,18 +6470,14 @@
               </a:spcBef>
             </a:pPr>
             <a:r>
-              <a:rPr lang="en-US" sz="1000">
+              <a:rPr lang="fr-FR" sz="900" dirty="0">
                 <a:solidFill>
                   <a:srgbClr val="000000"/>
                 </a:solidFill>
                 <a:latin typeface="Adobe Clean Light" panose="020B0303020404020204" pitchFamily="34" charset="0"/>
               </a:rPr>
-              <a:t>A designated Account Support Lead to proactively monitor cases, drive cross-team collaboration, deliver onboarding webinars, run service reports, provide non-technical support assistance, and function as your escalation point and internal advocate within Adobe Support.</a:t>
+              <a:t>Il s’agit d’une assistance principale de compte désignée permettant de surveiller de manière proactive les cas, de favoriser la collaboration entre les équipes, de diffuser des webinaires d’intégration, de conduire des rapports de service, de fournir une assistance non technique et d’agir comme porte-parole de remontée des informations et comme ambassadeur interne au sein du service d’assistance d’Adobe.</a:t>
             </a:r>
-            <a:endParaRPr lang="en-US" sz="1000">
-              <a:latin typeface="Adobe Clean Light" panose="020B0303020404020204" pitchFamily="34" charset="0"/>
-              <a:cs typeface="AdobeClean-Light"/>
-            </a:endParaRPr>
           </a:p>
         </p:txBody>
       </p:sp>
@@ -7388,7 +6490,7 @@
         <p:spPr>
           <a:xfrm>
             <a:off x="2836967" y="8618616"/>
-            <a:ext cx="2286000" cy="641201"/>
+            <a:ext cx="2286000" cy="718145"/>
           </a:xfrm>
           <a:prstGeom prst="rect">
             <a:avLst/>
@@ -7412,44 +6514,14 @@
               </a:tabLst>
             </a:pPr>
             <a:r>
-              <a:rPr sz="1000">
+              <a:rPr lang="fr-FR" sz="900" dirty="0">
                 <a:solidFill>
                   <a:srgbClr val="020302"/>
                 </a:solidFill>
                 <a:latin typeface="AdobeClean-Light"/>
                 <a:cs typeface="AdobeClean-Light"/>
               </a:rPr>
-              <a:t>Start a chat session to get answers</a:t>
-            </a:r>
-            <a:r>
-              <a:rPr lang="en-US" sz="1000">
-                <a:solidFill>
-                  <a:srgbClr val="020302"/>
-                </a:solidFill>
-                <a:latin typeface="AdobeClean-Light"/>
-                <a:cs typeface="AdobeClean-Light"/>
-              </a:rPr>
-              <a:t> &amp; </a:t>
-            </a:r>
-            <a:r>
-              <a:rPr sz="1000">
-                <a:solidFill>
-                  <a:srgbClr val="020302"/>
-                </a:solidFill>
-                <a:latin typeface="AdobeClean-Light"/>
-                <a:cs typeface="AdobeClean-Light"/>
-              </a:rPr>
-              <a:t>help with case submission</a:t>
-            </a:r>
-            <a:r>
-              <a:rPr lang="en-US" sz="1000">
-                <a:solidFill>
-                  <a:srgbClr val="020302"/>
-                </a:solidFill>
-                <a:latin typeface="AdobeClean-Light"/>
-                <a:cs typeface="AdobeClean-Light"/>
-              </a:rPr>
-              <a:t>.</a:t>
+              <a:t>Commencez une session de conversation pour obtenir des réponses et de l’aide lors de l’envoi du cas.</a:t>
             </a:r>
           </a:p>
           <a:p>
@@ -7462,39 +6534,15 @@
               </a:tabLst>
             </a:pPr>
             <a:r>
-              <a:rPr sz="1000" i="1">
+              <a:rPr lang="fr-FR" sz="900" i="1" dirty="0">
                 <a:solidFill>
                   <a:srgbClr val="7A7A7A"/>
                 </a:solidFill>
                 <a:latin typeface="AdobeClean-LightIt"/>
                 <a:cs typeface="AdobeClean-LightIt"/>
               </a:rPr>
-              <a:t>*Not all products have live chat support</a:t>
+              <a:t>*Tous les produits ne bénéficient pas de l’assistance de messagerie instantanée.  </a:t>
             </a:r>
-            <a:r>
-              <a:rPr sz="900" i="1">
-                <a:solidFill>
-                  <a:srgbClr val="7A7A7A"/>
-                </a:solidFill>
-                <a:latin typeface="AdobeClean-LightIt"/>
-                <a:cs typeface="AdobeClean-LightIt"/>
-              </a:rPr>
-              <a:t>.</a:t>
-            </a:r>
-            <a:r>
-              <a:rPr lang="en-US" sz="900" i="1">
-                <a:solidFill>
-                  <a:srgbClr val="7A7A7A"/>
-                </a:solidFill>
-                <a:latin typeface="AdobeClean-LightIt"/>
-                <a:cs typeface="AdobeClean-LightIt"/>
-              </a:rPr>
-              <a:t>  </a:t>
-            </a:r>
-            <a:endParaRPr sz="900">
-              <a:latin typeface="AdobeClean-Light"/>
-              <a:cs typeface="AdobeClean-Light"/>
-            </a:endParaRPr>
           </a:p>
         </p:txBody>
       </p:sp>
@@ -7543,8 +6591,8 @@
         </p:nvSpPr>
         <p:spPr>
           <a:xfrm>
-            <a:off x="838200" y="6046398"/>
-            <a:ext cx="1568246" cy="184666"/>
+            <a:off x="838199" y="6046398"/>
+            <a:ext cx="1848207" cy="184666"/>
           </a:xfrm>
           <a:prstGeom prst="rect">
             <a:avLst/>
@@ -7570,12 +6618,12 @@
               <a:defRPr/>
             </a:pPr>
             <a:r>
-              <a:rPr lang="en-US" sz="1200">
+              <a:rPr lang="fr-FR" sz="1200" dirty="0">
                 <a:solidFill>
                   <a:srgbClr val="000000"/>
                 </a:solidFill>
               </a:rPr>
-              <a:t>Community Forums</a:t>
+              <a:t>Forums de la communauté</a:t>
             </a:r>
           </a:p>
         </p:txBody>
@@ -7597,7 +6645,7 @@
         <p:spPr>
           <a:xfrm>
             <a:off x="838200" y="6277305"/>
-            <a:ext cx="959314" cy="184666"/>
+            <a:ext cx="1376994" cy="184666"/>
           </a:xfrm>
           <a:prstGeom prst="rect">
             <a:avLst/>
@@ -7618,12 +6666,12 @@
               </a:spcAft>
             </a:pPr>
             <a:r>
-              <a:rPr lang="en-US" sz="1200" b="1">
+              <a:rPr lang="fr-FR" sz="1200" b="1" dirty="0">
                 <a:latin typeface="+mj-lt"/>
                 <a:ea typeface="Open Sans" pitchFamily="34" charset="0"/>
                 <a:cs typeface="Open Sans" pitchFamily="34" charset="0"/>
               </a:rPr>
-              <a:t>Online Forums</a:t>
+              <a:t>Forums en ligne</a:t>
             </a:r>
           </a:p>
         </p:txBody>
@@ -7643,7 +6691,7 @@
         <p:spPr>
           <a:xfrm>
             <a:off x="370040" y="6529249"/>
-            <a:ext cx="2286000" cy="805349"/>
+            <a:ext cx="2286000" cy="866904"/>
           </a:xfrm>
           <a:prstGeom prst="rect">
             <a:avLst/>
@@ -7656,13 +6704,13 @@
           <a:lstStyle/>
           <a:p>
             <a:r>
-              <a:rPr lang="en-US" sz="1000">
+              <a:rPr lang="fr-FR" sz="900" dirty="0">
                 <a:solidFill>
                   <a:srgbClr val="000000"/>
                 </a:solidFill>
                 <a:latin typeface="Adobe Clean Light" panose="020B0303020404020204" pitchFamily="34" charset="0"/>
               </a:rPr>
-              <a:t>Continuous online access to a growing database of technical solutions, product documentation, FAQs and more. Thousands of customers can connect to share best practices and lessons learned.</a:t>
+              <a:t>Accès en ligne permanent à une base de données croissante de solutions techniques, de documentation sur les produits, de questions fréquentes, etc. Des milliers de clients peuvent entrer en contact pour partager les bonnes pratiques et les leçons apprises.</a:t>
             </a:r>
           </a:p>
         </p:txBody>
@@ -7705,12 +6753,12 @@
               </a:spcAft>
             </a:pPr>
             <a:r>
-              <a:rPr lang="en-US" sz="1200" b="1">
+              <a:rPr lang="fr-FR" sz="1200" b="1">
                 <a:latin typeface="+mj-lt"/>
                 <a:ea typeface="Open Sans" pitchFamily="34" charset="0"/>
                 <a:cs typeface="Open Sans" pitchFamily="34" charset="0"/>
               </a:rPr>
-              <a:t>Self-guided Journeys</a:t>
+              <a:t>Parcours auto-guidés</a:t>
             </a:r>
           </a:p>
         </p:txBody>
@@ -7730,7 +6778,7 @@
         <p:spPr>
           <a:xfrm>
             <a:off x="5376301" y="6529249"/>
-            <a:ext cx="2286000" cy="959237"/>
+            <a:ext cx="2286000" cy="1005403"/>
           </a:xfrm>
           <a:prstGeom prst="rect">
             <a:avLst/>
@@ -7743,13 +6791,13 @@
           <a:lstStyle/>
           <a:p>
             <a:r>
-              <a:rPr lang="en-US" sz="1000">
+              <a:rPr lang="fr-FR" sz="900">
                 <a:solidFill>
                   <a:srgbClr val="000000"/>
                 </a:solidFill>
                 <a:latin typeface="Adobe Clean Light" panose="020B0303020404020204" pitchFamily="34" charset="0"/>
               </a:rPr>
-              <a:t>Experience Makers are made with Experience League. Customers can kickstart their Customer Experience Management abilities with personalized learning to develop skills, engage with a global community of peers, and earn career advancing recognition.</a:t>
+              <a:t>Les Experience Makers sont créées à l’aide d’Experience League. Les clients peuvent lancer leurs capacités de gestion de l’expérience client grâce à un apprentissage personnalisé permettant de développer leurs compétences, collaborer avec une communauté mondiale de pairs et gagner une reconnaissance de carrière.</a:t>
             </a:r>
           </a:p>
         </p:txBody>
@@ -7770,8 +6818,8 @@
         </p:nvSpPr>
         <p:spPr>
           <a:xfrm>
-            <a:off x="3215895" y="8150141"/>
-            <a:ext cx="2520000" cy="184666"/>
+            <a:off x="3215895" y="8048541"/>
+            <a:ext cx="2113147" cy="369332"/>
           </a:xfrm>
           <a:prstGeom prst="rect">
             <a:avLst/>
@@ -7797,12 +6845,12 @@
               <a:defRPr/>
             </a:pPr>
             <a:r>
-              <a:rPr lang="en-US" sz="1200">
+              <a:rPr lang="fr-FR" sz="1200">
                 <a:solidFill>
                   <a:srgbClr val="000000"/>
                 </a:solidFill>
               </a:rPr>
-              <a:t>Live Chat  Support*</a:t>
+              <a:t>Assistance de messagerie instantanée*</a:t>
             </a:r>
           </a:p>
         </p:txBody>
@@ -7845,12 +6893,12 @@
               </a:spcAft>
             </a:pPr>
             <a:r>
-              <a:rPr lang="en-US" sz="1200" b="1">
+              <a:rPr lang="fr-FR" sz="1200" b="1">
                 <a:latin typeface="+mj-lt"/>
                 <a:ea typeface="Open Sans" pitchFamily="34" charset="0"/>
                 <a:cs typeface="Open Sans" pitchFamily="34" charset="0"/>
               </a:rPr>
-              <a:t>Chat Support</a:t>
+              <a:t>Assistance de conversation</a:t>
             </a:r>
           </a:p>
         </p:txBody>
@@ -7898,12 +6946,12 @@
               <a:defRPr/>
             </a:pPr>
             <a:r>
-              <a:rPr lang="en-US" sz="1200">
+              <a:rPr lang="fr-FR" sz="1200">
                 <a:solidFill>
                   <a:srgbClr val="000000"/>
                 </a:solidFill>
               </a:rPr>
-              <a:t>24X7 P1 </a:t>
+              <a:t>P1 24X7 </a:t>
             </a:r>
           </a:p>
         </p:txBody>
@@ -7946,12 +6994,12 @@
               </a:spcAft>
             </a:pPr>
             <a:r>
-              <a:rPr lang="en-US" sz="1200" b="1">
+              <a:rPr lang="fr-FR" sz="1200" b="1" dirty="0">
                 <a:latin typeface="+mj-lt"/>
                 <a:ea typeface="Open Sans" pitchFamily="34" charset="0"/>
                 <a:cs typeface="Open Sans" pitchFamily="34" charset="0"/>
               </a:rPr>
-              <a:t>Phone Support</a:t>
+              <a:t>Assistance téléphonique</a:t>
             </a:r>
           </a:p>
         </p:txBody>
@@ -7971,7 +7019,7 @@
         <p:spPr>
           <a:xfrm>
             <a:off x="2836967" y="6529249"/>
-            <a:ext cx="2286000" cy="805349"/>
+            <a:ext cx="2286000" cy="866904"/>
           </a:xfrm>
           <a:prstGeom prst="rect">
             <a:avLst/>
@@ -7984,26 +7032,20 @@
           <a:lstStyle/>
           <a:p>
             <a:r>
-              <a:rPr lang="en-US" sz="1000">
+              <a:rPr lang="fr-FR" sz="900" dirty="0">
                 <a:solidFill>
                   <a:srgbClr val="020302"/>
                 </a:solidFill>
                 <a:latin typeface="AdobeClean-Light"/>
               </a:rPr>
-              <a:t>Authorized users or Named Support Contacts </a:t>
+              <a:t>Les utilisateurs autorisés ou les contacts d’assistance nommés </a:t>
             </a:r>
             <a:r>
-              <a:rPr lang="en-US" sz="1000">
+              <a:rPr lang="fr-FR" sz="900" dirty="0">
                 <a:latin typeface="Adobe Clean Light" panose="020B0303020404020204" pitchFamily="34" charset="0"/>
               </a:rPr>
-              <a:t>can submit issues through all available  channels (including phone for P1) and interact with our technical support team on behalf of your company. </a:t>
+              <a:t>peuvent communiquer des problèmes par l’intermédiaire de tous les canaux disponibles (y compris le téléphone pour P1) et interagir avec notre équipe d’assistance technique au nom de votre entreprise. </a:t>
             </a:r>
-            <a:endParaRPr lang="en-US" sz="1000">
-              <a:solidFill>
-                <a:srgbClr val="000000"/>
-              </a:solidFill>
-              <a:latin typeface="Adobe Clean Light" panose="020B0303020404020204" pitchFamily="34" charset="0"/>
-            </a:endParaRPr>
           </a:p>
         </p:txBody>
       </p:sp>
@@ -8025,8 +7067,8 @@
         </p:nvSpPr>
         <p:spPr>
           <a:xfrm>
-            <a:off x="5253416" y="9862966"/>
-            <a:ext cx="2270125" cy="132729"/>
+            <a:off x="4847015" y="9862966"/>
+            <a:ext cx="2926080" cy="132729"/>
           </a:xfrm>
           <a:prstGeom prst="rect">
             <a:avLst/>
@@ -8047,24 +7089,24 @@
               </a:spcBef>
             </a:pPr>
             <a:r>
-              <a:rPr spc="-5"/>
-              <a:t>©202</a:t>
+              <a:rPr lang="fr-FR" dirty="0"/>
+              <a:t>©2021 Adobe. All </a:t>
             </a:r>
             <a:r>
-              <a:rPr lang="en-US" spc="-5"/>
-              <a:t>1</a:t>
+              <a:rPr lang="fr-FR" dirty="0" err="1"/>
+              <a:t>Rights</a:t>
             </a:r>
             <a:r>
-              <a:rPr spc="-5"/>
-              <a:t> Adobe. All Rights Reserved. Adobe</a:t>
-            </a:r>
-            <a:r>
-              <a:rPr spc="60"/>
+              <a:rPr lang="fr-FR" dirty="0"/>
               <a:t> </a:t>
             </a:r>
             <a:r>
-              <a:rPr spc="-5"/>
-              <a:t>Confidential.</a:t>
+              <a:rPr lang="fr-FR" dirty="0" err="1"/>
+              <a:t>Reserved</a:t>
+            </a:r>
+            <a:r>
+              <a:rPr lang="fr-FR" dirty="0"/>
+              <a:t>. Données confidentielles Adobe</a:t>
             </a:r>
           </a:p>
         </p:txBody>
@@ -8085,7 +7127,7 @@
         </p:nvSpPr>
         <p:spPr>
           <a:xfrm>
-            <a:off x="821898" y="1099315"/>
+            <a:off x="821898" y="1033275"/>
             <a:ext cx="1726164" cy="184666"/>
           </a:xfrm>
           <a:prstGeom prst="rect">
@@ -8107,13 +7149,13 @@
               </a:spcAft>
             </a:pPr>
             <a:r>
-              <a:rPr lang="en-US" sz="1200" b="1" spc="-10">
+              <a:rPr lang="fr-FR" sz="1200" b="1" dirty="0">
                 <a:solidFill>
                   <a:srgbClr val="020302"/>
                 </a:solidFill>
                 <a:latin typeface="+mj-lt"/>
               </a:rPr>
-              <a:t>Account Support Lead</a:t>
+              <a:t>Assistance principale du compte</a:t>
             </a:r>
           </a:p>
         </p:txBody>
@@ -8202,19 +7244,15 @@
               </a:spcBef>
             </a:pPr>
             <a:r>
-              <a:rPr lang="en-US" sz="1400" b="1" spc="-10" dirty="0">
+              <a:rPr lang="fr-FR" sz="1400" b="1">
                 <a:solidFill>
                   <a:srgbClr val="020302"/>
                 </a:solidFill>
                 <a:latin typeface="Adobe Clean"/>
                 <a:cs typeface="Adobe Clean"/>
               </a:rPr>
-              <a:t>Standard Support Features</a:t>
+              <a:t>Caractéristiques de l’assistance Standard</a:t>
             </a:r>
-            <a:endParaRPr lang="en-US" sz="1400" dirty="0">
-              <a:latin typeface="Adobe Clean"/>
-              <a:cs typeface="Adobe Clean"/>
-            </a:endParaRPr>
           </a:p>
         </p:txBody>
       </p:sp>
@@ -8302,19 +7340,15 @@
               </a:spcBef>
             </a:pPr>
             <a:r>
-              <a:rPr lang="en-US" sz="1400" b="1" spc="-10">
+              <a:rPr lang="fr-FR" sz="1400" b="1">
                 <a:solidFill>
                   <a:srgbClr val="020302"/>
                 </a:solidFill>
                 <a:latin typeface="Adobe Clean"/>
                 <a:cs typeface="Adobe Clean"/>
               </a:rPr>
-              <a:t>Business  Support Features</a:t>
+              <a:t>Fonctionnalités d’assistance commerciale</a:t>
             </a:r>
-            <a:endParaRPr lang="en-US" sz="1400">
-              <a:latin typeface="Adobe Clean"/>
-              <a:cs typeface="Adobe Clean"/>
-            </a:endParaRPr>
           </a:p>
         </p:txBody>
       </p:sp>
@@ -8333,7 +7367,7 @@
         <p:spPr>
           <a:xfrm>
             <a:off x="2836967" y="1370913"/>
-            <a:ext cx="2286000" cy="1456681"/>
+            <a:ext cx="2286000" cy="1636345"/>
           </a:xfrm>
           <a:prstGeom prst="rect">
             <a:avLst/>
@@ -8354,15 +7388,11 @@
               </a:spcBef>
             </a:pPr>
             <a:r>
-              <a:rPr lang="en-US" sz="1000">
+              <a:rPr lang="fr-FR" sz="900">
                 <a:latin typeface="Adobe Clean Light" panose="020B0303020404020204" pitchFamily="34" charset="0"/>
               </a:rPr>
-              <a:t>Customers can submit support cases via Phone for all P2, P3, P4 issues during regional support hours. There are no upper limits on the number of times you can call into support. Customers can also request a call back from support or request a meeting to demonstrate or work through an issue using a shared remote desktop session.</a:t>
+              <a:t>Les clients peuvent envoyer des cas d’assistance par téléphone pour tous les problèmes P2, P3 et P4 pendant les heures d’assistance régionales. Vous pouvez appeler l’assistance autant de fois que cela est nécessaire. Les clients peuvent également demander à l’assistance de les rappeler ou demander une réunion pour démontrer ou résoudre un problème au cours d’une session de bureau distant partagée.</a:t>
             </a:r>
-            <a:endParaRPr lang="en-US" sz="1000">
-              <a:latin typeface="Adobe Clean Light" panose="020B0303020404020204" pitchFamily="34" charset="0"/>
-              <a:cs typeface="AdobeClean-Light"/>
-            </a:endParaRPr>
           </a:p>
         </p:txBody>
       </p:sp>
@@ -8382,7 +7412,7 @@
         </p:nvSpPr>
         <p:spPr>
           <a:xfrm>
-            <a:off x="3257682" y="1083435"/>
+            <a:off x="3257682" y="1017395"/>
             <a:ext cx="1976242" cy="184666"/>
           </a:xfrm>
           <a:prstGeom prst="rect">
@@ -8404,13 +7434,13 @@
               </a:spcAft>
             </a:pPr>
             <a:r>
-              <a:rPr lang="en-US" sz="1200" b="1" spc="-10">
+              <a:rPr lang="fr-FR" sz="1200" b="1">
                 <a:solidFill>
                   <a:srgbClr val="020302"/>
                 </a:solidFill>
                 <a:latin typeface="+mj-lt"/>
               </a:rPr>
-              <a:t>Live Telephone Support</a:t>
+              <a:t>Assistance téléphonique en direct</a:t>
             </a:r>
           </a:p>
         </p:txBody>
@@ -8430,7 +7460,7 @@
         <p:spPr>
           <a:xfrm>
             <a:off x="5376301" y="1398482"/>
-            <a:ext cx="2286000" cy="805349"/>
+            <a:ext cx="2286000" cy="866904"/>
           </a:xfrm>
           <a:prstGeom prst="rect">
             <a:avLst/>
@@ -8451,18 +7481,14 @@
               </a:spcBef>
             </a:pPr>
             <a:r>
-              <a:rPr lang="en-US" sz="1000">
+              <a:rPr lang="fr-FR" sz="900">
                 <a:solidFill>
                   <a:srgbClr val="4B4B4B"/>
                 </a:solidFill>
                 <a:latin typeface="Adobe Clean Light" panose="020B0303020404020204" pitchFamily="34" charset="0"/>
               </a:rPr>
-              <a:t>A designated point of contact within Adobe who can provide escalation assistance, regular updates and ensure priority is given to your most critical open support requests.</a:t>
+              <a:t>Il s’agit d’un point de contact désigné au sein d’Adobe pouvant fournir une assistance en matière de remontées d’informations, des mises à jour régulières et s’assurant que la priorité est mise sur vos demandes d’assistance ouvertes les plus importantes.</a:t>
             </a:r>
-            <a:endParaRPr lang="en-US" sz="1000">
-              <a:latin typeface="Adobe Clean Light" panose="020B0303020404020204" pitchFamily="34" charset="0"/>
-              <a:cs typeface="AdobeClean-Light"/>
-            </a:endParaRPr>
           </a:p>
         </p:txBody>
       </p:sp>
@@ -8482,7 +7508,7 @@
         </p:nvSpPr>
         <p:spPr>
           <a:xfrm>
-            <a:off x="5885313" y="1085652"/>
+            <a:off x="5885313" y="1019612"/>
             <a:ext cx="1608472" cy="184666"/>
           </a:xfrm>
           <a:prstGeom prst="rect">
@@ -8504,13 +7530,13 @@
               </a:spcAft>
             </a:pPr>
             <a:r>
-              <a:rPr lang="en-US" sz="1200" b="1" spc="-10">
+              <a:rPr lang="fr-FR" sz="1200" b="1">
                 <a:solidFill>
                   <a:srgbClr val="020302"/>
                 </a:solidFill>
                 <a:latin typeface="+mj-lt"/>
               </a:rPr>
-              <a:t>Escalation Management</a:t>
+              <a:t>Gestion des remontées d’informations</a:t>
             </a:r>
           </a:p>
         </p:txBody>
@@ -8558,7 +7584,7 @@
               <a:defRPr/>
             </a:pPr>
             <a:r>
-              <a:rPr lang="en-US" sz="1200">
+              <a:rPr lang="fr-FR" sz="1200">
                 <a:solidFill>
                   <a:srgbClr val="000000"/>
                 </a:solidFill>
@@ -8606,12 +7632,12 @@
               </a:spcAft>
             </a:pPr>
             <a:r>
-              <a:rPr lang="en-US" sz="1200" b="1">
+              <a:rPr lang="fr-FR" sz="1200" b="1">
                 <a:latin typeface="+mj-lt"/>
                 <a:ea typeface="Open Sans" pitchFamily="34" charset="0"/>
                 <a:cs typeface="Open Sans" pitchFamily="34" charset="0"/>
               </a:rPr>
-              <a:t>Webinars</a:t>
+              <a:t>Webinaires</a:t>
             </a:r>
           </a:p>
         </p:txBody>
@@ -8631,7 +7657,7 @@
         <p:spPr>
           <a:xfrm>
             <a:off x="370040" y="8618616"/>
-            <a:ext cx="2286000" cy="1113125"/>
+            <a:ext cx="2286000" cy="866904"/>
           </a:xfrm>
           <a:prstGeom prst="rect">
             <a:avLst/>
@@ -8644,13 +7670,49 @@
           <a:lstStyle/>
           <a:p>
             <a:r>
-              <a:rPr lang="en-US" sz="1000">
+              <a:rPr lang="fr-FR" sz="900" dirty="0">
                 <a:solidFill>
                   <a:srgbClr val="000000"/>
                 </a:solidFill>
                 <a:latin typeface="Adobe Clean Light" panose="020B0303020404020204" pitchFamily="34" charset="0"/>
               </a:rPr>
-              <a:t>Office Hours is an initiative led by the Adobe Customer Support team. These sessions are designed to inform as well as help participants troubleshoot problems and provide tips and tricks to be successful with Adobe Experience Cloud.</a:t>
+              <a:t>« Office </a:t>
+            </a:r>
+            <a:r>
+              <a:rPr lang="fr-FR" sz="900" dirty="0" err="1">
+                <a:solidFill>
+                  <a:srgbClr val="000000"/>
+                </a:solidFill>
+                <a:latin typeface="Adobe Clean Light" panose="020B0303020404020204" pitchFamily="34" charset="0"/>
+              </a:rPr>
+              <a:t>Hours</a:t>
+            </a:r>
+            <a:r>
+              <a:rPr lang="fr-FR" sz="900" dirty="0">
+                <a:solidFill>
+                  <a:srgbClr val="000000"/>
+                </a:solidFill>
+                <a:latin typeface="Adobe Clean Light" panose="020B0303020404020204" pitchFamily="34" charset="0"/>
+              </a:rPr>
+              <a:t> » est une initiative menée par l’équipe du service clientèle d’Adobe. Ces sessions sont conçues pour informer les participants des problèmes et les aider à les résoudre. Elles fournissent des conseils et des astuces pour bien utiliser Adobe </a:t>
+            </a:r>
+            <a:r>
+              <a:rPr lang="fr-FR" sz="900" dirty="0" err="1">
+                <a:solidFill>
+                  <a:srgbClr val="000000"/>
+                </a:solidFill>
+                <a:latin typeface="Adobe Clean Light" panose="020B0303020404020204" pitchFamily="34" charset="0"/>
+              </a:rPr>
+              <a:t>Experience</a:t>
+            </a:r>
+            <a:r>
+              <a:rPr lang="fr-FR" sz="900" dirty="0">
+                <a:solidFill>
+                  <a:srgbClr val="000000"/>
+                </a:solidFill>
+                <a:latin typeface="Adobe Clean Light" panose="020B0303020404020204" pitchFamily="34" charset="0"/>
+              </a:rPr>
+              <a:t> Cloud.</a:t>
             </a:r>
           </a:p>
         </p:txBody>
@@ -8693,12 +7755,12 @@
               </a:spcAft>
             </a:pPr>
             <a:r>
-              <a:rPr lang="en-US" sz="1200" b="1">
+              <a:rPr lang="fr-FR" sz="1200" b="1">
                 <a:latin typeface="+mj-lt"/>
                 <a:ea typeface="Open Sans" pitchFamily="34" charset="0"/>
                 <a:cs typeface="Open Sans" pitchFamily="34" charset="0"/>
               </a:rPr>
-              <a:t>24/7 Support Portal</a:t>
+              <a:t>Portail d’assistance 24/7</a:t>
             </a:r>
           </a:p>
         </p:txBody>
@@ -8718,7 +7780,7 @@
         <p:spPr>
           <a:xfrm>
             <a:off x="5376301" y="8618616"/>
-            <a:ext cx="2286000" cy="805349"/>
+            <a:ext cx="2286000" cy="866904"/>
           </a:xfrm>
           <a:prstGeom prst="rect">
             <a:avLst/>
@@ -8731,16 +7793,16 @@
           <a:lstStyle/>
           <a:p>
             <a:r>
-              <a:rPr lang="en-US" sz="1000">
+              <a:rPr lang="fr-FR" sz="900">
                 <a:solidFill>
                   <a:srgbClr val="000000"/>
                 </a:solidFill>
                 <a:latin typeface="Adobe Clean Light" panose="020B0303020404020204" pitchFamily="34" charset="0"/>
               </a:rPr>
-              <a:t>On-demand access to the online </a:t>
+              <a:t>Accès à la demande au portail </a:t>
             </a:r>
             <a:br>
-              <a:rPr lang="en-US" sz="1000">
+              <a:rPr lang="fr-FR" sz="900">
                 <a:solidFill>
                   <a:srgbClr val="000000"/>
                 </a:solidFill>
@@ -8748,13 +7810,13 @@
               </a:rPr>
             </a:br>
             <a:r>
-              <a:rPr lang="en-US" sz="1000">
+              <a:rPr lang="fr-FR" sz="900">
                 <a:solidFill>
                   <a:srgbClr val="000000"/>
                 </a:solidFill>
                 <a:latin typeface="Adobe Clean Light" panose="020B0303020404020204" pitchFamily="34" charset="0"/>
               </a:rPr>
-              <a:t>Self-help Support Portal to submit support requests, review case status, and browse other resources, like our knowledgebase, news and alerts, featured tips, and more.</a:t>
+              <a:t>d’assistance d’aide automatique en ligne pour envoyer des demandes d’assistance, examiner le statut des cas et parcourir d’autres ressources, telles que notre base de connaissances, les actualités et les alertes, les conseils présentés, etc.</a:t>
             </a:r>
           </a:p>
         </p:txBody>
@@ -8851,8 +7913,8 @@
         </p:nvSpPr>
         <p:spPr>
           <a:xfrm>
-            <a:off x="789025" y="3499700"/>
-            <a:ext cx="1336142" cy="285247"/>
+            <a:off x="789024" y="3499700"/>
+            <a:ext cx="1928775" cy="285247"/>
           </a:xfrm>
           <a:prstGeom prst="rect">
             <a:avLst/>
@@ -8866,10 +7928,10 @@
           <a:lstStyle/>
           <a:p>
             <a:r>
-              <a:rPr lang="en-US" sz="1200" b="1">
+              <a:rPr lang="fr-FR" sz="1200" b="1" dirty="0">
                 <a:latin typeface="+mj-lt"/>
               </a:rPr>
-              <a:t>Business Services</a:t>
+              <a:t>Services commerciaux</a:t>
             </a:r>
           </a:p>
         </p:txBody>
@@ -8910,15 +7972,11 @@
               </a:spcBef>
             </a:pPr>
             <a:r>
-              <a:rPr lang="en-US" sz="1000">
+              <a:rPr lang="fr-FR" sz="900" dirty="0">
                 <a:latin typeface="Adobe Clean Light" panose="020B0303020404020204" pitchFamily="34" charset="0"/>
               </a:rPr>
-              <a:t>An Account Support Lead will host webinars covering an overview of business support services.  </a:t>
+              <a:t>Une assistance de compte principale hébergera des webinaires présentant un aperçu des services d’assistance commerciale.  </a:t>
             </a:r>
-            <a:endParaRPr lang="en-US" sz="1000">
-              <a:latin typeface="Adobe Clean Light" panose="020B0303020404020204" pitchFamily="34" charset="0"/>
-              <a:cs typeface="AdobeClean-Light"/>
-            </a:endParaRPr>
           </a:p>
         </p:txBody>
       </p:sp>
@@ -9387,12 +8445,12 @@
               <a:defRPr/>
             </a:pPr>
             <a:r>
-              <a:rPr lang="en-US" sz="1200">
+              <a:rPr lang="fr-FR" sz="1200">
                 <a:solidFill>
                   <a:srgbClr val="000000"/>
                 </a:solidFill>
               </a:rPr>
-              <a:t>Self– Help Portal</a:t>
+              <a:t>Portail d’aide automatique</a:t>
             </a:r>
           </a:p>
         </p:txBody>
@@ -9414,7 +8472,7 @@
         <p:spPr>
           <a:xfrm>
             <a:off x="5851290" y="6046398"/>
-            <a:ext cx="2520000" cy="184666"/>
+            <a:ext cx="1642495" cy="184666"/>
           </a:xfrm>
           <a:prstGeom prst="rect">
             <a:avLst/>
@@ -9440,7 +8498,7 @@
               <a:defRPr/>
             </a:pPr>
             <a:r>
-              <a:rPr lang="en-US" sz="1200">
+              <a:rPr lang="fr-FR" sz="1200">
                 <a:solidFill>
                   <a:srgbClr val="000000"/>
                 </a:solidFill>
@@ -9502,49 +8560,15 @@
               </a:lnSpc>
             </a:pPr>
             <a:r>
-              <a:rPr sz="500" spc="-5">
+              <a:rPr lang="fr-FR" sz="500">
                 <a:solidFill>
                   <a:srgbClr val="6C6C6C"/>
                 </a:solidFill>
                 <a:latin typeface="Adobe Clean"/>
                 <a:cs typeface="Adobe Clean"/>
               </a:rPr>
-              <a:t>©2020 Adobe. All Rights Reserved. </a:t>
+              <a:t>©2020 Adobe. All Rights Reserved. Données confidentielles Adobe</a:t>
             </a:r>
-            <a:r>
-              <a:rPr sz="500">
-                <a:solidFill>
-                  <a:srgbClr val="6C6C6C"/>
-                </a:solidFill>
-                <a:latin typeface="Adobe Clean"/>
-                <a:cs typeface="Adobe Clean"/>
-              </a:rPr>
-              <a:t>Adobe</a:t>
-            </a:r>
-            <a:r>
-              <a:rPr sz="500" spc="5">
-                <a:solidFill>
-                  <a:srgbClr val="6C6C6C"/>
-                </a:solidFill>
-                <a:latin typeface="Adobe Clean"/>
-                <a:cs typeface="Adobe Clean"/>
-              </a:rPr>
-              <a:t> </a:t>
-            </a:r>
-            <a:r>
-              <a:rPr sz="500" spc="-5">
-                <a:solidFill>
-                  <a:srgbClr val="6C6C6C"/>
-                </a:solidFill>
-                <a:latin typeface="Adobe Clean"/>
-                <a:cs typeface="Adobe Clean"/>
-              </a:rPr>
-              <a:t>Confidential.</a:t>
-            </a:r>
-            <a:endParaRPr sz="500">
-              <a:latin typeface="Adobe Clean"/>
-              <a:cs typeface="Adobe Clean"/>
-            </a:endParaRPr>
           </a:p>
           <a:p>
             <a:pPr>
@@ -9570,39 +8594,15 @@
               </a:spcBef>
             </a:pPr>
             <a:r>
-              <a:rPr sz="800" spc="-5">
+              <a:rPr lang="fr-FR" sz="800">
                 <a:solidFill>
                   <a:srgbClr val="6D6D6D"/>
                 </a:solidFill>
                 <a:latin typeface="Adobe Clean"/>
                 <a:cs typeface="Adobe Clean"/>
               </a:rPr>
-              <a:t>©2020 Adobe. All Rights Reserved. Adobe</a:t>
+              <a:t>©2020 Adobe. All Rights Reserved. Données confidentielles Adobe</a:t>
             </a:r>
-            <a:r>
-              <a:rPr sz="800" spc="75">
-                <a:solidFill>
-                  <a:srgbClr val="6D6D6D"/>
-                </a:solidFill>
-                <a:latin typeface="Adobe Clean"/>
-                <a:cs typeface="Adobe Clean"/>
-              </a:rPr>
-              <a:t> </a:t>
-            </a:r>
-            <a:r>
-              <a:rPr sz="800" spc="-5">
-                <a:solidFill>
-                  <a:srgbClr val="6D6D6D"/>
-                </a:solidFill>
-                <a:latin typeface="Adobe Clean"/>
-                <a:cs typeface="Adobe Clean"/>
-              </a:rPr>
-              <a:t>Confidential.</a:t>
-            </a:r>
-            <a:endParaRPr sz="800">
-              <a:latin typeface="Adobe Clean"/>
-              <a:cs typeface="Adobe Clean"/>
-            </a:endParaRPr>
           </a:p>
         </p:txBody>
       </p:sp>
@@ -9686,19 +8686,15 @@
               </a:spcBef>
             </a:pPr>
             <a:r>
-              <a:rPr lang="en-US" sz="1400" b="1" spc="-15">
+              <a:rPr lang="fr-FR" sz="1400" b="1">
                 <a:solidFill>
                   <a:srgbClr val="020302"/>
                 </a:solidFill>
                 <a:latin typeface="Adobe Clean"/>
                 <a:cs typeface="Adobe Clean"/>
               </a:rPr>
-              <a:t>Resources</a:t>
+              <a:t>Ressources</a:t>
             </a:r>
-            <a:endParaRPr sz="1400">
-              <a:latin typeface="Adobe Clean"/>
-              <a:cs typeface="Adobe Clean"/>
-            </a:endParaRPr>
           </a:p>
         </p:txBody>
       </p:sp>
@@ -9732,7 +8728,7 @@
               </a:spcBef>
             </a:pPr>
             <a:r>
-              <a:rPr sz="800" spc="-15">
+              <a:rPr lang="fr-FR" sz="800" dirty="0">
                 <a:solidFill>
                   <a:srgbClr val="777879"/>
                 </a:solidFill>
@@ -9741,10 +8737,6 @@
               </a:rPr>
               <a:t>Adobe</a:t>
             </a:r>
-            <a:endParaRPr sz="800">
-              <a:latin typeface="Adobe Clean"/>
-              <a:cs typeface="Adobe Clean"/>
-            </a:endParaRPr>
           </a:p>
           <a:p>
             <a:pPr marL="12700">
@@ -9753,39 +8745,15 @@
               </a:lnSpc>
             </a:pPr>
             <a:r>
-              <a:rPr sz="800" spc="-15">
+              <a:rPr lang="fr-FR" sz="800" dirty="0">
                 <a:solidFill>
                   <a:srgbClr val="777879"/>
                 </a:solidFill>
                 <a:latin typeface="Adobe Clean"/>
                 <a:cs typeface="Adobe Clean"/>
               </a:rPr>
-              <a:t>345 Park</a:t>
+              <a:t>345 Park Avenue</a:t>
             </a:r>
-            <a:r>
-              <a:rPr sz="800" spc="-100">
-                <a:solidFill>
-                  <a:srgbClr val="777879"/>
-                </a:solidFill>
-                <a:latin typeface="Adobe Clean"/>
-                <a:cs typeface="Adobe Clean"/>
-              </a:rPr>
-              <a:t> </a:t>
-            </a:r>
-            <a:r>
-              <a:rPr sz="800" spc="-15">
-                <a:solidFill>
-                  <a:srgbClr val="777879"/>
-                </a:solidFill>
-                <a:latin typeface="Adobe Clean"/>
-                <a:cs typeface="Adobe Clean"/>
-              </a:rPr>
-              <a:t>Avenue</a:t>
-            </a:r>
-            <a:endParaRPr sz="800">
-              <a:latin typeface="Adobe Clean"/>
-              <a:cs typeface="Adobe Clean"/>
-            </a:endParaRPr>
           </a:p>
           <a:p>
             <a:pPr marL="12700">
@@ -9794,49 +8762,15 @@
               </a:lnSpc>
             </a:pPr>
             <a:r>
-              <a:rPr sz="800" spc="-10">
+              <a:rPr lang="fr-FR" sz="800" dirty="0">
                 <a:solidFill>
                   <a:srgbClr val="777879"/>
                 </a:solidFill>
                 <a:latin typeface="Adobe Clean"/>
                 <a:cs typeface="Adobe Clean"/>
               </a:rPr>
-              <a:t>San </a:t>
+              <a:t>San Jose, CA95110-2704</a:t>
             </a:r>
-            <a:r>
-              <a:rPr sz="800" spc="-15">
-                <a:solidFill>
-                  <a:srgbClr val="777879"/>
-                </a:solidFill>
-                <a:latin typeface="Adobe Clean"/>
-                <a:cs typeface="Adobe Clean"/>
-              </a:rPr>
-              <a:t>Jose,</a:t>
-            </a:r>
-            <a:r>
-              <a:rPr sz="800" spc="-140">
-                <a:solidFill>
-                  <a:srgbClr val="777879"/>
-                </a:solidFill>
-                <a:latin typeface="Adobe Clean"/>
-                <a:cs typeface="Adobe Clean"/>
-              </a:rPr>
-              <a:t> </a:t>
-            </a:r>
-            <a:r>
-              <a:rPr sz="800" spc="-20">
-                <a:solidFill>
-                  <a:srgbClr val="777879"/>
-                </a:solidFill>
-                <a:latin typeface="Adobe Clean"/>
-                <a:cs typeface="Adobe Clean"/>
-              </a:rPr>
-              <a:t>CA95110-2704</a:t>
-            </a:r>
-            <a:endParaRPr sz="800">
-              <a:latin typeface="Adobe Clean"/>
-              <a:cs typeface="Adobe Clean"/>
-            </a:endParaRPr>
           </a:p>
           <a:p>
             <a:pPr marL="12700">
@@ -9848,19 +8782,15 @@
               </a:spcBef>
             </a:pPr>
             <a:r>
-              <a:rPr sz="800" spc="-10">
+              <a:rPr lang="fr-FR" sz="800" dirty="0">
                 <a:solidFill>
                   <a:srgbClr val="777879"/>
                 </a:solidFill>
                 <a:latin typeface="Adobe Clean"/>
                 <a:cs typeface="Adobe Clean"/>
               </a:rPr>
-              <a:t>USA</a:t>
+              <a:t>États-Unis</a:t>
             </a:r>
-            <a:endParaRPr sz="800">
-              <a:latin typeface="Adobe Clean"/>
-              <a:cs typeface="Adobe Clean"/>
-            </a:endParaRPr>
           </a:p>
           <a:p>
             <a:pPr marL="12700">
@@ -9872,7 +8802,7 @@
               </a:spcBef>
             </a:pPr>
             <a:r>
-              <a:rPr sz="800" u="sng" spc="-25">
+              <a:rPr lang="fr-FR" sz="800" u="sng" dirty="0">
                 <a:solidFill>
                   <a:srgbClr val="5F5F5F"/>
                 </a:solidFill>
@@ -9885,12 +8815,8 @@
                 <a:cs typeface="Adobe Clean"/>
                 <a:hlinkClick r:id="rId3"/>
               </a:rPr>
-              <a:t>www.adobe.com</a:t>
+              <a:t>www.adobe.com/fr/</a:t>
             </a:r>
-            <a:endParaRPr sz="800">
-              <a:latin typeface="Adobe Clean"/>
-              <a:cs typeface="Adobe Clean"/>
-            </a:endParaRPr>
           </a:p>
         </p:txBody>
       </p:sp>
@@ -10065,439 +8991,15 @@
               </a:spcBef>
             </a:pPr>
             <a:r>
-              <a:rPr sz="1100" i="1" spc="-10">
+              <a:rPr lang="fr-FR" sz="1100" i="1" dirty="0">
                 <a:solidFill>
                   <a:srgbClr val="777879"/>
                 </a:solidFill>
                 <a:latin typeface="AdobeClean-LightIt"/>
                 <a:cs typeface="AdobeClean-LightIt"/>
               </a:rPr>
-              <a:t>To</a:t>
+              <a:t>Pour en apprendre plus sur les offres de l’assistance Adobe et sur le niveau qui vous convient, contactez votre gestionnaire de compte nommé (NAM) ou votre gestionnaire de Succès client (CSM).</a:t>
             </a:r>
-            <a:r>
-              <a:rPr sz="1100" i="1" spc="-50">
-                <a:solidFill>
-                  <a:srgbClr val="777879"/>
-                </a:solidFill>
-                <a:latin typeface="AdobeClean-LightIt"/>
-                <a:cs typeface="AdobeClean-LightIt"/>
-              </a:rPr>
-              <a:t> </a:t>
-            </a:r>
-            <a:r>
-              <a:rPr sz="1100" i="1" spc="-15">
-                <a:solidFill>
-                  <a:srgbClr val="777879"/>
-                </a:solidFill>
-                <a:latin typeface="AdobeClean-LightIt"/>
-                <a:cs typeface="AdobeClean-LightIt"/>
-              </a:rPr>
-              <a:t>learn</a:t>
-            </a:r>
-            <a:r>
-              <a:rPr sz="1100" i="1" spc="-40">
-                <a:solidFill>
-                  <a:srgbClr val="777879"/>
-                </a:solidFill>
-                <a:latin typeface="AdobeClean-LightIt"/>
-                <a:cs typeface="AdobeClean-LightIt"/>
-              </a:rPr>
-              <a:t> </a:t>
-            </a:r>
-            <a:r>
-              <a:rPr sz="1100" i="1" spc="-15">
-                <a:solidFill>
-                  <a:srgbClr val="777879"/>
-                </a:solidFill>
-                <a:latin typeface="AdobeClean-LightIt"/>
-                <a:cs typeface="AdobeClean-LightIt"/>
-              </a:rPr>
-              <a:t>more</a:t>
-            </a:r>
-            <a:r>
-              <a:rPr sz="1100" i="1" spc="-45">
-                <a:solidFill>
-                  <a:srgbClr val="777879"/>
-                </a:solidFill>
-                <a:latin typeface="AdobeClean-LightIt"/>
-                <a:cs typeface="AdobeClean-LightIt"/>
-              </a:rPr>
-              <a:t> </a:t>
-            </a:r>
-            <a:r>
-              <a:rPr sz="1100" i="1" spc="-15">
-                <a:solidFill>
-                  <a:srgbClr val="777879"/>
-                </a:solidFill>
-                <a:latin typeface="AdobeClean-LightIt"/>
-                <a:cs typeface="AdobeClean-LightIt"/>
-              </a:rPr>
-              <a:t>about</a:t>
-            </a:r>
-            <a:r>
-              <a:rPr sz="1100" i="1" spc="-45">
-                <a:solidFill>
-                  <a:srgbClr val="777879"/>
-                </a:solidFill>
-                <a:latin typeface="AdobeClean-LightIt"/>
-                <a:cs typeface="AdobeClean-LightIt"/>
-              </a:rPr>
-              <a:t> </a:t>
-            </a:r>
-            <a:r>
-              <a:rPr sz="1100" i="1" spc="-15">
-                <a:solidFill>
-                  <a:srgbClr val="777879"/>
-                </a:solidFill>
-                <a:latin typeface="AdobeClean-LightIt"/>
-                <a:cs typeface="AdobeClean-LightIt"/>
-              </a:rPr>
-              <a:t>Adobe</a:t>
-            </a:r>
-            <a:r>
-              <a:rPr sz="1100" i="1" spc="-50">
-                <a:solidFill>
-                  <a:srgbClr val="777879"/>
-                </a:solidFill>
-                <a:latin typeface="AdobeClean-LightIt"/>
-                <a:cs typeface="AdobeClean-LightIt"/>
-              </a:rPr>
-              <a:t> </a:t>
-            </a:r>
-            <a:r>
-              <a:rPr sz="1100" i="1" spc="-15">
-                <a:solidFill>
-                  <a:srgbClr val="777879"/>
-                </a:solidFill>
-                <a:latin typeface="AdobeClean-LightIt"/>
-                <a:cs typeface="AdobeClean-LightIt"/>
-              </a:rPr>
-              <a:t>Support</a:t>
-            </a:r>
-            <a:r>
-              <a:rPr lang="en-US" sz="1100" i="1" spc="-15">
-                <a:solidFill>
-                  <a:srgbClr val="777879"/>
-                </a:solidFill>
-                <a:latin typeface="AdobeClean-LightIt"/>
-                <a:cs typeface="AdobeClean-LightIt"/>
-              </a:rPr>
-              <a:t> Offerings</a:t>
-            </a:r>
-            <a:r>
-              <a:rPr sz="1100" i="1" spc="-75">
-                <a:solidFill>
-                  <a:srgbClr val="777879"/>
-                </a:solidFill>
-                <a:latin typeface="AdobeClean-LightIt"/>
-                <a:cs typeface="AdobeClean-LightIt"/>
-              </a:rPr>
-              <a:t> </a:t>
-            </a:r>
-            <a:r>
-              <a:rPr sz="1100" i="1" spc="-15">
-                <a:solidFill>
-                  <a:srgbClr val="777879"/>
-                </a:solidFill>
-                <a:latin typeface="AdobeClean-LightIt"/>
-                <a:cs typeface="AdobeClean-LightIt"/>
-              </a:rPr>
-              <a:t>and</a:t>
-            </a:r>
-            <a:r>
-              <a:rPr sz="1100" i="1" spc="-50">
-                <a:solidFill>
-                  <a:srgbClr val="777879"/>
-                </a:solidFill>
-                <a:latin typeface="AdobeClean-LightIt"/>
-                <a:cs typeface="AdobeClean-LightIt"/>
-              </a:rPr>
-              <a:t> </a:t>
-            </a:r>
-            <a:r>
-              <a:rPr sz="1100" i="1" spc="-15">
-                <a:solidFill>
-                  <a:srgbClr val="777879"/>
-                </a:solidFill>
-                <a:latin typeface="AdobeClean-LightIt"/>
-                <a:cs typeface="AdobeClean-LightIt"/>
-              </a:rPr>
-              <a:t>the</a:t>
-            </a:r>
-            <a:r>
-              <a:rPr sz="1100" i="1" spc="-55">
-                <a:solidFill>
-                  <a:srgbClr val="777879"/>
-                </a:solidFill>
-                <a:latin typeface="AdobeClean-LightIt"/>
-                <a:cs typeface="AdobeClean-LightIt"/>
-              </a:rPr>
-              <a:t> </a:t>
-            </a:r>
-            <a:r>
-              <a:rPr sz="1100" i="1" spc="-15">
-                <a:solidFill>
-                  <a:srgbClr val="777879"/>
-                </a:solidFill>
-                <a:latin typeface="AdobeClean-LightIt"/>
-                <a:cs typeface="AdobeClean-LightIt"/>
-              </a:rPr>
-              <a:t>right</a:t>
-            </a:r>
-            <a:r>
-              <a:rPr sz="1100" i="1" spc="-95">
-                <a:solidFill>
-                  <a:srgbClr val="777879"/>
-                </a:solidFill>
-                <a:latin typeface="AdobeClean-LightIt"/>
-                <a:cs typeface="AdobeClean-LightIt"/>
-              </a:rPr>
-              <a:t> </a:t>
-            </a:r>
-            <a:r>
-              <a:rPr sz="1100" i="1" spc="-15">
-                <a:solidFill>
-                  <a:srgbClr val="777879"/>
-                </a:solidFill>
-                <a:latin typeface="AdobeClean-LightIt"/>
-                <a:cs typeface="AdobeClean-LightIt"/>
-              </a:rPr>
-              <a:t>level</a:t>
-            </a:r>
-            <a:r>
-              <a:rPr sz="1100" i="1" spc="-55">
-                <a:solidFill>
-                  <a:srgbClr val="777879"/>
-                </a:solidFill>
-                <a:latin typeface="AdobeClean-LightIt"/>
-                <a:cs typeface="AdobeClean-LightIt"/>
-              </a:rPr>
-              <a:t> </a:t>
-            </a:r>
-            <a:r>
-              <a:rPr sz="1100" i="1" spc="-15">
-                <a:solidFill>
-                  <a:srgbClr val="777879"/>
-                </a:solidFill>
-                <a:latin typeface="AdobeClean-LightIt"/>
-                <a:cs typeface="AdobeClean-LightIt"/>
-              </a:rPr>
-              <a:t>for</a:t>
-            </a:r>
-            <a:r>
-              <a:rPr sz="1100" i="1" spc="-85">
-                <a:solidFill>
-                  <a:srgbClr val="777879"/>
-                </a:solidFill>
-                <a:latin typeface="AdobeClean-LightIt"/>
-                <a:cs typeface="AdobeClean-LightIt"/>
-              </a:rPr>
-              <a:t> </a:t>
-            </a:r>
-            <a:r>
-              <a:rPr sz="1100" i="1" spc="-15">
-                <a:solidFill>
-                  <a:srgbClr val="777879"/>
-                </a:solidFill>
-                <a:latin typeface="AdobeClean-LightIt"/>
-                <a:cs typeface="AdobeClean-LightIt"/>
-              </a:rPr>
-              <a:t>you,</a:t>
-            </a:r>
-            <a:r>
-              <a:rPr sz="1100" i="1" spc="-65">
-                <a:solidFill>
-                  <a:srgbClr val="777879"/>
-                </a:solidFill>
-                <a:latin typeface="AdobeClean-LightIt"/>
-                <a:cs typeface="AdobeClean-LightIt"/>
-              </a:rPr>
-              <a:t> </a:t>
-            </a:r>
-            <a:r>
-              <a:rPr sz="1100" i="1" spc="-15">
-                <a:solidFill>
-                  <a:srgbClr val="777879"/>
-                </a:solidFill>
-                <a:latin typeface="AdobeClean-LightIt"/>
-                <a:cs typeface="AdobeClean-LightIt"/>
-              </a:rPr>
-              <a:t>contact</a:t>
-            </a:r>
-            <a:r>
-              <a:rPr sz="1100" i="1" spc="-85">
-                <a:solidFill>
-                  <a:srgbClr val="777879"/>
-                </a:solidFill>
-                <a:latin typeface="AdobeClean-LightIt"/>
-                <a:cs typeface="AdobeClean-LightIt"/>
-              </a:rPr>
-              <a:t> </a:t>
-            </a:r>
-            <a:r>
-              <a:rPr sz="1100" i="1" spc="-15">
-                <a:solidFill>
-                  <a:srgbClr val="777879"/>
-                </a:solidFill>
-                <a:latin typeface="AdobeClean-LightIt"/>
-                <a:cs typeface="AdobeClean-LightIt"/>
-              </a:rPr>
-              <a:t>your</a:t>
-            </a:r>
-            <a:r>
-              <a:rPr sz="1100" i="1" spc="-70">
-                <a:solidFill>
-                  <a:srgbClr val="777879"/>
-                </a:solidFill>
-                <a:latin typeface="AdobeClean-LightIt"/>
-                <a:cs typeface="AdobeClean-LightIt"/>
-              </a:rPr>
-              <a:t> </a:t>
-            </a:r>
-            <a:r>
-              <a:rPr sz="1100" i="1" spc="-15">
-                <a:solidFill>
-                  <a:srgbClr val="777879"/>
-                </a:solidFill>
-                <a:latin typeface="AdobeClean-LightIt"/>
-                <a:cs typeface="AdobeClean-LightIt"/>
-              </a:rPr>
-              <a:t>Named</a:t>
-            </a:r>
-            <a:r>
-              <a:rPr sz="1100" i="1" spc="-55">
-                <a:solidFill>
-                  <a:srgbClr val="777879"/>
-                </a:solidFill>
-                <a:latin typeface="AdobeClean-LightIt"/>
-                <a:cs typeface="AdobeClean-LightIt"/>
-              </a:rPr>
-              <a:t> </a:t>
-            </a:r>
-            <a:r>
-              <a:rPr sz="1100" i="1" spc="-25">
-                <a:solidFill>
-                  <a:srgbClr val="777879"/>
-                </a:solidFill>
-                <a:latin typeface="AdobeClean-LightIt"/>
-                <a:cs typeface="AdobeClean-LightIt"/>
-              </a:rPr>
-              <a:t>Account</a:t>
-            </a:r>
-            <a:r>
-              <a:rPr sz="1100" i="1" spc="-120">
-                <a:solidFill>
-                  <a:srgbClr val="777879"/>
-                </a:solidFill>
-                <a:latin typeface="AdobeClean-LightIt"/>
-                <a:cs typeface="AdobeClean-LightIt"/>
-              </a:rPr>
-              <a:t> </a:t>
-            </a:r>
-            <a:r>
-              <a:rPr sz="1100" i="1" spc="-20">
-                <a:solidFill>
-                  <a:srgbClr val="777879"/>
-                </a:solidFill>
-                <a:latin typeface="AdobeClean-LightIt"/>
-                <a:cs typeface="AdobeClean-LightIt"/>
-              </a:rPr>
-              <a:t>Manager</a:t>
-            </a:r>
-            <a:r>
-              <a:rPr lang="en-US" sz="1100" i="1" spc="-20">
-                <a:solidFill>
-                  <a:srgbClr val="777879"/>
-                </a:solidFill>
-                <a:latin typeface="AdobeClean-LightIt"/>
-                <a:cs typeface="AdobeClean-LightIt"/>
-              </a:rPr>
-              <a:t> </a:t>
-            </a:r>
-            <a:r>
-              <a:rPr sz="1100" i="1" spc="-20">
-                <a:solidFill>
-                  <a:srgbClr val="777879"/>
-                </a:solidFill>
-                <a:latin typeface="AdobeClean-LightIt"/>
-                <a:cs typeface="AdobeClean-LightIt"/>
-              </a:rPr>
-              <a:t> </a:t>
-            </a:r>
-            <a:r>
-              <a:rPr sz="1100" i="1" spc="-15">
-                <a:solidFill>
-                  <a:srgbClr val="777879"/>
-                </a:solidFill>
-                <a:latin typeface="AdobeClean-LightIt"/>
-                <a:cs typeface="AdobeClean-LightIt"/>
-              </a:rPr>
-              <a:t>(NAM) </a:t>
-            </a:r>
-            <a:r>
-              <a:rPr sz="1100" i="1" spc="-10">
-                <a:solidFill>
-                  <a:srgbClr val="777879"/>
-                </a:solidFill>
-                <a:latin typeface="AdobeClean-LightIt"/>
-                <a:cs typeface="AdobeClean-LightIt"/>
-              </a:rPr>
-              <a:t>or </a:t>
-            </a:r>
-            <a:r>
-              <a:rPr sz="1100" i="1" spc="-15">
-                <a:solidFill>
-                  <a:srgbClr val="777879"/>
-                </a:solidFill>
-                <a:latin typeface="AdobeClean-LightIt"/>
-                <a:cs typeface="AdobeClean-LightIt"/>
-              </a:rPr>
-              <a:t>Customer</a:t>
-            </a:r>
-            <a:r>
-              <a:rPr lang="en-US" sz="1100" i="1" spc="-15">
-                <a:solidFill>
-                  <a:srgbClr val="777879"/>
-                </a:solidFill>
-                <a:latin typeface="AdobeClean-LightIt"/>
-                <a:cs typeface="AdobeClean-LightIt"/>
-              </a:rPr>
-              <a:t> </a:t>
-            </a:r>
-            <a:r>
-              <a:rPr lang="en-US" sz="1100" i="1" spc="-20">
-                <a:solidFill>
-                  <a:srgbClr val="777879"/>
-                </a:solidFill>
-                <a:latin typeface="AdobeClean-LightIt"/>
-                <a:cs typeface="AdobeClean-LightIt"/>
-              </a:rPr>
-              <a:t>Success </a:t>
-            </a:r>
-            <a:r>
-              <a:rPr lang="en-US" sz="1100" i="1" spc="-15">
-                <a:solidFill>
-                  <a:srgbClr val="777879"/>
-                </a:solidFill>
-                <a:latin typeface="AdobeClean-LightIt"/>
-                <a:cs typeface="AdobeClean-LightIt"/>
-              </a:rPr>
-              <a:t>Manager </a:t>
-            </a:r>
-            <a:r>
-              <a:rPr sz="1100" i="1" spc="-15">
-                <a:solidFill>
-                  <a:srgbClr val="777879"/>
-                </a:solidFill>
-                <a:latin typeface="AdobeClean-LightIt"/>
-                <a:cs typeface="AdobeClean-LightIt"/>
-              </a:rPr>
-              <a:t>(CSM)</a:t>
-            </a:r>
-            <a:endParaRPr sz="1100">
-              <a:latin typeface="AdobeClean-LightIt"/>
-              <a:cs typeface="AdobeClean-LightIt"/>
-            </a:endParaRPr>
           </a:p>
           <a:p>
             <a:pPr marL="34290">
@@ -10509,37 +9011,27 @@
               </a:spcBef>
             </a:pPr>
             <a:r>
-              <a:rPr sz="800" spc="-5">
+              <a:rPr lang="fr-FR" sz="800" dirty="0">
                 <a:solidFill>
                   <a:srgbClr val="6D6D6D"/>
                 </a:solidFill>
                 <a:latin typeface="Adobe Clean"/>
                 <a:cs typeface="Adobe Clean"/>
               </a:rPr>
-              <a:t>©202</a:t>
+              <a:t>©2021 Adobe. All </a:t>
             </a:r>
             <a:r>
-              <a:rPr lang="en-US" sz="800" spc="-5">
+              <a:rPr lang="fr-FR" sz="800" dirty="0" err="1">
                 <a:solidFill>
                   <a:srgbClr val="6D6D6D"/>
                 </a:solidFill>
                 <a:latin typeface="Adobe Clean"/>
                 <a:cs typeface="Adobe Clean"/>
               </a:rPr>
-              <a:t>1</a:t>
+              <a:t>Rights</a:t>
             </a:r>
             <a:r>
-              <a:rPr sz="800" spc="-5">
-                <a:solidFill>
-                  <a:srgbClr val="6D6D6D"/>
-                </a:solidFill>
-                <a:latin typeface="Adobe Clean"/>
-                <a:cs typeface="Adobe Clean"/>
-              </a:rPr>
-              <a:t> Adobe. All Rights Reserved. Adobe</a:t>
-            </a:r>
-            <a:r>
-              <a:rPr sz="800" spc="75">
+              <a:rPr lang="fr-FR" sz="800" dirty="0">
                 <a:solidFill>
                   <a:srgbClr val="6D6D6D"/>
                 </a:solidFill>
@@ -10549,19 +9041,25 @@
               <a:t> </a:t>
             </a:r>
             <a:r>
-              <a:rPr sz="800" spc="-5">
+              <a:rPr lang="fr-FR" sz="800" dirty="0" err="1">
                 <a:solidFill>
                   <a:srgbClr val="6D6D6D"/>
                 </a:solidFill>
                 <a:latin typeface="Adobe Clean"/>
                 <a:cs typeface="Adobe Clean"/>
               </a:rPr>
-              <a:t>Confidential.</a:t>
+              <a:t>Reserved</a:t>
             </a:r>
-            <a:endParaRPr sz="800">
-              <a:latin typeface="Adobe Clean"/>
-              <a:cs typeface="Adobe Clean"/>
-            </a:endParaRPr>
+            <a:r>
+              <a:rPr lang="fr-FR" sz="800" dirty="0">
+                <a:solidFill>
+                  <a:srgbClr val="6D6D6D"/>
+                </a:solidFill>
+                <a:latin typeface="Adobe Clean"/>
+                <a:cs typeface="Adobe Clean"/>
+              </a:rPr>
+              <a:t>. Données confidentielles Adobe</a:t>
+            </a:r>
           </a:p>
         </p:txBody>
       </p:sp>
@@ -10579,8 +9077,8 @@
         </p:nvSpPr>
         <p:spPr>
           <a:xfrm>
-            <a:off x="197233" y="5031270"/>
-            <a:ext cx="6476646" cy="755976"/>
+            <a:off x="197232" y="5031270"/>
+            <a:ext cx="7112887" cy="755976"/>
           </a:xfrm>
           <a:prstGeom prst="rect">
             <a:avLst/>
@@ -10598,19 +9096,15 @@
               </a:spcBef>
             </a:pPr>
             <a:r>
-              <a:rPr lang="en-US" sz="1400" b="1" spc="-15">
+              <a:rPr lang="fr-FR" sz="1400" b="1" dirty="0">
                 <a:solidFill>
                   <a:srgbClr val="020302"/>
                 </a:solidFill>
                 <a:latin typeface="Adobe Clean"/>
                 <a:cs typeface="Adobe Clean"/>
               </a:rPr>
-              <a:t>Regional scope of Adobe Support, Local Hours Of Operation And Language Support</a:t>
+              <a:t>Portée régionale de l’assistance Adobe, heures ouvrables locales et assistance linguistique</a:t>
             </a:r>
-            <a:endParaRPr lang="en-US" sz="1400" spc="-15">
-              <a:ea typeface="+mn-lt"/>
-              <a:cs typeface="+mn-lt"/>
-            </a:endParaRPr>
           </a:p>
           <a:p>
             <a:pPr>
@@ -10619,15 +9113,14 @@
               </a:spcBef>
             </a:pPr>
             <a:r>
-              <a:rPr lang="en-US" sz="1000" spc="-15">
+              <a:rPr lang="fr-FR" sz="1000" dirty="0">
                 <a:solidFill>
                   <a:srgbClr val="1F1F1F"/>
                 </a:solidFill>
                 <a:latin typeface="AdobeClean-Light"/>
               </a:rPr>
-              <a:t>The Regional scope of Adobe Support is established by aligning the customer's billing address (via the Sales Order or other Adobe Support purchasing document) to one of the following regions:</a:t>
+              <a:t>La portée régionale de l’assistance Adobe est définie par l’alignement de l’adresse de facturation du client (se trouvant sur le bon de commande ou tout autre document d’achat de l’assistance Adobe) avec l’une des régions suivantes :</a:t>
             </a:r>
-            <a:endParaRPr lang="en-US"/>
           </a:p>
         </p:txBody>
       </p:sp>
@@ -10646,7 +9139,7 @@
           <p:nvPr>
             <p:extLst>
               <p:ext uri="{D42A27DB-BD31-4B8C-83A1-F6EECF244321}">
-                <p14:modId xmlns:p14="http://schemas.microsoft.com/office/powerpoint/2010/main" val="2969235217"/>
+                <p14:modId xmlns:p14="http://schemas.microsoft.com/office/powerpoint/2010/main" val="3903471551"/>
               </p:ext>
             </p:extLst>
           </p:nvPr>
@@ -10699,13 +9192,13 @@
                     <a:p>
                       <a:pPr algn="ctr"/>
                       <a:r>
-                        <a:rPr lang="en-US" sz="1100">
+                        <a:rPr lang="fr-FR" sz="1100">
                           <a:solidFill>
                             <a:schemeClr val="tx1"/>
                           </a:solidFill>
                           <a:latin typeface="Adobe Clean"/>
                         </a:rPr>
-                        <a:t>Americas</a:t>
+                        <a:t>Amériques</a:t>
                       </a:r>
                     </a:p>
                   </a:txBody>
@@ -10764,13 +9257,30 @@
                     <a:p>
                       <a:pPr algn="ctr"/>
                       <a:r>
-                        <a:rPr lang="en-US" sz="1100">
+                        <a:rPr lang="fr-FR" sz="1100" dirty="0">
                           <a:solidFill>
                             <a:schemeClr val="tx1"/>
                           </a:solidFill>
                           <a:latin typeface="Adobe Clean"/>
                         </a:rPr>
-                        <a:t>Europe, Middle East &amp; Africa</a:t>
+                        <a:t>Europe, Moyen-Orient </a:t>
+                      </a:r>
+                      <a:br>
+                        <a:rPr lang="fr-FR" sz="1100" dirty="0">
+                          <a:solidFill>
+                            <a:schemeClr val="tx1"/>
+                          </a:solidFill>
+                          <a:latin typeface="Adobe Clean"/>
+                        </a:rPr>
+                      </a:br>
+                      <a:r>
+                        <a:rPr lang="fr-FR" sz="1100" dirty="0">
+                          <a:solidFill>
+                            <a:schemeClr val="tx1"/>
+                          </a:solidFill>
+                          <a:latin typeface="Adobe Clean"/>
+                        </a:rPr>
+                        <a:t>et Afrique</a:t>
                       </a:r>
                     </a:p>
                   </a:txBody>
@@ -10829,13 +9339,13 @@
                     <a:p>
                       <a:pPr algn="ctr"/>
                       <a:r>
-                        <a:rPr lang="en-US" sz="1100">
+                        <a:rPr lang="fr-FR" sz="1100">
                           <a:solidFill>
                             <a:schemeClr val="tx1"/>
                           </a:solidFill>
                           <a:latin typeface="Adobe Clean"/>
                         </a:rPr>
-                        <a:t>Asia Pacific</a:t>
+                        <a:t>Asie-Pacifique</a:t>
                       </a:r>
                     </a:p>
                   </a:txBody>
@@ -10894,16 +9404,16 @@
                     <a:p>
                       <a:pPr algn="ctr"/>
                       <a:r>
-                        <a:rPr lang="en-US" sz="1100">
+                        <a:rPr lang="fr-FR" sz="1100">
                           <a:solidFill>
                             <a:schemeClr val="tx1"/>
                           </a:solidFill>
                           <a:latin typeface="Adobe Clean"/>
                         </a:rPr>
-                        <a:t>Japan </a:t>
+                        <a:t>Japon </a:t>
                       </a:r>
                       <a:r>
-                        <a:rPr lang="en-US" sz="1100" baseline="30000">
+                        <a:rPr lang="fr-FR" sz="1100" baseline="30000">
                           <a:solidFill>
                             <a:schemeClr val="tx1"/>
                           </a:solidFill>
@@ -10911,12 +9421,6 @@
                         </a:rPr>
                         <a:t>1 </a:t>
                       </a:r>
-                      <a:endParaRPr lang="en-US" sz="1100">
-                        <a:solidFill>
-                          <a:schemeClr val="tx1"/>
-                        </a:solidFill>
-                        <a:latin typeface="Adobe Clean" panose="020B0503020404020204" pitchFamily="34" charset="0"/>
-                      </a:endParaRPr>
                     </a:p>
                   </a:txBody>
                   <a:tcPr anchor="ctr">
@@ -10981,13 +9485,13 @@
                     <a:p>
                       <a:pPr algn="ctr"/>
                       <a:r>
-                        <a:rPr lang="en-US" sz="1100">
+                        <a:rPr lang="fr-FR" sz="1100" dirty="0">
                           <a:solidFill>
                             <a:schemeClr val="tx1"/>
                           </a:solidFill>
                           <a:latin typeface="Adobe Clean"/>
                         </a:rPr>
-                        <a:t>6 am – 5:30 pm</a:t>
+                        <a:t>6 h 00 à 17 h 30</a:t>
                       </a:r>
                     </a:p>
                   </a:txBody>
@@ -11046,13 +9550,13 @@
                     <a:p>
                       <a:pPr algn="ctr"/>
                       <a:r>
-                        <a:rPr lang="en-US" sz="1100">
+                        <a:rPr lang="fr-FR" sz="1100" dirty="0">
                           <a:solidFill>
                             <a:schemeClr val="tx1"/>
                           </a:solidFill>
                           <a:latin typeface="Adobe Clean"/>
                         </a:rPr>
-                        <a:t>9 am – 5 pm</a:t>
+                        <a:t>9 h 00 à 17 h 00</a:t>
                       </a:r>
                     </a:p>
                   </a:txBody>
@@ -11111,13 +9615,13 @@
                     <a:p>
                       <a:pPr algn="ctr"/>
                       <a:r>
-                        <a:rPr lang="en-US" sz="1100">
+                        <a:rPr lang="fr-FR" sz="1100">
                           <a:solidFill>
                             <a:schemeClr val="tx1"/>
                           </a:solidFill>
                           <a:latin typeface="Adobe Clean"/>
                         </a:rPr>
-                        <a:t>9 am – 5 pm</a:t>
+                        <a:t>9 h 00 à 17 h 00</a:t>
                       </a:r>
                     </a:p>
                   </a:txBody>
@@ -11176,13 +9680,13 @@
                     <a:p>
                       <a:pPr algn="ctr"/>
                       <a:r>
-                        <a:rPr lang="en-US" sz="1100">
+                        <a:rPr lang="fr-FR" sz="1100">
                           <a:solidFill>
                             <a:schemeClr val="tx1"/>
                           </a:solidFill>
                           <a:latin typeface="Adobe Clean"/>
                         </a:rPr>
-                        <a:t>9 am – 5:30 pm</a:t>
+                        <a:t>9 h 00 à 17 h 30</a:t>
                       </a:r>
                     </a:p>
                   </a:txBody>
@@ -11262,11 +9766,10 @@
                         <a:buNone/>
                       </a:pPr>
                       <a:r>
-                        <a:rPr lang="en-US" sz="1100" b="1" i="0" u="none" strike="noStrike" kern="0" cap="none" spc="0" normalizeH="0" baseline="30000" noProof="0">
+                        <a:rPr lang="fr-FR" sz="1100" b="1" i="0" u="none" strike="noStrike" cap="none" normalizeH="0" baseline="30000" noProof="0" dirty="0">
                           <a:ln>
                             <a:noFill/>
                           </a:ln>
-                          <a:effectLst/>
                           <a:uLnTx/>
                           <a:uFillTx/>
                           <a:latin typeface="Adobe Clean"/>
@@ -11276,17 +9779,16 @@
                         <a:t> </a:t>
                       </a:r>
                       <a:r>
-                        <a:rPr lang="en-US" sz="1100">
+                        <a:rPr lang="fr-FR" sz="1100" dirty="0">
                           <a:solidFill>
                             <a:schemeClr val="tx1"/>
                           </a:solidFill>
                           <a:latin typeface="Adobe Clean"/>
+                          <a:ea typeface="+mn-ea"/>
+                          <a:cs typeface="+mn-cs"/>
                         </a:rPr>
-                        <a:t>Language support is only available in English and Japanese.</a:t>
+                        <a:t>L’assistance linguistique est uniquement disponible en anglais et en japonais.</a:t>
                       </a:r>
-                      <a:endParaRPr lang="en-US">
-                        <a:latin typeface="Adobe Clean"/>
-                      </a:endParaRPr>
                     </a:p>
                     <a:p>
                       <a:pPr marL="0" marR="0" lvl="0" indent="0" algn="ctr">
@@ -11305,18 +9807,18 @@
                         <a:buNone/>
                       </a:pPr>
                       <a:r>
-                        <a:rPr lang="en-US" sz="1100" i="1">
+                        <a:rPr lang="fr-FR" sz="1100" i="1" dirty="0">
                           <a:solidFill>
                             <a:schemeClr val="tx1"/>
                           </a:solidFill>
                           <a:latin typeface="Adobe Clean"/>
                         </a:rPr>
-                        <a:t>*Adobe Commerce excludes Japanese languages support.</a:t>
+                        <a:t>*Adobe Commerce exclut l’assistance linguistique japonaise.</a:t>
                       </a:r>
                     </a:p>
                     <a:p>
-                      <a:pPr algn="ctr"/>
-                      <a:endParaRPr kumimoji="0" lang="en-US" sz="1100" b="1" i="0" u="none" strike="noStrike" kern="0" cap="none" spc="0" normalizeH="0" baseline="30000" noProof="0">
+                      <a:pPr algn="l" rtl="0"/>
+                      <a:endParaRPr kumimoji="0" lang="en-US" sz="1100" b="1" i="0" u="none" strike="noStrike" kern="0" cap="none" spc="0" normalizeH="0" baseline="30000" noProof="0" dirty="0">
                         <a:ln>
                           <a:noFill/>
                         </a:ln>
@@ -11334,7 +9836,7 @@
                     <a:p>
                       <a:pPr algn="ctr"/>
                       <a:r>
-                        <a:rPr lang="en-US" sz="1100" i="0">
+                        <a:rPr lang="fr-FR" sz="1100" i="0" dirty="0">
                           <a:solidFill>
                             <a:schemeClr val="tx1"/>
                           </a:solidFill>
@@ -11343,7 +9845,7 @@
                         <a:t> </a:t>
                       </a:r>
                       <a:r>
-                        <a:rPr lang="en-US" sz="1100" i="0" baseline="30000">
+                        <a:rPr lang="fr-FR" sz="1100" i="0" baseline="30000" dirty="0">
                           <a:solidFill>
                             <a:schemeClr val="tx1"/>
                           </a:solidFill>
@@ -11352,20 +9854,14 @@
                         <a:t>1 </a:t>
                       </a:r>
                       <a:r>
-                        <a:rPr lang="en-US" sz="1100" i="0">
+                        <a:rPr lang="fr-FR" sz="1100" i="0" dirty="0">
                           <a:solidFill>
                             <a:schemeClr val="tx1"/>
                           </a:solidFill>
                           <a:latin typeface="Adobe Clean"/>
                         </a:rPr>
-                        <a:t>P2, P3, P4 cases are limited to business hours only in Japan.</a:t>
+                        <a:t>Les cas P2, P3 et P4 sont limités aux heures ouvrables uniquement au Japon.</a:t>
                       </a:r>
-                      <a:endParaRPr lang="en-US" sz="1100" b="1" i="0">
-                        <a:solidFill>
-                          <a:schemeClr val="tx1"/>
-                        </a:solidFill>
-                        <a:latin typeface="Adobe Clean"/>
-                      </a:endParaRPr>
                     </a:p>
                   </a:txBody>
                   <a:tcPr anchor="ctr">
@@ -11707,8 +10203,8 @@
         </p:nvSpPr>
         <p:spPr>
           <a:xfrm>
-            <a:off x="2840871" y="8528519"/>
-            <a:ext cx="810895" cy="385445"/>
+            <a:off x="2779911" y="8528519"/>
+            <a:ext cx="984369" cy="382797"/>
           </a:xfrm>
           <a:prstGeom prst="rect">
             <a:avLst/>
@@ -11720,7 +10216,7 @@
           </a:bodyPr>
           <a:lstStyle/>
           <a:p>
-            <a:pPr marL="139065" marR="5080" indent="-139065">
+            <a:pPr marR="5080" algn="ctr">
               <a:lnSpc>
                 <a:spcPts val="1390"/>
               </a:lnSpc>
@@ -11729,129 +10225,15 @@
               </a:spcBef>
             </a:pPr>
             <a:r>
-              <a:rPr sz="1200" b="1" spc="-15">
+              <a:rPr lang="fr-FR" sz="1200" b="1" dirty="0">
                 <a:solidFill>
                   <a:srgbClr val="FFFFFF"/>
                 </a:solidFill>
                 <a:latin typeface="Adobe Clean"/>
                 <a:cs typeface="Adobe Clean"/>
               </a:rPr>
-              <a:t>U</a:t>
+              <a:t>Expertise incomparable</a:t>
             </a:r>
-            <a:r>
-              <a:rPr sz="1200" b="1" spc="-20">
-                <a:solidFill>
-                  <a:srgbClr val="FFFFFF"/>
-                </a:solidFill>
-                <a:latin typeface="Adobe Clean"/>
-                <a:cs typeface="Adobe Clean"/>
-              </a:rPr>
-              <a:t>n</a:t>
-            </a:r>
-            <a:r>
-              <a:rPr sz="1200" b="1" spc="-25">
-                <a:solidFill>
-                  <a:srgbClr val="FFFFFF"/>
-                </a:solidFill>
-                <a:latin typeface="Adobe Clean"/>
-                <a:cs typeface="Adobe Clean"/>
-              </a:rPr>
-              <a:t>p</a:t>
-            </a:r>
-            <a:r>
-              <a:rPr sz="1200" b="1" spc="-15">
-                <a:solidFill>
-                  <a:srgbClr val="FFFFFF"/>
-                </a:solidFill>
-                <a:latin typeface="Adobe Clean"/>
-                <a:cs typeface="Adobe Clean"/>
-              </a:rPr>
-              <a:t>a</a:t>
-            </a:r>
-            <a:r>
-              <a:rPr sz="1200" b="1" spc="-25">
-                <a:solidFill>
-                  <a:srgbClr val="FFFFFF"/>
-                </a:solidFill>
-                <a:latin typeface="Adobe Clean"/>
-                <a:cs typeface="Adobe Clean"/>
-              </a:rPr>
-              <a:t>r</a:t>
-            </a:r>
-            <a:r>
-              <a:rPr sz="1200" b="1" spc="-15">
-                <a:solidFill>
-                  <a:srgbClr val="FFFFFF"/>
-                </a:solidFill>
-                <a:latin typeface="Adobe Clean"/>
-                <a:cs typeface="Adobe Clean"/>
-              </a:rPr>
-              <a:t>a</a:t>
-            </a:r>
-            <a:r>
-              <a:rPr sz="1200" b="1" spc="-30">
-                <a:solidFill>
-                  <a:srgbClr val="FFFFFF"/>
-                </a:solidFill>
-                <a:latin typeface="Adobe Clean"/>
-                <a:cs typeface="Adobe Clean"/>
-              </a:rPr>
-              <a:t>ll</a:t>
-            </a:r>
-            <a:r>
-              <a:rPr sz="1200" b="1" spc="-25">
-                <a:solidFill>
-                  <a:srgbClr val="FFFFFF"/>
-                </a:solidFill>
-                <a:latin typeface="Adobe Clean"/>
-                <a:cs typeface="Adobe Clean"/>
-              </a:rPr>
-              <a:t>e</a:t>
-            </a:r>
-            <a:r>
-              <a:rPr sz="1200" b="1" spc="-30">
-                <a:solidFill>
-                  <a:srgbClr val="FFFFFF"/>
-                </a:solidFill>
-                <a:latin typeface="Adobe Clean"/>
-                <a:cs typeface="Adobe Clean"/>
-              </a:rPr>
-              <a:t>l</a:t>
-            </a:r>
-            <a:r>
-              <a:rPr sz="1200" b="1" spc="-25">
-                <a:solidFill>
-                  <a:srgbClr val="FFFFFF"/>
-                </a:solidFill>
-                <a:latin typeface="Adobe Clean"/>
-                <a:cs typeface="Adobe Clean"/>
-              </a:rPr>
-              <a:t>e</a:t>
-            </a:r>
-            <a:r>
-              <a:rPr sz="1200" b="1">
-                <a:solidFill>
-                  <a:srgbClr val="FFFFFF"/>
-                </a:solidFill>
-                <a:latin typeface="Adobe Clean"/>
-                <a:cs typeface="Adobe Clean"/>
-              </a:rPr>
-              <a:t>d  </a:t>
-            </a:r>
-            <a:r>
-              <a:rPr sz="1200" b="1" spc="-25">
-                <a:solidFill>
-                  <a:srgbClr val="FFFFFF"/>
-                </a:solidFill>
-                <a:latin typeface="Adobe Clean"/>
-                <a:cs typeface="Adobe Clean"/>
-              </a:rPr>
-              <a:t>Expertise</a:t>
-            </a:r>
-            <a:endParaRPr sz="1200">
-              <a:latin typeface="Adobe Clean"/>
-              <a:cs typeface="Adobe Clean"/>
-            </a:endParaRPr>
           </a:p>
         </p:txBody>
       </p:sp>
@@ -11869,7 +10251,7 @@
         </p:nvSpPr>
         <p:spPr>
           <a:xfrm>
-            <a:off x="4732495" y="8541244"/>
+            <a:off x="4707095" y="8541244"/>
             <a:ext cx="810895" cy="382797"/>
           </a:xfrm>
           <a:prstGeom prst="rect">
@@ -11882,7 +10264,7 @@
           </a:bodyPr>
           <a:lstStyle/>
           <a:p>
-            <a:pPr marL="139065" marR="5080" indent="-139065">
+            <a:pPr marR="5080" algn="ctr">
               <a:lnSpc>
                 <a:spcPts val="1390"/>
               </a:lnSpc>
@@ -11891,19 +10273,15 @@
               </a:spcBef>
             </a:pPr>
             <a:r>
-              <a:rPr lang="en-US" sz="1200" b="1" spc="-15">
+              <a:rPr lang="fr-FR" sz="1200" b="1" dirty="0">
                 <a:solidFill>
                   <a:srgbClr val="FFFFFF"/>
                 </a:solidFill>
                 <a:latin typeface="Adobe Clean"/>
                 <a:cs typeface="Adobe Clean"/>
               </a:rPr>
-              <a:t>Accelerated Support</a:t>
+              <a:t>Assistance accélérée</a:t>
             </a:r>
-            <a:endParaRPr sz="1200">
-              <a:latin typeface="Adobe Clean"/>
-              <a:cs typeface="Adobe Clean"/>
-            </a:endParaRPr>
           </a:p>
         </p:txBody>
       </p:sp>
@@ -11921,8 +10299,8 @@
         </p:nvSpPr>
         <p:spPr>
           <a:xfrm>
-            <a:off x="6624119" y="8543943"/>
-            <a:ext cx="510540" cy="385445"/>
+            <a:off x="6460804" y="8543943"/>
+            <a:ext cx="810895" cy="382797"/>
           </a:xfrm>
           <a:prstGeom prst="rect">
             <a:avLst/>
@@ -11934,7 +10312,7 @@
           </a:bodyPr>
           <a:lstStyle/>
           <a:p>
-            <a:pPr marL="50800" marR="5080" indent="-51435">
+            <a:pPr marR="5080" algn="ctr">
               <a:lnSpc>
                 <a:spcPts val="1390"/>
               </a:lnSpc>
@@ -11943,109 +10321,15 @@
               </a:spcBef>
             </a:pPr>
             <a:r>
-              <a:rPr sz="1200" b="1" spc="-50">
+              <a:rPr lang="fr-FR" sz="1200" b="1" dirty="0">
                 <a:solidFill>
                   <a:srgbClr val="FFFFFF"/>
                 </a:solidFill>
                 <a:latin typeface="Adobe Clean"/>
                 <a:cs typeface="Adobe Clean"/>
               </a:rPr>
-              <a:t>S</a:t>
+              <a:t>Conseil stratégique</a:t>
             </a:r>
-            <a:r>
-              <a:rPr sz="1200" b="1" spc="-20">
-                <a:solidFill>
-                  <a:srgbClr val="FFFFFF"/>
-                </a:solidFill>
-                <a:latin typeface="Adobe Clean"/>
-                <a:cs typeface="Adobe Clean"/>
-              </a:rPr>
-              <a:t>t</a:t>
-            </a:r>
-            <a:r>
-              <a:rPr sz="1200" b="1" spc="-75">
-                <a:solidFill>
-                  <a:srgbClr val="FFFFFF"/>
-                </a:solidFill>
-                <a:latin typeface="Adobe Clean"/>
-                <a:cs typeface="Adobe Clean"/>
-              </a:rPr>
-              <a:t>r</a:t>
-            </a:r>
-            <a:r>
-              <a:rPr sz="1200" b="1" spc="-90">
-                <a:solidFill>
-                  <a:srgbClr val="FFFFFF"/>
-                </a:solidFill>
-                <a:latin typeface="Adobe Clean"/>
-                <a:cs typeface="Adobe Clean"/>
-              </a:rPr>
-              <a:t>a</a:t>
-            </a:r>
-            <a:r>
-              <a:rPr sz="1200" b="1" spc="-55">
-                <a:solidFill>
-                  <a:srgbClr val="FFFFFF"/>
-                </a:solidFill>
-                <a:latin typeface="Adobe Clean"/>
-                <a:cs typeface="Adobe Clean"/>
-              </a:rPr>
-              <a:t>t</a:t>
-            </a:r>
-            <a:r>
-              <a:rPr sz="1200" b="1" spc="-100">
-                <a:solidFill>
-                  <a:srgbClr val="FFFFFF"/>
-                </a:solidFill>
-                <a:latin typeface="Adobe Clean"/>
-                <a:cs typeface="Adobe Clean"/>
-              </a:rPr>
-              <a:t>e</a:t>
-            </a:r>
-            <a:r>
-              <a:rPr sz="1200" b="1" spc="-80">
-                <a:solidFill>
-                  <a:srgbClr val="FFFFFF"/>
-                </a:solidFill>
-                <a:latin typeface="Adobe Clean"/>
-                <a:cs typeface="Adobe Clean"/>
-              </a:rPr>
-              <a:t>g</a:t>
-            </a:r>
-            <a:r>
-              <a:rPr sz="1200" b="1" spc="-35">
-                <a:solidFill>
-                  <a:srgbClr val="FFFFFF"/>
-                </a:solidFill>
-                <a:latin typeface="Adobe Clean"/>
-                <a:cs typeface="Adobe Clean"/>
-              </a:rPr>
-              <a:t>i</a:t>
-            </a:r>
-            <a:r>
-              <a:rPr sz="1200" b="1">
-                <a:solidFill>
-                  <a:srgbClr val="FFFFFF"/>
-                </a:solidFill>
-                <a:latin typeface="Adobe Clean"/>
-                <a:cs typeface="Adobe Clean"/>
-              </a:rPr>
-              <a:t>c  </a:t>
-            </a:r>
-            <a:r>
-              <a:rPr sz="1200" b="1" spc="-45">
-                <a:solidFill>
-                  <a:srgbClr val="FFFFFF"/>
-                </a:solidFill>
-                <a:latin typeface="Adobe Clean"/>
-                <a:cs typeface="Adobe Clean"/>
-              </a:rPr>
-              <a:t>Advice</a:t>
-            </a:r>
-            <a:endParaRPr sz="1200">
-              <a:latin typeface="Adobe Clean"/>
-              <a:cs typeface="Adobe Clean"/>
-            </a:endParaRPr>
           </a:p>
         </p:txBody>
       </p:sp>
@@ -12064,14 +10348,14 @@
           <p:nvPr>
             <p:extLst>
               <p:ext uri="{D42A27DB-BD31-4B8C-83A1-F6EECF244321}">
-                <p14:modId xmlns:p14="http://schemas.microsoft.com/office/powerpoint/2010/main" val="3773282750"/>
+                <p14:modId xmlns:p14="http://schemas.microsoft.com/office/powerpoint/2010/main" val="2346275787"/>
               </p:ext>
             </p:extLst>
           </p:nvPr>
         </p:nvGraphicFramePr>
         <p:xfrm>
           <a:off x="194236" y="1059345"/>
-          <a:ext cx="7368291" cy="3302000"/>
+          <a:ext cx="7368291" cy="3484880"/>
         </p:xfrm>
         <a:graphic>
           <a:graphicData uri="http://schemas.openxmlformats.org/drawingml/2006/table">
@@ -12102,7 +10386,7 @@
                     <a:lstStyle/>
                     <a:p>
                       <a:r>
-                        <a:rPr lang="en-US" sz="1100" b="0">
+                        <a:rPr lang="fr-FR" sz="1000" b="0" dirty="0" err="1">
                           <a:solidFill>
                             <a:schemeClr val="tx1"/>
                           </a:solidFill>
@@ -12111,16 +10395,20 @@
                           <a:cs typeface="+mn-cs"/>
                           <a:hlinkClick r:id="rId7"/>
                         </a:rPr>
-                        <a:t>Experience League</a:t>
+                        <a:t>Experience</a:t>
                       </a:r>
-                      <a:endParaRPr lang="en-US" sz="1100" b="0">
-                        <a:solidFill>
-                          <a:schemeClr val="tx1"/>
-                        </a:solidFill>
-                        <a:latin typeface="Adobe Clean"/>
-                        <a:ea typeface="+mn-ea"/>
-                        <a:cs typeface="+mn-cs"/>
-                      </a:endParaRPr>
+                      <a:r>
+                        <a:rPr lang="fr-FR" sz="1000" b="0" dirty="0">
+                          <a:solidFill>
+                            <a:schemeClr val="tx1"/>
+                          </a:solidFill>
+                          <a:latin typeface="Adobe Clean"/>
+                          <a:ea typeface="+mn-ea"/>
+                          <a:cs typeface="+mn-cs"/>
+                          <a:hlinkClick r:id="rId7"/>
+                        </a:rPr>
+                        <a:t> League</a:t>
+                      </a:r>
                     </a:p>
                   </a:txBody>
                   <a:tcPr marL="47625" marR="47625" marT="0" marB="0" anchor="ctr">
@@ -12192,7 +10480,7 @@
                         <a:buNone/>
                       </a:pPr>
                       <a:r>
-                        <a:rPr lang="en-US" sz="1000" b="0" kern="1200">
+                        <a:rPr lang="fr-FR" sz="900" b="0" dirty="0" err="1">
                           <a:solidFill>
                             <a:srgbClr val="000000"/>
                           </a:solidFill>
@@ -12200,16 +10488,19 @@
                           <a:ea typeface="+mn-ea"/>
                           <a:cs typeface="+mn-cs"/>
                         </a:rPr>
-                        <a:t>Experience League is how Adobe helps businesses achieve the value they expect from their Adobe investment. It’s the unified place where customers can learn, connect, and grow along a personalized path to success that includes self-help tutorials, product documentation, instructor-led training, community and technical support. </a:t>
+                        <a:t>Experience</a:t>
                       </a:r>
-                      <a:endParaRPr lang="en-US" sz="1000" b="0" kern="1200">
-                        <a:solidFill>
-                          <a:srgbClr val="000000"/>
-                        </a:solidFill>
-                        <a:latin typeface="Adobe Clean Light" panose="020B0303020404020204" pitchFamily="34" charset="0"/>
-                        <a:ea typeface="+mn-ea"/>
-                        <a:cs typeface="+mn-cs"/>
-                      </a:endParaRPr>
+                      <a:r>
+                        <a:rPr lang="fr-FR" sz="900" b="0" dirty="0">
+                          <a:solidFill>
+                            <a:srgbClr val="000000"/>
+                          </a:solidFill>
+                          <a:latin typeface="Adobe Clean Light"/>
+                          <a:ea typeface="+mn-ea"/>
+                          <a:cs typeface="+mn-cs"/>
+                        </a:rPr>
+                        <a:t> League est la manière dont Adobe aide les entreprises à atteindre la valeur qu’elles attendent de leur investissement dans Adobe. Il s’agit de l’endroit commun où les clients peuvent apprendre, se mettre en relation les uns avec les autres et grandir le long d’un chemin personnalisé vers le succès. Il comprend des tutoriels automatiques, de la documentation sur les produits, une formation dispensée par un instructeur, une communauté et une assistance technique. </a:t>
+                      </a:r>
                     </a:p>
                   </a:txBody>
                   <a:tcPr anchor="ctr">
@@ -12290,39 +10581,28 @@
                         <a:defRPr/>
                       </a:pPr>
                       <a:r>
-                        <a:rPr lang="en-US" sz="1100">
+                        <a:rPr lang="fr-FR" sz="1000" dirty="0">
                           <a:solidFill>
                             <a:schemeClr val="dk1"/>
                           </a:solidFill>
-                          <a:effectLst/>
                           <a:latin typeface="Adobe Clean"/>
                           <a:ea typeface="+mn-ea"/>
                           <a:cs typeface="+mn-cs"/>
                           <a:hlinkClick r:id="rId8"/>
                         </a:rPr>
-                        <a:t>Training</a:t>
+                        <a:t>Formation</a:t>
                       </a:r>
                       <a:r>
-                        <a:rPr lang="en-US" sz="1100">
+                        <a:rPr lang="fr-FR" sz="1000" dirty="0">
                           <a:solidFill>
                             <a:schemeClr val="dk1"/>
                           </a:solidFill>
-                          <a:effectLst/>
                           <a:latin typeface="Adobe Clean"/>
                           <a:ea typeface="+mn-ea"/>
                           <a:cs typeface="+mn-cs"/>
                         </a:rPr>
                         <a:t> </a:t>
                       </a:r>
-                      <a:endParaRPr lang="en-US" sz="1100">
-                        <a:solidFill>
-                          <a:schemeClr val="tx1"/>
-                        </a:solidFill>
-                        <a:effectLst/>
-                        <a:latin typeface="Adobe Clean"/>
-                        <a:ea typeface="+mn-ea"/>
-                        <a:cs typeface="+mn-cs"/>
-                      </a:endParaRPr>
                     </a:p>
                   </a:txBody>
                   <a:tcPr anchor="ctr">
@@ -12396,7 +10676,7 @@
                         <a:defRPr/>
                       </a:pPr>
                       <a:r>
-                        <a:rPr lang="en-US" sz="1000" kern="1200">
+                        <a:rPr lang="fr-FR" sz="900" dirty="0">
                           <a:solidFill>
                             <a:srgbClr val="000000"/>
                           </a:solidFill>
@@ -12404,7 +10684,29 @@
                           <a:ea typeface="+mn-ea"/>
                           <a:cs typeface="+mn-cs"/>
                         </a:rPr>
-                        <a:t>Adobe Digital Learning Services courses are accessible from Experience League. Learning courses integrate both on-demand and instructor-led lessons.  Here you can accrue skills that have recognized market value and position them to drive success in your organizations.</a:t>
+                        <a:t>Les cours sur les services de formation numérique d’Adobe sont accessibles depuis </a:t>
+                      </a:r>
+                      <a:r>
+                        <a:rPr lang="fr-FR" sz="900" dirty="0" err="1">
+                          <a:solidFill>
+                            <a:srgbClr val="000000"/>
+                          </a:solidFill>
+                          <a:latin typeface="Adobe Clean Light"/>
+                          <a:ea typeface="+mn-ea"/>
+                          <a:cs typeface="+mn-cs"/>
+                        </a:rPr>
+                        <a:t>Experience</a:t>
+                      </a:r>
+                      <a:r>
+                        <a:rPr lang="fr-FR" sz="900" dirty="0">
+                          <a:solidFill>
+                            <a:srgbClr val="000000"/>
+                          </a:solidFill>
+                          <a:latin typeface="Adobe Clean Light"/>
+                          <a:ea typeface="+mn-ea"/>
+                          <a:cs typeface="+mn-cs"/>
+                        </a:rPr>
+                        <a:t> League. Les cours de formation regroupent des cours à la demande et des cours dispensés par un instructeur.  Grâce à ces cours, vous pouvez acquérir des compétences qui présentent une valeur marchande reconnue et les disposer de manière à stimuler le succès de vos entreprises.</a:t>
                       </a:r>
                     </a:p>
                   </a:txBody>
@@ -12486,27 +10788,17 @@
                         <a:defRPr/>
                       </a:pPr>
                       <a:r>
-                        <a:rPr lang="en-US" sz="1100">
+                        <a:rPr lang="fr-FR" sz="1000" dirty="0">
                           <a:solidFill>
                             <a:schemeClr val="tx1"/>
                           </a:solidFill>
-                          <a:effectLst/>
                           <a:latin typeface="Adobe Clean"/>
                           <a:ea typeface="+mn-ea"/>
                           <a:cs typeface="+mn-cs"/>
                           <a:hlinkClick r:id="rId9"/>
                         </a:rPr>
-                        <a:t>Production Issues &amp; System Outages</a:t>
+                        <a:t>Problèmes de production et panne du système</a:t>
                       </a:r>
-                      <a:endParaRPr lang="en-US" sz="1100">
-                        <a:solidFill>
-                          <a:schemeClr val="tx1"/>
-                        </a:solidFill>
-                        <a:effectLst/>
-                        <a:latin typeface="Adobe Clean"/>
-                        <a:ea typeface="+mn-ea"/>
-                        <a:cs typeface="+mn-cs"/>
-                      </a:endParaRPr>
                     </a:p>
                   </a:txBody>
                   <a:tcPr anchor="ctr">
@@ -12578,7 +10870,7 @@
                         <a:buNone/>
                       </a:pPr>
                       <a:r>
-                        <a:rPr lang="en-US" sz="1000" kern="1200">
+                        <a:rPr lang="fr-FR" sz="900" dirty="0">
                           <a:solidFill>
                             <a:srgbClr val="000000"/>
                           </a:solidFill>
@@ -12586,16 +10878,8 @@
                           <a:ea typeface="+mn-ea"/>
                           <a:cs typeface="+mn-cs"/>
                         </a:rPr>
-                        <a:t>Status.adobe.com conveys the health information of all Adobe products and services that are deployed in multi-tenant environments. Customers can choose their subscription preferences to get email notifications whenever Adobe creates, updates or resolves a product event. This can include scheduled maintenance or service issues of varying levels of severity. </a:t>
+                        <a:t>Status.adobe.com transmet les informations d’intégrité de tous les produits et services d’Adobe déployés dans des environnements multi-entité. Les clients peuvent choisir leurs préférences d’abonnement afin de recevoir des notifications par e-mail chaque fois qu’Adobe crée, met à jour ou résout un événement de produit. Cet événement peut inclure des problèmes de maintenance planifiée ou de service présentant différents niveaux de gravité. </a:t>
                       </a:r>
-                      <a:endParaRPr lang="en-US" sz="1000" kern="1200">
-                        <a:solidFill>
-                          <a:srgbClr val="000000"/>
-                        </a:solidFill>
-                        <a:latin typeface="Adobe Clean Light" panose="020B0303020404020204" pitchFamily="34" charset="0"/>
-                        <a:ea typeface="+mn-ea"/>
-                        <a:cs typeface="+mn-cs"/>
-                      </a:endParaRPr>
                     </a:p>
                   </a:txBody>
                   <a:tcPr anchor="ctr">
@@ -12676,27 +10960,17 @@
                         <a:defRPr/>
                       </a:pPr>
                       <a:r>
-                        <a:rPr lang="en-US" sz="1100" b="0" i="0">
+                        <a:rPr lang="fr-FR" sz="1000" b="0" i="0" dirty="0">
                           <a:solidFill>
                             <a:schemeClr val="dk1"/>
                           </a:solidFill>
-                          <a:effectLst/>
                           <a:latin typeface="Adobe Clean"/>
                           <a:ea typeface="+mn-ea"/>
                           <a:cs typeface="+mn-cs"/>
-                          <a:hlinkClick r:id="rId10" tooltip="https://helpx.adobe.com/support/programs/enterprise-support-programs/premier-support-business.html"/>
+                          <a:hlinkClick r:id="rId10" tooltip="https://helpx.adobe.com/fr/support/programs/enterprise-support-programs/premier-support-business.html"/>
                         </a:rPr>
-                        <a:t>Business Support Website</a:t>
+                        <a:t>Site Web de l’assistance commerciale</a:t>
                       </a:r>
-                      <a:endParaRPr lang="en-US" sz="1100" b="0" i="0">
-                        <a:solidFill>
-                          <a:schemeClr val="dk1"/>
-                        </a:solidFill>
-                        <a:effectLst/>
-                        <a:latin typeface="Adobe Clean"/>
-                        <a:ea typeface="+mn-ea"/>
-                        <a:cs typeface="+mn-cs"/>
-                      </a:endParaRPr>
                     </a:p>
                   </a:txBody>
                   <a:tcPr anchor="ctr">
@@ -12753,7 +11027,7 @@
                     <a:lstStyle/>
                     <a:p>
                       <a:r>
-                        <a:rPr lang="en-US" sz="1000" kern="1200">
+                        <a:rPr lang="fr-FR" sz="900" dirty="0">
                           <a:solidFill>
                             <a:srgbClr val="000000"/>
                           </a:solidFill>
@@ -12761,16 +11035,8 @@
                           <a:ea typeface="+mn-ea"/>
                           <a:cs typeface="+mn-cs"/>
                         </a:rPr>
-                        <a:t>Adobe Business Support website.</a:t>
+                        <a:t>Site Web d’assistance commerciale d’Adobe.</a:t>
                       </a:r>
-                      <a:endParaRPr lang="en-US" sz="1000" kern="1200">
-                        <a:solidFill>
-                          <a:srgbClr val="000000"/>
-                        </a:solidFill>
-                        <a:latin typeface="Adobe Clean Light" panose="020B0303020404020204" pitchFamily="34" charset="0"/>
-                        <a:ea typeface="+mn-ea"/>
-                        <a:cs typeface="+mn-cs"/>
-                      </a:endParaRPr>
                     </a:p>
                   </a:txBody>
                   <a:tcPr anchor="ctr">
@@ -12851,27 +11117,17 @@
                         <a:defRPr/>
                       </a:pPr>
                       <a:r>
-                        <a:rPr lang="en-US" sz="1100">
+                        <a:rPr lang="fr-FR" sz="1000" dirty="0">
                           <a:solidFill>
                             <a:schemeClr val="tx1"/>
                           </a:solidFill>
-                          <a:effectLst/>
                           <a:latin typeface="Adobe Clean"/>
                           <a:ea typeface="+mn-ea"/>
                           <a:cs typeface="+mn-cs"/>
                           <a:hlinkClick r:id="rId11"/>
                         </a:rPr>
-                        <a:t>Terms and Conditions</a:t>
+                        <a:t>Termes et conditions</a:t>
                       </a:r>
-                      <a:endParaRPr lang="en-US" sz="1100">
-                        <a:solidFill>
-                          <a:schemeClr val="tx1"/>
-                        </a:solidFill>
-                        <a:effectLst/>
-                        <a:latin typeface="Adobe Clean"/>
-                        <a:ea typeface="+mn-ea"/>
-                        <a:cs typeface="+mn-cs"/>
-                      </a:endParaRPr>
                     </a:p>
                   </a:txBody>
                   <a:tcPr anchor="ctr">
@@ -12928,7 +11184,7 @@
                     <a:lstStyle/>
                     <a:p>
                       <a:r>
-                        <a:rPr lang="en-US" sz="1000" kern="1200">
+                        <a:rPr lang="fr-FR" sz="900" dirty="0">
                           <a:solidFill>
                             <a:srgbClr val="000000"/>
                           </a:solidFill>
@@ -12936,16 +11192,8 @@
                           <a:ea typeface="+mn-ea"/>
                           <a:cs typeface="+mn-cs"/>
                         </a:rPr>
-                        <a:t>Terms and conditions detailing Support Services offerings.</a:t>
+                        <a:t>Il s’agit des termes et conditions détaillant les offres des services d’assistance.</a:t>
                       </a:r>
-                      <a:endParaRPr lang="en-US" sz="1000" kern="1200">
-                        <a:solidFill>
-                          <a:srgbClr val="000000"/>
-                        </a:solidFill>
-                        <a:latin typeface="Adobe Clean Light" panose="020B0303020404020204" pitchFamily="34" charset="0"/>
-                        <a:ea typeface="+mn-ea"/>
-                        <a:cs typeface="+mn-cs"/>
-                      </a:endParaRPr>
                     </a:p>
                   </a:txBody>
                   <a:tcPr anchor="ctr">
@@ -13715,21 +11963,6 @@
 </file>
 
 <file path=customXml/item1.xml><?xml version="1.0" encoding="utf-8"?>
-<p:properties xmlns:p="http://schemas.microsoft.com/office/2006/metadata/properties" xmlns:xsi="http://www.w3.org/2001/XMLSchema-instance" xmlns:pc="http://schemas.microsoft.com/office/infopath/2007/PartnerControls">
-  <documentManagement/>
-</p:properties>
-</file>
-
-<file path=customXml/item2.xml><?xml version="1.0" encoding="utf-8"?>
-<?mso-contentType ?>
-<FormTemplates xmlns="http://schemas.microsoft.com/sharepoint/v3/contenttype/forms">
-  <Display>DocumentLibraryForm</Display>
-  <Edit>DocumentLibraryForm</Edit>
-  <New>DocumentLibraryForm</New>
-</FormTemplates>
-</file>
-
-<file path=customXml/item3.xml><?xml version="1.0" encoding="utf-8"?>
 <ct:contentTypeSchema xmlns:ct="http://schemas.microsoft.com/office/2006/metadata/contentType" xmlns:ma="http://schemas.microsoft.com/office/2006/metadata/properties/metaAttributes" ct:_="" ma:_="" ma:contentTypeName="Document" ma:contentTypeID="0x010100E783BF6876BCC646A459363AF21A7736" ma:contentTypeVersion="10" ma:contentTypeDescription="Create a new document." ma:contentTypeScope="" ma:versionID="c4ffda7f4f415767600769e454c2ea87">
   <xsd:schema xmlns:xsd="http://www.w3.org/2001/XMLSchema" xmlns:xs="http://www.w3.org/2001/XMLSchema" xmlns:p="http://schemas.microsoft.com/office/2006/metadata/properties" xmlns:ns2="8a053bff-88be-49e4-9a87-e748e18b8b62" xmlns:ns3="6c8368ec-3776-49b5-a5bb-90648cf9530f" targetNamespace="http://schemas.microsoft.com/office/2006/metadata/properties" ma:root="true" ma:fieldsID="df3ec33bccc23e23bce7bc897fad43d1" ns2:_="" ns3:_="">
     <xsd:import namespace="8a053bff-88be-49e4-9a87-e748e18b8b62"/>
@@ -13934,32 +12167,22 @@
 </ct:contentTypeSchema>
 </file>
 
-<file path=customXml/itemProps1.xml><?xml version="1.0" encoding="utf-8"?>
-<ds:datastoreItem xmlns:ds="http://schemas.openxmlformats.org/officeDocument/2006/customXml" ds:itemID="{10FC3CAF-E6F1-40E3-87D4-6B781C97D6B4}">
-  <ds:schemaRefs>
-    <ds:schemaRef ds:uri="6c8368ec-3776-49b5-a5bb-90648cf9530f"/>
-    <ds:schemaRef ds:uri="http://purl.org/dc/elements/1.1/"/>
-    <ds:schemaRef ds:uri="http://schemas.openxmlformats.org/package/2006/metadata/core-properties"/>
-    <ds:schemaRef ds:uri="8a053bff-88be-49e4-9a87-e748e18b8b62"/>
-    <ds:schemaRef ds:uri="http://www.w3.org/XML/1998/namespace"/>
-    <ds:schemaRef ds:uri="http://purl.org/dc/dcmitype/"/>
-    <ds:schemaRef ds:uri="http://schemas.microsoft.com/office/2006/documentManagement/types"/>
-    <ds:schemaRef ds:uri="http://schemas.microsoft.com/office/infopath/2007/PartnerControls"/>
-    <ds:schemaRef ds:uri="http://schemas.microsoft.com/office/2006/metadata/properties"/>
-    <ds:schemaRef ds:uri="http://purl.org/dc/terms/"/>
-  </ds:schemaRefs>
-</ds:datastoreItem>
+<file path=customXml/item2.xml><?xml version="1.0" encoding="utf-8"?>
+<?mso-contentType ?>
+<FormTemplates xmlns="http://schemas.microsoft.com/sharepoint/v3/contenttype/forms">
+  <Display>DocumentLibraryForm</Display>
+  <Edit>DocumentLibraryForm</Edit>
+  <New>DocumentLibraryForm</New>
+</FormTemplates>
 </file>
 
-<file path=customXml/itemProps2.xml><?xml version="1.0" encoding="utf-8"?>
-<ds:datastoreItem xmlns:ds="http://schemas.openxmlformats.org/officeDocument/2006/customXml" ds:itemID="{95AE3B0B-E909-400C-B0B3-909FB50E07DE}">
-  <ds:schemaRefs>
-    <ds:schemaRef ds:uri="http://schemas.microsoft.com/sharepoint/v3/contenttype/forms"/>
-  </ds:schemaRefs>
-</ds:datastoreItem>
+<file path=customXml/item3.xml><?xml version="1.0" encoding="utf-8"?>
+<p:properties xmlns:p="http://schemas.microsoft.com/office/2006/metadata/properties" xmlns:xsi="http://www.w3.org/2001/XMLSchema-instance" xmlns:pc="http://schemas.microsoft.com/office/infopath/2007/PartnerControls">
+  <documentManagement/>
+</p:properties>
 </file>
 
-<file path=customXml/itemProps3.xml><?xml version="1.0" encoding="utf-8"?>
+<file path=customXml/itemProps1.xml><?xml version="1.0" encoding="utf-8"?>
 <ds:datastoreItem xmlns:ds="http://schemas.openxmlformats.org/officeDocument/2006/customXml" ds:itemID="{E0DB8BDF-6DA8-4ABC-A3CA-043AFD674CFC}">
   <ds:schemaRefs>
     <ds:schemaRef ds:uri="6c8368ec-3776-49b5-a5bb-90648cf9530f"/>
@@ -13976,4 +12199,29 @@
     <ds:schemaRef ds:uri="http://www.w3.org/2001/XMLSchema"/>
   </ds:schemaRefs>
 </ds:datastoreItem>
+</file>
+
+<file path=customXml/itemProps2.xml><?xml version="1.0" encoding="utf-8"?>
+<ds:datastoreItem xmlns:ds="http://schemas.openxmlformats.org/officeDocument/2006/customXml" ds:itemID="{95AE3B0B-E909-400C-B0B3-909FB50E07DE}">
+  <ds:schemaRefs>
+    <ds:schemaRef ds:uri="http://schemas.microsoft.com/sharepoint/v3/contenttype/forms"/>
+  </ds:schemaRefs>
+</ds:datastoreItem>
+</file>
+
+<file path=customXml/itemProps3.xml><?xml version="1.0" encoding="utf-8"?>
+<ds:datastoreItem xmlns:ds="http://schemas.openxmlformats.org/officeDocument/2006/customXml" ds:itemID="{10FC3CAF-E6F1-40E3-87D4-6B781C97D6B4}">
+  <ds:schemaRefs>
+    <ds:schemaRef ds:uri="6c8368ec-3776-49b5-a5bb-90648cf9530f"/>
+    <ds:schemaRef ds:uri="http://purl.org/dc/elements/1.1/"/>
+    <ds:schemaRef ds:uri="http://schemas.openxmlformats.org/package/2006/metadata/core-properties"/>
+    <ds:schemaRef ds:uri="8a053bff-88be-49e4-9a87-e748e18b8b62"/>
+    <ds:schemaRef ds:uri="http://www.w3.org/XML/1998/namespace"/>
+    <ds:schemaRef ds:uri="http://purl.org/dc/dcmitype/"/>
+    <ds:schemaRef ds:uri="http://schemas.microsoft.com/office/2006/documentManagement/types"/>
+    <ds:schemaRef ds:uri="http://schemas.microsoft.com/office/infopath/2007/PartnerControls"/>
+    <ds:schemaRef ds:uri="http://schemas.microsoft.com/office/2006/metadata/properties"/>
+    <ds:schemaRef ds:uri="http://purl.org/dc/terms/"/>
+  </ds:schemaRefs>
+</ds:datastoreItem>
 </file>